--- a/3 - Machine Learning/MachineLearning.pptx
+++ b/3 - Machine Learning/MachineLearning.pptx
@@ -5,7 +5,7 @@
     <p:sldMasterId id="2147483659" r:id="rId1"/>
   </p:sldMasterIdLst>
   <p:notesMasterIdLst>
-    <p:notesMasterId r:id="rId13"/>
+    <p:notesMasterId r:id="rId24"/>
   </p:notesMasterIdLst>
   <p:sldIdLst>
     <p:sldId id="256" r:id="rId2"/>
@@ -19,30 +19,52 @@
     <p:sldId id="283" r:id="rId10"/>
     <p:sldId id="280" r:id="rId11"/>
     <p:sldId id="281" r:id="rId12"/>
+    <p:sldId id="286" r:id="rId13"/>
+    <p:sldId id="289" r:id="rId14"/>
+    <p:sldId id="287" r:id="rId15"/>
+    <p:sldId id="446" r:id="rId16"/>
+    <p:sldId id="447" r:id="rId17"/>
+    <p:sldId id="448" r:id="rId18"/>
+    <p:sldId id="453" r:id="rId19"/>
+    <p:sldId id="455" r:id="rId20"/>
+    <p:sldId id="454" r:id="rId21"/>
+    <p:sldId id="288" r:id="rId22"/>
+    <p:sldId id="290" r:id="rId23"/>
   </p:sldIdLst>
   <p:sldSz cx="9144000" cy="5143500" type="screen16x9"/>
   <p:notesSz cx="6858000" cy="9144000"/>
   <p:embeddedFontLst>
     <p:embeddedFont>
+      <p:font typeface="Cambria Math" panose="02040503050406030204" pitchFamily="18" charset="0"/>
+      <p:regular r:id="rId25"/>
+    </p:embeddedFont>
+    <p:embeddedFont>
+      <p:font typeface="Consolas" panose="020B0609020204030204" pitchFamily="49" charset="0"/>
+      <p:regular r:id="rId26"/>
+      <p:bold r:id="rId27"/>
+      <p:italic r:id="rId28"/>
+      <p:boldItalic r:id="rId29"/>
+    </p:embeddedFont>
+    <p:embeddedFont>
       <p:font typeface="Lato" panose="020B0604020202020204" charset="0"/>
-      <p:regular r:id="rId14"/>
-      <p:bold r:id="rId15"/>
-      <p:italic r:id="rId16"/>
-      <p:boldItalic r:id="rId17"/>
+      <p:regular r:id="rId30"/>
+      <p:bold r:id="rId31"/>
+      <p:italic r:id="rId32"/>
+      <p:boldItalic r:id="rId33"/>
     </p:embeddedFont>
     <p:embeddedFont>
       <p:font typeface="Raleway" panose="020B0604020202020204" charset="0"/>
-      <p:regular r:id="rId18"/>
-      <p:bold r:id="rId19"/>
-      <p:italic r:id="rId20"/>
-      <p:boldItalic r:id="rId21"/>
+      <p:regular r:id="rId34"/>
+      <p:bold r:id="rId35"/>
+      <p:italic r:id="rId36"/>
+      <p:boldItalic r:id="rId37"/>
     </p:embeddedFont>
     <p:embeddedFont>
       <p:font typeface="Segoe UI" panose="020B0502040204020203" pitchFamily="34" charset="0"/>
-      <p:regular r:id="rId22"/>
-      <p:bold r:id="rId23"/>
-      <p:italic r:id="rId24"/>
-      <p:boldItalic r:id="rId25"/>
+      <p:regular r:id="rId38"/>
+      <p:bold r:id="rId39"/>
+      <p:italic r:id="rId40"/>
+      <p:boldItalic r:id="rId41"/>
     </p:embeddedFont>
   </p:embeddedFontLst>
   <p:defaultTextStyle>
@@ -6526,6 +6548,198 @@
 </p:sldLayout>
 </file>
 
+<file path=ppt/slideLayouts/slideLayout6.xml><?xml version="1.0" encoding="utf-8"?>
+<p:sldLayout xmlns:a="http://schemas.openxmlformats.org/drawingml/2006/main" xmlns:r="http://schemas.openxmlformats.org/officeDocument/2006/relationships" xmlns:p="http://schemas.openxmlformats.org/presentationml/2006/main" type="obj">
+  <p:cSld name="Title and Content">
+    <p:spTree>
+      <p:nvGrpSpPr>
+        <p:cNvPr id="1" name=""/>
+        <p:cNvGrpSpPr/>
+        <p:nvPr/>
+      </p:nvGrpSpPr>
+      <p:grpSpPr>
+        <a:xfrm>
+          <a:off x="0" y="0"/>
+          <a:ext cx="0" cy="0"/>
+          <a:chOff x="0" y="0"/>
+          <a:chExt cx="0" cy="0"/>
+        </a:xfrm>
+      </p:grpSpPr>
+      <p:sp>
+        <p:nvSpPr>
+          <p:cNvPr id="2" name="Title 1"/>
+          <p:cNvSpPr>
+            <a:spLocks noGrp="1"/>
+          </p:cNvSpPr>
+          <p:nvPr>
+            <p:ph type="title"/>
+          </p:nvPr>
+        </p:nvSpPr>
+        <p:spPr>
+          <a:xfrm>
+            <a:off x="612648" y="171450"/>
+            <a:ext cx="8153400" cy="742950"/>
+          </a:xfrm>
+        </p:spPr>
+        <p:txBody>
+          <a:bodyPr/>
+          <a:lstStyle/>
+          <a:p>
+            <a:r>
+              <a:rPr kumimoji="0" lang="en-US"/>
+              <a:t>Click to edit Master title style</a:t>
+            </a:r>
+          </a:p>
+        </p:txBody>
+      </p:sp>
+      <p:sp>
+        <p:nvSpPr>
+          <p:cNvPr id="4" name="Date Placeholder 3"/>
+          <p:cNvSpPr>
+            <a:spLocks noGrp="1"/>
+          </p:cNvSpPr>
+          <p:nvPr>
+            <p:ph type="dt" sz="half" idx="10"/>
+          </p:nvPr>
+        </p:nvSpPr>
+        <p:spPr/>
+        <p:txBody>
+          <a:bodyPr/>
+          <a:lstStyle/>
+          <a:p>
+            <a:fld id="{123CBCE9-0914-4950-A986-7596C92667F1}" type="datetime1">
+              <a:rPr lang="en-US" smtClean="0"/>
+              <a:t>2/5/2019</a:t>
+            </a:fld>
+            <a:endParaRPr lang="en-US"/>
+          </a:p>
+        </p:txBody>
+      </p:sp>
+      <p:sp>
+        <p:nvSpPr>
+          <p:cNvPr id="5" name="Footer Placeholder 4"/>
+          <p:cNvSpPr>
+            <a:spLocks noGrp="1"/>
+          </p:cNvSpPr>
+          <p:nvPr>
+            <p:ph type="ftr" sz="quarter" idx="11"/>
+          </p:nvPr>
+        </p:nvSpPr>
+        <p:spPr/>
+        <p:txBody>
+          <a:bodyPr/>
+          <a:lstStyle/>
+          <a:p>
+            <a:r>
+              <a:rPr lang="en-US"/>
+              <a:t>Lecture Notes for E Alpaydın 2010 Introduction to Machine Learning 2e © The MIT Press (V1.0)</a:t>
+            </a:r>
+            <a:endParaRPr lang="tr-TR"/>
+          </a:p>
+        </p:txBody>
+      </p:sp>
+      <p:sp>
+        <p:nvSpPr>
+          <p:cNvPr id="6" name="Slide Number Placeholder 5"/>
+          <p:cNvSpPr>
+            <a:spLocks noGrp="1"/>
+          </p:cNvSpPr>
+          <p:nvPr>
+            <p:ph type="sldNum" sz="quarter" idx="12"/>
+          </p:nvPr>
+        </p:nvSpPr>
+        <p:spPr/>
+        <p:txBody>
+          <a:bodyPr/>
+          <a:lstStyle>
+            <a:lvl1pPr>
+              <a:defRPr>
+                <a:solidFill>
+                  <a:srgbClr val="FFFFFF"/>
+                </a:solidFill>
+              </a:defRPr>
+            </a:lvl1pPr>
+          </a:lstStyle>
+          <a:p>
+            <a:fld id="{C102D144-3790-49B2-A86C-A492FEAD18C0}" type="slidenum">
+              <a:rPr lang="tr-TR" smtClean="0"/>
+              <a:pPr/>
+              <a:t>‹#›</a:t>
+            </a:fld>
+            <a:endParaRPr lang="tr-TR"/>
+          </a:p>
+        </p:txBody>
+      </p:sp>
+      <p:sp>
+        <p:nvSpPr>
+          <p:cNvPr id="8" name="Content Placeholder 7"/>
+          <p:cNvSpPr>
+            <a:spLocks noGrp="1"/>
+          </p:cNvSpPr>
+          <p:nvPr>
+            <p:ph sz="quarter" idx="1"/>
+          </p:nvPr>
+        </p:nvSpPr>
+        <p:spPr>
+          <a:xfrm>
+            <a:off x="612648" y="1200150"/>
+            <a:ext cx="8153400" cy="3371850"/>
+          </a:xfrm>
+        </p:spPr>
+        <p:txBody>
+          <a:bodyPr/>
+          <a:lstStyle/>
+          <a:p>
+            <a:pPr lvl="0" eaLnBrk="1" latinLnBrk="0" hangingPunct="1"/>
+            <a:r>
+              <a:rPr lang="en-US"/>
+              <a:t>Click to edit Master text styles</a:t>
+            </a:r>
+          </a:p>
+          <a:p>
+            <a:pPr lvl="1" eaLnBrk="1" latinLnBrk="0" hangingPunct="1"/>
+            <a:r>
+              <a:rPr lang="en-US"/>
+              <a:t>Second level</a:t>
+            </a:r>
+          </a:p>
+          <a:p>
+            <a:pPr lvl="2" eaLnBrk="1" latinLnBrk="0" hangingPunct="1"/>
+            <a:r>
+              <a:rPr lang="en-US"/>
+              <a:t>Third level</a:t>
+            </a:r>
+          </a:p>
+          <a:p>
+            <a:pPr lvl="3" eaLnBrk="1" latinLnBrk="0" hangingPunct="1"/>
+            <a:r>
+              <a:rPr lang="en-US"/>
+              <a:t>Fourth level</a:t>
+            </a:r>
+          </a:p>
+          <a:p>
+            <a:pPr lvl="4" eaLnBrk="1" latinLnBrk="0" hangingPunct="1"/>
+            <a:r>
+              <a:rPr lang="en-US"/>
+              <a:t>Fifth level</a:t>
+            </a:r>
+            <a:endParaRPr kumimoji="0" lang="en-US"/>
+          </a:p>
+        </p:txBody>
+      </p:sp>
+    </p:spTree>
+    <p:extLst>
+      <p:ext uri="{BB962C8B-B14F-4D97-AF65-F5344CB8AC3E}">
+        <p14:creationId xmlns:p14="http://schemas.microsoft.com/office/powerpoint/2010/main" val="3863868598"/>
+      </p:ext>
+    </p:extLst>
+  </p:cSld>
+  <p:clrMapOvr>
+    <a:masterClrMapping/>
+  </p:clrMapOvr>
+</p:sldLayout>
+</file>
+
 <file path=ppt/slideMasters/slideMaster1.xml><?xml version="1.0" encoding="utf-8"?>
 <p:sldMaster xmlns:a="http://schemas.openxmlformats.org/drawingml/2006/main" xmlns:r="http://schemas.openxmlformats.org/officeDocument/2006/relationships" xmlns:p="http://schemas.openxmlformats.org/presentationml/2006/main">
   <p:cSld name="swiss-2">
@@ -7220,6 +7434,7 @@
     <p:sldLayoutId id="2147483655" r:id="rId3"/>
     <p:sldLayoutId id="2147483660" r:id="rId4"/>
     <p:sldLayoutId id="2147483661" r:id="rId5"/>
+    <p:sldLayoutId id="2147483662" r:id="rId6"/>
   </p:sldLayoutIdLst>
   <p:hf sldNum="0" hdr="0" ftr="0" dt="0"/>
   <p:txStyles>
@@ -8056,7 +8271,7 @@
 </file>
 
 <file path=ppt/slides/slide10.xml><?xml version="1.0" encoding="utf-8"?>
-<p:sld xmlns:a="http://schemas.openxmlformats.org/drawingml/2006/main" xmlns:r="http://schemas.openxmlformats.org/officeDocument/2006/relationships" xmlns:p="http://schemas.openxmlformats.org/presentationml/2006/main">
+<p:sld xmlns:a="http://schemas.openxmlformats.org/drawingml/2006/main" xmlns:r="http://schemas.openxmlformats.org/officeDocument/2006/relationships" xmlns:p="http://schemas.openxmlformats.org/presentationml/2006/main" show="0">
   <p:cSld>
     <p:spTree>
       <p:nvGrpSpPr>
@@ -8148,7 +8363,17 @@
           <a:bodyPr/>
           <a:lstStyle/>
           <a:p>
-            <a:endParaRPr lang="en-US"/>
+            <a:r>
+              <a:rPr lang="en-US" dirty="0"/>
+              <a:t>Machine Learning</a:t>
+            </a:r>
+            <a:br>
+              <a:rPr lang="en-US" dirty="0"/>
+            </a:br>
+            <a:r>
+              <a:rPr lang="en-US" b="0" dirty="0"/>
+              <a:t>Deep Dive</a:t>
+            </a:r>
           </a:p>
         </p:txBody>
       </p:sp>
@@ -8173,7 +8398,7 @@
           <a:bodyPr/>
           <a:lstStyle/>
           <a:p>
-            <a:endParaRPr lang="en-US"/>
+            <a:endParaRPr lang="en-US" dirty="0"/>
           </a:p>
         </p:txBody>
       </p:sp>
@@ -8198,7 +8423,89 @@
           <a:bodyPr/>
           <a:lstStyle/>
           <a:p>
-            <a:endParaRPr lang="en-US"/>
+            <a:pPr>
+              <a:lnSpc>
+                <a:spcPct val="100000"/>
+              </a:lnSpc>
+              <a:spcBef>
+                <a:spcPts val="600"/>
+              </a:spcBef>
+              <a:spcAft>
+                <a:spcPts val="600"/>
+              </a:spcAft>
+            </a:pPr>
+            <a:r>
+              <a:rPr lang="en-US" dirty="0"/>
+              <a:t>Overview of Algorithms:</a:t>
+            </a:r>
+          </a:p>
+          <a:p>
+            <a:pPr lvl="1">
+              <a:lnSpc>
+                <a:spcPct val="100000"/>
+              </a:lnSpc>
+              <a:spcBef>
+                <a:spcPts val="600"/>
+              </a:spcBef>
+              <a:spcAft>
+                <a:spcPts val="600"/>
+              </a:spcAft>
+            </a:pPr>
+            <a:r>
+              <a:rPr lang="en-US" dirty="0"/>
+              <a:t>Regression</a:t>
+            </a:r>
+          </a:p>
+          <a:p>
+            <a:pPr lvl="1">
+              <a:lnSpc>
+                <a:spcPct val="100000"/>
+              </a:lnSpc>
+              <a:spcBef>
+                <a:spcPts val="600"/>
+              </a:spcBef>
+              <a:spcAft>
+                <a:spcPts val="600"/>
+              </a:spcAft>
+            </a:pPr>
+            <a:r>
+              <a:rPr lang="en-US" dirty="0"/>
+              <a:t>Tree-Based Classification</a:t>
+            </a:r>
+          </a:p>
+          <a:p>
+            <a:pPr lvl="1">
+              <a:lnSpc>
+                <a:spcPct val="100000"/>
+              </a:lnSpc>
+              <a:spcBef>
+                <a:spcPts val="600"/>
+              </a:spcBef>
+              <a:spcAft>
+                <a:spcPts val="600"/>
+              </a:spcAft>
+            </a:pPr>
+            <a:r>
+              <a:rPr lang="en-US" dirty="0"/>
+              <a:t>Clustering</a:t>
+            </a:r>
+          </a:p>
+          <a:p>
+            <a:pPr>
+              <a:lnSpc>
+                <a:spcPct val="100000"/>
+              </a:lnSpc>
+              <a:spcBef>
+                <a:spcPts val="600"/>
+              </a:spcBef>
+              <a:spcAft>
+                <a:spcPts val="600"/>
+              </a:spcAft>
+            </a:pPr>
+            <a:r>
+              <a:rPr lang="en-US" dirty="0"/>
+              <a:t>Computational Complexity</a:t>
+            </a:r>
           </a:p>
         </p:txBody>
       </p:sp>
@@ -8206,6 +8513,4068 @@
     <p:extLst>
       <p:ext uri="{BB962C8B-B14F-4D97-AF65-F5344CB8AC3E}">
         <p14:creationId xmlns:p14="http://schemas.microsoft.com/office/powerpoint/2010/main" val="1716964169"/>
+      </p:ext>
+    </p:extLst>
+  </p:cSld>
+  <p:clrMapOvr>
+    <a:masterClrMapping/>
+  </p:clrMapOvr>
+</p:sld>
+</file>
+
+<file path=ppt/slides/slide12.xml><?xml version="1.0" encoding="utf-8"?>
+<p:sld xmlns:a="http://schemas.openxmlformats.org/drawingml/2006/main" xmlns:r="http://schemas.openxmlformats.org/officeDocument/2006/relationships" xmlns:p="http://schemas.openxmlformats.org/presentationml/2006/main">
+  <p:cSld>
+    <p:spTree>
+      <p:nvGrpSpPr>
+        <p:cNvPr id="1" name=""/>
+        <p:cNvGrpSpPr/>
+        <p:nvPr/>
+      </p:nvGrpSpPr>
+      <p:grpSpPr>
+        <a:xfrm>
+          <a:off x="0" y="0"/>
+          <a:ext cx="0" cy="0"/>
+          <a:chOff x="0" y="0"/>
+          <a:chExt cx="0" cy="0"/>
+        </a:xfrm>
+      </p:grpSpPr>
+      <p:sp>
+        <p:nvSpPr>
+          <p:cNvPr id="2" name="Title 1">
+            <a:extLst>
+              <a:ext uri="{FF2B5EF4-FFF2-40B4-BE49-F238E27FC236}">
+                <a16:creationId xmlns:a16="http://schemas.microsoft.com/office/drawing/2014/main" id="{96CCC636-A7BA-4B19-A962-009FDDC9D794}"/>
+              </a:ext>
+            </a:extLst>
+          </p:cNvPr>
+          <p:cNvSpPr>
+            <a:spLocks noGrp="1"/>
+          </p:cNvSpPr>
+          <p:nvPr>
+            <p:ph type="title"/>
+          </p:nvPr>
+        </p:nvSpPr>
+        <p:spPr/>
+        <p:txBody>
+          <a:bodyPr/>
+          <a:lstStyle/>
+          <a:p>
+            <a:r>
+              <a:rPr lang="en-US" dirty="0"/>
+              <a:t>Linear Regression</a:t>
+            </a:r>
+          </a:p>
+        </p:txBody>
+      </p:sp>
+      <mc:AlternateContent xmlns:mc="http://schemas.openxmlformats.org/markup-compatibility/2006">
+        <mc:Choice xmlns:a14="http://schemas.microsoft.com/office/drawing/2010/main" Requires="a14">
+          <p:sp>
+            <p:nvSpPr>
+              <p:cNvPr id="3" name="Text Placeholder 2">
+                <a:extLst>
+                  <a:ext uri="{FF2B5EF4-FFF2-40B4-BE49-F238E27FC236}">
+                    <a16:creationId xmlns:a16="http://schemas.microsoft.com/office/drawing/2014/main" id="{3D0582B5-5A3D-401F-90F1-0860B0B4CA57}"/>
+                  </a:ext>
+                </a:extLst>
+              </p:cNvPr>
+              <p:cNvSpPr>
+                <a:spLocks noGrp="1"/>
+              </p:cNvSpPr>
+              <p:nvPr>
+                <p:ph type="body" idx="1"/>
+              </p:nvPr>
+            </p:nvSpPr>
+            <p:spPr>
+              <a:xfrm>
+                <a:off x="319500" y="1846804"/>
+                <a:ext cx="2893600" cy="2806200"/>
+              </a:xfrm>
+            </p:spPr>
+            <p:txBody>
+              <a:bodyPr/>
+              <a:lstStyle/>
+              <a:p>
+                <a:r>
+                  <a:rPr lang="en-US" dirty="0"/>
+                  <a:t>Normally in the form:</a:t>
+                </a:r>
+                <a:endParaRPr lang="en-US" b="0" i="1" dirty="0">
+                  <a:latin typeface="Cambria Math" panose="02040503050406030204" pitchFamily="18" charset="0"/>
+                </a:endParaRPr>
+              </a:p>
+              <a:p>
+                <a:pPr marL="152400" indent="0">
+                  <a:buNone/>
+                </a:pPr>
+                <a14:m>
+                  <m:oMathPara xmlns:m="http://schemas.openxmlformats.org/officeDocument/2006/math">
+                    <m:oMathParaPr>
+                      <m:jc m:val="centerGroup"/>
+                    </m:oMathParaPr>
+                    <m:oMath xmlns:m="http://schemas.openxmlformats.org/officeDocument/2006/math">
+                      <m:r>
+                        <a:rPr lang="en-US" b="0" i="1" smtClean="0">
+                          <a:latin typeface="Cambria Math" panose="02040503050406030204" pitchFamily="18" charset="0"/>
+                        </a:rPr>
+                        <m:t>𝑦</m:t>
+                      </m:r>
+                      <m:r>
+                        <a:rPr lang="en-US" b="0" i="1" smtClean="0">
+                          <a:latin typeface="Cambria Math" panose="02040503050406030204" pitchFamily="18" charset="0"/>
+                        </a:rPr>
+                        <m:t>=</m:t>
+                      </m:r>
+                      <m:sSub>
+                        <m:sSubPr>
+                          <m:ctrlPr>
+                            <a:rPr lang="en-US" b="0" i="1" smtClean="0">
+                              <a:latin typeface="Cambria Math" panose="02040503050406030204" pitchFamily="18" charset="0"/>
+                            </a:rPr>
+                          </m:ctrlPr>
+                        </m:sSubPr>
+                        <m:e>
+                          <m:r>
+                            <a:rPr lang="en-US" b="0" i="1" smtClean="0">
+                              <a:latin typeface="Cambria Math" panose="02040503050406030204" pitchFamily="18" charset="0"/>
+                              <a:ea typeface="Cambria Math" panose="02040503050406030204" pitchFamily="18" charset="0"/>
+                            </a:rPr>
+                            <m:t>𝛽</m:t>
+                          </m:r>
+                        </m:e>
+                        <m:sub>
+                          <m:r>
+                            <a:rPr lang="en-US" b="0" i="1" smtClean="0">
+                              <a:latin typeface="Cambria Math" panose="02040503050406030204" pitchFamily="18" charset="0"/>
+                            </a:rPr>
+                            <m:t>0</m:t>
+                          </m:r>
+                        </m:sub>
+                      </m:sSub>
+                      <m:r>
+                        <a:rPr lang="en-US" b="0" i="1" smtClean="0">
+                          <a:latin typeface="Cambria Math" panose="02040503050406030204" pitchFamily="18" charset="0"/>
+                        </a:rPr>
+                        <m:t>+</m:t>
+                      </m:r>
+                      <m:sSub>
+                        <m:sSubPr>
+                          <m:ctrlPr>
+                            <a:rPr lang="en-US" b="0" i="1" smtClean="0">
+                              <a:latin typeface="Cambria Math" panose="02040503050406030204" pitchFamily="18" charset="0"/>
+                            </a:rPr>
+                          </m:ctrlPr>
+                        </m:sSubPr>
+                        <m:e>
+                          <m:r>
+                            <a:rPr lang="en-US" b="0" i="1" smtClean="0">
+                              <a:latin typeface="Cambria Math" panose="02040503050406030204" pitchFamily="18" charset="0"/>
+                              <a:ea typeface="Cambria Math" panose="02040503050406030204" pitchFamily="18" charset="0"/>
+                            </a:rPr>
+                            <m:t>𝛽</m:t>
+                          </m:r>
+                        </m:e>
+                        <m:sub>
+                          <m:r>
+                            <a:rPr lang="en-US" b="0" i="1" smtClean="0">
+                              <a:latin typeface="Cambria Math" panose="02040503050406030204" pitchFamily="18" charset="0"/>
+                            </a:rPr>
+                            <m:t>1</m:t>
+                          </m:r>
+                        </m:sub>
+                      </m:sSub>
+                      <m:sSub>
+                        <m:sSubPr>
+                          <m:ctrlPr>
+                            <a:rPr lang="en-US" b="0" i="1" smtClean="0">
+                              <a:latin typeface="Cambria Math" panose="02040503050406030204" pitchFamily="18" charset="0"/>
+                            </a:rPr>
+                          </m:ctrlPr>
+                        </m:sSubPr>
+                        <m:e>
+                          <m:r>
+                            <a:rPr lang="en-US" b="0" i="1" smtClean="0">
+                              <a:latin typeface="Cambria Math" panose="02040503050406030204" pitchFamily="18" charset="0"/>
+                            </a:rPr>
+                            <m:t>𝑥</m:t>
+                          </m:r>
+                        </m:e>
+                        <m:sub>
+                          <m:r>
+                            <a:rPr lang="en-US" b="0" i="1" smtClean="0">
+                              <a:latin typeface="Cambria Math" panose="02040503050406030204" pitchFamily="18" charset="0"/>
+                            </a:rPr>
+                            <m:t>1</m:t>
+                          </m:r>
+                        </m:sub>
+                      </m:sSub>
+                      <m:r>
+                        <a:rPr lang="en-US" b="0" i="1" smtClean="0">
+                          <a:latin typeface="Cambria Math" panose="02040503050406030204" pitchFamily="18" charset="0"/>
+                        </a:rPr>
+                        <m:t>+…+</m:t>
+                      </m:r>
+                      <m:sSub>
+                        <m:sSubPr>
+                          <m:ctrlPr>
+                            <a:rPr lang="en-US" b="0" i="1" smtClean="0">
+                              <a:latin typeface="Cambria Math" panose="02040503050406030204" pitchFamily="18" charset="0"/>
+                            </a:rPr>
+                          </m:ctrlPr>
+                        </m:sSubPr>
+                        <m:e>
+                          <m:r>
+                            <a:rPr lang="en-US" b="0" i="1" smtClean="0">
+                              <a:latin typeface="Cambria Math" panose="02040503050406030204" pitchFamily="18" charset="0"/>
+                              <a:ea typeface="Cambria Math" panose="02040503050406030204" pitchFamily="18" charset="0"/>
+                            </a:rPr>
+                            <m:t>𝛽</m:t>
+                          </m:r>
+                        </m:e>
+                        <m:sub>
+                          <m:r>
+                            <a:rPr lang="en-US" b="0" i="1" smtClean="0">
+                              <a:latin typeface="Cambria Math" panose="02040503050406030204" pitchFamily="18" charset="0"/>
+                            </a:rPr>
+                            <m:t>𝑘</m:t>
+                          </m:r>
+                        </m:sub>
+                      </m:sSub>
+                      <m:sSub>
+                        <m:sSubPr>
+                          <m:ctrlPr>
+                            <a:rPr lang="en-US" b="0" i="1" smtClean="0">
+                              <a:latin typeface="Cambria Math" panose="02040503050406030204" pitchFamily="18" charset="0"/>
+                            </a:rPr>
+                          </m:ctrlPr>
+                        </m:sSubPr>
+                        <m:e>
+                          <m:r>
+                            <a:rPr lang="en-US" b="0" i="1" smtClean="0">
+                              <a:latin typeface="Cambria Math" panose="02040503050406030204" pitchFamily="18" charset="0"/>
+                            </a:rPr>
+                            <m:t>𝑥</m:t>
+                          </m:r>
+                        </m:e>
+                        <m:sub>
+                          <m:r>
+                            <a:rPr lang="en-US" b="0" i="1" smtClean="0">
+                              <a:latin typeface="Cambria Math" panose="02040503050406030204" pitchFamily="18" charset="0"/>
+                            </a:rPr>
+                            <m:t>𝑘</m:t>
+                          </m:r>
+                        </m:sub>
+                      </m:sSub>
+                      <m:r>
+                        <a:rPr lang="en-US" b="0" i="1" smtClean="0">
+                          <a:latin typeface="Cambria Math" panose="02040503050406030204" pitchFamily="18" charset="0"/>
+                        </a:rPr>
+                        <m:t>+</m:t>
+                      </m:r>
+                      <m:r>
+                        <a:rPr lang="en-US" b="0" i="1" smtClean="0">
+                          <a:latin typeface="Cambria Math" panose="02040503050406030204" pitchFamily="18" charset="0"/>
+                          <a:ea typeface="Cambria Math" panose="02040503050406030204" pitchFamily="18" charset="0"/>
+                        </a:rPr>
+                        <m:t>𝜀</m:t>
+                      </m:r>
+                    </m:oMath>
+                  </m:oMathPara>
+                </a14:m>
+                <a:endParaRPr lang="en-US" dirty="0"/>
+              </a:p>
+              <a:p>
+                <a:pPr marL="152400" indent="0" algn="ctr">
+                  <a:buNone/>
+                </a:pPr>
+                <a:r>
+                  <a:rPr lang="en-US" dirty="0"/>
+                  <a:t>or, in matrix notation…</a:t>
+                </a:r>
+              </a:p>
+              <a:p>
+                <a:pPr marL="152400" indent="0" algn="ctr">
+                  <a:buNone/>
+                </a:pPr>
+                <a14:m>
+                  <m:oMathPara xmlns:m="http://schemas.openxmlformats.org/officeDocument/2006/math">
+                    <m:oMathParaPr>
+                      <m:jc m:val="centerGroup"/>
+                    </m:oMathParaPr>
+                    <m:oMath xmlns:m="http://schemas.openxmlformats.org/officeDocument/2006/math">
+                      <m:r>
+                        <a:rPr lang="en-US" b="0" i="1" smtClean="0">
+                          <a:latin typeface="Cambria Math" panose="02040503050406030204" pitchFamily="18" charset="0"/>
+                        </a:rPr>
+                        <m:t>𝑦</m:t>
+                      </m:r>
+                      <m:r>
+                        <a:rPr lang="en-US" b="0" i="1" smtClean="0">
+                          <a:latin typeface="Cambria Math" panose="02040503050406030204" pitchFamily="18" charset="0"/>
+                        </a:rPr>
+                        <m:t>=</m:t>
+                      </m:r>
+                      <m:r>
+                        <a:rPr lang="en-US" b="0" i="1" smtClean="0">
+                          <a:latin typeface="Cambria Math" panose="02040503050406030204" pitchFamily="18" charset="0"/>
+                          <a:ea typeface="Cambria Math" panose="02040503050406030204" pitchFamily="18" charset="0"/>
+                        </a:rPr>
+                        <m:t>𝑋</m:t>
+                      </m:r>
+                      <m:r>
+                        <a:rPr lang="en-US" i="1">
+                          <a:latin typeface="Cambria Math" panose="02040503050406030204" pitchFamily="18" charset="0"/>
+                          <a:ea typeface="Cambria Math" panose="02040503050406030204" pitchFamily="18" charset="0"/>
+                        </a:rPr>
+                        <m:t>𝛽</m:t>
+                      </m:r>
+                      <m:r>
+                        <a:rPr lang="en-US" b="0" i="1" smtClean="0">
+                          <a:latin typeface="Cambria Math" panose="02040503050406030204" pitchFamily="18" charset="0"/>
+                          <a:ea typeface="Cambria Math" panose="02040503050406030204" pitchFamily="18" charset="0"/>
+                        </a:rPr>
+                        <m:t>+</m:t>
+                      </m:r>
+                      <m:r>
+                        <a:rPr lang="en-US" b="0" i="1" smtClean="0">
+                          <a:latin typeface="Cambria Math" panose="02040503050406030204" pitchFamily="18" charset="0"/>
+                          <a:ea typeface="Cambria Math" panose="02040503050406030204" pitchFamily="18" charset="0"/>
+                        </a:rPr>
+                        <m:t>𝜀</m:t>
+                      </m:r>
+                    </m:oMath>
+                  </m:oMathPara>
+                </a14:m>
+                <a:endParaRPr lang="en-US" dirty="0"/>
+              </a:p>
+              <a:p>
+                <a:pPr marL="152400" indent="0" algn="ctr">
+                  <a:buNone/>
+                </a:pPr>
+                <a14:m>
+                  <m:oMathPara xmlns:m="http://schemas.openxmlformats.org/officeDocument/2006/math">
+                    <m:oMathParaPr>
+                      <m:jc m:val="centerGroup"/>
+                    </m:oMathParaPr>
+                    <m:oMath xmlns:m="http://schemas.openxmlformats.org/officeDocument/2006/math">
+                      <m:d>
+                        <m:dPr>
+                          <m:ctrlPr>
+                            <a:rPr lang="en-US" i="1" smtClean="0">
+                              <a:latin typeface="Cambria Math" panose="02040503050406030204" pitchFamily="18" charset="0"/>
+                            </a:rPr>
+                          </m:ctrlPr>
+                        </m:dPr>
+                        <m:e>
+                          <m:m>
+                            <m:mPr>
+                              <m:mcs>
+                                <m:mc>
+                                  <m:mcPr>
+                                    <m:count m:val="1"/>
+                                    <m:mcJc m:val="center"/>
+                                  </m:mcPr>
+                                </m:mc>
+                              </m:mcs>
+                              <m:ctrlPr>
+                                <a:rPr lang="en-US" i="1" smtClean="0">
+                                  <a:latin typeface="Cambria Math" panose="02040503050406030204" pitchFamily="18" charset="0"/>
+                                </a:rPr>
+                              </m:ctrlPr>
+                            </m:mPr>
+                            <m:mr>
+                              <m:e>
+                                <m:sSub>
+                                  <m:sSubPr>
+                                    <m:ctrlPr>
+                                      <a:rPr lang="en-US" i="1" smtClean="0">
+                                        <a:latin typeface="Cambria Math" panose="02040503050406030204" pitchFamily="18" charset="0"/>
+                                      </a:rPr>
+                                    </m:ctrlPr>
+                                  </m:sSubPr>
+                                  <m:e>
+                                    <m:r>
+                                      <a:rPr lang="en-US" b="0" i="1" smtClean="0">
+                                        <a:latin typeface="Cambria Math" panose="02040503050406030204" pitchFamily="18" charset="0"/>
+                                      </a:rPr>
+                                      <m:t>𝑦</m:t>
+                                    </m:r>
+                                  </m:e>
+                                  <m:sub>
+                                    <m:r>
+                                      <a:rPr lang="en-US" b="0" i="1" smtClean="0">
+                                        <a:latin typeface="Cambria Math" panose="02040503050406030204" pitchFamily="18" charset="0"/>
+                                      </a:rPr>
+                                      <m:t>1</m:t>
+                                    </m:r>
+                                  </m:sub>
+                                </m:sSub>
+                              </m:e>
+                            </m:mr>
+                            <m:mr>
+                              <m:e>
+                                <m:r>
+                                  <a:rPr lang="en-US" i="1" smtClean="0">
+                                    <a:latin typeface="Cambria Math" panose="02040503050406030204" pitchFamily="18" charset="0"/>
+                                    <a:ea typeface="Cambria Math" panose="02040503050406030204" pitchFamily="18" charset="0"/>
+                                  </a:rPr>
+                                  <m:t>⋮</m:t>
+                                </m:r>
+                              </m:e>
+                            </m:mr>
+                            <m:mr>
+                              <m:e>
+                                <m:sSub>
+                                  <m:sSubPr>
+                                    <m:ctrlPr>
+                                      <a:rPr lang="en-US" i="1">
+                                        <a:latin typeface="Cambria Math" panose="02040503050406030204" pitchFamily="18" charset="0"/>
+                                      </a:rPr>
+                                    </m:ctrlPr>
+                                  </m:sSubPr>
+                                  <m:e>
+                                    <m:r>
+                                      <a:rPr lang="en-US" i="1">
+                                        <a:latin typeface="Cambria Math" panose="02040503050406030204" pitchFamily="18" charset="0"/>
+                                      </a:rPr>
+                                      <m:t>𝑦</m:t>
+                                    </m:r>
+                                  </m:e>
+                                  <m:sub>
+                                    <m:r>
+                                      <a:rPr lang="en-US" b="0" i="1" smtClean="0">
+                                        <a:latin typeface="Cambria Math" panose="02040503050406030204" pitchFamily="18" charset="0"/>
+                                      </a:rPr>
+                                      <m:t>𝑛</m:t>
+                                    </m:r>
+                                  </m:sub>
+                                </m:sSub>
+                              </m:e>
+                            </m:mr>
+                          </m:m>
+                        </m:e>
+                      </m:d>
+                      <m:r>
+                        <a:rPr lang="en-US" b="0" i="1" smtClean="0">
+                          <a:latin typeface="Cambria Math" panose="02040503050406030204" pitchFamily="18" charset="0"/>
+                        </a:rPr>
+                        <m:t>=</m:t>
+                      </m:r>
+                      <m:d>
+                        <m:dPr>
+                          <m:ctrlPr>
+                            <a:rPr lang="en-US" b="0" i="1" smtClean="0">
+                              <a:latin typeface="Cambria Math" panose="02040503050406030204" pitchFamily="18" charset="0"/>
+                            </a:rPr>
+                          </m:ctrlPr>
+                        </m:dPr>
+                        <m:e>
+                          <m:m>
+                            <m:mPr>
+                              <m:mcs>
+                                <m:mc>
+                                  <m:mcPr>
+                                    <m:count m:val="3"/>
+                                    <m:mcJc m:val="center"/>
+                                  </m:mcPr>
+                                </m:mc>
+                              </m:mcs>
+                              <m:ctrlPr>
+                                <a:rPr lang="en-US" b="0" i="1" smtClean="0">
+                                  <a:latin typeface="Cambria Math" panose="02040503050406030204" pitchFamily="18" charset="0"/>
+                                </a:rPr>
+                              </m:ctrlPr>
+                            </m:mPr>
+                            <m:mr>
+                              <m:e>
+                                <m:sSub>
+                                  <m:sSubPr>
+                                    <m:ctrlPr>
+                                      <a:rPr lang="en-US" i="1">
+                                        <a:latin typeface="Cambria Math" panose="02040503050406030204" pitchFamily="18" charset="0"/>
+                                      </a:rPr>
+                                    </m:ctrlPr>
+                                  </m:sSubPr>
+                                  <m:e>
+                                    <m:r>
+                                      <a:rPr lang="en-US" b="0" i="1" smtClean="0">
+                                        <a:latin typeface="Cambria Math" panose="02040503050406030204" pitchFamily="18" charset="0"/>
+                                      </a:rPr>
+                                      <m:t>𝑥</m:t>
+                                    </m:r>
+                                  </m:e>
+                                  <m:sub>
+                                    <m:r>
+                                      <a:rPr lang="en-US" b="0" i="1" smtClean="0">
+                                        <a:latin typeface="Cambria Math" panose="02040503050406030204" pitchFamily="18" charset="0"/>
+                                      </a:rPr>
+                                      <m:t>1</m:t>
+                                    </m:r>
+                                    <m:r>
+                                      <a:rPr lang="en-US" i="1">
+                                        <a:latin typeface="Cambria Math" panose="02040503050406030204" pitchFamily="18" charset="0"/>
+                                      </a:rPr>
+                                      <m:t>1</m:t>
+                                    </m:r>
+                                  </m:sub>
+                                </m:sSub>
+                              </m:e>
+                              <m:e>
+                                <m:r>
+                                  <a:rPr lang="en-US" b="0" i="1" smtClean="0">
+                                    <a:latin typeface="Cambria Math" panose="02040503050406030204" pitchFamily="18" charset="0"/>
+                                    <a:ea typeface="Cambria Math" panose="02040503050406030204" pitchFamily="18" charset="0"/>
+                                  </a:rPr>
+                                  <m:t>⋯</m:t>
+                                </m:r>
+                              </m:e>
+                              <m:e>
+                                <m:sSub>
+                                  <m:sSubPr>
+                                    <m:ctrlPr>
+                                      <a:rPr lang="en-US" i="1">
+                                        <a:latin typeface="Cambria Math" panose="02040503050406030204" pitchFamily="18" charset="0"/>
+                                      </a:rPr>
+                                    </m:ctrlPr>
+                                  </m:sSubPr>
+                                  <m:e>
+                                    <m:r>
+                                      <a:rPr lang="en-US" b="0" i="1" smtClean="0">
+                                        <a:latin typeface="Cambria Math" panose="02040503050406030204" pitchFamily="18" charset="0"/>
+                                      </a:rPr>
+                                      <m:t>𝑥</m:t>
+                                    </m:r>
+                                  </m:e>
+                                  <m:sub>
+                                    <m:r>
+                                      <a:rPr lang="en-US" b="0" i="1" smtClean="0">
+                                        <a:latin typeface="Cambria Math" panose="02040503050406030204" pitchFamily="18" charset="0"/>
+                                      </a:rPr>
+                                      <m:t>1</m:t>
+                                    </m:r>
+                                    <m:r>
+                                      <a:rPr lang="en-US" b="0" i="1" smtClean="0">
+                                        <a:latin typeface="Cambria Math" panose="02040503050406030204" pitchFamily="18" charset="0"/>
+                                      </a:rPr>
+                                      <m:t>𝑘</m:t>
+                                    </m:r>
+                                  </m:sub>
+                                </m:sSub>
+                              </m:e>
+                            </m:mr>
+                            <m:mr>
+                              <m:e>
+                                <m:r>
+                                  <a:rPr lang="en-US" b="0" i="1" smtClean="0">
+                                    <a:latin typeface="Cambria Math" panose="02040503050406030204" pitchFamily="18" charset="0"/>
+                                    <a:ea typeface="Cambria Math" panose="02040503050406030204" pitchFamily="18" charset="0"/>
+                                  </a:rPr>
+                                  <m:t>⋮</m:t>
+                                </m:r>
+                              </m:e>
+                              <m:e>
+                                <m:r>
+                                  <a:rPr lang="en-US" b="0" i="1" smtClean="0">
+                                    <a:latin typeface="Cambria Math" panose="02040503050406030204" pitchFamily="18" charset="0"/>
+                                    <a:ea typeface="Cambria Math" panose="02040503050406030204" pitchFamily="18" charset="0"/>
+                                  </a:rPr>
+                                  <m:t>⋱</m:t>
+                                </m:r>
+                              </m:e>
+                              <m:e>
+                                <m:r>
+                                  <a:rPr lang="en-US" b="0" i="1" smtClean="0">
+                                    <a:latin typeface="Cambria Math" panose="02040503050406030204" pitchFamily="18" charset="0"/>
+                                    <a:ea typeface="Cambria Math" panose="02040503050406030204" pitchFamily="18" charset="0"/>
+                                  </a:rPr>
+                                  <m:t>⋮</m:t>
+                                </m:r>
+                              </m:e>
+                            </m:mr>
+                            <m:mr>
+                              <m:e>
+                                <m:sSub>
+                                  <m:sSubPr>
+                                    <m:ctrlPr>
+                                      <a:rPr lang="en-US" i="1" smtClean="0">
+                                        <a:latin typeface="Cambria Math" panose="02040503050406030204" pitchFamily="18" charset="0"/>
+                                      </a:rPr>
+                                    </m:ctrlPr>
+                                  </m:sSubPr>
+                                  <m:e>
+                                    <m:r>
+                                      <a:rPr lang="en-US" b="0" i="1" smtClean="0">
+                                        <a:latin typeface="Cambria Math" panose="02040503050406030204" pitchFamily="18" charset="0"/>
+                                      </a:rPr>
+                                      <m:t>𝑥</m:t>
+                                    </m:r>
+                                  </m:e>
+                                  <m:sub>
+                                    <m:r>
+                                      <a:rPr lang="en-US" b="0" i="1" smtClean="0">
+                                        <a:latin typeface="Cambria Math" panose="02040503050406030204" pitchFamily="18" charset="0"/>
+                                      </a:rPr>
+                                      <m:t>𝑛</m:t>
+                                    </m:r>
+                                    <m:r>
+                                      <a:rPr lang="en-US" i="1">
+                                        <a:latin typeface="Cambria Math" panose="02040503050406030204" pitchFamily="18" charset="0"/>
+                                      </a:rPr>
+                                      <m:t>1</m:t>
+                                    </m:r>
+                                  </m:sub>
+                                </m:sSub>
+                              </m:e>
+                              <m:e>
+                                <m:r>
+                                  <a:rPr lang="en-US" b="0" i="1" smtClean="0">
+                                    <a:latin typeface="Cambria Math" panose="02040503050406030204" pitchFamily="18" charset="0"/>
+                                    <a:ea typeface="Cambria Math" panose="02040503050406030204" pitchFamily="18" charset="0"/>
+                                  </a:rPr>
+                                  <m:t>⋯</m:t>
+                                </m:r>
+                              </m:e>
+                              <m:e>
+                                <m:sSub>
+                                  <m:sSubPr>
+                                    <m:ctrlPr>
+                                      <a:rPr lang="en-US" i="1">
+                                        <a:latin typeface="Cambria Math" panose="02040503050406030204" pitchFamily="18" charset="0"/>
+                                      </a:rPr>
+                                    </m:ctrlPr>
+                                  </m:sSubPr>
+                                  <m:e>
+                                    <m:r>
+                                      <a:rPr lang="en-US" b="0" i="1" smtClean="0">
+                                        <a:latin typeface="Cambria Math" panose="02040503050406030204" pitchFamily="18" charset="0"/>
+                                      </a:rPr>
+                                      <m:t>𝑥</m:t>
+                                    </m:r>
+                                  </m:e>
+                                  <m:sub>
+                                    <m:r>
+                                      <a:rPr lang="en-US" b="0" i="1" smtClean="0">
+                                        <a:latin typeface="Cambria Math" panose="02040503050406030204" pitchFamily="18" charset="0"/>
+                                      </a:rPr>
+                                      <m:t>𝑛𝑘</m:t>
+                                    </m:r>
+                                  </m:sub>
+                                </m:sSub>
+                              </m:e>
+                            </m:mr>
+                          </m:m>
+                        </m:e>
+                      </m:d>
+                      <m:d>
+                        <m:dPr>
+                          <m:ctrlPr>
+                            <a:rPr lang="en-US" i="1">
+                              <a:latin typeface="Cambria Math" panose="02040503050406030204" pitchFamily="18" charset="0"/>
+                            </a:rPr>
+                          </m:ctrlPr>
+                        </m:dPr>
+                        <m:e>
+                          <m:m>
+                            <m:mPr>
+                              <m:mcs>
+                                <m:mc>
+                                  <m:mcPr>
+                                    <m:count m:val="1"/>
+                                    <m:mcJc m:val="center"/>
+                                  </m:mcPr>
+                                </m:mc>
+                              </m:mcs>
+                              <m:ctrlPr>
+                                <a:rPr lang="en-US" i="1">
+                                  <a:latin typeface="Cambria Math" panose="02040503050406030204" pitchFamily="18" charset="0"/>
+                                </a:rPr>
+                              </m:ctrlPr>
+                            </m:mPr>
+                            <m:mr>
+                              <m:e>
+                                <m:sSub>
+                                  <m:sSubPr>
+                                    <m:ctrlPr>
+                                      <a:rPr lang="en-US" i="1">
+                                        <a:latin typeface="Cambria Math" panose="02040503050406030204" pitchFamily="18" charset="0"/>
+                                      </a:rPr>
+                                    </m:ctrlPr>
+                                  </m:sSubPr>
+                                  <m:e>
+                                    <m:r>
+                                      <a:rPr lang="en-US" i="1">
+                                        <a:latin typeface="Cambria Math" panose="02040503050406030204" pitchFamily="18" charset="0"/>
+                                        <a:ea typeface="Cambria Math" panose="02040503050406030204" pitchFamily="18" charset="0"/>
+                                      </a:rPr>
+                                      <m:t>𝛽</m:t>
+                                    </m:r>
+                                  </m:e>
+                                  <m:sub>
+                                    <m:r>
+                                      <a:rPr lang="en-US" i="1">
+                                        <a:latin typeface="Cambria Math" panose="02040503050406030204" pitchFamily="18" charset="0"/>
+                                      </a:rPr>
+                                      <m:t>1</m:t>
+                                    </m:r>
+                                  </m:sub>
+                                </m:sSub>
+                              </m:e>
+                            </m:mr>
+                            <m:mr>
+                              <m:e>
+                                <m:r>
+                                  <a:rPr lang="en-US" i="1">
+                                    <a:latin typeface="Cambria Math" panose="02040503050406030204" pitchFamily="18" charset="0"/>
+                                    <a:ea typeface="Cambria Math" panose="02040503050406030204" pitchFamily="18" charset="0"/>
+                                  </a:rPr>
+                                  <m:t>⋮</m:t>
+                                </m:r>
+                              </m:e>
+                            </m:mr>
+                            <m:mr>
+                              <m:e>
+                                <m:sSub>
+                                  <m:sSubPr>
+                                    <m:ctrlPr>
+                                      <a:rPr lang="en-US" i="1">
+                                        <a:latin typeface="Cambria Math" panose="02040503050406030204" pitchFamily="18" charset="0"/>
+                                      </a:rPr>
+                                    </m:ctrlPr>
+                                  </m:sSubPr>
+                                  <m:e>
+                                    <m:r>
+                                      <a:rPr lang="en-US" i="1">
+                                        <a:latin typeface="Cambria Math" panose="02040503050406030204" pitchFamily="18" charset="0"/>
+                                        <a:ea typeface="Cambria Math" panose="02040503050406030204" pitchFamily="18" charset="0"/>
+                                      </a:rPr>
+                                      <m:t>𝛽</m:t>
+                                    </m:r>
+                                  </m:e>
+                                  <m:sub>
+                                    <m:r>
+                                      <a:rPr lang="en-US" b="0" i="1" smtClean="0">
+                                        <a:latin typeface="Cambria Math" panose="02040503050406030204" pitchFamily="18" charset="0"/>
+                                      </a:rPr>
+                                      <m:t>𝑘</m:t>
+                                    </m:r>
+                                  </m:sub>
+                                </m:sSub>
+                              </m:e>
+                            </m:mr>
+                          </m:m>
+                        </m:e>
+                      </m:d>
+                      <m:r>
+                        <a:rPr lang="en-US" b="0" i="1" smtClean="0">
+                          <a:latin typeface="Cambria Math" panose="02040503050406030204" pitchFamily="18" charset="0"/>
+                        </a:rPr>
+                        <m:t>+</m:t>
+                      </m:r>
+                      <m:d>
+                        <m:dPr>
+                          <m:ctrlPr>
+                            <a:rPr lang="en-US" b="0" i="1" smtClean="0">
+                              <a:latin typeface="Cambria Math" panose="02040503050406030204" pitchFamily="18" charset="0"/>
+                            </a:rPr>
+                          </m:ctrlPr>
+                        </m:dPr>
+                        <m:e>
+                          <m:m>
+                            <m:mPr>
+                              <m:mcs>
+                                <m:mc>
+                                  <m:mcPr>
+                                    <m:count m:val="1"/>
+                                    <m:mcJc m:val="center"/>
+                                  </m:mcPr>
+                                </m:mc>
+                              </m:mcs>
+                              <m:ctrlPr>
+                                <a:rPr lang="en-US" b="0" i="1" smtClean="0">
+                                  <a:latin typeface="Cambria Math" panose="02040503050406030204" pitchFamily="18" charset="0"/>
+                                </a:rPr>
+                              </m:ctrlPr>
+                            </m:mPr>
+                            <m:mr>
+                              <m:e>
+                                <m:sSub>
+                                  <m:sSubPr>
+                                    <m:ctrlPr>
+                                      <a:rPr lang="en-US" i="1">
+                                        <a:latin typeface="Cambria Math" panose="02040503050406030204" pitchFamily="18" charset="0"/>
+                                      </a:rPr>
+                                    </m:ctrlPr>
+                                  </m:sSubPr>
+                                  <m:e>
+                                    <m:r>
+                                      <a:rPr lang="en-US" i="1" smtClean="0">
+                                        <a:latin typeface="Cambria Math" panose="02040503050406030204" pitchFamily="18" charset="0"/>
+                                        <a:ea typeface="Cambria Math" panose="02040503050406030204" pitchFamily="18" charset="0"/>
+                                      </a:rPr>
+                                      <m:t>𝜀</m:t>
+                                    </m:r>
+                                  </m:e>
+                                  <m:sub>
+                                    <m:r>
+                                      <a:rPr lang="en-US" i="1">
+                                        <a:latin typeface="Cambria Math" panose="02040503050406030204" pitchFamily="18" charset="0"/>
+                                      </a:rPr>
+                                      <m:t>1</m:t>
+                                    </m:r>
+                                  </m:sub>
+                                </m:sSub>
+                              </m:e>
+                            </m:mr>
+                            <m:mr>
+                              <m:e>
+                                <m:r>
+                                  <a:rPr lang="en-US" b="0" i="1" smtClean="0">
+                                    <a:latin typeface="Cambria Math" panose="02040503050406030204" pitchFamily="18" charset="0"/>
+                                    <a:ea typeface="Cambria Math" panose="02040503050406030204" pitchFamily="18" charset="0"/>
+                                  </a:rPr>
+                                  <m:t>⋮</m:t>
+                                </m:r>
+                              </m:e>
+                            </m:mr>
+                            <m:mr>
+                              <m:e>
+                                <m:sSub>
+                                  <m:sSubPr>
+                                    <m:ctrlPr>
+                                      <a:rPr lang="en-US" i="1">
+                                        <a:latin typeface="Cambria Math" panose="02040503050406030204" pitchFamily="18" charset="0"/>
+                                      </a:rPr>
+                                    </m:ctrlPr>
+                                  </m:sSubPr>
+                                  <m:e>
+                                    <m:r>
+                                      <a:rPr lang="en-US" i="1" smtClean="0">
+                                        <a:latin typeface="Cambria Math" panose="02040503050406030204" pitchFamily="18" charset="0"/>
+                                        <a:ea typeface="Cambria Math" panose="02040503050406030204" pitchFamily="18" charset="0"/>
+                                      </a:rPr>
+                                      <m:t>𝜀</m:t>
+                                    </m:r>
+                                  </m:e>
+                                  <m:sub>
+                                    <m:r>
+                                      <a:rPr lang="en-US" b="0" i="1" smtClean="0">
+                                        <a:latin typeface="Cambria Math" panose="02040503050406030204" pitchFamily="18" charset="0"/>
+                                      </a:rPr>
+                                      <m:t>𝑛</m:t>
+                                    </m:r>
+                                  </m:sub>
+                                </m:sSub>
+                              </m:e>
+                            </m:mr>
+                          </m:m>
+                        </m:e>
+                      </m:d>
+                    </m:oMath>
+                  </m:oMathPara>
+                </a14:m>
+                <a:endParaRPr lang="en-US" dirty="0"/>
+              </a:p>
+              <a:p>
+                <a:pPr marL="152400" indent="0" algn="ctr">
+                  <a:buNone/>
+                </a:pPr>
+                <a:endParaRPr lang="en-US" dirty="0"/>
+              </a:p>
+              <a:p>
+                <a:r>
+                  <a:rPr lang="en-US" dirty="0"/>
+                  <a:t>To solve for </a:t>
+                </a:r>
+                <a14:m>
+                  <m:oMath xmlns:m="http://schemas.openxmlformats.org/officeDocument/2006/math">
+                    <m:r>
+                      <a:rPr lang="en-US" i="1" smtClean="0">
+                        <a:latin typeface="Cambria Math" panose="02040503050406030204" pitchFamily="18" charset="0"/>
+                        <a:ea typeface="Cambria Math" panose="02040503050406030204" pitchFamily="18" charset="0"/>
+                      </a:rPr>
+                      <m:t>𝛽</m:t>
+                    </m:r>
+                  </m:oMath>
+                </a14:m>
+                <a:r>
+                  <a:rPr lang="en-US" dirty="0"/>
+                  <a:t>:</a:t>
+                </a:r>
+              </a:p>
+              <a:p>
+                <a:pPr marL="152400" indent="0">
+                  <a:buNone/>
+                </a:pPr>
+                <a14:m>
+                  <m:oMathPara xmlns:m="http://schemas.openxmlformats.org/officeDocument/2006/math">
+                    <m:oMathParaPr>
+                      <m:jc m:val="centerGroup"/>
+                    </m:oMathParaPr>
+                    <m:oMath xmlns:m="http://schemas.openxmlformats.org/officeDocument/2006/math">
+                      <m:acc>
+                        <m:accPr>
+                          <m:chr m:val="̂"/>
+                          <m:ctrlPr>
+                            <a:rPr lang="en-US" i="1" smtClean="0">
+                              <a:latin typeface="Cambria Math" panose="02040503050406030204" pitchFamily="18" charset="0"/>
+                            </a:rPr>
+                          </m:ctrlPr>
+                        </m:accPr>
+                        <m:e>
+                          <m:r>
+                            <a:rPr lang="en-US" i="1" smtClean="0">
+                              <a:latin typeface="Cambria Math" panose="02040503050406030204" pitchFamily="18" charset="0"/>
+                              <a:ea typeface="Cambria Math" panose="02040503050406030204" pitchFamily="18" charset="0"/>
+                            </a:rPr>
+                            <m:t>𝛽</m:t>
+                          </m:r>
+                        </m:e>
+                      </m:acc>
+                      <m:r>
+                        <a:rPr lang="en-US" b="0" i="1" smtClean="0">
+                          <a:latin typeface="Cambria Math" panose="02040503050406030204" pitchFamily="18" charset="0"/>
+                        </a:rPr>
+                        <m:t>=</m:t>
+                      </m:r>
+                      <m:d>
+                        <m:dPr>
+                          <m:ctrlPr>
+                            <a:rPr lang="en-US" b="0" i="1" smtClean="0">
+                              <a:latin typeface="Cambria Math" panose="02040503050406030204" pitchFamily="18" charset="0"/>
+                            </a:rPr>
+                          </m:ctrlPr>
+                        </m:dPr>
+                        <m:e>
+                          <m:sSup>
+                            <m:sSupPr>
+                              <m:ctrlPr>
+                                <a:rPr lang="en-US" b="0" i="1" smtClean="0">
+                                  <a:latin typeface="Cambria Math" panose="02040503050406030204" pitchFamily="18" charset="0"/>
+                                </a:rPr>
+                              </m:ctrlPr>
+                            </m:sSupPr>
+                            <m:e>
+                              <m:r>
+                                <a:rPr lang="en-US" b="0" i="1" smtClean="0">
+                                  <a:latin typeface="Cambria Math" panose="02040503050406030204" pitchFamily="18" charset="0"/>
+                                </a:rPr>
+                                <m:t>𝑋</m:t>
+                              </m:r>
+                            </m:e>
+                            <m:sup>
+                              <m:r>
+                                <a:rPr lang="en-US" b="0" i="1" smtClean="0">
+                                  <a:latin typeface="Cambria Math" panose="02040503050406030204" pitchFamily="18" charset="0"/>
+                                </a:rPr>
+                                <m:t>𝑇</m:t>
+                              </m:r>
+                            </m:sup>
+                          </m:sSup>
+                          <m:r>
+                            <a:rPr lang="en-US" b="0" i="1" smtClean="0">
+                              <a:latin typeface="Cambria Math" panose="02040503050406030204" pitchFamily="18" charset="0"/>
+                            </a:rPr>
+                            <m:t>𝑋</m:t>
+                          </m:r>
+                        </m:e>
+                      </m:d>
+                      <m:sSup>
+                        <m:sSupPr>
+                          <m:ctrlPr>
+                            <a:rPr lang="en-US" b="0" i="1" smtClean="0">
+                              <a:latin typeface="Cambria Math" panose="02040503050406030204" pitchFamily="18" charset="0"/>
+                            </a:rPr>
+                          </m:ctrlPr>
+                        </m:sSupPr>
+                        <m:e>
+                          <m:r>
+                            <a:rPr lang="en-US" b="0" i="1" smtClean="0">
+                              <a:latin typeface="Cambria Math" panose="02040503050406030204" pitchFamily="18" charset="0"/>
+                            </a:rPr>
+                            <m:t>𝑋</m:t>
+                          </m:r>
+                        </m:e>
+                        <m:sup>
+                          <m:r>
+                            <a:rPr lang="en-US" b="0" i="1" smtClean="0">
+                              <a:latin typeface="Cambria Math" panose="02040503050406030204" pitchFamily="18" charset="0"/>
+                            </a:rPr>
+                            <m:t>𝑇</m:t>
+                          </m:r>
+                        </m:sup>
+                      </m:sSup>
+                      <m:r>
+                        <a:rPr lang="en-US" b="0" i="1" smtClean="0">
+                          <a:latin typeface="Cambria Math" panose="02040503050406030204" pitchFamily="18" charset="0"/>
+                        </a:rPr>
+                        <m:t>𝑦</m:t>
+                      </m:r>
+                    </m:oMath>
+                  </m:oMathPara>
+                </a14:m>
+                <a:endParaRPr lang="en-US" dirty="0"/>
+              </a:p>
+            </p:txBody>
+          </p:sp>
+        </mc:Choice>
+        <mc:Fallback>
+          <p:sp>
+            <p:nvSpPr>
+              <p:cNvPr id="3" name="Text Placeholder 2">
+                <a:extLst>
+                  <a:ext uri="{FF2B5EF4-FFF2-40B4-BE49-F238E27FC236}">
+                    <a16:creationId xmlns:a16="http://schemas.microsoft.com/office/drawing/2014/main" id="{3D0582B5-5A3D-401F-90F1-0860B0B4CA57}"/>
+                  </a:ext>
+                </a:extLst>
+              </p:cNvPr>
+              <p:cNvSpPr>
+                <a:spLocks noGrp="1" noRot="1" noChangeAspect="1" noMove="1" noResize="1" noEditPoints="1" noAdjustHandles="1" noChangeArrowheads="1" noChangeShapeType="1" noTextEdit="1"/>
+              </p:cNvSpPr>
+              <p:nvPr>
+                <p:ph type="body" idx="1"/>
+              </p:nvPr>
+            </p:nvSpPr>
+            <p:spPr>
+              <a:xfrm>
+                <a:off x="319500" y="1846804"/>
+                <a:ext cx="2893600" cy="2806200"/>
+              </a:xfrm>
+              <a:blipFill>
+                <a:blip r:embed="rId2"/>
+                <a:stretch>
+                  <a:fillRect/>
+                </a:stretch>
+              </a:blipFill>
+            </p:spPr>
+            <p:txBody>
+              <a:bodyPr/>
+              <a:lstStyle/>
+              <a:p>
+                <a:r>
+                  <a:rPr lang="en-US">
+                    <a:noFill/>
+                  </a:rPr>
+                  <a:t> </a:t>
+                </a:r>
+              </a:p>
+            </p:txBody>
+          </p:sp>
+        </mc:Fallback>
+      </mc:AlternateContent>
+      <p:sp>
+        <p:nvSpPr>
+          <p:cNvPr id="4" name="TextBox 3">
+            <a:extLst>
+              <a:ext uri="{FF2B5EF4-FFF2-40B4-BE49-F238E27FC236}">
+                <a16:creationId xmlns:a16="http://schemas.microsoft.com/office/drawing/2014/main" id="{99DA1A14-75CE-4C0C-B8C1-47C4ECF77AFB}"/>
+              </a:ext>
+            </a:extLst>
+          </p:cNvPr>
+          <p:cNvSpPr txBox="1"/>
+          <p:nvPr/>
+        </p:nvSpPr>
+        <p:spPr>
+          <a:xfrm>
+            <a:off x="4394200" y="371147"/>
+            <a:ext cx="3961341" cy="4401205"/>
+          </a:xfrm>
+          <a:prstGeom prst="rect">
+            <a:avLst/>
+          </a:prstGeom>
+          <a:noFill/>
+        </p:spPr>
+        <p:txBody>
+          <a:bodyPr wrap="none" rtlCol="0">
+            <a:spAutoFit/>
+          </a:bodyPr>
+          <a:lstStyle/>
+          <a:p>
+            <a:r>
+              <a:rPr lang="en-US" dirty="0">
+                <a:solidFill>
+                  <a:schemeClr val="tx1"/>
+                </a:solidFill>
+                <a:latin typeface="Consolas" panose="020B0609020204030204" pitchFamily="49" charset="0"/>
+              </a:rPr>
+              <a:t>## Load in data</a:t>
+            </a:r>
+          </a:p>
+          <a:p>
+            <a:r>
+              <a:rPr lang="en-US" dirty="0">
+                <a:latin typeface="Consolas" panose="020B0609020204030204" pitchFamily="49" charset="0"/>
+              </a:rPr>
+              <a:t>data(</a:t>
+            </a:r>
+            <a:r>
+              <a:rPr lang="en-US" dirty="0" err="1">
+                <a:latin typeface="Consolas" panose="020B0609020204030204" pitchFamily="49" charset="0"/>
+              </a:rPr>
+              <a:t>mtcars</a:t>
+            </a:r>
+            <a:r>
+              <a:rPr lang="en-US" dirty="0">
+                <a:latin typeface="Consolas" panose="020B0609020204030204" pitchFamily="49" charset="0"/>
+              </a:rPr>
+              <a:t>)</a:t>
+            </a:r>
+          </a:p>
+          <a:p>
+            <a:endParaRPr lang="en-US" dirty="0">
+              <a:latin typeface="Consolas" panose="020B0609020204030204" pitchFamily="49" charset="0"/>
+            </a:endParaRPr>
+          </a:p>
+          <a:p>
+            <a:r>
+              <a:rPr lang="en-US" dirty="0">
+                <a:solidFill>
+                  <a:schemeClr val="tx1"/>
+                </a:solidFill>
+                <a:latin typeface="Consolas" panose="020B0609020204030204" pitchFamily="49" charset="0"/>
+              </a:rPr>
+              <a:t>## Define X matrix</a:t>
+            </a:r>
+          </a:p>
+          <a:p>
+            <a:r>
+              <a:rPr lang="en-US" dirty="0">
+                <a:latin typeface="Consolas" panose="020B0609020204030204" pitchFamily="49" charset="0"/>
+              </a:rPr>
+              <a:t>X &lt;- </a:t>
+            </a:r>
+            <a:r>
+              <a:rPr lang="en-US" dirty="0" err="1">
+                <a:latin typeface="Consolas" panose="020B0609020204030204" pitchFamily="49" charset="0"/>
+              </a:rPr>
+              <a:t>as.matrix</a:t>
+            </a:r>
+            <a:r>
+              <a:rPr lang="en-US" dirty="0">
+                <a:latin typeface="Consolas" panose="020B0609020204030204" pitchFamily="49" charset="0"/>
+              </a:rPr>
+              <a:t>(</a:t>
+            </a:r>
+            <a:r>
+              <a:rPr lang="en-US" dirty="0" err="1">
+                <a:latin typeface="Consolas" panose="020B0609020204030204" pitchFamily="49" charset="0"/>
+              </a:rPr>
+              <a:t>cbind</a:t>
+            </a:r>
+            <a:r>
+              <a:rPr lang="en-US" dirty="0">
+                <a:latin typeface="Consolas" panose="020B0609020204030204" pitchFamily="49" charset="0"/>
+              </a:rPr>
+              <a:t>(1,</a:t>
+            </a:r>
+          </a:p>
+          <a:p>
+            <a:r>
+              <a:rPr lang="en-US" dirty="0">
+                <a:latin typeface="Consolas" panose="020B0609020204030204" pitchFamily="49" charset="0"/>
+              </a:rPr>
+              <a:t>                     </a:t>
+            </a:r>
+            <a:r>
+              <a:rPr lang="en-US" dirty="0" err="1">
+                <a:latin typeface="Consolas" panose="020B0609020204030204" pitchFamily="49" charset="0"/>
+              </a:rPr>
+              <a:t>mtcars$cyl</a:t>
+            </a:r>
+            <a:r>
+              <a:rPr lang="en-US" dirty="0">
+                <a:latin typeface="Consolas" panose="020B0609020204030204" pitchFamily="49" charset="0"/>
+              </a:rPr>
+              <a:t>,</a:t>
+            </a:r>
+          </a:p>
+          <a:p>
+            <a:r>
+              <a:rPr lang="en-US" dirty="0">
+                <a:latin typeface="Consolas" panose="020B0609020204030204" pitchFamily="49" charset="0"/>
+              </a:rPr>
+              <a:t>                     </a:t>
+            </a:r>
+            <a:r>
+              <a:rPr lang="en-US" dirty="0" err="1">
+                <a:latin typeface="Consolas" panose="020B0609020204030204" pitchFamily="49" charset="0"/>
+              </a:rPr>
+              <a:t>mtcars$hp</a:t>
+            </a:r>
+            <a:r>
+              <a:rPr lang="en-US" dirty="0">
+                <a:latin typeface="Consolas" panose="020B0609020204030204" pitchFamily="49" charset="0"/>
+              </a:rPr>
+              <a:t>))</a:t>
+            </a:r>
+          </a:p>
+          <a:p>
+            <a:endParaRPr lang="en-US" dirty="0">
+              <a:latin typeface="Consolas" panose="020B0609020204030204" pitchFamily="49" charset="0"/>
+            </a:endParaRPr>
+          </a:p>
+          <a:p>
+            <a:r>
+              <a:rPr lang="en-US" dirty="0">
+                <a:solidFill>
+                  <a:schemeClr val="tx1"/>
+                </a:solidFill>
+                <a:latin typeface="Consolas" panose="020B0609020204030204" pitchFamily="49" charset="0"/>
+              </a:rPr>
+              <a:t>## Define y matrix</a:t>
+            </a:r>
+          </a:p>
+          <a:p>
+            <a:r>
+              <a:rPr lang="en-US" dirty="0">
+                <a:latin typeface="Consolas" panose="020B0609020204030204" pitchFamily="49" charset="0"/>
+              </a:rPr>
+              <a:t>y &lt;- </a:t>
+            </a:r>
+            <a:r>
+              <a:rPr lang="en-US" dirty="0" err="1">
+                <a:latin typeface="Consolas" panose="020B0609020204030204" pitchFamily="49" charset="0"/>
+              </a:rPr>
+              <a:t>as.matrix</a:t>
+            </a:r>
+            <a:r>
+              <a:rPr lang="en-US" dirty="0">
+                <a:latin typeface="Consolas" panose="020B0609020204030204" pitchFamily="49" charset="0"/>
+              </a:rPr>
+              <a:t>(</a:t>
+            </a:r>
+            <a:r>
+              <a:rPr lang="en-US" dirty="0" err="1">
+                <a:latin typeface="Consolas" panose="020B0609020204030204" pitchFamily="49" charset="0"/>
+              </a:rPr>
+              <a:t>mtcars$mpg</a:t>
+            </a:r>
+            <a:r>
+              <a:rPr lang="en-US" dirty="0">
+                <a:latin typeface="Consolas" panose="020B0609020204030204" pitchFamily="49" charset="0"/>
+              </a:rPr>
+              <a:t>)</a:t>
+            </a:r>
+          </a:p>
+          <a:p>
+            <a:endParaRPr lang="en-US" dirty="0">
+              <a:latin typeface="Consolas" panose="020B0609020204030204" pitchFamily="49" charset="0"/>
+            </a:endParaRPr>
+          </a:p>
+          <a:p>
+            <a:r>
+              <a:rPr lang="en-US" dirty="0">
+                <a:solidFill>
+                  <a:schemeClr val="tx1"/>
+                </a:solidFill>
+                <a:latin typeface="Consolas" panose="020B0609020204030204" pitchFamily="49" charset="0"/>
+              </a:rPr>
+              <a:t>## Solve for </a:t>
+            </a:r>
+            <a:r>
+              <a:rPr lang="en-US" dirty="0" err="1">
+                <a:solidFill>
+                  <a:schemeClr val="tx1"/>
+                </a:solidFill>
+                <a:latin typeface="Consolas" panose="020B0609020204030204" pitchFamily="49" charset="0"/>
+              </a:rPr>
+              <a:t>beta_hat</a:t>
+            </a:r>
+            <a:endParaRPr lang="en-US" dirty="0">
+              <a:solidFill>
+                <a:schemeClr val="tx1"/>
+              </a:solidFill>
+              <a:latin typeface="Consolas" panose="020B0609020204030204" pitchFamily="49" charset="0"/>
+            </a:endParaRPr>
+          </a:p>
+          <a:p>
+            <a:r>
+              <a:rPr lang="en-US" dirty="0" err="1">
+                <a:latin typeface="Consolas" panose="020B0609020204030204" pitchFamily="49" charset="0"/>
+              </a:rPr>
+              <a:t>beta_hat</a:t>
+            </a:r>
+            <a:r>
+              <a:rPr lang="en-US" dirty="0">
+                <a:latin typeface="Consolas" panose="020B0609020204030204" pitchFamily="49" charset="0"/>
+              </a:rPr>
+              <a:t> &lt;- solve(t(X)%*%X)%*%t(X)%*%y</a:t>
+            </a:r>
+          </a:p>
+          <a:p>
+            <a:endParaRPr lang="en-US" dirty="0">
+              <a:latin typeface="Consolas" panose="020B0609020204030204" pitchFamily="49" charset="0"/>
+            </a:endParaRPr>
+          </a:p>
+          <a:p>
+            <a:endParaRPr lang="en-US" dirty="0">
+              <a:latin typeface="Consolas" panose="020B0609020204030204" pitchFamily="49" charset="0"/>
+            </a:endParaRPr>
+          </a:p>
+          <a:p>
+            <a:r>
+              <a:rPr lang="en-US" dirty="0">
+                <a:solidFill>
+                  <a:schemeClr val="tx1"/>
+                </a:solidFill>
+                <a:latin typeface="Consolas" panose="020B0609020204030204" pitchFamily="49" charset="0"/>
+              </a:rPr>
+              <a:t>## Fit the same data using </a:t>
+            </a:r>
+            <a:r>
+              <a:rPr lang="en-US" dirty="0" err="1">
+                <a:solidFill>
+                  <a:schemeClr val="tx1"/>
+                </a:solidFill>
+                <a:latin typeface="Consolas" panose="020B0609020204030204" pitchFamily="49" charset="0"/>
+              </a:rPr>
+              <a:t>lm</a:t>
+            </a:r>
+            <a:endParaRPr lang="en-US" dirty="0">
+              <a:solidFill>
+                <a:schemeClr val="tx1"/>
+              </a:solidFill>
+              <a:latin typeface="Consolas" panose="020B0609020204030204" pitchFamily="49" charset="0"/>
+            </a:endParaRPr>
+          </a:p>
+          <a:p>
+            <a:r>
+              <a:rPr lang="en-US" dirty="0">
+                <a:latin typeface="Consolas" panose="020B0609020204030204" pitchFamily="49" charset="0"/>
+              </a:rPr>
+              <a:t>fit &lt;- </a:t>
+            </a:r>
+            <a:r>
+              <a:rPr lang="en-US" dirty="0" err="1">
+                <a:latin typeface="Consolas" panose="020B0609020204030204" pitchFamily="49" charset="0"/>
+              </a:rPr>
+              <a:t>lm</a:t>
+            </a:r>
+            <a:r>
+              <a:rPr lang="en-US" dirty="0">
+                <a:latin typeface="Consolas" panose="020B0609020204030204" pitchFamily="49" charset="0"/>
+              </a:rPr>
+              <a:t>(mpg ~ </a:t>
+            </a:r>
+            <a:r>
+              <a:rPr lang="en-US" dirty="0" err="1">
+                <a:latin typeface="Consolas" panose="020B0609020204030204" pitchFamily="49" charset="0"/>
+              </a:rPr>
+              <a:t>cyl</a:t>
+            </a:r>
+            <a:r>
+              <a:rPr lang="en-US" dirty="0">
+                <a:latin typeface="Consolas" panose="020B0609020204030204" pitchFamily="49" charset="0"/>
+              </a:rPr>
+              <a:t> + hp,</a:t>
+            </a:r>
+          </a:p>
+          <a:p>
+            <a:r>
+              <a:rPr lang="en-US" dirty="0">
+                <a:latin typeface="Consolas" panose="020B0609020204030204" pitchFamily="49" charset="0"/>
+              </a:rPr>
+              <a:t>          data = </a:t>
+            </a:r>
+            <a:r>
+              <a:rPr lang="en-US" dirty="0" err="1">
+                <a:latin typeface="Consolas" panose="020B0609020204030204" pitchFamily="49" charset="0"/>
+              </a:rPr>
+              <a:t>mtcars</a:t>
+            </a:r>
+            <a:r>
+              <a:rPr lang="en-US" dirty="0">
+                <a:latin typeface="Consolas" panose="020B0609020204030204" pitchFamily="49" charset="0"/>
+              </a:rPr>
+              <a:t>)</a:t>
+            </a:r>
+          </a:p>
+          <a:p>
+            <a:endParaRPr lang="en-US" dirty="0">
+              <a:latin typeface="Consolas" panose="020B0609020204030204" pitchFamily="49" charset="0"/>
+            </a:endParaRPr>
+          </a:p>
+          <a:p>
+            <a:r>
+              <a:rPr lang="en-US" dirty="0" err="1">
+                <a:latin typeface="Consolas" panose="020B0609020204030204" pitchFamily="49" charset="0"/>
+              </a:rPr>
+              <a:t>fit$coefficients</a:t>
+            </a:r>
+            <a:endParaRPr lang="en-US" dirty="0">
+              <a:latin typeface="Consolas" panose="020B0609020204030204" pitchFamily="49" charset="0"/>
+            </a:endParaRPr>
+          </a:p>
+        </p:txBody>
+      </p:sp>
+    </p:spTree>
+    <p:extLst>
+      <p:ext uri="{BB962C8B-B14F-4D97-AF65-F5344CB8AC3E}">
+        <p14:creationId xmlns:p14="http://schemas.microsoft.com/office/powerpoint/2010/main" val="1476329677"/>
+      </p:ext>
+    </p:extLst>
+  </p:cSld>
+  <p:clrMapOvr>
+    <a:masterClrMapping/>
+  </p:clrMapOvr>
+</p:sld>
+</file>
+
+<file path=ppt/slides/slide13.xml><?xml version="1.0" encoding="utf-8"?>
+<p:sld xmlns:a="http://schemas.openxmlformats.org/drawingml/2006/main" xmlns:r="http://schemas.openxmlformats.org/officeDocument/2006/relationships" xmlns:p="http://schemas.openxmlformats.org/presentationml/2006/main">
+  <p:cSld>
+    <p:spTree>
+      <p:nvGrpSpPr>
+        <p:cNvPr id="1" name=""/>
+        <p:cNvGrpSpPr/>
+        <p:nvPr/>
+      </p:nvGrpSpPr>
+      <p:grpSpPr>
+        <a:xfrm>
+          <a:off x="0" y="0"/>
+          <a:ext cx="0" cy="0"/>
+          <a:chOff x="0" y="0"/>
+          <a:chExt cx="0" cy="0"/>
+        </a:xfrm>
+      </p:grpSpPr>
+      <p:sp>
+        <p:nvSpPr>
+          <p:cNvPr id="2" name="Title 1">
+            <a:extLst>
+              <a:ext uri="{FF2B5EF4-FFF2-40B4-BE49-F238E27FC236}">
+                <a16:creationId xmlns:a16="http://schemas.microsoft.com/office/drawing/2014/main" id="{9FFFDF3E-5CD8-4D77-BE58-C3C27DF03A11}"/>
+              </a:ext>
+            </a:extLst>
+          </p:cNvPr>
+          <p:cNvSpPr>
+            <a:spLocks noGrp="1"/>
+          </p:cNvSpPr>
+          <p:nvPr>
+            <p:ph type="title"/>
+          </p:nvPr>
+        </p:nvSpPr>
+        <p:spPr/>
+        <p:txBody>
+          <a:bodyPr/>
+          <a:lstStyle/>
+          <a:p>
+            <a:r>
+              <a:rPr lang="en-US" dirty="0"/>
+              <a:t>Regression Model Metrics</a:t>
+            </a:r>
+          </a:p>
+        </p:txBody>
+      </p:sp>
+      <mc:AlternateContent xmlns:mc="http://schemas.openxmlformats.org/markup-compatibility/2006">
+        <mc:Choice xmlns:a14="http://schemas.microsoft.com/office/drawing/2010/main" Requires="a14">
+          <p:sp>
+            <p:nvSpPr>
+              <p:cNvPr id="3" name="Text Placeholder 2">
+                <a:extLst>
+                  <a:ext uri="{FF2B5EF4-FFF2-40B4-BE49-F238E27FC236}">
+                    <a16:creationId xmlns:a16="http://schemas.microsoft.com/office/drawing/2014/main" id="{1288011B-BC8F-41A8-A99A-A022FD4B2502}"/>
+                  </a:ext>
+                </a:extLst>
+              </p:cNvPr>
+              <p:cNvSpPr>
+                <a:spLocks noGrp="1"/>
+              </p:cNvSpPr>
+              <p:nvPr>
+                <p:ph type="body" idx="1"/>
+              </p:nvPr>
+            </p:nvSpPr>
+            <p:spPr>
+              <a:xfrm>
+                <a:off x="260350" y="1602675"/>
+                <a:ext cx="5211353" cy="3002400"/>
+              </a:xfrm>
+            </p:spPr>
+            <p:txBody>
+              <a:bodyPr/>
+              <a:lstStyle/>
+              <a:p>
+                <a:r>
+                  <a:rPr lang="en-US" dirty="0"/>
+                  <a:t>Sum of Squares</a:t>
+                </a:r>
+              </a:p>
+              <a:p>
+                <a:pPr marL="139700" indent="0" algn="ctr">
+                  <a:buNone/>
+                </a:pPr>
+                <a14:m>
+                  <m:oMath xmlns:m="http://schemas.openxmlformats.org/officeDocument/2006/math">
+                    <m:nary>
+                      <m:naryPr>
+                        <m:chr m:val="∑"/>
+                        <m:ctrlPr>
+                          <a:rPr lang="en-US" i="1" smtClean="0">
+                            <a:latin typeface="Cambria Math" panose="02040503050406030204" pitchFamily="18" charset="0"/>
+                          </a:rPr>
+                        </m:ctrlPr>
+                      </m:naryPr>
+                      <m:sub>
+                        <m:r>
+                          <m:rPr>
+                            <m:brk m:alnAt="23"/>
+                          </m:rPr>
+                          <a:rPr lang="en-US" b="0" i="1" smtClean="0">
+                            <a:latin typeface="Cambria Math" panose="02040503050406030204" pitchFamily="18" charset="0"/>
+                          </a:rPr>
+                          <m:t>𝑖</m:t>
+                        </m:r>
+                        <m:r>
+                          <a:rPr lang="en-US" b="0" i="1" smtClean="0">
+                            <a:latin typeface="Cambria Math" panose="02040503050406030204" pitchFamily="18" charset="0"/>
+                          </a:rPr>
+                          <m:t>=1</m:t>
+                        </m:r>
+                      </m:sub>
+                      <m:sup>
+                        <m:r>
+                          <a:rPr lang="en-US" b="0" i="1" smtClean="0">
+                            <a:latin typeface="Cambria Math" panose="02040503050406030204" pitchFamily="18" charset="0"/>
+                          </a:rPr>
+                          <m:t>𝑛</m:t>
+                        </m:r>
+                      </m:sup>
+                      <m:e>
+                        <m:sSup>
+                          <m:sSupPr>
+                            <m:ctrlPr>
+                              <a:rPr lang="en-US" i="1" smtClean="0">
+                                <a:latin typeface="Cambria Math" panose="02040503050406030204" pitchFamily="18" charset="0"/>
+                              </a:rPr>
+                            </m:ctrlPr>
+                          </m:sSupPr>
+                          <m:e>
+                            <m:d>
+                              <m:dPr>
+                                <m:ctrlPr>
+                                  <a:rPr lang="en-US" i="1" smtClean="0">
+                                    <a:latin typeface="Cambria Math" panose="02040503050406030204" pitchFamily="18" charset="0"/>
+                                  </a:rPr>
+                                </m:ctrlPr>
+                              </m:dPr>
+                              <m:e>
+                                <m:sSub>
+                                  <m:sSubPr>
+                                    <m:ctrlPr>
+                                      <a:rPr lang="en-US" i="1" smtClean="0">
+                                        <a:latin typeface="Cambria Math" panose="02040503050406030204" pitchFamily="18" charset="0"/>
+                                      </a:rPr>
+                                    </m:ctrlPr>
+                                  </m:sSubPr>
+                                  <m:e>
+                                    <m:r>
+                                      <a:rPr lang="en-US" b="0" i="1" smtClean="0">
+                                        <a:latin typeface="Cambria Math" panose="02040503050406030204" pitchFamily="18" charset="0"/>
+                                      </a:rPr>
+                                      <m:t>𝑦</m:t>
+                                    </m:r>
+                                  </m:e>
+                                  <m:sub>
+                                    <m:r>
+                                      <a:rPr lang="en-US" b="0" i="1" smtClean="0">
+                                        <a:latin typeface="Cambria Math" panose="02040503050406030204" pitchFamily="18" charset="0"/>
+                                      </a:rPr>
+                                      <m:t>𝑖</m:t>
+                                    </m:r>
+                                  </m:sub>
+                                </m:sSub>
+                                <m:r>
+                                  <a:rPr lang="en-US" b="0" i="1" smtClean="0">
+                                    <a:latin typeface="Cambria Math" panose="02040503050406030204" pitchFamily="18" charset="0"/>
+                                  </a:rPr>
+                                  <m:t>−</m:t>
+                                </m:r>
+                                <m:acc>
+                                  <m:accPr>
+                                    <m:chr m:val="̅"/>
+                                    <m:ctrlPr>
+                                      <a:rPr lang="en-US" b="0" i="1" smtClean="0">
+                                        <a:latin typeface="Cambria Math" panose="02040503050406030204" pitchFamily="18" charset="0"/>
+                                      </a:rPr>
+                                    </m:ctrlPr>
+                                  </m:accPr>
+                                  <m:e>
+                                    <m:r>
+                                      <a:rPr lang="en-US" b="0" i="1" smtClean="0">
+                                        <a:latin typeface="Cambria Math" panose="02040503050406030204" pitchFamily="18" charset="0"/>
+                                      </a:rPr>
+                                      <m:t>𝑦</m:t>
+                                    </m:r>
+                                  </m:e>
+                                </m:acc>
+                              </m:e>
+                            </m:d>
+                          </m:e>
+                          <m:sup>
+                            <m:r>
+                              <a:rPr lang="en-US" b="0" i="1" smtClean="0">
+                                <a:latin typeface="Cambria Math" panose="02040503050406030204" pitchFamily="18" charset="0"/>
+                              </a:rPr>
+                              <m:t>2</m:t>
+                            </m:r>
+                          </m:sup>
+                        </m:sSup>
+                      </m:e>
+                    </m:nary>
+                    <m:r>
+                      <a:rPr lang="en-US" b="0" i="1" smtClean="0">
+                        <a:latin typeface="Cambria Math" panose="02040503050406030204" pitchFamily="18" charset="0"/>
+                      </a:rPr>
+                      <m:t>=</m:t>
+                    </m:r>
+                    <m:nary>
+                      <m:naryPr>
+                        <m:chr m:val="∑"/>
+                        <m:ctrlPr>
+                          <a:rPr lang="en-US" i="1">
+                            <a:latin typeface="Cambria Math" panose="02040503050406030204" pitchFamily="18" charset="0"/>
+                          </a:rPr>
+                        </m:ctrlPr>
+                      </m:naryPr>
+                      <m:sub>
+                        <m:r>
+                          <m:rPr>
+                            <m:brk m:alnAt="23"/>
+                          </m:rPr>
+                          <a:rPr lang="en-US" i="1">
+                            <a:latin typeface="Cambria Math" panose="02040503050406030204" pitchFamily="18" charset="0"/>
+                          </a:rPr>
+                          <m:t>𝑖</m:t>
+                        </m:r>
+                        <m:r>
+                          <a:rPr lang="en-US" i="1">
+                            <a:latin typeface="Cambria Math" panose="02040503050406030204" pitchFamily="18" charset="0"/>
+                          </a:rPr>
+                          <m:t>=1</m:t>
+                        </m:r>
+                      </m:sub>
+                      <m:sup>
+                        <m:r>
+                          <a:rPr lang="en-US" i="1">
+                            <a:latin typeface="Cambria Math" panose="02040503050406030204" pitchFamily="18" charset="0"/>
+                          </a:rPr>
+                          <m:t>𝑛</m:t>
+                        </m:r>
+                      </m:sup>
+                      <m:e>
+                        <m:sSup>
+                          <m:sSupPr>
+                            <m:ctrlPr>
+                              <a:rPr lang="en-US" i="1">
+                                <a:latin typeface="Cambria Math" panose="02040503050406030204" pitchFamily="18" charset="0"/>
+                              </a:rPr>
+                            </m:ctrlPr>
+                          </m:sSupPr>
+                          <m:e>
+                            <m:d>
+                              <m:dPr>
+                                <m:ctrlPr>
+                                  <a:rPr lang="en-US" i="1">
+                                    <a:latin typeface="Cambria Math" panose="02040503050406030204" pitchFamily="18" charset="0"/>
+                                  </a:rPr>
+                                </m:ctrlPr>
+                              </m:dPr>
+                              <m:e>
+                                <m:sSub>
+                                  <m:sSubPr>
+                                    <m:ctrlPr>
+                                      <a:rPr lang="en-US" i="1" smtClean="0">
+                                        <a:latin typeface="Cambria Math" panose="02040503050406030204" pitchFamily="18" charset="0"/>
+                                      </a:rPr>
+                                    </m:ctrlPr>
+                                  </m:sSubPr>
+                                  <m:e>
+                                    <m:acc>
+                                      <m:accPr>
+                                        <m:chr m:val="̂"/>
+                                        <m:ctrlPr>
+                                          <a:rPr lang="en-US" i="1">
+                                            <a:latin typeface="Cambria Math" panose="02040503050406030204" pitchFamily="18" charset="0"/>
+                                          </a:rPr>
+                                        </m:ctrlPr>
+                                      </m:accPr>
+                                      <m:e>
+                                        <m:r>
+                                          <a:rPr lang="en-US" i="1">
+                                            <a:latin typeface="Cambria Math" panose="02040503050406030204" pitchFamily="18" charset="0"/>
+                                          </a:rPr>
+                                          <m:t>𝑦</m:t>
+                                        </m:r>
+                                      </m:e>
+                                    </m:acc>
+                                  </m:e>
+                                  <m:sub>
+                                    <m:r>
+                                      <a:rPr lang="en-US" b="0" i="1" smtClean="0">
+                                        <a:latin typeface="Cambria Math" panose="02040503050406030204" pitchFamily="18" charset="0"/>
+                                      </a:rPr>
+                                      <m:t>𝑖</m:t>
+                                    </m:r>
+                                  </m:sub>
+                                </m:sSub>
+                                <m:r>
+                                  <a:rPr lang="en-US" i="1">
+                                    <a:latin typeface="Cambria Math" panose="02040503050406030204" pitchFamily="18" charset="0"/>
+                                  </a:rPr>
+                                  <m:t>−</m:t>
+                                </m:r>
+                                <m:acc>
+                                  <m:accPr>
+                                    <m:chr m:val="̅"/>
+                                    <m:ctrlPr>
+                                      <a:rPr lang="en-US" i="1">
+                                        <a:latin typeface="Cambria Math" panose="02040503050406030204" pitchFamily="18" charset="0"/>
+                                      </a:rPr>
+                                    </m:ctrlPr>
+                                  </m:accPr>
+                                  <m:e>
+                                    <m:r>
+                                      <a:rPr lang="en-US" i="1">
+                                        <a:latin typeface="Cambria Math" panose="02040503050406030204" pitchFamily="18" charset="0"/>
+                                      </a:rPr>
+                                      <m:t>𝑦</m:t>
+                                    </m:r>
+                                  </m:e>
+                                </m:acc>
+                              </m:e>
+                            </m:d>
+                          </m:e>
+                          <m:sup>
+                            <m:r>
+                              <a:rPr lang="en-US" i="1">
+                                <a:latin typeface="Cambria Math" panose="02040503050406030204" pitchFamily="18" charset="0"/>
+                              </a:rPr>
+                              <m:t>2</m:t>
+                            </m:r>
+                          </m:sup>
+                        </m:sSup>
+                      </m:e>
+                    </m:nary>
+                  </m:oMath>
+                </a14:m>
+                <a:r>
+                  <a:rPr lang="en-US" dirty="0"/>
+                  <a:t>+ </a:t>
+                </a:r>
+                <a14:m>
+                  <m:oMath xmlns:m="http://schemas.openxmlformats.org/officeDocument/2006/math">
+                    <m:nary>
+                      <m:naryPr>
+                        <m:chr m:val="∑"/>
+                        <m:ctrlPr>
+                          <a:rPr lang="en-US" i="1">
+                            <a:latin typeface="Cambria Math" panose="02040503050406030204" pitchFamily="18" charset="0"/>
+                          </a:rPr>
+                        </m:ctrlPr>
+                      </m:naryPr>
+                      <m:sub>
+                        <m:r>
+                          <m:rPr>
+                            <m:brk m:alnAt="23"/>
+                          </m:rPr>
+                          <a:rPr lang="en-US" i="1">
+                            <a:latin typeface="Cambria Math" panose="02040503050406030204" pitchFamily="18" charset="0"/>
+                          </a:rPr>
+                          <m:t>𝑖</m:t>
+                        </m:r>
+                        <m:r>
+                          <a:rPr lang="en-US" i="1">
+                            <a:latin typeface="Cambria Math" panose="02040503050406030204" pitchFamily="18" charset="0"/>
+                          </a:rPr>
+                          <m:t>=1</m:t>
+                        </m:r>
+                      </m:sub>
+                      <m:sup>
+                        <m:r>
+                          <a:rPr lang="en-US" i="1">
+                            <a:latin typeface="Cambria Math" panose="02040503050406030204" pitchFamily="18" charset="0"/>
+                          </a:rPr>
+                          <m:t>𝑛</m:t>
+                        </m:r>
+                      </m:sup>
+                      <m:e>
+                        <m:sSup>
+                          <m:sSupPr>
+                            <m:ctrlPr>
+                              <a:rPr lang="en-US" i="1">
+                                <a:latin typeface="Cambria Math" panose="02040503050406030204" pitchFamily="18" charset="0"/>
+                              </a:rPr>
+                            </m:ctrlPr>
+                          </m:sSupPr>
+                          <m:e>
+                            <m:d>
+                              <m:dPr>
+                                <m:ctrlPr>
+                                  <a:rPr lang="en-US" i="1">
+                                    <a:latin typeface="Cambria Math" panose="02040503050406030204" pitchFamily="18" charset="0"/>
+                                  </a:rPr>
+                                </m:ctrlPr>
+                              </m:dPr>
+                              <m:e>
+                                <m:sSub>
+                                  <m:sSubPr>
+                                    <m:ctrlPr>
+                                      <a:rPr lang="en-US" i="1">
+                                        <a:latin typeface="Cambria Math" panose="02040503050406030204" pitchFamily="18" charset="0"/>
+                                      </a:rPr>
+                                    </m:ctrlPr>
+                                  </m:sSubPr>
+                                  <m:e>
+                                    <m:acc>
+                                      <m:accPr>
+                                        <m:chr m:val="̂"/>
+                                        <m:ctrlPr>
+                                          <a:rPr lang="en-US" i="1">
+                                            <a:latin typeface="Cambria Math" panose="02040503050406030204" pitchFamily="18" charset="0"/>
+                                          </a:rPr>
+                                        </m:ctrlPr>
+                                      </m:accPr>
+                                      <m:e>
+                                        <m:r>
+                                          <a:rPr lang="en-US" i="1">
+                                            <a:latin typeface="Cambria Math" panose="02040503050406030204" pitchFamily="18" charset="0"/>
+                                          </a:rPr>
+                                          <m:t>𝑦</m:t>
+                                        </m:r>
+                                      </m:e>
+                                    </m:acc>
+                                  </m:e>
+                                  <m:sub>
+                                    <m:r>
+                                      <a:rPr lang="en-US" i="1">
+                                        <a:latin typeface="Cambria Math" panose="02040503050406030204" pitchFamily="18" charset="0"/>
+                                      </a:rPr>
+                                      <m:t>𝑖</m:t>
+                                    </m:r>
+                                  </m:sub>
+                                </m:sSub>
+                                <m:r>
+                                  <a:rPr lang="en-US" i="1">
+                                    <a:latin typeface="Cambria Math" panose="02040503050406030204" pitchFamily="18" charset="0"/>
+                                  </a:rPr>
+                                  <m:t>−</m:t>
+                                </m:r>
+                                <m:sSub>
+                                  <m:sSubPr>
+                                    <m:ctrlPr>
+                                      <a:rPr lang="en-US" i="1" smtClean="0">
+                                        <a:latin typeface="Cambria Math" panose="02040503050406030204" pitchFamily="18" charset="0"/>
+                                      </a:rPr>
+                                    </m:ctrlPr>
+                                  </m:sSubPr>
+                                  <m:e>
+                                    <m:r>
+                                      <a:rPr lang="en-US" b="0" i="1" smtClean="0">
+                                        <a:latin typeface="Cambria Math" panose="02040503050406030204" pitchFamily="18" charset="0"/>
+                                      </a:rPr>
+                                      <m:t>𝑦</m:t>
+                                    </m:r>
+                                  </m:e>
+                                  <m:sub>
+                                    <m:r>
+                                      <a:rPr lang="en-US" b="0" i="1" smtClean="0">
+                                        <a:latin typeface="Cambria Math" panose="02040503050406030204" pitchFamily="18" charset="0"/>
+                                      </a:rPr>
+                                      <m:t>𝑖</m:t>
+                                    </m:r>
+                                  </m:sub>
+                                </m:sSub>
+                              </m:e>
+                            </m:d>
+                          </m:e>
+                          <m:sup>
+                            <m:r>
+                              <a:rPr lang="en-US" i="1">
+                                <a:latin typeface="Cambria Math" panose="02040503050406030204" pitchFamily="18" charset="0"/>
+                              </a:rPr>
+                              <m:t>2</m:t>
+                            </m:r>
+                          </m:sup>
+                        </m:sSup>
+                      </m:e>
+                    </m:nary>
+                  </m:oMath>
+                </a14:m>
+                <a:endParaRPr lang="en-US" dirty="0"/>
+              </a:p>
+              <a:p>
+                <a:pPr marL="139700" indent="0" algn="ctr">
+                  <a:buNone/>
+                </a:pPr>
+                <a:r>
+                  <a:rPr lang="en-US" i="1" dirty="0" err="1">
+                    <a:latin typeface="Cambria Math" panose="02040503050406030204" pitchFamily="18" charset="0"/>
+                    <a:ea typeface="Cambria Math" panose="02040503050406030204" pitchFamily="18" charset="0"/>
+                  </a:rPr>
+                  <a:t>SSTotal</a:t>
+                </a:r>
+                <a:r>
+                  <a:rPr lang="en-US" i="1" dirty="0">
+                    <a:latin typeface="Cambria Math" panose="02040503050406030204" pitchFamily="18" charset="0"/>
+                    <a:ea typeface="Cambria Math" panose="02040503050406030204" pitchFamily="18" charset="0"/>
+                  </a:rPr>
+                  <a:t> = </a:t>
+                </a:r>
+                <a:r>
+                  <a:rPr lang="en-US" i="1" dirty="0" err="1">
+                    <a:latin typeface="Cambria Math" panose="02040503050406030204" pitchFamily="18" charset="0"/>
+                    <a:ea typeface="Cambria Math" panose="02040503050406030204" pitchFamily="18" charset="0"/>
+                  </a:rPr>
+                  <a:t>SSReg</a:t>
+                </a:r>
+                <a:r>
+                  <a:rPr lang="en-US" i="1" dirty="0">
+                    <a:latin typeface="Cambria Math" panose="02040503050406030204" pitchFamily="18" charset="0"/>
+                    <a:ea typeface="Cambria Math" panose="02040503050406030204" pitchFamily="18" charset="0"/>
+                  </a:rPr>
+                  <a:t> + </a:t>
+                </a:r>
+                <a:r>
+                  <a:rPr lang="en-US" i="1" dirty="0" err="1">
+                    <a:latin typeface="Cambria Math" panose="02040503050406030204" pitchFamily="18" charset="0"/>
+                    <a:ea typeface="Cambria Math" panose="02040503050406030204" pitchFamily="18" charset="0"/>
+                  </a:rPr>
+                  <a:t>SSError</a:t>
+                </a:r>
+                <a:endParaRPr lang="en-US" i="1" dirty="0">
+                  <a:latin typeface="Cambria Math" panose="02040503050406030204" pitchFamily="18" charset="0"/>
+                  <a:ea typeface="Cambria Math" panose="02040503050406030204" pitchFamily="18" charset="0"/>
+                </a:endParaRPr>
+              </a:p>
+              <a:p>
+                <a:pPr marL="139700" indent="0" algn="ctr">
+                  <a:buNone/>
+                </a:pPr>
+                <a:endParaRPr lang="en-US" dirty="0"/>
+              </a:p>
+              <a:p>
+                <a:r>
+                  <a:rPr lang="en-US" dirty="0"/>
+                  <a:t>R</a:t>
+                </a:r>
+                <a:r>
+                  <a:rPr lang="en-US" baseline="30000" dirty="0"/>
+                  <a:t>2</a:t>
+                </a:r>
+                <a:r>
+                  <a:rPr lang="en-US" dirty="0"/>
+                  <a:t> : The Coefficient of Determination</a:t>
+                </a:r>
+                <a:endParaRPr lang="en-US" baseline="30000" dirty="0"/>
+              </a:p>
+              <a:p>
+                <a:pPr marL="139700" indent="0">
+                  <a:buNone/>
+                </a:pPr>
+                <a14:m>
+                  <m:oMathPara xmlns:m="http://schemas.openxmlformats.org/officeDocument/2006/math">
+                    <m:oMathParaPr>
+                      <m:jc m:val="centerGroup"/>
+                    </m:oMathParaPr>
+                    <m:oMath xmlns:m="http://schemas.openxmlformats.org/officeDocument/2006/math">
+                      <m:sSup>
+                        <m:sSupPr>
+                          <m:ctrlPr>
+                            <a:rPr lang="en-US" b="0" i="1" smtClean="0">
+                              <a:latin typeface="Cambria Math" panose="02040503050406030204" pitchFamily="18" charset="0"/>
+                            </a:rPr>
+                          </m:ctrlPr>
+                        </m:sSupPr>
+                        <m:e>
+                          <m:r>
+                            <a:rPr lang="en-US" b="0" i="1" smtClean="0">
+                              <a:latin typeface="Cambria Math" panose="02040503050406030204" pitchFamily="18" charset="0"/>
+                            </a:rPr>
+                            <m:t>𝑅</m:t>
+                          </m:r>
+                        </m:e>
+                        <m:sup>
+                          <m:r>
+                            <a:rPr lang="en-US" b="0" i="1" smtClean="0">
+                              <a:latin typeface="Cambria Math" panose="02040503050406030204" pitchFamily="18" charset="0"/>
+                            </a:rPr>
+                            <m:t>2</m:t>
+                          </m:r>
+                        </m:sup>
+                      </m:sSup>
+                      <m:r>
+                        <a:rPr lang="en-US" b="0" i="1" smtClean="0">
+                          <a:latin typeface="Cambria Math" panose="02040503050406030204" pitchFamily="18" charset="0"/>
+                        </a:rPr>
+                        <m:t>=</m:t>
+                      </m:r>
+                      <m:f>
+                        <m:fPr>
+                          <m:ctrlPr>
+                            <a:rPr lang="en-US" b="0" i="1" smtClean="0">
+                              <a:latin typeface="Cambria Math" panose="02040503050406030204" pitchFamily="18" charset="0"/>
+                            </a:rPr>
+                          </m:ctrlPr>
+                        </m:fPr>
+                        <m:num>
+                          <m:r>
+                            <a:rPr lang="en-US" b="0" i="1" smtClean="0">
+                              <a:latin typeface="Cambria Math" panose="02040503050406030204" pitchFamily="18" charset="0"/>
+                            </a:rPr>
+                            <m:t>𝑆𝑆𝑅</m:t>
+                          </m:r>
+                        </m:num>
+                        <m:den>
+                          <m:r>
+                            <a:rPr lang="en-US" b="0" i="1" smtClean="0">
+                              <a:latin typeface="Cambria Math" panose="02040503050406030204" pitchFamily="18" charset="0"/>
+                            </a:rPr>
+                            <m:t>𝑆𝑆𝑇</m:t>
+                          </m:r>
+                        </m:den>
+                      </m:f>
+                      <m:r>
+                        <a:rPr lang="en-US" b="0" i="1" smtClean="0">
+                          <a:latin typeface="Cambria Math" panose="02040503050406030204" pitchFamily="18" charset="0"/>
+                        </a:rPr>
+                        <m:t>=1−</m:t>
+                      </m:r>
+                      <m:f>
+                        <m:fPr>
+                          <m:ctrlPr>
+                            <a:rPr lang="en-US" b="0" i="1" smtClean="0">
+                              <a:latin typeface="Cambria Math" panose="02040503050406030204" pitchFamily="18" charset="0"/>
+                            </a:rPr>
+                          </m:ctrlPr>
+                        </m:fPr>
+                        <m:num>
+                          <m:r>
+                            <a:rPr lang="en-US" b="0" i="1" smtClean="0">
+                              <a:latin typeface="Cambria Math" panose="02040503050406030204" pitchFamily="18" charset="0"/>
+                            </a:rPr>
+                            <m:t>𝑆𝑆𝐸</m:t>
+                          </m:r>
+                        </m:num>
+                        <m:den>
+                          <m:r>
+                            <a:rPr lang="en-US" b="0" i="1" smtClean="0">
+                              <a:latin typeface="Cambria Math" panose="02040503050406030204" pitchFamily="18" charset="0"/>
+                            </a:rPr>
+                            <m:t>𝑆𝑆𝑇</m:t>
+                          </m:r>
+                        </m:den>
+                      </m:f>
+                    </m:oMath>
+                  </m:oMathPara>
+                </a14:m>
+                <a:endParaRPr lang="en-US" dirty="0"/>
+              </a:p>
+              <a:p>
+                <a:endParaRPr lang="en-US" dirty="0"/>
+              </a:p>
+            </p:txBody>
+          </p:sp>
+        </mc:Choice>
+        <mc:Fallback>
+          <p:sp>
+            <p:nvSpPr>
+              <p:cNvPr id="3" name="Text Placeholder 2">
+                <a:extLst>
+                  <a:ext uri="{FF2B5EF4-FFF2-40B4-BE49-F238E27FC236}">
+                    <a16:creationId xmlns:a16="http://schemas.microsoft.com/office/drawing/2014/main" id="{1288011B-BC8F-41A8-A99A-A022FD4B2502}"/>
+                  </a:ext>
+                </a:extLst>
+              </p:cNvPr>
+              <p:cNvSpPr>
+                <a:spLocks noGrp="1" noRot="1" noChangeAspect="1" noMove="1" noResize="1" noEditPoints="1" noAdjustHandles="1" noChangeArrowheads="1" noChangeShapeType="1" noTextEdit="1"/>
+              </p:cNvSpPr>
+              <p:nvPr>
+                <p:ph type="body" idx="1"/>
+              </p:nvPr>
+            </p:nvSpPr>
+            <p:spPr>
+              <a:xfrm>
+                <a:off x="260350" y="1602675"/>
+                <a:ext cx="5211353" cy="3002400"/>
+              </a:xfrm>
+              <a:blipFill>
+                <a:blip r:embed="rId2"/>
+                <a:stretch>
+                  <a:fillRect t="-203"/>
+                </a:stretch>
+              </a:blipFill>
+            </p:spPr>
+            <p:txBody>
+              <a:bodyPr/>
+              <a:lstStyle/>
+              <a:p>
+                <a:r>
+                  <a:rPr lang="en-US">
+                    <a:noFill/>
+                  </a:rPr>
+                  <a:t> </a:t>
+                </a:r>
+              </a:p>
+            </p:txBody>
+          </p:sp>
+        </mc:Fallback>
+      </mc:AlternateContent>
+      <p:sp>
+        <p:nvSpPr>
+          <p:cNvPr id="4" name="Text Placeholder 3">
+            <a:extLst>
+              <a:ext uri="{FF2B5EF4-FFF2-40B4-BE49-F238E27FC236}">
+                <a16:creationId xmlns:a16="http://schemas.microsoft.com/office/drawing/2014/main" id="{E4175656-5D40-425D-A2EE-480789A89149}"/>
+              </a:ext>
+            </a:extLst>
+          </p:cNvPr>
+          <p:cNvSpPr>
+            <a:spLocks noGrp="1"/>
+          </p:cNvSpPr>
+          <p:nvPr>
+            <p:ph type="body" idx="2"/>
+          </p:nvPr>
+        </p:nvSpPr>
+        <p:spPr/>
+        <p:txBody>
+          <a:bodyPr/>
+          <a:lstStyle/>
+          <a:p>
+            <a:r>
+              <a:rPr lang="en-US" dirty="0"/>
+              <a:t>Other things to look at:</a:t>
+            </a:r>
+          </a:p>
+          <a:p>
+            <a:pPr lvl="1"/>
+            <a:r>
+              <a:rPr lang="en-US" dirty="0"/>
+              <a:t>P-Values</a:t>
+            </a:r>
+          </a:p>
+          <a:p>
+            <a:pPr lvl="1"/>
+            <a:r>
+              <a:rPr lang="en-US" dirty="0"/>
+              <a:t>RMSE</a:t>
+            </a:r>
+          </a:p>
+          <a:p>
+            <a:pPr lvl="1"/>
+            <a:r>
+              <a:rPr lang="en-US" dirty="0"/>
+              <a:t>MAPE</a:t>
+            </a:r>
+          </a:p>
+        </p:txBody>
+      </p:sp>
+    </p:spTree>
+    <p:extLst>
+      <p:ext uri="{BB962C8B-B14F-4D97-AF65-F5344CB8AC3E}">
+        <p14:creationId xmlns:p14="http://schemas.microsoft.com/office/powerpoint/2010/main" val="3931309638"/>
+      </p:ext>
+    </p:extLst>
+  </p:cSld>
+  <p:clrMapOvr>
+    <a:masterClrMapping/>
+  </p:clrMapOvr>
+</p:sld>
+</file>
+
+<file path=ppt/slides/slide14.xml><?xml version="1.0" encoding="utf-8"?>
+<p:sld xmlns:a="http://schemas.openxmlformats.org/drawingml/2006/main" xmlns:r="http://schemas.openxmlformats.org/officeDocument/2006/relationships" xmlns:p="http://schemas.openxmlformats.org/presentationml/2006/main">
+  <p:cSld>
+    <p:spTree>
+      <p:nvGrpSpPr>
+        <p:cNvPr id="1" name=""/>
+        <p:cNvGrpSpPr/>
+        <p:nvPr/>
+      </p:nvGrpSpPr>
+      <p:grpSpPr>
+        <a:xfrm>
+          <a:off x="0" y="0"/>
+          <a:ext cx="0" cy="0"/>
+          <a:chOff x="0" y="0"/>
+          <a:chExt cx="0" cy="0"/>
+        </a:xfrm>
+      </p:grpSpPr>
+      <p:sp>
+        <p:nvSpPr>
+          <p:cNvPr id="2" name="Title 1">
+            <a:extLst>
+              <a:ext uri="{FF2B5EF4-FFF2-40B4-BE49-F238E27FC236}">
+                <a16:creationId xmlns:a16="http://schemas.microsoft.com/office/drawing/2014/main" id="{96CCC636-A7BA-4B19-A962-009FDDC9D794}"/>
+              </a:ext>
+            </a:extLst>
+          </p:cNvPr>
+          <p:cNvSpPr>
+            <a:spLocks noGrp="1"/>
+          </p:cNvSpPr>
+          <p:nvPr>
+            <p:ph type="title"/>
+          </p:nvPr>
+        </p:nvSpPr>
+        <p:spPr/>
+        <p:txBody>
+          <a:bodyPr/>
+          <a:lstStyle/>
+          <a:p>
+            <a:r>
+              <a:rPr lang="en-US" dirty="0"/>
+              <a:t>Tree-Based Classification</a:t>
+            </a:r>
+          </a:p>
+        </p:txBody>
+      </p:sp>
+      <p:sp>
+        <p:nvSpPr>
+          <p:cNvPr id="3" name="Text Placeholder 2">
+            <a:extLst>
+              <a:ext uri="{FF2B5EF4-FFF2-40B4-BE49-F238E27FC236}">
+                <a16:creationId xmlns:a16="http://schemas.microsoft.com/office/drawing/2014/main" id="{3D0582B5-5A3D-401F-90F1-0860B0B4CA57}"/>
+              </a:ext>
+            </a:extLst>
+          </p:cNvPr>
+          <p:cNvSpPr>
+            <a:spLocks noGrp="1"/>
+          </p:cNvSpPr>
+          <p:nvPr>
+            <p:ph type="body" idx="1"/>
+          </p:nvPr>
+        </p:nvSpPr>
+        <p:spPr/>
+        <p:txBody>
+          <a:bodyPr/>
+          <a:lstStyle/>
+          <a:p>
+            <a:pPr>
+              <a:spcBef>
+                <a:spcPts val="600"/>
+              </a:spcBef>
+            </a:pPr>
+            <a:r>
+              <a:rPr lang="en-US" dirty="0"/>
+              <a:t>Decision Trees</a:t>
+            </a:r>
+          </a:p>
+          <a:p>
+            <a:pPr lvl="1">
+              <a:spcBef>
+                <a:spcPts val="600"/>
+              </a:spcBef>
+            </a:pPr>
+            <a:r>
+              <a:rPr lang="en-US" dirty="0"/>
+              <a:t>Pick the most discriminable factor first, then continue to split]</a:t>
+            </a:r>
+          </a:p>
+          <a:p>
+            <a:pPr>
+              <a:spcBef>
+                <a:spcPts val="600"/>
+              </a:spcBef>
+            </a:pPr>
+            <a:r>
+              <a:rPr lang="en-US" dirty="0"/>
+              <a:t>Random Forests</a:t>
+            </a:r>
+          </a:p>
+          <a:p>
+            <a:pPr lvl="1">
+              <a:spcBef>
+                <a:spcPts val="600"/>
+              </a:spcBef>
+            </a:pPr>
+            <a:r>
+              <a:rPr lang="en-US" dirty="0"/>
+              <a:t>Generate a bunch of random decision trees and vote on the most popular answer</a:t>
+            </a:r>
+          </a:p>
+          <a:p>
+            <a:pPr marL="152400" indent="0">
+              <a:spcBef>
+                <a:spcPts val="600"/>
+              </a:spcBef>
+              <a:buNone/>
+            </a:pPr>
+            <a:r>
+              <a:rPr lang="en-US" dirty="0"/>
+              <a:t>Finishes based on some entropy/purity criterion</a:t>
+            </a:r>
+          </a:p>
+        </p:txBody>
+      </p:sp>
+      <p:pic>
+        <p:nvPicPr>
+          <p:cNvPr id="4" name="Picture 5">
+            <a:extLst>
+              <a:ext uri="{FF2B5EF4-FFF2-40B4-BE49-F238E27FC236}">
+                <a16:creationId xmlns:a16="http://schemas.microsoft.com/office/drawing/2014/main" id="{1694E871-97EE-4B75-BF62-89F6BF9B9FFA}"/>
+              </a:ext>
+            </a:extLst>
+          </p:cNvPr>
+          <p:cNvPicPr>
+            <a:picLocks noChangeAspect="1" noChangeArrowheads="1"/>
+          </p:cNvPicPr>
+          <p:nvPr/>
+        </p:nvPicPr>
+        <p:blipFill>
+          <a:blip r:embed="rId2" cstate="print"/>
+          <a:srcRect/>
+          <a:stretch>
+            <a:fillRect/>
+          </a:stretch>
+        </p:blipFill>
+        <p:spPr bwMode="auto">
+          <a:xfrm>
+            <a:off x="3229974" y="891540"/>
+            <a:ext cx="5914026" cy="3360420"/>
+          </a:xfrm>
+          <a:prstGeom prst="rect">
+            <a:avLst/>
+          </a:prstGeom>
+          <a:noFill/>
+          <a:ln w="9525">
+            <a:noFill/>
+            <a:miter lim="800000"/>
+            <a:headEnd/>
+            <a:tailEnd/>
+          </a:ln>
+          <a:effectLst/>
+        </p:spPr>
+      </p:pic>
+      <p:sp>
+        <p:nvSpPr>
+          <p:cNvPr id="5" name="Rectangle 4">
+            <a:extLst>
+              <a:ext uri="{FF2B5EF4-FFF2-40B4-BE49-F238E27FC236}">
+                <a16:creationId xmlns:a16="http://schemas.microsoft.com/office/drawing/2014/main" id="{0B85A17D-4898-4FB3-92D0-C2CF3291FDEC}"/>
+              </a:ext>
+            </a:extLst>
+          </p:cNvPr>
+          <p:cNvSpPr/>
+          <p:nvPr/>
+        </p:nvSpPr>
+        <p:spPr>
+          <a:xfrm>
+            <a:off x="4632960" y="4889584"/>
+            <a:ext cx="4572000" cy="253916"/>
+          </a:xfrm>
+          <a:prstGeom prst="rect">
+            <a:avLst/>
+          </a:prstGeom>
+        </p:spPr>
+        <p:txBody>
+          <a:bodyPr>
+            <a:spAutoFit/>
+          </a:bodyPr>
+          <a:lstStyle/>
+          <a:p>
+            <a:r>
+              <a:rPr lang="en-US" sz="1050" dirty="0">
+                <a:hlinkClick r:id="rId3"/>
+              </a:rPr>
+              <a:t>https://www.cmpe.boun.edu.tr/~ethem/i2ml3e/3e_v1-0/i2ml3e-chap9.pptx</a:t>
+            </a:r>
+            <a:endParaRPr lang="en-US" sz="1050" dirty="0"/>
+          </a:p>
+        </p:txBody>
+      </p:sp>
+    </p:spTree>
+    <p:extLst>
+      <p:ext uri="{BB962C8B-B14F-4D97-AF65-F5344CB8AC3E}">
+        <p14:creationId xmlns:p14="http://schemas.microsoft.com/office/powerpoint/2010/main" val="3250852460"/>
+      </p:ext>
+    </p:extLst>
+  </p:cSld>
+  <p:clrMapOvr>
+    <a:masterClrMapping/>
+  </p:clrMapOvr>
+</p:sld>
+</file>
+
+<file path=ppt/slides/slide15.xml><?xml version="1.0" encoding="utf-8"?>
+<p:sld xmlns:a="http://schemas.openxmlformats.org/drawingml/2006/main" xmlns:r="http://schemas.openxmlformats.org/officeDocument/2006/relationships" xmlns:p="http://schemas.openxmlformats.org/presentationml/2006/main">
+  <p:cSld>
+    <p:spTree>
+      <p:nvGrpSpPr>
+        <p:cNvPr id="1" name=""/>
+        <p:cNvGrpSpPr/>
+        <p:nvPr/>
+      </p:nvGrpSpPr>
+      <p:grpSpPr>
+        <a:xfrm>
+          <a:off x="0" y="0"/>
+          <a:ext cx="0" cy="0"/>
+          <a:chOff x="0" y="0"/>
+          <a:chExt cx="0" cy="0"/>
+        </a:xfrm>
+      </p:grpSpPr>
+      <p:sp>
+        <p:nvSpPr>
+          <p:cNvPr id="346114" name="Rectangle 2"/>
+          <p:cNvSpPr>
+            <a:spLocks noGrp="1" noChangeArrowheads="1"/>
+          </p:cNvSpPr>
+          <p:nvPr>
+            <p:ph type="title"/>
+          </p:nvPr>
+        </p:nvSpPr>
+        <p:spPr/>
+        <p:txBody>
+          <a:bodyPr/>
+          <a:lstStyle/>
+          <a:p>
+            <a:r>
+              <a:rPr lang="tr-TR" dirty="0"/>
+              <a:t>Divide and Conquer</a:t>
+            </a:r>
+          </a:p>
+        </p:txBody>
+      </p:sp>
+      <p:sp>
+        <p:nvSpPr>
+          <p:cNvPr id="5" name="Slide Number Placeholder 4"/>
+          <p:cNvSpPr>
+            <a:spLocks noGrp="1"/>
+          </p:cNvSpPr>
+          <p:nvPr>
+            <p:ph type="sldNum" sz="quarter" idx="12"/>
+          </p:nvPr>
+        </p:nvSpPr>
+        <p:spPr/>
+        <p:txBody>
+          <a:bodyPr>
+            <a:normAutofit/>
+          </a:bodyPr>
+          <a:lstStyle/>
+          <a:p>
+            <a:fld id="{EFD79178-3801-442D-9A2F-5D922A383BA0}" type="slidenum">
+              <a:rPr lang="tr-TR"/>
+              <a:pPr/>
+              <a:t>15</a:t>
+            </a:fld>
+            <a:endParaRPr lang="tr-TR"/>
+          </a:p>
+        </p:txBody>
+      </p:sp>
+      <p:sp>
+        <p:nvSpPr>
+          <p:cNvPr id="346115" name="Rectangle 3"/>
+          <p:cNvSpPr>
+            <a:spLocks noGrp="1" noChangeArrowheads="1"/>
+          </p:cNvSpPr>
+          <p:nvPr>
+            <p:ph sz="quarter" idx="1"/>
+          </p:nvPr>
+        </p:nvSpPr>
+        <p:spPr>
+          <a:xfrm>
+            <a:off x="612648" y="914400"/>
+            <a:ext cx="8153400" cy="3657600"/>
+          </a:xfrm>
+        </p:spPr>
+        <p:txBody>
+          <a:bodyPr/>
+          <a:lstStyle/>
+          <a:p>
+            <a:pPr>
+              <a:lnSpc>
+                <a:spcPct val="90000"/>
+              </a:lnSpc>
+              <a:spcBef>
+                <a:spcPts val="600"/>
+              </a:spcBef>
+            </a:pPr>
+            <a:r>
+              <a:rPr lang="tr-TR" dirty="0">
+                <a:solidFill>
+                  <a:schemeClr val="tx1"/>
+                </a:solidFill>
+                <a:latin typeface="+mj-lt"/>
+              </a:rPr>
+              <a:t>Internal decision nodes</a:t>
+            </a:r>
+          </a:p>
+          <a:p>
+            <a:pPr lvl="1">
+              <a:lnSpc>
+                <a:spcPct val="90000"/>
+              </a:lnSpc>
+              <a:spcBef>
+                <a:spcPts val="600"/>
+              </a:spcBef>
+            </a:pPr>
+            <a:r>
+              <a:rPr lang="tr-TR" sz="1800" dirty="0">
+                <a:solidFill>
+                  <a:schemeClr val="tx1"/>
+                </a:solidFill>
+                <a:latin typeface="+mj-lt"/>
+              </a:rPr>
+              <a:t>Univariate: Uses a single attribute, </a:t>
+            </a:r>
+            <a:r>
+              <a:rPr lang="tr-TR" sz="1800" i="1" dirty="0">
+                <a:solidFill>
+                  <a:schemeClr val="tx1"/>
+                </a:solidFill>
+                <a:latin typeface="+mj-lt"/>
+              </a:rPr>
+              <a:t>x</a:t>
+            </a:r>
+            <a:r>
+              <a:rPr lang="tr-TR" sz="1800" i="1" baseline="-25000" dirty="0">
+                <a:solidFill>
+                  <a:schemeClr val="tx1"/>
+                </a:solidFill>
+                <a:latin typeface="+mj-lt"/>
+              </a:rPr>
+              <a:t>i</a:t>
+            </a:r>
+          </a:p>
+          <a:p>
+            <a:pPr lvl="2">
+              <a:lnSpc>
+                <a:spcPct val="90000"/>
+              </a:lnSpc>
+              <a:spcBef>
+                <a:spcPts val="600"/>
+              </a:spcBef>
+            </a:pPr>
+            <a:r>
+              <a:rPr lang="tr-TR" sz="1800" dirty="0">
+                <a:solidFill>
+                  <a:schemeClr val="tx1"/>
+                </a:solidFill>
+                <a:latin typeface="+mj-lt"/>
+              </a:rPr>
+              <a:t>Numeric </a:t>
+            </a:r>
+            <a:r>
+              <a:rPr lang="tr-TR" sz="1800" i="1" dirty="0">
+                <a:solidFill>
+                  <a:schemeClr val="tx1"/>
+                </a:solidFill>
+                <a:latin typeface="+mj-lt"/>
+              </a:rPr>
+              <a:t>x</a:t>
+            </a:r>
+            <a:r>
+              <a:rPr lang="tr-TR" sz="1800" i="1" baseline="-25000" dirty="0">
+                <a:solidFill>
+                  <a:schemeClr val="tx1"/>
+                </a:solidFill>
+                <a:latin typeface="+mj-lt"/>
+              </a:rPr>
+              <a:t>i</a:t>
+            </a:r>
+            <a:r>
+              <a:rPr lang="tr-TR" sz="1800" dirty="0">
+                <a:solidFill>
+                  <a:schemeClr val="tx1"/>
+                </a:solidFill>
+                <a:latin typeface="+mj-lt"/>
+              </a:rPr>
+              <a:t> : Binary split : </a:t>
+            </a:r>
+            <a:r>
+              <a:rPr lang="tr-TR" sz="1800" i="1" dirty="0">
+                <a:solidFill>
+                  <a:schemeClr val="tx1"/>
+                </a:solidFill>
+                <a:latin typeface="+mj-lt"/>
+              </a:rPr>
+              <a:t>x</a:t>
+            </a:r>
+            <a:r>
+              <a:rPr lang="tr-TR" sz="1800" i="1" baseline="-25000" dirty="0">
+                <a:solidFill>
+                  <a:schemeClr val="tx1"/>
+                </a:solidFill>
+                <a:latin typeface="+mj-lt"/>
+              </a:rPr>
+              <a:t>i</a:t>
+            </a:r>
+            <a:r>
+              <a:rPr lang="tr-TR" sz="1800" dirty="0">
+                <a:solidFill>
+                  <a:schemeClr val="tx1"/>
+                </a:solidFill>
+                <a:latin typeface="+mj-lt"/>
+              </a:rPr>
+              <a:t>  &gt; </a:t>
+            </a:r>
+            <a:r>
+              <a:rPr lang="tr-TR" sz="1800" i="1" dirty="0">
+                <a:solidFill>
+                  <a:schemeClr val="tx1"/>
+                </a:solidFill>
+                <a:latin typeface="+mj-lt"/>
+              </a:rPr>
+              <a:t>w</a:t>
+            </a:r>
+            <a:r>
+              <a:rPr lang="tr-TR" sz="1800" i="1" baseline="-25000" dirty="0">
+                <a:solidFill>
+                  <a:schemeClr val="tx1"/>
+                </a:solidFill>
+                <a:latin typeface="+mj-lt"/>
+              </a:rPr>
+              <a:t>m</a:t>
+            </a:r>
+            <a:endParaRPr lang="tr-TR" sz="1800" dirty="0">
+              <a:solidFill>
+                <a:schemeClr val="tx1"/>
+              </a:solidFill>
+              <a:latin typeface="+mj-lt"/>
+            </a:endParaRPr>
+          </a:p>
+          <a:p>
+            <a:pPr lvl="2">
+              <a:lnSpc>
+                <a:spcPct val="90000"/>
+              </a:lnSpc>
+              <a:spcBef>
+                <a:spcPts val="600"/>
+              </a:spcBef>
+            </a:pPr>
+            <a:r>
+              <a:rPr lang="tr-TR" sz="1800" dirty="0">
+                <a:solidFill>
+                  <a:schemeClr val="tx1"/>
+                </a:solidFill>
+                <a:latin typeface="+mj-lt"/>
+              </a:rPr>
+              <a:t>Discrete </a:t>
+            </a:r>
+            <a:r>
+              <a:rPr lang="tr-TR" sz="1800" i="1" dirty="0">
+                <a:solidFill>
+                  <a:schemeClr val="tx1"/>
+                </a:solidFill>
+                <a:latin typeface="+mj-lt"/>
+              </a:rPr>
+              <a:t>x</a:t>
+            </a:r>
+            <a:r>
+              <a:rPr lang="tr-TR" sz="1800" i="1" baseline="-25000" dirty="0">
+                <a:solidFill>
+                  <a:schemeClr val="tx1"/>
+                </a:solidFill>
+                <a:latin typeface="+mj-lt"/>
+              </a:rPr>
+              <a:t>i</a:t>
+            </a:r>
+            <a:r>
+              <a:rPr lang="tr-TR" sz="1800" dirty="0">
+                <a:solidFill>
+                  <a:schemeClr val="tx1"/>
+                </a:solidFill>
+                <a:latin typeface="+mj-lt"/>
+              </a:rPr>
+              <a:t> : </a:t>
+            </a:r>
+            <a:r>
+              <a:rPr lang="tr-TR" sz="1800" i="1" dirty="0">
+                <a:solidFill>
+                  <a:schemeClr val="tx1"/>
+                </a:solidFill>
+                <a:latin typeface="+mj-lt"/>
+              </a:rPr>
+              <a:t>n</a:t>
+            </a:r>
+            <a:r>
+              <a:rPr lang="tr-TR" sz="1800" dirty="0">
+                <a:solidFill>
+                  <a:schemeClr val="tx1"/>
+                </a:solidFill>
+                <a:latin typeface="+mj-lt"/>
+              </a:rPr>
+              <a:t>-way split for </a:t>
+            </a:r>
+            <a:r>
+              <a:rPr lang="tr-TR" sz="1800" i="1" dirty="0">
+                <a:solidFill>
+                  <a:schemeClr val="tx1"/>
+                </a:solidFill>
+                <a:latin typeface="+mj-lt"/>
+              </a:rPr>
+              <a:t>n</a:t>
+            </a:r>
+            <a:r>
+              <a:rPr lang="tr-TR" sz="1800" dirty="0">
+                <a:solidFill>
+                  <a:schemeClr val="tx1"/>
+                </a:solidFill>
+                <a:latin typeface="+mj-lt"/>
+              </a:rPr>
+              <a:t> possible values</a:t>
+            </a:r>
+            <a:endParaRPr lang="tr-TR" sz="1800" i="1" baseline="-25000" dirty="0">
+              <a:solidFill>
+                <a:schemeClr val="tx1"/>
+              </a:solidFill>
+              <a:latin typeface="+mj-lt"/>
+            </a:endParaRPr>
+          </a:p>
+          <a:p>
+            <a:pPr lvl="1">
+              <a:lnSpc>
+                <a:spcPct val="90000"/>
+              </a:lnSpc>
+              <a:spcBef>
+                <a:spcPts val="600"/>
+              </a:spcBef>
+            </a:pPr>
+            <a:r>
+              <a:rPr lang="tr-TR" sz="1800" dirty="0">
+                <a:solidFill>
+                  <a:schemeClr val="tx1"/>
+                </a:solidFill>
+                <a:latin typeface="+mj-lt"/>
+              </a:rPr>
+              <a:t>Multivariate: Uses all attributes, </a:t>
+            </a:r>
+            <a:r>
+              <a:rPr lang="tr-TR" sz="1800" b="1" i="1" dirty="0">
+                <a:solidFill>
+                  <a:schemeClr val="tx1"/>
+                </a:solidFill>
+                <a:latin typeface="+mj-lt"/>
+              </a:rPr>
+              <a:t>x</a:t>
+            </a:r>
+            <a:endParaRPr lang="tr-TR" sz="1800" b="1" i="1" baseline="-25000" dirty="0">
+              <a:solidFill>
+                <a:schemeClr val="tx1"/>
+              </a:solidFill>
+              <a:latin typeface="+mj-lt"/>
+            </a:endParaRPr>
+          </a:p>
+          <a:p>
+            <a:pPr>
+              <a:lnSpc>
+                <a:spcPct val="90000"/>
+              </a:lnSpc>
+              <a:spcBef>
+                <a:spcPts val="600"/>
+              </a:spcBef>
+            </a:pPr>
+            <a:r>
+              <a:rPr lang="tr-TR" dirty="0">
+                <a:solidFill>
+                  <a:schemeClr val="tx1"/>
+                </a:solidFill>
+                <a:latin typeface="+mj-lt"/>
+              </a:rPr>
+              <a:t>Leaves</a:t>
+            </a:r>
+          </a:p>
+          <a:p>
+            <a:pPr lvl="1">
+              <a:lnSpc>
+                <a:spcPct val="90000"/>
+              </a:lnSpc>
+              <a:spcBef>
+                <a:spcPts val="600"/>
+              </a:spcBef>
+            </a:pPr>
+            <a:r>
+              <a:rPr lang="tr-TR" sz="1800" dirty="0">
+                <a:solidFill>
+                  <a:schemeClr val="tx1"/>
+                </a:solidFill>
+                <a:latin typeface="+mj-lt"/>
+              </a:rPr>
+              <a:t>Classification: Class labels, or proportions</a:t>
+            </a:r>
+          </a:p>
+          <a:p>
+            <a:pPr lvl="1">
+              <a:lnSpc>
+                <a:spcPct val="90000"/>
+              </a:lnSpc>
+              <a:spcBef>
+                <a:spcPts val="600"/>
+              </a:spcBef>
+            </a:pPr>
+            <a:r>
+              <a:rPr lang="tr-TR" sz="1800" dirty="0">
+                <a:solidFill>
+                  <a:schemeClr val="tx1"/>
+                </a:solidFill>
+                <a:latin typeface="+mj-lt"/>
+              </a:rPr>
+              <a:t>Regression: Numeric; </a:t>
+            </a:r>
+            <a:r>
+              <a:rPr lang="tr-TR" sz="1800" i="1" dirty="0">
+                <a:solidFill>
+                  <a:schemeClr val="tx1"/>
+                </a:solidFill>
+                <a:latin typeface="+mj-lt"/>
+              </a:rPr>
+              <a:t>r</a:t>
+            </a:r>
+            <a:r>
+              <a:rPr lang="tr-TR" sz="1800" dirty="0">
+                <a:solidFill>
+                  <a:schemeClr val="tx1"/>
+                </a:solidFill>
+                <a:latin typeface="+mj-lt"/>
+              </a:rPr>
+              <a:t> average, or local fit</a:t>
+            </a:r>
+          </a:p>
+          <a:p>
+            <a:pPr>
+              <a:lnSpc>
+                <a:spcPct val="90000"/>
+              </a:lnSpc>
+              <a:spcBef>
+                <a:spcPts val="600"/>
+              </a:spcBef>
+            </a:pPr>
+            <a:r>
+              <a:rPr lang="tr-TR" dirty="0">
+                <a:solidFill>
+                  <a:schemeClr val="tx1"/>
+                </a:solidFill>
+                <a:latin typeface="+mj-lt"/>
+              </a:rPr>
+              <a:t>Learning is </a:t>
+            </a:r>
+            <a:r>
+              <a:rPr lang="tr-TR" dirty="0">
+                <a:solidFill>
+                  <a:schemeClr val="accent1"/>
+                </a:solidFill>
+                <a:latin typeface="+mj-lt"/>
+              </a:rPr>
+              <a:t>greedy</a:t>
+            </a:r>
+            <a:r>
+              <a:rPr lang="tr-TR" dirty="0">
+                <a:solidFill>
+                  <a:schemeClr val="tx1"/>
+                </a:solidFill>
+                <a:latin typeface="+mj-lt"/>
+              </a:rPr>
+              <a:t>; find the best split recursively (Breiman et al, 1984; Quinlan, 1986, 1993) </a:t>
+            </a:r>
+          </a:p>
+        </p:txBody>
+      </p:sp>
+    </p:spTree>
+  </p:cSld>
+  <p:clrMapOvr>
+    <a:masterClrMapping/>
+  </p:clrMapOvr>
+</p:sld>
+</file>
+
+<file path=ppt/slides/slide16.xml><?xml version="1.0" encoding="utf-8"?>
+<p:sld xmlns:a="http://schemas.openxmlformats.org/drawingml/2006/main" xmlns:r="http://schemas.openxmlformats.org/officeDocument/2006/relationships" xmlns:p="http://schemas.openxmlformats.org/presentationml/2006/main">
+  <p:cSld>
+    <p:spTree>
+      <p:nvGrpSpPr>
+        <p:cNvPr id="1" name=""/>
+        <p:cNvGrpSpPr/>
+        <p:nvPr/>
+      </p:nvGrpSpPr>
+      <p:grpSpPr>
+        <a:xfrm>
+          <a:off x="0" y="0"/>
+          <a:ext cx="0" cy="0"/>
+          <a:chOff x="0" y="0"/>
+          <a:chExt cx="0" cy="0"/>
+        </a:xfrm>
+      </p:grpSpPr>
+      <p:sp>
+        <p:nvSpPr>
+          <p:cNvPr id="347138" name="Rectangle 2"/>
+          <p:cNvSpPr>
+            <a:spLocks noGrp="1" noChangeArrowheads="1"/>
+          </p:cNvSpPr>
+          <p:nvPr>
+            <p:ph type="title"/>
+          </p:nvPr>
+        </p:nvSpPr>
+        <p:spPr/>
+        <p:txBody>
+          <a:bodyPr>
+            <a:noAutofit/>
+          </a:bodyPr>
+          <a:lstStyle/>
+          <a:p>
+            <a:r>
+              <a:rPr lang="tr-TR" dirty="0"/>
+              <a:t>Classification Trees (ID3,CART,C4.5)</a:t>
+            </a:r>
+          </a:p>
+        </p:txBody>
+      </p:sp>
+      <p:sp>
+        <p:nvSpPr>
+          <p:cNvPr id="8" name="Slide Number Placeholder 4"/>
+          <p:cNvSpPr>
+            <a:spLocks noGrp="1"/>
+          </p:cNvSpPr>
+          <p:nvPr>
+            <p:ph type="sldNum" sz="quarter" idx="12"/>
+          </p:nvPr>
+        </p:nvSpPr>
+        <p:spPr/>
+        <p:txBody>
+          <a:bodyPr>
+            <a:normAutofit/>
+          </a:bodyPr>
+          <a:lstStyle/>
+          <a:p>
+            <a:fld id="{F6E1DC87-3DF8-4536-96F3-3C9B9F8DA82B}" type="slidenum">
+              <a:rPr lang="tr-TR"/>
+              <a:pPr/>
+              <a:t>16</a:t>
+            </a:fld>
+            <a:endParaRPr lang="tr-TR"/>
+          </a:p>
+        </p:txBody>
+      </p:sp>
+      <p:graphicFrame>
+        <p:nvGraphicFramePr>
+          <p:cNvPr id="347145" name="Object 9"/>
+          <p:cNvGraphicFramePr>
+            <a:graphicFrameLocks noGrp="1" noChangeAspect="1"/>
+          </p:cNvGraphicFramePr>
+          <p:nvPr>
+            <p:ph sz="quarter" idx="1"/>
+          </p:nvPr>
+        </p:nvGraphicFramePr>
+        <p:xfrm>
+          <a:off x="2647950" y="1815703"/>
+          <a:ext cx="2010966" cy="689372"/>
+        </p:xfrm>
+        <a:graphic>
+          <a:graphicData uri="http://schemas.openxmlformats.org/presentationml/2006/ole">
+            <mc:AlternateContent xmlns:mc="http://schemas.openxmlformats.org/markup-compatibility/2006">
+              <mc:Choice xmlns:v="urn:schemas-microsoft-com:vml" Requires="v">
+                <p:oleObj spid="_x0000_s1038" name="Equation" r:id="rId3" imgW="1333440" imgH="457200" progId="Equation.3">
+                  <p:embed/>
+                </p:oleObj>
+              </mc:Choice>
+              <mc:Fallback>
+                <p:oleObj name="Equation" r:id="rId3" imgW="1333440" imgH="457200" progId="Equation.3">
+                  <p:embed/>
+                  <p:pic>
+                    <p:nvPicPr>
+                      <p:cNvPr id="347145" name="Object 9"/>
+                      <p:cNvPicPr>
+                        <a:picLocks noChangeAspect="1" noChangeArrowheads="1"/>
+                      </p:cNvPicPr>
+                      <p:nvPr/>
+                    </p:nvPicPr>
+                    <p:blipFill>
+                      <a:blip r:embed="rId4">
+                        <a:extLst>
+                          <a:ext uri="{28A0092B-C50C-407E-A947-70E740481C1C}">
+                            <a14:useLocalDpi xmlns:a14="http://schemas.microsoft.com/office/drawing/2010/main" val="0"/>
+                          </a:ext>
+                        </a:extLst>
+                      </a:blip>
+                      <a:srcRect/>
+                      <a:stretch>
+                        <a:fillRect/>
+                      </a:stretch>
+                    </p:blipFill>
+                    <p:spPr bwMode="auto">
+                      <a:xfrm>
+                        <a:off x="2647950" y="1815703"/>
+                        <a:ext cx="2010966" cy="689372"/>
+                      </a:xfrm>
+                      <a:prstGeom prst="rect">
+                        <a:avLst/>
+                      </a:prstGeom>
+                      <a:noFill/>
+                      <a:extLst>
+                        <a:ext uri="{909E8E84-426E-40DD-AFC4-6F175D3DCCD1}">
+                          <a14:hiddenFill xmlns:a14="http://schemas.microsoft.com/office/drawing/2010/main">
+                            <a:solidFill>
+                              <a:srgbClr val="FFFFFF"/>
+                            </a:solidFill>
+                          </a14:hiddenFill>
+                        </a:ext>
+                      </a:extLst>
+                    </p:spPr>
+                  </p:pic>
+                </p:oleObj>
+              </mc:Fallback>
+            </mc:AlternateContent>
+          </a:graphicData>
+        </a:graphic>
+      </p:graphicFrame>
+      <p:sp>
+        <p:nvSpPr>
+          <p:cNvPr id="347139" name="Rectangle 3"/>
+          <p:cNvSpPr>
+            <a:spLocks noGrp="1" noChangeArrowheads="1"/>
+          </p:cNvSpPr>
+          <p:nvPr>
+            <p:ph type="body" idx="4294967295"/>
+          </p:nvPr>
+        </p:nvSpPr>
+        <p:spPr>
+          <a:xfrm>
+            <a:off x="1601670" y="1275606"/>
+            <a:ext cx="6172200" cy="2914650"/>
+          </a:xfrm>
+        </p:spPr>
+        <p:txBody>
+          <a:bodyPr/>
+          <a:lstStyle/>
+          <a:p>
+            <a:r>
+              <a:rPr lang="tr-TR" dirty="0">
+                <a:solidFill>
+                  <a:schemeClr val="tx1"/>
+                </a:solidFill>
+                <a:latin typeface="+mj-lt"/>
+              </a:rPr>
+              <a:t>For node </a:t>
+            </a:r>
+            <a:r>
+              <a:rPr lang="tr-TR" i="1" dirty="0">
+                <a:solidFill>
+                  <a:schemeClr val="tx1"/>
+                </a:solidFill>
+                <a:latin typeface="+mj-lt"/>
+              </a:rPr>
+              <a:t>m</a:t>
+            </a:r>
+            <a:r>
+              <a:rPr lang="tr-TR" dirty="0">
+                <a:solidFill>
+                  <a:schemeClr val="tx1"/>
+                </a:solidFill>
+                <a:latin typeface="+mj-lt"/>
+              </a:rPr>
+              <a:t>, </a:t>
+            </a:r>
+            <a:r>
+              <a:rPr lang="tr-TR" i="1" dirty="0">
+                <a:solidFill>
+                  <a:schemeClr val="tx1"/>
+                </a:solidFill>
+                <a:latin typeface="+mj-lt"/>
+              </a:rPr>
+              <a:t>N</a:t>
+            </a:r>
+            <a:r>
+              <a:rPr lang="tr-TR" i="1" baseline="-25000" dirty="0">
+                <a:solidFill>
+                  <a:schemeClr val="tx1"/>
+                </a:solidFill>
+                <a:latin typeface="+mj-lt"/>
+              </a:rPr>
+              <a:t>m</a:t>
+            </a:r>
+            <a:r>
+              <a:rPr lang="tr-TR" dirty="0">
+                <a:solidFill>
+                  <a:schemeClr val="tx1"/>
+                </a:solidFill>
+                <a:latin typeface="+mj-lt"/>
+              </a:rPr>
+              <a:t> instances reach </a:t>
+            </a:r>
+            <a:r>
+              <a:rPr lang="tr-TR" i="1" dirty="0">
+                <a:solidFill>
+                  <a:schemeClr val="tx1"/>
+                </a:solidFill>
+                <a:latin typeface="+mj-lt"/>
+              </a:rPr>
+              <a:t>m</a:t>
+            </a:r>
+            <a:r>
+              <a:rPr lang="tr-TR" dirty="0">
+                <a:solidFill>
+                  <a:schemeClr val="tx1"/>
+                </a:solidFill>
+                <a:latin typeface="+mj-lt"/>
+              </a:rPr>
+              <a:t>, </a:t>
+            </a:r>
+            <a:r>
+              <a:rPr lang="tr-TR" i="1" dirty="0">
+                <a:solidFill>
+                  <a:schemeClr val="tx1"/>
+                </a:solidFill>
+                <a:latin typeface="+mj-lt"/>
+              </a:rPr>
+              <a:t>N</a:t>
+            </a:r>
+            <a:r>
+              <a:rPr lang="tr-TR" i="1" baseline="30000" dirty="0">
+                <a:solidFill>
+                  <a:schemeClr val="tx1"/>
+                </a:solidFill>
+                <a:latin typeface="+mj-lt"/>
+              </a:rPr>
+              <a:t>i</a:t>
+            </a:r>
+            <a:r>
+              <a:rPr lang="tr-TR" i="1" baseline="-25000" dirty="0">
+                <a:solidFill>
+                  <a:schemeClr val="tx1"/>
+                </a:solidFill>
+                <a:latin typeface="+mj-lt"/>
+              </a:rPr>
+              <a:t>m</a:t>
+            </a:r>
+            <a:r>
+              <a:rPr lang="tr-TR" dirty="0">
+                <a:solidFill>
+                  <a:schemeClr val="tx1"/>
+                </a:solidFill>
+                <a:latin typeface="+mj-lt"/>
+              </a:rPr>
+              <a:t> belong to C</a:t>
+            </a:r>
+            <a:r>
+              <a:rPr lang="tr-TR" i="1" baseline="-25000" dirty="0">
+                <a:solidFill>
+                  <a:schemeClr val="tx1"/>
+                </a:solidFill>
+                <a:latin typeface="+mj-lt"/>
+              </a:rPr>
+              <a:t>i</a:t>
+            </a:r>
+          </a:p>
+          <a:p>
+            <a:endParaRPr lang="tr-TR" i="1" baseline="-25000" dirty="0">
+              <a:solidFill>
+                <a:schemeClr val="tx2"/>
+              </a:solidFill>
+              <a:latin typeface="+mj-lt"/>
+            </a:endParaRPr>
+          </a:p>
+          <a:p>
+            <a:endParaRPr lang="tr-TR" i="1" baseline="-25000" dirty="0">
+              <a:solidFill>
+                <a:schemeClr val="tx2"/>
+              </a:solidFill>
+              <a:latin typeface="+mj-lt"/>
+            </a:endParaRPr>
+          </a:p>
+          <a:p>
+            <a:endParaRPr lang="tr-TR" dirty="0">
+              <a:solidFill>
+                <a:schemeClr val="tx2"/>
+              </a:solidFill>
+              <a:latin typeface="+mj-lt"/>
+            </a:endParaRPr>
+          </a:p>
+          <a:p>
+            <a:r>
+              <a:rPr lang="tr-TR" dirty="0">
+                <a:solidFill>
+                  <a:schemeClr val="tx1"/>
+                </a:solidFill>
+                <a:latin typeface="+mj-lt"/>
+              </a:rPr>
+              <a:t>Node </a:t>
+            </a:r>
+            <a:r>
+              <a:rPr lang="tr-TR" i="1" dirty="0">
+                <a:solidFill>
+                  <a:schemeClr val="tx1"/>
+                </a:solidFill>
+                <a:latin typeface="+mj-lt"/>
+              </a:rPr>
+              <a:t>m</a:t>
+            </a:r>
+            <a:r>
+              <a:rPr lang="tr-TR" dirty="0">
+                <a:solidFill>
+                  <a:schemeClr val="tx1"/>
+                </a:solidFill>
+                <a:latin typeface="+mj-lt"/>
+              </a:rPr>
+              <a:t> is </a:t>
+            </a:r>
+            <a:r>
+              <a:rPr lang="tr-TR" dirty="0">
+                <a:solidFill>
+                  <a:schemeClr val="accent1"/>
+                </a:solidFill>
+                <a:latin typeface="+mj-lt"/>
+              </a:rPr>
+              <a:t>pure</a:t>
+            </a:r>
+            <a:r>
+              <a:rPr lang="tr-TR" dirty="0">
+                <a:solidFill>
+                  <a:schemeClr val="tx2"/>
+                </a:solidFill>
+                <a:latin typeface="+mj-lt"/>
+              </a:rPr>
+              <a:t> </a:t>
+            </a:r>
+            <a:r>
+              <a:rPr lang="tr-TR" dirty="0">
+                <a:solidFill>
+                  <a:schemeClr val="tx1"/>
+                </a:solidFill>
+                <a:latin typeface="+mj-lt"/>
+              </a:rPr>
+              <a:t>if </a:t>
+            </a:r>
+            <a:r>
+              <a:rPr lang="tr-TR" i="1" dirty="0">
+                <a:solidFill>
+                  <a:schemeClr val="tx1"/>
+                </a:solidFill>
+                <a:latin typeface="+mj-lt"/>
+              </a:rPr>
+              <a:t>p</a:t>
+            </a:r>
+            <a:r>
+              <a:rPr lang="tr-TR" i="1" baseline="30000" dirty="0">
+                <a:solidFill>
+                  <a:schemeClr val="tx1"/>
+                </a:solidFill>
+                <a:latin typeface="+mj-lt"/>
+              </a:rPr>
+              <a:t>i</a:t>
+            </a:r>
+            <a:r>
+              <a:rPr lang="tr-TR" i="1" baseline="-25000" dirty="0">
+                <a:solidFill>
+                  <a:schemeClr val="tx1"/>
+                </a:solidFill>
+                <a:latin typeface="+mj-lt"/>
+              </a:rPr>
+              <a:t>m</a:t>
+            </a:r>
+            <a:r>
+              <a:rPr lang="tr-TR" dirty="0">
+                <a:solidFill>
+                  <a:schemeClr val="tx1"/>
+                </a:solidFill>
+                <a:latin typeface="+mj-lt"/>
+              </a:rPr>
+              <a:t> is 0 or 1</a:t>
+            </a:r>
+          </a:p>
+          <a:p>
+            <a:r>
+              <a:rPr lang="tr-TR" dirty="0">
+                <a:solidFill>
+                  <a:schemeClr val="tx1"/>
+                </a:solidFill>
+                <a:latin typeface="+mj-lt"/>
+              </a:rPr>
+              <a:t>Measure of </a:t>
+            </a:r>
+            <a:r>
+              <a:rPr lang="tr-TR" dirty="0">
+                <a:solidFill>
+                  <a:schemeClr val="accent1"/>
+                </a:solidFill>
+                <a:latin typeface="+mj-lt"/>
+              </a:rPr>
+              <a:t>impurity</a:t>
+            </a:r>
+            <a:r>
+              <a:rPr lang="tr-TR" dirty="0">
+                <a:solidFill>
+                  <a:schemeClr val="tx2"/>
+                </a:solidFill>
+                <a:latin typeface="+mj-lt"/>
+              </a:rPr>
+              <a:t> </a:t>
+            </a:r>
+            <a:r>
+              <a:rPr lang="tr-TR" dirty="0">
+                <a:solidFill>
+                  <a:schemeClr val="tx1"/>
+                </a:solidFill>
+                <a:latin typeface="+mj-lt"/>
+              </a:rPr>
+              <a:t>is</a:t>
+            </a:r>
+            <a:r>
+              <a:rPr lang="tr-TR" dirty="0">
+                <a:solidFill>
+                  <a:schemeClr val="tx2"/>
+                </a:solidFill>
+                <a:latin typeface="+mj-lt"/>
+              </a:rPr>
+              <a:t> </a:t>
+            </a:r>
+            <a:r>
+              <a:rPr lang="tr-TR" dirty="0">
+                <a:solidFill>
+                  <a:schemeClr val="accent1"/>
+                </a:solidFill>
+                <a:latin typeface="+mj-lt"/>
+              </a:rPr>
+              <a:t>entropy</a:t>
+            </a:r>
+          </a:p>
+          <a:p>
+            <a:pPr>
+              <a:buFont typeface="Wingdings" pitchFamily="2" charset="2"/>
+              <a:buNone/>
+            </a:pPr>
+            <a:endParaRPr lang="tr-TR" i="1" baseline="-25000" dirty="0">
+              <a:solidFill>
+                <a:schemeClr val="tx2"/>
+              </a:solidFill>
+              <a:latin typeface="+mj-lt"/>
+            </a:endParaRPr>
+          </a:p>
+        </p:txBody>
+      </p:sp>
+      <p:graphicFrame>
+        <p:nvGraphicFramePr>
+          <p:cNvPr id="347147" name="Object 11"/>
+          <p:cNvGraphicFramePr>
+            <a:graphicFrameLocks noGrp="1" noChangeAspect="1"/>
+          </p:cNvGraphicFramePr>
+          <p:nvPr>
+            <p:ph sz="half" idx="4294967295"/>
+          </p:nvPr>
+        </p:nvGraphicFramePr>
+        <p:xfrm>
+          <a:off x="2141730" y="3759883"/>
+          <a:ext cx="1934766" cy="707231"/>
+        </p:xfrm>
+        <a:graphic>
+          <a:graphicData uri="http://schemas.openxmlformats.org/presentationml/2006/ole">
+            <mc:AlternateContent xmlns:mc="http://schemas.openxmlformats.org/markup-compatibility/2006">
+              <mc:Choice xmlns:v="urn:schemas-microsoft-com:vml" Requires="v">
+                <p:oleObj spid="_x0000_s1039" name="Equation" r:id="rId5" imgW="1180800" imgH="431640" progId="Equation.3">
+                  <p:embed/>
+                </p:oleObj>
+              </mc:Choice>
+              <mc:Fallback>
+                <p:oleObj name="Equation" r:id="rId5" imgW="1180800" imgH="431640" progId="Equation.3">
+                  <p:embed/>
+                  <p:pic>
+                    <p:nvPicPr>
+                      <p:cNvPr id="347147" name="Object 11"/>
+                      <p:cNvPicPr>
+                        <a:picLocks noChangeAspect="1" noChangeArrowheads="1"/>
+                      </p:cNvPicPr>
+                      <p:nvPr/>
+                    </p:nvPicPr>
+                    <p:blipFill>
+                      <a:blip r:embed="rId6">
+                        <a:extLst>
+                          <a:ext uri="{28A0092B-C50C-407E-A947-70E740481C1C}">
+                            <a14:useLocalDpi xmlns:a14="http://schemas.microsoft.com/office/drawing/2010/main" val="0"/>
+                          </a:ext>
+                        </a:extLst>
+                      </a:blip>
+                      <a:srcRect/>
+                      <a:stretch>
+                        <a:fillRect/>
+                      </a:stretch>
+                    </p:blipFill>
+                    <p:spPr bwMode="auto">
+                      <a:xfrm>
+                        <a:off x="2141730" y="3759883"/>
+                        <a:ext cx="1934766" cy="707231"/>
+                      </a:xfrm>
+                      <a:prstGeom prst="rect">
+                        <a:avLst/>
+                      </a:prstGeom>
+                      <a:noFill/>
+                      <a:extLst>
+                        <a:ext uri="{909E8E84-426E-40DD-AFC4-6F175D3DCCD1}">
+                          <a14:hiddenFill xmlns:a14="http://schemas.microsoft.com/office/drawing/2010/main">
+                            <a:solidFill>
+                              <a:srgbClr val="FFFFFF"/>
+                            </a:solidFill>
+                          </a14:hiddenFill>
+                        </a:ext>
+                      </a:extLst>
+                    </p:spPr>
+                  </p:pic>
+                </p:oleObj>
+              </mc:Fallback>
+            </mc:AlternateContent>
+          </a:graphicData>
+        </a:graphic>
+      </p:graphicFrame>
+      <p:pic>
+        <p:nvPicPr>
+          <p:cNvPr id="347144" name="Picture 8"/>
+          <p:cNvPicPr>
+            <a:picLocks noChangeAspect="1" noChangeArrowheads="1"/>
+          </p:cNvPicPr>
+          <p:nvPr/>
+        </p:nvPicPr>
+        <p:blipFill>
+          <a:blip r:embed="rId7" cstate="print"/>
+          <a:srcRect/>
+          <a:stretch>
+            <a:fillRect/>
+          </a:stretch>
+        </p:blipFill>
+        <p:spPr bwMode="auto">
+          <a:xfrm>
+            <a:off x="5356635" y="2518171"/>
+            <a:ext cx="2499202" cy="1997795"/>
+          </a:xfrm>
+          <a:prstGeom prst="rect">
+            <a:avLst/>
+          </a:prstGeom>
+          <a:noFill/>
+          <a:ln w="9525">
+            <a:noFill/>
+            <a:miter lim="800000"/>
+            <a:headEnd/>
+            <a:tailEnd/>
+          </a:ln>
+          <a:effectLst/>
+        </p:spPr>
+      </p:pic>
+    </p:spTree>
+  </p:cSld>
+  <p:clrMapOvr>
+    <a:masterClrMapping/>
+  </p:clrMapOvr>
+</p:sld>
+</file>
+
+<file path=ppt/slides/slide17.xml><?xml version="1.0" encoding="utf-8"?>
+<p:sld xmlns:a="http://schemas.openxmlformats.org/drawingml/2006/main" xmlns:r="http://schemas.openxmlformats.org/officeDocument/2006/relationships" xmlns:p="http://schemas.openxmlformats.org/presentationml/2006/main">
+  <p:cSld>
+    <p:spTree>
+      <p:nvGrpSpPr>
+        <p:cNvPr id="1" name=""/>
+        <p:cNvGrpSpPr/>
+        <p:nvPr/>
+      </p:nvGrpSpPr>
+      <p:grpSpPr>
+        <a:xfrm>
+          <a:off x="0" y="0"/>
+          <a:ext cx="0" cy="0"/>
+          <a:chOff x="0" y="0"/>
+          <a:chExt cx="0" cy="0"/>
+        </a:xfrm>
+      </p:grpSpPr>
+      <p:sp>
+        <p:nvSpPr>
+          <p:cNvPr id="348163" name="Rectangle 3"/>
+          <p:cNvSpPr>
+            <a:spLocks noGrp="1" noChangeArrowheads="1"/>
+          </p:cNvSpPr>
+          <p:nvPr>
+            <p:ph type="body" idx="4294967295"/>
+          </p:nvPr>
+        </p:nvSpPr>
+        <p:spPr>
+          <a:xfrm>
+            <a:off x="1601670" y="1275606"/>
+            <a:ext cx="6172200" cy="2914650"/>
+          </a:xfrm>
+        </p:spPr>
+        <p:txBody>
+          <a:bodyPr>
+            <a:noAutofit/>
+          </a:bodyPr>
+          <a:lstStyle/>
+          <a:p>
+            <a:r>
+              <a:rPr lang="tr-TR" sz="2100" dirty="0">
+                <a:solidFill>
+                  <a:schemeClr val="tx1"/>
+                </a:solidFill>
+                <a:latin typeface="+mj-lt"/>
+              </a:rPr>
+              <a:t>If node </a:t>
+            </a:r>
+            <a:r>
+              <a:rPr lang="tr-TR" sz="2100" i="1" dirty="0">
+                <a:solidFill>
+                  <a:schemeClr val="tx1"/>
+                </a:solidFill>
+                <a:latin typeface="+mj-lt"/>
+              </a:rPr>
+              <a:t>m</a:t>
+            </a:r>
+            <a:r>
+              <a:rPr lang="tr-TR" sz="2100" dirty="0">
+                <a:solidFill>
+                  <a:schemeClr val="tx1"/>
+                </a:solidFill>
+                <a:latin typeface="+mj-lt"/>
+              </a:rPr>
+              <a:t> is pure, generate a leaf and stop, otherwise split and continue recursively</a:t>
+            </a:r>
+          </a:p>
+          <a:p>
+            <a:r>
+              <a:rPr lang="tr-TR" sz="2100" dirty="0">
+                <a:solidFill>
+                  <a:schemeClr val="tx1"/>
+                </a:solidFill>
+                <a:latin typeface="+mj-lt"/>
+              </a:rPr>
+              <a:t>Impurity after split: </a:t>
+            </a:r>
+            <a:r>
+              <a:rPr lang="tr-TR" sz="2100" i="1" dirty="0">
+                <a:solidFill>
+                  <a:schemeClr val="tx1"/>
+                </a:solidFill>
+                <a:latin typeface="+mj-lt"/>
+              </a:rPr>
+              <a:t>N</a:t>
+            </a:r>
+            <a:r>
+              <a:rPr lang="tr-TR" sz="2100" i="1" baseline="-25000" dirty="0">
+                <a:solidFill>
+                  <a:schemeClr val="tx1"/>
+                </a:solidFill>
+                <a:latin typeface="+mj-lt"/>
+              </a:rPr>
+              <a:t>mj</a:t>
+            </a:r>
+            <a:r>
+              <a:rPr lang="tr-TR" sz="2100" dirty="0">
+                <a:solidFill>
+                  <a:schemeClr val="tx1"/>
+                </a:solidFill>
+                <a:latin typeface="+mj-lt"/>
+              </a:rPr>
+              <a:t> of </a:t>
+            </a:r>
+            <a:r>
+              <a:rPr lang="tr-TR" sz="2100" i="1" dirty="0">
+                <a:solidFill>
+                  <a:schemeClr val="tx1"/>
+                </a:solidFill>
+                <a:latin typeface="+mj-lt"/>
+              </a:rPr>
+              <a:t>N</a:t>
+            </a:r>
+            <a:r>
+              <a:rPr lang="tr-TR" sz="2100" i="1" baseline="-25000" dirty="0">
+                <a:solidFill>
+                  <a:schemeClr val="tx1"/>
+                </a:solidFill>
+                <a:latin typeface="+mj-lt"/>
+              </a:rPr>
+              <a:t>m</a:t>
+            </a:r>
+            <a:r>
+              <a:rPr lang="tr-TR" sz="2100" dirty="0">
+                <a:solidFill>
+                  <a:schemeClr val="tx1"/>
+                </a:solidFill>
+                <a:latin typeface="+mj-lt"/>
+              </a:rPr>
+              <a:t> take branch </a:t>
+            </a:r>
+            <a:r>
+              <a:rPr lang="tr-TR" sz="2100" i="1" dirty="0">
+                <a:solidFill>
+                  <a:schemeClr val="tx1"/>
+                </a:solidFill>
+                <a:latin typeface="+mj-lt"/>
+              </a:rPr>
+              <a:t>j. N</a:t>
+            </a:r>
+            <a:r>
+              <a:rPr lang="tr-TR" sz="2100" i="1" baseline="30000" dirty="0">
+                <a:solidFill>
+                  <a:schemeClr val="tx1"/>
+                </a:solidFill>
+                <a:latin typeface="+mj-lt"/>
+              </a:rPr>
+              <a:t>i</a:t>
+            </a:r>
+            <a:r>
+              <a:rPr lang="tr-TR" sz="2100" i="1" baseline="-25000" dirty="0">
+                <a:solidFill>
+                  <a:schemeClr val="tx1"/>
+                </a:solidFill>
+                <a:latin typeface="+mj-lt"/>
+              </a:rPr>
+              <a:t>mj</a:t>
+            </a:r>
+            <a:r>
+              <a:rPr lang="tr-TR" sz="2100" dirty="0">
+                <a:solidFill>
+                  <a:schemeClr val="tx1"/>
+                </a:solidFill>
+                <a:latin typeface="+mj-lt"/>
+              </a:rPr>
+              <a:t> belong to C</a:t>
+            </a:r>
+            <a:r>
+              <a:rPr lang="tr-TR" sz="2100" i="1" baseline="-25000" dirty="0">
+                <a:solidFill>
+                  <a:schemeClr val="tx1"/>
+                </a:solidFill>
+                <a:latin typeface="+mj-lt"/>
+              </a:rPr>
+              <a:t>i</a:t>
+            </a:r>
+            <a:endParaRPr lang="tr-TR" sz="2100" dirty="0">
+              <a:solidFill>
+                <a:schemeClr val="tx1"/>
+              </a:solidFill>
+              <a:latin typeface="+mj-lt"/>
+            </a:endParaRPr>
+          </a:p>
+          <a:p>
+            <a:endParaRPr lang="tr-TR" sz="2100" dirty="0">
+              <a:solidFill>
+                <a:schemeClr val="tx2"/>
+              </a:solidFill>
+              <a:latin typeface="+mj-lt"/>
+            </a:endParaRPr>
+          </a:p>
+          <a:p>
+            <a:pPr>
+              <a:buNone/>
+            </a:pPr>
+            <a:endParaRPr lang="tr-TR" sz="2100" dirty="0">
+              <a:solidFill>
+                <a:schemeClr val="tx2"/>
+              </a:solidFill>
+              <a:latin typeface="+mj-lt"/>
+            </a:endParaRPr>
+          </a:p>
+          <a:p>
+            <a:r>
+              <a:rPr lang="tr-TR" sz="2100" dirty="0">
+                <a:solidFill>
+                  <a:schemeClr val="tx1"/>
+                </a:solidFill>
+                <a:latin typeface="+mj-lt"/>
+              </a:rPr>
+              <a:t>Find the variable and split that min impurity (among all variables -- and split positions for numeric variables)</a:t>
+            </a:r>
+            <a:endParaRPr lang="tr-TR" sz="2100" i="1" baseline="-25000" dirty="0">
+              <a:solidFill>
+                <a:schemeClr val="tx1"/>
+              </a:solidFill>
+              <a:latin typeface="+mj-lt"/>
+            </a:endParaRPr>
+          </a:p>
+        </p:txBody>
+      </p:sp>
+      <p:sp>
+        <p:nvSpPr>
+          <p:cNvPr id="348162" name="Rectangle 2"/>
+          <p:cNvSpPr>
+            <a:spLocks noGrp="1" noChangeArrowheads="1"/>
+          </p:cNvSpPr>
+          <p:nvPr>
+            <p:ph type="title"/>
+          </p:nvPr>
+        </p:nvSpPr>
+        <p:spPr/>
+        <p:txBody>
+          <a:bodyPr/>
+          <a:lstStyle/>
+          <a:p>
+            <a:r>
+              <a:rPr lang="tr-TR" dirty="0"/>
+              <a:t>Best Split</a:t>
+            </a:r>
+          </a:p>
+        </p:txBody>
+      </p:sp>
+      <p:sp>
+        <p:nvSpPr>
+          <p:cNvPr id="7" name="Slide Number Placeholder 4"/>
+          <p:cNvSpPr>
+            <a:spLocks noGrp="1"/>
+          </p:cNvSpPr>
+          <p:nvPr>
+            <p:ph type="sldNum" sz="quarter" idx="12"/>
+          </p:nvPr>
+        </p:nvSpPr>
+        <p:spPr/>
+        <p:txBody>
+          <a:bodyPr>
+            <a:normAutofit/>
+          </a:bodyPr>
+          <a:lstStyle/>
+          <a:p>
+            <a:fld id="{55EF7AAF-5E6B-4622-8B02-2B6C4703C2FB}" type="slidenum">
+              <a:rPr lang="tr-TR"/>
+              <a:pPr/>
+              <a:t>17</a:t>
+            </a:fld>
+            <a:endParaRPr lang="tr-TR" dirty="0"/>
+          </a:p>
+        </p:txBody>
+      </p:sp>
+      <p:graphicFrame>
+        <p:nvGraphicFramePr>
+          <p:cNvPr id="348166" name="Object 6"/>
+          <p:cNvGraphicFramePr>
+            <a:graphicFrameLocks noGrp="1" noChangeAspect="1"/>
+          </p:cNvGraphicFramePr>
+          <p:nvPr>
+            <p:ph sz="quarter" idx="1"/>
+          </p:nvPr>
+        </p:nvGraphicFramePr>
+        <p:xfrm>
+          <a:off x="2195737" y="2679762"/>
+          <a:ext cx="2184797" cy="703659"/>
+        </p:xfrm>
+        <a:graphic>
+          <a:graphicData uri="http://schemas.openxmlformats.org/presentationml/2006/ole">
+            <mc:AlternateContent xmlns:mc="http://schemas.openxmlformats.org/markup-compatibility/2006">
+              <mc:Choice xmlns:v="urn:schemas-microsoft-com:vml" Requires="v">
+                <p:oleObj spid="_x0000_s2062" name="Equation" r:id="rId3" imgW="1498320" imgH="482400" progId="Equation.3">
+                  <p:embed/>
+                </p:oleObj>
+              </mc:Choice>
+              <mc:Fallback>
+                <p:oleObj name="Equation" r:id="rId3" imgW="1498320" imgH="482400" progId="Equation.3">
+                  <p:embed/>
+                  <p:pic>
+                    <p:nvPicPr>
+                      <p:cNvPr id="348166" name="Object 6"/>
+                      <p:cNvPicPr>
+                        <a:picLocks noChangeAspect="1" noChangeArrowheads="1"/>
+                      </p:cNvPicPr>
+                      <p:nvPr/>
+                    </p:nvPicPr>
+                    <p:blipFill>
+                      <a:blip r:embed="rId4">
+                        <a:extLst>
+                          <a:ext uri="{28A0092B-C50C-407E-A947-70E740481C1C}">
+                            <a14:useLocalDpi xmlns:a14="http://schemas.microsoft.com/office/drawing/2010/main" val="0"/>
+                          </a:ext>
+                        </a:extLst>
+                      </a:blip>
+                      <a:srcRect/>
+                      <a:stretch>
+                        <a:fillRect/>
+                      </a:stretch>
+                    </p:blipFill>
+                    <p:spPr bwMode="auto">
+                      <a:xfrm>
+                        <a:off x="2195737" y="2679762"/>
+                        <a:ext cx="2184797" cy="703659"/>
+                      </a:xfrm>
+                      <a:prstGeom prst="rect">
+                        <a:avLst/>
+                      </a:prstGeom>
+                      <a:noFill/>
+                      <a:extLst>
+                        <a:ext uri="{909E8E84-426E-40DD-AFC4-6F175D3DCCD1}">
+                          <a14:hiddenFill xmlns:a14="http://schemas.microsoft.com/office/drawing/2010/main">
+                            <a:solidFill>
+                              <a:srgbClr val="FFFFFF"/>
+                            </a:solidFill>
+                          </a14:hiddenFill>
+                        </a:ext>
+                      </a:extLst>
+                    </p:spPr>
+                  </p:pic>
+                </p:oleObj>
+              </mc:Fallback>
+            </mc:AlternateContent>
+          </a:graphicData>
+        </a:graphic>
+      </p:graphicFrame>
+      <p:graphicFrame>
+        <p:nvGraphicFramePr>
+          <p:cNvPr id="348168" name="Object 8"/>
+          <p:cNvGraphicFramePr>
+            <a:graphicFrameLocks noGrp="1" noChangeAspect="1"/>
+          </p:cNvGraphicFramePr>
+          <p:nvPr>
+            <p:ph sz="quarter" idx="4294967295"/>
+          </p:nvPr>
+        </p:nvGraphicFramePr>
+        <p:xfrm>
+          <a:off x="4626007" y="2625757"/>
+          <a:ext cx="2575322" cy="688181"/>
+        </p:xfrm>
+        <a:graphic>
+          <a:graphicData uri="http://schemas.openxmlformats.org/presentationml/2006/ole">
+            <mc:AlternateContent xmlns:mc="http://schemas.openxmlformats.org/markup-compatibility/2006">
+              <mc:Choice xmlns:v="urn:schemas-microsoft-com:vml" Requires="v">
+                <p:oleObj spid="_x0000_s2063" name="Equation" r:id="rId5" imgW="1663560" imgH="444240" progId="Equation.3">
+                  <p:embed/>
+                </p:oleObj>
+              </mc:Choice>
+              <mc:Fallback>
+                <p:oleObj name="Equation" r:id="rId5" imgW="1663560" imgH="444240" progId="Equation.3">
+                  <p:embed/>
+                  <p:pic>
+                    <p:nvPicPr>
+                      <p:cNvPr id="348168" name="Object 8"/>
+                      <p:cNvPicPr>
+                        <a:picLocks noChangeAspect="1" noChangeArrowheads="1"/>
+                      </p:cNvPicPr>
+                      <p:nvPr/>
+                    </p:nvPicPr>
+                    <p:blipFill>
+                      <a:blip r:embed="rId6">
+                        <a:extLst>
+                          <a:ext uri="{28A0092B-C50C-407E-A947-70E740481C1C}">
+                            <a14:useLocalDpi xmlns:a14="http://schemas.microsoft.com/office/drawing/2010/main" val="0"/>
+                          </a:ext>
+                        </a:extLst>
+                      </a:blip>
+                      <a:srcRect/>
+                      <a:stretch>
+                        <a:fillRect/>
+                      </a:stretch>
+                    </p:blipFill>
+                    <p:spPr bwMode="auto">
+                      <a:xfrm>
+                        <a:off x="4626007" y="2625757"/>
+                        <a:ext cx="2575322" cy="688181"/>
+                      </a:xfrm>
+                      <a:prstGeom prst="rect">
+                        <a:avLst/>
+                      </a:prstGeom>
+                      <a:noFill/>
+                      <a:extLst>
+                        <a:ext uri="{909E8E84-426E-40DD-AFC4-6F175D3DCCD1}">
+                          <a14:hiddenFill xmlns:a14="http://schemas.microsoft.com/office/drawing/2010/main">
+                            <a:solidFill>
+                              <a:srgbClr val="FFFFFF"/>
+                            </a:solidFill>
+                          </a14:hiddenFill>
+                        </a:ext>
+                      </a:extLst>
+                    </p:spPr>
+                  </p:pic>
+                </p:oleObj>
+              </mc:Fallback>
+            </mc:AlternateContent>
+          </a:graphicData>
+        </a:graphic>
+      </p:graphicFrame>
+    </p:spTree>
+  </p:cSld>
+  <p:clrMapOvr>
+    <a:masterClrMapping/>
+  </p:clrMapOvr>
+</p:sld>
+</file>
+
+<file path=ppt/slides/slide18.xml><?xml version="1.0" encoding="utf-8"?>
+<p:sld xmlns:a="http://schemas.openxmlformats.org/drawingml/2006/main" xmlns:r="http://schemas.openxmlformats.org/officeDocument/2006/relationships" xmlns:p="http://schemas.openxmlformats.org/presentationml/2006/main">
+  <p:cSld>
+    <p:spTree>
+      <p:nvGrpSpPr>
+        <p:cNvPr id="1" name=""/>
+        <p:cNvGrpSpPr/>
+        <p:nvPr/>
+      </p:nvGrpSpPr>
+      <p:grpSpPr>
+        <a:xfrm>
+          <a:off x="0" y="0"/>
+          <a:ext cx="0" cy="0"/>
+          <a:chOff x="0" y="0"/>
+          <a:chExt cx="0" cy="0"/>
+        </a:xfrm>
+      </p:grpSpPr>
+      <p:sp>
+        <p:nvSpPr>
+          <p:cNvPr id="353282" name="Rectangle 2"/>
+          <p:cNvSpPr>
+            <a:spLocks noGrp="1" noChangeArrowheads="1"/>
+          </p:cNvSpPr>
+          <p:nvPr>
+            <p:ph type="title"/>
+          </p:nvPr>
+        </p:nvSpPr>
+        <p:spPr/>
+        <p:txBody>
+          <a:bodyPr/>
+          <a:lstStyle/>
+          <a:p>
+            <a:r>
+              <a:rPr lang="tr-TR"/>
+              <a:t>Pruning Trees</a:t>
+            </a:r>
+          </a:p>
+        </p:txBody>
+      </p:sp>
+      <p:sp>
+        <p:nvSpPr>
+          <p:cNvPr id="5" name="Slide Number Placeholder 4"/>
+          <p:cNvSpPr>
+            <a:spLocks noGrp="1"/>
+          </p:cNvSpPr>
+          <p:nvPr>
+            <p:ph type="sldNum" sz="quarter" idx="12"/>
+          </p:nvPr>
+        </p:nvSpPr>
+        <p:spPr/>
+        <p:txBody>
+          <a:bodyPr>
+            <a:normAutofit/>
+          </a:bodyPr>
+          <a:lstStyle/>
+          <a:p>
+            <a:fld id="{B5F69795-7180-4348-84C5-5ED87E19885F}" type="slidenum">
+              <a:rPr lang="tr-TR"/>
+              <a:pPr/>
+              <a:t>18</a:t>
+            </a:fld>
+            <a:endParaRPr lang="tr-TR"/>
+          </a:p>
+        </p:txBody>
+      </p:sp>
+      <p:sp>
+        <p:nvSpPr>
+          <p:cNvPr id="353283" name="Rectangle 3"/>
+          <p:cNvSpPr>
+            <a:spLocks noGrp="1" noChangeArrowheads="1"/>
+          </p:cNvSpPr>
+          <p:nvPr>
+            <p:ph sz="quarter" idx="1"/>
+          </p:nvPr>
+        </p:nvSpPr>
+        <p:spPr/>
+        <p:txBody>
+          <a:bodyPr/>
+          <a:lstStyle/>
+          <a:p>
+            <a:r>
+              <a:rPr lang="tr-TR" dirty="0">
+                <a:solidFill>
+                  <a:schemeClr val="tx1"/>
+                </a:solidFill>
+                <a:latin typeface="+mj-lt"/>
+              </a:rPr>
+              <a:t>Remove subtrees for better generalization (decrease variance)</a:t>
+            </a:r>
+          </a:p>
+          <a:p>
+            <a:pPr lvl="1"/>
+            <a:r>
+              <a:rPr lang="tr-TR" sz="1800" dirty="0">
+                <a:solidFill>
+                  <a:schemeClr val="tx1"/>
+                </a:solidFill>
+                <a:latin typeface="+mj-lt"/>
+              </a:rPr>
+              <a:t>Prepruning: Early stopping</a:t>
+            </a:r>
+          </a:p>
+          <a:p>
+            <a:pPr lvl="1"/>
+            <a:r>
+              <a:rPr lang="tr-TR" sz="1800" dirty="0">
+                <a:solidFill>
+                  <a:schemeClr val="tx1"/>
+                </a:solidFill>
+                <a:latin typeface="+mj-lt"/>
+              </a:rPr>
+              <a:t>Postpruning: Grow the whole tree then prune subtrees that overfit on the pruning set</a:t>
+            </a:r>
+          </a:p>
+          <a:p>
+            <a:r>
+              <a:rPr lang="tr-TR" dirty="0">
+                <a:solidFill>
+                  <a:schemeClr val="tx1"/>
+                </a:solidFill>
+                <a:latin typeface="+mj-lt"/>
+              </a:rPr>
+              <a:t>Prepruning is faster, postpruning is more accurate (requires a separate pruning set)</a:t>
+            </a:r>
+          </a:p>
+        </p:txBody>
+      </p:sp>
+    </p:spTree>
+  </p:cSld>
+  <p:clrMapOvr>
+    <a:masterClrMapping/>
+  </p:clrMapOvr>
+</p:sld>
+</file>
+
+<file path=ppt/slides/slide19.xml><?xml version="1.0" encoding="utf-8"?>
+<p:sld xmlns:a="http://schemas.openxmlformats.org/drawingml/2006/main" xmlns:r="http://schemas.openxmlformats.org/officeDocument/2006/relationships" xmlns:p="http://schemas.openxmlformats.org/presentationml/2006/main">
+  <p:cSld>
+    <p:spTree>
+      <p:nvGrpSpPr>
+        <p:cNvPr id="1" name=""/>
+        <p:cNvGrpSpPr/>
+        <p:nvPr/>
+      </p:nvGrpSpPr>
+      <p:grpSpPr>
+        <a:xfrm>
+          <a:off x="0" y="0"/>
+          <a:ext cx="0" cy="0"/>
+          <a:chOff x="0" y="0"/>
+          <a:chExt cx="0" cy="0"/>
+        </a:xfrm>
+      </p:grpSpPr>
+      <p:sp>
+        <p:nvSpPr>
+          <p:cNvPr id="2" name="Title 1">
+            <a:extLst>
+              <a:ext uri="{FF2B5EF4-FFF2-40B4-BE49-F238E27FC236}">
+                <a16:creationId xmlns:a16="http://schemas.microsoft.com/office/drawing/2014/main" id="{DB6B8454-86C4-4225-A5C5-41EA10B02D2C}"/>
+              </a:ext>
+            </a:extLst>
+          </p:cNvPr>
+          <p:cNvSpPr>
+            <a:spLocks noGrp="1"/>
+          </p:cNvSpPr>
+          <p:nvPr>
+            <p:ph type="title"/>
+          </p:nvPr>
+        </p:nvSpPr>
+        <p:spPr>
+          <a:xfrm>
+            <a:off x="283102" y="712141"/>
+            <a:ext cx="6795877" cy="3835500"/>
+          </a:xfrm>
+        </p:spPr>
+        <p:txBody>
+          <a:bodyPr/>
+          <a:lstStyle/>
+          <a:p>
+            <a:r>
+              <a:rPr lang="en-US" dirty="0">
+                <a:solidFill>
+                  <a:schemeClr val="tx1"/>
+                </a:solidFill>
+              </a:rPr>
+              <a:t>“Accuracy is the best indication of a good model.” </a:t>
+            </a:r>
+            <a:r>
+              <a:rPr lang="en-US" sz="3200" b="0" dirty="0">
+                <a:solidFill>
+                  <a:schemeClr val="accent2"/>
+                </a:solidFill>
+              </a:rPr>
+              <a:t>– Wrong People</a:t>
+            </a:r>
+            <a:endParaRPr lang="en-US" b="0" dirty="0">
+              <a:solidFill>
+                <a:schemeClr val="accent2"/>
+              </a:solidFill>
+            </a:endParaRPr>
+          </a:p>
+        </p:txBody>
+      </p:sp>
+    </p:spTree>
+    <p:extLst>
+      <p:ext uri="{BB962C8B-B14F-4D97-AF65-F5344CB8AC3E}">
+        <p14:creationId xmlns:p14="http://schemas.microsoft.com/office/powerpoint/2010/main" val="1983354100"/>
       </p:ext>
     </p:extLst>
   </p:cSld>
@@ -8397,6 +12766,2815 @@
         </p:txBody>
       </p:sp>
     </p:spTree>
+  </p:cSld>
+  <p:clrMapOvr>
+    <a:masterClrMapping/>
+  </p:clrMapOvr>
+</p:sld>
+</file>
+
+<file path=ppt/slides/slide20.xml><?xml version="1.0" encoding="utf-8"?>
+<p:sld xmlns:a="http://schemas.openxmlformats.org/drawingml/2006/main" xmlns:r="http://schemas.openxmlformats.org/officeDocument/2006/relationships" xmlns:p="http://schemas.openxmlformats.org/presentationml/2006/main">
+  <p:cSld>
+    <p:spTree>
+      <p:nvGrpSpPr>
+        <p:cNvPr id="1" name=""/>
+        <p:cNvGrpSpPr/>
+        <p:nvPr/>
+      </p:nvGrpSpPr>
+      <p:grpSpPr>
+        <a:xfrm>
+          <a:off x="0" y="0"/>
+          <a:ext cx="0" cy="0"/>
+          <a:chOff x="0" y="0"/>
+          <a:chExt cx="0" cy="0"/>
+        </a:xfrm>
+      </p:grpSpPr>
+      <p:sp>
+        <p:nvSpPr>
+          <p:cNvPr id="2" name="Title 1">
+            <a:extLst>
+              <a:ext uri="{FF2B5EF4-FFF2-40B4-BE49-F238E27FC236}">
+                <a16:creationId xmlns:a16="http://schemas.microsoft.com/office/drawing/2014/main" id="{7ED5DEEB-C3A9-442A-B6EA-B9B861D479C9}"/>
+              </a:ext>
+            </a:extLst>
+          </p:cNvPr>
+          <p:cNvSpPr>
+            <a:spLocks noGrp="1"/>
+          </p:cNvSpPr>
+          <p:nvPr>
+            <p:ph type="title"/>
+          </p:nvPr>
+        </p:nvSpPr>
+        <p:spPr/>
+        <p:txBody>
+          <a:bodyPr/>
+          <a:lstStyle/>
+          <a:p>
+            <a:r>
+              <a:rPr lang="en-US" dirty="0"/>
+              <a:t>Classification Model Metrics</a:t>
+            </a:r>
+          </a:p>
+        </p:txBody>
+      </p:sp>
+      <p:sp>
+        <p:nvSpPr>
+          <p:cNvPr id="4" name="Text Placeholder 3">
+            <a:extLst>
+              <a:ext uri="{FF2B5EF4-FFF2-40B4-BE49-F238E27FC236}">
+                <a16:creationId xmlns:a16="http://schemas.microsoft.com/office/drawing/2014/main" id="{8D0760E7-F840-4F16-9185-2377F4B17F73}"/>
+              </a:ext>
+            </a:extLst>
+          </p:cNvPr>
+          <p:cNvSpPr>
+            <a:spLocks noGrp="1"/>
+          </p:cNvSpPr>
+          <p:nvPr>
+            <p:ph type="body" idx="1"/>
+          </p:nvPr>
+        </p:nvSpPr>
+        <p:spPr>
+          <a:xfrm>
+            <a:off x="213360" y="1104900"/>
+            <a:ext cx="3488738" cy="3500175"/>
+          </a:xfrm>
+        </p:spPr>
+        <p:txBody>
+          <a:bodyPr/>
+          <a:lstStyle/>
+          <a:p>
+            <a:pPr>
+              <a:spcBef>
+                <a:spcPts val="600"/>
+              </a:spcBef>
+            </a:pPr>
+            <a:r>
+              <a:rPr lang="en-US" dirty="0"/>
+              <a:t>ROC Curve</a:t>
+            </a:r>
+          </a:p>
+          <a:p>
+            <a:pPr lvl="1">
+              <a:spcBef>
+                <a:spcPts val="600"/>
+              </a:spcBef>
+            </a:pPr>
+            <a:r>
+              <a:rPr lang="en-US" dirty="0"/>
+              <a:t>A measure of the false positive rate vs. the true positive rate</a:t>
+            </a:r>
+          </a:p>
+        </p:txBody>
+      </p:sp>
+      <mc:AlternateContent xmlns:mc="http://schemas.openxmlformats.org/markup-compatibility/2006">
+        <mc:Choice xmlns:a14="http://schemas.microsoft.com/office/drawing/2010/main" Requires="a14">
+          <p:sp>
+            <p:nvSpPr>
+              <p:cNvPr id="5" name="Text Placeholder 4">
+                <a:extLst>
+                  <a:ext uri="{FF2B5EF4-FFF2-40B4-BE49-F238E27FC236}">
+                    <a16:creationId xmlns:a16="http://schemas.microsoft.com/office/drawing/2014/main" id="{56B2D284-8228-4668-9117-192735F98F77}"/>
+                  </a:ext>
+                </a:extLst>
+              </p:cNvPr>
+              <p:cNvSpPr>
+                <a:spLocks noGrp="1"/>
+              </p:cNvSpPr>
+              <p:nvPr>
+                <p:ph type="body" idx="2"/>
+              </p:nvPr>
+            </p:nvSpPr>
+            <p:spPr>
+              <a:xfrm>
+                <a:off x="5441903" y="1211350"/>
+                <a:ext cx="3280069" cy="3393725"/>
+              </a:xfrm>
+            </p:spPr>
+            <p:txBody>
+              <a:bodyPr/>
+              <a:lstStyle/>
+              <a:p>
+                <a14:m>
+                  <m:oMath xmlns:m="http://schemas.openxmlformats.org/officeDocument/2006/math">
+                    <m:r>
+                      <m:rPr>
+                        <m:sty m:val="p"/>
+                      </m:rPr>
+                      <a:rPr lang="en-US" b="0" i="0" smtClean="0">
+                        <a:latin typeface="Cambria Math" panose="02040503050406030204" pitchFamily="18" charset="0"/>
+                      </a:rPr>
+                      <m:t>Accuracy</m:t>
+                    </m:r>
+                    <m:r>
+                      <a:rPr lang="en-US" b="0" i="0" smtClean="0">
+                        <a:latin typeface="Cambria Math" panose="02040503050406030204" pitchFamily="18" charset="0"/>
+                      </a:rPr>
+                      <m:t>= </m:t>
+                    </m:r>
+                    <m:f>
+                      <m:fPr>
+                        <m:ctrlPr>
+                          <a:rPr lang="en-US" b="0" smtClean="0">
+                            <a:latin typeface="Cambria Math" panose="02040503050406030204" pitchFamily="18" charset="0"/>
+                          </a:rPr>
+                        </m:ctrlPr>
+                      </m:fPr>
+                      <m:num>
+                        <m:r>
+                          <m:rPr>
+                            <m:sty m:val="p"/>
+                          </m:rPr>
+                          <a:rPr lang="en-US" b="0" i="0" smtClean="0">
+                            <a:latin typeface="Cambria Math" panose="02040503050406030204" pitchFamily="18" charset="0"/>
+                          </a:rPr>
+                          <m:t>TP</m:t>
+                        </m:r>
+                        <m:r>
+                          <a:rPr lang="en-US" b="0" i="0" smtClean="0">
+                            <a:latin typeface="Cambria Math" panose="02040503050406030204" pitchFamily="18" charset="0"/>
+                          </a:rPr>
+                          <m:t>+</m:t>
+                        </m:r>
+                        <m:r>
+                          <m:rPr>
+                            <m:sty m:val="p"/>
+                          </m:rPr>
+                          <a:rPr lang="en-US" b="0" i="0" smtClean="0">
+                            <a:latin typeface="Cambria Math" panose="02040503050406030204" pitchFamily="18" charset="0"/>
+                          </a:rPr>
+                          <m:t>TN</m:t>
+                        </m:r>
+                      </m:num>
+                      <m:den>
+                        <m:r>
+                          <m:rPr>
+                            <m:sty m:val="p"/>
+                          </m:rPr>
+                          <a:rPr lang="en-US" b="0" i="0" smtClean="0">
+                            <a:latin typeface="Cambria Math" panose="02040503050406030204" pitchFamily="18" charset="0"/>
+                          </a:rPr>
+                          <m:t>TP</m:t>
+                        </m:r>
+                        <m:r>
+                          <a:rPr lang="en-US" b="0" i="0" smtClean="0">
+                            <a:latin typeface="Cambria Math" panose="02040503050406030204" pitchFamily="18" charset="0"/>
+                          </a:rPr>
+                          <m:t>+</m:t>
+                        </m:r>
+                        <m:r>
+                          <m:rPr>
+                            <m:sty m:val="p"/>
+                          </m:rPr>
+                          <a:rPr lang="en-US" b="0" i="0" smtClean="0">
+                            <a:latin typeface="Cambria Math" panose="02040503050406030204" pitchFamily="18" charset="0"/>
+                          </a:rPr>
+                          <m:t>TN</m:t>
+                        </m:r>
+                        <m:r>
+                          <a:rPr lang="en-US" b="0" i="0" smtClean="0">
+                            <a:latin typeface="Cambria Math" panose="02040503050406030204" pitchFamily="18" charset="0"/>
+                          </a:rPr>
+                          <m:t>+</m:t>
+                        </m:r>
+                        <m:r>
+                          <m:rPr>
+                            <m:sty m:val="p"/>
+                          </m:rPr>
+                          <a:rPr lang="en-US" b="0" i="0" smtClean="0">
+                            <a:latin typeface="Cambria Math" panose="02040503050406030204" pitchFamily="18" charset="0"/>
+                          </a:rPr>
+                          <m:t>FP</m:t>
+                        </m:r>
+                        <m:r>
+                          <a:rPr lang="en-US" b="0" i="0" smtClean="0">
+                            <a:latin typeface="Cambria Math" panose="02040503050406030204" pitchFamily="18" charset="0"/>
+                          </a:rPr>
+                          <m:t>+</m:t>
+                        </m:r>
+                        <m:r>
+                          <m:rPr>
+                            <m:sty m:val="p"/>
+                          </m:rPr>
+                          <a:rPr lang="en-US" b="0" i="0" smtClean="0">
+                            <a:latin typeface="Cambria Math" panose="02040503050406030204" pitchFamily="18" charset="0"/>
+                          </a:rPr>
+                          <m:t>FN</m:t>
+                        </m:r>
+                      </m:den>
+                    </m:f>
+                  </m:oMath>
+                </a14:m>
+                <a:endParaRPr lang="en-US" dirty="0"/>
+              </a:p>
+              <a:p>
+                <a:pPr marL="139700" indent="0">
+                  <a:buNone/>
+                </a:pPr>
+                <a:endParaRPr lang="en-US" dirty="0"/>
+              </a:p>
+              <a:p>
+                <a14:m>
+                  <m:oMath xmlns:m="http://schemas.openxmlformats.org/officeDocument/2006/math">
+                    <m:r>
+                      <m:rPr>
+                        <m:sty m:val="p"/>
+                      </m:rPr>
+                      <a:rPr lang="en-US" b="0" i="0" smtClean="0">
+                        <a:latin typeface="Cambria Math" panose="02040503050406030204" pitchFamily="18" charset="0"/>
+                      </a:rPr>
+                      <m:t>Precision</m:t>
+                    </m:r>
+                    <m:r>
+                      <a:rPr lang="en-US" b="0" i="0" smtClean="0">
+                        <a:latin typeface="Cambria Math" panose="02040503050406030204" pitchFamily="18" charset="0"/>
+                      </a:rPr>
+                      <m:t>= </m:t>
+                    </m:r>
+                    <m:f>
+                      <m:fPr>
+                        <m:ctrlPr>
+                          <a:rPr lang="en-US" b="0" smtClean="0">
+                            <a:latin typeface="Cambria Math" panose="02040503050406030204" pitchFamily="18" charset="0"/>
+                          </a:rPr>
+                        </m:ctrlPr>
+                      </m:fPr>
+                      <m:num>
+                        <m:r>
+                          <m:rPr>
+                            <m:sty m:val="p"/>
+                          </m:rPr>
+                          <a:rPr lang="en-US" b="0" i="0" smtClean="0">
+                            <a:latin typeface="Cambria Math" panose="02040503050406030204" pitchFamily="18" charset="0"/>
+                          </a:rPr>
+                          <m:t>TP</m:t>
+                        </m:r>
+                      </m:num>
+                      <m:den>
+                        <m:r>
+                          <m:rPr>
+                            <m:sty m:val="p"/>
+                          </m:rPr>
+                          <a:rPr lang="en-US" b="0" i="0" smtClean="0">
+                            <a:latin typeface="Cambria Math" panose="02040503050406030204" pitchFamily="18" charset="0"/>
+                          </a:rPr>
+                          <m:t>TP</m:t>
+                        </m:r>
+                        <m:r>
+                          <a:rPr lang="en-US" b="0" i="0" smtClean="0">
+                            <a:latin typeface="Cambria Math" panose="02040503050406030204" pitchFamily="18" charset="0"/>
+                          </a:rPr>
+                          <m:t>+</m:t>
+                        </m:r>
+                        <m:r>
+                          <m:rPr>
+                            <m:sty m:val="p"/>
+                          </m:rPr>
+                          <a:rPr lang="en-US" b="0" i="0" smtClean="0">
+                            <a:latin typeface="Cambria Math" panose="02040503050406030204" pitchFamily="18" charset="0"/>
+                          </a:rPr>
+                          <m:t>FP</m:t>
+                        </m:r>
+                      </m:den>
+                    </m:f>
+                  </m:oMath>
+                </a14:m>
+                <a:endParaRPr lang="en-US" dirty="0"/>
+              </a:p>
+              <a:p>
+                <a14:m>
+                  <m:oMath xmlns:m="http://schemas.openxmlformats.org/officeDocument/2006/math">
+                    <m:r>
+                      <m:rPr>
+                        <m:sty m:val="p"/>
+                      </m:rPr>
+                      <a:rPr lang="en-US" b="0" i="0" smtClean="0">
+                        <a:latin typeface="Cambria Math" panose="02040503050406030204" pitchFamily="18" charset="0"/>
+                      </a:rPr>
+                      <m:t>Recall</m:t>
+                    </m:r>
+                    <m:r>
+                      <a:rPr lang="en-US" b="0" i="0" smtClean="0">
+                        <a:latin typeface="Cambria Math" panose="02040503050406030204" pitchFamily="18" charset="0"/>
+                      </a:rPr>
+                      <m:t>=</m:t>
+                    </m:r>
+                    <m:r>
+                      <m:rPr>
+                        <m:sty m:val="p"/>
+                      </m:rPr>
+                      <a:rPr lang="en-US" b="0" i="0" smtClean="0">
+                        <a:latin typeface="Cambria Math" panose="02040503050406030204" pitchFamily="18" charset="0"/>
+                      </a:rPr>
+                      <m:t>Sensitivity</m:t>
+                    </m:r>
+                    <m:r>
+                      <a:rPr lang="en-US" b="0" i="0" smtClean="0">
+                        <a:latin typeface="Cambria Math" panose="02040503050406030204" pitchFamily="18" charset="0"/>
+                      </a:rPr>
+                      <m:t>=</m:t>
+                    </m:r>
+                    <m:f>
+                      <m:fPr>
+                        <m:ctrlPr>
+                          <a:rPr lang="en-US" b="0" smtClean="0">
+                            <a:latin typeface="Cambria Math" panose="02040503050406030204" pitchFamily="18" charset="0"/>
+                          </a:rPr>
+                        </m:ctrlPr>
+                      </m:fPr>
+                      <m:num>
+                        <m:r>
+                          <m:rPr>
+                            <m:sty m:val="p"/>
+                          </m:rPr>
+                          <a:rPr lang="en-US" b="0" i="0" smtClean="0">
+                            <a:latin typeface="Cambria Math" panose="02040503050406030204" pitchFamily="18" charset="0"/>
+                          </a:rPr>
+                          <m:t>TP</m:t>
+                        </m:r>
+                      </m:num>
+                      <m:den>
+                        <m:r>
+                          <m:rPr>
+                            <m:sty m:val="p"/>
+                          </m:rPr>
+                          <a:rPr lang="en-US" b="0" i="0" smtClean="0">
+                            <a:latin typeface="Cambria Math" panose="02040503050406030204" pitchFamily="18" charset="0"/>
+                          </a:rPr>
+                          <m:t>TP</m:t>
+                        </m:r>
+                        <m:r>
+                          <a:rPr lang="en-US" b="0" i="0" smtClean="0">
+                            <a:latin typeface="Cambria Math" panose="02040503050406030204" pitchFamily="18" charset="0"/>
+                          </a:rPr>
+                          <m:t>+</m:t>
+                        </m:r>
+                        <m:r>
+                          <m:rPr>
+                            <m:sty m:val="p"/>
+                          </m:rPr>
+                          <a:rPr lang="en-US" b="0" i="0" smtClean="0">
+                            <a:latin typeface="Cambria Math" panose="02040503050406030204" pitchFamily="18" charset="0"/>
+                          </a:rPr>
+                          <m:t>FN</m:t>
+                        </m:r>
+                      </m:den>
+                    </m:f>
+                  </m:oMath>
+                </a14:m>
+                <a:endParaRPr lang="en-US" dirty="0"/>
+              </a:p>
+              <a:p>
+                <a14:m>
+                  <m:oMath xmlns:m="http://schemas.openxmlformats.org/officeDocument/2006/math">
+                    <m:r>
+                      <m:rPr>
+                        <m:sty m:val="p"/>
+                      </m:rPr>
+                      <a:rPr lang="en-US" b="0" i="0" smtClean="0">
+                        <a:latin typeface="Cambria Math" panose="02040503050406030204" pitchFamily="18" charset="0"/>
+                      </a:rPr>
+                      <m:t>Specificity</m:t>
+                    </m:r>
+                    <m:r>
+                      <a:rPr lang="en-US" b="0" i="0" smtClean="0">
+                        <a:latin typeface="Cambria Math" panose="02040503050406030204" pitchFamily="18" charset="0"/>
+                      </a:rPr>
+                      <m:t>=</m:t>
+                    </m:r>
+                    <m:f>
+                      <m:fPr>
+                        <m:ctrlPr>
+                          <a:rPr lang="en-US" b="0" smtClean="0">
+                            <a:latin typeface="Cambria Math" panose="02040503050406030204" pitchFamily="18" charset="0"/>
+                          </a:rPr>
+                        </m:ctrlPr>
+                      </m:fPr>
+                      <m:num>
+                        <m:r>
+                          <m:rPr>
+                            <m:sty m:val="p"/>
+                          </m:rPr>
+                          <a:rPr lang="en-US" b="0" i="0" smtClean="0">
+                            <a:latin typeface="Cambria Math" panose="02040503050406030204" pitchFamily="18" charset="0"/>
+                          </a:rPr>
+                          <m:t>TN</m:t>
+                        </m:r>
+                      </m:num>
+                      <m:den>
+                        <m:r>
+                          <m:rPr>
+                            <m:sty m:val="p"/>
+                          </m:rPr>
+                          <a:rPr lang="en-US" b="0" i="0" smtClean="0">
+                            <a:latin typeface="Cambria Math" panose="02040503050406030204" pitchFamily="18" charset="0"/>
+                          </a:rPr>
+                          <m:t>TN</m:t>
+                        </m:r>
+                        <m:r>
+                          <a:rPr lang="en-US" b="0" i="0" smtClean="0">
+                            <a:latin typeface="Cambria Math" panose="02040503050406030204" pitchFamily="18" charset="0"/>
+                          </a:rPr>
+                          <m:t>+</m:t>
+                        </m:r>
+                        <m:r>
+                          <m:rPr>
+                            <m:sty m:val="p"/>
+                          </m:rPr>
+                          <a:rPr lang="en-US" b="0" i="0" smtClean="0">
+                            <a:latin typeface="Cambria Math" panose="02040503050406030204" pitchFamily="18" charset="0"/>
+                          </a:rPr>
+                          <m:t>FP</m:t>
+                        </m:r>
+                      </m:den>
+                    </m:f>
+                  </m:oMath>
+                </a14:m>
+                <a:endParaRPr lang="en-US" dirty="0"/>
+              </a:p>
+              <a:p>
+                <a:pPr marL="139700" indent="0">
+                  <a:buNone/>
+                </a:pPr>
+                <a:endParaRPr lang="en-US" dirty="0"/>
+              </a:p>
+              <a:p>
+                <a14:m>
+                  <m:oMath xmlns:m="http://schemas.openxmlformats.org/officeDocument/2006/math">
+                    <m:r>
+                      <m:rPr>
+                        <m:sty m:val="p"/>
+                      </m:rPr>
+                      <a:rPr lang="en-US" b="0" i="0" smtClean="0">
+                        <a:latin typeface="Cambria Math" panose="02040503050406030204" pitchFamily="18" charset="0"/>
+                      </a:rPr>
+                      <m:t>F</m:t>
+                    </m:r>
+                    <m:r>
+                      <a:rPr lang="en-US" b="0" i="0" smtClean="0">
+                        <a:latin typeface="Cambria Math" panose="02040503050406030204" pitchFamily="18" charset="0"/>
+                      </a:rPr>
+                      <m:t>1=2∙</m:t>
+                    </m:r>
+                    <m:f>
+                      <m:fPr>
+                        <m:ctrlPr>
+                          <a:rPr lang="en-US" b="0" smtClean="0">
+                            <a:latin typeface="Cambria Math" panose="02040503050406030204" pitchFamily="18" charset="0"/>
+                          </a:rPr>
+                        </m:ctrlPr>
+                      </m:fPr>
+                      <m:num>
+                        <m:r>
+                          <m:rPr>
+                            <m:sty m:val="p"/>
+                          </m:rPr>
+                          <a:rPr lang="en-US" b="0" i="0" smtClean="0">
+                            <a:latin typeface="Cambria Math" panose="02040503050406030204" pitchFamily="18" charset="0"/>
+                          </a:rPr>
+                          <m:t>Precision</m:t>
+                        </m:r>
+                        <m:r>
+                          <a:rPr lang="en-US" b="0" i="0" smtClean="0">
+                            <a:latin typeface="Cambria Math" panose="02040503050406030204" pitchFamily="18" charset="0"/>
+                            <a:ea typeface="Cambria Math" panose="02040503050406030204" pitchFamily="18" charset="0"/>
+                          </a:rPr>
+                          <m:t>∙</m:t>
+                        </m:r>
+                        <m:r>
+                          <m:rPr>
+                            <m:sty m:val="p"/>
+                          </m:rPr>
+                          <a:rPr lang="en-US" b="0" i="0" smtClean="0">
+                            <a:latin typeface="Cambria Math" panose="02040503050406030204" pitchFamily="18" charset="0"/>
+                            <a:ea typeface="Cambria Math" panose="02040503050406030204" pitchFamily="18" charset="0"/>
+                          </a:rPr>
+                          <m:t>Recall</m:t>
+                        </m:r>
+                      </m:num>
+                      <m:den>
+                        <m:r>
+                          <m:rPr>
+                            <m:sty m:val="p"/>
+                          </m:rPr>
+                          <a:rPr lang="en-US" b="0" i="0" smtClean="0">
+                            <a:latin typeface="Cambria Math" panose="02040503050406030204" pitchFamily="18" charset="0"/>
+                          </a:rPr>
+                          <m:t>Precision</m:t>
+                        </m:r>
+                        <m:r>
+                          <a:rPr lang="en-US" b="0" i="0" smtClean="0">
+                            <a:latin typeface="Cambria Math" panose="02040503050406030204" pitchFamily="18" charset="0"/>
+                          </a:rPr>
+                          <m:t>+</m:t>
+                        </m:r>
+                        <m:r>
+                          <m:rPr>
+                            <m:sty m:val="p"/>
+                          </m:rPr>
+                          <a:rPr lang="en-US" b="0" i="0" smtClean="0">
+                            <a:latin typeface="Cambria Math" panose="02040503050406030204" pitchFamily="18" charset="0"/>
+                          </a:rPr>
+                          <m:t>Recall</m:t>
+                        </m:r>
+                      </m:den>
+                    </m:f>
+                  </m:oMath>
+                </a14:m>
+                <a:endParaRPr lang="en-US" dirty="0"/>
+              </a:p>
+            </p:txBody>
+          </p:sp>
+        </mc:Choice>
+        <mc:Fallback>
+          <p:sp>
+            <p:nvSpPr>
+              <p:cNvPr id="5" name="Text Placeholder 4">
+                <a:extLst>
+                  <a:ext uri="{FF2B5EF4-FFF2-40B4-BE49-F238E27FC236}">
+                    <a16:creationId xmlns:a16="http://schemas.microsoft.com/office/drawing/2014/main" id="{56B2D284-8228-4668-9117-192735F98F77}"/>
+                  </a:ext>
+                </a:extLst>
+              </p:cNvPr>
+              <p:cNvSpPr>
+                <a:spLocks noGrp="1" noRot="1" noChangeAspect="1" noMove="1" noResize="1" noEditPoints="1" noAdjustHandles="1" noChangeArrowheads="1" noChangeShapeType="1" noTextEdit="1"/>
+              </p:cNvSpPr>
+              <p:nvPr>
+                <p:ph type="body" idx="2"/>
+              </p:nvPr>
+            </p:nvSpPr>
+            <p:spPr>
+              <a:xfrm>
+                <a:off x="5441903" y="1211350"/>
+                <a:ext cx="3280069" cy="3393725"/>
+              </a:xfrm>
+              <a:blipFill>
+                <a:blip r:embed="rId2"/>
+                <a:stretch>
+                  <a:fillRect/>
+                </a:stretch>
+              </a:blipFill>
+            </p:spPr>
+            <p:txBody>
+              <a:bodyPr/>
+              <a:lstStyle/>
+              <a:p>
+                <a:r>
+                  <a:rPr lang="en-US">
+                    <a:noFill/>
+                  </a:rPr>
+                  <a:t> </a:t>
+                </a:r>
+              </a:p>
+            </p:txBody>
+          </p:sp>
+        </mc:Fallback>
+      </mc:AlternateContent>
+      <p:pic>
+        <p:nvPicPr>
+          <p:cNvPr id="3074" name="Picture 2" descr="Image result for roc curve">
+            <a:extLst>
+              <a:ext uri="{FF2B5EF4-FFF2-40B4-BE49-F238E27FC236}">
+                <a16:creationId xmlns:a16="http://schemas.microsoft.com/office/drawing/2014/main" id="{7B7A9A62-AC56-41A1-829B-AD248D546DAE}"/>
+              </a:ext>
+            </a:extLst>
+          </p:cNvPr>
+          <p:cNvPicPr>
+            <a:picLocks noChangeAspect="1" noChangeArrowheads="1"/>
+          </p:cNvPicPr>
+          <p:nvPr/>
+        </p:nvPicPr>
+        <p:blipFill>
+          <a:blip r:embed="rId3">
+            <a:extLst>
+              <a:ext uri="{28A0092B-C50C-407E-A947-70E740481C1C}">
+                <a14:useLocalDpi xmlns:a14="http://schemas.microsoft.com/office/drawing/2010/main" val="0"/>
+              </a:ext>
+            </a:extLst>
+          </a:blip>
+          <a:srcRect/>
+          <a:stretch>
+            <a:fillRect/>
+          </a:stretch>
+        </p:blipFill>
+        <p:spPr bwMode="auto">
+          <a:xfrm>
+            <a:off x="483576" y="2078450"/>
+            <a:ext cx="2948305" cy="2325909"/>
+          </a:xfrm>
+          <a:prstGeom prst="rect">
+            <a:avLst/>
+          </a:prstGeom>
+          <a:noFill/>
+          <a:extLst>
+            <a:ext uri="{909E8E84-426E-40DD-AFC4-6F175D3DCCD1}">
+              <a14:hiddenFill xmlns:a14="http://schemas.microsoft.com/office/drawing/2010/main">
+                <a:solidFill>
+                  <a:srgbClr val="FFFFFF"/>
+                </a:solidFill>
+              </a14:hiddenFill>
+            </a:ext>
+          </a:extLst>
+        </p:spPr>
+      </p:pic>
+      <p:sp>
+        <p:nvSpPr>
+          <p:cNvPr id="6" name="Rectangle 5">
+            <a:extLst>
+              <a:ext uri="{FF2B5EF4-FFF2-40B4-BE49-F238E27FC236}">
+                <a16:creationId xmlns:a16="http://schemas.microsoft.com/office/drawing/2014/main" id="{18E34B63-77CF-4760-93BE-2B4AFA3EB568}"/>
+              </a:ext>
+            </a:extLst>
+          </p:cNvPr>
+          <p:cNvSpPr/>
+          <p:nvPr/>
+        </p:nvSpPr>
+        <p:spPr>
+          <a:xfrm>
+            <a:off x="422028" y="4386678"/>
+            <a:ext cx="2948304" cy="415498"/>
+          </a:xfrm>
+          <a:prstGeom prst="rect">
+            <a:avLst/>
+          </a:prstGeom>
+        </p:spPr>
+        <p:txBody>
+          <a:bodyPr wrap="square">
+            <a:spAutoFit/>
+          </a:bodyPr>
+          <a:lstStyle/>
+          <a:p>
+            <a:r>
+              <a:rPr lang="en-US" sz="700" dirty="0">
+                <a:hlinkClick r:id="rId4"/>
+              </a:rPr>
+              <a:t>https://www.researchgate.net/figure/ROC-curves-of-different-classifiers-The-ROC-curve-of-an-ideal-classifier-should-be_fig5_319939197</a:t>
+            </a:r>
+            <a:endParaRPr lang="en-US" sz="700" dirty="0"/>
+          </a:p>
+        </p:txBody>
+      </p:sp>
+    </p:spTree>
+    <p:extLst>
+      <p:ext uri="{BB962C8B-B14F-4D97-AF65-F5344CB8AC3E}">
+        <p14:creationId xmlns:p14="http://schemas.microsoft.com/office/powerpoint/2010/main" val="524179413"/>
+      </p:ext>
+    </p:extLst>
+  </p:cSld>
+  <p:clrMapOvr>
+    <a:masterClrMapping/>
+  </p:clrMapOvr>
+</p:sld>
+</file>
+
+<file path=ppt/slides/slide21.xml><?xml version="1.0" encoding="utf-8"?>
+<p:sld xmlns:a="http://schemas.openxmlformats.org/drawingml/2006/main" xmlns:r="http://schemas.openxmlformats.org/officeDocument/2006/relationships" xmlns:p="http://schemas.openxmlformats.org/presentationml/2006/main">
+  <p:cSld>
+    <p:spTree>
+      <p:nvGrpSpPr>
+        <p:cNvPr id="1" name=""/>
+        <p:cNvGrpSpPr/>
+        <p:nvPr/>
+      </p:nvGrpSpPr>
+      <p:grpSpPr>
+        <a:xfrm>
+          <a:off x="0" y="0"/>
+          <a:ext cx="0" cy="0"/>
+          <a:chOff x="0" y="0"/>
+          <a:chExt cx="0" cy="0"/>
+        </a:xfrm>
+      </p:grpSpPr>
+      <p:sp>
+        <p:nvSpPr>
+          <p:cNvPr id="2" name="Title 1">
+            <a:extLst>
+              <a:ext uri="{FF2B5EF4-FFF2-40B4-BE49-F238E27FC236}">
+                <a16:creationId xmlns:a16="http://schemas.microsoft.com/office/drawing/2014/main" id="{96CCC636-A7BA-4B19-A962-009FDDC9D794}"/>
+              </a:ext>
+            </a:extLst>
+          </p:cNvPr>
+          <p:cNvSpPr>
+            <a:spLocks noGrp="1"/>
+          </p:cNvSpPr>
+          <p:nvPr>
+            <p:ph type="title"/>
+          </p:nvPr>
+        </p:nvSpPr>
+        <p:spPr>
+          <a:xfrm>
+            <a:off x="319500" y="548640"/>
+            <a:ext cx="2808000" cy="601980"/>
+          </a:xfrm>
+        </p:spPr>
+        <p:txBody>
+          <a:bodyPr/>
+          <a:lstStyle/>
+          <a:p>
+            <a:r>
+              <a:rPr lang="en-US" dirty="0"/>
+              <a:t>Clustering</a:t>
+            </a:r>
+          </a:p>
+        </p:txBody>
+      </p:sp>
+      <p:sp>
+        <p:nvSpPr>
+          <p:cNvPr id="3" name="Text Placeholder 2">
+            <a:extLst>
+              <a:ext uri="{FF2B5EF4-FFF2-40B4-BE49-F238E27FC236}">
+                <a16:creationId xmlns:a16="http://schemas.microsoft.com/office/drawing/2014/main" id="{3D0582B5-5A3D-401F-90F1-0860B0B4CA57}"/>
+              </a:ext>
+            </a:extLst>
+          </p:cNvPr>
+          <p:cNvSpPr>
+            <a:spLocks noGrp="1"/>
+          </p:cNvSpPr>
+          <p:nvPr>
+            <p:ph type="body" idx="1"/>
+          </p:nvPr>
+        </p:nvSpPr>
+        <p:spPr>
+          <a:xfrm>
+            <a:off x="319500" y="1203960"/>
+            <a:ext cx="2903760" cy="3449044"/>
+          </a:xfrm>
+        </p:spPr>
+        <p:txBody>
+          <a:bodyPr/>
+          <a:lstStyle/>
+          <a:p>
+            <a:pPr marL="152400" indent="0">
+              <a:spcBef>
+                <a:spcPts val="600"/>
+              </a:spcBef>
+              <a:buNone/>
+            </a:pPr>
+            <a:r>
+              <a:rPr lang="en-US" dirty="0"/>
+              <a:t>Multiple methods:</a:t>
+            </a:r>
+          </a:p>
+          <a:p>
+            <a:pPr>
+              <a:spcBef>
+                <a:spcPts val="600"/>
+              </a:spcBef>
+            </a:pPr>
+            <a:r>
+              <a:rPr lang="en-US" dirty="0"/>
+              <a:t>Agglomerative – “Bottom-Up”</a:t>
+            </a:r>
+          </a:p>
+          <a:p>
+            <a:pPr lvl="1">
+              <a:spcBef>
+                <a:spcPts val="600"/>
+              </a:spcBef>
+            </a:pPr>
+            <a:r>
+              <a:rPr lang="en-US" dirty="0"/>
+              <a:t>UPGMA</a:t>
+            </a:r>
+          </a:p>
+          <a:p>
+            <a:pPr>
+              <a:spcBef>
+                <a:spcPts val="600"/>
+              </a:spcBef>
+            </a:pPr>
+            <a:r>
+              <a:rPr lang="en-US" dirty="0"/>
+              <a:t>Divisive – “Top-Down”</a:t>
+            </a:r>
+          </a:p>
+          <a:p>
+            <a:pPr lvl="1">
+              <a:spcBef>
+                <a:spcPts val="600"/>
+              </a:spcBef>
+            </a:pPr>
+            <a:r>
+              <a:rPr lang="en-US" dirty="0"/>
+              <a:t>k-Means</a:t>
+            </a:r>
+          </a:p>
+          <a:p>
+            <a:pPr marL="152400" indent="0">
+              <a:spcBef>
+                <a:spcPts val="600"/>
+              </a:spcBef>
+              <a:buNone/>
+            </a:pPr>
+            <a:r>
+              <a:rPr lang="en-US" dirty="0"/>
+              <a:t>Based on some distance metric and some linkage criteria.</a:t>
+            </a:r>
+          </a:p>
+        </p:txBody>
+      </p:sp>
+      <p:pic>
+        <p:nvPicPr>
+          <p:cNvPr id="4" name="Picture 5">
+            <a:extLst>
+              <a:ext uri="{FF2B5EF4-FFF2-40B4-BE49-F238E27FC236}">
+                <a16:creationId xmlns:a16="http://schemas.microsoft.com/office/drawing/2014/main" id="{C775C1C4-EEF7-4E3F-9DA6-D9956EEA8900}"/>
+              </a:ext>
+            </a:extLst>
+          </p:cNvPr>
+          <p:cNvPicPr>
+            <a:picLocks noChangeAspect="1" noChangeArrowheads="1"/>
+          </p:cNvPicPr>
+          <p:nvPr/>
+        </p:nvPicPr>
+        <p:blipFill>
+          <a:blip r:embed="rId2" cstate="print"/>
+          <a:srcRect/>
+          <a:stretch>
+            <a:fillRect/>
+          </a:stretch>
+        </p:blipFill>
+        <p:spPr bwMode="auto">
+          <a:xfrm>
+            <a:off x="3458545" y="70391"/>
+            <a:ext cx="5539740" cy="4582613"/>
+          </a:xfrm>
+          <a:prstGeom prst="rect">
+            <a:avLst/>
+          </a:prstGeom>
+          <a:noFill/>
+          <a:ln w="9525">
+            <a:noFill/>
+            <a:miter lim="800000"/>
+            <a:headEnd/>
+            <a:tailEnd/>
+          </a:ln>
+          <a:effectLst/>
+        </p:spPr>
+      </p:pic>
+      <p:pic>
+        <p:nvPicPr>
+          <p:cNvPr id="5" name="Picture 4">
+            <a:extLst>
+              <a:ext uri="{FF2B5EF4-FFF2-40B4-BE49-F238E27FC236}">
+                <a16:creationId xmlns:a16="http://schemas.microsoft.com/office/drawing/2014/main" id="{58F7AA0B-38B1-467E-8ECD-6E397157445E}"/>
+              </a:ext>
+            </a:extLst>
+          </p:cNvPr>
+          <p:cNvPicPr>
+            <a:picLocks noChangeAspect="1" noChangeArrowheads="1"/>
+          </p:cNvPicPr>
+          <p:nvPr/>
+        </p:nvPicPr>
+        <p:blipFill>
+          <a:blip r:embed="rId3" cstate="print"/>
+          <a:srcRect/>
+          <a:stretch>
+            <a:fillRect/>
+          </a:stretch>
+        </p:blipFill>
+        <p:spPr bwMode="auto">
+          <a:xfrm>
+            <a:off x="72233" y="3503160"/>
+            <a:ext cx="3386312" cy="1571760"/>
+          </a:xfrm>
+          <a:prstGeom prst="rect">
+            <a:avLst/>
+          </a:prstGeom>
+          <a:noFill/>
+          <a:ln w="9525">
+            <a:noFill/>
+            <a:miter lim="800000"/>
+            <a:headEnd/>
+            <a:tailEnd/>
+          </a:ln>
+          <a:effectLst/>
+        </p:spPr>
+      </p:pic>
+      <p:sp>
+        <p:nvSpPr>
+          <p:cNvPr id="6" name="Rectangle 5">
+            <a:extLst>
+              <a:ext uri="{FF2B5EF4-FFF2-40B4-BE49-F238E27FC236}">
+                <a16:creationId xmlns:a16="http://schemas.microsoft.com/office/drawing/2014/main" id="{FC90441F-243B-48D1-92E4-9755177C56AA}"/>
+              </a:ext>
+            </a:extLst>
+          </p:cNvPr>
+          <p:cNvSpPr/>
+          <p:nvPr/>
+        </p:nvSpPr>
+        <p:spPr>
+          <a:xfrm>
+            <a:off x="3596640" y="4819193"/>
+            <a:ext cx="4572000" cy="253916"/>
+          </a:xfrm>
+          <a:prstGeom prst="rect">
+            <a:avLst/>
+          </a:prstGeom>
+        </p:spPr>
+        <p:txBody>
+          <a:bodyPr>
+            <a:spAutoFit/>
+          </a:bodyPr>
+          <a:lstStyle/>
+          <a:p>
+            <a:r>
+              <a:rPr lang="en-US" sz="1000" dirty="0">
+                <a:hlinkClick r:id="rId4"/>
+              </a:rPr>
+              <a:t>https://www.cmpe.boun.edu.tr/~ethem/i2ml3e/3e_v1-0/i2ml3e-chap7.pptx</a:t>
+            </a:r>
+            <a:endParaRPr lang="en-US" sz="1000" dirty="0"/>
+          </a:p>
+        </p:txBody>
+      </p:sp>
+    </p:spTree>
+    <p:extLst>
+      <p:ext uri="{BB962C8B-B14F-4D97-AF65-F5344CB8AC3E}">
+        <p14:creationId xmlns:p14="http://schemas.microsoft.com/office/powerpoint/2010/main" val="4140229730"/>
+      </p:ext>
+    </p:extLst>
+  </p:cSld>
+  <p:clrMapOvr>
+    <a:masterClrMapping/>
+  </p:clrMapOvr>
+</p:sld>
+</file>
+
+<file path=ppt/slides/slide22.xml><?xml version="1.0" encoding="utf-8"?>
+<p:sld xmlns:a="http://schemas.openxmlformats.org/drawingml/2006/main" xmlns:r="http://schemas.openxmlformats.org/officeDocument/2006/relationships" xmlns:p="http://schemas.openxmlformats.org/presentationml/2006/main">
+  <p:cSld>
+    <p:spTree>
+      <p:nvGrpSpPr>
+        <p:cNvPr id="1" name=""/>
+        <p:cNvGrpSpPr/>
+        <p:nvPr/>
+      </p:nvGrpSpPr>
+      <p:grpSpPr>
+        <a:xfrm>
+          <a:off x="0" y="0"/>
+          <a:ext cx="0" cy="0"/>
+          <a:chOff x="0" y="0"/>
+          <a:chExt cx="0" cy="0"/>
+        </a:xfrm>
+      </p:grpSpPr>
+      <p:sp>
+        <p:nvSpPr>
+          <p:cNvPr id="2" name="Title 1">
+            <a:extLst>
+              <a:ext uri="{FF2B5EF4-FFF2-40B4-BE49-F238E27FC236}">
+                <a16:creationId xmlns:a16="http://schemas.microsoft.com/office/drawing/2014/main" id="{5CD5983E-2041-4E1F-A9B9-EF91C301796F}"/>
+              </a:ext>
+            </a:extLst>
+          </p:cNvPr>
+          <p:cNvSpPr>
+            <a:spLocks noGrp="1"/>
+          </p:cNvSpPr>
+          <p:nvPr>
+            <p:ph type="title"/>
+          </p:nvPr>
+        </p:nvSpPr>
+        <p:spPr>
+          <a:xfrm>
+            <a:off x="319500" y="617220"/>
+            <a:ext cx="2393220" cy="1075080"/>
+          </a:xfrm>
+        </p:spPr>
+        <p:txBody>
+          <a:bodyPr/>
+          <a:lstStyle/>
+          <a:p>
+            <a:r>
+              <a:rPr lang="en-US" dirty="0"/>
+              <a:t>Computational Complexity</a:t>
+            </a:r>
+          </a:p>
+        </p:txBody>
+      </p:sp>
+      <p:sp>
+        <p:nvSpPr>
+          <p:cNvPr id="3" name="Text Placeholder 2">
+            <a:extLst>
+              <a:ext uri="{FF2B5EF4-FFF2-40B4-BE49-F238E27FC236}">
+                <a16:creationId xmlns:a16="http://schemas.microsoft.com/office/drawing/2014/main" id="{8DFE20FD-6DCB-454C-82C7-CE4AAB8FE905}"/>
+              </a:ext>
+            </a:extLst>
+          </p:cNvPr>
+          <p:cNvSpPr>
+            <a:spLocks noGrp="1"/>
+          </p:cNvSpPr>
+          <p:nvPr>
+            <p:ph type="body" idx="1"/>
+          </p:nvPr>
+        </p:nvSpPr>
+        <p:spPr>
+          <a:xfrm>
+            <a:off x="319500" y="1846804"/>
+            <a:ext cx="2629440" cy="2806200"/>
+          </a:xfrm>
+        </p:spPr>
+        <p:txBody>
+          <a:bodyPr/>
+          <a:lstStyle/>
+          <a:p>
+            <a:r>
+              <a:rPr lang="en-US" dirty="0"/>
+              <a:t>A measure of inherent difficulty in completing a computational task</a:t>
+            </a:r>
+          </a:p>
+          <a:p>
+            <a:r>
+              <a:rPr lang="en-US" dirty="0"/>
+              <a:t>In other words, if I increase the number of input points (either variables, observations, or parameters), by what factor does the computational time increase?</a:t>
+            </a:r>
+          </a:p>
+        </p:txBody>
+      </p:sp>
+      <mc:AlternateContent xmlns:mc="http://schemas.openxmlformats.org/markup-compatibility/2006">
+        <mc:Choice xmlns:a14="http://schemas.microsoft.com/office/drawing/2010/main" Requires="a14">
+          <p:graphicFrame>
+            <p:nvGraphicFramePr>
+              <p:cNvPr id="5" name="Table 4">
+                <a:extLst>
+                  <a:ext uri="{FF2B5EF4-FFF2-40B4-BE49-F238E27FC236}">
+                    <a16:creationId xmlns:a16="http://schemas.microsoft.com/office/drawing/2014/main" id="{034D06DB-F6EC-44E0-A92A-9FB1A7D1C2F5}"/>
+                  </a:ext>
+                </a:extLst>
+              </p:cNvPr>
+              <p:cNvGraphicFramePr>
+                <a:graphicFrameLocks noGrp="1"/>
+              </p:cNvGraphicFramePr>
+              <p:nvPr>
+                <p:extLst>
+                  <p:ext uri="{D42A27DB-BD31-4B8C-83A1-F6EECF244321}">
+                    <p14:modId xmlns:p14="http://schemas.microsoft.com/office/powerpoint/2010/main" val="3440784375"/>
+                  </p:ext>
+                </p:extLst>
+              </p:nvPr>
+            </p:nvGraphicFramePr>
+            <p:xfrm>
+              <a:off x="2887980" y="221810"/>
+              <a:ext cx="6111240" cy="2372360"/>
+            </p:xfrm>
+            <a:graphic>
+              <a:graphicData uri="http://schemas.openxmlformats.org/drawingml/2006/table">
+                <a:tbl>
+                  <a:tblPr firstRow="1" bandRow="1">
+                    <a:tableStyleId>{21E4AEA4-8DFA-4A89-87EB-49C32662AFE0}</a:tableStyleId>
+                  </a:tblPr>
+                  <a:tblGrid>
+                    <a:gridCol w="1830882">
+                      <a:extLst>
+                        <a:ext uri="{9D8B030D-6E8A-4147-A177-3AD203B41FA5}">
+                          <a16:colId xmlns:a16="http://schemas.microsoft.com/office/drawing/2014/main" val="1086973525"/>
+                        </a:ext>
+                      </a:extLst>
+                    </a:gridCol>
+                    <a:gridCol w="1664438">
+                      <a:extLst>
+                        <a:ext uri="{9D8B030D-6E8A-4147-A177-3AD203B41FA5}">
+                          <a16:colId xmlns:a16="http://schemas.microsoft.com/office/drawing/2014/main" val="859440288"/>
+                        </a:ext>
+                      </a:extLst>
+                    </a:gridCol>
+                    <a:gridCol w="2615920">
+                      <a:extLst>
+                        <a:ext uri="{9D8B030D-6E8A-4147-A177-3AD203B41FA5}">
+                          <a16:colId xmlns:a16="http://schemas.microsoft.com/office/drawing/2014/main" val="3505138021"/>
+                        </a:ext>
+                      </a:extLst>
+                    </a:gridCol>
+                  </a:tblGrid>
+                  <a:tr h="370840">
+                    <a:tc>
+                      <a:txBody>
+                        <a:bodyPr/>
+                        <a:lstStyle/>
+                        <a:p>
+                          <a:r>
+                            <a:rPr lang="en-US" dirty="0"/>
+                            <a:t>Algorithm</a:t>
+                          </a:r>
+                        </a:p>
+                      </a:txBody>
+                      <a:tcPr/>
+                    </a:tc>
+                    <a:tc>
+                      <a:txBody>
+                        <a:bodyPr/>
+                        <a:lstStyle/>
+                        <a:p>
+                          <a:r>
+                            <a:rPr lang="en-US" dirty="0"/>
+                            <a:t>Training Complexity</a:t>
+                          </a:r>
+                        </a:p>
+                      </a:txBody>
+                      <a:tcPr/>
+                    </a:tc>
+                    <a:tc>
+                      <a:txBody>
+                        <a:bodyPr/>
+                        <a:lstStyle/>
+                        <a:p>
+                          <a:r>
+                            <a:rPr lang="en-US" dirty="0"/>
+                            <a:t>Prediction Complexity</a:t>
+                          </a:r>
+                        </a:p>
+                      </a:txBody>
+                      <a:tcPr/>
+                    </a:tc>
+                    <a:extLst>
+                      <a:ext uri="{0D108BD9-81ED-4DB2-BD59-A6C34878D82A}">
+                        <a16:rowId xmlns:a16="http://schemas.microsoft.com/office/drawing/2014/main" val="3525679299"/>
+                      </a:ext>
+                    </a:extLst>
+                  </a:tr>
+                  <a:tr h="370840">
+                    <a:tc>
+                      <a:txBody>
+                        <a:bodyPr/>
+                        <a:lstStyle/>
+                        <a:p>
+                          <a:r>
+                            <a:rPr lang="en-US" dirty="0"/>
+                            <a:t>Linear Regression</a:t>
+                          </a:r>
+                        </a:p>
+                      </a:txBody>
+                      <a:tcPr/>
+                    </a:tc>
+                    <a:tc>
+                      <a:txBody>
+                        <a:bodyPr/>
+                        <a:lstStyle/>
+                        <a:p>
+                          <a:pPr marL="0" marR="0" lvl="0" indent="0" algn="l" defTabSz="914400" rtl="0" eaLnBrk="1" fontAlgn="auto" latinLnBrk="0" hangingPunct="1">
+                            <a:lnSpc>
+                              <a:spcPct val="100000"/>
+                            </a:lnSpc>
+                            <a:spcBef>
+                              <a:spcPts val="0"/>
+                            </a:spcBef>
+                            <a:spcAft>
+                              <a:spcPts val="0"/>
+                            </a:spcAft>
+                            <a:buClr>
+                              <a:srgbClr val="000000"/>
+                            </a:buClr>
+                            <a:buSzTx/>
+                            <a:buFont typeface="Arial"/>
+                            <a:buNone/>
+                            <a:tabLst/>
+                            <a:defRPr/>
+                          </a:pPr>
+                          <a14:m>
+                            <m:oMathPara xmlns:m="http://schemas.openxmlformats.org/officeDocument/2006/math">
+                              <m:oMathParaPr>
+                                <m:jc m:val="centerGroup"/>
+                              </m:oMathParaPr>
+                              <m:oMath xmlns:m="http://schemas.openxmlformats.org/officeDocument/2006/math">
+                                <m:r>
+                                  <a:rPr lang="en-US" b="0" i="1" smtClean="0">
+                                    <a:latin typeface="Cambria Math" panose="02040503050406030204" pitchFamily="18" charset="0"/>
+                                  </a:rPr>
+                                  <m:t>𝑂</m:t>
+                                </m:r>
+                                <m:r>
+                                  <a:rPr lang="en-US" b="0" i="1" smtClean="0">
+                                    <a:latin typeface="Cambria Math" panose="02040503050406030204" pitchFamily="18" charset="0"/>
+                                  </a:rPr>
+                                  <m:t>(</m:t>
+                                </m:r>
+                                <m:sSup>
+                                  <m:sSupPr>
+                                    <m:ctrlPr>
+                                      <a:rPr lang="en-US" b="0" i="1" smtClean="0">
+                                        <a:latin typeface="Cambria Math" panose="02040503050406030204" pitchFamily="18" charset="0"/>
+                                      </a:rPr>
+                                    </m:ctrlPr>
+                                  </m:sSupPr>
+                                  <m:e>
+                                    <m:r>
+                                      <a:rPr lang="en-US" b="0" i="1" smtClean="0">
+                                        <a:latin typeface="Cambria Math" panose="02040503050406030204" pitchFamily="18" charset="0"/>
+                                      </a:rPr>
+                                      <m:t>𝑝</m:t>
+                                    </m:r>
+                                  </m:e>
+                                  <m:sup>
+                                    <m:r>
+                                      <a:rPr lang="en-US" b="0" i="1" smtClean="0">
+                                        <a:latin typeface="Cambria Math" panose="02040503050406030204" pitchFamily="18" charset="0"/>
+                                      </a:rPr>
+                                      <m:t>2</m:t>
+                                    </m:r>
+                                  </m:sup>
+                                </m:sSup>
+                                <m:r>
+                                  <a:rPr lang="en-US" b="0" i="1" smtClean="0">
+                                    <a:latin typeface="Cambria Math" panose="02040503050406030204" pitchFamily="18" charset="0"/>
+                                  </a:rPr>
+                                  <m:t>𝑛</m:t>
+                                </m:r>
+                                <m:r>
+                                  <a:rPr lang="en-US" b="0" i="1" smtClean="0">
+                                    <a:latin typeface="Cambria Math" panose="02040503050406030204" pitchFamily="18" charset="0"/>
+                                  </a:rPr>
+                                  <m:t>+</m:t>
+                                </m:r>
+                                <m:sSup>
+                                  <m:sSupPr>
+                                    <m:ctrlPr>
+                                      <a:rPr lang="en-US" b="0" i="1" smtClean="0">
+                                        <a:latin typeface="Cambria Math" panose="02040503050406030204" pitchFamily="18" charset="0"/>
+                                      </a:rPr>
+                                    </m:ctrlPr>
+                                  </m:sSupPr>
+                                  <m:e>
+                                    <m:r>
+                                      <a:rPr lang="en-US" b="0" i="1" smtClean="0">
+                                        <a:latin typeface="Cambria Math" panose="02040503050406030204" pitchFamily="18" charset="0"/>
+                                      </a:rPr>
+                                      <m:t>𝑝</m:t>
+                                    </m:r>
+                                  </m:e>
+                                  <m:sup>
+                                    <m:r>
+                                      <a:rPr lang="en-US" b="0" i="1" smtClean="0">
+                                        <a:latin typeface="Cambria Math" panose="02040503050406030204" pitchFamily="18" charset="0"/>
+                                      </a:rPr>
+                                      <m:t>3</m:t>
+                                    </m:r>
+                                  </m:sup>
+                                </m:sSup>
+                                <m:r>
+                                  <a:rPr lang="en-US" b="0" i="1" smtClean="0">
+                                    <a:latin typeface="Cambria Math" panose="02040503050406030204" pitchFamily="18" charset="0"/>
+                                  </a:rPr>
+                                  <m:t>)</m:t>
+                                </m:r>
+                              </m:oMath>
+                            </m:oMathPara>
+                          </a14:m>
+                          <a:endParaRPr lang="en-US" dirty="0"/>
+                        </a:p>
+                      </a:txBody>
+                      <a:tcPr/>
+                    </a:tc>
+                    <a:tc>
+                      <a:txBody>
+                        <a:bodyPr/>
+                        <a:lstStyle/>
+                        <a:p>
+                          <a:pPr marL="0" marR="0" lvl="0" indent="0" algn="l" defTabSz="914400" rtl="0" eaLnBrk="1" fontAlgn="auto" latinLnBrk="0" hangingPunct="1">
+                            <a:lnSpc>
+                              <a:spcPct val="100000"/>
+                            </a:lnSpc>
+                            <a:spcBef>
+                              <a:spcPts val="0"/>
+                            </a:spcBef>
+                            <a:spcAft>
+                              <a:spcPts val="0"/>
+                            </a:spcAft>
+                            <a:buClr>
+                              <a:srgbClr val="000000"/>
+                            </a:buClr>
+                            <a:buSzTx/>
+                            <a:buFont typeface="Arial"/>
+                            <a:buNone/>
+                            <a:tabLst/>
+                            <a:defRPr/>
+                          </a:pPr>
+                          <a14:m>
+                            <m:oMathPara xmlns:m="http://schemas.openxmlformats.org/officeDocument/2006/math">
+                              <m:oMathParaPr>
+                                <m:jc m:val="centerGroup"/>
+                              </m:oMathParaPr>
+                              <m:oMath xmlns:m="http://schemas.openxmlformats.org/officeDocument/2006/math">
+                                <m:r>
+                                  <a:rPr lang="en-US" b="0" i="1" smtClean="0">
+                                    <a:latin typeface="Cambria Math" panose="02040503050406030204" pitchFamily="18" charset="0"/>
+                                  </a:rPr>
+                                  <m:t>𝑂</m:t>
+                                </m:r>
+                                <m:r>
+                                  <a:rPr lang="en-US" b="0" i="1" smtClean="0">
+                                    <a:latin typeface="Cambria Math" panose="02040503050406030204" pitchFamily="18" charset="0"/>
+                                  </a:rPr>
+                                  <m:t>(</m:t>
+                                </m:r>
+                                <m:r>
+                                  <a:rPr lang="en-US" b="0" i="1" smtClean="0">
+                                    <a:latin typeface="Cambria Math" panose="02040503050406030204" pitchFamily="18" charset="0"/>
+                                  </a:rPr>
+                                  <m:t>𝑝</m:t>
+                                </m:r>
+                                <m:r>
+                                  <a:rPr lang="en-US" b="0" i="1" smtClean="0">
+                                    <a:latin typeface="Cambria Math" panose="02040503050406030204" pitchFamily="18" charset="0"/>
+                                  </a:rPr>
+                                  <m:t>)</m:t>
+                                </m:r>
+                              </m:oMath>
+                            </m:oMathPara>
+                          </a14:m>
+                          <a:endParaRPr lang="en-US" dirty="0"/>
+                        </a:p>
+                      </a:txBody>
+                      <a:tcPr/>
+                    </a:tc>
+                    <a:extLst>
+                      <a:ext uri="{0D108BD9-81ED-4DB2-BD59-A6C34878D82A}">
+                        <a16:rowId xmlns:a16="http://schemas.microsoft.com/office/drawing/2014/main" val="3868537425"/>
+                      </a:ext>
+                    </a:extLst>
+                  </a:tr>
+                  <a:tr h="370840">
+                    <a:tc>
+                      <a:txBody>
+                        <a:bodyPr/>
+                        <a:lstStyle/>
+                        <a:p>
+                          <a:r>
+                            <a:rPr lang="en-US" dirty="0"/>
+                            <a:t>Decision Trees</a:t>
+                          </a:r>
+                        </a:p>
+                      </a:txBody>
+                      <a:tcPr/>
+                    </a:tc>
+                    <a:tc>
+                      <a:txBody>
+                        <a:bodyPr/>
+                        <a:lstStyle/>
+                        <a:p>
+                          <a:pPr marL="0" marR="0" lvl="0" indent="0" algn="l" defTabSz="914400" rtl="0" eaLnBrk="1" fontAlgn="auto" latinLnBrk="0" hangingPunct="1">
+                            <a:lnSpc>
+                              <a:spcPct val="100000"/>
+                            </a:lnSpc>
+                            <a:spcBef>
+                              <a:spcPts val="0"/>
+                            </a:spcBef>
+                            <a:spcAft>
+                              <a:spcPts val="0"/>
+                            </a:spcAft>
+                            <a:buClr>
+                              <a:srgbClr val="000000"/>
+                            </a:buClr>
+                            <a:buSzTx/>
+                            <a:buFont typeface="Arial"/>
+                            <a:buNone/>
+                            <a:tabLst/>
+                            <a:defRPr/>
+                          </a:pPr>
+                          <a14:m>
+                            <m:oMathPara xmlns:m="http://schemas.openxmlformats.org/officeDocument/2006/math">
+                              <m:oMathParaPr>
+                                <m:jc m:val="centerGroup"/>
+                              </m:oMathParaPr>
+                              <m:oMath xmlns:m="http://schemas.openxmlformats.org/officeDocument/2006/math">
+                                <m:r>
+                                  <a:rPr lang="en-US" b="0" i="1" smtClean="0">
+                                    <a:latin typeface="Cambria Math" panose="02040503050406030204" pitchFamily="18" charset="0"/>
+                                  </a:rPr>
+                                  <m:t>𝑂</m:t>
+                                </m:r>
+                                <m:r>
+                                  <a:rPr lang="en-US" b="0" i="1" smtClean="0">
+                                    <a:latin typeface="Cambria Math" panose="02040503050406030204" pitchFamily="18" charset="0"/>
+                                  </a:rPr>
+                                  <m:t>(</m:t>
+                                </m:r>
+                                <m:sSup>
+                                  <m:sSupPr>
+                                    <m:ctrlPr>
+                                      <a:rPr lang="en-US" b="0" i="1" smtClean="0">
+                                        <a:latin typeface="Cambria Math" panose="02040503050406030204" pitchFamily="18" charset="0"/>
+                                      </a:rPr>
+                                    </m:ctrlPr>
+                                  </m:sSupPr>
+                                  <m:e>
+                                    <m:r>
+                                      <a:rPr lang="en-US" b="0" i="1" smtClean="0">
+                                        <a:latin typeface="Cambria Math" panose="02040503050406030204" pitchFamily="18" charset="0"/>
+                                      </a:rPr>
+                                      <m:t>𝑛</m:t>
+                                    </m:r>
+                                  </m:e>
+                                  <m:sup>
+                                    <m:r>
+                                      <a:rPr lang="en-US" b="0" i="1" smtClean="0">
+                                        <a:latin typeface="Cambria Math" panose="02040503050406030204" pitchFamily="18" charset="0"/>
+                                      </a:rPr>
+                                      <m:t>2</m:t>
+                                    </m:r>
+                                  </m:sup>
+                                </m:sSup>
+                                <m:r>
+                                  <a:rPr lang="en-US" b="0" i="1" smtClean="0">
+                                    <a:latin typeface="Cambria Math" panose="02040503050406030204" pitchFamily="18" charset="0"/>
+                                  </a:rPr>
+                                  <m:t>𝑝</m:t>
+                                </m:r>
+                                <m:r>
+                                  <a:rPr lang="en-US" b="0" i="1" smtClean="0">
+                                    <a:latin typeface="Cambria Math" panose="02040503050406030204" pitchFamily="18" charset="0"/>
+                                  </a:rPr>
+                                  <m:t>)</m:t>
+                                </m:r>
+                              </m:oMath>
+                            </m:oMathPara>
+                          </a14:m>
+                          <a:endParaRPr lang="en-US" dirty="0"/>
+                        </a:p>
+                      </a:txBody>
+                      <a:tcPr/>
+                    </a:tc>
+                    <a:tc>
+                      <a:txBody>
+                        <a:bodyPr/>
+                        <a:lstStyle/>
+                        <a:p>
+                          <a:pPr marL="0" marR="0" lvl="0" indent="0" algn="l" defTabSz="914400" rtl="0" eaLnBrk="1" fontAlgn="auto" latinLnBrk="0" hangingPunct="1">
+                            <a:lnSpc>
+                              <a:spcPct val="100000"/>
+                            </a:lnSpc>
+                            <a:spcBef>
+                              <a:spcPts val="0"/>
+                            </a:spcBef>
+                            <a:spcAft>
+                              <a:spcPts val="0"/>
+                            </a:spcAft>
+                            <a:buClr>
+                              <a:srgbClr val="000000"/>
+                            </a:buClr>
+                            <a:buSzTx/>
+                            <a:buFont typeface="Arial"/>
+                            <a:buNone/>
+                            <a:tabLst/>
+                            <a:defRPr/>
+                          </a:pPr>
+                          <a14:m>
+                            <m:oMathPara xmlns:m="http://schemas.openxmlformats.org/officeDocument/2006/math">
+                              <m:oMathParaPr>
+                                <m:jc m:val="centerGroup"/>
+                              </m:oMathParaPr>
+                              <m:oMath xmlns:m="http://schemas.openxmlformats.org/officeDocument/2006/math">
+                                <m:r>
+                                  <a:rPr lang="en-US" b="0" i="1" smtClean="0">
+                                    <a:latin typeface="Cambria Math" panose="02040503050406030204" pitchFamily="18" charset="0"/>
+                                  </a:rPr>
+                                  <m:t>𝑂</m:t>
+                                </m:r>
+                                <m:r>
+                                  <a:rPr lang="en-US" b="0" i="1" smtClean="0">
+                                    <a:latin typeface="Cambria Math" panose="02040503050406030204" pitchFamily="18" charset="0"/>
+                                  </a:rPr>
+                                  <m:t>(</m:t>
+                                </m:r>
+                                <m:r>
+                                  <a:rPr lang="en-US" b="0" i="1" smtClean="0">
+                                    <a:latin typeface="Cambria Math" panose="02040503050406030204" pitchFamily="18" charset="0"/>
+                                  </a:rPr>
+                                  <m:t>𝑝</m:t>
+                                </m:r>
+                                <m:r>
+                                  <a:rPr lang="en-US" b="0" i="1" smtClean="0">
+                                    <a:latin typeface="Cambria Math" panose="02040503050406030204" pitchFamily="18" charset="0"/>
+                                  </a:rPr>
+                                  <m:t>𝑎</m:t>
+                                </m:r>
+                                <m:r>
+                                  <a:rPr lang="en-US" b="0" i="1" smtClean="0">
+                                    <a:latin typeface="Cambria Math" panose="02040503050406030204" pitchFamily="18" charset="0"/>
+                                  </a:rPr>
+                                  <m:t>)</m:t>
+                                </m:r>
+                              </m:oMath>
+                            </m:oMathPara>
+                          </a14:m>
+                          <a:endParaRPr lang="en-US" dirty="0"/>
+                        </a:p>
+                      </a:txBody>
+                      <a:tcPr/>
+                    </a:tc>
+                    <a:extLst>
+                      <a:ext uri="{0D108BD9-81ED-4DB2-BD59-A6C34878D82A}">
+                        <a16:rowId xmlns:a16="http://schemas.microsoft.com/office/drawing/2014/main" val="1185137565"/>
+                      </a:ext>
+                    </a:extLst>
+                  </a:tr>
+                  <a:tr h="370840">
+                    <a:tc>
+                      <a:txBody>
+                        <a:bodyPr/>
+                        <a:lstStyle/>
+                        <a:p>
+                          <a:r>
+                            <a:rPr lang="en-US" dirty="0"/>
+                            <a:t>Random Forest</a:t>
+                          </a:r>
+                        </a:p>
+                      </a:txBody>
+                      <a:tcPr/>
+                    </a:tc>
+                    <a:tc>
+                      <a:txBody>
+                        <a:bodyPr/>
+                        <a:lstStyle/>
+                        <a:p>
+                          <a:pPr marL="0" marR="0" lvl="0" indent="0" algn="l" defTabSz="914400" rtl="0" eaLnBrk="1" fontAlgn="auto" latinLnBrk="0" hangingPunct="1">
+                            <a:lnSpc>
+                              <a:spcPct val="100000"/>
+                            </a:lnSpc>
+                            <a:spcBef>
+                              <a:spcPts val="0"/>
+                            </a:spcBef>
+                            <a:spcAft>
+                              <a:spcPts val="0"/>
+                            </a:spcAft>
+                            <a:buClr>
+                              <a:srgbClr val="000000"/>
+                            </a:buClr>
+                            <a:buSzTx/>
+                            <a:buFont typeface="Arial"/>
+                            <a:buNone/>
+                            <a:tabLst/>
+                            <a:defRPr/>
+                          </a:pPr>
+                          <a14:m>
+                            <m:oMathPara xmlns:m="http://schemas.openxmlformats.org/officeDocument/2006/math">
+                              <m:oMathParaPr>
+                                <m:jc m:val="centerGroup"/>
+                              </m:oMathParaPr>
+                              <m:oMath xmlns:m="http://schemas.openxmlformats.org/officeDocument/2006/math">
+                                <m:r>
+                                  <a:rPr lang="en-US" b="0" i="1" smtClean="0">
+                                    <a:latin typeface="Cambria Math" panose="02040503050406030204" pitchFamily="18" charset="0"/>
+                                  </a:rPr>
+                                  <m:t>𝑂</m:t>
+                                </m:r>
+                                <m:r>
+                                  <a:rPr lang="en-US" b="0" i="1" smtClean="0">
+                                    <a:latin typeface="Cambria Math" panose="02040503050406030204" pitchFamily="18" charset="0"/>
+                                  </a:rPr>
+                                  <m:t>(</m:t>
+                                </m:r>
+                                <m:sSup>
+                                  <m:sSupPr>
+                                    <m:ctrlPr>
+                                      <a:rPr lang="en-US" b="0" i="1" smtClean="0">
+                                        <a:latin typeface="Cambria Math" panose="02040503050406030204" pitchFamily="18" charset="0"/>
+                                      </a:rPr>
+                                    </m:ctrlPr>
+                                  </m:sSupPr>
+                                  <m:e>
+                                    <m:r>
+                                      <a:rPr lang="en-US" b="0" i="1" smtClean="0">
+                                        <a:latin typeface="Cambria Math" panose="02040503050406030204" pitchFamily="18" charset="0"/>
+                                      </a:rPr>
+                                      <m:t>𝑛</m:t>
+                                    </m:r>
+                                  </m:e>
+                                  <m:sup>
+                                    <m:r>
+                                      <a:rPr lang="en-US" b="0" i="1" smtClean="0">
+                                        <a:latin typeface="Cambria Math" panose="02040503050406030204" pitchFamily="18" charset="0"/>
+                                      </a:rPr>
+                                      <m:t>2</m:t>
+                                    </m:r>
+                                  </m:sup>
+                                </m:sSup>
+                                <m:r>
+                                  <a:rPr lang="en-US" b="0" i="1" smtClean="0">
+                                    <a:latin typeface="Cambria Math" panose="02040503050406030204" pitchFamily="18" charset="0"/>
+                                  </a:rPr>
+                                  <m:t>𝑝</m:t>
+                                </m:r>
+                                <m:r>
+                                  <a:rPr lang="en-US" b="0" i="1" smtClean="0">
+                                    <a:latin typeface="Cambria Math" panose="02040503050406030204" pitchFamily="18" charset="0"/>
+                                  </a:rPr>
+                                  <m:t>𝑎</m:t>
+                                </m:r>
+                                <m:r>
+                                  <a:rPr lang="en-US" b="0" i="1" smtClean="0">
+                                    <a:latin typeface="Cambria Math" panose="02040503050406030204" pitchFamily="18" charset="0"/>
+                                  </a:rPr>
+                                  <m:t>)</m:t>
+                                </m:r>
+                              </m:oMath>
+                            </m:oMathPara>
+                          </a14:m>
+                          <a:endParaRPr lang="en-US" dirty="0"/>
+                        </a:p>
+                      </a:txBody>
+                      <a:tcPr/>
+                    </a:tc>
+                    <a:tc>
+                      <a:txBody>
+                        <a:bodyPr/>
+                        <a:lstStyle/>
+                        <a:p>
+                          <a:pPr marL="0" marR="0" lvl="0" indent="0" algn="l" defTabSz="914400" rtl="0" eaLnBrk="1" fontAlgn="auto" latinLnBrk="0" hangingPunct="1">
+                            <a:lnSpc>
+                              <a:spcPct val="100000"/>
+                            </a:lnSpc>
+                            <a:spcBef>
+                              <a:spcPts val="0"/>
+                            </a:spcBef>
+                            <a:spcAft>
+                              <a:spcPts val="0"/>
+                            </a:spcAft>
+                            <a:buClr>
+                              <a:srgbClr val="000000"/>
+                            </a:buClr>
+                            <a:buSzTx/>
+                            <a:buFont typeface="Arial"/>
+                            <a:buNone/>
+                            <a:tabLst/>
+                            <a:defRPr/>
+                          </a:pPr>
+                          <a14:m>
+                            <m:oMathPara xmlns:m="http://schemas.openxmlformats.org/officeDocument/2006/math">
+                              <m:oMathParaPr>
+                                <m:jc m:val="centerGroup"/>
+                              </m:oMathParaPr>
+                              <m:oMath xmlns:m="http://schemas.openxmlformats.org/officeDocument/2006/math">
+                                <m:r>
+                                  <a:rPr lang="en-US" b="0" i="1" smtClean="0">
+                                    <a:latin typeface="Cambria Math" panose="02040503050406030204" pitchFamily="18" charset="0"/>
+                                  </a:rPr>
+                                  <m:t>𝑂</m:t>
+                                </m:r>
+                                <m:r>
+                                  <a:rPr lang="en-US" b="0" i="1" smtClean="0">
+                                    <a:latin typeface="Cambria Math" panose="02040503050406030204" pitchFamily="18" charset="0"/>
+                                  </a:rPr>
+                                  <m:t>(</m:t>
+                                </m:r>
+                                <m:r>
+                                  <a:rPr lang="en-US" b="0" i="1" smtClean="0">
+                                    <a:latin typeface="Cambria Math" panose="02040503050406030204" pitchFamily="18" charset="0"/>
+                                  </a:rPr>
+                                  <m:t>𝑝</m:t>
+                                </m:r>
+                                <m:r>
+                                  <a:rPr lang="en-US" b="0" i="1" smtClean="0">
+                                    <a:latin typeface="Cambria Math" panose="02040503050406030204" pitchFamily="18" charset="0"/>
+                                  </a:rPr>
+                                  <m:t>𝑎</m:t>
+                                </m:r>
+                                <m:r>
+                                  <a:rPr lang="en-US" b="0" i="1" smtClean="0">
+                                    <a:latin typeface="Cambria Math" panose="02040503050406030204" pitchFamily="18" charset="0"/>
+                                  </a:rPr>
+                                  <m:t>)</m:t>
+                                </m:r>
+                              </m:oMath>
+                            </m:oMathPara>
+                          </a14:m>
+                          <a:endParaRPr lang="en-US" dirty="0"/>
+                        </a:p>
+                      </a:txBody>
+                      <a:tcPr/>
+                    </a:tc>
+                    <a:extLst>
+                      <a:ext uri="{0D108BD9-81ED-4DB2-BD59-A6C34878D82A}">
+                        <a16:rowId xmlns:a16="http://schemas.microsoft.com/office/drawing/2014/main" val="354471391"/>
+                      </a:ext>
+                    </a:extLst>
+                  </a:tr>
+                  <a:tr h="370840">
+                    <a:tc>
+                      <a:txBody>
+                        <a:bodyPr/>
+                        <a:lstStyle/>
+                        <a:p>
+                          <a:r>
+                            <a:rPr lang="en-US" dirty="0"/>
+                            <a:t>k-Means Clustering</a:t>
+                          </a:r>
+                        </a:p>
+                      </a:txBody>
+                      <a:tcPr/>
+                    </a:tc>
+                    <a:tc>
+                      <a:txBody>
+                        <a:bodyPr/>
+                        <a:lstStyle/>
+                        <a:p>
+                          <a:pPr algn="ctr"/>
+                          <a:r>
+                            <a:rPr lang="en-US" sz="1050" i="1" dirty="0"/>
+                            <a:t>N/A</a:t>
+                          </a:r>
+                        </a:p>
+                      </a:txBody>
+                      <a:tcPr/>
+                    </a:tc>
+                    <a:tc>
+                      <a:txBody>
+                        <a:bodyPr/>
+                        <a:lstStyle/>
+                        <a:p>
+                          <a:pPr marL="0" marR="0" lvl="0" indent="0" algn="l" defTabSz="914400" rtl="0" eaLnBrk="1" fontAlgn="auto" latinLnBrk="0" hangingPunct="1">
+                            <a:lnSpc>
+                              <a:spcPct val="100000"/>
+                            </a:lnSpc>
+                            <a:spcBef>
+                              <a:spcPts val="0"/>
+                            </a:spcBef>
+                            <a:spcAft>
+                              <a:spcPts val="0"/>
+                            </a:spcAft>
+                            <a:buClr>
+                              <a:srgbClr val="000000"/>
+                            </a:buClr>
+                            <a:buSzTx/>
+                            <a:buFont typeface="Arial"/>
+                            <a:buNone/>
+                            <a:tabLst/>
+                            <a:defRPr/>
+                          </a:pPr>
+                          <a14:m>
+                            <m:oMathPara xmlns:m="http://schemas.openxmlformats.org/officeDocument/2006/math">
+                              <m:oMathParaPr>
+                                <m:jc m:val="centerGroup"/>
+                              </m:oMathParaPr>
+                              <m:oMath xmlns:m="http://schemas.openxmlformats.org/officeDocument/2006/math">
+                                <m:r>
+                                  <a:rPr lang="en-US" b="0" i="1" smtClean="0">
+                                    <a:latin typeface="Cambria Math" panose="02040503050406030204" pitchFamily="18" charset="0"/>
+                                  </a:rPr>
+                                  <m:t>𝑂</m:t>
+                                </m:r>
+                                <m:r>
+                                  <a:rPr lang="en-US" b="0" i="1" smtClean="0">
+                                    <a:latin typeface="Cambria Math" panose="02040503050406030204" pitchFamily="18" charset="0"/>
+                                  </a:rPr>
+                                  <m:t>(</m:t>
+                                </m:r>
+                                <m:r>
+                                  <a:rPr lang="en-US" b="0" i="1" smtClean="0">
+                                    <a:latin typeface="Cambria Math" panose="02040503050406030204" pitchFamily="18" charset="0"/>
+                                  </a:rPr>
+                                  <m:t>𝑛𝑘</m:t>
+                                </m:r>
+                                <m:r>
+                                  <a:rPr lang="en-US" b="0" i="1" smtClean="0">
+                                    <a:latin typeface="Cambria Math" panose="02040503050406030204" pitchFamily="18" charset="0"/>
+                                  </a:rPr>
+                                  <m:t>)</m:t>
+                                </m:r>
+                              </m:oMath>
+                            </m:oMathPara>
+                          </a14:m>
+                          <a:endParaRPr lang="en-US" dirty="0"/>
+                        </a:p>
+                      </a:txBody>
+                      <a:tcPr/>
+                    </a:tc>
+                    <a:extLst>
+                      <a:ext uri="{0D108BD9-81ED-4DB2-BD59-A6C34878D82A}">
+                        <a16:rowId xmlns:a16="http://schemas.microsoft.com/office/drawing/2014/main" val="1329151485"/>
+                      </a:ext>
+                    </a:extLst>
+                  </a:tr>
+                  <a:tr h="370840">
+                    <a:tc>
+                      <a:txBody>
+                        <a:bodyPr/>
+                        <a:lstStyle/>
+                        <a:p>
+                          <a:r>
+                            <a:rPr lang="en-US" dirty="0"/>
+                            <a:t>UPGMA</a:t>
+                          </a:r>
+                        </a:p>
+                      </a:txBody>
+                      <a:tcPr/>
+                    </a:tc>
+                    <a:tc>
+                      <a:txBody>
+                        <a:bodyPr/>
+                        <a:lstStyle/>
+                        <a:p>
+                          <a:pPr marL="0" marR="0" lvl="0" indent="0" algn="ctr" defTabSz="914400" rtl="0" eaLnBrk="1" fontAlgn="auto" latinLnBrk="0" hangingPunct="1">
+                            <a:lnSpc>
+                              <a:spcPct val="100000"/>
+                            </a:lnSpc>
+                            <a:spcBef>
+                              <a:spcPts val="0"/>
+                            </a:spcBef>
+                            <a:spcAft>
+                              <a:spcPts val="0"/>
+                            </a:spcAft>
+                            <a:buClr>
+                              <a:srgbClr val="000000"/>
+                            </a:buClr>
+                            <a:buSzTx/>
+                            <a:buFont typeface="Arial"/>
+                            <a:buNone/>
+                            <a:tabLst/>
+                            <a:defRPr/>
+                          </a:pPr>
+                          <a:r>
+                            <a:rPr lang="en-US" sz="1050" i="1" dirty="0"/>
+                            <a:t>N/A</a:t>
+                          </a:r>
+                        </a:p>
+                      </a:txBody>
+                      <a:tcPr/>
+                    </a:tc>
+                    <a:tc>
+                      <a:txBody>
+                        <a:bodyPr/>
+                        <a:lstStyle/>
+                        <a:p>
+                          <a:pPr marL="0" marR="0" lvl="0" indent="0" algn="l" defTabSz="914400" rtl="0" eaLnBrk="1" fontAlgn="auto" latinLnBrk="0" hangingPunct="1">
+                            <a:lnSpc>
+                              <a:spcPct val="100000"/>
+                            </a:lnSpc>
+                            <a:spcBef>
+                              <a:spcPts val="0"/>
+                            </a:spcBef>
+                            <a:spcAft>
+                              <a:spcPts val="0"/>
+                            </a:spcAft>
+                            <a:buClr>
+                              <a:srgbClr val="000000"/>
+                            </a:buClr>
+                            <a:buSzTx/>
+                            <a:buFont typeface="Arial"/>
+                            <a:buNone/>
+                            <a:tabLst/>
+                            <a:defRPr/>
+                          </a:pPr>
+                          <a14:m>
+                            <m:oMath xmlns:m="http://schemas.openxmlformats.org/officeDocument/2006/math">
+                              <m:r>
+                                <a:rPr lang="en-US" b="0" i="1" smtClean="0">
+                                  <a:latin typeface="Cambria Math" panose="02040503050406030204" pitchFamily="18" charset="0"/>
+                                </a:rPr>
+                                <m:t>𝑂</m:t>
+                              </m:r>
+                              <m:r>
+                                <a:rPr lang="en-US" b="0" i="1" smtClean="0">
+                                  <a:latin typeface="Cambria Math" panose="02040503050406030204" pitchFamily="18" charset="0"/>
+                                </a:rPr>
+                                <m:t>(</m:t>
+                              </m:r>
+                              <m:sSup>
+                                <m:sSupPr>
+                                  <m:ctrlPr>
+                                    <a:rPr lang="en-US" b="0" i="1" smtClean="0">
+                                      <a:latin typeface="Cambria Math" panose="02040503050406030204" pitchFamily="18" charset="0"/>
+                                    </a:rPr>
+                                  </m:ctrlPr>
+                                </m:sSupPr>
+                                <m:e>
+                                  <m:r>
+                                    <a:rPr lang="en-US" b="0" i="1" smtClean="0">
+                                      <a:latin typeface="Cambria Math" panose="02040503050406030204" pitchFamily="18" charset="0"/>
+                                    </a:rPr>
+                                    <m:t>𝑛</m:t>
+                                  </m:r>
+                                </m:e>
+                                <m:sup>
+                                  <m:r>
+                                    <a:rPr lang="en-US" b="0" i="1" smtClean="0">
+                                      <a:latin typeface="Cambria Math" panose="02040503050406030204" pitchFamily="18" charset="0"/>
+                                    </a:rPr>
+                                    <m:t>3</m:t>
+                                  </m:r>
+                                </m:sup>
+                              </m:sSup>
+                              <m:r>
+                                <a:rPr lang="en-US" b="0" i="1" smtClean="0">
+                                  <a:latin typeface="Cambria Math" panose="02040503050406030204" pitchFamily="18" charset="0"/>
+                                </a:rPr>
+                                <m:t>)</m:t>
+                              </m:r>
+                            </m:oMath>
+                          </a14:m>
+                          <a:r>
+                            <a:rPr lang="en-US" dirty="0"/>
+                            <a:t> or </a:t>
+                          </a:r>
+                          <a14:m>
+                            <m:oMath xmlns:m="http://schemas.openxmlformats.org/officeDocument/2006/math">
+                              <m:r>
+                                <a:rPr lang="en-US" b="0" i="1" smtClean="0">
+                                  <a:latin typeface="Cambria Math" panose="02040503050406030204" pitchFamily="18" charset="0"/>
+                                </a:rPr>
+                                <m:t>𝑂</m:t>
+                              </m:r>
+                              <m:r>
+                                <a:rPr lang="en-US" b="0" i="1" smtClean="0">
+                                  <a:latin typeface="Cambria Math" panose="02040503050406030204" pitchFamily="18" charset="0"/>
+                                </a:rPr>
+                                <m:t>(</m:t>
+                              </m:r>
+                              <m:sSup>
+                                <m:sSupPr>
+                                  <m:ctrlPr>
+                                    <a:rPr lang="en-US" b="0" i="1" smtClean="0">
+                                      <a:latin typeface="Cambria Math" panose="02040503050406030204" pitchFamily="18" charset="0"/>
+                                    </a:rPr>
+                                  </m:ctrlPr>
+                                </m:sSupPr>
+                                <m:e>
+                                  <m:r>
+                                    <a:rPr lang="en-US" b="0" i="1" smtClean="0">
+                                      <a:latin typeface="Cambria Math" panose="02040503050406030204" pitchFamily="18" charset="0"/>
+                                    </a:rPr>
+                                    <m:t>𝑛</m:t>
+                                  </m:r>
+                                </m:e>
+                                <m:sup>
+                                  <m:r>
+                                    <a:rPr lang="en-US" b="0" i="1" smtClean="0">
+                                      <a:latin typeface="Cambria Math" panose="02040503050406030204" pitchFamily="18" charset="0"/>
+                                    </a:rPr>
+                                    <m:t>2</m:t>
+                                  </m:r>
+                                </m:sup>
+                              </m:sSup>
+                              <m:func>
+                                <m:funcPr>
+                                  <m:ctrlPr>
+                                    <a:rPr lang="en-US" b="0" i="1" smtClean="0">
+                                      <a:latin typeface="Cambria Math" panose="02040503050406030204" pitchFamily="18" charset="0"/>
+                                    </a:rPr>
+                                  </m:ctrlPr>
+                                </m:funcPr>
+                                <m:fName>
+                                  <m:r>
+                                    <m:rPr>
+                                      <m:sty m:val="p"/>
+                                    </m:rPr>
+                                    <a:rPr lang="en-US" b="0" i="0" smtClean="0">
+                                      <a:latin typeface="Cambria Math" panose="02040503050406030204" pitchFamily="18" charset="0"/>
+                                    </a:rPr>
+                                    <m:t>log</m:t>
+                                  </m:r>
+                                </m:fName>
+                                <m:e>
+                                  <m:sSup>
+                                    <m:sSupPr>
+                                      <m:ctrlPr>
+                                        <a:rPr lang="en-US" b="0" i="1" smtClean="0">
+                                          <a:latin typeface="Cambria Math" panose="02040503050406030204" pitchFamily="18" charset="0"/>
+                                        </a:rPr>
+                                      </m:ctrlPr>
+                                    </m:sSupPr>
+                                    <m:e>
+                                      <m:r>
+                                        <a:rPr lang="en-US" b="0" i="1" smtClean="0">
+                                          <a:latin typeface="Cambria Math" panose="02040503050406030204" pitchFamily="18" charset="0"/>
+                                        </a:rPr>
+                                        <m:t>𝑛</m:t>
+                                      </m:r>
+                                    </m:e>
+                                    <m:sup>
+                                      <m:r>
+                                        <a:rPr lang="en-US" b="0" i="1" smtClean="0">
+                                          <a:latin typeface="Cambria Math" panose="02040503050406030204" pitchFamily="18" charset="0"/>
+                                        </a:rPr>
+                                        <m:t>2</m:t>
+                                      </m:r>
+                                    </m:sup>
+                                  </m:sSup>
+                                </m:e>
+                              </m:func>
+                              <m:r>
+                                <a:rPr lang="en-US" b="0" i="1" smtClean="0">
+                                  <a:latin typeface="Cambria Math" panose="02040503050406030204" pitchFamily="18" charset="0"/>
+                                </a:rPr>
+                                <m:t>)</m:t>
+                              </m:r>
+                            </m:oMath>
+                          </a14:m>
+                          <a:r>
+                            <a:rPr lang="en-US" dirty="0"/>
+                            <a:t> or </a:t>
+                          </a:r>
+                          <a14:m>
+                            <m:oMath xmlns:m="http://schemas.openxmlformats.org/officeDocument/2006/math">
+                              <m:r>
+                                <a:rPr lang="en-US" b="0" i="1" smtClean="0">
+                                  <a:latin typeface="Cambria Math" panose="02040503050406030204" pitchFamily="18" charset="0"/>
+                                </a:rPr>
+                                <m:t>𝑂</m:t>
+                              </m:r>
+                              <m:r>
+                                <a:rPr lang="en-US" b="0" i="1" smtClean="0">
+                                  <a:latin typeface="Cambria Math" panose="02040503050406030204" pitchFamily="18" charset="0"/>
+                                </a:rPr>
+                                <m:t>(</m:t>
+                              </m:r>
+                              <m:sSup>
+                                <m:sSupPr>
+                                  <m:ctrlPr>
+                                    <a:rPr lang="en-US" b="0" i="1" smtClean="0">
+                                      <a:latin typeface="Cambria Math" panose="02040503050406030204" pitchFamily="18" charset="0"/>
+                                    </a:rPr>
+                                  </m:ctrlPr>
+                                </m:sSupPr>
+                                <m:e>
+                                  <m:r>
+                                    <a:rPr lang="en-US" b="0" i="1" smtClean="0">
+                                      <a:latin typeface="Cambria Math" panose="02040503050406030204" pitchFamily="18" charset="0"/>
+                                    </a:rPr>
+                                    <m:t>𝑛</m:t>
+                                  </m:r>
+                                </m:e>
+                                <m:sup>
+                                  <m:r>
+                                    <a:rPr lang="en-US" b="0" i="1" smtClean="0">
+                                      <a:latin typeface="Cambria Math" panose="02040503050406030204" pitchFamily="18" charset="0"/>
+                                    </a:rPr>
+                                    <m:t>2</m:t>
+                                  </m:r>
+                                </m:sup>
+                              </m:sSup>
+                              <m:r>
+                                <a:rPr lang="en-US" b="0" i="1" smtClean="0">
+                                  <a:latin typeface="Cambria Math" panose="02040503050406030204" pitchFamily="18" charset="0"/>
+                                </a:rPr>
+                                <m:t>)</m:t>
+                              </m:r>
+                            </m:oMath>
+                          </a14:m>
+                          <a:r>
+                            <a:rPr lang="en-US" dirty="0"/>
+                            <a:t> </a:t>
+                          </a:r>
+                        </a:p>
+                      </a:txBody>
+                      <a:tcPr/>
+                    </a:tc>
+                    <a:extLst>
+                      <a:ext uri="{0D108BD9-81ED-4DB2-BD59-A6C34878D82A}">
+                        <a16:rowId xmlns:a16="http://schemas.microsoft.com/office/drawing/2014/main" val="2175040696"/>
+                      </a:ext>
+                    </a:extLst>
+                  </a:tr>
+                </a:tbl>
+              </a:graphicData>
+            </a:graphic>
+          </p:graphicFrame>
+        </mc:Choice>
+        <mc:Fallback>
+          <p:graphicFrame>
+            <p:nvGraphicFramePr>
+              <p:cNvPr id="5" name="Table 4">
+                <a:extLst>
+                  <a:ext uri="{FF2B5EF4-FFF2-40B4-BE49-F238E27FC236}">
+                    <a16:creationId xmlns:a16="http://schemas.microsoft.com/office/drawing/2014/main" id="{034D06DB-F6EC-44E0-A92A-9FB1A7D1C2F5}"/>
+                  </a:ext>
+                </a:extLst>
+              </p:cNvPr>
+              <p:cNvGraphicFramePr>
+                <a:graphicFrameLocks noGrp="1"/>
+              </p:cNvGraphicFramePr>
+              <p:nvPr>
+                <p:extLst>
+                  <p:ext uri="{D42A27DB-BD31-4B8C-83A1-F6EECF244321}">
+                    <p14:modId xmlns:p14="http://schemas.microsoft.com/office/powerpoint/2010/main" val="3440784375"/>
+                  </p:ext>
+                </p:extLst>
+              </p:nvPr>
+            </p:nvGraphicFramePr>
+            <p:xfrm>
+              <a:off x="2887980" y="221810"/>
+              <a:ext cx="6111240" cy="2372360"/>
+            </p:xfrm>
+            <a:graphic>
+              <a:graphicData uri="http://schemas.openxmlformats.org/drawingml/2006/table">
+                <a:tbl>
+                  <a:tblPr firstRow="1" bandRow="1">
+                    <a:tableStyleId>{21E4AEA4-8DFA-4A89-87EB-49C32662AFE0}</a:tableStyleId>
+                  </a:tblPr>
+                  <a:tblGrid>
+                    <a:gridCol w="1830882">
+                      <a:extLst>
+                        <a:ext uri="{9D8B030D-6E8A-4147-A177-3AD203B41FA5}">
+                          <a16:colId xmlns:a16="http://schemas.microsoft.com/office/drawing/2014/main" val="1086973525"/>
+                        </a:ext>
+                      </a:extLst>
+                    </a:gridCol>
+                    <a:gridCol w="1664438">
+                      <a:extLst>
+                        <a:ext uri="{9D8B030D-6E8A-4147-A177-3AD203B41FA5}">
+                          <a16:colId xmlns:a16="http://schemas.microsoft.com/office/drawing/2014/main" val="859440288"/>
+                        </a:ext>
+                      </a:extLst>
+                    </a:gridCol>
+                    <a:gridCol w="2615920">
+                      <a:extLst>
+                        <a:ext uri="{9D8B030D-6E8A-4147-A177-3AD203B41FA5}">
+                          <a16:colId xmlns:a16="http://schemas.microsoft.com/office/drawing/2014/main" val="3505138021"/>
+                        </a:ext>
+                      </a:extLst>
+                    </a:gridCol>
+                  </a:tblGrid>
+                  <a:tr h="518160">
+                    <a:tc>
+                      <a:txBody>
+                        <a:bodyPr/>
+                        <a:lstStyle/>
+                        <a:p>
+                          <a:r>
+                            <a:rPr lang="en-US" dirty="0"/>
+                            <a:t>Algorithm</a:t>
+                          </a:r>
+                        </a:p>
+                      </a:txBody>
+                      <a:tcPr/>
+                    </a:tc>
+                    <a:tc>
+                      <a:txBody>
+                        <a:bodyPr/>
+                        <a:lstStyle/>
+                        <a:p>
+                          <a:r>
+                            <a:rPr lang="en-US" dirty="0"/>
+                            <a:t>Training Complexity</a:t>
+                          </a:r>
+                        </a:p>
+                      </a:txBody>
+                      <a:tcPr/>
+                    </a:tc>
+                    <a:tc>
+                      <a:txBody>
+                        <a:bodyPr/>
+                        <a:lstStyle/>
+                        <a:p>
+                          <a:r>
+                            <a:rPr lang="en-US" dirty="0"/>
+                            <a:t>Prediction Complexity</a:t>
+                          </a:r>
+                        </a:p>
+                      </a:txBody>
+                      <a:tcPr/>
+                    </a:tc>
+                    <a:extLst>
+                      <a:ext uri="{0D108BD9-81ED-4DB2-BD59-A6C34878D82A}">
+                        <a16:rowId xmlns:a16="http://schemas.microsoft.com/office/drawing/2014/main" val="3525679299"/>
+                      </a:ext>
+                    </a:extLst>
+                  </a:tr>
+                  <a:tr h="370840">
+                    <a:tc>
+                      <a:txBody>
+                        <a:bodyPr/>
+                        <a:lstStyle/>
+                        <a:p>
+                          <a:r>
+                            <a:rPr lang="en-US" dirty="0"/>
+                            <a:t>Linear Regression</a:t>
+                          </a:r>
+                        </a:p>
+                      </a:txBody>
+                      <a:tcPr/>
+                    </a:tc>
+                    <a:tc>
+                      <a:txBody>
+                        <a:bodyPr/>
+                        <a:lstStyle/>
+                        <a:p>
+                          <a:endParaRPr lang="en-US"/>
+                        </a:p>
+                      </a:txBody>
+                      <a:tcPr>
+                        <a:blipFill>
+                          <a:blip r:embed="rId2"/>
+                          <a:stretch>
+                            <a:fillRect l="-110623" t="-140984" r="-158974" b="-403279"/>
+                          </a:stretch>
+                        </a:blipFill>
+                      </a:tcPr>
+                    </a:tc>
+                    <a:tc>
+                      <a:txBody>
+                        <a:bodyPr/>
+                        <a:lstStyle/>
+                        <a:p>
+                          <a:endParaRPr lang="en-US"/>
+                        </a:p>
+                      </a:txBody>
+                      <a:tcPr>
+                        <a:blipFill>
+                          <a:blip r:embed="rId2"/>
+                          <a:stretch>
+                            <a:fillRect l="-133721" t="-140984" r="-930" b="-403279"/>
+                          </a:stretch>
+                        </a:blipFill>
+                      </a:tcPr>
+                    </a:tc>
+                    <a:extLst>
+                      <a:ext uri="{0D108BD9-81ED-4DB2-BD59-A6C34878D82A}">
+                        <a16:rowId xmlns:a16="http://schemas.microsoft.com/office/drawing/2014/main" val="3868537425"/>
+                      </a:ext>
+                    </a:extLst>
+                  </a:tr>
+                  <a:tr h="370840">
+                    <a:tc>
+                      <a:txBody>
+                        <a:bodyPr/>
+                        <a:lstStyle/>
+                        <a:p>
+                          <a:r>
+                            <a:rPr lang="en-US" dirty="0"/>
+                            <a:t>Decision Trees</a:t>
+                          </a:r>
+                        </a:p>
+                      </a:txBody>
+                      <a:tcPr/>
+                    </a:tc>
+                    <a:tc>
+                      <a:txBody>
+                        <a:bodyPr/>
+                        <a:lstStyle/>
+                        <a:p>
+                          <a:endParaRPr lang="en-US"/>
+                        </a:p>
+                      </a:txBody>
+                      <a:tcPr>
+                        <a:blipFill>
+                          <a:blip r:embed="rId2"/>
+                          <a:stretch>
+                            <a:fillRect l="-110623" t="-240984" r="-158974" b="-303279"/>
+                          </a:stretch>
+                        </a:blipFill>
+                      </a:tcPr>
+                    </a:tc>
+                    <a:tc>
+                      <a:txBody>
+                        <a:bodyPr/>
+                        <a:lstStyle/>
+                        <a:p>
+                          <a:endParaRPr lang="en-US"/>
+                        </a:p>
+                      </a:txBody>
+                      <a:tcPr>
+                        <a:blipFill>
+                          <a:blip r:embed="rId2"/>
+                          <a:stretch>
+                            <a:fillRect l="-133721" t="-240984" r="-930" b="-303279"/>
+                          </a:stretch>
+                        </a:blipFill>
+                      </a:tcPr>
+                    </a:tc>
+                    <a:extLst>
+                      <a:ext uri="{0D108BD9-81ED-4DB2-BD59-A6C34878D82A}">
+                        <a16:rowId xmlns:a16="http://schemas.microsoft.com/office/drawing/2014/main" val="1185137565"/>
+                      </a:ext>
+                    </a:extLst>
+                  </a:tr>
+                  <a:tr h="370840">
+                    <a:tc>
+                      <a:txBody>
+                        <a:bodyPr/>
+                        <a:lstStyle/>
+                        <a:p>
+                          <a:r>
+                            <a:rPr lang="en-US" dirty="0"/>
+                            <a:t>Random Forest</a:t>
+                          </a:r>
+                        </a:p>
+                      </a:txBody>
+                      <a:tcPr/>
+                    </a:tc>
+                    <a:tc>
+                      <a:txBody>
+                        <a:bodyPr/>
+                        <a:lstStyle/>
+                        <a:p>
+                          <a:endParaRPr lang="en-US"/>
+                        </a:p>
+                      </a:txBody>
+                      <a:tcPr>
+                        <a:blipFill>
+                          <a:blip r:embed="rId2"/>
+                          <a:stretch>
+                            <a:fillRect l="-110623" t="-340984" r="-158974" b="-203279"/>
+                          </a:stretch>
+                        </a:blipFill>
+                      </a:tcPr>
+                    </a:tc>
+                    <a:tc>
+                      <a:txBody>
+                        <a:bodyPr/>
+                        <a:lstStyle/>
+                        <a:p>
+                          <a:endParaRPr lang="en-US"/>
+                        </a:p>
+                      </a:txBody>
+                      <a:tcPr>
+                        <a:blipFill>
+                          <a:blip r:embed="rId2"/>
+                          <a:stretch>
+                            <a:fillRect l="-133721" t="-340984" r="-930" b="-203279"/>
+                          </a:stretch>
+                        </a:blipFill>
+                      </a:tcPr>
+                    </a:tc>
+                    <a:extLst>
+                      <a:ext uri="{0D108BD9-81ED-4DB2-BD59-A6C34878D82A}">
+                        <a16:rowId xmlns:a16="http://schemas.microsoft.com/office/drawing/2014/main" val="354471391"/>
+                      </a:ext>
+                    </a:extLst>
+                  </a:tr>
+                  <a:tr h="370840">
+                    <a:tc>
+                      <a:txBody>
+                        <a:bodyPr/>
+                        <a:lstStyle/>
+                        <a:p>
+                          <a:r>
+                            <a:rPr lang="en-US" dirty="0"/>
+                            <a:t>k-Means Clustering</a:t>
+                          </a:r>
+                        </a:p>
+                      </a:txBody>
+                      <a:tcPr/>
+                    </a:tc>
+                    <a:tc>
+                      <a:txBody>
+                        <a:bodyPr/>
+                        <a:lstStyle/>
+                        <a:p>
+                          <a:pPr algn="ctr"/>
+                          <a:r>
+                            <a:rPr lang="en-US" sz="1050" i="1" dirty="0"/>
+                            <a:t>N/A</a:t>
+                          </a:r>
+                        </a:p>
+                      </a:txBody>
+                      <a:tcPr/>
+                    </a:tc>
+                    <a:tc>
+                      <a:txBody>
+                        <a:bodyPr/>
+                        <a:lstStyle/>
+                        <a:p>
+                          <a:endParaRPr lang="en-US"/>
+                        </a:p>
+                      </a:txBody>
+                      <a:tcPr>
+                        <a:blipFill>
+                          <a:blip r:embed="rId2"/>
+                          <a:stretch>
+                            <a:fillRect l="-133721" t="-440984" r="-930" b="-103279"/>
+                          </a:stretch>
+                        </a:blipFill>
+                      </a:tcPr>
+                    </a:tc>
+                    <a:extLst>
+                      <a:ext uri="{0D108BD9-81ED-4DB2-BD59-A6C34878D82A}">
+                        <a16:rowId xmlns:a16="http://schemas.microsoft.com/office/drawing/2014/main" val="1329151485"/>
+                      </a:ext>
+                    </a:extLst>
+                  </a:tr>
+                  <a:tr h="370840">
+                    <a:tc>
+                      <a:txBody>
+                        <a:bodyPr/>
+                        <a:lstStyle/>
+                        <a:p>
+                          <a:r>
+                            <a:rPr lang="en-US" dirty="0"/>
+                            <a:t>UPGMA</a:t>
+                          </a:r>
+                        </a:p>
+                      </a:txBody>
+                      <a:tcPr/>
+                    </a:tc>
+                    <a:tc>
+                      <a:txBody>
+                        <a:bodyPr/>
+                        <a:lstStyle/>
+                        <a:p>
+                          <a:pPr marL="0" marR="0" lvl="0" indent="0" algn="ctr" defTabSz="914400" rtl="0" eaLnBrk="1" fontAlgn="auto" latinLnBrk="0" hangingPunct="1">
+                            <a:lnSpc>
+                              <a:spcPct val="100000"/>
+                            </a:lnSpc>
+                            <a:spcBef>
+                              <a:spcPts val="0"/>
+                            </a:spcBef>
+                            <a:spcAft>
+                              <a:spcPts val="0"/>
+                            </a:spcAft>
+                            <a:buClr>
+                              <a:srgbClr val="000000"/>
+                            </a:buClr>
+                            <a:buSzTx/>
+                            <a:buFont typeface="Arial"/>
+                            <a:buNone/>
+                            <a:tabLst/>
+                            <a:defRPr/>
+                          </a:pPr>
+                          <a:r>
+                            <a:rPr lang="en-US" sz="1050" i="1" dirty="0"/>
+                            <a:t>N/A</a:t>
+                          </a:r>
+                        </a:p>
+                      </a:txBody>
+                      <a:tcPr/>
+                    </a:tc>
+                    <a:tc>
+                      <a:txBody>
+                        <a:bodyPr/>
+                        <a:lstStyle/>
+                        <a:p>
+                          <a:endParaRPr lang="en-US"/>
+                        </a:p>
+                      </a:txBody>
+                      <a:tcPr>
+                        <a:blipFill>
+                          <a:blip r:embed="rId2"/>
+                          <a:stretch>
+                            <a:fillRect l="-133721" t="-540984" r="-930" b="-3279"/>
+                          </a:stretch>
+                        </a:blipFill>
+                      </a:tcPr>
+                    </a:tc>
+                    <a:extLst>
+                      <a:ext uri="{0D108BD9-81ED-4DB2-BD59-A6C34878D82A}">
+                        <a16:rowId xmlns:a16="http://schemas.microsoft.com/office/drawing/2014/main" val="2175040696"/>
+                      </a:ext>
+                    </a:extLst>
+                  </a:tr>
+                </a:tbl>
+              </a:graphicData>
+            </a:graphic>
+          </p:graphicFrame>
+        </mc:Fallback>
+      </mc:AlternateContent>
+      <mc:AlternateContent xmlns:mc="http://schemas.openxmlformats.org/markup-compatibility/2006">
+        <mc:Choice xmlns:a14="http://schemas.microsoft.com/office/drawing/2010/main" Requires="a14">
+          <p:sp>
+            <p:nvSpPr>
+              <p:cNvPr id="6" name="TextBox 5">
+                <a:extLst>
+                  <a:ext uri="{FF2B5EF4-FFF2-40B4-BE49-F238E27FC236}">
+                    <a16:creationId xmlns:a16="http://schemas.microsoft.com/office/drawing/2014/main" id="{E7B352F2-895E-49F9-87E6-C8E444A693F0}"/>
+                  </a:ext>
+                </a:extLst>
+              </p:cNvPr>
+              <p:cNvSpPr txBox="1"/>
+              <p:nvPr/>
+            </p:nvSpPr>
+            <p:spPr>
+              <a:xfrm>
+                <a:off x="6535660" y="2880666"/>
+                <a:ext cx="2463560" cy="861774"/>
+              </a:xfrm>
+              <a:prstGeom prst="rect">
+                <a:avLst/>
+              </a:prstGeom>
+              <a:noFill/>
+            </p:spPr>
+            <p:txBody>
+              <a:bodyPr wrap="square" lIns="0" tIns="0" rIns="0" bIns="0" rtlCol="0">
+                <a:spAutoFit/>
+              </a:bodyPr>
+              <a:lstStyle/>
+              <a:p>
+                <a:r>
+                  <a:rPr lang="en-US" b="0" dirty="0"/>
+                  <a:t>Where:</a:t>
+                </a:r>
+              </a:p>
+              <a:p>
+                <a14:m>
+                  <m:oMathPara xmlns:m="http://schemas.openxmlformats.org/officeDocument/2006/math">
+                    <m:oMathParaPr>
+                      <m:jc m:val="centerGroup"/>
+                    </m:oMathParaPr>
+                    <m:oMath xmlns:m="http://schemas.openxmlformats.org/officeDocument/2006/math">
+                      <m:r>
+                        <a:rPr lang="en-US" b="0" i="1" smtClean="0">
+                          <a:latin typeface="Cambria Math" panose="02040503050406030204" pitchFamily="18" charset="0"/>
+                        </a:rPr>
+                        <m:t>𝑛</m:t>
+                      </m:r>
+                      <m:r>
+                        <a:rPr lang="en-US" b="0" i="1" smtClean="0">
+                          <a:latin typeface="Cambria Math" panose="02040503050406030204" pitchFamily="18" charset="0"/>
+                        </a:rPr>
+                        <m:t>=</m:t>
+                      </m:r>
+                      <m:r>
+                        <a:rPr lang="en-US" b="0" i="1" smtClean="0">
+                          <a:latin typeface="Cambria Math" panose="02040503050406030204" pitchFamily="18" charset="0"/>
+                        </a:rPr>
+                        <m:t>𝑛𝑢𝑚𝑏𝑒𝑟</m:t>
+                      </m:r>
+                      <m:r>
+                        <a:rPr lang="en-US" b="0" i="1" smtClean="0">
+                          <a:latin typeface="Cambria Math" panose="02040503050406030204" pitchFamily="18" charset="0"/>
+                        </a:rPr>
+                        <m:t> </m:t>
+                      </m:r>
+                      <m:r>
+                        <a:rPr lang="en-US" b="0" i="1" smtClean="0">
+                          <a:latin typeface="Cambria Math" panose="02040503050406030204" pitchFamily="18" charset="0"/>
+                        </a:rPr>
+                        <m:t>𝑜𝑓</m:t>
+                      </m:r>
+                      <m:r>
+                        <a:rPr lang="en-US" b="0" i="1" smtClean="0">
+                          <a:latin typeface="Cambria Math" panose="02040503050406030204" pitchFamily="18" charset="0"/>
+                        </a:rPr>
+                        <m:t> </m:t>
+                      </m:r>
+                      <m:r>
+                        <a:rPr lang="en-US" b="0" i="1" smtClean="0">
+                          <a:latin typeface="Cambria Math" panose="02040503050406030204" pitchFamily="18" charset="0"/>
+                        </a:rPr>
+                        <m:t>𝑜𝑏𝑠𝑒𝑟𝑣𝑎𝑡𝑖𝑜𝑛𝑠</m:t>
+                      </m:r>
+                    </m:oMath>
+                  </m:oMathPara>
+                </a14:m>
+                <a:endParaRPr lang="en-US" b="0" i="1" dirty="0">
+                  <a:latin typeface="Cambria Math" panose="02040503050406030204" pitchFamily="18" charset="0"/>
+                </a:endParaRPr>
+              </a:p>
+              <a:p>
+                <a14:m>
+                  <m:oMathPara xmlns:m="http://schemas.openxmlformats.org/officeDocument/2006/math">
+                    <m:oMathParaPr>
+                      <m:jc m:val="centerGroup"/>
+                    </m:oMathParaPr>
+                    <m:oMath xmlns:m="http://schemas.openxmlformats.org/officeDocument/2006/math">
+                      <m:r>
+                        <a:rPr lang="en-US" b="0" i="1" smtClean="0">
+                          <a:latin typeface="Cambria Math" panose="02040503050406030204" pitchFamily="18" charset="0"/>
+                        </a:rPr>
+                        <m:t>𝑝</m:t>
+                      </m:r>
+                      <m:r>
+                        <a:rPr lang="en-US" b="0" i="1" smtClean="0">
+                          <a:latin typeface="Cambria Math" panose="02040503050406030204" pitchFamily="18" charset="0"/>
+                        </a:rPr>
+                        <m:t>=</m:t>
+                      </m:r>
+                      <m:r>
+                        <a:rPr lang="en-US" b="0" i="1" smtClean="0">
+                          <a:latin typeface="Cambria Math" panose="02040503050406030204" pitchFamily="18" charset="0"/>
+                        </a:rPr>
+                        <m:t>𝑛𝑢𝑚𝑏𝑒𝑟</m:t>
+                      </m:r>
+                      <m:r>
+                        <a:rPr lang="en-US" b="0" i="1" smtClean="0">
+                          <a:latin typeface="Cambria Math" panose="02040503050406030204" pitchFamily="18" charset="0"/>
+                        </a:rPr>
+                        <m:t> </m:t>
+                      </m:r>
+                      <m:r>
+                        <a:rPr lang="en-US" b="0" i="1" smtClean="0">
+                          <a:latin typeface="Cambria Math" panose="02040503050406030204" pitchFamily="18" charset="0"/>
+                        </a:rPr>
+                        <m:t>𝑜𝑓</m:t>
+                      </m:r>
+                      <m:r>
+                        <a:rPr lang="en-US" b="0" i="1" smtClean="0">
+                          <a:latin typeface="Cambria Math" panose="02040503050406030204" pitchFamily="18" charset="0"/>
+                        </a:rPr>
+                        <m:t> </m:t>
+                      </m:r>
+                      <m:r>
+                        <a:rPr lang="en-US" b="0" i="1" smtClean="0">
+                          <a:latin typeface="Cambria Math" panose="02040503050406030204" pitchFamily="18" charset="0"/>
+                        </a:rPr>
+                        <m:t>𝑓𝑒𝑎𝑡𝑢𝑟𝑒𝑠</m:t>
+                      </m:r>
+                    </m:oMath>
+                  </m:oMathPara>
+                </a14:m>
+                <a:endParaRPr lang="en-US" b="0" dirty="0"/>
+              </a:p>
+              <a:p>
+                <a14:m>
+                  <m:oMathPara xmlns:m="http://schemas.openxmlformats.org/officeDocument/2006/math">
+                    <m:oMathParaPr>
+                      <m:jc m:val="centerGroup"/>
+                    </m:oMathParaPr>
+                    <m:oMath xmlns:m="http://schemas.openxmlformats.org/officeDocument/2006/math">
+                      <m:r>
+                        <a:rPr lang="en-US" b="0" i="1" smtClean="0">
+                          <a:latin typeface="Cambria Math" panose="02040503050406030204" pitchFamily="18" charset="0"/>
+                        </a:rPr>
+                        <m:t>𝑎</m:t>
+                      </m:r>
+                      <m:r>
+                        <a:rPr lang="en-US" b="0" i="1" smtClean="0">
+                          <a:latin typeface="Cambria Math" panose="02040503050406030204" pitchFamily="18" charset="0"/>
+                        </a:rPr>
+                        <m:t>=</m:t>
+                      </m:r>
+                      <m:r>
+                        <a:rPr lang="en-US" b="0" i="1" smtClean="0">
+                          <a:latin typeface="Cambria Math" panose="02040503050406030204" pitchFamily="18" charset="0"/>
+                        </a:rPr>
+                        <m:t>𝑛𝑢𝑚𝑏𝑒𝑟</m:t>
+                      </m:r>
+                      <m:r>
+                        <a:rPr lang="en-US" b="0" i="1" smtClean="0">
+                          <a:latin typeface="Cambria Math" panose="02040503050406030204" pitchFamily="18" charset="0"/>
+                        </a:rPr>
+                        <m:t> </m:t>
+                      </m:r>
+                      <m:r>
+                        <a:rPr lang="en-US" b="0" i="1" smtClean="0">
+                          <a:latin typeface="Cambria Math" panose="02040503050406030204" pitchFamily="18" charset="0"/>
+                        </a:rPr>
+                        <m:t>𝑜𝑓</m:t>
+                      </m:r>
+                      <m:r>
+                        <a:rPr lang="en-US" b="0" i="1" smtClean="0">
+                          <a:latin typeface="Cambria Math" panose="02040503050406030204" pitchFamily="18" charset="0"/>
+                        </a:rPr>
+                        <m:t> </m:t>
+                      </m:r>
+                      <m:r>
+                        <a:rPr lang="en-US" b="0" i="1" smtClean="0">
+                          <a:latin typeface="Cambria Math" panose="02040503050406030204" pitchFamily="18" charset="0"/>
+                        </a:rPr>
+                        <m:t>𝑡𝑟𝑒𝑒𝑠</m:t>
+                      </m:r>
+                    </m:oMath>
+                  </m:oMathPara>
+                </a14:m>
+                <a:endParaRPr lang="en-US" b="0" dirty="0"/>
+              </a:p>
+            </p:txBody>
+          </p:sp>
+        </mc:Choice>
+        <mc:Fallback>
+          <p:sp>
+            <p:nvSpPr>
+              <p:cNvPr id="6" name="TextBox 5">
+                <a:extLst>
+                  <a:ext uri="{FF2B5EF4-FFF2-40B4-BE49-F238E27FC236}">
+                    <a16:creationId xmlns:a16="http://schemas.microsoft.com/office/drawing/2014/main" id="{E7B352F2-895E-49F9-87E6-C8E444A693F0}"/>
+                  </a:ext>
+                </a:extLst>
+              </p:cNvPr>
+              <p:cNvSpPr txBox="1">
+                <a:spLocks noRot="1" noChangeAspect="1" noMove="1" noResize="1" noEditPoints="1" noAdjustHandles="1" noChangeArrowheads="1" noChangeShapeType="1" noTextEdit="1"/>
+              </p:cNvSpPr>
+              <p:nvPr/>
+            </p:nvSpPr>
+            <p:spPr>
+              <a:xfrm>
+                <a:off x="6535660" y="2880666"/>
+                <a:ext cx="2463560" cy="861774"/>
+              </a:xfrm>
+              <a:prstGeom prst="rect">
+                <a:avLst/>
+              </a:prstGeom>
+              <a:blipFill>
+                <a:blip r:embed="rId3"/>
+                <a:stretch>
+                  <a:fillRect l="-4455" t="-7092" b="-7801"/>
+                </a:stretch>
+              </a:blipFill>
+            </p:spPr>
+            <p:txBody>
+              <a:bodyPr/>
+              <a:lstStyle/>
+              <a:p>
+                <a:r>
+                  <a:rPr lang="en-US">
+                    <a:noFill/>
+                  </a:rPr>
+                  <a:t> </a:t>
+                </a:r>
+              </a:p>
+            </p:txBody>
+          </p:sp>
+        </mc:Fallback>
+      </mc:AlternateContent>
+      <p:sp>
+        <p:nvSpPr>
+          <p:cNvPr id="7" name="Rectangle 6">
+            <a:extLst>
+              <a:ext uri="{FF2B5EF4-FFF2-40B4-BE49-F238E27FC236}">
+                <a16:creationId xmlns:a16="http://schemas.microsoft.com/office/drawing/2014/main" id="{623F3C61-5A5C-4385-8842-85169F38475A}"/>
+              </a:ext>
+            </a:extLst>
+          </p:cNvPr>
+          <p:cNvSpPr/>
+          <p:nvPr/>
+        </p:nvSpPr>
+        <p:spPr>
+          <a:xfrm>
+            <a:off x="0" y="4743390"/>
+            <a:ext cx="3032760" cy="400110"/>
+          </a:xfrm>
+          <a:prstGeom prst="rect">
+            <a:avLst/>
+          </a:prstGeom>
+        </p:spPr>
+        <p:txBody>
+          <a:bodyPr wrap="square">
+            <a:spAutoFit/>
+          </a:bodyPr>
+          <a:lstStyle/>
+          <a:p>
+            <a:r>
+              <a:rPr lang="en-US" sz="1000" dirty="0">
+                <a:hlinkClick r:id="rId4"/>
+              </a:rPr>
+              <a:t>https://www.thekerneltrip.com/machine/learning/computational-complexity-learning-algorithms/</a:t>
+            </a:r>
+            <a:endParaRPr lang="en-US" sz="1000" dirty="0"/>
+          </a:p>
+        </p:txBody>
+      </p:sp>
+      <p:pic>
+        <p:nvPicPr>
+          <p:cNvPr id="9" name="Picture 8">
+            <a:extLst>
+              <a:ext uri="{FF2B5EF4-FFF2-40B4-BE49-F238E27FC236}">
+                <a16:creationId xmlns:a16="http://schemas.microsoft.com/office/drawing/2014/main" id="{C47CE517-FC33-4343-B919-9636C6802405}"/>
+              </a:ext>
+            </a:extLst>
+          </p:cNvPr>
+          <p:cNvPicPr>
+            <a:picLocks noChangeAspect="1"/>
+          </p:cNvPicPr>
+          <p:nvPr/>
+        </p:nvPicPr>
+        <p:blipFill>
+          <a:blip r:embed="rId5"/>
+          <a:stretch>
+            <a:fillRect/>
+          </a:stretch>
+        </p:blipFill>
+        <p:spPr>
+          <a:xfrm>
+            <a:off x="3558541" y="2679940"/>
+            <a:ext cx="2463560" cy="2463560"/>
+          </a:xfrm>
+          <a:prstGeom prst="rect">
+            <a:avLst/>
+          </a:prstGeom>
+        </p:spPr>
+      </p:pic>
+    </p:spTree>
+    <p:extLst>
+      <p:ext uri="{BB962C8B-B14F-4D97-AF65-F5344CB8AC3E}">
+        <p14:creationId xmlns:p14="http://schemas.microsoft.com/office/powerpoint/2010/main" val="2819878833"/>
+      </p:ext>
+    </p:extLst>
   </p:cSld>
   <p:clrMapOvr>
     <a:masterClrMapping/>

--- a/3 - Machine Learning/MachineLearning.pptx
+++ b/3 - Machine Learning/MachineLearning.pptx
@@ -5,7 +5,7 @@
     <p:sldMasterId id="2147483659" r:id="rId1"/>
   </p:sldMasterIdLst>
   <p:notesMasterIdLst>
-    <p:notesMasterId r:id="rId24"/>
+    <p:notesMasterId r:id="rId30"/>
   </p:notesMasterIdLst>
   <p:sldIdLst>
     <p:sldId id="256" r:id="rId2"/>
@@ -30,41 +30,47 @@
     <p:sldId id="454" r:id="rId21"/>
     <p:sldId id="288" r:id="rId22"/>
     <p:sldId id="290" r:id="rId23"/>
+    <p:sldId id="456" r:id="rId24"/>
+    <p:sldId id="457" r:id="rId25"/>
+    <p:sldId id="460" r:id="rId26"/>
+    <p:sldId id="458" r:id="rId27"/>
+    <p:sldId id="461" r:id="rId28"/>
+    <p:sldId id="459" r:id="rId29"/>
   </p:sldIdLst>
   <p:sldSz cx="9144000" cy="5143500" type="screen16x9"/>
   <p:notesSz cx="6858000" cy="9144000"/>
   <p:embeddedFontLst>
     <p:embeddedFont>
       <p:font typeface="Cambria Math" panose="02040503050406030204" pitchFamily="18" charset="0"/>
-      <p:regular r:id="rId25"/>
+      <p:regular r:id="rId31"/>
     </p:embeddedFont>
     <p:embeddedFont>
       <p:font typeface="Consolas" panose="020B0609020204030204" pitchFamily="49" charset="0"/>
-      <p:regular r:id="rId26"/>
-      <p:bold r:id="rId27"/>
-      <p:italic r:id="rId28"/>
-      <p:boldItalic r:id="rId29"/>
+      <p:regular r:id="rId32"/>
+      <p:bold r:id="rId33"/>
+      <p:italic r:id="rId34"/>
+      <p:boldItalic r:id="rId35"/>
     </p:embeddedFont>
     <p:embeddedFont>
       <p:font typeface="Lato" panose="020B0604020202020204" charset="0"/>
-      <p:regular r:id="rId30"/>
-      <p:bold r:id="rId31"/>
-      <p:italic r:id="rId32"/>
-      <p:boldItalic r:id="rId33"/>
+      <p:regular r:id="rId36"/>
+      <p:bold r:id="rId37"/>
+      <p:italic r:id="rId38"/>
+      <p:boldItalic r:id="rId39"/>
     </p:embeddedFont>
     <p:embeddedFont>
       <p:font typeface="Raleway" panose="020B0604020202020204" charset="0"/>
-      <p:regular r:id="rId34"/>
-      <p:bold r:id="rId35"/>
-      <p:italic r:id="rId36"/>
-      <p:boldItalic r:id="rId37"/>
+      <p:regular r:id="rId40"/>
+      <p:bold r:id="rId41"/>
+      <p:italic r:id="rId42"/>
+      <p:boldItalic r:id="rId43"/>
     </p:embeddedFont>
     <p:embeddedFont>
       <p:font typeface="Segoe UI" panose="020B0502040204020203" pitchFamily="34" charset="0"/>
-      <p:regular r:id="rId38"/>
-      <p:bold r:id="rId39"/>
-      <p:italic r:id="rId40"/>
-      <p:boldItalic r:id="rId41"/>
+      <p:regular r:id="rId44"/>
+      <p:bold r:id="rId45"/>
+      <p:italic r:id="rId46"/>
+      <p:boldItalic r:id="rId47"/>
     </p:embeddedFont>
   </p:embeddedFontLst>
   <p:defaultTextStyle>
@@ -6609,7 +6615,7 @@
           <a:p>
             <a:fld id="{123CBCE9-0914-4950-A986-7596C92667F1}" type="datetime1">
               <a:rPr lang="en-US" smtClean="0"/>
-              <a:t>2/5/2019</a:t>
+              <a:t>2/11/2019</a:t>
             </a:fld>
             <a:endParaRPr lang="en-US"/>
           </a:p>
@@ -8567,8 +8573,8 @@
           </a:p>
         </p:txBody>
       </p:sp>
-      <mc:AlternateContent xmlns:mc="http://schemas.openxmlformats.org/markup-compatibility/2006">
-        <mc:Choice xmlns:a14="http://schemas.microsoft.com/office/drawing/2010/main" Requires="a14">
+      <mc:AlternateContent xmlns:mc="http://schemas.openxmlformats.org/markup-compatibility/2006" xmlns:a14="http://schemas.microsoft.com/office/drawing/2010/main">
+        <mc:Choice Requires="a14">
           <p:sp>
             <p:nvSpPr>
               <p:cNvPr id="3" name="Text Placeholder 2">
@@ -9517,7 +9523,7 @@
             </p:txBody>
           </p:sp>
         </mc:Choice>
-        <mc:Fallback>
+        <mc:Fallback xmlns="">
           <p:sp>
             <p:nvSpPr>
               <p:cNvPr id="3" name="Text Placeholder 2">
@@ -9964,8 +9970,8 @@
           </a:p>
         </p:txBody>
       </p:sp>
-      <mc:AlternateContent xmlns:mc="http://schemas.openxmlformats.org/markup-compatibility/2006">
-        <mc:Choice xmlns:a14="http://schemas.microsoft.com/office/drawing/2010/main" Requires="a14">
+      <mc:AlternateContent xmlns:mc="http://schemas.openxmlformats.org/markup-compatibility/2006" xmlns:a14="http://schemas.microsoft.com/office/drawing/2010/main">
+        <mc:Choice Requires="a14">
           <p:sp>
             <p:nvSpPr>
               <p:cNvPr id="3" name="Text Placeholder 2">
@@ -10573,7 +10579,7 @@
             </p:txBody>
           </p:sp>
         </mc:Choice>
-        <mc:Fallback>
+        <mc:Fallback xmlns="">
           <p:sp>
             <p:nvSpPr>
               <p:cNvPr id="3" name="Text Placeholder 2">
@@ -11457,7 +11463,7 @@
           <a:graphicData uri="http://schemas.openxmlformats.org/presentationml/2006/ole">
             <mc:AlternateContent xmlns:mc="http://schemas.openxmlformats.org/markup-compatibility/2006">
               <mc:Choice xmlns:v="urn:schemas-microsoft-com:vml" Requires="v">
-                <p:oleObj spid="_x0000_s1038" name="Equation" r:id="rId3" imgW="1333440" imgH="457200" progId="Equation.3">
+                <p:oleObj spid="_x0000_s1064" name="Equation" r:id="rId3" imgW="1333440" imgH="457200" progId="Equation.3">
                   <p:embed/>
                 </p:oleObj>
               </mc:Choice>
@@ -11853,7 +11859,7 @@
           <a:graphicData uri="http://schemas.openxmlformats.org/presentationml/2006/ole">
             <mc:AlternateContent xmlns:mc="http://schemas.openxmlformats.org/markup-compatibility/2006">
               <mc:Choice xmlns:v="urn:schemas-microsoft-com:vml" Requires="v">
-                <p:oleObj spid="_x0000_s1039" name="Equation" r:id="rId5" imgW="1180800" imgH="431640" progId="Equation.3">
+                <p:oleObj spid="_x0000_s1065" name="Equation" r:id="rId5" imgW="1180800" imgH="431640" progId="Equation.3">
                   <p:embed/>
                 </p:oleObj>
               </mc:Choice>
@@ -12235,7 +12241,7 @@
           <a:graphicData uri="http://schemas.openxmlformats.org/presentationml/2006/ole">
             <mc:AlternateContent xmlns:mc="http://schemas.openxmlformats.org/markup-compatibility/2006">
               <mc:Choice xmlns:v="urn:schemas-microsoft-com:vml" Requires="v">
-                <p:oleObj spid="_x0000_s2062" name="Equation" r:id="rId3" imgW="1498320" imgH="482400" progId="Equation.3">
+                <p:oleObj spid="_x0000_s2088" name="Equation" r:id="rId3" imgW="1498320" imgH="482400" progId="Equation.3">
                   <p:embed/>
                 </p:oleObj>
               </mc:Choice>
@@ -12307,7 +12313,7 @@
           <a:graphicData uri="http://schemas.openxmlformats.org/presentationml/2006/ole">
             <mc:AlternateContent xmlns:mc="http://schemas.openxmlformats.org/markup-compatibility/2006">
               <mc:Choice xmlns:v="urn:schemas-microsoft-com:vml" Requires="v">
-                <p:oleObj spid="_x0000_s2063" name="Equation" r:id="rId5" imgW="1663560" imgH="444240" progId="Equation.3">
+                <p:oleObj spid="_x0000_s2089" name="Equation" r:id="rId5" imgW="1663560" imgH="444240" progId="Equation.3">
                   <p:embed/>
                 </p:oleObj>
               </mc:Choice>
@@ -12867,8 +12873,8 @@
           </a:p>
         </p:txBody>
       </p:sp>
-      <mc:AlternateContent xmlns:mc="http://schemas.openxmlformats.org/markup-compatibility/2006">
-        <mc:Choice xmlns:a14="http://schemas.microsoft.com/office/drawing/2010/main" Requires="a14">
+      <mc:AlternateContent xmlns:mc="http://schemas.openxmlformats.org/markup-compatibility/2006" xmlns:a14="http://schemas.microsoft.com/office/drawing/2010/main">
+        <mc:Choice Requires="a14">
           <p:sp>
             <p:nvSpPr>
               <p:cNvPr id="5" name="Text Placeholder 4">
@@ -12915,7 +12921,7 @@
                     <m:f>
                       <m:fPr>
                         <m:ctrlPr>
-                          <a:rPr lang="en-US" b="0" smtClean="0">
+                          <a:rPr lang="en-US" b="0" i="1" smtClean="0">
                             <a:latin typeface="Cambria Math" panose="02040503050406030204" pitchFamily="18" charset="0"/>
                           </a:rPr>
                         </m:ctrlPr>
@@ -13034,7 +13040,7 @@
                     <m:f>
                       <m:fPr>
                         <m:ctrlPr>
-                          <a:rPr lang="en-US" b="0" smtClean="0">
+                          <a:rPr lang="en-US" b="0" i="1" smtClean="0">
                             <a:latin typeface="Cambria Math" panose="02040503050406030204" pitchFamily="18" charset="0"/>
                           </a:rPr>
                         </m:ctrlPr>
@@ -13117,7 +13123,7 @@
                     <m:f>
                       <m:fPr>
                         <m:ctrlPr>
-                          <a:rPr lang="en-US" b="0" smtClean="0">
+                          <a:rPr lang="en-US" b="0" i="1" smtClean="0">
                             <a:latin typeface="Cambria Math" panose="02040503050406030204" pitchFamily="18" charset="0"/>
                           </a:rPr>
                         </m:ctrlPr>
@@ -13185,7 +13191,7 @@
                     <m:f>
                       <m:fPr>
                         <m:ctrlPr>
-                          <a:rPr lang="en-US" b="0" smtClean="0">
+                          <a:rPr lang="en-US" b="0" i="1" smtClean="0">
                             <a:latin typeface="Cambria Math" panose="02040503050406030204" pitchFamily="18" charset="0"/>
                           </a:rPr>
                         </m:ctrlPr>
@@ -13259,7 +13265,7 @@
                     <m:f>
                       <m:fPr>
                         <m:ctrlPr>
-                          <a:rPr lang="en-US" b="0" smtClean="0">
+                          <a:rPr lang="en-US" b="0" i="1" smtClean="0">
                             <a:latin typeface="Cambria Math" panose="02040503050406030204" pitchFamily="18" charset="0"/>
                           </a:rPr>
                         </m:ctrlPr>
@@ -13326,7 +13332,7 @@
             </p:txBody>
           </p:sp>
         </mc:Choice>
-        <mc:Fallback>
+        <mc:Fallback xmlns="">
           <p:sp>
             <p:nvSpPr>
               <p:cNvPr id="5" name="Text Placeholder 4">
@@ -13829,8 +13835,8 @@
           </a:p>
         </p:txBody>
       </p:sp>
-      <mc:AlternateContent xmlns:mc="http://schemas.openxmlformats.org/markup-compatibility/2006">
-        <mc:Choice xmlns:a14="http://schemas.microsoft.com/office/drawing/2010/main" Requires="a14">
+      <mc:AlternateContent xmlns:mc="http://schemas.openxmlformats.org/markup-compatibility/2006" xmlns:a14="http://schemas.microsoft.com/office/drawing/2010/main">
+        <mc:Choice Requires="a14">
           <p:graphicFrame>
             <p:nvGraphicFramePr>
               <p:cNvPr id="5" name="Table 4">
@@ -14277,13 +14283,7 @@
                                   <a:rPr lang="en-US" b="0" i="1" smtClean="0">
                                     <a:latin typeface="Cambria Math" panose="02040503050406030204" pitchFamily="18" charset="0"/>
                                   </a:rPr>
-                                  <m:t>𝑝</m:t>
-                                </m:r>
-                                <m:r>
-                                  <a:rPr lang="en-US" b="0" i="1" smtClean="0">
-                                    <a:latin typeface="Cambria Math" panose="02040503050406030204" pitchFamily="18" charset="0"/>
-                                  </a:rPr>
-                                  <m:t>𝑎</m:t>
+                                  <m:t>𝑝𝑎</m:t>
                                 </m:r>
                                 <m:r>
                                   <a:rPr lang="en-US" b="0" i="1" smtClean="0">
@@ -14390,13 +14390,7 @@
                                   <a:rPr lang="en-US" b="0" i="1" smtClean="0">
                                     <a:latin typeface="Cambria Math" panose="02040503050406030204" pitchFamily="18" charset="0"/>
                                   </a:rPr>
-                                  <m:t>𝑝</m:t>
-                                </m:r>
-                                <m:r>
-                                  <a:rPr lang="en-US" b="0" i="1" smtClean="0">
-                                    <a:latin typeface="Cambria Math" panose="02040503050406030204" pitchFamily="18" charset="0"/>
-                                  </a:rPr>
-                                  <m:t>𝑎</m:t>
+                                  <m:t>𝑝𝑎</m:t>
                                 </m:r>
                                 <m:r>
                                   <a:rPr lang="en-US" b="0" i="1" smtClean="0">
@@ -14458,13 +14452,7 @@
                                   <a:rPr lang="en-US" b="0" i="1" smtClean="0">
                                     <a:latin typeface="Cambria Math" panose="02040503050406030204" pitchFamily="18" charset="0"/>
                                   </a:rPr>
-                                  <m:t>𝑝</m:t>
-                                </m:r>
-                                <m:r>
-                                  <a:rPr lang="en-US" b="0" i="1" smtClean="0">
-                                    <a:latin typeface="Cambria Math" panose="02040503050406030204" pitchFamily="18" charset="0"/>
-                                  </a:rPr>
-                                  <m:t>𝑎</m:t>
+                                  <m:t>𝑝𝑎</m:t>
                                 </m:r>
                                 <m:r>
                                   <a:rPr lang="en-US" b="0" i="1" smtClean="0">
@@ -14867,7 +14855,7 @@
             </a:graphic>
           </p:graphicFrame>
         </mc:Choice>
-        <mc:Fallback>
+        <mc:Fallback xmlns="">
           <p:graphicFrame>
             <p:nvGraphicFramePr>
               <p:cNvPr id="5" name="Table 4">
@@ -15255,8 +15243,8 @@
           </p:graphicFrame>
         </mc:Fallback>
       </mc:AlternateContent>
-      <mc:AlternateContent xmlns:mc="http://schemas.openxmlformats.org/markup-compatibility/2006">
-        <mc:Choice xmlns:a14="http://schemas.microsoft.com/office/drawing/2010/main" Requires="a14">
+      <mc:AlternateContent xmlns:mc="http://schemas.openxmlformats.org/markup-compatibility/2006" xmlns:a14="http://schemas.microsoft.com/office/drawing/2010/main">
+        <mc:Choice Requires="a14">
           <p:sp>
             <p:nvSpPr>
               <p:cNvPr id="6" name="TextBox 5">
@@ -15291,6 +15279,7 @@
                 </a:r>
               </a:p>
               <a:p>
+                <a:pPr/>
                 <a14:m>
                   <m:oMathPara xmlns:m="http://schemas.openxmlformats.org/officeDocument/2006/math">
                     <m:oMathParaPr>
@@ -15347,6 +15336,7 @@
                 </a:endParaRPr>
               </a:p>
               <a:p>
+                <a:pPr/>
                 <a14:m>
                   <m:oMathPara xmlns:m="http://schemas.openxmlformats.org/officeDocument/2006/math">
                     <m:oMathParaPr>
@@ -15401,6 +15391,7 @@
                 <a:endParaRPr lang="en-US" b="0" dirty="0"/>
               </a:p>
               <a:p>
+                <a:pPr/>
                 <a14:m>
                   <m:oMathPara xmlns:m="http://schemas.openxmlformats.org/officeDocument/2006/math">
                     <m:oMathParaPr>
@@ -15457,7 +15448,7 @@
             </p:txBody>
           </p:sp>
         </mc:Choice>
-        <mc:Fallback>
+        <mc:Fallback xmlns="">
           <p:sp>
             <p:nvSpPr>
               <p:cNvPr id="6" name="TextBox 5">
@@ -15573,6 +15564,6415 @@
     <p:extLst>
       <p:ext uri="{BB962C8B-B14F-4D97-AF65-F5344CB8AC3E}">
         <p14:creationId xmlns:p14="http://schemas.microsoft.com/office/powerpoint/2010/main" val="2819878833"/>
+      </p:ext>
+    </p:extLst>
+  </p:cSld>
+  <p:clrMapOvr>
+    <a:masterClrMapping/>
+  </p:clrMapOvr>
+</p:sld>
+</file>
+
+<file path=ppt/slides/slide23.xml><?xml version="1.0" encoding="utf-8"?>
+<p:sld xmlns:a="http://schemas.openxmlformats.org/drawingml/2006/main" xmlns:r="http://schemas.openxmlformats.org/officeDocument/2006/relationships" xmlns:p="http://schemas.openxmlformats.org/presentationml/2006/main">
+  <p:cSld>
+    <p:spTree>
+      <p:nvGrpSpPr>
+        <p:cNvPr id="1" name=""/>
+        <p:cNvGrpSpPr/>
+        <p:nvPr/>
+      </p:nvGrpSpPr>
+      <p:grpSpPr>
+        <a:xfrm>
+          <a:off x="0" y="0"/>
+          <a:ext cx="0" cy="0"/>
+          <a:chOff x="0" y="0"/>
+          <a:chExt cx="0" cy="0"/>
+        </a:xfrm>
+      </p:grpSpPr>
+      <p:sp>
+        <p:nvSpPr>
+          <p:cNvPr id="2" name="Title 1">
+            <a:extLst>
+              <a:ext uri="{FF2B5EF4-FFF2-40B4-BE49-F238E27FC236}">
+                <a16:creationId xmlns:a16="http://schemas.microsoft.com/office/drawing/2014/main" id="{6FF3B6CD-C287-4358-8518-0002892C1F0F}"/>
+              </a:ext>
+            </a:extLst>
+          </p:cNvPr>
+          <p:cNvSpPr>
+            <a:spLocks noGrp="1"/>
+          </p:cNvSpPr>
+          <p:nvPr>
+            <p:ph type="title"/>
+          </p:nvPr>
+        </p:nvSpPr>
+        <p:spPr/>
+        <p:txBody>
+          <a:bodyPr/>
+          <a:lstStyle/>
+          <a:p>
+            <a:r>
+              <a:rPr lang="en-US" dirty="0"/>
+              <a:t>Just Keep </a:t>
+            </a:r>
+            <a:r>
+              <a:rPr lang="en-US" dirty="0" err="1"/>
+              <a:t>Modelin</a:t>
+            </a:r>
+            <a:r>
+              <a:rPr lang="en-US" dirty="0"/>
+              <a:t>’</a:t>
+            </a:r>
+            <a:endParaRPr lang="en-US" b="0" dirty="0"/>
+          </a:p>
+        </p:txBody>
+      </p:sp>
+      <p:sp>
+        <p:nvSpPr>
+          <p:cNvPr id="3" name="Subtitle 2">
+            <a:extLst>
+              <a:ext uri="{FF2B5EF4-FFF2-40B4-BE49-F238E27FC236}">
+                <a16:creationId xmlns:a16="http://schemas.microsoft.com/office/drawing/2014/main" id="{E50C45D2-D3B0-42AD-8B14-889BF46EF052}"/>
+              </a:ext>
+            </a:extLst>
+          </p:cNvPr>
+          <p:cNvSpPr>
+            <a:spLocks noGrp="1"/>
+          </p:cNvSpPr>
+          <p:nvPr>
+            <p:ph type="subTitle" idx="1"/>
+          </p:nvPr>
+        </p:nvSpPr>
+        <p:spPr/>
+        <p:txBody>
+          <a:bodyPr/>
+          <a:lstStyle/>
+          <a:p>
+            <a:r>
+              <a:rPr lang="en-US" dirty="0"/>
+              <a:t>Tweaking the model until it’s </a:t>
+            </a:r>
+            <a:r>
+              <a:rPr lang="en-US" i="1" dirty="0"/>
+              <a:t>just right</a:t>
+            </a:r>
+            <a:r>
+              <a:rPr lang="en-US" dirty="0"/>
+              <a:t>…</a:t>
+            </a:r>
+          </a:p>
+        </p:txBody>
+      </p:sp>
+      <p:sp>
+        <p:nvSpPr>
+          <p:cNvPr id="4" name="Text Placeholder 3">
+            <a:extLst>
+              <a:ext uri="{FF2B5EF4-FFF2-40B4-BE49-F238E27FC236}">
+                <a16:creationId xmlns:a16="http://schemas.microsoft.com/office/drawing/2014/main" id="{E7965E52-F563-4744-8F1E-F621627D112E}"/>
+              </a:ext>
+            </a:extLst>
+          </p:cNvPr>
+          <p:cNvSpPr>
+            <a:spLocks noGrp="1"/>
+          </p:cNvSpPr>
+          <p:nvPr>
+            <p:ph type="body" idx="2"/>
+          </p:nvPr>
+        </p:nvSpPr>
+        <p:spPr/>
+        <p:txBody>
+          <a:bodyPr/>
+          <a:lstStyle/>
+          <a:p>
+            <a:pPr>
+              <a:lnSpc>
+                <a:spcPct val="100000"/>
+              </a:lnSpc>
+              <a:spcBef>
+                <a:spcPts val="600"/>
+              </a:spcBef>
+              <a:spcAft>
+                <a:spcPts val="600"/>
+              </a:spcAft>
+            </a:pPr>
+            <a:r>
+              <a:rPr lang="en-US" dirty="0"/>
+              <a:t>Parameter Tuning</a:t>
+            </a:r>
+          </a:p>
+          <a:p>
+            <a:pPr lvl="1">
+              <a:lnSpc>
+                <a:spcPct val="100000"/>
+              </a:lnSpc>
+              <a:spcBef>
+                <a:spcPts val="600"/>
+              </a:spcBef>
+              <a:spcAft>
+                <a:spcPts val="600"/>
+              </a:spcAft>
+            </a:pPr>
+            <a:r>
+              <a:rPr lang="en-US" dirty="0"/>
+              <a:t>Grid Search</a:t>
+            </a:r>
+          </a:p>
+          <a:p>
+            <a:pPr lvl="1">
+              <a:lnSpc>
+                <a:spcPct val="100000"/>
+              </a:lnSpc>
+              <a:spcBef>
+                <a:spcPts val="600"/>
+              </a:spcBef>
+              <a:spcAft>
+                <a:spcPts val="600"/>
+              </a:spcAft>
+            </a:pPr>
+            <a:r>
+              <a:rPr lang="en-US" dirty="0"/>
+              <a:t>Regularization</a:t>
+            </a:r>
+          </a:p>
+          <a:p>
+            <a:pPr lvl="1">
+              <a:lnSpc>
+                <a:spcPct val="100000"/>
+              </a:lnSpc>
+              <a:spcBef>
+                <a:spcPts val="600"/>
+              </a:spcBef>
+              <a:spcAft>
+                <a:spcPts val="600"/>
+              </a:spcAft>
+            </a:pPr>
+            <a:r>
+              <a:rPr lang="en-US" dirty="0"/>
+              <a:t>Gradient Decent</a:t>
+            </a:r>
+          </a:p>
+          <a:p>
+            <a:pPr>
+              <a:lnSpc>
+                <a:spcPct val="100000"/>
+              </a:lnSpc>
+              <a:spcBef>
+                <a:spcPts val="600"/>
+              </a:spcBef>
+              <a:spcAft>
+                <a:spcPts val="600"/>
+              </a:spcAft>
+            </a:pPr>
+            <a:r>
+              <a:rPr lang="en-US" dirty="0"/>
+              <a:t>Cross-Validation</a:t>
+            </a:r>
+          </a:p>
+          <a:p>
+            <a:pPr lvl="1">
+              <a:lnSpc>
+                <a:spcPct val="100000"/>
+              </a:lnSpc>
+              <a:spcBef>
+                <a:spcPts val="600"/>
+              </a:spcBef>
+              <a:spcAft>
+                <a:spcPts val="600"/>
+              </a:spcAft>
+            </a:pPr>
+            <a:r>
+              <a:rPr lang="en-US" dirty="0"/>
+              <a:t>k-Fold CV</a:t>
+            </a:r>
+          </a:p>
+          <a:p>
+            <a:pPr lvl="1">
+              <a:lnSpc>
+                <a:spcPct val="100000"/>
+              </a:lnSpc>
+              <a:spcBef>
+                <a:spcPts val="600"/>
+              </a:spcBef>
+              <a:spcAft>
+                <a:spcPts val="600"/>
+              </a:spcAft>
+            </a:pPr>
+            <a:r>
+              <a:rPr lang="en-US" dirty="0" err="1"/>
+              <a:t>LpOCV</a:t>
+            </a:r>
+            <a:r>
+              <a:rPr lang="en-US" dirty="0"/>
+              <a:t>/LOOCV</a:t>
+            </a:r>
+          </a:p>
+          <a:p>
+            <a:pPr>
+              <a:lnSpc>
+                <a:spcPct val="100000"/>
+              </a:lnSpc>
+              <a:spcBef>
+                <a:spcPts val="600"/>
+              </a:spcBef>
+              <a:spcAft>
+                <a:spcPts val="600"/>
+              </a:spcAft>
+            </a:pPr>
+            <a:r>
+              <a:rPr lang="en-US" dirty="0"/>
+              <a:t>Intro to Training Parallelization</a:t>
+            </a:r>
+          </a:p>
+        </p:txBody>
+      </p:sp>
+    </p:spTree>
+    <p:extLst>
+      <p:ext uri="{BB962C8B-B14F-4D97-AF65-F5344CB8AC3E}">
+        <p14:creationId xmlns:p14="http://schemas.microsoft.com/office/powerpoint/2010/main" val="3906453993"/>
+      </p:ext>
+    </p:extLst>
+  </p:cSld>
+  <p:clrMapOvr>
+    <a:masterClrMapping/>
+  </p:clrMapOvr>
+</p:sld>
+</file>
+
+<file path=ppt/slides/slide24.xml><?xml version="1.0" encoding="utf-8"?>
+<p:sld xmlns:a="http://schemas.openxmlformats.org/drawingml/2006/main" xmlns:r="http://schemas.openxmlformats.org/officeDocument/2006/relationships" xmlns:p="http://schemas.openxmlformats.org/presentationml/2006/main">
+  <p:cSld>
+    <p:spTree>
+      <p:nvGrpSpPr>
+        <p:cNvPr id="1" name=""/>
+        <p:cNvGrpSpPr/>
+        <p:nvPr/>
+      </p:nvGrpSpPr>
+      <p:grpSpPr>
+        <a:xfrm>
+          <a:off x="0" y="0"/>
+          <a:ext cx="0" cy="0"/>
+          <a:chOff x="0" y="0"/>
+          <a:chExt cx="0" cy="0"/>
+        </a:xfrm>
+      </p:grpSpPr>
+      <p:sp>
+        <p:nvSpPr>
+          <p:cNvPr id="2" name="Title 1">
+            <a:extLst>
+              <a:ext uri="{FF2B5EF4-FFF2-40B4-BE49-F238E27FC236}">
+                <a16:creationId xmlns:a16="http://schemas.microsoft.com/office/drawing/2014/main" id="{F662E4A8-A531-48ED-836D-675AB1A3BB05}"/>
+              </a:ext>
+            </a:extLst>
+          </p:cNvPr>
+          <p:cNvSpPr>
+            <a:spLocks noGrp="1"/>
+          </p:cNvSpPr>
+          <p:nvPr>
+            <p:ph type="title"/>
+          </p:nvPr>
+        </p:nvSpPr>
+        <p:spPr>
+          <a:xfrm>
+            <a:off x="319500" y="490496"/>
+            <a:ext cx="2808000" cy="569954"/>
+          </a:xfrm>
+        </p:spPr>
+        <p:txBody>
+          <a:bodyPr/>
+          <a:lstStyle/>
+          <a:p>
+            <a:r>
+              <a:rPr lang="en-US" dirty="0"/>
+              <a:t>Grid Search</a:t>
+            </a:r>
+          </a:p>
+        </p:txBody>
+      </p:sp>
+      <p:sp>
+        <p:nvSpPr>
+          <p:cNvPr id="3" name="Text Placeholder 2">
+            <a:extLst>
+              <a:ext uri="{FF2B5EF4-FFF2-40B4-BE49-F238E27FC236}">
+                <a16:creationId xmlns:a16="http://schemas.microsoft.com/office/drawing/2014/main" id="{BC86B807-20BD-4328-91CB-2203DB84E850}"/>
+              </a:ext>
+            </a:extLst>
+          </p:cNvPr>
+          <p:cNvSpPr>
+            <a:spLocks noGrp="1"/>
+          </p:cNvSpPr>
+          <p:nvPr>
+            <p:ph type="body" idx="1"/>
+          </p:nvPr>
+        </p:nvSpPr>
+        <p:spPr>
+          <a:xfrm>
+            <a:off x="319500" y="1060450"/>
+            <a:ext cx="2997112" cy="3592554"/>
+          </a:xfrm>
+        </p:spPr>
+        <p:txBody>
+          <a:bodyPr/>
+          <a:lstStyle/>
+          <a:p>
+            <a:pPr>
+              <a:spcAft>
+                <a:spcPts val="600"/>
+              </a:spcAft>
+            </a:pPr>
+            <a:r>
+              <a:rPr lang="en-US" dirty="0"/>
+              <a:t>Most traditional way of parameter sweeping is to build a grid of multiple parameter options</a:t>
+            </a:r>
+          </a:p>
+          <a:p>
+            <a:pPr>
+              <a:spcAft>
+                <a:spcPts val="600"/>
+              </a:spcAft>
+            </a:pPr>
+            <a:r>
+              <a:rPr lang="en-US" dirty="0"/>
+              <a:t>Parameters can be discrete or continuous</a:t>
+            </a:r>
+          </a:p>
+          <a:p>
+            <a:pPr>
+              <a:spcAft>
+                <a:spcPts val="600"/>
+              </a:spcAft>
+            </a:pPr>
+            <a:r>
+              <a:rPr lang="en-US" dirty="0"/>
+              <a:t>Must pick a finite set of reasonable options</a:t>
+            </a:r>
+          </a:p>
+          <a:p>
+            <a:pPr>
+              <a:spcAft>
+                <a:spcPts val="600"/>
+              </a:spcAft>
+            </a:pPr>
+            <a:r>
+              <a:rPr lang="en-US" dirty="0"/>
+              <a:t>The locally optimal set is the combination of parameters that minimize or maximize a criterion. </a:t>
+            </a:r>
+            <a:r>
+              <a:rPr lang="en-US" i="1" dirty="0"/>
+              <a:t>(Such as RMSE, R</a:t>
+            </a:r>
+            <a:r>
+              <a:rPr lang="en-US" i="1" baseline="30000" dirty="0"/>
+              <a:t>2</a:t>
+            </a:r>
+            <a:r>
+              <a:rPr lang="en-US" i="1" dirty="0"/>
+              <a:t>, AUC, etc.)</a:t>
+            </a:r>
+          </a:p>
+        </p:txBody>
+      </p:sp>
+      <mc:AlternateContent xmlns:mc="http://schemas.openxmlformats.org/markup-compatibility/2006">
+        <mc:Choice xmlns:a14="http://schemas.microsoft.com/office/drawing/2010/main" Requires="a14">
+          <p:sp>
+            <p:nvSpPr>
+              <p:cNvPr id="4" name="TextBox 3">
+                <a:extLst>
+                  <a:ext uri="{FF2B5EF4-FFF2-40B4-BE49-F238E27FC236}">
+                    <a16:creationId xmlns:a16="http://schemas.microsoft.com/office/drawing/2014/main" id="{DCB1C2A4-7AAA-47E5-A498-06FA7E92DD19}"/>
+                  </a:ext>
+                </a:extLst>
+              </p:cNvPr>
+              <p:cNvSpPr txBox="1"/>
+              <p:nvPr/>
+            </p:nvSpPr>
+            <p:spPr>
+              <a:xfrm>
+                <a:off x="3600532" y="2048530"/>
+                <a:ext cx="2078198" cy="1046440"/>
+              </a:xfrm>
+              <a:prstGeom prst="rect">
+                <a:avLst/>
+              </a:prstGeom>
+              <a:noFill/>
+            </p:spPr>
+            <p:txBody>
+              <a:bodyPr wrap="none" lIns="0" tIns="0" rIns="0" bIns="0" rtlCol="0">
+                <a:spAutoFit/>
+              </a:bodyPr>
+              <a:lstStyle/>
+              <a:p>
+                <a:pPr algn="ctr"/>
+                <a:r>
+                  <a:rPr lang="en-US" u="sng" dirty="0">
+                    <a:latin typeface="+mj-lt"/>
+                    <a:ea typeface="Cambria Math" panose="02040503050406030204" pitchFamily="18" charset="0"/>
+                  </a:rPr>
+                  <a:t>Parameter Options</a:t>
+                </a:r>
+                <a:endParaRPr lang="en-US" sz="1800" u="sng" dirty="0">
+                  <a:latin typeface="+mj-lt"/>
+                  <a:ea typeface="Cambria Math" panose="02040503050406030204" pitchFamily="18" charset="0"/>
+                </a:endParaRPr>
+              </a:p>
+              <a:p>
+                <a:pPr/>
+                <a14:m>
+                  <m:oMathPara xmlns:m="http://schemas.openxmlformats.org/officeDocument/2006/math">
+                    <m:oMathParaPr>
+                      <m:jc m:val="centerGroup"/>
+                    </m:oMathParaPr>
+                    <m:oMath xmlns:m="http://schemas.openxmlformats.org/officeDocument/2006/math">
+                      <m:r>
+                        <a:rPr lang="en-US" sz="1800" i="1" smtClean="0">
+                          <a:latin typeface="Cambria Math" panose="02040503050406030204" pitchFamily="18" charset="0"/>
+                          <a:ea typeface="Cambria Math" panose="02040503050406030204" pitchFamily="18" charset="0"/>
+                        </a:rPr>
+                        <m:t>𝛼</m:t>
+                      </m:r>
+                      <m:r>
+                        <a:rPr lang="en-US" sz="1800" i="1" smtClean="0">
+                          <a:latin typeface="Cambria Math" panose="02040503050406030204" pitchFamily="18" charset="0"/>
+                          <a:ea typeface="Cambria Math" panose="02040503050406030204" pitchFamily="18" charset="0"/>
+                        </a:rPr>
+                        <m:t>∈</m:t>
+                      </m:r>
+                      <m:d>
+                        <m:dPr>
+                          <m:begChr m:val="{"/>
+                          <m:endChr m:val="}"/>
+                          <m:ctrlPr>
+                            <a:rPr lang="en-US" sz="1800" i="1" smtClean="0">
+                              <a:latin typeface="Cambria Math" panose="02040503050406030204" pitchFamily="18" charset="0"/>
+                              <a:ea typeface="Cambria Math" panose="02040503050406030204" pitchFamily="18" charset="0"/>
+                            </a:rPr>
+                          </m:ctrlPr>
+                        </m:dPr>
+                        <m:e>
+                          <m:r>
+                            <a:rPr lang="en-US" sz="1800" b="0" i="1" smtClean="0">
+                              <a:latin typeface="Cambria Math" panose="02040503050406030204" pitchFamily="18" charset="0"/>
+                              <a:ea typeface="Cambria Math" panose="02040503050406030204" pitchFamily="18" charset="0"/>
+                            </a:rPr>
+                            <m:t>1, 10, 100</m:t>
+                          </m:r>
+                        </m:e>
+                      </m:d>
+                    </m:oMath>
+                  </m:oMathPara>
+                </a14:m>
+                <a:endParaRPr lang="en-US" sz="1800" dirty="0"/>
+              </a:p>
+              <a:p>
+                <a14:m>
+                  <m:oMathPara xmlns:m="http://schemas.openxmlformats.org/officeDocument/2006/math">
+                    <m:oMathParaPr>
+                      <m:jc m:val="centerGroup"/>
+                    </m:oMathParaPr>
+                    <m:oMath xmlns:m="http://schemas.openxmlformats.org/officeDocument/2006/math">
+                      <m:r>
+                        <a:rPr lang="en-US" sz="1800" i="1" smtClean="0">
+                          <a:latin typeface="Cambria Math" panose="02040503050406030204" pitchFamily="18" charset="0"/>
+                          <a:ea typeface="Cambria Math" panose="02040503050406030204" pitchFamily="18" charset="0"/>
+                        </a:rPr>
+                        <m:t>𝛽</m:t>
+                      </m:r>
+                      <m:r>
+                        <a:rPr lang="en-US" sz="1800" i="1">
+                          <a:latin typeface="Cambria Math" panose="02040503050406030204" pitchFamily="18" charset="0"/>
+                          <a:ea typeface="Cambria Math" panose="02040503050406030204" pitchFamily="18" charset="0"/>
+                        </a:rPr>
+                        <m:t>∈</m:t>
+                      </m:r>
+                      <m:d>
+                        <m:dPr>
+                          <m:begChr m:val="{"/>
+                          <m:endChr m:val="}"/>
+                          <m:ctrlPr>
+                            <a:rPr lang="en-US" sz="1800" i="1">
+                              <a:latin typeface="Cambria Math" panose="02040503050406030204" pitchFamily="18" charset="0"/>
+                              <a:ea typeface="Cambria Math" panose="02040503050406030204" pitchFamily="18" charset="0"/>
+                            </a:rPr>
+                          </m:ctrlPr>
+                        </m:dPr>
+                        <m:e>
+                          <m:r>
+                            <a:rPr lang="en-US" sz="1800" b="0" i="1" smtClean="0">
+                              <a:latin typeface="Cambria Math" panose="02040503050406030204" pitchFamily="18" charset="0"/>
+                              <a:ea typeface="Cambria Math" panose="02040503050406030204" pitchFamily="18" charset="0"/>
+                            </a:rPr>
+                            <m:t>0.01</m:t>
+                          </m:r>
+                          <m:r>
+                            <a:rPr lang="en-US" sz="1800" i="1">
+                              <a:latin typeface="Cambria Math" panose="02040503050406030204" pitchFamily="18" charset="0"/>
+                              <a:ea typeface="Cambria Math" panose="02040503050406030204" pitchFamily="18" charset="0"/>
+                            </a:rPr>
+                            <m:t>, </m:t>
+                          </m:r>
+                          <m:r>
+                            <a:rPr lang="en-US" sz="1800" b="0" i="1" smtClean="0">
+                              <a:latin typeface="Cambria Math" panose="02040503050406030204" pitchFamily="18" charset="0"/>
+                              <a:ea typeface="Cambria Math" panose="02040503050406030204" pitchFamily="18" charset="0"/>
+                            </a:rPr>
+                            <m:t>0.05, 0.1</m:t>
+                          </m:r>
+                        </m:e>
+                      </m:d>
+                    </m:oMath>
+                  </m:oMathPara>
+                </a14:m>
+                <a:endParaRPr lang="en-US" sz="1800" dirty="0"/>
+              </a:p>
+              <a:p>
+                <a14:m>
+                  <m:oMathPara xmlns:m="http://schemas.openxmlformats.org/officeDocument/2006/math">
+                    <m:oMathParaPr>
+                      <m:jc m:val="centerGroup"/>
+                    </m:oMathParaPr>
+                    <m:oMath xmlns:m="http://schemas.openxmlformats.org/officeDocument/2006/math">
+                      <m:r>
+                        <a:rPr lang="en-US" sz="1800" i="1" smtClean="0">
+                          <a:latin typeface="Cambria Math" panose="02040503050406030204" pitchFamily="18" charset="0"/>
+                          <a:ea typeface="Cambria Math" panose="02040503050406030204" pitchFamily="18" charset="0"/>
+                        </a:rPr>
+                        <m:t>𝛾</m:t>
+                      </m:r>
+                      <m:r>
+                        <a:rPr lang="en-US" sz="1800" i="1">
+                          <a:latin typeface="Cambria Math" panose="02040503050406030204" pitchFamily="18" charset="0"/>
+                          <a:ea typeface="Cambria Math" panose="02040503050406030204" pitchFamily="18" charset="0"/>
+                        </a:rPr>
+                        <m:t>∈</m:t>
+                      </m:r>
+                      <m:d>
+                        <m:dPr>
+                          <m:begChr m:val="{"/>
+                          <m:endChr m:val="}"/>
+                          <m:ctrlPr>
+                            <a:rPr lang="en-US" sz="1800" i="1">
+                              <a:latin typeface="Cambria Math" panose="02040503050406030204" pitchFamily="18" charset="0"/>
+                              <a:ea typeface="Cambria Math" panose="02040503050406030204" pitchFamily="18" charset="0"/>
+                            </a:rPr>
+                          </m:ctrlPr>
+                        </m:dPr>
+                        <m:e>
+                          <m:r>
+                            <a:rPr lang="en-US" sz="1800" b="0" i="1" smtClean="0">
+                              <a:latin typeface="Cambria Math" panose="02040503050406030204" pitchFamily="18" charset="0"/>
+                              <a:ea typeface="Cambria Math" panose="02040503050406030204" pitchFamily="18" charset="0"/>
+                            </a:rPr>
+                            <m:t>10, 11, 12</m:t>
+                          </m:r>
+                        </m:e>
+                      </m:d>
+                    </m:oMath>
+                  </m:oMathPara>
+                </a14:m>
+                <a:endParaRPr lang="en-US" sz="1800" dirty="0"/>
+              </a:p>
+            </p:txBody>
+          </p:sp>
+        </mc:Choice>
+        <mc:Fallback>
+          <p:sp>
+            <p:nvSpPr>
+              <p:cNvPr id="4" name="TextBox 3">
+                <a:extLst>
+                  <a:ext uri="{FF2B5EF4-FFF2-40B4-BE49-F238E27FC236}">
+                    <a16:creationId xmlns:a16="http://schemas.microsoft.com/office/drawing/2014/main" id="{DCB1C2A4-7AAA-47E5-A498-06FA7E92DD19}"/>
+                  </a:ext>
+                </a:extLst>
+              </p:cNvPr>
+              <p:cNvSpPr txBox="1">
+                <a:spLocks noRot="1" noChangeAspect="1" noMove="1" noResize="1" noEditPoints="1" noAdjustHandles="1" noChangeArrowheads="1" noChangeShapeType="1" noTextEdit="1"/>
+              </p:cNvSpPr>
+              <p:nvPr/>
+            </p:nvSpPr>
+            <p:spPr>
+              <a:xfrm>
+                <a:off x="3600532" y="2048530"/>
+                <a:ext cx="2078198" cy="1046440"/>
+              </a:xfrm>
+              <a:prstGeom prst="rect">
+                <a:avLst/>
+              </a:prstGeom>
+              <a:blipFill>
+                <a:blip r:embed="rId2"/>
+                <a:stretch>
+                  <a:fillRect l="-1466" t="-5233" b="-5814"/>
+                </a:stretch>
+              </a:blipFill>
+            </p:spPr>
+            <p:txBody>
+              <a:bodyPr/>
+              <a:lstStyle/>
+              <a:p>
+                <a:r>
+                  <a:rPr lang="en-US">
+                    <a:noFill/>
+                  </a:rPr>
+                  <a:t> </a:t>
+                </a:r>
+              </a:p>
+            </p:txBody>
+          </p:sp>
+        </mc:Fallback>
+      </mc:AlternateContent>
+      <p:graphicFrame>
+        <p:nvGraphicFramePr>
+          <p:cNvPr id="6" name="Table 5">
+            <a:extLst>
+              <a:ext uri="{FF2B5EF4-FFF2-40B4-BE49-F238E27FC236}">
+                <a16:creationId xmlns:a16="http://schemas.microsoft.com/office/drawing/2014/main" id="{4806199C-CAFF-41EF-AFD9-5B3FDD5E42FD}"/>
+              </a:ext>
+            </a:extLst>
+          </p:cNvPr>
+          <p:cNvGraphicFramePr>
+            <a:graphicFrameLocks noGrp="1"/>
+          </p:cNvGraphicFramePr>
+          <p:nvPr>
+            <p:extLst>
+              <p:ext uri="{D42A27DB-BD31-4B8C-83A1-F6EECF244321}">
+                <p14:modId xmlns:p14="http://schemas.microsoft.com/office/powerpoint/2010/main" val="3708681648"/>
+              </p:ext>
+            </p:extLst>
+          </p:nvPr>
+        </p:nvGraphicFramePr>
+        <p:xfrm>
+          <a:off x="5962650" y="241898"/>
+          <a:ext cx="2527300" cy="4659704"/>
+        </p:xfrm>
+        <a:graphic>
+          <a:graphicData uri="http://schemas.openxmlformats.org/drawingml/2006/table">
+            <a:tbl>
+              <a:tblPr firstRow="1" firstCol="1">
+                <a:tableStyleId>{7E9639D4-E3E2-4D34-9284-5A2195B3D0D7}</a:tableStyleId>
+              </a:tblPr>
+              <a:tblGrid>
+                <a:gridCol w="482600">
+                  <a:extLst>
+                    <a:ext uri="{9D8B030D-6E8A-4147-A177-3AD203B41FA5}">
+                      <a16:colId xmlns:a16="http://schemas.microsoft.com/office/drawing/2014/main" val="212818393"/>
+                    </a:ext>
+                  </a:extLst>
+                </a:gridCol>
+                <a:gridCol w="584200">
+                  <a:extLst>
+                    <a:ext uri="{9D8B030D-6E8A-4147-A177-3AD203B41FA5}">
+                      <a16:colId xmlns:a16="http://schemas.microsoft.com/office/drawing/2014/main" val="1052623134"/>
+                    </a:ext>
+                  </a:extLst>
+                </a:gridCol>
+                <a:gridCol w="736600">
+                  <a:extLst>
+                    <a:ext uri="{9D8B030D-6E8A-4147-A177-3AD203B41FA5}">
+                      <a16:colId xmlns:a16="http://schemas.microsoft.com/office/drawing/2014/main" val="3511741730"/>
+                    </a:ext>
+                  </a:extLst>
+                </a:gridCol>
+                <a:gridCol w="723900">
+                  <a:extLst>
+                    <a:ext uri="{9D8B030D-6E8A-4147-A177-3AD203B41FA5}">
+                      <a16:colId xmlns:a16="http://schemas.microsoft.com/office/drawing/2014/main" val="3859784814"/>
+                    </a:ext>
+                  </a:extLst>
+                </a:gridCol>
+              </a:tblGrid>
+              <a:tr h="111184">
+                <a:tc>
+                  <a:txBody>
+                    <a:bodyPr/>
+                    <a:lstStyle/>
+                    <a:p>
+                      <a:pPr algn="ctr"/>
+                      <a:r>
+                        <a:rPr lang="en-US" sz="900" dirty="0">
+                          <a:effectLst/>
+                        </a:rPr>
+                        <a:t>#</a:t>
+                      </a:r>
+                      <a:endParaRPr lang="en-US" sz="900" b="0" dirty="0">
+                        <a:solidFill>
+                          <a:schemeClr val="bg2"/>
+                        </a:solidFill>
+                        <a:effectLst/>
+                      </a:endParaRPr>
+                    </a:p>
+                  </a:txBody>
+                  <a:tcPr marL="18287" marR="18287" marT="14629" marB="14629" anchor="ctr"/>
+                </a:tc>
+                <a:tc>
+                  <a:txBody>
+                    <a:bodyPr/>
+                    <a:lstStyle/>
+                    <a:p>
+                      <a:pPr algn="ctr"/>
+                      <a:r>
+                        <a:rPr lang="en-US" sz="900" dirty="0">
+                          <a:effectLst/>
+                        </a:rPr>
+                        <a:t>𝛼</a:t>
+                      </a:r>
+                      <a:endParaRPr lang="en-US" sz="900" dirty="0">
+                        <a:solidFill>
+                          <a:schemeClr val="bg2"/>
+                        </a:solidFill>
+                        <a:effectLst/>
+                      </a:endParaRPr>
+                    </a:p>
+                  </a:txBody>
+                  <a:tcPr marL="18287" marR="18287" marT="14629" marB="14629" anchor="ctr"/>
+                </a:tc>
+                <a:tc>
+                  <a:txBody>
+                    <a:bodyPr/>
+                    <a:lstStyle/>
+                    <a:p>
+                      <a:pPr algn="ctr"/>
+                      <a:r>
+                        <a:rPr lang="en-US" sz="900" dirty="0">
+                          <a:effectLst/>
+                        </a:rPr>
+                        <a:t>𝛽</a:t>
+                      </a:r>
+                      <a:endParaRPr lang="en-US" sz="900" dirty="0">
+                        <a:solidFill>
+                          <a:schemeClr val="bg2"/>
+                        </a:solidFill>
+                        <a:effectLst/>
+                      </a:endParaRPr>
+                    </a:p>
+                  </a:txBody>
+                  <a:tcPr marL="18287" marR="18287" marT="14629" marB="14629" anchor="ctr"/>
+                </a:tc>
+                <a:tc>
+                  <a:txBody>
+                    <a:bodyPr/>
+                    <a:lstStyle/>
+                    <a:p>
+                      <a:pPr algn="ctr"/>
+                      <a:r>
+                        <a:rPr lang="en-US" sz="900" dirty="0">
+                          <a:effectLst/>
+                        </a:rPr>
+                        <a:t>𝛾</a:t>
+                      </a:r>
+                      <a:endParaRPr lang="en-US" sz="900" dirty="0">
+                        <a:solidFill>
+                          <a:schemeClr val="bg2"/>
+                        </a:solidFill>
+                        <a:effectLst/>
+                      </a:endParaRPr>
+                    </a:p>
+                  </a:txBody>
+                  <a:tcPr marL="18287" marR="18287" marT="14629" marB="14629" anchor="ctr"/>
+                </a:tc>
+                <a:extLst>
+                  <a:ext uri="{0D108BD9-81ED-4DB2-BD59-A6C34878D82A}">
+                    <a16:rowId xmlns:a16="http://schemas.microsoft.com/office/drawing/2014/main" val="3322620347"/>
+                  </a:ext>
+                </a:extLst>
+              </a:tr>
+              <a:tr h="111184">
+                <a:tc>
+                  <a:txBody>
+                    <a:bodyPr/>
+                    <a:lstStyle/>
+                    <a:p>
+                      <a:pPr algn="ctr"/>
+                      <a:r>
+                        <a:rPr lang="en-US" sz="900">
+                          <a:effectLst/>
+                        </a:rPr>
+                        <a:t>1</a:t>
+                      </a:r>
+                      <a:endParaRPr lang="en-US" sz="900" b="0">
+                        <a:solidFill>
+                          <a:schemeClr val="bg2"/>
+                        </a:solidFill>
+                        <a:effectLst/>
+                      </a:endParaRPr>
+                    </a:p>
+                  </a:txBody>
+                  <a:tcPr marL="18287" marR="18287" marT="14629" marB="14629" anchor="ctr"/>
+                </a:tc>
+                <a:tc>
+                  <a:txBody>
+                    <a:bodyPr/>
+                    <a:lstStyle/>
+                    <a:p>
+                      <a:pPr algn="r"/>
+                      <a:r>
+                        <a:rPr lang="en-US" sz="900" dirty="0">
+                          <a:effectLst/>
+                        </a:rPr>
+                        <a:t>1</a:t>
+                      </a:r>
+                      <a:endParaRPr lang="en-US" sz="900" dirty="0">
+                        <a:solidFill>
+                          <a:schemeClr val="bg2"/>
+                        </a:solidFill>
+                        <a:effectLst/>
+                      </a:endParaRPr>
+                    </a:p>
+                  </a:txBody>
+                  <a:tcPr marL="18287" marR="18287" marT="14629" marB="14629" anchor="ctr"/>
+                </a:tc>
+                <a:tc>
+                  <a:txBody>
+                    <a:bodyPr/>
+                    <a:lstStyle/>
+                    <a:p>
+                      <a:pPr algn="r"/>
+                      <a:r>
+                        <a:rPr lang="en-US" sz="900">
+                          <a:effectLst/>
+                        </a:rPr>
+                        <a:t>0.01</a:t>
+                      </a:r>
+                      <a:endParaRPr lang="en-US" sz="900">
+                        <a:solidFill>
+                          <a:schemeClr val="bg2"/>
+                        </a:solidFill>
+                        <a:effectLst/>
+                      </a:endParaRPr>
+                    </a:p>
+                  </a:txBody>
+                  <a:tcPr marL="18287" marR="18287" marT="14629" marB="14629" anchor="ctr"/>
+                </a:tc>
+                <a:tc>
+                  <a:txBody>
+                    <a:bodyPr/>
+                    <a:lstStyle/>
+                    <a:p>
+                      <a:pPr algn="r"/>
+                      <a:r>
+                        <a:rPr lang="en-US" sz="900">
+                          <a:effectLst/>
+                        </a:rPr>
+                        <a:t>10</a:t>
+                      </a:r>
+                      <a:endParaRPr lang="en-US" sz="900">
+                        <a:solidFill>
+                          <a:schemeClr val="bg2"/>
+                        </a:solidFill>
+                        <a:effectLst/>
+                      </a:endParaRPr>
+                    </a:p>
+                  </a:txBody>
+                  <a:tcPr marL="18287" marR="18287" marT="14629" marB="14629" anchor="ctr"/>
+                </a:tc>
+                <a:extLst>
+                  <a:ext uri="{0D108BD9-81ED-4DB2-BD59-A6C34878D82A}">
+                    <a16:rowId xmlns:a16="http://schemas.microsoft.com/office/drawing/2014/main" val="1115133300"/>
+                  </a:ext>
+                </a:extLst>
+              </a:tr>
+              <a:tr h="111184">
+                <a:tc>
+                  <a:txBody>
+                    <a:bodyPr/>
+                    <a:lstStyle/>
+                    <a:p>
+                      <a:pPr algn="ctr"/>
+                      <a:r>
+                        <a:rPr lang="en-US" sz="900" dirty="0">
+                          <a:effectLst/>
+                        </a:rPr>
+                        <a:t>2</a:t>
+                      </a:r>
+                      <a:endParaRPr lang="en-US" sz="900" b="0" dirty="0">
+                        <a:solidFill>
+                          <a:schemeClr val="bg2"/>
+                        </a:solidFill>
+                        <a:effectLst/>
+                      </a:endParaRPr>
+                    </a:p>
+                  </a:txBody>
+                  <a:tcPr marL="18287" marR="18287" marT="14629" marB="14629" anchor="ctr"/>
+                </a:tc>
+                <a:tc>
+                  <a:txBody>
+                    <a:bodyPr/>
+                    <a:lstStyle/>
+                    <a:p>
+                      <a:pPr algn="r"/>
+                      <a:r>
+                        <a:rPr lang="en-US" sz="900">
+                          <a:effectLst/>
+                        </a:rPr>
+                        <a:t>10</a:t>
+                      </a:r>
+                      <a:endParaRPr lang="en-US" sz="900">
+                        <a:solidFill>
+                          <a:schemeClr val="bg2"/>
+                        </a:solidFill>
+                        <a:effectLst/>
+                      </a:endParaRPr>
+                    </a:p>
+                  </a:txBody>
+                  <a:tcPr marL="18287" marR="18287" marT="14629" marB="14629" anchor="ctr"/>
+                </a:tc>
+                <a:tc>
+                  <a:txBody>
+                    <a:bodyPr/>
+                    <a:lstStyle/>
+                    <a:p>
+                      <a:pPr algn="r"/>
+                      <a:r>
+                        <a:rPr lang="en-US" sz="900">
+                          <a:effectLst/>
+                        </a:rPr>
+                        <a:t>0.01</a:t>
+                      </a:r>
+                      <a:endParaRPr lang="en-US" sz="900">
+                        <a:solidFill>
+                          <a:schemeClr val="bg2"/>
+                        </a:solidFill>
+                        <a:effectLst/>
+                      </a:endParaRPr>
+                    </a:p>
+                  </a:txBody>
+                  <a:tcPr marL="18287" marR="18287" marT="14629" marB="14629" anchor="ctr"/>
+                </a:tc>
+                <a:tc>
+                  <a:txBody>
+                    <a:bodyPr/>
+                    <a:lstStyle/>
+                    <a:p>
+                      <a:pPr algn="r"/>
+                      <a:r>
+                        <a:rPr lang="en-US" sz="900">
+                          <a:effectLst/>
+                        </a:rPr>
+                        <a:t>10</a:t>
+                      </a:r>
+                      <a:endParaRPr lang="en-US" sz="900">
+                        <a:solidFill>
+                          <a:schemeClr val="bg2"/>
+                        </a:solidFill>
+                        <a:effectLst/>
+                      </a:endParaRPr>
+                    </a:p>
+                  </a:txBody>
+                  <a:tcPr marL="18287" marR="18287" marT="14629" marB="14629" anchor="ctr"/>
+                </a:tc>
+                <a:extLst>
+                  <a:ext uri="{0D108BD9-81ED-4DB2-BD59-A6C34878D82A}">
+                    <a16:rowId xmlns:a16="http://schemas.microsoft.com/office/drawing/2014/main" val="2327667287"/>
+                  </a:ext>
+                </a:extLst>
+              </a:tr>
+              <a:tr h="111184">
+                <a:tc>
+                  <a:txBody>
+                    <a:bodyPr/>
+                    <a:lstStyle/>
+                    <a:p>
+                      <a:pPr algn="ctr"/>
+                      <a:r>
+                        <a:rPr lang="en-US" sz="900">
+                          <a:effectLst/>
+                        </a:rPr>
+                        <a:t>3</a:t>
+                      </a:r>
+                      <a:endParaRPr lang="en-US" sz="900" b="0">
+                        <a:solidFill>
+                          <a:schemeClr val="bg2"/>
+                        </a:solidFill>
+                        <a:effectLst/>
+                      </a:endParaRPr>
+                    </a:p>
+                  </a:txBody>
+                  <a:tcPr marL="18287" marR="18287" marT="14629" marB="14629" anchor="ctr"/>
+                </a:tc>
+                <a:tc>
+                  <a:txBody>
+                    <a:bodyPr/>
+                    <a:lstStyle/>
+                    <a:p>
+                      <a:pPr algn="r"/>
+                      <a:r>
+                        <a:rPr lang="en-US" sz="900" dirty="0">
+                          <a:effectLst/>
+                        </a:rPr>
+                        <a:t>100</a:t>
+                      </a:r>
+                      <a:endParaRPr lang="en-US" sz="900" dirty="0">
+                        <a:solidFill>
+                          <a:schemeClr val="bg2"/>
+                        </a:solidFill>
+                        <a:effectLst/>
+                      </a:endParaRPr>
+                    </a:p>
+                  </a:txBody>
+                  <a:tcPr marL="18287" marR="18287" marT="14629" marB="14629" anchor="ctr"/>
+                </a:tc>
+                <a:tc>
+                  <a:txBody>
+                    <a:bodyPr/>
+                    <a:lstStyle/>
+                    <a:p>
+                      <a:pPr algn="r"/>
+                      <a:r>
+                        <a:rPr lang="en-US" sz="900">
+                          <a:effectLst/>
+                        </a:rPr>
+                        <a:t>0.01</a:t>
+                      </a:r>
+                      <a:endParaRPr lang="en-US" sz="900">
+                        <a:solidFill>
+                          <a:schemeClr val="bg2"/>
+                        </a:solidFill>
+                        <a:effectLst/>
+                      </a:endParaRPr>
+                    </a:p>
+                  </a:txBody>
+                  <a:tcPr marL="18287" marR="18287" marT="14629" marB="14629" anchor="ctr"/>
+                </a:tc>
+                <a:tc>
+                  <a:txBody>
+                    <a:bodyPr/>
+                    <a:lstStyle/>
+                    <a:p>
+                      <a:pPr algn="r"/>
+                      <a:r>
+                        <a:rPr lang="en-US" sz="900">
+                          <a:effectLst/>
+                        </a:rPr>
+                        <a:t>10</a:t>
+                      </a:r>
+                      <a:endParaRPr lang="en-US" sz="900">
+                        <a:solidFill>
+                          <a:schemeClr val="bg2"/>
+                        </a:solidFill>
+                        <a:effectLst/>
+                      </a:endParaRPr>
+                    </a:p>
+                  </a:txBody>
+                  <a:tcPr marL="18287" marR="18287" marT="14629" marB="14629" anchor="ctr"/>
+                </a:tc>
+                <a:extLst>
+                  <a:ext uri="{0D108BD9-81ED-4DB2-BD59-A6C34878D82A}">
+                    <a16:rowId xmlns:a16="http://schemas.microsoft.com/office/drawing/2014/main" val="2731866302"/>
+                  </a:ext>
+                </a:extLst>
+              </a:tr>
+              <a:tr h="111184">
+                <a:tc>
+                  <a:txBody>
+                    <a:bodyPr/>
+                    <a:lstStyle/>
+                    <a:p>
+                      <a:pPr algn="ctr"/>
+                      <a:r>
+                        <a:rPr lang="en-US" sz="900" dirty="0">
+                          <a:effectLst/>
+                        </a:rPr>
+                        <a:t>4</a:t>
+                      </a:r>
+                      <a:endParaRPr lang="en-US" sz="900" b="0" dirty="0">
+                        <a:solidFill>
+                          <a:schemeClr val="bg2"/>
+                        </a:solidFill>
+                        <a:effectLst/>
+                      </a:endParaRPr>
+                    </a:p>
+                  </a:txBody>
+                  <a:tcPr marL="18287" marR="18287" marT="14629" marB="14629" anchor="ctr"/>
+                </a:tc>
+                <a:tc>
+                  <a:txBody>
+                    <a:bodyPr/>
+                    <a:lstStyle/>
+                    <a:p>
+                      <a:pPr algn="r"/>
+                      <a:r>
+                        <a:rPr lang="en-US" sz="900">
+                          <a:effectLst/>
+                        </a:rPr>
+                        <a:t>1</a:t>
+                      </a:r>
+                      <a:endParaRPr lang="en-US" sz="900">
+                        <a:solidFill>
+                          <a:schemeClr val="bg2"/>
+                        </a:solidFill>
+                        <a:effectLst/>
+                      </a:endParaRPr>
+                    </a:p>
+                  </a:txBody>
+                  <a:tcPr marL="18287" marR="18287" marT="14629" marB="14629" anchor="ctr"/>
+                </a:tc>
+                <a:tc>
+                  <a:txBody>
+                    <a:bodyPr/>
+                    <a:lstStyle/>
+                    <a:p>
+                      <a:pPr algn="r"/>
+                      <a:r>
+                        <a:rPr lang="en-US" sz="900">
+                          <a:effectLst/>
+                        </a:rPr>
+                        <a:t>0.05</a:t>
+                      </a:r>
+                      <a:endParaRPr lang="en-US" sz="900">
+                        <a:solidFill>
+                          <a:schemeClr val="bg2"/>
+                        </a:solidFill>
+                        <a:effectLst/>
+                      </a:endParaRPr>
+                    </a:p>
+                  </a:txBody>
+                  <a:tcPr marL="18287" marR="18287" marT="14629" marB="14629" anchor="ctr"/>
+                </a:tc>
+                <a:tc>
+                  <a:txBody>
+                    <a:bodyPr/>
+                    <a:lstStyle/>
+                    <a:p>
+                      <a:pPr algn="r"/>
+                      <a:r>
+                        <a:rPr lang="en-US" sz="900">
+                          <a:effectLst/>
+                        </a:rPr>
+                        <a:t>10</a:t>
+                      </a:r>
+                      <a:endParaRPr lang="en-US" sz="900">
+                        <a:solidFill>
+                          <a:schemeClr val="bg2"/>
+                        </a:solidFill>
+                        <a:effectLst/>
+                      </a:endParaRPr>
+                    </a:p>
+                  </a:txBody>
+                  <a:tcPr marL="18287" marR="18287" marT="14629" marB="14629" anchor="ctr"/>
+                </a:tc>
+                <a:extLst>
+                  <a:ext uri="{0D108BD9-81ED-4DB2-BD59-A6C34878D82A}">
+                    <a16:rowId xmlns:a16="http://schemas.microsoft.com/office/drawing/2014/main" val="2401700371"/>
+                  </a:ext>
+                </a:extLst>
+              </a:tr>
+              <a:tr h="111184">
+                <a:tc>
+                  <a:txBody>
+                    <a:bodyPr/>
+                    <a:lstStyle/>
+                    <a:p>
+                      <a:pPr algn="ctr"/>
+                      <a:r>
+                        <a:rPr lang="en-US" sz="900">
+                          <a:effectLst/>
+                        </a:rPr>
+                        <a:t>5</a:t>
+                      </a:r>
+                      <a:endParaRPr lang="en-US" sz="900" b="0">
+                        <a:solidFill>
+                          <a:schemeClr val="bg2"/>
+                        </a:solidFill>
+                        <a:effectLst/>
+                      </a:endParaRPr>
+                    </a:p>
+                  </a:txBody>
+                  <a:tcPr marL="18287" marR="18287" marT="14629" marB="14629" anchor="ctr"/>
+                </a:tc>
+                <a:tc>
+                  <a:txBody>
+                    <a:bodyPr/>
+                    <a:lstStyle/>
+                    <a:p>
+                      <a:pPr algn="r"/>
+                      <a:r>
+                        <a:rPr lang="en-US" sz="900">
+                          <a:effectLst/>
+                        </a:rPr>
+                        <a:t>10</a:t>
+                      </a:r>
+                      <a:endParaRPr lang="en-US" sz="900">
+                        <a:solidFill>
+                          <a:schemeClr val="bg2"/>
+                        </a:solidFill>
+                        <a:effectLst/>
+                      </a:endParaRPr>
+                    </a:p>
+                  </a:txBody>
+                  <a:tcPr marL="18287" marR="18287" marT="14629" marB="14629" anchor="ctr"/>
+                </a:tc>
+                <a:tc>
+                  <a:txBody>
+                    <a:bodyPr/>
+                    <a:lstStyle/>
+                    <a:p>
+                      <a:pPr algn="r"/>
+                      <a:r>
+                        <a:rPr lang="en-US" sz="900">
+                          <a:effectLst/>
+                        </a:rPr>
+                        <a:t>0.05</a:t>
+                      </a:r>
+                      <a:endParaRPr lang="en-US" sz="900">
+                        <a:solidFill>
+                          <a:schemeClr val="bg2"/>
+                        </a:solidFill>
+                        <a:effectLst/>
+                      </a:endParaRPr>
+                    </a:p>
+                  </a:txBody>
+                  <a:tcPr marL="18287" marR="18287" marT="14629" marB="14629" anchor="ctr"/>
+                </a:tc>
+                <a:tc>
+                  <a:txBody>
+                    <a:bodyPr/>
+                    <a:lstStyle/>
+                    <a:p>
+                      <a:pPr algn="r"/>
+                      <a:r>
+                        <a:rPr lang="en-US" sz="900" dirty="0">
+                          <a:effectLst/>
+                        </a:rPr>
+                        <a:t>10</a:t>
+                      </a:r>
+                      <a:endParaRPr lang="en-US" sz="900" dirty="0">
+                        <a:solidFill>
+                          <a:schemeClr val="bg2"/>
+                        </a:solidFill>
+                        <a:effectLst/>
+                      </a:endParaRPr>
+                    </a:p>
+                  </a:txBody>
+                  <a:tcPr marL="18287" marR="18287" marT="14629" marB="14629" anchor="ctr"/>
+                </a:tc>
+                <a:extLst>
+                  <a:ext uri="{0D108BD9-81ED-4DB2-BD59-A6C34878D82A}">
+                    <a16:rowId xmlns:a16="http://schemas.microsoft.com/office/drawing/2014/main" val="56781105"/>
+                  </a:ext>
+                </a:extLst>
+              </a:tr>
+              <a:tr h="111184">
+                <a:tc>
+                  <a:txBody>
+                    <a:bodyPr/>
+                    <a:lstStyle/>
+                    <a:p>
+                      <a:pPr algn="ctr"/>
+                      <a:r>
+                        <a:rPr lang="en-US" sz="900" dirty="0">
+                          <a:effectLst/>
+                        </a:rPr>
+                        <a:t>6</a:t>
+                      </a:r>
+                      <a:endParaRPr lang="en-US" sz="900" b="0" dirty="0">
+                        <a:solidFill>
+                          <a:schemeClr val="bg2"/>
+                        </a:solidFill>
+                        <a:effectLst/>
+                      </a:endParaRPr>
+                    </a:p>
+                  </a:txBody>
+                  <a:tcPr marL="18287" marR="18287" marT="14629" marB="14629" anchor="ctr"/>
+                </a:tc>
+                <a:tc>
+                  <a:txBody>
+                    <a:bodyPr/>
+                    <a:lstStyle/>
+                    <a:p>
+                      <a:pPr algn="r"/>
+                      <a:r>
+                        <a:rPr lang="en-US" sz="900">
+                          <a:effectLst/>
+                        </a:rPr>
+                        <a:t>100</a:t>
+                      </a:r>
+                      <a:endParaRPr lang="en-US" sz="900">
+                        <a:solidFill>
+                          <a:schemeClr val="bg2"/>
+                        </a:solidFill>
+                        <a:effectLst/>
+                      </a:endParaRPr>
+                    </a:p>
+                  </a:txBody>
+                  <a:tcPr marL="18287" marR="18287" marT="14629" marB="14629" anchor="ctr"/>
+                </a:tc>
+                <a:tc>
+                  <a:txBody>
+                    <a:bodyPr/>
+                    <a:lstStyle/>
+                    <a:p>
+                      <a:pPr algn="r"/>
+                      <a:r>
+                        <a:rPr lang="en-US" sz="900">
+                          <a:effectLst/>
+                        </a:rPr>
+                        <a:t>0.05</a:t>
+                      </a:r>
+                      <a:endParaRPr lang="en-US" sz="900">
+                        <a:solidFill>
+                          <a:schemeClr val="bg2"/>
+                        </a:solidFill>
+                        <a:effectLst/>
+                      </a:endParaRPr>
+                    </a:p>
+                  </a:txBody>
+                  <a:tcPr marL="18287" marR="18287" marT="14629" marB="14629" anchor="ctr"/>
+                </a:tc>
+                <a:tc>
+                  <a:txBody>
+                    <a:bodyPr/>
+                    <a:lstStyle/>
+                    <a:p>
+                      <a:pPr algn="r"/>
+                      <a:r>
+                        <a:rPr lang="en-US" sz="900">
+                          <a:effectLst/>
+                        </a:rPr>
+                        <a:t>10</a:t>
+                      </a:r>
+                      <a:endParaRPr lang="en-US" sz="900">
+                        <a:solidFill>
+                          <a:schemeClr val="bg2"/>
+                        </a:solidFill>
+                        <a:effectLst/>
+                      </a:endParaRPr>
+                    </a:p>
+                  </a:txBody>
+                  <a:tcPr marL="18287" marR="18287" marT="14629" marB="14629" anchor="ctr"/>
+                </a:tc>
+                <a:extLst>
+                  <a:ext uri="{0D108BD9-81ED-4DB2-BD59-A6C34878D82A}">
+                    <a16:rowId xmlns:a16="http://schemas.microsoft.com/office/drawing/2014/main" val="643428789"/>
+                  </a:ext>
+                </a:extLst>
+              </a:tr>
+              <a:tr h="111184">
+                <a:tc>
+                  <a:txBody>
+                    <a:bodyPr/>
+                    <a:lstStyle/>
+                    <a:p>
+                      <a:pPr algn="ctr"/>
+                      <a:r>
+                        <a:rPr lang="en-US" sz="900">
+                          <a:effectLst/>
+                        </a:rPr>
+                        <a:t>7</a:t>
+                      </a:r>
+                      <a:endParaRPr lang="en-US" sz="900" b="0">
+                        <a:solidFill>
+                          <a:schemeClr val="bg2"/>
+                        </a:solidFill>
+                        <a:effectLst/>
+                      </a:endParaRPr>
+                    </a:p>
+                  </a:txBody>
+                  <a:tcPr marL="18287" marR="18287" marT="14629" marB="14629" anchor="ctr"/>
+                </a:tc>
+                <a:tc>
+                  <a:txBody>
+                    <a:bodyPr/>
+                    <a:lstStyle/>
+                    <a:p>
+                      <a:pPr algn="r"/>
+                      <a:r>
+                        <a:rPr lang="en-US" sz="900">
+                          <a:effectLst/>
+                        </a:rPr>
+                        <a:t>1</a:t>
+                      </a:r>
+                      <a:endParaRPr lang="en-US" sz="900">
+                        <a:solidFill>
+                          <a:schemeClr val="bg2"/>
+                        </a:solidFill>
+                        <a:effectLst/>
+                      </a:endParaRPr>
+                    </a:p>
+                  </a:txBody>
+                  <a:tcPr marL="18287" marR="18287" marT="14629" marB="14629" anchor="ctr"/>
+                </a:tc>
+                <a:tc>
+                  <a:txBody>
+                    <a:bodyPr/>
+                    <a:lstStyle/>
+                    <a:p>
+                      <a:pPr algn="r"/>
+                      <a:r>
+                        <a:rPr lang="en-US" sz="900">
+                          <a:effectLst/>
+                        </a:rPr>
+                        <a:t>0.10</a:t>
+                      </a:r>
+                      <a:endParaRPr lang="en-US" sz="900">
+                        <a:solidFill>
+                          <a:schemeClr val="bg2"/>
+                        </a:solidFill>
+                        <a:effectLst/>
+                      </a:endParaRPr>
+                    </a:p>
+                  </a:txBody>
+                  <a:tcPr marL="18287" marR="18287" marT="14629" marB="14629" anchor="ctr"/>
+                </a:tc>
+                <a:tc>
+                  <a:txBody>
+                    <a:bodyPr/>
+                    <a:lstStyle/>
+                    <a:p>
+                      <a:pPr algn="r"/>
+                      <a:r>
+                        <a:rPr lang="en-US" sz="900">
+                          <a:effectLst/>
+                        </a:rPr>
+                        <a:t>10</a:t>
+                      </a:r>
+                      <a:endParaRPr lang="en-US" sz="900">
+                        <a:solidFill>
+                          <a:schemeClr val="bg2"/>
+                        </a:solidFill>
+                        <a:effectLst/>
+                      </a:endParaRPr>
+                    </a:p>
+                  </a:txBody>
+                  <a:tcPr marL="18287" marR="18287" marT="14629" marB="14629" anchor="ctr"/>
+                </a:tc>
+                <a:extLst>
+                  <a:ext uri="{0D108BD9-81ED-4DB2-BD59-A6C34878D82A}">
+                    <a16:rowId xmlns:a16="http://schemas.microsoft.com/office/drawing/2014/main" val="3083474088"/>
+                  </a:ext>
+                </a:extLst>
+              </a:tr>
+              <a:tr h="111184">
+                <a:tc>
+                  <a:txBody>
+                    <a:bodyPr/>
+                    <a:lstStyle/>
+                    <a:p>
+                      <a:pPr algn="ctr"/>
+                      <a:r>
+                        <a:rPr lang="en-US" sz="900">
+                          <a:effectLst/>
+                        </a:rPr>
+                        <a:t>8</a:t>
+                      </a:r>
+                      <a:endParaRPr lang="en-US" sz="900" b="0">
+                        <a:solidFill>
+                          <a:schemeClr val="bg2"/>
+                        </a:solidFill>
+                        <a:effectLst/>
+                      </a:endParaRPr>
+                    </a:p>
+                  </a:txBody>
+                  <a:tcPr marL="18287" marR="18287" marT="14629" marB="14629" anchor="ctr"/>
+                </a:tc>
+                <a:tc>
+                  <a:txBody>
+                    <a:bodyPr/>
+                    <a:lstStyle/>
+                    <a:p>
+                      <a:pPr algn="r"/>
+                      <a:r>
+                        <a:rPr lang="en-US" sz="900">
+                          <a:effectLst/>
+                        </a:rPr>
+                        <a:t>10</a:t>
+                      </a:r>
+                      <a:endParaRPr lang="en-US" sz="900">
+                        <a:solidFill>
+                          <a:schemeClr val="bg2"/>
+                        </a:solidFill>
+                        <a:effectLst/>
+                      </a:endParaRPr>
+                    </a:p>
+                  </a:txBody>
+                  <a:tcPr marL="18287" marR="18287" marT="14629" marB="14629" anchor="ctr"/>
+                </a:tc>
+                <a:tc>
+                  <a:txBody>
+                    <a:bodyPr/>
+                    <a:lstStyle/>
+                    <a:p>
+                      <a:pPr algn="r"/>
+                      <a:r>
+                        <a:rPr lang="en-US" sz="900">
+                          <a:effectLst/>
+                        </a:rPr>
+                        <a:t>0.10</a:t>
+                      </a:r>
+                      <a:endParaRPr lang="en-US" sz="900">
+                        <a:solidFill>
+                          <a:schemeClr val="bg2"/>
+                        </a:solidFill>
+                        <a:effectLst/>
+                      </a:endParaRPr>
+                    </a:p>
+                  </a:txBody>
+                  <a:tcPr marL="18287" marR="18287" marT="14629" marB="14629" anchor="ctr"/>
+                </a:tc>
+                <a:tc>
+                  <a:txBody>
+                    <a:bodyPr/>
+                    <a:lstStyle/>
+                    <a:p>
+                      <a:pPr algn="r"/>
+                      <a:r>
+                        <a:rPr lang="en-US" sz="900">
+                          <a:effectLst/>
+                        </a:rPr>
+                        <a:t>10</a:t>
+                      </a:r>
+                      <a:endParaRPr lang="en-US" sz="900">
+                        <a:solidFill>
+                          <a:schemeClr val="bg2"/>
+                        </a:solidFill>
+                        <a:effectLst/>
+                      </a:endParaRPr>
+                    </a:p>
+                  </a:txBody>
+                  <a:tcPr marL="18287" marR="18287" marT="14629" marB="14629" anchor="ctr"/>
+                </a:tc>
+                <a:extLst>
+                  <a:ext uri="{0D108BD9-81ED-4DB2-BD59-A6C34878D82A}">
+                    <a16:rowId xmlns:a16="http://schemas.microsoft.com/office/drawing/2014/main" val="3748021072"/>
+                  </a:ext>
+                </a:extLst>
+              </a:tr>
+              <a:tr h="111184">
+                <a:tc>
+                  <a:txBody>
+                    <a:bodyPr/>
+                    <a:lstStyle/>
+                    <a:p>
+                      <a:pPr algn="ctr"/>
+                      <a:r>
+                        <a:rPr lang="en-US" sz="900">
+                          <a:effectLst/>
+                        </a:rPr>
+                        <a:t>9</a:t>
+                      </a:r>
+                      <a:endParaRPr lang="en-US" sz="900" b="0">
+                        <a:solidFill>
+                          <a:schemeClr val="bg2"/>
+                        </a:solidFill>
+                        <a:effectLst/>
+                      </a:endParaRPr>
+                    </a:p>
+                  </a:txBody>
+                  <a:tcPr marL="18287" marR="18287" marT="14629" marB="14629" anchor="ctr"/>
+                </a:tc>
+                <a:tc>
+                  <a:txBody>
+                    <a:bodyPr/>
+                    <a:lstStyle/>
+                    <a:p>
+                      <a:pPr algn="r"/>
+                      <a:r>
+                        <a:rPr lang="en-US" sz="900" dirty="0">
+                          <a:effectLst/>
+                        </a:rPr>
+                        <a:t>100</a:t>
+                      </a:r>
+                      <a:endParaRPr lang="en-US" sz="900" dirty="0">
+                        <a:solidFill>
+                          <a:schemeClr val="bg2"/>
+                        </a:solidFill>
+                        <a:effectLst/>
+                      </a:endParaRPr>
+                    </a:p>
+                  </a:txBody>
+                  <a:tcPr marL="18287" marR="18287" marT="14629" marB="14629" anchor="ctr"/>
+                </a:tc>
+                <a:tc>
+                  <a:txBody>
+                    <a:bodyPr/>
+                    <a:lstStyle/>
+                    <a:p>
+                      <a:pPr algn="r"/>
+                      <a:r>
+                        <a:rPr lang="en-US" sz="900">
+                          <a:effectLst/>
+                        </a:rPr>
+                        <a:t>0.10</a:t>
+                      </a:r>
+                      <a:endParaRPr lang="en-US" sz="900">
+                        <a:solidFill>
+                          <a:schemeClr val="bg2"/>
+                        </a:solidFill>
+                        <a:effectLst/>
+                      </a:endParaRPr>
+                    </a:p>
+                  </a:txBody>
+                  <a:tcPr marL="18287" marR="18287" marT="14629" marB="14629" anchor="ctr"/>
+                </a:tc>
+                <a:tc>
+                  <a:txBody>
+                    <a:bodyPr/>
+                    <a:lstStyle/>
+                    <a:p>
+                      <a:pPr algn="r"/>
+                      <a:r>
+                        <a:rPr lang="en-US" sz="900">
+                          <a:effectLst/>
+                        </a:rPr>
+                        <a:t>10</a:t>
+                      </a:r>
+                      <a:endParaRPr lang="en-US" sz="900">
+                        <a:solidFill>
+                          <a:schemeClr val="bg2"/>
+                        </a:solidFill>
+                        <a:effectLst/>
+                      </a:endParaRPr>
+                    </a:p>
+                  </a:txBody>
+                  <a:tcPr marL="18287" marR="18287" marT="14629" marB="14629" anchor="ctr"/>
+                </a:tc>
+                <a:extLst>
+                  <a:ext uri="{0D108BD9-81ED-4DB2-BD59-A6C34878D82A}">
+                    <a16:rowId xmlns:a16="http://schemas.microsoft.com/office/drawing/2014/main" val="2019051209"/>
+                  </a:ext>
+                </a:extLst>
+              </a:tr>
+              <a:tr h="111184">
+                <a:tc>
+                  <a:txBody>
+                    <a:bodyPr/>
+                    <a:lstStyle/>
+                    <a:p>
+                      <a:pPr algn="ctr"/>
+                      <a:r>
+                        <a:rPr lang="en-US" sz="900">
+                          <a:effectLst/>
+                        </a:rPr>
+                        <a:t>10</a:t>
+                      </a:r>
+                      <a:endParaRPr lang="en-US" sz="900" b="0">
+                        <a:solidFill>
+                          <a:schemeClr val="bg2"/>
+                        </a:solidFill>
+                        <a:effectLst/>
+                      </a:endParaRPr>
+                    </a:p>
+                  </a:txBody>
+                  <a:tcPr marL="18287" marR="18287" marT="14629" marB="14629" anchor="ctr"/>
+                </a:tc>
+                <a:tc>
+                  <a:txBody>
+                    <a:bodyPr/>
+                    <a:lstStyle/>
+                    <a:p>
+                      <a:pPr algn="r"/>
+                      <a:r>
+                        <a:rPr lang="en-US" sz="900">
+                          <a:effectLst/>
+                        </a:rPr>
+                        <a:t>1</a:t>
+                      </a:r>
+                      <a:endParaRPr lang="en-US" sz="900">
+                        <a:solidFill>
+                          <a:schemeClr val="bg2"/>
+                        </a:solidFill>
+                        <a:effectLst/>
+                      </a:endParaRPr>
+                    </a:p>
+                  </a:txBody>
+                  <a:tcPr marL="18287" marR="18287" marT="14629" marB="14629" anchor="ctr"/>
+                </a:tc>
+                <a:tc>
+                  <a:txBody>
+                    <a:bodyPr/>
+                    <a:lstStyle/>
+                    <a:p>
+                      <a:pPr algn="r"/>
+                      <a:r>
+                        <a:rPr lang="en-US" sz="900">
+                          <a:effectLst/>
+                        </a:rPr>
+                        <a:t>0.01</a:t>
+                      </a:r>
+                      <a:endParaRPr lang="en-US" sz="900">
+                        <a:solidFill>
+                          <a:schemeClr val="bg2"/>
+                        </a:solidFill>
+                        <a:effectLst/>
+                      </a:endParaRPr>
+                    </a:p>
+                  </a:txBody>
+                  <a:tcPr marL="18287" marR="18287" marT="14629" marB="14629" anchor="ctr"/>
+                </a:tc>
+                <a:tc>
+                  <a:txBody>
+                    <a:bodyPr/>
+                    <a:lstStyle/>
+                    <a:p>
+                      <a:pPr algn="r"/>
+                      <a:r>
+                        <a:rPr lang="en-US" sz="900">
+                          <a:effectLst/>
+                        </a:rPr>
+                        <a:t>11</a:t>
+                      </a:r>
+                      <a:endParaRPr lang="en-US" sz="900">
+                        <a:solidFill>
+                          <a:schemeClr val="bg2"/>
+                        </a:solidFill>
+                        <a:effectLst/>
+                      </a:endParaRPr>
+                    </a:p>
+                  </a:txBody>
+                  <a:tcPr marL="18287" marR="18287" marT="14629" marB="14629" anchor="ctr"/>
+                </a:tc>
+                <a:extLst>
+                  <a:ext uri="{0D108BD9-81ED-4DB2-BD59-A6C34878D82A}">
+                    <a16:rowId xmlns:a16="http://schemas.microsoft.com/office/drawing/2014/main" val="1253748058"/>
+                  </a:ext>
+                </a:extLst>
+              </a:tr>
+              <a:tr h="111184">
+                <a:tc>
+                  <a:txBody>
+                    <a:bodyPr/>
+                    <a:lstStyle/>
+                    <a:p>
+                      <a:pPr algn="ctr"/>
+                      <a:r>
+                        <a:rPr lang="en-US" sz="900">
+                          <a:effectLst/>
+                        </a:rPr>
+                        <a:t>11</a:t>
+                      </a:r>
+                      <a:endParaRPr lang="en-US" sz="900" b="0">
+                        <a:solidFill>
+                          <a:schemeClr val="bg2"/>
+                        </a:solidFill>
+                        <a:effectLst/>
+                      </a:endParaRPr>
+                    </a:p>
+                  </a:txBody>
+                  <a:tcPr marL="18287" marR="18287" marT="14629" marB="14629" anchor="ctr"/>
+                </a:tc>
+                <a:tc>
+                  <a:txBody>
+                    <a:bodyPr/>
+                    <a:lstStyle/>
+                    <a:p>
+                      <a:pPr algn="r"/>
+                      <a:r>
+                        <a:rPr lang="en-US" sz="900">
+                          <a:effectLst/>
+                        </a:rPr>
+                        <a:t>10</a:t>
+                      </a:r>
+                      <a:endParaRPr lang="en-US" sz="900">
+                        <a:solidFill>
+                          <a:schemeClr val="bg2"/>
+                        </a:solidFill>
+                        <a:effectLst/>
+                      </a:endParaRPr>
+                    </a:p>
+                  </a:txBody>
+                  <a:tcPr marL="18287" marR="18287" marT="14629" marB="14629" anchor="ctr"/>
+                </a:tc>
+                <a:tc>
+                  <a:txBody>
+                    <a:bodyPr/>
+                    <a:lstStyle/>
+                    <a:p>
+                      <a:pPr algn="r"/>
+                      <a:r>
+                        <a:rPr lang="en-US" sz="900">
+                          <a:effectLst/>
+                        </a:rPr>
+                        <a:t>0.01</a:t>
+                      </a:r>
+                      <a:endParaRPr lang="en-US" sz="900">
+                        <a:solidFill>
+                          <a:schemeClr val="bg2"/>
+                        </a:solidFill>
+                        <a:effectLst/>
+                      </a:endParaRPr>
+                    </a:p>
+                  </a:txBody>
+                  <a:tcPr marL="18287" marR="18287" marT="14629" marB="14629" anchor="ctr"/>
+                </a:tc>
+                <a:tc>
+                  <a:txBody>
+                    <a:bodyPr/>
+                    <a:lstStyle/>
+                    <a:p>
+                      <a:pPr algn="r"/>
+                      <a:r>
+                        <a:rPr lang="en-US" sz="900">
+                          <a:effectLst/>
+                        </a:rPr>
+                        <a:t>11</a:t>
+                      </a:r>
+                      <a:endParaRPr lang="en-US" sz="900">
+                        <a:solidFill>
+                          <a:schemeClr val="bg2"/>
+                        </a:solidFill>
+                        <a:effectLst/>
+                      </a:endParaRPr>
+                    </a:p>
+                  </a:txBody>
+                  <a:tcPr marL="18287" marR="18287" marT="14629" marB="14629" anchor="ctr"/>
+                </a:tc>
+                <a:extLst>
+                  <a:ext uri="{0D108BD9-81ED-4DB2-BD59-A6C34878D82A}">
+                    <a16:rowId xmlns:a16="http://schemas.microsoft.com/office/drawing/2014/main" val="3328779079"/>
+                  </a:ext>
+                </a:extLst>
+              </a:tr>
+              <a:tr h="111184">
+                <a:tc>
+                  <a:txBody>
+                    <a:bodyPr/>
+                    <a:lstStyle/>
+                    <a:p>
+                      <a:pPr algn="ctr"/>
+                      <a:r>
+                        <a:rPr lang="en-US" sz="900">
+                          <a:effectLst/>
+                        </a:rPr>
+                        <a:t>12</a:t>
+                      </a:r>
+                      <a:endParaRPr lang="en-US" sz="900" b="0">
+                        <a:solidFill>
+                          <a:schemeClr val="bg2"/>
+                        </a:solidFill>
+                        <a:effectLst/>
+                      </a:endParaRPr>
+                    </a:p>
+                  </a:txBody>
+                  <a:tcPr marL="18287" marR="18287" marT="14629" marB="14629" anchor="ctr"/>
+                </a:tc>
+                <a:tc>
+                  <a:txBody>
+                    <a:bodyPr/>
+                    <a:lstStyle/>
+                    <a:p>
+                      <a:pPr algn="r"/>
+                      <a:r>
+                        <a:rPr lang="en-US" sz="900" dirty="0">
+                          <a:effectLst/>
+                        </a:rPr>
+                        <a:t>100</a:t>
+                      </a:r>
+                      <a:endParaRPr lang="en-US" sz="900" dirty="0">
+                        <a:solidFill>
+                          <a:schemeClr val="bg2"/>
+                        </a:solidFill>
+                        <a:effectLst/>
+                      </a:endParaRPr>
+                    </a:p>
+                  </a:txBody>
+                  <a:tcPr marL="18287" marR="18287" marT="14629" marB="14629" anchor="ctr"/>
+                </a:tc>
+                <a:tc>
+                  <a:txBody>
+                    <a:bodyPr/>
+                    <a:lstStyle/>
+                    <a:p>
+                      <a:pPr algn="r"/>
+                      <a:r>
+                        <a:rPr lang="en-US" sz="900">
+                          <a:effectLst/>
+                        </a:rPr>
+                        <a:t>0.01</a:t>
+                      </a:r>
+                      <a:endParaRPr lang="en-US" sz="900">
+                        <a:solidFill>
+                          <a:schemeClr val="bg2"/>
+                        </a:solidFill>
+                        <a:effectLst/>
+                      </a:endParaRPr>
+                    </a:p>
+                  </a:txBody>
+                  <a:tcPr marL="18287" marR="18287" marT="14629" marB="14629" anchor="ctr"/>
+                </a:tc>
+                <a:tc>
+                  <a:txBody>
+                    <a:bodyPr/>
+                    <a:lstStyle/>
+                    <a:p>
+                      <a:pPr algn="r"/>
+                      <a:r>
+                        <a:rPr lang="en-US" sz="900">
+                          <a:effectLst/>
+                        </a:rPr>
+                        <a:t>11</a:t>
+                      </a:r>
+                      <a:endParaRPr lang="en-US" sz="900">
+                        <a:solidFill>
+                          <a:schemeClr val="bg2"/>
+                        </a:solidFill>
+                        <a:effectLst/>
+                      </a:endParaRPr>
+                    </a:p>
+                  </a:txBody>
+                  <a:tcPr marL="18287" marR="18287" marT="14629" marB="14629" anchor="ctr"/>
+                </a:tc>
+                <a:extLst>
+                  <a:ext uri="{0D108BD9-81ED-4DB2-BD59-A6C34878D82A}">
+                    <a16:rowId xmlns:a16="http://schemas.microsoft.com/office/drawing/2014/main" val="567876829"/>
+                  </a:ext>
+                </a:extLst>
+              </a:tr>
+              <a:tr h="111184">
+                <a:tc>
+                  <a:txBody>
+                    <a:bodyPr/>
+                    <a:lstStyle/>
+                    <a:p>
+                      <a:pPr algn="ctr"/>
+                      <a:r>
+                        <a:rPr lang="en-US" sz="900">
+                          <a:effectLst/>
+                        </a:rPr>
+                        <a:t>13</a:t>
+                      </a:r>
+                      <a:endParaRPr lang="en-US" sz="900" b="0">
+                        <a:solidFill>
+                          <a:schemeClr val="bg2"/>
+                        </a:solidFill>
+                        <a:effectLst/>
+                      </a:endParaRPr>
+                    </a:p>
+                  </a:txBody>
+                  <a:tcPr marL="18287" marR="18287" marT="14629" marB="14629" anchor="ctr"/>
+                </a:tc>
+                <a:tc>
+                  <a:txBody>
+                    <a:bodyPr/>
+                    <a:lstStyle/>
+                    <a:p>
+                      <a:pPr algn="r"/>
+                      <a:r>
+                        <a:rPr lang="en-US" sz="900">
+                          <a:effectLst/>
+                        </a:rPr>
+                        <a:t>1</a:t>
+                      </a:r>
+                      <a:endParaRPr lang="en-US" sz="900">
+                        <a:solidFill>
+                          <a:schemeClr val="bg2"/>
+                        </a:solidFill>
+                        <a:effectLst/>
+                      </a:endParaRPr>
+                    </a:p>
+                  </a:txBody>
+                  <a:tcPr marL="18287" marR="18287" marT="14629" marB="14629" anchor="ctr"/>
+                </a:tc>
+                <a:tc>
+                  <a:txBody>
+                    <a:bodyPr/>
+                    <a:lstStyle/>
+                    <a:p>
+                      <a:pPr algn="r"/>
+                      <a:r>
+                        <a:rPr lang="en-US" sz="900">
+                          <a:effectLst/>
+                        </a:rPr>
+                        <a:t>0.05</a:t>
+                      </a:r>
+                      <a:endParaRPr lang="en-US" sz="900">
+                        <a:solidFill>
+                          <a:schemeClr val="bg2"/>
+                        </a:solidFill>
+                        <a:effectLst/>
+                      </a:endParaRPr>
+                    </a:p>
+                  </a:txBody>
+                  <a:tcPr marL="18287" marR="18287" marT="14629" marB="14629" anchor="ctr"/>
+                </a:tc>
+                <a:tc>
+                  <a:txBody>
+                    <a:bodyPr/>
+                    <a:lstStyle/>
+                    <a:p>
+                      <a:pPr algn="r"/>
+                      <a:r>
+                        <a:rPr lang="en-US" sz="900">
+                          <a:effectLst/>
+                        </a:rPr>
+                        <a:t>11</a:t>
+                      </a:r>
+                      <a:endParaRPr lang="en-US" sz="900">
+                        <a:solidFill>
+                          <a:schemeClr val="bg2"/>
+                        </a:solidFill>
+                        <a:effectLst/>
+                      </a:endParaRPr>
+                    </a:p>
+                  </a:txBody>
+                  <a:tcPr marL="18287" marR="18287" marT="14629" marB="14629" anchor="ctr"/>
+                </a:tc>
+                <a:extLst>
+                  <a:ext uri="{0D108BD9-81ED-4DB2-BD59-A6C34878D82A}">
+                    <a16:rowId xmlns:a16="http://schemas.microsoft.com/office/drawing/2014/main" val="1753611277"/>
+                  </a:ext>
+                </a:extLst>
+              </a:tr>
+              <a:tr h="111184">
+                <a:tc>
+                  <a:txBody>
+                    <a:bodyPr/>
+                    <a:lstStyle/>
+                    <a:p>
+                      <a:pPr algn="ctr"/>
+                      <a:r>
+                        <a:rPr lang="en-US" sz="900">
+                          <a:effectLst/>
+                        </a:rPr>
+                        <a:t>14</a:t>
+                      </a:r>
+                      <a:endParaRPr lang="en-US" sz="900" b="0">
+                        <a:solidFill>
+                          <a:schemeClr val="bg2"/>
+                        </a:solidFill>
+                        <a:effectLst/>
+                      </a:endParaRPr>
+                    </a:p>
+                  </a:txBody>
+                  <a:tcPr marL="18287" marR="18287" marT="14629" marB="14629" anchor="ctr"/>
+                </a:tc>
+                <a:tc>
+                  <a:txBody>
+                    <a:bodyPr/>
+                    <a:lstStyle/>
+                    <a:p>
+                      <a:pPr algn="r"/>
+                      <a:r>
+                        <a:rPr lang="en-US" sz="900" dirty="0">
+                          <a:effectLst/>
+                        </a:rPr>
+                        <a:t>10</a:t>
+                      </a:r>
+                      <a:endParaRPr lang="en-US" sz="900" dirty="0">
+                        <a:solidFill>
+                          <a:schemeClr val="bg2"/>
+                        </a:solidFill>
+                        <a:effectLst/>
+                      </a:endParaRPr>
+                    </a:p>
+                  </a:txBody>
+                  <a:tcPr marL="18287" marR="18287" marT="14629" marB="14629" anchor="ctr"/>
+                </a:tc>
+                <a:tc>
+                  <a:txBody>
+                    <a:bodyPr/>
+                    <a:lstStyle/>
+                    <a:p>
+                      <a:pPr algn="r"/>
+                      <a:r>
+                        <a:rPr lang="en-US" sz="900">
+                          <a:effectLst/>
+                        </a:rPr>
+                        <a:t>0.05</a:t>
+                      </a:r>
+                      <a:endParaRPr lang="en-US" sz="900">
+                        <a:solidFill>
+                          <a:schemeClr val="bg2"/>
+                        </a:solidFill>
+                        <a:effectLst/>
+                      </a:endParaRPr>
+                    </a:p>
+                  </a:txBody>
+                  <a:tcPr marL="18287" marR="18287" marT="14629" marB="14629" anchor="ctr"/>
+                </a:tc>
+                <a:tc>
+                  <a:txBody>
+                    <a:bodyPr/>
+                    <a:lstStyle/>
+                    <a:p>
+                      <a:pPr algn="r"/>
+                      <a:r>
+                        <a:rPr lang="en-US" sz="900">
+                          <a:effectLst/>
+                        </a:rPr>
+                        <a:t>11</a:t>
+                      </a:r>
+                      <a:endParaRPr lang="en-US" sz="900">
+                        <a:solidFill>
+                          <a:schemeClr val="bg2"/>
+                        </a:solidFill>
+                        <a:effectLst/>
+                      </a:endParaRPr>
+                    </a:p>
+                  </a:txBody>
+                  <a:tcPr marL="18287" marR="18287" marT="14629" marB="14629" anchor="ctr"/>
+                </a:tc>
+                <a:extLst>
+                  <a:ext uri="{0D108BD9-81ED-4DB2-BD59-A6C34878D82A}">
+                    <a16:rowId xmlns:a16="http://schemas.microsoft.com/office/drawing/2014/main" val="3102941239"/>
+                  </a:ext>
+                </a:extLst>
+              </a:tr>
+              <a:tr h="111184">
+                <a:tc>
+                  <a:txBody>
+                    <a:bodyPr/>
+                    <a:lstStyle/>
+                    <a:p>
+                      <a:pPr algn="ctr"/>
+                      <a:r>
+                        <a:rPr lang="en-US" sz="900">
+                          <a:effectLst/>
+                        </a:rPr>
+                        <a:t>15</a:t>
+                      </a:r>
+                      <a:endParaRPr lang="en-US" sz="900" b="0">
+                        <a:solidFill>
+                          <a:schemeClr val="bg2"/>
+                        </a:solidFill>
+                        <a:effectLst/>
+                      </a:endParaRPr>
+                    </a:p>
+                  </a:txBody>
+                  <a:tcPr marL="18287" marR="18287" marT="14629" marB="14629" anchor="ctr"/>
+                </a:tc>
+                <a:tc>
+                  <a:txBody>
+                    <a:bodyPr/>
+                    <a:lstStyle/>
+                    <a:p>
+                      <a:pPr algn="r"/>
+                      <a:r>
+                        <a:rPr lang="en-US" sz="900">
+                          <a:effectLst/>
+                        </a:rPr>
+                        <a:t>100</a:t>
+                      </a:r>
+                      <a:endParaRPr lang="en-US" sz="900">
+                        <a:solidFill>
+                          <a:schemeClr val="bg2"/>
+                        </a:solidFill>
+                        <a:effectLst/>
+                      </a:endParaRPr>
+                    </a:p>
+                  </a:txBody>
+                  <a:tcPr marL="18287" marR="18287" marT="14629" marB="14629" anchor="ctr"/>
+                </a:tc>
+                <a:tc>
+                  <a:txBody>
+                    <a:bodyPr/>
+                    <a:lstStyle/>
+                    <a:p>
+                      <a:pPr algn="r"/>
+                      <a:r>
+                        <a:rPr lang="en-US" sz="900">
+                          <a:effectLst/>
+                        </a:rPr>
+                        <a:t>0.05</a:t>
+                      </a:r>
+                      <a:endParaRPr lang="en-US" sz="900">
+                        <a:solidFill>
+                          <a:schemeClr val="bg2"/>
+                        </a:solidFill>
+                        <a:effectLst/>
+                      </a:endParaRPr>
+                    </a:p>
+                  </a:txBody>
+                  <a:tcPr marL="18287" marR="18287" marT="14629" marB="14629" anchor="ctr"/>
+                </a:tc>
+                <a:tc>
+                  <a:txBody>
+                    <a:bodyPr/>
+                    <a:lstStyle/>
+                    <a:p>
+                      <a:pPr algn="r"/>
+                      <a:r>
+                        <a:rPr lang="en-US" sz="900">
+                          <a:effectLst/>
+                        </a:rPr>
+                        <a:t>11</a:t>
+                      </a:r>
+                      <a:endParaRPr lang="en-US" sz="900">
+                        <a:solidFill>
+                          <a:schemeClr val="bg2"/>
+                        </a:solidFill>
+                        <a:effectLst/>
+                      </a:endParaRPr>
+                    </a:p>
+                  </a:txBody>
+                  <a:tcPr marL="18287" marR="18287" marT="14629" marB="14629" anchor="ctr"/>
+                </a:tc>
+                <a:extLst>
+                  <a:ext uri="{0D108BD9-81ED-4DB2-BD59-A6C34878D82A}">
+                    <a16:rowId xmlns:a16="http://schemas.microsoft.com/office/drawing/2014/main" val="4174152305"/>
+                  </a:ext>
+                </a:extLst>
+              </a:tr>
+              <a:tr h="111184">
+                <a:tc>
+                  <a:txBody>
+                    <a:bodyPr/>
+                    <a:lstStyle/>
+                    <a:p>
+                      <a:pPr algn="ctr"/>
+                      <a:r>
+                        <a:rPr lang="en-US" sz="900">
+                          <a:effectLst/>
+                        </a:rPr>
+                        <a:t>16</a:t>
+                      </a:r>
+                      <a:endParaRPr lang="en-US" sz="900" b="0">
+                        <a:solidFill>
+                          <a:schemeClr val="bg2"/>
+                        </a:solidFill>
+                        <a:effectLst/>
+                      </a:endParaRPr>
+                    </a:p>
+                  </a:txBody>
+                  <a:tcPr marL="18287" marR="18287" marT="14629" marB="14629" anchor="ctr"/>
+                </a:tc>
+                <a:tc>
+                  <a:txBody>
+                    <a:bodyPr/>
+                    <a:lstStyle/>
+                    <a:p>
+                      <a:pPr algn="r"/>
+                      <a:r>
+                        <a:rPr lang="en-US" sz="900">
+                          <a:effectLst/>
+                        </a:rPr>
+                        <a:t>1</a:t>
+                      </a:r>
+                      <a:endParaRPr lang="en-US" sz="900">
+                        <a:solidFill>
+                          <a:schemeClr val="bg2"/>
+                        </a:solidFill>
+                        <a:effectLst/>
+                      </a:endParaRPr>
+                    </a:p>
+                  </a:txBody>
+                  <a:tcPr marL="18287" marR="18287" marT="14629" marB="14629" anchor="ctr"/>
+                </a:tc>
+                <a:tc>
+                  <a:txBody>
+                    <a:bodyPr/>
+                    <a:lstStyle/>
+                    <a:p>
+                      <a:pPr algn="r"/>
+                      <a:r>
+                        <a:rPr lang="en-US" sz="900">
+                          <a:effectLst/>
+                        </a:rPr>
+                        <a:t>0.10</a:t>
+                      </a:r>
+                      <a:endParaRPr lang="en-US" sz="900">
+                        <a:solidFill>
+                          <a:schemeClr val="bg2"/>
+                        </a:solidFill>
+                        <a:effectLst/>
+                      </a:endParaRPr>
+                    </a:p>
+                  </a:txBody>
+                  <a:tcPr marL="18287" marR="18287" marT="14629" marB="14629" anchor="ctr"/>
+                </a:tc>
+                <a:tc>
+                  <a:txBody>
+                    <a:bodyPr/>
+                    <a:lstStyle/>
+                    <a:p>
+                      <a:pPr algn="r"/>
+                      <a:r>
+                        <a:rPr lang="en-US" sz="900">
+                          <a:effectLst/>
+                        </a:rPr>
+                        <a:t>11</a:t>
+                      </a:r>
+                      <a:endParaRPr lang="en-US" sz="900">
+                        <a:solidFill>
+                          <a:schemeClr val="bg2"/>
+                        </a:solidFill>
+                        <a:effectLst/>
+                      </a:endParaRPr>
+                    </a:p>
+                  </a:txBody>
+                  <a:tcPr marL="18287" marR="18287" marT="14629" marB="14629" anchor="ctr"/>
+                </a:tc>
+                <a:extLst>
+                  <a:ext uri="{0D108BD9-81ED-4DB2-BD59-A6C34878D82A}">
+                    <a16:rowId xmlns:a16="http://schemas.microsoft.com/office/drawing/2014/main" val="788424284"/>
+                  </a:ext>
+                </a:extLst>
+              </a:tr>
+              <a:tr h="111184">
+                <a:tc>
+                  <a:txBody>
+                    <a:bodyPr/>
+                    <a:lstStyle/>
+                    <a:p>
+                      <a:pPr algn="ctr"/>
+                      <a:r>
+                        <a:rPr lang="en-US" sz="900">
+                          <a:effectLst/>
+                        </a:rPr>
+                        <a:t>17</a:t>
+                      </a:r>
+                      <a:endParaRPr lang="en-US" sz="900" b="0">
+                        <a:solidFill>
+                          <a:schemeClr val="bg2"/>
+                        </a:solidFill>
+                        <a:effectLst/>
+                      </a:endParaRPr>
+                    </a:p>
+                  </a:txBody>
+                  <a:tcPr marL="18287" marR="18287" marT="14629" marB="14629" anchor="ctr"/>
+                </a:tc>
+                <a:tc>
+                  <a:txBody>
+                    <a:bodyPr/>
+                    <a:lstStyle/>
+                    <a:p>
+                      <a:pPr algn="r"/>
+                      <a:r>
+                        <a:rPr lang="en-US" sz="900" dirty="0">
+                          <a:effectLst/>
+                        </a:rPr>
+                        <a:t>10</a:t>
+                      </a:r>
+                      <a:endParaRPr lang="en-US" sz="900" dirty="0">
+                        <a:solidFill>
+                          <a:schemeClr val="bg2"/>
+                        </a:solidFill>
+                        <a:effectLst/>
+                      </a:endParaRPr>
+                    </a:p>
+                  </a:txBody>
+                  <a:tcPr marL="18287" marR="18287" marT="14629" marB="14629" anchor="ctr"/>
+                </a:tc>
+                <a:tc>
+                  <a:txBody>
+                    <a:bodyPr/>
+                    <a:lstStyle/>
+                    <a:p>
+                      <a:pPr algn="r"/>
+                      <a:r>
+                        <a:rPr lang="en-US" sz="900">
+                          <a:effectLst/>
+                        </a:rPr>
+                        <a:t>0.10</a:t>
+                      </a:r>
+                      <a:endParaRPr lang="en-US" sz="900">
+                        <a:solidFill>
+                          <a:schemeClr val="bg2"/>
+                        </a:solidFill>
+                        <a:effectLst/>
+                      </a:endParaRPr>
+                    </a:p>
+                  </a:txBody>
+                  <a:tcPr marL="18287" marR="18287" marT="14629" marB="14629" anchor="ctr"/>
+                </a:tc>
+                <a:tc>
+                  <a:txBody>
+                    <a:bodyPr/>
+                    <a:lstStyle/>
+                    <a:p>
+                      <a:pPr algn="r"/>
+                      <a:r>
+                        <a:rPr lang="en-US" sz="900">
+                          <a:effectLst/>
+                        </a:rPr>
+                        <a:t>11</a:t>
+                      </a:r>
+                      <a:endParaRPr lang="en-US" sz="900">
+                        <a:solidFill>
+                          <a:schemeClr val="bg2"/>
+                        </a:solidFill>
+                        <a:effectLst/>
+                      </a:endParaRPr>
+                    </a:p>
+                  </a:txBody>
+                  <a:tcPr marL="18287" marR="18287" marT="14629" marB="14629" anchor="ctr"/>
+                </a:tc>
+                <a:extLst>
+                  <a:ext uri="{0D108BD9-81ED-4DB2-BD59-A6C34878D82A}">
+                    <a16:rowId xmlns:a16="http://schemas.microsoft.com/office/drawing/2014/main" val="1596703848"/>
+                  </a:ext>
+                </a:extLst>
+              </a:tr>
+              <a:tr h="111184">
+                <a:tc>
+                  <a:txBody>
+                    <a:bodyPr/>
+                    <a:lstStyle/>
+                    <a:p>
+                      <a:pPr algn="ctr"/>
+                      <a:r>
+                        <a:rPr lang="en-US" sz="900">
+                          <a:effectLst/>
+                        </a:rPr>
+                        <a:t>18</a:t>
+                      </a:r>
+                      <a:endParaRPr lang="en-US" sz="900" b="0">
+                        <a:solidFill>
+                          <a:schemeClr val="bg2"/>
+                        </a:solidFill>
+                        <a:effectLst/>
+                      </a:endParaRPr>
+                    </a:p>
+                  </a:txBody>
+                  <a:tcPr marL="18287" marR="18287" marT="14629" marB="14629" anchor="ctr"/>
+                </a:tc>
+                <a:tc>
+                  <a:txBody>
+                    <a:bodyPr/>
+                    <a:lstStyle/>
+                    <a:p>
+                      <a:pPr algn="r"/>
+                      <a:r>
+                        <a:rPr lang="en-US" sz="900" dirty="0">
+                          <a:effectLst/>
+                        </a:rPr>
+                        <a:t>100</a:t>
+                      </a:r>
+                      <a:endParaRPr lang="en-US" sz="900" dirty="0">
+                        <a:solidFill>
+                          <a:schemeClr val="bg2"/>
+                        </a:solidFill>
+                        <a:effectLst/>
+                      </a:endParaRPr>
+                    </a:p>
+                  </a:txBody>
+                  <a:tcPr marL="18287" marR="18287" marT="14629" marB="14629" anchor="ctr"/>
+                </a:tc>
+                <a:tc>
+                  <a:txBody>
+                    <a:bodyPr/>
+                    <a:lstStyle/>
+                    <a:p>
+                      <a:pPr algn="r"/>
+                      <a:r>
+                        <a:rPr lang="en-US" sz="900">
+                          <a:effectLst/>
+                        </a:rPr>
+                        <a:t>0.10</a:t>
+                      </a:r>
+                      <a:endParaRPr lang="en-US" sz="900">
+                        <a:solidFill>
+                          <a:schemeClr val="bg2"/>
+                        </a:solidFill>
+                        <a:effectLst/>
+                      </a:endParaRPr>
+                    </a:p>
+                  </a:txBody>
+                  <a:tcPr marL="18287" marR="18287" marT="14629" marB="14629" anchor="ctr"/>
+                </a:tc>
+                <a:tc>
+                  <a:txBody>
+                    <a:bodyPr/>
+                    <a:lstStyle/>
+                    <a:p>
+                      <a:pPr algn="r"/>
+                      <a:r>
+                        <a:rPr lang="en-US" sz="900">
+                          <a:effectLst/>
+                        </a:rPr>
+                        <a:t>11</a:t>
+                      </a:r>
+                      <a:endParaRPr lang="en-US" sz="900">
+                        <a:solidFill>
+                          <a:schemeClr val="bg2"/>
+                        </a:solidFill>
+                        <a:effectLst/>
+                      </a:endParaRPr>
+                    </a:p>
+                  </a:txBody>
+                  <a:tcPr marL="18287" marR="18287" marT="14629" marB="14629" anchor="ctr"/>
+                </a:tc>
+                <a:extLst>
+                  <a:ext uri="{0D108BD9-81ED-4DB2-BD59-A6C34878D82A}">
+                    <a16:rowId xmlns:a16="http://schemas.microsoft.com/office/drawing/2014/main" val="4002751555"/>
+                  </a:ext>
+                </a:extLst>
+              </a:tr>
+              <a:tr h="111184">
+                <a:tc>
+                  <a:txBody>
+                    <a:bodyPr/>
+                    <a:lstStyle/>
+                    <a:p>
+                      <a:pPr algn="ctr"/>
+                      <a:r>
+                        <a:rPr lang="en-US" sz="900">
+                          <a:effectLst/>
+                        </a:rPr>
+                        <a:t>19</a:t>
+                      </a:r>
+                      <a:endParaRPr lang="en-US" sz="900" b="0">
+                        <a:solidFill>
+                          <a:schemeClr val="bg2"/>
+                        </a:solidFill>
+                        <a:effectLst/>
+                      </a:endParaRPr>
+                    </a:p>
+                  </a:txBody>
+                  <a:tcPr marL="18287" marR="18287" marT="14629" marB="14629" anchor="ctr"/>
+                </a:tc>
+                <a:tc>
+                  <a:txBody>
+                    <a:bodyPr/>
+                    <a:lstStyle/>
+                    <a:p>
+                      <a:pPr algn="r"/>
+                      <a:r>
+                        <a:rPr lang="en-US" sz="900" dirty="0">
+                          <a:effectLst/>
+                        </a:rPr>
+                        <a:t>1</a:t>
+                      </a:r>
+                      <a:endParaRPr lang="en-US" sz="900" dirty="0">
+                        <a:solidFill>
+                          <a:schemeClr val="bg2"/>
+                        </a:solidFill>
+                        <a:effectLst/>
+                      </a:endParaRPr>
+                    </a:p>
+                  </a:txBody>
+                  <a:tcPr marL="18287" marR="18287" marT="14629" marB="14629" anchor="ctr"/>
+                </a:tc>
+                <a:tc>
+                  <a:txBody>
+                    <a:bodyPr/>
+                    <a:lstStyle/>
+                    <a:p>
+                      <a:pPr algn="r"/>
+                      <a:r>
+                        <a:rPr lang="en-US" sz="900">
+                          <a:effectLst/>
+                        </a:rPr>
+                        <a:t>0.01</a:t>
+                      </a:r>
+                      <a:endParaRPr lang="en-US" sz="900">
+                        <a:solidFill>
+                          <a:schemeClr val="bg2"/>
+                        </a:solidFill>
+                        <a:effectLst/>
+                      </a:endParaRPr>
+                    </a:p>
+                  </a:txBody>
+                  <a:tcPr marL="18287" marR="18287" marT="14629" marB="14629" anchor="ctr"/>
+                </a:tc>
+                <a:tc>
+                  <a:txBody>
+                    <a:bodyPr/>
+                    <a:lstStyle/>
+                    <a:p>
+                      <a:pPr algn="r"/>
+                      <a:r>
+                        <a:rPr lang="en-US" sz="900">
+                          <a:effectLst/>
+                        </a:rPr>
+                        <a:t>12</a:t>
+                      </a:r>
+                      <a:endParaRPr lang="en-US" sz="900">
+                        <a:solidFill>
+                          <a:schemeClr val="bg2"/>
+                        </a:solidFill>
+                        <a:effectLst/>
+                      </a:endParaRPr>
+                    </a:p>
+                  </a:txBody>
+                  <a:tcPr marL="18287" marR="18287" marT="14629" marB="14629" anchor="ctr"/>
+                </a:tc>
+                <a:extLst>
+                  <a:ext uri="{0D108BD9-81ED-4DB2-BD59-A6C34878D82A}">
+                    <a16:rowId xmlns:a16="http://schemas.microsoft.com/office/drawing/2014/main" val="2941962871"/>
+                  </a:ext>
+                </a:extLst>
+              </a:tr>
+              <a:tr h="111184">
+                <a:tc>
+                  <a:txBody>
+                    <a:bodyPr/>
+                    <a:lstStyle/>
+                    <a:p>
+                      <a:pPr algn="ctr"/>
+                      <a:r>
+                        <a:rPr lang="en-US" sz="900">
+                          <a:effectLst/>
+                        </a:rPr>
+                        <a:t>20</a:t>
+                      </a:r>
+                      <a:endParaRPr lang="en-US" sz="900" b="0">
+                        <a:solidFill>
+                          <a:schemeClr val="bg2"/>
+                        </a:solidFill>
+                        <a:effectLst/>
+                      </a:endParaRPr>
+                    </a:p>
+                  </a:txBody>
+                  <a:tcPr marL="18287" marR="18287" marT="14629" marB="14629" anchor="ctr"/>
+                </a:tc>
+                <a:tc>
+                  <a:txBody>
+                    <a:bodyPr/>
+                    <a:lstStyle/>
+                    <a:p>
+                      <a:pPr algn="r"/>
+                      <a:r>
+                        <a:rPr lang="en-US" sz="900" dirty="0">
+                          <a:effectLst/>
+                        </a:rPr>
+                        <a:t>10</a:t>
+                      </a:r>
+                      <a:endParaRPr lang="en-US" sz="900" dirty="0">
+                        <a:solidFill>
+                          <a:schemeClr val="bg2"/>
+                        </a:solidFill>
+                        <a:effectLst/>
+                      </a:endParaRPr>
+                    </a:p>
+                  </a:txBody>
+                  <a:tcPr marL="18287" marR="18287" marT="14629" marB="14629" anchor="ctr"/>
+                </a:tc>
+                <a:tc>
+                  <a:txBody>
+                    <a:bodyPr/>
+                    <a:lstStyle/>
+                    <a:p>
+                      <a:pPr algn="r"/>
+                      <a:r>
+                        <a:rPr lang="en-US" sz="900">
+                          <a:effectLst/>
+                        </a:rPr>
+                        <a:t>0.01</a:t>
+                      </a:r>
+                      <a:endParaRPr lang="en-US" sz="900">
+                        <a:solidFill>
+                          <a:schemeClr val="bg2"/>
+                        </a:solidFill>
+                        <a:effectLst/>
+                      </a:endParaRPr>
+                    </a:p>
+                  </a:txBody>
+                  <a:tcPr marL="18287" marR="18287" marT="14629" marB="14629" anchor="ctr"/>
+                </a:tc>
+                <a:tc>
+                  <a:txBody>
+                    <a:bodyPr/>
+                    <a:lstStyle/>
+                    <a:p>
+                      <a:pPr algn="r"/>
+                      <a:r>
+                        <a:rPr lang="en-US" sz="900">
+                          <a:effectLst/>
+                        </a:rPr>
+                        <a:t>12</a:t>
+                      </a:r>
+                      <a:endParaRPr lang="en-US" sz="900">
+                        <a:solidFill>
+                          <a:schemeClr val="bg2"/>
+                        </a:solidFill>
+                        <a:effectLst/>
+                      </a:endParaRPr>
+                    </a:p>
+                  </a:txBody>
+                  <a:tcPr marL="18287" marR="18287" marT="14629" marB="14629" anchor="ctr"/>
+                </a:tc>
+                <a:extLst>
+                  <a:ext uri="{0D108BD9-81ED-4DB2-BD59-A6C34878D82A}">
+                    <a16:rowId xmlns:a16="http://schemas.microsoft.com/office/drawing/2014/main" val="417108037"/>
+                  </a:ext>
+                </a:extLst>
+              </a:tr>
+              <a:tr h="111184">
+                <a:tc>
+                  <a:txBody>
+                    <a:bodyPr/>
+                    <a:lstStyle/>
+                    <a:p>
+                      <a:pPr algn="ctr"/>
+                      <a:r>
+                        <a:rPr lang="en-US" sz="900" dirty="0">
+                          <a:effectLst/>
+                        </a:rPr>
+                        <a:t>21</a:t>
+                      </a:r>
+                      <a:endParaRPr lang="en-US" sz="900" b="0" dirty="0">
+                        <a:solidFill>
+                          <a:schemeClr val="bg2"/>
+                        </a:solidFill>
+                        <a:effectLst/>
+                      </a:endParaRPr>
+                    </a:p>
+                  </a:txBody>
+                  <a:tcPr marL="18287" marR="18287" marT="14629" marB="14629" anchor="ctr"/>
+                </a:tc>
+                <a:tc>
+                  <a:txBody>
+                    <a:bodyPr/>
+                    <a:lstStyle/>
+                    <a:p>
+                      <a:pPr algn="r"/>
+                      <a:r>
+                        <a:rPr lang="en-US" sz="900">
+                          <a:effectLst/>
+                        </a:rPr>
+                        <a:t>100</a:t>
+                      </a:r>
+                      <a:endParaRPr lang="en-US" sz="900">
+                        <a:solidFill>
+                          <a:schemeClr val="bg2"/>
+                        </a:solidFill>
+                        <a:effectLst/>
+                      </a:endParaRPr>
+                    </a:p>
+                  </a:txBody>
+                  <a:tcPr marL="18287" marR="18287" marT="14629" marB="14629" anchor="ctr"/>
+                </a:tc>
+                <a:tc>
+                  <a:txBody>
+                    <a:bodyPr/>
+                    <a:lstStyle/>
+                    <a:p>
+                      <a:pPr algn="r"/>
+                      <a:r>
+                        <a:rPr lang="en-US" sz="900">
+                          <a:effectLst/>
+                        </a:rPr>
+                        <a:t>0.01</a:t>
+                      </a:r>
+                      <a:endParaRPr lang="en-US" sz="900">
+                        <a:solidFill>
+                          <a:schemeClr val="bg2"/>
+                        </a:solidFill>
+                        <a:effectLst/>
+                      </a:endParaRPr>
+                    </a:p>
+                  </a:txBody>
+                  <a:tcPr marL="18287" marR="18287" marT="14629" marB="14629" anchor="ctr"/>
+                </a:tc>
+                <a:tc>
+                  <a:txBody>
+                    <a:bodyPr/>
+                    <a:lstStyle/>
+                    <a:p>
+                      <a:pPr algn="r"/>
+                      <a:r>
+                        <a:rPr lang="en-US" sz="900">
+                          <a:effectLst/>
+                        </a:rPr>
+                        <a:t>12</a:t>
+                      </a:r>
+                      <a:endParaRPr lang="en-US" sz="900">
+                        <a:solidFill>
+                          <a:schemeClr val="bg2"/>
+                        </a:solidFill>
+                        <a:effectLst/>
+                      </a:endParaRPr>
+                    </a:p>
+                  </a:txBody>
+                  <a:tcPr marL="18287" marR="18287" marT="14629" marB="14629" anchor="ctr"/>
+                </a:tc>
+                <a:extLst>
+                  <a:ext uri="{0D108BD9-81ED-4DB2-BD59-A6C34878D82A}">
+                    <a16:rowId xmlns:a16="http://schemas.microsoft.com/office/drawing/2014/main" val="2162900846"/>
+                  </a:ext>
+                </a:extLst>
+              </a:tr>
+              <a:tr h="111184">
+                <a:tc>
+                  <a:txBody>
+                    <a:bodyPr/>
+                    <a:lstStyle/>
+                    <a:p>
+                      <a:pPr algn="ctr"/>
+                      <a:r>
+                        <a:rPr lang="en-US" sz="900">
+                          <a:effectLst/>
+                        </a:rPr>
+                        <a:t>22</a:t>
+                      </a:r>
+                      <a:endParaRPr lang="en-US" sz="900" b="0">
+                        <a:solidFill>
+                          <a:schemeClr val="bg2"/>
+                        </a:solidFill>
+                        <a:effectLst/>
+                      </a:endParaRPr>
+                    </a:p>
+                  </a:txBody>
+                  <a:tcPr marL="18287" marR="18287" marT="14629" marB="14629" anchor="ctr"/>
+                </a:tc>
+                <a:tc>
+                  <a:txBody>
+                    <a:bodyPr/>
+                    <a:lstStyle/>
+                    <a:p>
+                      <a:pPr algn="r"/>
+                      <a:r>
+                        <a:rPr lang="en-US" sz="900">
+                          <a:effectLst/>
+                        </a:rPr>
+                        <a:t>1</a:t>
+                      </a:r>
+                      <a:endParaRPr lang="en-US" sz="900">
+                        <a:solidFill>
+                          <a:schemeClr val="bg2"/>
+                        </a:solidFill>
+                        <a:effectLst/>
+                      </a:endParaRPr>
+                    </a:p>
+                  </a:txBody>
+                  <a:tcPr marL="18287" marR="18287" marT="14629" marB="14629" anchor="ctr"/>
+                </a:tc>
+                <a:tc>
+                  <a:txBody>
+                    <a:bodyPr/>
+                    <a:lstStyle/>
+                    <a:p>
+                      <a:pPr algn="r"/>
+                      <a:r>
+                        <a:rPr lang="en-US" sz="900">
+                          <a:effectLst/>
+                        </a:rPr>
+                        <a:t>0.05</a:t>
+                      </a:r>
+                      <a:endParaRPr lang="en-US" sz="900">
+                        <a:solidFill>
+                          <a:schemeClr val="bg2"/>
+                        </a:solidFill>
+                        <a:effectLst/>
+                      </a:endParaRPr>
+                    </a:p>
+                  </a:txBody>
+                  <a:tcPr marL="18287" marR="18287" marT="14629" marB="14629" anchor="ctr"/>
+                </a:tc>
+                <a:tc>
+                  <a:txBody>
+                    <a:bodyPr/>
+                    <a:lstStyle/>
+                    <a:p>
+                      <a:pPr algn="r"/>
+                      <a:r>
+                        <a:rPr lang="en-US" sz="900">
+                          <a:effectLst/>
+                        </a:rPr>
+                        <a:t>12</a:t>
+                      </a:r>
+                      <a:endParaRPr lang="en-US" sz="900">
+                        <a:solidFill>
+                          <a:schemeClr val="bg2"/>
+                        </a:solidFill>
+                        <a:effectLst/>
+                      </a:endParaRPr>
+                    </a:p>
+                  </a:txBody>
+                  <a:tcPr marL="18287" marR="18287" marT="14629" marB="14629" anchor="ctr"/>
+                </a:tc>
+                <a:extLst>
+                  <a:ext uri="{0D108BD9-81ED-4DB2-BD59-A6C34878D82A}">
+                    <a16:rowId xmlns:a16="http://schemas.microsoft.com/office/drawing/2014/main" val="532438720"/>
+                  </a:ext>
+                </a:extLst>
+              </a:tr>
+              <a:tr h="111184">
+                <a:tc>
+                  <a:txBody>
+                    <a:bodyPr/>
+                    <a:lstStyle/>
+                    <a:p>
+                      <a:pPr algn="ctr"/>
+                      <a:r>
+                        <a:rPr lang="en-US" sz="900" dirty="0">
+                          <a:effectLst/>
+                        </a:rPr>
+                        <a:t>23</a:t>
+                      </a:r>
+                      <a:endParaRPr lang="en-US" sz="900" b="0" dirty="0">
+                        <a:solidFill>
+                          <a:schemeClr val="bg2"/>
+                        </a:solidFill>
+                        <a:effectLst/>
+                      </a:endParaRPr>
+                    </a:p>
+                  </a:txBody>
+                  <a:tcPr marL="18287" marR="18287" marT="14629" marB="14629" anchor="ctr"/>
+                </a:tc>
+                <a:tc>
+                  <a:txBody>
+                    <a:bodyPr/>
+                    <a:lstStyle/>
+                    <a:p>
+                      <a:pPr algn="r"/>
+                      <a:r>
+                        <a:rPr lang="en-US" sz="900">
+                          <a:effectLst/>
+                        </a:rPr>
+                        <a:t>10</a:t>
+                      </a:r>
+                      <a:endParaRPr lang="en-US" sz="900">
+                        <a:solidFill>
+                          <a:schemeClr val="bg2"/>
+                        </a:solidFill>
+                        <a:effectLst/>
+                      </a:endParaRPr>
+                    </a:p>
+                  </a:txBody>
+                  <a:tcPr marL="18287" marR="18287" marT="14629" marB="14629" anchor="ctr"/>
+                </a:tc>
+                <a:tc>
+                  <a:txBody>
+                    <a:bodyPr/>
+                    <a:lstStyle/>
+                    <a:p>
+                      <a:pPr algn="r"/>
+                      <a:r>
+                        <a:rPr lang="en-US" sz="900">
+                          <a:effectLst/>
+                        </a:rPr>
+                        <a:t>0.05</a:t>
+                      </a:r>
+                      <a:endParaRPr lang="en-US" sz="900">
+                        <a:solidFill>
+                          <a:schemeClr val="bg2"/>
+                        </a:solidFill>
+                        <a:effectLst/>
+                      </a:endParaRPr>
+                    </a:p>
+                  </a:txBody>
+                  <a:tcPr marL="18287" marR="18287" marT="14629" marB="14629" anchor="ctr"/>
+                </a:tc>
+                <a:tc>
+                  <a:txBody>
+                    <a:bodyPr/>
+                    <a:lstStyle/>
+                    <a:p>
+                      <a:pPr algn="r"/>
+                      <a:r>
+                        <a:rPr lang="en-US" sz="900">
+                          <a:effectLst/>
+                        </a:rPr>
+                        <a:t>12</a:t>
+                      </a:r>
+                      <a:endParaRPr lang="en-US" sz="900">
+                        <a:solidFill>
+                          <a:schemeClr val="bg2"/>
+                        </a:solidFill>
+                        <a:effectLst/>
+                      </a:endParaRPr>
+                    </a:p>
+                  </a:txBody>
+                  <a:tcPr marL="18287" marR="18287" marT="14629" marB="14629" anchor="ctr"/>
+                </a:tc>
+                <a:extLst>
+                  <a:ext uri="{0D108BD9-81ED-4DB2-BD59-A6C34878D82A}">
+                    <a16:rowId xmlns:a16="http://schemas.microsoft.com/office/drawing/2014/main" val="2609174539"/>
+                  </a:ext>
+                </a:extLst>
+              </a:tr>
+              <a:tr h="111184">
+                <a:tc>
+                  <a:txBody>
+                    <a:bodyPr/>
+                    <a:lstStyle/>
+                    <a:p>
+                      <a:pPr algn="ctr"/>
+                      <a:r>
+                        <a:rPr lang="en-US" sz="900" dirty="0">
+                          <a:effectLst/>
+                        </a:rPr>
+                        <a:t>24</a:t>
+                      </a:r>
+                      <a:endParaRPr lang="en-US" sz="900" b="0" dirty="0">
+                        <a:solidFill>
+                          <a:schemeClr val="bg2"/>
+                        </a:solidFill>
+                        <a:effectLst/>
+                      </a:endParaRPr>
+                    </a:p>
+                  </a:txBody>
+                  <a:tcPr marL="18287" marR="18287" marT="14629" marB="14629" anchor="ctr"/>
+                </a:tc>
+                <a:tc>
+                  <a:txBody>
+                    <a:bodyPr/>
+                    <a:lstStyle/>
+                    <a:p>
+                      <a:pPr algn="r"/>
+                      <a:r>
+                        <a:rPr lang="en-US" sz="900">
+                          <a:effectLst/>
+                        </a:rPr>
+                        <a:t>100</a:t>
+                      </a:r>
+                      <a:endParaRPr lang="en-US" sz="900">
+                        <a:solidFill>
+                          <a:schemeClr val="bg2"/>
+                        </a:solidFill>
+                        <a:effectLst/>
+                      </a:endParaRPr>
+                    </a:p>
+                  </a:txBody>
+                  <a:tcPr marL="18287" marR="18287" marT="14629" marB="14629" anchor="ctr"/>
+                </a:tc>
+                <a:tc>
+                  <a:txBody>
+                    <a:bodyPr/>
+                    <a:lstStyle/>
+                    <a:p>
+                      <a:pPr algn="r"/>
+                      <a:r>
+                        <a:rPr lang="en-US" sz="900">
+                          <a:effectLst/>
+                        </a:rPr>
+                        <a:t>0.05</a:t>
+                      </a:r>
+                      <a:endParaRPr lang="en-US" sz="900">
+                        <a:solidFill>
+                          <a:schemeClr val="bg2"/>
+                        </a:solidFill>
+                        <a:effectLst/>
+                      </a:endParaRPr>
+                    </a:p>
+                  </a:txBody>
+                  <a:tcPr marL="18287" marR="18287" marT="14629" marB="14629" anchor="ctr"/>
+                </a:tc>
+                <a:tc>
+                  <a:txBody>
+                    <a:bodyPr/>
+                    <a:lstStyle/>
+                    <a:p>
+                      <a:pPr algn="r"/>
+                      <a:r>
+                        <a:rPr lang="en-US" sz="900">
+                          <a:effectLst/>
+                        </a:rPr>
+                        <a:t>12</a:t>
+                      </a:r>
+                      <a:endParaRPr lang="en-US" sz="900">
+                        <a:solidFill>
+                          <a:schemeClr val="bg2"/>
+                        </a:solidFill>
+                        <a:effectLst/>
+                      </a:endParaRPr>
+                    </a:p>
+                  </a:txBody>
+                  <a:tcPr marL="18287" marR="18287" marT="14629" marB="14629" anchor="ctr"/>
+                </a:tc>
+                <a:extLst>
+                  <a:ext uri="{0D108BD9-81ED-4DB2-BD59-A6C34878D82A}">
+                    <a16:rowId xmlns:a16="http://schemas.microsoft.com/office/drawing/2014/main" val="1772893045"/>
+                  </a:ext>
+                </a:extLst>
+              </a:tr>
+              <a:tr h="111184">
+                <a:tc>
+                  <a:txBody>
+                    <a:bodyPr/>
+                    <a:lstStyle/>
+                    <a:p>
+                      <a:pPr algn="ctr"/>
+                      <a:r>
+                        <a:rPr lang="en-US" sz="900" dirty="0">
+                          <a:effectLst/>
+                        </a:rPr>
+                        <a:t>25</a:t>
+                      </a:r>
+                      <a:endParaRPr lang="en-US" sz="900" b="0" dirty="0">
+                        <a:solidFill>
+                          <a:schemeClr val="bg2"/>
+                        </a:solidFill>
+                        <a:effectLst/>
+                      </a:endParaRPr>
+                    </a:p>
+                  </a:txBody>
+                  <a:tcPr marL="18287" marR="18287" marT="14629" marB="14629" anchor="ctr"/>
+                </a:tc>
+                <a:tc>
+                  <a:txBody>
+                    <a:bodyPr/>
+                    <a:lstStyle/>
+                    <a:p>
+                      <a:pPr algn="r"/>
+                      <a:r>
+                        <a:rPr lang="en-US" sz="900">
+                          <a:effectLst/>
+                        </a:rPr>
+                        <a:t>1</a:t>
+                      </a:r>
+                      <a:endParaRPr lang="en-US" sz="900">
+                        <a:solidFill>
+                          <a:schemeClr val="bg2"/>
+                        </a:solidFill>
+                        <a:effectLst/>
+                      </a:endParaRPr>
+                    </a:p>
+                  </a:txBody>
+                  <a:tcPr marL="18287" marR="18287" marT="14629" marB="14629" anchor="ctr"/>
+                </a:tc>
+                <a:tc>
+                  <a:txBody>
+                    <a:bodyPr/>
+                    <a:lstStyle/>
+                    <a:p>
+                      <a:pPr algn="r"/>
+                      <a:r>
+                        <a:rPr lang="en-US" sz="900">
+                          <a:effectLst/>
+                        </a:rPr>
+                        <a:t>0.10</a:t>
+                      </a:r>
+                      <a:endParaRPr lang="en-US" sz="900">
+                        <a:solidFill>
+                          <a:schemeClr val="bg2"/>
+                        </a:solidFill>
+                        <a:effectLst/>
+                      </a:endParaRPr>
+                    </a:p>
+                  </a:txBody>
+                  <a:tcPr marL="18287" marR="18287" marT="14629" marB="14629" anchor="ctr"/>
+                </a:tc>
+                <a:tc>
+                  <a:txBody>
+                    <a:bodyPr/>
+                    <a:lstStyle/>
+                    <a:p>
+                      <a:pPr algn="r"/>
+                      <a:r>
+                        <a:rPr lang="en-US" sz="900">
+                          <a:effectLst/>
+                        </a:rPr>
+                        <a:t>12</a:t>
+                      </a:r>
+                      <a:endParaRPr lang="en-US" sz="900">
+                        <a:solidFill>
+                          <a:schemeClr val="bg2"/>
+                        </a:solidFill>
+                        <a:effectLst/>
+                      </a:endParaRPr>
+                    </a:p>
+                  </a:txBody>
+                  <a:tcPr marL="18287" marR="18287" marT="14629" marB="14629" anchor="ctr"/>
+                </a:tc>
+                <a:extLst>
+                  <a:ext uri="{0D108BD9-81ED-4DB2-BD59-A6C34878D82A}">
+                    <a16:rowId xmlns:a16="http://schemas.microsoft.com/office/drawing/2014/main" val="3197986557"/>
+                  </a:ext>
+                </a:extLst>
+              </a:tr>
+              <a:tr h="111184">
+                <a:tc>
+                  <a:txBody>
+                    <a:bodyPr/>
+                    <a:lstStyle/>
+                    <a:p>
+                      <a:pPr algn="ctr"/>
+                      <a:r>
+                        <a:rPr lang="en-US" sz="900" dirty="0">
+                          <a:effectLst/>
+                        </a:rPr>
+                        <a:t>26</a:t>
+                      </a:r>
+                      <a:endParaRPr lang="en-US" sz="900" b="0" dirty="0">
+                        <a:solidFill>
+                          <a:schemeClr val="bg2"/>
+                        </a:solidFill>
+                        <a:effectLst/>
+                      </a:endParaRPr>
+                    </a:p>
+                  </a:txBody>
+                  <a:tcPr marL="18287" marR="18287" marT="14629" marB="14629" anchor="ctr"/>
+                </a:tc>
+                <a:tc>
+                  <a:txBody>
+                    <a:bodyPr/>
+                    <a:lstStyle/>
+                    <a:p>
+                      <a:pPr algn="r"/>
+                      <a:r>
+                        <a:rPr lang="en-US" sz="900">
+                          <a:effectLst/>
+                        </a:rPr>
+                        <a:t>10</a:t>
+                      </a:r>
+                      <a:endParaRPr lang="en-US" sz="900">
+                        <a:solidFill>
+                          <a:schemeClr val="bg2"/>
+                        </a:solidFill>
+                        <a:effectLst/>
+                      </a:endParaRPr>
+                    </a:p>
+                  </a:txBody>
+                  <a:tcPr marL="18287" marR="18287" marT="14629" marB="14629" anchor="ctr"/>
+                </a:tc>
+                <a:tc>
+                  <a:txBody>
+                    <a:bodyPr/>
+                    <a:lstStyle/>
+                    <a:p>
+                      <a:pPr algn="r"/>
+                      <a:r>
+                        <a:rPr lang="en-US" sz="900">
+                          <a:effectLst/>
+                        </a:rPr>
+                        <a:t>0.10</a:t>
+                      </a:r>
+                      <a:endParaRPr lang="en-US" sz="900">
+                        <a:solidFill>
+                          <a:schemeClr val="bg2"/>
+                        </a:solidFill>
+                        <a:effectLst/>
+                      </a:endParaRPr>
+                    </a:p>
+                  </a:txBody>
+                  <a:tcPr marL="18287" marR="18287" marT="14629" marB="14629" anchor="ctr"/>
+                </a:tc>
+                <a:tc>
+                  <a:txBody>
+                    <a:bodyPr/>
+                    <a:lstStyle/>
+                    <a:p>
+                      <a:pPr algn="r"/>
+                      <a:r>
+                        <a:rPr lang="en-US" sz="900">
+                          <a:effectLst/>
+                        </a:rPr>
+                        <a:t>12</a:t>
+                      </a:r>
+                      <a:endParaRPr lang="en-US" sz="900">
+                        <a:solidFill>
+                          <a:schemeClr val="bg2"/>
+                        </a:solidFill>
+                        <a:effectLst/>
+                      </a:endParaRPr>
+                    </a:p>
+                  </a:txBody>
+                  <a:tcPr marL="18287" marR="18287" marT="14629" marB="14629" anchor="ctr"/>
+                </a:tc>
+                <a:extLst>
+                  <a:ext uri="{0D108BD9-81ED-4DB2-BD59-A6C34878D82A}">
+                    <a16:rowId xmlns:a16="http://schemas.microsoft.com/office/drawing/2014/main" val="2933385646"/>
+                  </a:ext>
+                </a:extLst>
+              </a:tr>
+              <a:tr h="111184">
+                <a:tc>
+                  <a:txBody>
+                    <a:bodyPr/>
+                    <a:lstStyle/>
+                    <a:p>
+                      <a:pPr algn="ctr"/>
+                      <a:r>
+                        <a:rPr lang="en-US" sz="900" dirty="0">
+                          <a:effectLst/>
+                        </a:rPr>
+                        <a:t>27</a:t>
+                      </a:r>
+                      <a:endParaRPr lang="en-US" sz="900" b="0" dirty="0">
+                        <a:solidFill>
+                          <a:schemeClr val="bg2"/>
+                        </a:solidFill>
+                        <a:effectLst/>
+                      </a:endParaRPr>
+                    </a:p>
+                  </a:txBody>
+                  <a:tcPr marL="18287" marR="18287" marT="14629" marB="14629" anchor="ctr"/>
+                </a:tc>
+                <a:tc>
+                  <a:txBody>
+                    <a:bodyPr/>
+                    <a:lstStyle/>
+                    <a:p>
+                      <a:pPr algn="r"/>
+                      <a:r>
+                        <a:rPr lang="en-US" sz="900">
+                          <a:effectLst/>
+                        </a:rPr>
+                        <a:t>100</a:t>
+                      </a:r>
+                      <a:endParaRPr lang="en-US" sz="900">
+                        <a:solidFill>
+                          <a:schemeClr val="bg2"/>
+                        </a:solidFill>
+                        <a:effectLst/>
+                      </a:endParaRPr>
+                    </a:p>
+                  </a:txBody>
+                  <a:tcPr marL="18287" marR="18287" marT="14629" marB="14629" anchor="ctr"/>
+                </a:tc>
+                <a:tc>
+                  <a:txBody>
+                    <a:bodyPr/>
+                    <a:lstStyle/>
+                    <a:p>
+                      <a:pPr algn="r"/>
+                      <a:r>
+                        <a:rPr lang="en-US" sz="900">
+                          <a:effectLst/>
+                        </a:rPr>
+                        <a:t>0.10</a:t>
+                      </a:r>
+                      <a:endParaRPr lang="en-US" sz="900">
+                        <a:solidFill>
+                          <a:schemeClr val="bg2"/>
+                        </a:solidFill>
+                        <a:effectLst/>
+                      </a:endParaRPr>
+                    </a:p>
+                  </a:txBody>
+                  <a:tcPr marL="18287" marR="18287" marT="14629" marB="14629" anchor="ctr"/>
+                </a:tc>
+                <a:tc>
+                  <a:txBody>
+                    <a:bodyPr/>
+                    <a:lstStyle/>
+                    <a:p>
+                      <a:pPr algn="r"/>
+                      <a:r>
+                        <a:rPr lang="en-US" sz="900" dirty="0">
+                          <a:effectLst/>
+                        </a:rPr>
+                        <a:t>12</a:t>
+                      </a:r>
+                      <a:endParaRPr lang="en-US" sz="900" dirty="0">
+                        <a:solidFill>
+                          <a:schemeClr val="bg2"/>
+                        </a:solidFill>
+                        <a:effectLst/>
+                      </a:endParaRPr>
+                    </a:p>
+                  </a:txBody>
+                  <a:tcPr marL="18287" marR="18287" marT="14629" marB="14629" anchor="ctr"/>
+                </a:tc>
+                <a:extLst>
+                  <a:ext uri="{0D108BD9-81ED-4DB2-BD59-A6C34878D82A}">
+                    <a16:rowId xmlns:a16="http://schemas.microsoft.com/office/drawing/2014/main" val="1352913431"/>
+                  </a:ext>
+                </a:extLst>
+              </a:tr>
+            </a:tbl>
+          </a:graphicData>
+        </a:graphic>
+      </p:graphicFrame>
+      <p:sp>
+        <p:nvSpPr>
+          <p:cNvPr id="7" name="TextBox 6">
+            <a:extLst>
+              <a:ext uri="{FF2B5EF4-FFF2-40B4-BE49-F238E27FC236}">
+                <a16:creationId xmlns:a16="http://schemas.microsoft.com/office/drawing/2014/main" id="{4E9C5286-F24B-42B1-A534-CE11DCF314D4}"/>
+              </a:ext>
+            </a:extLst>
+          </p:cNvPr>
+          <p:cNvSpPr txBox="1"/>
+          <p:nvPr/>
+        </p:nvSpPr>
+        <p:spPr>
+          <a:xfrm>
+            <a:off x="6608983" y="-31750"/>
+            <a:ext cx="1234633" cy="276999"/>
+          </a:xfrm>
+          <a:prstGeom prst="rect">
+            <a:avLst/>
+          </a:prstGeom>
+          <a:noFill/>
+        </p:spPr>
+        <p:txBody>
+          <a:bodyPr wrap="none" rtlCol="0">
+            <a:spAutoFit/>
+          </a:bodyPr>
+          <a:lstStyle/>
+          <a:p>
+            <a:r>
+              <a:rPr lang="en-US" sz="1200" u="sng" dirty="0"/>
+              <a:t>Parameter Grid</a:t>
+            </a:r>
+          </a:p>
+        </p:txBody>
+      </p:sp>
+      <p:sp>
+        <p:nvSpPr>
+          <p:cNvPr id="8" name="Rectangle 7">
+            <a:extLst>
+              <a:ext uri="{FF2B5EF4-FFF2-40B4-BE49-F238E27FC236}">
+                <a16:creationId xmlns:a16="http://schemas.microsoft.com/office/drawing/2014/main" id="{5623D487-E973-484F-8274-6937F5F2505F}"/>
+              </a:ext>
+            </a:extLst>
+          </p:cNvPr>
+          <p:cNvSpPr/>
+          <p:nvPr/>
+        </p:nvSpPr>
+        <p:spPr>
+          <a:xfrm>
+            <a:off x="2815804" y="3839773"/>
+            <a:ext cx="3124502" cy="1061829"/>
+          </a:xfrm>
+          <a:prstGeom prst="rect">
+            <a:avLst/>
+          </a:prstGeom>
+        </p:spPr>
+        <p:txBody>
+          <a:bodyPr wrap="square">
+            <a:spAutoFit/>
+          </a:bodyPr>
+          <a:lstStyle/>
+          <a:p>
+            <a:r>
+              <a:rPr lang="en-US" sz="1050" dirty="0">
+                <a:latin typeface="Consolas" panose="020B0609020204030204" pitchFamily="49" charset="0"/>
+              </a:rPr>
+              <a:t>## in R</a:t>
+            </a:r>
+          </a:p>
+          <a:p>
+            <a:r>
+              <a:rPr lang="en-US" sz="1050" dirty="0">
+                <a:latin typeface="Consolas" panose="020B0609020204030204" pitchFamily="49" charset="0"/>
+              </a:rPr>
+              <a:t>alpha &lt;- c(1, 10, 100)</a:t>
+            </a:r>
+          </a:p>
+          <a:p>
+            <a:r>
+              <a:rPr lang="en-US" sz="1050" dirty="0">
+                <a:latin typeface="Consolas" panose="020B0609020204030204" pitchFamily="49" charset="0"/>
+              </a:rPr>
+              <a:t>beta &lt;- c(0.01, 0.05, 0.1)</a:t>
+            </a:r>
+          </a:p>
+          <a:p>
+            <a:r>
+              <a:rPr lang="en-US" sz="1050" dirty="0">
+                <a:latin typeface="Consolas" panose="020B0609020204030204" pitchFamily="49" charset="0"/>
+              </a:rPr>
+              <a:t>gamma &lt;- c(10, 11, 12)</a:t>
+            </a:r>
+          </a:p>
+          <a:p>
+            <a:endParaRPr lang="en-US" sz="1050" dirty="0">
+              <a:latin typeface="Consolas" panose="020B0609020204030204" pitchFamily="49" charset="0"/>
+            </a:endParaRPr>
+          </a:p>
+          <a:p>
+            <a:r>
+              <a:rPr lang="en-US" sz="1050" dirty="0">
+                <a:latin typeface="Consolas" panose="020B0609020204030204" pitchFamily="49" charset="0"/>
+              </a:rPr>
+              <a:t>grid &lt;- </a:t>
+            </a:r>
+            <a:r>
+              <a:rPr lang="en-US" sz="1050" dirty="0" err="1">
+                <a:latin typeface="Consolas" panose="020B0609020204030204" pitchFamily="49" charset="0"/>
+              </a:rPr>
+              <a:t>expand.grid</a:t>
+            </a:r>
+            <a:r>
+              <a:rPr lang="en-US" sz="1050" dirty="0">
+                <a:latin typeface="Consolas" panose="020B0609020204030204" pitchFamily="49" charset="0"/>
+              </a:rPr>
+              <a:t>(alpha, beta, gamma)</a:t>
+            </a:r>
+          </a:p>
+        </p:txBody>
+      </p:sp>
+    </p:spTree>
+    <p:extLst>
+      <p:ext uri="{BB962C8B-B14F-4D97-AF65-F5344CB8AC3E}">
+        <p14:creationId xmlns:p14="http://schemas.microsoft.com/office/powerpoint/2010/main" val="3989270630"/>
+      </p:ext>
+    </p:extLst>
+  </p:cSld>
+  <p:clrMapOvr>
+    <a:masterClrMapping/>
+  </p:clrMapOvr>
+</p:sld>
+</file>
+
+<file path=ppt/slides/slide25.xml><?xml version="1.0" encoding="utf-8"?>
+<p:sld xmlns:a="http://schemas.openxmlformats.org/drawingml/2006/main" xmlns:r="http://schemas.openxmlformats.org/officeDocument/2006/relationships" xmlns:p="http://schemas.openxmlformats.org/presentationml/2006/main">
+  <p:cSld>
+    <p:spTree>
+      <p:nvGrpSpPr>
+        <p:cNvPr id="1" name=""/>
+        <p:cNvGrpSpPr/>
+        <p:nvPr/>
+      </p:nvGrpSpPr>
+      <p:grpSpPr>
+        <a:xfrm>
+          <a:off x="0" y="0"/>
+          <a:ext cx="0" cy="0"/>
+          <a:chOff x="0" y="0"/>
+          <a:chExt cx="0" cy="0"/>
+        </a:xfrm>
+      </p:grpSpPr>
+      <p:sp>
+        <p:nvSpPr>
+          <p:cNvPr id="2" name="Title 1">
+            <a:extLst>
+              <a:ext uri="{FF2B5EF4-FFF2-40B4-BE49-F238E27FC236}">
+                <a16:creationId xmlns:a16="http://schemas.microsoft.com/office/drawing/2014/main" id="{3FF9F2AF-573A-4783-99B7-936657049B8A}"/>
+              </a:ext>
+            </a:extLst>
+          </p:cNvPr>
+          <p:cNvSpPr>
+            <a:spLocks noGrp="1"/>
+          </p:cNvSpPr>
+          <p:nvPr>
+            <p:ph type="title"/>
+          </p:nvPr>
+        </p:nvSpPr>
+        <p:spPr>
+          <a:xfrm>
+            <a:off x="319500" y="490496"/>
+            <a:ext cx="2808000" cy="766804"/>
+          </a:xfrm>
+        </p:spPr>
+        <p:txBody>
+          <a:bodyPr/>
+          <a:lstStyle/>
+          <a:p>
+            <a:r>
+              <a:rPr lang="en-US" dirty="0"/>
+              <a:t>Regularization</a:t>
+            </a:r>
+          </a:p>
+        </p:txBody>
+      </p:sp>
+      <mc:AlternateContent xmlns:mc="http://schemas.openxmlformats.org/markup-compatibility/2006">
+        <mc:Choice xmlns:a14="http://schemas.microsoft.com/office/drawing/2010/main" Requires="a14">
+          <p:sp>
+            <p:nvSpPr>
+              <p:cNvPr id="3" name="Text Placeholder 2">
+                <a:extLst>
+                  <a:ext uri="{FF2B5EF4-FFF2-40B4-BE49-F238E27FC236}">
+                    <a16:creationId xmlns:a16="http://schemas.microsoft.com/office/drawing/2014/main" id="{C9FA4B09-BE53-4F40-9C7E-2C375A41658E}"/>
+                  </a:ext>
+                </a:extLst>
+              </p:cNvPr>
+              <p:cNvSpPr>
+                <a:spLocks noGrp="1"/>
+              </p:cNvSpPr>
+              <p:nvPr>
+                <p:ph type="body" idx="1"/>
+              </p:nvPr>
+            </p:nvSpPr>
+            <p:spPr>
+              <a:xfrm>
+                <a:off x="319500" y="1301750"/>
+                <a:ext cx="2808000" cy="3351254"/>
+              </a:xfrm>
+            </p:spPr>
+            <p:txBody>
+              <a:bodyPr/>
+              <a:lstStyle/>
+              <a:p>
+                <a:r>
+                  <a:rPr lang="en-US" dirty="0"/>
+                  <a:t>Adding in information to prevent overfitting of the model to training data.</a:t>
+                </a:r>
+              </a:p>
+              <a:p>
+                <a:r>
+                  <a:rPr lang="en-US" dirty="0"/>
+                  <a:t>Usually denoted by </a:t>
+                </a:r>
+                <a14:m>
+                  <m:oMath xmlns:m="http://schemas.openxmlformats.org/officeDocument/2006/math">
+                    <m:r>
+                      <a:rPr lang="en-US" i="1" smtClean="0">
+                        <a:latin typeface="Cambria Math" panose="02040503050406030204" pitchFamily="18" charset="0"/>
+                        <a:ea typeface="Cambria Math" panose="02040503050406030204" pitchFamily="18" charset="0"/>
+                      </a:rPr>
+                      <m:t>𝛼</m:t>
+                    </m:r>
+                  </m:oMath>
+                </a14:m>
+                <a:r>
+                  <a:rPr lang="en-US" dirty="0"/>
+                  <a:t> or </a:t>
+                </a:r>
+                <a14:m>
+                  <m:oMath xmlns:m="http://schemas.openxmlformats.org/officeDocument/2006/math">
+                    <m:sSub>
+                      <m:sSubPr>
+                        <m:ctrlPr>
+                          <a:rPr lang="en-US" i="1" smtClean="0">
+                            <a:latin typeface="Cambria Math" panose="02040503050406030204" pitchFamily="18" charset="0"/>
+                            <a:ea typeface="Cambria Math" panose="02040503050406030204" pitchFamily="18" charset="0"/>
+                          </a:rPr>
+                        </m:ctrlPr>
+                      </m:sSubPr>
+                      <m:e>
+                        <m:r>
+                          <a:rPr lang="en-US" i="1" smtClean="0">
+                            <a:latin typeface="Cambria Math" panose="02040503050406030204" pitchFamily="18" charset="0"/>
+                            <a:ea typeface="Cambria Math" panose="02040503050406030204" pitchFamily="18" charset="0"/>
+                          </a:rPr>
+                          <m:t>𝜆</m:t>
+                        </m:r>
+                      </m:e>
+                      <m:sub>
+                        <m:r>
+                          <a:rPr lang="en-US" b="0" i="1" smtClean="0">
+                            <a:latin typeface="Cambria Math" panose="02040503050406030204" pitchFamily="18" charset="0"/>
+                            <a:ea typeface="Cambria Math" panose="02040503050406030204" pitchFamily="18" charset="0"/>
+                          </a:rPr>
+                          <m:t>𝑘</m:t>
+                        </m:r>
+                      </m:sub>
+                    </m:sSub>
+                  </m:oMath>
+                </a14:m>
+                <a:endParaRPr lang="en-US" dirty="0"/>
+              </a:p>
+              <a:p>
+                <a:r>
+                  <a:rPr lang="en-US" dirty="0"/>
+                  <a:t>In combination, can be referred to as an Elastic Net</a:t>
+                </a:r>
+              </a:p>
+            </p:txBody>
+          </p:sp>
+        </mc:Choice>
+        <mc:Fallback>
+          <p:sp>
+            <p:nvSpPr>
+              <p:cNvPr id="3" name="Text Placeholder 2">
+                <a:extLst>
+                  <a:ext uri="{FF2B5EF4-FFF2-40B4-BE49-F238E27FC236}">
+                    <a16:creationId xmlns:a16="http://schemas.microsoft.com/office/drawing/2014/main" id="{C9FA4B09-BE53-4F40-9C7E-2C375A41658E}"/>
+                  </a:ext>
+                </a:extLst>
+              </p:cNvPr>
+              <p:cNvSpPr>
+                <a:spLocks noGrp="1" noRot="1" noChangeAspect="1" noMove="1" noResize="1" noEditPoints="1" noAdjustHandles="1" noChangeArrowheads="1" noChangeShapeType="1" noTextEdit="1"/>
+              </p:cNvSpPr>
+              <p:nvPr>
+                <p:ph type="body" idx="1"/>
+              </p:nvPr>
+            </p:nvSpPr>
+            <p:spPr>
+              <a:xfrm>
+                <a:off x="319500" y="1301750"/>
+                <a:ext cx="2808000" cy="3351254"/>
+              </a:xfrm>
+              <a:blipFill>
+                <a:blip r:embed="rId2"/>
+                <a:stretch>
+                  <a:fillRect/>
+                </a:stretch>
+              </a:blipFill>
+            </p:spPr>
+            <p:txBody>
+              <a:bodyPr/>
+              <a:lstStyle/>
+              <a:p>
+                <a:r>
+                  <a:rPr lang="en-US">
+                    <a:noFill/>
+                  </a:rPr>
+                  <a:t> </a:t>
+                </a:r>
+              </a:p>
+            </p:txBody>
+          </p:sp>
+        </mc:Fallback>
+      </mc:AlternateContent>
+      <p:pic>
+        <p:nvPicPr>
+          <p:cNvPr id="4098" name="Picture 2" descr="https://upload.wikimedia.org/wikipedia/commons/thumb/0/02/Regularization.svg/1024px-Regularization.svg.png">
+            <a:extLst>
+              <a:ext uri="{FF2B5EF4-FFF2-40B4-BE49-F238E27FC236}">
+                <a16:creationId xmlns:a16="http://schemas.microsoft.com/office/drawing/2014/main" id="{2FCE7D68-58AB-47F5-9D57-52A68C4873FE}"/>
+              </a:ext>
+            </a:extLst>
+          </p:cNvPr>
+          <p:cNvPicPr>
+            <a:picLocks noChangeAspect="1" noChangeArrowheads="1"/>
+          </p:cNvPicPr>
+          <p:nvPr/>
+        </p:nvPicPr>
+        <p:blipFill>
+          <a:blip r:embed="rId3">
+            <a:extLst>
+              <a:ext uri="{28A0092B-C50C-407E-A947-70E740481C1C}">
+                <a14:useLocalDpi xmlns:a14="http://schemas.microsoft.com/office/drawing/2010/main" val="0"/>
+              </a:ext>
+            </a:extLst>
+          </a:blip>
+          <a:srcRect/>
+          <a:stretch>
+            <a:fillRect/>
+          </a:stretch>
+        </p:blipFill>
+        <p:spPr bwMode="auto">
+          <a:xfrm>
+            <a:off x="418548" y="2670188"/>
+            <a:ext cx="2265362" cy="2181211"/>
+          </a:xfrm>
+          <a:prstGeom prst="rect">
+            <a:avLst/>
+          </a:prstGeom>
+          <a:noFill/>
+          <a:extLst>
+            <a:ext uri="{909E8E84-426E-40DD-AFC4-6F175D3DCCD1}">
+              <a14:hiddenFill xmlns:a14="http://schemas.microsoft.com/office/drawing/2010/main">
+                <a:solidFill>
+                  <a:srgbClr val="FFFFFF"/>
+                </a:solidFill>
+              </a14:hiddenFill>
+            </a:ext>
+          </a:extLst>
+        </p:spPr>
+      </p:pic>
+      <p:sp>
+        <p:nvSpPr>
+          <p:cNvPr id="4" name="Rectangle 3">
+            <a:extLst>
+              <a:ext uri="{FF2B5EF4-FFF2-40B4-BE49-F238E27FC236}">
+                <a16:creationId xmlns:a16="http://schemas.microsoft.com/office/drawing/2014/main" id="{ABCA39E4-4C4F-4712-BE4D-41E5BA3AAA71}"/>
+              </a:ext>
+            </a:extLst>
+          </p:cNvPr>
+          <p:cNvSpPr/>
+          <p:nvPr/>
+        </p:nvSpPr>
+        <p:spPr>
+          <a:xfrm>
+            <a:off x="-41800" y="4798308"/>
+            <a:ext cx="1765300" cy="369332"/>
+          </a:xfrm>
+          <a:prstGeom prst="rect">
+            <a:avLst/>
+          </a:prstGeom>
+        </p:spPr>
+        <p:txBody>
+          <a:bodyPr wrap="square">
+            <a:spAutoFit/>
+          </a:bodyPr>
+          <a:lstStyle/>
+          <a:p>
+            <a:r>
+              <a:rPr lang="en-US" sz="900" dirty="0">
+                <a:hlinkClick r:id="rId4"/>
+              </a:rPr>
+              <a:t>https://commons.wikimedia.org/wiki/File:Regularization.svg</a:t>
+            </a:r>
+            <a:endParaRPr lang="en-US" sz="900" dirty="0"/>
+          </a:p>
+        </p:txBody>
+      </p:sp>
+      <p:sp>
+        <p:nvSpPr>
+          <p:cNvPr id="5" name="TextBox 4">
+            <a:extLst>
+              <a:ext uri="{FF2B5EF4-FFF2-40B4-BE49-F238E27FC236}">
+                <a16:creationId xmlns:a16="http://schemas.microsoft.com/office/drawing/2014/main" id="{292F74D5-1E11-4196-952F-AC74B026251F}"/>
+              </a:ext>
+            </a:extLst>
+          </p:cNvPr>
+          <p:cNvSpPr txBox="1"/>
+          <p:nvPr/>
+        </p:nvSpPr>
+        <p:spPr>
+          <a:xfrm>
+            <a:off x="6800089" y="3838715"/>
+            <a:ext cx="2343911" cy="1169551"/>
+          </a:xfrm>
+          <a:prstGeom prst="rect">
+            <a:avLst/>
+          </a:prstGeom>
+          <a:noFill/>
+        </p:spPr>
+        <p:txBody>
+          <a:bodyPr wrap="none" rtlCol="0">
+            <a:spAutoFit/>
+          </a:bodyPr>
+          <a:lstStyle/>
+          <a:p>
+            <a:r>
+              <a:rPr lang="en-US" dirty="0"/>
+              <a:t>Other Papers:</a:t>
+            </a:r>
+          </a:p>
+          <a:p>
+            <a:pPr marL="285750" indent="-285750">
+              <a:buFont typeface="Arial" panose="020B0604020202020204" pitchFamily="34" charset="0"/>
+              <a:buChar char="•"/>
+            </a:pPr>
+            <a:r>
+              <a:rPr lang="en-US" dirty="0">
+                <a:hlinkClick r:id="rId5"/>
+              </a:rPr>
+              <a:t>Elastic Nets</a:t>
+            </a:r>
+            <a:endParaRPr lang="en-US" dirty="0"/>
+          </a:p>
+          <a:p>
+            <a:pPr marL="285750" indent="-285750">
+              <a:buFont typeface="Arial" panose="020B0604020202020204" pitchFamily="34" charset="0"/>
+              <a:buChar char="•"/>
+            </a:pPr>
+            <a:r>
+              <a:rPr lang="en-US" dirty="0">
+                <a:hlinkClick r:id="rId6"/>
+              </a:rPr>
+              <a:t>LASSO</a:t>
+            </a:r>
+            <a:endParaRPr lang="en-US" dirty="0"/>
+          </a:p>
+          <a:p>
+            <a:pPr marL="285750" indent="-285750">
+              <a:buFont typeface="Arial" panose="020B0604020202020204" pitchFamily="34" charset="0"/>
+              <a:buChar char="•"/>
+            </a:pPr>
+            <a:r>
+              <a:rPr lang="en-US" dirty="0">
+                <a:hlinkClick r:id="rId7"/>
+              </a:rPr>
+              <a:t>Ridge Regression</a:t>
+            </a:r>
+            <a:endParaRPr lang="en-US" dirty="0"/>
+          </a:p>
+          <a:p>
+            <a:pPr marL="285750" indent="-285750">
+              <a:buFont typeface="Arial" panose="020B0604020202020204" pitchFamily="34" charset="0"/>
+              <a:buChar char="•"/>
+            </a:pPr>
+            <a:r>
+              <a:rPr lang="en-US" dirty="0">
+                <a:hlinkClick r:id="rId8"/>
+              </a:rPr>
+              <a:t>L</a:t>
+            </a:r>
+            <a:r>
+              <a:rPr lang="en-US" baseline="-25000" dirty="0">
+                <a:hlinkClick r:id="rId8"/>
+              </a:rPr>
+              <a:t>1</a:t>
+            </a:r>
+            <a:r>
+              <a:rPr lang="en-US" dirty="0">
+                <a:hlinkClick r:id="rId8"/>
+              </a:rPr>
+              <a:t> vs L</a:t>
+            </a:r>
+            <a:r>
+              <a:rPr lang="en-US" baseline="-25000" dirty="0">
+                <a:hlinkClick r:id="rId8"/>
+              </a:rPr>
+              <a:t>2</a:t>
+            </a:r>
+            <a:r>
+              <a:rPr lang="en-US" dirty="0">
+                <a:hlinkClick r:id="rId8"/>
+              </a:rPr>
+              <a:t> Regularization</a:t>
+            </a:r>
+            <a:endParaRPr lang="en-US" dirty="0"/>
+          </a:p>
+        </p:txBody>
+      </p:sp>
+      <mc:AlternateContent xmlns:mc="http://schemas.openxmlformats.org/markup-compatibility/2006">
+        <mc:Choice xmlns:a14="http://schemas.microsoft.com/office/drawing/2010/main" Requires="a14">
+          <p:sp>
+            <p:nvSpPr>
+              <p:cNvPr id="6" name="TextBox 5">
+                <a:extLst>
+                  <a:ext uri="{FF2B5EF4-FFF2-40B4-BE49-F238E27FC236}">
+                    <a16:creationId xmlns:a16="http://schemas.microsoft.com/office/drawing/2014/main" id="{AFD4711B-A421-4151-A9C5-1D7BCD7DDCE4}"/>
+                  </a:ext>
+                </a:extLst>
+              </p:cNvPr>
+              <p:cNvSpPr txBox="1"/>
+              <p:nvPr/>
+            </p:nvSpPr>
+            <p:spPr>
+              <a:xfrm>
+                <a:off x="3457452" y="534265"/>
+                <a:ext cx="5284498" cy="1709314"/>
+              </a:xfrm>
+              <a:prstGeom prst="rect">
+                <a:avLst/>
+              </a:prstGeom>
+              <a:noFill/>
+            </p:spPr>
+            <p:txBody>
+              <a:bodyPr wrap="square" rtlCol="0">
+                <a:spAutoFit/>
+              </a:bodyPr>
+              <a:lstStyle/>
+              <a:p>
+                <a:r>
+                  <a:rPr lang="en-US" dirty="0"/>
+                  <a:t>LASSO: Least Absolute Shrinkage and Selection Operator</a:t>
+                </a:r>
+              </a:p>
+              <a:p>
+                <a:pPr marL="285750" indent="-285750">
+                  <a:buFont typeface="Arial" panose="020B0604020202020204" pitchFamily="34" charset="0"/>
+                  <a:buChar char="•"/>
+                </a:pPr>
+                <a:r>
+                  <a:rPr lang="en-US" dirty="0"/>
+                  <a:t>Based on the L</a:t>
+                </a:r>
+                <a:r>
+                  <a:rPr lang="en-US" baseline="-25000" dirty="0"/>
+                  <a:t>1</a:t>
+                </a:r>
+                <a:r>
+                  <a:rPr lang="en-US" dirty="0"/>
+                  <a:t> distance (a.k.a. the taxicab metric)</a:t>
+                </a:r>
+              </a:p>
+              <a:p>
+                <a:pPr marL="285750" indent="-285750">
+                  <a:buFont typeface="Arial" panose="020B0604020202020204" pitchFamily="34" charset="0"/>
+                  <a:buChar char="•"/>
+                </a:pPr>
+                <a14:m>
+                  <m:oMath xmlns:m="http://schemas.openxmlformats.org/officeDocument/2006/math">
+                    <m:func>
+                      <m:funcPr>
+                        <m:ctrlPr>
+                          <a:rPr lang="en-US" b="0" i="1" smtClean="0">
+                            <a:latin typeface="Cambria Math" panose="02040503050406030204" pitchFamily="18" charset="0"/>
+                          </a:rPr>
+                        </m:ctrlPr>
+                      </m:funcPr>
+                      <m:fName>
+                        <m:limLow>
+                          <m:limLowPr>
+                            <m:ctrlPr>
+                              <a:rPr lang="en-US" b="0" i="1" smtClean="0">
+                                <a:latin typeface="Cambria Math" panose="02040503050406030204" pitchFamily="18" charset="0"/>
+                              </a:rPr>
+                            </m:ctrlPr>
+                          </m:limLowPr>
+                          <m:e>
+                            <m:r>
+                              <m:rPr>
+                                <m:sty m:val="p"/>
+                              </m:rPr>
+                              <a:rPr lang="en-US" b="0" i="0" smtClean="0">
+                                <a:latin typeface="Cambria Math" panose="02040503050406030204" pitchFamily="18" charset="0"/>
+                              </a:rPr>
+                              <m:t>min</m:t>
+                            </m:r>
+                          </m:e>
+                          <m:lim>
+                            <m:r>
+                              <a:rPr lang="en-US" b="0" i="1" smtClean="0">
+                                <a:latin typeface="Cambria Math" panose="02040503050406030204" pitchFamily="18" charset="0"/>
+                                <a:ea typeface="Cambria Math" panose="02040503050406030204" pitchFamily="18" charset="0"/>
+                              </a:rPr>
+                              <m:t>𝛽</m:t>
+                            </m:r>
+                            <m:r>
+                              <a:rPr lang="en-US" b="0" i="1" smtClean="0">
+                                <a:latin typeface="Cambria Math" panose="02040503050406030204" pitchFamily="18" charset="0"/>
+                                <a:ea typeface="Cambria Math" panose="02040503050406030204" pitchFamily="18" charset="0"/>
+                              </a:rPr>
+                              <m:t>,</m:t>
+                            </m:r>
+                            <m:sSub>
+                              <m:sSubPr>
+                                <m:ctrlPr>
+                                  <a:rPr lang="en-US" b="0" i="1" smtClean="0">
+                                    <a:latin typeface="Cambria Math" panose="02040503050406030204" pitchFamily="18" charset="0"/>
+                                    <a:ea typeface="Cambria Math" panose="02040503050406030204" pitchFamily="18" charset="0"/>
+                                  </a:rPr>
+                                </m:ctrlPr>
+                              </m:sSubPr>
+                              <m:e>
+                                <m:r>
+                                  <a:rPr lang="en-US" b="0" i="1" smtClean="0">
+                                    <a:latin typeface="Cambria Math" panose="02040503050406030204" pitchFamily="18" charset="0"/>
+                                    <a:ea typeface="Cambria Math" panose="02040503050406030204" pitchFamily="18" charset="0"/>
+                                  </a:rPr>
+                                  <m:t>𝛽</m:t>
+                                </m:r>
+                              </m:e>
+                              <m:sub>
+                                <m:r>
+                                  <a:rPr lang="en-US" b="0" i="1" smtClean="0">
+                                    <a:latin typeface="Cambria Math" panose="02040503050406030204" pitchFamily="18" charset="0"/>
+                                    <a:ea typeface="Cambria Math" panose="02040503050406030204" pitchFamily="18" charset="0"/>
+                                  </a:rPr>
+                                  <m:t>0</m:t>
+                                </m:r>
+                              </m:sub>
+                            </m:sSub>
+                          </m:lim>
+                        </m:limLow>
+                      </m:fName>
+                      <m:e>
+                        <m:d>
+                          <m:dPr>
+                            <m:begChr m:val="{"/>
+                            <m:endChr m:val="}"/>
+                            <m:ctrlPr>
+                              <a:rPr lang="en-US" i="1">
+                                <a:latin typeface="Cambria Math" panose="02040503050406030204" pitchFamily="18" charset="0"/>
+                              </a:rPr>
+                            </m:ctrlPr>
+                          </m:dPr>
+                          <m:e>
+                            <m:f>
+                              <m:fPr>
+                                <m:ctrlPr>
+                                  <a:rPr lang="en-US" i="1">
+                                    <a:latin typeface="Cambria Math" panose="02040503050406030204" pitchFamily="18" charset="0"/>
+                                  </a:rPr>
+                                </m:ctrlPr>
+                              </m:fPr>
+                              <m:num>
+                                <m:r>
+                                  <a:rPr lang="en-US" b="0" i="1" smtClean="0">
+                                    <a:latin typeface="Cambria Math" panose="02040503050406030204" pitchFamily="18" charset="0"/>
+                                  </a:rPr>
+                                  <m:t>1</m:t>
+                                </m:r>
+                              </m:num>
+                              <m:den>
+                                <m:r>
+                                  <a:rPr lang="en-US" b="0" i="1" smtClean="0">
+                                    <a:latin typeface="Cambria Math" panose="02040503050406030204" pitchFamily="18" charset="0"/>
+                                  </a:rPr>
+                                  <m:t>𝑁</m:t>
+                                </m:r>
+                              </m:den>
+                            </m:f>
+                            <m:nary>
+                              <m:naryPr>
+                                <m:chr m:val="∑"/>
+                                <m:ctrlPr>
+                                  <a:rPr lang="en-US" i="1" smtClean="0">
+                                    <a:latin typeface="Cambria Math" panose="02040503050406030204" pitchFamily="18" charset="0"/>
+                                  </a:rPr>
+                                </m:ctrlPr>
+                              </m:naryPr>
+                              <m:sub>
+                                <m:r>
+                                  <m:rPr>
+                                    <m:brk m:alnAt="23"/>
+                                  </m:rPr>
+                                  <a:rPr lang="en-US" b="0" i="1" smtClean="0">
+                                    <a:latin typeface="Cambria Math" panose="02040503050406030204" pitchFamily="18" charset="0"/>
+                                  </a:rPr>
+                                  <m:t>𝑖</m:t>
+                                </m:r>
+                                <m:r>
+                                  <a:rPr lang="en-US" b="0" i="1" smtClean="0">
+                                    <a:latin typeface="Cambria Math" panose="02040503050406030204" pitchFamily="18" charset="0"/>
+                                  </a:rPr>
+                                  <m:t>=1</m:t>
+                                </m:r>
+                              </m:sub>
+                              <m:sup>
+                                <m:r>
+                                  <a:rPr lang="en-US" b="0" i="1" smtClean="0">
+                                    <a:latin typeface="Cambria Math" panose="02040503050406030204" pitchFamily="18" charset="0"/>
+                                  </a:rPr>
+                                  <m:t>𝑁</m:t>
+                                </m:r>
+                              </m:sup>
+                              <m:e>
+                                <m:sSup>
+                                  <m:sSupPr>
+                                    <m:ctrlPr>
+                                      <a:rPr lang="en-US" i="1" smtClean="0">
+                                        <a:latin typeface="Cambria Math" panose="02040503050406030204" pitchFamily="18" charset="0"/>
+                                      </a:rPr>
+                                    </m:ctrlPr>
+                                  </m:sSupPr>
+                                  <m:e>
+                                    <m:d>
+                                      <m:dPr>
+                                        <m:ctrlPr>
+                                          <a:rPr lang="en-US" i="1">
+                                            <a:latin typeface="Cambria Math" panose="02040503050406030204" pitchFamily="18" charset="0"/>
+                                          </a:rPr>
+                                        </m:ctrlPr>
+                                      </m:dPr>
+                                      <m:e>
+                                        <m:sSub>
+                                          <m:sSubPr>
+                                            <m:ctrlPr>
+                                              <a:rPr lang="en-US" i="1">
+                                                <a:latin typeface="Cambria Math" panose="02040503050406030204" pitchFamily="18" charset="0"/>
+                                              </a:rPr>
+                                            </m:ctrlPr>
+                                          </m:sSubPr>
+                                          <m:e>
+                                            <m:r>
+                                              <a:rPr lang="en-US" i="1">
+                                                <a:latin typeface="Cambria Math" panose="02040503050406030204" pitchFamily="18" charset="0"/>
+                                              </a:rPr>
+                                              <m:t>𝑦</m:t>
+                                            </m:r>
+                                          </m:e>
+                                          <m:sub>
+                                            <m:r>
+                                              <a:rPr lang="en-US" i="1">
+                                                <a:latin typeface="Cambria Math" panose="02040503050406030204" pitchFamily="18" charset="0"/>
+                                              </a:rPr>
+                                              <m:t>𝑖</m:t>
+                                            </m:r>
+                                          </m:sub>
+                                        </m:sSub>
+                                        <m:r>
+                                          <a:rPr lang="en-US" i="1">
+                                            <a:latin typeface="Cambria Math" panose="02040503050406030204" pitchFamily="18" charset="0"/>
+                                          </a:rPr>
+                                          <m:t>−</m:t>
+                                        </m:r>
+                                        <m:sSub>
+                                          <m:sSubPr>
+                                            <m:ctrlPr>
+                                              <a:rPr lang="en-US" i="1">
+                                                <a:latin typeface="Cambria Math" panose="02040503050406030204" pitchFamily="18" charset="0"/>
+                                              </a:rPr>
+                                            </m:ctrlPr>
+                                          </m:sSubPr>
+                                          <m:e>
+                                            <m:r>
+                                              <a:rPr lang="en-US" i="1">
+                                                <a:latin typeface="Cambria Math" panose="02040503050406030204" pitchFamily="18" charset="0"/>
+                                                <a:ea typeface="Cambria Math" panose="02040503050406030204" pitchFamily="18" charset="0"/>
+                                              </a:rPr>
+                                              <m:t>𝛽</m:t>
+                                            </m:r>
+                                          </m:e>
+                                          <m:sub>
+                                            <m:r>
+                                              <a:rPr lang="en-US" i="1">
+                                                <a:latin typeface="Cambria Math" panose="02040503050406030204" pitchFamily="18" charset="0"/>
+                                              </a:rPr>
+                                              <m:t>0</m:t>
+                                            </m:r>
+                                          </m:sub>
+                                        </m:sSub>
+                                        <m:r>
+                                          <a:rPr lang="en-US" i="1">
+                                            <a:latin typeface="Cambria Math" panose="02040503050406030204" pitchFamily="18" charset="0"/>
+                                          </a:rPr>
+                                          <m:t>−</m:t>
+                                        </m:r>
+                                        <m:sSubSup>
+                                          <m:sSubSupPr>
+                                            <m:ctrlPr>
+                                              <a:rPr lang="en-US" i="1">
+                                                <a:latin typeface="Cambria Math" panose="02040503050406030204" pitchFamily="18" charset="0"/>
+                                              </a:rPr>
+                                            </m:ctrlPr>
+                                          </m:sSubSupPr>
+                                          <m:e>
+                                            <m:r>
+                                              <a:rPr lang="en-US" i="1">
+                                                <a:latin typeface="Cambria Math" panose="02040503050406030204" pitchFamily="18" charset="0"/>
+                                              </a:rPr>
+                                              <m:t>𝑥</m:t>
+                                            </m:r>
+                                          </m:e>
+                                          <m:sub>
+                                            <m:r>
+                                              <a:rPr lang="en-US" i="1">
+                                                <a:latin typeface="Cambria Math" panose="02040503050406030204" pitchFamily="18" charset="0"/>
+                                              </a:rPr>
+                                              <m:t>𝑖</m:t>
+                                            </m:r>
+                                          </m:sub>
+                                          <m:sup>
+                                            <m:r>
+                                              <a:rPr lang="en-US" i="1">
+                                                <a:latin typeface="Cambria Math" panose="02040503050406030204" pitchFamily="18" charset="0"/>
+                                              </a:rPr>
+                                              <m:t>𝑇</m:t>
+                                            </m:r>
+                                          </m:sup>
+                                        </m:sSubSup>
+                                        <m:r>
+                                          <a:rPr lang="en-US" i="1">
+                                            <a:latin typeface="Cambria Math" panose="02040503050406030204" pitchFamily="18" charset="0"/>
+                                            <a:ea typeface="Cambria Math" panose="02040503050406030204" pitchFamily="18" charset="0"/>
+                                          </a:rPr>
+                                          <m:t>𝛽</m:t>
+                                        </m:r>
+                                      </m:e>
+                                    </m:d>
+                                  </m:e>
+                                  <m:sup>
+                                    <m:r>
+                                      <a:rPr lang="en-US" b="0" i="1" smtClean="0">
+                                        <a:latin typeface="Cambria Math" panose="02040503050406030204" pitchFamily="18" charset="0"/>
+                                      </a:rPr>
+                                      <m:t>2</m:t>
+                                    </m:r>
+                                  </m:sup>
+                                </m:sSup>
+                              </m:e>
+                            </m:nary>
+                          </m:e>
+                        </m:d>
+                      </m:e>
+                    </m:func>
+                  </m:oMath>
+                </a14:m>
+                <a:r>
+                  <a:rPr lang="en-US" dirty="0"/>
+                  <a:t> subject to </a:t>
+                </a:r>
+                <a14:m>
+                  <m:oMath xmlns:m="http://schemas.openxmlformats.org/officeDocument/2006/math">
+                    <m:sSup>
+                      <m:sSupPr>
+                        <m:ctrlPr>
+                          <a:rPr lang="en-US" i="1" smtClean="0">
+                            <a:latin typeface="Cambria Math" panose="02040503050406030204" pitchFamily="18" charset="0"/>
+                          </a:rPr>
+                        </m:ctrlPr>
+                      </m:sSupPr>
+                      <m:e>
+                        <m:d>
+                          <m:dPr>
+                            <m:ctrlPr>
+                              <a:rPr lang="en-US" i="1">
+                                <a:latin typeface="Cambria Math" panose="02040503050406030204" pitchFamily="18" charset="0"/>
+                              </a:rPr>
+                            </m:ctrlPr>
+                          </m:dPr>
+                          <m:e>
+                            <m:nary>
+                              <m:naryPr>
+                                <m:chr m:val="∑"/>
+                                <m:ctrlPr>
+                                  <a:rPr lang="en-US" i="1">
+                                    <a:latin typeface="Cambria Math" panose="02040503050406030204" pitchFamily="18" charset="0"/>
+                                  </a:rPr>
+                                </m:ctrlPr>
+                              </m:naryPr>
+                              <m:sub>
+                                <m:r>
+                                  <m:rPr>
+                                    <m:brk m:alnAt="23"/>
+                                  </m:rPr>
+                                  <a:rPr lang="en-US" i="1">
+                                    <a:latin typeface="Cambria Math" panose="02040503050406030204" pitchFamily="18" charset="0"/>
+                                  </a:rPr>
+                                  <m:t>𝑖</m:t>
+                                </m:r>
+                                <m:r>
+                                  <a:rPr lang="en-US" i="1">
+                                    <a:latin typeface="Cambria Math" panose="02040503050406030204" pitchFamily="18" charset="0"/>
+                                  </a:rPr>
+                                  <m:t>=1</m:t>
+                                </m:r>
+                              </m:sub>
+                              <m:sup>
+                                <m:r>
+                                  <a:rPr lang="en-US" i="1">
+                                    <a:latin typeface="Cambria Math" panose="02040503050406030204" pitchFamily="18" charset="0"/>
+                                  </a:rPr>
+                                  <m:t>𝑁</m:t>
+                                </m:r>
+                              </m:sup>
+                              <m:e>
+                                <m:sSup>
+                                  <m:sSupPr>
+                                    <m:ctrlPr>
+                                      <a:rPr lang="en-US" i="1">
+                                        <a:latin typeface="Cambria Math" panose="02040503050406030204" pitchFamily="18" charset="0"/>
+                                      </a:rPr>
+                                    </m:ctrlPr>
+                                  </m:sSupPr>
+                                  <m:e>
+                                    <m:d>
+                                      <m:dPr>
+                                        <m:begChr m:val="|"/>
+                                        <m:endChr m:val="|"/>
+                                        <m:ctrlPr>
+                                          <a:rPr lang="en-US" i="1">
+                                            <a:latin typeface="Cambria Math" panose="02040503050406030204" pitchFamily="18" charset="0"/>
+                                          </a:rPr>
+                                        </m:ctrlPr>
+                                      </m:dPr>
+                                      <m:e>
+                                        <m:r>
+                                          <a:rPr lang="en-US" i="1">
+                                            <a:latin typeface="Cambria Math" panose="02040503050406030204" pitchFamily="18" charset="0"/>
+                                            <a:ea typeface="Cambria Math" panose="02040503050406030204" pitchFamily="18" charset="0"/>
+                                          </a:rPr>
+                                          <m:t>𝛽</m:t>
+                                        </m:r>
+                                      </m:e>
+                                    </m:d>
+                                  </m:e>
+                                  <m:sup>
+                                    <m:r>
+                                      <a:rPr lang="en-US" b="0" i="1" smtClean="0">
+                                        <a:latin typeface="Cambria Math" panose="02040503050406030204" pitchFamily="18" charset="0"/>
+                                        <a:ea typeface="Cambria Math" panose="02040503050406030204" pitchFamily="18" charset="0"/>
+                                      </a:rPr>
+                                      <m:t>𝑝</m:t>
+                                    </m:r>
+                                  </m:sup>
+                                </m:sSup>
+                              </m:e>
+                            </m:nary>
+                          </m:e>
+                        </m:d>
+                      </m:e>
+                      <m:sup>
+                        <m:r>
+                          <a:rPr lang="en-US" b="0" i="1" smtClean="0">
+                            <a:latin typeface="Cambria Math" panose="02040503050406030204" pitchFamily="18" charset="0"/>
+                          </a:rPr>
+                          <m:t>1/</m:t>
+                        </m:r>
+                        <m:r>
+                          <a:rPr lang="en-US" b="0" i="1" smtClean="0">
+                            <a:latin typeface="Cambria Math" panose="02040503050406030204" pitchFamily="18" charset="0"/>
+                          </a:rPr>
+                          <m:t>𝑝</m:t>
+                        </m:r>
+                      </m:sup>
+                    </m:sSup>
+                  </m:oMath>
+                </a14:m>
+                <a:endParaRPr lang="en-US" dirty="0"/>
+              </a:p>
+              <a:p>
+                <a:pPr marL="285750" indent="-285750">
+                  <a:buFont typeface="Arial" panose="020B0604020202020204" pitchFamily="34" charset="0"/>
+                  <a:buChar char="•"/>
+                </a:pPr>
+                <a:endParaRPr lang="en-US" dirty="0"/>
+              </a:p>
+              <a:p>
+                <a:r>
+                  <a:rPr lang="en-US" dirty="0"/>
+                  <a:t>Ridge Regression (a.k.a. Weight Decay)</a:t>
+                </a:r>
+              </a:p>
+              <a:p>
+                <a:pPr marL="285750" indent="-285750">
+                  <a:buFont typeface="Arial" panose="020B0604020202020204" pitchFamily="34" charset="0"/>
+                  <a:buChar char="•"/>
+                </a:pPr>
+                <a:r>
+                  <a:rPr lang="en-US" dirty="0"/>
+                  <a:t>Most commonly used.</a:t>
+                </a:r>
+              </a:p>
+              <a:p>
+                <a:pPr marL="285750" indent="-285750">
+                  <a:buFont typeface="Arial" panose="020B0604020202020204" pitchFamily="34" charset="0"/>
+                  <a:buChar char="•"/>
+                </a:pPr>
+                <a:r>
+                  <a:rPr lang="en-US" dirty="0"/>
+                  <a:t>Based on L</a:t>
+                </a:r>
+                <a:r>
+                  <a:rPr lang="en-US" baseline="-25000" dirty="0"/>
+                  <a:t>2</a:t>
+                </a:r>
+                <a:r>
+                  <a:rPr lang="en-US" dirty="0"/>
+                  <a:t> distance (Euclidean distance)</a:t>
+                </a:r>
+              </a:p>
+            </p:txBody>
+          </p:sp>
+        </mc:Choice>
+        <mc:Fallback>
+          <p:sp>
+            <p:nvSpPr>
+              <p:cNvPr id="6" name="TextBox 5">
+                <a:extLst>
+                  <a:ext uri="{FF2B5EF4-FFF2-40B4-BE49-F238E27FC236}">
+                    <a16:creationId xmlns:a16="http://schemas.microsoft.com/office/drawing/2014/main" id="{AFD4711B-A421-4151-A9C5-1D7BCD7DDCE4}"/>
+                  </a:ext>
+                </a:extLst>
+              </p:cNvPr>
+              <p:cNvSpPr txBox="1">
+                <a:spLocks noRot="1" noChangeAspect="1" noMove="1" noResize="1" noEditPoints="1" noAdjustHandles="1" noChangeArrowheads="1" noChangeShapeType="1" noTextEdit="1"/>
+              </p:cNvSpPr>
+              <p:nvPr/>
+            </p:nvSpPr>
+            <p:spPr>
+              <a:xfrm>
+                <a:off x="3457452" y="534265"/>
+                <a:ext cx="5284498" cy="1709314"/>
+              </a:xfrm>
+              <a:prstGeom prst="rect">
+                <a:avLst/>
+              </a:prstGeom>
+              <a:blipFill>
+                <a:blip r:embed="rId9"/>
+                <a:stretch>
+                  <a:fillRect l="-346" t="-714" b="-2857"/>
+                </a:stretch>
+              </a:blipFill>
+            </p:spPr>
+            <p:txBody>
+              <a:bodyPr/>
+              <a:lstStyle/>
+              <a:p>
+                <a:r>
+                  <a:rPr lang="en-US">
+                    <a:noFill/>
+                  </a:rPr>
+                  <a:t> </a:t>
+                </a:r>
+              </a:p>
+            </p:txBody>
+          </p:sp>
+        </mc:Fallback>
+      </mc:AlternateContent>
+      <p:pic>
+        <p:nvPicPr>
+          <p:cNvPr id="4100" name="Picture 4" descr="File:L1 and L2 balls.svg">
+            <a:extLst>
+              <a:ext uri="{FF2B5EF4-FFF2-40B4-BE49-F238E27FC236}">
+                <a16:creationId xmlns:a16="http://schemas.microsoft.com/office/drawing/2014/main" id="{80D01C20-47AD-46E0-889E-F53B4C57875D}"/>
+              </a:ext>
+            </a:extLst>
+          </p:cNvPr>
+          <p:cNvPicPr>
+            <a:picLocks noChangeAspect="1" noChangeArrowheads="1"/>
+          </p:cNvPicPr>
+          <p:nvPr/>
+        </p:nvPicPr>
+        <p:blipFill>
+          <a:blip r:embed="rId10">
+            <a:extLst>
+              <a:ext uri="{28A0092B-C50C-407E-A947-70E740481C1C}">
+                <a14:useLocalDpi xmlns:a14="http://schemas.microsoft.com/office/drawing/2010/main" val="0"/>
+              </a:ext>
+            </a:extLst>
+          </a:blip>
+          <a:srcRect/>
+          <a:stretch>
+            <a:fillRect/>
+          </a:stretch>
+        </p:blipFill>
+        <p:spPr bwMode="auto">
+          <a:xfrm>
+            <a:off x="2782958" y="2912351"/>
+            <a:ext cx="3770854" cy="1696884"/>
+          </a:xfrm>
+          <a:prstGeom prst="rect">
+            <a:avLst/>
+          </a:prstGeom>
+          <a:noFill/>
+          <a:extLst>
+            <a:ext uri="{909E8E84-426E-40DD-AFC4-6F175D3DCCD1}">
+              <a14:hiddenFill xmlns:a14="http://schemas.microsoft.com/office/drawing/2010/main">
+                <a:solidFill>
+                  <a:srgbClr val="FFFFFF"/>
+                </a:solidFill>
+              </a14:hiddenFill>
+            </a:ext>
+          </a:extLst>
+        </p:spPr>
+      </p:pic>
+      <p:sp>
+        <p:nvSpPr>
+          <p:cNvPr id="7" name="Rectangle 6">
+            <a:extLst>
+              <a:ext uri="{FF2B5EF4-FFF2-40B4-BE49-F238E27FC236}">
+                <a16:creationId xmlns:a16="http://schemas.microsoft.com/office/drawing/2014/main" id="{0FC0ADFF-CA5A-48C5-8897-5C7D94B61132}"/>
+              </a:ext>
+            </a:extLst>
+          </p:cNvPr>
+          <p:cNvSpPr/>
+          <p:nvPr/>
+        </p:nvSpPr>
+        <p:spPr>
+          <a:xfrm>
+            <a:off x="3862791" y="4802366"/>
+            <a:ext cx="1611187" cy="369332"/>
+          </a:xfrm>
+          <a:prstGeom prst="rect">
+            <a:avLst/>
+          </a:prstGeom>
+        </p:spPr>
+        <p:txBody>
+          <a:bodyPr wrap="square">
+            <a:spAutoFit/>
+          </a:bodyPr>
+          <a:lstStyle/>
+          <a:p>
+            <a:r>
+              <a:rPr lang="en-US" sz="900" dirty="0">
+                <a:hlinkClick r:id="rId11"/>
+              </a:rPr>
+              <a:t>https://en.wikipedia.org/wiki/File:L1_and_L2_balls.svg</a:t>
+            </a:r>
+            <a:endParaRPr lang="en-US" sz="900" dirty="0"/>
+          </a:p>
+        </p:txBody>
+      </p:sp>
+    </p:spTree>
+    <p:extLst>
+      <p:ext uri="{BB962C8B-B14F-4D97-AF65-F5344CB8AC3E}">
+        <p14:creationId xmlns:p14="http://schemas.microsoft.com/office/powerpoint/2010/main" val="30993264"/>
+      </p:ext>
+    </p:extLst>
+  </p:cSld>
+  <p:clrMapOvr>
+    <a:masterClrMapping/>
+  </p:clrMapOvr>
+</p:sld>
+</file>
+
+<file path=ppt/slides/slide26.xml><?xml version="1.0" encoding="utf-8"?>
+<p:sld xmlns:a="http://schemas.openxmlformats.org/drawingml/2006/main" xmlns:r="http://schemas.openxmlformats.org/officeDocument/2006/relationships" xmlns:p="http://schemas.openxmlformats.org/presentationml/2006/main">
+  <p:cSld>
+    <p:spTree>
+      <p:nvGrpSpPr>
+        <p:cNvPr id="1" name=""/>
+        <p:cNvGrpSpPr/>
+        <p:nvPr/>
+      </p:nvGrpSpPr>
+      <p:grpSpPr>
+        <a:xfrm>
+          <a:off x="0" y="0"/>
+          <a:ext cx="0" cy="0"/>
+          <a:chOff x="0" y="0"/>
+          <a:chExt cx="0" cy="0"/>
+        </a:xfrm>
+      </p:grpSpPr>
+      <p:sp>
+        <p:nvSpPr>
+          <p:cNvPr id="2" name="Title 1">
+            <a:extLst>
+              <a:ext uri="{FF2B5EF4-FFF2-40B4-BE49-F238E27FC236}">
+                <a16:creationId xmlns:a16="http://schemas.microsoft.com/office/drawing/2014/main" id="{3472FF27-B3AA-4859-999A-64197AF6C484}"/>
+              </a:ext>
+            </a:extLst>
+          </p:cNvPr>
+          <p:cNvSpPr>
+            <a:spLocks noGrp="1"/>
+          </p:cNvSpPr>
+          <p:nvPr>
+            <p:ph type="title"/>
+          </p:nvPr>
+        </p:nvSpPr>
+        <p:spPr/>
+        <p:txBody>
+          <a:bodyPr/>
+          <a:lstStyle/>
+          <a:p>
+            <a:r>
+              <a:rPr lang="en-US" dirty="0"/>
+              <a:t>Common Parameters to Sweep</a:t>
+            </a:r>
+          </a:p>
+        </p:txBody>
+      </p:sp>
+      <p:sp>
+        <p:nvSpPr>
+          <p:cNvPr id="3" name="Text Placeholder 2">
+            <a:extLst>
+              <a:ext uri="{FF2B5EF4-FFF2-40B4-BE49-F238E27FC236}">
+                <a16:creationId xmlns:a16="http://schemas.microsoft.com/office/drawing/2014/main" id="{AE4AD450-AFF1-44AC-9756-F18ED7C12BBD}"/>
+              </a:ext>
+            </a:extLst>
+          </p:cNvPr>
+          <p:cNvSpPr>
+            <a:spLocks noGrp="1"/>
+          </p:cNvSpPr>
+          <p:nvPr>
+            <p:ph type="body" idx="1"/>
+          </p:nvPr>
+        </p:nvSpPr>
+        <p:spPr/>
+        <p:txBody>
+          <a:bodyPr/>
+          <a:lstStyle/>
+          <a:p>
+            <a:r>
+              <a:rPr lang="en-US" dirty="0"/>
+              <a:t>Trees:</a:t>
+            </a:r>
+          </a:p>
+          <a:p>
+            <a:pPr lvl="1">
+              <a:lnSpc>
+                <a:spcPct val="100000"/>
+              </a:lnSpc>
+              <a:spcBef>
+                <a:spcPts val="0"/>
+              </a:spcBef>
+            </a:pPr>
+            <a:r>
+              <a:rPr lang="en-US" dirty="0"/>
+              <a:t>Max Depth</a:t>
+            </a:r>
+          </a:p>
+          <a:p>
+            <a:pPr lvl="1">
+              <a:lnSpc>
+                <a:spcPct val="100000"/>
+              </a:lnSpc>
+              <a:spcBef>
+                <a:spcPts val="0"/>
+              </a:spcBef>
+            </a:pPr>
+            <a:r>
+              <a:rPr lang="en-US" dirty="0"/>
+              <a:t>Max Bins</a:t>
+            </a:r>
+          </a:p>
+          <a:p>
+            <a:pPr lvl="1">
+              <a:lnSpc>
+                <a:spcPct val="100000"/>
+              </a:lnSpc>
+              <a:spcBef>
+                <a:spcPts val="0"/>
+              </a:spcBef>
+            </a:pPr>
+            <a:r>
+              <a:rPr lang="en-US" dirty="0"/>
+              <a:t>Number of Trees (in a Random Forest)</a:t>
+            </a:r>
+          </a:p>
+          <a:p>
+            <a:pPr lvl="1">
+              <a:lnSpc>
+                <a:spcPct val="100000"/>
+              </a:lnSpc>
+              <a:spcBef>
+                <a:spcPts val="0"/>
+              </a:spcBef>
+            </a:pPr>
+            <a:r>
+              <a:rPr lang="en-US" dirty="0"/>
+              <a:t>Max Splits</a:t>
+            </a:r>
+          </a:p>
+          <a:p>
+            <a:pPr lvl="1">
+              <a:lnSpc>
+                <a:spcPct val="100000"/>
+              </a:lnSpc>
+              <a:spcBef>
+                <a:spcPts val="0"/>
+              </a:spcBef>
+            </a:pPr>
+            <a:r>
+              <a:rPr lang="en-US" dirty="0"/>
+              <a:t>Max Features</a:t>
+            </a:r>
+          </a:p>
+          <a:p>
+            <a:pPr lvl="1">
+              <a:lnSpc>
+                <a:spcPct val="100000"/>
+              </a:lnSpc>
+              <a:spcBef>
+                <a:spcPts val="0"/>
+              </a:spcBef>
+            </a:pPr>
+            <a:r>
+              <a:rPr lang="en-US" dirty="0"/>
+              <a:t>Min Samples per Leaf</a:t>
+            </a:r>
+          </a:p>
+          <a:p>
+            <a:pPr lvl="1">
+              <a:lnSpc>
+                <a:spcPct val="100000"/>
+              </a:lnSpc>
+              <a:spcBef>
+                <a:spcPts val="0"/>
+              </a:spcBef>
+            </a:pPr>
+            <a:r>
+              <a:rPr lang="en-US" dirty="0"/>
+              <a:t>Max Leaf Nodes</a:t>
+            </a:r>
+          </a:p>
+          <a:p>
+            <a:pPr lvl="1">
+              <a:lnSpc>
+                <a:spcPct val="100000"/>
+              </a:lnSpc>
+              <a:spcBef>
+                <a:spcPts val="0"/>
+              </a:spcBef>
+            </a:pPr>
+            <a:r>
+              <a:rPr lang="en-US" dirty="0"/>
+              <a:t>Min Impurity Decrease</a:t>
+            </a:r>
+          </a:p>
+          <a:p>
+            <a:pPr lvl="1">
+              <a:lnSpc>
+                <a:spcPct val="100000"/>
+              </a:lnSpc>
+              <a:spcBef>
+                <a:spcPts val="0"/>
+              </a:spcBef>
+            </a:pPr>
+            <a:r>
+              <a:rPr lang="en-US" dirty="0"/>
+              <a:t>Min Impurity to Split</a:t>
+            </a:r>
+          </a:p>
+          <a:p>
+            <a:pPr lvl="1">
+              <a:lnSpc>
+                <a:spcPct val="100000"/>
+              </a:lnSpc>
+              <a:spcBef>
+                <a:spcPts val="0"/>
+              </a:spcBef>
+            </a:pPr>
+            <a:r>
+              <a:rPr lang="en-US" dirty="0"/>
+              <a:t>… and more</a:t>
+            </a:r>
+          </a:p>
+        </p:txBody>
+      </p:sp>
+      <p:sp>
+        <p:nvSpPr>
+          <p:cNvPr id="4" name="Text Placeholder 3">
+            <a:extLst>
+              <a:ext uri="{FF2B5EF4-FFF2-40B4-BE49-F238E27FC236}">
+                <a16:creationId xmlns:a16="http://schemas.microsoft.com/office/drawing/2014/main" id="{3A625093-B6F9-4EA9-8615-EEA75CF682AB}"/>
+              </a:ext>
+            </a:extLst>
+          </p:cNvPr>
+          <p:cNvSpPr>
+            <a:spLocks noGrp="1"/>
+          </p:cNvSpPr>
+          <p:nvPr>
+            <p:ph type="body" idx="2"/>
+          </p:nvPr>
+        </p:nvSpPr>
+        <p:spPr/>
+        <p:txBody>
+          <a:bodyPr/>
+          <a:lstStyle/>
+          <a:p>
+            <a:r>
+              <a:rPr lang="en-US" dirty="0"/>
+              <a:t>Other Algorithms:</a:t>
+            </a:r>
+          </a:p>
+          <a:p>
+            <a:pPr lvl="1">
+              <a:lnSpc>
+                <a:spcPct val="100000"/>
+              </a:lnSpc>
+              <a:spcBef>
+                <a:spcPts val="0"/>
+              </a:spcBef>
+            </a:pPr>
+            <a:r>
+              <a:rPr lang="en-US" dirty="0"/>
+              <a:t>Regularization</a:t>
+            </a:r>
+          </a:p>
+          <a:p>
+            <a:pPr lvl="1">
+              <a:lnSpc>
+                <a:spcPct val="100000"/>
+              </a:lnSpc>
+              <a:spcBef>
+                <a:spcPts val="0"/>
+              </a:spcBef>
+            </a:pPr>
+            <a:r>
+              <a:rPr lang="en-US" dirty="0"/>
+              <a:t>Elastic Net</a:t>
+            </a:r>
+          </a:p>
+          <a:p>
+            <a:pPr lvl="1">
+              <a:lnSpc>
+                <a:spcPct val="100000"/>
+              </a:lnSpc>
+              <a:spcBef>
+                <a:spcPts val="0"/>
+              </a:spcBef>
+            </a:pPr>
+            <a:r>
+              <a:rPr lang="en-US" dirty="0"/>
+              <a:t>Maximum Iterations</a:t>
+            </a:r>
+          </a:p>
+          <a:p>
+            <a:pPr lvl="1">
+              <a:lnSpc>
+                <a:spcPct val="100000"/>
+              </a:lnSpc>
+              <a:spcBef>
+                <a:spcPts val="0"/>
+              </a:spcBef>
+            </a:pPr>
+            <a:r>
+              <a:rPr lang="en-US" dirty="0"/>
+              <a:t>Smoothing (in Naïve Bayes)</a:t>
+            </a:r>
+          </a:p>
+          <a:p>
+            <a:pPr lvl="1">
+              <a:lnSpc>
+                <a:spcPct val="100000"/>
+              </a:lnSpc>
+              <a:spcBef>
+                <a:spcPts val="0"/>
+              </a:spcBef>
+            </a:pPr>
+            <a:r>
+              <a:rPr lang="en-US" dirty="0"/>
+              <a:t>… and more</a:t>
+            </a:r>
+          </a:p>
+        </p:txBody>
+      </p:sp>
+      <p:sp>
+        <p:nvSpPr>
+          <p:cNvPr id="5" name="Rectangle 4">
+            <a:extLst>
+              <a:ext uri="{FF2B5EF4-FFF2-40B4-BE49-F238E27FC236}">
+                <a16:creationId xmlns:a16="http://schemas.microsoft.com/office/drawing/2014/main" id="{3EBACC46-04CD-47C5-80D3-E64918757097}"/>
+              </a:ext>
+            </a:extLst>
+          </p:cNvPr>
+          <p:cNvSpPr/>
+          <p:nvPr/>
+        </p:nvSpPr>
+        <p:spPr>
+          <a:xfrm>
+            <a:off x="199444" y="1602675"/>
+            <a:ext cx="1857956" cy="3277820"/>
+          </a:xfrm>
+          <a:prstGeom prst="rect">
+            <a:avLst/>
+          </a:prstGeom>
+        </p:spPr>
+        <p:txBody>
+          <a:bodyPr wrap="square">
+            <a:spAutoFit/>
+          </a:bodyPr>
+          <a:lstStyle/>
+          <a:p>
+            <a:r>
+              <a:rPr lang="en-US" sz="900" dirty="0">
+                <a:hlinkClick r:id="rId2"/>
+              </a:rPr>
+              <a:t>https://scikit-learn.org/stable/modules/generated/sklearn.tree.DecisionTreeClassifier.html</a:t>
+            </a:r>
+            <a:endParaRPr lang="en-US" sz="900" dirty="0"/>
+          </a:p>
+          <a:p>
+            <a:endParaRPr lang="en-US" sz="900" dirty="0"/>
+          </a:p>
+          <a:p>
+            <a:r>
+              <a:rPr lang="en-US" sz="900" dirty="0">
+                <a:hlinkClick r:id="rId3"/>
+              </a:rPr>
+              <a:t>https://spark.apache.org/docs/2.2.0/mllib-decision-tree.html</a:t>
+            </a:r>
+            <a:endParaRPr lang="en-US" sz="900" dirty="0"/>
+          </a:p>
+          <a:p>
+            <a:endParaRPr lang="en-US" sz="900" dirty="0"/>
+          </a:p>
+          <a:p>
+            <a:r>
+              <a:rPr lang="en-US" sz="900" dirty="0">
+                <a:hlinkClick r:id="rId4"/>
+              </a:rPr>
+              <a:t>https://scikit-learn.org/stable/modules/generated/sklearn.linear_model.LinearRegression.html#sklearn.linear_model.LinearRegression</a:t>
+            </a:r>
+            <a:endParaRPr lang="en-US" sz="900" dirty="0"/>
+          </a:p>
+          <a:p>
+            <a:endParaRPr lang="en-US" sz="900" dirty="0"/>
+          </a:p>
+          <a:p>
+            <a:r>
+              <a:rPr lang="en-US" sz="900" dirty="0">
+                <a:hlinkClick r:id="rId5"/>
+              </a:rPr>
+              <a:t>https://spark.apache.org/docs/2.2.0/ml-classification-regression.html#regression</a:t>
+            </a:r>
+            <a:endParaRPr lang="en-US" sz="900" dirty="0"/>
+          </a:p>
+          <a:p>
+            <a:endParaRPr lang="en-US" sz="900" dirty="0"/>
+          </a:p>
+          <a:p>
+            <a:r>
+              <a:rPr lang="en-US" sz="900" dirty="0">
+                <a:hlinkClick r:id="rId6"/>
+              </a:rPr>
+              <a:t>https://spark.apache.org/docs/2.2.0/mllib-naive-bayes.html#naive-bayes-sparkmllib</a:t>
+            </a:r>
+            <a:endParaRPr lang="en-US" sz="900" dirty="0"/>
+          </a:p>
+          <a:p>
+            <a:endParaRPr lang="en-US" sz="900" dirty="0"/>
+          </a:p>
+        </p:txBody>
+      </p:sp>
+    </p:spTree>
+    <p:extLst>
+      <p:ext uri="{BB962C8B-B14F-4D97-AF65-F5344CB8AC3E}">
+        <p14:creationId xmlns:p14="http://schemas.microsoft.com/office/powerpoint/2010/main" val="2534537153"/>
+      </p:ext>
+    </p:extLst>
+  </p:cSld>
+  <p:clrMapOvr>
+    <a:masterClrMapping/>
+  </p:clrMapOvr>
+</p:sld>
+</file>
+
+<file path=ppt/slides/slide27.xml><?xml version="1.0" encoding="utf-8"?>
+<p:sld xmlns:a="http://schemas.openxmlformats.org/drawingml/2006/main" xmlns:r="http://schemas.openxmlformats.org/officeDocument/2006/relationships" xmlns:p="http://schemas.openxmlformats.org/presentationml/2006/main">
+  <p:cSld>
+    <p:spTree>
+      <p:nvGrpSpPr>
+        <p:cNvPr id="1" name=""/>
+        <p:cNvGrpSpPr/>
+        <p:nvPr/>
+      </p:nvGrpSpPr>
+      <p:grpSpPr>
+        <a:xfrm>
+          <a:off x="0" y="0"/>
+          <a:ext cx="0" cy="0"/>
+          <a:chOff x="0" y="0"/>
+          <a:chExt cx="0" cy="0"/>
+        </a:xfrm>
+      </p:grpSpPr>
+      <p:sp>
+        <p:nvSpPr>
+          <p:cNvPr id="2" name="Title 1">
+            <a:extLst>
+              <a:ext uri="{FF2B5EF4-FFF2-40B4-BE49-F238E27FC236}">
+                <a16:creationId xmlns:a16="http://schemas.microsoft.com/office/drawing/2014/main" id="{B4FBD942-A5BE-4BC8-86A7-966F9A033905}"/>
+              </a:ext>
+            </a:extLst>
+          </p:cNvPr>
+          <p:cNvSpPr>
+            <a:spLocks noGrp="1"/>
+          </p:cNvSpPr>
+          <p:nvPr>
+            <p:ph type="title"/>
+          </p:nvPr>
+        </p:nvSpPr>
+        <p:spPr>
+          <a:xfrm>
+            <a:off x="319500" y="490496"/>
+            <a:ext cx="2808000" cy="538204"/>
+          </a:xfrm>
+        </p:spPr>
+        <p:txBody>
+          <a:bodyPr/>
+          <a:lstStyle/>
+          <a:p>
+            <a:r>
+              <a:rPr lang="en-US" dirty="0"/>
+              <a:t>Gradient Descent</a:t>
+            </a:r>
+          </a:p>
+        </p:txBody>
+      </p:sp>
+      <mc:AlternateContent xmlns:mc="http://schemas.openxmlformats.org/markup-compatibility/2006">
+        <mc:Choice xmlns:a14="http://schemas.microsoft.com/office/drawing/2010/main" Requires="a14">
+          <p:sp>
+            <p:nvSpPr>
+              <p:cNvPr id="3" name="Text Placeholder 2">
+                <a:extLst>
+                  <a:ext uri="{FF2B5EF4-FFF2-40B4-BE49-F238E27FC236}">
+                    <a16:creationId xmlns:a16="http://schemas.microsoft.com/office/drawing/2014/main" id="{EEFEAD20-C6CE-4C48-8DCF-ED91FAE0D514}"/>
+                  </a:ext>
+                </a:extLst>
+              </p:cNvPr>
+              <p:cNvSpPr>
+                <a:spLocks noGrp="1"/>
+              </p:cNvSpPr>
+              <p:nvPr>
+                <p:ph type="body" idx="1"/>
+              </p:nvPr>
+            </p:nvSpPr>
+            <p:spPr>
+              <a:xfrm>
+                <a:off x="369109" y="1053830"/>
+                <a:ext cx="2808000" cy="2667000"/>
+              </a:xfrm>
+            </p:spPr>
+            <p:txBody>
+              <a:bodyPr/>
+              <a:lstStyle/>
+              <a:p>
+                <a:r>
+                  <a:rPr lang="en-US" dirty="0"/>
+                  <a:t>In general, used to find the local minimum of a function</a:t>
+                </a:r>
+              </a:p>
+              <a:p>
+                <a:r>
+                  <a:rPr lang="en-US" dirty="0"/>
+                  <a:t>Assume there is a multivariable function </a:t>
+                </a:r>
+                <a14:m>
+                  <m:oMath xmlns:m="http://schemas.openxmlformats.org/officeDocument/2006/math">
+                    <m:r>
+                      <a:rPr lang="en-US" b="0" i="1" smtClean="0">
+                        <a:latin typeface="Cambria Math" panose="02040503050406030204" pitchFamily="18" charset="0"/>
+                      </a:rPr>
+                      <m:t>𝐹</m:t>
+                    </m:r>
+                    <m:r>
+                      <a:rPr lang="en-US" b="0" i="1" smtClean="0">
+                        <a:latin typeface="Cambria Math" panose="02040503050406030204" pitchFamily="18" charset="0"/>
+                      </a:rPr>
+                      <m:t>(</m:t>
+                    </m:r>
+                    <m:r>
+                      <a:rPr lang="en-US" b="0" i="1" smtClean="0">
+                        <a:latin typeface="Cambria Math" panose="02040503050406030204" pitchFamily="18" charset="0"/>
+                      </a:rPr>
+                      <m:t>𝑥</m:t>
+                    </m:r>
+                    <m:r>
+                      <a:rPr lang="en-US" b="0" i="1" smtClean="0">
+                        <a:latin typeface="Cambria Math" panose="02040503050406030204" pitchFamily="18" charset="0"/>
+                      </a:rPr>
+                      <m:t>)</m:t>
+                    </m:r>
+                  </m:oMath>
+                </a14:m>
+                <a:r>
+                  <a:rPr lang="en-US" dirty="0"/>
+                  <a:t> that is differentiable. The function decreases fastest is you go in the direction of the negative gradient, starting at a point.</a:t>
+                </a:r>
+              </a:p>
+              <a:p>
+                <a:pPr marL="152400" indent="0">
+                  <a:buNone/>
+                </a:pPr>
+                <a14:m>
+                  <m:oMathPara xmlns:m="http://schemas.openxmlformats.org/officeDocument/2006/math">
+                    <m:oMathParaPr>
+                      <m:jc m:val="centerGroup"/>
+                    </m:oMathParaPr>
+                    <m:oMath xmlns:m="http://schemas.openxmlformats.org/officeDocument/2006/math">
+                      <m:r>
+                        <a:rPr lang="en-US" i="1">
+                          <a:latin typeface="Cambria Math" panose="02040503050406030204" pitchFamily="18" charset="0"/>
+                        </a:rPr>
+                        <m:t>𝑥</m:t>
+                      </m:r>
+                      <m:r>
+                        <a:rPr lang="en-US" i="1">
+                          <a:latin typeface="Cambria Math" panose="02040503050406030204" pitchFamily="18" charset="0"/>
+                        </a:rPr>
+                        <m:t>, −</m:t>
+                      </m:r>
+                      <m:r>
+                        <m:rPr>
+                          <m:sty m:val="p"/>
+                        </m:rPr>
+                        <a:rPr lang="en-US" i="1">
+                          <a:latin typeface="Cambria Math" panose="02040503050406030204" pitchFamily="18" charset="0"/>
+                          <a:ea typeface="Cambria Math" panose="02040503050406030204" pitchFamily="18" charset="0"/>
+                        </a:rPr>
+                        <m:t>∇</m:t>
+                      </m:r>
+                      <m:r>
+                        <a:rPr lang="en-US" i="1">
+                          <a:latin typeface="Cambria Math" panose="02040503050406030204" pitchFamily="18" charset="0"/>
+                          <a:ea typeface="Cambria Math" panose="02040503050406030204" pitchFamily="18" charset="0"/>
+                        </a:rPr>
+                        <m:t>𝐹</m:t>
+                      </m:r>
+                      <m:r>
+                        <a:rPr lang="en-US" i="1">
+                          <a:latin typeface="Cambria Math" panose="02040503050406030204" pitchFamily="18" charset="0"/>
+                          <a:ea typeface="Cambria Math" panose="02040503050406030204" pitchFamily="18" charset="0"/>
+                        </a:rPr>
+                        <m:t>(</m:t>
+                      </m:r>
+                      <m:r>
+                        <a:rPr lang="en-US" i="1">
+                          <a:latin typeface="Cambria Math" panose="02040503050406030204" pitchFamily="18" charset="0"/>
+                          <a:ea typeface="Cambria Math" panose="02040503050406030204" pitchFamily="18" charset="0"/>
+                        </a:rPr>
+                        <m:t>𝑥</m:t>
+                      </m:r>
+                      <m:r>
+                        <a:rPr lang="en-US" i="1">
+                          <a:latin typeface="Cambria Math" panose="02040503050406030204" pitchFamily="18" charset="0"/>
+                          <a:ea typeface="Cambria Math" panose="02040503050406030204" pitchFamily="18" charset="0"/>
+                        </a:rPr>
+                        <m:t>)</m:t>
+                      </m:r>
+                    </m:oMath>
+                  </m:oMathPara>
+                </a14:m>
+                <a:endParaRPr lang="en-US" dirty="0"/>
+              </a:p>
+              <a:p>
+                <a:r>
+                  <a:rPr lang="en-US" dirty="0"/>
+                  <a:t>Assumes a smooth topology and convex topology. (Not always true for parameters)</a:t>
+                </a:r>
+              </a:p>
+            </p:txBody>
+          </p:sp>
+        </mc:Choice>
+        <mc:Fallback>
+          <p:sp>
+            <p:nvSpPr>
+              <p:cNvPr id="3" name="Text Placeholder 2">
+                <a:extLst>
+                  <a:ext uri="{FF2B5EF4-FFF2-40B4-BE49-F238E27FC236}">
+                    <a16:creationId xmlns:a16="http://schemas.microsoft.com/office/drawing/2014/main" id="{EEFEAD20-C6CE-4C48-8DCF-ED91FAE0D514}"/>
+                  </a:ext>
+                </a:extLst>
+              </p:cNvPr>
+              <p:cNvSpPr>
+                <a:spLocks noGrp="1" noRot="1" noChangeAspect="1" noMove="1" noResize="1" noEditPoints="1" noAdjustHandles="1" noChangeArrowheads="1" noChangeShapeType="1" noTextEdit="1"/>
+              </p:cNvSpPr>
+              <p:nvPr>
+                <p:ph type="body" idx="1"/>
+              </p:nvPr>
+            </p:nvSpPr>
+            <p:spPr>
+              <a:xfrm>
+                <a:off x="369109" y="1053830"/>
+                <a:ext cx="2808000" cy="2667000"/>
+              </a:xfrm>
+              <a:blipFill>
+                <a:blip r:embed="rId2"/>
+                <a:stretch>
+                  <a:fillRect r="-1087" b="-686"/>
+                </a:stretch>
+              </a:blipFill>
+            </p:spPr>
+            <p:txBody>
+              <a:bodyPr/>
+              <a:lstStyle/>
+              <a:p>
+                <a:r>
+                  <a:rPr lang="en-US">
+                    <a:noFill/>
+                  </a:rPr>
+                  <a:t> </a:t>
+                </a:r>
+              </a:p>
+            </p:txBody>
+          </p:sp>
+        </mc:Fallback>
+      </mc:AlternateContent>
+      <mc:AlternateContent xmlns:mc="http://schemas.openxmlformats.org/markup-compatibility/2006">
+        <mc:Choice xmlns:a14="http://schemas.microsoft.com/office/drawing/2010/main" Requires="a14">
+          <p:sp>
+            <p:nvSpPr>
+              <p:cNvPr id="5" name="TextBox 4">
+                <a:extLst>
+                  <a:ext uri="{FF2B5EF4-FFF2-40B4-BE49-F238E27FC236}">
+                    <a16:creationId xmlns:a16="http://schemas.microsoft.com/office/drawing/2014/main" id="{50AC99D1-0FF7-4705-B1A7-69F33F29623C}"/>
+                  </a:ext>
+                </a:extLst>
+              </p:cNvPr>
+              <p:cNvSpPr txBox="1"/>
+              <p:nvPr/>
+            </p:nvSpPr>
+            <p:spPr>
+              <a:xfrm>
+                <a:off x="901223" y="4113960"/>
+                <a:ext cx="1644553" cy="430887"/>
+              </a:xfrm>
+              <a:prstGeom prst="rect">
+                <a:avLst/>
+              </a:prstGeom>
+              <a:noFill/>
+            </p:spPr>
+            <p:txBody>
+              <a:bodyPr wrap="none" lIns="0" tIns="0" rIns="0" bIns="0" rtlCol="0">
+                <a:spAutoFit/>
+              </a:bodyPr>
+              <a:lstStyle/>
+              <a:p>
+                <a14:m>
+                  <m:oMathPara xmlns:m="http://schemas.openxmlformats.org/officeDocument/2006/math">
+                    <m:oMathParaPr>
+                      <m:jc m:val="centerGroup"/>
+                    </m:oMathParaPr>
+                    <m:oMath xmlns:m="http://schemas.openxmlformats.org/officeDocument/2006/math">
+                      <m:r>
+                        <a:rPr lang="en-US" b="0" i="1" smtClean="0">
+                          <a:solidFill>
+                            <a:schemeClr val="accent2"/>
+                          </a:solidFill>
+                          <a:latin typeface="Cambria Math" panose="02040503050406030204" pitchFamily="18" charset="0"/>
+                        </a:rPr>
+                        <m:t>𝑓</m:t>
+                      </m:r>
+                      <m:d>
+                        <m:dPr>
+                          <m:ctrlPr>
+                            <a:rPr lang="en-US" b="0" i="1" smtClean="0">
+                              <a:solidFill>
+                                <a:schemeClr val="accent2"/>
+                              </a:solidFill>
+                              <a:latin typeface="Cambria Math" panose="02040503050406030204" pitchFamily="18" charset="0"/>
+                            </a:rPr>
+                          </m:ctrlPr>
+                        </m:dPr>
+                        <m:e>
+                          <m:r>
+                            <a:rPr lang="en-US" b="0" i="1" smtClean="0">
+                              <a:solidFill>
+                                <a:schemeClr val="accent2"/>
+                              </a:solidFill>
+                              <a:latin typeface="Cambria Math" panose="02040503050406030204" pitchFamily="18" charset="0"/>
+                            </a:rPr>
+                            <m:t>𝑥</m:t>
+                          </m:r>
+                        </m:e>
+                      </m:d>
+                      <m:r>
+                        <a:rPr lang="en-US" b="0" i="0" smtClean="0">
+                          <a:solidFill>
+                            <a:schemeClr val="accent2"/>
+                          </a:solidFill>
+                          <a:latin typeface="Cambria Math" panose="02040503050406030204" pitchFamily="18" charset="0"/>
+                        </a:rPr>
+                        <m:t>=</m:t>
+                      </m:r>
+                      <m:sSup>
+                        <m:sSupPr>
+                          <m:ctrlPr>
+                            <a:rPr lang="en-US" b="0" i="1" smtClean="0">
+                              <a:solidFill>
+                                <a:schemeClr val="accent2"/>
+                              </a:solidFill>
+                              <a:latin typeface="Cambria Math" panose="02040503050406030204" pitchFamily="18" charset="0"/>
+                            </a:rPr>
+                          </m:ctrlPr>
+                        </m:sSupPr>
+                        <m:e>
+                          <m:r>
+                            <a:rPr lang="en-US" b="0" i="1" smtClean="0">
+                              <a:solidFill>
+                                <a:schemeClr val="accent2"/>
+                              </a:solidFill>
+                              <a:latin typeface="Cambria Math" panose="02040503050406030204" pitchFamily="18" charset="0"/>
+                            </a:rPr>
+                            <m:t>𝑥</m:t>
+                          </m:r>
+                        </m:e>
+                        <m:sup>
+                          <m:r>
+                            <a:rPr lang="en-US" b="0" i="1" smtClean="0">
+                              <a:solidFill>
+                                <a:schemeClr val="accent2"/>
+                              </a:solidFill>
+                              <a:latin typeface="Cambria Math" panose="02040503050406030204" pitchFamily="18" charset="0"/>
+                            </a:rPr>
+                            <m:t>4</m:t>
+                          </m:r>
+                        </m:sup>
+                      </m:sSup>
+                      <m:r>
+                        <a:rPr lang="en-US" b="0" i="1" smtClean="0">
+                          <a:solidFill>
+                            <a:schemeClr val="accent2"/>
+                          </a:solidFill>
+                          <a:latin typeface="Cambria Math" panose="02040503050406030204" pitchFamily="18" charset="0"/>
+                        </a:rPr>
+                        <m:t>−3</m:t>
+                      </m:r>
+                      <m:sSup>
+                        <m:sSupPr>
+                          <m:ctrlPr>
+                            <a:rPr lang="en-US" b="0" i="1" smtClean="0">
+                              <a:solidFill>
+                                <a:schemeClr val="accent2"/>
+                              </a:solidFill>
+                              <a:latin typeface="Cambria Math" panose="02040503050406030204" pitchFamily="18" charset="0"/>
+                            </a:rPr>
+                          </m:ctrlPr>
+                        </m:sSupPr>
+                        <m:e>
+                          <m:r>
+                            <a:rPr lang="en-US" b="0" i="1" smtClean="0">
+                              <a:solidFill>
+                                <a:schemeClr val="accent2"/>
+                              </a:solidFill>
+                              <a:latin typeface="Cambria Math" panose="02040503050406030204" pitchFamily="18" charset="0"/>
+                            </a:rPr>
+                            <m:t>𝑥</m:t>
+                          </m:r>
+                        </m:e>
+                        <m:sup>
+                          <m:r>
+                            <a:rPr lang="en-US" b="0" i="1" smtClean="0">
+                              <a:solidFill>
+                                <a:schemeClr val="accent2"/>
+                              </a:solidFill>
+                              <a:latin typeface="Cambria Math" panose="02040503050406030204" pitchFamily="18" charset="0"/>
+                            </a:rPr>
+                            <m:t>3</m:t>
+                          </m:r>
+                        </m:sup>
+                      </m:sSup>
+                      <m:r>
+                        <a:rPr lang="en-US" b="0" i="1" smtClean="0">
+                          <a:solidFill>
+                            <a:schemeClr val="accent2"/>
+                          </a:solidFill>
+                          <a:latin typeface="Cambria Math" panose="02040503050406030204" pitchFamily="18" charset="0"/>
+                        </a:rPr>
+                        <m:t>+2</m:t>
+                      </m:r>
+                    </m:oMath>
+                  </m:oMathPara>
+                </a14:m>
+                <a:endParaRPr lang="en-US" b="0" dirty="0">
+                  <a:solidFill>
+                    <a:schemeClr val="accent2"/>
+                  </a:solidFill>
+                </a:endParaRPr>
+              </a:p>
+              <a:p>
+                <a14:m>
+                  <m:oMathPara xmlns:m="http://schemas.openxmlformats.org/officeDocument/2006/math">
+                    <m:oMathParaPr>
+                      <m:jc m:val="centerGroup"/>
+                    </m:oMathParaPr>
+                    <m:oMath xmlns:m="http://schemas.openxmlformats.org/officeDocument/2006/math">
+                      <m:sSup>
+                        <m:sSupPr>
+                          <m:ctrlPr>
+                            <a:rPr lang="en-US" b="0" i="1" smtClean="0">
+                              <a:latin typeface="Cambria Math" panose="02040503050406030204" pitchFamily="18" charset="0"/>
+                            </a:rPr>
+                          </m:ctrlPr>
+                        </m:sSupPr>
+                        <m:e>
+                          <m:r>
+                            <a:rPr lang="en-US" b="0" i="1" smtClean="0">
+                              <a:latin typeface="Cambria Math" panose="02040503050406030204" pitchFamily="18" charset="0"/>
+                            </a:rPr>
+                            <m:t>𝑓</m:t>
+                          </m:r>
+                        </m:e>
+                        <m:sup>
+                          <m:r>
+                            <a:rPr lang="en-US" b="0" i="1" smtClean="0">
+                              <a:latin typeface="Cambria Math" panose="02040503050406030204" pitchFamily="18" charset="0"/>
+                            </a:rPr>
+                            <m:t>′</m:t>
+                          </m:r>
+                        </m:sup>
+                      </m:sSup>
+                      <m:d>
+                        <m:dPr>
+                          <m:ctrlPr>
+                            <a:rPr lang="en-US" b="0" i="1" smtClean="0">
+                              <a:latin typeface="Cambria Math" panose="02040503050406030204" pitchFamily="18" charset="0"/>
+                            </a:rPr>
+                          </m:ctrlPr>
+                        </m:dPr>
+                        <m:e>
+                          <m:r>
+                            <a:rPr lang="en-US" b="0" i="1" smtClean="0">
+                              <a:latin typeface="Cambria Math" panose="02040503050406030204" pitchFamily="18" charset="0"/>
+                            </a:rPr>
+                            <m:t>𝑥</m:t>
+                          </m:r>
+                        </m:e>
+                      </m:d>
+                      <m:r>
+                        <a:rPr lang="en-US" b="0" i="1" smtClean="0">
+                          <a:latin typeface="Cambria Math" panose="02040503050406030204" pitchFamily="18" charset="0"/>
+                        </a:rPr>
+                        <m:t>=4</m:t>
+                      </m:r>
+                      <m:r>
+                        <a:rPr lang="en-US" b="0" i="1" smtClean="0">
+                          <a:latin typeface="Cambria Math" panose="02040503050406030204" pitchFamily="18" charset="0"/>
+                        </a:rPr>
+                        <m:t>𝑥</m:t>
+                      </m:r>
+                      <m:r>
+                        <a:rPr lang="en-US" b="0" i="1" smtClean="0">
+                          <a:latin typeface="Cambria Math" panose="02040503050406030204" pitchFamily="18" charset="0"/>
+                        </a:rPr>
+                        <m:t>−9</m:t>
+                      </m:r>
+                      <m:sSup>
+                        <m:sSupPr>
+                          <m:ctrlPr>
+                            <a:rPr lang="en-US" b="0" i="1" smtClean="0">
+                              <a:latin typeface="Cambria Math" panose="02040503050406030204" pitchFamily="18" charset="0"/>
+                            </a:rPr>
+                          </m:ctrlPr>
+                        </m:sSupPr>
+                        <m:e>
+                          <m:r>
+                            <a:rPr lang="en-US" b="0" i="1" smtClean="0">
+                              <a:latin typeface="Cambria Math" panose="02040503050406030204" pitchFamily="18" charset="0"/>
+                            </a:rPr>
+                            <m:t>𝑥</m:t>
+                          </m:r>
+                        </m:e>
+                        <m:sup>
+                          <m:r>
+                            <a:rPr lang="en-US" b="0" i="1" smtClean="0">
+                              <a:latin typeface="Cambria Math" panose="02040503050406030204" pitchFamily="18" charset="0"/>
+                            </a:rPr>
+                            <m:t>2</m:t>
+                          </m:r>
+                        </m:sup>
+                      </m:sSup>
+                    </m:oMath>
+                  </m:oMathPara>
+                </a14:m>
+                <a:endParaRPr lang="en-US" dirty="0"/>
+              </a:p>
+            </p:txBody>
+          </p:sp>
+        </mc:Choice>
+        <mc:Fallback>
+          <p:sp>
+            <p:nvSpPr>
+              <p:cNvPr id="5" name="TextBox 4">
+                <a:extLst>
+                  <a:ext uri="{FF2B5EF4-FFF2-40B4-BE49-F238E27FC236}">
+                    <a16:creationId xmlns:a16="http://schemas.microsoft.com/office/drawing/2014/main" id="{50AC99D1-0FF7-4705-B1A7-69F33F29623C}"/>
+                  </a:ext>
+                </a:extLst>
+              </p:cNvPr>
+              <p:cNvSpPr txBox="1">
+                <a:spLocks noRot="1" noChangeAspect="1" noMove="1" noResize="1" noEditPoints="1" noAdjustHandles="1" noChangeArrowheads="1" noChangeShapeType="1" noTextEdit="1"/>
+              </p:cNvSpPr>
+              <p:nvPr/>
+            </p:nvSpPr>
+            <p:spPr>
+              <a:xfrm>
+                <a:off x="901223" y="4113960"/>
+                <a:ext cx="1644553" cy="430887"/>
+              </a:xfrm>
+              <a:prstGeom prst="rect">
+                <a:avLst/>
+              </a:prstGeom>
+              <a:blipFill>
+                <a:blip r:embed="rId3"/>
+                <a:stretch>
+                  <a:fillRect l="-3333" r="-1481" b="-15493"/>
+                </a:stretch>
+              </a:blipFill>
+            </p:spPr>
+            <p:txBody>
+              <a:bodyPr/>
+              <a:lstStyle/>
+              <a:p>
+                <a:r>
+                  <a:rPr lang="en-US">
+                    <a:noFill/>
+                  </a:rPr>
+                  <a:t> </a:t>
+                </a:r>
+              </a:p>
+            </p:txBody>
+          </p:sp>
+        </mc:Fallback>
+      </mc:AlternateContent>
+      <p:sp>
+        <p:nvSpPr>
+          <p:cNvPr id="8" name="Rectangle 7">
+            <a:extLst>
+              <a:ext uri="{FF2B5EF4-FFF2-40B4-BE49-F238E27FC236}">
+                <a16:creationId xmlns:a16="http://schemas.microsoft.com/office/drawing/2014/main" id="{65788736-9531-4624-8F63-5043B8B11C78}"/>
+              </a:ext>
+            </a:extLst>
+          </p:cNvPr>
+          <p:cNvSpPr/>
+          <p:nvPr/>
+        </p:nvSpPr>
+        <p:spPr>
+          <a:xfrm>
+            <a:off x="3287700" y="57213"/>
+            <a:ext cx="2568600" cy="2516073"/>
+          </a:xfrm>
+          <a:prstGeom prst="rect">
+            <a:avLst/>
+          </a:prstGeom>
+        </p:spPr>
+        <p:txBody>
+          <a:bodyPr wrap="square">
+            <a:spAutoFit/>
+          </a:bodyPr>
+          <a:lstStyle/>
+          <a:p>
+            <a:r>
+              <a:rPr lang="en-US" sz="1050" dirty="0">
+                <a:latin typeface="Consolas" panose="020B0609020204030204" pitchFamily="49" charset="0"/>
+              </a:rPr>
+              <a:t>## Parameters</a:t>
+            </a:r>
+          </a:p>
+          <a:p>
+            <a:r>
+              <a:rPr lang="en-US" sz="1050" dirty="0">
+                <a:latin typeface="Consolas" panose="020B0609020204030204" pitchFamily="49" charset="0"/>
+              </a:rPr>
+              <a:t>alpha = 0.001 #</a:t>
+            </a:r>
+            <a:r>
+              <a:rPr lang="en-US" sz="1050" dirty="0" err="1">
+                <a:latin typeface="Consolas" panose="020B0609020204030204" pitchFamily="49" charset="0"/>
+              </a:rPr>
+              <a:t>Stepsize</a:t>
+            </a:r>
+            <a:endParaRPr lang="en-US" sz="1050" dirty="0">
+              <a:latin typeface="Consolas" panose="020B0609020204030204" pitchFamily="49" charset="0"/>
+            </a:endParaRPr>
+          </a:p>
+          <a:p>
+            <a:r>
+              <a:rPr lang="en-US" sz="1050" dirty="0" err="1">
+                <a:latin typeface="Consolas" panose="020B0609020204030204" pitchFamily="49" charset="0"/>
+              </a:rPr>
+              <a:t>iter</a:t>
+            </a:r>
+            <a:r>
+              <a:rPr lang="en-US" sz="1050" dirty="0">
+                <a:latin typeface="Consolas" panose="020B0609020204030204" pitchFamily="49" charset="0"/>
+              </a:rPr>
+              <a:t> = 500 #Iterations</a:t>
+            </a:r>
+          </a:p>
+          <a:p>
+            <a:endParaRPr lang="en-US" sz="1050" dirty="0">
+              <a:latin typeface="Consolas" panose="020B0609020204030204" pitchFamily="49" charset="0"/>
+            </a:endParaRPr>
+          </a:p>
+          <a:p>
+            <a:r>
+              <a:rPr lang="en-US" sz="1050" dirty="0">
+                <a:latin typeface="Consolas" panose="020B0609020204030204" pitchFamily="49" charset="0"/>
+              </a:rPr>
+              <a:t># Define the objective function f(x) = x^4 - 3*x^3 + 2</a:t>
+            </a:r>
+          </a:p>
+          <a:p>
+            <a:r>
+              <a:rPr lang="en-US" sz="1050" dirty="0" err="1">
+                <a:latin typeface="Consolas" panose="020B0609020204030204" pitchFamily="49" charset="0"/>
+              </a:rPr>
+              <a:t>objFun</a:t>
+            </a:r>
+            <a:r>
+              <a:rPr lang="en-US" sz="1050" dirty="0">
+                <a:latin typeface="Consolas" panose="020B0609020204030204" pitchFamily="49" charset="0"/>
+              </a:rPr>
+              <a:t> = function(x){</a:t>
+            </a:r>
+          </a:p>
+          <a:p>
+            <a:r>
+              <a:rPr lang="en-US" sz="1050" dirty="0">
+                <a:latin typeface="Consolas" panose="020B0609020204030204" pitchFamily="49" charset="0"/>
+              </a:rPr>
+              <a:t>  return(x^4 - 3*x^3 + 2)</a:t>
+            </a:r>
+          </a:p>
+          <a:p>
+            <a:r>
+              <a:rPr lang="en-US" sz="1050" dirty="0">
+                <a:latin typeface="Consolas" panose="020B0609020204030204" pitchFamily="49" charset="0"/>
+              </a:rPr>
+              <a:t>}</a:t>
+            </a:r>
+          </a:p>
+          <a:p>
+            <a:endParaRPr lang="en-US" sz="1050" dirty="0">
+              <a:latin typeface="Consolas" panose="020B0609020204030204" pitchFamily="49" charset="0"/>
+            </a:endParaRPr>
+          </a:p>
+          <a:p>
+            <a:r>
+              <a:rPr lang="en-US" sz="1050" dirty="0">
+                <a:latin typeface="Consolas" panose="020B0609020204030204" pitchFamily="49" charset="0"/>
+              </a:rPr>
+              <a:t># Define the gradient of f(x) = x^4 - 3*x^3 + 2</a:t>
+            </a:r>
+          </a:p>
+          <a:p>
+            <a:r>
+              <a:rPr lang="en-US" sz="1050" dirty="0">
+                <a:latin typeface="Consolas" panose="020B0609020204030204" pitchFamily="49" charset="0"/>
+              </a:rPr>
+              <a:t>gradient = function(x){</a:t>
+            </a:r>
+          </a:p>
+          <a:p>
+            <a:r>
+              <a:rPr lang="en-US" sz="1050" dirty="0">
+                <a:latin typeface="Consolas" panose="020B0609020204030204" pitchFamily="49" charset="0"/>
+              </a:rPr>
+              <a:t>  return((4*x^3) - (9*x^2))</a:t>
+            </a:r>
+          </a:p>
+          <a:p>
+            <a:r>
+              <a:rPr lang="en-US" sz="1050" dirty="0">
+                <a:latin typeface="Consolas" panose="020B0609020204030204" pitchFamily="49" charset="0"/>
+              </a:rPr>
+              <a:t>} </a:t>
+            </a:r>
+          </a:p>
+        </p:txBody>
+      </p:sp>
+      <p:sp>
+        <p:nvSpPr>
+          <p:cNvPr id="9" name="Rectangle 8">
+            <a:extLst>
+              <a:ext uri="{FF2B5EF4-FFF2-40B4-BE49-F238E27FC236}">
+                <a16:creationId xmlns:a16="http://schemas.microsoft.com/office/drawing/2014/main" id="{42D8CC26-BD68-4632-9062-68FC12F11589}"/>
+              </a:ext>
+            </a:extLst>
+          </p:cNvPr>
+          <p:cNvSpPr/>
+          <p:nvPr/>
+        </p:nvSpPr>
+        <p:spPr>
+          <a:xfrm>
+            <a:off x="5856300" y="58748"/>
+            <a:ext cx="3187223" cy="4154984"/>
+          </a:xfrm>
+          <a:prstGeom prst="rect">
+            <a:avLst/>
+          </a:prstGeom>
+        </p:spPr>
+        <p:txBody>
+          <a:bodyPr wrap="square">
+            <a:spAutoFit/>
+          </a:bodyPr>
+          <a:lstStyle/>
+          <a:p>
+            <a:r>
+              <a:rPr lang="en-US" sz="1100" dirty="0">
+                <a:latin typeface="Consolas" panose="020B0609020204030204" pitchFamily="49" charset="0"/>
+              </a:rPr>
+              <a:t># Randomly initialize a value to x</a:t>
+            </a:r>
+          </a:p>
+          <a:p>
+            <a:r>
+              <a:rPr lang="en-US" sz="1100" dirty="0" err="1">
+                <a:latin typeface="Consolas" panose="020B0609020204030204" pitchFamily="49" charset="0"/>
+              </a:rPr>
+              <a:t>set.seed</a:t>
+            </a:r>
+            <a:r>
+              <a:rPr lang="en-US" sz="1100" dirty="0">
+                <a:latin typeface="Consolas" panose="020B0609020204030204" pitchFamily="49" charset="0"/>
+              </a:rPr>
+              <a:t>(1337)</a:t>
+            </a:r>
+          </a:p>
+          <a:p>
+            <a:r>
+              <a:rPr lang="en-US" sz="1100" dirty="0">
+                <a:latin typeface="Consolas" panose="020B0609020204030204" pitchFamily="49" charset="0"/>
+              </a:rPr>
+              <a:t>x = floor(</a:t>
+            </a:r>
+            <a:r>
+              <a:rPr lang="en-US" sz="1100" dirty="0" err="1">
+                <a:latin typeface="Consolas" panose="020B0609020204030204" pitchFamily="49" charset="0"/>
+              </a:rPr>
+              <a:t>runif</a:t>
+            </a:r>
+            <a:r>
+              <a:rPr lang="en-US" sz="1100" dirty="0">
+                <a:latin typeface="Consolas" panose="020B0609020204030204" pitchFamily="49" charset="0"/>
+              </a:rPr>
+              <a:t>(1, 0, 10))</a:t>
+            </a:r>
+          </a:p>
+          <a:p>
+            <a:endParaRPr lang="en-US" sz="1100" dirty="0">
+              <a:latin typeface="Consolas" panose="020B0609020204030204" pitchFamily="49" charset="0"/>
+            </a:endParaRPr>
+          </a:p>
+          <a:p>
+            <a:r>
+              <a:rPr lang="en-US" sz="1100" dirty="0">
+                <a:latin typeface="Consolas" panose="020B0609020204030204" pitchFamily="49" charset="0"/>
+              </a:rPr>
+              <a:t># Create a vector to contain all x's for all steps</a:t>
+            </a:r>
+          </a:p>
+          <a:p>
+            <a:r>
+              <a:rPr lang="en-US" sz="1100" dirty="0">
+                <a:latin typeface="Consolas" panose="020B0609020204030204" pitchFamily="49" charset="0"/>
+              </a:rPr>
+              <a:t>values = numeric(</a:t>
+            </a:r>
+            <a:r>
+              <a:rPr lang="en-US" sz="1100" dirty="0" err="1">
+                <a:latin typeface="Consolas" panose="020B0609020204030204" pitchFamily="49" charset="0"/>
+              </a:rPr>
+              <a:t>iter</a:t>
+            </a:r>
+            <a:r>
+              <a:rPr lang="en-US" sz="1100" dirty="0">
+                <a:latin typeface="Consolas" panose="020B0609020204030204" pitchFamily="49" charset="0"/>
+              </a:rPr>
+              <a:t>)</a:t>
+            </a:r>
+          </a:p>
+          <a:p>
+            <a:endParaRPr lang="en-US" sz="1100" dirty="0">
+              <a:latin typeface="Consolas" panose="020B0609020204030204" pitchFamily="49" charset="0"/>
+            </a:endParaRPr>
+          </a:p>
+          <a:p>
+            <a:r>
+              <a:rPr lang="en-US" sz="1100" dirty="0">
+                <a:latin typeface="Consolas" panose="020B0609020204030204" pitchFamily="49" charset="0"/>
+              </a:rPr>
+              <a:t># Loop for Gradient Descent method to find the minimum</a:t>
+            </a:r>
+          </a:p>
+          <a:p>
+            <a:r>
+              <a:rPr lang="en-US" sz="1100" dirty="0">
+                <a:latin typeface="Consolas" panose="020B0609020204030204" pitchFamily="49" charset="0"/>
+              </a:rPr>
+              <a:t>for(</a:t>
+            </a:r>
+            <a:r>
+              <a:rPr lang="en-US" sz="1100" dirty="0" err="1">
+                <a:latin typeface="Consolas" panose="020B0609020204030204" pitchFamily="49" charset="0"/>
+              </a:rPr>
+              <a:t>i</a:t>
+            </a:r>
+            <a:r>
+              <a:rPr lang="en-US" sz="1100" dirty="0">
+                <a:latin typeface="Consolas" panose="020B0609020204030204" pitchFamily="49" charset="0"/>
+              </a:rPr>
+              <a:t> in </a:t>
+            </a:r>
+            <a:r>
+              <a:rPr lang="en-US" sz="1100" dirty="0" err="1">
+                <a:latin typeface="Consolas" panose="020B0609020204030204" pitchFamily="49" charset="0"/>
+              </a:rPr>
+              <a:t>seq_len</a:t>
+            </a:r>
+            <a:r>
+              <a:rPr lang="en-US" sz="1100" dirty="0">
+                <a:latin typeface="Consolas" panose="020B0609020204030204" pitchFamily="49" charset="0"/>
+              </a:rPr>
+              <a:t>(</a:t>
+            </a:r>
+            <a:r>
+              <a:rPr lang="en-US" sz="1100" dirty="0" err="1">
+                <a:latin typeface="Consolas" panose="020B0609020204030204" pitchFamily="49" charset="0"/>
+              </a:rPr>
+              <a:t>iter</a:t>
+            </a:r>
+            <a:r>
+              <a:rPr lang="en-US" sz="1100" dirty="0">
+                <a:latin typeface="Consolas" panose="020B0609020204030204" pitchFamily="49" charset="0"/>
+              </a:rPr>
+              <a:t>)){</a:t>
+            </a:r>
+          </a:p>
+          <a:p>
+            <a:r>
+              <a:rPr lang="en-US" sz="1100" dirty="0">
+                <a:latin typeface="Consolas" panose="020B0609020204030204" pitchFamily="49" charset="0"/>
+              </a:rPr>
+              <a:t>  x = x - alpha*gradient(x)</a:t>
+            </a:r>
+          </a:p>
+          <a:p>
+            <a:r>
+              <a:rPr lang="en-US" sz="1100" dirty="0">
+                <a:latin typeface="Consolas" panose="020B0609020204030204" pitchFamily="49" charset="0"/>
+              </a:rPr>
+              <a:t>  values[</a:t>
+            </a:r>
+            <a:r>
+              <a:rPr lang="en-US" sz="1100" dirty="0" err="1">
+                <a:latin typeface="Consolas" panose="020B0609020204030204" pitchFamily="49" charset="0"/>
+              </a:rPr>
+              <a:t>i</a:t>
+            </a:r>
+            <a:r>
+              <a:rPr lang="en-US" sz="1100" dirty="0">
+                <a:latin typeface="Consolas" panose="020B0609020204030204" pitchFamily="49" charset="0"/>
+              </a:rPr>
+              <a:t>] = x</a:t>
+            </a:r>
+          </a:p>
+          <a:p>
+            <a:r>
+              <a:rPr lang="en-US" sz="1100" dirty="0">
+                <a:latin typeface="Consolas" panose="020B0609020204030204" pitchFamily="49" charset="0"/>
+              </a:rPr>
+              <a:t>  print(x)</a:t>
+            </a:r>
+          </a:p>
+          <a:p>
+            <a:r>
+              <a:rPr lang="en-US" sz="1100" dirty="0">
+                <a:latin typeface="Consolas" panose="020B0609020204030204" pitchFamily="49" charset="0"/>
+              </a:rPr>
+              <a:t>}</a:t>
+            </a:r>
+          </a:p>
+          <a:p>
+            <a:endParaRPr lang="en-US" sz="1100" dirty="0">
+              <a:latin typeface="Consolas" panose="020B0609020204030204" pitchFamily="49" charset="0"/>
+            </a:endParaRPr>
+          </a:p>
+          <a:p>
+            <a:r>
+              <a:rPr lang="en-US" sz="1100" dirty="0">
+                <a:latin typeface="Consolas" panose="020B0609020204030204" pitchFamily="49" charset="0"/>
+              </a:rPr>
+              <a:t># Output</a:t>
+            </a:r>
+          </a:p>
+          <a:p>
+            <a:r>
+              <a:rPr lang="en-US" sz="1100" dirty="0">
+                <a:latin typeface="Consolas" panose="020B0609020204030204" pitchFamily="49" charset="0"/>
+              </a:rPr>
+              <a:t>print(paste("The minimum of f(x) is ",</a:t>
+            </a:r>
+          </a:p>
+          <a:p>
+            <a:r>
+              <a:rPr lang="en-US" sz="1100" dirty="0">
+                <a:latin typeface="Consolas" panose="020B0609020204030204" pitchFamily="49" charset="0"/>
+              </a:rPr>
+              <a:t>            </a:t>
+            </a:r>
+            <a:r>
+              <a:rPr lang="en-US" sz="1100" dirty="0" err="1">
+                <a:latin typeface="Consolas" panose="020B0609020204030204" pitchFamily="49" charset="0"/>
+              </a:rPr>
+              <a:t>objFun</a:t>
+            </a:r>
+            <a:r>
+              <a:rPr lang="en-US" sz="1100" dirty="0">
+                <a:latin typeface="Consolas" panose="020B0609020204030204" pitchFamily="49" charset="0"/>
+              </a:rPr>
+              <a:t>(x),</a:t>
+            </a:r>
+          </a:p>
+          <a:p>
+            <a:r>
+              <a:rPr lang="en-US" sz="1100" dirty="0">
+                <a:latin typeface="Consolas" panose="020B0609020204030204" pitchFamily="49" charset="0"/>
+              </a:rPr>
+              <a:t>            " at position x = ",</a:t>
+            </a:r>
+          </a:p>
+          <a:p>
+            <a:r>
+              <a:rPr lang="en-US" sz="1100" dirty="0">
+                <a:latin typeface="Consolas" panose="020B0609020204030204" pitchFamily="49" charset="0"/>
+              </a:rPr>
+              <a:t>            x,</a:t>
+            </a:r>
+          </a:p>
+          <a:p>
+            <a:r>
+              <a:rPr lang="en-US" sz="1100" dirty="0">
+                <a:latin typeface="Consolas" panose="020B0609020204030204" pitchFamily="49" charset="0"/>
+              </a:rPr>
+              <a:t>            </a:t>
+            </a:r>
+            <a:r>
+              <a:rPr lang="en-US" sz="1100" dirty="0" err="1">
+                <a:latin typeface="Consolas" panose="020B0609020204030204" pitchFamily="49" charset="0"/>
+              </a:rPr>
+              <a:t>sep</a:t>
+            </a:r>
+            <a:r>
+              <a:rPr lang="en-US" sz="1100" dirty="0">
+                <a:latin typeface="Consolas" panose="020B0609020204030204" pitchFamily="49" charset="0"/>
+              </a:rPr>
+              <a:t> = ""))</a:t>
+            </a:r>
+          </a:p>
+          <a:p>
+            <a:r>
+              <a:rPr lang="en-US" sz="1100" dirty="0">
+                <a:latin typeface="Consolas" panose="020B0609020204030204" pitchFamily="49" charset="0"/>
+              </a:rPr>
+              <a:t>plot(values,</a:t>
+            </a:r>
+          </a:p>
+          <a:p>
+            <a:r>
+              <a:rPr lang="en-US" sz="1100" dirty="0">
+                <a:latin typeface="Consolas" panose="020B0609020204030204" pitchFamily="49" charset="0"/>
+              </a:rPr>
+              <a:t>     type = "l")</a:t>
+            </a:r>
+            <a:endParaRPr lang="en-US" sz="1100" dirty="0"/>
+          </a:p>
+        </p:txBody>
+      </p:sp>
+      <p:pic>
+        <p:nvPicPr>
+          <p:cNvPr id="11" name="Picture 10">
+            <a:extLst>
+              <a:ext uri="{FF2B5EF4-FFF2-40B4-BE49-F238E27FC236}">
+                <a16:creationId xmlns:a16="http://schemas.microsoft.com/office/drawing/2014/main" id="{6B56F484-B643-47F7-9A27-16A04AF51BE1}"/>
+              </a:ext>
+            </a:extLst>
+          </p:cNvPr>
+          <p:cNvPicPr>
+            <a:picLocks noChangeAspect="1"/>
+          </p:cNvPicPr>
+          <p:nvPr/>
+        </p:nvPicPr>
+        <p:blipFill>
+          <a:blip r:embed="rId4"/>
+          <a:stretch>
+            <a:fillRect/>
+          </a:stretch>
+        </p:blipFill>
+        <p:spPr>
+          <a:xfrm>
+            <a:off x="3287700" y="2571750"/>
+            <a:ext cx="2568600" cy="2568600"/>
+          </a:xfrm>
+          <a:prstGeom prst="rect">
+            <a:avLst/>
+          </a:prstGeom>
+          <a:solidFill>
+            <a:schemeClr val="accent2"/>
+          </a:solidFill>
+          <a:ln>
+            <a:solidFill>
+              <a:schemeClr val="accent2"/>
+            </a:solidFill>
+          </a:ln>
+        </p:spPr>
+      </p:pic>
+    </p:spTree>
+    <p:extLst>
+      <p:ext uri="{BB962C8B-B14F-4D97-AF65-F5344CB8AC3E}">
+        <p14:creationId xmlns:p14="http://schemas.microsoft.com/office/powerpoint/2010/main" val="1974333009"/>
+      </p:ext>
+    </p:extLst>
+  </p:cSld>
+  <p:clrMapOvr>
+    <a:masterClrMapping/>
+  </p:clrMapOvr>
+</p:sld>
+</file>
+
+<file path=ppt/slides/slide28.xml><?xml version="1.0" encoding="utf-8"?>
+<p:sld xmlns:a="http://schemas.openxmlformats.org/drawingml/2006/main" xmlns:r="http://schemas.openxmlformats.org/officeDocument/2006/relationships" xmlns:p="http://schemas.openxmlformats.org/presentationml/2006/main">
+  <p:cSld>
+    <p:spTree>
+      <p:nvGrpSpPr>
+        <p:cNvPr id="1" name=""/>
+        <p:cNvGrpSpPr/>
+        <p:nvPr/>
+      </p:nvGrpSpPr>
+      <p:grpSpPr>
+        <a:xfrm>
+          <a:off x="0" y="0"/>
+          <a:ext cx="0" cy="0"/>
+          <a:chOff x="0" y="0"/>
+          <a:chExt cx="0" cy="0"/>
+        </a:xfrm>
+      </p:grpSpPr>
+      <p:sp>
+        <p:nvSpPr>
+          <p:cNvPr id="2" name="Title 1">
+            <a:extLst>
+              <a:ext uri="{FF2B5EF4-FFF2-40B4-BE49-F238E27FC236}">
+                <a16:creationId xmlns:a16="http://schemas.microsoft.com/office/drawing/2014/main" id="{698C9FB1-755B-4034-87E4-A20096904BA6}"/>
+              </a:ext>
+            </a:extLst>
+          </p:cNvPr>
+          <p:cNvSpPr>
+            <a:spLocks noGrp="1"/>
+          </p:cNvSpPr>
+          <p:nvPr>
+            <p:ph type="title"/>
+          </p:nvPr>
+        </p:nvSpPr>
+        <p:spPr/>
+        <p:txBody>
+          <a:bodyPr/>
+          <a:lstStyle/>
+          <a:p>
+            <a:r>
+              <a:rPr lang="en-US" dirty="0"/>
+              <a:t>Cross Validation</a:t>
+            </a:r>
+          </a:p>
+        </p:txBody>
+      </p:sp>
+      <mc:AlternateContent xmlns:mc="http://schemas.openxmlformats.org/markup-compatibility/2006">
+        <mc:Choice xmlns:a14="http://schemas.microsoft.com/office/drawing/2010/main" Requires="a14">
+          <p:sp>
+            <p:nvSpPr>
+              <p:cNvPr id="4" name="Text Placeholder 3">
+                <a:extLst>
+                  <a:ext uri="{FF2B5EF4-FFF2-40B4-BE49-F238E27FC236}">
+                    <a16:creationId xmlns:a16="http://schemas.microsoft.com/office/drawing/2014/main" id="{2C53F08D-B017-424C-8C0E-0B5D12E04E55}"/>
+                  </a:ext>
+                </a:extLst>
+              </p:cNvPr>
+              <p:cNvSpPr>
+                <a:spLocks noGrp="1"/>
+              </p:cNvSpPr>
+              <p:nvPr>
+                <p:ph type="body" idx="1"/>
+              </p:nvPr>
+            </p:nvSpPr>
+            <p:spPr/>
+            <p:txBody>
+              <a:bodyPr/>
+              <a:lstStyle/>
+              <a:p>
+                <a14:m>
+                  <m:oMath xmlns:m="http://schemas.openxmlformats.org/officeDocument/2006/math">
+                    <m:r>
+                      <a:rPr lang="en-US" i="1" dirty="0" smtClean="0">
+                        <a:latin typeface="Cambria Math" panose="02040503050406030204" pitchFamily="18" charset="0"/>
+                      </a:rPr>
+                      <m:t>𝑘</m:t>
+                    </m:r>
+                  </m:oMath>
+                </a14:m>
+                <a:r>
+                  <a:rPr lang="en-US" dirty="0"/>
+                  <a:t>-Fold CV</a:t>
+                </a:r>
+              </a:p>
+              <a:p>
+                <a:pPr lvl="1"/>
+                <a:r>
+                  <a:rPr lang="en-US" dirty="0"/>
+                  <a:t>“Non-exhaustive” – Not all ways of splitting the training data are tested. So, this is an approximation.</a:t>
+                </a:r>
+              </a:p>
+              <a:p>
+                <a:pPr lvl="1"/>
+                <a:r>
+                  <a:rPr lang="en-US" dirty="0"/>
+                  <a:t>Randomly split the data into </a:t>
+                </a:r>
+                <a14:m>
+                  <m:oMath xmlns:m="http://schemas.openxmlformats.org/officeDocument/2006/math">
+                    <m:r>
+                      <a:rPr lang="en-US" i="1" dirty="0" smtClean="0">
+                        <a:latin typeface="Cambria Math" panose="02040503050406030204" pitchFamily="18" charset="0"/>
+                      </a:rPr>
+                      <m:t>𝑘</m:t>
+                    </m:r>
+                  </m:oMath>
+                </a14:m>
+                <a:r>
+                  <a:rPr lang="en-US" dirty="0"/>
+                  <a:t> equally-sized subsets. One subset is used as validation while the rest are used for training.</a:t>
+                </a:r>
+              </a:p>
+            </p:txBody>
+          </p:sp>
+        </mc:Choice>
+        <mc:Fallback>
+          <p:sp>
+            <p:nvSpPr>
+              <p:cNvPr id="4" name="Text Placeholder 3">
+                <a:extLst>
+                  <a:ext uri="{FF2B5EF4-FFF2-40B4-BE49-F238E27FC236}">
+                    <a16:creationId xmlns:a16="http://schemas.microsoft.com/office/drawing/2014/main" id="{2C53F08D-B017-424C-8C0E-0B5D12E04E55}"/>
+                  </a:ext>
+                </a:extLst>
+              </p:cNvPr>
+              <p:cNvSpPr>
+                <a:spLocks noGrp="1" noRot="1" noChangeAspect="1" noMove="1" noResize="1" noEditPoints="1" noAdjustHandles="1" noChangeArrowheads="1" noChangeShapeType="1" noTextEdit="1"/>
+              </p:cNvSpPr>
+              <p:nvPr>
+                <p:ph type="body" idx="1"/>
+              </p:nvPr>
+            </p:nvSpPr>
+            <p:spPr>
+              <a:blipFill>
+                <a:blip r:embed="rId2"/>
+                <a:stretch>
+                  <a:fillRect/>
+                </a:stretch>
+              </a:blipFill>
+            </p:spPr>
+            <p:txBody>
+              <a:bodyPr/>
+              <a:lstStyle/>
+              <a:p>
+                <a:r>
+                  <a:rPr lang="en-US">
+                    <a:noFill/>
+                  </a:rPr>
+                  <a:t> </a:t>
+                </a:r>
+              </a:p>
+            </p:txBody>
+          </p:sp>
+        </mc:Fallback>
+      </mc:AlternateContent>
+      <mc:AlternateContent xmlns:mc="http://schemas.openxmlformats.org/markup-compatibility/2006">
+        <mc:Choice xmlns:a14="http://schemas.microsoft.com/office/drawing/2010/main" Requires="a14">
+          <p:sp>
+            <p:nvSpPr>
+              <p:cNvPr id="5" name="Text Placeholder 4">
+                <a:extLst>
+                  <a:ext uri="{FF2B5EF4-FFF2-40B4-BE49-F238E27FC236}">
+                    <a16:creationId xmlns:a16="http://schemas.microsoft.com/office/drawing/2014/main" id="{57BAE12A-0FE4-49AE-99CA-2E059CE21B78}"/>
+                  </a:ext>
+                </a:extLst>
+              </p:cNvPr>
+              <p:cNvSpPr>
+                <a:spLocks noGrp="1"/>
+              </p:cNvSpPr>
+              <p:nvPr>
+                <p:ph type="body" idx="2"/>
+              </p:nvPr>
+            </p:nvSpPr>
+            <p:spPr/>
+            <p:txBody>
+              <a:bodyPr/>
+              <a:lstStyle/>
+              <a:p>
+                <a:r>
+                  <a:rPr lang="en-US" dirty="0"/>
+                  <a:t>L</a:t>
+                </a:r>
+                <a14:m>
+                  <m:oMath xmlns:m="http://schemas.openxmlformats.org/officeDocument/2006/math">
+                    <m:r>
+                      <a:rPr lang="en-US" i="1" dirty="0" smtClean="0">
+                        <a:latin typeface="Cambria Math" panose="02040503050406030204" pitchFamily="18" charset="0"/>
+                      </a:rPr>
+                      <m:t>𝑝</m:t>
+                    </m:r>
+                  </m:oMath>
+                </a14:m>
+                <a:r>
+                  <a:rPr lang="en-US" dirty="0"/>
+                  <a:t>OCV: Leave-p-out Cross-Validation</a:t>
+                </a:r>
+              </a:p>
+              <a:p>
+                <a:pPr lvl="1"/>
+                <a:r>
+                  <a:rPr lang="en-US" dirty="0"/>
+                  <a:t>“Exhaustive” – All possible ways to diving the training data are tested.</a:t>
+                </a:r>
+              </a:p>
+              <a:p>
+                <a:pPr lvl="1"/>
+                <a:r>
+                  <a:rPr lang="en-US" dirty="0"/>
+                  <a:t>Use </a:t>
+                </a:r>
+                <a14:m>
+                  <m:oMath xmlns:m="http://schemas.openxmlformats.org/officeDocument/2006/math">
+                    <m:r>
+                      <a:rPr lang="en-US" i="1" dirty="0" smtClean="0">
+                        <a:latin typeface="Cambria Math" panose="02040503050406030204" pitchFamily="18" charset="0"/>
+                      </a:rPr>
+                      <m:t>𝑝</m:t>
+                    </m:r>
+                  </m:oMath>
+                </a14:m>
+                <a:r>
+                  <a:rPr lang="en-US" dirty="0"/>
+                  <a:t> observations as the validation set and the rest as the training set.</a:t>
+                </a:r>
+              </a:p>
+              <a:p>
+                <a:pPr lvl="1"/>
+                <a14:m>
+                  <m:oMath xmlns:m="http://schemas.openxmlformats.org/officeDocument/2006/math">
+                    <m:sSubSup>
+                      <m:sSubSupPr>
+                        <m:ctrlPr>
+                          <a:rPr lang="en-US" i="1" smtClean="0">
+                            <a:latin typeface="Cambria Math" panose="02040503050406030204" pitchFamily="18" charset="0"/>
+                          </a:rPr>
+                        </m:ctrlPr>
+                      </m:sSubSupPr>
+                      <m:e>
+                        <m:r>
+                          <a:rPr lang="en-US" b="0" i="1" smtClean="0">
+                            <a:latin typeface="Cambria Math" panose="02040503050406030204" pitchFamily="18" charset="0"/>
+                          </a:rPr>
+                          <m:t>𝐶</m:t>
+                        </m:r>
+                      </m:e>
+                      <m:sub>
+                        <m:r>
+                          <a:rPr lang="en-US" b="0" i="1" smtClean="0">
+                            <a:latin typeface="Cambria Math" panose="02040503050406030204" pitchFamily="18" charset="0"/>
+                          </a:rPr>
+                          <m:t>𝑝</m:t>
+                        </m:r>
+                      </m:sub>
+                      <m:sup>
+                        <m:r>
+                          <a:rPr lang="en-US" b="0" i="1" smtClean="0">
+                            <a:latin typeface="Cambria Math" panose="02040503050406030204" pitchFamily="18" charset="0"/>
+                          </a:rPr>
+                          <m:t>𝑛</m:t>
+                        </m:r>
+                      </m:sup>
+                    </m:sSubSup>
+                    <m:r>
+                      <a:rPr lang="en-US" b="0" i="1" smtClean="0">
+                        <a:latin typeface="Cambria Math" panose="02040503050406030204" pitchFamily="18" charset="0"/>
+                      </a:rPr>
+                      <m:t>=</m:t>
+                    </m:r>
+                    <m:f>
+                      <m:fPr>
+                        <m:ctrlPr>
+                          <a:rPr lang="en-US" b="0" i="1" smtClean="0">
+                            <a:latin typeface="Cambria Math" panose="02040503050406030204" pitchFamily="18" charset="0"/>
+                          </a:rPr>
+                        </m:ctrlPr>
+                      </m:fPr>
+                      <m:num>
+                        <m:r>
+                          <a:rPr lang="en-US" b="0" i="1" smtClean="0">
+                            <a:latin typeface="Cambria Math" panose="02040503050406030204" pitchFamily="18" charset="0"/>
+                          </a:rPr>
+                          <m:t>𝑛</m:t>
+                        </m:r>
+                        <m:r>
+                          <a:rPr lang="en-US" b="0" i="1" smtClean="0">
+                            <a:latin typeface="Cambria Math" panose="02040503050406030204" pitchFamily="18" charset="0"/>
+                          </a:rPr>
+                          <m:t>!</m:t>
+                        </m:r>
+                      </m:num>
+                      <m:den>
+                        <m:r>
+                          <a:rPr lang="en-US" b="0" i="1" smtClean="0">
+                            <a:latin typeface="Cambria Math" panose="02040503050406030204" pitchFamily="18" charset="0"/>
+                          </a:rPr>
+                          <m:t>𝑘</m:t>
+                        </m:r>
+                        <m:r>
+                          <a:rPr lang="en-US" b="0" i="1" smtClean="0">
+                            <a:latin typeface="Cambria Math" panose="02040503050406030204" pitchFamily="18" charset="0"/>
+                          </a:rPr>
+                          <m:t>!</m:t>
+                        </m:r>
+                        <m:d>
+                          <m:dPr>
+                            <m:ctrlPr>
+                              <a:rPr lang="en-US" b="0" i="1" smtClean="0">
+                                <a:latin typeface="Cambria Math" panose="02040503050406030204" pitchFamily="18" charset="0"/>
+                              </a:rPr>
+                            </m:ctrlPr>
+                          </m:dPr>
+                          <m:e>
+                            <m:r>
+                              <a:rPr lang="en-US" b="0" i="1" smtClean="0">
+                                <a:latin typeface="Cambria Math" panose="02040503050406030204" pitchFamily="18" charset="0"/>
+                              </a:rPr>
+                              <m:t>𝑛</m:t>
+                            </m:r>
+                            <m:r>
+                              <a:rPr lang="en-US" b="0" i="1" smtClean="0">
+                                <a:latin typeface="Cambria Math" panose="02040503050406030204" pitchFamily="18" charset="0"/>
+                              </a:rPr>
+                              <m:t>−</m:t>
+                            </m:r>
+                            <m:r>
+                              <a:rPr lang="en-US" b="0" i="1" smtClean="0">
+                                <a:latin typeface="Cambria Math" panose="02040503050406030204" pitchFamily="18" charset="0"/>
+                              </a:rPr>
+                              <m:t>𝑘</m:t>
+                            </m:r>
+                          </m:e>
+                        </m:d>
+                        <m:r>
+                          <a:rPr lang="en-US" b="0" i="1" smtClean="0">
+                            <a:latin typeface="Cambria Math" panose="02040503050406030204" pitchFamily="18" charset="0"/>
+                          </a:rPr>
+                          <m:t>!</m:t>
+                        </m:r>
+                      </m:den>
+                    </m:f>
+                  </m:oMath>
+                </a14:m>
+                <a:r>
+                  <a:rPr lang="en-US" dirty="0"/>
+                  <a:t> (Computationally Infeasible)</a:t>
+                </a:r>
+              </a:p>
+            </p:txBody>
+          </p:sp>
+        </mc:Choice>
+        <mc:Fallback>
+          <p:sp>
+            <p:nvSpPr>
+              <p:cNvPr id="5" name="Text Placeholder 4">
+                <a:extLst>
+                  <a:ext uri="{FF2B5EF4-FFF2-40B4-BE49-F238E27FC236}">
+                    <a16:creationId xmlns:a16="http://schemas.microsoft.com/office/drawing/2014/main" id="{57BAE12A-0FE4-49AE-99CA-2E059CE21B78}"/>
+                  </a:ext>
+                </a:extLst>
+              </p:cNvPr>
+              <p:cNvSpPr>
+                <a:spLocks noGrp="1" noRot="1" noChangeAspect="1" noMove="1" noResize="1" noEditPoints="1" noAdjustHandles="1" noChangeArrowheads="1" noChangeShapeType="1" noTextEdit="1"/>
+              </p:cNvSpPr>
+              <p:nvPr>
+                <p:ph type="body" idx="2"/>
+              </p:nvPr>
+            </p:nvSpPr>
+            <p:spPr>
+              <a:blipFill>
+                <a:blip r:embed="rId3"/>
+                <a:stretch>
+                  <a:fillRect b="-2033"/>
+                </a:stretch>
+              </a:blipFill>
+            </p:spPr>
+            <p:txBody>
+              <a:bodyPr/>
+              <a:lstStyle/>
+              <a:p>
+                <a:r>
+                  <a:rPr lang="en-US">
+                    <a:noFill/>
+                  </a:rPr>
+                  <a:t> </a:t>
+                </a:r>
+              </a:p>
+            </p:txBody>
+          </p:sp>
+        </mc:Fallback>
+      </mc:AlternateContent>
+    </p:spTree>
+    <p:extLst>
+      <p:ext uri="{BB962C8B-B14F-4D97-AF65-F5344CB8AC3E}">
+        <p14:creationId xmlns:p14="http://schemas.microsoft.com/office/powerpoint/2010/main" val="827475437"/>
       </p:ext>
     </p:extLst>
   </p:cSld>

--- a/3 - Machine Learning/MachineLearning.pptx
+++ b/3 - Machine Learning/MachineLearning.pptx
@@ -6615,7 +6615,7 @@
           <a:p>
             <a:fld id="{123CBCE9-0914-4950-A986-7596C92667F1}" type="datetime1">
               <a:rPr lang="en-US" smtClean="0"/>
-              <a:t>2/11/2019</a:t>
+              <a:t>2/13/2019</a:t>
             </a:fld>
             <a:endParaRPr lang="en-US"/>
           </a:p>
@@ -11463,7 +11463,7 @@
           <a:graphicData uri="http://schemas.openxmlformats.org/presentationml/2006/ole">
             <mc:AlternateContent xmlns:mc="http://schemas.openxmlformats.org/markup-compatibility/2006">
               <mc:Choice xmlns:v="urn:schemas-microsoft-com:vml" Requires="v">
-                <p:oleObj spid="_x0000_s1064" name="Equation" r:id="rId3" imgW="1333440" imgH="457200" progId="Equation.3">
+                <p:oleObj spid="_x0000_s1070" name="Equation" r:id="rId3" imgW="1333440" imgH="457200" progId="Equation.3">
                   <p:embed/>
                 </p:oleObj>
               </mc:Choice>
@@ -11859,7 +11859,7 @@
           <a:graphicData uri="http://schemas.openxmlformats.org/presentationml/2006/ole">
             <mc:AlternateContent xmlns:mc="http://schemas.openxmlformats.org/markup-compatibility/2006">
               <mc:Choice xmlns:v="urn:schemas-microsoft-com:vml" Requires="v">
-                <p:oleObj spid="_x0000_s1065" name="Equation" r:id="rId5" imgW="1180800" imgH="431640" progId="Equation.3">
+                <p:oleObj spid="_x0000_s1071" name="Equation" r:id="rId5" imgW="1180800" imgH="431640" progId="Equation.3">
                   <p:embed/>
                 </p:oleObj>
               </mc:Choice>
@@ -12241,7 +12241,7 @@
           <a:graphicData uri="http://schemas.openxmlformats.org/presentationml/2006/ole">
             <mc:AlternateContent xmlns:mc="http://schemas.openxmlformats.org/markup-compatibility/2006">
               <mc:Choice xmlns:v="urn:schemas-microsoft-com:vml" Requires="v">
-                <p:oleObj spid="_x0000_s2088" name="Equation" r:id="rId3" imgW="1498320" imgH="482400" progId="Equation.3">
+                <p:oleObj spid="_x0000_s2094" name="Equation" r:id="rId3" imgW="1498320" imgH="482400" progId="Equation.3">
                   <p:embed/>
                 </p:oleObj>
               </mc:Choice>
@@ -12313,7 +12313,7 @@
           <a:graphicData uri="http://schemas.openxmlformats.org/presentationml/2006/ole">
             <mc:AlternateContent xmlns:mc="http://schemas.openxmlformats.org/markup-compatibility/2006">
               <mc:Choice xmlns:v="urn:schemas-microsoft-com:vml" Requires="v">
-                <p:oleObj spid="_x0000_s2089" name="Equation" r:id="rId5" imgW="1663560" imgH="444240" progId="Equation.3">
+                <p:oleObj spid="_x0000_s2095" name="Equation" r:id="rId5" imgW="1663560" imgH="444240" progId="Equation.3">
                   <p:embed/>
                 </p:oleObj>
               </mc:Choice>
@@ -15650,15 +15650,7 @@
           <a:p>
             <a:r>
               <a:rPr lang="en-US" dirty="0"/>
-              <a:t>Tweaking the model until it’s </a:t>
-            </a:r>
-            <a:r>
-              <a:rPr lang="en-US" i="1" dirty="0"/>
-              <a:t>just right</a:t>
-            </a:r>
-            <a:r>
-              <a:rPr lang="en-US" dirty="0"/>
-              <a:t>…</a:t>
+              <a:t>Proving the model is valid in more scenarios than just on the training data.</a:t>
             </a:r>
           </a:p>
         </p:txBody>
@@ -15971,8 +15963,8 @@
           </a:p>
         </p:txBody>
       </p:sp>
-      <mc:AlternateContent xmlns:mc="http://schemas.openxmlformats.org/markup-compatibility/2006">
-        <mc:Choice xmlns:a14="http://schemas.microsoft.com/office/drawing/2010/main" Requires="a14">
+      <mc:AlternateContent xmlns:mc="http://schemas.openxmlformats.org/markup-compatibility/2006" xmlns:a14="http://schemas.microsoft.com/office/drawing/2010/main">
+        <mc:Choice Requires="a14">
           <p:sp>
             <p:nvSpPr>
               <p:cNvPr id="4" name="TextBox 3">
@@ -16063,6 +16055,7 @@
                 <a:endParaRPr lang="en-US" sz="1800" dirty="0"/>
               </a:p>
               <a:p>
+                <a:pPr/>
                 <a14:m>
                   <m:oMathPara xmlns:m="http://schemas.openxmlformats.org/officeDocument/2006/math">
                     <m:oMathParaPr>
@@ -16124,6 +16117,7 @@
                 <a:endParaRPr lang="en-US" sz="1800" dirty="0"/>
               </a:p>
               <a:p>
+                <a:pPr/>
                 <a14:m>
                   <m:oMathPara xmlns:m="http://schemas.openxmlformats.org/officeDocument/2006/math">
                     <m:oMathParaPr>
@@ -16173,7 +16167,7 @@
             </p:txBody>
           </p:sp>
         </mc:Choice>
-        <mc:Fallback>
+        <mc:Fallback xmlns="">
           <p:sp>
             <p:nvSpPr>
               <p:cNvPr id="4" name="TextBox 3">
@@ -19125,8 +19119,8 @@
           </a:p>
         </p:txBody>
       </p:sp>
-      <mc:AlternateContent xmlns:mc="http://schemas.openxmlformats.org/markup-compatibility/2006">
-        <mc:Choice xmlns:a14="http://schemas.microsoft.com/office/drawing/2010/main" Requires="a14">
+      <mc:AlternateContent xmlns:mc="http://schemas.openxmlformats.org/markup-compatibility/2006" xmlns:a14="http://schemas.microsoft.com/office/drawing/2010/main">
+        <mc:Choice Requires="a14">
           <p:sp>
             <p:nvSpPr>
               <p:cNvPr id="3" name="Text Placeholder 2">
@@ -19221,7 +19215,7 @@
             </p:txBody>
           </p:sp>
         </mc:Choice>
-        <mc:Fallback>
+        <mc:Fallback xmlns="">
           <p:sp>
             <p:nvSpPr>
               <p:cNvPr id="3" name="Text Placeholder 2">
@@ -19460,8 +19454,8 @@
           </a:p>
         </p:txBody>
       </p:sp>
-      <mc:AlternateContent xmlns:mc="http://schemas.openxmlformats.org/markup-compatibility/2006">
-        <mc:Choice xmlns:a14="http://schemas.microsoft.com/office/drawing/2010/main" Requires="a14">
+      <mc:AlternateContent xmlns:mc="http://schemas.openxmlformats.org/markup-compatibility/2006" xmlns:a14="http://schemas.microsoft.com/office/drawing/2010/main">
+        <mc:Choice Requires="a14">
           <p:sp>
             <p:nvSpPr>
               <p:cNvPr id="6" name="TextBox 5">
@@ -19974,7 +19968,7 @@
             </p:txBody>
           </p:sp>
         </mc:Choice>
-        <mc:Fallback>
+        <mc:Fallback xmlns="">
           <p:sp>
             <p:nvSpPr>
               <p:cNvPr id="6" name="TextBox 5">
@@ -20578,8 +20572,8 @@
           </a:p>
         </p:txBody>
       </p:sp>
-      <mc:AlternateContent xmlns:mc="http://schemas.openxmlformats.org/markup-compatibility/2006">
-        <mc:Choice xmlns:a14="http://schemas.microsoft.com/office/drawing/2010/main" Requires="a14">
+      <mc:AlternateContent xmlns:mc="http://schemas.openxmlformats.org/markup-compatibility/2006" xmlns:a14="http://schemas.microsoft.com/office/drawing/2010/main">
+        <mc:Choice Requires="a14">
           <p:sp>
             <p:nvSpPr>
               <p:cNvPr id="3" name="Text Placeholder 2">
@@ -20723,7 +20717,7 @@
             </p:txBody>
           </p:sp>
         </mc:Choice>
-        <mc:Fallback>
+        <mc:Fallback xmlns="">
           <p:sp>
             <p:nvSpPr>
               <p:cNvPr id="3" name="Text Placeholder 2">
@@ -20797,6 +20791,7 @@
               </a:bodyPr>
               <a:lstStyle/>
               <a:p>
+                <a:pPr/>
                 <a14:m>
                   <m:oMathPara xmlns:m="http://schemas.openxmlformats.org/officeDocument/2006/math">
                     <m:oMathParaPr>
@@ -20940,6 +20935,7 @@
                 </a:endParaRPr>
               </a:p>
               <a:p>
+                <a:pPr/>
                 <a14:m>
                   <m:oMathPara xmlns:m="http://schemas.openxmlformats.org/officeDocument/2006/math">
                     <m:oMathParaPr>
@@ -20994,12 +20990,31 @@
                         </a:rPr>
                         <m:t>=4</m:t>
                       </m:r>
-                      <m:r>
-                        <a:rPr lang="en-US" b="0" i="1" smtClean="0">
-                          <a:latin typeface="Cambria Math" panose="02040503050406030204" pitchFamily="18" charset="0"/>
-                        </a:rPr>
-                        <m:t>𝑥</m:t>
-                      </m:r>
+                      <m:sSup>
+                        <m:sSupPr>
+                          <m:ctrlPr>
+                            <a:rPr lang="en-US" b="0" i="1" smtClean="0">
+                              <a:latin typeface="Cambria Math" panose="02040503050406030204" pitchFamily="18" charset="0"/>
+                            </a:rPr>
+                          </m:ctrlPr>
+                        </m:sSupPr>
+                        <m:e>
+                          <m:r>
+                            <a:rPr lang="en-US" b="0" i="1" smtClean="0">
+                              <a:latin typeface="Cambria Math" panose="02040503050406030204" pitchFamily="18" charset="0"/>
+                            </a:rPr>
+                            <m:t>𝑥</m:t>
+                          </m:r>
+                        </m:e>
+                        <m:sup>
+                          <m:r>
+                            <a:rPr lang="en-US" b="0" i="1" smtClean="0">
+                              <a:latin typeface="Cambria Math" panose="02040503050406030204" pitchFamily="18" charset="0"/>
+                            </a:rPr>
+                            <m:t>3</m:t>
+                          </m:r>
+                        </m:sup>
+                      </m:sSup>
                       <m:r>
                         <a:rPr lang="en-US" b="0" i="1" smtClean="0">
                           <a:latin typeface="Cambria Math" panose="02040503050406030204" pitchFamily="18" charset="0"/>
@@ -21625,8 +21640,8 @@
           </a:p>
         </p:txBody>
       </p:sp>
-      <mc:AlternateContent xmlns:mc="http://schemas.openxmlformats.org/markup-compatibility/2006">
-        <mc:Choice xmlns:a14="http://schemas.microsoft.com/office/drawing/2010/main" Requires="a14">
+      <mc:AlternateContent xmlns:mc="http://schemas.openxmlformats.org/markup-compatibility/2006" xmlns:a14="http://schemas.microsoft.com/office/drawing/2010/main">
+        <mc:Choice Requires="a14">
           <p:sp>
             <p:nvSpPr>
               <p:cNvPr id="4" name="Text Placeholder 3">
@@ -21694,7 +21709,7 @@
             </p:txBody>
           </p:sp>
         </mc:Choice>
-        <mc:Fallback>
+        <mc:Fallback xmlns="">
           <p:sp>
             <p:nvSpPr>
               <p:cNvPr id="4" name="Text Placeholder 3">
@@ -21734,8 +21749,8 @@
           </p:sp>
         </mc:Fallback>
       </mc:AlternateContent>
-      <mc:AlternateContent xmlns:mc="http://schemas.openxmlformats.org/markup-compatibility/2006">
-        <mc:Choice xmlns:a14="http://schemas.microsoft.com/office/drawing/2010/main" Requires="a14">
+      <mc:AlternateContent xmlns:mc="http://schemas.openxmlformats.org/markup-compatibility/2006" xmlns:a14="http://schemas.microsoft.com/office/drawing/2010/main">
+        <mc:Choice Requires="a14">
           <p:sp>
             <p:nvSpPr>
               <p:cNvPr id="5" name="Text Placeholder 4">
@@ -21929,7 +21944,7 @@
             </p:txBody>
           </p:sp>
         </mc:Choice>
-        <mc:Fallback>
+        <mc:Fallback xmlns="">
           <p:sp>
             <p:nvSpPr>
               <p:cNvPr id="5" name="Text Placeholder 4">

--- a/3 - Machine Learning/MachineLearning.pptx
+++ b/3 - Machine Learning/MachineLearning.pptx
@@ -5,7 +5,7 @@
     <p:sldMasterId id="2147483659" r:id="rId1"/>
   </p:sldMasterIdLst>
   <p:notesMasterIdLst>
-    <p:notesMasterId r:id="rId30"/>
+    <p:notesMasterId r:id="rId32"/>
   </p:notesMasterIdLst>
   <p:sldIdLst>
     <p:sldId id="256" r:id="rId2"/>
@@ -36,41 +36,43 @@
     <p:sldId id="458" r:id="rId27"/>
     <p:sldId id="461" r:id="rId28"/>
     <p:sldId id="459" r:id="rId29"/>
+    <p:sldId id="462" r:id="rId30"/>
+    <p:sldId id="463" r:id="rId31"/>
   </p:sldIdLst>
   <p:sldSz cx="9144000" cy="5143500" type="screen16x9"/>
   <p:notesSz cx="6858000" cy="9144000"/>
   <p:embeddedFontLst>
     <p:embeddedFont>
       <p:font typeface="Cambria Math" panose="02040503050406030204" pitchFamily="18" charset="0"/>
-      <p:regular r:id="rId31"/>
+      <p:regular r:id="rId33"/>
     </p:embeddedFont>
     <p:embeddedFont>
       <p:font typeface="Consolas" panose="020B0609020204030204" pitchFamily="49" charset="0"/>
-      <p:regular r:id="rId32"/>
-      <p:bold r:id="rId33"/>
-      <p:italic r:id="rId34"/>
-      <p:boldItalic r:id="rId35"/>
+      <p:regular r:id="rId34"/>
+      <p:bold r:id="rId35"/>
+      <p:italic r:id="rId36"/>
+      <p:boldItalic r:id="rId37"/>
     </p:embeddedFont>
     <p:embeddedFont>
-      <p:font typeface="Lato" panose="020B0604020202020204" charset="0"/>
-      <p:regular r:id="rId36"/>
-      <p:bold r:id="rId37"/>
-      <p:italic r:id="rId38"/>
-      <p:boldItalic r:id="rId39"/>
+      <p:font typeface="Lato" panose="020F0502020204030203" pitchFamily="34" charset="0"/>
+      <p:regular r:id="rId38"/>
+      <p:bold r:id="rId39"/>
+      <p:italic r:id="rId40"/>
+      <p:boldItalic r:id="rId41"/>
     </p:embeddedFont>
     <p:embeddedFont>
       <p:font typeface="Raleway" panose="020B0604020202020204" charset="0"/>
-      <p:regular r:id="rId40"/>
-      <p:bold r:id="rId41"/>
-      <p:italic r:id="rId42"/>
-      <p:boldItalic r:id="rId43"/>
+      <p:regular r:id="rId42"/>
+      <p:bold r:id="rId43"/>
+      <p:italic r:id="rId44"/>
+      <p:boldItalic r:id="rId45"/>
     </p:embeddedFont>
     <p:embeddedFont>
       <p:font typeface="Segoe UI" panose="020B0502040204020203" pitchFamily="34" charset="0"/>
-      <p:regular r:id="rId44"/>
-      <p:bold r:id="rId45"/>
-      <p:italic r:id="rId46"/>
-      <p:boldItalic r:id="rId47"/>
+      <p:regular r:id="rId46"/>
+      <p:bold r:id="rId47"/>
+      <p:italic r:id="rId48"/>
+      <p:boldItalic r:id="rId49"/>
     </p:embeddedFont>
   </p:embeddedFontLst>
   <p:defaultTextStyle>
@@ -6615,7 +6617,7 @@
           <a:p>
             <a:fld id="{123CBCE9-0914-4950-A986-7596C92667F1}" type="datetime1">
               <a:rPr lang="en-US" smtClean="0"/>
-              <a:t>2/13/2019</a:t>
+              <a:t>9/11/2019</a:t>
             </a:fld>
             <a:endParaRPr lang="en-US"/>
           </a:p>
@@ -8230,7 +8232,7 @@
             </a:pPr>
             <a:r>
               <a:rPr lang="en" dirty="0"/>
-              <a:t>DSBA 6190-U91 | Colby T. Ford, Ph.D.</a:t>
+              <a:t>DSBA 6190-U90 | Colby T. Ford, Ph.D.</a:t>
             </a:r>
             <a:endParaRPr dirty="0"/>
           </a:p>
@@ -11463,7 +11465,7 @@
           <a:graphicData uri="http://schemas.openxmlformats.org/presentationml/2006/ole">
             <mc:AlternateContent xmlns:mc="http://schemas.openxmlformats.org/markup-compatibility/2006">
               <mc:Choice xmlns:v="urn:schemas-microsoft-com:vml" Requires="v">
-                <p:oleObj spid="_x0000_s1070" name="Equation" r:id="rId3" imgW="1333440" imgH="457200" progId="Equation.3">
+                <p:oleObj spid="_x0000_s1076" name="Equation" r:id="rId3" imgW="1333440" imgH="457200" progId="Equation.3">
                   <p:embed/>
                 </p:oleObj>
               </mc:Choice>
@@ -11859,7 +11861,7 @@
           <a:graphicData uri="http://schemas.openxmlformats.org/presentationml/2006/ole">
             <mc:AlternateContent xmlns:mc="http://schemas.openxmlformats.org/markup-compatibility/2006">
               <mc:Choice xmlns:v="urn:schemas-microsoft-com:vml" Requires="v">
-                <p:oleObj spid="_x0000_s1071" name="Equation" r:id="rId5" imgW="1180800" imgH="431640" progId="Equation.3">
+                <p:oleObj spid="_x0000_s1077" name="Equation" r:id="rId5" imgW="1180800" imgH="431640" progId="Equation.3">
                   <p:embed/>
                 </p:oleObj>
               </mc:Choice>
@@ -12241,7 +12243,7 @@
           <a:graphicData uri="http://schemas.openxmlformats.org/presentationml/2006/ole">
             <mc:AlternateContent xmlns:mc="http://schemas.openxmlformats.org/markup-compatibility/2006">
               <mc:Choice xmlns:v="urn:schemas-microsoft-com:vml" Requires="v">
-                <p:oleObj spid="_x0000_s2094" name="Equation" r:id="rId3" imgW="1498320" imgH="482400" progId="Equation.3">
+                <p:oleObj spid="_x0000_s2100" name="Equation" r:id="rId3" imgW="1498320" imgH="482400" progId="Equation.3">
                   <p:embed/>
                 </p:oleObj>
               </mc:Choice>
@@ -12313,7 +12315,7 @@
           <a:graphicData uri="http://schemas.openxmlformats.org/presentationml/2006/ole">
             <mc:AlternateContent xmlns:mc="http://schemas.openxmlformats.org/markup-compatibility/2006">
               <mc:Choice xmlns:v="urn:schemas-microsoft-com:vml" Requires="v">
-                <p:oleObj spid="_x0000_s2095" name="Equation" r:id="rId5" imgW="1663560" imgH="444240" progId="Equation.3">
+                <p:oleObj spid="_x0000_s2101" name="Equation" r:id="rId5" imgW="1663560" imgH="444240" progId="Equation.3">
                   <p:embed/>
                 </p:oleObj>
               </mc:Choice>
@@ -12661,8 +12663,8 @@
         </p:nvSpPr>
         <p:spPr>
           <a:xfrm>
-            <a:off x="4939500" y="200722"/>
-            <a:ext cx="3837000" cy="4218578"/>
+            <a:off x="4939500" y="394854"/>
+            <a:ext cx="3837000" cy="3719945"/>
           </a:xfrm>
           <a:prstGeom prst="rect">
             <a:avLst/>
@@ -12681,7 +12683,7 @@
               <a:buNone/>
             </a:pPr>
             <a:r>
-              <a:rPr lang="en-US" b="1" dirty="0"/>
+              <a:rPr lang="en-US" sz="1400" b="1" dirty="0"/>
               <a:t>Intro to Machine Learning</a:t>
             </a:r>
           </a:p>
@@ -12690,7 +12692,7 @@
               <a:buNone/>
             </a:pPr>
             <a:r>
-              <a:rPr lang="en-US" b="1" dirty="0"/>
+              <a:rPr lang="en-US" sz="1400" b="1" dirty="0"/>
               <a:t>Machine Learning in the Cloud</a:t>
             </a:r>
           </a:p>
@@ -12699,7 +12701,7 @@
               <a:buNone/>
             </a:pPr>
             <a:r>
-              <a:rPr lang="en-US" b="1" dirty="0"/>
+              <a:rPr lang="en-US" sz="1400" b="1" dirty="0"/>
               <a:t>Cognitive Services</a:t>
             </a:r>
           </a:p>
@@ -12711,28 +12713,28 @@
               <a:buNone/>
             </a:pPr>
             <a:r>
-              <a:rPr lang="en-US" b="1" dirty="0"/>
+              <a:rPr lang="en-US" sz="1400" b="1" dirty="0"/>
               <a:t>Basics of Algorithms</a:t>
             </a:r>
           </a:p>
           <a:p>
             <a:pPr marL="285750" indent="-285750"/>
             <a:r>
-              <a:rPr lang="en-US" b="1" dirty="0"/>
+              <a:rPr lang="en-US" sz="1400" b="1" dirty="0"/>
               <a:t>Regression</a:t>
             </a:r>
           </a:p>
           <a:p>
             <a:pPr marL="285750" indent="-285750"/>
             <a:r>
-              <a:rPr lang="en-US" b="1" dirty="0"/>
+              <a:rPr lang="en-US" sz="1400" b="1" dirty="0"/>
               <a:t>Classification</a:t>
             </a:r>
           </a:p>
           <a:p>
             <a:pPr marL="285750" indent="-285750"/>
             <a:r>
-              <a:rPr lang="en-US" b="1" dirty="0"/>
+              <a:rPr lang="en-US" sz="1400" b="1" dirty="0"/>
               <a:t>Clustering</a:t>
             </a:r>
           </a:p>
@@ -12744,30 +12746,44 @@
               <a:buNone/>
             </a:pPr>
             <a:r>
-              <a:rPr lang="en-US" b="1" dirty="0"/>
+              <a:rPr lang="en-US" sz="1400" b="1" dirty="0"/>
               <a:t>Scaling Up with Parallelization</a:t>
             </a:r>
           </a:p>
           <a:p>
             <a:pPr marL="285750" indent="-285750"/>
             <a:r>
-              <a:rPr lang="en-US" b="1" dirty="0"/>
+              <a:rPr lang="en-US" sz="1400" b="1" dirty="0"/>
               <a:t>Training</a:t>
             </a:r>
           </a:p>
           <a:p>
             <a:pPr marL="285750" indent="-285750"/>
             <a:r>
-              <a:rPr lang="en-US" b="1" dirty="0"/>
+              <a:rPr lang="en-US" sz="1400" b="1" dirty="0"/>
               <a:t>Cross-Validation</a:t>
             </a:r>
           </a:p>
           <a:p>
             <a:pPr marL="285750" indent="-285750"/>
             <a:r>
-              <a:rPr lang="en-US" b="1" dirty="0"/>
+              <a:rPr lang="en-US" sz="1400" b="1" dirty="0"/>
               <a:t>Parameter Tuning</a:t>
             </a:r>
+          </a:p>
+          <a:p>
+            <a:pPr marL="285750" indent="-285750"/>
+            <a:endParaRPr lang="en-US" sz="1400" b="1" dirty="0"/>
+          </a:p>
+          <a:p>
+            <a:pPr marL="0" indent="0">
+              <a:buNone/>
+            </a:pPr>
+            <a:r>
+              <a:rPr lang="en-US" sz="1400" b="1" dirty="0" err="1"/>
+              <a:t>AutoML</a:t>
+            </a:r>
+            <a:endParaRPr lang="en-US" sz="1400" b="1" dirty="0"/>
           </a:p>
         </p:txBody>
       </p:sp>
@@ -20761,8 +20777,8 @@
           </p:sp>
         </mc:Fallback>
       </mc:AlternateContent>
-      <mc:AlternateContent xmlns:mc="http://schemas.openxmlformats.org/markup-compatibility/2006">
-        <mc:Choice xmlns:a14="http://schemas.microsoft.com/office/drawing/2010/main" Requires="a14">
+      <mc:AlternateContent xmlns:mc="http://schemas.openxmlformats.org/markup-compatibility/2006" xmlns:a14="http://schemas.microsoft.com/office/drawing/2010/main">
+        <mc:Choice Requires="a14">
           <p:sp>
             <p:nvSpPr>
               <p:cNvPr id="5" name="TextBox 4">
@@ -21054,7 +21070,7 @@
             </p:txBody>
           </p:sp>
         </mc:Choice>
-        <mc:Fallback>
+        <mc:Fallback xmlns="">
           <p:sp>
             <p:nvSpPr>
               <p:cNvPr id="5" name="TextBox 4">
@@ -21997,6 +22013,1267 @@
 </p:sld>
 </file>
 
+<file path=ppt/slides/slide29.xml><?xml version="1.0" encoding="utf-8"?>
+<p:sld xmlns:a="http://schemas.openxmlformats.org/drawingml/2006/main" xmlns:r="http://schemas.openxmlformats.org/officeDocument/2006/relationships" xmlns:p="http://schemas.openxmlformats.org/presentationml/2006/main">
+  <p:cSld>
+    <p:spTree>
+      <p:nvGrpSpPr>
+        <p:cNvPr id="1" name=""/>
+        <p:cNvGrpSpPr/>
+        <p:nvPr/>
+      </p:nvGrpSpPr>
+      <p:grpSpPr>
+        <a:xfrm>
+          <a:off x="0" y="0"/>
+          <a:ext cx="0" cy="0"/>
+          <a:chOff x="0" y="0"/>
+          <a:chExt cx="0" cy="0"/>
+        </a:xfrm>
+      </p:grpSpPr>
+      <p:sp>
+        <p:nvSpPr>
+          <p:cNvPr id="2" name="Title 1">
+            <a:extLst>
+              <a:ext uri="{FF2B5EF4-FFF2-40B4-BE49-F238E27FC236}">
+                <a16:creationId xmlns:a16="http://schemas.microsoft.com/office/drawing/2014/main" id="{B2E6EB5F-C563-4961-BA02-2702B9C5AF3C}"/>
+              </a:ext>
+            </a:extLst>
+          </p:cNvPr>
+          <p:cNvSpPr>
+            <a:spLocks noGrp="1"/>
+          </p:cNvSpPr>
+          <p:nvPr>
+            <p:ph type="title"/>
+          </p:nvPr>
+        </p:nvSpPr>
+        <p:spPr>
+          <a:xfrm>
+            <a:off x="319500" y="180900"/>
+            <a:ext cx="2808000" cy="755700"/>
+          </a:xfrm>
+        </p:spPr>
+        <p:txBody>
+          <a:bodyPr/>
+          <a:lstStyle/>
+          <a:p>
+            <a:r>
+              <a:rPr lang="en-US" dirty="0" err="1"/>
+              <a:t>AutoML</a:t>
+            </a:r>
+            <a:endParaRPr lang="en-US" dirty="0"/>
+          </a:p>
+        </p:txBody>
+      </p:sp>
+      <p:sp>
+        <p:nvSpPr>
+          <p:cNvPr id="3" name="Text Placeholder 2">
+            <a:extLst>
+              <a:ext uri="{FF2B5EF4-FFF2-40B4-BE49-F238E27FC236}">
+                <a16:creationId xmlns:a16="http://schemas.microsoft.com/office/drawing/2014/main" id="{0A6D9E67-C183-48CE-A744-2C8AB740048D}"/>
+              </a:ext>
+            </a:extLst>
+          </p:cNvPr>
+          <p:cNvSpPr>
+            <a:spLocks noGrp="1"/>
+          </p:cNvSpPr>
+          <p:nvPr>
+            <p:ph type="body" idx="1"/>
+          </p:nvPr>
+        </p:nvSpPr>
+        <p:spPr>
+          <a:xfrm>
+            <a:off x="319499" y="936600"/>
+            <a:ext cx="3552845" cy="3716404"/>
+          </a:xfrm>
+        </p:spPr>
+        <p:txBody>
+          <a:bodyPr/>
+          <a:lstStyle/>
+          <a:p>
+            <a:pPr>
+              <a:spcBef>
+                <a:spcPts val="600"/>
+              </a:spcBef>
+            </a:pPr>
+            <a:r>
+              <a:rPr lang="en-US" dirty="0"/>
+              <a:t>Automatically test various algorithms, hyperparameters, and scaling techniques</a:t>
+            </a:r>
+          </a:p>
+          <a:p>
+            <a:pPr>
+              <a:spcBef>
+                <a:spcPts val="600"/>
+              </a:spcBef>
+            </a:pPr>
+            <a:r>
+              <a:rPr lang="en-US" dirty="0"/>
+              <a:t>Three Experiment Types:</a:t>
+            </a:r>
+          </a:p>
+          <a:p>
+            <a:pPr lvl="1">
+              <a:spcBef>
+                <a:spcPts val="600"/>
+              </a:spcBef>
+            </a:pPr>
+            <a:r>
+              <a:rPr lang="en-US" dirty="0"/>
+              <a:t>Classification</a:t>
+            </a:r>
+          </a:p>
+          <a:p>
+            <a:pPr lvl="1">
+              <a:spcBef>
+                <a:spcPts val="600"/>
+              </a:spcBef>
+            </a:pPr>
+            <a:r>
+              <a:rPr lang="en-US" dirty="0"/>
+              <a:t>Regression</a:t>
+            </a:r>
+          </a:p>
+          <a:p>
+            <a:pPr lvl="1">
+              <a:spcBef>
+                <a:spcPts val="600"/>
+              </a:spcBef>
+            </a:pPr>
+            <a:r>
+              <a:rPr lang="en-US" dirty="0"/>
+              <a:t>Forecasting</a:t>
+            </a:r>
+          </a:p>
+          <a:p>
+            <a:pPr>
+              <a:spcBef>
+                <a:spcPts val="600"/>
+              </a:spcBef>
+            </a:pPr>
+            <a:r>
+              <a:rPr lang="en-US" dirty="0"/>
+              <a:t>Steps:</a:t>
+            </a:r>
+          </a:p>
+          <a:p>
+            <a:pPr lvl="1">
+              <a:spcBef>
+                <a:spcPts val="600"/>
+              </a:spcBef>
+            </a:pPr>
+            <a:r>
+              <a:rPr lang="en-US" dirty="0"/>
+              <a:t>Preprocessing &amp; Scaling</a:t>
+            </a:r>
+          </a:p>
+          <a:p>
+            <a:pPr lvl="1">
+              <a:spcBef>
+                <a:spcPts val="600"/>
+              </a:spcBef>
+            </a:pPr>
+            <a:r>
+              <a:rPr lang="en-US" dirty="0"/>
+              <a:t>Featurization</a:t>
+            </a:r>
+          </a:p>
+          <a:p>
+            <a:pPr lvl="1">
+              <a:spcBef>
+                <a:spcPts val="600"/>
+              </a:spcBef>
+            </a:pPr>
+            <a:r>
+              <a:rPr lang="en-US" dirty="0"/>
+              <a:t>Cross-Validation</a:t>
+            </a:r>
+          </a:p>
+          <a:p>
+            <a:pPr lvl="1">
+              <a:spcBef>
+                <a:spcPts val="600"/>
+              </a:spcBef>
+            </a:pPr>
+            <a:r>
+              <a:rPr lang="en-US" dirty="0" err="1"/>
+              <a:t>Ensembling</a:t>
+            </a:r>
+            <a:endParaRPr lang="en-US" dirty="0"/>
+          </a:p>
+          <a:p>
+            <a:pPr lvl="1">
+              <a:spcBef>
+                <a:spcPts val="600"/>
+              </a:spcBef>
+            </a:pPr>
+            <a:endParaRPr lang="en-US" dirty="0"/>
+          </a:p>
+        </p:txBody>
+      </p:sp>
+      <p:graphicFrame>
+        <p:nvGraphicFramePr>
+          <p:cNvPr id="4" name="Table 3">
+            <a:extLst>
+              <a:ext uri="{FF2B5EF4-FFF2-40B4-BE49-F238E27FC236}">
+                <a16:creationId xmlns:a16="http://schemas.microsoft.com/office/drawing/2014/main" id="{287E4274-7456-4C85-ACEB-DF88F6F79EF5}"/>
+              </a:ext>
+            </a:extLst>
+          </p:cNvPr>
+          <p:cNvGraphicFramePr>
+            <a:graphicFrameLocks noGrp="1"/>
+          </p:cNvGraphicFramePr>
+          <p:nvPr>
+            <p:extLst>
+              <p:ext uri="{D42A27DB-BD31-4B8C-83A1-F6EECF244321}">
+                <p14:modId xmlns:p14="http://schemas.microsoft.com/office/powerpoint/2010/main" val="2433286491"/>
+              </p:ext>
+            </p:extLst>
+          </p:nvPr>
+        </p:nvGraphicFramePr>
+        <p:xfrm>
+          <a:off x="3817974" y="640146"/>
+          <a:ext cx="4865759" cy="3585984"/>
+        </p:xfrm>
+        <a:graphic>
+          <a:graphicData uri="http://schemas.openxmlformats.org/drawingml/2006/table">
+            <a:tbl>
+              <a:tblPr/>
+              <a:tblGrid>
+                <a:gridCol w="2418557">
+                  <a:extLst>
+                    <a:ext uri="{9D8B030D-6E8A-4147-A177-3AD203B41FA5}">
+                      <a16:colId xmlns:a16="http://schemas.microsoft.com/office/drawing/2014/main" val="1089580484"/>
+                    </a:ext>
+                  </a:extLst>
+                </a:gridCol>
+                <a:gridCol w="2447202">
+                  <a:extLst>
+                    <a:ext uri="{9D8B030D-6E8A-4147-A177-3AD203B41FA5}">
+                      <a16:colId xmlns:a16="http://schemas.microsoft.com/office/drawing/2014/main" val="1382446080"/>
+                    </a:ext>
+                  </a:extLst>
+                </a:gridCol>
+              </a:tblGrid>
+              <a:tr h="178790">
+                <a:tc>
+                  <a:txBody>
+                    <a:bodyPr/>
+                    <a:lstStyle/>
+                    <a:p>
+                      <a:pPr algn="ctr"/>
+                      <a:r>
+                        <a:rPr lang="en-US" sz="1200" b="1"/>
+                        <a:t>Classification</a:t>
+                      </a:r>
+                    </a:p>
+                  </a:txBody>
+                  <a:tcPr marL="52666" marR="52666" marT="26333" marB="26333" anchor="ctr">
+                    <a:lnL>
+                      <a:noFill/>
+                    </a:lnL>
+                    <a:lnR>
+                      <a:noFill/>
+                    </a:lnR>
+                    <a:lnT>
+                      <a:noFill/>
+                    </a:lnT>
+                    <a:lnB>
+                      <a:noFill/>
+                    </a:lnB>
+                  </a:tcPr>
+                </a:tc>
+                <a:tc>
+                  <a:txBody>
+                    <a:bodyPr/>
+                    <a:lstStyle/>
+                    <a:p>
+                      <a:pPr algn="ctr"/>
+                      <a:r>
+                        <a:rPr lang="en-US" sz="1200" b="1" dirty="0"/>
+                        <a:t>Regression &amp;</a:t>
+                      </a:r>
+                    </a:p>
+                    <a:p>
+                      <a:pPr algn="ctr"/>
+                      <a:r>
+                        <a:rPr lang="en-US" sz="1200" b="1" dirty="0"/>
+                        <a:t>Time Series Forecasting</a:t>
+                      </a:r>
+                    </a:p>
+                  </a:txBody>
+                  <a:tcPr marL="52666" marR="52666" marT="26333" marB="26333" anchor="ctr">
+                    <a:lnL>
+                      <a:noFill/>
+                    </a:lnL>
+                    <a:lnR>
+                      <a:noFill/>
+                    </a:lnR>
+                    <a:lnT>
+                      <a:noFill/>
+                    </a:lnT>
+                    <a:lnB>
+                      <a:noFill/>
+                    </a:lnB>
+                  </a:tcPr>
+                </a:tc>
+                <a:extLst>
+                  <a:ext uri="{0D108BD9-81ED-4DB2-BD59-A6C34878D82A}">
+                    <a16:rowId xmlns:a16="http://schemas.microsoft.com/office/drawing/2014/main" val="3301145887"/>
+                  </a:ext>
+                </a:extLst>
+              </a:tr>
+              <a:tr h="178790">
+                <a:tc>
+                  <a:txBody>
+                    <a:bodyPr/>
+                    <a:lstStyle/>
+                    <a:p>
+                      <a:r>
+                        <a:rPr lang="en-US" sz="1000">
+                          <a:hlinkClick r:id="rId2"/>
+                        </a:rPr>
+                        <a:t>Logistic Regression</a:t>
+                      </a:r>
+                      <a:endParaRPr lang="en-US" sz="1000"/>
+                    </a:p>
+                  </a:txBody>
+                  <a:tcPr marL="52666" marR="52666" marT="26333" marB="26333" anchor="ctr">
+                    <a:lnL>
+                      <a:noFill/>
+                    </a:lnL>
+                    <a:lnR>
+                      <a:noFill/>
+                    </a:lnR>
+                    <a:lnT>
+                      <a:noFill/>
+                    </a:lnT>
+                    <a:lnB>
+                      <a:noFill/>
+                    </a:lnB>
+                  </a:tcPr>
+                </a:tc>
+                <a:tc>
+                  <a:txBody>
+                    <a:bodyPr/>
+                    <a:lstStyle/>
+                    <a:p>
+                      <a:r>
+                        <a:rPr lang="en-US" sz="1000" dirty="0">
+                          <a:hlinkClick r:id="rId3"/>
+                        </a:rPr>
+                        <a:t>Elastic Net</a:t>
+                      </a:r>
+                      <a:endParaRPr lang="en-US" sz="1000" dirty="0"/>
+                    </a:p>
+                  </a:txBody>
+                  <a:tcPr marL="52666" marR="52666" marT="26333" marB="26333" anchor="ctr">
+                    <a:lnL>
+                      <a:noFill/>
+                    </a:lnL>
+                    <a:lnR>
+                      <a:noFill/>
+                    </a:lnR>
+                    <a:lnT>
+                      <a:noFill/>
+                    </a:lnT>
+                    <a:lnB>
+                      <a:noFill/>
+                    </a:lnB>
+                  </a:tcPr>
+                </a:tc>
+                <a:extLst>
+                  <a:ext uri="{0D108BD9-81ED-4DB2-BD59-A6C34878D82A}">
+                    <a16:rowId xmlns:a16="http://schemas.microsoft.com/office/drawing/2014/main" val="801165373"/>
+                  </a:ext>
+                </a:extLst>
+              </a:tr>
+              <a:tr h="178790">
+                <a:tc>
+                  <a:txBody>
+                    <a:bodyPr/>
+                    <a:lstStyle/>
+                    <a:p>
+                      <a:r>
+                        <a:rPr lang="en-US" sz="1000">
+                          <a:hlinkClick r:id="rId4"/>
+                        </a:rPr>
+                        <a:t>Light GBM</a:t>
+                      </a:r>
+                      <a:endParaRPr lang="en-US" sz="1000"/>
+                    </a:p>
+                  </a:txBody>
+                  <a:tcPr marL="52666" marR="52666" marT="26333" marB="26333" anchor="ctr">
+                    <a:lnL>
+                      <a:noFill/>
+                    </a:lnL>
+                    <a:lnR>
+                      <a:noFill/>
+                    </a:lnR>
+                    <a:lnT>
+                      <a:noFill/>
+                    </a:lnT>
+                    <a:lnB>
+                      <a:noFill/>
+                    </a:lnB>
+                  </a:tcPr>
+                </a:tc>
+                <a:tc>
+                  <a:txBody>
+                    <a:bodyPr/>
+                    <a:lstStyle/>
+                    <a:p>
+                      <a:r>
+                        <a:rPr lang="en-US" sz="1000">
+                          <a:hlinkClick r:id="rId4"/>
+                        </a:rPr>
+                        <a:t>Light GBM</a:t>
+                      </a:r>
+                      <a:endParaRPr lang="en-US" sz="1000"/>
+                    </a:p>
+                  </a:txBody>
+                  <a:tcPr marL="52666" marR="52666" marT="26333" marB="26333" anchor="ctr">
+                    <a:lnL>
+                      <a:noFill/>
+                    </a:lnL>
+                    <a:lnR>
+                      <a:noFill/>
+                    </a:lnR>
+                    <a:lnT>
+                      <a:noFill/>
+                    </a:lnT>
+                    <a:lnB>
+                      <a:noFill/>
+                    </a:lnB>
+                  </a:tcPr>
+                </a:tc>
+                <a:extLst>
+                  <a:ext uri="{0D108BD9-81ED-4DB2-BD59-A6C34878D82A}">
+                    <a16:rowId xmlns:a16="http://schemas.microsoft.com/office/drawing/2014/main" val="1291908786"/>
+                  </a:ext>
+                </a:extLst>
+              </a:tr>
+              <a:tr h="178790">
+                <a:tc>
+                  <a:txBody>
+                    <a:bodyPr/>
+                    <a:lstStyle/>
+                    <a:p>
+                      <a:r>
+                        <a:rPr lang="en-US" sz="1000">
+                          <a:hlinkClick r:id="rId5"/>
+                        </a:rPr>
+                        <a:t>Gradient Boosting</a:t>
+                      </a:r>
+                      <a:endParaRPr lang="en-US" sz="1000"/>
+                    </a:p>
+                  </a:txBody>
+                  <a:tcPr marL="52666" marR="52666" marT="26333" marB="26333" anchor="ctr">
+                    <a:lnL>
+                      <a:noFill/>
+                    </a:lnL>
+                    <a:lnR>
+                      <a:noFill/>
+                    </a:lnR>
+                    <a:lnT>
+                      <a:noFill/>
+                    </a:lnT>
+                    <a:lnB>
+                      <a:noFill/>
+                    </a:lnB>
+                  </a:tcPr>
+                </a:tc>
+                <a:tc>
+                  <a:txBody>
+                    <a:bodyPr/>
+                    <a:lstStyle/>
+                    <a:p>
+                      <a:r>
+                        <a:rPr lang="en-US" sz="1000">
+                          <a:hlinkClick r:id="rId6"/>
+                        </a:rPr>
+                        <a:t>Gradient Boosting</a:t>
+                      </a:r>
+                      <a:endParaRPr lang="en-US" sz="1000"/>
+                    </a:p>
+                  </a:txBody>
+                  <a:tcPr marL="52666" marR="52666" marT="26333" marB="26333" anchor="ctr">
+                    <a:lnL>
+                      <a:noFill/>
+                    </a:lnL>
+                    <a:lnR>
+                      <a:noFill/>
+                    </a:lnR>
+                    <a:lnT>
+                      <a:noFill/>
+                    </a:lnT>
+                    <a:lnB>
+                      <a:noFill/>
+                    </a:lnB>
+                  </a:tcPr>
+                </a:tc>
+                <a:extLst>
+                  <a:ext uri="{0D108BD9-81ED-4DB2-BD59-A6C34878D82A}">
+                    <a16:rowId xmlns:a16="http://schemas.microsoft.com/office/drawing/2014/main" val="1841407873"/>
+                  </a:ext>
+                </a:extLst>
+              </a:tr>
+              <a:tr h="178790">
+                <a:tc>
+                  <a:txBody>
+                    <a:bodyPr/>
+                    <a:lstStyle/>
+                    <a:p>
+                      <a:r>
+                        <a:rPr lang="en-US" sz="1000">
+                          <a:hlinkClick r:id="rId7"/>
+                        </a:rPr>
+                        <a:t>Decision Tree</a:t>
+                      </a:r>
+                      <a:endParaRPr lang="en-US" sz="1000"/>
+                    </a:p>
+                  </a:txBody>
+                  <a:tcPr marL="52666" marR="52666" marT="26333" marB="26333" anchor="ctr">
+                    <a:lnL>
+                      <a:noFill/>
+                    </a:lnL>
+                    <a:lnR>
+                      <a:noFill/>
+                    </a:lnR>
+                    <a:lnT>
+                      <a:noFill/>
+                    </a:lnT>
+                    <a:lnB>
+                      <a:noFill/>
+                    </a:lnB>
+                  </a:tcPr>
+                </a:tc>
+                <a:tc>
+                  <a:txBody>
+                    <a:bodyPr/>
+                    <a:lstStyle/>
+                    <a:p>
+                      <a:r>
+                        <a:rPr lang="en-US" sz="1000">
+                          <a:hlinkClick r:id="rId8"/>
+                        </a:rPr>
+                        <a:t>Decision Tree</a:t>
+                      </a:r>
+                      <a:endParaRPr lang="en-US" sz="1000"/>
+                    </a:p>
+                  </a:txBody>
+                  <a:tcPr marL="52666" marR="52666" marT="26333" marB="26333" anchor="ctr">
+                    <a:lnL>
+                      <a:noFill/>
+                    </a:lnL>
+                    <a:lnR>
+                      <a:noFill/>
+                    </a:lnR>
+                    <a:lnT>
+                      <a:noFill/>
+                    </a:lnT>
+                    <a:lnB>
+                      <a:noFill/>
+                    </a:lnB>
+                  </a:tcPr>
+                </a:tc>
+                <a:extLst>
+                  <a:ext uri="{0D108BD9-81ED-4DB2-BD59-A6C34878D82A}">
+                    <a16:rowId xmlns:a16="http://schemas.microsoft.com/office/drawing/2014/main" val="833870345"/>
+                  </a:ext>
+                </a:extLst>
+              </a:tr>
+              <a:tr h="178790">
+                <a:tc>
+                  <a:txBody>
+                    <a:bodyPr/>
+                    <a:lstStyle/>
+                    <a:p>
+                      <a:r>
+                        <a:rPr lang="en-US" sz="1000">
+                          <a:hlinkClick r:id="rId9"/>
+                        </a:rPr>
+                        <a:t>K Nearest Neighbors</a:t>
+                      </a:r>
+                      <a:endParaRPr lang="en-US" sz="1000"/>
+                    </a:p>
+                  </a:txBody>
+                  <a:tcPr marL="52666" marR="52666" marT="26333" marB="26333" anchor="ctr">
+                    <a:lnL>
+                      <a:noFill/>
+                    </a:lnL>
+                    <a:lnR>
+                      <a:noFill/>
+                    </a:lnR>
+                    <a:lnT>
+                      <a:noFill/>
+                    </a:lnT>
+                    <a:lnB>
+                      <a:noFill/>
+                    </a:lnB>
+                  </a:tcPr>
+                </a:tc>
+                <a:tc>
+                  <a:txBody>
+                    <a:bodyPr/>
+                    <a:lstStyle/>
+                    <a:p>
+                      <a:r>
+                        <a:rPr lang="en-US" sz="1000">
+                          <a:hlinkClick r:id="rId9"/>
+                        </a:rPr>
+                        <a:t>K Nearest Neighbors</a:t>
+                      </a:r>
+                      <a:endParaRPr lang="en-US" sz="1000"/>
+                    </a:p>
+                  </a:txBody>
+                  <a:tcPr marL="52666" marR="52666" marT="26333" marB="26333" anchor="ctr">
+                    <a:lnL>
+                      <a:noFill/>
+                    </a:lnL>
+                    <a:lnR>
+                      <a:noFill/>
+                    </a:lnR>
+                    <a:lnT>
+                      <a:noFill/>
+                    </a:lnT>
+                    <a:lnB>
+                      <a:noFill/>
+                    </a:lnB>
+                  </a:tcPr>
+                </a:tc>
+                <a:extLst>
+                  <a:ext uri="{0D108BD9-81ED-4DB2-BD59-A6C34878D82A}">
+                    <a16:rowId xmlns:a16="http://schemas.microsoft.com/office/drawing/2014/main" val="2832259499"/>
+                  </a:ext>
+                </a:extLst>
+              </a:tr>
+              <a:tr h="178790">
+                <a:tc>
+                  <a:txBody>
+                    <a:bodyPr/>
+                    <a:lstStyle/>
+                    <a:p>
+                      <a:r>
+                        <a:rPr lang="en-US" sz="1000">
+                          <a:hlinkClick r:id="rId10"/>
+                        </a:rPr>
+                        <a:t>Linear SVC</a:t>
+                      </a:r>
+                      <a:endParaRPr lang="en-US" sz="1000"/>
+                    </a:p>
+                  </a:txBody>
+                  <a:tcPr marL="52666" marR="52666" marT="26333" marB="26333" anchor="ctr">
+                    <a:lnL>
+                      <a:noFill/>
+                    </a:lnL>
+                    <a:lnR>
+                      <a:noFill/>
+                    </a:lnR>
+                    <a:lnT>
+                      <a:noFill/>
+                    </a:lnT>
+                    <a:lnB>
+                      <a:noFill/>
+                    </a:lnB>
+                  </a:tcPr>
+                </a:tc>
+                <a:tc>
+                  <a:txBody>
+                    <a:bodyPr/>
+                    <a:lstStyle/>
+                    <a:p>
+                      <a:r>
+                        <a:rPr lang="en-US" sz="1000">
+                          <a:hlinkClick r:id="rId11"/>
+                        </a:rPr>
+                        <a:t>LARS Lasso</a:t>
+                      </a:r>
+                      <a:endParaRPr lang="en-US" sz="1000"/>
+                    </a:p>
+                  </a:txBody>
+                  <a:tcPr marL="52666" marR="52666" marT="26333" marB="26333" anchor="ctr">
+                    <a:lnL>
+                      <a:noFill/>
+                    </a:lnL>
+                    <a:lnR>
+                      <a:noFill/>
+                    </a:lnR>
+                    <a:lnT>
+                      <a:noFill/>
+                    </a:lnT>
+                    <a:lnB>
+                      <a:noFill/>
+                    </a:lnB>
+                  </a:tcPr>
+                </a:tc>
+                <a:extLst>
+                  <a:ext uri="{0D108BD9-81ED-4DB2-BD59-A6C34878D82A}">
+                    <a16:rowId xmlns:a16="http://schemas.microsoft.com/office/drawing/2014/main" val="228754427"/>
+                  </a:ext>
+                </a:extLst>
+              </a:tr>
+              <a:tr h="303944">
+                <a:tc>
+                  <a:txBody>
+                    <a:bodyPr/>
+                    <a:lstStyle/>
+                    <a:p>
+                      <a:r>
+                        <a:rPr lang="en-US" sz="1000">
+                          <a:hlinkClick r:id="rId10"/>
+                        </a:rPr>
+                        <a:t>C-Support Vector Classification (SVC)</a:t>
+                      </a:r>
+                      <a:endParaRPr lang="en-US" sz="1000"/>
+                    </a:p>
+                  </a:txBody>
+                  <a:tcPr marL="52666" marR="52666" marT="26333" marB="26333" anchor="ctr">
+                    <a:lnL>
+                      <a:noFill/>
+                    </a:lnL>
+                    <a:lnR>
+                      <a:noFill/>
+                    </a:lnR>
+                    <a:lnT>
+                      <a:noFill/>
+                    </a:lnT>
+                    <a:lnB>
+                      <a:noFill/>
+                    </a:lnB>
+                  </a:tcPr>
+                </a:tc>
+                <a:tc>
+                  <a:txBody>
+                    <a:bodyPr/>
+                    <a:lstStyle/>
+                    <a:p>
+                      <a:r>
+                        <a:rPr lang="en-US" sz="1000">
+                          <a:hlinkClick r:id="rId12"/>
+                        </a:rPr>
+                        <a:t>Stochastic Gradient Descent (SGD)</a:t>
+                      </a:r>
+                      <a:endParaRPr lang="en-US" sz="1000"/>
+                    </a:p>
+                  </a:txBody>
+                  <a:tcPr marL="52666" marR="52666" marT="26333" marB="26333" anchor="ctr">
+                    <a:lnL>
+                      <a:noFill/>
+                    </a:lnL>
+                    <a:lnR>
+                      <a:noFill/>
+                    </a:lnR>
+                    <a:lnT>
+                      <a:noFill/>
+                    </a:lnT>
+                    <a:lnB>
+                      <a:noFill/>
+                    </a:lnB>
+                  </a:tcPr>
+                </a:tc>
+                <a:extLst>
+                  <a:ext uri="{0D108BD9-81ED-4DB2-BD59-A6C34878D82A}">
+                    <a16:rowId xmlns:a16="http://schemas.microsoft.com/office/drawing/2014/main" val="482337621"/>
+                  </a:ext>
+                </a:extLst>
+              </a:tr>
+              <a:tr h="178790">
+                <a:tc>
+                  <a:txBody>
+                    <a:bodyPr/>
+                    <a:lstStyle/>
+                    <a:p>
+                      <a:r>
+                        <a:rPr lang="en-US" sz="1000">
+                          <a:hlinkClick r:id="rId13"/>
+                        </a:rPr>
+                        <a:t>Random Forest</a:t>
+                      </a:r>
+                      <a:endParaRPr lang="en-US" sz="1000"/>
+                    </a:p>
+                  </a:txBody>
+                  <a:tcPr marL="52666" marR="52666" marT="26333" marB="26333" anchor="ctr">
+                    <a:lnL>
+                      <a:noFill/>
+                    </a:lnL>
+                    <a:lnR>
+                      <a:noFill/>
+                    </a:lnR>
+                    <a:lnT>
+                      <a:noFill/>
+                    </a:lnT>
+                    <a:lnB>
+                      <a:noFill/>
+                    </a:lnB>
+                  </a:tcPr>
+                </a:tc>
+                <a:tc>
+                  <a:txBody>
+                    <a:bodyPr/>
+                    <a:lstStyle/>
+                    <a:p>
+                      <a:r>
+                        <a:rPr lang="en-US" sz="1000">
+                          <a:hlinkClick r:id="rId13"/>
+                        </a:rPr>
+                        <a:t>Random Forest</a:t>
+                      </a:r>
+                      <a:endParaRPr lang="en-US" sz="1000"/>
+                    </a:p>
+                  </a:txBody>
+                  <a:tcPr marL="52666" marR="52666" marT="26333" marB="26333" anchor="ctr">
+                    <a:lnL>
+                      <a:noFill/>
+                    </a:lnL>
+                    <a:lnR>
+                      <a:noFill/>
+                    </a:lnR>
+                    <a:lnT>
+                      <a:noFill/>
+                    </a:lnT>
+                    <a:lnB>
+                      <a:noFill/>
+                    </a:lnB>
+                  </a:tcPr>
+                </a:tc>
+                <a:extLst>
+                  <a:ext uri="{0D108BD9-81ED-4DB2-BD59-A6C34878D82A}">
+                    <a16:rowId xmlns:a16="http://schemas.microsoft.com/office/drawing/2014/main" val="1521599616"/>
+                  </a:ext>
+                </a:extLst>
+              </a:tr>
+              <a:tr h="303944">
+                <a:tc>
+                  <a:txBody>
+                    <a:bodyPr/>
+                    <a:lstStyle/>
+                    <a:p>
+                      <a:r>
+                        <a:rPr lang="en-US" sz="1000">
+                          <a:hlinkClick r:id="rId14"/>
+                        </a:rPr>
+                        <a:t>Extremely Randomized Trees</a:t>
+                      </a:r>
+                      <a:endParaRPr lang="en-US" sz="1000"/>
+                    </a:p>
+                  </a:txBody>
+                  <a:tcPr marL="52666" marR="52666" marT="26333" marB="26333" anchor="ctr">
+                    <a:lnL>
+                      <a:noFill/>
+                    </a:lnL>
+                    <a:lnR>
+                      <a:noFill/>
+                    </a:lnR>
+                    <a:lnT>
+                      <a:noFill/>
+                    </a:lnT>
+                    <a:lnB>
+                      <a:noFill/>
+                    </a:lnB>
+                  </a:tcPr>
+                </a:tc>
+                <a:tc>
+                  <a:txBody>
+                    <a:bodyPr/>
+                    <a:lstStyle/>
+                    <a:p>
+                      <a:r>
+                        <a:rPr lang="en-US" sz="1000">
+                          <a:hlinkClick r:id="rId14"/>
+                        </a:rPr>
+                        <a:t>Extremely Randomized Trees</a:t>
+                      </a:r>
+                      <a:endParaRPr lang="en-US" sz="1000"/>
+                    </a:p>
+                  </a:txBody>
+                  <a:tcPr marL="52666" marR="52666" marT="26333" marB="26333" anchor="ctr">
+                    <a:lnL>
+                      <a:noFill/>
+                    </a:lnL>
+                    <a:lnR>
+                      <a:noFill/>
+                    </a:lnR>
+                    <a:lnT>
+                      <a:noFill/>
+                    </a:lnT>
+                    <a:lnB>
+                      <a:noFill/>
+                    </a:lnB>
+                  </a:tcPr>
+                </a:tc>
+                <a:extLst>
+                  <a:ext uri="{0D108BD9-81ED-4DB2-BD59-A6C34878D82A}">
+                    <a16:rowId xmlns:a16="http://schemas.microsoft.com/office/drawing/2014/main" val="1154399125"/>
+                  </a:ext>
+                </a:extLst>
+              </a:tr>
+              <a:tr h="178790">
+                <a:tc>
+                  <a:txBody>
+                    <a:bodyPr/>
+                    <a:lstStyle/>
+                    <a:p>
+                      <a:r>
+                        <a:rPr lang="en-US" sz="1000" dirty="0" err="1">
+                          <a:hlinkClick r:id="rId15"/>
+                        </a:rPr>
+                        <a:t>Xgboost</a:t>
+                      </a:r>
+                      <a:endParaRPr lang="en-US" sz="1000" dirty="0"/>
+                    </a:p>
+                  </a:txBody>
+                  <a:tcPr marL="52666" marR="52666" marT="26333" marB="26333" anchor="ctr">
+                    <a:lnL>
+                      <a:noFill/>
+                    </a:lnL>
+                    <a:lnR>
+                      <a:noFill/>
+                    </a:lnR>
+                    <a:lnT>
+                      <a:noFill/>
+                    </a:lnT>
+                    <a:lnB>
+                      <a:noFill/>
+                    </a:lnB>
+                  </a:tcPr>
+                </a:tc>
+                <a:tc>
+                  <a:txBody>
+                    <a:bodyPr/>
+                    <a:lstStyle/>
+                    <a:p>
+                      <a:r>
+                        <a:rPr lang="en-US" sz="1000">
+                          <a:hlinkClick r:id="rId15"/>
+                        </a:rPr>
+                        <a:t>Xgboost</a:t>
+                      </a:r>
+                      <a:endParaRPr lang="en-US" sz="1000"/>
+                    </a:p>
+                  </a:txBody>
+                  <a:tcPr marL="52666" marR="52666" marT="26333" marB="26333" anchor="ctr">
+                    <a:lnL>
+                      <a:noFill/>
+                    </a:lnL>
+                    <a:lnR>
+                      <a:noFill/>
+                    </a:lnR>
+                    <a:lnT>
+                      <a:noFill/>
+                    </a:lnT>
+                    <a:lnB>
+                      <a:noFill/>
+                    </a:lnB>
+                  </a:tcPr>
+                </a:tc>
+                <a:extLst>
+                  <a:ext uri="{0D108BD9-81ED-4DB2-BD59-A6C34878D82A}">
+                    <a16:rowId xmlns:a16="http://schemas.microsoft.com/office/drawing/2014/main" val="3537502937"/>
+                  </a:ext>
+                </a:extLst>
+              </a:tr>
+              <a:tr h="178790">
+                <a:tc>
+                  <a:txBody>
+                    <a:bodyPr/>
+                    <a:lstStyle/>
+                    <a:p>
+                      <a:r>
+                        <a:rPr lang="en-US" sz="1000">
+                          <a:hlinkClick r:id="rId16"/>
+                        </a:rPr>
+                        <a:t>DNN Classifier</a:t>
+                      </a:r>
+                      <a:endParaRPr lang="en-US" sz="1000"/>
+                    </a:p>
+                  </a:txBody>
+                  <a:tcPr marL="52666" marR="52666" marT="26333" marB="26333" anchor="ctr">
+                    <a:lnL>
+                      <a:noFill/>
+                    </a:lnL>
+                    <a:lnR>
+                      <a:noFill/>
+                    </a:lnR>
+                    <a:lnT>
+                      <a:noFill/>
+                    </a:lnT>
+                    <a:lnB>
+                      <a:noFill/>
+                    </a:lnB>
+                  </a:tcPr>
+                </a:tc>
+                <a:tc>
+                  <a:txBody>
+                    <a:bodyPr/>
+                    <a:lstStyle/>
+                    <a:p>
+                      <a:r>
+                        <a:rPr lang="en-US" sz="1000">
+                          <a:hlinkClick r:id="rId17"/>
+                        </a:rPr>
+                        <a:t>DNN Regressor</a:t>
+                      </a:r>
+                      <a:endParaRPr lang="en-US" sz="1000"/>
+                    </a:p>
+                  </a:txBody>
+                  <a:tcPr marL="52666" marR="52666" marT="26333" marB="26333" anchor="ctr">
+                    <a:lnL>
+                      <a:noFill/>
+                    </a:lnL>
+                    <a:lnR>
+                      <a:noFill/>
+                    </a:lnR>
+                    <a:lnT>
+                      <a:noFill/>
+                    </a:lnT>
+                    <a:lnB>
+                      <a:noFill/>
+                    </a:lnB>
+                  </a:tcPr>
+                </a:tc>
+                <a:extLst>
+                  <a:ext uri="{0D108BD9-81ED-4DB2-BD59-A6C34878D82A}">
+                    <a16:rowId xmlns:a16="http://schemas.microsoft.com/office/drawing/2014/main" val="1708269267"/>
+                  </a:ext>
+                </a:extLst>
+              </a:tr>
+              <a:tr h="178790">
+                <a:tc>
+                  <a:txBody>
+                    <a:bodyPr/>
+                    <a:lstStyle/>
+                    <a:p>
+                      <a:r>
+                        <a:rPr lang="en-US" sz="1000">
+                          <a:hlinkClick r:id="rId18"/>
+                        </a:rPr>
+                        <a:t>DNN Linear Classifier</a:t>
+                      </a:r>
+                      <a:endParaRPr lang="en-US" sz="1000"/>
+                    </a:p>
+                  </a:txBody>
+                  <a:tcPr marL="52666" marR="52666" marT="26333" marB="26333" anchor="ctr">
+                    <a:lnL>
+                      <a:noFill/>
+                    </a:lnL>
+                    <a:lnR>
+                      <a:noFill/>
+                    </a:lnR>
+                    <a:lnT>
+                      <a:noFill/>
+                    </a:lnT>
+                    <a:lnB>
+                      <a:noFill/>
+                    </a:lnB>
+                  </a:tcPr>
+                </a:tc>
+                <a:tc>
+                  <a:txBody>
+                    <a:bodyPr/>
+                    <a:lstStyle/>
+                    <a:p>
+                      <a:r>
+                        <a:rPr lang="en-US" sz="1000">
+                          <a:hlinkClick r:id="rId19"/>
+                        </a:rPr>
+                        <a:t>Linear Regressor</a:t>
+                      </a:r>
+                      <a:endParaRPr lang="en-US" sz="1000"/>
+                    </a:p>
+                  </a:txBody>
+                  <a:tcPr marL="52666" marR="52666" marT="26333" marB="26333" anchor="ctr">
+                    <a:lnL>
+                      <a:noFill/>
+                    </a:lnL>
+                    <a:lnR>
+                      <a:noFill/>
+                    </a:lnR>
+                    <a:lnT>
+                      <a:noFill/>
+                    </a:lnT>
+                    <a:lnB>
+                      <a:noFill/>
+                    </a:lnB>
+                  </a:tcPr>
+                </a:tc>
+                <a:extLst>
+                  <a:ext uri="{0D108BD9-81ED-4DB2-BD59-A6C34878D82A}">
+                    <a16:rowId xmlns:a16="http://schemas.microsoft.com/office/drawing/2014/main" val="3239242384"/>
+                  </a:ext>
+                </a:extLst>
+              </a:tr>
+              <a:tr h="178790">
+                <a:tc>
+                  <a:txBody>
+                    <a:bodyPr/>
+                    <a:lstStyle/>
+                    <a:p>
+                      <a:r>
+                        <a:rPr lang="en-US" sz="1000">
+                          <a:hlinkClick r:id="rId20"/>
+                        </a:rPr>
+                        <a:t>Naive Bayes</a:t>
+                      </a:r>
+                      <a:endParaRPr lang="en-US" sz="1000"/>
+                    </a:p>
+                  </a:txBody>
+                  <a:tcPr marL="52666" marR="52666" marT="26333" marB="26333" anchor="ctr">
+                    <a:lnL>
+                      <a:noFill/>
+                    </a:lnL>
+                    <a:lnR>
+                      <a:noFill/>
+                    </a:lnR>
+                    <a:lnT>
+                      <a:noFill/>
+                    </a:lnT>
+                    <a:lnB>
+                      <a:noFill/>
+                    </a:lnB>
+                  </a:tcPr>
+                </a:tc>
+                <a:tc>
+                  <a:txBody>
+                    <a:bodyPr/>
+                    <a:lstStyle/>
+                    <a:p>
+                      <a:endParaRPr lang="en-US" sz="1000"/>
+                    </a:p>
+                  </a:txBody>
+                  <a:tcPr marL="52666" marR="52666" marT="26333" marB="26333" anchor="ctr">
+                    <a:lnL>
+                      <a:noFill/>
+                    </a:lnL>
+                    <a:lnR>
+                      <a:noFill/>
+                    </a:lnR>
+                    <a:lnT>
+                      <a:noFill/>
+                    </a:lnT>
+                    <a:lnB>
+                      <a:noFill/>
+                    </a:lnB>
+                  </a:tcPr>
+                </a:tc>
+                <a:extLst>
+                  <a:ext uri="{0D108BD9-81ED-4DB2-BD59-A6C34878D82A}">
+                    <a16:rowId xmlns:a16="http://schemas.microsoft.com/office/drawing/2014/main" val="341898756"/>
+                  </a:ext>
+                </a:extLst>
+              </a:tr>
+              <a:tr h="303944">
+                <a:tc>
+                  <a:txBody>
+                    <a:bodyPr/>
+                    <a:lstStyle/>
+                    <a:p>
+                      <a:r>
+                        <a:rPr lang="en-US" sz="1000">
+                          <a:hlinkClick r:id="rId21"/>
+                        </a:rPr>
+                        <a:t>Stochastic Gradient Descent (SGD)</a:t>
+                      </a:r>
+                      <a:endParaRPr lang="en-US" sz="1000"/>
+                    </a:p>
+                  </a:txBody>
+                  <a:tcPr marL="52666" marR="52666" marT="26333" marB="26333" anchor="ctr">
+                    <a:lnL>
+                      <a:noFill/>
+                    </a:lnL>
+                    <a:lnR>
+                      <a:noFill/>
+                    </a:lnR>
+                    <a:lnT>
+                      <a:noFill/>
+                    </a:lnT>
+                    <a:lnB>
+                      <a:noFill/>
+                    </a:lnB>
+                  </a:tcPr>
+                </a:tc>
+                <a:tc>
+                  <a:txBody>
+                    <a:bodyPr/>
+                    <a:lstStyle/>
+                    <a:p>
+                      <a:endParaRPr lang="en-US" sz="1000" dirty="0"/>
+                    </a:p>
+                  </a:txBody>
+                  <a:tcPr marL="52666" marR="52666" marT="26333" marB="26333" anchor="ctr">
+                    <a:lnL>
+                      <a:noFill/>
+                    </a:lnL>
+                    <a:lnR>
+                      <a:noFill/>
+                    </a:lnR>
+                    <a:lnT>
+                      <a:noFill/>
+                    </a:lnT>
+                    <a:lnB>
+                      <a:noFill/>
+                    </a:lnB>
+                  </a:tcPr>
+                </a:tc>
+                <a:extLst>
+                  <a:ext uri="{0D108BD9-81ED-4DB2-BD59-A6C34878D82A}">
+                    <a16:rowId xmlns:a16="http://schemas.microsoft.com/office/drawing/2014/main" val="3966003278"/>
+                  </a:ext>
+                </a:extLst>
+              </a:tr>
+            </a:tbl>
+          </a:graphicData>
+        </a:graphic>
+      </p:graphicFrame>
+      <p:sp>
+        <p:nvSpPr>
+          <p:cNvPr id="6" name="Rectangle 5">
+            <a:extLst>
+              <a:ext uri="{FF2B5EF4-FFF2-40B4-BE49-F238E27FC236}">
+                <a16:creationId xmlns:a16="http://schemas.microsoft.com/office/drawing/2014/main" id="{C96C4D95-99B7-4E6E-A3D2-B6969D97C36B}"/>
+              </a:ext>
+            </a:extLst>
+          </p:cNvPr>
+          <p:cNvSpPr/>
+          <p:nvPr/>
+        </p:nvSpPr>
+        <p:spPr>
+          <a:xfrm>
+            <a:off x="3178609" y="4831794"/>
+            <a:ext cx="6144490" cy="261610"/>
+          </a:xfrm>
+          <a:prstGeom prst="rect">
+            <a:avLst/>
+          </a:prstGeom>
+        </p:spPr>
+        <p:txBody>
+          <a:bodyPr wrap="square">
+            <a:spAutoFit/>
+          </a:bodyPr>
+          <a:lstStyle/>
+          <a:p>
+            <a:r>
+              <a:rPr lang="en-US" sz="1100" dirty="0">
+                <a:hlinkClick r:id="rId22"/>
+              </a:rPr>
+              <a:t>https://docs.microsoft.com/en-us/azure/machine-learning/service/how-to-configure-auto-train</a:t>
+            </a:r>
+            <a:endParaRPr lang="en-US" sz="1100" dirty="0"/>
+          </a:p>
+        </p:txBody>
+      </p:sp>
+    </p:spTree>
+    <p:extLst>
+      <p:ext uri="{BB962C8B-B14F-4D97-AF65-F5344CB8AC3E}">
+        <p14:creationId xmlns:p14="http://schemas.microsoft.com/office/powerpoint/2010/main" val="2350663502"/>
+      </p:ext>
+    </p:extLst>
+  </p:cSld>
+  <p:clrMapOvr>
+    <a:masterClrMapping/>
+  </p:clrMapOvr>
+</p:sld>
+</file>
+
 <file path=ppt/slides/slide3.xml><?xml version="1.0" encoding="utf-8"?>
 <p:sld xmlns:a="http://schemas.openxmlformats.org/drawingml/2006/main" xmlns:r="http://schemas.openxmlformats.org/officeDocument/2006/relationships" xmlns:p="http://schemas.openxmlformats.org/presentationml/2006/main">
   <p:cSld>
@@ -22453,6 +23730,221 @@
         </p:spPr>
       </p:pic>
     </p:spTree>
+  </p:cSld>
+  <p:clrMapOvr>
+    <a:masterClrMapping/>
+  </p:clrMapOvr>
+</p:sld>
+</file>
+
+<file path=ppt/slides/slide30.xml><?xml version="1.0" encoding="utf-8"?>
+<p:sld xmlns:a="http://schemas.openxmlformats.org/drawingml/2006/main" xmlns:r="http://schemas.openxmlformats.org/officeDocument/2006/relationships" xmlns:p="http://schemas.openxmlformats.org/presentationml/2006/main">
+  <p:cSld>
+    <p:spTree>
+      <p:nvGrpSpPr>
+        <p:cNvPr id="1" name=""/>
+        <p:cNvGrpSpPr/>
+        <p:nvPr/>
+      </p:nvGrpSpPr>
+      <p:grpSpPr>
+        <a:xfrm>
+          <a:off x="0" y="0"/>
+          <a:ext cx="0" cy="0"/>
+          <a:chOff x="0" y="0"/>
+          <a:chExt cx="0" cy="0"/>
+        </a:xfrm>
+      </p:grpSpPr>
+      <p:sp>
+        <p:nvSpPr>
+          <p:cNvPr id="2" name="Title 1">
+            <a:extLst>
+              <a:ext uri="{FF2B5EF4-FFF2-40B4-BE49-F238E27FC236}">
+                <a16:creationId xmlns:a16="http://schemas.microsoft.com/office/drawing/2014/main" id="{B01CFD37-EDF7-42F2-9518-A10251253ABA}"/>
+              </a:ext>
+            </a:extLst>
+          </p:cNvPr>
+          <p:cNvSpPr>
+            <a:spLocks noGrp="1"/>
+          </p:cNvSpPr>
+          <p:nvPr>
+            <p:ph type="title"/>
+          </p:nvPr>
+        </p:nvSpPr>
+        <p:spPr/>
+        <p:txBody>
+          <a:bodyPr/>
+          <a:lstStyle/>
+          <a:p>
+            <a:r>
+              <a:rPr lang="en-US" dirty="0"/>
+              <a:t>Picking the Best Model</a:t>
+            </a:r>
+          </a:p>
+        </p:txBody>
+      </p:sp>
+      <p:sp>
+        <p:nvSpPr>
+          <p:cNvPr id="3" name="Text Placeholder 2">
+            <a:extLst>
+              <a:ext uri="{FF2B5EF4-FFF2-40B4-BE49-F238E27FC236}">
+                <a16:creationId xmlns:a16="http://schemas.microsoft.com/office/drawing/2014/main" id="{7B559461-43BB-4521-B584-E6B31A283F52}"/>
+              </a:ext>
+            </a:extLst>
+          </p:cNvPr>
+          <p:cNvSpPr>
+            <a:spLocks noGrp="1"/>
+          </p:cNvSpPr>
+          <p:nvPr>
+            <p:ph type="body" idx="1"/>
+          </p:nvPr>
+        </p:nvSpPr>
+        <p:spPr>
+          <a:xfrm>
+            <a:off x="422028" y="1565150"/>
+            <a:ext cx="3071400" cy="3002400"/>
+          </a:xfrm>
+        </p:spPr>
+        <p:txBody>
+          <a:bodyPr>
+            <a:normAutofit fontScale="92500" lnSpcReduction="20000"/>
+          </a:bodyPr>
+          <a:lstStyle/>
+          <a:p>
+            <a:r>
+              <a:rPr lang="en-US" dirty="0"/>
+              <a:t>Picks a best model(s) based on a Primary Metric</a:t>
+            </a:r>
+          </a:p>
+          <a:p>
+            <a:pPr lvl="1">
+              <a:spcBef>
+                <a:spcPts val="600"/>
+              </a:spcBef>
+            </a:pPr>
+            <a:r>
+              <a:rPr lang="en-US" dirty="0"/>
+              <a:t>In Classification Problems:</a:t>
+            </a:r>
+          </a:p>
+          <a:p>
+            <a:pPr lvl="2">
+              <a:spcBef>
+                <a:spcPts val="600"/>
+              </a:spcBef>
+            </a:pPr>
+            <a:r>
+              <a:rPr lang="en-US" dirty="0"/>
+              <a:t>Accuracy, Weighted AUC, Average Weighted Precision Score, Normalized Macro Recall, Weighted Precision Score</a:t>
+            </a:r>
+          </a:p>
+          <a:p>
+            <a:pPr lvl="1">
+              <a:spcBef>
+                <a:spcPts val="600"/>
+              </a:spcBef>
+            </a:pPr>
+            <a:r>
+              <a:rPr lang="en-US" dirty="0"/>
+              <a:t>In Regression/Forecasting Problems:</a:t>
+            </a:r>
+          </a:p>
+          <a:p>
+            <a:pPr lvl="2">
+              <a:spcBef>
+                <a:spcPts val="600"/>
+              </a:spcBef>
+            </a:pPr>
+            <a:r>
+              <a:rPr lang="en-US" dirty="0"/>
+              <a:t>Spearman Correlation, Normalized RMSE, R</a:t>
+            </a:r>
+            <a:r>
+              <a:rPr lang="en-US" baseline="30000" dirty="0"/>
+              <a:t>2</a:t>
+            </a:r>
+            <a:r>
+              <a:rPr lang="en-US" dirty="0"/>
+              <a:t>, Normalized MAE</a:t>
+            </a:r>
+          </a:p>
+          <a:p>
+            <a:endParaRPr lang="en-US" dirty="0"/>
+          </a:p>
+        </p:txBody>
+      </p:sp>
+      <p:sp>
+        <p:nvSpPr>
+          <p:cNvPr id="4" name="Rectangle 3">
+            <a:extLst>
+              <a:ext uri="{FF2B5EF4-FFF2-40B4-BE49-F238E27FC236}">
+                <a16:creationId xmlns:a16="http://schemas.microsoft.com/office/drawing/2014/main" id="{E874D10C-6D65-4617-8879-A22C02FF83D3}"/>
+              </a:ext>
+            </a:extLst>
+          </p:cNvPr>
+          <p:cNvSpPr/>
+          <p:nvPr/>
+        </p:nvSpPr>
+        <p:spPr>
+          <a:xfrm>
+            <a:off x="319500" y="4807508"/>
+            <a:ext cx="4662054" cy="215444"/>
+          </a:xfrm>
+          <a:prstGeom prst="rect">
+            <a:avLst/>
+          </a:prstGeom>
+        </p:spPr>
+        <p:txBody>
+          <a:bodyPr wrap="square">
+            <a:spAutoFit/>
+          </a:bodyPr>
+          <a:lstStyle/>
+          <a:p>
+            <a:r>
+              <a:rPr lang="en-US" sz="800" dirty="0">
+                <a:hlinkClick r:id="rId2"/>
+              </a:rPr>
+              <a:t>https://docs.microsoft.com/en-us/azure/machine-learning/service/how-to-understand-automated-ml</a:t>
+            </a:r>
+            <a:endParaRPr lang="en-US" sz="800" dirty="0"/>
+          </a:p>
+        </p:txBody>
+      </p:sp>
+      <p:pic>
+        <p:nvPicPr>
+          <p:cNvPr id="7" name="Picture 6">
+            <a:extLst>
+              <a:ext uri="{FF2B5EF4-FFF2-40B4-BE49-F238E27FC236}">
+                <a16:creationId xmlns:a16="http://schemas.microsoft.com/office/drawing/2014/main" id="{BE0C4B95-9A79-44B8-9528-F9DF165F32E8}"/>
+              </a:ext>
+            </a:extLst>
+          </p:cNvPr>
+          <p:cNvPicPr>
+            <a:picLocks noChangeAspect="1"/>
+          </p:cNvPicPr>
+          <p:nvPr/>
+        </p:nvPicPr>
+        <p:blipFill>
+          <a:blip r:embed="rId3"/>
+          <a:stretch>
+            <a:fillRect/>
+          </a:stretch>
+        </p:blipFill>
+        <p:spPr>
+          <a:xfrm>
+            <a:off x="3851564" y="1451308"/>
+            <a:ext cx="4613562" cy="2825324"/>
+          </a:xfrm>
+          <a:prstGeom prst="rect">
+            <a:avLst/>
+          </a:prstGeom>
+        </p:spPr>
+      </p:pic>
+    </p:spTree>
+    <p:extLst>
+      <p:ext uri="{BB962C8B-B14F-4D97-AF65-F5344CB8AC3E}">
+        <p14:creationId xmlns:p14="http://schemas.microsoft.com/office/powerpoint/2010/main" val="1759626261"/>
+      </p:ext>
+    </p:extLst>
   </p:cSld>
   <p:clrMapOvr>
     <a:masterClrMapping/>

--- a/3 - Machine Learning/MachineLearning.pptx
+++ b/3 - Machine Learning/MachineLearning.pptx
@@ -18,26 +18,26 @@
     <p:sldId id="282" r:id="rId9"/>
     <p:sldId id="283" r:id="rId10"/>
     <p:sldId id="280" r:id="rId11"/>
-    <p:sldId id="281" r:id="rId12"/>
-    <p:sldId id="286" r:id="rId13"/>
-    <p:sldId id="289" r:id="rId14"/>
-    <p:sldId id="287" r:id="rId15"/>
-    <p:sldId id="446" r:id="rId16"/>
-    <p:sldId id="447" r:id="rId17"/>
-    <p:sldId id="448" r:id="rId18"/>
-    <p:sldId id="453" r:id="rId19"/>
-    <p:sldId id="455" r:id="rId20"/>
-    <p:sldId id="454" r:id="rId21"/>
-    <p:sldId id="288" r:id="rId22"/>
-    <p:sldId id="290" r:id="rId23"/>
-    <p:sldId id="456" r:id="rId24"/>
-    <p:sldId id="457" r:id="rId25"/>
-    <p:sldId id="460" r:id="rId26"/>
-    <p:sldId id="458" r:id="rId27"/>
-    <p:sldId id="461" r:id="rId28"/>
-    <p:sldId id="459" r:id="rId29"/>
-    <p:sldId id="462" r:id="rId30"/>
-    <p:sldId id="463" r:id="rId31"/>
+    <p:sldId id="462" r:id="rId12"/>
+    <p:sldId id="463" r:id="rId13"/>
+    <p:sldId id="281" r:id="rId14"/>
+    <p:sldId id="286" r:id="rId15"/>
+    <p:sldId id="289" r:id="rId16"/>
+    <p:sldId id="287" r:id="rId17"/>
+    <p:sldId id="446" r:id="rId18"/>
+    <p:sldId id="447" r:id="rId19"/>
+    <p:sldId id="448" r:id="rId20"/>
+    <p:sldId id="453" r:id="rId21"/>
+    <p:sldId id="455" r:id="rId22"/>
+    <p:sldId id="454" r:id="rId23"/>
+    <p:sldId id="288" r:id="rId24"/>
+    <p:sldId id="290" r:id="rId25"/>
+    <p:sldId id="456" r:id="rId26"/>
+    <p:sldId id="457" r:id="rId27"/>
+    <p:sldId id="460" r:id="rId28"/>
+    <p:sldId id="458" r:id="rId29"/>
+    <p:sldId id="461" r:id="rId30"/>
+    <p:sldId id="459" r:id="rId31"/>
   </p:sldIdLst>
   <p:sldSz cx="9144000" cy="5143500" type="screen16x9"/>
   <p:notesSz cx="6858000" cy="9144000"/>
@@ -54,7 +54,7 @@
       <p:boldItalic r:id="rId37"/>
     </p:embeddedFont>
     <p:embeddedFont>
-      <p:font typeface="Lato" panose="020F0502020204030203" pitchFamily="34" charset="0"/>
+      <p:font typeface="Lato" panose="020B0604020202020204" charset="0"/>
       <p:regular r:id="rId38"/>
       <p:bold r:id="rId39"/>
       <p:italic r:id="rId40"/>
@@ -6617,7 +6617,7 @@
           <a:p>
             <a:fld id="{123CBCE9-0914-4950-A986-7596C92667F1}" type="datetime1">
               <a:rPr lang="en-US" smtClean="0"/>
-              <a:t>9/11/2019</a:t>
+              <a:t>9/12/2019</a:t>
             </a:fld>
             <a:endParaRPr lang="en-US"/>
           </a:p>
@@ -8316,7 +8316,65 @@
           <a:bodyPr/>
           <a:lstStyle/>
           <a:p>
-            <a:endParaRPr lang="en-US"/>
+            <a:r>
+              <a:rPr lang="en-US" dirty="0">
+                <a:solidFill>
+                  <a:schemeClr val="tx1"/>
+                </a:solidFill>
+              </a:rPr>
+              <a:t>Automated</a:t>
+            </a:r>
+            <a:br>
+              <a:rPr lang="en-US" dirty="0">
+                <a:solidFill>
+                  <a:schemeClr val="tx1"/>
+                </a:solidFill>
+              </a:rPr>
+            </a:br>
+            <a:r>
+              <a:rPr lang="en-US" dirty="0">
+                <a:solidFill>
+                  <a:schemeClr val="tx1"/>
+                </a:solidFill>
+              </a:rPr>
+              <a:t>Machine Learning</a:t>
+            </a:r>
+            <a:br>
+              <a:rPr lang="en-US" dirty="0">
+                <a:solidFill>
+                  <a:schemeClr val="tx1"/>
+                </a:solidFill>
+              </a:rPr>
+            </a:br>
+            <a:r>
+              <a:rPr lang="en-US" sz="2000" dirty="0">
+                <a:solidFill>
+                  <a:schemeClr val="accent3"/>
+                </a:solidFill>
+              </a:rPr>
+              <a:t>(When you’re too </a:t>
+            </a:r>
+            <a:r>
+              <a:rPr lang="en-US" sz="2000" strike="sngStrike" dirty="0">
+                <a:solidFill>
+                  <a:schemeClr val="accent3"/>
+                </a:solidFill>
+              </a:rPr>
+              <a:t>lazy</a:t>
+            </a:r>
+            <a:r>
+              <a:rPr lang="en-US" sz="2000" dirty="0">
+                <a:solidFill>
+                  <a:schemeClr val="accent3"/>
+                </a:solidFill>
+              </a:rPr>
+              <a:t> busy to do it yourself…)</a:t>
+            </a:r>
+            <a:endParaRPr lang="en-US" dirty="0">
+              <a:solidFill>
+                <a:schemeClr val="accent3"/>
+              </a:solidFill>
+            </a:endParaRPr>
           </a:p>
         </p:txBody>
       </p:sp>
@@ -8355,6 +8413,1478 @@
           <p:cNvPr id="2" name="Title 1">
             <a:extLst>
               <a:ext uri="{FF2B5EF4-FFF2-40B4-BE49-F238E27FC236}">
+                <a16:creationId xmlns:a16="http://schemas.microsoft.com/office/drawing/2014/main" id="{B2E6EB5F-C563-4961-BA02-2702B9C5AF3C}"/>
+              </a:ext>
+            </a:extLst>
+          </p:cNvPr>
+          <p:cNvSpPr>
+            <a:spLocks noGrp="1"/>
+          </p:cNvSpPr>
+          <p:nvPr>
+            <p:ph type="title"/>
+          </p:nvPr>
+        </p:nvSpPr>
+        <p:spPr>
+          <a:xfrm>
+            <a:off x="319500" y="180900"/>
+            <a:ext cx="2808000" cy="755700"/>
+          </a:xfrm>
+        </p:spPr>
+        <p:txBody>
+          <a:bodyPr/>
+          <a:lstStyle/>
+          <a:p>
+            <a:r>
+              <a:rPr lang="en-US" dirty="0" err="1"/>
+              <a:t>AutoML</a:t>
+            </a:r>
+            <a:endParaRPr lang="en-US" dirty="0"/>
+          </a:p>
+        </p:txBody>
+      </p:sp>
+      <p:sp>
+        <p:nvSpPr>
+          <p:cNvPr id="3" name="Text Placeholder 2">
+            <a:extLst>
+              <a:ext uri="{FF2B5EF4-FFF2-40B4-BE49-F238E27FC236}">
+                <a16:creationId xmlns:a16="http://schemas.microsoft.com/office/drawing/2014/main" id="{0A6D9E67-C183-48CE-A744-2C8AB740048D}"/>
+              </a:ext>
+            </a:extLst>
+          </p:cNvPr>
+          <p:cNvSpPr>
+            <a:spLocks noGrp="1"/>
+          </p:cNvSpPr>
+          <p:nvPr>
+            <p:ph type="body" idx="1"/>
+          </p:nvPr>
+        </p:nvSpPr>
+        <p:spPr>
+          <a:xfrm>
+            <a:off x="319499" y="936600"/>
+            <a:ext cx="3552845" cy="3716404"/>
+          </a:xfrm>
+        </p:spPr>
+        <p:txBody>
+          <a:bodyPr/>
+          <a:lstStyle/>
+          <a:p>
+            <a:pPr>
+              <a:spcBef>
+                <a:spcPts val="600"/>
+              </a:spcBef>
+            </a:pPr>
+            <a:r>
+              <a:rPr lang="en-US" dirty="0"/>
+              <a:t>Automatically test various algorithms, hyperparameters, and scaling techniques</a:t>
+            </a:r>
+          </a:p>
+          <a:p>
+            <a:pPr>
+              <a:spcBef>
+                <a:spcPts val="600"/>
+              </a:spcBef>
+            </a:pPr>
+            <a:r>
+              <a:rPr lang="en-US" dirty="0"/>
+              <a:t>Three Experiment Types:</a:t>
+            </a:r>
+          </a:p>
+          <a:p>
+            <a:pPr lvl="1">
+              <a:spcBef>
+                <a:spcPts val="600"/>
+              </a:spcBef>
+            </a:pPr>
+            <a:r>
+              <a:rPr lang="en-US" dirty="0"/>
+              <a:t>Classification</a:t>
+            </a:r>
+          </a:p>
+          <a:p>
+            <a:pPr lvl="1">
+              <a:spcBef>
+                <a:spcPts val="600"/>
+              </a:spcBef>
+            </a:pPr>
+            <a:r>
+              <a:rPr lang="en-US" dirty="0"/>
+              <a:t>Regression</a:t>
+            </a:r>
+          </a:p>
+          <a:p>
+            <a:pPr lvl="1">
+              <a:spcBef>
+                <a:spcPts val="600"/>
+              </a:spcBef>
+            </a:pPr>
+            <a:r>
+              <a:rPr lang="en-US" dirty="0"/>
+              <a:t>Forecasting</a:t>
+            </a:r>
+          </a:p>
+          <a:p>
+            <a:pPr>
+              <a:spcBef>
+                <a:spcPts val="600"/>
+              </a:spcBef>
+            </a:pPr>
+            <a:r>
+              <a:rPr lang="en-US" dirty="0"/>
+              <a:t>Steps:</a:t>
+            </a:r>
+          </a:p>
+          <a:p>
+            <a:pPr lvl="1">
+              <a:spcBef>
+                <a:spcPts val="600"/>
+              </a:spcBef>
+            </a:pPr>
+            <a:r>
+              <a:rPr lang="en-US" dirty="0"/>
+              <a:t>Preprocessing &amp; Scaling</a:t>
+            </a:r>
+          </a:p>
+          <a:p>
+            <a:pPr lvl="1">
+              <a:spcBef>
+                <a:spcPts val="600"/>
+              </a:spcBef>
+            </a:pPr>
+            <a:r>
+              <a:rPr lang="en-US" dirty="0"/>
+              <a:t>Featurization</a:t>
+            </a:r>
+          </a:p>
+          <a:p>
+            <a:pPr lvl="1">
+              <a:spcBef>
+                <a:spcPts val="600"/>
+              </a:spcBef>
+            </a:pPr>
+            <a:r>
+              <a:rPr lang="en-US" dirty="0"/>
+              <a:t>Cross-Validation</a:t>
+            </a:r>
+          </a:p>
+          <a:p>
+            <a:pPr lvl="1">
+              <a:spcBef>
+                <a:spcPts val="600"/>
+              </a:spcBef>
+            </a:pPr>
+            <a:r>
+              <a:rPr lang="en-US" dirty="0" err="1"/>
+              <a:t>Ensembling</a:t>
+            </a:r>
+            <a:endParaRPr lang="en-US" dirty="0"/>
+          </a:p>
+          <a:p>
+            <a:pPr lvl="1">
+              <a:spcBef>
+                <a:spcPts val="600"/>
+              </a:spcBef>
+            </a:pPr>
+            <a:endParaRPr lang="en-US" dirty="0"/>
+          </a:p>
+        </p:txBody>
+      </p:sp>
+      <p:graphicFrame>
+        <p:nvGraphicFramePr>
+          <p:cNvPr id="4" name="Table 3">
+            <a:extLst>
+              <a:ext uri="{FF2B5EF4-FFF2-40B4-BE49-F238E27FC236}">
+                <a16:creationId xmlns:a16="http://schemas.microsoft.com/office/drawing/2014/main" id="{287E4274-7456-4C85-ACEB-DF88F6F79EF5}"/>
+              </a:ext>
+            </a:extLst>
+          </p:cNvPr>
+          <p:cNvGraphicFramePr>
+            <a:graphicFrameLocks noGrp="1"/>
+          </p:cNvGraphicFramePr>
+          <p:nvPr>
+            <p:extLst/>
+          </p:nvPr>
+        </p:nvGraphicFramePr>
+        <p:xfrm>
+          <a:off x="3817974" y="640146"/>
+          <a:ext cx="4865759" cy="3585984"/>
+        </p:xfrm>
+        <a:graphic>
+          <a:graphicData uri="http://schemas.openxmlformats.org/drawingml/2006/table">
+            <a:tbl>
+              <a:tblPr/>
+              <a:tblGrid>
+                <a:gridCol w="2418557">
+                  <a:extLst>
+                    <a:ext uri="{9D8B030D-6E8A-4147-A177-3AD203B41FA5}">
+                      <a16:colId xmlns:a16="http://schemas.microsoft.com/office/drawing/2014/main" val="1089580484"/>
+                    </a:ext>
+                  </a:extLst>
+                </a:gridCol>
+                <a:gridCol w="2447202">
+                  <a:extLst>
+                    <a:ext uri="{9D8B030D-6E8A-4147-A177-3AD203B41FA5}">
+                      <a16:colId xmlns:a16="http://schemas.microsoft.com/office/drawing/2014/main" val="1382446080"/>
+                    </a:ext>
+                  </a:extLst>
+                </a:gridCol>
+              </a:tblGrid>
+              <a:tr h="178790">
+                <a:tc>
+                  <a:txBody>
+                    <a:bodyPr/>
+                    <a:lstStyle/>
+                    <a:p>
+                      <a:pPr algn="ctr"/>
+                      <a:r>
+                        <a:rPr lang="en-US" sz="1200" b="1"/>
+                        <a:t>Classification</a:t>
+                      </a:r>
+                    </a:p>
+                  </a:txBody>
+                  <a:tcPr marL="52666" marR="52666" marT="26333" marB="26333" anchor="ctr">
+                    <a:lnL>
+                      <a:noFill/>
+                    </a:lnL>
+                    <a:lnR>
+                      <a:noFill/>
+                    </a:lnR>
+                    <a:lnT>
+                      <a:noFill/>
+                    </a:lnT>
+                    <a:lnB>
+                      <a:noFill/>
+                    </a:lnB>
+                  </a:tcPr>
+                </a:tc>
+                <a:tc>
+                  <a:txBody>
+                    <a:bodyPr/>
+                    <a:lstStyle/>
+                    <a:p>
+                      <a:pPr algn="ctr"/>
+                      <a:r>
+                        <a:rPr lang="en-US" sz="1200" b="1" dirty="0"/>
+                        <a:t>Regression &amp;</a:t>
+                      </a:r>
+                    </a:p>
+                    <a:p>
+                      <a:pPr algn="ctr"/>
+                      <a:r>
+                        <a:rPr lang="en-US" sz="1200" b="1" dirty="0"/>
+                        <a:t>Time Series Forecasting</a:t>
+                      </a:r>
+                    </a:p>
+                  </a:txBody>
+                  <a:tcPr marL="52666" marR="52666" marT="26333" marB="26333" anchor="ctr">
+                    <a:lnL>
+                      <a:noFill/>
+                    </a:lnL>
+                    <a:lnR>
+                      <a:noFill/>
+                    </a:lnR>
+                    <a:lnT>
+                      <a:noFill/>
+                    </a:lnT>
+                    <a:lnB>
+                      <a:noFill/>
+                    </a:lnB>
+                  </a:tcPr>
+                </a:tc>
+                <a:extLst>
+                  <a:ext uri="{0D108BD9-81ED-4DB2-BD59-A6C34878D82A}">
+                    <a16:rowId xmlns:a16="http://schemas.microsoft.com/office/drawing/2014/main" val="3301145887"/>
+                  </a:ext>
+                </a:extLst>
+              </a:tr>
+              <a:tr h="178790">
+                <a:tc>
+                  <a:txBody>
+                    <a:bodyPr/>
+                    <a:lstStyle/>
+                    <a:p>
+                      <a:r>
+                        <a:rPr lang="en-US" sz="1000">
+                          <a:hlinkClick r:id="rId2"/>
+                        </a:rPr>
+                        <a:t>Logistic Regression</a:t>
+                      </a:r>
+                      <a:endParaRPr lang="en-US" sz="1000"/>
+                    </a:p>
+                  </a:txBody>
+                  <a:tcPr marL="52666" marR="52666" marT="26333" marB="26333" anchor="ctr">
+                    <a:lnL>
+                      <a:noFill/>
+                    </a:lnL>
+                    <a:lnR>
+                      <a:noFill/>
+                    </a:lnR>
+                    <a:lnT>
+                      <a:noFill/>
+                    </a:lnT>
+                    <a:lnB>
+                      <a:noFill/>
+                    </a:lnB>
+                  </a:tcPr>
+                </a:tc>
+                <a:tc>
+                  <a:txBody>
+                    <a:bodyPr/>
+                    <a:lstStyle/>
+                    <a:p>
+                      <a:r>
+                        <a:rPr lang="en-US" sz="1000" dirty="0">
+                          <a:hlinkClick r:id="rId3"/>
+                        </a:rPr>
+                        <a:t>Elastic Net</a:t>
+                      </a:r>
+                      <a:endParaRPr lang="en-US" sz="1000" dirty="0"/>
+                    </a:p>
+                  </a:txBody>
+                  <a:tcPr marL="52666" marR="52666" marT="26333" marB="26333" anchor="ctr">
+                    <a:lnL>
+                      <a:noFill/>
+                    </a:lnL>
+                    <a:lnR>
+                      <a:noFill/>
+                    </a:lnR>
+                    <a:lnT>
+                      <a:noFill/>
+                    </a:lnT>
+                    <a:lnB>
+                      <a:noFill/>
+                    </a:lnB>
+                  </a:tcPr>
+                </a:tc>
+                <a:extLst>
+                  <a:ext uri="{0D108BD9-81ED-4DB2-BD59-A6C34878D82A}">
+                    <a16:rowId xmlns:a16="http://schemas.microsoft.com/office/drawing/2014/main" val="801165373"/>
+                  </a:ext>
+                </a:extLst>
+              </a:tr>
+              <a:tr h="178790">
+                <a:tc>
+                  <a:txBody>
+                    <a:bodyPr/>
+                    <a:lstStyle/>
+                    <a:p>
+                      <a:r>
+                        <a:rPr lang="en-US" sz="1000">
+                          <a:hlinkClick r:id="rId4"/>
+                        </a:rPr>
+                        <a:t>Light GBM</a:t>
+                      </a:r>
+                      <a:endParaRPr lang="en-US" sz="1000"/>
+                    </a:p>
+                  </a:txBody>
+                  <a:tcPr marL="52666" marR="52666" marT="26333" marB="26333" anchor="ctr">
+                    <a:lnL>
+                      <a:noFill/>
+                    </a:lnL>
+                    <a:lnR>
+                      <a:noFill/>
+                    </a:lnR>
+                    <a:lnT>
+                      <a:noFill/>
+                    </a:lnT>
+                    <a:lnB>
+                      <a:noFill/>
+                    </a:lnB>
+                  </a:tcPr>
+                </a:tc>
+                <a:tc>
+                  <a:txBody>
+                    <a:bodyPr/>
+                    <a:lstStyle/>
+                    <a:p>
+                      <a:r>
+                        <a:rPr lang="en-US" sz="1000">
+                          <a:hlinkClick r:id="rId4"/>
+                        </a:rPr>
+                        <a:t>Light GBM</a:t>
+                      </a:r>
+                      <a:endParaRPr lang="en-US" sz="1000"/>
+                    </a:p>
+                  </a:txBody>
+                  <a:tcPr marL="52666" marR="52666" marT="26333" marB="26333" anchor="ctr">
+                    <a:lnL>
+                      <a:noFill/>
+                    </a:lnL>
+                    <a:lnR>
+                      <a:noFill/>
+                    </a:lnR>
+                    <a:lnT>
+                      <a:noFill/>
+                    </a:lnT>
+                    <a:lnB>
+                      <a:noFill/>
+                    </a:lnB>
+                  </a:tcPr>
+                </a:tc>
+                <a:extLst>
+                  <a:ext uri="{0D108BD9-81ED-4DB2-BD59-A6C34878D82A}">
+                    <a16:rowId xmlns:a16="http://schemas.microsoft.com/office/drawing/2014/main" val="1291908786"/>
+                  </a:ext>
+                </a:extLst>
+              </a:tr>
+              <a:tr h="178790">
+                <a:tc>
+                  <a:txBody>
+                    <a:bodyPr/>
+                    <a:lstStyle/>
+                    <a:p>
+                      <a:r>
+                        <a:rPr lang="en-US" sz="1000">
+                          <a:hlinkClick r:id="rId5"/>
+                        </a:rPr>
+                        <a:t>Gradient Boosting</a:t>
+                      </a:r>
+                      <a:endParaRPr lang="en-US" sz="1000"/>
+                    </a:p>
+                  </a:txBody>
+                  <a:tcPr marL="52666" marR="52666" marT="26333" marB="26333" anchor="ctr">
+                    <a:lnL>
+                      <a:noFill/>
+                    </a:lnL>
+                    <a:lnR>
+                      <a:noFill/>
+                    </a:lnR>
+                    <a:lnT>
+                      <a:noFill/>
+                    </a:lnT>
+                    <a:lnB>
+                      <a:noFill/>
+                    </a:lnB>
+                  </a:tcPr>
+                </a:tc>
+                <a:tc>
+                  <a:txBody>
+                    <a:bodyPr/>
+                    <a:lstStyle/>
+                    <a:p>
+                      <a:r>
+                        <a:rPr lang="en-US" sz="1000">
+                          <a:hlinkClick r:id="rId6"/>
+                        </a:rPr>
+                        <a:t>Gradient Boosting</a:t>
+                      </a:r>
+                      <a:endParaRPr lang="en-US" sz="1000"/>
+                    </a:p>
+                  </a:txBody>
+                  <a:tcPr marL="52666" marR="52666" marT="26333" marB="26333" anchor="ctr">
+                    <a:lnL>
+                      <a:noFill/>
+                    </a:lnL>
+                    <a:lnR>
+                      <a:noFill/>
+                    </a:lnR>
+                    <a:lnT>
+                      <a:noFill/>
+                    </a:lnT>
+                    <a:lnB>
+                      <a:noFill/>
+                    </a:lnB>
+                  </a:tcPr>
+                </a:tc>
+                <a:extLst>
+                  <a:ext uri="{0D108BD9-81ED-4DB2-BD59-A6C34878D82A}">
+                    <a16:rowId xmlns:a16="http://schemas.microsoft.com/office/drawing/2014/main" val="1841407873"/>
+                  </a:ext>
+                </a:extLst>
+              </a:tr>
+              <a:tr h="178790">
+                <a:tc>
+                  <a:txBody>
+                    <a:bodyPr/>
+                    <a:lstStyle/>
+                    <a:p>
+                      <a:r>
+                        <a:rPr lang="en-US" sz="1000">
+                          <a:hlinkClick r:id="rId7"/>
+                        </a:rPr>
+                        <a:t>Decision Tree</a:t>
+                      </a:r>
+                      <a:endParaRPr lang="en-US" sz="1000"/>
+                    </a:p>
+                  </a:txBody>
+                  <a:tcPr marL="52666" marR="52666" marT="26333" marB="26333" anchor="ctr">
+                    <a:lnL>
+                      <a:noFill/>
+                    </a:lnL>
+                    <a:lnR>
+                      <a:noFill/>
+                    </a:lnR>
+                    <a:lnT>
+                      <a:noFill/>
+                    </a:lnT>
+                    <a:lnB>
+                      <a:noFill/>
+                    </a:lnB>
+                  </a:tcPr>
+                </a:tc>
+                <a:tc>
+                  <a:txBody>
+                    <a:bodyPr/>
+                    <a:lstStyle/>
+                    <a:p>
+                      <a:r>
+                        <a:rPr lang="en-US" sz="1000">
+                          <a:hlinkClick r:id="rId8"/>
+                        </a:rPr>
+                        <a:t>Decision Tree</a:t>
+                      </a:r>
+                      <a:endParaRPr lang="en-US" sz="1000"/>
+                    </a:p>
+                  </a:txBody>
+                  <a:tcPr marL="52666" marR="52666" marT="26333" marB="26333" anchor="ctr">
+                    <a:lnL>
+                      <a:noFill/>
+                    </a:lnL>
+                    <a:lnR>
+                      <a:noFill/>
+                    </a:lnR>
+                    <a:lnT>
+                      <a:noFill/>
+                    </a:lnT>
+                    <a:lnB>
+                      <a:noFill/>
+                    </a:lnB>
+                  </a:tcPr>
+                </a:tc>
+                <a:extLst>
+                  <a:ext uri="{0D108BD9-81ED-4DB2-BD59-A6C34878D82A}">
+                    <a16:rowId xmlns:a16="http://schemas.microsoft.com/office/drawing/2014/main" val="833870345"/>
+                  </a:ext>
+                </a:extLst>
+              </a:tr>
+              <a:tr h="178790">
+                <a:tc>
+                  <a:txBody>
+                    <a:bodyPr/>
+                    <a:lstStyle/>
+                    <a:p>
+                      <a:r>
+                        <a:rPr lang="en-US" sz="1000">
+                          <a:hlinkClick r:id="rId9"/>
+                        </a:rPr>
+                        <a:t>K Nearest Neighbors</a:t>
+                      </a:r>
+                      <a:endParaRPr lang="en-US" sz="1000"/>
+                    </a:p>
+                  </a:txBody>
+                  <a:tcPr marL="52666" marR="52666" marT="26333" marB="26333" anchor="ctr">
+                    <a:lnL>
+                      <a:noFill/>
+                    </a:lnL>
+                    <a:lnR>
+                      <a:noFill/>
+                    </a:lnR>
+                    <a:lnT>
+                      <a:noFill/>
+                    </a:lnT>
+                    <a:lnB>
+                      <a:noFill/>
+                    </a:lnB>
+                  </a:tcPr>
+                </a:tc>
+                <a:tc>
+                  <a:txBody>
+                    <a:bodyPr/>
+                    <a:lstStyle/>
+                    <a:p>
+                      <a:r>
+                        <a:rPr lang="en-US" sz="1000">
+                          <a:hlinkClick r:id="rId9"/>
+                        </a:rPr>
+                        <a:t>K Nearest Neighbors</a:t>
+                      </a:r>
+                      <a:endParaRPr lang="en-US" sz="1000"/>
+                    </a:p>
+                  </a:txBody>
+                  <a:tcPr marL="52666" marR="52666" marT="26333" marB="26333" anchor="ctr">
+                    <a:lnL>
+                      <a:noFill/>
+                    </a:lnL>
+                    <a:lnR>
+                      <a:noFill/>
+                    </a:lnR>
+                    <a:lnT>
+                      <a:noFill/>
+                    </a:lnT>
+                    <a:lnB>
+                      <a:noFill/>
+                    </a:lnB>
+                  </a:tcPr>
+                </a:tc>
+                <a:extLst>
+                  <a:ext uri="{0D108BD9-81ED-4DB2-BD59-A6C34878D82A}">
+                    <a16:rowId xmlns:a16="http://schemas.microsoft.com/office/drawing/2014/main" val="2832259499"/>
+                  </a:ext>
+                </a:extLst>
+              </a:tr>
+              <a:tr h="178790">
+                <a:tc>
+                  <a:txBody>
+                    <a:bodyPr/>
+                    <a:lstStyle/>
+                    <a:p>
+                      <a:r>
+                        <a:rPr lang="en-US" sz="1000">
+                          <a:hlinkClick r:id="rId10"/>
+                        </a:rPr>
+                        <a:t>Linear SVC</a:t>
+                      </a:r>
+                      <a:endParaRPr lang="en-US" sz="1000"/>
+                    </a:p>
+                  </a:txBody>
+                  <a:tcPr marL="52666" marR="52666" marT="26333" marB="26333" anchor="ctr">
+                    <a:lnL>
+                      <a:noFill/>
+                    </a:lnL>
+                    <a:lnR>
+                      <a:noFill/>
+                    </a:lnR>
+                    <a:lnT>
+                      <a:noFill/>
+                    </a:lnT>
+                    <a:lnB>
+                      <a:noFill/>
+                    </a:lnB>
+                  </a:tcPr>
+                </a:tc>
+                <a:tc>
+                  <a:txBody>
+                    <a:bodyPr/>
+                    <a:lstStyle/>
+                    <a:p>
+                      <a:r>
+                        <a:rPr lang="en-US" sz="1000">
+                          <a:hlinkClick r:id="rId11"/>
+                        </a:rPr>
+                        <a:t>LARS Lasso</a:t>
+                      </a:r>
+                      <a:endParaRPr lang="en-US" sz="1000"/>
+                    </a:p>
+                  </a:txBody>
+                  <a:tcPr marL="52666" marR="52666" marT="26333" marB="26333" anchor="ctr">
+                    <a:lnL>
+                      <a:noFill/>
+                    </a:lnL>
+                    <a:lnR>
+                      <a:noFill/>
+                    </a:lnR>
+                    <a:lnT>
+                      <a:noFill/>
+                    </a:lnT>
+                    <a:lnB>
+                      <a:noFill/>
+                    </a:lnB>
+                  </a:tcPr>
+                </a:tc>
+                <a:extLst>
+                  <a:ext uri="{0D108BD9-81ED-4DB2-BD59-A6C34878D82A}">
+                    <a16:rowId xmlns:a16="http://schemas.microsoft.com/office/drawing/2014/main" val="228754427"/>
+                  </a:ext>
+                </a:extLst>
+              </a:tr>
+              <a:tr h="303944">
+                <a:tc>
+                  <a:txBody>
+                    <a:bodyPr/>
+                    <a:lstStyle/>
+                    <a:p>
+                      <a:r>
+                        <a:rPr lang="en-US" sz="1000">
+                          <a:hlinkClick r:id="rId10"/>
+                        </a:rPr>
+                        <a:t>C-Support Vector Classification (SVC)</a:t>
+                      </a:r>
+                      <a:endParaRPr lang="en-US" sz="1000"/>
+                    </a:p>
+                  </a:txBody>
+                  <a:tcPr marL="52666" marR="52666" marT="26333" marB="26333" anchor="ctr">
+                    <a:lnL>
+                      <a:noFill/>
+                    </a:lnL>
+                    <a:lnR>
+                      <a:noFill/>
+                    </a:lnR>
+                    <a:lnT>
+                      <a:noFill/>
+                    </a:lnT>
+                    <a:lnB>
+                      <a:noFill/>
+                    </a:lnB>
+                  </a:tcPr>
+                </a:tc>
+                <a:tc>
+                  <a:txBody>
+                    <a:bodyPr/>
+                    <a:lstStyle/>
+                    <a:p>
+                      <a:r>
+                        <a:rPr lang="en-US" sz="1000">
+                          <a:hlinkClick r:id="rId12"/>
+                        </a:rPr>
+                        <a:t>Stochastic Gradient Descent (SGD)</a:t>
+                      </a:r>
+                      <a:endParaRPr lang="en-US" sz="1000"/>
+                    </a:p>
+                  </a:txBody>
+                  <a:tcPr marL="52666" marR="52666" marT="26333" marB="26333" anchor="ctr">
+                    <a:lnL>
+                      <a:noFill/>
+                    </a:lnL>
+                    <a:lnR>
+                      <a:noFill/>
+                    </a:lnR>
+                    <a:lnT>
+                      <a:noFill/>
+                    </a:lnT>
+                    <a:lnB>
+                      <a:noFill/>
+                    </a:lnB>
+                  </a:tcPr>
+                </a:tc>
+                <a:extLst>
+                  <a:ext uri="{0D108BD9-81ED-4DB2-BD59-A6C34878D82A}">
+                    <a16:rowId xmlns:a16="http://schemas.microsoft.com/office/drawing/2014/main" val="482337621"/>
+                  </a:ext>
+                </a:extLst>
+              </a:tr>
+              <a:tr h="178790">
+                <a:tc>
+                  <a:txBody>
+                    <a:bodyPr/>
+                    <a:lstStyle/>
+                    <a:p>
+                      <a:r>
+                        <a:rPr lang="en-US" sz="1000">
+                          <a:hlinkClick r:id="rId13"/>
+                        </a:rPr>
+                        <a:t>Random Forest</a:t>
+                      </a:r>
+                      <a:endParaRPr lang="en-US" sz="1000"/>
+                    </a:p>
+                  </a:txBody>
+                  <a:tcPr marL="52666" marR="52666" marT="26333" marB="26333" anchor="ctr">
+                    <a:lnL>
+                      <a:noFill/>
+                    </a:lnL>
+                    <a:lnR>
+                      <a:noFill/>
+                    </a:lnR>
+                    <a:lnT>
+                      <a:noFill/>
+                    </a:lnT>
+                    <a:lnB>
+                      <a:noFill/>
+                    </a:lnB>
+                  </a:tcPr>
+                </a:tc>
+                <a:tc>
+                  <a:txBody>
+                    <a:bodyPr/>
+                    <a:lstStyle/>
+                    <a:p>
+                      <a:r>
+                        <a:rPr lang="en-US" sz="1000">
+                          <a:hlinkClick r:id="rId13"/>
+                        </a:rPr>
+                        <a:t>Random Forest</a:t>
+                      </a:r>
+                      <a:endParaRPr lang="en-US" sz="1000"/>
+                    </a:p>
+                  </a:txBody>
+                  <a:tcPr marL="52666" marR="52666" marT="26333" marB="26333" anchor="ctr">
+                    <a:lnL>
+                      <a:noFill/>
+                    </a:lnL>
+                    <a:lnR>
+                      <a:noFill/>
+                    </a:lnR>
+                    <a:lnT>
+                      <a:noFill/>
+                    </a:lnT>
+                    <a:lnB>
+                      <a:noFill/>
+                    </a:lnB>
+                  </a:tcPr>
+                </a:tc>
+                <a:extLst>
+                  <a:ext uri="{0D108BD9-81ED-4DB2-BD59-A6C34878D82A}">
+                    <a16:rowId xmlns:a16="http://schemas.microsoft.com/office/drawing/2014/main" val="1521599616"/>
+                  </a:ext>
+                </a:extLst>
+              </a:tr>
+              <a:tr h="303944">
+                <a:tc>
+                  <a:txBody>
+                    <a:bodyPr/>
+                    <a:lstStyle/>
+                    <a:p>
+                      <a:r>
+                        <a:rPr lang="en-US" sz="1000">
+                          <a:hlinkClick r:id="rId14"/>
+                        </a:rPr>
+                        <a:t>Extremely Randomized Trees</a:t>
+                      </a:r>
+                      <a:endParaRPr lang="en-US" sz="1000"/>
+                    </a:p>
+                  </a:txBody>
+                  <a:tcPr marL="52666" marR="52666" marT="26333" marB="26333" anchor="ctr">
+                    <a:lnL>
+                      <a:noFill/>
+                    </a:lnL>
+                    <a:lnR>
+                      <a:noFill/>
+                    </a:lnR>
+                    <a:lnT>
+                      <a:noFill/>
+                    </a:lnT>
+                    <a:lnB>
+                      <a:noFill/>
+                    </a:lnB>
+                  </a:tcPr>
+                </a:tc>
+                <a:tc>
+                  <a:txBody>
+                    <a:bodyPr/>
+                    <a:lstStyle/>
+                    <a:p>
+                      <a:r>
+                        <a:rPr lang="en-US" sz="1000">
+                          <a:hlinkClick r:id="rId14"/>
+                        </a:rPr>
+                        <a:t>Extremely Randomized Trees</a:t>
+                      </a:r>
+                      <a:endParaRPr lang="en-US" sz="1000"/>
+                    </a:p>
+                  </a:txBody>
+                  <a:tcPr marL="52666" marR="52666" marT="26333" marB="26333" anchor="ctr">
+                    <a:lnL>
+                      <a:noFill/>
+                    </a:lnL>
+                    <a:lnR>
+                      <a:noFill/>
+                    </a:lnR>
+                    <a:lnT>
+                      <a:noFill/>
+                    </a:lnT>
+                    <a:lnB>
+                      <a:noFill/>
+                    </a:lnB>
+                  </a:tcPr>
+                </a:tc>
+                <a:extLst>
+                  <a:ext uri="{0D108BD9-81ED-4DB2-BD59-A6C34878D82A}">
+                    <a16:rowId xmlns:a16="http://schemas.microsoft.com/office/drawing/2014/main" val="1154399125"/>
+                  </a:ext>
+                </a:extLst>
+              </a:tr>
+              <a:tr h="178790">
+                <a:tc>
+                  <a:txBody>
+                    <a:bodyPr/>
+                    <a:lstStyle/>
+                    <a:p>
+                      <a:r>
+                        <a:rPr lang="en-US" sz="1000" dirty="0" err="1">
+                          <a:hlinkClick r:id="rId15"/>
+                        </a:rPr>
+                        <a:t>Xgboost</a:t>
+                      </a:r>
+                      <a:endParaRPr lang="en-US" sz="1000" dirty="0"/>
+                    </a:p>
+                  </a:txBody>
+                  <a:tcPr marL="52666" marR="52666" marT="26333" marB="26333" anchor="ctr">
+                    <a:lnL>
+                      <a:noFill/>
+                    </a:lnL>
+                    <a:lnR>
+                      <a:noFill/>
+                    </a:lnR>
+                    <a:lnT>
+                      <a:noFill/>
+                    </a:lnT>
+                    <a:lnB>
+                      <a:noFill/>
+                    </a:lnB>
+                  </a:tcPr>
+                </a:tc>
+                <a:tc>
+                  <a:txBody>
+                    <a:bodyPr/>
+                    <a:lstStyle/>
+                    <a:p>
+                      <a:r>
+                        <a:rPr lang="en-US" sz="1000">
+                          <a:hlinkClick r:id="rId15"/>
+                        </a:rPr>
+                        <a:t>Xgboost</a:t>
+                      </a:r>
+                      <a:endParaRPr lang="en-US" sz="1000"/>
+                    </a:p>
+                  </a:txBody>
+                  <a:tcPr marL="52666" marR="52666" marT="26333" marB="26333" anchor="ctr">
+                    <a:lnL>
+                      <a:noFill/>
+                    </a:lnL>
+                    <a:lnR>
+                      <a:noFill/>
+                    </a:lnR>
+                    <a:lnT>
+                      <a:noFill/>
+                    </a:lnT>
+                    <a:lnB>
+                      <a:noFill/>
+                    </a:lnB>
+                  </a:tcPr>
+                </a:tc>
+                <a:extLst>
+                  <a:ext uri="{0D108BD9-81ED-4DB2-BD59-A6C34878D82A}">
+                    <a16:rowId xmlns:a16="http://schemas.microsoft.com/office/drawing/2014/main" val="3537502937"/>
+                  </a:ext>
+                </a:extLst>
+              </a:tr>
+              <a:tr h="178790">
+                <a:tc>
+                  <a:txBody>
+                    <a:bodyPr/>
+                    <a:lstStyle/>
+                    <a:p>
+                      <a:r>
+                        <a:rPr lang="en-US" sz="1000">
+                          <a:hlinkClick r:id="rId16"/>
+                        </a:rPr>
+                        <a:t>DNN Classifier</a:t>
+                      </a:r>
+                      <a:endParaRPr lang="en-US" sz="1000"/>
+                    </a:p>
+                  </a:txBody>
+                  <a:tcPr marL="52666" marR="52666" marT="26333" marB="26333" anchor="ctr">
+                    <a:lnL>
+                      <a:noFill/>
+                    </a:lnL>
+                    <a:lnR>
+                      <a:noFill/>
+                    </a:lnR>
+                    <a:lnT>
+                      <a:noFill/>
+                    </a:lnT>
+                    <a:lnB>
+                      <a:noFill/>
+                    </a:lnB>
+                  </a:tcPr>
+                </a:tc>
+                <a:tc>
+                  <a:txBody>
+                    <a:bodyPr/>
+                    <a:lstStyle/>
+                    <a:p>
+                      <a:r>
+                        <a:rPr lang="en-US" sz="1000">
+                          <a:hlinkClick r:id="rId17"/>
+                        </a:rPr>
+                        <a:t>DNN Regressor</a:t>
+                      </a:r>
+                      <a:endParaRPr lang="en-US" sz="1000"/>
+                    </a:p>
+                  </a:txBody>
+                  <a:tcPr marL="52666" marR="52666" marT="26333" marB="26333" anchor="ctr">
+                    <a:lnL>
+                      <a:noFill/>
+                    </a:lnL>
+                    <a:lnR>
+                      <a:noFill/>
+                    </a:lnR>
+                    <a:lnT>
+                      <a:noFill/>
+                    </a:lnT>
+                    <a:lnB>
+                      <a:noFill/>
+                    </a:lnB>
+                  </a:tcPr>
+                </a:tc>
+                <a:extLst>
+                  <a:ext uri="{0D108BD9-81ED-4DB2-BD59-A6C34878D82A}">
+                    <a16:rowId xmlns:a16="http://schemas.microsoft.com/office/drawing/2014/main" val="1708269267"/>
+                  </a:ext>
+                </a:extLst>
+              </a:tr>
+              <a:tr h="178790">
+                <a:tc>
+                  <a:txBody>
+                    <a:bodyPr/>
+                    <a:lstStyle/>
+                    <a:p>
+                      <a:r>
+                        <a:rPr lang="en-US" sz="1000">
+                          <a:hlinkClick r:id="rId18"/>
+                        </a:rPr>
+                        <a:t>DNN Linear Classifier</a:t>
+                      </a:r>
+                      <a:endParaRPr lang="en-US" sz="1000"/>
+                    </a:p>
+                  </a:txBody>
+                  <a:tcPr marL="52666" marR="52666" marT="26333" marB="26333" anchor="ctr">
+                    <a:lnL>
+                      <a:noFill/>
+                    </a:lnL>
+                    <a:lnR>
+                      <a:noFill/>
+                    </a:lnR>
+                    <a:lnT>
+                      <a:noFill/>
+                    </a:lnT>
+                    <a:lnB>
+                      <a:noFill/>
+                    </a:lnB>
+                  </a:tcPr>
+                </a:tc>
+                <a:tc>
+                  <a:txBody>
+                    <a:bodyPr/>
+                    <a:lstStyle/>
+                    <a:p>
+                      <a:r>
+                        <a:rPr lang="en-US" sz="1000">
+                          <a:hlinkClick r:id="rId19"/>
+                        </a:rPr>
+                        <a:t>Linear Regressor</a:t>
+                      </a:r>
+                      <a:endParaRPr lang="en-US" sz="1000"/>
+                    </a:p>
+                  </a:txBody>
+                  <a:tcPr marL="52666" marR="52666" marT="26333" marB="26333" anchor="ctr">
+                    <a:lnL>
+                      <a:noFill/>
+                    </a:lnL>
+                    <a:lnR>
+                      <a:noFill/>
+                    </a:lnR>
+                    <a:lnT>
+                      <a:noFill/>
+                    </a:lnT>
+                    <a:lnB>
+                      <a:noFill/>
+                    </a:lnB>
+                  </a:tcPr>
+                </a:tc>
+                <a:extLst>
+                  <a:ext uri="{0D108BD9-81ED-4DB2-BD59-A6C34878D82A}">
+                    <a16:rowId xmlns:a16="http://schemas.microsoft.com/office/drawing/2014/main" val="3239242384"/>
+                  </a:ext>
+                </a:extLst>
+              </a:tr>
+              <a:tr h="178790">
+                <a:tc>
+                  <a:txBody>
+                    <a:bodyPr/>
+                    <a:lstStyle/>
+                    <a:p>
+                      <a:r>
+                        <a:rPr lang="en-US" sz="1000">
+                          <a:hlinkClick r:id="rId20"/>
+                        </a:rPr>
+                        <a:t>Naive Bayes</a:t>
+                      </a:r>
+                      <a:endParaRPr lang="en-US" sz="1000"/>
+                    </a:p>
+                  </a:txBody>
+                  <a:tcPr marL="52666" marR="52666" marT="26333" marB="26333" anchor="ctr">
+                    <a:lnL>
+                      <a:noFill/>
+                    </a:lnL>
+                    <a:lnR>
+                      <a:noFill/>
+                    </a:lnR>
+                    <a:lnT>
+                      <a:noFill/>
+                    </a:lnT>
+                    <a:lnB>
+                      <a:noFill/>
+                    </a:lnB>
+                  </a:tcPr>
+                </a:tc>
+                <a:tc>
+                  <a:txBody>
+                    <a:bodyPr/>
+                    <a:lstStyle/>
+                    <a:p>
+                      <a:endParaRPr lang="en-US" sz="1000"/>
+                    </a:p>
+                  </a:txBody>
+                  <a:tcPr marL="52666" marR="52666" marT="26333" marB="26333" anchor="ctr">
+                    <a:lnL>
+                      <a:noFill/>
+                    </a:lnL>
+                    <a:lnR>
+                      <a:noFill/>
+                    </a:lnR>
+                    <a:lnT>
+                      <a:noFill/>
+                    </a:lnT>
+                    <a:lnB>
+                      <a:noFill/>
+                    </a:lnB>
+                  </a:tcPr>
+                </a:tc>
+                <a:extLst>
+                  <a:ext uri="{0D108BD9-81ED-4DB2-BD59-A6C34878D82A}">
+                    <a16:rowId xmlns:a16="http://schemas.microsoft.com/office/drawing/2014/main" val="341898756"/>
+                  </a:ext>
+                </a:extLst>
+              </a:tr>
+              <a:tr h="303944">
+                <a:tc>
+                  <a:txBody>
+                    <a:bodyPr/>
+                    <a:lstStyle/>
+                    <a:p>
+                      <a:r>
+                        <a:rPr lang="en-US" sz="1000">
+                          <a:hlinkClick r:id="rId21"/>
+                        </a:rPr>
+                        <a:t>Stochastic Gradient Descent (SGD)</a:t>
+                      </a:r>
+                      <a:endParaRPr lang="en-US" sz="1000"/>
+                    </a:p>
+                  </a:txBody>
+                  <a:tcPr marL="52666" marR="52666" marT="26333" marB="26333" anchor="ctr">
+                    <a:lnL>
+                      <a:noFill/>
+                    </a:lnL>
+                    <a:lnR>
+                      <a:noFill/>
+                    </a:lnR>
+                    <a:lnT>
+                      <a:noFill/>
+                    </a:lnT>
+                    <a:lnB>
+                      <a:noFill/>
+                    </a:lnB>
+                  </a:tcPr>
+                </a:tc>
+                <a:tc>
+                  <a:txBody>
+                    <a:bodyPr/>
+                    <a:lstStyle/>
+                    <a:p>
+                      <a:endParaRPr lang="en-US" sz="1000" dirty="0"/>
+                    </a:p>
+                  </a:txBody>
+                  <a:tcPr marL="52666" marR="52666" marT="26333" marB="26333" anchor="ctr">
+                    <a:lnL>
+                      <a:noFill/>
+                    </a:lnL>
+                    <a:lnR>
+                      <a:noFill/>
+                    </a:lnR>
+                    <a:lnT>
+                      <a:noFill/>
+                    </a:lnT>
+                    <a:lnB>
+                      <a:noFill/>
+                    </a:lnB>
+                  </a:tcPr>
+                </a:tc>
+                <a:extLst>
+                  <a:ext uri="{0D108BD9-81ED-4DB2-BD59-A6C34878D82A}">
+                    <a16:rowId xmlns:a16="http://schemas.microsoft.com/office/drawing/2014/main" val="3966003278"/>
+                  </a:ext>
+                </a:extLst>
+              </a:tr>
+            </a:tbl>
+          </a:graphicData>
+        </a:graphic>
+      </p:graphicFrame>
+      <p:sp>
+        <p:nvSpPr>
+          <p:cNvPr id="6" name="Rectangle 5">
+            <a:extLst>
+              <a:ext uri="{FF2B5EF4-FFF2-40B4-BE49-F238E27FC236}">
+                <a16:creationId xmlns:a16="http://schemas.microsoft.com/office/drawing/2014/main" id="{C96C4D95-99B7-4E6E-A3D2-B6969D97C36B}"/>
+              </a:ext>
+            </a:extLst>
+          </p:cNvPr>
+          <p:cNvSpPr/>
+          <p:nvPr/>
+        </p:nvSpPr>
+        <p:spPr>
+          <a:xfrm>
+            <a:off x="3178609" y="4831794"/>
+            <a:ext cx="6144490" cy="261610"/>
+          </a:xfrm>
+          <a:prstGeom prst="rect">
+            <a:avLst/>
+          </a:prstGeom>
+        </p:spPr>
+        <p:txBody>
+          <a:bodyPr wrap="square">
+            <a:spAutoFit/>
+          </a:bodyPr>
+          <a:lstStyle/>
+          <a:p>
+            <a:r>
+              <a:rPr lang="en-US" sz="1100" dirty="0">
+                <a:hlinkClick r:id="rId22"/>
+              </a:rPr>
+              <a:t>https://docs.microsoft.com/en-us/azure/machine-learning/service/how-to-configure-auto-train</a:t>
+            </a:r>
+            <a:endParaRPr lang="en-US" sz="1100" dirty="0"/>
+          </a:p>
+        </p:txBody>
+      </p:sp>
+    </p:spTree>
+    <p:extLst>
+      <p:ext uri="{BB962C8B-B14F-4D97-AF65-F5344CB8AC3E}">
+        <p14:creationId xmlns:p14="http://schemas.microsoft.com/office/powerpoint/2010/main" val="3669653429"/>
+      </p:ext>
+    </p:extLst>
+  </p:cSld>
+  <p:clrMapOvr>
+    <a:masterClrMapping/>
+  </p:clrMapOvr>
+</p:sld>
+</file>
+
+<file path=ppt/slides/slide12.xml><?xml version="1.0" encoding="utf-8"?>
+<p:sld xmlns:a="http://schemas.openxmlformats.org/drawingml/2006/main" xmlns:r="http://schemas.openxmlformats.org/officeDocument/2006/relationships" xmlns:p="http://schemas.openxmlformats.org/presentationml/2006/main">
+  <p:cSld>
+    <p:spTree>
+      <p:nvGrpSpPr>
+        <p:cNvPr id="1" name=""/>
+        <p:cNvGrpSpPr/>
+        <p:nvPr/>
+      </p:nvGrpSpPr>
+      <p:grpSpPr>
+        <a:xfrm>
+          <a:off x="0" y="0"/>
+          <a:ext cx="0" cy="0"/>
+          <a:chOff x="0" y="0"/>
+          <a:chExt cx="0" cy="0"/>
+        </a:xfrm>
+      </p:grpSpPr>
+      <p:sp>
+        <p:nvSpPr>
+          <p:cNvPr id="2" name="Title 1">
+            <a:extLst>
+              <a:ext uri="{FF2B5EF4-FFF2-40B4-BE49-F238E27FC236}">
+                <a16:creationId xmlns:a16="http://schemas.microsoft.com/office/drawing/2014/main" id="{B01CFD37-EDF7-42F2-9518-A10251253ABA}"/>
+              </a:ext>
+            </a:extLst>
+          </p:cNvPr>
+          <p:cNvSpPr>
+            <a:spLocks noGrp="1"/>
+          </p:cNvSpPr>
+          <p:nvPr>
+            <p:ph type="title"/>
+          </p:nvPr>
+        </p:nvSpPr>
+        <p:spPr/>
+        <p:txBody>
+          <a:bodyPr/>
+          <a:lstStyle/>
+          <a:p>
+            <a:r>
+              <a:rPr lang="en-US" dirty="0"/>
+              <a:t>Picking the Best Model</a:t>
+            </a:r>
+          </a:p>
+        </p:txBody>
+      </p:sp>
+      <p:sp>
+        <p:nvSpPr>
+          <p:cNvPr id="3" name="Text Placeholder 2">
+            <a:extLst>
+              <a:ext uri="{FF2B5EF4-FFF2-40B4-BE49-F238E27FC236}">
+                <a16:creationId xmlns:a16="http://schemas.microsoft.com/office/drawing/2014/main" id="{7B559461-43BB-4521-B584-E6B31A283F52}"/>
+              </a:ext>
+            </a:extLst>
+          </p:cNvPr>
+          <p:cNvSpPr>
+            <a:spLocks noGrp="1"/>
+          </p:cNvSpPr>
+          <p:nvPr>
+            <p:ph type="body" idx="1"/>
+          </p:nvPr>
+        </p:nvSpPr>
+        <p:spPr>
+          <a:xfrm>
+            <a:off x="422028" y="1565150"/>
+            <a:ext cx="3071400" cy="3002400"/>
+          </a:xfrm>
+        </p:spPr>
+        <p:txBody>
+          <a:bodyPr>
+            <a:normAutofit fontScale="92500" lnSpcReduction="20000"/>
+          </a:bodyPr>
+          <a:lstStyle/>
+          <a:p>
+            <a:r>
+              <a:rPr lang="en-US" dirty="0"/>
+              <a:t>Picks a best model(s) based on a Primary Metric</a:t>
+            </a:r>
+          </a:p>
+          <a:p>
+            <a:pPr lvl="1">
+              <a:spcBef>
+                <a:spcPts val="600"/>
+              </a:spcBef>
+            </a:pPr>
+            <a:r>
+              <a:rPr lang="en-US" dirty="0"/>
+              <a:t>In Classification Problems:</a:t>
+            </a:r>
+          </a:p>
+          <a:p>
+            <a:pPr lvl="2">
+              <a:spcBef>
+                <a:spcPts val="600"/>
+              </a:spcBef>
+            </a:pPr>
+            <a:r>
+              <a:rPr lang="en-US" dirty="0"/>
+              <a:t>Accuracy, Weighted AUC, Average Weighted Precision Score, Normalized Macro Recall, Weighted Precision Score</a:t>
+            </a:r>
+          </a:p>
+          <a:p>
+            <a:pPr lvl="1">
+              <a:spcBef>
+                <a:spcPts val="600"/>
+              </a:spcBef>
+            </a:pPr>
+            <a:r>
+              <a:rPr lang="en-US" dirty="0"/>
+              <a:t>In Regression/Forecasting Problems:</a:t>
+            </a:r>
+          </a:p>
+          <a:p>
+            <a:pPr lvl="2">
+              <a:spcBef>
+                <a:spcPts val="600"/>
+              </a:spcBef>
+            </a:pPr>
+            <a:r>
+              <a:rPr lang="en-US" dirty="0"/>
+              <a:t>Spearman Correlation, Normalized RMSE, R</a:t>
+            </a:r>
+            <a:r>
+              <a:rPr lang="en-US" baseline="30000" dirty="0"/>
+              <a:t>2</a:t>
+            </a:r>
+            <a:r>
+              <a:rPr lang="en-US" dirty="0"/>
+              <a:t>, Normalized MAE</a:t>
+            </a:r>
+          </a:p>
+          <a:p>
+            <a:endParaRPr lang="en-US" dirty="0"/>
+          </a:p>
+        </p:txBody>
+      </p:sp>
+      <p:sp>
+        <p:nvSpPr>
+          <p:cNvPr id="4" name="Rectangle 3">
+            <a:extLst>
+              <a:ext uri="{FF2B5EF4-FFF2-40B4-BE49-F238E27FC236}">
+                <a16:creationId xmlns:a16="http://schemas.microsoft.com/office/drawing/2014/main" id="{E874D10C-6D65-4617-8879-A22C02FF83D3}"/>
+              </a:ext>
+            </a:extLst>
+          </p:cNvPr>
+          <p:cNvSpPr/>
+          <p:nvPr/>
+        </p:nvSpPr>
+        <p:spPr>
+          <a:xfrm>
+            <a:off x="319500" y="4807508"/>
+            <a:ext cx="4662054" cy="215444"/>
+          </a:xfrm>
+          <a:prstGeom prst="rect">
+            <a:avLst/>
+          </a:prstGeom>
+        </p:spPr>
+        <p:txBody>
+          <a:bodyPr wrap="square">
+            <a:spAutoFit/>
+          </a:bodyPr>
+          <a:lstStyle/>
+          <a:p>
+            <a:r>
+              <a:rPr lang="en-US" sz="800" dirty="0">
+                <a:hlinkClick r:id="rId2"/>
+              </a:rPr>
+              <a:t>https://docs.microsoft.com/en-us/azure/machine-learning/service/how-to-understand-automated-ml</a:t>
+            </a:r>
+            <a:endParaRPr lang="en-US" sz="800" dirty="0"/>
+          </a:p>
+        </p:txBody>
+      </p:sp>
+      <p:pic>
+        <p:nvPicPr>
+          <p:cNvPr id="7" name="Picture 6">
+            <a:extLst>
+              <a:ext uri="{FF2B5EF4-FFF2-40B4-BE49-F238E27FC236}">
+                <a16:creationId xmlns:a16="http://schemas.microsoft.com/office/drawing/2014/main" id="{BE0C4B95-9A79-44B8-9528-F9DF165F32E8}"/>
+              </a:ext>
+            </a:extLst>
+          </p:cNvPr>
+          <p:cNvPicPr>
+            <a:picLocks noChangeAspect="1"/>
+          </p:cNvPicPr>
+          <p:nvPr/>
+        </p:nvPicPr>
+        <p:blipFill>
+          <a:blip r:embed="rId3"/>
+          <a:stretch>
+            <a:fillRect/>
+          </a:stretch>
+        </p:blipFill>
+        <p:spPr>
+          <a:xfrm>
+            <a:off x="3851564" y="1451308"/>
+            <a:ext cx="4613562" cy="2825324"/>
+          </a:xfrm>
+          <a:prstGeom prst="rect">
+            <a:avLst/>
+          </a:prstGeom>
+        </p:spPr>
+      </p:pic>
+    </p:spTree>
+    <p:extLst>
+      <p:ext uri="{BB962C8B-B14F-4D97-AF65-F5344CB8AC3E}">
+        <p14:creationId xmlns:p14="http://schemas.microsoft.com/office/powerpoint/2010/main" val="1146714717"/>
+      </p:ext>
+    </p:extLst>
+  </p:cSld>
+  <p:clrMapOvr>
+    <a:masterClrMapping/>
+  </p:clrMapOvr>
+</p:sld>
+</file>
+
+<file path=ppt/slides/slide13.xml><?xml version="1.0" encoding="utf-8"?>
+<p:sld xmlns:a="http://schemas.openxmlformats.org/drawingml/2006/main" xmlns:r="http://schemas.openxmlformats.org/officeDocument/2006/relationships" xmlns:p="http://schemas.openxmlformats.org/presentationml/2006/main">
+  <p:cSld>
+    <p:spTree>
+      <p:nvGrpSpPr>
+        <p:cNvPr id="1" name=""/>
+        <p:cNvGrpSpPr/>
+        <p:nvPr/>
+      </p:nvGrpSpPr>
+      <p:grpSpPr>
+        <a:xfrm>
+          <a:off x="0" y="0"/>
+          <a:ext cx="0" cy="0"/>
+          <a:chOff x="0" y="0"/>
+          <a:chExt cx="0" cy="0"/>
+        </a:xfrm>
+      </p:grpSpPr>
+      <p:sp>
+        <p:nvSpPr>
+          <p:cNvPr id="2" name="Title 1">
+            <a:extLst>
+              <a:ext uri="{FF2B5EF4-FFF2-40B4-BE49-F238E27FC236}">
                 <a16:creationId xmlns:a16="http://schemas.microsoft.com/office/drawing/2014/main" id="{6FF3B6CD-C287-4358-8518-0002892C1F0F}"/>
               </a:ext>
             </a:extLst>
@@ -8530,7 +10060,7 @@
 </p:sld>
 </file>
 
-<file path=ppt/slides/slide12.xml><?xml version="1.0" encoding="utf-8"?>
+<file path=ppt/slides/slide14.xml><?xml version="1.0" encoding="utf-8"?>
 <p:sld xmlns:a="http://schemas.openxmlformats.org/drawingml/2006/main" xmlns:r="http://schemas.openxmlformats.org/officeDocument/2006/relationships" xmlns:p="http://schemas.openxmlformats.org/presentationml/2006/main">
   <p:cSld>
     <p:spTree>
@@ -9927,7 +11457,7 @@
 </p:sld>
 </file>
 
-<file path=ppt/slides/slide13.xml><?xml version="1.0" encoding="utf-8"?>
+<file path=ppt/slides/slide15.xml><?xml version="1.0" encoding="utf-8"?>
 <p:sld xmlns:a="http://schemas.openxmlformats.org/drawingml/2006/main" xmlns:r="http://schemas.openxmlformats.org/officeDocument/2006/relationships" xmlns:p="http://schemas.openxmlformats.org/presentationml/2006/main">
   <p:cSld>
     <p:spTree>
@@ -10687,7 +12217,7 @@
 </p:sld>
 </file>
 
-<file path=ppt/slides/slide14.xml><?xml version="1.0" encoding="utf-8"?>
+<file path=ppt/slides/slide16.xml><?xml version="1.0" encoding="utf-8"?>
 <p:sld xmlns:a="http://schemas.openxmlformats.org/drawingml/2006/main" xmlns:r="http://schemas.openxmlformats.org/officeDocument/2006/relationships" xmlns:p="http://schemas.openxmlformats.org/presentationml/2006/main">
   <p:cSld>
     <p:spTree>
@@ -10899,7 +12429,7 @@
 </p:sld>
 </file>
 
-<file path=ppt/slides/slide15.xml><?xml version="1.0" encoding="utf-8"?>
+<file path=ppt/slides/slide17.xml><?xml version="1.0" encoding="utf-8"?>
 <p:sld xmlns:a="http://schemas.openxmlformats.org/drawingml/2006/main" xmlns:r="http://schemas.openxmlformats.org/officeDocument/2006/relationships" xmlns:p="http://schemas.openxmlformats.org/presentationml/2006/main">
   <p:cSld>
     <p:spTree>
@@ -10958,7 +12488,7 @@
             <a:fld id="{EFD79178-3801-442D-9A2F-5D922A383BA0}" type="slidenum">
               <a:rPr lang="tr-TR"/>
               <a:pPr/>
-              <a:t>15</a:t>
+              <a:t>17</a:t>
             </a:fld>
             <a:endParaRPr lang="tr-TR"/>
           </a:p>
@@ -11380,7 +12910,7 @@
 </p:sld>
 </file>
 
-<file path=ppt/slides/slide16.xml><?xml version="1.0" encoding="utf-8"?>
+<file path=ppt/slides/slide18.xml><?xml version="1.0" encoding="utf-8"?>
 <p:sld xmlns:a="http://schemas.openxmlformats.org/drawingml/2006/main" xmlns:r="http://schemas.openxmlformats.org/officeDocument/2006/relationships" xmlns:p="http://schemas.openxmlformats.org/presentationml/2006/main">
   <p:cSld>
     <p:spTree>
@@ -11441,7 +12971,7 @@
             <a:fld id="{F6E1DC87-3DF8-4536-96F3-3C9B9F8DA82B}" type="slidenum">
               <a:rPr lang="tr-TR"/>
               <a:pPr/>
-              <a:t>16</a:t>
+              <a:t>18</a:t>
             </a:fld>
             <a:endParaRPr lang="tr-TR"/>
           </a:p>
@@ -11465,7 +12995,7 @@
           <a:graphicData uri="http://schemas.openxmlformats.org/presentationml/2006/ole">
             <mc:AlternateContent xmlns:mc="http://schemas.openxmlformats.org/markup-compatibility/2006">
               <mc:Choice xmlns:v="urn:schemas-microsoft-com:vml" Requires="v">
-                <p:oleObj spid="_x0000_s1076" name="Equation" r:id="rId3" imgW="1333440" imgH="457200" progId="Equation.3">
+                <p:oleObj spid="_x0000_s1080" name="Equation" r:id="rId3" imgW="1333440" imgH="457200" progId="Equation.3">
                   <p:embed/>
                 </p:oleObj>
               </mc:Choice>
@@ -11861,7 +13391,7 @@
           <a:graphicData uri="http://schemas.openxmlformats.org/presentationml/2006/ole">
             <mc:AlternateContent xmlns:mc="http://schemas.openxmlformats.org/markup-compatibility/2006">
               <mc:Choice xmlns:v="urn:schemas-microsoft-com:vml" Requires="v">
-                <p:oleObj spid="_x0000_s1077" name="Equation" r:id="rId5" imgW="1180800" imgH="431640" progId="Equation.3">
+                <p:oleObj spid="_x0000_s1081" name="Equation" r:id="rId5" imgW="1180800" imgH="431640" progId="Equation.3">
                   <p:embed/>
                 </p:oleObj>
               </mc:Choice>
@@ -11956,7 +13486,7 @@
 </p:sld>
 </file>
 
-<file path=ppt/slides/slide17.xml><?xml version="1.0" encoding="utf-8"?>
+<file path=ppt/slides/slide19.xml><?xml version="1.0" encoding="utf-8"?>
 <p:sld xmlns:a="http://schemas.openxmlformats.org/drawingml/2006/main" xmlns:r="http://schemas.openxmlformats.org/officeDocument/2006/relationships" xmlns:p="http://schemas.openxmlformats.org/presentationml/2006/main">
   <p:cSld>
     <p:spTree>
@@ -12219,7 +13749,7 @@
             <a:fld id="{55EF7AAF-5E6B-4622-8B02-2B6C4703C2FB}" type="slidenum">
               <a:rPr lang="tr-TR"/>
               <a:pPr/>
-              <a:t>17</a:t>
+              <a:t>19</a:t>
             </a:fld>
             <a:endParaRPr lang="tr-TR" dirty="0"/>
           </a:p>
@@ -12243,7 +13773,7 @@
           <a:graphicData uri="http://schemas.openxmlformats.org/presentationml/2006/ole">
             <mc:AlternateContent xmlns:mc="http://schemas.openxmlformats.org/markup-compatibility/2006">
               <mc:Choice xmlns:v="urn:schemas-microsoft-com:vml" Requires="v">
-                <p:oleObj spid="_x0000_s2100" name="Equation" r:id="rId3" imgW="1498320" imgH="482400" progId="Equation.3">
+                <p:oleObj spid="_x0000_s2104" name="Equation" r:id="rId3" imgW="1498320" imgH="482400" progId="Equation.3">
                   <p:embed/>
                 </p:oleObj>
               </mc:Choice>
@@ -12315,7 +13845,7 @@
           <a:graphicData uri="http://schemas.openxmlformats.org/presentationml/2006/ole">
             <mc:AlternateContent xmlns:mc="http://schemas.openxmlformats.org/markup-compatibility/2006">
               <mc:Choice xmlns:v="urn:schemas-microsoft-com:vml" Requires="v">
-                <p:oleObj spid="_x0000_s2101" name="Equation" r:id="rId5" imgW="1663560" imgH="444240" progId="Equation.3">
+                <p:oleObj spid="_x0000_s2105" name="Equation" r:id="rId5" imgW="1663560" imgH="444240" progId="Equation.3">
                   <p:embed/>
                 </p:oleObj>
               </mc:Choice>
@@ -12377,7 +13907,210 @@
 </p:sld>
 </file>
 
-<file path=ppt/slides/slide18.xml><?xml version="1.0" encoding="utf-8"?>
+<file path=ppt/slides/slide2.xml><?xml version="1.0" encoding="utf-8"?>
+<p:sld xmlns:a="http://schemas.openxmlformats.org/drawingml/2006/main" xmlns:r="http://schemas.openxmlformats.org/officeDocument/2006/relationships" xmlns:p="http://schemas.openxmlformats.org/presentationml/2006/main">
+  <p:cSld>
+    <p:spTree>
+      <p:nvGrpSpPr>
+        <p:cNvPr id="1" name="Shape 77"/>
+        <p:cNvGrpSpPr/>
+        <p:nvPr/>
+      </p:nvGrpSpPr>
+      <p:grpSpPr>
+        <a:xfrm>
+          <a:off x="0" y="0"/>
+          <a:ext cx="0" cy="0"/>
+          <a:chOff x="0" y="0"/>
+          <a:chExt cx="0" cy="0"/>
+        </a:xfrm>
+      </p:grpSpPr>
+      <p:sp>
+        <p:nvSpPr>
+          <p:cNvPr id="78" name="Google Shape;78;p14"/>
+          <p:cNvSpPr txBox="1">
+            <a:spLocks noGrp="1"/>
+          </p:cNvSpPr>
+          <p:nvPr>
+            <p:ph type="title"/>
+          </p:nvPr>
+        </p:nvSpPr>
+        <p:spPr>
+          <a:xfrm>
+            <a:off x="265500" y="1912650"/>
+            <a:ext cx="4045200" cy="1318200"/>
+          </a:xfrm>
+          <a:prstGeom prst="rect">
+            <a:avLst/>
+          </a:prstGeom>
+        </p:spPr>
+        <p:txBody>
+          <a:bodyPr spcFirstLastPara="1" wrap="square" lIns="91425" tIns="91425" rIns="91425" bIns="91425" anchor="ctr" anchorCtr="0">
+            <a:noAutofit/>
+          </a:bodyPr>
+          <a:lstStyle/>
+          <a:p>
+            <a:pPr marL="0" lvl="0" indent="0" algn="ctr" rtl="0">
+              <a:spcBef>
+                <a:spcPts val="0"/>
+              </a:spcBef>
+              <a:spcAft>
+                <a:spcPts val="0"/>
+              </a:spcAft>
+              <a:buNone/>
+            </a:pPr>
+            <a:r>
+              <a:rPr lang="en" dirty="0"/>
+              <a:t>Overview</a:t>
+            </a:r>
+            <a:endParaRPr dirty="0"/>
+          </a:p>
+        </p:txBody>
+      </p:sp>
+      <p:sp>
+        <p:nvSpPr>
+          <p:cNvPr id="79" name="Google Shape;79;p14"/>
+          <p:cNvSpPr txBox="1">
+            <a:spLocks noGrp="1"/>
+          </p:cNvSpPr>
+          <p:nvPr>
+            <p:ph type="body" idx="2"/>
+          </p:nvPr>
+        </p:nvSpPr>
+        <p:spPr>
+          <a:xfrm>
+            <a:off x="4939500" y="394854"/>
+            <a:ext cx="3837000" cy="3719945"/>
+          </a:xfrm>
+          <a:prstGeom prst="rect">
+            <a:avLst/>
+          </a:prstGeom>
+        </p:spPr>
+        <p:txBody>
+          <a:bodyPr spcFirstLastPara="1" wrap="square" lIns="91425" tIns="91425" rIns="91425" bIns="91425" anchor="ctr" anchorCtr="0">
+            <a:noAutofit/>
+          </a:bodyPr>
+          <a:lstStyle/>
+          <a:p>
+            <a:pPr marL="0" indent="0">
+              <a:spcBef>
+                <a:spcPts val="1600"/>
+              </a:spcBef>
+              <a:buNone/>
+            </a:pPr>
+            <a:r>
+              <a:rPr lang="en-US" sz="1400" b="1" dirty="0"/>
+              <a:t>Intro to Machine Learning</a:t>
+            </a:r>
+          </a:p>
+          <a:p>
+            <a:pPr marL="0" indent="0">
+              <a:buNone/>
+            </a:pPr>
+            <a:r>
+              <a:rPr lang="en-US" sz="1400" b="1" dirty="0"/>
+              <a:t>Machine Learning in the Cloud</a:t>
+            </a:r>
+          </a:p>
+          <a:p>
+            <a:pPr marL="0" indent="0">
+              <a:buNone/>
+            </a:pPr>
+            <a:r>
+              <a:rPr lang="en-US" sz="1400" b="1" dirty="0"/>
+              <a:t>Cognitive Services</a:t>
+            </a:r>
+          </a:p>
+          <a:p>
+            <a:pPr marL="0" indent="0">
+              <a:buNone/>
+            </a:pPr>
+            <a:r>
+              <a:rPr lang="en-US" sz="1400" b="1" dirty="0" err="1"/>
+              <a:t>AutoML</a:t>
+            </a:r>
+            <a:endParaRPr lang="en-US" sz="1400" b="1" dirty="0"/>
+          </a:p>
+          <a:p>
+            <a:pPr marL="0" indent="0">
+              <a:spcBef>
+                <a:spcPts val="1600"/>
+              </a:spcBef>
+              <a:buNone/>
+            </a:pPr>
+            <a:r>
+              <a:rPr lang="en-US" sz="1400" b="1" dirty="0"/>
+              <a:t>Basics of Algorithms</a:t>
+            </a:r>
+          </a:p>
+          <a:p>
+            <a:pPr marL="285750" indent="-285750"/>
+            <a:r>
+              <a:rPr lang="en-US" sz="1400" b="1" dirty="0"/>
+              <a:t>Regression</a:t>
+            </a:r>
+          </a:p>
+          <a:p>
+            <a:pPr marL="285750" indent="-285750"/>
+            <a:r>
+              <a:rPr lang="en-US" sz="1400" b="1" dirty="0"/>
+              <a:t>Classification</a:t>
+            </a:r>
+          </a:p>
+          <a:p>
+            <a:pPr marL="285750" indent="-285750"/>
+            <a:r>
+              <a:rPr lang="en-US" sz="1400" b="1" dirty="0"/>
+              <a:t>Clustering</a:t>
+            </a:r>
+          </a:p>
+          <a:p>
+            <a:pPr marL="0" indent="0">
+              <a:spcBef>
+                <a:spcPts val="1600"/>
+              </a:spcBef>
+              <a:buNone/>
+            </a:pPr>
+            <a:r>
+              <a:rPr lang="en-US" sz="1400" b="1" dirty="0"/>
+              <a:t>Scaling Up with Parallelization</a:t>
+            </a:r>
+          </a:p>
+          <a:p>
+            <a:pPr marL="285750" indent="-285750"/>
+            <a:r>
+              <a:rPr lang="en-US" sz="1400" b="1" dirty="0"/>
+              <a:t>Training</a:t>
+            </a:r>
+          </a:p>
+          <a:p>
+            <a:pPr marL="285750" indent="-285750"/>
+            <a:r>
+              <a:rPr lang="en-US" sz="1400" b="1" dirty="0"/>
+              <a:t>Cross-Validation</a:t>
+            </a:r>
+          </a:p>
+          <a:p>
+            <a:pPr marL="285750" indent="-285750"/>
+            <a:r>
+              <a:rPr lang="en-US" sz="1400" b="1" dirty="0"/>
+              <a:t>Parameter Tuning</a:t>
+            </a:r>
+          </a:p>
+          <a:p>
+            <a:pPr marL="285750" indent="-285750"/>
+            <a:endParaRPr lang="en-US" sz="1400" b="1" dirty="0"/>
+          </a:p>
+        </p:txBody>
+      </p:sp>
+    </p:spTree>
+  </p:cSld>
+  <p:clrMapOvr>
+    <a:masterClrMapping/>
+  </p:clrMapOvr>
+</p:sld>
+</file>
+
+<file path=ppt/slides/slide20.xml><?xml version="1.0" encoding="utf-8"?>
 <p:sld xmlns:a="http://schemas.openxmlformats.org/drawingml/2006/main" xmlns:r="http://schemas.openxmlformats.org/officeDocument/2006/relationships" xmlns:p="http://schemas.openxmlformats.org/presentationml/2006/main">
   <p:cSld>
     <p:spTree>
@@ -12436,7 +14169,7 @@
             <a:fld id="{B5F69795-7180-4348-84C5-5ED87E19885F}" type="slidenum">
               <a:rPr lang="tr-TR"/>
               <a:pPr/>
-              <a:t>18</a:t>
+              <a:t>20</a:t>
             </a:fld>
             <a:endParaRPr lang="tr-TR"/>
           </a:p>
@@ -12512,7 +14245,7 @@
 </p:sld>
 </file>
 
-<file path=ppt/slides/slide19.xml><?xml version="1.0" encoding="utf-8"?>
+<file path=ppt/slides/slide21.xml><?xml version="1.0" encoding="utf-8"?>
 <p:sld xmlns:a="http://schemas.openxmlformats.org/drawingml/2006/main" xmlns:r="http://schemas.openxmlformats.org/officeDocument/2006/relationships" xmlns:p="http://schemas.openxmlformats.org/presentationml/2006/main">
   <p:cSld>
     <p:spTree>
@@ -12592,210 +14325,7 @@
 </p:sld>
 </file>
 
-<file path=ppt/slides/slide2.xml><?xml version="1.0" encoding="utf-8"?>
-<p:sld xmlns:a="http://schemas.openxmlformats.org/drawingml/2006/main" xmlns:r="http://schemas.openxmlformats.org/officeDocument/2006/relationships" xmlns:p="http://schemas.openxmlformats.org/presentationml/2006/main">
-  <p:cSld>
-    <p:spTree>
-      <p:nvGrpSpPr>
-        <p:cNvPr id="1" name="Shape 77"/>
-        <p:cNvGrpSpPr/>
-        <p:nvPr/>
-      </p:nvGrpSpPr>
-      <p:grpSpPr>
-        <a:xfrm>
-          <a:off x="0" y="0"/>
-          <a:ext cx="0" cy="0"/>
-          <a:chOff x="0" y="0"/>
-          <a:chExt cx="0" cy="0"/>
-        </a:xfrm>
-      </p:grpSpPr>
-      <p:sp>
-        <p:nvSpPr>
-          <p:cNvPr id="78" name="Google Shape;78;p14"/>
-          <p:cNvSpPr txBox="1">
-            <a:spLocks noGrp="1"/>
-          </p:cNvSpPr>
-          <p:nvPr>
-            <p:ph type="title"/>
-          </p:nvPr>
-        </p:nvSpPr>
-        <p:spPr>
-          <a:xfrm>
-            <a:off x="265500" y="1912650"/>
-            <a:ext cx="4045200" cy="1318200"/>
-          </a:xfrm>
-          <a:prstGeom prst="rect">
-            <a:avLst/>
-          </a:prstGeom>
-        </p:spPr>
-        <p:txBody>
-          <a:bodyPr spcFirstLastPara="1" wrap="square" lIns="91425" tIns="91425" rIns="91425" bIns="91425" anchor="ctr" anchorCtr="0">
-            <a:noAutofit/>
-          </a:bodyPr>
-          <a:lstStyle/>
-          <a:p>
-            <a:pPr marL="0" lvl="0" indent="0" algn="ctr" rtl="0">
-              <a:spcBef>
-                <a:spcPts val="0"/>
-              </a:spcBef>
-              <a:spcAft>
-                <a:spcPts val="0"/>
-              </a:spcAft>
-              <a:buNone/>
-            </a:pPr>
-            <a:r>
-              <a:rPr lang="en" dirty="0"/>
-              <a:t>Overview</a:t>
-            </a:r>
-            <a:endParaRPr dirty="0"/>
-          </a:p>
-        </p:txBody>
-      </p:sp>
-      <p:sp>
-        <p:nvSpPr>
-          <p:cNvPr id="79" name="Google Shape;79;p14"/>
-          <p:cNvSpPr txBox="1">
-            <a:spLocks noGrp="1"/>
-          </p:cNvSpPr>
-          <p:nvPr>
-            <p:ph type="body" idx="2"/>
-          </p:nvPr>
-        </p:nvSpPr>
-        <p:spPr>
-          <a:xfrm>
-            <a:off x="4939500" y="394854"/>
-            <a:ext cx="3837000" cy="3719945"/>
-          </a:xfrm>
-          <a:prstGeom prst="rect">
-            <a:avLst/>
-          </a:prstGeom>
-        </p:spPr>
-        <p:txBody>
-          <a:bodyPr spcFirstLastPara="1" wrap="square" lIns="91425" tIns="91425" rIns="91425" bIns="91425" anchor="ctr" anchorCtr="0">
-            <a:noAutofit/>
-          </a:bodyPr>
-          <a:lstStyle/>
-          <a:p>
-            <a:pPr marL="0" indent="0">
-              <a:spcBef>
-                <a:spcPts val="1600"/>
-              </a:spcBef>
-              <a:buNone/>
-            </a:pPr>
-            <a:r>
-              <a:rPr lang="en-US" sz="1400" b="1" dirty="0"/>
-              <a:t>Intro to Machine Learning</a:t>
-            </a:r>
-          </a:p>
-          <a:p>
-            <a:pPr marL="0" indent="0">
-              <a:buNone/>
-            </a:pPr>
-            <a:r>
-              <a:rPr lang="en-US" sz="1400" b="1" dirty="0"/>
-              <a:t>Machine Learning in the Cloud</a:t>
-            </a:r>
-          </a:p>
-          <a:p>
-            <a:pPr marL="0" indent="0">
-              <a:buNone/>
-            </a:pPr>
-            <a:r>
-              <a:rPr lang="en-US" sz="1400" b="1" dirty="0"/>
-              <a:t>Cognitive Services</a:t>
-            </a:r>
-          </a:p>
-          <a:p>
-            <a:pPr marL="0" indent="0">
-              <a:spcBef>
-                <a:spcPts val="1600"/>
-              </a:spcBef>
-              <a:buNone/>
-            </a:pPr>
-            <a:r>
-              <a:rPr lang="en-US" sz="1400" b="1" dirty="0"/>
-              <a:t>Basics of Algorithms</a:t>
-            </a:r>
-          </a:p>
-          <a:p>
-            <a:pPr marL="285750" indent="-285750"/>
-            <a:r>
-              <a:rPr lang="en-US" sz="1400" b="1" dirty="0"/>
-              <a:t>Regression</a:t>
-            </a:r>
-          </a:p>
-          <a:p>
-            <a:pPr marL="285750" indent="-285750"/>
-            <a:r>
-              <a:rPr lang="en-US" sz="1400" b="1" dirty="0"/>
-              <a:t>Classification</a:t>
-            </a:r>
-          </a:p>
-          <a:p>
-            <a:pPr marL="285750" indent="-285750"/>
-            <a:r>
-              <a:rPr lang="en-US" sz="1400" b="1" dirty="0"/>
-              <a:t>Clustering</a:t>
-            </a:r>
-          </a:p>
-          <a:p>
-            <a:pPr marL="0" indent="0">
-              <a:spcBef>
-                <a:spcPts val="1600"/>
-              </a:spcBef>
-              <a:buNone/>
-            </a:pPr>
-            <a:r>
-              <a:rPr lang="en-US" sz="1400" b="1" dirty="0"/>
-              <a:t>Scaling Up with Parallelization</a:t>
-            </a:r>
-          </a:p>
-          <a:p>
-            <a:pPr marL="285750" indent="-285750"/>
-            <a:r>
-              <a:rPr lang="en-US" sz="1400" b="1" dirty="0"/>
-              <a:t>Training</a:t>
-            </a:r>
-          </a:p>
-          <a:p>
-            <a:pPr marL="285750" indent="-285750"/>
-            <a:r>
-              <a:rPr lang="en-US" sz="1400" b="1" dirty="0"/>
-              <a:t>Cross-Validation</a:t>
-            </a:r>
-          </a:p>
-          <a:p>
-            <a:pPr marL="285750" indent="-285750"/>
-            <a:r>
-              <a:rPr lang="en-US" sz="1400" b="1" dirty="0"/>
-              <a:t>Parameter Tuning</a:t>
-            </a:r>
-          </a:p>
-          <a:p>
-            <a:pPr marL="285750" indent="-285750"/>
-            <a:endParaRPr lang="en-US" sz="1400" b="1" dirty="0"/>
-          </a:p>
-          <a:p>
-            <a:pPr marL="0" indent="0">
-              <a:buNone/>
-            </a:pPr>
-            <a:r>
-              <a:rPr lang="en-US" sz="1400" b="1" dirty="0" err="1"/>
-              <a:t>AutoML</a:t>
-            </a:r>
-            <a:endParaRPr lang="en-US" sz="1400" b="1" dirty="0"/>
-          </a:p>
-        </p:txBody>
-      </p:sp>
-    </p:spTree>
-  </p:cSld>
-  <p:clrMapOvr>
-    <a:masterClrMapping/>
-  </p:clrMapOvr>
-</p:sld>
-</file>
-
-<file path=ppt/slides/slide20.xml><?xml version="1.0" encoding="utf-8"?>
+<file path=ppt/slides/slide22.xml><?xml version="1.0" encoding="utf-8"?>
 <p:sld xmlns:a="http://schemas.openxmlformats.org/drawingml/2006/main" xmlns:r="http://schemas.openxmlformats.org/officeDocument/2006/relationships" xmlns:p="http://schemas.openxmlformats.org/presentationml/2006/main">
   <p:cSld>
     <p:spTree>
@@ -13489,7 +15019,7 @@
 </p:sld>
 </file>
 
-<file path=ppt/slides/slide21.xml><?xml version="1.0" encoding="utf-8"?>
+<file path=ppt/slides/slide23.xml><?xml version="1.0" encoding="utf-8"?>
 <p:sld xmlns:a="http://schemas.openxmlformats.org/drawingml/2006/main" xmlns:r="http://schemas.openxmlformats.org/officeDocument/2006/relationships" xmlns:p="http://schemas.openxmlformats.org/presentationml/2006/main">
   <p:cSld>
     <p:spTree>
@@ -13762,7 +15292,7 @@
 </p:sld>
 </file>
 
-<file path=ppt/slides/slide22.xml><?xml version="1.0" encoding="utf-8"?>
+<file path=ppt/slides/slide24.xml><?xml version="1.0" encoding="utf-8"?>
 <p:sld xmlns:a="http://schemas.openxmlformats.org/drawingml/2006/main" xmlns:r="http://schemas.openxmlformats.org/officeDocument/2006/relationships" xmlns:p="http://schemas.openxmlformats.org/presentationml/2006/main">
   <p:cSld>
     <p:spTree>
@@ -15589,7 +17119,7 @@
 </p:sld>
 </file>
 
-<file path=ppt/slides/slide23.xml><?xml version="1.0" encoding="utf-8"?>
+<file path=ppt/slides/slide25.xml><?xml version="1.0" encoding="utf-8"?>
 <p:sld xmlns:a="http://schemas.openxmlformats.org/drawingml/2006/main" xmlns:r="http://schemas.openxmlformats.org/officeDocument/2006/relationships" xmlns:p="http://schemas.openxmlformats.org/presentationml/2006/main">
   <p:cSld>
     <p:spTree>
@@ -15846,7 +17376,7 @@
 </p:sld>
 </file>
 
-<file path=ppt/slides/slide24.xml><?xml version="1.0" encoding="utf-8"?>
+<file path=ppt/slides/slide26.xml><?xml version="1.0" encoding="utf-8"?>
 <p:sld xmlns:a="http://schemas.openxmlformats.org/drawingml/2006/main" xmlns:r="http://schemas.openxmlformats.org/officeDocument/2006/relationships" xmlns:p="http://schemas.openxmlformats.org/presentationml/2006/main">
   <p:cSld>
     <p:spTree>
@@ -19085,7 +20615,7 @@
 </p:sld>
 </file>
 
-<file path=ppt/slides/slide25.xml><?xml version="1.0" encoding="utf-8"?>
+<file path=ppt/slides/slide27.xml><?xml version="1.0" encoding="utf-8"?>
 <p:sld xmlns:a="http://schemas.openxmlformats.org/drawingml/2006/main" xmlns:r="http://schemas.openxmlformats.org/officeDocument/2006/relationships" xmlns:p="http://schemas.openxmlformats.org/presentationml/2006/main">
   <p:cSld>
     <p:spTree>
@@ -20126,7 +21656,7 @@
 </p:sld>
 </file>
 
-<file path=ppt/slides/slide26.xml><?xml version="1.0" encoding="utf-8"?>
+<file path=ppt/slides/slide28.xml><?xml version="1.0" encoding="utf-8"?>
 <p:sld xmlns:a="http://schemas.openxmlformats.org/drawingml/2006/main" xmlns:r="http://schemas.openxmlformats.org/officeDocument/2006/relationships" xmlns:p="http://schemas.openxmlformats.org/presentationml/2006/main">
   <p:cSld>
     <p:spTree>
@@ -20538,7 +22068,7 @@
 </p:sld>
 </file>
 
-<file path=ppt/slides/slide27.xml><?xml version="1.0" encoding="utf-8"?>
+<file path=ppt/slides/slide29.xml><?xml version="1.0" encoding="utf-8"?>
 <p:sld xmlns:a="http://schemas.openxmlformats.org/drawingml/2006/main" xmlns:r="http://schemas.openxmlformats.org/officeDocument/2006/relationships" xmlns:p="http://schemas.openxmlformats.org/presentationml/2006/main">
   <p:cSld>
     <p:spTree>
@@ -21611,7 +23141,470 @@
 </p:sld>
 </file>
 
-<file path=ppt/slides/slide28.xml><?xml version="1.0" encoding="utf-8"?>
+<file path=ppt/slides/slide3.xml><?xml version="1.0" encoding="utf-8"?>
+<p:sld xmlns:a="http://schemas.openxmlformats.org/drawingml/2006/main" xmlns:r="http://schemas.openxmlformats.org/officeDocument/2006/relationships" xmlns:p="http://schemas.openxmlformats.org/presentationml/2006/main">
+  <p:cSld>
+    <p:spTree>
+      <p:nvGrpSpPr>
+        <p:cNvPr id="1" name="Shape 97"/>
+        <p:cNvGrpSpPr/>
+        <p:nvPr/>
+      </p:nvGrpSpPr>
+      <p:grpSpPr>
+        <a:xfrm>
+          <a:off x="0" y="0"/>
+          <a:ext cx="0" cy="0"/>
+          <a:chOff x="0" y="0"/>
+          <a:chExt cx="0" cy="0"/>
+        </a:xfrm>
+      </p:grpSpPr>
+      <p:sp>
+        <p:nvSpPr>
+          <p:cNvPr id="98" name="Google Shape;98;p17"/>
+          <p:cNvSpPr txBox="1">
+            <a:spLocks noGrp="1"/>
+          </p:cNvSpPr>
+          <p:nvPr>
+            <p:ph type="title"/>
+          </p:nvPr>
+        </p:nvSpPr>
+        <p:spPr>
+          <a:xfrm>
+            <a:off x="2400250" y="575950"/>
+            <a:ext cx="6321600" cy="635400"/>
+          </a:xfrm>
+          <a:prstGeom prst="rect">
+            <a:avLst/>
+          </a:prstGeom>
+        </p:spPr>
+        <p:txBody>
+          <a:bodyPr spcFirstLastPara="1" wrap="square" lIns="91425" tIns="91425" rIns="91425" bIns="91425" anchor="t" anchorCtr="0">
+            <a:noAutofit/>
+          </a:bodyPr>
+          <a:lstStyle/>
+          <a:p>
+            <a:pPr marL="0" lvl="0" indent="0" algn="l" rtl="0">
+              <a:spcBef>
+                <a:spcPts val="0"/>
+              </a:spcBef>
+              <a:spcAft>
+                <a:spcPts val="0"/>
+              </a:spcAft>
+              <a:buNone/>
+            </a:pPr>
+            <a:r>
+              <a:rPr lang="en-US" dirty="0"/>
+              <a:t>Intro to Machine Learning</a:t>
+            </a:r>
+            <a:endParaRPr dirty="0"/>
+          </a:p>
+        </p:txBody>
+      </p:sp>
+      <p:pic>
+        <p:nvPicPr>
+          <p:cNvPr id="3" name="Graphic 2">
+            <a:extLst>
+              <a:ext uri="{FF2B5EF4-FFF2-40B4-BE49-F238E27FC236}">
+                <a16:creationId xmlns:a16="http://schemas.microsoft.com/office/drawing/2014/main" id="{78C8C304-C32B-473B-9148-F975AB8B26E7}"/>
+              </a:ext>
+            </a:extLst>
+          </p:cNvPr>
+          <p:cNvPicPr>
+            <a:picLocks noChangeAspect="1"/>
+          </p:cNvPicPr>
+          <p:nvPr/>
+        </p:nvPicPr>
+        <p:blipFill>
+          <a:blip r:embed="rId3">
+            <a:extLst>
+              <a:ext uri="{96DAC541-7B7A-43D3-8B79-37D633B846F1}">
+                <asvg:svgBlip xmlns:asvg="http://schemas.microsoft.com/office/drawing/2016/SVG/main" r:embed="rId4"/>
+              </a:ext>
+            </a:extLst>
+          </a:blip>
+          <a:stretch>
+            <a:fillRect/>
+          </a:stretch>
+        </p:blipFill>
+        <p:spPr>
+          <a:xfrm>
+            <a:off x="1539875" y="1867003"/>
+            <a:ext cx="1047750" cy="1133475"/>
+          </a:xfrm>
+          <a:prstGeom prst="rect">
+            <a:avLst/>
+          </a:prstGeom>
+        </p:spPr>
+      </p:pic>
+      <p:pic>
+        <p:nvPicPr>
+          <p:cNvPr id="5" name="Graphic 4">
+            <a:extLst>
+              <a:ext uri="{FF2B5EF4-FFF2-40B4-BE49-F238E27FC236}">
+                <a16:creationId xmlns:a16="http://schemas.microsoft.com/office/drawing/2014/main" id="{59B15D61-728B-4CD1-B6B9-F6FF91B69C7D}"/>
+              </a:ext>
+            </a:extLst>
+          </p:cNvPr>
+          <p:cNvPicPr>
+            <a:picLocks noChangeAspect="1"/>
+          </p:cNvPicPr>
+          <p:nvPr/>
+        </p:nvPicPr>
+        <p:blipFill>
+          <a:blip r:embed="rId5">
+            <a:extLst>
+              <a:ext uri="{96DAC541-7B7A-43D3-8B79-37D633B846F1}">
+                <asvg:svgBlip xmlns:asvg="http://schemas.microsoft.com/office/drawing/2016/SVG/main" r:embed="rId6"/>
+              </a:ext>
+            </a:extLst>
+          </a:blip>
+          <a:stretch>
+            <a:fillRect/>
+          </a:stretch>
+        </p:blipFill>
+        <p:spPr>
+          <a:xfrm>
+            <a:off x="4019550" y="1857478"/>
+            <a:ext cx="1104900" cy="1143000"/>
+          </a:xfrm>
+          <a:prstGeom prst="rect">
+            <a:avLst/>
+          </a:prstGeom>
+        </p:spPr>
+      </p:pic>
+      <p:pic>
+        <p:nvPicPr>
+          <p:cNvPr id="8" name="Graphic 7">
+            <a:extLst>
+              <a:ext uri="{FF2B5EF4-FFF2-40B4-BE49-F238E27FC236}">
+                <a16:creationId xmlns:a16="http://schemas.microsoft.com/office/drawing/2014/main" id="{FE6071CA-2A64-493D-991D-9F2BC26A2088}"/>
+              </a:ext>
+            </a:extLst>
+          </p:cNvPr>
+          <p:cNvPicPr>
+            <a:picLocks noChangeAspect="1"/>
+          </p:cNvPicPr>
+          <p:nvPr/>
+        </p:nvPicPr>
+        <p:blipFill>
+          <a:blip r:embed="rId7">
+            <a:extLst>
+              <a:ext uri="{96DAC541-7B7A-43D3-8B79-37D633B846F1}">
+                <asvg:svgBlip xmlns:asvg="http://schemas.microsoft.com/office/drawing/2016/SVG/main" r:embed="rId8"/>
+              </a:ext>
+            </a:extLst>
+          </a:blip>
+          <a:stretch>
+            <a:fillRect/>
+          </a:stretch>
+        </p:blipFill>
+        <p:spPr>
+          <a:xfrm>
+            <a:off x="6556375" y="1852716"/>
+            <a:ext cx="1143000" cy="1143000"/>
+          </a:xfrm>
+          <a:prstGeom prst="rect">
+            <a:avLst/>
+          </a:prstGeom>
+        </p:spPr>
+      </p:pic>
+      <p:sp>
+        <p:nvSpPr>
+          <p:cNvPr id="9" name="TextBox 8">
+            <a:extLst>
+              <a:ext uri="{FF2B5EF4-FFF2-40B4-BE49-F238E27FC236}">
+                <a16:creationId xmlns:a16="http://schemas.microsoft.com/office/drawing/2014/main" id="{91DF9330-039A-4F13-8D49-1DCD1A798668}"/>
+              </a:ext>
+            </a:extLst>
+          </p:cNvPr>
+          <p:cNvSpPr txBox="1"/>
+          <p:nvPr/>
+        </p:nvSpPr>
+        <p:spPr>
+          <a:xfrm>
+            <a:off x="1539875" y="3094141"/>
+            <a:ext cx="1047750" cy="261610"/>
+          </a:xfrm>
+          <a:prstGeom prst="rect">
+            <a:avLst/>
+          </a:prstGeom>
+          <a:noFill/>
+        </p:spPr>
+        <p:txBody>
+          <a:bodyPr wrap="square" rtlCol="0">
+            <a:spAutoFit/>
+          </a:bodyPr>
+          <a:lstStyle/>
+          <a:p>
+            <a:pPr algn="ctr"/>
+            <a:r>
+              <a:rPr lang="en-US" sz="1100" b="1" dirty="0"/>
+              <a:t>Prepare Data</a:t>
+            </a:r>
+          </a:p>
+        </p:txBody>
+      </p:sp>
+      <p:sp>
+        <p:nvSpPr>
+          <p:cNvPr id="11" name="TextBox 10">
+            <a:extLst>
+              <a:ext uri="{FF2B5EF4-FFF2-40B4-BE49-F238E27FC236}">
+                <a16:creationId xmlns:a16="http://schemas.microsoft.com/office/drawing/2014/main" id="{AE5883D3-CF3B-4C5A-B81B-9250E92B2F3D}"/>
+              </a:ext>
+            </a:extLst>
+          </p:cNvPr>
+          <p:cNvSpPr txBox="1"/>
+          <p:nvPr/>
+        </p:nvSpPr>
+        <p:spPr>
+          <a:xfrm>
+            <a:off x="4067175" y="3094141"/>
+            <a:ext cx="1104900" cy="261610"/>
+          </a:xfrm>
+          <a:prstGeom prst="rect">
+            <a:avLst/>
+          </a:prstGeom>
+          <a:noFill/>
+        </p:spPr>
+        <p:txBody>
+          <a:bodyPr wrap="square" rtlCol="0">
+            <a:spAutoFit/>
+          </a:bodyPr>
+          <a:lstStyle/>
+          <a:p>
+            <a:pPr algn="ctr"/>
+            <a:r>
+              <a:rPr lang="en-US" sz="1100" b="1" dirty="0"/>
+              <a:t>Build &amp; Train</a:t>
+            </a:r>
+          </a:p>
+        </p:txBody>
+      </p:sp>
+      <p:sp>
+        <p:nvSpPr>
+          <p:cNvPr id="12" name="TextBox 11">
+            <a:extLst>
+              <a:ext uri="{FF2B5EF4-FFF2-40B4-BE49-F238E27FC236}">
+                <a16:creationId xmlns:a16="http://schemas.microsoft.com/office/drawing/2014/main" id="{40662C72-0E90-44C7-9621-AD55CA9014E1}"/>
+              </a:ext>
+            </a:extLst>
+          </p:cNvPr>
+          <p:cNvSpPr txBox="1"/>
+          <p:nvPr/>
+        </p:nvSpPr>
+        <p:spPr>
+          <a:xfrm>
+            <a:off x="6575425" y="3063651"/>
+            <a:ext cx="1104900" cy="261610"/>
+          </a:xfrm>
+          <a:prstGeom prst="rect">
+            <a:avLst/>
+          </a:prstGeom>
+          <a:noFill/>
+        </p:spPr>
+        <p:txBody>
+          <a:bodyPr wrap="square" rtlCol="0">
+            <a:spAutoFit/>
+          </a:bodyPr>
+          <a:lstStyle/>
+          <a:p>
+            <a:pPr algn="ctr"/>
+            <a:r>
+              <a:rPr lang="en-US" sz="1100" b="1" dirty="0"/>
+              <a:t>Deploy</a:t>
+            </a:r>
+          </a:p>
+        </p:txBody>
+      </p:sp>
+      <p:sp>
+        <p:nvSpPr>
+          <p:cNvPr id="10" name="TextBox 9">
+            <a:extLst>
+              <a:ext uri="{FF2B5EF4-FFF2-40B4-BE49-F238E27FC236}">
+                <a16:creationId xmlns:a16="http://schemas.microsoft.com/office/drawing/2014/main" id="{D3A76173-9DBF-4A7A-8E89-A8C62D35FC07}"/>
+              </a:ext>
+            </a:extLst>
+          </p:cNvPr>
+          <p:cNvSpPr txBox="1"/>
+          <p:nvPr/>
+        </p:nvSpPr>
+        <p:spPr>
+          <a:xfrm>
+            <a:off x="1539875" y="3355751"/>
+            <a:ext cx="1047750" cy="507831"/>
+          </a:xfrm>
+          <a:prstGeom prst="rect">
+            <a:avLst/>
+          </a:prstGeom>
+          <a:noFill/>
+        </p:spPr>
+        <p:txBody>
+          <a:bodyPr wrap="square" rtlCol="0">
+            <a:spAutoFit/>
+          </a:bodyPr>
+          <a:lstStyle/>
+          <a:p>
+            <a:pPr algn="ctr"/>
+            <a:r>
+              <a:rPr lang="en-US" sz="900" dirty="0"/>
+              <a:t>Connect to various sources to ingest data</a:t>
+            </a:r>
+          </a:p>
+        </p:txBody>
+      </p:sp>
+      <p:sp>
+        <p:nvSpPr>
+          <p:cNvPr id="14" name="TextBox 13">
+            <a:extLst>
+              <a:ext uri="{FF2B5EF4-FFF2-40B4-BE49-F238E27FC236}">
+                <a16:creationId xmlns:a16="http://schemas.microsoft.com/office/drawing/2014/main" id="{C05B552E-81DC-4FEC-A143-5C0747DC664E}"/>
+              </a:ext>
+            </a:extLst>
+          </p:cNvPr>
+          <p:cNvSpPr txBox="1"/>
+          <p:nvPr/>
+        </p:nvSpPr>
+        <p:spPr>
+          <a:xfrm>
+            <a:off x="4095750" y="3355751"/>
+            <a:ext cx="1047750" cy="507831"/>
+          </a:xfrm>
+          <a:prstGeom prst="rect">
+            <a:avLst/>
+          </a:prstGeom>
+          <a:noFill/>
+        </p:spPr>
+        <p:txBody>
+          <a:bodyPr wrap="square" rtlCol="0">
+            <a:spAutoFit/>
+          </a:bodyPr>
+          <a:lstStyle/>
+          <a:p>
+            <a:pPr algn="ctr"/>
+            <a:r>
+              <a:rPr lang="en-US" sz="900" dirty="0"/>
+              <a:t>Train with the data to establish a model</a:t>
+            </a:r>
+          </a:p>
+        </p:txBody>
+      </p:sp>
+      <p:sp>
+        <p:nvSpPr>
+          <p:cNvPr id="15" name="TextBox 14">
+            <a:extLst>
+              <a:ext uri="{FF2B5EF4-FFF2-40B4-BE49-F238E27FC236}">
+                <a16:creationId xmlns:a16="http://schemas.microsoft.com/office/drawing/2014/main" id="{80729A86-9638-44D5-8C10-6F278DF707AD}"/>
+              </a:ext>
+            </a:extLst>
+          </p:cNvPr>
+          <p:cNvSpPr txBox="1"/>
+          <p:nvPr/>
+        </p:nvSpPr>
+        <p:spPr>
+          <a:xfrm>
+            <a:off x="6604000" y="3355751"/>
+            <a:ext cx="1047750" cy="507831"/>
+          </a:xfrm>
+          <a:prstGeom prst="rect">
+            <a:avLst/>
+          </a:prstGeom>
+          <a:noFill/>
+        </p:spPr>
+        <p:txBody>
+          <a:bodyPr wrap="square" rtlCol="0">
+            <a:spAutoFit/>
+          </a:bodyPr>
+          <a:lstStyle/>
+          <a:p>
+            <a:pPr algn="ctr"/>
+            <a:r>
+              <a:rPr lang="en-US" sz="900" dirty="0"/>
+              <a:t>Deploy the model and track performance</a:t>
+            </a:r>
+          </a:p>
+        </p:txBody>
+      </p:sp>
+      <p:pic>
+        <p:nvPicPr>
+          <p:cNvPr id="16" name="Graphic 15" descr="Play">
+            <a:extLst>
+              <a:ext uri="{FF2B5EF4-FFF2-40B4-BE49-F238E27FC236}">
+                <a16:creationId xmlns:a16="http://schemas.microsoft.com/office/drawing/2014/main" id="{49536FD1-4803-4922-96C8-044C3502FE51}"/>
+              </a:ext>
+            </a:extLst>
+          </p:cNvPr>
+          <p:cNvPicPr>
+            <a:picLocks noChangeAspect="1"/>
+          </p:cNvPicPr>
+          <p:nvPr/>
+        </p:nvPicPr>
+        <p:blipFill>
+          <a:blip r:embed="rId9">
+            <a:extLst>
+              <a:ext uri="{96DAC541-7B7A-43D3-8B79-37D633B846F1}">
+                <asvg:svgBlip xmlns:asvg="http://schemas.microsoft.com/office/drawing/2016/SVG/main" r:embed="rId10"/>
+              </a:ext>
+            </a:extLst>
+          </a:blip>
+          <a:stretch>
+            <a:fillRect/>
+          </a:stretch>
+        </p:blipFill>
+        <p:spPr>
+          <a:xfrm>
+            <a:off x="2971308" y="2091937"/>
+            <a:ext cx="664558" cy="664558"/>
+          </a:xfrm>
+          <a:prstGeom prst="rect">
+            <a:avLst/>
+          </a:prstGeom>
+        </p:spPr>
+      </p:pic>
+      <p:pic>
+        <p:nvPicPr>
+          <p:cNvPr id="18" name="Graphic 17" descr="Play">
+            <a:extLst>
+              <a:ext uri="{FF2B5EF4-FFF2-40B4-BE49-F238E27FC236}">
+                <a16:creationId xmlns:a16="http://schemas.microsoft.com/office/drawing/2014/main" id="{D4A64896-F3E4-4705-A9C5-AD8C4F02BCF3}"/>
+              </a:ext>
+            </a:extLst>
+          </p:cNvPr>
+          <p:cNvPicPr>
+            <a:picLocks noChangeAspect="1"/>
+          </p:cNvPicPr>
+          <p:nvPr/>
+        </p:nvPicPr>
+        <p:blipFill>
+          <a:blip r:embed="rId9">
+            <a:extLst>
+              <a:ext uri="{96DAC541-7B7A-43D3-8B79-37D633B846F1}">
+                <asvg:svgBlip xmlns:asvg="http://schemas.microsoft.com/office/drawing/2016/SVG/main" r:embed="rId10"/>
+              </a:ext>
+            </a:extLst>
+          </a:blip>
+          <a:stretch>
+            <a:fillRect/>
+          </a:stretch>
+        </p:blipFill>
+        <p:spPr>
+          <a:xfrm>
+            <a:off x="5508133" y="2091937"/>
+            <a:ext cx="664558" cy="664558"/>
+          </a:xfrm>
+          <a:prstGeom prst="rect">
+            <a:avLst/>
+          </a:prstGeom>
+        </p:spPr>
+      </p:pic>
+    </p:spTree>
+  </p:cSld>
+  <p:clrMapOvr>
+    <a:masterClrMapping/>
+  </p:clrMapOvr>
+</p:sld>
+</file>
+
+<file path=ppt/slides/slide30.xml><?xml version="1.0" encoding="utf-8"?>
 <p:sld xmlns:a="http://schemas.openxmlformats.org/drawingml/2006/main" xmlns:r="http://schemas.openxmlformats.org/officeDocument/2006/relationships" xmlns:p="http://schemas.openxmlformats.org/presentationml/2006/main">
   <p:cSld>
     <p:spTree>
@@ -22004,1945 +23997,6 @@
     <p:extLst>
       <p:ext uri="{BB962C8B-B14F-4D97-AF65-F5344CB8AC3E}">
         <p14:creationId xmlns:p14="http://schemas.microsoft.com/office/powerpoint/2010/main" val="827475437"/>
-      </p:ext>
-    </p:extLst>
-  </p:cSld>
-  <p:clrMapOvr>
-    <a:masterClrMapping/>
-  </p:clrMapOvr>
-</p:sld>
-</file>
-
-<file path=ppt/slides/slide29.xml><?xml version="1.0" encoding="utf-8"?>
-<p:sld xmlns:a="http://schemas.openxmlformats.org/drawingml/2006/main" xmlns:r="http://schemas.openxmlformats.org/officeDocument/2006/relationships" xmlns:p="http://schemas.openxmlformats.org/presentationml/2006/main">
-  <p:cSld>
-    <p:spTree>
-      <p:nvGrpSpPr>
-        <p:cNvPr id="1" name=""/>
-        <p:cNvGrpSpPr/>
-        <p:nvPr/>
-      </p:nvGrpSpPr>
-      <p:grpSpPr>
-        <a:xfrm>
-          <a:off x="0" y="0"/>
-          <a:ext cx="0" cy="0"/>
-          <a:chOff x="0" y="0"/>
-          <a:chExt cx="0" cy="0"/>
-        </a:xfrm>
-      </p:grpSpPr>
-      <p:sp>
-        <p:nvSpPr>
-          <p:cNvPr id="2" name="Title 1">
-            <a:extLst>
-              <a:ext uri="{FF2B5EF4-FFF2-40B4-BE49-F238E27FC236}">
-                <a16:creationId xmlns:a16="http://schemas.microsoft.com/office/drawing/2014/main" id="{B2E6EB5F-C563-4961-BA02-2702B9C5AF3C}"/>
-              </a:ext>
-            </a:extLst>
-          </p:cNvPr>
-          <p:cNvSpPr>
-            <a:spLocks noGrp="1"/>
-          </p:cNvSpPr>
-          <p:nvPr>
-            <p:ph type="title"/>
-          </p:nvPr>
-        </p:nvSpPr>
-        <p:spPr>
-          <a:xfrm>
-            <a:off x="319500" y="180900"/>
-            <a:ext cx="2808000" cy="755700"/>
-          </a:xfrm>
-        </p:spPr>
-        <p:txBody>
-          <a:bodyPr/>
-          <a:lstStyle/>
-          <a:p>
-            <a:r>
-              <a:rPr lang="en-US" dirty="0" err="1"/>
-              <a:t>AutoML</a:t>
-            </a:r>
-            <a:endParaRPr lang="en-US" dirty="0"/>
-          </a:p>
-        </p:txBody>
-      </p:sp>
-      <p:sp>
-        <p:nvSpPr>
-          <p:cNvPr id="3" name="Text Placeholder 2">
-            <a:extLst>
-              <a:ext uri="{FF2B5EF4-FFF2-40B4-BE49-F238E27FC236}">
-                <a16:creationId xmlns:a16="http://schemas.microsoft.com/office/drawing/2014/main" id="{0A6D9E67-C183-48CE-A744-2C8AB740048D}"/>
-              </a:ext>
-            </a:extLst>
-          </p:cNvPr>
-          <p:cNvSpPr>
-            <a:spLocks noGrp="1"/>
-          </p:cNvSpPr>
-          <p:nvPr>
-            <p:ph type="body" idx="1"/>
-          </p:nvPr>
-        </p:nvSpPr>
-        <p:spPr>
-          <a:xfrm>
-            <a:off x="319499" y="936600"/>
-            <a:ext cx="3552845" cy="3716404"/>
-          </a:xfrm>
-        </p:spPr>
-        <p:txBody>
-          <a:bodyPr/>
-          <a:lstStyle/>
-          <a:p>
-            <a:pPr>
-              <a:spcBef>
-                <a:spcPts val="600"/>
-              </a:spcBef>
-            </a:pPr>
-            <a:r>
-              <a:rPr lang="en-US" dirty="0"/>
-              <a:t>Automatically test various algorithms, hyperparameters, and scaling techniques</a:t>
-            </a:r>
-          </a:p>
-          <a:p>
-            <a:pPr>
-              <a:spcBef>
-                <a:spcPts val="600"/>
-              </a:spcBef>
-            </a:pPr>
-            <a:r>
-              <a:rPr lang="en-US" dirty="0"/>
-              <a:t>Three Experiment Types:</a:t>
-            </a:r>
-          </a:p>
-          <a:p>
-            <a:pPr lvl="1">
-              <a:spcBef>
-                <a:spcPts val="600"/>
-              </a:spcBef>
-            </a:pPr>
-            <a:r>
-              <a:rPr lang="en-US" dirty="0"/>
-              <a:t>Classification</a:t>
-            </a:r>
-          </a:p>
-          <a:p>
-            <a:pPr lvl="1">
-              <a:spcBef>
-                <a:spcPts val="600"/>
-              </a:spcBef>
-            </a:pPr>
-            <a:r>
-              <a:rPr lang="en-US" dirty="0"/>
-              <a:t>Regression</a:t>
-            </a:r>
-          </a:p>
-          <a:p>
-            <a:pPr lvl="1">
-              <a:spcBef>
-                <a:spcPts val="600"/>
-              </a:spcBef>
-            </a:pPr>
-            <a:r>
-              <a:rPr lang="en-US" dirty="0"/>
-              <a:t>Forecasting</a:t>
-            </a:r>
-          </a:p>
-          <a:p>
-            <a:pPr>
-              <a:spcBef>
-                <a:spcPts val="600"/>
-              </a:spcBef>
-            </a:pPr>
-            <a:r>
-              <a:rPr lang="en-US" dirty="0"/>
-              <a:t>Steps:</a:t>
-            </a:r>
-          </a:p>
-          <a:p>
-            <a:pPr lvl="1">
-              <a:spcBef>
-                <a:spcPts val="600"/>
-              </a:spcBef>
-            </a:pPr>
-            <a:r>
-              <a:rPr lang="en-US" dirty="0"/>
-              <a:t>Preprocessing &amp; Scaling</a:t>
-            </a:r>
-          </a:p>
-          <a:p>
-            <a:pPr lvl="1">
-              <a:spcBef>
-                <a:spcPts val="600"/>
-              </a:spcBef>
-            </a:pPr>
-            <a:r>
-              <a:rPr lang="en-US" dirty="0"/>
-              <a:t>Featurization</a:t>
-            </a:r>
-          </a:p>
-          <a:p>
-            <a:pPr lvl="1">
-              <a:spcBef>
-                <a:spcPts val="600"/>
-              </a:spcBef>
-            </a:pPr>
-            <a:r>
-              <a:rPr lang="en-US" dirty="0"/>
-              <a:t>Cross-Validation</a:t>
-            </a:r>
-          </a:p>
-          <a:p>
-            <a:pPr lvl="1">
-              <a:spcBef>
-                <a:spcPts val="600"/>
-              </a:spcBef>
-            </a:pPr>
-            <a:r>
-              <a:rPr lang="en-US" dirty="0" err="1"/>
-              <a:t>Ensembling</a:t>
-            </a:r>
-            <a:endParaRPr lang="en-US" dirty="0"/>
-          </a:p>
-          <a:p>
-            <a:pPr lvl="1">
-              <a:spcBef>
-                <a:spcPts val="600"/>
-              </a:spcBef>
-            </a:pPr>
-            <a:endParaRPr lang="en-US" dirty="0"/>
-          </a:p>
-        </p:txBody>
-      </p:sp>
-      <p:graphicFrame>
-        <p:nvGraphicFramePr>
-          <p:cNvPr id="4" name="Table 3">
-            <a:extLst>
-              <a:ext uri="{FF2B5EF4-FFF2-40B4-BE49-F238E27FC236}">
-                <a16:creationId xmlns:a16="http://schemas.microsoft.com/office/drawing/2014/main" id="{287E4274-7456-4C85-ACEB-DF88F6F79EF5}"/>
-              </a:ext>
-            </a:extLst>
-          </p:cNvPr>
-          <p:cNvGraphicFramePr>
-            <a:graphicFrameLocks noGrp="1"/>
-          </p:cNvGraphicFramePr>
-          <p:nvPr>
-            <p:extLst>
-              <p:ext uri="{D42A27DB-BD31-4B8C-83A1-F6EECF244321}">
-                <p14:modId xmlns:p14="http://schemas.microsoft.com/office/powerpoint/2010/main" val="2433286491"/>
-              </p:ext>
-            </p:extLst>
-          </p:nvPr>
-        </p:nvGraphicFramePr>
-        <p:xfrm>
-          <a:off x="3817974" y="640146"/>
-          <a:ext cx="4865759" cy="3585984"/>
-        </p:xfrm>
-        <a:graphic>
-          <a:graphicData uri="http://schemas.openxmlformats.org/drawingml/2006/table">
-            <a:tbl>
-              <a:tblPr/>
-              <a:tblGrid>
-                <a:gridCol w="2418557">
-                  <a:extLst>
-                    <a:ext uri="{9D8B030D-6E8A-4147-A177-3AD203B41FA5}">
-                      <a16:colId xmlns:a16="http://schemas.microsoft.com/office/drawing/2014/main" val="1089580484"/>
-                    </a:ext>
-                  </a:extLst>
-                </a:gridCol>
-                <a:gridCol w="2447202">
-                  <a:extLst>
-                    <a:ext uri="{9D8B030D-6E8A-4147-A177-3AD203B41FA5}">
-                      <a16:colId xmlns:a16="http://schemas.microsoft.com/office/drawing/2014/main" val="1382446080"/>
-                    </a:ext>
-                  </a:extLst>
-                </a:gridCol>
-              </a:tblGrid>
-              <a:tr h="178790">
-                <a:tc>
-                  <a:txBody>
-                    <a:bodyPr/>
-                    <a:lstStyle/>
-                    <a:p>
-                      <a:pPr algn="ctr"/>
-                      <a:r>
-                        <a:rPr lang="en-US" sz="1200" b="1"/>
-                        <a:t>Classification</a:t>
-                      </a:r>
-                    </a:p>
-                  </a:txBody>
-                  <a:tcPr marL="52666" marR="52666" marT="26333" marB="26333" anchor="ctr">
-                    <a:lnL>
-                      <a:noFill/>
-                    </a:lnL>
-                    <a:lnR>
-                      <a:noFill/>
-                    </a:lnR>
-                    <a:lnT>
-                      <a:noFill/>
-                    </a:lnT>
-                    <a:lnB>
-                      <a:noFill/>
-                    </a:lnB>
-                  </a:tcPr>
-                </a:tc>
-                <a:tc>
-                  <a:txBody>
-                    <a:bodyPr/>
-                    <a:lstStyle/>
-                    <a:p>
-                      <a:pPr algn="ctr"/>
-                      <a:r>
-                        <a:rPr lang="en-US" sz="1200" b="1" dirty="0"/>
-                        <a:t>Regression &amp;</a:t>
-                      </a:r>
-                    </a:p>
-                    <a:p>
-                      <a:pPr algn="ctr"/>
-                      <a:r>
-                        <a:rPr lang="en-US" sz="1200" b="1" dirty="0"/>
-                        <a:t>Time Series Forecasting</a:t>
-                      </a:r>
-                    </a:p>
-                  </a:txBody>
-                  <a:tcPr marL="52666" marR="52666" marT="26333" marB="26333" anchor="ctr">
-                    <a:lnL>
-                      <a:noFill/>
-                    </a:lnL>
-                    <a:lnR>
-                      <a:noFill/>
-                    </a:lnR>
-                    <a:lnT>
-                      <a:noFill/>
-                    </a:lnT>
-                    <a:lnB>
-                      <a:noFill/>
-                    </a:lnB>
-                  </a:tcPr>
-                </a:tc>
-                <a:extLst>
-                  <a:ext uri="{0D108BD9-81ED-4DB2-BD59-A6C34878D82A}">
-                    <a16:rowId xmlns:a16="http://schemas.microsoft.com/office/drawing/2014/main" val="3301145887"/>
-                  </a:ext>
-                </a:extLst>
-              </a:tr>
-              <a:tr h="178790">
-                <a:tc>
-                  <a:txBody>
-                    <a:bodyPr/>
-                    <a:lstStyle/>
-                    <a:p>
-                      <a:r>
-                        <a:rPr lang="en-US" sz="1000">
-                          <a:hlinkClick r:id="rId2"/>
-                        </a:rPr>
-                        <a:t>Logistic Regression</a:t>
-                      </a:r>
-                      <a:endParaRPr lang="en-US" sz="1000"/>
-                    </a:p>
-                  </a:txBody>
-                  <a:tcPr marL="52666" marR="52666" marT="26333" marB="26333" anchor="ctr">
-                    <a:lnL>
-                      <a:noFill/>
-                    </a:lnL>
-                    <a:lnR>
-                      <a:noFill/>
-                    </a:lnR>
-                    <a:lnT>
-                      <a:noFill/>
-                    </a:lnT>
-                    <a:lnB>
-                      <a:noFill/>
-                    </a:lnB>
-                  </a:tcPr>
-                </a:tc>
-                <a:tc>
-                  <a:txBody>
-                    <a:bodyPr/>
-                    <a:lstStyle/>
-                    <a:p>
-                      <a:r>
-                        <a:rPr lang="en-US" sz="1000" dirty="0">
-                          <a:hlinkClick r:id="rId3"/>
-                        </a:rPr>
-                        <a:t>Elastic Net</a:t>
-                      </a:r>
-                      <a:endParaRPr lang="en-US" sz="1000" dirty="0"/>
-                    </a:p>
-                  </a:txBody>
-                  <a:tcPr marL="52666" marR="52666" marT="26333" marB="26333" anchor="ctr">
-                    <a:lnL>
-                      <a:noFill/>
-                    </a:lnL>
-                    <a:lnR>
-                      <a:noFill/>
-                    </a:lnR>
-                    <a:lnT>
-                      <a:noFill/>
-                    </a:lnT>
-                    <a:lnB>
-                      <a:noFill/>
-                    </a:lnB>
-                  </a:tcPr>
-                </a:tc>
-                <a:extLst>
-                  <a:ext uri="{0D108BD9-81ED-4DB2-BD59-A6C34878D82A}">
-                    <a16:rowId xmlns:a16="http://schemas.microsoft.com/office/drawing/2014/main" val="801165373"/>
-                  </a:ext>
-                </a:extLst>
-              </a:tr>
-              <a:tr h="178790">
-                <a:tc>
-                  <a:txBody>
-                    <a:bodyPr/>
-                    <a:lstStyle/>
-                    <a:p>
-                      <a:r>
-                        <a:rPr lang="en-US" sz="1000">
-                          <a:hlinkClick r:id="rId4"/>
-                        </a:rPr>
-                        <a:t>Light GBM</a:t>
-                      </a:r>
-                      <a:endParaRPr lang="en-US" sz="1000"/>
-                    </a:p>
-                  </a:txBody>
-                  <a:tcPr marL="52666" marR="52666" marT="26333" marB="26333" anchor="ctr">
-                    <a:lnL>
-                      <a:noFill/>
-                    </a:lnL>
-                    <a:lnR>
-                      <a:noFill/>
-                    </a:lnR>
-                    <a:lnT>
-                      <a:noFill/>
-                    </a:lnT>
-                    <a:lnB>
-                      <a:noFill/>
-                    </a:lnB>
-                  </a:tcPr>
-                </a:tc>
-                <a:tc>
-                  <a:txBody>
-                    <a:bodyPr/>
-                    <a:lstStyle/>
-                    <a:p>
-                      <a:r>
-                        <a:rPr lang="en-US" sz="1000">
-                          <a:hlinkClick r:id="rId4"/>
-                        </a:rPr>
-                        <a:t>Light GBM</a:t>
-                      </a:r>
-                      <a:endParaRPr lang="en-US" sz="1000"/>
-                    </a:p>
-                  </a:txBody>
-                  <a:tcPr marL="52666" marR="52666" marT="26333" marB="26333" anchor="ctr">
-                    <a:lnL>
-                      <a:noFill/>
-                    </a:lnL>
-                    <a:lnR>
-                      <a:noFill/>
-                    </a:lnR>
-                    <a:lnT>
-                      <a:noFill/>
-                    </a:lnT>
-                    <a:lnB>
-                      <a:noFill/>
-                    </a:lnB>
-                  </a:tcPr>
-                </a:tc>
-                <a:extLst>
-                  <a:ext uri="{0D108BD9-81ED-4DB2-BD59-A6C34878D82A}">
-                    <a16:rowId xmlns:a16="http://schemas.microsoft.com/office/drawing/2014/main" val="1291908786"/>
-                  </a:ext>
-                </a:extLst>
-              </a:tr>
-              <a:tr h="178790">
-                <a:tc>
-                  <a:txBody>
-                    <a:bodyPr/>
-                    <a:lstStyle/>
-                    <a:p>
-                      <a:r>
-                        <a:rPr lang="en-US" sz="1000">
-                          <a:hlinkClick r:id="rId5"/>
-                        </a:rPr>
-                        <a:t>Gradient Boosting</a:t>
-                      </a:r>
-                      <a:endParaRPr lang="en-US" sz="1000"/>
-                    </a:p>
-                  </a:txBody>
-                  <a:tcPr marL="52666" marR="52666" marT="26333" marB="26333" anchor="ctr">
-                    <a:lnL>
-                      <a:noFill/>
-                    </a:lnL>
-                    <a:lnR>
-                      <a:noFill/>
-                    </a:lnR>
-                    <a:lnT>
-                      <a:noFill/>
-                    </a:lnT>
-                    <a:lnB>
-                      <a:noFill/>
-                    </a:lnB>
-                  </a:tcPr>
-                </a:tc>
-                <a:tc>
-                  <a:txBody>
-                    <a:bodyPr/>
-                    <a:lstStyle/>
-                    <a:p>
-                      <a:r>
-                        <a:rPr lang="en-US" sz="1000">
-                          <a:hlinkClick r:id="rId6"/>
-                        </a:rPr>
-                        <a:t>Gradient Boosting</a:t>
-                      </a:r>
-                      <a:endParaRPr lang="en-US" sz="1000"/>
-                    </a:p>
-                  </a:txBody>
-                  <a:tcPr marL="52666" marR="52666" marT="26333" marB="26333" anchor="ctr">
-                    <a:lnL>
-                      <a:noFill/>
-                    </a:lnL>
-                    <a:lnR>
-                      <a:noFill/>
-                    </a:lnR>
-                    <a:lnT>
-                      <a:noFill/>
-                    </a:lnT>
-                    <a:lnB>
-                      <a:noFill/>
-                    </a:lnB>
-                  </a:tcPr>
-                </a:tc>
-                <a:extLst>
-                  <a:ext uri="{0D108BD9-81ED-4DB2-BD59-A6C34878D82A}">
-                    <a16:rowId xmlns:a16="http://schemas.microsoft.com/office/drawing/2014/main" val="1841407873"/>
-                  </a:ext>
-                </a:extLst>
-              </a:tr>
-              <a:tr h="178790">
-                <a:tc>
-                  <a:txBody>
-                    <a:bodyPr/>
-                    <a:lstStyle/>
-                    <a:p>
-                      <a:r>
-                        <a:rPr lang="en-US" sz="1000">
-                          <a:hlinkClick r:id="rId7"/>
-                        </a:rPr>
-                        <a:t>Decision Tree</a:t>
-                      </a:r>
-                      <a:endParaRPr lang="en-US" sz="1000"/>
-                    </a:p>
-                  </a:txBody>
-                  <a:tcPr marL="52666" marR="52666" marT="26333" marB="26333" anchor="ctr">
-                    <a:lnL>
-                      <a:noFill/>
-                    </a:lnL>
-                    <a:lnR>
-                      <a:noFill/>
-                    </a:lnR>
-                    <a:lnT>
-                      <a:noFill/>
-                    </a:lnT>
-                    <a:lnB>
-                      <a:noFill/>
-                    </a:lnB>
-                  </a:tcPr>
-                </a:tc>
-                <a:tc>
-                  <a:txBody>
-                    <a:bodyPr/>
-                    <a:lstStyle/>
-                    <a:p>
-                      <a:r>
-                        <a:rPr lang="en-US" sz="1000">
-                          <a:hlinkClick r:id="rId8"/>
-                        </a:rPr>
-                        <a:t>Decision Tree</a:t>
-                      </a:r>
-                      <a:endParaRPr lang="en-US" sz="1000"/>
-                    </a:p>
-                  </a:txBody>
-                  <a:tcPr marL="52666" marR="52666" marT="26333" marB="26333" anchor="ctr">
-                    <a:lnL>
-                      <a:noFill/>
-                    </a:lnL>
-                    <a:lnR>
-                      <a:noFill/>
-                    </a:lnR>
-                    <a:lnT>
-                      <a:noFill/>
-                    </a:lnT>
-                    <a:lnB>
-                      <a:noFill/>
-                    </a:lnB>
-                  </a:tcPr>
-                </a:tc>
-                <a:extLst>
-                  <a:ext uri="{0D108BD9-81ED-4DB2-BD59-A6C34878D82A}">
-                    <a16:rowId xmlns:a16="http://schemas.microsoft.com/office/drawing/2014/main" val="833870345"/>
-                  </a:ext>
-                </a:extLst>
-              </a:tr>
-              <a:tr h="178790">
-                <a:tc>
-                  <a:txBody>
-                    <a:bodyPr/>
-                    <a:lstStyle/>
-                    <a:p>
-                      <a:r>
-                        <a:rPr lang="en-US" sz="1000">
-                          <a:hlinkClick r:id="rId9"/>
-                        </a:rPr>
-                        <a:t>K Nearest Neighbors</a:t>
-                      </a:r>
-                      <a:endParaRPr lang="en-US" sz="1000"/>
-                    </a:p>
-                  </a:txBody>
-                  <a:tcPr marL="52666" marR="52666" marT="26333" marB="26333" anchor="ctr">
-                    <a:lnL>
-                      <a:noFill/>
-                    </a:lnL>
-                    <a:lnR>
-                      <a:noFill/>
-                    </a:lnR>
-                    <a:lnT>
-                      <a:noFill/>
-                    </a:lnT>
-                    <a:lnB>
-                      <a:noFill/>
-                    </a:lnB>
-                  </a:tcPr>
-                </a:tc>
-                <a:tc>
-                  <a:txBody>
-                    <a:bodyPr/>
-                    <a:lstStyle/>
-                    <a:p>
-                      <a:r>
-                        <a:rPr lang="en-US" sz="1000">
-                          <a:hlinkClick r:id="rId9"/>
-                        </a:rPr>
-                        <a:t>K Nearest Neighbors</a:t>
-                      </a:r>
-                      <a:endParaRPr lang="en-US" sz="1000"/>
-                    </a:p>
-                  </a:txBody>
-                  <a:tcPr marL="52666" marR="52666" marT="26333" marB="26333" anchor="ctr">
-                    <a:lnL>
-                      <a:noFill/>
-                    </a:lnL>
-                    <a:lnR>
-                      <a:noFill/>
-                    </a:lnR>
-                    <a:lnT>
-                      <a:noFill/>
-                    </a:lnT>
-                    <a:lnB>
-                      <a:noFill/>
-                    </a:lnB>
-                  </a:tcPr>
-                </a:tc>
-                <a:extLst>
-                  <a:ext uri="{0D108BD9-81ED-4DB2-BD59-A6C34878D82A}">
-                    <a16:rowId xmlns:a16="http://schemas.microsoft.com/office/drawing/2014/main" val="2832259499"/>
-                  </a:ext>
-                </a:extLst>
-              </a:tr>
-              <a:tr h="178790">
-                <a:tc>
-                  <a:txBody>
-                    <a:bodyPr/>
-                    <a:lstStyle/>
-                    <a:p>
-                      <a:r>
-                        <a:rPr lang="en-US" sz="1000">
-                          <a:hlinkClick r:id="rId10"/>
-                        </a:rPr>
-                        <a:t>Linear SVC</a:t>
-                      </a:r>
-                      <a:endParaRPr lang="en-US" sz="1000"/>
-                    </a:p>
-                  </a:txBody>
-                  <a:tcPr marL="52666" marR="52666" marT="26333" marB="26333" anchor="ctr">
-                    <a:lnL>
-                      <a:noFill/>
-                    </a:lnL>
-                    <a:lnR>
-                      <a:noFill/>
-                    </a:lnR>
-                    <a:lnT>
-                      <a:noFill/>
-                    </a:lnT>
-                    <a:lnB>
-                      <a:noFill/>
-                    </a:lnB>
-                  </a:tcPr>
-                </a:tc>
-                <a:tc>
-                  <a:txBody>
-                    <a:bodyPr/>
-                    <a:lstStyle/>
-                    <a:p>
-                      <a:r>
-                        <a:rPr lang="en-US" sz="1000">
-                          <a:hlinkClick r:id="rId11"/>
-                        </a:rPr>
-                        <a:t>LARS Lasso</a:t>
-                      </a:r>
-                      <a:endParaRPr lang="en-US" sz="1000"/>
-                    </a:p>
-                  </a:txBody>
-                  <a:tcPr marL="52666" marR="52666" marT="26333" marB="26333" anchor="ctr">
-                    <a:lnL>
-                      <a:noFill/>
-                    </a:lnL>
-                    <a:lnR>
-                      <a:noFill/>
-                    </a:lnR>
-                    <a:lnT>
-                      <a:noFill/>
-                    </a:lnT>
-                    <a:lnB>
-                      <a:noFill/>
-                    </a:lnB>
-                  </a:tcPr>
-                </a:tc>
-                <a:extLst>
-                  <a:ext uri="{0D108BD9-81ED-4DB2-BD59-A6C34878D82A}">
-                    <a16:rowId xmlns:a16="http://schemas.microsoft.com/office/drawing/2014/main" val="228754427"/>
-                  </a:ext>
-                </a:extLst>
-              </a:tr>
-              <a:tr h="303944">
-                <a:tc>
-                  <a:txBody>
-                    <a:bodyPr/>
-                    <a:lstStyle/>
-                    <a:p>
-                      <a:r>
-                        <a:rPr lang="en-US" sz="1000">
-                          <a:hlinkClick r:id="rId10"/>
-                        </a:rPr>
-                        <a:t>C-Support Vector Classification (SVC)</a:t>
-                      </a:r>
-                      <a:endParaRPr lang="en-US" sz="1000"/>
-                    </a:p>
-                  </a:txBody>
-                  <a:tcPr marL="52666" marR="52666" marT="26333" marB="26333" anchor="ctr">
-                    <a:lnL>
-                      <a:noFill/>
-                    </a:lnL>
-                    <a:lnR>
-                      <a:noFill/>
-                    </a:lnR>
-                    <a:lnT>
-                      <a:noFill/>
-                    </a:lnT>
-                    <a:lnB>
-                      <a:noFill/>
-                    </a:lnB>
-                  </a:tcPr>
-                </a:tc>
-                <a:tc>
-                  <a:txBody>
-                    <a:bodyPr/>
-                    <a:lstStyle/>
-                    <a:p>
-                      <a:r>
-                        <a:rPr lang="en-US" sz="1000">
-                          <a:hlinkClick r:id="rId12"/>
-                        </a:rPr>
-                        <a:t>Stochastic Gradient Descent (SGD)</a:t>
-                      </a:r>
-                      <a:endParaRPr lang="en-US" sz="1000"/>
-                    </a:p>
-                  </a:txBody>
-                  <a:tcPr marL="52666" marR="52666" marT="26333" marB="26333" anchor="ctr">
-                    <a:lnL>
-                      <a:noFill/>
-                    </a:lnL>
-                    <a:lnR>
-                      <a:noFill/>
-                    </a:lnR>
-                    <a:lnT>
-                      <a:noFill/>
-                    </a:lnT>
-                    <a:lnB>
-                      <a:noFill/>
-                    </a:lnB>
-                  </a:tcPr>
-                </a:tc>
-                <a:extLst>
-                  <a:ext uri="{0D108BD9-81ED-4DB2-BD59-A6C34878D82A}">
-                    <a16:rowId xmlns:a16="http://schemas.microsoft.com/office/drawing/2014/main" val="482337621"/>
-                  </a:ext>
-                </a:extLst>
-              </a:tr>
-              <a:tr h="178790">
-                <a:tc>
-                  <a:txBody>
-                    <a:bodyPr/>
-                    <a:lstStyle/>
-                    <a:p>
-                      <a:r>
-                        <a:rPr lang="en-US" sz="1000">
-                          <a:hlinkClick r:id="rId13"/>
-                        </a:rPr>
-                        <a:t>Random Forest</a:t>
-                      </a:r>
-                      <a:endParaRPr lang="en-US" sz="1000"/>
-                    </a:p>
-                  </a:txBody>
-                  <a:tcPr marL="52666" marR="52666" marT="26333" marB="26333" anchor="ctr">
-                    <a:lnL>
-                      <a:noFill/>
-                    </a:lnL>
-                    <a:lnR>
-                      <a:noFill/>
-                    </a:lnR>
-                    <a:lnT>
-                      <a:noFill/>
-                    </a:lnT>
-                    <a:lnB>
-                      <a:noFill/>
-                    </a:lnB>
-                  </a:tcPr>
-                </a:tc>
-                <a:tc>
-                  <a:txBody>
-                    <a:bodyPr/>
-                    <a:lstStyle/>
-                    <a:p>
-                      <a:r>
-                        <a:rPr lang="en-US" sz="1000">
-                          <a:hlinkClick r:id="rId13"/>
-                        </a:rPr>
-                        <a:t>Random Forest</a:t>
-                      </a:r>
-                      <a:endParaRPr lang="en-US" sz="1000"/>
-                    </a:p>
-                  </a:txBody>
-                  <a:tcPr marL="52666" marR="52666" marT="26333" marB="26333" anchor="ctr">
-                    <a:lnL>
-                      <a:noFill/>
-                    </a:lnL>
-                    <a:lnR>
-                      <a:noFill/>
-                    </a:lnR>
-                    <a:lnT>
-                      <a:noFill/>
-                    </a:lnT>
-                    <a:lnB>
-                      <a:noFill/>
-                    </a:lnB>
-                  </a:tcPr>
-                </a:tc>
-                <a:extLst>
-                  <a:ext uri="{0D108BD9-81ED-4DB2-BD59-A6C34878D82A}">
-                    <a16:rowId xmlns:a16="http://schemas.microsoft.com/office/drawing/2014/main" val="1521599616"/>
-                  </a:ext>
-                </a:extLst>
-              </a:tr>
-              <a:tr h="303944">
-                <a:tc>
-                  <a:txBody>
-                    <a:bodyPr/>
-                    <a:lstStyle/>
-                    <a:p>
-                      <a:r>
-                        <a:rPr lang="en-US" sz="1000">
-                          <a:hlinkClick r:id="rId14"/>
-                        </a:rPr>
-                        <a:t>Extremely Randomized Trees</a:t>
-                      </a:r>
-                      <a:endParaRPr lang="en-US" sz="1000"/>
-                    </a:p>
-                  </a:txBody>
-                  <a:tcPr marL="52666" marR="52666" marT="26333" marB="26333" anchor="ctr">
-                    <a:lnL>
-                      <a:noFill/>
-                    </a:lnL>
-                    <a:lnR>
-                      <a:noFill/>
-                    </a:lnR>
-                    <a:lnT>
-                      <a:noFill/>
-                    </a:lnT>
-                    <a:lnB>
-                      <a:noFill/>
-                    </a:lnB>
-                  </a:tcPr>
-                </a:tc>
-                <a:tc>
-                  <a:txBody>
-                    <a:bodyPr/>
-                    <a:lstStyle/>
-                    <a:p>
-                      <a:r>
-                        <a:rPr lang="en-US" sz="1000">
-                          <a:hlinkClick r:id="rId14"/>
-                        </a:rPr>
-                        <a:t>Extremely Randomized Trees</a:t>
-                      </a:r>
-                      <a:endParaRPr lang="en-US" sz="1000"/>
-                    </a:p>
-                  </a:txBody>
-                  <a:tcPr marL="52666" marR="52666" marT="26333" marB="26333" anchor="ctr">
-                    <a:lnL>
-                      <a:noFill/>
-                    </a:lnL>
-                    <a:lnR>
-                      <a:noFill/>
-                    </a:lnR>
-                    <a:lnT>
-                      <a:noFill/>
-                    </a:lnT>
-                    <a:lnB>
-                      <a:noFill/>
-                    </a:lnB>
-                  </a:tcPr>
-                </a:tc>
-                <a:extLst>
-                  <a:ext uri="{0D108BD9-81ED-4DB2-BD59-A6C34878D82A}">
-                    <a16:rowId xmlns:a16="http://schemas.microsoft.com/office/drawing/2014/main" val="1154399125"/>
-                  </a:ext>
-                </a:extLst>
-              </a:tr>
-              <a:tr h="178790">
-                <a:tc>
-                  <a:txBody>
-                    <a:bodyPr/>
-                    <a:lstStyle/>
-                    <a:p>
-                      <a:r>
-                        <a:rPr lang="en-US" sz="1000" dirty="0" err="1">
-                          <a:hlinkClick r:id="rId15"/>
-                        </a:rPr>
-                        <a:t>Xgboost</a:t>
-                      </a:r>
-                      <a:endParaRPr lang="en-US" sz="1000" dirty="0"/>
-                    </a:p>
-                  </a:txBody>
-                  <a:tcPr marL="52666" marR="52666" marT="26333" marB="26333" anchor="ctr">
-                    <a:lnL>
-                      <a:noFill/>
-                    </a:lnL>
-                    <a:lnR>
-                      <a:noFill/>
-                    </a:lnR>
-                    <a:lnT>
-                      <a:noFill/>
-                    </a:lnT>
-                    <a:lnB>
-                      <a:noFill/>
-                    </a:lnB>
-                  </a:tcPr>
-                </a:tc>
-                <a:tc>
-                  <a:txBody>
-                    <a:bodyPr/>
-                    <a:lstStyle/>
-                    <a:p>
-                      <a:r>
-                        <a:rPr lang="en-US" sz="1000">
-                          <a:hlinkClick r:id="rId15"/>
-                        </a:rPr>
-                        <a:t>Xgboost</a:t>
-                      </a:r>
-                      <a:endParaRPr lang="en-US" sz="1000"/>
-                    </a:p>
-                  </a:txBody>
-                  <a:tcPr marL="52666" marR="52666" marT="26333" marB="26333" anchor="ctr">
-                    <a:lnL>
-                      <a:noFill/>
-                    </a:lnL>
-                    <a:lnR>
-                      <a:noFill/>
-                    </a:lnR>
-                    <a:lnT>
-                      <a:noFill/>
-                    </a:lnT>
-                    <a:lnB>
-                      <a:noFill/>
-                    </a:lnB>
-                  </a:tcPr>
-                </a:tc>
-                <a:extLst>
-                  <a:ext uri="{0D108BD9-81ED-4DB2-BD59-A6C34878D82A}">
-                    <a16:rowId xmlns:a16="http://schemas.microsoft.com/office/drawing/2014/main" val="3537502937"/>
-                  </a:ext>
-                </a:extLst>
-              </a:tr>
-              <a:tr h="178790">
-                <a:tc>
-                  <a:txBody>
-                    <a:bodyPr/>
-                    <a:lstStyle/>
-                    <a:p>
-                      <a:r>
-                        <a:rPr lang="en-US" sz="1000">
-                          <a:hlinkClick r:id="rId16"/>
-                        </a:rPr>
-                        <a:t>DNN Classifier</a:t>
-                      </a:r>
-                      <a:endParaRPr lang="en-US" sz="1000"/>
-                    </a:p>
-                  </a:txBody>
-                  <a:tcPr marL="52666" marR="52666" marT="26333" marB="26333" anchor="ctr">
-                    <a:lnL>
-                      <a:noFill/>
-                    </a:lnL>
-                    <a:lnR>
-                      <a:noFill/>
-                    </a:lnR>
-                    <a:lnT>
-                      <a:noFill/>
-                    </a:lnT>
-                    <a:lnB>
-                      <a:noFill/>
-                    </a:lnB>
-                  </a:tcPr>
-                </a:tc>
-                <a:tc>
-                  <a:txBody>
-                    <a:bodyPr/>
-                    <a:lstStyle/>
-                    <a:p>
-                      <a:r>
-                        <a:rPr lang="en-US" sz="1000">
-                          <a:hlinkClick r:id="rId17"/>
-                        </a:rPr>
-                        <a:t>DNN Regressor</a:t>
-                      </a:r>
-                      <a:endParaRPr lang="en-US" sz="1000"/>
-                    </a:p>
-                  </a:txBody>
-                  <a:tcPr marL="52666" marR="52666" marT="26333" marB="26333" anchor="ctr">
-                    <a:lnL>
-                      <a:noFill/>
-                    </a:lnL>
-                    <a:lnR>
-                      <a:noFill/>
-                    </a:lnR>
-                    <a:lnT>
-                      <a:noFill/>
-                    </a:lnT>
-                    <a:lnB>
-                      <a:noFill/>
-                    </a:lnB>
-                  </a:tcPr>
-                </a:tc>
-                <a:extLst>
-                  <a:ext uri="{0D108BD9-81ED-4DB2-BD59-A6C34878D82A}">
-                    <a16:rowId xmlns:a16="http://schemas.microsoft.com/office/drawing/2014/main" val="1708269267"/>
-                  </a:ext>
-                </a:extLst>
-              </a:tr>
-              <a:tr h="178790">
-                <a:tc>
-                  <a:txBody>
-                    <a:bodyPr/>
-                    <a:lstStyle/>
-                    <a:p>
-                      <a:r>
-                        <a:rPr lang="en-US" sz="1000">
-                          <a:hlinkClick r:id="rId18"/>
-                        </a:rPr>
-                        <a:t>DNN Linear Classifier</a:t>
-                      </a:r>
-                      <a:endParaRPr lang="en-US" sz="1000"/>
-                    </a:p>
-                  </a:txBody>
-                  <a:tcPr marL="52666" marR="52666" marT="26333" marB="26333" anchor="ctr">
-                    <a:lnL>
-                      <a:noFill/>
-                    </a:lnL>
-                    <a:lnR>
-                      <a:noFill/>
-                    </a:lnR>
-                    <a:lnT>
-                      <a:noFill/>
-                    </a:lnT>
-                    <a:lnB>
-                      <a:noFill/>
-                    </a:lnB>
-                  </a:tcPr>
-                </a:tc>
-                <a:tc>
-                  <a:txBody>
-                    <a:bodyPr/>
-                    <a:lstStyle/>
-                    <a:p>
-                      <a:r>
-                        <a:rPr lang="en-US" sz="1000">
-                          <a:hlinkClick r:id="rId19"/>
-                        </a:rPr>
-                        <a:t>Linear Regressor</a:t>
-                      </a:r>
-                      <a:endParaRPr lang="en-US" sz="1000"/>
-                    </a:p>
-                  </a:txBody>
-                  <a:tcPr marL="52666" marR="52666" marT="26333" marB="26333" anchor="ctr">
-                    <a:lnL>
-                      <a:noFill/>
-                    </a:lnL>
-                    <a:lnR>
-                      <a:noFill/>
-                    </a:lnR>
-                    <a:lnT>
-                      <a:noFill/>
-                    </a:lnT>
-                    <a:lnB>
-                      <a:noFill/>
-                    </a:lnB>
-                  </a:tcPr>
-                </a:tc>
-                <a:extLst>
-                  <a:ext uri="{0D108BD9-81ED-4DB2-BD59-A6C34878D82A}">
-                    <a16:rowId xmlns:a16="http://schemas.microsoft.com/office/drawing/2014/main" val="3239242384"/>
-                  </a:ext>
-                </a:extLst>
-              </a:tr>
-              <a:tr h="178790">
-                <a:tc>
-                  <a:txBody>
-                    <a:bodyPr/>
-                    <a:lstStyle/>
-                    <a:p>
-                      <a:r>
-                        <a:rPr lang="en-US" sz="1000">
-                          <a:hlinkClick r:id="rId20"/>
-                        </a:rPr>
-                        <a:t>Naive Bayes</a:t>
-                      </a:r>
-                      <a:endParaRPr lang="en-US" sz="1000"/>
-                    </a:p>
-                  </a:txBody>
-                  <a:tcPr marL="52666" marR="52666" marT="26333" marB="26333" anchor="ctr">
-                    <a:lnL>
-                      <a:noFill/>
-                    </a:lnL>
-                    <a:lnR>
-                      <a:noFill/>
-                    </a:lnR>
-                    <a:lnT>
-                      <a:noFill/>
-                    </a:lnT>
-                    <a:lnB>
-                      <a:noFill/>
-                    </a:lnB>
-                  </a:tcPr>
-                </a:tc>
-                <a:tc>
-                  <a:txBody>
-                    <a:bodyPr/>
-                    <a:lstStyle/>
-                    <a:p>
-                      <a:endParaRPr lang="en-US" sz="1000"/>
-                    </a:p>
-                  </a:txBody>
-                  <a:tcPr marL="52666" marR="52666" marT="26333" marB="26333" anchor="ctr">
-                    <a:lnL>
-                      <a:noFill/>
-                    </a:lnL>
-                    <a:lnR>
-                      <a:noFill/>
-                    </a:lnR>
-                    <a:lnT>
-                      <a:noFill/>
-                    </a:lnT>
-                    <a:lnB>
-                      <a:noFill/>
-                    </a:lnB>
-                  </a:tcPr>
-                </a:tc>
-                <a:extLst>
-                  <a:ext uri="{0D108BD9-81ED-4DB2-BD59-A6C34878D82A}">
-                    <a16:rowId xmlns:a16="http://schemas.microsoft.com/office/drawing/2014/main" val="341898756"/>
-                  </a:ext>
-                </a:extLst>
-              </a:tr>
-              <a:tr h="303944">
-                <a:tc>
-                  <a:txBody>
-                    <a:bodyPr/>
-                    <a:lstStyle/>
-                    <a:p>
-                      <a:r>
-                        <a:rPr lang="en-US" sz="1000">
-                          <a:hlinkClick r:id="rId21"/>
-                        </a:rPr>
-                        <a:t>Stochastic Gradient Descent (SGD)</a:t>
-                      </a:r>
-                      <a:endParaRPr lang="en-US" sz="1000"/>
-                    </a:p>
-                  </a:txBody>
-                  <a:tcPr marL="52666" marR="52666" marT="26333" marB="26333" anchor="ctr">
-                    <a:lnL>
-                      <a:noFill/>
-                    </a:lnL>
-                    <a:lnR>
-                      <a:noFill/>
-                    </a:lnR>
-                    <a:lnT>
-                      <a:noFill/>
-                    </a:lnT>
-                    <a:lnB>
-                      <a:noFill/>
-                    </a:lnB>
-                  </a:tcPr>
-                </a:tc>
-                <a:tc>
-                  <a:txBody>
-                    <a:bodyPr/>
-                    <a:lstStyle/>
-                    <a:p>
-                      <a:endParaRPr lang="en-US" sz="1000" dirty="0"/>
-                    </a:p>
-                  </a:txBody>
-                  <a:tcPr marL="52666" marR="52666" marT="26333" marB="26333" anchor="ctr">
-                    <a:lnL>
-                      <a:noFill/>
-                    </a:lnL>
-                    <a:lnR>
-                      <a:noFill/>
-                    </a:lnR>
-                    <a:lnT>
-                      <a:noFill/>
-                    </a:lnT>
-                    <a:lnB>
-                      <a:noFill/>
-                    </a:lnB>
-                  </a:tcPr>
-                </a:tc>
-                <a:extLst>
-                  <a:ext uri="{0D108BD9-81ED-4DB2-BD59-A6C34878D82A}">
-                    <a16:rowId xmlns:a16="http://schemas.microsoft.com/office/drawing/2014/main" val="3966003278"/>
-                  </a:ext>
-                </a:extLst>
-              </a:tr>
-            </a:tbl>
-          </a:graphicData>
-        </a:graphic>
-      </p:graphicFrame>
-      <p:sp>
-        <p:nvSpPr>
-          <p:cNvPr id="6" name="Rectangle 5">
-            <a:extLst>
-              <a:ext uri="{FF2B5EF4-FFF2-40B4-BE49-F238E27FC236}">
-                <a16:creationId xmlns:a16="http://schemas.microsoft.com/office/drawing/2014/main" id="{C96C4D95-99B7-4E6E-A3D2-B6969D97C36B}"/>
-              </a:ext>
-            </a:extLst>
-          </p:cNvPr>
-          <p:cNvSpPr/>
-          <p:nvPr/>
-        </p:nvSpPr>
-        <p:spPr>
-          <a:xfrm>
-            <a:off x="3178609" y="4831794"/>
-            <a:ext cx="6144490" cy="261610"/>
-          </a:xfrm>
-          <a:prstGeom prst="rect">
-            <a:avLst/>
-          </a:prstGeom>
-        </p:spPr>
-        <p:txBody>
-          <a:bodyPr wrap="square">
-            <a:spAutoFit/>
-          </a:bodyPr>
-          <a:lstStyle/>
-          <a:p>
-            <a:r>
-              <a:rPr lang="en-US" sz="1100" dirty="0">
-                <a:hlinkClick r:id="rId22"/>
-              </a:rPr>
-              <a:t>https://docs.microsoft.com/en-us/azure/machine-learning/service/how-to-configure-auto-train</a:t>
-            </a:r>
-            <a:endParaRPr lang="en-US" sz="1100" dirty="0"/>
-          </a:p>
-        </p:txBody>
-      </p:sp>
-    </p:spTree>
-    <p:extLst>
-      <p:ext uri="{BB962C8B-B14F-4D97-AF65-F5344CB8AC3E}">
-        <p14:creationId xmlns:p14="http://schemas.microsoft.com/office/powerpoint/2010/main" val="2350663502"/>
-      </p:ext>
-    </p:extLst>
-  </p:cSld>
-  <p:clrMapOvr>
-    <a:masterClrMapping/>
-  </p:clrMapOvr>
-</p:sld>
-</file>
-
-<file path=ppt/slides/slide3.xml><?xml version="1.0" encoding="utf-8"?>
-<p:sld xmlns:a="http://schemas.openxmlformats.org/drawingml/2006/main" xmlns:r="http://schemas.openxmlformats.org/officeDocument/2006/relationships" xmlns:p="http://schemas.openxmlformats.org/presentationml/2006/main">
-  <p:cSld>
-    <p:spTree>
-      <p:nvGrpSpPr>
-        <p:cNvPr id="1" name="Shape 97"/>
-        <p:cNvGrpSpPr/>
-        <p:nvPr/>
-      </p:nvGrpSpPr>
-      <p:grpSpPr>
-        <a:xfrm>
-          <a:off x="0" y="0"/>
-          <a:ext cx="0" cy="0"/>
-          <a:chOff x="0" y="0"/>
-          <a:chExt cx="0" cy="0"/>
-        </a:xfrm>
-      </p:grpSpPr>
-      <p:sp>
-        <p:nvSpPr>
-          <p:cNvPr id="98" name="Google Shape;98;p17"/>
-          <p:cNvSpPr txBox="1">
-            <a:spLocks noGrp="1"/>
-          </p:cNvSpPr>
-          <p:nvPr>
-            <p:ph type="title"/>
-          </p:nvPr>
-        </p:nvSpPr>
-        <p:spPr>
-          <a:xfrm>
-            <a:off x="2400250" y="575950"/>
-            <a:ext cx="6321600" cy="635400"/>
-          </a:xfrm>
-          <a:prstGeom prst="rect">
-            <a:avLst/>
-          </a:prstGeom>
-        </p:spPr>
-        <p:txBody>
-          <a:bodyPr spcFirstLastPara="1" wrap="square" lIns="91425" tIns="91425" rIns="91425" bIns="91425" anchor="t" anchorCtr="0">
-            <a:noAutofit/>
-          </a:bodyPr>
-          <a:lstStyle/>
-          <a:p>
-            <a:pPr marL="0" lvl="0" indent="0" algn="l" rtl="0">
-              <a:spcBef>
-                <a:spcPts val="0"/>
-              </a:spcBef>
-              <a:spcAft>
-                <a:spcPts val="0"/>
-              </a:spcAft>
-              <a:buNone/>
-            </a:pPr>
-            <a:r>
-              <a:rPr lang="en-US" dirty="0"/>
-              <a:t>Intro to Machine Learning</a:t>
-            </a:r>
-            <a:endParaRPr dirty="0"/>
-          </a:p>
-        </p:txBody>
-      </p:sp>
-      <p:pic>
-        <p:nvPicPr>
-          <p:cNvPr id="3" name="Graphic 2">
-            <a:extLst>
-              <a:ext uri="{FF2B5EF4-FFF2-40B4-BE49-F238E27FC236}">
-                <a16:creationId xmlns:a16="http://schemas.microsoft.com/office/drawing/2014/main" id="{78C8C304-C32B-473B-9148-F975AB8B26E7}"/>
-              </a:ext>
-            </a:extLst>
-          </p:cNvPr>
-          <p:cNvPicPr>
-            <a:picLocks noChangeAspect="1"/>
-          </p:cNvPicPr>
-          <p:nvPr/>
-        </p:nvPicPr>
-        <p:blipFill>
-          <a:blip r:embed="rId3">
-            <a:extLst>
-              <a:ext uri="{96DAC541-7B7A-43D3-8B79-37D633B846F1}">
-                <asvg:svgBlip xmlns:asvg="http://schemas.microsoft.com/office/drawing/2016/SVG/main" r:embed="rId4"/>
-              </a:ext>
-            </a:extLst>
-          </a:blip>
-          <a:stretch>
-            <a:fillRect/>
-          </a:stretch>
-        </p:blipFill>
-        <p:spPr>
-          <a:xfrm>
-            <a:off x="1539875" y="1867003"/>
-            <a:ext cx="1047750" cy="1133475"/>
-          </a:xfrm>
-          <a:prstGeom prst="rect">
-            <a:avLst/>
-          </a:prstGeom>
-        </p:spPr>
-      </p:pic>
-      <p:pic>
-        <p:nvPicPr>
-          <p:cNvPr id="5" name="Graphic 4">
-            <a:extLst>
-              <a:ext uri="{FF2B5EF4-FFF2-40B4-BE49-F238E27FC236}">
-                <a16:creationId xmlns:a16="http://schemas.microsoft.com/office/drawing/2014/main" id="{59B15D61-728B-4CD1-B6B9-F6FF91B69C7D}"/>
-              </a:ext>
-            </a:extLst>
-          </p:cNvPr>
-          <p:cNvPicPr>
-            <a:picLocks noChangeAspect="1"/>
-          </p:cNvPicPr>
-          <p:nvPr/>
-        </p:nvPicPr>
-        <p:blipFill>
-          <a:blip r:embed="rId5">
-            <a:extLst>
-              <a:ext uri="{96DAC541-7B7A-43D3-8B79-37D633B846F1}">
-                <asvg:svgBlip xmlns:asvg="http://schemas.microsoft.com/office/drawing/2016/SVG/main" r:embed="rId6"/>
-              </a:ext>
-            </a:extLst>
-          </a:blip>
-          <a:stretch>
-            <a:fillRect/>
-          </a:stretch>
-        </p:blipFill>
-        <p:spPr>
-          <a:xfrm>
-            <a:off x="4019550" y="1857478"/>
-            <a:ext cx="1104900" cy="1143000"/>
-          </a:xfrm>
-          <a:prstGeom prst="rect">
-            <a:avLst/>
-          </a:prstGeom>
-        </p:spPr>
-      </p:pic>
-      <p:pic>
-        <p:nvPicPr>
-          <p:cNvPr id="8" name="Graphic 7">
-            <a:extLst>
-              <a:ext uri="{FF2B5EF4-FFF2-40B4-BE49-F238E27FC236}">
-                <a16:creationId xmlns:a16="http://schemas.microsoft.com/office/drawing/2014/main" id="{FE6071CA-2A64-493D-991D-9F2BC26A2088}"/>
-              </a:ext>
-            </a:extLst>
-          </p:cNvPr>
-          <p:cNvPicPr>
-            <a:picLocks noChangeAspect="1"/>
-          </p:cNvPicPr>
-          <p:nvPr/>
-        </p:nvPicPr>
-        <p:blipFill>
-          <a:blip r:embed="rId7">
-            <a:extLst>
-              <a:ext uri="{96DAC541-7B7A-43D3-8B79-37D633B846F1}">
-                <asvg:svgBlip xmlns:asvg="http://schemas.microsoft.com/office/drawing/2016/SVG/main" r:embed="rId8"/>
-              </a:ext>
-            </a:extLst>
-          </a:blip>
-          <a:stretch>
-            <a:fillRect/>
-          </a:stretch>
-        </p:blipFill>
-        <p:spPr>
-          <a:xfrm>
-            <a:off x="6556375" y="1852716"/>
-            <a:ext cx="1143000" cy="1143000"/>
-          </a:xfrm>
-          <a:prstGeom prst="rect">
-            <a:avLst/>
-          </a:prstGeom>
-        </p:spPr>
-      </p:pic>
-      <p:sp>
-        <p:nvSpPr>
-          <p:cNvPr id="9" name="TextBox 8">
-            <a:extLst>
-              <a:ext uri="{FF2B5EF4-FFF2-40B4-BE49-F238E27FC236}">
-                <a16:creationId xmlns:a16="http://schemas.microsoft.com/office/drawing/2014/main" id="{91DF9330-039A-4F13-8D49-1DCD1A798668}"/>
-              </a:ext>
-            </a:extLst>
-          </p:cNvPr>
-          <p:cNvSpPr txBox="1"/>
-          <p:nvPr/>
-        </p:nvSpPr>
-        <p:spPr>
-          <a:xfrm>
-            <a:off x="1539875" y="3094141"/>
-            <a:ext cx="1047750" cy="261610"/>
-          </a:xfrm>
-          <a:prstGeom prst="rect">
-            <a:avLst/>
-          </a:prstGeom>
-          <a:noFill/>
-        </p:spPr>
-        <p:txBody>
-          <a:bodyPr wrap="square" rtlCol="0">
-            <a:spAutoFit/>
-          </a:bodyPr>
-          <a:lstStyle/>
-          <a:p>
-            <a:pPr algn="ctr"/>
-            <a:r>
-              <a:rPr lang="en-US" sz="1100" b="1" dirty="0"/>
-              <a:t>Prepare Data</a:t>
-            </a:r>
-          </a:p>
-        </p:txBody>
-      </p:sp>
-      <p:sp>
-        <p:nvSpPr>
-          <p:cNvPr id="11" name="TextBox 10">
-            <a:extLst>
-              <a:ext uri="{FF2B5EF4-FFF2-40B4-BE49-F238E27FC236}">
-                <a16:creationId xmlns:a16="http://schemas.microsoft.com/office/drawing/2014/main" id="{AE5883D3-CF3B-4C5A-B81B-9250E92B2F3D}"/>
-              </a:ext>
-            </a:extLst>
-          </p:cNvPr>
-          <p:cNvSpPr txBox="1"/>
-          <p:nvPr/>
-        </p:nvSpPr>
-        <p:spPr>
-          <a:xfrm>
-            <a:off x="4067175" y="3094141"/>
-            <a:ext cx="1104900" cy="261610"/>
-          </a:xfrm>
-          <a:prstGeom prst="rect">
-            <a:avLst/>
-          </a:prstGeom>
-          <a:noFill/>
-        </p:spPr>
-        <p:txBody>
-          <a:bodyPr wrap="square" rtlCol="0">
-            <a:spAutoFit/>
-          </a:bodyPr>
-          <a:lstStyle/>
-          <a:p>
-            <a:pPr algn="ctr"/>
-            <a:r>
-              <a:rPr lang="en-US" sz="1100" b="1" dirty="0"/>
-              <a:t>Build &amp; Train</a:t>
-            </a:r>
-          </a:p>
-        </p:txBody>
-      </p:sp>
-      <p:sp>
-        <p:nvSpPr>
-          <p:cNvPr id="12" name="TextBox 11">
-            <a:extLst>
-              <a:ext uri="{FF2B5EF4-FFF2-40B4-BE49-F238E27FC236}">
-                <a16:creationId xmlns:a16="http://schemas.microsoft.com/office/drawing/2014/main" id="{40662C72-0E90-44C7-9621-AD55CA9014E1}"/>
-              </a:ext>
-            </a:extLst>
-          </p:cNvPr>
-          <p:cNvSpPr txBox="1"/>
-          <p:nvPr/>
-        </p:nvSpPr>
-        <p:spPr>
-          <a:xfrm>
-            <a:off x="6575425" y="3063651"/>
-            <a:ext cx="1104900" cy="261610"/>
-          </a:xfrm>
-          <a:prstGeom prst="rect">
-            <a:avLst/>
-          </a:prstGeom>
-          <a:noFill/>
-        </p:spPr>
-        <p:txBody>
-          <a:bodyPr wrap="square" rtlCol="0">
-            <a:spAutoFit/>
-          </a:bodyPr>
-          <a:lstStyle/>
-          <a:p>
-            <a:pPr algn="ctr"/>
-            <a:r>
-              <a:rPr lang="en-US" sz="1100" b="1" dirty="0"/>
-              <a:t>Deploy</a:t>
-            </a:r>
-          </a:p>
-        </p:txBody>
-      </p:sp>
-      <p:sp>
-        <p:nvSpPr>
-          <p:cNvPr id="10" name="TextBox 9">
-            <a:extLst>
-              <a:ext uri="{FF2B5EF4-FFF2-40B4-BE49-F238E27FC236}">
-                <a16:creationId xmlns:a16="http://schemas.microsoft.com/office/drawing/2014/main" id="{D3A76173-9DBF-4A7A-8E89-A8C62D35FC07}"/>
-              </a:ext>
-            </a:extLst>
-          </p:cNvPr>
-          <p:cNvSpPr txBox="1"/>
-          <p:nvPr/>
-        </p:nvSpPr>
-        <p:spPr>
-          <a:xfrm>
-            <a:off x="1539875" y="3355751"/>
-            <a:ext cx="1047750" cy="507831"/>
-          </a:xfrm>
-          <a:prstGeom prst="rect">
-            <a:avLst/>
-          </a:prstGeom>
-          <a:noFill/>
-        </p:spPr>
-        <p:txBody>
-          <a:bodyPr wrap="square" rtlCol="0">
-            <a:spAutoFit/>
-          </a:bodyPr>
-          <a:lstStyle/>
-          <a:p>
-            <a:pPr algn="ctr"/>
-            <a:r>
-              <a:rPr lang="en-US" sz="900" dirty="0"/>
-              <a:t>Connect to various sources to ingest data</a:t>
-            </a:r>
-          </a:p>
-        </p:txBody>
-      </p:sp>
-      <p:sp>
-        <p:nvSpPr>
-          <p:cNvPr id="14" name="TextBox 13">
-            <a:extLst>
-              <a:ext uri="{FF2B5EF4-FFF2-40B4-BE49-F238E27FC236}">
-                <a16:creationId xmlns:a16="http://schemas.microsoft.com/office/drawing/2014/main" id="{C05B552E-81DC-4FEC-A143-5C0747DC664E}"/>
-              </a:ext>
-            </a:extLst>
-          </p:cNvPr>
-          <p:cNvSpPr txBox="1"/>
-          <p:nvPr/>
-        </p:nvSpPr>
-        <p:spPr>
-          <a:xfrm>
-            <a:off x="4095750" y="3355751"/>
-            <a:ext cx="1047750" cy="507831"/>
-          </a:xfrm>
-          <a:prstGeom prst="rect">
-            <a:avLst/>
-          </a:prstGeom>
-          <a:noFill/>
-        </p:spPr>
-        <p:txBody>
-          <a:bodyPr wrap="square" rtlCol="0">
-            <a:spAutoFit/>
-          </a:bodyPr>
-          <a:lstStyle/>
-          <a:p>
-            <a:pPr algn="ctr"/>
-            <a:r>
-              <a:rPr lang="en-US" sz="900" dirty="0"/>
-              <a:t>Train with the data to establish a model</a:t>
-            </a:r>
-          </a:p>
-        </p:txBody>
-      </p:sp>
-      <p:sp>
-        <p:nvSpPr>
-          <p:cNvPr id="15" name="TextBox 14">
-            <a:extLst>
-              <a:ext uri="{FF2B5EF4-FFF2-40B4-BE49-F238E27FC236}">
-                <a16:creationId xmlns:a16="http://schemas.microsoft.com/office/drawing/2014/main" id="{80729A86-9638-44D5-8C10-6F278DF707AD}"/>
-              </a:ext>
-            </a:extLst>
-          </p:cNvPr>
-          <p:cNvSpPr txBox="1"/>
-          <p:nvPr/>
-        </p:nvSpPr>
-        <p:spPr>
-          <a:xfrm>
-            <a:off x="6604000" y="3355751"/>
-            <a:ext cx="1047750" cy="507831"/>
-          </a:xfrm>
-          <a:prstGeom prst="rect">
-            <a:avLst/>
-          </a:prstGeom>
-          <a:noFill/>
-        </p:spPr>
-        <p:txBody>
-          <a:bodyPr wrap="square" rtlCol="0">
-            <a:spAutoFit/>
-          </a:bodyPr>
-          <a:lstStyle/>
-          <a:p>
-            <a:pPr algn="ctr"/>
-            <a:r>
-              <a:rPr lang="en-US" sz="900" dirty="0"/>
-              <a:t>Deploy the model and track performance</a:t>
-            </a:r>
-          </a:p>
-        </p:txBody>
-      </p:sp>
-      <p:pic>
-        <p:nvPicPr>
-          <p:cNvPr id="16" name="Graphic 15" descr="Play">
-            <a:extLst>
-              <a:ext uri="{FF2B5EF4-FFF2-40B4-BE49-F238E27FC236}">
-                <a16:creationId xmlns:a16="http://schemas.microsoft.com/office/drawing/2014/main" id="{49536FD1-4803-4922-96C8-044C3502FE51}"/>
-              </a:ext>
-            </a:extLst>
-          </p:cNvPr>
-          <p:cNvPicPr>
-            <a:picLocks noChangeAspect="1"/>
-          </p:cNvPicPr>
-          <p:nvPr/>
-        </p:nvPicPr>
-        <p:blipFill>
-          <a:blip r:embed="rId9">
-            <a:extLst>
-              <a:ext uri="{96DAC541-7B7A-43D3-8B79-37D633B846F1}">
-                <asvg:svgBlip xmlns:asvg="http://schemas.microsoft.com/office/drawing/2016/SVG/main" r:embed="rId10"/>
-              </a:ext>
-            </a:extLst>
-          </a:blip>
-          <a:stretch>
-            <a:fillRect/>
-          </a:stretch>
-        </p:blipFill>
-        <p:spPr>
-          <a:xfrm>
-            <a:off x="2971308" y="2091937"/>
-            <a:ext cx="664558" cy="664558"/>
-          </a:xfrm>
-          <a:prstGeom prst="rect">
-            <a:avLst/>
-          </a:prstGeom>
-        </p:spPr>
-      </p:pic>
-      <p:pic>
-        <p:nvPicPr>
-          <p:cNvPr id="18" name="Graphic 17" descr="Play">
-            <a:extLst>
-              <a:ext uri="{FF2B5EF4-FFF2-40B4-BE49-F238E27FC236}">
-                <a16:creationId xmlns:a16="http://schemas.microsoft.com/office/drawing/2014/main" id="{D4A64896-F3E4-4705-A9C5-AD8C4F02BCF3}"/>
-              </a:ext>
-            </a:extLst>
-          </p:cNvPr>
-          <p:cNvPicPr>
-            <a:picLocks noChangeAspect="1"/>
-          </p:cNvPicPr>
-          <p:nvPr/>
-        </p:nvPicPr>
-        <p:blipFill>
-          <a:blip r:embed="rId9">
-            <a:extLst>
-              <a:ext uri="{96DAC541-7B7A-43D3-8B79-37D633B846F1}">
-                <asvg:svgBlip xmlns:asvg="http://schemas.microsoft.com/office/drawing/2016/SVG/main" r:embed="rId10"/>
-              </a:ext>
-            </a:extLst>
-          </a:blip>
-          <a:stretch>
-            <a:fillRect/>
-          </a:stretch>
-        </p:blipFill>
-        <p:spPr>
-          <a:xfrm>
-            <a:off x="5508133" y="2091937"/>
-            <a:ext cx="664558" cy="664558"/>
-          </a:xfrm>
-          <a:prstGeom prst="rect">
-            <a:avLst/>
-          </a:prstGeom>
-        </p:spPr>
-      </p:pic>
-    </p:spTree>
-  </p:cSld>
-  <p:clrMapOvr>
-    <a:masterClrMapping/>
-  </p:clrMapOvr>
-</p:sld>
-</file>
-
-<file path=ppt/slides/slide30.xml><?xml version="1.0" encoding="utf-8"?>
-<p:sld xmlns:a="http://schemas.openxmlformats.org/drawingml/2006/main" xmlns:r="http://schemas.openxmlformats.org/officeDocument/2006/relationships" xmlns:p="http://schemas.openxmlformats.org/presentationml/2006/main">
-  <p:cSld>
-    <p:spTree>
-      <p:nvGrpSpPr>
-        <p:cNvPr id="1" name=""/>
-        <p:cNvGrpSpPr/>
-        <p:nvPr/>
-      </p:nvGrpSpPr>
-      <p:grpSpPr>
-        <a:xfrm>
-          <a:off x="0" y="0"/>
-          <a:ext cx="0" cy="0"/>
-          <a:chOff x="0" y="0"/>
-          <a:chExt cx="0" cy="0"/>
-        </a:xfrm>
-      </p:grpSpPr>
-      <p:sp>
-        <p:nvSpPr>
-          <p:cNvPr id="2" name="Title 1">
-            <a:extLst>
-              <a:ext uri="{FF2B5EF4-FFF2-40B4-BE49-F238E27FC236}">
-                <a16:creationId xmlns:a16="http://schemas.microsoft.com/office/drawing/2014/main" id="{B01CFD37-EDF7-42F2-9518-A10251253ABA}"/>
-              </a:ext>
-            </a:extLst>
-          </p:cNvPr>
-          <p:cNvSpPr>
-            <a:spLocks noGrp="1"/>
-          </p:cNvSpPr>
-          <p:nvPr>
-            <p:ph type="title"/>
-          </p:nvPr>
-        </p:nvSpPr>
-        <p:spPr/>
-        <p:txBody>
-          <a:bodyPr/>
-          <a:lstStyle/>
-          <a:p>
-            <a:r>
-              <a:rPr lang="en-US" dirty="0"/>
-              <a:t>Picking the Best Model</a:t>
-            </a:r>
-          </a:p>
-        </p:txBody>
-      </p:sp>
-      <p:sp>
-        <p:nvSpPr>
-          <p:cNvPr id="3" name="Text Placeholder 2">
-            <a:extLst>
-              <a:ext uri="{FF2B5EF4-FFF2-40B4-BE49-F238E27FC236}">
-                <a16:creationId xmlns:a16="http://schemas.microsoft.com/office/drawing/2014/main" id="{7B559461-43BB-4521-B584-E6B31A283F52}"/>
-              </a:ext>
-            </a:extLst>
-          </p:cNvPr>
-          <p:cNvSpPr>
-            <a:spLocks noGrp="1"/>
-          </p:cNvSpPr>
-          <p:nvPr>
-            <p:ph type="body" idx="1"/>
-          </p:nvPr>
-        </p:nvSpPr>
-        <p:spPr>
-          <a:xfrm>
-            <a:off x="422028" y="1565150"/>
-            <a:ext cx="3071400" cy="3002400"/>
-          </a:xfrm>
-        </p:spPr>
-        <p:txBody>
-          <a:bodyPr>
-            <a:normAutofit fontScale="92500" lnSpcReduction="20000"/>
-          </a:bodyPr>
-          <a:lstStyle/>
-          <a:p>
-            <a:r>
-              <a:rPr lang="en-US" dirty="0"/>
-              <a:t>Picks a best model(s) based on a Primary Metric</a:t>
-            </a:r>
-          </a:p>
-          <a:p>
-            <a:pPr lvl="1">
-              <a:spcBef>
-                <a:spcPts val="600"/>
-              </a:spcBef>
-            </a:pPr>
-            <a:r>
-              <a:rPr lang="en-US" dirty="0"/>
-              <a:t>In Classification Problems:</a:t>
-            </a:r>
-          </a:p>
-          <a:p>
-            <a:pPr lvl="2">
-              <a:spcBef>
-                <a:spcPts val="600"/>
-              </a:spcBef>
-            </a:pPr>
-            <a:r>
-              <a:rPr lang="en-US" dirty="0"/>
-              <a:t>Accuracy, Weighted AUC, Average Weighted Precision Score, Normalized Macro Recall, Weighted Precision Score</a:t>
-            </a:r>
-          </a:p>
-          <a:p>
-            <a:pPr lvl="1">
-              <a:spcBef>
-                <a:spcPts val="600"/>
-              </a:spcBef>
-            </a:pPr>
-            <a:r>
-              <a:rPr lang="en-US" dirty="0"/>
-              <a:t>In Regression/Forecasting Problems:</a:t>
-            </a:r>
-          </a:p>
-          <a:p>
-            <a:pPr lvl="2">
-              <a:spcBef>
-                <a:spcPts val="600"/>
-              </a:spcBef>
-            </a:pPr>
-            <a:r>
-              <a:rPr lang="en-US" dirty="0"/>
-              <a:t>Spearman Correlation, Normalized RMSE, R</a:t>
-            </a:r>
-            <a:r>
-              <a:rPr lang="en-US" baseline="30000" dirty="0"/>
-              <a:t>2</a:t>
-            </a:r>
-            <a:r>
-              <a:rPr lang="en-US" dirty="0"/>
-              <a:t>, Normalized MAE</a:t>
-            </a:r>
-          </a:p>
-          <a:p>
-            <a:endParaRPr lang="en-US" dirty="0"/>
-          </a:p>
-        </p:txBody>
-      </p:sp>
-      <p:sp>
-        <p:nvSpPr>
-          <p:cNvPr id="4" name="Rectangle 3">
-            <a:extLst>
-              <a:ext uri="{FF2B5EF4-FFF2-40B4-BE49-F238E27FC236}">
-                <a16:creationId xmlns:a16="http://schemas.microsoft.com/office/drawing/2014/main" id="{E874D10C-6D65-4617-8879-A22C02FF83D3}"/>
-              </a:ext>
-            </a:extLst>
-          </p:cNvPr>
-          <p:cNvSpPr/>
-          <p:nvPr/>
-        </p:nvSpPr>
-        <p:spPr>
-          <a:xfrm>
-            <a:off x="319500" y="4807508"/>
-            <a:ext cx="4662054" cy="215444"/>
-          </a:xfrm>
-          <a:prstGeom prst="rect">
-            <a:avLst/>
-          </a:prstGeom>
-        </p:spPr>
-        <p:txBody>
-          <a:bodyPr wrap="square">
-            <a:spAutoFit/>
-          </a:bodyPr>
-          <a:lstStyle/>
-          <a:p>
-            <a:r>
-              <a:rPr lang="en-US" sz="800" dirty="0">
-                <a:hlinkClick r:id="rId2"/>
-              </a:rPr>
-              <a:t>https://docs.microsoft.com/en-us/azure/machine-learning/service/how-to-understand-automated-ml</a:t>
-            </a:r>
-            <a:endParaRPr lang="en-US" sz="800" dirty="0"/>
-          </a:p>
-        </p:txBody>
-      </p:sp>
-      <p:pic>
-        <p:nvPicPr>
-          <p:cNvPr id="7" name="Picture 6">
-            <a:extLst>
-              <a:ext uri="{FF2B5EF4-FFF2-40B4-BE49-F238E27FC236}">
-                <a16:creationId xmlns:a16="http://schemas.microsoft.com/office/drawing/2014/main" id="{BE0C4B95-9A79-44B8-9528-F9DF165F32E8}"/>
-              </a:ext>
-            </a:extLst>
-          </p:cNvPr>
-          <p:cNvPicPr>
-            <a:picLocks noChangeAspect="1"/>
-          </p:cNvPicPr>
-          <p:nvPr/>
-        </p:nvPicPr>
-        <p:blipFill>
-          <a:blip r:embed="rId3"/>
-          <a:stretch>
-            <a:fillRect/>
-          </a:stretch>
-        </p:blipFill>
-        <p:spPr>
-          <a:xfrm>
-            <a:off x="3851564" y="1451308"/>
-            <a:ext cx="4613562" cy="2825324"/>
-          </a:xfrm>
-          <a:prstGeom prst="rect">
-            <a:avLst/>
-          </a:prstGeom>
-        </p:spPr>
-      </p:pic>
-    </p:spTree>
-    <p:extLst>
-      <p:ext uri="{BB962C8B-B14F-4D97-AF65-F5344CB8AC3E}">
-        <p14:creationId xmlns:p14="http://schemas.microsoft.com/office/powerpoint/2010/main" val="1759626261"/>
       </p:ext>
     </p:extLst>
   </p:cSld>

--- a/3 - Machine Learning/MachineLearning.pptx
+++ b/3 - Machine Learning/MachineLearning.pptx
@@ -54,14 +54,14 @@
       <p:boldItalic r:id="rId37"/>
     </p:embeddedFont>
     <p:embeddedFont>
-      <p:font typeface="Lato" panose="020B0604020202020204" charset="0"/>
+      <p:font typeface="Lato" panose="020F0502020204030203" pitchFamily="34" charset="0"/>
       <p:regular r:id="rId38"/>
       <p:bold r:id="rId39"/>
       <p:italic r:id="rId40"/>
       <p:boldItalic r:id="rId41"/>
     </p:embeddedFont>
     <p:embeddedFont>
-      <p:font typeface="Raleway" panose="020B0604020202020204" charset="0"/>
+      <p:font typeface="Raleway" panose="020B0503030101060003" pitchFamily="34" charset="77"/>
       <p:regular r:id="rId42"/>
       <p:bold r:id="rId43"/>
       <p:italic r:id="rId44"/>
@@ -6617,7 +6617,7 @@
           <a:p>
             <a:fld id="{123CBCE9-0914-4950-A986-7596C92667F1}" type="datetime1">
               <a:rPr lang="en-US" smtClean="0"/>
-              <a:t>9/12/2019</a:t>
+              <a:t>9/18/19</a:t>
             </a:fld>
             <a:endParaRPr lang="en-US"/>
           </a:p>
@@ -8600,9 +8600,7 @@
           <p:cNvGraphicFramePr>
             <a:graphicFrameLocks noGrp="1"/>
           </p:cNvGraphicFramePr>
-          <p:nvPr>
-            <p:extLst/>
-          </p:nvPr>
+          <p:nvPr/>
         </p:nvGraphicFramePr>
         <p:xfrm>
           <a:off x="3817974" y="640146"/>
@@ -12185,7 +12183,7 @@
             <a:pPr lvl="1"/>
             <a:r>
               <a:rPr lang="en-US" dirty="0"/>
-              <a:t>P-Values</a:t>
+              <a:t>p-values</a:t>
             </a:r>
           </a:p>
           <a:p>
@@ -12301,7 +12299,7 @@
             </a:pPr>
             <a:r>
               <a:rPr lang="en-US" dirty="0"/>
-              <a:t>Pick the most discriminable factor first, then continue to split]</a:t>
+              <a:t>Pick the most discriminable factor first, then continue to split</a:t>
             </a:r>
           </a:p>
           <a:p>
@@ -12995,7 +12993,7 @@
           <a:graphicData uri="http://schemas.openxmlformats.org/presentationml/2006/ole">
             <mc:AlternateContent xmlns:mc="http://schemas.openxmlformats.org/markup-compatibility/2006">
               <mc:Choice xmlns:v="urn:schemas-microsoft-com:vml" Requires="v">
-                <p:oleObj spid="_x0000_s1080" name="Equation" r:id="rId3" imgW="1333440" imgH="457200" progId="Equation.3">
+                <p:oleObj spid="_x0000_s1082" name="Equation" r:id="rId3" imgW="1333440" imgH="457200" progId="Equation.3">
                   <p:embed/>
                 </p:oleObj>
               </mc:Choice>
@@ -13391,7 +13389,7 @@
           <a:graphicData uri="http://schemas.openxmlformats.org/presentationml/2006/ole">
             <mc:AlternateContent xmlns:mc="http://schemas.openxmlformats.org/markup-compatibility/2006">
               <mc:Choice xmlns:v="urn:schemas-microsoft-com:vml" Requires="v">
-                <p:oleObj spid="_x0000_s1081" name="Equation" r:id="rId5" imgW="1180800" imgH="431640" progId="Equation.3">
+                <p:oleObj spid="_x0000_s1083" name="Equation" r:id="rId5" imgW="1180800" imgH="431640" progId="Equation.3">
                   <p:embed/>
                 </p:oleObj>
               </mc:Choice>
@@ -13773,7 +13771,7 @@
           <a:graphicData uri="http://schemas.openxmlformats.org/presentationml/2006/ole">
             <mc:AlternateContent xmlns:mc="http://schemas.openxmlformats.org/markup-compatibility/2006">
               <mc:Choice xmlns:v="urn:schemas-microsoft-com:vml" Requires="v">
-                <p:oleObj spid="_x0000_s2104" name="Equation" r:id="rId3" imgW="1498320" imgH="482400" progId="Equation.3">
+                <p:oleObj spid="_x0000_s2106" name="Equation" r:id="rId3" imgW="1498320" imgH="482400" progId="Equation.3">
                   <p:embed/>
                 </p:oleObj>
               </mc:Choice>
@@ -13845,7 +13843,7 @@
           <a:graphicData uri="http://schemas.openxmlformats.org/presentationml/2006/ole">
             <mc:AlternateContent xmlns:mc="http://schemas.openxmlformats.org/markup-compatibility/2006">
               <mc:Choice xmlns:v="urn:schemas-microsoft-com:vml" Requires="v">
-                <p:oleObj spid="_x0000_s2105" name="Equation" r:id="rId5" imgW="1663560" imgH="444240" progId="Equation.3">
+                <p:oleObj spid="_x0000_s2107" name="Equation" r:id="rId5" imgW="1663560" imgH="444240" progId="Equation.3">
                   <p:embed/>
                 </p:oleObj>
               </mc:Choice>

--- a/3 - Machine Learning/MachineLearning.pptx
+++ b/3 - Machine Learning/MachineLearning.pptx
@@ -54,14 +54,14 @@
       <p:boldItalic r:id="rId37"/>
     </p:embeddedFont>
     <p:embeddedFont>
-      <p:font typeface="Lato" panose="020F0502020204030203" pitchFamily="34" charset="0"/>
+      <p:font typeface="Lato" panose="020B0604020202020204" charset="0"/>
       <p:regular r:id="rId38"/>
       <p:bold r:id="rId39"/>
       <p:italic r:id="rId40"/>
       <p:boldItalic r:id="rId41"/>
     </p:embeddedFont>
     <p:embeddedFont>
-      <p:font typeface="Raleway" panose="020B0503030101060003" pitchFamily="34" charset="77"/>
+      <p:font typeface="Raleway" panose="020B0604020202020204" charset="0"/>
       <p:regular r:id="rId42"/>
       <p:bold r:id="rId43"/>
       <p:italic r:id="rId44"/>
@@ -6617,7 +6617,7 @@
           <a:p>
             <a:fld id="{123CBCE9-0914-4950-A986-7596C92667F1}" type="datetime1">
               <a:rPr lang="en-US" smtClean="0"/>
-              <a:t>9/18/19</a:t>
+              <a:t>9/19/2019</a:t>
             </a:fld>
             <a:endParaRPr lang="en-US"/>
           </a:p>
@@ -8279,7 +8279,7 @@
 </file>
 
 <file path=ppt/slides/slide10.xml><?xml version="1.0" encoding="utf-8"?>
-<p:sld xmlns:a="http://schemas.openxmlformats.org/drawingml/2006/main" xmlns:r="http://schemas.openxmlformats.org/officeDocument/2006/relationships" xmlns:p="http://schemas.openxmlformats.org/presentationml/2006/main" show="0">
+<p:sld xmlns:a="http://schemas.openxmlformats.org/drawingml/2006/main" xmlns:r="http://schemas.openxmlformats.org/officeDocument/2006/relationships" xmlns:p="http://schemas.openxmlformats.org/presentationml/2006/main">
   <p:cSld>
     <p:spTree>
       <p:nvGrpSpPr>
@@ -10103,8 +10103,8 @@
           </a:p>
         </p:txBody>
       </p:sp>
-      <mc:AlternateContent xmlns:mc="http://schemas.openxmlformats.org/markup-compatibility/2006" xmlns:a14="http://schemas.microsoft.com/office/drawing/2010/main">
-        <mc:Choice Requires="a14">
+      <mc:AlternateContent xmlns:mc="http://schemas.openxmlformats.org/markup-compatibility/2006">
+        <mc:Choice xmlns:a14="http://schemas.microsoft.com/office/drawing/2010/main" Requires="a14">
           <p:sp>
             <p:nvSpPr>
               <p:cNvPr id="3" name="Text Placeholder 2">
@@ -10972,48 +10972,67 @@
                         </a:rPr>
                         <m:t>=</m:t>
                       </m:r>
-                      <m:d>
-                        <m:dPr>
+                      <m:sSup>
+                        <m:sSupPr>
                           <m:ctrlPr>
                             <a:rPr lang="en-US" b="0" i="1" smtClean="0">
                               <a:latin typeface="Cambria Math" panose="02040503050406030204" pitchFamily="18" charset="0"/>
                             </a:rPr>
                           </m:ctrlPr>
-                        </m:dPr>
+                        </m:sSupPr>
                         <m:e>
-                          <m:sSup>
-                            <m:sSupPr>
+                          <m:d>
+                            <m:dPr>
                               <m:ctrlPr>
-                                <a:rPr lang="en-US" b="0" i="1" smtClean="0">
+                                <a:rPr lang="en-US" i="1">
                                   <a:latin typeface="Cambria Math" panose="02040503050406030204" pitchFamily="18" charset="0"/>
                                 </a:rPr>
                               </m:ctrlPr>
-                            </m:sSupPr>
+                            </m:dPr>
                             <m:e>
+                              <m:sSup>
+                                <m:sSupPr>
+                                  <m:ctrlPr>
+                                    <a:rPr lang="en-US" i="1">
+                                      <a:latin typeface="Cambria Math" panose="02040503050406030204" pitchFamily="18" charset="0"/>
+                                    </a:rPr>
+                                  </m:ctrlPr>
+                                </m:sSupPr>
+                                <m:e>
+                                  <m:r>
+                                    <a:rPr lang="en-US" i="1">
+                                      <a:latin typeface="Cambria Math" panose="02040503050406030204" pitchFamily="18" charset="0"/>
+                                    </a:rPr>
+                                    <m:t>𝑋</m:t>
+                                  </m:r>
+                                </m:e>
+                                <m:sup>
+                                  <m:r>
+                                    <a:rPr lang="en-US" i="1">
+                                      <a:latin typeface="Cambria Math" panose="02040503050406030204" pitchFamily="18" charset="0"/>
+                                    </a:rPr>
+                                    <m:t>𝑇</m:t>
+                                  </m:r>
+                                </m:sup>
+                              </m:sSup>
                               <m:r>
-                                <a:rPr lang="en-US" b="0" i="1" smtClean="0">
+                                <a:rPr lang="en-US" i="1">
                                   <a:latin typeface="Cambria Math" panose="02040503050406030204" pitchFamily="18" charset="0"/>
                                 </a:rPr>
                                 <m:t>𝑋</m:t>
                               </m:r>
                             </m:e>
-                            <m:sup>
-                              <m:r>
-                                <a:rPr lang="en-US" b="0" i="1" smtClean="0">
-                                  <a:latin typeface="Cambria Math" panose="02040503050406030204" pitchFamily="18" charset="0"/>
-                                </a:rPr>
-                                <m:t>𝑇</m:t>
-                              </m:r>
-                            </m:sup>
-                          </m:sSup>
+                          </m:d>
+                        </m:e>
+                        <m:sup>
                           <m:r>
                             <a:rPr lang="en-US" b="0" i="1" smtClean="0">
                               <a:latin typeface="Cambria Math" panose="02040503050406030204" pitchFamily="18" charset="0"/>
                             </a:rPr>
-                            <m:t>𝑋</m:t>
+                            <m:t>𝑇</m:t>
                           </m:r>
-                        </m:e>
-                      </m:d>
+                        </m:sup>
+                      </m:sSup>
                       <m:sSup>
                         <m:sSupPr>
                           <m:ctrlPr>
@@ -11053,7 +11072,7 @@
             </p:txBody>
           </p:sp>
         </mc:Choice>
-        <mc:Fallback xmlns="">
+        <mc:Fallback>
           <p:sp>
             <p:nvSpPr>
               <p:cNvPr id="3" name="Text Placeholder 2">
@@ -12993,7 +13012,7 @@
           <a:graphicData uri="http://schemas.openxmlformats.org/presentationml/2006/ole">
             <mc:AlternateContent xmlns:mc="http://schemas.openxmlformats.org/markup-compatibility/2006">
               <mc:Choice xmlns:v="urn:schemas-microsoft-com:vml" Requires="v">
-                <p:oleObj spid="_x0000_s1082" name="Equation" r:id="rId3" imgW="1333440" imgH="457200" progId="Equation.3">
+                <p:oleObj spid="_x0000_s1090" name="Equation" r:id="rId3" imgW="1333440" imgH="457200" progId="Equation.3">
                   <p:embed/>
                 </p:oleObj>
               </mc:Choice>
@@ -13389,7 +13408,7 @@
           <a:graphicData uri="http://schemas.openxmlformats.org/presentationml/2006/ole">
             <mc:AlternateContent xmlns:mc="http://schemas.openxmlformats.org/markup-compatibility/2006">
               <mc:Choice xmlns:v="urn:schemas-microsoft-com:vml" Requires="v">
-                <p:oleObj spid="_x0000_s1083" name="Equation" r:id="rId5" imgW="1180800" imgH="431640" progId="Equation.3">
+                <p:oleObj spid="_x0000_s1091" name="Equation" r:id="rId5" imgW="1180800" imgH="431640" progId="Equation.3">
                   <p:embed/>
                 </p:oleObj>
               </mc:Choice>
@@ -13771,7 +13790,7 @@
           <a:graphicData uri="http://schemas.openxmlformats.org/presentationml/2006/ole">
             <mc:AlternateContent xmlns:mc="http://schemas.openxmlformats.org/markup-compatibility/2006">
               <mc:Choice xmlns:v="urn:schemas-microsoft-com:vml" Requires="v">
-                <p:oleObj spid="_x0000_s2106" name="Equation" r:id="rId3" imgW="1498320" imgH="482400" progId="Equation.3">
+                <p:oleObj spid="_x0000_s2114" name="Equation" r:id="rId3" imgW="1498320" imgH="482400" progId="Equation.3">
                   <p:embed/>
                 </p:oleObj>
               </mc:Choice>
@@ -13843,7 +13862,7 @@
           <a:graphicData uri="http://schemas.openxmlformats.org/presentationml/2006/ole">
             <mc:AlternateContent xmlns:mc="http://schemas.openxmlformats.org/markup-compatibility/2006">
               <mc:Choice xmlns:v="urn:schemas-microsoft-com:vml" Requires="v">
-                <p:oleObj spid="_x0000_s2107" name="Equation" r:id="rId5" imgW="1663560" imgH="444240" progId="Equation.3">
+                <p:oleObj spid="_x0000_s2115" name="Equation" r:id="rId5" imgW="1663560" imgH="444240" progId="Equation.3">
                   <p:embed/>
                 </p:oleObj>
               </mc:Choice>
@@ -15379,8 +15398,8 @@
           </a:p>
         </p:txBody>
       </p:sp>
-      <mc:AlternateContent xmlns:mc="http://schemas.openxmlformats.org/markup-compatibility/2006" xmlns:a14="http://schemas.microsoft.com/office/drawing/2010/main">
-        <mc:Choice Requires="a14">
+      <mc:AlternateContent xmlns:mc="http://schemas.openxmlformats.org/markup-compatibility/2006">
+        <mc:Choice xmlns:a14="http://schemas.microsoft.com/office/drawing/2010/main" Requires="a14">
           <p:graphicFrame>
             <p:nvGraphicFramePr>
               <p:cNvPr id="5" name="Table 4">
@@ -15396,7 +15415,7 @@
               <p:nvPr>
                 <p:extLst>
                   <p:ext uri="{D42A27DB-BD31-4B8C-83A1-F6EECF244321}">
-                    <p14:modId xmlns:p14="http://schemas.microsoft.com/office/powerpoint/2010/main" val="3440784375"/>
+                    <p14:modId xmlns:p14="http://schemas.microsoft.com/office/powerpoint/2010/main" val="4283424805"/>
                   </p:ext>
                 </p:extLst>
               </p:nvPr>
@@ -15827,7 +15846,7 @@
                                   <a:rPr lang="en-US" b="0" i="1" smtClean="0">
                                     <a:latin typeface="Cambria Math" panose="02040503050406030204" pitchFamily="18" charset="0"/>
                                   </a:rPr>
-                                  <m:t>𝑝𝑎</m:t>
+                                  <m:t>𝑝</m:t>
                                 </m:r>
                                 <m:r>
                                   <a:rPr lang="en-US" b="0" i="1" smtClean="0">
@@ -16399,7 +16418,7 @@
             </a:graphic>
           </p:graphicFrame>
         </mc:Choice>
-        <mc:Fallback xmlns="">
+        <mc:Fallback>
           <p:graphicFrame>
             <p:nvGraphicFramePr>
               <p:cNvPr id="5" name="Table 4">
@@ -16415,7 +16434,7 @@
               <p:nvPr>
                 <p:extLst>
                   <p:ext uri="{D42A27DB-BD31-4B8C-83A1-F6EECF244321}">
-                    <p14:modId xmlns:p14="http://schemas.microsoft.com/office/powerpoint/2010/main" val="3440784375"/>
+                    <p14:modId xmlns:p14="http://schemas.microsoft.com/office/powerpoint/2010/main" val="4283424805"/>
                   </p:ext>
                 </p:extLst>
               </p:nvPr>

--- a/3 - Machine Learning/MachineLearning.pptx
+++ b/3 - Machine Learning/MachineLearning.pptx
@@ -54,14 +54,14 @@
       <p:boldItalic r:id="rId37"/>
     </p:embeddedFont>
     <p:embeddedFont>
-      <p:font typeface="Lato" panose="020B0604020202020204" charset="0"/>
+      <p:font typeface="Lato" panose="020F0502020204030203" pitchFamily="34" charset="0"/>
       <p:regular r:id="rId38"/>
       <p:bold r:id="rId39"/>
       <p:italic r:id="rId40"/>
       <p:boldItalic r:id="rId41"/>
     </p:embeddedFont>
     <p:embeddedFont>
-      <p:font typeface="Raleway" panose="020B0604020202020204" charset="0"/>
+      <p:font typeface="Raleway" pitchFamily="2" charset="77"/>
       <p:regular r:id="rId42"/>
       <p:bold r:id="rId43"/>
       <p:italic r:id="rId44"/>
@@ -6617,7 +6617,7 @@
           <a:p>
             <a:fld id="{123CBCE9-0914-4950-A986-7596C92667F1}" type="datetime1">
               <a:rPr lang="en-US" smtClean="0"/>
-              <a:t>9/19/2019</a:t>
+              <a:t>9/19/19</a:t>
             </a:fld>
             <a:endParaRPr lang="en-US"/>
           </a:p>
@@ -10947,25 +10947,13 @@
                       <m:jc m:val="centerGroup"/>
                     </m:oMathParaPr>
                     <m:oMath xmlns:m="http://schemas.openxmlformats.org/officeDocument/2006/math">
-                      <m:acc>
-                        <m:accPr>
-                          <m:chr m:val="̂"/>
-                          <m:ctrlPr>
-                            <a:rPr lang="en-US" i="1" smtClean="0">
-                              <a:latin typeface="Cambria Math" panose="02040503050406030204" pitchFamily="18" charset="0"/>
-                            </a:rPr>
-                          </m:ctrlPr>
-                        </m:accPr>
-                        <m:e>
-                          <m:r>
-                            <a:rPr lang="en-US" i="1" smtClean="0">
-                              <a:latin typeface="Cambria Math" panose="02040503050406030204" pitchFamily="18" charset="0"/>
-                              <a:ea typeface="Cambria Math" panose="02040503050406030204" pitchFamily="18" charset="0"/>
-                            </a:rPr>
-                            <m:t>𝛽</m:t>
-                          </m:r>
-                        </m:e>
-                      </m:acc>
+                      <m:r>
+                        <a:rPr lang="en-US" i="1" smtClean="0">
+                          <a:latin typeface="Cambria Math" panose="02040503050406030204" pitchFamily="18" charset="0"/>
+                          <a:ea typeface="Cambria Math" panose="02040503050406030204" pitchFamily="18" charset="0"/>
+                        </a:rPr>
+                        <m:t>𝛽</m:t>
+                      </m:r>
                       <m:r>
                         <a:rPr lang="en-US" b="0" i="1" smtClean="0">
                           <a:latin typeface="Cambria Math" panose="02040503050406030204" pitchFamily="18" charset="0"/>
@@ -11008,10 +10996,10 @@
                                 </m:e>
                                 <m:sup>
                                   <m:r>
-                                    <a:rPr lang="en-US" i="1">
+                                    <a:rPr lang="en-US" b="0" i="1" smtClean="0">
                                       <a:latin typeface="Cambria Math" panose="02040503050406030204" pitchFamily="18" charset="0"/>
                                     </a:rPr>
-                                    <m:t>𝑇</m:t>
+                                    <m:t>′</m:t>
                                   </m:r>
                                 </m:sup>
                               </m:sSup>
@@ -11029,7 +11017,7 @@
                             <a:rPr lang="en-US" b="0" i="1" smtClean="0">
                               <a:latin typeface="Cambria Math" panose="02040503050406030204" pitchFamily="18" charset="0"/>
                             </a:rPr>
-                            <m:t>𝑇</m:t>
+                            <m:t>−1</m:t>
                           </m:r>
                         </m:sup>
                       </m:sSup>
@@ -11054,7 +11042,7 @@
                             <a:rPr lang="en-US" b="0" i="1" smtClean="0">
                               <a:latin typeface="Cambria Math" panose="02040503050406030204" pitchFamily="18" charset="0"/>
                             </a:rPr>
-                            <m:t>𝑇</m:t>
+                            <m:t>′</m:t>
                           </m:r>
                         </m:sup>
                       </m:sSup>
@@ -11062,7 +11050,7 @@
                         <a:rPr lang="en-US" b="0" i="1" smtClean="0">
                           <a:latin typeface="Cambria Math" panose="02040503050406030204" pitchFamily="18" charset="0"/>
                         </a:rPr>
-                        <m:t>𝑦</m:t>
+                        <m:t>𝑌</m:t>
                       </m:r>
                     </m:oMath>
                   </m:oMathPara>
@@ -13012,7 +13000,7 @@
           <a:graphicData uri="http://schemas.openxmlformats.org/presentationml/2006/ole">
             <mc:AlternateContent xmlns:mc="http://schemas.openxmlformats.org/markup-compatibility/2006">
               <mc:Choice xmlns:v="urn:schemas-microsoft-com:vml" Requires="v">
-                <p:oleObj spid="_x0000_s1090" name="Equation" r:id="rId3" imgW="1333440" imgH="457200" progId="Equation.3">
+                <p:oleObj spid="_x0000_s1094" name="Equation" r:id="rId3" imgW="1333440" imgH="457200" progId="Equation.3">
                   <p:embed/>
                 </p:oleObj>
               </mc:Choice>
@@ -13408,7 +13396,7 @@
           <a:graphicData uri="http://schemas.openxmlformats.org/presentationml/2006/ole">
             <mc:AlternateContent xmlns:mc="http://schemas.openxmlformats.org/markup-compatibility/2006">
               <mc:Choice xmlns:v="urn:schemas-microsoft-com:vml" Requires="v">
-                <p:oleObj spid="_x0000_s1091" name="Equation" r:id="rId5" imgW="1180800" imgH="431640" progId="Equation.3">
+                <p:oleObj spid="_x0000_s1095" name="Equation" r:id="rId5" imgW="1180800" imgH="431640" progId="Equation.3">
                   <p:embed/>
                 </p:oleObj>
               </mc:Choice>
@@ -13790,7 +13778,7 @@
           <a:graphicData uri="http://schemas.openxmlformats.org/presentationml/2006/ole">
             <mc:AlternateContent xmlns:mc="http://schemas.openxmlformats.org/markup-compatibility/2006">
               <mc:Choice xmlns:v="urn:schemas-microsoft-com:vml" Requires="v">
-                <p:oleObj spid="_x0000_s2114" name="Equation" r:id="rId3" imgW="1498320" imgH="482400" progId="Equation.3">
+                <p:oleObj spid="_x0000_s2118" name="Equation" r:id="rId3" imgW="1498320" imgH="482400" progId="Equation.3">
                   <p:embed/>
                 </p:oleObj>
               </mc:Choice>
@@ -13862,7 +13850,7 @@
           <a:graphicData uri="http://schemas.openxmlformats.org/presentationml/2006/ole">
             <mc:AlternateContent xmlns:mc="http://schemas.openxmlformats.org/markup-compatibility/2006">
               <mc:Choice xmlns:v="urn:schemas-microsoft-com:vml" Requires="v">
-                <p:oleObj spid="_x0000_s2115" name="Equation" r:id="rId5" imgW="1663560" imgH="444240" progId="Equation.3">
+                <p:oleObj spid="_x0000_s2119" name="Equation" r:id="rId5" imgW="1663560" imgH="444240" progId="Equation.3">
                   <p:embed/>
                 </p:oleObj>
               </mc:Choice>
@@ -15398,8 +15386,8 @@
           </a:p>
         </p:txBody>
       </p:sp>
-      <mc:AlternateContent xmlns:mc="http://schemas.openxmlformats.org/markup-compatibility/2006">
-        <mc:Choice xmlns:a14="http://schemas.microsoft.com/office/drawing/2010/main" Requires="a14">
+      <mc:AlternateContent xmlns:mc="http://schemas.openxmlformats.org/markup-compatibility/2006" xmlns:a14="http://schemas.microsoft.com/office/drawing/2010/main">
+        <mc:Choice Requires="a14">
           <p:graphicFrame>
             <p:nvGraphicFramePr>
               <p:cNvPr id="5" name="Table 4">
@@ -16418,7 +16406,7 @@
             </a:graphic>
           </p:graphicFrame>
         </mc:Choice>
-        <mc:Fallback>
+        <mc:Fallback xmlns="">
           <p:graphicFrame>
             <p:nvGraphicFramePr>
               <p:cNvPr id="5" name="Table 4">

--- a/3 - Machine Learning/MachineLearning.pptx
+++ b/3 - Machine Learning/MachineLearning.pptx
@@ -72,7 +72,7 @@
       <p:boldItalic r:id="rId49"/>
     </p:embeddedFont>
     <p:embeddedFont>
-      <p:font typeface="Raleway" panose="020B0003030101060003" pitchFamily="34" charset="0"/>
+      <p:font typeface="Raleway" panose="020B0604020202020204" charset="0"/>
       <p:regular r:id="rId50"/>
       <p:bold r:id="rId51"/>
       <p:italic r:id="rId52"/>
@@ -2216,14 +2216,9 @@
         <a:lstStyle/>
         <a:p>
           <a:r>
-            <a:rPr lang="en-US" dirty="0" err="1"/>
+            <a:rPr lang="en-US" dirty="0"/>
             <a:t>Node</a:t>
           </a:r>
-          <a:r>
-            <a:rPr lang="en-US" baseline="-25000" dirty="0" err="1"/>
-            <a:t>n</a:t>
-          </a:r>
-          <a:endParaRPr lang="en-US" dirty="0"/>
         </a:p>
       </dgm:t>
     </dgm:pt>
@@ -2260,11 +2255,6 @@
             <a:rPr lang="en-US" dirty="0"/>
             <a:t>Core</a:t>
           </a:r>
-          <a:r>
-            <a:rPr lang="en-US" baseline="-25000" dirty="0"/>
-            <a:t>1</a:t>
-          </a:r>
-          <a:endParaRPr lang="en-US" dirty="0"/>
         </a:p>
       </dgm:t>
     </dgm:pt>
@@ -2298,14 +2288,9 @@
         <a:lstStyle/>
         <a:p>
           <a:r>
-            <a:rPr lang="en-US" dirty="0" err="1"/>
+            <a:rPr lang="en-US" dirty="0"/>
             <a:t>Processor</a:t>
           </a:r>
-          <a:r>
-            <a:rPr lang="en-US" baseline="-25000" dirty="0" err="1"/>
-            <a:t>n</a:t>
-          </a:r>
-          <a:endParaRPr lang="en-US" dirty="0"/>
         </a:p>
       </dgm:t>
     </dgm:pt>
@@ -2342,11 +2327,6 @@
             <a:rPr lang="en-US" dirty="0"/>
             <a:t>Processor</a:t>
           </a:r>
-          <a:r>
-            <a:rPr lang="en-US" baseline="-25000" dirty="0"/>
-            <a:t>1</a:t>
-          </a:r>
-          <a:endParaRPr lang="en-US" dirty="0"/>
         </a:p>
       </dgm:t>
     </dgm:pt>
@@ -2380,14 +2360,9 @@
         <a:lstStyle/>
         <a:p>
           <a:r>
-            <a:rPr lang="en-US" dirty="0" err="1"/>
+            <a:rPr lang="en-US" dirty="0"/>
             <a:t>Core</a:t>
           </a:r>
-          <a:r>
-            <a:rPr lang="en-US" baseline="-25000" dirty="0" err="1"/>
-            <a:t>n</a:t>
-          </a:r>
-          <a:endParaRPr lang="en-US" dirty="0"/>
         </a:p>
       </dgm:t>
     </dgm:pt>
@@ -2514,11 +2489,6 @@
             <a:rPr lang="en-US" dirty="0"/>
             <a:t>Core</a:t>
           </a:r>
-          <a:r>
-            <a:rPr lang="en-US" baseline="-25000" dirty="0"/>
-            <a:t>1</a:t>
-          </a:r>
-          <a:endParaRPr lang="en-US" dirty="0"/>
         </a:p>
       </dgm:t>
     </dgm:pt>
@@ -2642,14 +2612,9 @@
         <a:lstStyle/>
         <a:p>
           <a:r>
-            <a:rPr lang="en-US" dirty="0" err="1"/>
+            <a:rPr lang="en-US" dirty="0"/>
             <a:t>Core</a:t>
           </a:r>
-          <a:r>
-            <a:rPr lang="en-US" baseline="-25000" dirty="0" err="1"/>
-            <a:t>n</a:t>
-          </a:r>
-          <a:endParaRPr lang="en-US" dirty="0"/>
         </a:p>
       </dgm:t>
     </dgm:pt>
@@ -2685,10 +2650,6 @@
           <a:r>
             <a:rPr lang="en-US" sz="1200" dirty="0"/>
             <a:t>Node</a:t>
-          </a:r>
-          <a:r>
-            <a:rPr lang="en-US" sz="1400" baseline="-25000" dirty="0"/>
-            <a:t>1</a:t>
           </a:r>
           <a:endParaRPr lang="en-US" sz="1200" baseline="-25000" dirty="0"/>
         </a:p>
@@ -2768,11 +2729,6 @@
             <a:rPr lang="en-US" dirty="0"/>
             <a:t>Core</a:t>
           </a:r>
-          <a:r>
-            <a:rPr lang="en-US" baseline="-25000" dirty="0"/>
-            <a:t>1</a:t>
-          </a:r>
-          <a:endParaRPr lang="en-US" dirty="0"/>
         </a:p>
       </dgm:t>
     </dgm:pt>
@@ -2851,12 +2807,8 @@
         <a:lstStyle/>
         <a:p>
           <a:r>
-            <a:rPr lang="en-US" dirty="0" err="1"/>
+            <a:rPr lang="en-US" dirty="0"/>
             <a:t>Core</a:t>
-          </a:r>
-          <a:r>
-            <a:rPr lang="en-US" baseline="-25000" dirty="0" err="1"/>
-            <a:t>n</a:t>
           </a:r>
           <a:endParaRPr lang="en-US" baseline="-25000" dirty="0"/>
         </a:p>
@@ -2937,14 +2889,9 @@
         <a:lstStyle/>
         <a:p>
           <a:r>
-            <a:rPr lang="en-US" dirty="0" err="1"/>
+            <a:rPr lang="en-US" dirty="0"/>
             <a:t>Processor</a:t>
           </a:r>
-          <a:r>
-            <a:rPr lang="en-US" baseline="-25000" dirty="0" err="1"/>
-            <a:t>n</a:t>
-          </a:r>
-          <a:endParaRPr lang="en-US" dirty="0"/>
         </a:p>
       </dgm:t>
     </dgm:pt>
@@ -2981,11 +2928,6 @@
             <a:rPr lang="en-US" dirty="0"/>
             <a:t>Core</a:t>
           </a:r>
-          <a:r>
-            <a:rPr lang="en-US" baseline="-25000" dirty="0"/>
-            <a:t>1</a:t>
-          </a:r>
-          <a:endParaRPr lang="en-US" dirty="0"/>
         </a:p>
       </dgm:t>
     </dgm:pt>
@@ -3063,14 +3005,9 @@
         <a:lstStyle/>
         <a:p>
           <a:r>
-            <a:rPr lang="en-US" dirty="0" err="1"/>
+            <a:rPr lang="en-US" dirty="0"/>
             <a:t>Core</a:t>
           </a:r>
-          <a:r>
-            <a:rPr lang="en-US" baseline="-25000" dirty="0" err="1"/>
-            <a:t>n</a:t>
-          </a:r>
-          <a:endParaRPr lang="en-US" dirty="0"/>
         </a:p>
       </dgm:t>
     </dgm:pt>
@@ -6233,10 +6170,6 @@
             <a:rPr lang="en-US" sz="1200" kern="1200" dirty="0"/>
             <a:t>Node</a:t>
           </a:r>
-          <a:r>
-            <a:rPr lang="en-US" sz="1400" kern="1200" baseline="-25000" dirty="0"/>
-            <a:t>1</a:t>
-          </a:r>
           <a:endParaRPr lang="en-US" sz="1200" kern="1200" baseline="-25000" dirty="0"/>
         </a:p>
       </dsp:txBody>
@@ -6397,11 +6330,6 @@
             <a:rPr lang="en-US" sz="1400" kern="1200" dirty="0"/>
             <a:t>Core</a:t>
           </a:r>
-          <a:r>
-            <a:rPr lang="en-US" sz="1400" kern="1200" baseline="-25000" dirty="0"/>
-            <a:t>1</a:t>
-          </a:r>
-          <a:endParaRPr lang="en-US" sz="1400" kern="1200" dirty="0"/>
         </a:p>
       </dsp:txBody>
       <dsp:txXfrm>
@@ -6553,12 +6481,8 @@
             <a:buNone/>
           </a:pPr>
           <a:r>
-            <a:rPr lang="en-US" sz="1400" kern="1200" dirty="0" err="1"/>
+            <a:rPr lang="en-US" sz="1400" kern="1200" dirty="0"/>
             <a:t>Core</a:t>
-          </a:r>
-          <a:r>
-            <a:rPr lang="en-US" sz="1400" kern="1200" baseline="-25000" dirty="0" err="1"/>
-            <a:t>n</a:t>
           </a:r>
           <a:endParaRPr lang="en-US" sz="1400" kern="1200" baseline="-25000" dirty="0"/>
         </a:p>
@@ -6712,14 +6636,9 @@
             <a:buNone/>
           </a:pPr>
           <a:r>
-            <a:rPr lang="en-US" sz="1400" kern="1200" dirty="0" err="1"/>
+            <a:rPr lang="en-US" sz="1400" kern="1200" dirty="0"/>
             <a:t>Processor</a:t>
           </a:r>
-          <a:r>
-            <a:rPr lang="en-US" sz="1400" kern="1200" baseline="-25000" dirty="0" err="1"/>
-            <a:t>n</a:t>
-          </a:r>
-          <a:endParaRPr lang="en-US" sz="1400" kern="1200" dirty="0"/>
         </a:p>
       </dsp:txBody>
       <dsp:txXfrm>
@@ -6797,11 +6716,6 @@
             <a:rPr lang="en-US" sz="1400" kern="1200" dirty="0"/>
             <a:t>Core</a:t>
           </a:r>
-          <a:r>
-            <a:rPr lang="en-US" sz="1400" kern="1200" baseline="-25000" dirty="0"/>
-            <a:t>1</a:t>
-          </a:r>
-          <a:endParaRPr lang="en-US" sz="1400" kern="1200" dirty="0"/>
         </a:p>
       </dsp:txBody>
       <dsp:txXfrm>
@@ -6952,14 +6866,9 @@
             <a:buNone/>
           </a:pPr>
           <a:r>
-            <a:rPr lang="en-US" sz="1400" kern="1200" dirty="0" err="1"/>
+            <a:rPr lang="en-US" sz="1400" kern="1200" dirty="0"/>
             <a:t>Core</a:t>
           </a:r>
-          <a:r>
-            <a:rPr lang="en-US" sz="1400" kern="1200" baseline="-25000" dirty="0" err="1"/>
-            <a:t>n</a:t>
-          </a:r>
-          <a:endParaRPr lang="en-US" sz="1400" kern="1200" dirty="0"/>
         </a:p>
       </dsp:txBody>
       <dsp:txXfrm>
@@ -7111,14 +7020,9 @@
             <a:buNone/>
           </a:pPr>
           <a:r>
-            <a:rPr lang="en-US" sz="1400" kern="1200" dirty="0" err="1"/>
+            <a:rPr lang="en-US" sz="1400" kern="1200" dirty="0"/>
             <a:t>Node</a:t>
           </a:r>
-          <a:r>
-            <a:rPr lang="en-US" sz="1400" kern="1200" baseline="-25000" dirty="0" err="1"/>
-            <a:t>n</a:t>
-          </a:r>
-          <a:endParaRPr lang="en-US" sz="1400" kern="1200" dirty="0"/>
         </a:p>
       </dsp:txBody>
       <dsp:txXfrm>
@@ -7196,11 +7100,6 @@
             <a:rPr lang="en-US" sz="1400" kern="1200" dirty="0"/>
             <a:t>Processor</a:t>
           </a:r>
-          <a:r>
-            <a:rPr lang="en-US" sz="1400" kern="1200" baseline="-25000" dirty="0"/>
-            <a:t>1</a:t>
-          </a:r>
-          <a:endParaRPr lang="en-US" sz="1400" kern="1200" dirty="0"/>
         </a:p>
       </dsp:txBody>
       <dsp:txXfrm>
@@ -7278,11 +7177,6 @@
             <a:rPr lang="en-US" sz="1400" kern="1200" dirty="0"/>
             <a:t>Core</a:t>
           </a:r>
-          <a:r>
-            <a:rPr lang="en-US" sz="1400" kern="1200" baseline="-25000" dirty="0"/>
-            <a:t>1</a:t>
-          </a:r>
-          <a:endParaRPr lang="en-US" sz="1400" kern="1200" dirty="0"/>
         </a:p>
       </dsp:txBody>
       <dsp:txXfrm>
@@ -7434,14 +7328,9 @@
             <a:buNone/>
           </a:pPr>
           <a:r>
-            <a:rPr lang="en-US" sz="1400" kern="1200" dirty="0" err="1"/>
+            <a:rPr lang="en-US" sz="1400" kern="1200" dirty="0"/>
             <a:t>Core</a:t>
           </a:r>
-          <a:r>
-            <a:rPr lang="en-US" sz="1400" kern="1200" baseline="-25000" dirty="0" err="1"/>
-            <a:t>n</a:t>
-          </a:r>
-          <a:endParaRPr lang="en-US" sz="1400" kern="1200" dirty="0"/>
         </a:p>
       </dsp:txBody>
       <dsp:txXfrm>
@@ -7593,14 +7482,9 @@
             <a:buNone/>
           </a:pPr>
           <a:r>
-            <a:rPr lang="en-US" sz="1400" kern="1200" dirty="0" err="1"/>
+            <a:rPr lang="en-US" sz="1400" kern="1200" dirty="0"/>
             <a:t>Processor</a:t>
           </a:r>
-          <a:r>
-            <a:rPr lang="en-US" sz="1400" kern="1200" baseline="-25000" dirty="0" err="1"/>
-            <a:t>n</a:t>
-          </a:r>
-          <a:endParaRPr lang="en-US" sz="1400" kern="1200" dirty="0"/>
         </a:p>
       </dsp:txBody>
       <dsp:txXfrm>
@@ -7678,11 +7562,6 @@
             <a:rPr lang="en-US" sz="1400" kern="1200" dirty="0"/>
             <a:t>Core</a:t>
           </a:r>
-          <a:r>
-            <a:rPr lang="en-US" sz="1400" kern="1200" baseline="-25000" dirty="0"/>
-            <a:t>1</a:t>
-          </a:r>
-          <a:endParaRPr lang="en-US" sz="1400" kern="1200" dirty="0"/>
         </a:p>
       </dsp:txBody>
       <dsp:txXfrm>
@@ -7834,14 +7713,9 @@
             <a:buNone/>
           </a:pPr>
           <a:r>
-            <a:rPr lang="en-US" sz="1400" kern="1200" dirty="0" err="1"/>
+            <a:rPr lang="en-US" sz="1400" kern="1200" dirty="0"/>
             <a:t>Core</a:t>
           </a:r>
-          <a:r>
-            <a:rPr lang="en-US" sz="1400" kern="1200" baseline="-25000" dirty="0" err="1"/>
-            <a:t>n</a:t>
-          </a:r>
-          <a:endParaRPr lang="en-US" sz="1400" kern="1200" dirty="0"/>
         </a:p>
       </dsp:txBody>
       <dsp:txXfrm>
@@ -21238,7 +21112,7 @@
           <a:graphicData uri="http://schemas.openxmlformats.org/presentationml/2006/ole">
             <mc:AlternateContent xmlns:mc="http://schemas.openxmlformats.org/markup-compatibility/2006">
               <mc:Choice xmlns:v="urn:schemas-microsoft-com:vml" Requires="v">
-                <p:oleObj spid="_x0000_s1108" name="Equation" r:id="rId3" imgW="1333440" imgH="457200" progId="Equation.3">
+                <p:oleObj spid="_x0000_s1116" name="Equation" r:id="rId3" imgW="1333440" imgH="457200" progId="Equation.3">
                   <p:embed/>
                 </p:oleObj>
               </mc:Choice>
@@ -21634,7 +21508,7 @@
           <a:graphicData uri="http://schemas.openxmlformats.org/presentationml/2006/ole">
             <mc:AlternateContent xmlns:mc="http://schemas.openxmlformats.org/markup-compatibility/2006">
               <mc:Choice xmlns:v="urn:schemas-microsoft-com:vml" Requires="v">
-                <p:oleObj spid="_x0000_s1109" name="Equation" r:id="rId5" imgW="1180800" imgH="431640" progId="Equation.3">
+                <p:oleObj spid="_x0000_s1117" name="Equation" r:id="rId5" imgW="1180800" imgH="431640" progId="Equation.3">
                   <p:embed/>
                 </p:oleObj>
               </mc:Choice>
@@ -22016,7 +21890,7 @@
           <a:graphicData uri="http://schemas.openxmlformats.org/presentationml/2006/ole">
             <mc:AlternateContent xmlns:mc="http://schemas.openxmlformats.org/markup-compatibility/2006">
               <mc:Choice xmlns:v="urn:schemas-microsoft-com:vml" Requires="v">
-                <p:oleObj spid="_x0000_s2132" name="Equation" r:id="rId3" imgW="1498320" imgH="482400" progId="Equation.3">
+                <p:oleObj spid="_x0000_s2140" name="Equation" r:id="rId3" imgW="1498320" imgH="482400" progId="Equation.3">
                   <p:embed/>
                 </p:oleObj>
               </mc:Choice>
@@ -22088,7 +21962,7 @@
           <a:graphicData uri="http://schemas.openxmlformats.org/presentationml/2006/ole">
             <mc:AlternateContent xmlns:mc="http://schemas.openxmlformats.org/markup-compatibility/2006">
               <mc:Choice xmlns:v="urn:schemas-microsoft-com:vml" Requires="v">
-                <p:oleObj spid="_x0000_s2133" name="Equation" r:id="rId5" imgW="1663560" imgH="444240" progId="Equation.3">
+                <p:oleObj spid="_x0000_s2141" name="Equation" r:id="rId5" imgW="1663560" imgH="444240" progId="Equation.3">
                   <p:embed/>
                 </p:oleObj>
               </mc:Choice>
@@ -30129,14 +30003,19 @@
             <p:ph type="body" idx="2"/>
           </p:nvPr>
         </p:nvSpPr>
-        <p:spPr/>
+        <p:spPr>
+          <a:xfrm>
+            <a:off x="5650572" y="1602675"/>
+            <a:ext cx="3398178" cy="3002400"/>
+          </a:xfrm>
+        </p:spPr>
         <p:txBody>
           <a:bodyPr/>
           <a:lstStyle/>
           <a:p>
             <a:r>
               <a:rPr lang="en-US" dirty="0"/>
-              <a:t>Other Algorithms:</a:t>
+              <a:t>Regression and Other Algorithms:</a:t>
             </a:r>
           </a:p>
           <a:p>
@@ -30362,8 +30241,8 @@
           </a:p>
         </p:txBody>
       </p:sp>
-      <mc:AlternateContent xmlns:mc="http://schemas.openxmlformats.org/markup-compatibility/2006" xmlns:a14="http://schemas.microsoft.com/office/drawing/2010/main">
-        <mc:Choice Requires="a14">
+      <mc:AlternateContent xmlns:mc="http://schemas.openxmlformats.org/markup-compatibility/2006">
+        <mc:Choice xmlns:a14="http://schemas.microsoft.com/office/drawing/2010/main" Requires="a14">
           <p:sp>
             <p:nvSpPr>
               <p:cNvPr id="3" name="Text Placeholder 2">
@@ -30430,7 +30309,7 @@
                 </a14:m>
                 <a:r>
                   <a:rPr lang="en-US" dirty="0"/>
-                  <a:t> that is differentiable. The function decreases fastest is you go in the direction of the negative gradient, starting at a point.</a:t>
+                  <a:t> that is differentiable. The function decreases fastest as you go in the direction of the negative gradient, starting at a point.</a:t>
                 </a:r>
               </a:p>
               <a:p>
@@ -30507,7 +30386,7 @@
             </p:txBody>
           </p:sp>
         </mc:Choice>
-        <mc:Fallback xmlns="">
+        <mc:Fallback>
           <p:sp>
             <p:nvSpPr>
               <p:cNvPr id="3" name="Text Placeholder 2">
@@ -30532,7 +30411,7 @@
               <a:blipFill>
                 <a:blip r:embed="rId2"/>
                 <a:stretch>
-                  <a:fillRect r="-1087" b="-686"/>
+                  <a:fillRect r="-870" b="-686"/>
                 </a:stretch>
               </a:blipFill>
             </p:spPr>
@@ -32002,8 +31881,8 @@
           </p:sp>
         </mc:Fallback>
       </mc:AlternateContent>
-      <mc:AlternateContent xmlns:mc="http://schemas.openxmlformats.org/markup-compatibility/2006" xmlns:a14="http://schemas.microsoft.com/office/drawing/2010/main">
-        <mc:Choice Requires="a14">
+      <mc:AlternateContent xmlns:mc="http://schemas.openxmlformats.org/markup-compatibility/2006">
+        <mc:Choice xmlns:a14="http://schemas.microsoft.com/office/drawing/2010/main" Requires="a14">
           <p:sp>
             <p:nvSpPr>
               <p:cNvPr id="5" name="Text Placeholder 4">
@@ -32048,7 +31927,7 @@
                 <a:pPr lvl="1"/>
                 <a:r>
                   <a:rPr lang="en-US" dirty="0"/>
-                  <a:t>“Exhaustive” – All possible ways to diving the training data are tested.</a:t>
+                  <a:t>“Exhaustive” – All possible ways to dividing the training data are tested.</a:t>
                 </a:r>
               </a:p>
               <a:p>
@@ -32197,7 +32076,7 @@
             </p:txBody>
           </p:sp>
         </mc:Choice>
-        <mc:Fallback xmlns="">
+        <mc:Fallback>
           <p:sp>
             <p:nvSpPr>
               <p:cNvPr id="5" name="Text Placeholder 4">
@@ -32302,8 +32181,8 @@
           </a:p>
         </p:txBody>
       </p:sp>
-      <mc:AlternateContent xmlns:mc="http://schemas.openxmlformats.org/markup-compatibility/2006">
-        <mc:Choice xmlns:a14="http://schemas.microsoft.com/office/drawing/2010/main" Requires="a14">
+      <mc:AlternateContent xmlns:mc="http://schemas.openxmlformats.org/markup-compatibility/2006" xmlns:a14="http://schemas.microsoft.com/office/drawing/2010/main">
+        <mc:Choice Requires="a14">
           <p:sp>
             <p:nvSpPr>
               <p:cNvPr id="3" name="Text Placeholder 2">
@@ -32485,7 +32364,7 @@
             </p:txBody>
           </p:sp>
         </mc:Choice>
-        <mc:Fallback>
+        <mc:Fallback xmlns="">
           <p:sp>
             <p:nvSpPr>
               <p:cNvPr id="3" name="Text Placeholder 2">
@@ -32944,7 +32823,7 @@
           <p:nvPr>
             <p:extLst>
               <p:ext uri="{D42A27DB-BD31-4B8C-83A1-F6EECF244321}">
-                <p14:modId xmlns:p14="http://schemas.microsoft.com/office/powerpoint/2010/main" val="262640535"/>
+                <p14:modId xmlns:p14="http://schemas.microsoft.com/office/powerpoint/2010/main" val="1752909276"/>
               </p:ext>
             </p:extLst>
           </p:nvPr>

--- a/3 - Machine Learning/MachineLearning.pptx
+++ b/3 - Machine Learning/MachineLearning.pptx
@@ -65,14 +65,14 @@
       <p:boldItalic r:id="rId45"/>
     </p:embeddedFont>
     <p:embeddedFont>
-      <p:font typeface="Lato" panose="020B0604020202020204" charset="0"/>
+      <p:font typeface="Lato" panose="020F0502020204030203" pitchFamily="34" charset="0"/>
       <p:regular r:id="rId46"/>
       <p:bold r:id="rId47"/>
       <p:italic r:id="rId48"/>
       <p:boldItalic r:id="rId49"/>
     </p:embeddedFont>
     <p:embeddedFont>
-      <p:font typeface="Raleway" panose="020B0604020202020204" charset="0"/>
+      <p:font typeface="Raleway" pitchFamily="2" charset="77"/>
       <p:regular r:id="rId50"/>
       <p:bold r:id="rId51"/>
       <p:italic r:id="rId52"/>
@@ -4009,6 +4009,13 @@
     <dgm:cxn modelId="{000ABB37-BAF6-45B1-8186-AC4FD34DBD80}" srcId="{B175281C-178F-406D-AE70-093369BD641A}" destId="{FB71929B-753E-4653-8F45-3EEE374AE6CC}" srcOrd="1" destOrd="0" parTransId="{355D9102-6D06-4334-9432-0FFCE7877B70}" sibTransId="{EB7389E2-FAB5-49FD-A383-89550947F9C2}"/>
     <dgm:cxn modelId="{BDE1233A-EA55-459D-89DB-04BB83D384A2}" srcId="{09C3324E-9336-456E-85C7-91CB2EA69F76}" destId="{3A8EEFEE-64FF-4FD1-B643-DA629220C7A0}" srcOrd="0" destOrd="0" parTransId="{C33DDF5E-7E4D-4B95-9051-7E281DF817C1}" sibTransId="{98A38D5B-839E-4671-8170-06750DCCB21A}"/>
     <dgm:cxn modelId="{D113093B-AD6C-4670-B2F3-1EBAAEC8B48E}" srcId="{FB71929B-753E-4653-8F45-3EEE374AE6CC}" destId="{2F42A220-4910-4A31-8F84-5B28FDD5B4ED}" srcOrd="1" destOrd="0" parTransId="{72101D0B-1019-47B1-AA9E-0E38A8371E9F}" sibTransId="{74AA7E7F-8001-405A-A38C-864D01ECA733}"/>
+    <dgm:cxn modelId="{B897B14A-B026-454D-B323-DD3E7265C9CF}" type="presOf" srcId="{9069B342-234C-40F0-AE36-628784B96AD8}" destId="{C6B43F54-4DE6-48F5-9642-DDF69CEC676F}" srcOrd="1" destOrd="0" presId="urn:microsoft.com/office/officeart/2005/8/layout/orgChart1"/>
+    <dgm:cxn modelId="{52CBBD4D-B38A-4DCF-B07A-4CA21413E486}" type="presOf" srcId="{56CA2637-857C-4119-909B-76EA4272DD32}" destId="{A3155A5E-C74C-45B8-BBAE-ABF4C6A45D9F}" srcOrd="1" destOrd="0" presId="urn:microsoft.com/office/officeart/2005/8/layout/orgChart1"/>
+    <dgm:cxn modelId="{8927314E-49D5-4262-9BCE-1A9128D3ED66}" type="presOf" srcId="{9B9D410A-7A9A-416A-9F12-E2403D566ED3}" destId="{F0CDD765-D3BE-43BD-9B4F-67B17C436B43}" srcOrd="1" destOrd="0" presId="urn:microsoft.com/office/officeart/2005/8/layout/orgChart1"/>
+    <dgm:cxn modelId="{E630674E-C191-4EFB-A961-2AB453DA9A89}" type="presOf" srcId="{5A2054A7-EB01-404C-8751-ECB80EEF1ECD}" destId="{479CF454-9913-4664-903D-C4C024A89E7E}" srcOrd="0" destOrd="0" presId="urn:microsoft.com/office/officeart/2005/8/layout/orgChart1"/>
+    <dgm:cxn modelId="{C7036C53-12A7-488F-AA58-F0EFD30403BD}" srcId="{302B97D2-1014-49D0-9622-B223F81CDC43}" destId="{662AA260-FF02-4DAA-AA13-5EB1D1CD32F4}" srcOrd="1" destOrd="0" parTransId="{5A2054A7-EB01-404C-8751-ECB80EEF1ECD}" sibTransId="{F60B1252-C61E-4CA2-AFB8-22DFE2C8862C}"/>
+    <dgm:cxn modelId="{94ABB353-2598-4A0E-A3E4-15A4B81CAF9D}" type="presOf" srcId="{2F42A220-4910-4A31-8F84-5B28FDD5B4ED}" destId="{E400B6D4-5308-4F14-B09D-5804E798C260}" srcOrd="1" destOrd="0" presId="urn:microsoft.com/office/officeart/2005/8/layout/orgChart1"/>
+    <dgm:cxn modelId="{717B2357-16AA-48E0-AF54-9E25FEB66530}" type="presOf" srcId="{6EFF71A3-F6C7-4247-902F-03F1906AF4B5}" destId="{9CC03CAF-0A94-43ED-9C9A-AD72549C7C3E}" srcOrd="0" destOrd="0" presId="urn:microsoft.com/office/officeart/2005/8/layout/orgChart1"/>
     <dgm:cxn modelId="{4016FC5D-0B0D-4D83-90F7-3678559BCB12}" srcId="{F9497423-7787-43BF-A1BE-F44991785509}" destId="{B2960507-5DFE-4AE5-8926-0C45FA5E9053}" srcOrd="0" destOrd="0" parTransId="{8A04D1E6-62FF-427D-86AA-376D0CF6B3B4}" sibTransId="{3987DF88-A0A3-45F4-B49E-FC33CC0B7CF7}"/>
     <dgm:cxn modelId="{3B280C60-47C0-42DA-B237-4AB51F409214}" type="presOf" srcId="{56CA2637-857C-4119-909B-76EA4272DD32}" destId="{542C40A6-7170-4C11-A121-34C6ADC5E028}" srcOrd="0" destOrd="0" presId="urn:microsoft.com/office/officeart/2005/8/layout/orgChart1"/>
     <dgm:cxn modelId="{82348E60-0A89-4CED-9399-C9FBD8814182}" type="presOf" srcId="{CE77F216-7BFD-42E5-A225-35A95FE271BF}" destId="{2CB542B1-2493-4BD2-9146-281EC2143D6E}" srcOrd="0" destOrd="0" presId="urn:microsoft.com/office/officeart/2005/8/layout/orgChart1"/>
@@ -4021,15 +4028,8 @@
     <dgm:cxn modelId="{F5841069-F754-4C2C-8660-431378262C03}" type="presOf" srcId="{50634887-9D04-441A-8E79-0541A92F607A}" destId="{14BE5F11-99D2-446B-9F4A-CE0AA1825208}" srcOrd="1" destOrd="0" presId="urn:microsoft.com/office/officeart/2005/8/layout/orgChart1"/>
     <dgm:cxn modelId="{C3F33B69-A906-41D4-857E-356E72AD4ED4}" srcId="{D82D1971-C486-4E87-8A15-F75DDF0E4844}" destId="{6C3C03FB-37C6-484E-9B68-076CC13622CD}" srcOrd="0" destOrd="0" parTransId="{A386C645-D06C-4261-AF7F-5AB4F14D4978}" sibTransId="{92E7E636-D32C-4AAB-B4CC-2FD64A546BB0}"/>
     <dgm:cxn modelId="{8AC2A06A-7C95-49FC-AAB3-CB0AA8B44B75}" srcId="{9069B342-234C-40F0-AE36-628784B96AD8}" destId="{17B2640D-4177-40D0-9CC6-F484AD058A4A}" srcOrd="0" destOrd="0" parTransId="{2975A251-6964-42E7-8375-87B8635C2199}" sibTransId="{E708A18D-A600-4DB1-A9F9-F21E5713C3A1}"/>
-    <dgm:cxn modelId="{B897B14A-B026-454D-B323-DD3E7265C9CF}" type="presOf" srcId="{9069B342-234C-40F0-AE36-628784B96AD8}" destId="{C6B43F54-4DE6-48F5-9642-DDF69CEC676F}" srcOrd="1" destOrd="0" presId="urn:microsoft.com/office/officeart/2005/8/layout/orgChart1"/>
-    <dgm:cxn modelId="{52CBBD4D-B38A-4DCF-B07A-4CA21413E486}" type="presOf" srcId="{56CA2637-857C-4119-909B-76EA4272DD32}" destId="{A3155A5E-C74C-45B8-BBAE-ABF4C6A45D9F}" srcOrd="1" destOrd="0" presId="urn:microsoft.com/office/officeart/2005/8/layout/orgChart1"/>
-    <dgm:cxn modelId="{8927314E-49D5-4262-9BCE-1A9128D3ED66}" type="presOf" srcId="{9B9D410A-7A9A-416A-9F12-E2403D566ED3}" destId="{F0CDD765-D3BE-43BD-9B4F-67B17C436B43}" srcOrd="1" destOrd="0" presId="urn:microsoft.com/office/officeart/2005/8/layout/orgChart1"/>
-    <dgm:cxn modelId="{E630674E-C191-4EFB-A961-2AB453DA9A89}" type="presOf" srcId="{5A2054A7-EB01-404C-8751-ECB80EEF1ECD}" destId="{479CF454-9913-4664-903D-C4C024A89E7E}" srcOrd="0" destOrd="0" presId="urn:microsoft.com/office/officeart/2005/8/layout/orgChart1"/>
     <dgm:cxn modelId="{B98A7972-B786-4B69-9E7E-BA53A690E9D0}" type="presOf" srcId="{A0589EB2-684A-4614-A8DB-97B038888ED3}" destId="{650D0449-0118-4ED5-8E28-07BC9FB831A8}" srcOrd="0" destOrd="0" presId="urn:microsoft.com/office/officeart/2005/8/layout/orgChart1"/>
-    <dgm:cxn modelId="{C7036C53-12A7-488F-AA58-F0EFD30403BD}" srcId="{302B97D2-1014-49D0-9622-B223F81CDC43}" destId="{662AA260-FF02-4DAA-AA13-5EB1D1CD32F4}" srcOrd="1" destOrd="0" parTransId="{5A2054A7-EB01-404C-8751-ECB80EEF1ECD}" sibTransId="{F60B1252-C61E-4CA2-AFB8-22DFE2C8862C}"/>
-    <dgm:cxn modelId="{94ABB353-2598-4A0E-A3E4-15A4B81CAF9D}" type="presOf" srcId="{2F42A220-4910-4A31-8F84-5B28FDD5B4ED}" destId="{E400B6D4-5308-4F14-B09D-5804E798C260}" srcOrd="1" destOrd="0" presId="urn:microsoft.com/office/officeart/2005/8/layout/orgChart1"/>
     <dgm:cxn modelId="{54C2F573-7CBC-4BCE-940F-283A49644961}" type="presOf" srcId="{09C3324E-9336-456E-85C7-91CB2EA69F76}" destId="{60021657-9451-477A-9A60-43EFCD73E3C6}" srcOrd="0" destOrd="0" presId="urn:microsoft.com/office/officeart/2005/8/layout/orgChart1"/>
-    <dgm:cxn modelId="{717B2357-16AA-48E0-AF54-9E25FEB66530}" type="presOf" srcId="{6EFF71A3-F6C7-4247-902F-03F1906AF4B5}" destId="{9CC03CAF-0A94-43ED-9C9A-AD72549C7C3E}" srcOrd="0" destOrd="0" presId="urn:microsoft.com/office/officeart/2005/8/layout/orgChart1"/>
     <dgm:cxn modelId="{A7041778-F461-4DFE-A6B5-07019907C326}" type="presOf" srcId="{B175281C-178F-406D-AE70-093369BD641A}" destId="{76CB79F9-F49D-4AE9-A7FD-239231C89790}" srcOrd="0" destOrd="0" presId="urn:microsoft.com/office/officeart/2005/8/layout/orgChart1"/>
     <dgm:cxn modelId="{1110397B-F1EA-44CE-9ABF-B5F830C74B4E}" type="presOf" srcId="{D82D1971-C486-4E87-8A15-F75DDF0E4844}" destId="{57D95651-A607-4454-AD5B-C4663C156726}" srcOrd="0" destOrd="0" presId="urn:microsoft.com/office/officeart/2005/8/layout/orgChart1"/>
     <dgm:cxn modelId="{F317587C-0A3A-4F9E-BB5C-797F6265CC63}" type="presOf" srcId="{10CD3D5C-FABB-4B36-8767-3BF69811C364}" destId="{938B9CA9-5A6D-42B0-94F7-33082A37F4E0}" srcOrd="1" destOrd="0" presId="urn:microsoft.com/office/officeart/2005/8/layout/orgChart1"/>
@@ -14729,7 +14729,7 @@
           <a:p>
             <a:fld id="{123CBCE9-0914-4950-A986-7596C92667F1}" type="datetime1">
               <a:rPr lang="en-US" smtClean="0"/>
-              <a:t>9/26/2019</a:t>
+              <a:t>9/26/19</a:t>
             </a:fld>
             <a:endParaRPr lang="en-US"/>
           </a:p>
@@ -21112,7 +21112,7 @@
           <a:graphicData uri="http://schemas.openxmlformats.org/presentationml/2006/ole">
             <mc:AlternateContent xmlns:mc="http://schemas.openxmlformats.org/markup-compatibility/2006">
               <mc:Choice xmlns:v="urn:schemas-microsoft-com:vml" Requires="v">
-                <p:oleObj spid="_x0000_s1116" name="Equation" r:id="rId3" imgW="1333440" imgH="457200" progId="Equation.3">
+                <p:oleObj spid="_x0000_s1118" name="Equation" r:id="rId3" imgW="1333440" imgH="457200" progId="Equation.3">
                   <p:embed/>
                 </p:oleObj>
               </mc:Choice>
@@ -21508,7 +21508,7 @@
           <a:graphicData uri="http://schemas.openxmlformats.org/presentationml/2006/ole">
             <mc:AlternateContent xmlns:mc="http://schemas.openxmlformats.org/markup-compatibility/2006">
               <mc:Choice xmlns:v="urn:schemas-microsoft-com:vml" Requires="v">
-                <p:oleObj spid="_x0000_s1117" name="Equation" r:id="rId5" imgW="1180800" imgH="431640" progId="Equation.3">
+                <p:oleObj spid="_x0000_s1119" name="Equation" r:id="rId5" imgW="1180800" imgH="431640" progId="Equation.3">
                   <p:embed/>
                 </p:oleObj>
               </mc:Choice>
@@ -21890,7 +21890,7 @@
           <a:graphicData uri="http://schemas.openxmlformats.org/presentationml/2006/ole">
             <mc:AlternateContent xmlns:mc="http://schemas.openxmlformats.org/markup-compatibility/2006">
               <mc:Choice xmlns:v="urn:schemas-microsoft-com:vml" Requires="v">
-                <p:oleObj spid="_x0000_s2140" name="Equation" r:id="rId3" imgW="1498320" imgH="482400" progId="Equation.3">
+                <p:oleObj spid="_x0000_s2142" name="Equation" r:id="rId3" imgW="1498320" imgH="482400" progId="Equation.3">
                   <p:embed/>
                 </p:oleObj>
               </mc:Choice>
@@ -21962,7 +21962,7 @@
           <a:graphicData uri="http://schemas.openxmlformats.org/presentationml/2006/ole">
             <mc:AlternateContent xmlns:mc="http://schemas.openxmlformats.org/markup-compatibility/2006">
               <mc:Choice xmlns:v="urn:schemas-microsoft-com:vml" Requires="v">
-                <p:oleObj spid="_x0000_s2141" name="Equation" r:id="rId5" imgW="1663560" imgH="444240" progId="Equation.3">
+                <p:oleObj spid="_x0000_s2143" name="Equation" r:id="rId5" imgW="1663560" imgH="444240" progId="Equation.3">
                   <p:embed/>
                 </p:oleObj>
               </mc:Choice>
@@ -29118,8 +29118,8 @@
           </a:p>
         </p:txBody>
       </p:sp>
-      <mc:AlternateContent xmlns:mc="http://schemas.openxmlformats.org/markup-compatibility/2006" xmlns:a14="http://schemas.microsoft.com/office/drawing/2010/main">
-        <mc:Choice Requires="a14">
+      <mc:AlternateContent xmlns:mc="http://schemas.openxmlformats.org/markup-compatibility/2006">
+        <mc:Choice xmlns:a14="http://schemas.microsoft.com/office/drawing/2010/main" Requires="a14">
           <p:sp>
             <p:nvSpPr>
               <p:cNvPr id="6" name="TextBox 5">
@@ -29135,7 +29135,7 @@
             <p:spPr>
               <a:xfrm>
                 <a:off x="3457452" y="534265"/>
-                <a:ext cx="5284498" cy="1709314"/>
+                <a:ext cx="5284498" cy="2396362"/>
               </a:xfrm>
               <a:prstGeom prst="rect">
                 <a:avLst/>
@@ -29586,7 +29586,129 @@
                     </m:sSup>
                   </m:oMath>
                 </a14:m>
-                <a:endParaRPr lang="en-US" dirty="0"/>
+                <a:endParaRPr lang="en-US" dirty="0">
+                  <a:ea typeface="Cambria Math" panose="02040503050406030204" pitchFamily="18" charset="0"/>
+                </a:endParaRPr>
+              </a:p>
+              <a:p>
+                <a:pPr marL="285750" indent="-285750">
+                  <a:buFont typeface="Arial" panose="020B0604020202020204" pitchFamily="34" charset="0"/>
+                  <a:buChar char="•"/>
+                </a:pPr>
+                <a14:m>
+                  <m:oMath xmlns:m="http://schemas.openxmlformats.org/officeDocument/2006/math">
+                    <m:r>
+                      <m:rPr>
+                        <m:sty m:val="p"/>
+                      </m:rPr>
+                      <a:rPr lang="en-US" b="0" i="0" smtClean="0">
+                        <a:solidFill>
+                          <a:schemeClr val="tx1"/>
+                        </a:solidFill>
+                        <a:latin typeface="Cambria Math" panose="02040503050406030204" pitchFamily="18" charset="0"/>
+                        <a:ea typeface="Cambria Math" panose="02040503050406030204" pitchFamily="18" charset="0"/>
+                      </a:rPr>
+                      <m:t>SSError</m:t>
+                    </m:r>
+                    <m:r>
+                      <a:rPr lang="en-US" b="0" i="1" smtClean="0">
+                        <a:solidFill>
+                          <a:schemeClr val="tx1"/>
+                        </a:solidFill>
+                        <a:latin typeface="Cambria Math" panose="02040503050406030204" pitchFamily="18" charset="0"/>
+                        <a:ea typeface="Cambria Math" panose="02040503050406030204" pitchFamily="18" charset="0"/>
+                      </a:rPr>
+                      <m:t>+(</m:t>
+                    </m:r>
+                    <m:r>
+                      <a:rPr lang="en-US" b="0" i="1" smtClean="0">
+                        <a:solidFill>
+                          <a:schemeClr val="tx1"/>
+                        </a:solidFill>
+                        <a:latin typeface="Cambria Math" panose="02040503050406030204" pitchFamily="18" charset="0"/>
+                        <a:ea typeface="Cambria Math" panose="02040503050406030204" pitchFamily="18" charset="0"/>
+                      </a:rPr>
+                      <m:t>𝜆</m:t>
+                    </m:r>
+                    <m:r>
+                      <a:rPr lang="en-US" b="0" i="1" smtClean="0">
+                        <a:solidFill>
+                          <a:schemeClr val="tx1"/>
+                        </a:solidFill>
+                        <a:latin typeface="Cambria Math" panose="02040503050406030204" pitchFamily="18" charset="0"/>
+                        <a:ea typeface="Cambria Math" panose="02040503050406030204" pitchFamily="18" charset="0"/>
+                      </a:rPr>
+                      <m:t> ×</m:t>
+                    </m:r>
+                    <m:sSup>
+                      <m:sSupPr>
+                        <m:ctrlPr>
+                          <a:rPr lang="en-US" b="0" i="1" smtClean="0">
+                            <a:solidFill>
+                              <a:schemeClr val="tx1"/>
+                            </a:solidFill>
+                            <a:latin typeface="Cambria Math" panose="02040503050406030204" pitchFamily="18" charset="0"/>
+                            <a:ea typeface="Cambria Math" panose="02040503050406030204" pitchFamily="18" charset="0"/>
+                          </a:rPr>
+                        </m:ctrlPr>
+                      </m:sSupPr>
+                      <m:e>
+                        <m:r>
+                          <a:rPr lang="en-US" b="0" i="0" smtClean="0">
+                            <a:solidFill>
+                              <a:schemeClr val="tx1"/>
+                            </a:solidFill>
+                            <a:latin typeface="Cambria Math" panose="02040503050406030204" pitchFamily="18" charset="0"/>
+                            <a:ea typeface="Cambria Math" panose="02040503050406030204" pitchFamily="18" charset="0"/>
+                          </a:rPr>
+                          <m:t> </m:t>
+                        </m:r>
+                        <m:r>
+                          <m:rPr>
+                            <m:sty m:val="p"/>
+                          </m:rPr>
+                          <a:rPr lang="en-US" b="0" i="0" smtClean="0">
+                            <a:solidFill>
+                              <a:schemeClr val="tx1"/>
+                            </a:solidFill>
+                            <a:latin typeface="Cambria Math" panose="02040503050406030204" pitchFamily="18" charset="0"/>
+                            <a:ea typeface="Cambria Math" panose="02040503050406030204" pitchFamily="18" charset="0"/>
+                          </a:rPr>
+                          <m:t>slope</m:t>
+                        </m:r>
+                      </m:e>
+                      <m:sup>
+                        <m:r>
+                          <a:rPr lang="en-US" b="0" i="1" smtClean="0">
+                            <a:solidFill>
+                              <a:schemeClr val="tx1"/>
+                            </a:solidFill>
+                            <a:latin typeface="Cambria Math" panose="02040503050406030204" pitchFamily="18" charset="0"/>
+                            <a:ea typeface="Cambria Math" panose="02040503050406030204" pitchFamily="18" charset="0"/>
+                          </a:rPr>
+                          <m:t>2</m:t>
+                        </m:r>
+                      </m:sup>
+                    </m:sSup>
+                    <m:r>
+                      <a:rPr lang="en-US" b="0" i="1" smtClean="0">
+                        <a:solidFill>
+                          <a:schemeClr val="tx1"/>
+                        </a:solidFill>
+                        <a:latin typeface="Cambria Math" panose="02040503050406030204" pitchFamily="18" charset="0"/>
+                        <a:ea typeface="Cambria Math" panose="02040503050406030204" pitchFamily="18" charset="0"/>
+                      </a:rPr>
+                      <m:t>)</m:t>
+                    </m:r>
+                  </m:oMath>
+                </a14:m>
+                <a:endParaRPr lang="en-US" i="1" dirty="0">
+                  <a:solidFill>
+                    <a:schemeClr val="tx1"/>
+                  </a:solidFill>
+                  <a:latin typeface="Cambria Math" panose="02040503050406030204" pitchFamily="18" charset="0"/>
+                  <a:ea typeface="Cambria Math" panose="02040503050406030204" pitchFamily="18" charset="0"/>
+                </a:endParaRPr>
               </a:p>
               <a:p>
                 <a:pPr marL="285750" indent="-285750">
@@ -29629,10 +29751,117 @@
                   <a:t> distance (Euclidean distance)</a:t>
                 </a:r>
               </a:p>
+              <a:p>
+                <a:pPr marL="285750" indent="-285750">
+                  <a:buFont typeface="Arial" panose="020B0604020202020204" pitchFamily="34" charset="0"/>
+                  <a:buChar char="•"/>
+                </a:pPr>
+                <a14:m>
+                  <m:oMath xmlns:m="http://schemas.openxmlformats.org/officeDocument/2006/math">
+                    <m:r>
+                      <m:rPr>
+                        <m:sty m:val="p"/>
+                      </m:rPr>
+                      <a:rPr lang="en-US" smtClean="0">
+                        <a:solidFill>
+                          <a:schemeClr val="tx1"/>
+                        </a:solidFill>
+                        <a:latin typeface="Cambria Math" panose="02040503050406030204" pitchFamily="18" charset="0"/>
+                        <a:ea typeface="Cambria Math" panose="02040503050406030204" pitchFamily="18" charset="0"/>
+                      </a:rPr>
+                      <m:t>SSError</m:t>
+                    </m:r>
+                    <m:r>
+                      <a:rPr lang="en-US" i="1">
+                        <a:solidFill>
+                          <a:schemeClr val="tx1"/>
+                        </a:solidFill>
+                        <a:latin typeface="Cambria Math" panose="02040503050406030204" pitchFamily="18" charset="0"/>
+                        <a:ea typeface="Cambria Math" panose="02040503050406030204" pitchFamily="18" charset="0"/>
+                      </a:rPr>
+                      <m:t>+(</m:t>
+                    </m:r>
+                    <m:r>
+                      <a:rPr lang="en-US" i="1">
+                        <a:solidFill>
+                          <a:schemeClr val="tx1"/>
+                        </a:solidFill>
+                        <a:latin typeface="Cambria Math" panose="02040503050406030204" pitchFamily="18" charset="0"/>
+                        <a:ea typeface="Cambria Math" panose="02040503050406030204" pitchFamily="18" charset="0"/>
+                      </a:rPr>
+                      <m:t>𝜆</m:t>
+                    </m:r>
+                    <m:r>
+                      <a:rPr lang="en-US" i="1">
+                        <a:solidFill>
+                          <a:schemeClr val="tx1"/>
+                        </a:solidFill>
+                        <a:latin typeface="Cambria Math" panose="02040503050406030204" pitchFamily="18" charset="0"/>
+                        <a:ea typeface="Cambria Math" panose="02040503050406030204" pitchFamily="18" charset="0"/>
+                      </a:rPr>
+                      <m:t> ×</m:t>
+                    </m:r>
+                    <m:d>
+                      <m:dPr>
+                        <m:begChr m:val="|"/>
+                        <m:endChr m:val="|"/>
+                        <m:ctrlPr>
+                          <a:rPr lang="en-US" i="1" smtClean="0">
+                            <a:solidFill>
+                              <a:schemeClr val="tx1"/>
+                            </a:solidFill>
+                            <a:latin typeface="Cambria Math" panose="02040503050406030204" pitchFamily="18" charset="0"/>
+                            <a:ea typeface="Cambria Math" panose="02040503050406030204" pitchFamily="18" charset="0"/>
+                          </a:rPr>
+                        </m:ctrlPr>
+                      </m:dPr>
+                      <m:e>
+                        <m:r>
+                          <m:rPr>
+                            <m:sty m:val="p"/>
+                          </m:rPr>
+                          <a:rPr lang="en-US" b="0" i="0" smtClean="0">
+                            <a:solidFill>
+                              <a:schemeClr val="tx1"/>
+                            </a:solidFill>
+                            <a:latin typeface="Cambria Math" panose="02040503050406030204" pitchFamily="18" charset="0"/>
+                            <a:ea typeface="Cambria Math" panose="02040503050406030204" pitchFamily="18" charset="0"/>
+                          </a:rPr>
+                          <m:t>slope</m:t>
+                        </m:r>
+                      </m:e>
+                    </m:d>
+                    <m:r>
+                      <a:rPr lang="en-US" i="1">
+                        <a:solidFill>
+                          <a:schemeClr val="tx1"/>
+                        </a:solidFill>
+                        <a:latin typeface="Cambria Math" panose="02040503050406030204" pitchFamily="18" charset="0"/>
+                        <a:ea typeface="Cambria Math" panose="02040503050406030204" pitchFamily="18" charset="0"/>
+                      </a:rPr>
+                      <m:t>)</m:t>
+                    </m:r>
+                  </m:oMath>
+                </a14:m>
+                <a:endParaRPr lang="en-US" i="1" dirty="0">
+                  <a:solidFill>
+                    <a:schemeClr val="tx1"/>
+                  </a:solidFill>
+                  <a:latin typeface="Cambria Math" panose="02040503050406030204" pitchFamily="18" charset="0"/>
+                  <a:ea typeface="Cambria Math" panose="02040503050406030204" pitchFamily="18" charset="0"/>
+                </a:endParaRPr>
+              </a:p>
+              <a:p>
+                <a:pPr marL="285750" indent="-285750">
+                  <a:buFont typeface="Arial" panose="020B0604020202020204" pitchFamily="34" charset="0"/>
+                  <a:buChar char="•"/>
+                </a:pPr>
+                <a:endParaRPr lang="en-US" dirty="0"/>
+              </a:p>
             </p:txBody>
           </p:sp>
         </mc:Choice>
-        <mc:Fallback xmlns="">
+        <mc:Fallback>
           <p:sp>
             <p:nvSpPr>
               <p:cNvPr id="6" name="TextBox 5">
@@ -29650,7 +29879,7 @@
             <p:spPr>
               <a:xfrm>
                 <a:off x="3457452" y="534265"/>
-                <a:ext cx="5284498" cy="1709314"/>
+                <a:ext cx="5284498" cy="2396362"/>
               </a:xfrm>
               <a:prstGeom prst="rect">
                 <a:avLst/>
@@ -29658,7 +29887,7 @@
               <a:blipFill>
                 <a:blip r:embed="rId9"/>
                 <a:stretch>
-                  <a:fillRect l="-346" t="-714" b="-2857"/>
+                  <a:fillRect l="-240"/>
                 </a:stretch>
               </a:blipFill>
             </p:spPr>
@@ -30241,8 +30470,8 @@
           </a:p>
         </p:txBody>
       </p:sp>
-      <mc:AlternateContent xmlns:mc="http://schemas.openxmlformats.org/markup-compatibility/2006">
-        <mc:Choice xmlns:a14="http://schemas.microsoft.com/office/drawing/2010/main" Requires="a14">
+      <mc:AlternateContent xmlns:mc="http://schemas.openxmlformats.org/markup-compatibility/2006" xmlns:a14="http://schemas.microsoft.com/office/drawing/2010/main">
+        <mc:Choice Requires="a14">
           <p:sp>
             <p:nvSpPr>
               <p:cNvPr id="3" name="Text Placeholder 2">
@@ -30386,7 +30615,7 @@
             </p:txBody>
           </p:sp>
         </mc:Choice>
-        <mc:Fallback>
+        <mc:Fallback xmlns="">
           <p:sp>
             <p:nvSpPr>
               <p:cNvPr id="3" name="Text Placeholder 2">
@@ -31881,8 +32110,8 @@
           </p:sp>
         </mc:Fallback>
       </mc:AlternateContent>
-      <mc:AlternateContent xmlns:mc="http://schemas.openxmlformats.org/markup-compatibility/2006">
-        <mc:Choice xmlns:a14="http://schemas.microsoft.com/office/drawing/2010/main" Requires="a14">
+      <mc:AlternateContent xmlns:mc="http://schemas.openxmlformats.org/markup-compatibility/2006" xmlns:a14="http://schemas.microsoft.com/office/drawing/2010/main">
+        <mc:Choice Requires="a14">
           <p:sp>
             <p:nvSpPr>
               <p:cNvPr id="5" name="Text Placeholder 4">
@@ -32076,7 +32305,7 @@
             </p:txBody>
           </p:sp>
         </mc:Choice>
-        <mc:Fallback>
+        <mc:Fallback xmlns="">
           <p:sp>
             <p:nvSpPr>
               <p:cNvPr id="5" name="Text Placeholder 4">

--- a/3 - Machine Learning/MachineLearning.pptx
+++ b/3 - Machine Learning/MachineLearning.pptx
@@ -65,14 +65,14 @@
       <p:boldItalic r:id="rId45"/>
     </p:embeddedFont>
     <p:embeddedFont>
-      <p:font typeface="Lato" panose="020F0502020204030203" pitchFamily="34" charset="0"/>
+      <p:font typeface="Lato" panose="020B0604020202020204" charset="0"/>
       <p:regular r:id="rId46"/>
       <p:bold r:id="rId47"/>
       <p:italic r:id="rId48"/>
       <p:boldItalic r:id="rId49"/>
     </p:embeddedFont>
     <p:embeddedFont>
-      <p:font typeface="Raleway" pitchFamily="2" charset="77"/>
+      <p:font typeface="Raleway" panose="020B0003030101060003" pitchFamily="34" charset="0"/>
       <p:regular r:id="rId50"/>
       <p:bold r:id="rId51"/>
       <p:italic r:id="rId52"/>
@@ -4009,13 +4009,6 @@
     <dgm:cxn modelId="{000ABB37-BAF6-45B1-8186-AC4FD34DBD80}" srcId="{B175281C-178F-406D-AE70-093369BD641A}" destId="{FB71929B-753E-4653-8F45-3EEE374AE6CC}" srcOrd="1" destOrd="0" parTransId="{355D9102-6D06-4334-9432-0FFCE7877B70}" sibTransId="{EB7389E2-FAB5-49FD-A383-89550947F9C2}"/>
     <dgm:cxn modelId="{BDE1233A-EA55-459D-89DB-04BB83D384A2}" srcId="{09C3324E-9336-456E-85C7-91CB2EA69F76}" destId="{3A8EEFEE-64FF-4FD1-B643-DA629220C7A0}" srcOrd="0" destOrd="0" parTransId="{C33DDF5E-7E4D-4B95-9051-7E281DF817C1}" sibTransId="{98A38D5B-839E-4671-8170-06750DCCB21A}"/>
     <dgm:cxn modelId="{D113093B-AD6C-4670-B2F3-1EBAAEC8B48E}" srcId="{FB71929B-753E-4653-8F45-3EEE374AE6CC}" destId="{2F42A220-4910-4A31-8F84-5B28FDD5B4ED}" srcOrd="1" destOrd="0" parTransId="{72101D0B-1019-47B1-AA9E-0E38A8371E9F}" sibTransId="{74AA7E7F-8001-405A-A38C-864D01ECA733}"/>
-    <dgm:cxn modelId="{B897B14A-B026-454D-B323-DD3E7265C9CF}" type="presOf" srcId="{9069B342-234C-40F0-AE36-628784B96AD8}" destId="{C6B43F54-4DE6-48F5-9642-DDF69CEC676F}" srcOrd="1" destOrd="0" presId="urn:microsoft.com/office/officeart/2005/8/layout/orgChart1"/>
-    <dgm:cxn modelId="{52CBBD4D-B38A-4DCF-B07A-4CA21413E486}" type="presOf" srcId="{56CA2637-857C-4119-909B-76EA4272DD32}" destId="{A3155A5E-C74C-45B8-BBAE-ABF4C6A45D9F}" srcOrd="1" destOrd="0" presId="urn:microsoft.com/office/officeart/2005/8/layout/orgChart1"/>
-    <dgm:cxn modelId="{8927314E-49D5-4262-9BCE-1A9128D3ED66}" type="presOf" srcId="{9B9D410A-7A9A-416A-9F12-E2403D566ED3}" destId="{F0CDD765-D3BE-43BD-9B4F-67B17C436B43}" srcOrd="1" destOrd="0" presId="urn:microsoft.com/office/officeart/2005/8/layout/orgChart1"/>
-    <dgm:cxn modelId="{E630674E-C191-4EFB-A961-2AB453DA9A89}" type="presOf" srcId="{5A2054A7-EB01-404C-8751-ECB80EEF1ECD}" destId="{479CF454-9913-4664-903D-C4C024A89E7E}" srcOrd="0" destOrd="0" presId="urn:microsoft.com/office/officeart/2005/8/layout/orgChart1"/>
-    <dgm:cxn modelId="{C7036C53-12A7-488F-AA58-F0EFD30403BD}" srcId="{302B97D2-1014-49D0-9622-B223F81CDC43}" destId="{662AA260-FF02-4DAA-AA13-5EB1D1CD32F4}" srcOrd="1" destOrd="0" parTransId="{5A2054A7-EB01-404C-8751-ECB80EEF1ECD}" sibTransId="{F60B1252-C61E-4CA2-AFB8-22DFE2C8862C}"/>
-    <dgm:cxn modelId="{94ABB353-2598-4A0E-A3E4-15A4B81CAF9D}" type="presOf" srcId="{2F42A220-4910-4A31-8F84-5B28FDD5B4ED}" destId="{E400B6D4-5308-4F14-B09D-5804E798C260}" srcOrd="1" destOrd="0" presId="urn:microsoft.com/office/officeart/2005/8/layout/orgChart1"/>
-    <dgm:cxn modelId="{717B2357-16AA-48E0-AF54-9E25FEB66530}" type="presOf" srcId="{6EFF71A3-F6C7-4247-902F-03F1906AF4B5}" destId="{9CC03CAF-0A94-43ED-9C9A-AD72549C7C3E}" srcOrd="0" destOrd="0" presId="urn:microsoft.com/office/officeart/2005/8/layout/orgChart1"/>
     <dgm:cxn modelId="{4016FC5D-0B0D-4D83-90F7-3678559BCB12}" srcId="{F9497423-7787-43BF-A1BE-F44991785509}" destId="{B2960507-5DFE-4AE5-8926-0C45FA5E9053}" srcOrd="0" destOrd="0" parTransId="{8A04D1E6-62FF-427D-86AA-376D0CF6B3B4}" sibTransId="{3987DF88-A0A3-45F4-B49E-FC33CC0B7CF7}"/>
     <dgm:cxn modelId="{3B280C60-47C0-42DA-B237-4AB51F409214}" type="presOf" srcId="{56CA2637-857C-4119-909B-76EA4272DD32}" destId="{542C40A6-7170-4C11-A121-34C6ADC5E028}" srcOrd="0" destOrd="0" presId="urn:microsoft.com/office/officeart/2005/8/layout/orgChart1"/>
     <dgm:cxn modelId="{82348E60-0A89-4CED-9399-C9FBD8814182}" type="presOf" srcId="{CE77F216-7BFD-42E5-A225-35A95FE271BF}" destId="{2CB542B1-2493-4BD2-9146-281EC2143D6E}" srcOrd="0" destOrd="0" presId="urn:microsoft.com/office/officeart/2005/8/layout/orgChart1"/>
@@ -4028,8 +4021,15 @@
     <dgm:cxn modelId="{F5841069-F754-4C2C-8660-431378262C03}" type="presOf" srcId="{50634887-9D04-441A-8E79-0541A92F607A}" destId="{14BE5F11-99D2-446B-9F4A-CE0AA1825208}" srcOrd="1" destOrd="0" presId="urn:microsoft.com/office/officeart/2005/8/layout/orgChart1"/>
     <dgm:cxn modelId="{C3F33B69-A906-41D4-857E-356E72AD4ED4}" srcId="{D82D1971-C486-4E87-8A15-F75DDF0E4844}" destId="{6C3C03FB-37C6-484E-9B68-076CC13622CD}" srcOrd="0" destOrd="0" parTransId="{A386C645-D06C-4261-AF7F-5AB4F14D4978}" sibTransId="{92E7E636-D32C-4AAB-B4CC-2FD64A546BB0}"/>
     <dgm:cxn modelId="{8AC2A06A-7C95-49FC-AAB3-CB0AA8B44B75}" srcId="{9069B342-234C-40F0-AE36-628784B96AD8}" destId="{17B2640D-4177-40D0-9CC6-F484AD058A4A}" srcOrd="0" destOrd="0" parTransId="{2975A251-6964-42E7-8375-87B8635C2199}" sibTransId="{E708A18D-A600-4DB1-A9F9-F21E5713C3A1}"/>
+    <dgm:cxn modelId="{B897B14A-B026-454D-B323-DD3E7265C9CF}" type="presOf" srcId="{9069B342-234C-40F0-AE36-628784B96AD8}" destId="{C6B43F54-4DE6-48F5-9642-DDF69CEC676F}" srcOrd="1" destOrd="0" presId="urn:microsoft.com/office/officeart/2005/8/layout/orgChart1"/>
+    <dgm:cxn modelId="{52CBBD4D-B38A-4DCF-B07A-4CA21413E486}" type="presOf" srcId="{56CA2637-857C-4119-909B-76EA4272DD32}" destId="{A3155A5E-C74C-45B8-BBAE-ABF4C6A45D9F}" srcOrd="1" destOrd="0" presId="urn:microsoft.com/office/officeart/2005/8/layout/orgChart1"/>
+    <dgm:cxn modelId="{8927314E-49D5-4262-9BCE-1A9128D3ED66}" type="presOf" srcId="{9B9D410A-7A9A-416A-9F12-E2403D566ED3}" destId="{F0CDD765-D3BE-43BD-9B4F-67B17C436B43}" srcOrd="1" destOrd="0" presId="urn:microsoft.com/office/officeart/2005/8/layout/orgChart1"/>
+    <dgm:cxn modelId="{E630674E-C191-4EFB-A961-2AB453DA9A89}" type="presOf" srcId="{5A2054A7-EB01-404C-8751-ECB80EEF1ECD}" destId="{479CF454-9913-4664-903D-C4C024A89E7E}" srcOrd="0" destOrd="0" presId="urn:microsoft.com/office/officeart/2005/8/layout/orgChart1"/>
     <dgm:cxn modelId="{B98A7972-B786-4B69-9E7E-BA53A690E9D0}" type="presOf" srcId="{A0589EB2-684A-4614-A8DB-97B038888ED3}" destId="{650D0449-0118-4ED5-8E28-07BC9FB831A8}" srcOrd="0" destOrd="0" presId="urn:microsoft.com/office/officeart/2005/8/layout/orgChart1"/>
+    <dgm:cxn modelId="{C7036C53-12A7-488F-AA58-F0EFD30403BD}" srcId="{302B97D2-1014-49D0-9622-B223F81CDC43}" destId="{662AA260-FF02-4DAA-AA13-5EB1D1CD32F4}" srcOrd="1" destOrd="0" parTransId="{5A2054A7-EB01-404C-8751-ECB80EEF1ECD}" sibTransId="{F60B1252-C61E-4CA2-AFB8-22DFE2C8862C}"/>
+    <dgm:cxn modelId="{94ABB353-2598-4A0E-A3E4-15A4B81CAF9D}" type="presOf" srcId="{2F42A220-4910-4A31-8F84-5B28FDD5B4ED}" destId="{E400B6D4-5308-4F14-B09D-5804E798C260}" srcOrd="1" destOrd="0" presId="urn:microsoft.com/office/officeart/2005/8/layout/orgChart1"/>
     <dgm:cxn modelId="{54C2F573-7CBC-4BCE-940F-283A49644961}" type="presOf" srcId="{09C3324E-9336-456E-85C7-91CB2EA69F76}" destId="{60021657-9451-477A-9A60-43EFCD73E3C6}" srcOrd="0" destOrd="0" presId="urn:microsoft.com/office/officeart/2005/8/layout/orgChart1"/>
+    <dgm:cxn modelId="{717B2357-16AA-48E0-AF54-9E25FEB66530}" type="presOf" srcId="{6EFF71A3-F6C7-4247-902F-03F1906AF4B5}" destId="{9CC03CAF-0A94-43ED-9C9A-AD72549C7C3E}" srcOrd="0" destOrd="0" presId="urn:microsoft.com/office/officeart/2005/8/layout/orgChart1"/>
     <dgm:cxn modelId="{A7041778-F461-4DFE-A6B5-07019907C326}" type="presOf" srcId="{B175281C-178F-406D-AE70-093369BD641A}" destId="{76CB79F9-F49D-4AE9-A7FD-239231C89790}" srcOrd="0" destOrd="0" presId="urn:microsoft.com/office/officeart/2005/8/layout/orgChart1"/>
     <dgm:cxn modelId="{1110397B-F1EA-44CE-9ABF-B5F830C74B4E}" type="presOf" srcId="{D82D1971-C486-4E87-8A15-F75DDF0E4844}" destId="{57D95651-A607-4454-AD5B-C4663C156726}" srcOrd="0" destOrd="0" presId="urn:microsoft.com/office/officeart/2005/8/layout/orgChart1"/>
     <dgm:cxn modelId="{F317587C-0A3A-4F9E-BB5C-797F6265CC63}" type="presOf" srcId="{10CD3D5C-FABB-4B36-8767-3BF69811C364}" destId="{938B9CA9-5A6D-42B0-94F7-33082A37F4E0}" srcOrd="1" destOrd="0" presId="urn:microsoft.com/office/officeart/2005/8/layout/orgChart1"/>
@@ -14729,7 +14729,7 @@
           <a:p>
             <a:fld id="{123CBCE9-0914-4950-A986-7596C92667F1}" type="datetime1">
               <a:rPr lang="en-US" smtClean="0"/>
-              <a:t>9/26/19</a:t>
+              <a:t>10/11/2019</a:t>
             </a:fld>
             <a:endParaRPr lang="en-US"/>
           </a:p>
@@ -21112,7 +21112,7 @@
           <a:graphicData uri="http://schemas.openxmlformats.org/presentationml/2006/ole">
             <mc:AlternateContent xmlns:mc="http://schemas.openxmlformats.org/markup-compatibility/2006">
               <mc:Choice xmlns:v="urn:schemas-microsoft-com:vml" Requires="v">
-                <p:oleObj spid="_x0000_s1118" name="Equation" r:id="rId3" imgW="1333440" imgH="457200" progId="Equation.3">
+                <p:oleObj spid="_x0000_s1120" name="Equation" r:id="rId3" imgW="1333440" imgH="457200" progId="Equation.3">
                   <p:embed/>
                 </p:oleObj>
               </mc:Choice>
@@ -21508,7 +21508,7 @@
           <a:graphicData uri="http://schemas.openxmlformats.org/presentationml/2006/ole">
             <mc:AlternateContent xmlns:mc="http://schemas.openxmlformats.org/markup-compatibility/2006">
               <mc:Choice xmlns:v="urn:schemas-microsoft-com:vml" Requires="v">
-                <p:oleObj spid="_x0000_s1119" name="Equation" r:id="rId5" imgW="1180800" imgH="431640" progId="Equation.3">
+                <p:oleObj spid="_x0000_s1121" name="Equation" r:id="rId5" imgW="1180800" imgH="431640" progId="Equation.3">
                   <p:embed/>
                 </p:oleObj>
               </mc:Choice>
@@ -21890,7 +21890,7 @@
           <a:graphicData uri="http://schemas.openxmlformats.org/presentationml/2006/ole">
             <mc:AlternateContent xmlns:mc="http://schemas.openxmlformats.org/markup-compatibility/2006">
               <mc:Choice xmlns:v="urn:schemas-microsoft-com:vml" Requires="v">
-                <p:oleObj spid="_x0000_s2142" name="Equation" r:id="rId3" imgW="1498320" imgH="482400" progId="Equation.3">
+                <p:oleObj spid="_x0000_s2144" name="Equation" r:id="rId3" imgW="1498320" imgH="482400" progId="Equation.3">
                   <p:embed/>
                 </p:oleObj>
               </mc:Choice>
@@ -21962,7 +21962,7 @@
           <a:graphicData uri="http://schemas.openxmlformats.org/presentationml/2006/ole">
             <mc:AlternateContent xmlns:mc="http://schemas.openxmlformats.org/markup-compatibility/2006">
               <mc:Choice xmlns:v="urn:schemas-microsoft-com:vml" Requires="v">
-                <p:oleObj spid="_x0000_s2143" name="Equation" r:id="rId5" imgW="1663560" imgH="444240" progId="Equation.3">
+                <p:oleObj spid="_x0000_s2145" name="Equation" r:id="rId5" imgW="1663560" imgH="444240" progId="Equation.3">
                   <p:embed/>
                 </p:oleObj>
               </mc:Choice>
@@ -29118,8 +29118,8 @@
           </a:p>
         </p:txBody>
       </p:sp>
-      <mc:AlternateContent xmlns:mc="http://schemas.openxmlformats.org/markup-compatibility/2006">
-        <mc:Choice xmlns:a14="http://schemas.microsoft.com/office/drawing/2010/main" Requires="a14">
+      <mc:AlternateContent xmlns:mc="http://schemas.openxmlformats.org/markup-compatibility/2006" xmlns:a14="http://schemas.microsoft.com/office/drawing/2010/main">
+        <mc:Choice Requires="a14">
           <p:sp>
             <p:nvSpPr>
               <p:cNvPr id="6" name="TextBox 5">
@@ -29861,7 +29861,7 @@
             </p:txBody>
           </p:sp>
         </mc:Choice>
-        <mc:Fallback>
+        <mc:Fallback xmlns="">
           <p:sp>
             <p:nvSpPr>
               <p:cNvPr id="6" name="TextBox 5">
@@ -34570,6 +34570,36 @@
           <a:xfrm>
             <a:off x="3990769" y="3106452"/>
             <a:ext cx="4779944" cy="1902434"/>
+          </a:xfrm>
+          <a:prstGeom prst="rect">
+            <a:avLst/>
+          </a:prstGeom>
+        </p:spPr>
+      </p:pic>
+      <p:pic>
+        <p:nvPicPr>
+          <p:cNvPr id="3" name="Picture 2">
+            <a:extLst>
+              <a:ext uri="{FF2B5EF4-FFF2-40B4-BE49-F238E27FC236}">
+                <a16:creationId xmlns:a16="http://schemas.microsoft.com/office/drawing/2014/main" id="{EB06D8C8-333C-416D-8431-A74AE4674C16}"/>
+              </a:ext>
+            </a:extLst>
+          </p:cNvPr>
+          <p:cNvPicPr>
+            <a:picLocks noChangeAspect="1"/>
+          </p:cNvPicPr>
+          <p:nvPr/>
+        </p:nvPicPr>
+        <p:blipFill>
+          <a:blip r:embed="rId6"/>
+          <a:stretch>
+            <a:fillRect/>
+          </a:stretch>
+        </p:blipFill>
+        <p:spPr>
+          <a:xfrm>
+            <a:off x="3990769" y="1280747"/>
+            <a:ext cx="4123312" cy="781124"/>
           </a:xfrm>
           <a:prstGeom prst="rect">
             <a:avLst/>

--- a/3 - Machine Learning/MachineLearning.pptx
+++ b/3 - Machine Learning/MachineLearning.pptx
@@ -12,11 +12,11 @@
     <p:sldId id="257" r:id="rId3"/>
     <p:sldId id="260" r:id="rId4"/>
     <p:sldId id="278" r:id="rId5"/>
-    <p:sldId id="284" r:id="rId6"/>
-    <p:sldId id="285" r:id="rId7"/>
-    <p:sldId id="279" r:id="rId8"/>
+    <p:sldId id="285" r:id="rId6"/>
+    <p:sldId id="284" r:id="rId7"/>
+    <p:sldId id="283" r:id="rId8"/>
     <p:sldId id="282" r:id="rId9"/>
-    <p:sldId id="283" r:id="rId10"/>
+    <p:sldId id="279" r:id="rId10"/>
     <p:sldId id="280" r:id="rId11"/>
     <p:sldId id="462" r:id="rId12"/>
     <p:sldId id="463" r:id="rId13"/>
@@ -65,14 +65,14 @@
       <p:boldItalic r:id="rId45"/>
     </p:embeddedFont>
     <p:embeddedFont>
-      <p:font typeface="Lato" panose="020B0604020202020204" charset="0"/>
+      <p:font typeface="Lato" panose="020F0502020204030203" pitchFamily="34" charset="0"/>
       <p:regular r:id="rId46"/>
       <p:bold r:id="rId47"/>
       <p:italic r:id="rId48"/>
       <p:boldItalic r:id="rId49"/>
     </p:embeddedFont>
     <p:embeddedFont>
-      <p:font typeface="Raleway" panose="020B0003030101060003" pitchFamily="34" charset="0"/>
+      <p:font typeface="Raleway" panose="020B0503030101060003" pitchFamily="34" charset="77"/>
       <p:regular r:id="rId50"/>
       <p:bold r:id="rId51"/>
       <p:italic r:id="rId52"/>
@@ -324,753 +324,6 @@
 </file>
 
 <file path=ppt/diagrams/colors1.xml><?xml version="1.0" encoding="utf-8"?>
-<dgm:colorsDef xmlns:dgm="http://schemas.openxmlformats.org/drawingml/2006/diagram" xmlns:a="http://schemas.openxmlformats.org/drawingml/2006/main" uniqueId="urn:microsoft.com/office/officeart/2005/8/colors/accent1_2">
-  <dgm:title val=""/>
-  <dgm:desc val=""/>
-  <dgm:catLst>
-    <dgm:cat type="accent1" pri="11200"/>
-  </dgm:catLst>
-  <dgm:styleLbl name="node0">
-    <dgm:fillClrLst meth="repeat">
-      <a:schemeClr val="accent1"/>
-    </dgm:fillClrLst>
-    <dgm:linClrLst meth="repeat">
-      <a:schemeClr val="lt1"/>
-    </dgm:linClrLst>
-    <dgm:effectClrLst/>
-    <dgm:txLinClrLst/>
-    <dgm:txFillClrLst/>
-    <dgm:txEffectClrLst/>
-  </dgm:styleLbl>
-  <dgm:styleLbl name="alignNode1">
-    <dgm:fillClrLst meth="repeat">
-      <a:schemeClr val="accent1"/>
-    </dgm:fillClrLst>
-    <dgm:linClrLst meth="repeat">
-      <a:schemeClr val="accent1"/>
-    </dgm:linClrLst>
-    <dgm:effectClrLst/>
-    <dgm:txLinClrLst/>
-    <dgm:txFillClrLst/>
-    <dgm:txEffectClrLst/>
-  </dgm:styleLbl>
-  <dgm:styleLbl name="node1">
-    <dgm:fillClrLst meth="repeat">
-      <a:schemeClr val="accent1"/>
-    </dgm:fillClrLst>
-    <dgm:linClrLst meth="repeat">
-      <a:schemeClr val="lt1"/>
-    </dgm:linClrLst>
-    <dgm:effectClrLst/>
-    <dgm:txLinClrLst/>
-    <dgm:txFillClrLst/>
-    <dgm:txEffectClrLst/>
-  </dgm:styleLbl>
-  <dgm:styleLbl name="lnNode1">
-    <dgm:fillClrLst meth="repeat">
-      <a:schemeClr val="accent1"/>
-    </dgm:fillClrLst>
-    <dgm:linClrLst meth="repeat">
-      <a:schemeClr val="lt1"/>
-    </dgm:linClrLst>
-    <dgm:effectClrLst/>
-    <dgm:txLinClrLst/>
-    <dgm:txFillClrLst/>
-    <dgm:txEffectClrLst/>
-  </dgm:styleLbl>
-  <dgm:styleLbl name="vennNode1">
-    <dgm:fillClrLst meth="repeat">
-      <a:schemeClr val="accent1">
-        <a:alpha val="50000"/>
-      </a:schemeClr>
-    </dgm:fillClrLst>
-    <dgm:linClrLst meth="repeat">
-      <a:schemeClr val="lt1"/>
-    </dgm:linClrLst>
-    <dgm:effectClrLst/>
-    <dgm:txLinClrLst/>
-    <dgm:txFillClrLst/>
-    <dgm:txEffectClrLst/>
-  </dgm:styleLbl>
-  <dgm:styleLbl name="node2">
-    <dgm:fillClrLst meth="repeat">
-      <a:schemeClr val="accent1"/>
-    </dgm:fillClrLst>
-    <dgm:linClrLst meth="repeat">
-      <a:schemeClr val="lt1"/>
-    </dgm:linClrLst>
-    <dgm:effectClrLst/>
-    <dgm:txLinClrLst/>
-    <dgm:txFillClrLst/>
-    <dgm:txEffectClrLst/>
-  </dgm:styleLbl>
-  <dgm:styleLbl name="node3">
-    <dgm:fillClrLst meth="repeat">
-      <a:schemeClr val="accent1"/>
-    </dgm:fillClrLst>
-    <dgm:linClrLst meth="repeat">
-      <a:schemeClr val="lt1"/>
-    </dgm:linClrLst>
-    <dgm:effectClrLst/>
-    <dgm:txLinClrLst/>
-    <dgm:txFillClrLst/>
-    <dgm:txEffectClrLst/>
-  </dgm:styleLbl>
-  <dgm:styleLbl name="node4">
-    <dgm:fillClrLst meth="repeat">
-      <a:schemeClr val="accent1"/>
-    </dgm:fillClrLst>
-    <dgm:linClrLst meth="repeat">
-      <a:schemeClr val="lt1"/>
-    </dgm:linClrLst>
-    <dgm:effectClrLst/>
-    <dgm:txLinClrLst/>
-    <dgm:txFillClrLst/>
-    <dgm:txEffectClrLst/>
-  </dgm:styleLbl>
-  <dgm:styleLbl name="fgImgPlace1">
-    <dgm:fillClrLst meth="repeat">
-      <a:schemeClr val="accent1">
-        <a:tint val="50000"/>
-      </a:schemeClr>
-    </dgm:fillClrLst>
-    <dgm:linClrLst meth="repeat">
-      <a:schemeClr val="lt1"/>
-    </dgm:linClrLst>
-    <dgm:effectClrLst/>
-    <dgm:txLinClrLst/>
-    <dgm:txFillClrLst meth="repeat">
-      <a:schemeClr val="lt1"/>
-    </dgm:txFillClrLst>
-    <dgm:txEffectClrLst/>
-  </dgm:styleLbl>
-  <dgm:styleLbl name="alignImgPlace1">
-    <dgm:fillClrLst meth="repeat">
-      <a:schemeClr val="accent1">
-        <a:tint val="50000"/>
-      </a:schemeClr>
-    </dgm:fillClrLst>
-    <dgm:linClrLst meth="repeat">
-      <a:schemeClr val="lt1"/>
-    </dgm:linClrLst>
-    <dgm:effectClrLst/>
-    <dgm:txLinClrLst/>
-    <dgm:txFillClrLst meth="repeat">
-      <a:schemeClr val="lt1"/>
-    </dgm:txFillClrLst>
-    <dgm:txEffectClrLst/>
-  </dgm:styleLbl>
-  <dgm:styleLbl name="bgImgPlace1">
-    <dgm:fillClrLst meth="repeat">
-      <a:schemeClr val="accent1">
-        <a:tint val="50000"/>
-      </a:schemeClr>
-    </dgm:fillClrLst>
-    <dgm:linClrLst meth="repeat">
-      <a:schemeClr val="lt1"/>
-    </dgm:linClrLst>
-    <dgm:effectClrLst/>
-    <dgm:txLinClrLst/>
-    <dgm:txFillClrLst meth="repeat">
-      <a:schemeClr val="lt1"/>
-    </dgm:txFillClrLst>
-    <dgm:txEffectClrLst/>
-  </dgm:styleLbl>
-  <dgm:styleLbl name="sibTrans2D1">
-    <dgm:fillClrLst meth="repeat">
-      <a:schemeClr val="accent1">
-        <a:tint val="60000"/>
-      </a:schemeClr>
-    </dgm:fillClrLst>
-    <dgm:linClrLst meth="repeat">
-      <a:schemeClr val="accent1">
-        <a:tint val="60000"/>
-      </a:schemeClr>
-    </dgm:linClrLst>
-    <dgm:effectClrLst/>
-    <dgm:txLinClrLst/>
-    <dgm:txFillClrLst/>
-    <dgm:txEffectClrLst/>
-  </dgm:styleLbl>
-  <dgm:styleLbl name="fgSibTrans2D1">
-    <dgm:fillClrLst meth="repeat">
-      <a:schemeClr val="accent1">
-        <a:tint val="60000"/>
-      </a:schemeClr>
-    </dgm:fillClrLst>
-    <dgm:linClrLst meth="repeat">
-      <a:schemeClr val="accent1">
-        <a:tint val="60000"/>
-      </a:schemeClr>
-    </dgm:linClrLst>
-    <dgm:effectClrLst/>
-    <dgm:txLinClrLst/>
-    <dgm:txFillClrLst/>
-    <dgm:txEffectClrLst/>
-  </dgm:styleLbl>
-  <dgm:styleLbl name="bgSibTrans2D1">
-    <dgm:fillClrLst meth="repeat">
-      <a:schemeClr val="accent1">
-        <a:tint val="60000"/>
-      </a:schemeClr>
-    </dgm:fillClrLst>
-    <dgm:linClrLst meth="repeat">
-      <a:schemeClr val="accent1">
-        <a:tint val="60000"/>
-      </a:schemeClr>
-    </dgm:linClrLst>
-    <dgm:effectClrLst/>
-    <dgm:txLinClrLst/>
-    <dgm:txFillClrLst/>
-    <dgm:txEffectClrLst/>
-  </dgm:styleLbl>
-  <dgm:styleLbl name="sibTrans1D1">
-    <dgm:fillClrLst meth="repeat">
-      <a:schemeClr val="accent1"/>
-    </dgm:fillClrLst>
-    <dgm:linClrLst meth="repeat">
-      <a:schemeClr val="accent1"/>
-    </dgm:linClrLst>
-    <dgm:effectClrLst/>
-    <dgm:txLinClrLst/>
-    <dgm:txFillClrLst meth="repeat">
-      <a:schemeClr val="tx1"/>
-    </dgm:txFillClrLst>
-    <dgm:txEffectClrLst/>
-  </dgm:styleLbl>
-  <dgm:styleLbl name="callout">
-    <dgm:fillClrLst meth="repeat">
-      <a:schemeClr val="accent1"/>
-    </dgm:fillClrLst>
-    <dgm:linClrLst meth="repeat">
-      <a:schemeClr val="accent1">
-        <a:tint val="50000"/>
-      </a:schemeClr>
-    </dgm:linClrLst>
-    <dgm:effectClrLst/>
-    <dgm:txLinClrLst/>
-    <dgm:txFillClrLst meth="repeat">
-      <a:schemeClr val="tx1"/>
-    </dgm:txFillClrLst>
-    <dgm:txEffectClrLst/>
-  </dgm:styleLbl>
-  <dgm:styleLbl name="asst0">
-    <dgm:fillClrLst meth="repeat">
-      <a:schemeClr val="accent1"/>
-    </dgm:fillClrLst>
-    <dgm:linClrLst meth="repeat">
-      <a:schemeClr val="lt1"/>
-    </dgm:linClrLst>
-    <dgm:effectClrLst/>
-    <dgm:txLinClrLst/>
-    <dgm:txFillClrLst/>
-    <dgm:txEffectClrLst/>
-  </dgm:styleLbl>
-  <dgm:styleLbl name="asst1">
-    <dgm:fillClrLst meth="repeat">
-      <a:schemeClr val="accent1"/>
-    </dgm:fillClrLst>
-    <dgm:linClrLst meth="repeat">
-      <a:schemeClr val="lt1"/>
-    </dgm:linClrLst>
-    <dgm:effectClrLst/>
-    <dgm:txLinClrLst/>
-    <dgm:txFillClrLst/>
-    <dgm:txEffectClrLst/>
-  </dgm:styleLbl>
-  <dgm:styleLbl name="asst2">
-    <dgm:fillClrLst meth="repeat">
-      <a:schemeClr val="accent1"/>
-    </dgm:fillClrLst>
-    <dgm:linClrLst meth="repeat">
-      <a:schemeClr val="lt1"/>
-    </dgm:linClrLst>
-    <dgm:effectClrLst/>
-    <dgm:txLinClrLst/>
-    <dgm:txFillClrLst/>
-    <dgm:txEffectClrLst/>
-  </dgm:styleLbl>
-  <dgm:styleLbl name="asst3">
-    <dgm:fillClrLst meth="repeat">
-      <a:schemeClr val="accent1"/>
-    </dgm:fillClrLst>
-    <dgm:linClrLst meth="repeat">
-      <a:schemeClr val="lt1"/>
-    </dgm:linClrLst>
-    <dgm:effectClrLst/>
-    <dgm:txLinClrLst/>
-    <dgm:txFillClrLst/>
-    <dgm:txEffectClrLst/>
-  </dgm:styleLbl>
-  <dgm:styleLbl name="asst4">
-    <dgm:fillClrLst meth="repeat">
-      <a:schemeClr val="accent1"/>
-    </dgm:fillClrLst>
-    <dgm:linClrLst meth="repeat">
-      <a:schemeClr val="lt1"/>
-    </dgm:linClrLst>
-    <dgm:effectClrLst/>
-    <dgm:txLinClrLst/>
-    <dgm:txFillClrLst/>
-    <dgm:txEffectClrLst/>
-  </dgm:styleLbl>
-  <dgm:styleLbl name="parChTrans2D1">
-    <dgm:fillClrLst meth="repeat">
-      <a:schemeClr val="accent1">
-        <a:tint val="60000"/>
-      </a:schemeClr>
-    </dgm:fillClrLst>
-    <dgm:linClrLst meth="repeat">
-      <a:schemeClr val="accent1">
-        <a:tint val="60000"/>
-      </a:schemeClr>
-    </dgm:linClrLst>
-    <dgm:effectClrLst/>
-    <dgm:txLinClrLst/>
-    <dgm:txFillClrLst meth="repeat">
-      <a:schemeClr val="lt1"/>
-    </dgm:txFillClrLst>
-    <dgm:txEffectClrLst/>
-  </dgm:styleLbl>
-  <dgm:styleLbl name="parChTrans2D2">
-    <dgm:fillClrLst meth="repeat">
-      <a:schemeClr val="accent1"/>
-    </dgm:fillClrLst>
-    <dgm:linClrLst meth="repeat">
-      <a:schemeClr val="accent1"/>
-    </dgm:linClrLst>
-    <dgm:effectClrLst/>
-    <dgm:txLinClrLst/>
-    <dgm:txFillClrLst meth="repeat">
-      <a:schemeClr val="lt1"/>
-    </dgm:txFillClrLst>
-    <dgm:txEffectClrLst/>
-  </dgm:styleLbl>
-  <dgm:styleLbl name="parChTrans2D3">
-    <dgm:fillClrLst meth="repeat">
-      <a:schemeClr val="accent1"/>
-    </dgm:fillClrLst>
-    <dgm:linClrLst meth="repeat">
-      <a:schemeClr val="accent1"/>
-    </dgm:linClrLst>
-    <dgm:effectClrLst/>
-    <dgm:txLinClrLst/>
-    <dgm:txFillClrLst meth="repeat">
-      <a:schemeClr val="lt1"/>
-    </dgm:txFillClrLst>
-    <dgm:txEffectClrLst/>
-  </dgm:styleLbl>
-  <dgm:styleLbl name="parChTrans2D4">
-    <dgm:fillClrLst meth="repeat">
-      <a:schemeClr val="accent1"/>
-    </dgm:fillClrLst>
-    <dgm:linClrLst meth="repeat">
-      <a:schemeClr val="accent1"/>
-    </dgm:linClrLst>
-    <dgm:effectClrLst/>
-    <dgm:txLinClrLst/>
-    <dgm:txFillClrLst meth="repeat">
-      <a:schemeClr val="lt1"/>
-    </dgm:txFillClrLst>
-    <dgm:txEffectClrLst/>
-  </dgm:styleLbl>
-  <dgm:styleLbl name="parChTrans1D1">
-    <dgm:fillClrLst meth="repeat">
-      <a:schemeClr val="accent1"/>
-    </dgm:fillClrLst>
-    <dgm:linClrLst meth="repeat">
-      <a:schemeClr val="accent1">
-        <a:shade val="60000"/>
-      </a:schemeClr>
-    </dgm:linClrLst>
-    <dgm:effectClrLst/>
-    <dgm:txLinClrLst/>
-    <dgm:txFillClrLst meth="repeat">
-      <a:schemeClr val="tx1"/>
-    </dgm:txFillClrLst>
-    <dgm:txEffectClrLst/>
-  </dgm:styleLbl>
-  <dgm:styleLbl name="parChTrans1D2">
-    <dgm:fillClrLst meth="repeat">
-      <a:schemeClr val="accent1"/>
-    </dgm:fillClrLst>
-    <dgm:linClrLst meth="repeat">
-      <a:schemeClr val="accent1">
-        <a:shade val="60000"/>
-      </a:schemeClr>
-    </dgm:linClrLst>
-    <dgm:effectClrLst/>
-    <dgm:txLinClrLst/>
-    <dgm:txFillClrLst meth="repeat">
-      <a:schemeClr val="tx1"/>
-    </dgm:txFillClrLst>
-    <dgm:txEffectClrLst/>
-  </dgm:styleLbl>
-  <dgm:styleLbl name="parChTrans1D3">
-    <dgm:fillClrLst meth="repeat">
-      <a:schemeClr val="accent1"/>
-    </dgm:fillClrLst>
-    <dgm:linClrLst meth="repeat">
-      <a:schemeClr val="accent1">
-        <a:shade val="80000"/>
-      </a:schemeClr>
-    </dgm:linClrLst>
-    <dgm:effectClrLst/>
-    <dgm:txLinClrLst/>
-    <dgm:txFillClrLst meth="repeat">
-      <a:schemeClr val="tx1"/>
-    </dgm:txFillClrLst>
-    <dgm:txEffectClrLst/>
-  </dgm:styleLbl>
-  <dgm:styleLbl name="parChTrans1D4">
-    <dgm:fillClrLst meth="repeat">
-      <a:schemeClr val="accent1"/>
-    </dgm:fillClrLst>
-    <dgm:linClrLst meth="repeat">
-      <a:schemeClr val="accent1">
-        <a:shade val="80000"/>
-      </a:schemeClr>
-    </dgm:linClrLst>
-    <dgm:effectClrLst/>
-    <dgm:txLinClrLst/>
-    <dgm:txFillClrLst meth="repeat">
-      <a:schemeClr val="tx1"/>
-    </dgm:txFillClrLst>
-    <dgm:txEffectClrLst/>
-  </dgm:styleLbl>
-  <dgm:styleLbl name="fgAcc1">
-    <dgm:fillClrLst meth="repeat">
-      <a:schemeClr val="lt1">
-        <a:alpha val="90000"/>
-      </a:schemeClr>
-    </dgm:fillClrLst>
-    <dgm:linClrLst meth="repeat">
-      <a:schemeClr val="accent1"/>
-    </dgm:linClrLst>
-    <dgm:effectClrLst/>
-    <dgm:txLinClrLst/>
-    <dgm:txFillClrLst meth="repeat">
-      <a:schemeClr val="dk1"/>
-    </dgm:txFillClrLst>
-    <dgm:txEffectClrLst/>
-  </dgm:styleLbl>
-  <dgm:styleLbl name="conFgAcc1">
-    <dgm:fillClrLst meth="repeat">
-      <a:schemeClr val="lt1">
-        <a:alpha val="90000"/>
-      </a:schemeClr>
-    </dgm:fillClrLst>
-    <dgm:linClrLst meth="repeat">
-      <a:schemeClr val="accent1"/>
-    </dgm:linClrLst>
-    <dgm:effectClrLst/>
-    <dgm:txLinClrLst/>
-    <dgm:txFillClrLst meth="repeat">
-      <a:schemeClr val="dk1"/>
-    </dgm:txFillClrLst>
-    <dgm:txEffectClrLst/>
-  </dgm:styleLbl>
-  <dgm:styleLbl name="alignAcc1">
-    <dgm:fillClrLst meth="repeat">
-      <a:schemeClr val="lt1">
-        <a:alpha val="90000"/>
-      </a:schemeClr>
-    </dgm:fillClrLst>
-    <dgm:linClrLst meth="repeat">
-      <a:schemeClr val="accent1"/>
-    </dgm:linClrLst>
-    <dgm:effectClrLst/>
-    <dgm:txLinClrLst/>
-    <dgm:txFillClrLst meth="repeat">
-      <a:schemeClr val="dk1"/>
-    </dgm:txFillClrLst>
-    <dgm:txEffectClrLst/>
-  </dgm:styleLbl>
-  <dgm:styleLbl name="trAlignAcc1">
-    <dgm:fillClrLst meth="repeat">
-      <a:schemeClr val="lt1">
-        <a:alpha val="40000"/>
-      </a:schemeClr>
-    </dgm:fillClrLst>
-    <dgm:linClrLst meth="repeat">
-      <a:schemeClr val="accent1"/>
-    </dgm:linClrLst>
-    <dgm:effectClrLst/>
-    <dgm:txLinClrLst/>
-    <dgm:txFillClrLst meth="repeat">
-      <a:schemeClr val="dk1"/>
-    </dgm:txFillClrLst>
-    <dgm:txEffectClrLst/>
-  </dgm:styleLbl>
-  <dgm:styleLbl name="bgAcc1">
-    <dgm:fillClrLst meth="repeat">
-      <a:schemeClr val="lt1">
-        <a:alpha val="90000"/>
-      </a:schemeClr>
-    </dgm:fillClrLst>
-    <dgm:linClrLst meth="repeat">
-      <a:schemeClr val="accent1"/>
-    </dgm:linClrLst>
-    <dgm:effectClrLst/>
-    <dgm:txLinClrLst/>
-    <dgm:txFillClrLst meth="repeat">
-      <a:schemeClr val="dk1"/>
-    </dgm:txFillClrLst>
-    <dgm:txEffectClrLst/>
-  </dgm:styleLbl>
-  <dgm:styleLbl name="solidFgAcc1">
-    <dgm:fillClrLst meth="repeat">
-      <a:schemeClr val="lt1"/>
-    </dgm:fillClrLst>
-    <dgm:linClrLst meth="repeat">
-      <a:schemeClr val="accent1"/>
-    </dgm:linClrLst>
-    <dgm:effectClrLst/>
-    <dgm:txLinClrLst/>
-    <dgm:txFillClrLst meth="repeat">
-      <a:schemeClr val="dk1"/>
-    </dgm:txFillClrLst>
-    <dgm:txEffectClrLst/>
-  </dgm:styleLbl>
-  <dgm:styleLbl name="solidAlignAcc1">
-    <dgm:fillClrLst meth="repeat">
-      <a:schemeClr val="lt1"/>
-    </dgm:fillClrLst>
-    <dgm:linClrLst meth="repeat">
-      <a:schemeClr val="accent1"/>
-    </dgm:linClrLst>
-    <dgm:effectClrLst/>
-    <dgm:txLinClrLst/>
-    <dgm:txFillClrLst meth="repeat">
-      <a:schemeClr val="dk1"/>
-    </dgm:txFillClrLst>
-    <dgm:txEffectClrLst/>
-  </dgm:styleLbl>
-  <dgm:styleLbl name="solidBgAcc1">
-    <dgm:fillClrLst meth="repeat">
-      <a:schemeClr val="lt1"/>
-    </dgm:fillClrLst>
-    <dgm:linClrLst meth="repeat">
-      <a:schemeClr val="accent1"/>
-    </dgm:linClrLst>
-    <dgm:effectClrLst/>
-    <dgm:txLinClrLst/>
-    <dgm:txFillClrLst meth="repeat">
-      <a:schemeClr val="dk1"/>
-    </dgm:txFillClrLst>
-    <dgm:txEffectClrLst/>
-  </dgm:styleLbl>
-  <dgm:styleLbl name="fgAccFollowNode1">
-    <dgm:fillClrLst meth="repeat">
-      <a:schemeClr val="accent1">
-        <a:alpha val="90000"/>
-        <a:tint val="40000"/>
-      </a:schemeClr>
-    </dgm:fillClrLst>
-    <dgm:linClrLst meth="repeat">
-      <a:schemeClr val="accent1">
-        <a:alpha val="90000"/>
-        <a:tint val="40000"/>
-      </a:schemeClr>
-    </dgm:linClrLst>
-    <dgm:effectClrLst/>
-    <dgm:txLinClrLst/>
-    <dgm:txFillClrLst meth="repeat">
-      <a:schemeClr val="dk1"/>
-    </dgm:txFillClrLst>
-    <dgm:txEffectClrLst/>
-  </dgm:styleLbl>
-  <dgm:styleLbl name="alignAccFollowNode1">
-    <dgm:fillClrLst meth="repeat">
-      <a:schemeClr val="accent1">
-        <a:alpha val="90000"/>
-        <a:tint val="40000"/>
-      </a:schemeClr>
-    </dgm:fillClrLst>
-    <dgm:linClrLst meth="repeat">
-      <a:schemeClr val="accent1">
-        <a:alpha val="90000"/>
-        <a:tint val="40000"/>
-      </a:schemeClr>
-    </dgm:linClrLst>
-    <dgm:effectClrLst/>
-    <dgm:txLinClrLst/>
-    <dgm:txFillClrLst meth="repeat">
-      <a:schemeClr val="dk1"/>
-    </dgm:txFillClrLst>
-    <dgm:txEffectClrLst/>
-  </dgm:styleLbl>
-  <dgm:styleLbl name="bgAccFollowNode1">
-    <dgm:fillClrLst meth="repeat">
-      <a:schemeClr val="accent1">
-        <a:alpha val="90000"/>
-        <a:tint val="40000"/>
-      </a:schemeClr>
-    </dgm:fillClrLst>
-    <dgm:linClrLst meth="repeat">
-      <a:schemeClr val="accent1">
-        <a:alpha val="90000"/>
-        <a:tint val="40000"/>
-      </a:schemeClr>
-    </dgm:linClrLst>
-    <dgm:effectClrLst/>
-    <dgm:txLinClrLst/>
-    <dgm:txFillClrLst meth="repeat">
-      <a:schemeClr val="dk1"/>
-    </dgm:txFillClrLst>
-    <dgm:txEffectClrLst/>
-  </dgm:styleLbl>
-  <dgm:styleLbl name="fgAcc0">
-    <dgm:fillClrLst meth="repeat">
-      <a:schemeClr val="lt1">
-        <a:alpha val="90000"/>
-      </a:schemeClr>
-    </dgm:fillClrLst>
-    <dgm:linClrLst meth="repeat">
-      <a:schemeClr val="accent1"/>
-    </dgm:linClrLst>
-    <dgm:effectClrLst/>
-    <dgm:txLinClrLst/>
-    <dgm:txFillClrLst meth="repeat">
-      <a:schemeClr val="dk1"/>
-    </dgm:txFillClrLst>
-    <dgm:txEffectClrLst/>
-  </dgm:styleLbl>
-  <dgm:styleLbl name="fgAcc2">
-    <dgm:fillClrLst meth="repeat">
-      <a:schemeClr val="lt1">
-        <a:alpha val="90000"/>
-      </a:schemeClr>
-    </dgm:fillClrLst>
-    <dgm:linClrLst meth="repeat">
-      <a:schemeClr val="accent1"/>
-    </dgm:linClrLst>
-    <dgm:effectClrLst/>
-    <dgm:txLinClrLst/>
-    <dgm:txFillClrLst meth="repeat">
-      <a:schemeClr val="dk1"/>
-    </dgm:txFillClrLst>
-    <dgm:txEffectClrLst/>
-  </dgm:styleLbl>
-  <dgm:styleLbl name="fgAcc3">
-    <dgm:fillClrLst meth="repeat">
-      <a:schemeClr val="lt1">
-        <a:alpha val="90000"/>
-      </a:schemeClr>
-    </dgm:fillClrLst>
-    <dgm:linClrLst meth="repeat">
-      <a:schemeClr val="accent1"/>
-    </dgm:linClrLst>
-    <dgm:effectClrLst/>
-    <dgm:txLinClrLst/>
-    <dgm:txFillClrLst meth="repeat">
-      <a:schemeClr val="dk1"/>
-    </dgm:txFillClrLst>
-    <dgm:txEffectClrLst/>
-  </dgm:styleLbl>
-  <dgm:styleLbl name="fgAcc4">
-    <dgm:fillClrLst meth="repeat">
-      <a:schemeClr val="lt1">
-        <a:alpha val="90000"/>
-      </a:schemeClr>
-    </dgm:fillClrLst>
-    <dgm:linClrLst meth="repeat">
-      <a:schemeClr val="accent1"/>
-    </dgm:linClrLst>
-    <dgm:effectClrLst/>
-    <dgm:txLinClrLst/>
-    <dgm:txFillClrLst meth="repeat">
-      <a:schemeClr val="dk1"/>
-    </dgm:txFillClrLst>
-    <dgm:txEffectClrLst/>
-  </dgm:styleLbl>
-  <dgm:styleLbl name="bgShp">
-    <dgm:fillClrLst meth="repeat">
-      <a:schemeClr val="accent1">
-        <a:tint val="40000"/>
-      </a:schemeClr>
-    </dgm:fillClrLst>
-    <dgm:linClrLst meth="repeat">
-      <a:schemeClr val="accent1"/>
-    </dgm:linClrLst>
-    <dgm:effectClrLst/>
-    <dgm:txLinClrLst/>
-    <dgm:txFillClrLst meth="repeat">
-      <a:schemeClr val="dk1"/>
-    </dgm:txFillClrLst>
-    <dgm:txEffectClrLst/>
-  </dgm:styleLbl>
-  <dgm:styleLbl name="dkBgShp">
-    <dgm:fillClrLst meth="repeat">
-      <a:schemeClr val="accent1">
-        <a:shade val="80000"/>
-      </a:schemeClr>
-    </dgm:fillClrLst>
-    <dgm:linClrLst meth="repeat">
-      <a:schemeClr val="accent1"/>
-    </dgm:linClrLst>
-    <dgm:effectClrLst/>
-    <dgm:txLinClrLst/>
-    <dgm:txFillClrLst meth="repeat">
-      <a:schemeClr val="lt1"/>
-    </dgm:txFillClrLst>
-    <dgm:txEffectClrLst/>
-  </dgm:styleLbl>
-  <dgm:styleLbl name="trBgShp">
-    <dgm:fillClrLst meth="repeat">
-      <a:schemeClr val="accent1">
-        <a:tint val="50000"/>
-        <a:alpha val="40000"/>
-      </a:schemeClr>
-    </dgm:fillClrLst>
-    <dgm:linClrLst meth="repeat">
-      <a:schemeClr val="accent1"/>
-    </dgm:linClrLst>
-    <dgm:effectClrLst/>
-    <dgm:txLinClrLst/>
-    <dgm:txFillClrLst meth="repeat">
-      <a:schemeClr val="lt1"/>
-    </dgm:txFillClrLst>
-    <dgm:txEffectClrLst/>
-  </dgm:styleLbl>
-  <dgm:styleLbl name="fgShp">
-    <dgm:fillClrLst meth="repeat">
-      <a:schemeClr val="accent1">
-        <a:tint val="60000"/>
-      </a:schemeClr>
-    </dgm:fillClrLst>
-    <dgm:linClrLst meth="repeat">
-      <a:schemeClr val="lt1"/>
-    </dgm:linClrLst>
-    <dgm:effectClrLst/>
-    <dgm:txLinClrLst/>
-    <dgm:txFillClrLst meth="repeat">
-      <a:schemeClr val="dk1"/>
-    </dgm:txFillClrLst>
-    <dgm:txEffectClrLst/>
-  </dgm:styleLbl>
-  <dgm:styleLbl name="revTx">
-    <dgm:fillClrLst meth="repeat">
-      <a:schemeClr val="lt1">
-        <a:alpha val="0"/>
-      </a:schemeClr>
-    </dgm:fillClrLst>
-    <dgm:linClrLst meth="repeat">
-      <a:schemeClr val="dk1">
-        <a:alpha val="0"/>
-      </a:schemeClr>
-    </dgm:linClrLst>
-    <dgm:effectClrLst/>
-    <dgm:txLinClrLst/>
-    <dgm:txFillClrLst meth="repeat">
-      <a:schemeClr val="tx1"/>
-    </dgm:txFillClrLst>
-    <dgm:txEffectClrLst/>
-  </dgm:styleLbl>
-</dgm:colorsDef>
-</file>
-
-<file path=ppt/diagrams/colors2.xml><?xml version="1.0" encoding="utf-8"?>
 <dgm:colorsDef xmlns:dgm="http://schemas.openxmlformats.org/drawingml/2006/diagram" xmlns:a="http://schemas.openxmlformats.org/drawingml/2006/main" uniqueId="urn:microsoft.com/office/officeart/2005/8/colors/colorful2">
   <dgm:title val=""/>
   <dgm:desc val=""/>
@@ -1853,348 +1106,6 @@
 </file>
 
 <file path=ppt/diagrams/data1.xml><?xml version="1.0" encoding="utf-8"?>
-<dgm:dataModel xmlns:dgm="http://schemas.openxmlformats.org/drawingml/2006/diagram" xmlns:a="http://schemas.openxmlformats.org/drawingml/2006/main">
-  <dgm:ptLst>
-    <dgm:pt modelId="{42FD73BD-FE9E-47FE-BABD-098E82A1A76D}" type="doc">
-      <dgm:prSet loTypeId="urn:microsoft.com/office/officeart/2005/8/layout/pList1" loCatId="list" qsTypeId="urn:microsoft.com/office/officeart/2005/8/quickstyle/simple1" qsCatId="simple" csTypeId="urn:microsoft.com/office/officeart/2005/8/colors/accent1_2" csCatId="accent1" phldr="1"/>
-      <dgm:spPr/>
-      <dgm:t>
-        <a:bodyPr/>
-        <a:lstStyle/>
-        <a:p>
-          <a:endParaRPr lang="en-US"/>
-        </a:p>
-      </dgm:t>
-    </dgm:pt>
-    <dgm:pt modelId="{3D23944D-84C3-4E77-B536-D140BD1804D8}">
-      <dgm:prSet phldrT="[Text]"/>
-      <dgm:spPr/>
-      <dgm:t>
-        <a:bodyPr/>
-        <a:lstStyle/>
-        <a:p>
-          <a:r>
-            <a:rPr lang="en-US" dirty="0"/>
-            <a:t>Databricks</a:t>
-          </a:r>
-        </a:p>
-      </dgm:t>
-    </dgm:pt>
-    <dgm:pt modelId="{A75C7274-A6C3-4BBD-BF7F-3E342A6E9A9D}" type="parTrans" cxnId="{E2ADBC33-72EB-458F-BE50-D507FA8D418B}">
-      <dgm:prSet/>
-      <dgm:spPr/>
-      <dgm:t>
-        <a:bodyPr/>
-        <a:lstStyle/>
-        <a:p>
-          <a:endParaRPr lang="en-US"/>
-        </a:p>
-      </dgm:t>
-    </dgm:pt>
-    <dgm:pt modelId="{4F475249-E5B5-4055-9835-CCC0430EB4C5}" type="sibTrans" cxnId="{E2ADBC33-72EB-458F-BE50-D507FA8D418B}">
-      <dgm:prSet/>
-      <dgm:spPr/>
-      <dgm:t>
-        <a:bodyPr/>
-        <a:lstStyle/>
-        <a:p>
-          <a:endParaRPr lang="en-US"/>
-        </a:p>
-      </dgm:t>
-    </dgm:pt>
-    <dgm:pt modelId="{A0C8ED22-504E-43B3-AB33-BF46FEE73EC2}">
-      <dgm:prSet phldrT="[Text]"/>
-      <dgm:spPr/>
-      <dgm:t>
-        <a:bodyPr/>
-        <a:lstStyle/>
-        <a:p>
-          <a:r>
-            <a:rPr lang="en-US" dirty="0"/>
-            <a:t>Machine Learning Studio</a:t>
-          </a:r>
-        </a:p>
-      </dgm:t>
-    </dgm:pt>
-    <dgm:pt modelId="{700A1660-969F-468C-898C-1B86C93E8332}" type="parTrans" cxnId="{EA9EB82E-7BF6-4435-9A63-46F8057D3154}">
-      <dgm:prSet/>
-      <dgm:spPr/>
-      <dgm:t>
-        <a:bodyPr/>
-        <a:lstStyle/>
-        <a:p>
-          <a:endParaRPr lang="en-US"/>
-        </a:p>
-      </dgm:t>
-    </dgm:pt>
-    <dgm:pt modelId="{98DF427C-2A1E-461E-9CEA-D5AD67B5B773}" type="sibTrans" cxnId="{EA9EB82E-7BF6-4435-9A63-46F8057D3154}">
-      <dgm:prSet/>
-      <dgm:spPr/>
-      <dgm:t>
-        <a:bodyPr/>
-        <a:lstStyle/>
-        <a:p>
-          <a:endParaRPr lang="en-US"/>
-        </a:p>
-      </dgm:t>
-    </dgm:pt>
-    <dgm:pt modelId="{DA63AFF0-3FBC-48FE-BE11-5E2C41FAC908}">
-      <dgm:prSet phldrT="[Text]"/>
-      <dgm:spPr/>
-      <dgm:t>
-        <a:bodyPr/>
-        <a:lstStyle/>
-        <a:p>
-          <a:r>
-            <a:rPr lang="en-US" dirty="0"/>
-            <a:t>Machine Learning Services</a:t>
-          </a:r>
-        </a:p>
-      </dgm:t>
-    </dgm:pt>
-    <dgm:pt modelId="{F9A790C4-0132-4F98-9A97-A9F76F9A5EEA}" type="parTrans" cxnId="{1FF98D3A-ED38-4686-B9ED-DB223AA7E311}">
-      <dgm:prSet/>
-      <dgm:spPr/>
-      <dgm:t>
-        <a:bodyPr/>
-        <a:lstStyle/>
-        <a:p>
-          <a:endParaRPr lang="en-US"/>
-        </a:p>
-      </dgm:t>
-    </dgm:pt>
-    <dgm:pt modelId="{628A1DA9-E3E1-4979-8266-011AD057A72E}" type="sibTrans" cxnId="{1FF98D3A-ED38-4686-B9ED-DB223AA7E311}">
-      <dgm:prSet/>
-      <dgm:spPr/>
-      <dgm:t>
-        <a:bodyPr/>
-        <a:lstStyle/>
-        <a:p>
-          <a:endParaRPr lang="en-US"/>
-        </a:p>
-      </dgm:t>
-    </dgm:pt>
-    <dgm:pt modelId="{5755B076-D0BC-4F25-AD1D-86929C8B4E7B}">
-      <dgm:prSet phldrT="[Text]"/>
-      <dgm:spPr/>
-      <dgm:t>
-        <a:bodyPr/>
-        <a:lstStyle/>
-        <a:p>
-          <a:r>
-            <a:rPr lang="en-US" dirty="0"/>
-            <a:t>DSVM</a:t>
-          </a:r>
-        </a:p>
-      </dgm:t>
-    </dgm:pt>
-    <dgm:pt modelId="{44C739A1-43B2-43E2-9587-0C40591DF5DF}" type="parTrans" cxnId="{A5ED55E5-3721-4055-81BA-F9E5121CC911}">
-      <dgm:prSet/>
-      <dgm:spPr/>
-      <dgm:t>
-        <a:bodyPr/>
-        <a:lstStyle/>
-        <a:p>
-          <a:endParaRPr lang="en-US"/>
-        </a:p>
-      </dgm:t>
-    </dgm:pt>
-    <dgm:pt modelId="{59C72BA2-A41D-4754-BB08-E30FE8EB46F2}" type="sibTrans" cxnId="{A5ED55E5-3721-4055-81BA-F9E5121CC911}">
-      <dgm:prSet/>
-      <dgm:spPr/>
-      <dgm:t>
-        <a:bodyPr/>
-        <a:lstStyle/>
-        <a:p>
-          <a:endParaRPr lang="en-US"/>
-        </a:p>
-      </dgm:t>
-    </dgm:pt>
-    <dgm:pt modelId="{B53A2C9C-A3AF-423B-A527-D500FA94B999}" type="pres">
-      <dgm:prSet presAssocID="{42FD73BD-FE9E-47FE-BABD-098E82A1A76D}" presName="Name0" presStyleCnt="0">
-        <dgm:presLayoutVars>
-          <dgm:dir/>
-          <dgm:resizeHandles val="exact"/>
-        </dgm:presLayoutVars>
-      </dgm:prSet>
-      <dgm:spPr/>
-    </dgm:pt>
-    <dgm:pt modelId="{4392CE06-6C85-4D20-A95D-ABB3D59DD146}" type="pres">
-      <dgm:prSet presAssocID="{3D23944D-84C3-4E77-B536-D140BD1804D8}" presName="compNode" presStyleCnt="0"/>
-      <dgm:spPr/>
-    </dgm:pt>
-    <dgm:pt modelId="{F089DCA7-5F73-4590-8BDB-39B8A95F1658}" type="pres">
-      <dgm:prSet presAssocID="{3D23944D-84C3-4E77-B536-D140BD1804D8}" presName="pictRect" presStyleLbl="node1" presStyleIdx="0" presStyleCnt="4"/>
-      <dgm:spPr>
-        <a:blipFill dpi="0" rotWithShape="1">
-          <a:blip xmlns:r="http://schemas.openxmlformats.org/officeDocument/2006/relationships" r:embed="rId1">
-            <a:extLst>
-              <a:ext uri="{28A0092B-C50C-407E-A947-70E740481C1C}">
-                <a14:useLocalDpi xmlns:a14="http://schemas.microsoft.com/office/drawing/2010/main" val="0"/>
-              </a:ext>
-              <a:ext uri="{837473B0-CC2E-450A-ABE3-18F120FF3D39}">
-                <a1611:picAttrSrcUrl xmlns:a1611="http://schemas.microsoft.com/office/drawing/2016/11/main" r:id="rId2"/>
-              </a:ext>
-            </a:extLst>
-          </a:blip>
-          <a:srcRect/>
-          <a:stretch>
-            <a:fillRect l="20923" t="7547" r="20923" b="7547"/>
-          </a:stretch>
-        </a:blipFill>
-      </dgm:spPr>
-    </dgm:pt>
-    <dgm:pt modelId="{51B1661E-9A93-468A-B3EE-25D12D92B67B}" type="pres">
-      <dgm:prSet presAssocID="{3D23944D-84C3-4E77-B536-D140BD1804D8}" presName="textRect" presStyleLbl="revTx" presStyleIdx="0" presStyleCnt="4">
-        <dgm:presLayoutVars>
-          <dgm:bulletEnabled val="1"/>
-        </dgm:presLayoutVars>
-      </dgm:prSet>
-      <dgm:spPr/>
-    </dgm:pt>
-    <dgm:pt modelId="{A1AE36F9-67D6-4511-BA13-572592456B12}" type="pres">
-      <dgm:prSet presAssocID="{4F475249-E5B5-4055-9835-CCC0430EB4C5}" presName="sibTrans" presStyleLbl="sibTrans2D1" presStyleIdx="0" presStyleCnt="0"/>
-      <dgm:spPr/>
-    </dgm:pt>
-    <dgm:pt modelId="{D98C6495-DBA7-4799-8789-EE4F358362C6}" type="pres">
-      <dgm:prSet presAssocID="{DA63AFF0-3FBC-48FE-BE11-5E2C41FAC908}" presName="compNode" presStyleCnt="0"/>
-      <dgm:spPr/>
-    </dgm:pt>
-    <dgm:pt modelId="{7330D50A-07B5-4BD3-B091-B29B4595D399}" type="pres">
-      <dgm:prSet presAssocID="{DA63AFF0-3FBC-48FE-BE11-5E2C41FAC908}" presName="pictRect" presStyleLbl="node1" presStyleIdx="1" presStyleCnt="4"/>
-      <dgm:spPr>
-        <a:blipFill dpi="0" rotWithShape="1">
-          <a:blip xmlns:r="http://schemas.openxmlformats.org/officeDocument/2006/relationships" r:embed="rId3">
-            <a:extLst>
-              <a:ext uri="{28A0092B-C50C-407E-A947-70E740481C1C}">
-                <a14:useLocalDpi xmlns:a14="http://schemas.microsoft.com/office/drawing/2010/main" val="0"/>
-              </a:ext>
-            </a:extLst>
-          </a:blip>
-          <a:srcRect/>
-          <a:stretch>
-            <a:fillRect l="26004" t="14966" r="26004" b="14966"/>
-          </a:stretch>
-        </a:blipFill>
-      </dgm:spPr>
-    </dgm:pt>
-    <dgm:pt modelId="{E5B204DB-B80C-46ED-B0C8-3033B53F7CFB}" type="pres">
-      <dgm:prSet presAssocID="{DA63AFF0-3FBC-48FE-BE11-5E2C41FAC908}" presName="textRect" presStyleLbl="revTx" presStyleIdx="1" presStyleCnt="4">
-        <dgm:presLayoutVars>
-          <dgm:bulletEnabled val="1"/>
-        </dgm:presLayoutVars>
-      </dgm:prSet>
-      <dgm:spPr/>
-    </dgm:pt>
-    <dgm:pt modelId="{2D8E3314-D276-4BBB-B8E2-5D5C8EF0AD27}" type="pres">
-      <dgm:prSet presAssocID="{628A1DA9-E3E1-4979-8266-011AD057A72E}" presName="sibTrans" presStyleLbl="sibTrans2D1" presStyleIdx="0" presStyleCnt="0"/>
-      <dgm:spPr/>
-    </dgm:pt>
-    <dgm:pt modelId="{21A11DAD-35E9-47FA-8F85-3B4E5EA67E5B}" type="pres">
-      <dgm:prSet presAssocID="{5755B076-D0BC-4F25-AD1D-86929C8B4E7B}" presName="compNode" presStyleCnt="0"/>
-      <dgm:spPr/>
-    </dgm:pt>
-    <dgm:pt modelId="{45173446-B786-4AEF-AF23-F359A8ECA551}" type="pres">
-      <dgm:prSet presAssocID="{5755B076-D0BC-4F25-AD1D-86929C8B4E7B}" presName="pictRect" presStyleLbl="node1" presStyleIdx="2" presStyleCnt="4" custScaleX="100000" custScaleY="100000"/>
-      <dgm:spPr>
-        <a:blipFill dpi="0" rotWithShape="1">
-          <a:blip xmlns:r="http://schemas.openxmlformats.org/officeDocument/2006/relationships" r:embed="rId4">
-            <a:extLst>
-              <a:ext uri="{28A0092B-C50C-407E-A947-70E740481C1C}">
-                <a14:useLocalDpi xmlns:a14="http://schemas.microsoft.com/office/drawing/2010/main" val="0"/>
-              </a:ext>
-            </a:extLst>
-          </a:blip>
-          <a:srcRect/>
-          <a:stretch>
-            <a:fillRect l="21299" t="8096" r="21299" b="8096"/>
-          </a:stretch>
-        </a:blipFill>
-      </dgm:spPr>
-    </dgm:pt>
-    <dgm:pt modelId="{EF0E3F8C-BB0B-4512-AB31-BB7AC6F5695D}" type="pres">
-      <dgm:prSet presAssocID="{5755B076-D0BC-4F25-AD1D-86929C8B4E7B}" presName="textRect" presStyleLbl="revTx" presStyleIdx="2" presStyleCnt="4">
-        <dgm:presLayoutVars>
-          <dgm:bulletEnabled val="1"/>
-        </dgm:presLayoutVars>
-      </dgm:prSet>
-      <dgm:spPr/>
-    </dgm:pt>
-    <dgm:pt modelId="{15203AFD-2F13-4C8E-84BD-80C8934ABA85}" type="pres">
-      <dgm:prSet presAssocID="{59C72BA2-A41D-4754-BB08-E30FE8EB46F2}" presName="sibTrans" presStyleLbl="sibTrans2D1" presStyleIdx="0" presStyleCnt="0"/>
-      <dgm:spPr/>
-    </dgm:pt>
-    <dgm:pt modelId="{CD4B0F12-22D2-4CCF-BCBD-9C040AA9CF8E}" type="pres">
-      <dgm:prSet presAssocID="{A0C8ED22-504E-43B3-AB33-BF46FEE73EC2}" presName="compNode" presStyleCnt="0"/>
-      <dgm:spPr/>
-    </dgm:pt>
-    <dgm:pt modelId="{BB2366C4-4455-4B40-84F5-F058826842C4}" type="pres">
-      <dgm:prSet presAssocID="{A0C8ED22-504E-43B3-AB33-BF46FEE73EC2}" presName="pictRect" presStyleLbl="node1" presStyleIdx="3" presStyleCnt="4"/>
-      <dgm:spPr>
-        <a:blipFill dpi="0" rotWithShape="1">
-          <a:blip xmlns:r="http://schemas.openxmlformats.org/officeDocument/2006/relationships" r:embed="rId5">
-            <a:extLst>
-              <a:ext uri="{28A0092B-C50C-407E-A947-70E740481C1C}">
-                <a14:useLocalDpi xmlns:a14="http://schemas.microsoft.com/office/drawing/2010/main" val="0"/>
-              </a:ext>
-            </a:extLst>
-          </a:blip>
-          <a:srcRect/>
-          <a:stretch>
-            <a:fillRect l="22318" t="9584" r="22318" b="9584"/>
-          </a:stretch>
-        </a:blipFill>
-      </dgm:spPr>
-    </dgm:pt>
-    <dgm:pt modelId="{F6FEDFE2-9830-42E6-A461-F62FAAF21269}" type="pres">
-      <dgm:prSet presAssocID="{A0C8ED22-504E-43B3-AB33-BF46FEE73EC2}" presName="textRect" presStyleLbl="revTx" presStyleIdx="3" presStyleCnt="4">
-        <dgm:presLayoutVars>
-          <dgm:bulletEnabled val="1"/>
-        </dgm:presLayoutVars>
-      </dgm:prSet>
-      <dgm:spPr/>
-    </dgm:pt>
-  </dgm:ptLst>
-  <dgm:cxnLst>
-    <dgm:cxn modelId="{7014ED27-50A9-4032-AF6D-24274BE7B5EA}" type="presOf" srcId="{4F475249-E5B5-4055-9835-CCC0430EB4C5}" destId="{A1AE36F9-67D6-4511-BA13-572592456B12}" srcOrd="0" destOrd="0" presId="urn:microsoft.com/office/officeart/2005/8/layout/pList1"/>
-    <dgm:cxn modelId="{EA9EB82E-7BF6-4435-9A63-46F8057D3154}" srcId="{42FD73BD-FE9E-47FE-BABD-098E82A1A76D}" destId="{A0C8ED22-504E-43B3-AB33-BF46FEE73EC2}" srcOrd="3" destOrd="0" parTransId="{700A1660-969F-468C-898C-1B86C93E8332}" sibTransId="{98DF427C-2A1E-461E-9CEA-D5AD67B5B773}"/>
-    <dgm:cxn modelId="{E2ADBC33-72EB-458F-BE50-D507FA8D418B}" srcId="{42FD73BD-FE9E-47FE-BABD-098E82A1A76D}" destId="{3D23944D-84C3-4E77-B536-D140BD1804D8}" srcOrd="0" destOrd="0" parTransId="{A75C7274-A6C3-4BBD-BF7F-3E342A6E9A9D}" sibTransId="{4F475249-E5B5-4055-9835-CCC0430EB4C5}"/>
-    <dgm:cxn modelId="{1FF98D3A-ED38-4686-B9ED-DB223AA7E311}" srcId="{42FD73BD-FE9E-47FE-BABD-098E82A1A76D}" destId="{DA63AFF0-3FBC-48FE-BE11-5E2C41FAC908}" srcOrd="1" destOrd="0" parTransId="{F9A790C4-0132-4F98-9A97-A9F76F9A5EEA}" sibTransId="{628A1DA9-E3E1-4979-8266-011AD057A72E}"/>
-    <dgm:cxn modelId="{739B7872-AC8C-4C45-BB9B-4EC3A95CD7A3}" type="presOf" srcId="{59C72BA2-A41D-4754-BB08-E30FE8EB46F2}" destId="{15203AFD-2F13-4C8E-84BD-80C8934ABA85}" srcOrd="0" destOrd="0" presId="urn:microsoft.com/office/officeart/2005/8/layout/pList1"/>
-    <dgm:cxn modelId="{24879579-B87A-4EF3-B117-A9C80CCBADC2}" type="presOf" srcId="{A0C8ED22-504E-43B3-AB33-BF46FEE73EC2}" destId="{F6FEDFE2-9830-42E6-A461-F62FAAF21269}" srcOrd="0" destOrd="0" presId="urn:microsoft.com/office/officeart/2005/8/layout/pList1"/>
-    <dgm:cxn modelId="{4B547987-D5F9-4CC7-AA1A-25AF97C8072A}" type="presOf" srcId="{628A1DA9-E3E1-4979-8266-011AD057A72E}" destId="{2D8E3314-D276-4BBB-B8E2-5D5C8EF0AD27}" srcOrd="0" destOrd="0" presId="urn:microsoft.com/office/officeart/2005/8/layout/pList1"/>
-    <dgm:cxn modelId="{18D654C8-16E3-4353-974C-EA52760E40FB}" type="presOf" srcId="{5755B076-D0BC-4F25-AD1D-86929C8B4E7B}" destId="{EF0E3F8C-BB0B-4512-AB31-BB7AC6F5695D}" srcOrd="0" destOrd="0" presId="urn:microsoft.com/office/officeart/2005/8/layout/pList1"/>
-    <dgm:cxn modelId="{29E7BDCA-6076-44A2-A793-C55681110B73}" type="presOf" srcId="{3D23944D-84C3-4E77-B536-D140BD1804D8}" destId="{51B1661E-9A93-468A-B3EE-25D12D92B67B}" srcOrd="0" destOrd="0" presId="urn:microsoft.com/office/officeart/2005/8/layout/pList1"/>
-    <dgm:cxn modelId="{A5ED55E5-3721-4055-81BA-F9E5121CC911}" srcId="{42FD73BD-FE9E-47FE-BABD-098E82A1A76D}" destId="{5755B076-D0BC-4F25-AD1D-86929C8B4E7B}" srcOrd="2" destOrd="0" parTransId="{44C739A1-43B2-43E2-9587-0C40591DF5DF}" sibTransId="{59C72BA2-A41D-4754-BB08-E30FE8EB46F2}"/>
-    <dgm:cxn modelId="{6CAEDBE6-859F-4085-9E8D-13B0DC37F58F}" type="presOf" srcId="{DA63AFF0-3FBC-48FE-BE11-5E2C41FAC908}" destId="{E5B204DB-B80C-46ED-B0C8-3033B53F7CFB}" srcOrd="0" destOrd="0" presId="urn:microsoft.com/office/officeart/2005/8/layout/pList1"/>
-    <dgm:cxn modelId="{4DCC12F5-1FCA-43CD-9025-9AC9024ECA88}" type="presOf" srcId="{42FD73BD-FE9E-47FE-BABD-098E82A1A76D}" destId="{B53A2C9C-A3AF-423B-A527-D500FA94B999}" srcOrd="0" destOrd="0" presId="urn:microsoft.com/office/officeart/2005/8/layout/pList1"/>
-    <dgm:cxn modelId="{FD1ECF6B-4D5A-4488-BC54-E8E02BEEA4E5}" type="presParOf" srcId="{B53A2C9C-A3AF-423B-A527-D500FA94B999}" destId="{4392CE06-6C85-4D20-A95D-ABB3D59DD146}" srcOrd="0" destOrd="0" presId="urn:microsoft.com/office/officeart/2005/8/layout/pList1"/>
-    <dgm:cxn modelId="{5A60EDE0-0A8C-4453-B381-480643FAB959}" type="presParOf" srcId="{4392CE06-6C85-4D20-A95D-ABB3D59DD146}" destId="{F089DCA7-5F73-4590-8BDB-39B8A95F1658}" srcOrd="0" destOrd="0" presId="urn:microsoft.com/office/officeart/2005/8/layout/pList1"/>
-    <dgm:cxn modelId="{F499BA18-1E72-47A8-BA34-16712072FCAF}" type="presParOf" srcId="{4392CE06-6C85-4D20-A95D-ABB3D59DD146}" destId="{51B1661E-9A93-468A-B3EE-25D12D92B67B}" srcOrd="1" destOrd="0" presId="urn:microsoft.com/office/officeart/2005/8/layout/pList1"/>
-    <dgm:cxn modelId="{B0363EB5-5991-4A4F-B5ED-7D81F5BD6686}" type="presParOf" srcId="{B53A2C9C-A3AF-423B-A527-D500FA94B999}" destId="{A1AE36F9-67D6-4511-BA13-572592456B12}" srcOrd="1" destOrd="0" presId="urn:microsoft.com/office/officeart/2005/8/layout/pList1"/>
-    <dgm:cxn modelId="{A3FC74B2-6432-4D31-8F9A-0523944DCC23}" type="presParOf" srcId="{B53A2C9C-A3AF-423B-A527-D500FA94B999}" destId="{D98C6495-DBA7-4799-8789-EE4F358362C6}" srcOrd="2" destOrd="0" presId="urn:microsoft.com/office/officeart/2005/8/layout/pList1"/>
-    <dgm:cxn modelId="{849731BE-AC49-4A71-875C-C55DD1D268CD}" type="presParOf" srcId="{D98C6495-DBA7-4799-8789-EE4F358362C6}" destId="{7330D50A-07B5-4BD3-B091-B29B4595D399}" srcOrd="0" destOrd="0" presId="urn:microsoft.com/office/officeart/2005/8/layout/pList1"/>
-    <dgm:cxn modelId="{D0E27D63-DFFA-423E-8766-7E6F6429D55A}" type="presParOf" srcId="{D98C6495-DBA7-4799-8789-EE4F358362C6}" destId="{E5B204DB-B80C-46ED-B0C8-3033B53F7CFB}" srcOrd="1" destOrd="0" presId="urn:microsoft.com/office/officeart/2005/8/layout/pList1"/>
-    <dgm:cxn modelId="{47F889BF-781A-4315-A46F-26FC27CF0F53}" type="presParOf" srcId="{B53A2C9C-A3AF-423B-A527-D500FA94B999}" destId="{2D8E3314-D276-4BBB-B8E2-5D5C8EF0AD27}" srcOrd="3" destOrd="0" presId="urn:microsoft.com/office/officeart/2005/8/layout/pList1"/>
-    <dgm:cxn modelId="{23A7BA76-F81A-4993-BAB3-0B26E5FD057A}" type="presParOf" srcId="{B53A2C9C-A3AF-423B-A527-D500FA94B999}" destId="{21A11DAD-35E9-47FA-8F85-3B4E5EA67E5B}" srcOrd="4" destOrd="0" presId="urn:microsoft.com/office/officeart/2005/8/layout/pList1"/>
-    <dgm:cxn modelId="{33903839-DD4D-49B8-BF90-2F34591595DE}" type="presParOf" srcId="{21A11DAD-35E9-47FA-8F85-3B4E5EA67E5B}" destId="{45173446-B786-4AEF-AF23-F359A8ECA551}" srcOrd="0" destOrd="0" presId="urn:microsoft.com/office/officeart/2005/8/layout/pList1"/>
-    <dgm:cxn modelId="{B4DC5B70-A81B-4F86-8FC0-249FAC4A3EAA}" type="presParOf" srcId="{21A11DAD-35E9-47FA-8F85-3B4E5EA67E5B}" destId="{EF0E3F8C-BB0B-4512-AB31-BB7AC6F5695D}" srcOrd="1" destOrd="0" presId="urn:microsoft.com/office/officeart/2005/8/layout/pList1"/>
-    <dgm:cxn modelId="{B0D28EF1-FF78-4490-8B4F-471F4CEF0475}" type="presParOf" srcId="{B53A2C9C-A3AF-423B-A527-D500FA94B999}" destId="{15203AFD-2F13-4C8E-84BD-80C8934ABA85}" srcOrd="5" destOrd="0" presId="urn:microsoft.com/office/officeart/2005/8/layout/pList1"/>
-    <dgm:cxn modelId="{779EAD5C-04E9-4C57-94A7-1F1DDD9F2EE1}" type="presParOf" srcId="{B53A2C9C-A3AF-423B-A527-D500FA94B999}" destId="{CD4B0F12-22D2-4CCF-BCBD-9C040AA9CF8E}" srcOrd="6" destOrd="0" presId="urn:microsoft.com/office/officeart/2005/8/layout/pList1"/>
-    <dgm:cxn modelId="{14CC6372-7ECB-4201-BFF1-2E54E16F8613}" type="presParOf" srcId="{CD4B0F12-22D2-4CCF-BCBD-9C040AA9CF8E}" destId="{BB2366C4-4455-4B40-84F5-F058826842C4}" srcOrd="0" destOrd="0" presId="urn:microsoft.com/office/officeart/2005/8/layout/pList1"/>
-    <dgm:cxn modelId="{BA13611F-EF4F-4D51-A5BD-A8104BDBF045}" type="presParOf" srcId="{CD4B0F12-22D2-4CCF-BCBD-9C040AA9CF8E}" destId="{F6FEDFE2-9830-42E6-A461-F62FAAF21269}" srcOrd="1" destOrd="0" presId="urn:microsoft.com/office/officeart/2005/8/layout/pList1"/>
-  </dgm:cxnLst>
-  <dgm:bg/>
-  <dgm:whole/>
-  <dgm:extLst>
-    <a:ext uri="http://schemas.microsoft.com/office/drawing/2008/diagram">
-      <dsp:dataModelExt xmlns:dsp="http://schemas.microsoft.com/office/drawing/2008/diagram" relId="rId6" minVer="http://schemas.openxmlformats.org/drawingml/2006/diagram"/>
-    </a:ext>
-  </dgm:extLst>
-</dgm:dataModel>
-</file>
-
-<file path=ppt/diagrams/data2.xml><?xml version="1.0" encoding="utf-8"?>
 <dgm:dataModel xmlns:dgm="http://schemas.openxmlformats.org/drawingml/2006/diagram" xmlns:a="http://schemas.openxmlformats.org/drawingml/2006/main">
   <dgm:ptLst>
     <dgm:pt modelId="{E2054BF5-F8CB-4419-8BF7-35D07DB4FB26}" type="doc">
@@ -4009,6 +2920,13 @@
     <dgm:cxn modelId="{000ABB37-BAF6-45B1-8186-AC4FD34DBD80}" srcId="{B175281C-178F-406D-AE70-093369BD641A}" destId="{FB71929B-753E-4653-8F45-3EEE374AE6CC}" srcOrd="1" destOrd="0" parTransId="{355D9102-6D06-4334-9432-0FFCE7877B70}" sibTransId="{EB7389E2-FAB5-49FD-A383-89550947F9C2}"/>
     <dgm:cxn modelId="{BDE1233A-EA55-459D-89DB-04BB83D384A2}" srcId="{09C3324E-9336-456E-85C7-91CB2EA69F76}" destId="{3A8EEFEE-64FF-4FD1-B643-DA629220C7A0}" srcOrd="0" destOrd="0" parTransId="{C33DDF5E-7E4D-4B95-9051-7E281DF817C1}" sibTransId="{98A38D5B-839E-4671-8170-06750DCCB21A}"/>
     <dgm:cxn modelId="{D113093B-AD6C-4670-B2F3-1EBAAEC8B48E}" srcId="{FB71929B-753E-4653-8F45-3EEE374AE6CC}" destId="{2F42A220-4910-4A31-8F84-5B28FDD5B4ED}" srcOrd="1" destOrd="0" parTransId="{72101D0B-1019-47B1-AA9E-0E38A8371E9F}" sibTransId="{74AA7E7F-8001-405A-A38C-864D01ECA733}"/>
+    <dgm:cxn modelId="{B897B14A-B026-454D-B323-DD3E7265C9CF}" type="presOf" srcId="{9069B342-234C-40F0-AE36-628784B96AD8}" destId="{C6B43F54-4DE6-48F5-9642-DDF69CEC676F}" srcOrd="1" destOrd="0" presId="urn:microsoft.com/office/officeart/2005/8/layout/orgChart1"/>
+    <dgm:cxn modelId="{52CBBD4D-B38A-4DCF-B07A-4CA21413E486}" type="presOf" srcId="{56CA2637-857C-4119-909B-76EA4272DD32}" destId="{A3155A5E-C74C-45B8-BBAE-ABF4C6A45D9F}" srcOrd="1" destOrd="0" presId="urn:microsoft.com/office/officeart/2005/8/layout/orgChart1"/>
+    <dgm:cxn modelId="{8927314E-49D5-4262-9BCE-1A9128D3ED66}" type="presOf" srcId="{9B9D410A-7A9A-416A-9F12-E2403D566ED3}" destId="{F0CDD765-D3BE-43BD-9B4F-67B17C436B43}" srcOrd="1" destOrd="0" presId="urn:microsoft.com/office/officeart/2005/8/layout/orgChart1"/>
+    <dgm:cxn modelId="{E630674E-C191-4EFB-A961-2AB453DA9A89}" type="presOf" srcId="{5A2054A7-EB01-404C-8751-ECB80EEF1ECD}" destId="{479CF454-9913-4664-903D-C4C024A89E7E}" srcOrd="0" destOrd="0" presId="urn:microsoft.com/office/officeart/2005/8/layout/orgChart1"/>
+    <dgm:cxn modelId="{C7036C53-12A7-488F-AA58-F0EFD30403BD}" srcId="{302B97D2-1014-49D0-9622-B223F81CDC43}" destId="{662AA260-FF02-4DAA-AA13-5EB1D1CD32F4}" srcOrd="1" destOrd="0" parTransId="{5A2054A7-EB01-404C-8751-ECB80EEF1ECD}" sibTransId="{F60B1252-C61E-4CA2-AFB8-22DFE2C8862C}"/>
+    <dgm:cxn modelId="{94ABB353-2598-4A0E-A3E4-15A4B81CAF9D}" type="presOf" srcId="{2F42A220-4910-4A31-8F84-5B28FDD5B4ED}" destId="{E400B6D4-5308-4F14-B09D-5804E798C260}" srcOrd="1" destOrd="0" presId="urn:microsoft.com/office/officeart/2005/8/layout/orgChart1"/>
+    <dgm:cxn modelId="{717B2357-16AA-48E0-AF54-9E25FEB66530}" type="presOf" srcId="{6EFF71A3-F6C7-4247-902F-03F1906AF4B5}" destId="{9CC03CAF-0A94-43ED-9C9A-AD72549C7C3E}" srcOrd="0" destOrd="0" presId="urn:microsoft.com/office/officeart/2005/8/layout/orgChart1"/>
     <dgm:cxn modelId="{4016FC5D-0B0D-4D83-90F7-3678559BCB12}" srcId="{F9497423-7787-43BF-A1BE-F44991785509}" destId="{B2960507-5DFE-4AE5-8926-0C45FA5E9053}" srcOrd="0" destOrd="0" parTransId="{8A04D1E6-62FF-427D-86AA-376D0CF6B3B4}" sibTransId="{3987DF88-A0A3-45F4-B49E-FC33CC0B7CF7}"/>
     <dgm:cxn modelId="{3B280C60-47C0-42DA-B237-4AB51F409214}" type="presOf" srcId="{56CA2637-857C-4119-909B-76EA4272DD32}" destId="{542C40A6-7170-4C11-A121-34C6ADC5E028}" srcOrd="0" destOrd="0" presId="urn:microsoft.com/office/officeart/2005/8/layout/orgChart1"/>
     <dgm:cxn modelId="{82348E60-0A89-4CED-9399-C9FBD8814182}" type="presOf" srcId="{CE77F216-7BFD-42E5-A225-35A95FE271BF}" destId="{2CB542B1-2493-4BD2-9146-281EC2143D6E}" srcOrd="0" destOrd="0" presId="urn:microsoft.com/office/officeart/2005/8/layout/orgChart1"/>
@@ -4021,15 +2939,8 @@
     <dgm:cxn modelId="{F5841069-F754-4C2C-8660-431378262C03}" type="presOf" srcId="{50634887-9D04-441A-8E79-0541A92F607A}" destId="{14BE5F11-99D2-446B-9F4A-CE0AA1825208}" srcOrd="1" destOrd="0" presId="urn:microsoft.com/office/officeart/2005/8/layout/orgChart1"/>
     <dgm:cxn modelId="{C3F33B69-A906-41D4-857E-356E72AD4ED4}" srcId="{D82D1971-C486-4E87-8A15-F75DDF0E4844}" destId="{6C3C03FB-37C6-484E-9B68-076CC13622CD}" srcOrd="0" destOrd="0" parTransId="{A386C645-D06C-4261-AF7F-5AB4F14D4978}" sibTransId="{92E7E636-D32C-4AAB-B4CC-2FD64A546BB0}"/>
     <dgm:cxn modelId="{8AC2A06A-7C95-49FC-AAB3-CB0AA8B44B75}" srcId="{9069B342-234C-40F0-AE36-628784B96AD8}" destId="{17B2640D-4177-40D0-9CC6-F484AD058A4A}" srcOrd="0" destOrd="0" parTransId="{2975A251-6964-42E7-8375-87B8635C2199}" sibTransId="{E708A18D-A600-4DB1-A9F9-F21E5713C3A1}"/>
-    <dgm:cxn modelId="{B897B14A-B026-454D-B323-DD3E7265C9CF}" type="presOf" srcId="{9069B342-234C-40F0-AE36-628784B96AD8}" destId="{C6B43F54-4DE6-48F5-9642-DDF69CEC676F}" srcOrd="1" destOrd="0" presId="urn:microsoft.com/office/officeart/2005/8/layout/orgChart1"/>
-    <dgm:cxn modelId="{52CBBD4D-B38A-4DCF-B07A-4CA21413E486}" type="presOf" srcId="{56CA2637-857C-4119-909B-76EA4272DD32}" destId="{A3155A5E-C74C-45B8-BBAE-ABF4C6A45D9F}" srcOrd="1" destOrd="0" presId="urn:microsoft.com/office/officeart/2005/8/layout/orgChart1"/>
-    <dgm:cxn modelId="{8927314E-49D5-4262-9BCE-1A9128D3ED66}" type="presOf" srcId="{9B9D410A-7A9A-416A-9F12-E2403D566ED3}" destId="{F0CDD765-D3BE-43BD-9B4F-67B17C436B43}" srcOrd="1" destOrd="0" presId="urn:microsoft.com/office/officeart/2005/8/layout/orgChart1"/>
-    <dgm:cxn modelId="{E630674E-C191-4EFB-A961-2AB453DA9A89}" type="presOf" srcId="{5A2054A7-EB01-404C-8751-ECB80EEF1ECD}" destId="{479CF454-9913-4664-903D-C4C024A89E7E}" srcOrd="0" destOrd="0" presId="urn:microsoft.com/office/officeart/2005/8/layout/orgChart1"/>
     <dgm:cxn modelId="{B98A7972-B786-4B69-9E7E-BA53A690E9D0}" type="presOf" srcId="{A0589EB2-684A-4614-A8DB-97B038888ED3}" destId="{650D0449-0118-4ED5-8E28-07BC9FB831A8}" srcOrd="0" destOrd="0" presId="urn:microsoft.com/office/officeart/2005/8/layout/orgChart1"/>
-    <dgm:cxn modelId="{C7036C53-12A7-488F-AA58-F0EFD30403BD}" srcId="{302B97D2-1014-49D0-9622-B223F81CDC43}" destId="{662AA260-FF02-4DAA-AA13-5EB1D1CD32F4}" srcOrd="1" destOrd="0" parTransId="{5A2054A7-EB01-404C-8751-ECB80EEF1ECD}" sibTransId="{F60B1252-C61E-4CA2-AFB8-22DFE2C8862C}"/>
-    <dgm:cxn modelId="{94ABB353-2598-4A0E-A3E4-15A4B81CAF9D}" type="presOf" srcId="{2F42A220-4910-4A31-8F84-5B28FDD5B4ED}" destId="{E400B6D4-5308-4F14-B09D-5804E798C260}" srcOrd="1" destOrd="0" presId="urn:microsoft.com/office/officeart/2005/8/layout/orgChart1"/>
     <dgm:cxn modelId="{54C2F573-7CBC-4BCE-940F-283A49644961}" type="presOf" srcId="{09C3324E-9336-456E-85C7-91CB2EA69F76}" destId="{60021657-9451-477A-9A60-43EFCD73E3C6}" srcOrd="0" destOrd="0" presId="urn:microsoft.com/office/officeart/2005/8/layout/orgChart1"/>
-    <dgm:cxn modelId="{717B2357-16AA-48E0-AF54-9E25FEB66530}" type="presOf" srcId="{6EFF71A3-F6C7-4247-902F-03F1906AF4B5}" destId="{9CC03CAF-0A94-43ED-9C9A-AD72549C7C3E}" srcOrd="0" destOrd="0" presId="urn:microsoft.com/office/officeart/2005/8/layout/orgChart1"/>
     <dgm:cxn modelId="{A7041778-F461-4DFE-A6B5-07019907C326}" type="presOf" srcId="{B175281C-178F-406D-AE70-093369BD641A}" destId="{76CB79F9-F49D-4AE9-A7FD-239231C89790}" srcOrd="0" destOrd="0" presId="urn:microsoft.com/office/officeart/2005/8/layout/orgChart1"/>
     <dgm:cxn modelId="{1110397B-F1EA-44CE-9ABF-B5F830C74B4E}" type="presOf" srcId="{D82D1971-C486-4E87-8A15-F75DDF0E4844}" destId="{57D95651-A607-4454-AD5B-C4663C156726}" srcOrd="0" destOrd="0" presId="urn:microsoft.com/office/officeart/2005/8/layout/orgChart1"/>
     <dgm:cxn modelId="{F317587C-0A3A-4F9E-BB5C-797F6265CC63}" type="presOf" srcId="{10CD3D5C-FABB-4B36-8767-3BF69811C364}" destId="{938B9CA9-5A6D-42B0-94F7-33082A37F4E0}" srcOrd="1" destOrd="0" presId="urn:microsoft.com/office/officeart/2005/8/layout/orgChart1"/>
@@ -4249,477 +3160,6 @@
 </file>
 
 <file path=ppt/diagrams/drawing1.xml><?xml version="1.0" encoding="utf-8"?>
-<dsp:drawing xmlns:dgm="http://schemas.openxmlformats.org/drawingml/2006/diagram" xmlns:dsp="http://schemas.microsoft.com/office/drawing/2008/diagram" xmlns:a="http://schemas.openxmlformats.org/drawingml/2006/main">
-  <dsp:spTree>
-    <dsp:nvGrpSpPr>
-      <dsp:cNvPr id="0" name=""/>
-      <dsp:cNvGrpSpPr/>
-    </dsp:nvGrpSpPr>
-    <dsp:grpSpPr/>
-    <dsp:sp modelId="{F089DCA7-5F73-4590-8BDB-39B8A95F1658}">
-      <dsp:nvSpPr>
-        <dsp:cNvPr id="0" name=""/>
-        <dsp:cNvSpPr/>
-      </dsp:nvSpPr>
-      <dsp:spPr>
-        <a:xfrm>
-          <a:off x="484434" y="742"/>
-          <a:ext cx="1963449" cy="1352816"/>
-        </a:xfrm>
-        <a:prstGeom prst="roundRect">
-          <a:avLst/>
-        </a:prstGeom>
-        <a:blipFill dpi="0" rotWithShape="1">
-          <a:blip xmlns:r="http://schemas.openxmlformats.org/officeDocument/2006/relationships" r:embed="rId1">
-            <a:extLst>
-              <a:ext uri="{28A0092B-C50C-407E-A947-70E740481C1C}">
-                <a14:useLocalDpi xmlns:a14="http://schemas.microsoft.com/office/drawing/2010/main" val="0"/>
-              </a:ext>
-              <a:ext uri="{837473B0-CC2E-450A-ABE3-18F120FF3D39}">
-                <a1611:picAttrSrcUrl xmlns:a1611="http://schemas.microsoft.com/office/drawing/2016/11/main" r:id="rId2"/>
-              </a:ext>
-            </a:extLst>
-          </a:blip>
-          <a:srcRect/>
-          <a:stretch>
-            <a:fillRect l="20923" t="7547" r="20923" b="7547"/>
-          </a:stretch>
-        </a:blipFill>
-        <a:ln w="25400" cap="flat" cmpd="sng" algn="ctr">
-          <a:solidFill>
-            <a:schemeClr val="lt1">
-              <a:hueOff val="0"/>
-              <a:satOff val="0"/>
-              <a:lumOff val="0"/>
-              <a:alphaOff val="0"/>
-            </a:schemeClr>
-          </a:solidFill>
-          <a:prstDash val="solid"/>
-        </a:ln>
-        <a:effectLst/>
-      </dsp:spPr>
-      <dsp:style>
-        <a:lnRef idx="2">
-          <a:scrgbClr r="0" g="0" b="0"/>
-        </a:lnRef>
-        <a:fillRef idx="1">
-          <a:scrgbClr r="0" g="0" b="0"/>
-        </a:fillRef>
-        <a:effectRef idx="0">
-          <a:scrgbClr r="0" g="0" b="0"/>
-        </a:effectRef>
-        <a:fontRef idx="minor">
-          <a:schemeClr val="lt1"/>
-        </a:fontRef>
-      </dsp:style>
-    </dsp:sp>
-    <dsp:sp modelId="{51B1661E-9A93-468A-B3EE-25D12D92B67B}">
-      <dsp:nvSpPr>
-        <dsp:cNvPr id="0" name=""/>
-        <dsp:cNvSpPr/>
-      </dsp:nvSpPr>
-      <dsp:spPr>
-        <a:xfrm>
-          <a:off x="484434" y="1353559"/>
-          <a:ext cx="1963449" cy="728439"/>
-        </a:xfrm>
-        <a:prstGeom prst="rect">
-          <a:avLst/>
-        </a:prstGeom>
-        <a:noFill/>
-        <a:ln>
-          <a:noFill/>
-        </a:ln>
-        <a:effectLst/>
-      </dsp:spPr>
-      <dsp:style>
-        <a:lnRef idx="0">
-          <a:scrgbClr r="0" g="0" b="0"/>
-        </a:lnRef>
-        <a:fillRef idx="0">
-          <a:scrgbClr r="0" g="0" b="0"/>
-        </a:fillRef>
-        <a:effectRef idx="0">
-          <a:scrgbClr r="0" g="0" b="0"/>
-        </a:effectRef>
-        <a:fontRef idx="minor"/>
-      </dsp:style>
-      <dsp:txBody>
-        <a:bodyPr spcFirstLastPara="0" vert="horz" wrap="square" lIns="120904" tIns="120904" rIns="120904" bIns="0" numCol="1" spcCol="1270" anchor="t" anchorCtr="0">
-          <a:noAutofit/>
-        </a:bodyPr>
-        <a:lstStyle/>
-        <a:p>
-          <a:pPr marL="0" lvl="0" indent="0" algn="ctr" defTabSz="755650">
-            <a:lnSpc>
-              <a:spcPct val="90000"/>
-            </a:lnSpc>
-            <a:spcBef>
-              <a:spcPct val="0"/>
-            </a:spcBef>
-            <a:spcAft>
-              <a:spcPct val="35000"/>
-            </a:spcAft>
-            <a:buNone/>
-          </a:pPr>
-          <a:r>
-            <a:rPr lang="en-US" sz="1700" kern="1200" dirty="0"/>
-            <a:t>Databricks</a:t>
-          </a:r>
-        </a:p>
-      </dsp:txBody>
-      <dsp:txXfrm>
-        <a:off x="484434" y="1353559"/>
-        <a:ext cx="1963449" cy="728439"/>
-      </dsp:txXfrm>
-    </dsp:sp>
-    <dsp:sp modelId="{7330D50A-07B5-4BD3-B091-B29B4595D399}">
-      <dsp:nvSpPr>
-        <dsp:cNvPr id="0" name=""/>
-        <dsp:cNvSpPr/>
-      </dsp:nvSpPr>
-      <dsp:spPr>
-        <a:xfrm>
-          <a:off x="2644311" y="742"/>
-          <a:ext cx="1963449" cy="1352816"/>
-        </a:xfrm>
-        <a:prstGeom prst="roundRect">
-          <a:avLst/>
-        </a:prstGeom>
-        <a:blipFill dpi="0" rotWithShape="1">
-          <a:blip xmlns:r="http://schemas.openxmlformats.org/officeDocument/2006/relationships" r:embed="rId3">
-            <a:extLst>
-              <a:ext uri="{28A0092B-C50C-407E-A947-70E740481C1C}">
-                <a14:useLocalDpi xmlns:a14="http://schemas.microsoft.com/office/drawing/2010/main" val="0"/>
-              </a:ext>
-            </a:extLst>
-          </a:blip>
-          <a:srcRect/>
-          <a:stretch>
-            <a:fillRect l="26004" t="14966" r="26004" b="14966"/>
-          </a:stretch>
-        </a:blipFill>
-        <a:ln w="25400" cap="flat" cmpd="sng" algn="ctr">
-          <a:solidFill>
-            <a:schemeClr val="lt1">
-              <a:hueOff val="0"/>
-              <a:satOff val="0"/>
-              <a:lumOff val="0"/>
-              <a:alphaOff val="0"/>
-            </a:schemeClr>
-          </a:solidFill>
-          <a:prstDash val="solid"/>
-        </a:ln>
-        <a:effectLst/>
-      </dsp:spPr>
-      <dsp:style>
-        <a:lnRef idx="2">
-          <a:scrgbClr r="0" g="0" b="0"/>
-        </a:lnRef>
-        <a:fillRef idx="1">
-          <a:scrgbClr r="0" g="0" b="0"/>
-        </a:fillRef>
-        <a:effectRef idx="0">
-          <a:scrgbClr r="0" g="0" b="0"/>
-        </a:effectRef>
-        <a:fontRef idx="minor">
-          <a:schemeClr val="lt1"/>
-        </a:fontRef>
-      </dsp:style>
-    </dsp:sp>
-    <dsp:sp modelId="{E5B204DB-B80C-46ED-B0C8-3033B53F7CFB}">
-      <dsp:nvSpPr>
-        <dsp:cNvPr id="0" name=""/>
-        <dsp:cNvSpPr/>
-      </dsp:nvSpPr>
-      <dsp:spPr>
-        <a:xfrm>
-          <a:off x="2644311" y="1353559"/>
-          <a:ext cx="1963449" cy="728439"/>
-        </a:xfrm>
-        <a:prstGeom prst="rect">
-          <a:avLst/>
-        </a:prstGeom>
-        <a:noFill/>
-        <a:ln>
-          <a:noFill/>
-        </a:ln>
-        <a:effectLst/>
-      </dsp:spPr>
-      <dsp:style>
-        <a:lnRef idx="0">
-          <a:scrgbClr r="0" g="0" b="0"/>
-        </a:lnRef>
-        <a:fillRef idx="0">
-          <a:scrgbClr r="0" g="0" b="0"/>
-        </a:fillRef>
-        <a:effectRef idx="0">
-          <a:scrgbClr r="0" g="0" b="0"/>
-        </a:effectRef>
-        <a:fontRef idx="minor"/>
-      </dsp:style>
-      <dsp:txBody>
-        <a:bodyPr spcFirstLastPara="0" vert="horz" wrap="square" lIns="120904" tIns="120904" rIns="120904" bIns="0" numCol="1" spcCol="1270" anchor="t" anchorCtr="0">
-          <a:noAutofit/>
-        </a:bodyPr>
-        <a:lstStyle/>
-        <a:p>
-          <a:pPr marL="0" lvl="0" indent="0" algn="ctr" defTabSz="755650">
-            <a:lnSpc>
-              <a:spcPct val="90000"/>
-            </a:lnSpc>
-            <a:spcBef>
-              <a:spcPct val="0"/>
-            </a:spcBef>
-            <a:spcAft>
-              <a:spcPct val="35000"/>
-            </a:spcAft>
-            <a:buNone/>
-          </a:pPr>
-          <a:r>
-            <a:rPr lang="en-US" sz="1700" kern="1200" dirty="0"/>
-            <a:t>Machine Learning Services</a:t>
-          </a:r>
-        </a:p>
-      </dsp:txBody>
-      <dsp:txXfrm>
-        <a:off x="2644311" y="1353559"/>
-        <a:ext cx="1963449" cy="728439"/>
-      </dsp:txXfrm>
-    </dsp:sp>
-    <dsp:sp modelId="{45173446-B786-4AEF-AF23-F359A8ECA551}">
-      <dsp:nvSpPr>
-        <dsp:cNvPr id="0" name=""/>
-        <dsp:cNvSpPr/>
-      </dsp:nvSpPr>
-      <dsp:spPr>
-        <a:xfrm>
-          <a:off x="484434" y="2278344"/>
-          <a:ext cx="1963449" cy="1352816"/>
-        </a:xfrm>
-        <a:prstGeom prst="roundRect">
-          <a:avLst/>
-        </a:prstGeom>
-        <a:blipFill dpi="0" rotWithShape="1">
-          <a:blip xmlns:r="http://schemas.openxmlformats.org/officeDocument/2006/relationships" r:embed="rId4">
-            <a:extLst>
-              <a:ext uri="{28A0092B-C50C-407E-A947-70E740481C1C}">
-                <a14:useLocalDpi xmlns:a14="http://schemas.microsoft.com/office/drawing/2010/main" val="0"/>
-              </a:ext>
-            </a:extLst>
-          </a:blip>
-          <a:srcRect/>
-          <a:stretch>
-            <a:fillRect l="21299" t="8096" r="21299" b="8096"/>
-          </a:stretch>
-        </a:blipFill>
-        <a:ln w="25400" cap="flat" cmpd="sng" algn="ctr">
-          <a:solidFill>
-            <a:schemeClr val="lt1">
-              <a:hueOff val="0"/>
-              <a:satOff val="0"/>
-              <a:lumOff val="0"/>
-              <a:alphaOff val="0"/>
-            </a:schemeClr>
-          </a:solidFill>
-          <a:prstDash val="solid"/>
-        </a:ln>
-        <a:effectLst/>
-      </dsp:spPr>
-      <dsp:style>
-        <a:lnRef idx="2">
-          <a:scrgbClr r="0" g="0" b="0"/>
-        </a:lnRef>
-        <a:fillRef idx="1">
-          <a:scrgbClr r="0" g="0" b="0"/>
-        </a:fillRef>
-        <a:effectRef idx="0">
-          <a:scrgbClr r="0" g="0" b="0"/>
-        </a:effectRef>
-        <a:fontRef idx="minor">
-          <a:schemeClr val="lt1"/>
-        </a:fontRef>
-      </dsp:style>
-    </dsp:sp>
-    <dsp:sp modelId="{EF0E3F8C-BB0B-4512-AB31-BB7AC6F5695D}">
-      <dsp:nvSpPr>
-        <dsp:cNvPr id="0" name=""/>
-        <dsp:cNvSpPr/>
-      </dsp:nvSpPr>
-      <dsp:spPr>
-        <a:xfrm>
-          <a:off x="484434" y="3631161"/>
-          <a:ext cx="1963449" cy="728439"/>
-        </a:xfrm>
-        <a:prstGeom prst="rect">
-          <a:avLst/>
-        </a:prstGeom>
-        <a:noFill/>
-        <a:ln>
-          <a:noFill/>
-        </a:ln>
-        <a:effectLst/>
-      </dsp:spPr>
-      <dsp:style>
-        <a:lnRef idx="0">
-          <a:scrgbClr r="0" g="0" b="0"/>
-        </a:lnRef>
-        <a:fillRef idx="0">
-          <a:scrgbClr r="0" g="0" b="0"/>
-        </a:fillRef>
-        <a:effectRef idx="0">
-          <a:scrgbClr r="0" g="0" b="0"/>
-        </a:effectRef>
-        <a:fontRef idx="minor"/>
-      </dsp:style>
-      <dsp:txBody>
-        <a:bodyPr spcFirstLastPara="0" vert="horz" wrap="square" lIns="120904" tIns="120904" rIns="120904" bIns="0" numCol="1" spcCol="1270" anchor="t" anchorCtr="0">
-          <a:noAutofit/>
-        </a:bodyPr>
-        <a:lstStyle/>
-        <a:p>
-          <a:pPr marL="0" lvl="0" indent="0" algn="ctr" defTabSz="755650">
-            <a:lnSpc>
-              <a:spcPct val="90000"/>
-            </a:lnSpc>
-            <a:spcBef>
-              <a:spcPct val="0"/>
-            </a:spcBef>
-            <a:spcAft>
-              <a:spcPct val="35000"/>
-            </a:spcAft>
-            <a:buNone/>
-          </a:pPr>
-          <a:r>
-            <a:rPr lang="en-US" sz="1700" kern="1200" dirty="0"/>
-            <a:t>DSVM</a:t>
-          </a:r>
-        </a:p>
-      </dsp:txBody>
-      <dsp:txXfrm>
-        <a:off x="484434" y="3631161"/>
-        <a:ext cx="1963449" cy="728439"/>
-      </dsp:txXfrm>
-    </dsp:sp>
-    <dsp:sp modelId="{BB2366C4-4455-4B40-84F5-F058826842C4}">
-      <dsp:nvSpPr>
-        <dsp:cNvPr id="0" name=""/>
-        <dsp:cNvSpPr/>
-      </dsp:nvSpPr>
-      <dsp:spPr>
-        <a:xfrm>
-          <a:off x="2644311" y="2278344"/>
-          <a:ext cx="1963449" cy="1352816"/>
-        </a:xfrm>
-        <a:prstGeom prst="roundRect">
-          <a:avLst/>
-        </a:prstGeom>
-        <a:blipFill dpi="0" rotWithShape="1">
-          <a:blip xmlns:r="http://schemas.openxmlformats.org/officeDocument/2006/relationships" r:embed="rId5">
-            <a:extLst>
-              <a:ext uri="{28A0092B-C50C-407E-A947-70E740481C1C}">
-                <a14:useLocalDpi xmlns:a14="http://schemas.microsoft.com/office/drawing/2010/main" val="0"/>
-              </a:ext>
-            </a:extLst>
-          </a:blip>
-          <a:srcRect/>
-          <a:stretch>
-            <a:fillRect l="22318" t="9584" r="22318" b="9584"/>
-          </a:stretch>
-        </a:blipFill>
-        <a:ln w="25400" cap="flat" cmpd="sng" algn="ctr">
-          <a:solidFill>
-            <a:schemeClr val="lt1">
-              <a:hueOff val="0"/>
-              <a:satOff val="0"/>
-              <a:lumOff val="0"/>
-              <a:alphaOff val="0"/>
-            </a:schemeClr>
-          </a:solidFill>
-          <a:prstDash val="solid"/>
-        </a:ln>
-        <a:effectLst/>
-      </dsp:spPr>
-      <dsp:style>
-        <a:lnRef idx="2">
-          <a:scrgbClr r="0" g="0" b="0"/>
-        </a:lnRef>
-        <a:fillRef idx="1">
-          <a:scrgbClr r="0" g="0" b="0"/>
-        </a:fillRef>
-        <a:effectRef idx="0">
-          <a:scrgbClr r="0" g="0" b="0"/>
-        </a:effectRef>
-        <a:fontRef idx="minor">
-          <a:schemeClr val="lt1"/>
-        </a:fontRef>
-      </dsp:style>
-    </dsp:sp>
-    <dsp:sp modelId="{F6FEDFE2-9830-42E6-A461-F62FAAF21269}">
-      <dsp:nvSpPr>
-        <dsp:cNvPr id="0" name=""/>
-        <dsp:cNvSpPr/>
-      </dsp:nvSpPr>
-      <dsp:spPr>
-        <a:xfrm>
-          <a:off x="2644311" y="3631161"/>
-          <a:ext cx="1963449" cy="728439"/>
-        </a:xfrm>
-        <a:prstGeom prst="rect">
-          <a:avLst/>
-        </a:prstGeom>
-        <a:noFill/>
-        <a:ln>
-          <a:noFill/>
-        </a:ln>
-        <a:effectLst/>
-      </dsp:spPr>
-      <dsp:style>
-        <a:lnRef idx="0">
-          <a:scrgbClr r="0" g="0" b="0"/>
-        </a:lnRef>
-        <a:fillRef idx="0">
-          <a:scrgbClr r="0" g="0" b="0"/>
-        </a:fillRef>
-        <a:effectRef idx="0">
-          <a:scrgbClr r="0" g="0" b="0"/>
-        </a:effectRef>
-        <a:fontRef idx="minor"/>
-      </dsp:style>
-      <dsp:txBody>
-        <a:bodyPr spcFirstLastPara="0" vert="horz" wrap="square" lIns="120904" tIns="120904" rIns="120904" bIns="0" numCol="1" spcCol="1270" anchor="t" anchorCtr="0">
-          <a:noAutofit/>
-        </a:bodyPr>
-        <a:lstStyle/>
-        <a:p>
-          <a:pPr marL="0" lvl="0" indent="0" algn="ctr" defTabSz="755650">
-            <a:lnSpc>
-              <a:spcPct val="90000"/>
-            </a:lnSpc>
-            <a:spcBef>
-              <a:spcPct val="0"/>
-            </a:spcBef>
-            <a:spcAft>
-              <a:spcPct val="35000"/>
-            </a:spcAft>
-            <a:buNone/>
-          </a:pPr>
-          <a:r>
-            <a:rPr lang="en-US" sz="1700" kern="1200" dirty="0"/>
-            <a:t>Machine Learning Studio</a:t>
-          </a:r>
-        </a:p>
-      </dsp:txBody>
-      <dsp:txXfrm>
-        <a:off x="2644311" y="3631161"/>
-        <a:ext cx="1963449" cy="728439"/>
-      </dsp:txXfrm>
-    </dsp:sp>
-  </dsp:spTree>
-</dsp:drawing>
-</file>
-
-<file path=ppt/diagrams/drawing2.xml><?xml version="1.0" encoding="utf-8"?>
 <dsp:drawing xmlns:dgm="http://schemas.openxmlformats.org/drawingml/2006/diagram" xmlns:dsp="http://schemas.microsoft.com/office/drawing/2008/diagram" xmlns:a="http://schemas.openxmlformats.org/drawingml/2006/main">
   <dsp:spTree>
     <dsp:nvGrpSpPr>
@@ -7805,167 +6245,6 @@
 </file>
 
 <file path=ppt/diagrams/layout1.xml><?xml version="1.0" encoding="utf-8"?>
-<dgm:layoutDef xmlns:dgm="http://schemas.openxmlformats.org/drawingml/2006/diagram" xmlns:a="http://schemas.openxmlformats.org/drawingml/2006/main" uniqueId="urn:microsoft.com/office/officeart/2005/8/layout/pList1">
-  <dgm:title val=""/>
-  <dgm:desc val=""/>
-  <dgm:catLst>
-    <dgm:cat type="list" pri="2000"/>
-    <dgm:cat type="picture" pri="2500"/>
-    <dgm:cat type="pictureconvert" pri="2500"/>
-  </dgm:catLst>
-  <dgm:sampData>
-    <dgm:dataModel>
-      <dgm:ptLst>
-        <dgm:pt modelId="0" type="doc"/>
-        <dgm:pt modelId="1">
-          <dgm:prSet phldr="1"/>
-        </dgm:pt>
-        <dgm:pt modelId="2">
-          <dgm:prSet phldr="1"/>
-        </dgm:pt>
-        <dgm:pt modelId="3">
-          <dgm:prSet phldr="1"/>
-        </dgm:pt>
-        <dgm:pt modelId="4">
-          <dgm:prSet phldr="1"/>
-        </dgm:pt>
-      </dgm:ptLst>
-      <dgm:cxnLst>
-        <dgm:cxn modelId="7" srcId="0" destId="1" srcOrd="0" destOrd="0"/>
-        <dgm:cxn modelId="8" srcId="0" destId="2" srcOrd="1" destOrd="0"/>
-        <dgm:cxn modelId="9" srcId="0" destId="3" srcOrd="2" destOrd="0"/>
-        <dgm:cxn modelId="10" srcId="0" destId="4" srcOrd="3" destOrd="0"/>
-      </dgm:cxnLst>
-      <dgm:bg/>
-      <dgm:whole/>
-    </dgm:dataModel>
-  </dgm:sampData>
-  <dgm:styleData>
-    <dgm:dataModel>
-      <dgm:ptLst>
-        <dgm:pt modelId="0" type="doc"/>
-        <dgm:pt modelId="1"/>
-        <dgm:pt modelId="2"/>
-      </dgm:ptLst>
-      <dgm:cxnLst>
-        <dgm:cxn modelId="3" srcId="0" destId="1" srcOrd="0" destOrd="0"/>
-        <dgm:cxn modelId="4" srcId="0" destId="2" srcOrd="1" destOrd="0"/>
-      </dgm:cxnLst>
-      <dgm:bg/>
-      <dgm:whole/>
-    </dgm:dataModel>
-  </dgm:styleData>
-  <dgm:clrData useDef="1">
-    <dgm:dataModel>
-      <dgm:ptLst/>
-      <dgm:bg/>
-      <dgm:whole/>
-    </dgm:dataModel>
-  </dgm:clrData>
-  <dgm:layoutNode name="Name0">
-    <dgm:varLst>
-      <dgm:dir/>
-      <dgm:resizeHandles val="exact"/>
-    </dgm:varLst>
-    <dgm:choose name="Name1">
-      <dgm:if name="Name2" axis="self" func="var" arg="dir" op="equ" val="norm">
-        <dgm:alg type="snake">
-          <dgm:param type="grDir" val="tL"/>
-          <dgm:param type="flowDir" val="row"/>
-          <dgm:param type="contDir" val="sameDir"/>
-          <dgm:param type="off" val="ctr"/>
-          <dgm:param type="vertAlign" val="mid"/>
-          <dgm:param type="horzAlign" val="ctr"/>
-        </dgm:alg>
-      </dgm:if>
-      <dgm:else name="Name3">
-        <dgm:alg type="snake">
-          <dgm:param type="grDir" val="tR"/>
-          <dgm:param type="flowDir" val="row"/>
-          <dgm:param type="contDir" val="sameDir"/>
-          <dgm:param type="off" val="ctr"/>
-          <dgm:param type="vertAlign" val="mid"/>
-          <dgm:param type="horzAlign" val="ctr"/>
-        </dgm:alg>
-      </dgm:else>
-    </dgm:choose>
-    <dgm:shape xmlns:r="http://schemas.openxmlformats.org/officeDocument/2006/relationships" r:blip="">
-      <dgm:adjLst/>
-    </dgm:shape>
-    <dgm:presOf/>
-    <dgm:constrLst>
-      <dgm:constr type="w" for="ch" forName="compNode" refType="w"/>
-      <dgm:constr type="w" for="ch" ptType="sibTrans" refType="w" refFor="ch" refForName="compNode" op="equ" fact="0.1"/>
-      <dgm:constr type="sp" refType="w" refFor="ch" refForName="compNode" op="equ" fact="0.1"/>
-      <dgm:constr type="primFontSz" for="des" ptType="node" op="equ" val="65"/>
-    </dgm:constrLst>
-    <dgm:ruleLst/>
-    <dgm:forEach name="Name4" axis="ch" ptType="node">
-      <dgm:layoutNode name="compNode">
-        <dgm:alg type="composite">
-          <dgm:param type="ar" val="0.943"/>
-        </dgm:alg>
-        <dgm:shape xmlns:r="http://schemas.openxmlformats.org/officeDocument/2006/relationships" r:blip="">
-          <dgm:adjLst/>
-        </dgm:shape>
-        <dgm:presOf axis="self"/>
-        <dgm:constrLst>
-          <dgm:constr type="h" refType="w" fact="1.06"/>
-          <dgm:constr type="h" for="ch" forName="pictRect" refType="h" fact="0.65"/>
-          <dgm:constr type="w" for="ch" forName="pictRect" refType="w"/>
-          <dgm:constr type="l" for="ch" forName="pictRect"/>
-          <dgm:constr type="t" for="ch" forName="pictRect"/>
-          <dgm:constr type="w" for="ch" forName="textRect" refType="w"/>
-          <dgm:constr type="h" for="ch" forName="textRect" refType="h" fact="0.35"/>
-          <dgm:constr type="l" for="ch" forName="textRect"/>
-          <dgm:constr type="t" for="ch" forName="textRect" refType="b" refFor="ch" refForName="pictRect"/>
-        </dgm:constrLst>
-        <dgm:ruleLst/>
-        <dgm:layoutNode name="pictRect">
-          <dgm:alg type="sp"/>
-          <dgm:shape xmlns:r="http://schemas.openxmlformats.org/officeDocument/2006/relationships" type="roundRect" r:blip="" blipPhldr="1">
-            <dgm:adjLst/>
-          </dgm:shape>
-          <dgm:presOf/>
-          <dgm:constrLst/>
-          <dgm:ruleLst/>
-        </dgm:layoutNode>
-        <dgm:layoutNode name="textRect" styleLbl="revTx">
-          <dgm:varLst>
-            <dgm:bulletEnabled val="1"/>
-          </dgm:varLst>
-          <dgm:alg type="tx">
-            <dgm:param type="txAnchorVert" val="t"/>
-          </dgm:alg>
-          <dgm:shape xmlns:r="http://schemas.openxmlformats.org/officeDocument/2006/relationships" type="rect" r:blip="">
-            <dgm:adjLst/>
-          </dgm:shape>
-          <dgm:presOf axis="desOrSelf" ptType="node"/>
-          <dgm:constrLst>
-            <dgm:constr type="bMarg"/>
-          </dgm:constrLst>
-          <dgm:ruleLst>
-            <dgm:rule type="primFontSz" val="5" fact="NaN" max="NaN"/>
-          </dgm:ruleLst>
-        </dgm:layoutNode>
-      </dgm:layoutNode>
-      <dgm:forEach name="Name5" axis="followSib" ptType="sibTrans" cnt="1">
-        <dgm:layoutNode name="sibTrans">
-          <dgm:alg type="sp"/>
-          <dgm:shape xmlns:r="http://schemas.openxmlformats.org/officeDocument/2006/relationships" type="rect" r:blip="" hideGeom="1">
-            <dgm:adjLst/>
-          </dgm:shape>
-          <dgm:presOf axis="self"/>
-          <dgm:constrLst/>
-          <dgm:ruleLst/>
-        </dgm:layoutNode>
-      </dgm:forEach>
-    </dgm:forEach>
-  </dgm:layoutNode>
-</dgm:layoutDef>
-</file>
-
-<file path=ppt/diagrams/layout2.xml><?xml version="1.0" encoding="utf-8"?>
 <dgm:layoutDef xmlns:dgm="http://schemas.openxmlformats.org/drawingml/2006/diagram" xmlns:a="http://schemas.openxmlformats.org/drawingml/2006/main" uniqueId="urn:microsoft.com/office/officeart/2005/8/layout/orgChart1">
   <dgm:title val=""/>
   <dgm:desc val=""/>
@@ -10145,1040 +8424,6 @@
 </dgm:styleDef>
 </file>
 
-<file path=ppt/diagrams/quickStyle2.xml><?xml version="1.0" encoding="utf-8"?>
-<dgm:styleDef xmlns:dgm="http://schemas.openxmlformats.org/drawingml/2006/diagram" xmlns:a="http://schemas.openxmlformats.org/drawingml/2006/main" uniqueId="urn:microsoft.com/office/officeart/2005/8/quickstyle/simple1">
-  <dgm:title val=""/>
-  <dgm:desc val=""/>
-  <dgm:catLst>
-    <dgm:cat type="simple" pri="10100"/>
-  </dgm:catLst>
-  <dgm:scene3d>
-    <a:camera prst="orthographicFront"/>
-    <a:lightRig rig="threePt" dir="t"/>
-  </dgm:scene3d>
-  <dgm:styleLbl name="node0">
-    <dgm:scene3d>
-      <a:camera prst="orthographicFront"/>
-      <a:lightRig rig="threePt" dir="t"/>
-    </dgm:scene3d>
-    <dgm:sp3d/>
-    <dgm:txPr/>
-    <dgm:style>
-      <a:lnRef idx="2">
-        <a:scrgbClr r="0" g="0" b="0"/>
-      </a:lnRef>
-      <a:fillRef idx="1">
-        <a:scrgbClr r="0" g="0" b="0"/>
-      </a:fillRef>
-      <a:effectRef idx="0">
-        <a:scrgbClr r="0" g="0" b="0"/>
-      </a:effectRef>
-      <a:fontRef idx="minor">
-        <a:schemeClr val="lt1"/>
-      </a:fontRef>
-    </dgm:style>
-  </dgm:styleLbl>
-  <dgm:styleLbl name="lnNode1">
-    <dgm:scene3d>
-      <a:camera prst="orthographicFront"/>
-      <a:lightRig rig="threePt" dir="t"/>
-    </dgm:scene3d>
-    <dgm:sp3d/>
-    <dgm:txPr/>
-    <dgm:style>
-      <a:lnRef idx="2">
-        <a:scrgbClr r="0" g="0" b="0"/>
-      </a:lnRef>
-      <a:fillRef idx="1">
-        <a:scrgbClr r="0" g="0" b="0"/>
-      </a:fillRef>
-      <a:effectRef idx="0">
-        <a:scrgbClr r="0" g="0" b="0"/>
-      </a:effectRef>
-      <a:fontRef idx="minor">
-        <a:schemeClr val="lt1"/>
-      </a:fontRef>
-    </dgm:style>
-  </dgm:styleLbl>
-  <dgm:styleLbl name="vennNode1">
-    <dgm:scene3d>
-      <a:camera prst="orthographicFront"/>
-      <a:lightRig rig="threePt" dir="t"/>
-    </dgm:scene3d>
-    <dgm:sp3d/>
-    <dgm:txPr/>
-    <dgm:style>
-      <a:lnRef idx="2">
-        <a:scrgbClr r="0" g="0" b="0"/>
-      </a:lnRef>
-      <a:fillRef idx="1">
-        <a:scrgbClr r="0" g="0" b="0"/>
-      </a:fillRef>
-      <a:effectRef idx="0">
-        <a:scrgbClr r="0" g="0" b="0"/>
-      </a:effectRef>
-      <a:fontRef idx="minor">
-        <a:schemeClr val="tx1"/>
-      </a:fontRef>
-    </dgm:style>
-  </dgm:styleLbl>
-  <dgm:styleLbl name="alignNode1">
-    <dgm:scene3d>
-      <a:camera prst="orthographicFront"/>
-      <a:lightRig rig="threePt" dir="t"/>
-    </dgm:scene3d>
-    <dgm:sp3d/>
-    <dgm:txPr/>
-    <dgm:style>
-      <a:lnRef idx="2">
-        <a:scrgbClr r="0" g="0" b="0"/>
-      </a:lnRef>
-      <a:fillRef idx="1">
-        <a:scrgbClr r="0" g="0" b="0"/>
-      </a:fillRef>
-      <a:effectRef idx="0">
-        <a:scrgbClr r="0" g="0" b="0"/>
-      </a:effectRef>
-      <a:fontRef idx="minor">
-        <a:schemeClr val="lt1"/>
-      </a:fontRef>
-    </dgm:style>
-  </dgm:styleLbl>
-  <dgm:styleLbl name="node1">
-    <dgm:scene3d>
-      <a:camera prst="orthographicFront"/>
-      <a:lightRig rig="threePt" dir="t"/>
-    </dgm:scene3d>
-    <dgm:sp3d/>
-    <dgm:txPr/>
-    <dgm:style>
-      <a:lnRef idx="2">
-        <a:scrgbClr r="0" g="0" b="0"/>
-      </a:lnRef>
-      <a:fillRef idx="1">
-        <a:scrgbClr r="0" g="0" b="0"/>
-      </a:fillRef>
-      <a:effectRef idx="0">
-        <a:scrgbClr r="0" g="0" b="0"/>
-      </a:effectRef>
-      <a:fontRef idx="minor">
-        <a:schemeClr val="lt1"/>
-      </a:fontRef>
-    </dgm:style>
-  </dgm:styleLbl>
-  <dgm:styleLbl name="node2">
-    <dgm:scene3d>
-      <a:camera prst="orthographicFront"/>
-      <a:lightRig rig="threePt" dir="t"/>
-    </dgm:scene3d>
-    <dgm:sp3d/>
-    <dgm:txPr/>
-    <dgm:style>
-      <a:lnRef idx="2">
-        <a:scrgbClr r="0" g="0" b="0"/>
-      </a:lnRef>
-      <a:fillRef idx="1">
-        <a:scrgbClr r="0" g="0" b="0"/>
-      </a:fillRef>
-      <a:effectRef idx="0">
-        <a:scrgbClr r="0" g="0" b="0"/>
-      </a:effectRef>
-      <a:fontRef idx="minor">
-        <a:schemeClr val="lt1"/>
-      </a:fontRef>
-    </dgm:style>
-  </dgm:styleLbl>
-  <dgm:styleLbl name="node3">
-    <dgm:scene3d>
-      <a:camera prst="orthographicFront"/>
-      <a:lightRig rig="threePt" dir="t"/>
-    </dgm:scene3d>
-    <dgm:sp3d/>
-    <dgm:txPr/>
-    <dgm:style>
-      <a:lnRef idx="2">
-        <a:scrgbClr r="0" g="0" b="0"/>
-      </a:lnRef>
-      <a:fillRef idx="1">
-        <a:scrgbClr r="0" g="0" b="0"/>
-      </a:fillRef>
-      <a:effectRef idx="0">
-        <a:scrgbClr r="0" g="0" b="0"/>
-      </a:effectRef>
-      <a:fontRef idx="minor">
-        <a:schemeClr val="lt1"/>
-      </a:fontRef>
-    </dgm:style>
-  </dgm:styleLbl>
-  <dgm:styleLbl name="node4">
-    <dgm:scene3d>
-      <a:camera prst="orthographicFront"/>
-      <a:lightRig rig="threePt" dir="t"/>
-    </dgm:scene3d>
-    <dgm:sp3d/>
-    <dgm:txPr/>
-    <dgm:style>
-      <a:lnRef idx="2">
-        <a:scrgbClr r="0" g="0" b="0"/>
-      </a:lnRef>
-      <a:fillRef idx="1">
-        <a:scrgbClr r="0" g="0" b="0"/>
-      </a:fillRef>
-      <a:effectRef idx="0">
-        <a:scrgbClr r="0" g="0" b="0"/>
-      </a:effectRef>
-      <a:fontRef idx="minor">
-        <a:schemeClr val="lt1"/>
-      </a:fontRef>
-    </dgm:style>
-  </dgm:styleLbl>
-  <dgm:styleLbl name="fgImgPlace1">
-    <dgm:scene3d>
-      <a:camera prst="orthographicFront"/>
-      <a:lightRig rig="threePt" dir="t"/>
-    </dgm:scene3d>
-    <dgm:sp3d/>
-    <dgm:txPr/>
-    <dgm:style>
-      <a:lnRef idx="2">
-        <a:scrgbClr r="0" g="0" b="0"/>
-      </a:lnRef>
-      <a:fillRef idx="1">
-        <a:scrgbClr r="0" g="0" b="0"/>
-      </a:fillRef>
-      <a:effectRef idx="0">
-        <a:scrgbClr r="0" g="0" b="0"/>
-      </a:effectRef>
-      <a:fontRef idx="minor"/>
-    </dgm:style>
-  </dgm:styleLbl>
-  <dgm:styleLbl name="alignImgPlace1">
-    <dgm:scene3d>
-      <a:camera prst="orthographicFront"/>
-      <a:lightRig rig="threePt" dir="t"/>
-    </dgm:scene3d>
-    <dgm:sp3d/>
-    <dgm:txPr/>
-    <dgm:style>
-      <a:lnRef idx="2">
-        <a:scrgbClr r="0" g="0" b="0"/>
-      </a:lnRef>
-      <a:fillRef idx="1">
-        <a:scrgbClr r="0" g="0" b="0"/>
-      </a:fillRef>
-      <a:effectRef idx="0">
-        <a:scrgbClr r="0" g="0" b="0"/>
-      </a:effectRef>
-      <a:fontRef idx="minor"/>
-    </dgm:style>
-  </dgm:styleLbl>
-  <dgm:styleLbl name="bgImgPlace1">
-    <dgm:scene3d>
-      <a:camera prst="orthographicFront"/>
-      <a:lightRig rig="threePt" dir="t"/>
-    </dgm:scene3d>
-    <dgm:sp3d/>
-    <dgm:txPr/>
-    <dgm:style>
-      <a:lnRef idx="2">
-        <a:scrgbClr r="0" g="0" b="0"/>
-      </a:lnRef>
-      <a:fillRef idx="1">
-        <a:scrgbClr r="0" g="0" b="0"/>
-      </a:fillRef>
-      <a:effectRef idx="0">
-        <a:scrgbClr r="0" g="0" b="0"/>
-      </a:effectRef>
-      <a:fontRef idx="minor"/>
-    </dgm:style>
-  </dgm:styleLbl>
-  <dgm:styleLbl name="sibTrans2D1">
-    <dgm:scene3d>
-      <a:camera prst="orthographicFront"/>
-      <a:lightRig rig="threePt" dir="t"/>
-    </dgm:scene3d>
-    <dgm:sp3d/>
-    <dgm:txPr/>
-    <dgm:style>
-      <a:lnRef idx="0">
-        <a:scrgbClr r="0" g="0" b="0"/>
-      </a:lnRef>
-      <a:fillRef idx="1">
-        <a:scrgbClr r="0" g="0" b="0"/>
-      </a:fillRef>
-      <a:effectRef idx="0">
-        <a:scrgbClr r="0" g="0" b="0"/>
-      </a:effectRef>
-      <a:fontRef idx="minor">
-        <a:schemeClr val="lt1"/>
-      </a:fontRef>
-    </dgm:style>
-  </dgm:styleLbl>
-  <dgm:styleLbl name="fgSibTrans2D1">
-    <dgm:scene3d>
-      <a:camera prst="orthographicFront"/>
-      <a:lightRig rig="threePt" dir="t"/>
-    </dgm:scene3d>
-    <dgm:sp3d/>
-    <dgm:txPr/>
-    <dgm:style>
-      <a:lnRef idx="0">
-        <a:scrgbClr r="0" g="0" b="0"/>
-      </a:lnRef>
-      <a:fillRef idx="1">
-        <a:scrgbClr r="0" g="0" b="0"/>
-      </a:fillRef>
-      <a:effectRef idx="0">
-        <a:scrgbClr r="0" g="0" b="0"/>
-      </a:effectRef>
-      <a:fontRef idx="minor">
-        <a:schemeClr val="lt1"/>
-      </a:fontRef>
-    </dgm:style>
-  </dgm:styleLbl>
-  <dgm:styleLbl name="bgSibTrans2D1">
-    <dgm:scene3d>
-      <a:camera prst="orthographicFront"/>
-      <a:lightRig rig="threePt" dir="t"/>
-    </dgm:scene3d>
-    <dgm:sp3d/>
-    <dgm:txPr/>
-    <dgm:style>
-      <a:lnRef idx="0">
-        <a:scrgbClr r="0" g="0" b="0"/>
-      </a:lnRef>
-      <a:fillRef idx="1">
-        <a:scrgbClr r="0" g="0" b="0"/>
-      </a:fillRef>
-      <a:effectRef idx="0">
-        <a:scrgbClr r="0" g="0" b="0"/>
-      </a:effectRef>
-      <a:fontRef idx="minor">
-        <a:schemeClr val="lt1"/>
-      </a:fontRef>
-    </dgm:style>
-  </dgm:styleLbl>
-  <dgm:styleLbl name="sibTrans1D1">
-    <dgm:scene3d>
-      <a:camera prst="orthographicFront"/>
-      <a:lightRig rig="threePt" dir="t"/>
-    </dgm:scene3d>
-    <dgm:sp3d/>
-    <dgm:txPr/>
-    <dgm:style>
-      <a:lnRef idx="1">
-        <a:scrgbClr r="0" g="0" b="0"/>
-      </a:lnRef>
-      <a:fillRef idx="0">
-        <a:scrgbClr r="0" g="0" b="0"/>
-      </a:fillRef>
-      <a:effectRef idx="0">
-        <a:scrgbClr r="0" g="0" b="0"/>
-      </a:effectRef>
-      <a:fontRef idx="minor"/>
-    </dgm:style>
-  </dgm:styleLbl>
-  <dgm:styleLbl name="callout">
-    <dgm:scene3d>
-      <a:camera prst="orthographicFront"/>
-      <a:lightRig rig="threePt" dir="t"/>
-    </dgm:scene3d>
-    <dgm:sp3d/>
-    <dgm:txPr/>
-    <dgm:style>
-      <a:lnRef idx="2">
-        <a:scrgbClr r="0" g="0" b="0"/>
-      </a:lnRef>
-      <a:fillRef idx="1">
-        <a:scrgbClr r="0" g="0" b="0"/>
-      </a:fillRef>
-      <a:effectRef idx="0">
-        <a:scrgbClr r="0" g="0" b="0"/>
-      </a:effectRef>
-      <a:fontRef idx="minor"/>
-    </dgm:style>
-  </dgm:styleLbl>
-  <dgm:styleLbl name="asst0">
-    <dgm:scene3d>
-      <a:camera prst="orthographicFront"/>
-      <a:lightRig rig="threePt" dir="t"/>
-    </dgm:scene3d>
-    <dgm:sp3d/>
-    <dgm:txPr/>
-    <dgm:style>
-      <a:lnRef idx="2">
-        <a:scrgbClr r="0" g="0" b="0"/>
-      </a:lnRef>
-      <a:fillRef idx="1">
-        <a:scrgbClr r="0" g="0" b="0"/>
-      </a:fillRef>
-      <a:effectRef idx="0">
-        <a:scrgbClr r="0" g="0" b="0"/>
-      </a:effectRef>
-      <a:fontRef idx="minor">
-        <a:schemeClr val="lt1"/>
-      </a:fontRef>
-    </dgm:style>
-  </dgm:styleLbl>
-  <dgm:styleLbl name="asst1">
-    <dgm:scene3d>
-      <a:camera prst="orthographicFront"/>
-      <a:lightRig rig="threePt" dir="t"/>
-    </dgm:scene3d>
-    <dgm:sp3d/>
-    <dgm:txPr/>
-    <dgm:style>
-      <a:lnRef idx="2">
-        <a:scrgbClr r="0" g="0" b="0"/>
-      </a:lnRef>
-      <a:fillRef idx="1">
-        <a:scrgbClr r="0" g="0" b="0"/>
-      </a:fillRef>
-      <a:effectRef idx="0">
-        <a:scrgbClr r="0" g="0" b="0"/>
-      </a:effectRef>
-      <a:fontRef idx="minor">
-        <a:schemeClr val="lt1"/>
-      </a:fontRef>
-    </dgm:style>
-  </dgm:styleLbl>
-  <dgm:styleLbl name="asst2">
-    <dgm:scene3d>
-      <a:camera prst="orthographicFront"/>
-      <a:lightRig rig="threePt" dir="t"/>
-    </dgm:scene3d>
-    <dgm:sp3d/>
-    <dgm:txPr/>
-    <dgm:style>
-      <a:lnRef idx="2">
-        <a:scrgbClr r="0" g="0" b="0"/>
-      </a:lnRef>
-      <a:fillRef idx="1">
-        <a:scrgbClr r="0" g="0" b="0"/>
-      </a:fillRef>
-      <a:effectRef idx="0">
-        <a:scrgbClr r="0" g="0" b="0"/>
-      </a:effectRef>
-      <a:fontRef idx="minor">
-        <a:schemeClr val="lt1"/>
-      </a:fontRef>
-    </dgm:style>
-  </dgm:styleLbl>
-  <dgm:styleLbl name="asst3">
-    <dgm:scene3d>
-      <a:camera prst="orthographicFront"/>
-      <a:lightRig rig="threePt" dir="t"/>
-    </dgm:scene3d>
-    <dgm:sp3d/>
-    <dgm:txPr/>
-    <dgm:style>
-      <a:lnRef idx="2">
-        <a:scrgbClr r="0" g="0" b="0"/>
-      </a:lnRef>
-      <a:fillRef idx="1">
-        <a:scrgbClr r="0" g="0" b="0"/>
-      </a:fillRef>
-      <a:effectRef idx="0">
-        <a:scrgbClr r="0" g="0" b="0"/>
-      </a:effectRef>
-      <a:fontRef idx="minor">
-        <a:schemeClr val="lt1"/>
-      </a:fontRef>
-    </dgm:style>
-  </dgm:styleLbl>
-  <dgm:styleLbl name="asst4">
-    <dgm:scene3d>
-      <a:camera prst="orthographicFront"/>
-      <a:lightRig rig="threePt" dir="t"/>
-    </dgm:scene3d>
-    <dgm:sp3d/>
-    <dgm:txPr/>
-    <dgm:style>
-      <a:lnRef idx="2">
-        <a:scrgbClr r="0" g="0" b="0"/>
-      </a:lnRef>
-      <a:fillRef idx="1">
-        <a:scrgbClr r="0" g="0" b="0"/>
-      </a:fillRef>
-      <a:effectRef idx="0">
-        <a:scrgbClr r="0" g="0" b="0"/>
-      </a:effectRef>
-      <a:fontRef idx="minor">
-        <a:schemeClr val="lt1"/>
-      </a:fontRef>
-    </dgm:style>
-  </dgm:styleLbl>
-  <dgm:styleLbl name="parChTrans2D1">
-    <dgm:scene3d>
-      <a:camera prst="orthographicFront"/>
-      <a:lightRig rig="threePt" dir="t"/>
-    </dgm:scene3d>
-    <dgm:sp3d/>
-    <dgm:txPr/>
-    <dgm:style>
-      <a:lnRef idx="2">
-        <a:scrgbClr r="0" g="0" b="0"/>
-      </a:lnRef>
-      <a:fillRef idx="1">
-        <a:scrgbClr r="0" g="0" b="0"/>
-      </a:fillRef>
-      <a:effectRef idx="0">
-        <a:scrgbClr r="0" g="0" b="0"/>
-      </a:effectRef>
-      <a:fontRef idx="minor">
-        <a:schemeClr val="lt1"/>
-      </a:fontRef>
-    </dgm:style>
-  </dgm:styleLbl>
-  <dgm:styleLbl name="parChTrans2D2">
-    <dgm:scene3d>
-      <a:camera prst="orthographicFront"/>
-      <a:lightRig rig="threePt" dir="t"/>
-    </dgm:scene3d>
-    <dgm:sp3d/>
-    <dgm:txPr/>
-    <dgm:style>
-      <a:lnRef idx="2">
-        <a:scrgbClr r="0" g="0" b="0"/>
-      </a:lnRef>
-      <a:fillRef idx="1">
-        <a:scrgbClr r="0" g="0" b="0"/>
-      </a:fillRef>
-      <a:effectRef idx="0">
-        <a:scrgbClr r="0" g="0" b="0"/>
-      </a:effectRef>
-      <a:fontRef idx="minor">
-        <a:schemeClr val="lt1"/>
-      </a:fontRef>
-    </dgm:style>
-  </dgm:styleLbl>
-  <dgm:styleLbl name="parChTrans2D3">
-    <dgm:scene3d>
-      <a:camera prst="orthographicFront"/>
-      <a:lightRig rig="threePt" dir="t"/>
-    </dgm:scene3d>
-    <dgm:sp3d/>
-    <dgm:txPr/>
-    <dgm:style>
-      <a:lnRef idx="2">
-        <a:scrgbClr r="0" g="0" b="0"/>
-      </a:lnRef>
-      <a:fillRef idx="1">
-        <a:scrgbClr r="0" g="0" b="0"/>
-      </a:fillRef>
-      <a:effectRef idx="0">
-        <a:scrgbClr r="0" g="0" b="0"/>
-      </a:effectRef>
-      <a:fontRef idx="minor">
-        <a:schemeClr val="lt1"/>
-      </a:fontRef>
-    </dgm:style>
-  </dgm:styleLbl>
-  <dgm:styleLbl name="parChTrans2D4">
-    <dgm:scene3d>
-      <a:camera prst="orthographicFront"/>
-      <a:lightRig rig="threePt" dir="t"/>
-    </dgm:scene3d>
-    <dgm:sp3d/>
-    <dgm:txPr/>
-    <dgm:style>
-      <a:lnRef idx="2">
-        <a:scrgbClr r="0" g="0" b="0"/>
-      </a:lnRef>
-      <a:fillRef idx="1">
-        <a:scrgbClr r="0" g="0" b="0"/>
-      </a:fillRef>
-      <a:effectRef idx="0">
-        <a:scrgbClr r="0" g="0" b="0"/>
-      </a:effectRef>
-      <a:fontRef idx="minor">
-        <a:schemeClr val="lt1"/>
-      </a:fontRef>
-    </dgm:style>
-  </dgm:styleLbl>
-  <dgm:styleLbl name="parChTrans1D1">
-    <dgm:scene3d>
-      <a:camera prst="orthographicFront"/>
-      <a:lightRig rig="threePt" dir="t"/>
-    </dgm:scene3d>
-    <dgm:sp3d/>
-    <dgm:txPr/>
-    <dgm:style>
-      <a:lnRef idx="2">
-        <a:scrgbClr r="0" g="0" b="0"/>
-      </a:lnRef>
-      <a:fillRef idx="0">
-        <a:scrgbClr r="0" g="0" b="0"/>
-      </a:fillRef>
-      <a:effectRef idx="0">
-        <a:scrgbClr r="0" g="0" b="0"/>
-      </a:effectRef>
-      <a:fontRef idx="minor"/>
-    </dgm:style>
-  </dgm:styleLbl>
-  <dgm:styleLbl name="parChTrans1D2">
-    <dgm:scene3d>
-      <a:camera prst="orthographicFront"/>
-      <a:lightRig rig="threePt" dir="t"/>
-    </dgm:scene3d>
-    <dgm:sp3d/>
-    <dgm:txPr/>
-    <dgm:style>
-      <a:lnRef idx="2">
-        <a:scrgbClr r="0" g="0" b="0"/>
-      </a:lnRef>
-      <a:fillRef idx="0">
-        <a:scrgbClr r="0" g="0" b="0"/>
-      </a:fillRef>
-      <a:effectRef idx="0">
-        <a:scrgbClr r="0" g="0" b="0"/>
-      </a:effectRef>
-      <a:fontRef idx="minor"/>
-    </dgm:style>
-  </dgm:styleLbl>
-  <dgm:styleLbl name="parChTrans1D3">
-    <dgm:scene3d>
-      <a:camera prst="orthographicFront"/>
-      <a:lightRig rig="threePt" dir="t"/>
-    </dgm:scene3d>
-    <dgm:sp3d/>
-    <dgm:txPr/>
-    <dgm:style>
-      <a:lnRef idx="2">
-        <a:scrgbClr r="0" g="0" b="0"/>
-      </a:lnRef>
-      <a:fillRef idx="0">
-        <a:scrgbClr r="0" g="0" b="0"/>
-      </a:fillRef>
-      <a:effectRef idx="0">
-        <a:scrgbClr r="0" g="0" b="0"/>
-      </a:effectRef>
-      <a:fontRef idx="minor"/>
-    </dgm:style>
-  </dgm:styleLbl>
-  <dgm:styleLbl name="parChTrans1D4">
-    <dgm:scene3d>
-      <a:camera prst="orthographicFront"/>
-      <a:lightRig rig="threePt" dir="t"/>
-    </dgm:scene3d>
-    <dgm:sp3d/>
-    <dgm:txPr/>
-    <dgm:style>
-      <a:lnRef idx="2">
-        <a:scrgbClr r="0" g="0" b="0"/>
-      </a:lnRef>
-      <a:fillRef idx="0">
-        <a:scrgbClr r="0" g="0" b="0"/>
-      </a:fillRef>
-      <a:effectRef idx="0">
-        <a:scrgbClr r="0" g="0" b="0"/>
-      </a:effectRef>
-      <a:fontRef idx="minor"/>
-    </dgm:style>
-  </dgm:styleLbl>
-  <dgm:styleLbl name="fgAcc1">
-    <dgm:scene3d>
-      <a:camera prst="orthographicFront"/>
-      <a:lightRig rig="threePt" dir="t"/>
-    </dgm:scene3d>
-    <dgm:sp3d/>
-    <dgm:txPr/>
-    <dgm:style>
-      <a:lnRef idx="2">
-        <a:scrgbClr r="0" g="0" b="0"/>
-      </a:lnRef>
-      <a:fillRef idx="1">
-        <a:scrgbClr r="0" g="0" b="0"/>
-      </a:fillRef>
-      <a:effectRef idx="0">
-        <a:scrgbClr r="0" g="0" b="0"/>
-      </a:effectRef>
-      <a:fontRef idx="minor"/>
-    </dgm:style>
-  </dgm:styleLbl>
-  <dgm:styleLbl name="conFgAcc1">
-    <dgm:scene3d>
-      <a:camera prst="orthographicFront"/>
-      <a:lightRig rig="threePt" dir="t"/>
-    </dgm:scene3d>
-    <dgm:sp3d/>
-    <dgm:txPr/>
-    <dgm:style>
-      <a:lnRef idx="2">
-        <a:scrgbClr r="0" g="0" b="0"/>
-      </a:lnRef>
-      <a:fillRef idx="1">
-        <a:scrgbClr r="0" g="0" b="0"/>
-      </a:fillRef>
-      <a:effectRef idx="0">
-        <a:scrgbClr r="0" g="0" b="0"/>
-      </a:effectRef>
-      <a:fontRef idx="minor"/>
-    </dgm:style>
-  </dgm:styleLbl>
-  <dgm:styleLbl name="alignAcc1">
-    <dgm:scene3d>
-      <a:camera prst="orthographicFront"/>
-      <a:lightRig rig="threePt" dir="t"/>
-    </dgm:scene3d>
-    <dgm:sp3d/>
-    <dgm:txPr/>
-    <dgm:style>
-      <a:lnRef idx="2">
-        <a:scrgbClr r="0" g="0" b="0"/>
-      </a:lnRef>
-      <a:fillRef idx="1">
-        <a:scrgbClr r="0" g="0" b="0"/>
-      </a:fillRef>
-      <a:effectRef idx="0">
-        <a:scrgbClr r="0" g="0" b="0"/>
-      </a:effectRef>
-      <a:fontRef idx="minor"/>
-    </dgm:style>
-  </dgm:styleLbl>
-  <dgm:styleLbl name="trAlignAcc1">
-    <dgm:scene3d>
-      <a:camera prst="orthographicFront"/>
-      <a:lightRig rig="threePt" dir="t"/>
-    </dgm:scene3d>
-    <dgm:sp3d/>
-    <dgm:txPr/>
-    <dgm:style>
-      <a:lnRef idx="1">
-        <a:scrgbClr r="0" g="0" b="0"/>
-      </a:lnRef>
-      <a:fillRef idx="1">
-        <a:scrgbClr r="0" g="0" b="0"/>
-      </a:fillRef>
-      <a:effectRef idx="0">
-        <a:scrgbClr r="0" g="0" b="0"/>
-      </a:effectRef>
-      <a:fontRef idx="minor"/>
-    </dgm:style>
-  </dgm:styleLbl>
-  <dgm:styleLbl name="bgAcc1">
-    <dgm:scene3d>
-      <a:camera prst="orthographicFront"/>
-      <a:lightRig rig="threePt" dir="t"/>
-    </dgm:scene3d>
-    <dgm:sp3d/>
-    <dgm:txPr/>
-    <dgm:style>
-      <a:lnRef idx="2">
-        <a:scrgbClr r="0" g="0" b="0"/>
-      </a:lnRef>
-      <a:fillRef idx="1">
-        <a:scrgbClr r="0" g="0" b="0"/>
-      </a:fillRef>
-      <a:effectRef idx="0">
-        <a:scrgbClr r="0" g="0" b="0"/>
-      </a:effectRef>
-      <a:fontRef idx="minor"/>
-    </dgm:style>
-  </dgm:styleLbl>
-  <dgm:styleLbl name="solidFgAcc1">
-    <dgm:scene3d>
-      <a:camera prst="orthographicFront"/>
-      <a:lightRig rig="threePt" dir="t"/>
-    </dgm:scene3d>
-    <dgm:sp3d/>
-    <dgm:txPr/>
-    <dgm:style>
-      <a:lnRef idx="2">
-        <a:scrgbClr r="0" g="0" b="0"/>
-      </a:lnRef>
-      <a:fillRef idx="1">
-        <a:scrgbClr r="0" g="0" b="0"/>
-      </a:fillRef>
-      <a:effectRef idx="0">
-        <a:scrgbClr r="0" g="0" b="0"/>
-      </a:effectRef>
-      <a:fontRef idx="minor"/>
-    </dgm:style>
-  </dgm:styleLbl>
-  <dgm:styleLbl name="solidAlignAcc1">
-    <dgm:scene3d>
-      <a:camera prst="orthographicFront"/>
-      <a:lightRig rig="threePt" dir="t"/>
-    </dgm:scene3d>
-    <dgm:sp3d/>
-    <dgm:txPr/>
-    <dgm:style>
-      <a:lnRef idx="2">
-        <a:scrgbClr r="0" g="0" b="0"/>
-      </a:lnRef>
-      <a:fillRef idx="1">
-        <a:scrgbClr r="0" g="0" b="0"/>
-      </a:fillRef>
-      <a:effectRef idx="0">
-        <a:scrgbClr r="0" g="0" b="0"/>
-      </a:effectRef>
-      <a:fontRef idx="minor"/>
-    </dgm:style>
-  </dgm:styleLbl>
-  <dgm:styleLbl name="solidBgAcc1">
-    <dgm:scene3d>
-      <a:camera prst="orthographicFront"/>
-      <a:lightRig rig="threePt" dir="t"/>
-    </dgm:scene3d>
-    <dgm:sp3d/>
-    <dgm:txPr/>
-    <dgm:style>
-      <a:lnRef idx="2">
-        <a:scrgbClr r="0" g="0" b="0"/>
-      </a:lnRef>
-      <a:fillRef idx="1">
-        <a:scrgbClr r="0" g="0" b="0"/>
-      </a:fillRef>
-      <a:effectRef idx="0">
-        <a:scrgbClr r="0" g="0" b="0"/>
-      </a:effectRef>
-      <a:fontRef idx="minor"/>
-    </dgm:style>
-  </dgm:styleLbl>
-  <dgm:styleLbl name="fgAccFollowNode1">
-    <dgm:scene3d>
-      <a:camera prst="orthographicFront"/>
-      <a:lightRig rig="threePt" dir="t"/>
-    </dgm:scene3d>
-    <dgm:sp3d/>
-    <dgm:txPr/>
-    <dgm:style>
-      <a:lnRef idx="2">
-        <a:scrgbClr r="0" g="0" b="0"/>
-      </a:lnRef>
-      <a:fillRef idx="1">
-        <a:scrgbClr r="0" g="0" b="0"/>
-      </a:fillRef>
-      <a:effectRef idx="0">
-        <a:scrgbClr r="0" g="0" b="0"/>
-      </a:effectRef>
-      <a:fontRef idx="minor"/>
-    </dgm:style>
-  </dgm:styleLbl>
-  <dgm:styleLbl name="alignAccFollowNode1">
-    <dgm:scene3d>
-      <a:camera prst="orthographicFront"/>
-      <a:lightRig rig="threePt" dir="t"/>
-    </dgm:scene3d>
-    <dgm:sp3d/>
-    <dgm:txPr/>
-    <dgm:style>
-      <a:lnRef idx="2">
-        <a:scrgbClr r="0" g="0" b="0"/>
-      </a:lnRef>
-      <a:fillRef idx="1">
-        <a:scrgbClr r="0" g="0" b="0"/>
-      </a:fillRef>
-      <a:effectRef idx="0">
-        <a:scrgbClr r="0" g="0" b="0"/>
-      </a:effectRef>
-      <a:fontRef idx="minor"/>
-    </dgm:style>
-  </dgm:styleLbl>
-  <dgm:styleLbl name="bgAccFollowNode1">
-    <dgm:scene3d>
-      <a:camera prst="orthographicFront"/>
-      <a:lightRig rig="threePt" dir="t"/>
-    </dgm:scene3d>
-    <dgm:sp3d/>
-    <dgm:txPr/>
-    <dgm:style>
-      <a:lnRef idx="2">
-        <a:scrgbClr r="0" g="0" b="0"/>
-      </a:lnRef>
-      <a:fillRef idx="1">
-        <a:scrgbClr r="0" g="0" b="0"/>
-      </a:fillRef>
-      <a:effectRef idx="0">
-        <a:scrgbClr r="0" g="0" b="0"/>
-      </a:effectRef>
-      <a:fontRef idx="minor"/>
-    </dgm:style>
-  </dgm:styleLbl>
-  <dgm:styleLbl name="fgAcc0">
-    <dgm:scene3d>
-      <a:camera prst="orthographicFront"/>
-      <a:lightRig rig="threePt" dir="t"/>
-    </dgm:scene3d>
-    <dgm:sp3d/>
-    <dgm:txPr/>
-    <dgm:style>
-      <a:lnRef idx="2">
-        <a:scrgbClr r="0" g="0" b="0"/>
-      </a:lnRef>
-      <a:fillRef idx="1">
-        <a:scrgbClr r="0" g="0" b="0"/>
-      </a:fillRef>
-      <a:effectRef idx="0">
-        <a:scrgbClr r="0" g="0" b="0"/>
-      </a:effectRef>
-      <a:fontRef idx="minor"/>
-    </dgm:style>
-  </dgm:styleLbl>
-  <dgm:styleLbl name="fgAcc2">
-    <dgm:scene3d>
-      <a:camera prst="orthographicFront"/>
-      <a:lightRig rig="threePt" dir="t"/>
-    </dgm:scene3d>
-    <dgm:sp3d/>
-    <dgm:txPr/>
-    <dgm:style>
-      <a:lnRef idx="2">
-        <a:scrgbClr r="0" g="0" b="0"/>
-      </a:lnRef>
-      <a:fillRef idx="1">
-        <a:scrgbClr r="0" g="0" b="0"/>
-      </a:fillRef>
-      <a:effectRef idx="0">
-        <a:scrgbClr r="0" g="0" b="0"/>
-      </a:effectRef>
-      <a:fontRef idx="minor"/>
-    </dgm:style>
-  </dgm:styleLbl>
-  <dgm:styleLbl name="fgAcc3">
-    <dgm:scene3d>
-      <a:camera prst="orthographicFront"/>
-      <a:lightRig rig="threePt" dir="t"/>
-    </dgm:scene3d>
-    <dgm:sp3d/>
-    <dgm:txPr/>
-    <dgm:style>
-      <a:lnRef idx="2">
-        <a:scrgbClr r="0" g="0" b="0"/>
-      </a:lnRef>
-      <a:fillRef idx="1">
-        <a:scrgbClr r="0" g="0" b="0"/>
-      </a:fillRef>
-      <a:effectRef idx="0">
-        <a:scrgbClr r="0" g="0" b="0"/>
-      </a:effectRef>
-      <a:fontRef idx="minor"/>
-    </dgm:style>
-  </dgm:styleLbl>
-  <dgm:styleLbl name="fgAcc4">
-    <dgm:scene3d>
-      <a:camera prst="orthographicFront"/>
-      <a:lightRig rig="threePt" dir="t"/>
-    </dgm:scene3d>
-    <dgm:sp3d/>
-    <dgm:txPr/>
-    <dgm:style>
-      <a:lnRef idx="2">
-        <a:scrgbClr r="0" g="0" b="0"/>
-      </a:lnRef>
-      <a:fillRef idx="1">
-        <a:scrgbClr r="0" g="0" b="0"/>
-      </a:fillRef>
-      <a:effectRef idx="0">
-        <a:scrgbClr r="0" g="0" b="0"/>
-      </a:effectRef>
-      <a:fontRef idx="minor"/>
-    </dgm:style>
-  </dgm:styleLbl>
-  <dgm:styleLbl name="bgShp">
-    <dgm:scene3d>
-      <a:camera prst="orthographicFront"/>
-      <a:lightRig rig="threePt" dir="t"/>
-    </dgm:scene3d>
-    <dgm:sp3d/>
-    <dgm:txPr/>
-    <dgm:style>
-      <a:lnRef idx="0">
-        <a:scrgbClr r="0" g="0" b="0"/>
-      </a:lnRef>
-      <a:fillRef idx="1">
-        <a:scrgbClr r="0" g="0" b="0"/>
-      </a:fillRef>
-      <a:effectRef idx="0">
-        <a:scrgbClr r="0" g="0" b="0"/>
-      </a:effectRef>
-      <a:fontRef idx="minor"/>
-    </dgm:style>
-  </dgm:styleLbl>
-  <dgm:styleLbl name="dkBgShp">
-    <dgm:scene3d>
-      <a:camera prst="orthographicFront"/>
-      <a:lightRig rig="threePt" dir="t"/>
-    </dgm:scene3d>
-    <dgm:sp3d/>
-    <dgm:txPr/>
-    <dgm:style>
-      <a:lnRef idx="0">
-        <a:scrgbClr r="0" g="0" b="0"/>
-      </a:lnRef>
-      <a:fillRef idx="1">
-        <a:scrgbClr r="0" g="0" b="0"/>
-      </a:fillRef>
-      <a:effectRef idx="0">
-        <a:scrgbClr r="0" g="0" b="0"/>
-      </a:effectRef>
-      <a:fontRef idx="minor"/>
-    </dgm:style>
-  </dgm:styleLbl>
-  <dgm:styleLbl name="trBgShp">
-    <dgm:scene3d>
-      <a:camera prst="orthographicFront"/>
-      <a:lightRig rig="threePt" dir="t"/>
-    </dgm:scene3d>
-    <dgm:sp3d/>
-    <dgm:txPr/>
-    <dgm:style>
-      <a:lnRef idx="0">
-        <a:scrgbClr r="0" g="0" b="0"/>
-      </a:lnRef>
-      <a:fillRef idx="1">
-        <a:scrgbClr r="0" g="0" b="0"/>
-      </a:fillRef>
-      <a:effectRef idx="0">
-        <a:scrgbClr r="0" g="0" b="0"/>
-      </a:effectRef>
-      <a:fontRef idx="minor"/>
-    </dgm:style>
-  </dgm:styleLbl>
-  <dgm:styleLbl name="fgShp">
-    <dgm:scene3d>
-      <a:camera prst="orthographicFront"/>
-      <a:lightRig rig="threePt" dir="t"/>
-    </dgm:scene3d>
-    <dgm:sp3d/>
-    <dgm:txPr/>
-    <dgm:style>
-      <a:lnRef idx="2">
-        <a:scrgbClr r="0" g="0" b="0"/>
-      </a:lnRef>
-      <a:fillRef idx="1">
-        <a:scrgbClr r="0" g="0" b="0"/>
-      </a:fillRef>
-      <a:effectRef idx="0">
-        <a:scrgbClr r="0" g="0" b="0"/>
-      </a:effectRef>
-      <a:fontRef idx="minor"/>
-    </dgm:style>
-  </dgm:styleLbl>
-  <dgm:styleLbl name="revTx">
-    <dgm:scene3d>
-      <a:camera prst="orthographicFront"/>
-      <a:lightRig rig="threePt" dir="t"/>
-    </dgm:scene3d>
-    <dgm:sp3d/>
-    <dgm:txPr/>
-    <dgm:style>
-      <a:lnRef idx="0">
-        <a:scrgbClr r="0" g="0" b="0"/>
-      </a:lnRef>
-      <a:fillRef idx="0">
-        <a:scrgbClr r="0" g="0" b="0"/>
-      </a:fillRef>
-      <a:effectRef idx="0">
-        <a:scrgbClr r="0" g="0" b="0"/>
-      </a:effectRef>
-      <a:fontRef idx="minor"/>
-    </dgm:style>
-  </dgm:styleLbl>
-</dgm:styleDef>
-</file>
-
 <file path=ppt/notesMasters/notesMaster1.xml><?xml version="1.0" encoding="utf-8"?>
 <p:notesMaster xmlns:a="http://schemas.openxmlformats.org/drawingml/2006/main" xmlns:r="http://schemas.openxmlformats.org/officeDocument/2006/relationships" xmlns:p="http://schemas.openxmlformats.org/presentationml/2006/main">
   <p:cSld>
@@ -14729,7 +11974,7 @@
           <a:p>
             <a:fld id="{123CBCE9-0914-4950-A986-7596C92667F1}" type="datetime1">
               <a:rPr lang="en-US" smtClean="0"/>
-              <a:t>10/11/2019</a:t>
+              <a:t>2/8/22</a:t>
             </a:fld>
             <a:endParaRPr lang="en-US"/>
           </a:p>
@@ -16352,10 +13597,10 @@
       </p:sp>
       <p:pic>
         <p:nvPicPr>
-          <p:cNvPr id="3" name="Picture 2" descr="A close up of a sign&#10;&#10;Description automatically generated">
+          <p:cNvPr id="5" name="Picture 4" descr="Logo&#10;&#10;Description automatically generated">
             <a:extLst>
               <a:ext uri="{FF2B5EF4-FFF2-40B4-BE49-F238E27FC236}">
-                <a16:creationId xmlns:a16="http://schemas.microsoft.com/office/drawing/2014/main" id="{DBB79DA9-E528-4E11-A659-9FECE294BE36}"/>
+                <a16:creationId xmlns:a16="http://schemas.microsoft.com/office/drawing/2014/main" id="{CCF9A293-8E68-8648-98B7-7E7F4015C116}"/>
               </a:ext>
             </a:extLst>
           </p:cNvPr>
@@ -16366,7 +13611,16 @@
         </p:nvPicPr>
         <p:blipFill>
           <a:blip r:embed="rId3">
-            <a:biLevel thresh="25000"/>
+            <a:clrChange>
+              <a:clrFrom>
+                <a:srgbClr val="040707"/>
+              </a:clrFrom>
+              <a:clrTo>
+                <a:srgbClr val="040707">
+                  <a:alpha val="0"/>
+                </a:srgbClr>
+              </a:clrTo>
+            </a:clrChange>
           </a:blip>
           <a:stretch>
             <a:fillRect/>
@@ -16374,8 +13628,8 @@
         </p:blipFill>
         <p:spPr>
           <a:xfrm>
-            <a:off x="422233" y="3151559"/>
-            <a:ext cx="1728167" cy="1328591"/>
+            <a:off x="422233" y="2776566"/>
+            <a:ext cx="3386755" cy="1905050"/>
           </a:xfrm>
           <a:prstGeom prst="rect">
             <a:avLst/>
@@ -21112,7 +18366,7 @@
           <a:graphicData uri="http://schemas.openxmlformats.org/presentationml/2006/ole">
             <mc:AlternateContent xmlns:mc="http://schemas.openxmlformats.org/markup-compatibility/2006">
               <mc:Choice xmlns:v="urn:schemas-microsoft-com:vml" Requires="v">
-                <p:oleObj spid="_x0000_s1120" name="Equation" r:id="rId3" imgW="1333440" imgH="457200" progId="Equation.3">
+                <p:oleObj spid="_x0000_s1122" name="Equation" r:id="rId3" imgW="1333440" imgH="457200" progId="Equation.3">
                   <p:embed/>
                 </p:oleObj>
               </mc:Choice>
@@ -21508,7 +18762,7 @@
           <a:graphicData uri="http://schemas.openxmlformats.org/presentationml/2006/ole">
             <mc:AlternateContent xmlns:mc="http://schemas.openxmlformats.org/markup-compatibility/2006">
               <mc:Choice xmlns:v="urn:schemas-microsoft-com:vml" Requires="v">
-                <p:oleObj spid="_x0000_s1121" name="Equation" r:id="rId5" imgW="1180800" imgH="431640" progId="Equation.3">
+                <p:oleObj spid="_x0000_s1123" name="Equation" r:id="rId5" imgW="1180800" imgH="431640" progId="Equation.3">
                   <p:embed/>
                 </p:oleObj>
               </mc:Choice>
@@ -21890,7 +19144,7 @@
           <a:graphicData uri="http://schemas.openxmlformats.org/presentationml/2006/ole">
             <mc:AlternateContent xmlns:mc="http://schemas.openxmlformats.org/markup-compatibility/2006">
               <mc:Choice xmlns:v="urn:schemas-microsoft-com:vml" Requires="v">
-                <p:oleObj spid="_x0000_s2144" name="Equation" r:id="rId3" imgW="1498320" imgH="482400" progId="Equation.3">
+                <p:oleObj spid="_x0000_s2146" name="Equation" r:id="rId3" imgW="1498320" imgH="482400" progId="Equation.3">
                   <p:embed/>
                 </p:oleObj>
               </mc:Choice>
@@ -21962,7 +19216,7 @@
           <a:graphicData uri="http://schemas.openxmlformats.org/presentationml/2006/ole">
             <mc:AlternateContent xmlns:mc="http://schemas.openxmlformats.org/markup-compatibility/2006">
               <mc:Choice xmlns:v="urn:schemas-microsoft-com:vml" Requires="v">
-                <p:oleObj spid="_x0000_s2145" name="Equation" r:id="rId5" imgW="1663560" imgH="444240" progId="Equation.3">
+                <p:oleObj spid="_x0000_s2147" name="Equation" r:id="rId5" imgW="1663560" imgH="444240" progId="Equation.3">
                   <p:embed/>
                 </p:oleObj>
               </mc:Choice>
@@ -34060,40 +31314,12 @@
           </a:p>
         </p:txBody>
       </p:sp>
-      <p:graphicFrame>
-        <p:nvGraphicFramePr>
-          <p:cNvPr id="7" name="Diagram 6">
+      <p:pic>
+        <p:nvPicPr>
+          <p:cNvPr id="12" name="Graphic 11">
             <a:extLst>
               <a:ext uri="{FF2B5EF4-FFF2-40B4-BE49-F238E27FC236}">
-                <a16:creationId xmlns:a16="http://schemas.microsoft.com/office/drawing/2014/main" id="{9B643453-A36E-496F-9BE6-0F0550C2C091}"/>
-              </a:ext>
-            </a:extLst>
-          </p:cNvPr>
-          <p:cNvGraphicFramePr/>
-          <p:nvPr>
-            <p:extLst>
-              <p:ext uri="{D42A27DB-BD31-4B8C-83A1-F6EECF244321}">
-                <p14:modId xmlns:p14="http://schemas.microsoft.com/office/powerpoint/2010/main" val="2383545696"/>
-              </p:ext>
-            </p:extLst>
-          </p:nvPr>
-        </p:nvGraphicFramePr>
-        <p:xfrm>
-          <a:off x="3695387" y="431711"/>
-          <a:ext cx="5092196" cy="4360344"/>
-        </p:xfrm>
-        <a:graphic>
-          <a:graphicData uri="http://schemas.openxmlformats.org/drawingml/2006/diagram">
-            <dgm:relIds xmlns:dgm="http://schemas.openxmlformats.org/drawingml/2006/diagram" xmlns:r="http://schemas.openxmlformats.org/officeDocument/2006/relationships" r:dm="rId2" r:lo="rId3" r:qs="rId4" r:cs="rId5"/>
-          </a:graphicData>
-        </a:graphic>
-      </p:graphicFrame>
-      <p:pic>
-        <p:nvPicPr>
-          <p:cNvPr id="9" name="Picture 8">
-            <a:extLst>
-              <a:ext uri="{FF2B5EF4-FFF2-40B4-BE49-F238E27FC236}">
-                <a16:creationId xmlns:a16="http://schemas.microsoft.com/office/drawing/2014/main" id="{50DD596D-68F3-4A20-888F-4AB1E9C698B9}"/>
+                <a16:creationId xmlns:a16="http://schemas.microsoft.com/office/drawing/2014/main" id="{FD10B89E-B104-7442-B528-12ADC80D2912}"/>
               </a:ext>
             </a:extLst>
           </p:cNvPr>
@@ -34103,77 +31329,295 @@
           <p:nvPr/>
         </p:nvPicPr>
         <p:blipFill>
-          <a:blip r:embed="rId7"/>
+          <a:blip r:embed="rId2">
+            <a:extLst>
+              <a:ext uri="{96DAC541-7B7A-43D3-8B79-37D633B846F1}">
+                <asvg:svgBlip xmlns:asvg="http://schemas.microsoft.com/office/drawing/2016/SVG/main" r:embed="rId3"/>
+              </a:ext>
+            </a:extLst>
+          </a:blip>
           <a:stretch>
             <a:fillRect/>
           </a:stretch>
         </p:blipFill>
         <p:spPr>
           <a:xfrm>
-            <a:off x="321071" y="4042566"/>
-            <a:ext cx="955889" cy="955889"/>
+            <a:off x="2927139" y="2008022"/>
+            <a:ext cx="1371600" cy="1371600"/>
           </a:xfrm>
           <a:prstGeom prst="rect">
             <a:avLst/>
           </a:prstGeom>
         </p:spPr>
       </p:pic>
-      <p:sp>
-        <p:nvSpPr>
-          <p:cNvPr id="10" name="Speech Bubble: Rectangle with Corners Rounded 9">
+      <p:pic>
+        <p:nvPicPr>
+          <p:cNvPr id="14" name="Graphic 13">
             <a:extLst>
               <a:ext uri="{FF2B5EF4-FFF2-40B4-BE49-F238E27FC236}">
-                <a16:creationId xmlns:a16="http://schemas.microsoft.com/office/drawing/2014/main" id="{A6029DDE-0025-4C50-B95C-97B1B064AFA6}"/>
+                <a16:creationId xmlns:a16="http://schemas.microsoft.com/office/drawing/2014/main" id="{C09664DA-A9F3-144F-8E91-C9FB4A6F7731}"/>
               </a:ext>
             </a:extLst>
           </p:cNvPr>
-          <p:cNvSpPr/>
+          <p:cNvPicPr>
+            <a:picLocks noChangeAspect="1"/>
+          </p:cNvPicPr>
+          <p:nvPr/>
+        </p:nvPicPr>
+        <p:blipFill>
+          <a:blip r:embed="rId4">
+            <a:extLst>
+              <a:ext uri="{96DAC541-7B7A-43D3-8B79-37D633B846F1}">
+                <asvg:svgBlip xmlns:asvg="http://schemas.microsoft.com/office/drawing/2016/SVG/main" r:embed="rId5"/>
+              </a:ext>
+            </a:extLst>
+          </a:blip>
+          <a:stretch>
+            <a:fillRect/>
+          </a:stretch>
+        </p:blipFill>
+        <p:spPr>
+          <a:xfrm>
+            <a:off x="819626" y="2008022"/>
+            <a:ext cx="1371600" cy="1371600"/>
+          </a:xfrm>
+          <a:prstGeom prst="rect">
+            <a:avLst/>
+          </a:prstGeom>
+        </p:spPr>
+      </p:pic>
+      <p:pic>
+        <p:nvPicPr>
+          <p:cNvPr id="3078" name="Picture 6" descr="microsoft machine learning services for Sale OFF 61%">
+            <a:extLst>
+              <a:ext uri="{FF2B5EF4-FFF2-40B4-BE49-F238E27FC236}">
+                <a16:creationId xmlns:a16="http://schemas.microsoft.com/office/drawing/2014/main" id="{FABA9357-F584-2A4B-923D-25B2A5C2EE90}"/>
+              </a:ext>
+            </a:extLst>
+          </p:cNvPr>
+          <p:cNvPicPr>
+            <a:picLocks noChangeAspect="1" noChangeArrowheads="1"/>
+          </p:cNvPicPr>
+          <p:nvPr/>
+        </p:nvPicPr>
+        <p:blipFill>
+          <a:blip r:embed="rId6">
+            <a:extLst>
+              <a:ext uri="{28A0092B-C50C-407E-A947-70E740481C1C}">
+                <a14:useLocalDpi xmlns:a14="http://schemas.microsoft.com/office/drawing/2010/main" val="0"/>
+              </a:ext>
+            </a:extLst>
+          </a:blip>
+          <a:srcRect/>
+          <a:stretch>
+            <a:fillRect/>
+          </a:stretch>
+        </p:blipFill>
+        <p:spPr bwMode="auto">
+          <a:xfrm>
+            <a:off x="7254446" y="2145182"/>
+            <a:ext cx="1019726" cy="1097280"/>
+          </a:xfrm>
+          <a:prstGeom prst="rect">
+            <a:avLst/>
+          </a:prstGeom>
+          <a:noFill/>
+          <a:extLst>
+            <a:ext uri="{909E8E84-426E-40DD-AFC4-6F175D3DCCD1}">
+              <a14:hiddenFill xmlns:a14="http://schemas.microsoft.com/office/drawing/2010/main">
+                <a:solidFill>
+                  <a:srgbClr val="FFFFFF"/>
+                </a:solidFill>
+              </a14:hiddenFill>
+            </a:ext>
+          </a:extLst>
+        </p:spPr>
+      </p:pic>
+      <p:pic>
+        <p:nvPicPr>
+          <p:cNvPr id="3080" name="Picture 8">
+            <a:extLst>
+              <a:ext uri="{FF2B5EF4-FFF2-40B4-BE49-F238E27FC236}">
+                <a16:creationId xmlns:a16="http://schemas.microsoft.com/office/drawing/2014/main" id="{3178B6AE-EF6A-3541-8AC8-D357CA791C5B}"/>
+              </a:ext>
+            </a:extLst>
+          </p:cNvPr>
+          <p:cNvPicPr>
+            <a:picLocks noChangeAspect="1" noChangeArrowheads="1"/>
+          </p:cNvPicPr>
+          <p:nvPr/>
+        </p:nvPicPr>
+        <p:blipFill rotWithShape="1">
+          <a:blip r:embed="rId7">
+            <a:extLst>
+              <a:ext uri="{28A0092B-C50C-407E-A947-70E740481C1C}">
+                <a14:useLocalDpi xmlns:a14="http://schemas.microsoft.com/office/drawing/2010/main" val="0"/>
+              </a:ext>
+            </a:extLst>
+          </a:blip>
+          <a:srcRect l="36019" t="7154" r="37961" b="42730"/>
+          <a:stretch/>
+        </p:blipFill>
+        <p:spPr bwMode="auto">
+          <a:xfrm>
+            <a:off x="5034652" y="2008022"/>
+            <a:ext cx="1356416" cy="1371600"/>
+          </a:xfrm>
+          <a:prstGeom prst="rect">
+            <a:avLst/>
+          </a:prstGeom>
+          <a:noFill/>
+          <a:extLst>
+            <a:ext uri="{909E8E84-426E-40DD-AFC4-6F175D3DCCD1}">
+              <a14:hiddenFill xmlns:a14="http://schemas.microsoft.com/office/drawing/2010/main">
+                <a:solidFill>
+                  <a:srgbClr val="FFFFFF"/>
+                </a:solidFill>
+              </a14:hiddenFill>
+            </a:ext>
+          </a:extLst>
+        </p:spPr>
+      </p:pic>
+      <p:sp>
+        <p:nvSpPr>
+          <p:cNvPr id="23" name="TextBox 22">
+            <a:extLst>
+              <a:ext uri="{FF2B5EF4-FFF2-40B4-BE49-F238E27FC236}">
+                <a16:creationId xmlns:a16="http://schemas.microsoft.com/office/drawing/2014/main" id="{63A6804C-BAC1-1147-8D31-E8DF81B647C4}"/>
+              </a:ext>
+            </a:extLst>
+          </p:cNvPr>
+          <p:cNvSpPr txBox="1"/>
           <p:nvPr/>
         </p:nvSpPr>
         <p:spPr>
           <a:xfrm>
-            <a:off x="1544482" y="3829106"/>
-            <a:ext cx="914400" cy="612648"/>
+            <a:off x="2778415" y="3379622"/>
+            <a:ext cx="1669047" cy="307777"/>
           </a:xfrm>
-          <a:prstGeom prst="wedgeRoundRectCallout">
-            <a:avLst>
-              <a:gd name="adj1" fmla="val -79826"/>
-              <a:gd name="adj2" fmla="val 45320"/>
-              <a:gd name="adj3" fmla="val 16667"/>
-            </a:avLst>
+          <a:prstGeom prst="rect">
+            <a:avLst/>
           </a:prstGeom>
           <a:noFill/>
         </p:spPr>
-        <p:style>
-          <a:lnRef idx="2">
-            <a:schemeClr val="accent1">
-              <a:shade val="50000"/>
-            </a:schemeClr>
-          </a:lnRef>
-          <a:fillRef idx="1">
-            <a:schemeClr val="accent1"/>
-          </a:fillRef>
-          <a:effectRef idx="0">
-            <a:schemeClr val="accent1"/>
-          </a:effectRef>
-          <a:fontRef idx="minor">
-            <a:schemeClr val="lt1"/>
-          </a:fontRef>
-        </p:style>
         <p:txBody>
-          <a:bodyPr rtlCol="0" anchor="ctr"/>
+          <a:bodyPr wrap="none" rtlCol="0">
+            <a:spAutoFit/>
+          </a:bodyPr>
           <a:lstStyle/>
           <a:p>
             <a:pPr algn="ctr"/>
             <a:r>
-              <a:rPr lang="en-US" dirty="0">
-                <a:solidFill>
-                  <a:schemeClr val="accent1">
-                    <a:lumMod val="50000"/>
-                  </a:schemeClr>
-                </a:solidFill>
-              </a:rPr>
-              <a:t>Me, too!</a:t>
+              <a:rPr lang="en-US" dirty="0"/>
+              <a:t>Cognitive Services</a:t>
+            </a:r>
+          </a:p>
+        </p:txBody>
+      </p:sp>
+      <p:sp>
+        <p:nvSpPr>
+          <p:cNvPr id="26" name="TextBox 25">
+            <a:extLst>
+              <a:ext uri="{FF2B5EF4-FFF2-40B4-BE49-F238E27FC236}">
+                <a16:creationId xmlns:a16="http://schemas.microsoft.com/office/drawing/2014/main" id="{5D700D7F-67AF-9140-B4D2-A2CAC8C63A9C}"/>
+              </a:ext>
+            </a:extLst>
+          </p:cNvPr>
+          <p:cNvSpPr txBox="1"/>
+          <p:nvPr/>
+        </p:nvSpPr>
+        <p:spPr>
+          <a:xfrm>
+            <a:off x="1153406" y="3379622"/>
+            <a:ext cx="704039" cy="307777"/>
+          </a:xfrm>
+          <a:prstGeom prst="rect">
+            <a:avLst/>
+          </a:prstGeom>
+          <a:noFill/>
+        </p:spPr>
+        <p:txBody>
+          <a:bodyPr wrap="none" rtlCol="0">
+            <a:spAutoFit/>
+          </a:bodyPr>
+          <a:lstStyle/>
+          <a:p>
+            <a:pPr algn="ctr"/>
+            <a:r>
+              <a:rPr lang="en-US" dirty="0"/>
+              <a:t>DSVM</a:t>
+            </a:r>
+          </a:p>
+        </p:txBody>
+      </p:sp>
+      <p:sp>
+        <p:nvSpPr>
+          <p:cNvPr id="27" name="TextBox 26">
+            <a:extLst>
+              <a:ext uri="{FF2B5EF4-FFF2-40B4-BE49-F238E27FC236}">
+                <a16:creationId xmlns:a16="http://schemas.microsoft.com/office/drawing/2014/main" id="{EC64A9B1-D138-F34F-AEEE-A1F66D855C67}"/>
+              </a:ext>
+            </a:extLst>
+          </p:cNvPr>
+          <p:cNvSpPr txBox="1"/>
+          <p:nvPr/>
+        </p:nvSpPr>
+        <p:spPr>
+          <a:xfrm>
+            <a:off x="5197334" y="3379622"/>
+            <a:ext cx="1031051" cy="307777"/>
+          </a:xfrm>
+          <a:prstGeom prst="rect">
+            <a:avLst/>
+          </a:prstGeom>
+          <a:noFill/>
+        </p:spPr>
+        <p:txBody>
+          <a:bodyPr wrap="none" rtlCol="0">
+            <a:spAutoFit/>
+          </a:bodyPr>
+          <a:lstStyle/>
+          <a:p>
+            <a:pPr algn="ctr"/>
+            <a:r>
+              <a:rPr lang="en-US" dirty="0"/>
+              <a:t>Databricks</a:t>
+            </a:r>
+          </a:p>
+        </p:txBody>
+      </p:sp>
+      <p:sp>
+        <p:nvSpPr>
+          <p:cNvPr id="28" name="TextBox 27">
+            <a:extLst>
+              <a:ext uri="{FF2B5EF4-FFF2-40B4-BE49-F238E27FC236}">
+                <a16:creationId xmlns:a16="http://schemas.microsoft.com/office/drawing/2014/main" id="{A6E91955-5C2B-764A-B1CE-66D0E9353B69}"/>
+              </a:ext>
+            </a:extLst>
+          </p:cNvPr>
+          <p:cNvSpPr txBox="1"/>
+          <p:nvPr/>
+        </p:nvSpPr>
+        <p:spPr>
+          <a:xfrm>
+            <a:off x="6961044" y="3379621"/>
+            <a:ext cx="1606530" cy="307777"/>
+          </a:xfrm>
+          <a:prstGeom prst="rect">
+            <a:avLst/>
+          </a:prstGeom>
+          <a:noFill/>
+        </p:spPr>
+        <p:txBody>
+          <a:bodyPr wrap="none" rtlCol="0">
+            <a:spAutoFit/>
+          </a:bodyPr>
+          <a:lstStyle/>
+          <a:p>
+            <a:pPr algn="ctr"/>
+            <a:r>
+              <a:rPr lang="en-US" dirty="0"/>
+              <a:t>Machine Learning</a:t>
             </a:r>
           </a:p>
         </p:txBody>
@@ -34192,6 +31636,275 @@
 </file>
 
 <file path=ppt/slides/slide5.xml><?xml version="1.0" encoding="utf-8"?>
+<p:sld xmlns:a="http://schemas.openxmlformats.org/drawingml/2006/main" xmlns:r="http://schemas.openxmlformats.org/officeDocument/2006/relationships" xmlns:p="http://schemas.openxmlformats.org/presentationml/2006/main">
+  <p:cSld>
+    <p:spTree>
+      <p:nvGrpSpPr>
+        <p:cNvPr id="1" name=""/>
+        <p:cNvGrpSpPr/>
+        <p:nvPr/>
+      </p:nvGrpSpPr>
+      <p:grpSpPr>
+        <a:xfrm>
+          <a:off x="0" y="0"/>
+          <a:ext cx="0" cy="0"/>
+          <a:chOff x="0" y="0"/>
+          <a:chExt cx="0" cy="0"/>
+        </a:xfrm>
+      </p:grpSpPr>
+      <p:sp>
+        <p:nvSpPr>
+          <p:cNvPr id="2" name="Title 1">
+            <a:extLst>
+              <a:ext uri="{FF2B5EF4-FFF2-40B4-BE49-F238E27FC236}">
+                <a16:creationId xmlns:a16="http://schemas.microsoft.com/office/drawing/2014/main" id="{E52D1483-9F9C-41A8-97CD-D62E444B2816}"/>
+              </a:ext>
+            </a:extLst>
+          </p:cNvPr>
+          <p:cNvSpPr>
+            <a:spLocks noGrp="1"/>
+          </p:cNvSpPr>
+          <p:nvPr>
+            <p:ph type="title"/>
+          </p:nvPr>
+        </p:nvSpPr>
+        <p:spPr>
+          <a:xfrm>
+            <a:off x="319499" y="936600"/>
+            <a:ext cx="3002601" cy="755700"/>
+          </a:xfrm>
+        </p:spPr>
+        <p:txBody>
+          <a:bodyPr/>
+          <a:lstStyle/>
+          <a:p>
+            <a:r>
+              <a:rPr lang="en-US" dirty="0"/>
+              <a:t>Microsoft Cognitive Services</a:t>
+            </a:r>
+          </a:p>
+        </p:txBody>
+      </p:sp>
+      <p:sp>
+        <p:nvSpPr>
+          <p:cNvPr id="5" name="Rectangle 4">
+            <a:extLst>
+              <a:ext uri="{FF2B5EF4-FFF2-40B4-BE49-F238E27FC236}">
+                <a16:creationId xmlns:a16="http://schemas.microsoft.com/office/drawing/2014/main" id="{80769920-45D1-4B9A-AF46-161797BAC152}"/>
+              </a:ext>
+            </a:extLst>
+          </p:cNvPr>
+          <p:cNvSpPr/>
+          <p:nvPr/>
+        </p:nvSpPr>
+        <p:spPr>
+          <a:xfrm>
+            <a:off x="0" y="4889584"/>
+            <a:ext cx="4572000" cy="253916"/>
+          </a:xfrm>
+          <a:prstGeom prst="rect">
+            <a:avLst/>
+          </a:prstGeom>
+        </p:spPr>
+        <p:txBody>
+          <a:bodyPr>
+            <a:spAutoFit/>
+          </a:bodyPr>
+          <a:lstStyle/>
+          <a:p>
+            <a:r>
+              <a:rPr lang="en-US" sz="1050" dirty="0">
+                <a:hlinkClick r:id="rId2"/>
+              </a:rPr>
+              <a:t>https://azure.microsoft.com/en-us/services/cognitive-services/</a:t>
+            </a:r>
+            <a:endParaRPr lang="en-US" sz="1050" dirty="0"/>
+          </a:p>
+        </p:txBody>
+      </p:sp>
+      <p:sp>
+        <p:nvSpPr>
+          <p:cNvPr id="6" name="Rectangle 5">
+            <a:extLst>
+              <a:ext uri="{FF2B5EF4-FFF2-40B4-BE49-F238E27FC236}">
+                <a16:creationId xmlns:a16="http://schemas.microsoft.com/office/drawing/2014/main" id="{E49A9E6C-C4A7-465D-9E7B-D9435617039F}"/>
+              </a:ext>
+            </a:extLst>
+          </p:cNvPr>
+          <p:cNvSpPr/>
+          <p:nvPr/>
+        </p:nvSpPr>
+        <p:spPr>
+          <a:xfrm>
+            <a:off x="319499" y="3193293"/>
+            <a:ext cx="3002601" cy="1169551"/>
+          </a:xfrm>
+          <a:prstGeom prst="rect">
+            <a:avLst/>
+          </a:prstGeom>
+        </p:spPr>
+        <p:txBody>
+          <a:bodyPr wrap="square">
+            <a:spAutoFit/>
+          </a:bodyPr>
+          <a:lstStyle/>
+          <a:p>
+            <a:r>
+              <a:rPr lang="en-US" dirty="0">
+                <a:solidFill>
+                  <a:schemeClr val="bg2"/>
+                </a:solidFill>
+                <a:latin typeface="Segoe UI" panose="020B0502040204020203" pitchFamily="34" charset="0"/>
+              </a:rPr>
+              <a:t>Infuse your apps, websites and bots with intelligent algorithms to see, hear, speak, understand and interpret your user needs through natural methods of communication.</a:t>
+            </a:r>
+            <a:endParaRPr lang="en-US" dirty="0">
+              <a:solidFill>
+                <a:schemeClr val="bg2"/>
+              </a:solidFill>
+            </a:endParaRPr>
+          </a:p>
+        </p:txBody>
+      </p:sp>
+      <p:pic>
+        <p:nvPicPr>
+          <p:cNvPr id="7" name="Picture 6">
+            <a:extLst>
+              <a:ext uri="{FF2B5EF4-FFF2-40B4-BE49-F238E27FC236}">
+                <a16:creationId xmlns:a16="http://schemas.microsoft.com/office/drawing/2014/main" id="{A6319205-1001-4CAC-AF96-C16E8301B09A}"/>
+              </a:ext>
+            </a:extLst>
+          </p:cNvPr>
+          <p:cNvPicPr>
+            <a:picLocks noChangeAspect="1"/>
+          </p:cNvPicPr>
+          <p:nvPr/>
+        </p:nvPicPr>
+        <p:blipFill>
+          <a:blip r:embed="rId3"/>
+          <a:stretch>
+            <a:fillRect/>
+          </a:stretch>
+        </p:blipFill>
+        <p:spPr>
+          <a:xfrm>
+            <a:off x="4146989" y="190742"/>
+            <a:ext cx="4076033" cy="3003116"/>
+          </a:xfrm>
+          <a:prstGeom prst="rect">
+            <a:avLst/>
+          </a:prstGeom>
+        </p:spPr>
+      </p:pic>
+      <p:pic>
+        <p:nvPicPr>
+          <p:cNvPr id="8" name="Picture 7">
+            <a:extLst>
+              <a:ext uri="{FF2B5EF4-FFF2-40B4-BE49-F238E27FC236}">
+                <a16:creationId xmlns:a16="http://schemas.microsoft.com/office/drawing/2014/main" id="{545F35BE-A1D7-4764-A06B-5A0C19C46FB6}"/>
+              </a:ext>
+            </a:extLst>
+          </p:cNvPr>
+          <p:cNvPicPr>
+            <a:picLocks noChangeAspect="1"/>
+          </p:cNvPicPr>
+          <p:nvPr/>
+        </p:nvPicPr>
+        <p:blipFill rotWithShape="1">
+          <a:blip r:embed="rId4"/>
+          <a:srcRect t="8275" b="15608"/>
+          <a:stretch/>
+        </p:blipFill>
+        <p:spPr>
+          <a:xfrm>
+            <a:off x="3990769" y="3106452"/>
+            <a:ext cx="4779944" cy="1902434"/>
+          </a:xfrm>
+          <a:prstGeom prst="rect">
+            <a:avLst/>
+          </a:prstGeom>
+        </p:spPr>
+      </p:pic>
+      <p:pic>
+        <p:nvPicPr>
+          <p:cNvPr id="3" name="Picture 2">
+            <a:extLst>
+              <a:ext uri="{FF2B5EF4-FFF2-40B4-BE49-F238E27FC236}">
+                <a16:creationId xmlns:a16="http://schemas.microsoft.com/office/drawing/2014/main" id="{EB06D8C8-333C-416D-8431-A74AE4674C16}"/>
+              </a:ext>
+            </a:extLst>
+          </p:cNvPr>
+          <p:cNvPicPr>
+            <a:picLocks noChangeAspect="1"/>
+          </p:cNvPicPr>
+          <p:nvPr/>
+        </p:nvPicPr>
+        <p:blipFill>
+          <a:blip r:embed="rId5"/>
+          <a:stretch>
+            <a:fillRect/>
+          </a:stretch>
+        </p:blipFill>
+        <p:spPr>
+          <a:xfrm>
+            <a:off x="3990769" y="1280747"/>
+            <a:ext cx="4123312" cy="781124"/>
+          </a:xfrm>
+          <a:prstGeom prst="rect">
+            <a:avLst/>
+          </a:prstGeom>
+        </p:spPr>
+      </p:pic>
+      <p:pic>
+        <p:nvPicPr>
+          <p:cNvPr id="10" name="Graphic 9">
+            <a:extLst>
+              <a:ext uri="{FF2B5EF4-FFF2-40B4-BE49-F238E27FC236}">
+                <a16:creationId xmlns:a16="http://schemas.microsoft.com/office/drawing/2014/main" id="{2DFC825C-B5D0-F448-897D-4CE4370B4A5D}"/>
+              </a:ext>
+            </a:extLst>
+          </p:cNvPr>
+          <p:cNvPicPr>
+            <a:picLocks noChangeAspect="1"/>
+          </p:cNvPicPr>
+          <p:nvPr/>
+        </p:nvPicPr>
+        <p:blipFill>
+          <a:blip r:embed="rId6">
+            <a:extLst>
+              <a:ext uri="{96DAC541-7B7A-43D3-8B79-37D633B846F1}">
+                <asvg:svgBlip xmlns:asvg="http://schemas.microsoft.com/office/drawing/2016/SVG/main" r:embed="rId7"/>
+              </a:ext>
+            </a:extLst>
+          </a:blip>
+          <a:stretch>
+            <a:fillRect/>
+          </a:stretch>
+        </p:blipFill>
+        <p:spPr>
+          <a:xfrm>
+            <a:off x="1055994" y="1663683"/>
+            <a:ext cx="1529610" cy="1529610"/>
+          </a:xfrm>
+          <a:prstGeom prst="rect">
+            <a:avLst/>
+          </a:prstGeom>
+        </p:spPr>
+      </p:pic>
+    </p:spTree>
+    <p:extLst>
+      <p:ext uri="{BB962C8B-B14F-4D97-AF65-F5344CB8AC3E}">
+        <p14:creationId xmlns:p14="http://schemas.microsoft.com/office/powerpoint/2010/main" val="529951562"/>
+      </p:ext>
+    </p:extLst>
+  </p:cSld>
+  <p:clrMapOvr>
+    <a:masterClrMapping/>
+  </p:clrMapOvr>
+</p:sld>
+</file>
+
+<file path=ppt/slides/slide6.xml><?xml version="1.0" encoding="utf-8"?>
 <p:sld xmlns:a="http://schemas.openxmlformats.org/drawingml/2006/main" xmlns:r="http://schemas.openxmlformats.org/officeDocument/2006/relationships" xmlns:p="http://schemas.openxmlformats.org/presentationml/2006/main">
   <p:cSld>
     <p:spTree>
@@ -34356,269 +32069,6 @@
 </p:sld>
 </file>
 
-<file path=ppt/slides/slide6.xml><?xml version="1.0" encoding="utf-8"?>
-<p:sld xmlns:a="http://schemas.openxmlformats.org/drawingml/2006/main" xmlns:r="http://schemas.openxmlformats.org/officeDocument/2006/relationships" xmlns:p="http://schemas.openxmlformats.org/presentationml/2006/main">
-  <p:cSld>
-    <p:spTree>
-      <p:nvGrpSpPr>
-        <p:cNvPr id="1" name=""/>
-        <p:cNvGrpSpPr/>
-        <p:nvPr/>
-      </p:nvGrpSpPr>
-      <p:grpSpPr>
-        <a:xfrm>
-          <a:off x="0" y="0"/>
-          <a:ext cx="0" cy="0"/>
-          <a:chOff x="0" y="0"/>
-          <a:chExt cx="0" cy="0"/>
-        </a:xfrm>
-      </p:grpSpPr>
-      <p:sp>
-        <p:nvSpPr>
-          <p:cNvPr id="2" name="Title 1">
-            <a:extLst>
-              <a:ext uri="{FF2B5EF4-FFF2-40B4-BE49-F238E27FC236}">
-                <a16:creationId xmlns:a16="http://schemas.microsoft.com/office/drawing/2014/main" id="{E52D1483-9F9C-41A8-97CD-D62E444B2816}"/>
-              </a:ext>
-            </a:extLst>
-          </p:cNvPr>
-          <p:cNvSpPr>
-            <a:spLocks noGrp="1"/>
-          </p:cNvSpPr>
-          <p:nvPr>
-            <p:ph type="title"/>
-          </p:nvPr>
-        </p:nvSpPr>
-        <p:spPr>
-          <a:xfrm>
-            <a:off x="319499" y="936600"/>
-            <a:ext cx="3002601" cy="755700"/>
-          </a:xfrm>
-        </p:spPr>
-        <p:txBody>
-          <a:bodyPr/>
-          <a:lstStyle/>
-          <a:p>
-            <a:r>
-              <a:rPr lang="en-US" dirty="0"/>
-              <a:t>Microsoft Cognitive Services</a:t>
-            </a:r>
-          </a:p>
-        </p:txBody>
-      </p:sp>
-      <p:pic>
-        <p:nvPicPr>
-          <p:cNvPr id="4" name="Picture 3">
-            <a:extLst>
-              <a:ext uri="{FF2B5EF4-FFF2-40B4-BE49-F238E27FC236}">
-                <a16:creationId xmlns:a16="http://schemas.microsoft.com/office/drawing/2014/main" id="{67D44F40-88C3-4EF2-A93B-93EF91C86EF3}"/>
-              </a:ext>
-            </a:extLst>
-          </p:cNvPr>
-          <p:cNvPicPr>
-            <a:picLocks noChangeAspect="1"/>
-          </p:cNvPicPr>
-          <p:nvPr/>
-        </p:nvPicPr>
-        <p:blipFill>
-          <a:blip r:embed="rId2"/>
-          <a:stretch>
-            <a:fillRect/>
-          </a:stretch>
-        </p:blipFill>
-        <p:spPr>
-          <a:xfrm>
-            <a:off x="696041" y="1491580"/>
-            <a:ext cx="1902434" cy="1902434"/>
-          </a:xfrm>
-          <a:prstGeom prst="rect">
-            <a:avLst/>
-          </a:prstGeom>
-        </p:spPr>
-      </p:pic>
-      <p:sp>
-        <p:nvSpPr>
-          <p:cNvPr id="5" name="Rectangle 4">
-            <a:extLst>
-              <a:ext uri="{FF2B5EF4-FFF2-40B4-BE49-F238E27FC236}">
-                <a16:creationId xmlns:a16="http://schemas.microsoft.com/office/drawing/2014/main" id="{80769920-45D1-4B9A-AF46-161797BAC152}"/>
-              </a:ext>
-            </a:extLst>
-          </p:cNvPr>
-          <p:cNvSpPr/>
-          <p:nvPr/>
-        </p:nvSpPr>
-        <p:spPr>
-          <a:xfrm>
-            <a:off x="0" y="4889584"/>
-            <a:ext cx="4572000" cy="253916"/>
-          </a:xfrm>
-          <a:prstGeom prst="rect">
-            <a:avLst/>
-          </a:prstGeom>
-        </p:spPr>
-        <p:txBody>
-          <a:bodyPr>
-            <a:spAutoFit/>
-          </a:bodyPr>
-          <a:lstStyle/>
-          <a:p>
-            <a:r>
-              <a:rPr lang="en-US" sz="1050" dirty="0">
-                <a:hlinkClick r:id="rId3"/>
-              </a:rPr>
-              <a:t>https://azure.microsoft.com/en-us/services/cognitive-services/</a:t>
-            </a:r>
-            <a:endParaRPr lang="en-US" sz="1050" dirty="0"/>
-          </a:p>
-        </p:txBody>
-      </p:sp>
-      <p:sp>
-        <p:nvSpPr>
-          <p:cNvPr id="6" name="Rectangle 5">
-            <a:extLst>
-              <a:ext uri="{FF2B5EF4-FFF2-40B4-BE49-F238E27FC236}">
-                <a16:creationId xmlns:a16="http://schemas.microsoft.com/office/drawing/2014/main" id="{E49A9E6C-C4A7-465D-9E7B-D9435617039F}"/>
-              </a:ext>
-            </a:extLst>
-          </p:cNvPr>
-          <p:cNvSpPr/>
-          <p:nvPr/>
-        </p:nvSpPr>
-        <p:spPr>
-          <a:xfrm>
-            <a:off x="319499" y="3193293"/>
-            <a:ext cx="3002601" cy="1169551"/>
-          </a:xfrm>
-          <a:prstGeom prst="rect">
-            <a:avLst/>
-          </a:prstGeom>
-        </p:spPr>
-        <p:txBody>
-          <a:bodyPr wrap="square">
-            <a:spAutoFit/>
-          </a:bodyPr>
-          <a:lstStyle/>
-          <a:p>
-            <a:r>
-              <a:rPr lang="en-US" dirty="0">
-                <a:solidFill>
-                  <a:schemeClr val="bg2"/>
-                </a:solidFill>
-                <a:latin typeface="Segoe UI" panose="020B0502040204020203" pitchFamily="34" charset="0"/>
-              </a:rPr>
-              <a:t>Infuse your apps, websites and bots with intelligent algorithms to see, hear, speak, understand and interpret your user needs through natural methods of communication.</a:t>
-            </a:r>
-            <a:endParaRPr lang="en-US" dirty="0">
-              <a:solidFill>
-                <a:schemeClr val="bg2"/>
-              </a:solidFill>
-            </a:endParaRPr>
-          </a:p>
-        </p:txBody>
-      </p:sp>
-      <p:pic>
-        <p:nvPicPr>
-          <p:cNvPr id="7" name="Picture 6">
-            <a:extLst>
-              <a:ext uri="{FF2B5EF4-FFF2-40B4-BE49-F238E27FC236}">
-                <a16:creationId xmlns:a16="http://schemas.microsoft.com/office/drawing/2014/main" id="{A6319205-1001-4CAC-AF96-C16E8301B09A}"/>
-              </a:ext>
-            </a:extLst>
-          </p:cNvPr>
-          <p:cNvPicPr>
-            <a:picLocks noChangeAspect="1"/>
-          </p:cNvPicPr>
-          <p:nvPr/>
-        </p:nvPicPr>
-        <p:blipFill>
-          <a:blip r:embed="rId4"/>
-          <a:stretch>
-            <a:fillRect/>
-          </a:stretch>
-        </p:blipFill>
-        <p:spPr>
-          <a:xfrm>
-            <a:off x="4146989" y="190742"/>
-            <a:ext cx="4076033" cy="3003116"/>
-          </a:xfrm>
-          <a:prstGeom prst="rect">
-            <a:avLst/>
-          </a:prstGeom>
-        </p:spPr>
-      </p:pic>
-      <p:pic>
-        <p:nvPicPr>
-          <p:cNvPr id="8" name="Picture 7">
-            <a:extLst>
-              <a:ext uri="{FF2B5EF4-FFF2-40B4-BE49-F238E27FC236}">
-                <a16:creationId xmlns:a16="http://schemas.microsoft.com/office/drawing/2014/main" id="{545F35BE-A1D7-4764-A06B-5A0C19C46FB6}"/>
-              </a:ext>
-            </a:extLst>
-          </p:cNvPr>
-          <p:cNvPicPr>
-            <a:picLocks noChangeAspect="1"/>
-          </p:cNvPicPr>
-          <p:nvPr/>
-        </p:nvPicPr>
-        <p:blipFill rotWithShape="1">
-          <a:blip r:embed="rId5"/>
-          <a:srcRect t="8275" b="15608"/>
-          <a:stretch/>
-        </p:blipFill>
-        <p:spPr>
-          <a:xfrm>
-            <a:off x="3990769" y="3106452"/>
-            <a:ext cx="4779944" cy="1902434"/>
-          </a:xfrm>
-          <a:prstGeom prst="rect">
-            <a:avLst/>
-          </a:prstGeom>
-        </p:spPr>
-      </p:pic>
-      <p:pic>
-        <p:nvPicPr>
-          <p:cNvPr id="3" name="Picture 2">
-            <a:extLst>
-              <a:ext uri="{FF2B5EF4-FFF2-40B4-BE49-F238E27FC236}">
-                <a16:creationId xmlns:a16="http://schemas.microsoft.com/office/drawing/2014/main" id="{EB06D8C8-333C-416D-8431-A74AE4674C16}"/>
-              </a:ext>
-            </a:extLst>
-          </p:cNvPr>
-          <p:cNvPicPr>
-            <a:picLocks noChangeAspect="1"/>
-          </p:cNvPicPr>
-          <p:nvPr/>
-        </p:nvPicPr>
-        <p:blipFill>
-          <a:blip r:embed="rId6"/>
-          <a:stretch>
-            <a:fillRect/>
-          </a:stretch>
-        </p:blipFill>
-        <p:spPr>
-          <a:xfrm>
-            <a:off x="3990769" y="1280747"/>
-            <a:ext cx="4123312" cy="781124"/>
-          </a:xfrm>
-          <a:prstGeom prst="rect">
-            <a:avLst/>
-          </a:prstGeom>
-        </p:spPr>
-      </p:pic>
-    </p:spTree>
-    <p:extLst>
-      <p:ext uri="{BB962C8B-B14F-4D97-AF65-F5344CB8AC3E}">
-        <p14:creationId xmlns:p14="http://schemas.microsoft.com/office/powerpoint/2010/main" val="529951562"/>
-      </p:ext>
-    </p:extLst>
-  </p:cSld>
-  <p:clrMapOvr>
-    <a:masterClrMapping/>
-  </p:clrMapOvr>
-</p:sld>
-</file>
-
 <file path=ppt/slides/slide7.xml><?xml version="1.0" encoding="utf-8"?>
 <p:sld xmlns:a="http://schemas.openxmlformats.org/drawingml/2006/main" xmlns:r="http://schemas.openxmlformats.org/officeDocument/2006/relationships" xmlns:p="http://schemas.openxmlformats.org/presentationml/2006/main">
   <p:cSld>
@@ -34641,7 +32091,7 @@
           <p:cNvPr id="5" name="Picture 4">
             <a:extLst>
               <a:ext uri="{FF2B5EF4-FFF2-40B4-BE49-F238E27FC236}">
-                <a16:creationId xmlns:a16="http://schemas.microsoft.com/office/drawing/2014/main" id="{5AD9AB44-E06F-4F8B-9C5B-38CE13347196}"/>
+                <a16:creationId xmlns:a16="http://schemas.microsoft.com/office/drawing/2014/main" id="{47F2A32C-C11E-4EA0-A556-F8DE01BBC378}"/>
               </a:ext>
             </a:extLst>
           </p:cNvPr>
@@ -34658,8 +32108,8 @@
         </p:blipFill>
         <p:spPr>
           <a:xfrm>
-            <a:off x="3042527" y="234708"/>
-            <a:ext cx="5900822" cy="4550031"/>
+            <a:off x="1609882" y="0"/>
+            <a:ext cx="7384646" cy="5143500"/>
           </a:xfrm>
           <a:prstGeom prst="rect">
             <a:avLst/>
@@ -34671,7 +32121,7 @@
           <p:cNvPr id="6" name="Rectangle 5">
             <a:extLst>
               <a:ext uri="{FF2B5EF4-FFF2-40B4-BE49-F238E27FC236}">
-                <a16:creationId xmlns:a16="http://schemas.microsoft.com/office/drawing/2014/main" id="{6FC93F0A-1231-4F1D-8AFE-BE3964B909ED}"/>
+                <a16:creationId xmlns:a16="http://schemas.microsoft.com/office/drawing/2014/main" id="{9969BAF7-FB7F-420E-ABAC-A4669F8AA7E5}"/>
               </a:ext>
             </a:extLst>
           </p:cNvPr>
@@ -34680,8 +32130,8 @@
         </p:nvSpPr>
         <p:spPr>
           <a:xfrm>
-            <a:off x="0" y="4392028"/>
-            <a:ext cx="2078780" cy="738664"/>
+            <a:off x="59206" y="4345631"/>
+            <a:ext cx="2141275" cy="738664"/>
           </a:xfrm>
           <a:prstGeom prst="rect">
             <a:avLst/>
@@ -34697,7 +32147,7 @@
               <a:rPr lang="en-US" sz="1050" dirty="0">
                 <a:hlinkClick r:id="rId3"/>
               </a:rPr>
-              <a:t>https://azure.microsoft.com/en-us/solutions/architecture/image-classification-with-convolutional-neural-networks/</a:t>
+              <a:t>https://azure.microsoft.com/en-us/solutions/architecture/information-discovery-with-deep-learning-and-nlp/</a:t>
             </a:r>
             <a:endParaRPr lang="en-US" sz="1050" dirty="0"/>
           </a:p>
@@ -34706,7 +32156,7 @@
     </p:spTree>
     <p:extLst>
       <p:ext uri="{BB962C8B-B14F-4D97-AF65-F5344CB8AC3E}">
-        <p14:creationId xmlns:p14="http://schemas.microsoft.com/office/powerpoint/2010/main" val="2000972908"/>
+        <p14:creationId xmlns:p14="http://schemas.microsoft.com/office/powerpoint/2010/main" val="3036685691"/>
       </p:ext>
     </p:extLst>
   </p:cSld>
@@ -34832,32 +32282,49 @@
       </p:grpSpPr>
       <p:pic>
         <p:nvPicPr>
-          <p:cNvPr id="5" name="Picture 4">
+          <p:cNvPr id="4098" name="Picture 2">
             <a:extLst>
               <a:ext uri="{FF2B5EF4-FFF2-40B4-BE49-F238E27FC236}">
-                <a16:creationId xmlns:a16="http://schemas.microsoft.com/office/drawing/2014/main" id="{47F2A32C-C11E-4EA0-A556-F8DE01BBC378}"/>
+                <a16:creationId xmlns:a16="http://schemas.microsoft.com/office/drawing/2014/main" id="{D2B72C52-CAE9-BD4B-9B2D-48C2C7EBBD34}"/>
               </a:ext>
             </a:extLst>
           </p:cNvPr>
           <p:cNvPicPr>
-            <a:picLocks noChangeAspect="1"/>
+            <a:picLocks noChangeAspect="1" noChangeArrowheads="1"/>
           </p:cNvPicPr>
           <p:nvPr/>
         </p:nvPicPr>
         <p:blipFill>
-          <a:blip r:embed="rId2"/>
+          <a:blip r:embed="rId2">
+            <a:extLst>
+              <a:ext uri="{28A0092B-C50C-407E-A947-70E740481C1C}">
+                <a14:useLocalDpi xmlns:a14="http://schemas.microsoft.com/office/drawing/2010/main" val="0"/>
+              </a:ext>
+            </a:extLst>
+          </a:blip>
+          <a:srcRect/>
           <a:stretch>
             <a:fillRect/>
           </a:stretch>
         </p:blipFill>
-        <p:spPr>
+        <p:spPr bwMode="auto">
           <a:xfrm>
-            <a:off x="1609882" y="0"/>
-            <a:ext cx="7384646" cy="5143500"/>
+            <a:off x="1428750" y="-12808"/>
+            <a:ext cx="7715250" cy="5143500"/>
           </a:xfrm>
           <a:prstGeom prst="rect">
             <a:avLst/>
           </a:prstGeom>
+          <a:noFill/>
+          <a:extLst>
+            <a:ext uri="{909E8E84-426E-40DD-AFC4-6F175D3DCCD1}">
+              <a14:hiddenFill xmlns:a14="http://schemas.microsoft.com/office/drawing/2010/main">
+                <a:solidFill>
+                  <a:srgbClr val="FFFFFF"/>
+                </a:solidFill>
+              </a14:hiddenFill>
+            </a:ext>
+          </a:extLst>
         </p:spPr>
       </p:pic>
       <p:sp>
@@ -34865,7 +32332,7 @@
           <p:cNvPr id="6" name="Rectangle 5">
             <a:extLst>
               <a:ext uri="{FF2B5EF4-FFF2-40B4-BE49-F238E27FC236}">
-                <a16:creationId xmlns:a16="http://schemas.microsoft.com/office/drawing/2014/main" id="{9969BAF7-FB7F-420E-ABAC-A4669F8AA7E5}"/>
+                <a16:creationId xmlns:a16="http://schemas.microsoft.com/office/drawing/2014/main" id="{6FC93F0A-1231-4F1D-8AFE-BE3964B909ED}"/>
               </a:ext>
             </a:extLst>
           </p:cNvPr>
@@ -34874,8 +32341,8 @@
         </p:nvSpPr>
         <p:spPr>
           <a:xfrm>
-            <a:off x="59206" y="4345631"/>
-            <a:ext cx="2141275" cy="738664"/>
+            <a:off x="0" y="4392028"/>
+            <a:ext cx="2078780" cy="900246"/>
           </a:xfrm>
           <a:prstGeom prst="rect">
             <a:avLst/>
@@ -34891,8 +32358,11 @@
               <a:rPr lang="en-US" sz="1050" dirty="0">
                 <a:hlinkClick r:id="rId3"/>
               </a:rPr>
-              <a:t>https://azure.microsoft.com/en-us/solutions/architecture/information-discovery-with-deep-learning-and-nlp/</a:t>
-            </a:r>
+              <a:t>https://docs.microsoft.com/en-us/azure/architecture/example-scenario/ai/predict-hospital-readmissions-machine-learning</a:t>
+            </a:r>
+            <a:endParaRPr lang="en-US" sz="1050" dirty="0"/>
+          </a:p>
+          <a:p>
             <a:endParaRPr lang="en-US" sz="1050" dirty="0"/>
           </a:p>
         </p:txBody>
@@ -34900,7 +32370,7 @@
     </p:spTree>
     <p:extLst>
       <p:ext uri="{BB962C8B-B14F-4D97-AF65-F5344CB8AC3E}">
-        <p14:creationId xmlns:p14="http://schemas.microsoft.com/office/powerpoint/2010/main" val="3036685691"/>
+        <p14:creationId xmlns:p14="http://schemas.microsoft.com/office/powerpoint/2010/main" val="2000972908"/>
       </p:ext>
     </p:extLst>
   </p:cSld>

--- a/3 - Machine Learning/MachineLearning.pptx
+++ b/3 - Machine Learning/MachineLearning.pptx
@@ -5,7 +5,7 @@
     <p:sldMasterId id="2147483659" r:id="rId1"/>
   </p:sldMasterIdLst>
   <p:notesMasterIdLst>
-    <p:notesMasterId r:id="rId36"/>
+    <p:notesMasterId r:id="rId37"/>
   </p:notesMasterIdLst>
   <p:sldIdLst>
     <p:sldId id="256" r:id="rId2"/>
@@ -14,76 +14,77 @@
     <p:sldId id="278" r:id="rId5"/>
     <p:sldId id="285" r:id="rId6"/>
     <p:sldId id="284" r:id="rId7"/>
-    <p:sldId id="283" r:id="rId8"/>
-    <p:sldId id="282" r:id="rId9"/>
-    <p:sldId id="279" r:id="rId10"/>
-    <p:sldId id="280" r:id="rId11"/>
-    <p:sldId id="462" r:id="rId12"/>
-    <p:sldId id="463" r:id="rId13"/>
-    <p:sldId id="281" r:id="rId14"/>
-    <p:sldId id="286" r:id="rId15"/>
-    <p:sldId id="289" r:id="rId16"/>
-    <p:sldId id="287" r:id="rId17"/>
-    <p:sldId id="446" r:id="rId18"/>
-    <p:sldId id="447" r:id="rId19"/>
-    <p:sldId id="448" r:id="rId20"/>
-    <p:sldId id="453" r:id="rId21"/>
-    <p:sldId id="455" r:id="rId22"/>
-    <p:sldId id="454" r:id="rId23"/>
-    <p:sldId id="288" r:id="rId24"/>
-    <p:sldId id="290" r:id="rId25"/>
-    <p:sldId id="456" r:id="rId26"/>
-    <p:sldId id="457" r:id="rId27"/>
-    <p:sldId id="460" r:id="rId28"/>
-    <p:sldId id="458" r:id="rId29"/>
-    <p:sldId id="461" r:id="rId30"/>
-    <p:sldId id="459" r:id="rId31"/>
-    <p:sldId id="467" r:id="rId32"/>
-    <p:sldId id="464" r:id="rId33"/>
-    <p:sldId id="466" r:id="rId34"/>
-    <p:sldId id="465" r:id="rId35"/>
+    <p:sldId id="469" r:id="rId8"/>
+    <p:sldId id="283" r:id="rId9"/>
+    <p:sldId id="282" r:id="rId10"/>
+    <p:sldId id="279" r:id="rId11"/>
+    <p:sldId id="280" r:id="rId12"/>
+    <p:sldId id="462" r:id="rId13"/>
+    <p:sldId id="463" r:id="rId14"/>
+    <p:sldId id="281" r:id="rId15"/>
+    <p:sldId id="286" r:id="rId16"/>
+    <p:sldId id="289" r:id="rId17"/>
+    <p:sldId id="287" r:id="rId18"/>
+    <p:sldId id="446" r:id="rId19"/>
+    <p:sldId id="447" r:id="rId20"/>
+    <p:sldId id="448" r:id="rId21"/>
+    <p:sldId id="453" r:id="rId22"/>
+    <p:sldId id="455" r:id="rId23"/>
+    <p:sldId id="454" r:id="rId24"/>
+    <p:sldId id="288" r:id="rId25"/>
+    <p:sldId id="290" r:id="rId26"/>
+    <p:sldId id="456" r:id="rId27"/>
+    <p:sldId id="457" r:id="rId28"/>
+    <p:sldId id="460" r:id="rId29"/>
+    <p:sldId id="458" r:id="rId30"/>
+    <p:sldId id="461" r:id="rId31"/>
+    <p:sldId id="459" r:id="rId32"/>
+    <p:sldId id="467" r:id="rId33"/>
+    <p:sldId id="464" r:id="rId34"/>
+    <p:sldId id="466" r:id="rId35"/>
+    <p:sldId id="465" r:id="rId36"/>
   </p:sldIdLst>
   <p:sldSz cx="9144000" cy="5143500" type="screen16x9"/>
   <p:notesSz cx="6858000" cy="9144000"/>
   <p:embeddedFontLst>
     <p:embeddedFont>
       <p:font typeface="Cambria" panose="02040503050406030204" pitchFamily="18" charset="0"/>
-      <p:regular r:id="rId37"/>
-      <p:bold r:id="rId38"/>
-      <p:italic r:id="rId39"/>
-      <p:boldItalic r:id="rId40"/>
+      <p:regular r:id="rId38"/>
+      <p:bold r:id="rId39"/>
+      <p:italic r:id="rId40"/>
+      <p:boldItalic r:id="rId41"/>
     </p:embeddedFont>
     <p:embeddedFont>
       <p:font typeface="Cambria Math" panose="02040503050406030204" pitchFamily="18" charset="0"/>
-      <p:regular r:id="rId41"/>
+      <p:regular r:id="rId42"/>
     </p:embeddedFont>
     <p:embeddedFont>
       <p:font typeface="Consolas" panose="020B0609020204030204" pitchFamily="49" charset="0"/>
-      <p:regular r:id="rId42"/>
-      <p:bold r:id="rId43"/>
-      <p:italic r:id="rId44"/>
-      <p:boldItalic r:id="rId45"/>
+      <p:regular r:id="rId43"/>
+      <p:bold r:id="rId44"/>
+      <p:italic r:id="rId45"/>
+      <p:boldItalic r:id="rId46"/>
     </p:embeddedFont>
     <p:embeddedFont>
       <p:font typeface="Lato" panose="020F0502020204030203" pitchFamily="34" charset="0"/>
-      <p:regular r:id="rId46"/>
-      <p:bold r:id="rId47"/>
-      <p:italic r:id="rId48"/>
-      <p:boldItalic r:id="rId49"/>
+      <p:regular r:id="rId47"/>
+      <p:bold r:id="rId48"/>
+      <p:italic r:id="rId49"/>
+      <p:boldItalic r:id="rId50"/>
     </p:embeddedFont>
     <p:embeddedFont>
-      <p:font typeface="Raleway" panose="020B0503030101060003" pitchFamily="34" charset="77"/>
-      <p:regular r:id="rId50"/>
-      <p:bold r:id="rId51"/>
-      <p:italic r:id="rId52"/>
-      <p:boldItalic r:id="rId53"/>
+      <p:font typeface="Raleway" panose="020B0503030101060003" pitchFamily="34" charset="0"/>
+      <p:regular r:id="rId51"/>
+      <p:bold r:id="rId52"/>
+      <p:italic r:id="rId53"/>
+      <p:boldItalic r:id="rId54"/>
     </p:embeddedFont>
     <p:embeddedFont>
       <p:font typeface="Segoe UI" panose="020B0502040204020203" pitchFamily="34" charset="0"/>
-      <p:regular r:id="rId54"/>
-      <p:bold r:id="rId55"/>
-      <p:italic r:id="rId56"/>
-      <p:boldItalic r:id="rId57"/>
+      <p:regular r:id="rId55"/>
+      <p:bold r:id="rId56"/>
+      <p:italic r:id="rId57"/>
+      <p:boldItalic r:id="rId58"/>
     </p:embeddedFont>
   </p:embeddedFontLst>
   <p:defaultTextStyle>
@@ -324,6 +325,788 @@
 </file>
 
 <file path=ppt/diagrams/colors1.xml><?xml version="1.0" encoding="utf-8"?>
+<dgm:colorsDef xmlns:dgm="http://schemas.openxmlformats.org/drawingml/2006/diagram" xmlns:a="http://schemas.openxmlformats.org/drawingml/2006/main" uniqueId="urn:microsoft.com/office/officeart/2005/8/colors/colorful3">
+  <dgm:title val=""/>
+  <dgm:desc val=""/>
+  <dgm:catLst>
+    <dgm:cat type="colorful" pri="10300"/>
+  </dgm:catLst>
+  <dgm:styleLbl name="node0">
+    <dgm:fillClrLst meth="repeat">
+      <a:schemeClr val="accent2"/>
+    </dgm:fillClrLst>
+    <dgm:linClrLst meth="repeat">
+      <a:schemeClr val="lt1"/>
+    </dgm:linClrLst>
+    <dgm:effectClrLst/>
+    <dgm:txLinClrLst/>
+    <dgm:txFillClrLst/>
+    <dgm:txEffectClrLst/>
+  </dgm:styleLbl>
+  <dgm:styleLbl name="node1">
+    <dgm:fillClrLst>
+      <a:schemeClr val="accent3"/>
+      <a:schemeClr val="accent4"/>
+    </dgm:fillClrLst>
+    <dgm:linClrLst meth="repeat">
+      <a:schemeClr val="lt1"/>
+    </dgm:linClrLst>
+    <dgm:effectClrLst/>
+    <dgm:txLinClrLst/>
+    <dgm:txFillClrLst/>
+    <dgm:txEffectClrLst/>
+  </dgm:styleLbl>
+  <dgm:styleLbl name="alignNode1">
+    <dgm:fillClrLst>
+      <a:schemeClr val="accent3"/>
+      <a:schemeClr val="accent4"/>
+    </dgm:fillClrLst>
+    <dgm:linClrLst>
+      <a:schemeClr val="accent3"/>
+      <a:schemeClr val="accent4"/>
+    </dgm:linClrLst>
+    <dgm:effectClrLst/>
+    <dgm:txLinClrLst/>
+    <dgm:txFillClrLst/>
+    <dgm:txEffectClrLst/>
+  </dgm:styleLbl>
+  <dgm:styleLbl name="lnNode1">
+    <dgm:fillClrLst>
+      <a:schemeClr val="accent3"/>
+      <a:schemeClr val="accent4"/>
+    </dgm:fillClrLst>
+    <dgm:linClrLst meth="repeat">
+      <a:schemeClr val="lt1"/>
+    </dgm:linClrLst>
+    <dgm:effectClrLst/>
+    <dgm:txLinClrLst/>
+    <dgm:txFillClrLst/>
+    <dgm:txEffectClrLst/>
+  </dgm:styleLbl>
+  <dgm:styleLbl name="vennNode1">
+    <dgm:fillClrLst>
+      <a:schemeClr val="accent3">
+        <a:alpha val="50000"/>
+      </a:schemeClr>
+      <a:schemeClr val="accent4">
+        <a:alpha val="50000"/>
+      </a:schemeClr>
+    </dgm:fillClrLst>
+    <dgm:linClrLst meth="repeat">
+      <a:schemeClr val="lt1"/>
+    </dgm:linClrLst>
+    <dgm:effectClrLst/>
+    <dgm:txLinClrLst/>
+    <dgm:txFillClrLst/>
+    <dgm:txEffectClrLst/>
+  </dgm:styleLbl>
+  <dgm:styleLbl name="node2">
+    <dgm:fillClrLst>
+      <a:schemeClr val="accent4"/>
+    </dgm:fillClrLst>
+    <dgm:linClrLst meth="repeat">
+      <a:schemeClr val="lt1"/>
+    </dgm:linClrLst>
+    <dgm:effectClrLst/>
+    <dgm:txLinClrLst/>
+    <dgm:txFillClrLst/>
+    <dgm:txEffectClrLst/>
+  </dgm:styleLbl>
+  <dgm:styleLbl name="node3">
+    <dgm:fillClrLst>
+      <a:schemeClr val="accent5"/>
+    </dgm:fillClrLst>
+    <dgm:linClrLst meth="repeat">
+      <a:schemeClr val="lt1"/>
+    </dgm:linClrLst>
+    <dgm:effectClrLst/>
+    <dgm:txLinClrLst/>
+    <dgm:txFillClrLst/>
+    <dgm:txEffectClrLst/>
+  </dgm:styleLbl>
+  <dgm:styleLbl name="node4">
+    <dgm:fillClrLst>
+      <a:schemeClr val="accent6"/>
+    </dgm:fillClrLst>
+    <dgm:linClrLst meth="repeat">
+      <a:schemeClr val="lt1"/>
+    </dgm:linClrLst>
+    <dgm:effectClrLst/>
+    <dgm:txLinClrLst/>
+    <dgm:txFillClrLst/>
+    <dgm:txEffectClrLst/>
+  </dgm:styleLbl>
+  <dgm:styleLbl name="fgImgPlace1">
+    <dgm:fillClrLst>
+      <a:schemeClr val="accent3">
+        <a:tint val="50000"/>
+      </a:schemeClr>
+      <a:schemeClr val="accent4">
+        <a:tint val="50000"/>
+      </a:schemeClr>
+    </dgm:fillClrLst>
+    <dgm:linClrLst meth="repeat">
+      <a:schemeClr val="lt1"/>
+    </dgm:linClrLst>
+    <dgm:effectClrLst/>
+    <dgm:txLinClrLst/>
+    <dgm:txFillClrLst meth="repeat">
+      <a:schemeClr val="lt1"/>
+    </dgm:txFillClrLst>
+    <dgm:txEffectClrLst/>
+  </dgm:styleLbl>
+  <dgm:styleLbl name="alignImgPlace1">
+    <dgm:fillClrLst>
+      <a:schemeClr val="accent3">
+        <a:tint val="50000"/>
+      </a:schemeClr>
+      <a:schemeClr val="accent4">
+        <a:tint val="20000"/>
+      </a:schemeClr>
+    </dgm:fillClrLst>
+    <dgm:linClrLst meth="repeat">
+      <a:schemeClr val="lt1"/>
+    </dgm:linClrLst>
+    <dgm:effectClrLst/>
+    <dgm:txLinClrLst/>
+    <dgm:txFillClrLst meth="repeat">
+      <a:schemeClr val="lt1"/>
+    </dgm:txFillClrLst>
+    <dgm:txEffectClrLst/>
+  </dgm:styleLbl>
+  <dgm:styleLbl name="bgImgPlace1">
+    <dgm:fillClrLst>
+      <a:schemeClr val="accent3">
+        <a:tint val="50000"/>
+      </a:schemeClr>
+      <a:schemeClr val="accent4">
+        <a:tint val="20000"/>
+      </a:schemeClr>
+    </dgm:fillClrLst>
+    <dgm:linClrLst meth="repeat">
+      <a:schemeClr val="lt1"/>
+    </dgm:linClrLst>
+    <dgm:effectClrLst/>
+    <dgm:txLinClrLst/>
+    <dgm:txFillClrLst meth="repeat">
+      <a:schemeClr val="lt1"/>
+    </dgm:txFillClrLst>
+    <dgm:txEffectClrLst/>
+  </dgm:styleLbl>
+  <dgm:styleLbl name="sibTrans2D1">
+    <dgm:fillClrLst>
+      <a:schemeClr val="accent3"/>
+      <a:schemeClr val="accent4"/>
+    </dgm:fillClrLst>
+    <dgm:linClrLst meth="repeat">
+      <a:schemeClr val="lt1"/>
+    </dgm:linClrLst>
+    <dgm:effectClrLst/>
+    <dgm:txLinClrLst/>
+    <dgm:txFillClrLst/>
+    <dgm:txEffectClrLst/>
+  </dgm:styleLbl>
+  <dgm:styleLbl name="fgSibTrans2D1">
+    <dgm:fillClrLst>
+      <a:schemeClr val="accent3"/>
+      <a:schemeClr val="accent4"/>
+    </dgm:fillClrLst>
+    <dgm:linClrLst meth="repeat">
+      <a:schemeClr val="lt1"/>
+    </dgm:linClrLst>
+    <dgm:effectClrLst/>
+    <dgm:txLinClrLst/>
+    <dgm:txFillClrLst meth="repeat">
+      <a:schemeClr val="lt1"/>
+    </dgm:txFillClrLst>
+    <dgm:txEffectClrLst/>
+  </dgm:styleLbl>
+  <dgm:styleLbl name="bgSibTrans2D1">
+    <dgm:fillClrLst>
+      <a:schemeClr val="accent3"/>
+      <a:schemeClr val="accent4"/>
+    </dgm:fillClrLst>
+    <dgm:linClrLst meth="repeat">
+      <a:schemeClr val="lt1"/>
+    </dgm:linClrLst>
+    <dgm:effectClrLst/>
+    <dgm:txLinClrLst/>
+    <dgm:txFillClrLst meth="repeat">
+      <a:schemeClr val="lt1"/>
+    </dgm:txFillClrLst>
+    <dgm:txEffectClrLst/>
+  </dgm:styleLbl>
+  <dgm:styleLbl name="sibTrans1D1">
+    <dgm:fillClrLst/>
+    <dgm:linClrLst>
+      <a:schemeClr val="accent3"/>
+      <a:schemeClr val="accent4"/>
+    </dgm:linClrLst>
+    <dgm:effectClrLst/>
+    <dgm:txLinClrLst/>
+    <dgm:txFillClrLst meth="repeat">
+      <a:schemeClr val="tx1"/>
+    </dgm:txFillClrLst>
+    <dgm:txEffectClrLst/>
+  </dgm:styleLbl>
+  <dgm:styleLbl name="callout">
+    <dgm:fillClrLst meth="repeat">
+      <a:schemeClr val="accent3"/>
+    </dgm:fillClrLst>
+    <dgm:linClrLst meth="repeat">
+      <a:schemeClr val="accent3">
+        <a:tint val="50000"/>
+      </a:schemeClr>
+    </dgm:linClrLst>
+    <dgm:effectClrLst/>
+    <dgm:txLinClrLst/>
+    <dgm:txFillClrLst meth="repeat">
+      <a:schemeClr val="tx1"/>
+    </dgm:txFillClrLst>
+    <dgm:txEffectClrLst/>
+  </dgm:styleLbl>
+  <dgm:styleLbl name="asst0">
+    <dgm:fillClrLst meth="repeat">
+      <a:schemeClr val="accent3"/>
+    </dgm:fillClrLst>
+    <dgm:linClrLst meth="repeat">
+      <a:schemeClr val="lt1">
+        <a:shade val="80000"/>
+      </a:schemeClr>
+    </dgm:linClrLst>
+    <dgm:effectClrLst/>
+    <dgm:txLinClrLst/>
+    <dgm:txFillClrLst/>
+    <dgm:txEffectClrLst/>
+  </dgm:styleLbl>
+  <dgm:styleLbl name="asst1">
+    <dgm:fillClrLst meth="repeat">
+      <a:schemeClr val="accent4"/>
+    </dgm:fillClrLst>
+    <dgm:linClrLst meth="repeat">
+      <a:schemeClr val="lt1">
+        <a:shade val="80000"/>
+      </a:schemeClr>
+    </dgm:linClrLst>
+    <dgm:effectClrLst/>
+    <dgm:txLinClrLst/>
+    <dgm:txFillClrLst/>
+    <dgm:txEffectClrLst/>
+  </dgm:styleLbl>
+  <dgm:styleLbl name="asst2">
+    <dgm:fillClrLst>
+      <a:schemeClr val="accent5"/>
+    </dgm:fillClrLst>
+    <dgm:linClrLst meth="repeat">
+      <a:schemeClr val="lt1"/>
+    </dgm:linClrLst>
+    <dgm:effectClrLst/>
+    <dgm:txLinClrLst/>
+    <dgm:txFillClrLst/>
+    <dgm:txEffectClrLst/>
+  </dgm:styleLbl>
+  <dgm:styleLbl name="asst3">
+    <dgm:fillClrLst>
+      <a:schemeClr val="accent6"/>
+    </dgm:fillClrLst>
+    <dgm:linClrLst meth="repeat">
+      <a:schemeClr val="lt1"/>
+    </dgm:linClrLst>
+    <dgm:effectClrLst/>
+    <dgm:txLinClrLst/>
+    <dgm:txFillClrLst/>
+    <dgm:txEffectClrLst/>
+  </dgm:styleLbl>
+  <dgm:styleLbl name="asst4">
+    <dgm:fillClrLst>
+      <a:schemeClr val="accent1"/>
+    </dgm:fillClrLst>
+    <dgm:linClrLst meth="repeat">
+      <a:schemeClr val="lt1"/>
+    </dgm:linClrLst>
+    <dgm:effectClrLst/>
+    <dgm:txLinClrLst/>
+    <dgm:txFillClrLst/>
+    <dgm:txEffectClrLst/>
+  </dgm:styleLbl>
+  <dgm:styleLbl name="parChTrans2D1">
+    <dgm:fillClrLst meth="repeat">
+      <a:schemeClr val="accent2"/>
+    </dgm:fillClrLst>
+    <dgm:linClrLst meth="repeat">
+      <a:schemeClr val="lt1"/>
+    </dgm:linClrLst>
+    <dgm:effectClrLst/>
+    <dgm:txLinClrLst/>
+    <dgm:txFillClrLst meth="repeat">
+      <a:schemeClr val="lt1"/>
+    </dgm:txFillClrLst>
+    <dgm:txEffectClrLst/>
+  </dgm:styleLbl>
+  <dgm:styleLbl name="parChTrans2D2">
+    <dgm:fillClrLst meth="repeat">
+      <a:schemeClr val="accent3"/>
+    </dgm:fillClrLst>
+    <dgm:linClrLst meth="repeat">
+      <a:schemeClr val="lt1"/>
+    </dgm:linClrLst>
+    <dgm:effectClrLst/>
+    <dgm:txLinClrLst/>
+    <dgm:txFillClrLst/>
+    <dgm:txEffectClrLst/>
+  </dgm:styleLbl>
+  <dgm:styleLbl name="parChTrans2D3">
+    <dgm:fillClrLst meth="repeat">
+      <a:schemeClr val="accent4"/>
+    </dgm:fillClrLst>
+    <dgm:linClrLst meth="repeat">
+      <a:schemeClr val="lt1"/>
+    </dgm:linClrLst>
+    <dgm:effectClrLst/>
+    <dgm:txLinClrLst/>
+    <dgm:txFillClrLst/>
+    <dgm:txEffectClrLst/>
+  </dgm:styleLbl>
+  <dgm:styleLbl name="parChTrans2D4">
+    <dgm:fillClrLst meth="repeat">
+      <a:schemeClr val="accent5"/>
+    </dgm:fillClrLst>
+    <dgm:linClrLst meth="repeat">
+      <a:schemeClr val="lt1"/>
+    </dgm:linClrLst>
+    <dgm:effectClrLst/>
+    <dgm:txLinClrLst/>
+    <dgm:txFillClrLst meth="repeat">
+      <a:schemeClr val="lt1"/>
+    </dgm:txFillClrLst>
+    <dgm:txEffectClrLst/>
+  </dgm:styleLbl>
+  <dgm:styleLbl name="parChTrans1D1">
+    <dgm:fillClrLst meth="repeat">
+      <a:schemeClr val="accent3"/>
+    </dgm:fillClrLst>
+    <dgm:linClrLst meth="repeat">
+      <a:schemeClr val="accent3"/>
+    </dgm:linClrLst>
+    <dgm:effectClrLst/>
+    <dgm:txLinClrLst/>
+    <dgm:txFillClrLst meth="repeat">
+      <a:schemeClr val="tx1"/>
+    </dgm:txFillClrLst>
+    <dgm:txEffectClrLst/>
+  </dgm:styleLbl>
+  <dgm:styleLbl name="parChTrans1D2">
+    <dgm:fillClrLst meth="repeat">
+      <a:schemeClr val="accent2">
+        <a:tint val="90000"/>
+      </a:schemeClr>
+    </dgm:fillClrLst>
+    <dgm:linClrLst meth="repeat">
+      <a:schemeClr val="accent4"/>
+    </dgm:linClrLst>
+    <dgm:effectClrLst/>
+    <dgm:txLinClrLst/>
+    <dgm:txFillClrLst meth="repeat">
+      <a:schemeClr val="tx1"/>
+    </dgm:txFillClrLst>
+    <dgm:txEffectClrLst/>
+  </dgm:styleLbl>
+  <dgm:styleLbl name="parChTrans1D3">
+    <dgm:fillClrLst meth="repeat">
+      <a:schemeClr val="accent2">
+        <a:tint val="70000"/>
+      </a:schemeClr>
+    </dgm:fillClrLst>
+    <dgm:linClrLst meth="repeat">
+      <a:schemeClr val="accent5"/>
+    </dgm:linClrLst>
+    <dgm:effectClrLst/>
+    <dgm:txLinClrLst/>
+    <dgm:txFillClrLst meth="repeat">
+      <a:schemeClr val="tx1"/>
+    </dgm:txFillClrLst>
+    <dgm:txEffectClrLst/>
+  </dgm:styleLbl>
+  <dgm:styleLbl name="parChTrans1D4">
+    <dgm:fillClrLst meth="repeat">
+      <a:schemeClr val="accent6">
+        <a:tint val="50000"/>
+      </a:schemeClr>
+    </dgm:fillClrLst>
+    <dgm:linClrLst meth="repeat">
+      <a:schemeClr val="accent6"/>
+    </dgm:linClrLst>
+    <dgm:effectClrLst/>
+    <dgm:txLinClrLst/>
+    <dgm:txFillClrLst meth="repeat">
+      <a:schemeClr val="tx1"/>
+    </dgm:txFillClrLst>
+    <dgm:txEffectClrLst/>
+  </dgm:styleLbl>
+  <dgm:styleLbl name="fgAcc1">
+    <dgm:fillClrLst meth="repeat">
+      <a:schemeClr val="lt1">
+        <a:alpha val="90000"/>
+      </a:schemeClr>
+    </dgm:fillClrLst>
+    <dgm:linClrLst>
+      <a:schemeClr val="accent3"/>
+      <a:schemeClr val="accent4"/>
+    </dgm:linClrLst>
+    <dgm:effectClrLst/>
+    <dgm:txLinClrLst/>
+    <dgm:txFillClrLst meth="repeat">
+      <a:schemeClr val="dk1"/>
+    </dgm:txFillClrLst>
+    <dgm:txEffectClrLst/>
+  </dgm:styleLbl>
+  <dgm:styleLbl name="conFgAcc1">
+    <dgm:fillClrLst meth="repeat">
+      <a:schemeClr val="lt1">
+        <a:alpha val="90000"/>
+      </a:schemeClr>
+    </dgm:fillClrLst>
+    <dgm:linClrLst>
+      <a:schemeClr val="accent3"/>
+      <a:schemeClr val="accent4"/>
+    </dgm:linClrLst>
+    <dgm:effectClrLst/>
+    <dgm:txLinClrLst/>
+    <dgm:txFillClrLst meth="repeat">
+      <a:schemeClr val="dk1"/>
+    </dgm:txFillClrLst>
+    <dgm:txEffectClrLst/>
+  </dgm:styleLbl>
+  <dgm:styleLbl name="alignAcc1">
+    <dgm:fillClrLst meth="repeat">
+      <a:schemeClr val="lt1">
+        <a:alpha val="90000"/>
+      </a:schemeClr>
+    </dgm:fillClrLst>
+    <dgm:linClrLst>
+      <a:schemeClr val="accent3"/>
+      <a:schemeClr val="accent4"/>
+    </dgm:linClrLst>
+    <dgm:effectClrLst/>
+    <dgm:txLinClrLst/>
+    <dgm:txFillClrLst meth="repeat">
+      <a:schemeClr val="dk1"/>
+    </dgm:txFillClrLst>
+    <dgm:txEffectClrLst/>
+  </dgm:styleLbl>
+  <dgm:styleLbl name="trAlignAcc1">
+    <dgm:fillClrLst meth="repeat">
+      <a:schemeClr val="lt1">
+        <a:alpha val="40000"/>
+      </a:schemeClr>
+    </dgm:fillClrLst>
+    <dgm:linClrLst meth="repeat">
+      <a:schemeClr val="accent2"/>
+    </dgm:linClrLst>
+    <dgm:effectClrLst/>
+    <dgm:txLinClrLst/>
+    <dgm:txFillClrLst meth="repeat">
+      <a:schemeClr val="dk1"/>
+    </dgm:txFillClrLst>
+    <dgm:txEffectClrLst/>
+  </dgm:styleLbl>
+  <dgm:styleLbl name="bgAcc1">
+    <dgm:fillClrLst meth="repeat">
+      <a:schemeClr val="lt1">
+        <a:alpha val="90000"/>
+      </a:schemeClr>
+    </dgm:fillClrLst>
+    <dgm:linClrLst>
+      <a:schemeClr val="accent3"/>
+      <a:schemeClr val="accent4"/>
+    </dgm:linClrLst>
+    <dgm:effectClrLst/>
+    <dgm:txLinClrLst/>
+    <dgm:txFillClrLst meth="repeat">
+      <a:schemeClr val="dk1"/>
+    </dgm:txFillClrLst>
+    <dgm:txEffectClrLst/>
+  </dgm:styleLbl>
+  <dgm:styleLbl name="solidFgAcc1">
+    <dgm:fillClrLst meth="repeat">
+      <a:schemeClr val="lt1"/>
+    </dgm:fillClrLst>
+    <dgm:linClrLst>
+      <a:schemeClr val="accent3"/>
+      <a:schemeClr val="accent4"/>
+    </dgm:linClrLst>
+    <dgm:effectClrLst/>
+    <dgm:txLinClrLst/>
+    <dgm:txFillClrLst meth="repeat">
+      <a:schemeClr val="dk1"/>
+    </dgm:txFillClrLst>
+    <dgm:txEffectClrLst/>
+  </dgm:styleLbl>
+  <dgm:styleLbl name="solidAlignAcc1">
+    <dgm:fillClrLst meth="repeat">
+      <a:schemeClr val="lt1"/>
+    </dgm:fillClrLst>
+    <dgm:linClrLst>
+      <a:schemeClr val="accent3"/>
+      <a:schemeClr val="accent4"/>
+    </dgm:linClrLst>
+    <dgm:effectClrLst/>
+    <dgm:txLinClrLst/>
+    <dgm:txFillClrLst meth="repeat">
+      <a:schemeClr val="dk1"/>
+    </dgm:txFillClrLst>
+    <dgm:txEffectClrLst/>
+  </dgm:styleLbl>
+  <dgm:styleLbl name="solidBgAcc1">
+    <dgm:fillClrLst meth="repeat">
+      <a:schemeClr val="lt1"/>
+    </dgm:fillClrLst>
+    <dgm:linClrLst>
+      <a:schemeClr val="accent3"/>
+      <a:schemeClr val="accent4"/>
+    </dgm:linClrLst>
+    <dgm:effectClrLst/>
+    <dgm:txLinClrLst/>
+    <dgm:txFillClrLst meth="repeat">
+      <a:schemeClr val="dk1"/>
+    </dgm:txFillClrLst>
+    <dgm:txEffectClrLst/>
+  </dgm:styleLbl>
+  <dgm:styleLbl name="fgAccFollowNode1">
+    <dgm:fillClrLst>
+      <a:schemeClr val="accent3">
+        <a:tint val="40000"/>
+        <a:alpha val="90000"/>
+      </a:schemeClr>
+      <a:schemeClr val="accent4">
+        <a:tint val="40000"/>
+        <a:alpha val="90000"/>
+      </a:schemeClr>
+    </dgm:fillClrLst>
+    <dgm:linClrLst>
+      <a:schemeClr val="accent3">
+        <a:tint val="40000"/>
+        <a:alpha val="90000"/>
+      </a:schemeClr>
+      <a:schemeClr val="accent4">
+        <a:tint val="40000"/>
+        <a:alpha val="90000"/>
+      </a:schemeClr>
+    </dgm:linClrLst>
+    <dgm:effectClrLst/>
+    <dgm:txLinClrLst/>
+    <dgm:txFillClrLst meth="repeat">
+      <a:schemeClr val="dk1"/>
+    </dgm:txFillClrLst>
+    <dgm:txEffectClrLst/>
+  </dgm:styleLbl>
+  <dgm:styleLbl name="alignAccFollowNode1">
+    <dgm:fillClrLst>
+      <a:schemeClr val="accent3">
+        <a:tint val="40000"/>
+        <a:alpha val="90000"/>
+      </a:schemeClr>
+      <a:schemeClr val="accent4">
+        <a:tint val="40000"/>
+        <a:alpha val="90000"/>
+      </a:schemeClr>
+    </dgm:fillClrLst>
+    <dgm:linClrLst>
+      <a:schemeClr val="accent3">
+        <a:tint val="40000"/>
+        <a:alpha val="90000"/>
+      </a:schemeClr>
+      <a:schemeClr val="accent4">
+        <a:tint val="40000"/>
+        <a:alpha val="90000"/>
+      </a:schemeClr>
+    </dgm:linClrLst>
+    <dgm:effectClrLst/>
+    <dgm:txLinClrLst/>
+    <dgm:txFillClrLst meth="repeat">
+      <a:schemeClr val="dk1"/>
+    </dgm:txFillClrLst>
+    <dgm:txEffectClrLst/>
+  </dgm:styleLbl>
+  <dgm:styleLbl name="bgAccFollowNode1">
+    <dgm:fillClrLst>
+      <a:schemeClr val="accent3">
+        <a:tint val="40000"/>
+        <a:alpha val="90000"/>
+      </a:schemeClr>
+      <a:schemeClr val="accent4">
+        <a:tint val="40000"/>
+        <a:alpha val="90000"/>
+      </a:schemeClr>
+    </dgm:fillClrLst>
+    <dgm:linClrLst>
+      <a:schemeClr val="accent3">
+        <a:tint val="40000"/>
+        <a:alpha val="90000"/>
+      </a:schemeClr>
+      <a:schemeClr val="accent4">
+        <a:tint val="40000"/>
+        <a:alpha val="90000"/>
+      </a:schemeClr>
+    </dgm:linClrLst>
+    <dgm:effectClrLst/>
+    <dgm:txLinClrLst/>
+    <dgm:txFillClrLst meth="repeat">
+      <a:schemeClr val="dk1"/>
+    </dgm:txFillClrLst>
+    <dgm:txEffectClrLst/>
+  </dgm:styleLbl>
+  <dgm:styleLbl name="fgAcc0">
+    <dgm:fillClrLst meth="repeat">
+      <a:schemeClr val="lt1">
+        <a:alpha val="90000"/>
+      </a:schemeClr>
+    </dgm:fillClrLst>
+    <dgm:linClrLst>
+      <a:schemeClr val="accent2"/>
+    </dgm:linClrLst>
+    <dgm:effectClrLst/>
+    <dgm:txLinClrLst/>
+    <dgm:txFillClrLst meth="repeat">
+      <a:schemeClr val="dk1"/>
+    </dgm:txFillClrLst>
+    <dgm:txEffectClrLst/>
+  </dgm:styleLbl>
+  <dgm:styleLbl name="fgAcc2">
+    <dgm:fillClrLst meth="repeat">
+      <a:schemeClr val="lt1">
+        <a:alpha val="90000"/>
+      </a:schemeClr>
+    </dgm:fillClrLst>
+    <dgm:linClrLst>
+      <a:schemeClr val="accent4"/>
+    </dgm:linClrLst>
+    <dgm:effectClrLst/>
+    <dgm:txLinClrLst/>
+    <dgm:txFillClrLst meth="repeat">
+      <a:schemeClr val="dk1"/>
+    </dgm:txFillClrLst>
+    <dgm:txEffectClrLst/>
+  </dgm:styleLbl>
+  <dgm:styleLbl name="fgAcc3">
+    <dgm:fillClrLst meth="repeat">
+      <a:schemeClr val="lt1">
+        <a:alpha val="90000"/>
+      </a:schemeClr>
+    </dgm:fillClrLst>
+    <dgm:linClrLst>
+      <a:schemeClr val="accent5"/>
+    </dgm:linClrLst>
+    <dgm:effectClrLst/>
+    <dgm:txLinClrLst/>
+    <dgm:txFillClrLst meth="repeat">
+      <a:schemeClr val="dk1"/>
+    </dgm:txFillClrLst>
+    <dgm:txEffectClrLst/>
+  </dgm:styleLbl>
+  <dgm:styleLbl name="fgAcc4">
+    <dgm:fillClrLst meth="repeat">
+      <a:schemeClr val="lt1">
+        <a:alpha val="90000"/>
+      </a:schemeClr>
+    </dgm:fillClrLst>
+    <dgm:linClrLst>
+      <a:schemeClr val="accent6"/>
+    </dgm:linClrLst>
+    <dgm:effectClrLst/>
+    <dgm:txLinClrLst/>
+    <dgm:txFillClrLst meth="repeat">
+      <a:schemeClr val="dk1"/>
+    </dgm:txFillClrLst>
+    <dgm:txEffectClrLst/>
+  </dgm:styleLbl>
+  <dgm:styleLbl name="bgShp">
+    <dgm:fillClrLst meth="repeat">
+      <a:schemeClr val="accent3">
+        <a:tint val="40000"/>
+      </a:schemeClr>
+    </dgm:fillClrLst>
+    <dgm:linClrLst meth="repeat">
+      <a:schemeClr val="dk1"/>
+    </dgm:linClrLst>
+    <dgm:effectClrLst/>
+    <dgm:txLinClrLst/>
+    <dgm:txFillClrLst meth="repeat">
+      <a:schemeClr val="dk1"/>
+    </dgm:txFillClrLst>
+    <dgm:txEffectClrLst/>
+  </dgm:styleLbl>
+  <dgm:styleLbl name="dkBgShp">
+    <dgm:fillClrLst meth="repeat">
+      <a:schemeClr val="accent3">
+        <a:shade val="90000"/>
+      </a:schemeClr>
+    </dgm:fillClrLst>
+    <dgm:linClrLst meth="repeat">
+      <a:schemeClr val="dk1"/>
+    </dgm:linClrLst>
+    <dgm:effectClrLst/>
+    <dgm:txLinClrLst/>
+    <dgm:txFillClrLst meth="repeat">
+      <a:schemeClr val="lt1"/>
+    </dgm:txFillClrLst>
+    <dgm:txEffectClrLst/>
+  </dgm:styleLbl>
+  <dgm:styleLbl name="trBgShp">
+    <dgm:fillClrLst meth="repeat">
+      <a:schemeClr val="accent2">
+        <a:tint val="50000"/>
+        <a:alpha val="40000"/>
+      </a:schemeClr>
+    </dgm:fillClrLst>
+    <dgm:linClrLst meth="repeat">
+      <a:schemeClr val="accent3"/>
+    </dgm:linClrLst>
+    <dgm:effectClrLst/>
+    <dgm:txLinClrLst/>
+    <dgm:txFillClrLst meth="repeat">
+      <a:schemeClr val="lt1"/>
+    </dgm:txFillClrLst>
+    <dgm:txEffectClrLst/>
+  </dgm:styleLbl>
+  <dgm:styleLbl name="fgShp">
+    <dgm:fillClrLst meth="repeat">
+      <a:schemeClr val="accent3">
+        <a:tint val="40000"/>
+      </a:schemeClr>
+    </dgm:fillClrLst>
+    <dgm:linClrLst meth="repeat">
+      <a:schemeClr val="lt1"/>
+    </dgm:linClrLst>
+    <dgm:effectClrLst/>
+    <dgm:txLinClrLst/>
+    <dgm:txFillClrLst meth="repeat">
+      <a:schemeClr val="dk1"/>
+    </dgm:txFillClrLst>
+    <dgm:txEffectClrLst/>
+  </dgm:styleLbl>
+  <dgm:styleLbl name="revTx">
+    <dgm:fillClrLst meth="repeat">
+      <a:schemeClr val="lt1">
+        <a:alpha val="0"/>
+      </a:schemeClr>
+    </dgm:fillClrLst>
+    <dgm:linClrLst meth="repeat">
+      <a:schemeClr val="dk1">
+        <a:alpha val="0"/>
+      </a:schemeClr>
+    </dgm:linClrLst>
+    <dgm:effectClrLst/>
+    <dgm:txLinClrLst/>
+    <dgm:txFillClrLst meth="repeat">
+      <a:schemeClr val="tx1"/>
+    </dgm:txFillClrLst>
+    <dgm:txEffectClrLst/>
+  </dgm:styleLbl>
+</dgm:colorsDef>
+</file>
+
+<file path=ppt/diagrams/colors2.xml><?xml version="1.0" encoding="utf-8"?>
 <dgm:colorsDef xmlns:dgm="http://schemas.openxmlformats.org/drawingml/2006/diagram" xmlns:a="http://schemas.openxmlformats.org/drawingml/2006/main" uniqueId="urn:microsoft.com/office/officeart/2005/8/colors/colorful2">
   <dgm:title val=""/>
   <dgm:desc val=""/>
@@ -1106,6 +1889,473 @@
 </file>
 
 <file path=ppt/diagrams/data1.xml><?xml version="1.0" encoding="utf-8"?>
+<dgm:dataModel xmlns:dgm="http://schemas.openxmlformats.org/drawingml/2006/diagram" xmlns:a="http://schemas.openxmlformats.org/drawingml/2006/main">
+  <dgm:ptLst>
+    <dgm:pt modelId="{4410F19C-9AF8-455E-BB49-82795D97D9E4}" type="doc">
+      <dgm:prSet loTypeId="urn:microsoft.com/office/officeart/2005/8/layout/bProcess3" loCatId="process" qsTypeId="urn:microsoft.com/office/officeart/2005/8/quickstyle/simple1" qsCatId="simple" csTypeId="urn:microsoft.com/office/officeart/2005/8/colors/colorful3" csCatId="colorful" phldr="1"/>
+      <dgm:spPr/>
+    </dgm:pt>
+    <dgm:pt modelId="{D1424278-B4BF-48FD-BD7F-43BB4198C45E}">
+      <dgm:prSet phldrT="[Text]" custT="1"/>
+      <dgm:spPr/>
+      <dgm:t>
+        <a:bodyPr anchor="ctr"/>
+        <a:lstStyle/>
+        <a:p>
+          <a:pPr algn="l"/>
+          <a:r>
+            <a:rPr lang="en-US" sz="1400" dirty="0"/>
+            <a:t>The ML </a:t>
+          </a:r>
+          <a:r>
+            <a:rPr lang="en-US" sz="1400" b="1" dirty="0"/>
+            <a:t>experiment</a:t>
+          </a:r>
+          <a:r>
+            <a:rPr lang="en-US" sz="1400" dirty="0"/>
+            <a:t> is defined</a:t>
+          </a:r>
+        </a:p>
+      </dgm:t>
+    </dgm:pt>
+    <dgm:pt modelId="{025DF95C-27A1-4271-B7CB-6128AB8017B1}" type="parTrans" cxnId="{C4537042-B14B-47D2-94A6-4A6A4F576A77}">
+      <dgm:prSet/>
+      <dgm:spPr/>
+      <dgm:t>
+        <a:bodyPr/>
+        <a:lstStyle/>
+        <a:p>
+          <a:endParaRPr lang="en-US" sz="3200"/>
+        </a:p>
+      </dgm:t>
+    </dgm:pt>
+    <dgm:pt modelId="{5E3834B2-A93D-4F9F-A3C4-748C7BCCDB2D}" type="sibTrans" cxnId="{C4537042-B14B-47D2-94A6-4A6A4F576A77}">
+      <dgm:prSet custT="1"/>
+      <dgm:spPr>
+        <a:ln w="38100" cap="rnd">
+          <a:solidFill>
+            <a:schemeClr val="accent3"/>
+          </a:solidFill>
+          <a:round/>
+          <a:headEnd type="oval" w="sm" len="sm"/>
+          <a:tailEnd type="triangle"/>
+        </a:ln>
+      </dgm:spPr>
+      <dgm:t>
+        <a:bodyPr/>
+        <a:lstStyle/>
+        <a:p>
+          <a:endParaRPr lang="en-US" sz="900"/>
+        </a:p>
+      </dgm:t>
+    </dgm:pt>
+    <dgm:pt modelId="{0C7CBAC5-3B93-4226-9C7C-524F05CDC9C2}">
+      <dgm:prSet phldrT="[Text]" custT="1"/>
+      <dgm:spPr/>
+      <dgm:t>
+        <a:bodyPr anchor="ctr"/>
+        <a:lstStyle/>
+        <a:p>
+          <a:pPr algn="l"/>
+          <a:r>
+            <a:rPr lang="en-US" sz="1400" dirty="0"/>
+            <a:t>ML models are </a:t>
+          </a:r>
+          <a:r>
+            <a:rPr lang="en-US" sz="1400" b="1" dirty="0"/>
+            <a:t>trained</a:t>
+          </a:r>
+          <a:r>
+            <a:rPr lang="en-US" sz="1400" dirty="0"/>
+            <a:t> under the experiment (using a registered dataset) and a Run is defined</a:t>
+          </a:r>
+        </a:p>
+      </dgm:t>
+    </dgm:pt>
+    <dgm:pt modelId="{C17DD012-30AF-447D-AB9A-118012DBFCD7}" type="parTrans" cxnId="{C464BCC0-37A4-4871-B1BA-FB6B42DD6488}">
+      <dgm:prSet/>
+      <dgm:spPr/>
+      <dgm:t>
+        <a:bodyPr/>
+        <a:lstStyle/>
+        <a:p>
+          <a:endParaRPr lang="en-US" sz="3200"/>
+        </a:p>
+      </dgm:t>
+    </dgm:pt>
+    <dgm:pt modelId="{002B7378-1D44-4A2E-9313-C8753BDC6B7C}" type="sibTrans" cxnId="{C464BCC0-37A4-4871-B1BA-FB6B42DD6488}">
+      <dgm:prSet custT="1"/>
+      <dgm:spPr>
+        <a:ln w="38100" cap="rnd">
+          <a:solidFill>
+            <a:schemeClr val="accent3"/>
+          </a:solidFill>
+          <a:round/>
+          <a:headEnd type="oval" w="sm" len="sm"/>
+          <a:tailEnd type="triangle"/>
+        </a:ln>
+      </dgm:spPr>
+      <dgm:t>
+        <a:bodyPr/>
+        <a:lstStyle/>
+        <a:p>
+          <a:endParaRPr lang="en-US" sz="900"/>
+        </a:p>
+      </dgm:t>
+    </dgm:pt>
+    <dgm:pt modelId="{BEE22CC3-71A8-4FE2-A916-4C37F1A89AFD}">
+      <dgm:prSet phldrT="[Text]" custT="1"/>
+      <dgm:spPr/>
+      <dgm:t>
+        <a:bodyPr anchor="ctr"/>
+        <a:lstStyle/>
+        <a:p>
+          <a:pPr algn="l"/>
+          <a:r>
+            <a:rPr lang="en-US" sz="1400" dirty="0"/>
+            <a:t>The Data Lake is defined as a </a:t>
+          </a:r>
+          <a:r>
+            <a:rPr lang="en-US" sz="1400" b="1" dirty="0"/>
+            <a:t>Datastore</a:t>
+          </a:r>
+        </a:p>
+      </dgm:t>
+    </dgm:pt>
+    <dgm:pt modelId="{0D3FA5E1-6F04-4794-B618-8583A1F33BB7}" type="parTrans" cxnId="{656A68F4-5DEF-43B8-A6F9-5CBD4F488489}">
+      <dgm:prSet/>
+      <dgm:spPr/>
+      <dgm:t>
+        <a:bodyPr/>
+        <a:lstStyle/>
+        <a:p>
+          <a:endParaRPr lang="en-US" sz="3200"/>
+        </a:p>
+      </dgm:t>
+    </dgm:pt>
+    <dgm:pt modelId="{12429059-AE68-44B6-A08A-166C2A6F1376}" type="sibTrans" cxnId="{656A68F4-5DEF-43B8-A6F9-5CBD4F488489}">
+      <dgm:prSet custT="1"/>
+      <dgm:spPr>
+        <a:ln w="38100" cap="rnd">
+          <a:solidFill>
+            <a:schemeClr val="accent3"/>
+          </a:solidFill>
+          <a:round/>
+          <a:headEnd type="oval" w="sm" len="sm"/>
+          <a:tailEnd type="triangle"/>
+        </a:ln>
+      </dgm:spPr>
+      <dgm:t>
+        <a:bodyPr/>
+        <a:lstStyle/>
+        <a:p>
+          <a:endParaRPr lang="en-US" sz="900"/>
+        </a:p>
+      </dgm:t>
+    </dgm:pt>
+    <dgm:pt modelId="{5C60A8DE-8E6B-48E8-B16A-DDDEA8EB18E1}">
+      <dgm:prSet phldrT="[Text]" custT="1"/>
+      <dgm:spPr/>
+      <dgm:t>
+        <a:bodyPr anchor="ctr"/>
+        <a:lstStyle/>
+        <a:p>
+          <a:pPr algn="l"/>
+          <a:r>
+            <a:rPr lang="en-US" sz="1400" dirty="0"/>
+            <a:t>A file from the Datastore is registered as a </a:t>
+          </a:r>
+          <a:r>
+            <a:rPr lang="en-US" sz="1400" b="1" dirty="0"/>
+            <a:t>Dataset</a:t>
+          </a:r>
+          <a:r>
+            <a:rPr lang="en-US" sz="1400" dirty="0"/>
+            <a:t> and versioned</a:t>
+          </a:r>
+        </a:p>
+      </dgm:t>
+    </dgm:pt>
+    <dgm:pt modelId="{7BBFBABF-6BA4-41E2-951D-E2AB414E5AF3}" type="parTrans" cxnId="{ECB0C953-D608-4EF9-AA43-696CEE105F7F}">
+      <dgm:prSet/>
+      <dgm:spPr/>
+      <dgm:t>
+        <a:bodyPr/>
+        <a:lstStyle/>
+        <a:p>
+          <a:endParaRPr lang="en-US" sz="3200"/>
+        </a:p>
+      </dgm:t>
+    </dgm:pt>
+    <dgm:pt modelId="{4AF74A3F-7DDF-4BAC-8116-E32C06B2F2CC}" type="sibTrans" cxnId="{ECB0C953-D608-4EF9-AA43-696CEE105F7F}">
+      <dgm:prSet custT="1"/>
+      <dgm:spPr>
+        <a:ln w="38100" cap="rnd">
+          <a:solidFill>
+            <a:schemeClr val="accent3"/>
+          </a:solidFill>
+          <a:round/>
+          <a:headEnd type="oval" w="sm" len="sm"/>
+          <a:tailEnd type="triangle"/>
+        </a:ln>
+      </dgm:spPr>
+      <dgm:t>
+        <a:bodyPr/>
+        <a:lstStyle/>
+        <a:p>
+          <a:endParaRPr lang="en-US" sz="900"/>
+        </a:p>
+      </dgm:t>
+    </dgm:pt>
+    <dgm:pt modelId="{A53F8EA2-6990-4944-837A-8A05BF1AA3F9}">
+      <dgm:prSet phldrT="[Text]" custT="1"/>
+      <dgm:spPr/>
+      <dgm:t>
+        <a:bodyPr anchor="ctr"/>
+        <a:lstStyle/>
+        <a:p>
+          <a:pPr algn="l"/>
+          <a:r>
+            <a:rPr lang="en-US" sz="1400" dirty="0"/>
+            <a:t>The best model is </a:t>
+          </a:r>
+          <a:r>
+            <a:rPr lang="en-US" sz="1400" b="1" dirty="0"/>
+            <a:t>registered</a:t>
+          </a:r>
+          <a:r>
+            <a:rPr lang="en-US" sz="1400" dirty="0"/>
+            <a:t> and versioned</a:t>
+          </a:r>
+        </a:p>
+      </dgm:t>
+    </dgm:pt>
+    <dgm:pt modelId="{10A6CFDD-9455-49A2-8EB1-83EE6F5B2A2B}" type="parTrans" cxnId="{CE465203-94E5-41A6-A479-C7488B642787}">
+      <dgm:prSet/>
+      <dgm:spPr/>
+      <dgm:t>
+        <a:bodyPr/>
+        <a:lstStyle/>
+        <a:p>
+          <a:endParaRPr lang="en-US" sz="3200"/>
+        </a:p>
+      </dgm:t>
+    </dgm:pt>
+    <dgm:pt modelId="{E5FC531C-8865-4E2F-A01F-40309BF4A491}" type="sibTrans" cxnId="{CE465203-94E5-41A6-A479-C7488B642787}">
+      <dgm:prSet custT="1"/>
+      <dgm:spPr>
+        <a:ln w="38100" cap="rnd">
+          <a:solidFill>
+            <a:schemeClr val="accent3"/>
+          </a:solidFill>
+          <a:round/>
+          <a:headEnd type="oval" w="sm" len="sm"/>
+          <a:tailEnd type="triangle"/>
+        </a:ln>
+      </dgm:spPr>
+      <dgm:t>
+        <a:bodyPr/>
+        <a:lstStyle/>
+        <a:p>
+          <a:endParaRPr lang="en-US" sz="900"/>
+        </a:p>
+      </dgm:t>
+    </dgm:pt>
+    <dgm:pt modelId="{57731373-C80E-4E09-AE92-8009F2922300}">
+      <dgm:prSet phldrT="[Text]" custT="1"/>
+      <dgm:spPr/>
+      <dgm:t>
+        <a:bodyPr anchor="ctr"/>
+        <a:lstStyle/>
+        <a:p>
+          <a:pPr algn="l"/>
+          <a:r>
+            <a:rPr lang="en-US" sz="1400" dirty="0"/>
+            <a:t>The registered model is </a:t>
+          </a:r>
+          <a:r>
+            <a:rPr lang="en-US" sz="1400" b="1" dirty="0"/>
+            <a:t>deployed</a:t>
+          </a:r>
+          <a:r>
+            <a:rPr lang="en-US" sz="1400" dirty="0"/>
+            <a:t> as a webservice</a:t>
+          </a:r>
+        </a:p>
+      </dgm:t>
+    </dgm:pt>
+    <dgm:pt modelId="{013B1CA8-BB4E-4DEE-87FD-32BFB3E7CA2B}" type="parTrans" cxnId="{ABAB24A6-740E-4084-B4A3-B50015E076CA}">
+      <dgm:prSet/>
+      <dgm:spPr/>
+      <dgm:t>
+        <a:bodyPr/>
+        <a:lstStyle/>
+        <a:p>
+          <a:endParaRPr lang="en-US" sz="3200"/>
+        </a:p>
+      </dgm:t>
+    </dgm:pt>
+    <dgm:pt modelId="{6353064C-C095-4BD2-86C8-CCA4CC1A7966}" type="sibTrans" cxnId="{ABAB24A6-740E-4084-B4A3-B50015E076CA}">
+      <dgm:prSet/>
+      <dgm:spPr/>
+      <dgm:t>
+        <a:bodyPr/>
+        <a:lstStyle/>
+        <a:p>
+          <a:endParaRPr lang="en-US" sz="3200"/>
+        </a:p>
+      </dgm:t>
+    </dgm:pt>
+    <dgm:pt modelId="{4C1C69C1-DAA9-4E29-A4CE-7C992F91D42F}" type="pres">
+      <dgm:prSet presAssocID="{4410F19C-9AF8-455E-BB49-82795D97D9E4}" presName="Name0" presStyleCnt="0">
+        <dgm:presLayoutVars>
+          <dgm:dir/>
+          <dgm:resizeHandles val="exact"/>
+        </dgm:presLayoutVars>
+      </dgm:prSet>
+      <dgm:spPr/>
+    </dgm:pt>
+    <dgm:pt modelId="{26C05194-595E-44D1-84CB-2197238A83C4}" type="pres">
+      <dgm:prSet presAssocID="{BEE22CC3-71A8-4FE2-A916-4C37F1A89AFD}" presName="node" presStyleLbl="node1" presStyleIdx="0" presStyleCnt="6">
+        <dgm:presLayoutVars>
+          <dgm:bulletEnabled val="1"/>
+        </dgm:presLayoutVars>
+      </dgm:prSet>
+      <dgm:spPr/>
+    </dgm:pt>
+    <dgm:pt modelId="{27649699-B745-4AC1-9D9D-D35BEE6C4113}" type="pres">
+      <dgm:prSet presAssocID="{12429059-AE68-44B6-A08A-166C2A6F1376}" presName="sibTrans" presStyleLbl="sibTrans1D1" presStyleIdx="0" presStyleCnt="5"/>
+      <dgm:spPr/>
+    </dgm:pt>
+    <dgm:pt modelId="{A1A56B5A-CA55-4D26-9AAF-EBDFDA3696DD}" type="pres">
+      <dgm:prSet presAssocID="{12429059-AE68-44B6-A08A-166C2A6F1376}" presName="connectorText" presStyleLbl="sibTrans1D1" presStyleIdx="0" presStyleCnt="5"/>
+      <dgm:spPr/>
+    </dgm:pt>
+    <dgm:pt modelId="{A9BC978D-AED0-4E09-BF79-F26E8D1CF4A1}" type="pres">
+      <dgm:prSet presAssocID="{5C60A8DE-8E6B-48E8-B16A-DDDEA8EB18E1}" presName="node" presStyleLbl="node1" presStyleIdx="1" presStyleCnt="6">
+        <dgm:presLayoutVars>
+          <dgm:bulletEnabled val="1"/>
+        </dgm:presLayoutVars>
+      </dgm:prSet>
+      <dgm:spPr/>
+    </dgm:pt>
+    <dgm:pt modelId="{517F039B-46A4-4CED-9BE1-83705535D140}" type="pres">
+      <dgm:prSet presAssocID="{4AF74A3F-7DDF-4BAC-8116-E32C06B2F2CC}" presName="sibTrans" presStyleLbl="sibTrans1D1" presStyleIdx="1" presStyleCnt="5"/>
+      <dgm:spPr/>
+    </dgm:pt>
+    <dgm:pt modelId="{87AADF7E-62D6-4428-9714-F8C6A8B78AFA}" type="pres">
+      <dgm:prSet presAssocID="{4AF74A3F-7DDF-4BAC-8116-E32C06B2F2CC}" presName="connectorText" presStyleLbl="sibTrans1D1" presStyleIdx="1" presStyleCnt="5"/>
+      <dgm:spPr/>
+    </dgm:pt>
+    <dgm:pt modelId="{1F977013-8D01-457C-BF74-0007130FF42E}" type="pres">
+      <dgm:prSet presAssocID="{D1424278-B4BF-48FD-BD7F-43BB4198C45E}" presName="node" presStyleLbl="node1" presStyleIdx="2" presStyleCnt="6">
+        <dgm:presLayoutVars>
+          <dgm:bulletEnabled val="1"/>
+        </dgm:presLayoutVars>
+      </dgm:prSet>
+      <dgm:spPr/>
+    </dgm:pt>
+    <dgm:pt modelId="{058BA394-4F29-4EF1-ABF8-0419C44C1287}" type="pres">
+      <dgm:prSet presAssocID="{5E3834B2-A93D-4F9F-A3C4-748C7BCCDB2D}" presName="sibTrans" presStyleLbl="sibTrans1D1" presStyleIdx="2" presStyleCnt="5"/>
+      <dgm:spPr/>
+    </dgm:pt>
+    <dgm:pt modelId="{766094CA-2905-4E67-8970-87C58DD13910}" type="pres">
+      <dgm:prSet presAssocID="{5E3834B2-A93D-4F9F-A3C4-748C7BCCDB2D}" presName="connectorText" presStyleLbl="sibTrans1D1" presStyleIdx="2" presStyleCnt="5"/>
+      <dgm:spPr/>
+    </dgm:pt>
+    <dgm:pt modelId="{DC176FE8-EBD1-4E58-B8DE-9A628B1067C4}" type="pres">
+      <dgm:prSet presAssocID="{0C7CBAC5-3B93-4226-9C7C-524F05CDC9C2}" presName="node" presStyleLbl="node1" presStyleIdx="3" presStyleCnt="6">
+        <dgm:presLayoutVars>
+          <dgm:bulletEnabled val="1"/>
+        </dgm:presLayoutVars>
+      </dgm:prSet>
+      <dgm:spPr/>
+    </dgm:pt>
+    <dgm:pt modelId="{1616C7BD-4700-4B40-9DC1-FC4704F28B81}" type="pres">
+      <dgm:prSet presAssocID="{002B7378-1D44-4A2E-9313-C8753BDC6B7C}" presName="sibTrans" presStyleLbl="sibTrans1D1" presStyleIdx="3" presStyleCnt="5"/>
+      <dgm:spPr/>
+    </dgm:pt>
+    <dgm:pt modelId="{65F2B20B-A30C-42CC-A62D-787D9307324F}" type="pres">
+      <dgm:prSet presAssocID="{002B7378-1D44-4A2E-9313-C8753BDC6B7C}" presName="connectorText" presStyleLbl="sibTrans1D1" presStyleIdx="3" presStyleCnt="5"/>
+      <dgm:spPr/>
+    </dgm:pt>
+    <dgm:pt modelId="{C9CDB5AA-AFA6-4E60-8069-F7AB9EF42501}" type="pres">
+      <dgm:prSet presAssocID="{A53F8EA2-6990-4944-837A-8A05BF1AA3F9}" presName="node" presStyleLbl="node1" presStyleIdx="4" presStyleCnt="6">
+        <dgm:presLayoutVars>
+          <dgm:bulletEnabled val="1"/>
+        </dgm:presLayoutVars>
+      </dgm:prSet>
+      <dgm:spPr/>
+    </dgm:pt>
+    <dgm:pt modelId="{FC9A3AA5-D906-45CE-82DB-2B5D69081942}" type="pres">
+      <dgm:prSet presAssocID="{E5FC531C-8865-4E2F-A01F-40309BF4A491}" presName="sibTrans" presStyleLbl="sibTrans1D1" presStyleIdx="4" presStyleCnt="5"/>
+      <dgm:spPr/>
+    </dgm:pt>
+    <dgm:pt modelId="{D058FE29-7F42-400C-A266-F0C72530FEA6}" type="pres">
+      <dgm:prSet presAssocID="{E5FC531C-8865-4E2F-A01F-40309BF4A491}" presName="connectorText" presStyleLbl="sibTrans1D1" presStyleIdx="4" presStyleCnt="5"/>
+      <dgm:spPr/>
+    </dgm:pt>
+    <dgm:pt modelId="{25062737-8A56-4984-94AB-53248B63EA16}" type="pres">
+      <dgm:prSet presAssocID="{57731373-C80E-4E09-AE92-8009F2922300}" presName="node" presStyleLbl="node1" presStyleIdx="5" presStyleCnt="6">
+        <dgm:presLayoutVars>
+          <dgm:bulletEnabled val="1"/>
+        </dgm:presLayoutVars>
+      </dgm:prSet>
+      <dgm:spPr/>
+    </dgm:pt>
+  </dgm:ptLst>
+  <dgm:cxnLst>
+    <dgm:cxn modelId="{78AB7800-11F9-4216-8E78-0DF7821CE9E7}" type="presOf" srcId="{E5FC531C-8865-4E2F-A01F-40309BF4A491}" destId="{FC9A3AA5-D906-45CE-82DB-2B5D69081942}" srcOrd="0" destOrd="0" presId="urn:microsoft.com/office/officeart/2005/8/layout/bProcess3"/>
+    <dgm:cxn modelId="{CE465203-94E5-41A6-A479-C7488B642787}" srcId="{4410F19C-9AF8-455E-BB49-82795D97D9E4}" destId="{A53F8EA2-6990-4944-837A-8A05BF1AA3F9}" srcOrd="4" destOrd="0" parTransId="{10A6CFDD-9455-49A2-8EB1-83EE6F5B2A2B}" sibTransId="{E5FC531C-8865-4E2F-A01F-40309BF4A491}"/>
+    <dgm:cxn modelId="{D2F4520B-D08F-4F6D-9E32-012DA6BFF693}" type="presOf" srcId="{002B7378-1D44-4A2E-9313-C8753BDC6B7C}" destId="{1616C7BD-4700-4B40-9DC1-FC4704F28B81}" srcOrd="0" destOrd="0" presId="urn:microsoft.com/office/officeart/2005/8/layout/bProcess3"/>
+    <dgm:cxn modelId="{111EAF16-773C-4123-9728-30D18E46A816}" type="presOf" srcId="{002B7378-1D44-4A2E-9313-C8753BDC6B7C}" destId="{65F2B20B-A30C-42CC-A62D-787D9307324F}" srcOrd="1" destOrd="0" presId="urn:microsoft.com/office/officeart/2005/8/layout/bProcess3"/>
+    <dgm:cxn modelId="{A63ECC29-2820-4062-B1BC-1C91FC33E551}" type="presOf" srcId="{57731373-C80E-4E09-AE92-8009F2922300}" destId="{25062737-8A56-4984-94AB-53248B63EA16}" srcOrd="0" destOrd="0" presId="urn:microsoft.com/office/officeart/2005/8/layout/bProcess3"/>
+    <dgm:cxn modelId="{D14D1936-FA5E-4C62-BB7E-035C9D60EFEA}" type="presOf" srcId="{5C60A8DE-8E6B-48E8-B16A-DDDEA8EB18E1}" destId="{A9BC978D-AED0-4E09-BF79-F26E8D1CF4A1}" srcOrd="0" destOrd="0" presId="urn:microsoft.com/office/officeart/2005/8/layout/bProcess3"/>
+    <dgm:cxn modelId="{EEE3B83B-8554-467E-A752-7DC252304D85}" type="presOf" srcId="{12429059-AE68-44B6-A08A-166C2A6F1376}" destId="{27649699-B745-4AC1-9D9D-D35BEE6C4113}" srcOrd="0" destOrd="0" presId="urn:microsoft.com/office/officeart/2005/8/layout/bProcess3"/>
+    <dgm:cxn modelId="{4098195F-3CE7-430D-8206-B59D789E3FD7}" type="presOf" srcId="{BEE22CC3-71A8-4FE2-A916-4C37F1A89AFD}" destId="{26C05194-595E-44D1-84CB-2197238A83C4}" srcOrd="0" destOrd="0" presId="urn:microsoft.com/office/officeart/2005/8/layout/bProcess3"/>
+    <dgm:cxn modelId="{C4537042-B14B-47D2-94A6-4A6A4F576A77}" srcId="{4410F19C-9AF8-455E-BB49-82795D97D9E4}" destId="{D1424278-B4BF-48FD-BD7F-43BB4198C45E}" srcOrd="2" destOrd="0" parTransId="{025DF95C-27A1-4271-B7CB-6128AB8017B1}" sibTransId="{5E3834B2-A93D-4F9F-A3C4-748C7BCCDB2D}"/>
+    <dgm:cxn modelId="{58D40353-3FDE-4676-AD8A-D9EB7DF093A7}" type="presOf" srcId="{4AF74A3F-7DDF-4BAC-8116-E32C06B2F2CC}" destId="{517F039B-46A4-4CED-9BE1-83705535D140}" srcOrd="0" destOrd="0" presId="urn:microsoft.com/office/officeart/2005/8/layout/bProcess3"/>
+    <dgm:cxn modelId="{70881873-E84C-4789-B0ED-F788AC16ECE9}" type="presOf" srcId="{4AF74A3F-7DDF-4BAC-8116-E32C06B2F2CC}" destId="{87AADF7E-62D6-4428-9714-F8C6A8B78AFA}" srcOrd="1" destOrd="0" presId="urn:microsoft.com/office/officeart/2005/8/layout/bProcess3"/>
+    <dgm:cxn modelId="{87637D53-BC00-4DB4-99FE-2B7428C56F3D}" type="presOf" srcId="{5E3834B2-A93D-4F9F-A3C4-748C7BCCDB2D}" destId="{058BA394-4F29-4EF1-ABF8-0419C44C1287}" srcOrd="0" destOrd="0" presId="urn:microsoft.com/office/officeart/2005/8/layout/bProcess3"/>
+    <dgm:cxn modelId="{ECB0C953-D608-4EF9-AA43-696CEE105F7F}" srcId="{4410F19C-9AF8-455E-BB49-82795D97D9E4}" destId="{5C60A8DE-8E6B-48E8-B16A-DDDEA8EB18E1}" srcOrd="1" destOrd="0" parTransId="{7BBFBABF-6BA4-41E2-951D-E2AB414E5AF3}" sibTransId="{4AF74A3F-7DDF-4BAC-8116-E32C06B2F2CC}"/>
+    <dgm:cxn modelId="{FBC47275-6E52-4518-B9C3-A01CA1F204D8}" type="presOf" srcId="{E5FC531C-8865-4E2F-A01F-40309BF4A491}" destId="{D058FE29-7F42-400C-A266-F0C72530FEA6}" srcOrd="1" destOrd="0" presId="urn:microsoft.com/office/officeart/2005/8/layout/bProcess3"/>
+    <dgm:cxn modelId="{B48C5A82-F3B4-4A09-8C51-9CE26342DE78}" type="presOf" srcId="{4410F19C-9AF8-455E-BB49-82795D97D9E4}" destId="{4C1C69C1-DAA9-4E29-A4CE-7C992F91D42F}" srcOrd="0" destOrd="0" presId="urn:microsoft.com/office/officeart/2005/8/layout/bProcess3"/>
+    <dgm:cxn modelId="{77661E93-7F63-43DB-8F70-F7627385C301}" type="presOf" srcId="{D1424278-B4BF-48FD-BD7F-43BB4198C45E}" destId="{1F977013-8D01-457C-BF74-0007130FF42E}" srcOrd="0" destOrd="0" presId="urn:microsoft.com/office/officeart/2005/8/layout/bProcess3"/>
+    <dgm:cxn modelId="{533E73A3-D491-40A4-B837-A6E1E2AB1E26}" type="presOf" srcId="{12429059-AE68-44B6-A08A-166C2A6F1376}" destId="{A1A56B5A-CA55-4D26-9AAF-EBDFDA3696DD}" srcOrd="1" destOrd="0" presId="urn:microsoft.com/office/officeart/2005/8/layout/bProcess3"/>
+    <dgm:cxn modelId="{ABAB24A6-740E-4084-B4A3-B50015E076CA}" srcId="{4410F19C-9AF8-455E-BB49-82795D97D9E4}" destId="{57731373-C80E-4E09-AE92-8009F2922300}" srcOrd="5" destOrd="0" parTransId="{013B1CA8-BB4E-4DEE-87FD-32BFB3E7CA2B}" sibTransId="{6353064C-C095-4BD2-86C8-CCA4CC1A7966}"/>
+    <dgm:cxn modelId="{0B9464B0-A7D5-4E3F-B6C5-767D7F8955E7}" type="presOf" srcId="{A53F8EA2-6990-4944-837A-8A05BF1AA3F9}" destId="{C9CDB5AA-AFA6-4E60-8069-F7AB9EF42501}" srcOrd="0" destOrd="0" presId="urn:microsoft.com/office/officeart/2005/8/layout/bProcess3"/>
+    <dgm:cxn modelId="{F7ADA3B0-8179-4460-AC1B-C99690DAB42D}" type="presOf" srcId="{5E3834B2-A93D-4F9F-A3C4-748C7BCCDB2D}" destId="{766094CA-2905-4E67-8970-87C58DD13910}" srcOrd="1" destOrd="0" presId="urn:microsoft.com/office/officeart/2005/8/layout/bProcess3"/>
+    <dgm:cxn modelId="{C464BCC0-37A4-4871-B1BA-FB6B42DD6488}" srcId="{4410F19C-9AF8-455E-BB49-82795D97D9E4}" destId="{0C7CBAC5-3B93-4226-9C7C-524F05CDC9C2}" srcOrd="3" destOrd="0" parTransId="{C17DD012-30AF-447D-AB9A-118012DBFCD7}" sibTransId="{002B7378-1D44-4A2E-9313-C8753BDC6B7C}"/>
+    <dgm:cxn modelId="{6082ABC2-B019-472C-A018-FAB8BD33B048}" type="presOf" srcId="{0C7CBAC5-3B93-4226-9C7C-524F05CDC9C2}" destId="{DC176FE8-EBD1-4E58-B8DE-9A628B1067C4}" srcOrd="0" destOrd="0" presId="urn:microsoft.com/office/officeart/2005/8/layout/bProcess3"/>
+    <dgm:cxn modelId="{656A68F4-5DEF-43B8-A6F9-5CBD4F488489}" srcId="{4410F19C-9AF8-455E-BB49-82795D97D9E4}" destId="{BEE22CC3-71A8-4FE2-A916-4C37F1A89AFD}" srcOrd="0" destOrd="0" parTransId="{0D3FA5E1-6F04-4794-B618-8583A1F33BB7}" sibTransId="{12429059-AE68-44B6-A08A-166C2A6F1376}"/>
+    <dgm:cxn modelId="{B57A58AD-6F14-4261-9274-1F0E4A8ED2F6}" type="presParOf" srcId="{4C1C69C1-DAA9-4E29-A4CE-7C992F91D42F}" destId="{26C05194-595E-44D1-84CB-2197238A83C4}" srcOrd="0" destOrd="0" presId="urn:microsoft.com/office/officeart/2005/8/layout/bProcess3"/>
+    <dgm:cxn modelId="{A016F4A2-FF70-441F-828E-B77CE6F87A78}" type="presParOf" srcId="{4C1C69C1-DAA9-4E29-A4CE-7C992F91D42F}" destId="{27649699-B745-4AC1-9D9D-D35BEE6C4113}" srcOrd="1" destOrd="0" presId="urn:microsoft.com/office/officeart/2005/8/layout/bProcess3"/>
+    <dgm:cxn modelId="{CF7A1DE2-EFA8-420E-B927-1CDDE1937022}" type="presParOf" srcId="{27649699-B745-4AC1-9D9D-D35BEE6C4113}" destId="{A1A56B5A-CA55-4D26-9AAF-EBDFDA3696DD}" srcOrd="0" destOrd="0" presId="urn:microsoft.com/office/officeart/2005/8/layout/bProcess3"/>
+    <dgm:cxn modelId="{0DDDC4F4-42E1-4108-AED1-34590FC2A5C4}" type="presParOf" srcId="{4C1C69C1-DAA9-4E29-A4CE-7C992F91D42F}" destId="{A9BC978D-AED0-4E09-BF79-F26E8D1CF4A1}" srcOrd="2" destOrd="0" presId="urn:microsoft.com/office/officeart/2005/8/layout/bProcess3"/>
+    <dgm:cxn modelId="{4CF5D583-5F30-421E-931D-7EE422D34D61}" type="presParOf" srcId="{4C1C69C1-DAA9-4E29-A4CE-7C992F91D42F}" destId="{517F039B-46A4-4CED-9BE1-83705535D140}" srcOrd="3" destOrd="0" presId="urn:microsoft.com/office/officeart/2005/8/layout/bProcess3"/>
+    <dgm:cxn modelId="{687A4A47-3486-4C52-96CD-250EB5C7C2BC}" type="presParOf" srcId="{517F039B-46A4-4CED-9BE1-83705535D140}" destId="{87AADF7E-62D6-4428-9714-F8C6A8B78AFA}" srcOrd="0" destOrd="0" presId="urn:microsoft.com/office/officeart/2005/8/layout/bProcess3"/>
+    <dgm:cxn modelId="{91718671-C5DF-4FA7-86BD-66596C296687}" type="presParOf" srcId="{4C1C69C1-DAA9-4E29-A4CE-7C992F91D42F}" destId="{1F977013-8D01-457C-BF74-0007130FF42E}" srcOrd="4" destOrd="0" presId="urn:microsoft.com/office/officeart/2005/8/layout/bProcess3"/>
+    <dgm:cxn modelId="{ECBE473B-EED1-437C-B21F-2822A2F02712}" type="presParOf" srcId="{4C1C69C1-DAA9-4E29-A4CE-7C992F91D42F}" destId="{058BA394-4F29-4EF1-ABF8-0419C44C1287}" srcOrd="5" destOrd="0" presId="urn:microsoft.com/office/officeart/2005/8/layout/bProcess3"/>
+    <dgm:cxn modelId="{4FA91E9F-5BE1-413E-9E6F-76AA674F46E7}" type="presParOf" srcId="{058BA394-4F29-4EF1-ABF8-0419C44C1287}" destId="{766094CA-2905-4E67-8970-87C58DD13910}" srcOrd="0" destOrd="0" presId="urn:microsoft.com/office/officeart/2005/8/layout/bProcess3"/>
+    <dgm:cxn modelId="{56108A14-B393-42FB-8DE7-5651781EE301}" type="presParOf" srcId="{4C1C69C1-DAA9-4E29-A4CE-7C992F91D42F}" destId="{DC176FE8-EBD1-4E58-B8DE-9A628B1067C4}" srcOrd="6" destOrd="0" presId="urn:microsoft.com/office/officeart/2005/8/layout/bProcess3"/>
+    <dgm:cxn modelId="{2C783FBD-DFE5-4B2A-9EF9-C7DBE7B6E2B3}" type="presParOf" srcId="{4C1C69C1-DAA9-4E29-A4CE-7C992F91D42F}" destId="{1616C7BD-4700-4B40-9DC1-FC4704F28B81}" srcOrd="7" destOrd="0" presId="urn:microsoft.com/office/officeart/2005/8/layout/bProcess3"/>
+    <dgm:cxn modelId="{95A140C0-ECE4-4E9B-AC5A-BF5972BBBFCD}" type="presParOf" srcId="{1616C7BD-4700-4B40-9DC1-FC4704F28B81}" destId="{65F2B20B-A30C-42CC-A62D-787D9307324F}" srcOrd="0" destOrd="0" presId="urn:microsoft.com/office/officeart/2005/8/layout/bProcess3"/>
+    <dgm:cxn modelId="{37276ED4-EB1F-4961-8A1E-712BC95FEC2B}" type="presParOf" srcId="{4C1C69C1-DAA9-4E29-A4CE-7C992F91D42F}" destId="{C9CDB5AA-AFA6-4E60-8069-F7AB9EF42501}" srcOrd="8" destOrd="0" presId="urn:microsoft.com/office/officeart/2005/8/layout/bProcess3"/>
+    <dgm:cxn modelId="{90EB3993-E8F5-4FBC-9C3A-7169F7D5B019}" type="presParOf" srcId="{4C1C69C1-DAA9-4E29-A4CE-7C992F91D42F}" destId="{FC9A3AA5-D906-45CE-82DB-2B5D69081942}" srcOrd="9" destOrd="0" presId="urn:microsoft.com/office/officeart/2005/8/layout/bProcess3"/>
+    <dgm:cxn modelId="{F2AC2D1D-922D-46FE-A897-55DDD28E17B8}" type="presParOf" srcId="{FC9A3AA5-D906-45CE-82DB-2B5D69081942}" destId="{D058FE29-7F42-400C-A266-F0C72530FEA6}" srcOrd="0" destOrd="0" presId="urn:microsoft.com/office/officeart/2005/8/layout/bProcess3"/>
+    <dgm:cxn modelId="{3BB3BDF2-C234-42D1-8FF9-EB41864AD314}" type="presParOf" srcId="{4C1C69C1-DAA9-4E29-A4CE-7C992F91D42F}" destId="{25062737-8A56-4984-94AB-53248B63EA16}" srcOrd="10" destOrd="0" presId="urn:microsoft.com/office/officeart/2005/8/layout/bProcess3"/>
+  </dgm:cxnLst>
+  <dgm:bg/>
+  <dgm:whole/>
+  <dgm:extLst>
+    <a:ext uri="http://schemas.microsoft.com/office/drawing/2008/diagram">
+      <dsp:dataModelExt xmlns:dsp="http://schemas.microsoft.com/office/drawing/2008/diagram" relId="rId6" minVer="http://schemas.openxmlformats.org/drawingml/2006/diagram"/>
+    </a:ext>
+  </dgm:extLst>
+</dgm:dataModel>
+</file>
+
+<file path=ppt/diagrams/data2.xml><?xml version="1.0" encoding="utf-8"?>
 <dgm:dataModel xmlns:dgm="http://schemas.openxmlformats.org/drawingml/2006/diagram" xmlns:a="http://schemas.openxmlformats.org/drawingml/2006/main">
   <dgm:ptLst>
     <dgm:pt modelId="{E2054BF5-F8CB-4419-8BF7-35D07DB4FB26}" type="doc">
@@ -2920,13 +4170,6 @@
     <dgm:cxn modelId="{000ABB37-BAF6-45B1-8186-AC4FD34DBD80}" srcId="{B175281C-178F-406D-AE70-093369BD641A}" destId="{FB71929B-753E-4653-8F45-3EEE374AE6CC}" srcOrd="1" destOrd="0" parTransId="{355D9102-6D06-4334-9432-0FFCE7877B70}" sibTransId="{EB7389E2-FAB5-49FD-A383-89550947F9C2}"/>
     <dgm:cxn modelId="{BDE1233A-EA55-459D-89DB-04BB83D384A2}" srcId="{09C3324E-9336-456E-85C7-91CB2EA69F76}" destId="{3A8EEFEE-64FF-4FD1-B643-DA629220C7A0}" srcOrd="0" destOrd="0" parTransId="{C33DDF5E-7E4D-4B95-9051-7E281DF817C1}" sibTransId="{98A38D5B-839E-4671-8170-06750DCCB21A}"/>
     <dgm:cxn modelId="{D113093B-AD6C-4670-B2F3-1EBAAEC8B48E}" srcId="{FB71929B-753E-4653-8F45-3EEE374AE6CC}" destId="{2F42A220-4910-4A31-8F84-5B28FDD5B4ED}" srcOrd="1" destOrd="0" parTransId="{72101D0B-1019-47B1-AA9E-0E38A8371E9F}" sibTransId="{74AA7E7F-8001-405A-A38C-864D01ECA733}"/>
-    <dgm:cxn modelId="{B897B14A-B026-454D-B323-DD3E7265C9CF}" type="presOf" srcId="{9069B342-234C-40F0-AE36-628784B96AD8}" destId="{C6B43F54-4DE6-48F5-9642-DDF69CEC676F}" srcOrd="1" destOrd="0" presId="urn:microsoft.com/office/officeart/2005/8/layout/orgChart1"/>
-    <dgm:cxn modelId="{52CBBD4D-B38A-4DCF-B07A-4CA21413E486}" type="presOf" srcId="{56CA2637-857C-4119-909B-76EA4272DD32}" destId="{A3155A5E-C74C-45B8-BBAE-ABF4C6A45D9F}" srcOrd="1" destOrd="0" presId="urn:microsoft.com/office/officeart/2005/8/layout/orgChart1"/>
-    <dgm:cxn modelId="{8927314E-49D5-4262-9BCE-1A9128D3ED66}" type="presOf" srcId="{9B9D410A-7A9A-416A-9F12-E2403D566ED3}" destId="{F0CDD765-D3BE-43BD-9B4F-67B17C436B43}" srcOrd="1" destOrd="0" presId="urn:microsoft.com/office/officeart/2005/8/layout/orgChart1"/>
-    <dgm:cxn modelId="{E630674E-C191-4EFB-A961-2AB453DA9A89}" type="presOf" srcId="{5A2054A7-EB01-404C-8751-ECB80EEF1ECD}" destId="{479CF454-9913-4664-903D-C4C024A89E7E}" srcOrd="0" destOrd="0" presId="urn:microsoft.com/office/officeart/2005/8/layout/orgChart1"/>
-    <dgm:cxn modelId="{C7036C53-12A7-488F-AA58-F0EFD30403BD}" srcId="{302B97D2-1014-49D0-9622-B223F81CDC43}" destId="{662AA260-FF02-4DAA-AA13-5EB1D1CD32F4}" srcOrd="1" destOrd="0" parTransId="{5A2054A7-EB01-404C-8751-ECB80EEF1ECD}" sibTransId="{F60B1252-C61E-4CA2-AFB8-22DFE2C8862C}"/>
-    <dgm:cxn modelId="{94ABB353-2598-4A0E-A3E4-15A4B81CAF9D}" type="presOf" srcId="{2F42A220-4910-4A31-8F84-5B28FDD5B4ED}" destId="{E400B6D4-5308-4F14-B09D-5804E798C260}" srcOrd="1" destOrd="0" presId="urn:microsoft.com/office/officeart/2005/8/layout/orgChart1"/>
-    <dgm:cxn modelId="{717B2357-16AA-48E0-AF54-9E25FEB66530}" type="presOf" srcId="{6EFF71A3-F6C7-4247-902F-03F1906AF4B5}" destId="{9CC03CAF-0A94-43ED-9C9A-AD72549C7C3E}" srcOrd="0" destOrd="0" presId="urn:microsoft.com/office/officeart/2005/8/layout/orgChart1"/>
     <dgm:cxn modelId="{4016FC5D-0B0D-4D83-90F7-3678559BCB12}" srcId="{F9497423-7787-43BF-A1BE-F44991785509}" destId="{B2960507-5DFE-4AE5-8926-0C45FA5E9053}" srcOrd="0" destOrd="0" parTransId="{8A04D1E6-62FF-427D-86AA-376D0CF6B3B4}" sibTransId="{3987DF88-A0A3-45F4-B49E-FC33CC0B7CF7}"/>
     <dgm:cxn modelId="{3B280C60-47C0-42DA-B237-4AB51F409214}" type="presOf" srcId="{56CA2637-857C-4119-909B-76EA4272DD32}" destId="{542C40A6-7170-4C11-A121-34C6ADC5E028}" srcOrd="0" destOrd="0" presId="urn:microsoft.com/office/officeart/2005/8/layout/orgChart1"/>
     <dgm:cxn modelId="{82348E60-0A89-4CED-9399-C9FBD8814182}" type="presOf" srcId="{CE77F216-7BFD-42E5-A225-35A95FE271BF}" destId="{2CB542B1-2493-4BD2-9146-281EC2143D6E}" srcOrd="0" destOrd="0" presId="urn:microsoft.com/office/officeart/2005/8/layout/orgChart1"/>
@@ -2939,8 +4182,15 @@
     <dgm:cxn modelId="{F5841069-F754-4C2C-8660-431378262C03}" type="presOf" srcId="{50634887-9D04-441A-8E79-0541A92F607A}" destId="{14BE5F11-99D2-446B-9F4A-CE0AA1825208}" srcOrd="1" destOrd="0" presId="urn:microsoft.com/office/officeart/2005/8/layout/orgChart1"/>
     <dgm:cxn modelId="{C3F33B69-A906-41D4-857E-356E72AD4ED4}" srcId="{D82D1971-C486-4E87-8A15-F75DDF0E4844}" destId="{6C3C03FB-37C6-484E-9B68-076CC13622CD}" srcOrd="0" destOrd="0" parTransId="{A386C645-D06C-4261-AF7F-5AB4F14D4978}" sibTransId="{92E7E636-D32C-4AAB-B4CC-2FD64A546BB0}"/>
     <dgm:cxn modelId="{8AC2A06A-7C95-49FC-AAB3-CB0AA8B44B75}" srcId="{9069B342-234C-40F0-AE36-628784B96AD8}" destId="{17B2640D-4177-40D0-9CC6-F484AD058A4A}" srcOrd="0" destOrd="0" parTransId="{2975A251-6964-42E7-8375-87B8635C2199}" sibTransId="{E708A18D-A600-4DB1-A9F9-F21E5713C3A1}"/>
+    <dgm:cxn modelId="{B897B14A-B026-454D-B323-DD3E7265C9CF}" type="presOf" srcId="{9069B342-234C-40F0-AE36-628784B96AD8}" destId="{C6B43F54-4DE6-48F5-9642-DDF69CEC676F}" srcOrd="1" destOrd="0" presId="urn:microsoft.com/office/officeart/2005/8/layout/orgChart1"/>
+    <dgm:cxn modelId="{52CBBD4D-B38A-4DCF-B07A-4CA21413E486}" type="presOf" srcId="{56CA2637-857C-4119-909B-76EA4272DD32}" destId="{A3155A5E-C74C-45B8-BBAE-ABF4C6A45D9F}" srcOrd="1" destOrd="0" presId="urn:microsoft.com/office/officeart/2005/8/layout/orgChart1"/>
+    <dgm:cxn modelId="{8927314E-49D5-4262-9BCE-1A9128D3ED66}" type="presOf" srcId="{9B9D410A-7A9A-416A-9F12-E2403D566ED3}" destId="{F0CDD765-D3BE-43BD-9B4F-67B17C436B43}" srcOrd="1" destOrd="0" presId="urn:microsoft.com/office/officeart/2005/8/layout/orgChart1"/>
+    <dgm:cxn modelId="{E630674E-C191-4EFB-A961-2AB453DA9A89}" type="presOf" srcId="{5A2054A7-EB01-404C-8751-ECB80EEF1ECD}" destId="{479CF454-9913-4664-903D-C4C024A89E7E}" srcOrd="0" destOrd="0" presId="urn:microsoft.com/office/officeart/2005/8/layout/orgChart1"/>
     <dgm:cxn modelId="{B98A7972-B786-4B69-9E7E-BA53A690E9D0}" type="presOf" srcId="{A0589EB2-684A-4614-A8DB-97B038888ED3}" destId="{650D0449-0118-4ED5-8E28-07BC9FB831A8}" srcOrd="0" destOrd="0" presId="urn:microsoft.com/office/officeart/2005/8/layout/orgChart1"/>
+    <dgm:cxn modelId="{C7036C53-12A7-488F-AA58-F0EFD30403BD}" srcId="{302B97D2-1014-49D0-9622-B223F81CDC43}" destId="{662AA260-FF02-4DAA-AA13-5EB1D1CD32F4}" srcOrd="1" destOrd="0" parTransId="{5A2054A7-EB01-404C-8751-ECB80EEF1ECD}" sibTransId="{F60B1252-C61E-4CA2-AFB8-22DFE2C8862C}"/>
+    <dgm:cxn modelId="{94ABB353-2598-4A0E-A3E4-15A4B81CAF9D}" type="presOf" srcId="{2F42A220-4910-4A31-8F84-5B28FDD5B4ED}" destId="{E400B6D4-5308-4F14-B09D-5804E798C260}" srcOrd="1" destOrd="0" presId="urn:microsoft.com/office/officeart/2005/8/layout/orgChart1"/>
     <dgm:cxn modelId="{54C2F573-7CBC-4BCE-940F-283A49644961}" type="presOf" srcId="{09C3324E-9336-456E-85C7-91CB2EA69F76}" destId="{60021657-9451-477A-9A60-43EFCD73E3C6}" srcOrd="0" destOrd="0" presId="urn:microsoft.com/office/officeart/2005/8/layout/orgChart1"/>
+    <dgm:cxn modelId="{717B2357-16AA-48E0-AF54-9E25FEB66530}" type="presOf" srcId="{6EFF71A3-F6C7-4247-902F-03F1906AF4B5}" destId="{9CC03CAF-0A94-43ED-9C9A-AD72549C7C3E}" srcOrd="0" destOrd="0" presId="urn:microsoft.com/office/officeart/2005/8/layout/orgChart1"/>
     <dgm:cxn modelId="{A7041778-F461-4DFE-A6B5-07019907C326}" type="presOf" srcId="{B175281C-178F-406D-AE70-093369BD641A}" destId="{76CB79F9-F49D-4AE9-A7FD-239231C89790}" srcOrd="0" destOrd="0" presId="urn:microsoft.com/office/officeart/2005/8/layout/orgChart1"/>
     <dgm:cxn modelId="{1110397B-F1EA-44CE-9ABF-B5F830C74B4E}" type="presOf" srcId="{D82D1971-C486-4E87-8A15-F75DDF0E4844}" destId="{57D95651-A607-4454-AD5B-C4663C156726}" srcOrd="0" destOrd="0" presId="urn:microsoft.com/office/officeart/2005/8/layout/orgChart1"/>
     <dgm:cxn modelId="{F317587C-0A3A-4F9E-BB5C-797F6265CC63}" type="presOf" srcId="{10CD3D5C-FABB-4B36-8767-3BF69811C364}" destId="{938B9CA9-5A6D-42B0-94F7-33082A37F4E0}" srcOrd="1" destOrd="0" presId="urn:microsoft.com/office/officeart/2005/8/layout/orgChart1"/>
@@ -3160,6 +4410,915 @@
 </file>
 
 <file path=ppt/diagrams/drawing1.xml><?xml version="1.0" encoding="utf-8"?>
+<dsp:drawing xmlns:dgm="http://schemas.openxmlformats.org/drawingml/2006/diagram" xmlns:dsp="http://schemas.microsoft.com/office/drawing/2008/diagram" xmlns:a="http://schemas.openxmlformats.org/drawingml/2006/main">
+  <dsp:spTree>
+    <dsp:nvGrpSpPr>
+      <dsp:cNvPr id="0" name=""/>
+      <dsp:cNvGrpSpPr/>
+    </dsp:nvGrpSpPr>
+    <dsp:grpSpPr/>
+    <dsp:sp modelId="{27649699-B745-4AC1-9D9D-D35BEE6C4113}">
+      <dsp:nvSpPr>
+        <dsp:cNvPr id="0" name=""/>
+        <dsp:cNvSpPr/>
+      </dsp:nvSpPr>
+      <dsp:spPr>
+        <a:xfrm>
+          <a:off x="2504607" y="756235"/>
+          <a:ext cx="544346" cy="91440"/>
+        </a:xfrm>
+        <a:custGeom>
+          <a:avLst/>
+          <a:gdLst/>
+          <a:ahLst/>
+          <a:cxnLst/>
+          <a:rect l="0" t="0" r="0" b="0"/>
+          <a:pathLst>
+            <a:path>
+              <a:moveTo>
+                <a:pt x="0" y="45720"/>
+              </a:moveTo>
+              <a:lnTo>
+                <a:pt x="544346" y="45720"/>
+              </a:lnTo>
+            </a:path>
+          </a:pathLst>
+        </a:custGeom>
+        <a:noFill/>
+        <a:ln w="38100" cap="rnd" cmpd="sng" algn="ctr">
+          <a:solidFill>
+            <a:schemeClr val="accent3"/>
+          </a:solidFill>
+          <a:prstDash val="solid"/>
+          <a:round/>
+          <a:headEnd type="oval" w="sm" len="sm"/>
+          <a:tailEnd type="triangle"/>
+        </a:ln>
+        <a:effectLst/>
+      </dsp:spPr>
+      <dsp:style>
+        <a:lnRef idx="1">
+          <a:scrgbClr r="0" g="0" b="0"/>
+        </a:lnRef>
+        <a:fillRef idx="0">
+          <a:scrgbClr r="0" g="0" b="0"/>
+        </a:fillRef>
+        <a:effectRef idx="0">
+          <a:scrgbClr r="0" g="0" b="0"/>
+        </a:effectRef>
+        <a:fontRef idx="minor"/>
+      </dsp:style>
+      <dsp:txBody>
+        <a:bodyPr spcFirstLastPara="0" vert="horz" wrap="square" lIns="12700" tIns="0" rIns="12700" bIns="0" numCol="1" spcCol="1270" anchor="ctr" anchorCtr="0">
+          <a:noAutofit/>
+        </a:bodyPr>
+        <a:lstStyle/>
+        <a:p>
+          <a:pPr marL="0" lvl="0" indent="0" algn="ctr" defTabSz="400050">
+            <a:lnSpc>
+              <a:spcPct val="90000"/>
+            </a:lnSpc>
+            <a:spcBef>
+              <a:spcPct val="0"/>
+            </a:spcBef>
+            <a:spcAft>
+              <a:spcPct val="35000"/>
+            </a:spcAft>
+            <a:buNone/>
+          </a:pPr>
+          <a:endParaRPr lang="en-US" sz="900" kern="1200"/>
+        </a:p>
+      </dsp:txBody>
+      <dsp:txXfrm>
+        <a:off x="2762406" y="799080"/>
+        <a:ext cx="28747" cy="5749"/>
+      </dsp:txXfrm>
+    </dsp:sp>
+    <dsp:sp modelId="{26C05194-595E-44D1-84CB-2197238A83C4}">
+      <dsp:nvSpPr>
+        <dsp:cNvPr id="0" name=""/>
+        <dsp:cNvSpPr/>
+      </dsp:nvSpPr>
+      <dsp:spPr>
+        <a:xfrm>
+          <a:off x="6640" y="52025"/>
+          <a:ext cx="2499766" cy="1499859"/>
+        </a:xfrm>
+        <a:prstGeom prst="rect">
+          <a:avLst/>
+        </a:prstGeom>
+        <a:solidFill>
+          <a:schemeClr val="accent3">
+            <a:hueOff val="0"/>
+            <a:satOff val="0"/>
+            <a:lumOff val="0"/>
+            <a:alphaOff val="0"/>
+          </a:schemeClr>
+        </a:solidFill>
+        <a:ln w="25400" cap="flat" cmpd="sng" algn="ctr">
+          <a:solidFill>
+            <a:schemeClr val="lt1">
+              <a:hueOff val="0"/>
+              <a:satOff val="0"/>
+              <a:lumOff val="0"/>
+              <a:alphaOff val="0"/>
+            </a:schemeClr>
+          </a:solidFill>
+          <a:prstDash val="solid"/>
+        </a:ln>
+        <a:effectLst/>
+      </dsp:spPr>
+      <dsp:style>
+        <a:lnRef idx="2">
+          <a:scrgbClr r="0" g="0" b="0"/>
+        </a:lnRef>
+        <a:fillRef idx="1">
+          <a:scrgbClr r="0" g="0" b="0"/>
+        </a:fillRef>
+        <a:effectRef idx="0">
+          <a:scrgbClr r="0" g="0" b="0"/>
+        </a:effectRef>
+        <a:fontRef idx="minor">
+          <a:schemeClr val="lt1"/>
+        </a:fontRef>
+      </dsp:style>
+      <dsp:txBody>
+        <a:bodyPr spcFirstLastPara="0" vert="horz" wrap="square" lIns="99568" tIns="99568" rIns="99568" bIns="99568" numCol="1" spcCol="1270" anchor="ctr" anchorCtr="0">
+          <a:noAutofit/>
+        </a:bodyPr>
+        <a:lstStyle/>
+        <a:p>
+          <a:pPr marL="0" lvl="0" indent="0" algn="l" defTabSz="622300">
+            <a:lnSpc>
+              <a:spcPct val="90000"/>
+            </a:lnSpc>
+            <a:spcBef>
+              <a:spcPct val="0"/>
+            </a:spcBef>
+            <a:spcAft>
+              <a:spcPct val="35000"/>
+            </a:spcAft>
+            <a:buNone/>
+          </a:pPr>
+          <a:r>
+            <a:rPr lang="en-US" sz="1400" kern="1200" dirty="0"/>
+            <a:t>The Data Lake is defined as a </a:t>
+          </a:r>
+          <a:r>
+            <a:rPr lang="en-US" sz="1400" b="1" kern="1200" dirty="0"/>
+            <a:t>Datastore</a:t>
+          </a:r>
+        </a:p>
+      </dsp:txBody>
+      <dsp:txXfrm>
+        <a:off x="6640" y="52025"/>
+        <a:ext cx="2499766" cy="1499859"/>
+      </dsp:txXfrm>
+    </dsp:sp>
+    <dsp:sp modelId="{517F039B-46A4-4CED-9BE1-83705535D140}">
+      <dsp:nvSpPr>
+        <dsp:cNvPr id="0" name=""/>
+        <dsp:cNvSpPr/>
+      </dsp:nvSpPr>
+      <dsp:spPr>
+        <a:xfrm>
+          <a:off x="5579319" y="756235"/>
+          <a:ext cx="544346" cy="91440"/>
+        </a:xfrm>
+        <a:custGeom>
+          <a:avLst/>
+          <a:gdLst/>
+          <a:ahLst/>
+          <a:cxnLst/>
+          <a:rect l="0" t="0" r="0" b="0"/>
+          <a:pathLst>
+            <a:path>
+              <a:moveTo>
+                <a:pt x="0" y="45720"/>
+              </a:moveTo>
+              <a:lnTo>
+                <a:pt x="544346" y="45720"/>
+              </a:lnTo>
+            </a:path>
+          </a:pathLst>
+        </a:custGeom>
+        <a:noFill/>
+        <a:ln w="38100" cap="rnd" cmpd="sng" algn="ctr">
+          <a:solidFill>
+            <a:schemeClr val="accent3"/>
+          </a:solidFill>
+          <a:prstDash val="solid"/>
+          <a:round/>
+          <a:headEnd type="oval" w="sm" len="sm"/>
+          <a:tailEnd type="triangle"/>
+        </a:ln>
+        <a:effectLst/>
+      </dsp:spPr>
+      <dsp:style>
+        <a:lnRef idx="1">
+          <a:scrgbClr r="0" g="0" b="0"/>
+        </a:lnRef>
+        <a:fillRef idx="0">
+          <a:scrgbClr r="0" g="0" b="0"/>
+        </a:fillRef>
+        <a:effectRef idx="0">
+          <a:scrgbClr r="0" g="0" b="0"/>
+        </a:effectRef>
+        <a:fontRef idx="minor"/>
+      </dsp:style>
+      <dsp:txBody>
+        <a:bodyPr spcFirstLastPara="0" vert="horz" wrap="square" lIns="12700" tIns="0" rIns="12700" bIns="0" numCol="1" spcCol="1270" anchor="ctr" anchorCtr="0">
+          <a:noAutofit/>
+        </a:bodyPr>
+        <a:lstStyle/>
+        <a:p>
+          <a:pPr marL="0" lvl="0" indent="0" algn="ctr" defTabSz="400050">
+            <a:lnSpc>
+              <a:spcPct val="90000"/>
+            </a:lnSpc>
+            <a:spcBef>
+              <a:spcPct val="0"/>
+            </a:spcBef>
+            <a:spcAft>
+              <a:spcPct val="35000"/>
+            </a:spcAft>
+            <a:buNone/>
+          </a:pPr>
+          <a:endParaRPr lang="en-US" sz="900" kern="1200"/>
+        </a:p>
+      </dsp:txBody>
+      <dsp:txXfrm>
+        <a:off x="5837119" y="799080"/>
+        <a:ext cx="28747" cy="5749"/>
+      </dsp:txXfrm>
+    </dsp:sp>
+    <dsp:sp modelId="{A9BC978D-AED0-4E09-BF79-F26E8D1CF4A1}">
+      <dsp:nvSpPr>
+        <dsp:cNvPr id="0" name=""/>
+        <dsp:cNvSpPr/>
+      </dsp:nvSpPr>
+      <dsp:spPr>
+        <a:xfrm>
+          <a:off x="3081353" y="52025"/>
+          <a:ext cx="2499766" cy="1499859"/>
+        </a:xfrm>
+        <a:prstGeom prst="rect">
+          <a:avLst/>
+        </a:prstGeom>
+        <a:solidFill>
+          <a:schemeClr val="accent3">
+            <a:hueOff val="1661493"/>
+            <a:satOff val="-5138"/>
+            <a:lumOff val="2353"/>
+            <a:alphaOff val="0"/>
+          </a:schemeClr>
+        </a:solidFill>
+        <a:ln w="25400" cap="flat" cmpd="sng" algn="ctr">
+          <a:solidFill>
+            <a:schemeClr val="lt1">
+              <a:hueOff val="0"/>
+              <a:satOff val="0"/>
+              <a:lumOff val="0"/>
+              <a:alphaOff val="0"/>
+            </a:schemeClr>
+          </a:solidFill>
+          <a:prstDash val="solid"/>
+        </a:ln>
+        <a:effectLst/>
+      </dsp:spPr>
+      <dsp:style>
+        <a:lnRef idx="2">
+          <a:scrgbClr r="0" g="0" b="0"/>
+        </a:lnRef>
+        <a:fillRef idx="1">
+          <a:scrgbClr r="0" g="0" b="0"/>
+        </a:fillRef>
+        <a:effectRef idx="0">
+          <a:scrgbClr r="0" g="0" b="0"/>
+        </a:effectRef>
+        <a:fontRef idx="minor">
+          <a:schemeClr val="lt1"/>
+        </a:fontRef>
+      </dsp:style>
+      <dsp:txBody>
+        <a:bodyPr spcFirstLastPara="0" vert="horz" wrap="square" lIns="99568" tIns="99568" rIns="99568" bIns="99568" numCol="1" spcCol="1270" anchor="ctr" anchorCtr="0">
+          <a:noAutofit/>
+        </a:bodyPr>
+        <a:lstStyle/>
+        <a:p>
+          <a:pPr marL="0" lvl="0" indent="0" algn="l" defTabSz="622300">
+            <a:lnSpc>
+              <a:spcPct val="90000"/>
+            </a:lnSpc>
+            <a:spcBef>
+              <a:spcPct val="0"/>
+            </a:spcBef>
+            <a:spcAft>
+              <a:spcPct val="35000"/>
+            </a:spcAft>
+            <a:buNone/>
+          </a:pPr>
+          <a:r>
+            <a:rPr lang="en-US" sz="1400" kern="1200" dirty="0"/>
+            <a:t>A file from the Datastore is registered as a </a:t>
+          </a:r>
+          <a:r>
+            <a:rPr lang="en-US" sz="1400" b="1" kern="1200" dirty="0"/>
+            <a:t>Dataset</a:t>
+          </a:r>
+          <a:r>
+            <a:rPr lang="en-US" sz="1400" kern="1200" dirty="0"/>
+            <a:t> and versioned</a:t>
+          </a:r>
+        </a:p>
+      </dsp:txBody>
+      <dsp:txXfrm>
+        <a:off x="3081353" y="52025"/>
+        <a:ext cx="2499766" cy="1499859"/>
+      </dsp:txXfrm>
+    </dsp:sp>
+    <dsp:sp modelId="{058BA394-4F29-4EF1-ABF8-0419C44C1287}">
+      <dsp:nvSpPr>
+        <dsp:cNvPr id="0" name=""/>
+        <dsp:cNvSpPr/>
+      </dsp:nvSpPr>
+      <dsp:spPr>
+        <a:xfrm>
+          <a:off x="1256523" y="1550085"/>
+          <a:ext cx="6149425" cy="544346"/>
+        </a:xfrm>
+        <a:custGeom>
+          <a:avLst/>
+          <a:gdLst/>
+          <a:ahLst/>
+          <a:cxnLst/>
+          <a:rect l="0" t="0" r="0" b="0"/>
+          <a:pathLst>
+            <a:path>
+              <a:moveTo>
+                <a:pt x="6149425" y="0"/>
+              </a:moveTo>
+              <a:lnTo>
+                <a:pt x="6149425" y="289273"/>
+              </a:lnTo>
+              <a:lnTo>
+                <a:pt x="0" y="289273"/>
+              </a:lnTo>
+              <a:lnTo>
+                <a:pt x="0" y="544346"/>
+              </a:lnTo>
+            </a:path>
+          </a:pathLst>
+        </a:custGeom>
+        <a:noFill/>
+        <a:ln w="38100" cap="rnd" cmpd="sng" algn="ctr">
+          <a:solidFill>
+            <a:schemeClr val="accent3"/>
+          </a:solidFill>
+          <a:prstDash val="solid"/>
+          <a:round/>
+          <a:headEnd type="oval" w="sm" len="sm"/>
+          <a:tailEnd type="triangle"/>
+        </a:ln>
+        <a:effectLst/>
+      </dsp:spPr>
+      <dsp:style>
+        <a:lnRef idx="1">
+          <a:scrgbClr r="0" g="0" b="0"/>
+        </a:lnRef>
+        <a:fillRef idx="0">
+          <a:scrgbClr r="0" g="0" b="0"/>
+        </a:fillRef>
+        <a:effectRef idx="0">
+          <a:scrgbClr r="0" g="0" b="0"/>
+        </a:effectRef>
+        <a:fontRef idx="minor"/>
+      </dsp:style>
+      <dsp:txBody>
+        <a:bodyPr spcFirstLastPara="0" vert="horz" wrap="square" lIns="12700" tIns="0" rIns="12700" bIns="0" numCol="1" spcCol="1270" anchor="ctr" anchorCtr="0">
+          <a:noAutofit/>
+        </a:bodyPr>
+        <a:lstStyle/>
+        <a:p>
+          <a:pPr marL="0" lvl="0" indent="0" algn="ctr" defTabSz="400050">
+            <a:lnSpc>
+              <a:spcPct val="90000"/>
+            </a:lnSpc>
+            <a:spcBef>
+              <a:spcPct val="0"/>
+            </a:spcBef>
+            <a:spcAft>
+              <a:spcPct val="35000"/>
+            </a:spcAft>
+            <a:buNone/>
+          </a:pPr>
+          <a:endParaRPr lang="en-US" sz="900" kern="1200"/>
+        </a:p>
+      </dsp:txBody>
+      <dsp:txXfrm>
+        <a:off x="4176830" y="1819383"/>
+        <a:ext cx="308812" cy="5749"/>
+      </dsp:txXfrm>
+    </dsp:sp>
+    <dsp:sp modelId="{1F977013-8D01-457C-BF74-0007130FF42E}">
+      <dsp:nvSpPr>
+        <dsp:cNvPr id="0" name=""/>
+        <dsp:cNvSpPr/>
+      </dsp:nvSpPr>
+      <dsp:spPr>
+        <a:xfrm>
+          <a:off x="6156065" y="52025"/>
+          <a:ext cx="2499766" cy="1499859"/>
+        </a:xfrm>
+        <a:prstGeom prst="rect">
+          <a:avLst/>
+        </a:prstGeom>
+        <a:solidFill>
+          <a:schemeClr val="accent3">
+            <a:hueOff val="3322985"/>
+            <a:satOff val="-10275"/>
+            <a:lumOff val="4706"/>
+            <a:alphaOff val="0"/>
+          </a:schemeClr>
+        </a:solidFill>
+        <a:ln w="25400" cap="flat" cmpd="sng" algn="ctr">
+          <a:solidFill>
+            <a:schemeClr val="lt1">
+              <a:hueOff val="0"/>
+              <a:satOff val="0"/>
+              <a:lumOff val="0"/>
+              <a:alphaOff val="0"/>
+            </a:schemeClr>
+          </a:solidFill>
+          <a:prstDash val="solid"/>
+        </a:ln>
+        <a:effectLst/>
+      </dsp:spPr>
+      <dsp:style>
+        <a:lnRef idx="2">
+          <a:scrgbClr r="0" g="0" b="0"/>
+        </a:lnRef>
+        <a:fillRef idx="1">
+          <a:scrgbClr r="0" g="0" b="0"/>
+        </a:fillRef>
+        <a:effectRef idx="0">
+          <a:scrgbClr r="0" g="0" b="0"/>
+        </a:effectRef>
+        <a:fontRef idx="minor">
+          <a:schemeClr val="lt1"/>
+        </a:fontRef>
+      </dsp:style>
+      <dsp:txBody>
+        <a:bodyPr spcFirstLastPara="0" vert="horz" wrap="square" lIns="99568" tIns="99568" rIns="99568" bIns="99568" numCol="1" spcCol="1270" anchor="ctr" anchorCtr="0">
+          <a:noAutofit/>
+        </a:bodyPr>
+        <a:lstStyle/>
+        <a:p>
+          <a:pPr marL="0" lvl="0" indent="0" algn="l" defTabSz="622300">
+            <a:lnSpc>
+              <a:spcPct val="90000"/>
+            </a:lnSpc>
+            <a:spcBef>
+              <a:spcPct val="0"/>
+            </a:spcBef>
+            <a:spcAft>
+              <a:spcPct val="35000"/>
+            </a:spcAft>
+            <a:buNone/>
+          </a:pPr>
+          <a:r>
+            <a:rPr lang="en-US" sz="1400" kern="1200" dirty="0"/>
+            <a:t>The ML </a:t>
+          </a:r>
+          <a:r>
+            <a:rPr lang="en-US" sz="1400" b="1" kern="1200" dirty="0"/>
+            <a:t>experiment</a:t>
+          </a:r>
+          <a:r>
+            <a:rPr lang="en-US" sz="1400" kern="1200" dirty="0"/>
+            <a:t> is defined</a:t>
+          </a:r>
+        </a:p>
+      </dsp:txBody>
+      <dsp:txXfrm>
+        <a:off x="6156065" y="52025"/>
+        <a:ext cx="2499766" cy="1499859"/>
+      </dsp:txXfrm>
+    </dsp:sp>
+    <dsp:sp modelId="{1616C7BD-4700-4B40-9DC1-FC4704F28B81}">
+      <dsp:nvSpPr>
+        <dsp:cNvPr id="0" name=""/>
+        <dsp:cNvSpPr/>
+      </dsp:nvSpPr>
+      <dsp:spPr>
+        <a:xfrm>
+          <a:off x="2504607" y="2831041"/>
+          <a:ext cx="544346" cy="91440"/>
+        </a:xfrm>
+        <a:custGeom>
+          <a:avLst/>
+          <a:gdLst/>
+          <a:ahLst/>
+          <a:cxnLst/>
+          <a:rect l="0" t="0" r="0" b="0"/>
+          <a:pathLst>
+            <a:path>
+              <a:moveTo>
+                <a:pt x="0" y="45720"/>
+              </a:moveTo>
+              <a:lnTo>
+                <a:pt x="544346" y="45720"/>
+              </a:lnTo>
+            </a:path>
+          </a:pathLst>
+        </a:custGeom>
+        <a:noFill/>
+        <a:ln w="38100" cap="rnd" cmpd="sng" algn="ctr">
+          <a:solidFill>
+            <a:schemeClr val="accent3"/>
+          </a:solidFill>
+          <a:prstDash val="solid"/>
+          <a:round/>
+          <a:headEnd type="oval" w="sm" len="sm"/>
+          <a:tailEnd type="triangle"/>
+        </a:ln>
+        <a:effectLst/>
+      </dsp:spPr>
+      <dsp:style>
+        <a:lnRef idx="1">
+          <a:scrgbClr r="0" g="0" b="0"/>
+        </a:lnRef>
+        <a:fillRef idx="0">
+          <a:scrgbClr r="0" g="0" b="0"/>
+        </a:fillRef>
+        <a:effectRef idx="0">
+          <a:scrgbClr r="0" g="0" b="0"/>
+        </a:effectRef>
+        <a:fontRef idx="minor"/>
+      </dsp:style>
+      <dsp:txBody>
+        <a:bodyPr spcFirstLastPara="0" vert="horz" wrap="square" lIns="12700" tIns="0" rIns="12700" bIns="0" numCol="1" spcCol="1270" anchor="ctr" anchorCtr="0">
+          <a:noAutofit/>
+        </a:bodyPr>
+        <a:lstStyle/>
+        <a:p>
+          <a:pPr marL="0" lvl="0" indent="0" algn="ctr" defTabSz="400050">
+            <a:lnSpc>
+              <a:spcPct val="90000"/>
+            </a:lnSpc>
+            <a:spcBef>
+              <a:spcPct val="0"/>
+            </a:spcBef>
+            <a:spcAft>
+              <a:spcPct val="35000"/>
+            </a:spcAft>
+            <a:buNone/>
+          </a:pPr>
+          <a:endParaRPr lang="en-US" sz="900" kern="1200"/>
+        </a:p>
+      </dsp:txBody>
+      <dsp:txXfrm>
+        <a:off x="2762406" y="2873886"/>
+        <a:ext cx="28747" cy="5749"/>
+      </dsp:txXfrm>
+    </dsp:sp>
+    <dsp:sp modelId="{DC176FE8-EBD1-4E58-B8DE-9A628B1067C4}">
+      <dsp:nvSpPr>
+        <dsp:cNvPr id="0" name=""/>
+        <dsp:cNvSpPr/>
+      </dsp:nvSpPr>
+      <dsp:spPr>
+        <a:xfrm>
+          <a:off x="6640" y="2126831"/>
+          <a:ext cx="2499766" cy="1499859"/>
+        </a:xfrm>
+        <a:prstGeom prst="rect">
+          <a:avLst/>
+        </a:prstGeom>
+        <a:solidFill>
+          <a:schemeClr val="accent3">
+            <a:hueOff val="4984477"/>
+            <a:satOff val="-15413"/>
+            <a:lumOff val="7059"/>
+            <a:alphaOff val="0"/>
+          </a:schemeClr>
+        </a:solidFill>
+        <a:ln w="25400" cap="flat" cmpd="sng" algn="ctr">
+          <a:solidFill>
+            <a:schemeClr val="lt1">
+              <a:hueOff val="0"/>
+              <a:satOff val="0"/>
+              <a:lumOff val="0"/>
+              <a:alphaOff val="0"/>
+            </a:schemeClr>
+          </a:solidFill>
+          <a:prstDash val="solid"/>
+        </a:ln>
+        <a:effectLst/>
+      </dsp:spPr>
+      <dsp:style>
+        <a:lnRef idx="2">
+          <a:scrgbClr r="0" g="0" b="0"/>
+        </a:lnRef>
+        <a:fillRef idx="1">
+          <a:scrgbClr r="0" g="0" b="0"/>
+        </a:fillRef>
+        <a:effectRef idx="0">
+          <a:scrgbClr r="0" g="0" b="0"/>
+        </a:effectRef>
+        <a:fontRef idx="minor">
+          <a:schemeClr val="lt1"/>
+        </a:fontRef>
+      </dsp:style>
+      <dsp:txBody>
+        <a:bodyPr spcFirstLastPara="0" vert="horz" wrap="square" lIns="99568" tIns="99568" rIns="99568" bIns="99568" numCol="1" spcCol="1270" anchor="ctr" anchorCtr="0">
+          <a:noAutofit/>
+        </a:bodyPr>
+        <a:lstStyle/>
+        <a:p>
+          <a:pPr marL="0" lvl="0" indent="0" algn="l" defTabSz="622300">
+            <a:lnSpc>
+              <a:spcPct val="90000"/>
+            </a:lnSpc>
+            <a:spcBef>
+              <a:spcPct val="0"/>
+            </a:spcBef>
+            <a:spcAft>
+              <a:spcPct val="35000"/>
+            </a:spcAft>
+            <a:buNone/>
+          </a:pPr>
+          <a:r>
+            <a:rPr lang="en-US" sz="1400" kern="1200" dirty="0"/>
+            <a:t>ML models are </a:t>
+          </a:r>
+          <a:r>
+            <a:rPr lang="en-US" sz="1400" b="1" kern="1200" dirty="0"/>
+            <a:t>trained</a:t>
+          </a:r>
+          <a:r>
+            <a:rPr lang="en-US" sz="1400" kern="1200" dirty="0"/>
+            <a:t> under the experiment (using a registered dataset) and a Run is defined</a:t>
+          </a:r>
+        </a:p>
+      </dsp:txBody>
+      <dsp:txXfrm>
+        <a:off x="6640" y="2126831"/>
+        <a:ext cx="2499766" cy="1499859"/>
+      </dsp:txXfrm>
+    </dsp:sp>
+    <dsp:sp modelId="{FC9A3AA5-D906-45CE-82DB-2B5D69081942}">
+      <dsp:nvSpPr>
+        <dsp:cNvPr id="0" name=""/>
+        <dsp:cNvSpPr/>
+      </dsp:nvSpPr>
+      <dsp:spPr>
+        <a:xfrm>
+          <a:off x="5579319" y="2831041"/>
+          <a:ext cx="544346" cy="91440"/>
+        </a:xfrm>
+        <a:custGeom>
+          <a:avLst/>
+          <a:gdLst/>
+          <a:ahLst/>
+          <a:cxnLst/>
+          <a:rect l="0" t="0" r="0" b="0"/>
+          <a:pathLst>
+            <a:path>
+              <a:moveTo>
+                <a:pt x="0" y="45720"/>
+              </a:moveTo>
+              <a:lnTo>
+                <a:pt x="544346" y="45720"/>
+              </a:lnTo>
+            </a:path>
+          </a:pathLst>
+        </a:custGeom>
+        <a:noFill/>
+        <a:ln w="38100" cap="rnd" cmpd="sng" algn="ctr">
+          <a:solidFill>
+            <a:schemeClr val="accent3"/>
+          </a:solidFill>
+          <a:prstDash val="solid"/>
+          <a:round/>
+          <a:headEnd type="oval" w="sm" len="sm"/>
+          <a:tailEnd type="triangle"/>
+        </a:ln>
+        <a:effectLst/>
+      </dsp:spPr>
+      <dsp:style>
+        <a:lnRef idx="1">
+          <a:scrgbClr r="0" g="0" b="0"/>
+        </a:lnRef>
+        <a:fillRef idx="0">
+          <a:scrgbClr r="0" g="0" b="0"/>
+        </a:fillRef>
+        <a:effectRef idx="0">
+          <a:scrgbClr r="0" g="0" b="0"/>
+        </a:effectRef>
+        <a:fontRef idx="minor"/>
+      </dsp:style>
+      <dsp:txBody>
+        <a:bodyPr spcFirstLastPara="0" vert="horz" wrap="square" lIns="12700" tIns="0" rIns="12700" bIns="0" numCol="1" spcCol="1270" anchor="ctr" anchorCtr="0">
+          <a:noAutofit/>
+        </a:bodyPr>
+        <a:lstStyle/>
+        <a:p>
+          <a:pPr marL="0" lvl="0" indent="0" algn="ctr" defTabSz="400050">
+            <a:lnSpc>
+              <a:spcPct val="90000"/>
+            </a:lnSpc>
+            <a:spcBef>
+              <a:spcPct val="0"/>
+            </a:spcBef>
+            <a:spcAft>
+              <a:spcPct val="35000"/>
+            </a:spcAft>
+            <a:buNone/>
+          </a:pPr>
+          <a:endParaRPr lang="en-US" sz="900" kern="1200"/>
+        </a:p>
+      </dsp:txBody>
+      <dsp:txXfrm>
+        <a:off x="5837119" y="2873886"/>
+        <a:ext cx="28747" cy="5749"/>
+      </dsp:txXfrm>
+    </dsp:sp>
+    <dsp:sp modelId="{C9CDB5AA-AFA6-4E60-8069-F7AB9EF42501}">
+      <dsp:nvSpPr>
+        <dsp:cNvPr id="0" name=""/>
+        <dsp:cNvSpPr/>
+      </dsp:nvSpPr>
+      <dsp:spPr>
+        <a:xfrm>
+          <a:off x="3081353" y="2126831"/>
+          <a:ext cx="2499766" cy="1499859"/>
+        </a:xfrm>
+        <a:prstGeom prst="rect">
+          <a:avLst/>
+        </a:prstGeom>
+        <a:solidFill>
+          <a:schemeClr val="accent3">
+            <a:hueOff val="6645970"/>
+            <a:satOff val="-20550"/>
+            <a:lumOff val="9412"/>
+            <a:alphaOff val="0"/>
+          </a:schemeClr>
+        </a:solidFill>
+        <a:ln w="25400" cap="flat" cmpd="sng" algn="ctr">
+          <a:solidFill>
+            <a:schemeClr val="lt1">
+              <a:hueOff val="0"/>
+              <a:satOff val="0"/>
+              <a:lumOff val="0"/>
+              <a:alphaOff val="0"/>
+            </a:schemeClr>
+          </a:solidFill>
+          <a:prstDash val="solid"/>
+        </a:ln>
+        <a:effectLst/>
+      </dsp:spPr>
+      <dsp:style>
+        <a:lnRef idx="2">
+          <a:scrgbClr r="0" g="0" b="0"/>
+        </a:lnRef>
+        <a:fillRef idx="1">
+          <a:scrgbClr r="0" g="0" b="0"/>
+        </a:fillRef>
+        <a:effectRef idx="0">
+          <a:scrgbClr r="0" g="0" b="0"/>
+        </a:effectRef>
+        <a:fontRef idx="minor">
+          <a:schemeClr val="lt1"/>
+        </a:fontRef>
+      </dsp:style>
+      <dsp:txBody>
+        <a:bodyPr spcFirstLastPara="0" vert="horz" wrap="square" lIns="99568" tIns="99568" rIns="99568" bIns="99568" numCol="1" spcCol="1270" anchor="ctr" anchorCtr="0">
+          <a:noAutofit/>
+        </a:bodyPr>
+        <a:lstStyle/>
+        <a:p>
+          <a:pPr marL="0" lvl="0" indent="0" algn="l" defTabSz="622300">
+            <a:lnSpc>
+              <a:spcPct val="90000"/>
+            </a:lnSpc>
+            <a:spcBef>
+              <a:spcPct val="0"/>
+            </a:spcBef>
+            <a:spcAft>
+              <a:spcPct val="35000"/>
+            </a:spcAft>
+            <a:buNone/>
+          </a:pPr>
+          <a:r>
+            <a:rPr lang="en-US" sz="1400" kern="1200" dirty="0"/>
+            <a:t>The best model is </a:t>
+          </a:r>
+          <a:r>
+            <a:rPr lang="en-US" sz="1400" b="1" kern="1200" dirty="0"/>
+            <a:t>registered</a:t>
+          </a:r>
+          <a:r>
+            <a:rPr lang="en-US" sz="1400" kern="1200" dirty="0"/>
+            <a:t> and versioned</a:t>
+          </a:r>
+        </a:p>
+      </dsp:txBody>
+      <dsp:txXfrm>
+        <a:off x="3081353" y="2126831"/>
+        <a:ext cx="2499766" cy="1499859"/>
+      </dsp:txXfrm>
+    </dsp:sp>
+    <dsp:sp modelId="{25062737-8A56-4984-94AB-53248B63EA16}">
+      <dsp:nvSpPr>
+        <dsp:cNvPr id="0" name=""/>
+        <dsp:cNvSpPr/>
+      </dsp:nvSpPr>
+      <dsp:spPr>
+        <a:xfrm>
+          <a:off x="6156065" y="2126831"/>
+          <a:ext cx="2499766" cy="1499859"/>
+        </a:xfrm>
+        <a:prstGeom prst="rect">
+          <a:avLst/>
+        </a:prstGeom>
+        <a:solidFill>
+          <a:schemeClr val="accent3">
+            <a:hueOff val="8307462"/>
+            <a:satOff val="-25688"/>
+            <a:lumOff val="11765"/>
+            <a:alphaOff val="0"/>
+          </a:schemeClr>
+        </a:solidFill>
+        <a:ln w="25400" cap="flat" cmpd="sng" algn="ctr">
+          <a:solidFill>
+            <a:schemeClr val="lt1">
+              <a:hueOff val="0"/>
+              <a:satOff val="0"/>
+              <a:lumOff val="0"/>
+              <a:alphaOff val="0"/>
+            </a:schemeClr>
+          </a:solidFill>
+          <a:prstDash val="solid"/>
+        </a:ln>
+        <a:effectLst/>
+      </dsp:spPr>
+      <dsp:style>
+        <a:lnRef idx="2">
+          <a:scrgbClr r="0" g="0" b="0"/>
+        </a:lnRef>
+        <a:fillRef idx="1">
+          <a:scrgbClr r="0" g="0" b="0"/>
+        </a:fillRef>
+        <a:effectRef idx="0">
+          <a:scrgbClr r="0" g="0" b="0"/>
+        </a:effectRef>
+        <a:fontRef idx="minor">
+          <a:schemeClr val="lt1"/>
+        </a:fontRef>
+      </dsp:style>
+      <dsp:txBody>
+        <a:bodyPr spcFirstLastPara="0" vert="horz" wrap="square" lIns="99568" tIns="99568" rIns="99568" bIns="99568" numCol="1" spcCol="1270" anchor="ctr" anchorCtr="0">
+          <a:noAutofit/>
+        </a:bodyPr>
+        <a:lstStyle/>
+        <a:p>
+          <a:pPr marL="0" lvl="0" indent="0" algn="l" defTabSz="622300">
+            <a:lnSpc>
+              <a:spcPct val="90000"/>
+            </a:lnSpc>
+            <a:spcBef>
+              <a:spcPct val="0"/>
+            </a:spcBef>
+            <a:spcAft>
+              <a:spcPct val="35000"/>
+            </a:spcAft>
+            <a:buNone/>
+          </a:pPr>
+          <a:r>
+            <a:rPr lang="en-US" sz="1400" kern="1200" dirty="0"/>
+            <a:t>The registered model is </a:t>
+          </a:r>
+          <a:r>
+            <a:rPr lang="en-US" sz="1400" b="1" kern="1200" dirty="0"/>
+            <a:t>deployed</a:t>
+          </a:r>
+          <a:r>
+            <a:rPr lang="en-US" sz="1400" kern="1200" dirty="0"/>
+            <a:t> as a webservice</a:t>
+          </a:r>
+        </a:p>
+      </dsp:txBody>
+      <dsp:txXfrm>
+        <a:off x="6156065" y="2126831"/>
+        <a:ext cx="2499766" cy="1499859"/>
+      </dsp:txXfrm>
+    </dsp:sp>
+  </dsp:spTree>
+</dsp:drawing>
+</file>
+
+<file path=ppt/diagrams/drawing2.xml><?xml version="1.0" encoding="utf-8"?>
 <dsp:drawing xmlns:dgm="http://schemas.openxmlformats.org/drawingml/2006/diagram" xmlns:dsp="http://schemas.microsoft.com/office/drawing/2008/diagram" xmlns:a="http://schemas.openxmlformats.org/drawingml/2006/main">
   <dsp:spTree>
     <dsp:nvGrpSpPr>
@@ -6245,6 +8404,194 @@
 </file>
 
 <file path=ppt/diagrams/layout1.xml><?xml version="1.0" encoding="utf-8"?>
+<dgm:layoutDef xmlns:dgm="http://schemas.openxmlformats.org/drawingml/2006/diagram" xmlns:a="http://schemas.openxmlformats.org/drawingml/2006/main" uniqueId="urn:microsoft.com/office/officeart/2005/8/layout/bProcess3">
+  <dgm:title val=""/>
+  <dgm:desc val=""/>
+  <dgm:catLst>
+    <dgm:cat type="process" pri="18000"/>
+  </dgm:catLst>
+  <dgm:sampData>
+    <dgm:dataModel>
+      <dgm:ptLst>
+        <dgm:pt modelId="0" type="doc"/>
+        <dgm:pt modelId="1">
+          <dgm:prSet phldr="1"/>
+        </dgm:pt>
+        <dgm:pt modelId="2">
+          <dgm:prSet phldr="1"/>
+        </dgm:pt>
+        <dgm:pt modelId="3">
+          <dgm:prSet phldr="1"/>
+        </dgm:pt>
+        <dgm:pt modelId="4">
+          <dgm:prSet phldr="1"/>
+        </dgm:pt>
+        <dgm:pt modelId="5">
+          <dgm:prSet phldr="1"/>
+        </dgm:pt>
+      </dgm:ptLst>
+      <dgm:cxnLst>
+        <dgm:cxn modelId="7" srcId="0" destId="1" srcOrd="0" destOrd="0"/>
+        <dgm:cxn modelId="8" srcId="0" destId="2" srcOrd="1" destOrd="0"/>
+        <dgm:cxn modelId="9" srcId="0" destId="3" srcOrd="2" destOrd="0"/>
+        <dgm:cxn modelId="10" srcId="0" destId="4" srcOrd="3" destOrd="0"/>
+        <dgm:cxn modelId="11" srcId="0" destId="5" srcOrd="4" destOrd="0"/>
+      </dgm:cxnLst>
+      <dgm:bg/>
+      <dgm:whole/>
+    </dgm:dataModel>
+  </dgm:sampData>
+  <dgm:styleData>
+    <dgm:dataModel>
+      <dgm:ptLst>
+        <dgm:pt modelId="0" type="doc"/>
+        <dgm:pt modelId="1"/>
+        <dgm:pt modelId="2"/>
+      </dgm:ptLst>
+      <dgm:cxnLst>
+        <dgm:cxn modelId="3" srcId="0" destId="1" srcOrd="0" destOrd="0"/>
+        <dgm:cxn modelId="4" srcId="0" destId="2" srcOrd="1" destOrd="0"/>
+      </dgm:cxnLst>
+      <dgm:bg/>
+      <dgm:whole/>
+    </dgm:dataModel>
+  </dgm:styleData>
+  <dgm:clrData>
+    <dgm:dataModel>
+      <dgm:ptLst>
+        <dgm:pt modelId="0" type="doc"/>
+        <dgm:pt modelId="1"/>
+        <dgm:pt modelId="2"/>
+        <dgm:pt modelId="3"/>
+        <dgm:pt modelId="4"/>
+      </dgm:ptLst>
+      <dgm:cxnLst>
+        <dgm:cxn modelId="5" srcId="0" destId="1" srcOrd="0" destOrd="0"/>
+        <dgm:cxn modelId="6" srcId="0" destId="2" srcOrd="1" destOrd="0"/>
+        <dgm:cxn modelId="7" srcId="0" destId="3" srcOrd="2" destOrd="0"/>
+        <dgm:cxn modelId="8" srcId="0" destId="4" srcOrd="3" destOrd="0"/>
+      </dgm:cxnLst>
+      <dgm:bg/>
+      <dgm:whole/>
+    </dgm:dataModel>
+  </dgm:clrData>
+  <dgm:layoutNode name="Name0">
+    <dgm:varLst>
+      <dgm:dir/>
+      <dgm:resizeHandles val="exact"/>
+    </dgm:varLst>
+    <dgm:choose name="Name1">
+      <dgm:if name="Name2" axis="self" func="var" arg="dir" op="equ" val="norm">
+        <dgm:alg type="snake">
+          <dgm:param type="grDir" val="tL"/>
+          <dgm:param type="flowDir" val="row"/>
+          <dgm:param type="contDir" val="sameDir"/>
+          <dgm:param type="bkpt" val="endCnv"/>
+        </dgm:alg>
+      </dgm:if>
+      <dgm:else name="Name3">
+        <dgm:alg type="snake">
+          <dgm:param type="grDir" val="tR"/>
+          <dgm:param type="flowDir" val="row"/>
+          <dgm:param type="contDir" val="sameDir"/>
+          <dgm:param type="bkpt" val="endCnv"/>
+        </dgm:alg>
+      </dgm:else>
+    </dgm:choose>
+    <dgm:shape xmlns:r="http://schemas.openxmlformats.org/officeDocument/2006/relationships" r:blip="">
+      <dgm:adjLst/>
+    </dgm:shape>
+    <dgm:presOf/>
+    <dgm:constrLst>
+      <dgm:constr type="w" for="ch" ptType="node" refType="w"/>
+      <dgm:constr type="w" for="ch" forName="sibTrans" refType="w" refFor="ch" refPtType="node" op="equ" fact="0.23"/>
+      <dgm:constr type="sp" refType="w" refFor="ch" refForName="sibTrans" op="equ"/>
+      <dgm:constr type="userB" for="des" forName="connectorText" refType="sp"/>
+      <dgm:constr type="primFontSz" for="ch" ptType="node" op="equ" val="65"/>
+      <dgm:constr type="h" for="ch" ptType="sibTrans" op="equ"/>
+      <dgm:constr type="primFontSz" for="des" forName="connectorText" op="equ" val="55"/>
+      <dgm:constr type="primFontSz" for="des" forName="connectorText" refType="primFontSz" refFor="ch" refPtType="node" op="lte" fact="0.8"/>
+    </dgm:constrLst>
+    <dgm:ruleLst/>
+    <dgm:forEach name="nodesForEach" axis="ch" ptType="node">
+      <dgm:layoutNode name="node">
+        <dgm:varLst>
+          <dgm:bulletEnabled val="1"/>
+        </dgm:varLst>
+        <dgm:alg type="tx"/>
+        <dgm:shape xmlns:r="http://schemas.openxmlformats.org/officeDocument/2006/relationships" type="rect" r:blip="">
+          <dgm:adjLst/>
+        </dgm:shape>
+        <dgm:presOf axis="desOrSelf" ptType="node"/>
+        <dgm:constrLst>
+          <dgm:constr type="h" refType="w" fact="0.6"/>
+        </dgm:constrLst>
+        <dgm:ruleLst>
+          <dgm:rule type="primFontSz" val="5" fact="NaN" max="NaN"/>
+        </dgm:ruleLst>
+      </dgm:layoutNode>
+      <dgm:forEach name="sibTransForEach" axis="followSib" ptType="sibTrans" cnt="1">
+        <dgm:layoutNode name="sibTrans">
+          <dgm:choose name="Name4">
+            <dgm:if name="Name5" axis="self" func="var" arg="dir" op="equ" val="norm">
+              <dgm:alg type="conn">
+                <dgm:param type="connRout" val="bend"/>
+                <dgm:param type="dim" val="1D"/>
+                <dgm:param type="begPts" val="midR bCtr"/>
+                <dgm:param type="endPts" val="midL tCtr"/>
+              </dgm:alg>
+            </dgm:if>
+            <dgm:else name="Name6">
+              <dgm:alg type="conn">
+                <dgm:param type="connRout" val="bend"/>
+                <dgm:param type="dim" val="1D"/>
+                <dgm:param type="begPts" val="midL bCtr"/>
+                <dgm:param type="endPts" val="midR tCtr"/>
+              </dgm:alg>
+            </dgm:else>
+          </dgm:choose>
+          <dgm:shape xmlns:r="http://schemas.openxmlformats.org/officeDocument/2006/relationships" type="conn" r:blip="" zOrderOff="-2">
+            <dgm:adjLst/>
+          </dgm:shape>
+          <dgm:presOf axis="self"/>
+          <dgm:constrLst>
+            <dgm:constr type="begPad" val="-0.05"/>
+            <dgm:constr type="endPad" val="0.9"/>
+            <dgm:constr type="userA" for="ch" refType="connDist"/>
+          </dgm:constrLst>
+          <dgm:ruleLst/>
+          <dgm:layoutNode name="connectorText">
+            <dgm:alg type="tx">
+              <dgm:param type="autoTxRot" val="upr"/>
+            </dgm:alg>
+            <dgm:shape xmlns:r="http://schemas.openxmlformats.org/officeDocument/2006/relationships" type="rect" r:blip="" hideGeom="1">
+              <dgm:adjLst/>
+            </dgm:shape>
+            <dgm:presOf axis="self"/>
+            <dgm:constrLst>
+              <dgm:constr type="userA"/>
+              <dgm:constr type="userB"/>
+              <dgm:constr type="w" refType="userA" fact="0.05"/>
+              <dgm:constr type="h" refType="userB" fact="0.01"/>
+              <dgm:constr type="lMarg" val="1"/>
+              <dgm:constr type="rMarg" val="1"/>
+              <dgm:constr type="tMarg"/>
+              <dgm:constr type="bMarg"/>
+            </dgm:constrLst>
+            <dgm:ruleLst>
+              <dgm:rule type="w" val="NaN" fact="0.6" max="NaN"/>
+              <dgm:rule type="h" val="NaN" fact="0.6" max="NaN"/>
+              <dgm:rule type="primFontSz" val="5" fact="NaN" max="NaN"/>
+            </dgm:ruleLst>
+          </dgm:layoutNode>
+        </dgm:layoutNode>
+      </dgm:forEach>
+    </dgm:forEach>
+  </dgm:layoutNode>
+</dgm:layoutDef>
+</file>
+
+<file path=ppt/diagrams/layout2.xml><?xml version="1.0" encoding="utf-8"?>
 <dgm:layoutDef xmlns:dgm="http://schemas.openxmlformats.org/drawingml/2006/diagram" xmlns:a="http://schemas.openxmlformats.org/drawingml/2006/main" uniqueId="urn:microsoft.com/office/officeart/2005/8/layout/orgChart1">
   <dgm:title val=""/>
   <dgm:desc val=""/>
@@ -8424,6 +10771,1040 @@
 </dgm:styleDef>
 </file>
 
+<file path=ppt/diagrams/quickStyle2.xml><?xml version="1.0" encoding="utf-8"?>
+<dgm:styleDef xmlns:dgm="http://schemas.openxmlformats.org/drawingml/2006/diagram" xmlns:a="http://schemas.openxmlformats.org/drawingml/2006/main" uniqueId="urn:microsoft.com/office/officeart/2005/8/quickstyle/simple1">
+  <dgm:title val=""/>
+  <dgm:desc val=""/>
+  <dgm:catLst>
+    <dgm:cat type="simple" pri="10100"/>
+  </dgm:catLst>
+  <dgm:scene3d>
+    <a:camera prst="orthographicFront"/>
+    <a:lightRig rig="threePt" dir="t"/>
+  </dgm:scene3d>
+  <dgm:styleLbl name="node0">
+    <dgm:scene3d>
+      <a:camera prst="orthographicFront"/>
+      <a:lightRig rig="threePt" dir="t"/>
+    </dgm:scene3d>
+    <dgm:sp3d/>
+    <dgm:txPr/>
+    <dgm:style>
+      <a:lnRef idx="2">
+        <a:scrgbClr r="0" g="0" b="0"/>
+      </a:lnRef>
+      <a:fillRef idx="1">
+        <a:scrgbClr r="0" g="0" b="0"/>
+      </a:fillRef>
+      <a:effectRef idx="0">
+        <a:scrgbClr r="0" g="0" b="0"/>
+      </a:effectRef>
+      <a:fontRef idx="minor">
+        <a:schemeClr val="lt1"/>
+      </a:fontRef>
+    </dgm:style>
+  </dgm:styleLbl>
+  <dgm:styleLbl name="lnNode1">
+    <dgm:scene3d>
+      <a:camera prst="orthographicFront"/>
+      <a:lightRig rig="threePt" dir="t"/>
+    </dgm:scene3d>
+    <dgm:sp3d/>
+    <dgm:txPr/>
+    <dgm:style>
+      <a:lnRef idx="2">
+        <a:scrgbClr r="0" g="0" b="0"/>
+      </a:lnRef>
+      <a:fillRef idx="1">
+        <a:scrgbClr r="0" g="0" b="0"/>
+      </a:fillRef>
+      <a:effectRef idx="0">
+        <a:scrgbClr r="0" g="0" b="0"/>
+      </a:effectRef>
+      <a:fontRef idx="minor">
+        <a:schemeClr val="lt1"/>
+      </a:fontRef>
+    </dgm:style>
+  </dgm:styleLbl>
+  <dgm:styleLbl name="vennNode1">
+    <dgm:scene3d>
+      <a:camera prst="orthographicFront"/>
+      <a:lightRig rig="threePt" dir="t"/>
+    </dgm:scene3d>
+    <dgm:sp3d/>
+    <dgm:txPr/>
+    <dgm:style>
+      <a:lnRef idx="2">
+        <a:scrgbClr r="0" g="0" b="0"/>
+      </a:lnRef>
+      <a:fillRef idx="1">
+        <a:scrgbClr r="0" g="0" b="0"/>
+      </a:fillRef>
+      <a:effectRef idx="0">
+        <a:scrgbClr r="0" g="0" b="0"/>
+      </a:effectRef>
+      <a:fontRef idx="minor">
+        <a:schemeClr val="tx1"/>
+      </a:fontRef>
+    </dgm:style>
+  </dgm:styleLbl>
+  <dgm:styleLbl name="alignNode1">
+    <dgm:scene3d>
+      <a:camera prst="orthographicFront"/>
+      <a:lightRig rig="threePt" dir="t"/>
+    </dgm:scene3d>
+    <dgm:sp3d/>
+    <dgm:txPr/>
+    <dgm:style>
+      <a:lnRef idx="2">
+        <a:scrgbClr r="0" g="0" b="0"/>
+      </a:lnRef>
+      <a:fillRef idx="1">
+        <a:scrgbClr r="0" g="0" b="0"/>
+      </a:fillRef>
+      <a:effectRef idx="0">
+        <a:scrgbClr r="0" g="0" b="0"/>
+      </a:effectRef>
+      <a:fontRef idx="minor">
+        <a:schemeClr val="lt1"/>
+      </a:fontRef>
+    </dgm:style>
+  </dgm:styleLbl>
+  <dgm:styleLbl name="node1">
+    <dgm:scene3d>
+      <a:camera prst="orthographicFront"/>
+      <a:lightRig rig="threePt" dir="t"/>
+    </dgm:scene3d>
+    <dgm:sp3d/>
+    <dgm:txPr/>
+    <dgm:style>
+      <a:lnRef idx="2">
+        <a:scrgbClr r="0" g="0" b="0"/>
+      </a:lnRef>
+      <a:fillRef idx="1">
+        <a:scrgbClr r="0" g="0" b="0"/>
+      </a:fillRef>
+      <a:effectRef idx="0">
+        <a:scrgbClr r="0" g="0" b="0"/>
+      </a:effectRef>
+      <a:fontRef idx="minor">
+        <a:schemeClr val="lt1"/>
+      </a:fontRef>
+    </dgm:style>
+  </dgm:styleLbl>
+  <dgm:styleLbl name="node2">
+    <dgm:scene3d>
+      <a:camera prst="orthographicFront"/>
+      <a:lightRig rig="threePt" dir="t"/>
+    </dgm:scene3d>
+    <dgm:sp3d/>
+    <dgm:txPr/>
+    <dgm:style>
+      <a:lnRef idx="2">
+        <a:scrgbClr r="0" g="0" b="0"/>
+      </a:lnRef>
+      <a:fillRef idx="1">
+        <a:scrgbClr r="0" g="0" b="0"/>
+      </a:fillRef>
+      <a:effectRef idx="0">
+        <a:scrgbClr r="0" g="0" b="0"/>
+      </a:effectRef>
+      <a:fontRef idx="minor">
+        <a:schemeClr val="lt1"/>
+      </a:fontRef>
+    </dgm:style>
+  </dgm:styleLbl>
+  <dgm:styleLbl name="node3">
+    <dgm:scene3d>
+      <a:camera prst="orthographicFront"/>
+      <a:lightRig rig="threePt" dir="t"/>
+    </dgm:scene3d>
+    <dgm:sp3d/>
+    <dgm:txPr/>
+    <dgm:style>
+      <a:lnRef idx="2">
+        <a:scrgbClr r="0" g="0" b="0"/>
+      </a:lnRef>
+      <a:fillRef idx="1">
+        <a:scrgbClr r="0" g="0" b="0"/>
+      </a:fillRef>
+      <a:effectRef idx="0">
+        <a:scrgbClr r="0" g="0" b="0"/>
+      </a:effectRef>
+      <a:fontRef idx="minor">
+        <a:schemeClr val="lt1"/>
+      </a:fontRef>
+    </dgm:style>
+  </dgm:styleLbl>
+  <dgm:styleLbl name="node4">
+    <dgm:scene3d>
+      <a:camera prst="orthographicFront"/>
+      <a:lightRig rig="threePt" dir="t"/>
+    </dgm:scene3d>
+    <dgm:sp3d/>
+    <dgm:txPr/>
+    <dgm:style>
+      <a:lnRef idx="2">
+        <a:scrgbClr r="0" g="0" b="0"/>
+      </a:lnRef>
+      <a:fillRef idx="1">
+        <a:scrgbClr r="0" g="0" b="0"/>
+      </a:fillRef>
+      <a:effectRef idx="0">
+        <a:scrgbClr r="0" g="0" b="0"/>
+      </a:effectRef>
+      <a:fontRef idx="minor">
+        <a:schemeClr val="lt1"/>
+      </a:fontRef>
+    </dgm:style>
+  </dgm:styleLbl>
+  <dgm:styleLbl name="fgImgPlace1">
+    <dgm:scene3d>
+      <a:camera prst="orthographicFront"/>
+      <a:lightRig rig="threePt" dir="t"/>
+    </dgm:scene3d>
+    <dgm:sp3d/>
+    <dgm:txPr/>
+    <dgm:style>
+      <a:lnRef idx="2">
+        <a:scrgbClr r="0" g="0" b="0"/>
+      </a:lnRef>
+      <a:fillRef idx="1">
+        <a:scrgbClr r="0" g="0" b="0"/>
+      </a:fillRef>
+      <a:effectRef idx="0">
+        <a:scrgbClr r="0" g="0" b="0"/>
+      </a:effectRef>
+      <a:fontRef idx="minor"/>
+    </dgm:style>
+  </dgm:styleLbl>
+  <dgm:styleLbl name="alignImgPlace1">
+    <dgm:scene3d>
+      <a:camera prst="orthographicFront"/>
+      <a:lightRig rig="threePt" dir="t"/>
+    </dgm:scene3d>
+    <dgm:sp3d/>
+    <dgm:txPr/>
+    <dgm:style>
+      <a:lnRef idx="2">
+        <a:scrgbClr r="0" g="0" b="0"/>
+      </a:lnRef>
+      <a:fillRef idx="1">
+        <a:scrgbClr r="0" g="0" b="0"/>
+      </a:fillRef>
+      <a:effectRef idx="0">
+        <a:scrgbClr r="0" g="0" b="0"/>
+      </a:effectRef>
+      <a:fontRef idx="minor"/>
+    </dgm:style>
+  </dgm:styleLbl>
+  <dgm:styleLbl name="bgImgPlace1">
+    <dgm:scene3d>
+      <a:camera prst="orthographicFront"/>
+      <a:lightRig rig="threePt" dir="t"/>
+    </dgm:scene3d>
+    <dgm:sp3d/>
+    <dgm:txPr/>
+    <dgm:style>
+      <a:lnRef idx="2">
+        <a:scrgbClr r="0" g="0" b="0"/>
+      </a:lnRef>
+      <a:fillRef idx="1">
+        <a:scrgbClr r="0" g="0" b="0"/>
+      </a:fillRef>
+      <a:effectRef idx="0">
+        <a:scrgbClr r="0" g="0" b="0"/>
+      </a:effectRef>
+      <a:fontRef idx="minor"/>
+    </dgm:style>
+  </dgm:styleLbl>
+  <dgm:styleLbl name="sibTrans2D1">
+    <dgm:scene3d>
+      <a:camera prst="orthographicFront"/>
+      <a:lightRig rig="threePt" dir="t"/>
+    </dgm:scene3d>
+    <dgm:sp3d/>
+    <dgm:txPr/>
+    <dgm:style>
+      <a:lnRef idx="0">
+        <a:scrgbClr r="0" g="0" b="0"/>
+      </a:lnRef>
+      <a:fillRef idx="1">
+        <a:scrgbClr r="0" g="0" b="0"/>
+      </a:fillRef>
+      <a:effectRef idx="0">
+        <a:scrgbClr r="0" g="0" b="0"/>
+      </a:effectRef>
+      <a:fontRef idx="minor">
+        <a:schemeClr val="lt1"/>
+      </a:fontRef>
+    </dgm:style>
+  </dgm:styleLbl>
+  <dgm:styleLbl name="fgSibTrans2D1">
+    <dgm:scene3d>
+      <a:camera prst="orthographicFront"/>
+      <a:lightRig rig="threePt" dir="t"/>
+    </dgm:scene3d>
+    <dgm:sp3d/>
+    <dgm:txPr/>
+    <dgm:style>
+      <a:lnRef idx="0">
+        <a:scrgbClr r="0" g="0" b="0"/>
+      </a:lnRef>
+      <a:fillRef idx="1">
+        <a:scrgbClr r="0" g="0" b="0"/>
+      </a:fillRef>
+      <a:effectRef idx="0">
+        <a:scrgbClr r="0" g="0" b="0"/>
+      </a:effectRef>
+      <a:fontRef idx="minor">
+        <a:schemeClr val="lt1"/>
+      </a:fontRef>
+    </dgm:style>
+  </dgm:styleLbl>
+  <dgm:styleLbl name="bgSibTrans2D1">
+    <dgm:scene3d>
+      <a:camera prst="orthographicFront"/>
+      <a:lightRig rig="threePt" dir="t"/>
+    </dgm:scene3d>
+    <dgm:sp3d/>
+    <dgm:txPr/>
+    <dgm:style>
+      <a:lnRef idx="0">
+        <a:scrgbClr r="0" g="0" b="0"/>
+      </a:lnRef>
+      <a:fillRef idx="1">
+        <a:scrgbClr r="0" g="0" b="0"/>
+      </a:fillRef>
+      <a:effectRef idx="0">
+        <a:scrgbClr r="0" g="0" b="0"/>
+      </a:effectRef>
+      <a:fontRef idx="minor">
+        <a:schemeClr val="lt1"/>
+      </a:fontRef>
+    </dgm:style>
+  </dgm:styleLbl>
+  <dgm:styleLbl name="sibTrans1D1">
+    <dgm:scene3d>
+      <a:camera prst="orthographicFront"/>
+      <a:lightRig rig="threePt" dir="t"/>
+    </dgm:scene3d>
+    <dgm:sp3d/>
+    <dgm:txPr/>
+    <dgm:style>
+      <a:lnRef idx="1">
+        <a:scrgbClr r="0" g="0" b="0"/>
+      </a:lnRef>
+      <a:fillRef idx="0">
+        <a:scrgbClr r="0" g="0" b="0"/>
+      </a:fillRef>
+      <a:effectRef idx="0">
+        <a:scrgbClr r="0" g="0" b="0"/>
+      </a:effectRef>
+      <a:fontRef idx="minor"/>
+    </dgm:style>
+  </dgm:styleLbl>
+  <dgm:styleLbl name="callout">
+    <dgm:scene3d>
+      <a:camera prst="orthographicFront"/>
+      <a:lightRig rig="threePt" dir="t"/>
+    </dgm:scene3d>
+    <dgm:sp3d/>
+    <dgm:txPr/>
+    <dgm:style>
+      <a:lnRef idx="2">
+        <a:scrgbClr r="0" g="0" b="0"/>
+      </a:lnRef>
+      <a:fillRef idx="1">
+        <a:scrgbClr r="0" g="0" b="0"/>
+      </a:fillRef>
+      <a:effectRef idx="0">
+        <a:scrgbClr r="0" g="0" b="0"/>
+      </a:effectRef>
+      <a:fontRef idx="minor"/>
+    </dgm:style>
+  </dgm:styleLbl>
+  <dgm:styleLbl name="asst0">
+    <dgm:scene3d>
+      <a:camera prst="orthographicFront"/>
+      <a:lightRig rig="threePt" dir="t"/>
+    </dgm:scene3d>
+    <dgm:sp3d/>
+    <dgm:txPr/>
+    <dgm:style>
+      <a:lnRef idx="2">
+        <a:scrgbClr r="0" g="0" b="0"/>
+      </a:lnRef>
+      <a:fillRef idx="1">
+        <a:scrgbClr r="0" g="0" b="0"/>
+      </a:fillRef>
+      <a:effectRef idx="0">
+        <a:scrgbClr r="0" g="0" b="0"/>
+      </a:effectRef>
+      <a:fontRef idx="minor">
+        <a:schemeClr val="lt1"/>
+      </a:fontRef>
+    </dgm:style>
+  </dgm:styleLbl>
+  <dgm:styleLbl name="asst1">
+    <dgm:scene3d>
+      <a:camera prst="orthographicFront"/>
+      <a:lightRig rig="threePt" dir="t"/>
+    </dgm:scene3d>
+    <dgm:sp3d/>
+    <dgm:txPr/>
+    <dgm:style>
+      <a:lnRef idx="2">
+        <a:scrgbClr r="0" g="0" b="0"/>
+      </a:lnRef>
+      <a:fillRef idx="1">
+        <a:scrgbClr r="0" g="0" b="0"/>
+      </a:fillRef>
+      <a:effectRef idx="0">
+        <a:scrgbClr r="0" g="0" b="0"/>
+      </a:effectRef>
+      <a:fontRef idx="minor">
+        <a:schemeClr val="lt1"/>
+      </a:fontRef>
+    </dgm:style>
+  </dgm:styleLbl>
+  <dgm:styleLbl name="asst2">
+    <dgm:scene3d>
+      <a:camera prst="orthographicFront"/>
+      <a:lightRig rig="threePt" dir="t"/>
+    </dgm:scene3d>
+    <dgm:sp3d/>
+    <dgm:txPr/>
+    <dgm:style>
+      <a:lnRef idx="2">
+        <a:scrgbClr r="0" g="0" b="0"/>
+      </a:lnRef>
+      <a:fillRef idx="1">
+        <a:scrgbClr r="0" g="0" b="0"/>
+      </a:fillRef>
+      <a:effectRef idx="0">
+        <a:scrgbClr r="0" g="0" b="0"/>
+      </a:effectRef>
+      <a:fontRef idx="minor">
+        <a:schemeClr val="lt1"/>
+      </a:fontRef>
+    </dgm:style>
+  </dgm:styleLbl>
+  <dgm:styleLbl name="asst3">
+    <dgm:scene3d>
+      <a:camera prst="orthographicFront"/>
+      <a:lightRig rig="threePt" dir="t"/>
+    </dgm:scene3d>
+    <dgm:sp3d/>
+    <dgm:txPr/>
+    <dgm:style>
+      <a:lnRef idx="2">
+        <a:scrgbClr r="0" g="0" b="0"/>
+      </a:lnRef>
+      <a:fillRef idx="1">
+        <a:scrgbClr r="0" g="0" b="0"/>
+      </a:fillRef>
+      <a:effectRef idx="0">
+        <a:scrgbClr r="0" g="0" b="0"/>
+      </a:effectRef>
+      <a:fontRef idx="minor">
+        <a:schemeClr val="lt1"/>
+      </a:fontRef>
+    </dgm:style>
+  </dgm:styleLbl>
+  <dgm:styleLbl name="asst4">
+    <dgm:scene3d>
+      <a:camera prst="orthographicFront"/>
+      <a:lightRig rig="threePt" dir="t"/>
+    </dgm:scene3d>
+    <dgm:sp3d/>
+    <dgm:txPr/>
+    <dgm:style>
+      <a:lnRef idx="2">
+        <a:scrgbClr r="0" g="0" b="0"/>
+      </a:lnRef>
+      <a:fillRef idx="1">
+        <a:scrgbClr r="0" g="0" b="0"/>
+      </a:fillRef>
+      <a:effectRef idx="0">
+        <a:scrgbClr r="0" g="0" b="0"/>
+      </a:effectRef>
+      <a:fontRef idx="minor">
+        <a:schemeClr val="lt1"/>
+      </a:fontRef>
+    </dgm:style>
+  </dgm:styleLbl>
+  <dgm:styleLbl name="parChTrans2D1">
+    <dgm:scene3d>
+      <a:camera prst="orthographicFront"/>
+      <a:lightRig rig="threePt" dir="t"/>
+    </dgm:scene3d>
+    <dgm:sp3d/>
+    <dgm:txPr/>
+    <dgm:style>
+      <a:lnRef idx="2">
+        <a:scrgbClr r="0" g="0" b="0"/>
+      </a:lnRef>
+      <a:fillRef idx="1">
+        <a:scrgbClr r="0" g="0" b="0"/>
+      </a:fillRef>
+      <a:effectRef idx="0">
+        <a:scrgbClr r="0" g="0" b="0"/>
+      </a:effectRef>
+      <a:fontRef idx="minor">
+        <a:schemeClr val="lt1"/>
+      </a:fontRef>
+    </dgm:style>
+  </dgm:styleLbl>
+  <dgm:styleLbl name="parChTrans2D2">
+    <dgm:scene3d>
+      <a:camera prst="orthographicFront"/>
+      <a:lightRig rig="threePt" dir="t"/>
+    </dgm:scene3d>
+    <dgm:sp3d/>
+    <dgm:txPr/>
+    <dgm:style>
+      <a:lnRef idx="2">
+        <a:scrgbClr r="0" g="0" b="0"/>
+      </a:lnRef>
+      <a:fillRef idx="1">
+        <a:scrgbClr r="0" g="0" b="0"/>
+      </a:fillRef>
+      <a:effectRef idx="0">
+        <a:scrgbClr r="0" g="0" b="0"/>
+      </a:effectRef>
+      <a:fontRef idx="minor">
+        <a:schemeClr val="lt1"/>
+      </a:fontRef>
+    </dgm:style>
+  </dgm:styleLbl>
+  <dgm:styleLbl name="parChTrans2D3">
+    <dgm:scene3d>
+      <a:camera prst="orthographicFront"/>
+      <a:lightRig rig="threePt" dir="t"/>
+    </dgm:scene3d>
+    <dgm:sp3d/>
+    <dgm:txPr/>
+    <dgm:style>
+      <a:lnRef idx="2">
+        <a:scrgbClr r="0" g="0" b="0"/>
+      </a:lnRef>
+      <a:fillRef idx="1">
+        <a:scrgbClr r="0" g="0" b="0"/>
+      </a:fillRef>
+      <a:effectRef idx="0">
+        <a:scrgbClr r="0" g="0" b="0"/>
+      </a:effectRef>
+      <a:fontRef idx="minor">
+        <a:schemeClr val="lt1"/>
+      </a:fontRef>
+    </dgm:style>
+  </dgm:styleLbl>
+  <dgm:styleLbl name="parChTrans2D4">
+    <dgm:scene3d>
+      <a:camera prst="orthographicFront"/>
+      <a:lightRig rig="threePt" dir="t"/>
+    </dgm:scene3d>
+    <dgm:sp3d/>
+    <dgm:txPr/>
+    <dgm:style>
+      <a:lnRef idx="2">
+        <a:scrgbClr r="0" g="0" b="0"/>
+      </a:lnRef>
+      <a:fillRef idx="1">
+        <a:scrgbClr r="0" g="0" b="0"/>
+      </a:fillRef>
+      <a:effectRef idx="0">
+        <a:scrgbClr r="0" g="0" b="0"/>
+      </a:effectRef>
+      <a:fontRef idx="minor">
+        <a:schemeClr val="lt1"/>
+      </a:fontRef>
+    </dgm:style>
+  </dgm:styleLbl>
+  <dgm:styleLbl name="parChTrans1D1">
+    <dgm:scene3d>
+      <a:camera prst="orthographicFront"/>
+      <a:lightRig rig="threePt" dir="t"/>
+    </dgm:scene3d>
+    <dgm:sp3d/>
+    <dgm:txPr/>
+    <dgm:style>
+      <a:lnRef idx="2">
+        <a:scrgbClr r="0" g="0" b="0"/>
+      </a:lnRef>
+      <a:fillRef idx="0">
+        <a:scrgbClr r="0" g="0" b="0"/>
+      </a:fillRef>
+      <a:effectRef idx="0">
+        <a:scrgbClr r="0" g="0" b="0"/>
+      </a:effectRef>
+      <a:fontRef idx="minor"/>
+    </dgm:style>
+  </dgm:styleLbl>
+  <dgm:styleLbl name="parChTrans1D2">
+    <dgm:scene3d>
+      <a:camera prst="orthographicFront"/>
+      <a:lightRig rig="threePt" dir="t"/>
+    </dgm:scene3d>
+    <dgm:sp3d/>
+    <dgm:txPr/>
+    <dgm:style>
+      <a:lnRef idx="2">
+        <a:scrgbClr r="0" g="0" b="0"/>
+      </a:lnRef>
+      <a:fillRef idx="0">
+        <a:scrgbClr r="0" g="0" b="0"/>
+      </a:fillRef>
+      <a:effectRef idx="0">
+        <a:scrgbClr r="0" g="0" b="0"/>
+      </a:effectRef>
+      <a:fontRef idx="minor"/>
+    </dgm:style>
+  </dgm:styleLbl>
+  <dgm:styleLbl name="parChTrans1D3">
+    <dgm:scene3d>
+      <a:camera prst="orthographicFront"/>
+      <a:lightRig rig="threePt" dir="t"/>
+    </dgm:scene3d>
+    <dgm:sp3d/>
+    <dgm:txPr/>
+    <dgm:style>
+      <a:lnRef idx="2">
+        <a:scrgbClr r="0" g="0" b="0"/>
+      </a:lnRef>
+      <a:fillRef idx="0">
+        <a:scrgbClr r="0" g="0" b="0"/>
+      </a:fillRef>
+      <a:effectRef idx="0">
+        <a:scrgbClr r="0" g="0" b="0"/>
+      </a:effectRef>
+      <a:fontRef idx="minor"/>
+    </dgm:style>
+  </dgm:styleLbl>
+  <dgm:styleLbl name="parChTrans1D4">
+    <dgm:scene3d>
+      <a:camera prst="orthographicFront"/>
+      <a:lightRig rig="threePt" dir="t"/>
+    </dgm:scene3d>
+    <dgm:sp3d/>
+    <dgm:txPr/>
+    <dgm:style>
+      <a:lnRef idx="2">
+        <a:scrgbClr r="0" g="0" b="0"/>
+      </a:lnRef>
+      <a:fillRef idx="0">
+        <a:scrgbClr r="0" g="0" b="0"/>
+      </a:fillRef>
+      <a:effectRef idx="0">
+        <a:scrgbClr r="0" g="0" b="0"/>
+      </a:effectRef>
+      <a:fontRef idx="minor"/>
+    </dgm:style>
+  </dgm:styleLbl>
+  <dgm:styleLbl name="fgAcc1">
+    <dgm:scene3d>
+      <a:camera prst="orthographicFront"/>
+      <a:lightRig rig="threePt" dir="t"/>
+    </dgm:scene3d>
+    <dgm:sp3d/>
+    <dgm:txPr/>
+    <dgm:style>
+      <a:lnRef idx="2">
+        <a:scrgbClr r="0" g="0" b="0"/>
+      </a:lnRef>
+      <a:fillRef idx="1">
+        <a:scrgbClr r="0" g="0" b="0"/>
+      </a:fillRef>
+      <a:effectRef idx="0">
+        <a:scrgbClr r="0" g="0" b="0"/>
+      </a:effectRef>
+      <a:fontRef idx="minor"/>
+    </dgm:style>
+  </dgm:styleLbl>
+  <dgm:styleLbl name="conFgAcc1">
+    <dgm:scene3d>
+      <a:camera prst="orthographicFront"/>
+      <a:lightRig rig="threePt" dir="t"/>
+    </dgm:scene3d>
+    <dgm:sp3d/>
+    <dgm:txPr/>
+    <dgm:style>
+      <a:lnRef idx="2">
+        <a:scrgbClr r="0" g="0" b="0"/>
+      </a:lnRef>
+      <a:fillRef idx="1">
+        <a:scrgbClr r="0" g="0" b="0"/>
+      </a:fillRef>
+      <a:effectRef idx="0">
+        <a:scrgbClr r="0" g="0" b="0"/>
+      </a:effectRef>
+      <a:fontRef idx="minor"/>
+    </dgm:style>
+  </dgm:styleLbl>
+  <dgm:styleLbl name="alignAcc1">
+    <dgm:scene3d>
+      <a:camera prst="orthographicFront"/>
+      <a:lightRig rig="threePt" dir="t"/>
+    </dgm:scene3d>
+    <dgm:sp3d/>
+    <dgm:txPr/>
+    <dgm:style>
+      <a:lnRef idx="2">
+        <a:scrgbClr r="0" g="0" b="0"/>
+      </a:lnRef>
+      <a:fillRef idx="1">
+        <a:scrgbClr r="0" g="0" b="0"/>
+      </a:fillRef>
+      <a:effectRef idx="0">
+        <a:scrgbClr r="0" g="0" b="0"/>
+      </a:effectRef>
+      <a:fontRef idx="minor"/>
+    </dgm:style>
+  </dgm:styleLbl>
+  <dgm:styleLbl name="trAlignAcc1">
+    <dgm:scene3d>
+      <a:camera prst="orthographicFront"/>
+      <a:lightRig rig="threePt" dir="t"/>
+    </dgm:scene3d>
+    <dgm:sp3d/>
+    <dgm:txPr/>
+    <dgm:style>
+      <a:lnRef idx="1">
+        <a:scrgbClr r="0" g="0" b="0"/>
+      </a:lnRef>
+      <a:fillRef idx="1">
+        <a:scrgbClr r="0" g="0" b="0"/>
+      </a:fillRef>
+      <a:effectRef idx="0">
+        <a:scrgbClr r="0" g="0" b="0"/>
+      </a:effectRef>
+      <a:fontRef idx="minor"/>
+    </dgm:style>
+  </dgm:styleLbl>
+  <dgm:styleLbl name="bgAcc1">
+    <dgm:scene3d>
+      <a:camera prst="orthographicFront"/>
+      <a:lightRig rig="threePt" dir="t"/>
+    </dgm:scene3d>
+    <dgm:sp3d/>
+    <dgm:txPr/>
+    <dgm:style>
+      <a:lnRef idx="2">
+        <a:scrgbClr r="0" g="0" b="0"/>
+      </a:lnRef>
+      <a:fillRef idx="1">
+        <a:scrgbClr r="0" g="0" b="0"/>
+      </a:fillRef>
+      <a:effectRef idx="0">
+        <a:scrgbClr r="0" g="0" b="0"/>
+      </a:effectRef>
+      <a:fontRef idx="minor"/>
+    </dgm:style>
+  </dgm:styleLbl>
+  <dgm:styleLbl name="solidFgAcc1">
+    <dgm:scene3d>
+      <a:camera prst="orthographicFront"/>
+      <a:lightRig rig="threePt" dir="t"/>
+    </dgm:scene3d>
+    <dgm:sp3d/>
+    <dgm:txPr/>
+    <dgm:style>
+      <a:lnRef idx="2">
+        <a:scrgbClr r="0" g="0" b="0"/>
+      </a:lnRef>
+      <a:fillRef idx="1">
+        <a:scrgbClr r="0" g="0" b="0"/>
+      </a:fillRef>
+      <a:effectRef idx="0">
+        <a:scrgbClr r="0" g="0" b="0"/>
+      </a:effectRef>
+      <a:fontRef idx="minor"/>
+    </dgm:style>
+  </dgm:styleLbl>
+  <dgm:styleLbl name="solidAlignAcc1">
+    <dgm:scene3d>
+      <a:camera prst="orthographicFront"/>
+      <a:lightRig rig="threePt" dir="t"/>
+    </dgm:scene3d>
+    <dgm:sp3d/>
+    <dgm:txPr/>
+    <dgm:style>
+      <a:lnRef idx="2">
+        <a:scrgbClr r="0" g="0" b="0"/>
+      </a:lnRef>
+      <a:fillRef idx="1">
+        <a:scrgbClr r="0" g="0" b="0"/>
+      </a:fillRef>
+      <a:effectRef idx="0">
+        <a:scrgbClr r="0" g="0" b="0"/>
+      </a:effectRef>
+      <a:fontRef idx="minor"/>
+    </dgm:style>
+  </dgm:styleLbl>
+  <dgm:styleLbl name="solidBgAcc1">
+    <dgm:scene3d>
+      <a:camera prst="orthographicFront"/>
+      <a:lightRig rig="threePt" dir="t"/>
+    </dgm:scene3d>
+    <dgm:sp3d/>
+    <dgm:txPr/>
+    <dgm:style>
+      <a:lnRef idx="2">
+        <a:scrgbClr r="0" g="0" b="0"/>
+      </a:lnRef>
+      <a:fillRef idx="1">
+        <a:scrgbClr r="0" g="0" b="0"/>
+      </a:fillRef>
+      <a:effectRef idx="0">
+        <a:scrgbClr r="0" g="0" b="0"/>
+      </a:effectRef>
+      <a:fontRef idx="minor"/>
+    </dgm:style>
+  </dgm:styleLbl>
+  <dgm:styleLbl name="fgAccFollowNode1">
+    <dgm:scene3d>
+      <a:camera prst="orthographicFront"/>
+      <a:lightRig rig="threePt" dir="t"/>
+    </dgm:scene3d>
+    <dgm:sp3d/>
+    <dgm:txPr/>
+    <dgm:style>
+      <a:lnRef idx="2">
+        <a:scrgbClr r="0" g="0" b="0"/>
+      </a:lnRef>
+      <a:fillRef idx="1">
+        <a:scrgbClr r="0" g="0" b="0"/>
+      </a:fillRef>
+      <a:effectRef idx="0">
+        <a:scrgbClr r="0" g="0" b="0"/>
+      </a:effectRef>
+      <a:fontRef idx="minor"/>
+    </dgm:style>
+  </dgm:styleLbl>
+  <dgm:styleLbl name="alignAccFollowNode1">
+    <dgm:scene3d>
+      <a:camera prst="orthographicFront"/>
+      <a:lightRig rig="threePt" dir="t"/>
+    </dgm:scene3d>
+    <dgm:sp3d/>
+    <dgm:txPr/>
+    <dgm:style>
+      <a:lnRef idx="2">
+        <a:scrgbClr r="0" g="0" b="0"/>
+      </a:lnRef>
+      <a:fillRef idx="1">
+        <a:scrgbClr r="0" g="0" b="0"/>
+      </a:fillRef>
+      <a:effectRef idx="0">
+        <a:scrgbClr r="0" g="0" b="0"/>
+      </a:effectRef>
+      <a:fontRef idx="minor"/>
+    </dgm:style>
+  </dgm:styleLbl>
+  <dgm:styleLbl name="bgAccFollowNode1">
+    <dgm:scene3d>
+      <a:camera prst="orthographicFront"/>
+      <a:lightRig rig="threePt" dir="t"/>
+    </dgm:scene3d>
+    <dgm:sp3d/>
+    <dgm:txPr/>
+    <dgm:style>
+      <a:lnRef idx="2">
+        <a:scrgbClr r="0" g="0" b="0"/>
+      </a:lnRef>
+      <a:fillRef idx="1">
+        <a:scrgbClr r="0" g="0" b="0"/>
+      </a:fillRef>
+      <a:effectRef idx="0">
+        <a:scrgbClr r="0" g="0" b="0"/>
+      </a:effectRef>
+      <a:fontRef idx="minor"/>
+    </dgm:style>
+  </dgm:styleLbl>
+  <dgm:styleLbl name="fgAcc0">
+    <dgm:scene3d>
+      <a:camera prst="orthographicFront"/>
+      <a:lightRig rig="threePt" dir="t"/>
+    </dgm:scene3d>
+    <dgm:sp3d/>
+    <dgm:txPr/>
+    <dgm:style>
+      <a:lnRef idx="2">
+        <a:scrgbClr r="0" g="0" b="0"/>
+      </a:lnRef>
+      <a:fillRef idx="1">
+        <a:scrgbClr r="0" g="0" b="0"/>
+      </a:fillRef>
+      <a:effectRef idx="0">
+        <a:scrgbClr r="0" g="0" b="0"/>
+      </a:effectRef>
+      <a:fontRef idx="minor"/>
+    </dgm:style>
+  </dgm:styleLbl>
+  <dgm:styleLbl name="fgAcc2">
+    <dgm:scene3d>
+      <a:camera prst="orthographicFront"/>
+      <a:lightRig rig="threePt" dir="t"/>
+    </dgm:scene3d>
+    <dgm:sp3d/>
+    <dgm:txPr/>
+    <dgm:style>
+      <a:lnRef idx="2">
+        <a:scrgbClr r="0" g="0" b="0"/>
+      </a:lnRef>
+      <a:fillRef idx="1">
+        <a:scrgbClr r="0" g="0" b="0"/>
+      </a:fillRef>
+      <a:effectRef idx="0">
+        <a:scrgbClr r="0" g="0" b="0"/>
+      </a:effectRef>
+      <a:fontRef idx="minor"/>
+    </dgm:style>
+  </dgm:styleLbl>
+  <dgm:styleLbl name="fgAcc3">
+    <dgm:scene3d>
+      <a:camera prst="orthographicFront"/>
+      <a:lightRig rig="threePt" dir="t"/>
+    </dgm:scene3d>
+    <dgm:sp3d/>
+    <dgm:txPr/>
+    <dgm:style>
+      <a:lnRef idx="2">
+        <a:scrgbClr r="0" g="0" b="0"/>
+      </a:lnRef>
+      <a:fillRef idx="1">
+        <a:scrgbClr r="0" g="0" b="0"/>
+      </a:fillRef>
+      <a:effectRef idx="0">
+        <a:scrgbClr r="0" g="0" b="0"/>
+      </a:effectRef>
+      <a:fontRef idx="minor"/>
+    </dgm:style>
+  </dgm:styleLbl>
+  <dgm:styleLbl name="fgAcc4">
+    <dgm:scene3d>
+      <a:camera prst="orthographicFront"/>
+      <a:lightRig rig="threePt" dir="t"/>
+    </dgm:scene3d>
+    <dgm:sp3d/>
+    <dgm:txPr/>
+    <dgm:style>
+      <a:lnRef idx="2">
+        <a:scrgbClr r="0" g="0" b="0"/>
+      </a:lnRef>
+      <a:fillRef idx="1">
+        <a:scrgbClr r="0" g="0" b="0"/>
+      </a:fillRef>
+      <a:effectRef idx="0">
+        <a:scrgbClr r="0" g="0" b="0"/>
+      </a:effectRef>
+      <a:fontRef idx="minor"/>
+    </dgm:style>
+  </dgm:styleLbl>
+  <dgm:styleLbl name="bgShp">
+    <dgm:scene3d>
+      <a:camera prst="orthographicFront"/>
+      <a:lightRig rig="threePt" dir="t"/>
+    </dgm:scene3d>
+    <dgm:sp3d/>
+    <dgm:txPr/>
+    <dgm:style>
+      <a:lnRef idx="0">
+        <a:scrgbClr r="0" g="0" b="0"/>
+      </a:lnRef>
+      <a:fillRef idx="1">
+        <a:scrgbClr r="0" g="0" b="0"/>
+      </a:fillRef>
+      <a:effectRef idx="0">
+        <a:scrgbClr r="0" g="0" b="0"/>
+      </a:effectRef>
+      <a:fontRef idx="minor"/>
+    </dgm:style>
+  </dgm:styleLbl>
+  <dgm:styleLbl name="dkBgShp">
+    <dgm:scene3d>
+      <a:camera prst="orthographicFront"/>
+      <a:lightRig rig="threePt" dir="t"/>
+    </dgm:scene3d>
+    <dgm:sp3d/>
+    <dgm:txPr/>
+    <dgm:style>
+      <a:lnRef idx="0">
+        <a:scrgbClr r="0" g="0" b="0"/>
+      </a:lnRef>
+      <a:fillRef idx="1">
+        <a:scrgbClr r="0" g="0" b="0"/>
+      </a:fillRef>
+      <a:effectRef idx="0">
+        <a:scrgbClr r="0" g="0" b="0"/>
+      </a:effectRef>
+      <a:fontRef idx="minor"/>
+    </dgm:style>
+  </dgm:styleLbl>
+  <dgm:styleLbl name="trBgShp">
+    <dgm:scene3d>
+      <a:camera prst="orthographicFront"/>
+      <a:lightRig rig="threePt" dir="t"/>
+    </dgm:scene3d>
+    <dgm:sp3d/>
+    <dgm:txPr/>
+    <dgm:style>
+      <a:lnRef idx="0">
+        <a:scrgbClr r="0" g="0" b="0"/>
+      </a:lnRef>
+      <a:fillRef idx="1">
+        <a:scrgbClr r="0" g="0" b="0"/>
+      </a:fillRef>
+      <a:effectRef idx="0">
+        <a:scrgbClr r="0" g="0" b="0"/>
+      </a:effectRef>
+      <a:fontRef idx="minor"/>
+    </dgm:style>
+  </dgm:styleLbl>
+  <dgm:styleLbl name="fgShp">
+    <dgm:scene3d>
+      <a:camera prst="orthographicFront"/>
+      <a:lightRig rig="threePt" dir="t"/>
+    </dgm:scene3d>
+    <dgm:sp3d/>
+    <dgm:txPr/>
+    <dgm:style>
+      <a:lnRef idx="2">
+        <a:scrgbClr r="0" g="0" b="0"/>
+      </a:lnRef>
+      <a:fillRef idx="1">
+        <a:scrgbClr r="0" g="0" b="0"/>
+      </a:fillRef>
+      <a:effectRef idx="0">
+        <a:scrgbClr r="0" g="0" b="0"/>
+      </a:effectRef>
+      <a:fontRef idx="minor"/>
+    </dgm:style>
+  </dgm:styleLbl>
+  <dgm:styleLbl name="revTx">
+    <dgm:scene3d>
+      <a:camera prst="orthographicFront"/>
+      <a:lightRig rig="threePt" dir="t"/>
+    </dgm:scene3d>
+    <dgm:sp3d/>
+    <dgm:txPr/>
+    <dgm:style>
+      <a:lnRef idx="0">
+        <a:scrgbClr r="0" g="0" b="0"/>
+      </a:lnRef>
+      <a:fillRef idx="0">
+        <a:scrgbClr r="0" g="0" b="0"/>
+      </a:fillRef>
+      <a:effectRef idx="0">
+        <a:scrgbClr r="0" g="0" b="0"/>
+      </a:effectRef>
+      <a:fontRef idx="minor"/>
+    </dgm:style>
+  </dgm:styleLbl>
+</dgm:styleDef>
+</file>
+
 <file path=ppt/notesMasters/notesMaster1.xml><?xml version="1.0" encoding="utf-8"?>
 <p:notesMaster xmlns:a="http://schemas.openxmlformats.org/drawingml/2006/main" xmlns:r="http://schemas.openxmlformats.org/officeDocument/2006/relationships" xmlns:p="http://schemas.openxmlformats.org/presentationml/2006/main">
   <p:cSld>
@@ -11974,7 +15355,7 @@
           <a:p>
             <a:fld id="{123CBCE9-0914-4950-A986-7596C92667F1}" type="datetime1">
               <a:rPr lang="en-US" smtClean="0"/>
-              <a:t>2/8/22</a:t>
+              <a:t>2/9/2022</a:t>
             </a:fld>
             <a:endParaRPr lang="en-US"/>
           </a:p>
@@ -12102,6 +15483,105 @@
   <p:clrMapOvr>
     <a:masterClrMapping/>
   </p:clrMapOvr>
+</p:sldLayout>
+</file>
+
+<file path=ppt/slideLayouts/slideLayout7.xml><?xml version="1.0" encoding="utf-8"?>
+<p:sldLayout xmlns:a="http://schemas.openxmlformats.org/drawingml/2006/main" xmlns:r="http://schemas.openxmlformats.org/officeDocument/2006/relationships" xmlns:p="http://schemas.openxmlformats.org/presentationml/2006/main" userDrawn="1">
+  <p:cSld name="1_No Content">
+    <p:spTree>
+      <p:nvGrpSpPr>
+        <p:cNvPr id="1" name=""/>
+        <p:cNvGrpSpPr/>
+        <p:nvPr/>
+      </p:nvGrpSpPr>
+      <p:grpSpPr>
+        <a:xfrm>
+          <a:off x="0" y="0"/>
+          <a:ext cx="0" cy="0"/>
+          <a:chOff x="0" y="0"/>
+          <a:chExt cx="0" cy="0"/>
+        </a:xfrm>
+      </p:grpSpPr>
+      <p:sp>
+        <p:nvSpPr>
+          <p:cNvPr id="2" name="Title 1">
+            <a:extLst>
+              <a:ext uri="{FF2B5EF4-FFF2-40B4-BE49-F238E27FC236}">
+                <a16:creationId xmlns:a16="http://schemas.microsoft.com/office/drawing/2014/main" id="{72315596-955C-C54E-8EFA-F33D8B61FCB7}"/>
+              </a:ext>
+            </a:extLst>
+          </p:cNvPr>
+          <p:cNvSpPr>
+            <a:spLocks noGrp="1"/>
+          </p:cNvSpPr>
+          <p:nvPr>
+            <p:ph type="title" hasCustomPrompt="1"/>
+          </p:nvPr>
+        </p:nvSpPr>
+        <p:spPr/>
+        <p:txBody>
+          <a:bodyPr>
+            <a:normAutofit/>
+          </a:bodyPr>
+          <a:lstStyle>
+            <a:lvl1pPr>
+              <a:defRPr sz="2025"/>
+            </a:lvl1pPr>
+          </a:lstStyle>
+          <a:p>
+            <a:r>
+              <a:rPr lang="en-US"/>
+              <a:t>Click to edit Master title style: Arial, 20pt, Bold</a:t>
+            </a:r>
+          </a:p>
+        </p:txBody>
+      </p:sp>
+      <p:sp>
+        <p:nvSpPr>
+          <p:cNvPr id="3" name="Slide Number Placeholder 2">
+            <a:extLst>
+              <a:ext uri="{FF2B5EF4-FFF2-40B4-BE49-F238E27FC236}">
+                <a16:creationId xmlns:a16="http://schemas.microsoft.com/office/drawing/2014/main" id="{0E85263E-FBAE-7A45-AC9F-78A816F18B22}"/>
+              </a:ext>
+            </a:extLst>
+          </p:cNvPr>
+          <p:cNvSpPr>
+            <a:spLocks noGrp="1"/>
+          </p:cNvSpPr>
+          <p:nvPr>
+            <p:ph type="sldNum" sz="quarter" idx="20"/>
+          </p:nvPr>
+        </p:nvSpPr>
+        <p:spPr/>
+        <p:txBody>
+          <a:bodyPr/>
+          <a:lstStyle/>
+          <a:p>
+            <a:fld id="{F60BAC71-FF53-364F-93A1-30AE3AB4D6FB}" type="slidenum">
+              <a:rPr lang="en-US" smtClean="0"/>
+              <a:pPr/>
+              <a:t>‹#›</a:t>
+            </a:fld>
+            <a:endParaRPr lang="en-US" sz="825"/>
+          </a:p>
+        </p:txBody>
+      </p:sp>
+    </p:spTree>
+    <p:extLst>
+      <p:ext uri="{BB962C8B-B14F-4D97-AF65-F5344CB8AC3E}">
+        <p14:creationId xmlns:p14="http://schemas.microsoft.com/office/powerpoint/2010/main" val="3925109868"/>
+      </p:ext>
+    </p:extLst>
+  </p:cSld>
+  <p:clrMapOvr>
+    <a:masterClrMapping/>
+  </p:clrMapOvr>
+  <p:extLst>
+    <p:ext uri="{DCECCB84-F9BA-43D5-87BE-67443E8EF086}">
+      <p15:sldGuideLst xmlns:p15="http://schemas.microsoft.com/office/powerpoint/2012/main"/>
+    </p:ext>
+  </p:extLst>
 </p:sldLayout>
 </file>
 
@@ -12800,6 +16280,7 @@
     <p:sldLayoutId id="2147483660" r:id="rId4"/>
     <p:sldLayoutId id="2147483661" r:id="rId5"/>
     <p:sldLayoutId id="2147483662" r:id="rId6"/>
+    <p:sldLayoutId id="2147483663" r:id="rId7"/>
   </p:sldLayoutIdLst>
   <p:hf sldNum="0" hdr="0" ftr="0" dt="0"/>
   <p:txStyles>
@@ -13661,6 +17142,123 @@
           <a:chExt cx="0" cy="0"/>
         </a:xfrm>
       </p:grpSpPr>
+      <p:pic>
+        <p:nvPicPr>
+          <p:cNvPr id="4098" name="Picture 2">
+            <a:extLst>
+              <a:ext uri="{FF2B5EF4-FFF2-40B4-BE49-F238E27FC236}">
+                <a16:creationId xmlns:a16="http://schemas.microsoft.com/office/drawing/2014/main" id="{D2B72C52-CAE9-BD4B-9B2D-48C2C7EBBD34}"/>
+              </a:ext>
+            </a:extLst>
+          </p:cNvPr>
+          <p:cNvPicPr>
+            <a:picLocks noChangeAspect="1" noChangeArrowheads="1"/>
+          </p:cNvPicPr>
+          <p:nvPr/>
+        </p:nvPicPr>
+        <p:blipFill>
+          <a:blip r:embed="rId2">
+            <a:extLst>
+              <a:ext uri="{28A0092B-C50C-407E-A947-70E740481C1C}">
+                <a14:useLocalDpi xmlns:a14="http://schemas.microsoft.com/office/drawing/2010/main" val="0"/>
+              </a:ext>
+            </a:extLst>
+          </a:blip>
+          <a:srcRect/>
+          <a:stretch>
+            <a:fillRect/>
+          </a:stretch>
+        </p:blipFill>
+        <p:spPr bwMode="auto">
+          <a:xfrm>
+            <a:off x="1428750" y="-12808"/>
+            <a:ext cx="7715250" cy="5143500"/>
+          </a:xfrm>
+          <a:prstGeom prst="rect">
+            <a:avLst/>
+          </a:prstGeom>
+          <a:noFill/>
+          <a:extLst>
+            <a:ext uri="{909E8E84-426E-40DD-AFC4-6F175D3DCCD1}">
+              <a14:hiddenFill xmlns:a14="http://schemas.microsoft.com/office/drawing/2010/main">
+                <a:solidFill>
+                  <a:srgbClr val="FFFFFF"/>
+                </a:solidFill>
+              </a14:hiddenFill>
+            </a:ext>
+          </a:extLst>
+        </p:spPr>
+      </p:pic>
+      <p:sp>
+        <p:nvSpPr>
+          <p:cNvPr id="6" name="Rectangle 5">
+            <a:extLst>
+              <a:ext uri="{FF2B5EF4-FFF2-40B4-BE49-F238E27FC236}">
+                <a16:creationId xmlns:a16="http://schemas.microsoft.com/office/drawing/2014/main" id="{6FC93F0A-1231-4F1D-8AFE-BE3964B909ED}"/>
+              </a:ext>
+            </a:extLst>
+          </p:cNvPr>
+          <p:cNvSpPr/>
+          <p:nvPr/>
+        </p:nvSpPr>
+        <p:spPr>
+          <a:xfrm>
+            <a:off x="0" y="4392028"/>
+            <a:ext cx="2078780" cy="900246"/>
+          </a:xfrm>
+          <a:prstGeom prst="rect">
+            <a:avLst/>
+          </a:prstGeom>
+        </p:spPr>
+        <p:txBody>
+          <a:bodyPr wrap="square">
+            <a:spAutoFit/>
+          </a:bodyPr>
+          <a:lstStyle/>
+          <a:p>
+            <a:r>
+              <a:rPr lang="en-US" sz="1050" dirty="0">
+                <a:hlinkClick r:id="rId3"/>
+              </a:rPr>
+              <a:t>https://docs.microsoft.com/en-us/azure/architecture/example-scenario/ai/predict-hospital-readmissions-machine-learning</a:t>
+            </a:r>
+            <a:endParaRPr lang="en-US" sz="1050" dirty="0"/>
+          </a:p>
+          <a:p>
+            <a:endParaRPr lang="en-US" sz="1050" dirty="0"/>
+          </a:p>
+        </p:txBody>
+      </p:sp>
+    </p:spTree>
+    <p:extLst>
+      <p:ext uri="{BB962C8B-B14F-4D97-AF65-F5344CB8AC3E}">
+        <p14:creationId xmlns:p14="http://schemas.microsoft.com/office/powerpoint/2010/main" val="2000972908"/>
+      </p:ext>
+    </p:extLst>
+  </p:cSld>
+  <p:clrMapOvr>
+    <a:masterClrMapping/>
+  </p:clrMapOvr>
+</p:sld>
+</file>
+
+<file path=ppt/slides/slide11.xml><?xml version="1.0" encoding="utf-8"?>
+<p:sld xmlns:a="http://schemas.openxmlformats.org/drawingml/2006/main" xmlns:r="http://schemas.openxmlformats.org/officeDocument/2006/relationships" xmlns:p="http://schemas.openxmlformats.org/presentationml/2006/main">
+  <p:cSld>
+    <p:spTree>
+      <p:nvGrpSpPr>
+        <p:cNvPr id="1" name=""/>
+        <p:cNvGrpSpPr/>
+        <p:nvPr/>
+      </p:nvGrpSpPr>
+      <p:grpSpPr>
+        <a:xfrm>
+          <a:off x="0" y="0"/>
+          <a:ext cx="0" cy="0"/>
+          <a:chOff x="0" y="0"/>
+          <a:chExt cx="0" cy="0"/>
+        </a:xfrm>
+      </p:grpSpPr>
       <p:sp>
         <p:nvSpPr>
           <p:cNvPr id="2" name="Title 1">
@@ -13757,7 +17355,7 @@
 </p:sld>
 </file>
 
-<file path=ppt/slides/slide11.xml><?xml version="1.0" encoding="utf-8"?>
+<file path=ppt/slides/slide12.xml><?xml version="1.0" encoding="utf-8"?>
 <p:sld xmlns:a="http://schemas.openxmlformats.org/drawingml/2006/main" xmlns:r="http://schemas.openxmlformats.org/officeDocument/2006/relationships" xmlns:p="http://schemas.openxmlformats.org/presentationml/2006/main">
   <p:cSld>
     <p:spTree>
@@ -15012,7 +18610,7 @@
 </p:sld>
 </file>
 
-<file path=ppt/slides/slide12.xml><?xml version="1.0" encoding="utf-8"?>
+<file path=ppt/slides/slide13.xml><?xml version="1.0" encoding="utf-8"?>
 <p:sld xmlns:a="http://schemas.openxmlformats.org/drawingml/2006/main" xmlns:r="http://schemas.openxmlformats.org/officeDocument/2006/relationships" xmlns:p="http://schemas.openxmlformats.org/presentationml/2006/main">
   <p:cSld>
     <p:spTree>
@@ -15227,7 +18825,7 @@
 </p:sld>
 </file>
 
-<file path=ppt/slides/slide13.xml><?xml version="1.0" encoding="utf-8"?>
+<file path=ppt/slides/slide14.xml><?xml version="1.0" encoding="utf-8"?>
 <p:sld xmlns:a="http://schemas.openxmlformats.org/drawingml/2006/main" xmlns:r="http://schemas.openxmlformats.org/officeDocument/2006/relationships" xmlns:p="http://schemas.openxmlformats.org/presentationml/2006/main">
   <p:cSld>
     <p:spTree>
@@ -15424,7 +19022,7 @@
 </p:sld>
 </file>
 
-<file path=ppt/slides/slide14.xml><?xml version="1.0" encoding="utf-8"?>
+<file path=ppt/slides/slide15.xml><?xml version="1.0" encoding="utf-8"?>
 <p:sld xmlns:a="http://schemas.openxmlformats.org/drawingml/2006/main" xmlns:r="http://schemas.openxmlformats.org/officeDocument/2006/relationships" xmlns:p="http://schemas.openxmlformats.org/presentationml/2006/main">
   <p:cSld>
     <p:spTree>
@@ -16828,7 +20426,7 @@
 </p:sld>
 </file>
 
-<file path=ppt/slides/slide15.xml><?xml version="1.0" encoding="utf-8"?>
+<file path=ppt/slides/slide16.xml><?xml version="1.0" encoding="utf-8"?>
 <p:sld xmlns:a="http://schemas.openxmlformats.org/drawingml/2006/main" xmlns:r="http://schemas.openxmlformats.org/officeDocument/2006/relationships" xmlns:p="http://schemas.openxmlformats.org/presentationml/2006/main">
   <p:cSld>
     <p:spTree>
@@ -17588,7 +21186,7 @@
 </p:sld>
 </file>
 
-<file path=ppt/slides/slide16.xml><?xml version="1.0" encoding="utf-8"?>
+<file path=ppt/slides/slide17.xml><?xml version="1.0" encoding="utf-8"?>
 <p:sld xmlns:a="http://schemas.openxmlformats.org/drawingml/2006/main" xmlns:r="http://schemas.openxmlformats.org/officeDocument/2006/relationships" xmlns:p="http://schemas.openxmlformats.org/presentationml/2006/main">
   <p:cSld>
     <p:spTree>
@@ -17800,7 +21398,7 @@
 </p:sld>
 </file>
 
-<file path=ppt/slides/slide17.xml><?xml version="1.0" encoding="utf-8"?>
+<file path=ppt/slides/slide18.xml><?xml version="1.0" encoding="utf-8"?>
 <p:sld xmlns:a="http://schemas.openxmlformats.org/drawingml/2006/main" xmlns:r="http://schemas.openxmlformats.org/officeDocument/2006/relationships" xmlns:p="http://schemas.openxmlformats.org/presentationml/2006/main">
   <p:cSld>
     <p:spTree>
@@ -17859,7 +21457,7 @@
             <a:fld id="{EFD79178-3801-442D-9A2F-5D922A383BA0}" type="slidenum">
               <a:rPr lang="tr-TR"/>
               <a:pPr/>
-              <a:t>17</a:t>
+              <a:t>18</a:t>
             </a:fld>
             <a:endParaRPr lang="tr-TR"/>
           </a:p>
@@ -18281,7 +21879,7 @@
 </p:sld>
 </file>
 
-<file path=ppt/slides/slide18.xml><?xml version="1.0" encoding="utf-8"?>
+<file path=ppt/slides/slide19.xml><?xml version="1.0" encoding="utf-8"?>
 <p:sld xmlns:a="http://schemas.openxmlformats.org/drawingml/2006/main" xmlns:r="http://schemas.openxmlformats.org/officeDocument/2006/relationships" xmlns:p="http://schemas.openxmlformats.org/presentationml/2006/main">
   <p:cSld>
     <p:spTree>
@@ -18342,7 +21940,7 @@
             <a:fld id="{F6E1DC87-3DF8-4536-96F3-3C9B9F8DA82B}" type="slidenum">
               <a:rPr lang="tr-TR"/>
               <a:pPr/>
-              <a:t>18</a:t>
+              <a:t>19</a:t>
             </a:fld>
             <a:endParaRPr lang="tr-TR"/>
           </a:p>
@@ -18366,7 +21964,7 @@
           <a:graphicData uri="http://schemas.openxmlformats.org/presentationml/2006/ole">
             <mc:AlternateContent xmlns:mc="http://schemas.openxmlformats.org/markup-compatibility/2006">
               <mc:Choice xmlns:v="urn:schemas-microsoft-com:vml" Requires="v">
-                <p:oleObj spid="_x0000_s1122" name="Equation" r:id="rId3" imgW="1333440" imgH="457200" progId="Equation.3">
+                <p:oleObj spid="_x0000_s1126" name="Equation" r:id="rId3" imgW="1333440" imgH="457200" progId="Equation.3">
                   <p:embed/>
                 </p:oleObj>
               </mc:Choice>
@@ -18762,7 +22360,7 @@
           <a:graphicData uri="http://schemas.openxmlformats.org/presentationml/2006/ole">
             <mc:AlternateContent xmlns:mc="http://schemas.openxmlformats.org/markup-compatibility/2006">
               <mc:Choice xmlns:v="urn:schemas-microsoft-com:vml" Requires="v">
-                <p:oleObj spid="_x0000_s1123" name="Equation" r:id="rId5" imgW="1180800" imgH="431640" progId="Equation.3">
+                <p:oleObj spid="_x0000_s1127" name="Equation" r:id="rId5" imgW="1180800" imgH="431640" progId="Equation.3">
                   <p:embed/>
                 </p:oleObj>
               </mc:Choice>
@@ -18857,7 +22455,210 @@
 </p:sld>
 </file>
 
-<file path=ppt/slides/slide19.xml><?xml version="1.0" encoding="utf-8"?>
+<file path=ppt/slides/slide2.xml><?xml version="1.0" encoding="utf-8"?>
+<p:sld xmlns:a="http://schemas.openxmlformats.org/drawingml/2006/main" xmlns:r="http://schemas.openxmlformats.org/officeDocument/2006/relationships" xmlns:p="http://schemas.openxmlformats.org/presentationml/2006/main">
+  <p:cSld>
+    <p:spTree>
+      <p:nvGrpSpPr>
+        <p:cNvPr id="1" name="Shape 77"/>
+        <p:cNvGrpSpPr/>
+        <p:nvPr/>
+      </p:nvGrpSpPr>
+      <p:grpSpPr>
+        <a:xfrm>
+          <a:off x="0" y="0"/>
+          <a:ext cx="0" cy="0"/>
+          <a:chOff x="0" y="0"/>
+          <a:chExt cx="0" cy="0"/>
+        </a:xfrm>
+      </p:grpSpPr>
+      <p:sp>
+        <p:nvSpPr>
+          <p:cNvPr id="78" name="Google Shape;78;p14"/>
+          <p:cNvSpPr txBox="1">
+            <a:spLocks noGrp="1"/>
+          </p:cNvSpPr>
+          <p:nvPr>
+            <p:ph type="title"/>
+          </p:nvPr>
+        </p:nvSpPr>
+        <p:spPr>
+          <a:xfrm>
+            <a:off x="265500" y="1912650"/>
+            <a:ext cx="4045200" cy="1318200"/>
+          </a:xfrm>
+          <a:prstGeom prst="rect">
+            <a:avLst/>
+          </a:prstGeom>
+        </p:spPr>
+        <p:txBody>
+          <a:bodyPr spcFirstLastPara="1" wrap="square" lIns="91425" tIns="91425" rIns="91425" bIns="91425" anchor="ctr" anchorCtr="0">
+            <a:noAutofit/>
+          </a:bodyPr>
+          <a:lstStyle/>
+          <a:p>
+            <a:pPr marL="0" lvl="0" indent="0" algn="ctr" rtl="0">
+              <a:spcBef>
+                <a:spcPts val="0"/>
+              </a:spcBef>
+              <a:spcAft>
+                <a:spcPts val="0"/>
+              </a:spcAft>
+              <a:buNone/>
+            </a:pPr>
+            <a:r>
+              <a:rPr lang="en" dirty="0"/>
+              <a:t>Overview</a:t>
+            </a:r>
+            <a:endParaRPr dirty="0"/>
+          </a:p>
+        </p:txBody>
+      </p:sp>
+      <p:sp>
+        <p:nvSpPr>
+          <p:cNvPr id="79" name="Google Shape;79;p14"/>
+          <p:cNvSpPr txBox="1">
+            <a:spLocks noGrp="1"/>
+          </p:cNvSpPr>
+          <p:nvPr>
+            <p:ph type="body" idx="2"/>
+          </p:nvPr>
+        </p:nvSpPr>
+        <p:spPr>
+          <a:xfrm>
+            <a:off x="4939500" y="394854"/>
+            <a:ext cx="3837000" cy="3719945"/>
+          </a:xfrm>
+          <a:prstGeom prst="rect">
+            <a:avLst/>
+          </a:prstGeom>
+        </p:spPr>
+        <p:txBody>
+          <a:bodyPr spcFirstLastPara="1" wrap="square" lIns="91425" tIns="91425" rIns="91425" bIns="91425" anchor="ctr" anchorCtr="0">
+            <a:noAutofit/>
+          </a:bodyPr>
+          <a:lstStyle/>
+          <a:p>
+            <a:pPr marL="0" indent="0">
+              <a:spcBef>
+                <a:spcPts val="1600"/>
+              </a:spcBef>
+              <a:buNone/>
+            </a:pPr>
+            <a:r>
+              <a:rPr lang="en-US" sz="1400" b="1" dirty="0"/>
+              <a:t>Intro to Machine Learning</a:t>
+            </a:r>
+          </a:p>
+          <a:p>
+            <a:pPr marL="0" indent="0">
+              <a:buNone/>
+            </a:pPr>
+            <a:r>
+              <a:rPr lang="en-US" sz="1400" b="1" dirty="0"/>
+              <a:t>Machine Learning in the Cloud</a:t>
+            </a:r>
+          </a:p>
+          <a:p>
+            <a:pPr marL="0" indent="0">
+              <a:buNone/>
+            </a:pPr>
+            <a:r>
+              <a:rPr lang="en-US" sz="1400" b="1" dirty="0"/>
+              <a:t>Cognitive Services</a:t>
+            </a:r>
+          </a:p>
+          <a:p>
+            <a:pPr marL="0" indent="0">
+              <a:buNone/>
+            </a:pPr>
+            <a:r>
+              <a:rPr lang="en-US" sz="1400" b="1" dirty="0" err="1"/>
+              <a:t>AutoML</a:t>
+            </a:r>
+            <a:endParaRPr lang="en-US" sz="1400" b="1" dirty="0"/>
+          </a:p>
+          <a:p>
+            <a:pPr marL="0" indent="0">
+              <a:spcBef>
+                <a:spcPts val="1600"/>
+              </a:spcBef>
+              <a:buNone/>
+            </a:pPr>
+            <a:r>
+              <a:rPr lang="en-US" sz="1400" b="1" dirty="0"/>
+              <a:t>Basics of Algorithms</a:t>
+            </a:r>
+          </a:p>
+          <a:p>
+            <a:pPr marL="285750" indent="-285750"/>
+            <a:r>
+              <a:rPr lang="en-US" sz="1400" b="1" dirty="0"/>
+              <a:t>Regression</a:t>
+            </a:r>
+          </a:p>
+          <a:p>
+            <a:pPr marL="285750" indent="-285750"/>
+            <a:r>
+              <a:rPr lang="en-US" sz="1400" b="1" dirty="0"/>
+              <a:t>Classification</a:t>
+            </a:r>
+          </a:p>
+          <a:p>
+            <a:pPr marL="285750" indent="-285750"/>
+            <a:r>
+              <a:rPr lang="en-US" sz="1400" b="1" dirty="0"/>
+              <a:t>Clustering</a:t>
+            </a:r>
+          </a:p>
+          <a:p>
+            <a:pPr marL="0" indent="0">
+              <a:spcBef>
+                <a:spcPts val="1600"/>
+              </a:spcBef>
+              <a:buNone/>
+            </a:pPr>
+            <a:r>
+              <a:rPr lang="en-US" sz="1400" b="1" dirty="0"/>
+              <a:t>Scaling Up with Parallelization</a:t>
+            </a:r>
+          </a:p>
+          <a:p>
+            <a:pPr marL="285750" indent="-285750"/>
+            <a:r>
+              <a:rPr lang="en-US" sz="1400" b="1" dirty="0"/>
+              <a:t>Training</a:t>
+            </a:r>
+          </a:p>
+          <a:p>
+            <a:pPr marL="285750" indent="-285750"/>
+            <a:r>
+              <a:rPr lang="en-US" sz="1400" b="1" dirty="0"/>
+              <a:t>Cross-Validation</a:t>
+            </a:r>
+          </a:p>
+          <a:p>
+            <a:pPr marL="285750" indent="-285750"/>
+            <a:r>
+              <a:rPr lang="en-US" sz="1400" b="1" dirty="0"/>
+              <a:t>Parameter Tuning</a:t>
+            </a:r>
+          </a:p>
+          <a:p>
+            <a:pPr marL="285750" indent="-285750"/>
+            <a:endParaRPr lang="en-US" sz="1400" b="1" dirty="0"/>
+          </a:p>
+        </p:txBody>
+      </p:sp>
+    </p:spTree>
+  </p:cSld>
+  <p:clrMapOvr>
+    <a:masterClrMapping/>
+  </p:clrMapOvr>
+</p:sld>
+</file>
+
+<file path=ppt/slides/slide20.xml><?xml version="1.0" encoding="utf-8"?>
 <p:sld xmlns:a="http://schemas.openxmlformats.org/drawingml/2006/main" xmlns:r="http://schemas.openxmlformats.org/officeDocument/2006/relationships" xmlns:p="http://schemas.openxmlformats.org/presentationml/2006/main">
   <p:cSld>
     <p:spTree>
@@ -19120,7 +22921,7 @@
             <a:fld id="{55EF7AAF-5E6B-4622-8B02-2B6C4703C2FB}" type="slidenum">
               <a:rPr lang="tr-TR"/>
               <a:pPr/>
-              <a:t>19</a:t>
+              <a:t>20</a:t>
             </a:fld>
             <a:endParaRPr lang="tr-TR" dirty="0"/>
           </a:p>
@@ -19144,7 +22945,7 @@
           <a:graphicData uri="http://schemas.openxmlformats.org/presentationml/2006/ole">
             <mc:AlternateContent xmlns:mc="http://schemas.openxmlformats.org/markup-compatibility/2006">
               <mc:Choice xmlns:v="urn:schemas-microsoft-com:vml" Requires="v">
-                <p:oleObj spid="_x0000_s2146" name="Equation" r:id="rId3" imgW="1498320" imgH="482400" progId="Equation.3">
+                <p:oleObj spid="_x0000_s2150" name="Equation" r:id="rId3" imgW="1498320" imgH="482400" progId="Equation.3">
                   <p:embed/>
                 </p:oleObj>
               </mc:Choice>
@@ -19216,7 +23017,7 @@
           <a:graphicData uri="http://schemas.openxmlformats.org/presentationml/2006/ole">
             <mc:AlternateContent xmlns:mc="http://schemas.openxmlformats.org/markup-compatibility/2006">
               <mc:Choice xmlns:v="urn:schemas-microsoft-com:vml" Requires="v">
-                <p:oleObj spid="_x0000_s2147" name="Equation" r:id="rId5" imgW="1663560" imgH="444240" progId="Equation.3">
+                <p:oleObj spid="_x0000_s2151" name="Equation" r:id="rId5" imgW="1663560" imgH="444240" progId="Equation.3">
                   <p:embed/>
                 </p:oleObj>
               </mc:Choice>
@@ -19278,210 +23079,7 @@
 </p:sld>
 </file>
 
-<file path=ppt/slides/slide2.xml><?xml version="1.0" encoding="utf-8"?>
-<p:sld xmlns:a="http://schemas.openxmlformats.org/drawingml/2006/main" xmlns:r="http://schemas.openxmlformats.org/officeDocument/2006/relationships" xmlns:p="http://schemas.openxmlformats.org/presentationml/2006/main">
-  <p:cSld>
-    <p:spTree>
-      <p:nvGrpSpPr>
-        <p:cNvPr id="1" name="Shape 77"/>
-        <p:cNvGrpSpPr/>
-        <p:nvPr/>
-      </p:nvGrpSpPr>
-      <p:grpSpPr>
-        <a:xfrm>
-          <a:off x="0" y="0"/>
-          <a:ext cx="0" cy="0"/>
-          <a:chOff x="0" y="0"/>
-          <a:chExt cx="0" cy="0"/>
-        </a:xfrm>
-      </p:grpSpPr>
-      <p:sp>
-        <p:nvSpPr>
-          <p:cNvPr id="78" name="Google Shape;78;p14"/>
-          <p:cNvSpPr txBox="1">
-            <a:spLocks noGrp="1"/>
-          </p:cNvSpPr>
-          <p:nvPr>
-            <p:ph type="title"/>
-          </p:nvPr>
-        </p:nvSpPr>
-        <p:spPr>
-          <a:xfrm>
-            <a:off x="265500" y="1912650"/>
-            <a:ext cx="4045200" cy="1318200"/>
-          </a:xfrm>
-          <a:prstGeom prst="rect">
-            <a:avLst/>
-          </a:prstGeom>
-        </p:spPr>
-        <p:txBody>
-          <a:bodyPr spcFirstLastPara="1" wrap="square" lIns="91425" tIns="91425" rIns="91425" bIns="91425" anchor="ctr" anchorCtr="0">
-            <a:noAutofit/>
-          </a:bodyPr>
-          <a:lstStyle/>
-          <a:p>
-            <a:pPr marL="0" lvl="0" indent="0" algn="ctr" rtl="0">
-              <a:spcBef>
-                <a:spcPts val="0"/>
-              </a:spcBef>
-              <a:spcAft>
-                <a:spcPts val="0"/>
-              </a:spcAft>
-              <a:buNone/>
-            </a:pPr>
-            <a:r>
-              <a:rPr lang="en" dirty="0"/>
-              <a:t>Overview</a:t>
-            </a:r>
-            <a:endParaRPr dirty="0"/>
-          </a:p>
-        </p:txBody>
-      </p:sp>
-      <p:sp>
-        <p:nvSpPr>
-          <p:cNvPr id="79" name="Google Shape;79;p14"/>
-          <p:cNvSpPr txBox="1">
-            <a:spLocks noGrp="1"/>
-          </p:cNvSpPr>
-          <p:nvPr>
-            <p:ph type="body" idx="2"/>
-          </p:nvPr>
-        </p:nvSpPr>
-        <p:spPr>
-          <a:xfrm>
-            <a:off x="4939500" y="394854"/>
-            <a:ext cx="3837000" cy="3719945"/>
-          </a:xfrm>
-          <a:prstGeom prst="rect">
-            <a:avLst/>
-          </a:prstGeom>
-        </p:spPr>
-        <p:txBody>
-          <a:bodyPr spcFirstLastPara="1" wrap="square" lIns="91425" tIns="91425" rIns="91425" bIns="91425" anchor="ctr" anchorCtr="0">
-            <a:noAutofit/>
-          </a:bodyPr>
-          <a:lstStyle/>
-          <a:p>
-            <a:pPr marL="0" indent="0">
-              <a:spcBef>
-                <a:spcPts val="1600"/>
-              </a:spcBef>
-              <a:buNone/>
-            </a:pPr>
-            <a:r>
-              <a:rPr lang="en-US" sz="1400" b="1" dirty="0"/>
-              <a:t>Intro to Machine Learning</a:t>
-            </a:r>
-          </a:p>
-          <a:p>
-            <a:pPr marL="0" indent="0">
-              <a:buNone/>
-            </a:pPr>
-            <a:r>
-              <a:rPr lang="en-US" sz="1400" b="1" dirty="0"/>
-              <a:t>Machine Learning in the Cloud</a:t>
-            </a:r>
-          </a:p>
-          <a:p>
-            <a:pPr marL="0" indent="0">
-              <a:buNone/>
-            </a:pPr>
-            <a:r>
-              <a:rPr lang="en-US" sz="1400" b="1" dirty="0"/>
-              <a:t>Cognitive Services</a:t>
-            </a:r>
-          </a:p>
-          <a:p>
-            <a:pPr marL="0" indent="0">
-              <a:buNone/>
-            </a:pPr>
-            <a:r>
-              <a:rPr lang="en-US" sz="1400" b="1" dirty="0" err="1"/>
-              <a:t>AutoML</a:t>
-            </a:r>
-            <a:endParaRPr lang="en-US" sz="1400" b="1" dirty="0"/>
-          </a:p>
-          <a:p>
-            <a:pPr marL="0" indent="0">
-              <a:spcBef>
-                <a:spcPts val="1600"/>
-              </a:spcBef>
-              <a:buNone/>
-            </a:pPr>
-            <a:r>
-              <a:rPr lang="en-US" sz="1400" b="1" dirty="0"/>
-              <a:t>Basics of Algorithms</a:t>
-            </a:r>
-          </a:p>
-          <a:p>
-            <a:pPr marL="285750" indent="-285750"/>
-            <a:r>
-              <a:rPr lang="en-US" sz="1400" b="1" dirty="0"/>
-              <a:t>Regression</a:t>
-            </a:r>
-          </a:p>
-          <a:p>
-            <a:pPr marL="285750" indent="-285750"/>
-            <a:r>
-              <a:rPr lang="en-US" sz="1400" b="1" dirty="0"/>
-              <a:t>Classification</a:t>
-            </a:r>
-          </a:p>
-          <a:p>
-            <a:pPr marL="285750" indent="-285750"/>
-            <a:r>
-              <a:rPr lang="en-US" sz="1400" b="1" dirty="0"/>
-              <a:t>Clustering</a:t>
-            </a:r>
-          </a:p>
-          <a:p>
-            <a:pPr marL="0" indent="0">
-              <a:spcBef>
-                <a:spcPts val="1600"/>
-              </a:spcBef>
-              <a:buNone/>
-            </a:pPr>
-            <a:r>
-              <a:rPr lang="en-US" sz="1400" b="1" dirty="0"/>
-              <a:t>Scaling Up with Parallelization</a:t>
-            </a:r>
-          </a:p>
-          <a:p>
-            <a:pPr marL="285750" indent="-285750"/>
-            <a:r>
-              <a:rPr lang="en-US" sz="1400" b="1" dirty="0"/>
-              <a:t>Training</a:t>
-            </a:r>
-          </a:p>
-          <a:p>
-            <a:pPr marL="285750" indent="-285750"/>
-            <a:r>
-              <a:rPr lang="en-US" sz="1400" b="1" dirty="0"/>
-              <a:t>Cross-Validation</a:t>
-            </a:r>
-          </a:p>
-          <a:p>
-            <a:pPr marL="285750" indent="-285750"/>
-            <a:r>
-              <a:rPr lang="en-US" sz="1400" b="1" dirty="0"/>
-              <a:t>Parameter Tuning</a:t>
-            </a:r>
-          </a:p>
-          <a:p>
-            <a:pPr marL="285750" indent="-285750"/>
-            <a:endParaRPr lang="en-US" sz="1400" b="1" dirty="0"/>
-          </a:p>
-        </p:txBody>
-      </p:sp>
-    </p:spTree>
-  </p:cSld>
-  <p:clrMapOvr>
-    <a:masterClrMapping/>
-  </p:clrMapOvr>
-</p:sld>
-</file>
-
-<file path=ppt/slides/slide20.xml><?xml version="1.0" encoding="utf-8"?>
+<file path=ppt/slides/slide21.xml><?xml version="1.0" encoding="utf-8"?>
 <p:sld xmlns:a="http://schemas.openxmlformats.org/drawingml/2006/main" xmlns:r="http://schemas.openxmlformats.org/officeDocument/2006/relationships" xmlns:p="http://schemas.openxmlformats.org/presentationml/2006/main">
   <p:cSld>
     <p:spTree>
@@ -19540,7 +23138,7 @@
             <a:fld id="{B5F69795-7180-4348-84C5-5ED87E19885F}" type="slidenum">
               <a:rPr lang="tr-TR"/>
               <a:pPr/>
-              <a:t>20</a:t>
+              <a:t>21</a:t>
             </a:fld>
             <a:endParaRPr lang="tr-TR"/>
           </a:p>
@@ -19616,7 +23214,7 @@
 </p:sld>
 </file>
 
-<file path=ppt/slides/slide21.xml><?xml version="1.0" encoding="utf-8"?>
+<file path=ppt/slides/slide22.xml><?xml version="1.0" encoding="utf-8"?>
 <p:sld xmlns:a="http://schemas.openxmlformats.org/drawingml/2006/main" xmlns:r="http://schemas.openxmlformats.org/officeDocument/2006/relationships" xmlns:p="http://schemas.openxmlformats.org/presentationml/2006/main">
   <p:cSld>
     <p:spTree>
@@ -19696,7 +23294,7 @@
 </p:sld>
 </file>
 
-<file path=ppt/slides/slide22.xml><?xml version="1.0" encoding="utf-8"?>
+<file path=ppt/slides/slide23.xml><?xml version="1.0" encoding="utf-8"?>
 <p:sld xmlns:a="http://schemas.openxmlformats.org/drawingml/2006/main" xmlns:r="http://schemas.openxmlformats.org/officeDocument/2006/relationships" xmlns:p="http://schemas.openxmlformats.org/presentationml/2006/main">
   <p:cSld>
     <p:spTree>
@@ -20390,7 +23988,7 @@
 </p:sld>
 </file>
 
-<file path=ppt/slides/slide23.xml><?xml version="1.0" encoding="utf-8"?>
+<file path=ppt/slides/slide24.xml><?xml version="1.0" encoding="utf-8"?>
 <p:sld xmlns:a="http://schemas.openxmlformats.org/drawingml/2006/main" xmlns:r="http://schemas.openxmlformats.org/officeDocument/2006/relationships" xmlns:p="http://schemas.openxmlformats.org/presentationml/2006/main">
   <p:cSld>
     <p:spTree>
@@ -20663,7 +24261,7 @@
 </p:sld>
 </file>
 
-<file path=ppt/slides/slide24.xml><?xml version="1.0" encoding="utf-8"?>
+<file path=ppt/slides/slide25.xml><?xml version="1.0" encoding="utf-8"?>
 <p:sld xmlns:a="http://schemas.openxmlformats.org/drawingml/2006/main" xmlns:r="http://schemas.openxmlformats.org/officeDocument/2006/relationships" xmlns:p="http://schemas.openxmlformats.org/presentationml/2006/main">
   <p:cSld>
     <p:spTree>
@@ -22490,7 +26088,7 @@
 </p:sld>
 </file>
 
-<file path=ppt/slides/slide25.xml><?xml version="1.0" encoding="utf-8"?>
+<file path=ppt/slides/slide26.xml><?xml version="1.0" encoding="utf-8"?>
 <p:sld xmlns:a="http://schemas.openxmlformats.org/drawingml/2006/main" xmlns:r="http://schemas.openxmlformats.org/officeDocument/2006/relationships" xmlns:p="http://schemas.openxmlformats.org/presentationml/2006/main">
   <p:cSld>
     <p:spTree>
@@ -22748,7 +26346,7 @@
 </p:sld>
 </file>
 
-<file path=ppt/slides/slide26.xml><?xml version="1.0" encoding="utf-8"?>
+<file path=ppt/slides/slide27.xml><?xml version="1.0" encoding="utf-8"?>
 <p:sld xmlns:a="http://schemas.openxmlformats.org/drawingml/2006/main" xmlns:r="http://schemas.openxmlformats.org/officeDocument/2006/relationships" xmlns:p="http://schemas.openxmlformats.org/presentationml/2006/main">
   <p:cSld>
     <p:spTree>
@@ -25987,7 +29585,7 @@
 </p:sld>
 </file>
 
-<file path=ppt/slides/slide27.xml><?xml version="1.0" encoding="utf-8"?>
+<file path=ppt/slides/slide28.xml><?xml version="1.0" encoding="utf-8"?>
 <p:sld xmlns:a="http://schemas.openxmlformats.org/drawingml/2006/main" xmlns:r="http://schemas.openxmlformats.org/officeDocument/2006/relationships" xmlns:p="http://schemas.openxmlformats.org/presentationml/2006/main">
   <p:cSld>
     <p:spTree>
@@ -27257,7 +30855,7 @@
 </p:sld>
 </file>
 
-<file path=ppt/slides/slide28.xml><?xml version="1.0" encoding="utf-8"?>
+<file path=ppt/slides/slide29.xml><?xml version="1.0" encoding="utf-8"?>
 <p:sld xmlns:a="http://schemas.openxmlformats.org/drawingml/2006/main" xmlns:r="http://schemas.openxmlformats.org/officeDocument/2006/relationships" xmlns:p="http://schemas.openxmlformats.org/presentationml/2006/main">
   <p:cSld>
     <p:spTree>
@@ -27674,7 +31272,470 @@
 </p:sld>
 </file>
 
-<file path=ppt/slides/slide29.xml><?xml version="1.0" encoding="utf-8"?>
+<file path=ppt/slides/slide3.xml><?xml version="1.0" encoding="utf-8"?>
+<p:sld xmlns:a="http://schemas.openxmlformats.org/drawingml/2006/main" xmlns:r="http://schemas.openxmlformats.org/officeDocument/2006/relationships" xmlns:p="http://schemas.openxmlformats.org/presentationml/2006/main">
+  <p:cSld>
+    <p:spTree>
+      <p:nvGrpSpPr>
+        <p:cNvPr id="1" name="Shape 97"/>
+        <p:cNvGrpSpPr/>
+        <p:nvPr/>
+      </p:nvGrpSpPr>
+      <p:grpSpPr>
+        <a:xfrm>
+          <a:off x="0" y="0"/>
+          <a:ext cx="0" cy="0"/>
+          <a:chOff x="0" y="0"/>
+          <a:chExt cx="0" cy="0"/>
+        </a:xfrm>
+      </p:grpSpPr>
+      <p:sp>
+        <p:nvSpPr>
+          <p:cNvPr id="98" name="Google Shape;98;p17"/>
+          <p:cNvSpPr txBox="1">
+            <a:spLocks noGrp="1"/>
+          </p:cNvSpPr>
+          <p:nvPr>
+            <p:ph type="title"/>
+          </p:nvPr>
+        </p:nvSpPr>
+        <p:spPr>
+          <a:xfrm>
+            <a:off x="2400250" y="575950"/>
+            <a:ext cx="6321600" cy="635400"/>
+          </a:xfrm>
+          <a:prstGeom prst="rect">
+            <a:avLst/>
+          </a:prstGeom>
+        </p:spPr>
+        <p:txBody>
+          <a:bodyPr spcFirstLastPara="1" wrap="square" lIns="91425" tIns="91425" rIns="91425" bIns="91425" anchor="t" anchorCtr="0">
+            <a:noAutofit/>
+          </a:bodyPr>
+          <a:lstStyle/>
+          <a:p>
+            <a:pPr marL="0" lvl="0" indent="0" algn="l" rtl="0">
+              <a:spcBef>
+                <a:spcPts val="0"/>
+              </a:spcBef>
+              <a:spcAft>
+                <a:spcPts val="0"/>
+              </a:spcAft>
+              <a:buNone/>
+            </a:pPr>
+            <a:r>
+              <a:rPr lang="en-US" dirty="0"/>
+              <a:t>Intro to Machine Learning</a:t>
+            </a:r>
+            <a:endParaRPr dirty="0"/>
+          </a:p>
+        </p:txBody>
+      </p:sp>
+      <p:pic>
+        <p:nvPicPr>
+          <p:cNvPr id="3" name="Graphic 2">
+            <a:extLst>
+              <a:ext uri="{FF2B5EF4-FFF2-40B4-BE49-F238E27FC236}">
+                <a16:creationId xmlns:a16="http://schemas.microsoft.com/office/drawing/2014/main" id="{78C8C304-C32B-473B-9148-F975AB8B26E7}"/>
+              </a:ext>
+            </a:extLst>
+          </p:cNvPr>
+          <p:cNvPicPr>
+            <a:picLocks noChangeAspect="1"/>
+          </p:cNvPicPr>
+          <p:nvPr/>
+        </p:nvPicPr>
+        <p:blipFill>
+          <a:blip r:embed="rId3">
+            <a:extLst>
+              <a:ext uri="{96DAC541-7B7A-43D3-8B79-37D633B846F1}">
+                <asvg:svgBlip xmlns:asvg="http://schemas.microsoft.com/office/drawing/2016/SVG/main" r:embed="rId4"/>
+              </a:ext>
+            </a:extLst>
+          </a:blip>
+          <a:stretch>
+            <a:fillRect/>
+          </a:stretch>
+        </p:blipFill>
+        <p:spPr>
+          <a:xfrm>
+            <a:off x="1539875" y="1867003"/>
+            <a:ext cx="1047750" cy="1133475"/>
+          </a:xfrm>
+          <a:prstGeom prst="rect">
+            <a:avLst/>
+          </a:prstGeom>
+        </p:spPr>
+      </p:pic>
+      <p:pic>
+        <p:nvPicPr>
+          <p:cNvPr id="5" name="Graphic 4">
+            <a:extLst>
+              <a:ext uri="{FF2B5EF4-FFF2-40B4-BE49-F238E27FC236}">
+                <a16:creationId xmlns:a16="http://schemas.microsoft.com/office/drawing/2014/main" id="{59B15D61-728B-4CD1-B6B9-F6FF91B69C7D}"/>
+              </a:ext>
+            </a:extLst>
+          </p:cNvPr>
+          <p:cNvPicPr>
+            <a:picLocks noChangeAspect="1"/>
+          </p:cNvPicPr>
+          <p:nvPr/>
+        </p:nvPicPr>
+        <p:blipFill>
+          <a:blip r:embed="rId5">
+            <a:extLst>
+              <a:ext uri="{96DAC541-7B7A-43D3-8B79-37D633B846F1}">
+                <asvg:svgBlip xmlns:asvg="http://schemas.microsoft.com/office/drawing/2016/SVG/main" r:embed="rId6"/>
+              </a:ext>
+            </a:extLst>
+          </a:blip>
+          <a:stretch>
+            <a:fillRect/>
+          </a:stretch>
+        </p:blipFill>
+        <p:spPr>
+          <a:xfrm>
+            <a:off x="4019550" y="1857478"/>
+            <a:ext cx="1104900" cy="1143000"/>
+          </a:xfrm>
+          <a:prstGeom prst="rect">
+            <a:avLst/>
+          </a:prstGeom>
+        </p:spPr>
+      </p:pic>
+      <p:pic>
+        <p:nvPicPr>
+          <p:cNvPr id="8" name="Graphic 7">
+            <a:extLst>
+              <a:ext uri="{FF2B5EF4-FFF2-40B4-BE49-F238E27FC236}">
+                <a16:creationId xmlns:a16="http://schemas.microsoft.com/office/drawing/2014/main" id="{FE6071CA-2A64-493D-991D-9F2BC26A2088}"/>
+              </a:ext>
+            </a:extLst>
+          </p:cNvPr>
+          <p:cNvPicPr>
+            <a:picLocks noChangeAspect="1"/>
+          </p:cNvPicPr>
+          <p:nvPr/>
+        </p:nvPicPr>
+        <p:blipFill>
+          <a:blip r:embed="rId7">
+            <a:extLst>
+              <a:ext uri="{96DAC541-7B7A-43D3-8B79-37D633B846F1}">
+                <asvg:svgBlip xmlns:asvg="http://schemas.microsoft.com/office/drawing/2016/SVG/main" r:embed="rId8"/>
+              </a:ext>
+            </a:extLst>
+          </a:blip>
+          <a:stretch>
+            <a:fillRect/>
+          </a:stretch>
+        </p:blipFill>
+        <p:spPr>
+          <a:xfrm>
+            <a:off x="6556375" y="1852716"/>
+            <a:ext cx="1143000" cy="1143000"/>
+          </a:xfrm>
+          <a:prstGeom prst="rect">
+            <a:avLst/>
+          </a:prstGeom>
+        </p:spPr>
+      </p:pic>
+      <p:sp>
+        <p:nvSpPr>
+          <p:cNvPr id="9" name="TextBox 8">
+            <a:extLst>
+              <a:ext uri="{FF2B5EF4-FFF2-40B4-BE49-F238E27FC236}">
+                <a16:creationId xmlns:a16="http://schemas.microsoft.com/office/drawing/2014/main" id="{91DF9330-039A-4F13-8D49-1DCD1A798668}"/>
+              </a:ext>
+            </a:extLst>
+          </p:cNvPr>
+          <p:cNvSpPr txBox="1"/>
+          <p:nvPr/>
+        </p:nvSpPr>
+        <p:spPr>
+          <a:xfrm>
+            <a:off x="1539875" y="3094141"/>
+            <a:ext cx="1047750" cy="261610"/>
+          </a:xfrm>
+          <a:prstGeom prst="rect">
+            <a:avLst/>
+          </a:prstGeom>
+          <a:noFill/>
+        </p:spPr>
+        <p:txBody>
+          <a:bodyPr wrap="square" rtlCol="0">
+            <a:spAutoFit/>
+          </a:bodyPr>
+          <a:lstStyle/>
+          <a:p>
+            <a:pPr algn="ctr"/>
+            <a:r>
+              <a:rPr lang="en-US" sz="1100" b="1" dirty="0"/>
+              <a:t>Prepare Data</a:t>
+            </a:r>
+          </a:p>
+        </p:txBody>
+      </p:sp>
+      <p:sp>
+        <p:nvSpPr>
+          <p:cNvPr id="11" name="TextBox 10">
+            <a:extLst>
+              <a:ext uri="{FF2B5EF4-FFF2-40B4-BE49-F238E27FC236}">
+                <a16:creationId xmlns:a16="http://schemas.microsoft.com/office/drawing/2014/main" id="{AE5883D3-CF3B-4C5A-B81B-9250E92B2F3D}"/>
+              </a:ext>
+            </a:extLst>
+          </p:cNvPr>
+          <p:cNvSpPr txBox="1"/>
+          <p:nvPr/>
+        </p:nvSpPr>
+        <p:spPr>
+          <a:xfrm>
+            <a:off x="4067175" y="3094141"/>
+            <a:ext cx="1104900" cy="261610"/>
+          </a:xfrm>
+          <a:prstGeom prst="rect">
+            <a:avLst/>
+          </a:prstGeom>
+          <a:noFill/>
+        </p:spPr>
+        <p:txBody>
+          <a:bodyPr wrap="square" rtlCol="0">
+            <a:spAutoFit/>
+          </a:bodyPr>
+          <a:lstStyle/>
+          <a:p>
+            <a:pPr algn="ctr"/>
+            <a:r>
+              <a:rPr lang="en-US" sz="1100" b="1" dirty="0"/>
+              <a:t>Build &amp; Train</a:t>
+            </a:r>
+          </a:p>
+        </p:txBody>
+      </p:sp>
+      <p:sp>
+        <p:nvSpPr>
+          <p:cNvPr id="12" name="TextBox 11">
+            <a:extLst>
+              <a:ext uri="{FF2B5EF4-FFF2-40B4-BE49-F238E27FC236}">
+                <a16:creationId xmlns:a16="http://schemas.microsoft.com/office/drawing/2014/main" id="{40662C72-0E90-44C7-9621-AD55CA9014E1}"/>
+              </a:ext>
+            </a:extLst>
+          </p:cNvPr>
+          <p:cNvSpPr txBox="1"/>
+          <p:nvPr/>
+        </p:nvSpPr>
+        <p:spPr>
+          <a:xfrm>
+            <a:off x="6575425" y="3063651"/>
+            <a:ext cx="1104900" cy="261610"/>
+          </a:xfrm>
+          <a:prstGeom prst="rect">
+            <a:avLst/>
+          </a:prstGeom>
+          <a:noFill/>
+        </p:spPr>
+        <p:txBody>
+          <a:bodyPr wrap="square" rtlCol="0">
+            <a:spAutoFit/>
+          </a:bodyPr>
+          <a:lstStyle/>
+          <a:p>
+            <a:pPr algn="ctr"/>
+            <a:r>
+              <a:rPr lang="en-US" sz="1100" b="1" dirty="0"/>
+              <a:t>Deploy</a:t>
+            </a:r>
+          </a:p>
+        </p:txBody>
+      </p:sp>
+      <p:sp>
+        <p:nvSpPr>
+          <p:cNvPr id="10" name="TextBox 9">
+            <a:extLst>
+              <a:ext uri="{FF2B5EF4-FFF2-40B4-BE49-F238E27FC236}">
+                <a16:creationId xmlns:a16="http://schemas.microsoft.com/office/drawing/2014/main" id="{D3A76173-9DBF-4A7A-8E89-A8C62D35FC07}"/>
+              </a:ext>
+            </a:extLst>
+          </p:cNvPr>
+          <p:cNvSpPr txBox="1"/>
+          <p:nvPr/>
+        </p:nvSpPr>
+        <p:spPr>
+          <a:xfrm>
+            <a:off x="1539875" y="3355751"/>
+            <a:ext cx="1047750" cy="507831"/>
+          </a:xfrm>
+          <a:prstGeom prst="rect">
+            <a:avLst/>
+          </a:prstGeom>
+          <a:noFill/>
+        </p:spPr>
+        <p:txBody>
+          <a:bodyPr wrap="square" rtlCol="0">
+            <a:spAutoFit/>
+          </a:bodyPr>
+          <a:lstStyle/>
+          <a:p>
+            <a:pPr algn="ctr"/>
+            <a:r>
+              <a:rPr lang="en-US" sz="900" dirty="0"/>
+              <a:t>Connect to various sources to ingest data</a:t>
+            </a:r>
+          </a:p>
+        </p:txBody>
+      </p:sp>
+      <p:sp>
+        <p:nvSpPr>
+          <p:cNvPr id="14" name="TextBox 13">
+            <a:extLst>
+              <a:ext uri="{FF2B5EF4-FFF2-40B4-BE49-F238E27FC236}">
+                <a16:creationId xmlns:a16="http://schemas.microsoft.com/office/drawing/2014/main" id="{C05B552E-81DC-4FEC-A143-5C0747DC664E}"/>
+              </a:ext>
+            </a:extLst>
+          </p:cNvPr>
+          <p:cNvSpPr txBox="1"/>
+          <p:nvPr/>
+        </p:nvSpPr>
+        <p:spPr>
+          <a:xfrm>
+            <a:off x="4095750" y="3355751"/>
+            <a:ext cx="1047750" cy="507831"/>
+          </a:xfrm>
+          <a:prstGeom prst="rect">
+            <a:avLst/>
+          </a:prstGeom>
+          <a:noFill/>
+        </p:spPr>
+        <p:txBody>
+          <a:bodyPr wrap="square" rtlCol="0">
+            <a:spAutoFit/>
+          </a:bodyPr>
+          <a:lstStyle/>
+          <a:p>
+            <a:pPr algn="ctr"/>
+            <a:r>
+              <a:rPr lang="en-US" sz="900" dirty="0"/>
+              <a:t>Train with the data to establish a model</a:t>
+            </a:r>
+          </a:p>
+        </p:txBody>
+      </p:sp>
+      <p:sp>
+        <p:nvSpPr>
+          <p:cNvPr id="15" name="TextBox 14">
+            <a:extLst>
+              <a:ext uri="{FF2B5EF4-FFF2-40B4-BE49-F238E27FC236}">
+                <a16:creationId xmlns:a16="http://schemas.microsoft.com/office/drawing/2014/main" id="{80729A86-9638-44D5-8C10-6F278DF707AD}"/>
+              </a:ext>
+            </a:extLst>
+          </p:cNvPr>
+          <p:cNvSpPr txBox="1"/>
+          <p:nvPr/>
+        </p:nvSpPr>
+        <p:spPr>
+          <a:xfrm>
+            <a:off x="6604000" y="3355751"/>
+            <a:ext cx="1047750" cy="507831"/>
+          </a:xfrm>
+          <a:prstGeom prst="rect">
+            <a:avLst/>
+          </a:prstGeom>
+          <a:noFill/>
+        </p:spPr>
+        <p:txBody>
+          <a:bodyPr wrap="square" rtlCol="0">
+            <a:spAutoFit/>
+          </a:bodyPr>
+          <a:lstStyle/>
+          <a:p>
+            <a:pPr algn="ctr"/>
+            <a:r>
+              <a:rPr lang="en-US" sz="900" dirty="0"/>
+              <a:t>Deploy the model and track performance</a:t>
+            </a:r>
+          </a:p>
+        </p:txBody>
+      </p:sp>
+      <p:pic>
+        <p:nvPicPr>
+          <p:cNvPr id="16" name="Graphic 15" descr="Play">
+            <a:extLst>
+              <a:ext uri="{FF2B5EF4-FFF2-40B4-BE49-F238E27FC236}">
+                <a16:creationId xmlns:a16="http://schemas.microsoft.com/office/drawing/2014/main" id="{49536FD1-4803-4922-96C8-044C3502FE51}"/>
+              </a:ext>
+            </a:extLst>
+          </p:cNvPr>
+          <p:cNvPicPr>
+            <a:picLocks noChangeAspect="1"/>
+          </p:cNvPicPr>
+          <p:nvPr/>
+        </p:nvPicPr>
+        <p:blipFill>
+          <a:blip r:embed="rId9">
+            <a:extLst>
+              <a:ext uri="{96DAC541-7B7A-43D3-8B79-37D633B846F1}">
+                <asvg:svgBlip xmlns:asvg="http://schemas.microsoft.com/office/drawing/2016/SVG/main" r:embed="rId10"/>
+              </a:ext>
+            </a:extLst>
+          </a:blip>
+          <a:stretch>
+            <a:fillRect/>
+          </a:stretch>
+        </p:blipFill>
+        <p:spPr>
+          <a:xfrm>
+            <a:off x="2971308" y="2091937"/>
+            <a:ext cx="664558" cy="664558"/>
+          </a:xfrm>
+          <a:prstGeom prst="rect">
+            <a:avLst/>
+          </a:prstGeom>
+        </p:spPr>
+      </p:pic>
+      <p:pic>
+        <p:nvPicPr>
+          <p:cNvPr id="18" name="Graphic 17" descr="Play">
+            <a:extLst>
+              <a:ext uri="{FF2B5EF4-FFF2-40B4-BE49-F238E27FC236}">
+                <a16:creationId xmlns:a16="http://schemas.microsoft.com/office/drawing/2014/main" id="{D4A64896-F3E4-4705-A9C5-AD8C4F02BCF3}"/>
+              </a:ext>
+            </a:extLst>
+          </p:cNvPr>
+          <p:cNvPicPr>
+            <a:picLocks noChangeAspect="1"/>
+          </p:cNvPicPr>
+          <p:nvPr/>
+        </p:nvPicPr>
+        <p:blipFill>
+          <a:blip r:embed="rId9">
+            <a:extLst>
+              <a:ext uri="{96DAC541-7B7A-43D3-8B79-37D633B846F1}">
+                <asvg:svgBlip xmlns:asvg="http://schemas.microsoft.com/office/drawing/2016/SVG/main" r:embed="rId10"/>
+              </a:ext>
+            </a:extLst>
+          </a:blip>
+          <a:stretch>
+            <a:fillRect/>
+          </a:stretch>
+        </p:blipFill>
+        <p:spPr>
+          <a:xfrm>
+            <a:off x="5508133" y="2091937"/>
+            <a:ext cx="664558" cy="664558"/>
+          </a:xfrm>
+          <a:prstGeom prst="rect">
+            <a:avLst/>
+          </a:prstGeom>
+        </p:spPr>
+      </p:pic>
+    </p:spTree>
+  </p:cSld>
+  <p:clrMapOvr>
+    <a:masterClrMapping/>
+  </p:clrMapOvr>
+</p:sld>
+</file>
+
+<file path=ppt/slides/slide30.xml><?xml version="1.0" encoding="utf-8"?>
 <p:sld xmlns:a="http://schemas.openxmlformats.org/drawingml/2006/main" xmlns:r="http://schemas.openxmlformats.org/officeDocument/2006/relationships" xmlns:p="http://schemas.openxmlformats.org/presentationml/2006/main">
   <p:cSld>
     <p:spTree>
@@ -28747,470 +32808,7 @@
 </p:sld>
 </file>
 
-<file path=ppt/slides/slide3.xml><?xml version="1.0" encoding="utf-8"?>
-<p:sld xmlns:a="http://schemas.openxmlformats.org/drawingml/2006/main" xmlns:r="http://schemas.openxmlformats.org/officeDocument/2006/relationships" xmlns:p="http://schemas.openxmlformats.org/presentationml/2006/main">
-  <p:cSld>
-    <p:spTree>
-      <p:nvGrpSpPr>
-        <p:cNvPr id="1" name="Shape 97"/>
-        <p:cNvGrpSpPr/>
-        <p:nvPr/>
-      </p:nvGrpSpPr>
-      <p:grpSpPr>
-        <a:xfrm>
-          <a:off x="0" y="0"/>
-          <a:ext cx="0" cy="0"/>
-          <a:chOff x="0" y="0"/>
-          <a:chExt cx="0" cy="0"/>
-        </a:xfrm>
-      </p:grpSpPr>
-      <p:sp>
-        <p:nvSpPr>
-          <p:cNvPr id="98" name="Google Shape;98;p17"/>
-          <p:cNvSpPr txBox="1">
-            <a:spLocks noGrp="1"/>
-          </p:cNvSpPr>
-          <p:nvPr>
-            <p:ph type="title"/>
-          </p:nvPr>
-        </p:nvSpPr>
-        <p:spPr>
-          <a:xfrm>
-            <a:off x="2400250" y="575950"/>
-            <a:ext cx="6321600" cy="635400"/>
-          </a:xfrm>
-          <a:prstGeom prst="rect">
-            <a:avLst/>
-          </a:prstGeom>
-        </p:spPr>
-        <p:txBody>
-          <a:bodyPr spcFirstLastPara="1" wrap="square" lIns="91425" tIns="91425" rIns="91425" bIns="91425" anchor="t" anchorCtr="0">
-            <a:noAutofit/>
-          </a:bodyPr>
-          <a:lstStyle/>
-          <a:p>
-            <a:pPr marL="0" lvl="0" indent="0" algn="l" rtl="0">
-              <a:spcBef>
-                <a:spcPts val="0"/>
-              </a:spcBef>
-              <a:spcAft>
-                <a:spcPts val="0"/>
-              </a:spcAft>
-              <a:buNone/>
-            </a:pPr>
-            <a:r>
-              <a:rPr lang="en-US" dirty="0"/>
-              <a:t>Intro to Machine Learning</a:t>
-            </a:r>
-            <a:endParaRPr dirty="0"/>
-          </a:p>
-        </p:txBody>
-      </p:sp>
-      <p:pic>
-        <p:nvPicPr>
-          <p:cNvPr id="3" name="Graphic 2">
-            <a:extLst>
-              <a:ext uri="{FF2B5EF4-FFF2-40B4-BE49-F238E27FC236}">
-                <a16:creationId xmlns:a16="http://schemas.microsoft.com/office/drawing/2014/main" id="{78C8C304-C32B-473B-9148-F975AB8B26E7}"/>
-              </a:ext>
-            </a:extLst>
-          </p:cNvPr>
-          <p:cNvPicPr>
-            <a:picLocks noChangeAspect="1"/>
-          </p:cNvPicPr>
-          <p:nvPr/>
-        </p:nvPicPr>
-        <p:blipFill>
-          <a:blip r:embed="rId3">
-            <a:extLst>
-              <a:ext uri="{96DAC541-7B7A-43D3-8B79-37D633B846F1}">
-                <asvg:svgBlip xmlns:asvg="http://schemas.microsoft.com/office/drawing/2016/SVG/main" r:embed="rId4"/>
-              </a:ext>
-            </a:extLst>
-          </a:blip>
-          <a:stretch>
-            <a:fillRect/>
-          </a:stretch>
-        </p:blipFill>
-        <p:spPr>
-          <a:xfrm>
-            <a:off x="1539875" y="1867003"/>
-            <a:ext cx="1047750" cy="1133475"/>
-          </a:xfrm>
-          <a:prstGeom prst="rect">
-            <a:avLst/>
-          </a:prstGeom>
-        </p:spPr>
-      </p:pic>
-      <p:pic>
-        <p:nvPicPr>
-          <p:cNvPr id="5" name="Graphic 4">
-            <a:extLst>
-              <a:ext uri="{FF2B5EF4-FFF2-40B4-BE49-F238E27FC236}">
-                <a16:creationId xmlns:a16="http://schemas.microsoft.com/office/drawing/2014/main" id="{59B15D61-728B-4CD1-B6B9-F6FF91B69C7D}"/>
-              </a:ext>
-            </a:extLst>
-          </p:cNvPr>
-          <p:cNvPicPr>
-            <a:picLocks noChangeAspect="1"/>
-          </p:cNvPicPr>
-          <p:nvPr/>
-        </p:nvPicPr>
-        <p:blipFill>
-          <a:blip r:embed="rId5">
-            <a:extLst>
-              <a:ext uri="{96DAC541-7B7A-43D3-8B79-37D633B846F1}">
-                <asvg:svgBlip xmlns:asvg="http://schemas.microsoft.com/office/drawing/2016/SVG/main" r:embed="rId6"/>
-              </a:ext>
-            </a:extLst>
-          </a:blip>
-          <a:stretch>
-            <a:fillRect/>
-          </a:stretch>
-        </p:blipFill>
-        <p:spPr>
-          <a:xfrm>
-            <a:off x="4019550" y="1857478"/>
-            <a:ext cx="1104900" cy="1143000"/>
-          </a:xfrm>
-          <a:prstGeom prst="rect">
-            <a:avLst/>
-          </a:prstGeom>
-        </p:spPr>
-      </p:pic>
-      <p:pic>
-        <p:nvPicPr>
-          <p:cNvPr id="8" name="Graphic 7">
-            <a:extLst>
-              <a:ext uri="{FF2B5EF4-FFF2-40B4-BE49-F238E27FC236}">
-                <a16:creationId xmlns:a16="http://schemas.microsoft.com/office/drawing/2014/main" id="{FE6071CA-2A64-493D-991D-9F2BC26A2088}"/>
-              </a:ext>
-            </a:extLst>
-          </p:cNvPr>
-          <p:cNvPicPr>
-            <a:picLocks noChangeAspect="1"/>
-          </p:cNvPicPr>
-          <p:nvPr/>
-        </p:nvPicPr>
-        <p:blipFill>
-          <a:blip r:embed="rId7">
-            <a:extLst>
-              <a:ext uri="{96DAC541-7B7A-43D3-8B79-37D633B846F1}">
-                <asvg:svgBlip xmlns:asvg="http://schemas.microsoft.com/office/drawing/2016/SVG/main" r:embed="rId8"/>
-              </a:ext>
-            </a:extLst>
-          </a:blip>
-          <a:stretch>
-            <a:fillRect/>
-          </a:stretch>
-        </p:blipFill>
-        <p:spPr>
-          <a:xfrm>
-            <a:off x="6556375" y="1852716"/>
-            <a:ext cx="1143000" cy="1143000"/>
-          </a:xfrm>
-          <a:prstGeom prst="rect">
-            <a:avLst/>
-          </a:prstGeom>
-        </p:spPr>
-      </p:pic>
-      <p:sp>
-        <p:nvSpPr>
-          <p:cNvPr id="9" name="TextBox 8">
-            <a:extLst>
-              <a:ext uri="{FF2B5EF4-FFF2-40B4-BE49-F238E27FC236}">
-                <a16:creationId xmlns:a16="http://schemas.microsoft.com/office/drawing/2014/main" id="{91DF9330-039A-4F13-8D49-1DCD1A798668}"/>
-              </a:ext>
-            </a:extLst>
-          </p:cNvPr>
-          <p:cNvSpPr txBox="1"/>
-          <p:nvPr/>
-        </p:nvSpPr>
-        <p:spPr>
-          <a:xfrm>
-            <a:off x="1539875" y="3094141"/>
-            <a:ext cx="1047750" cy="261610"/>
-          </a:xfrm>
-          <a:prstGeom prst="rect">
-            <a:avLst/>
-          </a:prstGeom>
-          <a:noFill/>
-        </p:spPr>
-        <p:txBody>
-          <a:bodyPr wrap="square" rtlCol="0">
-            <a:spAutoFit/>
-          </a:bodyPr>
-          <a:lstStyle/>
-          <a:p>
-            <a:pPr algn="ctr"/>
-            <a:r>
-              <a:rPr lang="en-US" sz="1100" b="1" dirty="0"/>
-              <a:t>Prepare Data</a:t>
-            </a:r>
-          </a:p>
-        </p:txBody>
-      </p:sp>
-      <p:sp>
-        <p:nvSpPr>
-          <p:cNvPr id="11" name="TextBox 10">
-            <a:extLst>
-              <a:ext uri="{FF2B5EF4-FFF2-40B4-BE49-F238E27FC236}">
-                <a16:creationId xmlns:a16="http://schemas.microsoft.com/office/drawing/2014/main" id="{AE5883D3-CF3B-4C5A-B81B-9250E92B2F3D}"/>
-              </a:ext>
-            </a:extLst>
-          </p:cNvPr>
-          <p:cNvSpPr txBox="1"/>
-          <p:nvPr/>
-        </p:nvSpPr>
-        <p:spPr>
-          <a:xfrm>
-            <a:off x="4067175" y="3094141"/>
-            <a:ext cx="1104900" cy="261610"/>
-          </a:xfrm>
-          <a:prstGeom prst="rect">
-            <a:avLst/>
-          </a:prstGeom>
-          <a:noFill/>
-        </p:spPr>
-        <p:txBody>
-          <a:bodyPr wrap="square" rtlCol="0">
-            <a:spAutoFit/>
-          </a:bodyPr>
-          <a:lstStyle/>
-          <a:p>
-            <a:pPr algn="ctr"/>
-            <a:r>
-              <a:rPr lang="en-US" sz="1100" b="1" dirty="0"/>
-              <a:t>Build &amp; Train</a:t>
-            </a:r>
-          </a:p>
-        </p:txBody>
-      </p:sp>
-      <p:sp>
-        <p:nvSpPr>
-          <p:cNvPr id="12" name="TextBox 11">
-            <a:extLst>
-              <a:ext uri="{FF2B5EF4-FFF2-40B4-BE49-F238E27FC236}">
-                <a16:creationId xmlns:a16="http://schemas.microsoft.com/office/drawing/2014/main" id="{40662C72-0E90-44C7-9621-AD55CA9014E1}"/>
-              </a:ext>
-            </a:extLst>
-          </p:cNvPr>
-          <p:cNvSpPr txBox="1"/>
-          <p:nvPr/>
-        </p:nvSpPr>
-        <p:spPr>
-          <a:xfrm>
-            <a:off x="6575425" y="3063651"/>
-            <a:ext cx="1104900" cy="261610"/>
-          </a:xfrm>
-          <a:prstGeom prst="rect">
-            <a:avLst/>
-          </a:prstGeom>
-          <a:noFill/>
-        </p:spPr>
-        <p:txBody>
-          <a:bodyPr wrap="square" rtlCol="0">
-            <a:spAutoFit/>
-          </a:bodyPr>
-          <a:lstStyle/>
-          <a:p>
-            <a:pPr algn="ctr"/>
-            <a:r>
-              <a:rPr lang="en-US" sz="1100" b="1" dirty="0"/>
-              <a:t>Deploy</a:t>
-            </a:r>
-          </a:p>
-        </p:txBody>
-      </p:sp>
-      <p:sp>
-        <p:nvSpPr>
-          <p:cNvPr id="10" name="TextBox 9">
-            <a:extLst>
-              <a:ext uri="{FF2B5EF4-FFF2-40B4-BE49-F238E27FC236}">
-                <a16:creationId xmlns:a16="http://schemas.microsoft.com/office/drawing/2014/main" id="{D3A76173-9DBF-4A7A-8E89-A8C62D35FC07}"/>
-              </a:ext>
-            </a:extLst>
-          </p:cNvPr>
-          <p:cNvSpPr txBox="1"/>
-          <p:nvPr/>
-        </p:nvSpPr>
-        <p:spPr>
-          <a:xfrm>
-            <a:off x="1539875" y="3355751"/>
-            <a:ext cx="1047750" cy="507831"/>
-          </a:xfrm>
-          <a:prstGeom prst="rect">
-            <a:avLst/>
-          </a:prstGeom>
-          <a:noFill/>
-        </p:spPr>
-        <p:txBody>
-          <a:bodyPr wrap="square" rtlCol="0">
-            <a:spAutoFit/>
-          </a:bodyPr>
-          <a:lstStyle/>
-          <a:p>
-            <a:pPr algn="ctr"/>
-            <a:r>
-              <a:rPr lang="en-US" sz="900" dirty="0"/>
-              <a:t>Connect to various sources to ingest data</a:t>
-            </a:r>
-          </a:p>
-        </p:txBody>
-      </p:sp>
-      <p:sp>
-        <p:nvSpPr>
-          <p:cNvPr id="14" name="TextBox 13">
-            <a:extLst>
-              <a:ext uri="{FF2B5EF4-FFF2-40B4-BE49-F238E27FC236}">
-                <a16:creationId xmlns:a16="http://schemas.microsoft.com/office/drawing/2014/main" id="{C05B552E-81DC-4FEC-A143-5C0747DC664E}"/>
-              </a:ext>
-            </a:extLst>
-          </p:cNvPr>
-          <p:cNvSpPr txBox="1"/>
-          <p:nvPr/>
-        </p:nvSpPr>
-        <p:spPr>
-          <a:xfrm>
-            <a:off x="4095750" y="3355751"/>
-            <a:ext cx="1047750" cy="507831"/>
-          </a:xfrm>
-          <a:prstGeom prst="rect">
-            <a:avLst/>
-          </a:prstGeom>
-          <a:noFill/>
-        </p:spPr>
-        <p:txBody>
-          <a:bodyPr wrap="square" rtlCol="0">
-            <a:spAutoFit/>
-          </a:bodyPr>
-          <a:lstStyle/>
-          <a:p>
-            <a:pPr algn="ctr"/>
-            <a:r>
-              <a:rPr lang="en-US" sz="900" dirty="0"/>
-              <a:t>Train with the data to establish a model</a:t>
-            </a:r>
-          </a:p>
-        </p:txBody>
-      </p:sp>
-      <p:sp>
-        <p:nvSpPr>
-          <p:cNvPr id="15" name="TextBox 14">
-            <a:extLst>
-              <a:ext uri="{FF2B5EF4-FFF2-40B4-BE49-F238E27FC236}">
-                <a16:creationId xmlns:a16="http://schemas.microsoft.com/office/drawing/2014/main" id="{80729A86-9638-44D5-8C10-6F278DF707AD}"/>
-              </a:ext>
-            </a:extLst>
-          </p:cNvPr>
-          <p:cNvSpPr txBox="1"/>
-          <p:nvPr/>
-        </p:nvSpPr>
-        <p:spPr>
-          <a:xfrm>
-            <a:off x="6604000" y="3355751"/>
-            <a:ext cx="1047750" cy="507831"/>
-          </a:xfrm>
-          <a:prstGeom prst="rect">
-            <a:avLst/>
-          </a:prstGeom>
-          <a:noFill/>
-        </p:spPr>
-        <p:txBody>
-          <a:bodyPr wrap="square" rtlCol="0">
-            <a:spAutoFit/>
-          </a:bodyPr>
-          <a:lstStyle/>
-          <a:p>
-            <a:pPr algn="ctr"/>
-            <a:r>
-              <a:rPr lang="en-US" sz="900" dirty="0"/>
-              <a:t>Deploy the model and track performance</a:t>
-            </a:r>
-          </a:p>
-        </p:txBody>
-      </p:sp>
-      <p:pic>
-        <p:nvPicPr>
-          <p:cNvPr id="16" name="Graphic 15" descr="Play">
-            <a:extLst>
-              <a:ext uri="{FF2B5EF4-FFF2-40B4-BE49-F238E27FC236}">
-                <a16:creationId xmlns:a16="http://schemas.microsoft.com/office/drawing/2014/main" id="{49536FD1-4803-4922-96C8-044C3502FE51}"/>
-              </a:ext>
-            </a:extLst>
-          </p:cNvPr>
-          <p:cNvPicPr>
-            <a:picLocks noChangeAspect="1"/>
-          </p:cNvPicPr>
-          <p:nvPr/>
-        </p:nvPicPr>
-        <p:blipFill>
-          <a:blip r:embed="rId9">
-            <a:extLst>
-              <a:ext uri="{96DAC541-7B7A-43D3-8B79-37D633B846F1}">
-                <asvg:svgBlip xmlns:asvg="http://schemas.microsoft.com/office/drawing/2016/SVG/main" r:embed="rId10"/>
-              </a:ext>
-            </a:extLst>
-          </a:blip>
-          <a:stretch>
-            <a:fillRect/>
-          </a:stretch>
-        </p:blipFill>
-        <p:spPr>
-          <a:xfrm>
-            <a:off x="2971308" y="2091937"/>
-            <a:ext cx="664558" cy="664558"/>
-          </a:xfrm>
-          <a:prstGeom prst="rect">
-            <a:avLst/>
-          </a:prstGeom>
-        </p:spPr>
-      </p:pic>
-      <p:pic>
-        <p:nvPicPr>
-          <p:cNvPr id="18" name="Graphic 17" descr="Play">
-            <a:extLst>
-              <a:ext uri="{FF2B5EF4-FFF2-40B4-BE49-F238E27FC236}">
-                <a16:creationId xmlns:a16="http://schemas.microsoft.com/office/drawing/2014/main" id="{D4A64896-F3E4-4705-A9C5-AD8C4F02BCF3}"/>
-              </a:ext>
-            </a:extLst>
-          </p:cNvPr>
-          <p:cNvPicPr>
-            <a:picLocks noChangeAspect="1"/>
-          </p:cNvPicPr>
-          <p:nvPr/>
-        </p:nvPicPr>
-        <p:blipFill>
-          <a:blip r:embed="rId9">
-            <a:extLst>
-              <a:ext uri="{96DAC541-7B7A-43D3-8B79-37D633B846F1}">
-                <asvg:svgBlip xmlns:asvg="http://schemas.microsoft.com/office/drawing/2016/SVG/main" r:embed="rId10"/>
-              </a:ext>
-            </a:extLst>
-          </a:blip>
-          <a:stretch>
-            <a:fillRect/>
-          </a:stretch>
-        </p:blipFill>
-        <p:spPr>
-          <a:xfrm>
-            <a:off x="5508133" y="2091937"/>
-            <a:ext cx="664558" cy="664558"/>
-          </a:xfrm>
-          <a:prstGeom prst="rect">
-            <a:avLst/>
-          </a:prstGeom>
-        </p:spPr>
-      </p:pic>
-    </p:spTree>
-  </p:cSld>
-  <p:clrMapOvr>
-    <a:masterClrMapping/>
-  </p:clrMapOvr>
-</p:sld>
-</file>
-
-<file path=ppt/slides/slide30.xml><?xml version="1.0" encoding="utf-8"?>
+<file path=ppt/slides/slide31.xml><?xml version="1.0" encoding="utf-8"?>
 <p:sld xmlns:a="http://schemas.openxmlformats.org/drawingml/2006/main" xmlns:r="http://schemas.openxmlformats.org/officeDocument/2006/relationships" xmlns:p="http://schemas.openxmlformats.org/presentationml/2006/main">
   <p:cSld>
     <p:spTree>
@@ -29612,7 +33210,7 @@
 </p:sld>
 </file>
 
-<file path=ppt/slides/slide31.xml><?xml version="1.0" encoding="utf-8"?>
+<file path=ppt/slides/slide32.xml><?xml version="1.0" encoding="utf-8"?>
 <p:sld xmlns:a="http://schemas.openxmlformats.org/drawingml/2006/main" xmlns:r="http://schemas.openxmlformats.org/officeDocument/2006/relationships" xmlns:p="http://schemas.openxmlformats.org/presentationml/2006/main">
   <p:cSld>
     <p:spTree>
@@ -30058,7 +33656,7 @@
 </p:sld>
 </file>
 
-<file path=ppt/slides/slide32.xml><?xml version="1.0" encoding="utf-8"?>
+<file path=ppt/slides/slide33.xml><?xml version="1.0" encoding="utf-8"?>
 <p:sld xmlns:a="http://schemas.openxmlformats.org/drawingml/2006/main" xmlns:r="http://schemas.openxmlformats.org/officeDocument/2006/relationships" xmlns:p="http://schemas.openxmlformats.org/presentationml/2006/main">
   <p:cSld>
     <p:spTree>
@@ -30276,7 +33874,7 @@
 </p:sld>
 </file>
 
-<file path=ppt/slides/slide33.xml><?xml version="1.0" encoding="utf-8"?>
+<file path=ppt/slides/slide34.xml><?xml version="1.0" encoding="utf-8"?>
 <p:sld xmlns:a="http://schemas.openxmlformats.org/drawingml/2006/main" xmlns:r="http://schemas.openxmlformats.org/officeDocument/2006/relationships" xmlns:p="http://schemas.openxmlformats.org/presentationml/2006/main">
   <p:cSld>
     <p:spTree>
@@ -30371,7 +33969,7 @@
 </p:sld>
 </file>
 
-<file path=ppt/slides/slide34.xml><?xml version="1.0" encoding="utf-8"?>
+<file path=ppt/slides/slide35.xml><?xml version="1.0" encoding="utf-8"?>
 <p:sld xmlns:a="http://schemas.openxmlformats.org/drawingml/2006/main" xmlns:r="http://schemas.openxmlformats.org/officeDocument/2006/relationships" xmlns:p="http://schemas.openxmlformats.org/presentationml/2006/main">
   <p:cSld>
     <p:spTree>
@@ -32086,6 +35684,136 @@
           <a:chExt cx="0" cy="0"/>
         </a:xfrm>
       </p:grpSpPr>
+      <p:sp>
+        <p:nvSpPr>
+          <p:cNvPr id="2" name="Title 1">
+            <a:extLst>
+              <a:ext uri="{FF2B5EF4-FFF2-40B4-BE49-F238E27FC236}">
+                <a16:creationId xmlns:a16="http://schemas.microsoft.com/office/drawing/2014/main" id="{0A5BB7B4-464B-4A36-B171-E9C83DAF8F59}"/>
+              </a:ext>
+            </a:extLst>
+          </p:cNvPr>
+          <p:cNvSpPr>
+            <a:spLocks noGrp="1"/>
+          </p:cNvSpPr>
+          <p:nvPr>
+            <p:ph type="title"/>
+          </p:nvPr>
+        </p:nvSpPr>
+        <p:spPr>
+          <a:xfrm>
+            <a:off x="2400250" y="204624"/>
+            <a:ext cx="6321600" cy="635400"/>
+          </a:xfrm>
+        </p:spPr>
+        <p:txBody>
+          <a:bodyPr/>
+          <a:lstStyle/>
+          <a:p>
+            <a:r>
+              <a:rPr lang="en-US" dirty="0"/>
+              <a:t>ML Lifecycle in Azure Machine Learning</a:t>
+            </a:r>
+          </a:p>
+        </p:txBody>
+      </p:sp>
+      <p:graphicFrame>
+        <p:nvGraphicFramePr>
+          <p:cNvPr id="4" name="Diagram 3">
+            <a:extLst>
+              <a:ext uri="{FF2B5EF4-FFF2-40B4-BE49-F238E27FC236}">
+                <a16:creationId xmlns:a16="http://schemas.microsoft.com/office/drawing/2014/main" id="{9FD04D66-6A13-44CB-A510-AB0FBC8BB437}"/>
+              </a:ext>
+            </a:extLst>
+          </p:cNvPr>
+          <p:cNvGraphicFramePr/>
+          <p:nvPr>
+            <p:extLst>
+              <p:ext uri="{D42A27DB-BD31-4B8C-83A1-F6EECF244321}">
+                <p14:modId xmlns:p14="http://schemas.microsoft.com/office/powerpoint/2010/main" val="2355313697"/>
+              </p:ext>
+            </p:extLst>
+          </p:nvPr>
+        </p:nvGraphicFramePr>
+        <p:xfrm>
+          <a:off x="338027" y="1106057"/>
+          <a:ext cx="8662473" cy="3678717"/>
+        </p:xfrm>
+        <a:graphic>
+          <a:graphicData uri="http://schemas.openxmlformats.org/drawingml/2006/diagram">
+            <dgm:relIds xmlns:dgm="http://schemas.openxmlformats.org/drawingml/2006/diagram" xmlns:r="http://schemas.openxmlformats.org/officeDocument/2006/relationships" r:dm="rId2" r:lo="rId3" r:qs="rId4" r:cs="rId5"/>
+          </a:graphicData>
+        </a:graphic>
+      </p:graphicFrame>
+      <p:pic>
+        <p:nvPicPr>
+          <p:cNvPr id="5" name="Graphic 4">
+            <a:extLst>
+              <a:ext uri="{FF2B5EF4-FFF2-40B4-BE49-F238E27FC236}">
+                <a16:creationId xmlns:a16="http://schemas.microsoft.com/office/drawing/2014/main" id="{6D3A1EFA-1D51-4CE2-A2AC-7AE9A736CB88}"/>
+              </a:ext>
+            </a:extLst>
+          </p:cNvPr>
+          <p:cNvPicPr>
+            <a:picLocks noChangeAspect="1"/>
+          </p:cNvPicPr>
+          <p:nvPr/>
+        </p:nvPicPr>
+        <p:blipFill>
+          <a:blip r:embed="rId7">
+            <a:extLst>
+              <a:ext uri="{28A0092B-C50C-407E-A947-70E740481C1C}">
+                <a14:useLocalDpi xmlns:a14="http://schemas.microsoft.com/office/drawing/2010/main" val="0"/>
+              </a:ext>
+              <a:ext uri="{96DAC541-7B7A-43D3-8B79-37D633B846F1}">
+                <asvg:svgBlip xmlns:asvg="http://schemas.microsoft.com/office/drawing/2016/SVG/main" r:embed="rId8"/>
+              </a:ext>
+            </a:extLst>
+          </a:blip>
+          <a:stretch>
+            <a:fillRect/>
+          </a:stretch>
+        </p:blipFill>
+        <p:spPr>
+          <a:xfrm>
+            <a:off x="1094495" y="102199"/>
+            <a:ext cx="724704" cy="780330"/>
+          </a:xfrm>
+          <a:prstGeom prst="rect">
+            <a:avLst/>
+          </a:prstGeom>
+        </p:spPr>
+      </p:pic>
+    </p:spTree>
+    <p:extLst>
+      <p:ext uri="{BB962C8B-B14F-4D97-AF65-F5344CB8AC3E}">
+        <p14:creationId xmlns:p14="http://schemas.microsoft.com/office/powerpoint/2010/main" val="1331025517"/>
+      </p:ext>
+    </p:extLst>
+  </p:cSld>
+  <p:clrMapOvr>
+    <a:masterClrMapping/>
+  </p:clrMapOvr>
+</p:sld>
+</file>
+
+<file path=ppt/slides/slide8.xml><?xml version="1.0" encoding="utf-8"?>
+<p:sld xmlns:a="http://schemas.openxmlformats.org/drawingml/2006/main" xmlns:r="http://schemas.openxmlformats.org/officeDocument/2006/relationships" xmlns:p="http://schemas.openxmlformats.org/presentationml/2006/main">
+  <p:cSld>
+    <p:spTree>
+      <p:nvGrpSpPr>
+        <p:cNvPr id="1" name=""/>
+        <p:cNvGrpSpPr/>
+        <p:nvPr/>
+      </p:nvGrpSpPr>
+      <p:grpSpPr>
+        <a:xfrm>
+          <a:off x="0" y="0"/>
+          <a:ext cx="0" cy="0"/>
+          <a:chOff x="0" y="0"/>
+          <a:chExt cx="0" cy="0"/>
+        </a:xfrm>
+      </p:grpSpPr>
       <p:pic>
         <p:nvPicPr>
           <p:cNvPr id="5" name="Picture 4">
@@ -32166,7 +35894,7 @@
 </p:sld>
 </file>
 
-<file path=ppt/slides/slide8.xml><?xml version="1.0" encoding="utf-8"?>
+<file path=ppt/slides/slide9.xml><?xml version="1.0" encoding="utf-8"?>
 <p:sld xmlns:a="http://schemas.openxmlformats.org/drawingml/2006/main" xmlns:r="http://schemas.openxmlformats.org/officeDocument/2006/relationships" xmlns:p="http://schemas.openxmlformats.org/presentationml/2006/main">
   <p:cSld>
     <p:spTree>
@@ -32254,123 +35982,6 @@
     <p:extLst>
       <p:ext uri="{BB962C8B-B14F-4D97-AF65-F5344CB8AC3E}">
         <p14:creationId xmlns:p14="http://schemas.microsoft.com/office/powerpoint/2010/main" val="1441410556"/>
-      </p:ext>
-    </p:extLst>
-  </p:cSld>
-  <p:clrMapOvr>
-    <a:masterClrMapping/>
-  </p:clrMapOvr>
-</p:sld>
-</file>
-
-<file path=ppt/slides/slide9.xml><?xml version="1.0" encoding="utf-8"?>
-<p:sld xmlns:a="http://schemas.openxmlformats.org/drawingml/2006/main" xmlns:r="http://schemas.openxmlformats.org/officeDocument/2006/relationships" xmlns:p="http://schemas.openxmlformats.org/presentationml/2006/main">
-  <p:cSld>
-    <p:spTree>
-      <p:nvGrpSpPr>
-        <p:cNvPr id="1" name=""/>
-        <p:cNvGrpSpPr/>
-        <p:nvPr/>
-      </p:nvGrpSpPr>
-      <p:grpSpPr>
-        <a:xfrm>
-          <a:off x="0" y="0"/>
-          <a:ext cx="0" cy="0"/>
-          <a:chOff x="0" y="0"/>
-          <a:chExt cx="0" cy="0"/>
-        </a:xfrm>
-      </p:grpSpPr>
-      <p:pic>
-        <p:nvPicPr>
-          <p:cNvPr id="4098" name="Picture 2">
-            <a:extLst>
-              <a:ext uri="{FF2B5EF4-FFF2-40B4-BE49-F238E27FC236}">
-                <a16:creationId xmlns:a16="http://schemas.microsoft.com/office/drawing/2014/main" id="{D2B72C52-CAE9-BD4B-9B2D-48C2C7EBBD34}"/>
-              </a:ext>
-            </a:extLst>
-          </p:cNvPr>
-          <p:cNvPicPr>
-            <a:picLocks noChangeAspect="1" noChangeArrowheads="1"/>
-          </p:cNvPicPr>
-          <p:nvPr/>
-        </p:nvPicPr>
-        <p:blipFill>
-          <a:blip r:embed="rId2">
-            <a:extLst>
-              <a:ext uri="{28A0092B-C50C-407E-A947-70E740481C1C}">
-                <a14:useLocalDpi xmlns:a14="http://schemas.microsoft.com/office/drawing/2010/main" val="0"/>
-              </a:ext>
-            </a:extLst>
-          </a:blip>
-          <a:srcRect/>
-          <a:stretch>
-            <a:fillRect/>
-          </a:stretch>
-        </p:blipFill>
-        <p:spPr bwMode="auto">
-          <a:xfrm>
-            <a:off x="1428750" y="-12808"/>
-            <a:ext cx="7715250" cy="5143500"/>
-          </a:xfrm>
-          <a:prstGeom prst="rect">
-            <a:avLst/>
-          </a:prstGeom>
-          <a:noFill/>
-          <a:extLst>
-            <a:ext uri="{909E8E84-426E-40DD-AFC4-6F175D3DCCD1}">
-              <a14:hiddenFill xmlns:a14="http://schemas.microsoft.com/office/drawing/2010/main">
-                <a:solidFill>
-                  <a:srgbClr val="FFFFFF"/>
-                </a:solidFill>
-              </a14:hiddenFill>
-            </a:ext>
-          </a:extLst>
-        </p:spPr>
-      </p:pic>
-      <p:sp>
-        <p:nvSpPr>
-          <p:cNvPr id="6" name="Rectangle 5">
-            <a:extLst>
-              <a:ext uri="{FF2B5EF4-FFF2-40B4-BE49-F238E27FC236}">
-                <a16:creationId xmlns:a16="http://schemas.microsoft.com/office/drawing/2014/main" id="{6FC93F0A-1231-4F1D-8AFE-BE3964B909ED}"/>
-              </a:ext>
-            </a:extLst>
-          </p:cNvPr>
-          <p:cNvSpPr/>
-          <p:nvPr/>
-        </p:nvSpPr>
-        <p:spPr>
-          <a:xfrm>
-            <a:off x="0" y="4392028"/>
-            <a:ext cx="2078780" cy="900246"/>
-          </a:xfrm>
-          <a:prstGeom prst="rect">
-            <a:avLst/>
-          </a:prstGeom>
-        </p:spPr>
-        <p:txBody>
-          <a:bodyPr wrap="square">
-            <a:spAutoFit/>
-          </a:bodyPr>
-          <a:lstStyle/>
-          <a:p>
-            <a:r>
-              <a:rPr lang="en-US" sz="1050" dirty="0">
-                <a:hlinkClick r:id="rId3"/>
-              </a:rPr>
-              <a:t>https://docs.microsoft.com/en-us/azure/architecture/example-scenario/ai/predict-hospital-readmissions-machine-learning</a:t>
-            </a:r>
-            <a:endParaRPr lang="en-US" sz="1050" dirty="0"/>
-          </a:p>
-          <a:p>
-            <a:endParaRPr lang="en-US" sz="1050" dirty="0"/>
-          </a:p>
-        </p:txBody>
-      </p:sp>
-    </p:spTree>
-    <p:extLst>
-      <p:ext uri="{BB962C8B-B14F-4D97-AF65-F5344CB8AC3E}">
-        <p14:creationId xmlns:p14="http://schemas.microsoft.com/office/powerpoint/2010/main" val="2000972908"/>
       </p:ext>
     </p:extLst>
   </p:cSld>

--- a/3 - Machine Learning/MachineLearning.pptx
+++ b/3 - Machine Learning/MachineLearning.pptx
@@ -5,7 +5,7 @@
     <p:sldMasterId id="2147483659" r:id="rId1"/>
   </p:sldMasterIdLst>
   <p:notesMasterIdLst>
-    <p:notesMasterId r:id="rId37"/>
+    <p:notesMasterId r:id="rId38"/>
   </p:notesMasterIdLst>
   <p:sldIdLst>
     <p:sldId id="256" r:id="rId2"/>
@@ -21,70 +21,71 @@
     <p:sldId id="280" r:id="rId12"/>
     <p:sldId id="462" r:id="rId13"/>
     <p:sldId id="463" r:id="rId14"/>
-    <p:sldId id="281" r:id="rId15"/>
-    <p:sldId id="286" r:id="rId16"/>
-    <p:sldId id="289" r:id="rId17"/>
-    <p:sldId id="287" r:id="rId18"/>
-    <p:sldId id="446" r:id="rId19"/>
-    <p:sldId id="447" r:id="rId20"/>
-    <p:sldId id="448" r:id="rId21"/>
-    <p:sldId id="453" r:id="rId22"/>
-    <p:sldId id="455" r:id="rId23"/>
-    <p:sldId id="454" r:id="rId24"/>
-    <p:sldId id="288" r:id="rId25"/>
-    <p:sldId id="290" r:id="rId26"/>
-    <p:sldId id="456" r:id="rId27"/>
-    <p:sldId id="457" r:id="rId28"/>
-    <p:sldId id="460" r:id="rId29"/>
-    <p:sldId id="458" r:id="rId30"/>
-    <p:sldId id="461" r:id="rId31"/>
-    <p:sldId id="459" r:id="rId32"/>
-    <p:sldId id="467" r:id="rId33"/>
-    <p:sldId id="464" r:id="rId34"/>
-    <p:sldId id="466" r:id="rId35"/>
-    <p:sldId id="465" r:id="rId36"/>
+    <p:sldId id="470" r:id="rId15"/>
+    <p:sldId id="281" r:id="rId16"/>
+    <p:sldId id="286" r:id="rId17"/>
+    <p:sldId id="289" r:id="rId18"/>
+    <p:sldId id="287" r:id="rId19"/>
+    <p:sldId id="446" r:id="rId20"/>
+    <p:sldId id="447" r:id="rId21"/>
+    <p:sldId id="448" r:id="rId22"/>
+    <p:sldId id="453" r:id="rId23"/>
+    <p:sldId id="455" r:id="rId24"/>
+    <p:sldId id="454" r:id="rId25"/>
+    <p:sldId id="288" r:id="rId26"/>
+    <p:sldId id="290" r:id="rId27"/>
+    <p:sldId id="456" r:id="rId28"/>
+    <p:sldId id="457" r:id="rId29"/>
+    <p:sldId id="460" r:id="rId30"/>
+    <p:sldId id="458" r:id="rId31"/>
+    <p:sldId id="461" r:id="rId32"/>
+    <p:sldId id="459" r:id="rId33"/>
+    <p:sldId id="467" r:id="rId34"/>
+    <p:sldId id="464" r:id="rId35"/>
+    <p:sldId id="466" r:id="rId36"/>
+    <p:sldId id="465" r:id="rId37"/>
   </p:sldIdLst>
   <p:sldSz cx="9144000" cy="5143500" type="screen16x9"/>
   <p:notesSz cx="6858000" cy="9144000"/>
   <p:embeddedFontLst>
     <p:embeddedFont>
       <p:font typeface="Cambria" panose="02040503050406030204" pitchFamily="18" charset="0"/>
-      <p:regular r:id="rId38"/>
-      <p:bold r:id="rId39"/>
-      <p:italic r:id="rId40"/>
-      <p:boldItalic r:id="rId41"/>
+      <p:regular r:id="rId39"/>
+      <p:bold r:id="rId40"/>
+      <p:italic r:id="rId41"/>
+      <p:boldItalic r:id="rId42"/>
     </p:embeddedFont>
     <p:embeddedFont>
       <p:font typeface="Cambria Math" panose="02040503050406030204" pitchFamily="18" charset="0"/>
-      <p:regular r:id="rId42"/>
+      <p:regular r:id="rId43"/>
     </p:embeddedFont>
     <p:embeddedFont>
       <p:font typeface="Consolas" panose="020B0609020204030204" pitchFamily="49" charset="0"/>
-      <p:regular r:id="rId43"/>
-      <p:bold r:id="rId44"/>
-      <p:italic r:id="rId45"/>
-      <p:boldItalic r:id="rId46"/>
+      <p:regular r:id="rId44"/>
+      <p:bold r:id="rId45"/>
+      <p:italic r:id="rId46"/>
+      <p:boldItalic r:id="rId47"/>
     </p:embeddedFont>
     <p:embeddedFont>
       <p:font typeface="Lato" panose="020F0502020204030203" pitchFamily="34" charset="0"/>
-      <p:regular r:id="rId47"/>
-      <p:bold r:id="rId48"/>
-      <p:italic r:id="rId49"/>
-      <p:boldItalic r:id="rId50"/>
+      <p:regular r:id="rId48"/>
+      <p:bold r:id="rId49"/>
+      <p:italic r:id="rId50"/>
+      <p:boldItalic r:id="rId51"/>
     </p:embeddedFont>
     <p:embeddedFont>
       <p:font typeface="Raleway" panose="020B0503030101060003" pitchFamily="34" charset="0"/>
-      <p:regular r:id="rId51"/>
-      <p:bold r:id="rId52"/>
-      <p:italic r:id="rId53"/>
-      <p:boldItalic r:id="rId54"/>
+      <p:regular r:id="rId52"/>
+      <p:bold r:id="rId53"/>
+      <p:italic r:id="rId54"/>
+      <p:boldItalic r:id="rId55"/>
     </p:embeddedFont>
     <p:embeddedFont>
       <p:font typeface="Segoe UI" panose="020B0502040204020203" pitchFamily="34" charset="0"/>
-      <p:regular r:id="rId55"/>
-      <p:bold r:id="rId56"/>
-      <p:italic r:id="rId57"/>
-      <p:boldItalic r:id="rId58"/>
+      <p:regular r:id="rId56"/>
+      <p:bold r:id="rId57"/>
+      <p:italic r:id="rId58"/>
+      <p:boldItalic r:id="rId59"/>
     </p:embeddedFont>
   </p:embeddedFontLst>
   <p:defaultTextStyle>
@@ -15355,7 +15356,7 @@
           <a:p>
             <a:fld id="{123CBCE9-0914-4950-A986-7596C92667F1}" type="datetime1">
               <a:rPr lang="en-US" smtClean="0"/>
-              <a:t>2/9/2022</a:t>
+              <a:t>2/15/2022</a:t>
             </a:fld>
             <a:endParaRPr lang="en-US"/>
           </a:p>
@@ -18847,6 +18848,834 @@
           <p:cNvPr id="2" name="Title 1">
             <a:extLst>
               <a:ext uri="{FF2B5EF4-FFF2-40B4-BE49-F238E27FC236}">
+                <a16:creationId xmlns:a16="http://schemas.microsoft.com/office/drawing/2014/main" id="{26D25A46-9DA8-416A-9F05-8D4307462F08}"/>
+              </a:ext>
+            </a:extLst>
+          </p:cNvPr>
+          <p:cNvSpPr>
+            <a:spLocks noGrp="1"/>
+          </p:cNvSpPr>
+          <p:nvPr>
+            <p:ph type="title"/>
+          </p:nvPr>
+        </p:nvSpPr>
+        <p:spPr/>
+        <p:txBody>
+          <a:bodyPr/>
+          <a:lstStyle/>
+          <a:p>
+            <a:r>
+              <a:rPr lang="en-US" dirty="0"/>
+              <a:t>Tracking ML Experiments: Two Ways</a:t>
+            </a:r>
+          </a:p>
+        </p:txBody>
+      </p:sp>
+      <p:sp>
+        <p:nvSpPr>
+          <p:cNvPr id="8" name="Rectangle 7">
+            <a:extLst>
+              <a:ext uri="{FF2B5EF4-FFF2-40B4-BE49-F238E27FC236}">
+                <a16:creationId xmlns:a16="http://schemas.microsoft.com/office/drawing/2014/main" id="{D3E1171C-3862-4140-B248-A27893710230}"/>
+              </a:ext>
+            </a:extLst>
+          </p:cNvPr>
+          <p:cNvSpPr/>
+          <p:nvPr/>
+        </p:nvSpPr>
+        <p:spPr>
+          <a:xfrm>
+            <a:off x="117348" y="975425"/>
+            <a:ext cx="4454652" cy="441928"/>
+          </a:xfrm>
+          <a:prstGeom prst="rect">
+            <a:avLst/>
+          </a:prstGeom>
+        </p:spPr>
+        <p:style>
+          <a:lnRef idx="2">
+            <a:schemeClr val="dk1">
+              <a:shade val="50000"/>
+            </a:schemeClr>
+          </a:lnRef>
+          <a:fillRef idx="1">
+            <a:schemeClr val="dk1"/>
+          </a:fillRef>
+          <a:effectRef idx="0">
+            <a:schemeClr val="dk1"/>
+          </a:effectRef>
+          <a:fontRef idx="minor">
+            <a:schemeClr val="lt1"/>
+          </a:fontRef>
+        </p:style>
+        <p:txBody>
+          <a:bodyPr rtlCol="0" anchor="ctr"/>
+          <a:lstStyle/>
+          <a:p>
+            <a:pPr algn="ctr"/>
+            <a:r>
+              <a:rPr lang="en-US" dirty="0"/>
+              <a:t>Train Inside the Compute Instance,</a:t>
+            </a:r>
+          </a:p>
+          <a:p>
+            <a:pPr algn="ctr"/>
+            <a:r>
+              <a:rPr lang="en-US" dirty="0"/>
+              <a:t>Track Externally in Azure ML</a:t>
+            </a:r>
+          </a:p>
+        </p:txBody>
+      </p:sp>
+      <p:sp>
+        <p:nvSpPr>
+          <p:cNvPr id="9" name="Rectangle 8">
+            <a:extLst>
+              <a:ext uri="{FF2B5EF4-FFF2-40B4-BE49-F238E27FC236}">
+                <a16:creationId xmlns:a16="http://schemas.microsoft.com/office/drawing/2014/main" id="{D281EBFC-0A85-4BBA-A8BB-2AD6C2EEAF73}"/>
+              </a:ext>
+            </a:extLst>
+          </p:cNvPr>
+          <p:cNvSpPr/>
+          <p:nvPr/>
+        </p:nvSpPr>
+        <p:spPr>
+          <a:xfrm>
+            <a:off x="4618721" y="975425"/>
+            <a:ext cx="4454652" cy="441928"/>
+          </a:xfrm>
+          <a:prstGeom prst="rect">
+            <a:avLst/>
+          </a:prstGeom>
+        </p:spPr>
+        <p:style>
+          <a:lnRef idx="2">
+            <a:schemeClr val="accent3">
+              <a:shade val="50000"/>
+            </a:schemeClr>
+          </a:lnRef>
+          <a:fillRef idx="1">
+            <a:schemeClr val="accent3"/>
+          </a:fillRef>
+          <a:effectRef idx="0">
+            <a:schemeClr val="accent3"/>
+          </a:effectRef>
+          <a:fontRef idx="minor">
+            <a:schemeClr val="lt1"/>
+          </a:fontRef>
+        </p:style>
+        <p:txBody>
+          <a:bodyPr rtlCol="0" anchor="ctr"/>
+          <a:lstStyle/>
+          <a:p>
+            <a:pPr algn="ctr"/>
+            <a:r>
+              <a:rPr lang="en-US" dirty="0"/>
+              <a:t>Train Externally in a Compute Cluster,</a:t>
+            </a:r>
+          </a:p>
+          <a:p>
+            <a:pPr algn="ctr"/>
+            <a:r>
+              <a:rPr lang="en-US" dirty="0"/>
+              <a:t>Track Externally in Azure ML</a:t>
+            </a:r>
+          </a:p>
+        </p:txBody>
+      </p:sp>
+      <p:sp>
+        <p:nvSpPr>
+          <p:cNvPr id="11" name="TextBox 10">
+            <a:extLst>
+              <a:ext uri="{FF2B5EF4-FFF2-40B4-BE49-F238E27FC236}">
+                <a16:creationId xmlns:a16="http://schemas.microsoft.com/office/drawing/2014/main" id="{0AA2B8EB-7153-4B3A-9705-E76AC4BA0F3D}"/>
+              </a:ext>
+            </a:extLst>
+          </p:cNvPr>
+          <p:cNvSpPr txBox="1"/>
+          <p:nvPr/>
+        </p:nvSpPr>
+        <p:spPr>
+          <a:xfrm>
+            <a:off x="6034112" y="784268"/>
+            <a:ext cx="2992540" cy="184666"/>
+          </a:xfrm>
+          <a:prstGeom prst="rect">
+            <a:avLst/>
+          </a:prstGeom>
+          <a:noFill/>
+        </p:spPr>
+        <p:txBody>
+          <a:bodyPr wrap="square">
+            <a:spAutoFit/>
+          </a:bodyPr>
+          <a:lstStyle/>
+          <a:p>
+            <a:pPr algn="ctr"/>
+            <a:r>
+              <a:rPr lang="en-US" sz="600" dirty="0">
+                <a:hlinkClick r:id="rId2"/>
+              </a:rPr>
+              <a:t>https://docs.microsoft.com/en-us/azure/machine-learning/how-to-train-scikit-learn</a:t>
+            </a:r>
+            <a:endParaRPr lang="en-US" sz="600" dirty="0"/>
+          </a:p>
+        </p:txBody>
+      </p:sp>
+      <p:sp>
+        <p:nvSpPr>
+          <p:cNvPr id="12" name="TextBox 11">
+            <a:extLst>
+              <a:ext uri="{FF2B5EF4-FFF2-40B4-BE49-F238E27FC236}">
+                <a16:creationId xmlns:a16="http://schemas.microsoft.com/office/drawing/2014/main" id="{830870C5-D1F5-4383-96C8-E370EA907F63}"/>
+              </a:ext>
+            </a:extLst>
+          </p:cNvPr>
+          <p:cNvSpPr txBox="1"/>
+          <p:nvPr/>
+        </p:nvSpPr>
+        <p:spPr>
+          <a:xfrm>
+            <a:off x="117348" y="1614065"/>
+            <a:ext cx="4454652" cy="2308324"/>
+          </a:xfrm>
+          <a:prstGeom prst="rect">
+            <a:avLst/>
+          </a:prstGeom>
+          <a:solidFill>
+            <a:schemeClr val="tx2"/>
+          </a:solidFill>
+        </p:spPr>
+        <p:txBody>
+          <a:bodyPr wrap="square" rtlCol="0">
+            <a:spAutoFit/>
+          </a:bodyPr>
+          <a:lstStyle/>
+          <a:p>
+            <a:r>
+              <a:rPr lang="en-US" sz="900" dirty="0">
+                <a:latin typeface="Consolas" panose="020B0609020204030204" pitchFamily="49" charset="0"/>
+              </a:rPr>
+              <a:t>## Connect to Workspace</a:t>
+            </a:r>
+          </a:p>
+          <a:p>
+            <a:r>
+              <a:rPr lang="en-US" sz="900" dirty="0" err="1">
+                <a:latin typeface="Consolas" panose="020B0609020204030204" pitchFamily="49" charset="0"/>
+              </a:rPr>
+              <a:t>ws</a:t>
+            </a:r>
+            <a:r>
+              <a:rPr lang="en-US" sz="900" dirty="0">
+                <a:latin typeface="Consolas" panose="020B0609020204030204" pitchFamily="49" charset="0"/>
+              </a:rPr>
+              <a:t> = </a:t>
+            </a:r>
+            <a:r>
+              <a:rPr lang="en-US" sz="900" dirty="0" err="1">
+                <a:latin typeface="Consolas" panose="020B0609020204030204" pitchFamily="49" charset="0"/>
+              </a:rPr>
+              <a:t>Workspace.from_config</a:t>
+            </a:r>
+            <a:r>
+              <a:rPr lang="en-US" sz="900" dirty="0">
+                <a:latin typeface="Consolas" panose="020B0609020204030204" pitchFamily="49" charset="0"/>
+              </a:rPr>
+              <a:t>()</a:t>
+            </a:r>
+          </a:p>
+          <a:p>
+            <a:endParaRPr lang="en-US" sz="900" dirty="0">
+              <a:latin typeface="Consolas" panose="020B0609020204030204" pitchFamily="49" charset="0"/>
+            </a:endParaRPr>
+          </a:p>
+          <a:p>
+            <a:r>
+              <a:rPr lang="en-US" sz="900" dirty="0">
+                <a:latin typeface="Consolas" panose="020B0609020204030204" pitchFamily="49" charset="0"/>
+              </a:rPr>
+              <a:t>## Create Experiment</a:t>
+            </a:r>
+          </a:p>
+          <a:p>
+            <a:r>
+              <a:rPr lang="en-US" sz="900" dirty="0">
+                <a:latin typeface="Consolas" panose="020B0609020204030204" pitchFamily="49" charset="0"/>
+              </a:rPr>
+              <a:t>experiment = Experiment(workspace = </a:t>
+            </a:r>
+            <a:r>
+              <a:rPr lang="en-US" sz="900" dirty="0" err="1">
+                <a:latin typeface="Consolas" panose="020B0609020204030204" pitchFamily="49" charset="0"/>
+              </a:rPr>
+              <a:t>ws</a:t>
+            </a:r>
+            <a:r>
+              <a:rPr lang="en-US" sz="900" dirty="0">
+                <a:latin typeface="Consolas" panose="020B0609020204030204" pitchFamily="49" charset="0"/>
+              </a:rPr>
+              <a:t>, name = '&lt;group&gt;_diabetes')</a:t>
+            </a:r>
+          </a:p>
+          <a:p>
+            <a:endParaRPr lang="en-US" sz="900" dirty="0">
+              <a:latin typeface="Consolas" panose="020B0609020204030204" pitchFamily="49" charset="0"/>
+            </a:endParaRPr>
+          </a:p>
+          <a:p>
+            <a:r>
+              <a:rPr lang="en-US" sz="900" dirty="0">
+                <a:latin typeface="Consolas" panose="020B0609020204030204" pitchFamily="49" charset="0"/>
+              </a:rPr>
+              <a:t>## Create Run</a:t>
+            </a:r>
+          </a:p>
+          <a:p>
+            <a:r>
+              <a:rPr lang="en-US" sz="900" dirty="0">
+                <a:latin typeface="Consolas" panose="020B0609020204030204" pitchFamily="49" charset="0"/>
+              </a:rPr>
+              <a:t>run = </a:t>
+            </a:r>
+            <a:r>
+              <a:rPr lang="en-US" sz="900" dirty="0" err="1">
+                <a:latin typeface="Consolas" panose="020B0609020204030204" pitchFamily="49" charset="0"/>
+              </a:rPr>
+              <a:t>experiment.start_logging</a:t>
+            </a:r>
+            <a:r>
+              <a:rPr lang="en-US" sz="900" dirty="0">
+                <a:latin typeface="Consolas" panose="020B0609020204030204" pitchFamily="49" charset="0"/>
+              </a:rPr>
+              <a:t>(outputs=None, </a:t>
+            </a:r>
+            <a:r>
+              <a:rPr lang="en-US" sz="900" dirty="0" err="1">
+                <a:latin typeface="Consolas" panose="020B0609020204030204" pitchFamily="49" charset="0"/>
+              </a:rPr>
+              <a:t>snapshot_directory</a:t>
+            </a:r>
+            <a:r>
+              <a:rPr lang="en-US" sz="900" dirty="0">
+                <a:latin typeface="Consolas" panose="020B0609020204030204" pitchFamily="49" charset="0"/>
+              </a:rPr>
+              <a:t>=".", </a:t>
+            </a:r>
+            <a:r>
+              <a:rPr lang="en-US" sz="900" dirty="0" err="1">
+                <a:latin typeface="Consolas" panose="020B0609020204030204" pitchFamily="49" charset="0"/>
+              </a:rPr>
+              <a:t>display_name</a:t>
+            </a:r>
+            <a:r>
+              <a:rPr lang="en-US" sz="900" dirty="0">
+                <a:latin typeface="Consolas" panose="020B0609020204030204" pitchFamily="49" charset="0"/>
+              </a:rPr>
+              <a:t>="</a:t>
+            </a:r>
+            <a:r>
+              <a:rPr lang="en-US" sz="900" dirty="0" err="1">
+                <a:latin typeface="Consolas" panose="020B0609020204030204" pitchFamily="49" charset="0"/>
+              </a:rPr>
+              <a:t>run_name</a:t>
+            </a:r>
+            <a:r>
+              <a:rPr lang="en-US" sz="900" dirty="0">
+                <a:latin typeface="Consolas" panose="020B0609020204030204" pitchFamily="49" charset="0"/>
+              </a:rPr>
+              <a:t>")</a:t>
+            </a:r>
+          </a:p>
+          <a:p>
+            <a:endParaRPr lang="en-US" sz="900" dirty="0">
+              <a:latin typeface="Consolas" panose="020B0609020204030204" pitchFamily="49" charset="0"/>
+            </a:endParaRPr>
+          </a:p>
+          <a:p>
+            <a:r>
+              <a:rPr lang="en-US" sz="900" b="1" i="1" dirty="0">
+                <a:latin typeface="Consolas" panose="020B0609020204030204" pitchFamily="49" charset="0"/>
+              </a:rPr>
+              <a:t>&lt;ML STUFF HERE&gt;</a:t>
+            </a:r>
+          </a:p>
+          <a:p>
+            <a:endParaRPr lang="en-US" sz="900" dirty="0">
+              <a:latin typeface="Consolas" panose="020B0609020204030204" pitchFamily="49" charset="0"/>
+            </a:endParaRPr>
+          </a:p>
+          <a:p>
+            <a:r>
+              <a:rPr lang="en-US" sz="900" dirty="0">
+                <a:latin typeface="Consolas" panose="020B0609020204030204" pitchFamily="49" charset="0"/>
+              </a:rPr>
+              <a:t>## Log Metrics</a:t>
+            </a:r>
+          </a:p>
+          <a:p>
+            <a:r>
+              <a:rPr lang="en-US" sz="900" dirty="0">
+                <a:latin typeface="Consolas" panose="020B0609020204030204" pitchFamily="49" charset="0"/>
+              </a:rPr>
+              <a:t>run.log('</a:t>
+            </a:r>
+            <a:r>
+              <a:rPr lang="en-US" sz="900" dirty="0" err="1">
+                <a:latin typeface="Consolas" panose="020B0609020204030204" pitchFamily="49" charset="0"/>
+              </a:rPr>
+              <a:t>auc_train</a:t>
+            </a:r>
+            <a:r>
+              <a:rPr lang="en-US" sz="900" dirty="0">
+                <a:latin typeface="Consolas" panose="020B0609020204030204" pitchFamily="49" charset="0"/>
+              </a:rPr>
+              <a:t>', 0.85)</a:t>
+            </a:r>
+          </a:p>
+          <a:p>
+            <a:r>
+              <a:rPr lang="en-US" sz="900" dirty="0">
+                <a:latin typeface="Consolas" panose="020B0609020204030204" pitchFamily="49" charset="0"/>
+              </a:rPr>
+              <a:t>run.log('</a:t>
+            </a:r>
+            <a:r>
+              <a:rPr lang="en-US" sz="900" dirty="0" err="1">
+                <a:latin typeface="Consolas" panose="020B0609020204030204" pitchFamily="49" charset="0"/>
+              </a:rPr>
+              <a:t>auc_test</a:t>
+            </a:r>
+            <a:r>
+              <a:rPr lang="en-US" sz="900" dirty="0">
+                <a:latin typeface="Consolas" panose="020B0609020204030204" pitchFamily="49" charset="0"/>
+              </a:rPr>
+              <a:t>', 0.82)</a:t>
+            </a:r>
+          </a:p>
+          <a:p>
+            <a:r>
+              <a:rPr lang="en-US" sz="900" dirty="0" err="1">
+                <a:latin typeface="Consolas" panose="020B0609020204030204" pitchFamily="49" charset="0"/>
+              </a:rPr>
+              <a:t>run.complete</a:t>
+            </a:r>
+            <a:r>
+              <a:rPr lang="en-US" sz="900" dirty="0">
+                <a:latin typeface="Consolas" panose="020B0609020204030204" pitchFamily="49" charset="0"/>
+              </a:rPr>
+              <a:t>()</a:t>
+            </a:r>
+          </a:p>
+        </p:txBody>
+      </p:sp>
+      <p:sp>
+        <p:nvSpPr>
+          <p:cNvPr id="13" name="TextBox 12">
+            <a:extLst>
+              <a:ext uri="{FF2B5EF4-FFF2-40B4-BE49-F238E27FC236}">
+                <a16:creationId xmlns:a16="http://schemas.microsoft.com/office/drawing/2014/main" id="{1A00D852-DD8C-4404-8BC3-66322F63A13F}"/>
+              </a:ext>
+            </a:extLst>
+          </p:cNvPr>
+          <p:cNvSpPr txBox="1"/>
+          <p:nvPr/>
+        </p:nvSpPr>
+        <p:spPr>
+          <a:xfrm>
+            <a:off x="4618721" y="1598451"/>
+            <a:ext cx="4454652" cy="3139321"/>
+          </a:xfrm>
+          <a:prstGeom prst="rect">
+            <a:avLst/>
+          </a:prstGeom>
+          <a:solidFill>
+            <a:schemeClr val="accent3">
+              <a:lumMod val="20000"/>
+              <a:lumOff val="80000"/>
+            </a:schemeClr>
+          </a:solidFill>
+        </p:spPr>
+        <p:txBody>
+          <a:bodyPr wrap="square" rtlCol="0">
+            <a:spAutoFit/>
+          </a:bodyPr>
+          <a:lstStyle/>
+          <a:p>
+            <a:r>
+              <a:rPr lang="en-US" sz="900" dirty="0">
+                <a:latin typeface="Consolas" panose="020B0609020204030204" pitchFamily="49" charset="0"/>
+              </a:rPr>
+              <a:t>## Connect to Workspace</a:t>
+            </a:r>
+          </a:p>
+          <a:p>
+            <a:r>
+              <a:rPr lang="en-US" sz="900" dirty="0" err="1">
+                <a:latin typeface="Consolas" panose="020B0609020204030204" pitchFamily="49" charset="0"/>
+              </a:rPr>
+              <a:t>ws</a:t>
+            </a:r>
+            <a:r>
+              <a:rPr lang="en-US" sz="900" dirty="0">
+                <a:latin typeface="Consolas" panose="020B0609020204030204" pitchFamily="49" charset="0"/>
+              </a:rPr>
+              <a:t> = </a:t>
+            </a:r>
+            <a:r>
+              <a:rPr lang="en-US" sz="900" dirty="0" err="1">
+                <a:latin typeface="Consolas" panose="020B0609020204030204" pitchFamily="49" charset="0"/>
+              </a:rPr>
+              <a:t>Workspace.from_config</a:t>
+            </a:r>
+            <a:r>
+              <a:rPr lang="en-US" sz="900" dirty="0">
+                <a:latin typeface="Consolas" panose="020B0609020204030204" pitchFamily="49" charset="0"/>
+              </a:rPr>
+              <a:t>()</a:t>
+            </a:r>
+          </a:p>
+          <a:p>
+            <a:endParaRPr lang="en-US" sz="900" dirty="0">
+              <a:latin typeface="Consolas" panose="020B0609020204030204" pitchFamily="49" charset="0"/>
+            </a:endParaRPr>
+          </a:p>
+          <a:p>
+            <a:r>
+              <a:rPr lang="en-US" sz="900" dirty="0">
+                <a:latin typeface="Consolas" panose="020B0609020204030204" pitchFamily="49" charset="0"/>
+              </a:rPr>
+              <a:t>## Create Experiment</a:t>
+            </a:r>
+          </a:p>
+          <a:p>
+            <a:r>
+              <a:rPr lang="en-US" sz="900" dirty="0">
+                <a:latin typeface="Consolas" panose="020B0609020204030204" pitchFamily="49" charset="0"/>
+              </a:rPr>
+              <a:t>experiment = Experiment(workspace = </a:t>
+            </a:r>
+            <a:r>
+              <a:rPr lang="en-US" sz="900" dirty="0" err="1">
+                <a:latin typeface="Consolas" panose="020B0609020204030204" pitchFamily="49" charset="0"/>
+              </a:rPr>
+              <a:t>ws</a:t>
+            </a:r>
+            <a:r>
+              <a:rPr lang="en-US" sz="900" dirty="0">
+                <a:latin typeface="Consolas" panose="020B0609020204030204" pitchFamily="49" charset="0"/>
+              </a:rPr>
+              <a:t>, name = '&lt;group&gt;_diabetes')</a:t>
+            </a:r>
+          </a:p>
+          <a:p>
+            <a:endParaRPr lang="en-US" sz="900" dirty="0">
+              <a:latin typeface="Consolas" panose="020B0609020204030204" pitchFamily="49" charset="0"/>
+            </a:endParaRPr>
+          </a:p>
+          <a:p>
+            <a:r>
+              <a:rPr lang="en-US" sz="900" b="1" i="1" dirty="0">
+                <a:latin typeface="Consolas" panose="020B0609020204030204" pitchFamily="49" charset="0"/>
+              </a:rPr>
+              <a:t>&lt;ML STUFF in a train.py SCRIPT&gt;</a:t>
+            </a:r>
+          </a:p>
+          <a:p>
+            <a:endParaRPr lang="en-US" sz="900" dirty="0">
+              <a:latin typeface="Consolas" panose="020B0609020204030204" pitchFamily="49" charset="0"/>
+            </a:endParaRPr>
+          </a:p>
+          <a:p>
+            <a:r>
+              <a:rPr lang="en-US" sz="900" dirty="0">
+                <a:latin typeface="Consolas" panose="020B0609020204030204" pitchFamily="49" charset="0"/>
+              </a:rPr>
+              <a:t>## Connect to Compute Target (Optional)</a:t>
+            </a:r>
+          </a:p>
+          <a:p>
+            <a:r>
+              <a:rPr lang="en-US" sz="900" dirty="0" err="1">
+                <a:latin typeface="Consolas" panose="020B0609020204030204" pitchFamily="49" charset="0"/>
+              </a:rPr>
+              <a:t>training_cluster</a:t>
+            </a:r>
+            <a:r>
+              <a:rPr lang="en-US" sz="900" dirty="0">
+                <a:latin typeface="Consolas" panose="020B0609020204030204" pitchFamily="49" charset="0"/>
+              </a:rPr>
+              <a:t> = </a:t>
+            </a:r>
+            <a:r>
+              <a:rPr lang="en-US" sz="900" dirty="0" err="1">
+                <a:latin typeface="Consolas" panose="020B0609020204030204" pitchFamily="49" charset="0"/>
+              </a:rPr>
+              <a:t>ComputeTarget</a:t>
+            </a:r>
+            <a:r>
+              <a:rPr lang="en-US" sz="900" dirty="0">
+                <a:latin typeface="Consolas" panose="020B0609020204030204" pitchFamily="49" charset="0"/>
+              </a:rPr>
+              <a:t>(workspace=</a:t>
+            </a:r>
+            <a:r>
+              <a:rPr lang="en-US" sz="900" dirty="0" err="1">
+                <a:latin typeface="Consolas" panose="020B0609020204030204" pitchFamily="49" charset="0"/>
+              </a:rPr>
+              <a:t>ws</a:t>
+            </a:r>
+            <a:r>
+              <a:rPr lang="en-US" sz="900" dirty="0">
+                <a:latin typeface="Consolas" panose="020B0609020204030204" pitchFamily="49" charset="0"/>
+              </a:rPr>
+              <a:t>, name=</a:t>
+            </a:r>
+            <a:r>
+              <a:rPr lang="en-US" sz="900" dirty="0" err="1">
+                <a:latin typeface="Consolas" panose="020B0609020204030204" pitchFamily="49" charset="0"/>
+              </a:rPr>
+              <a:t>cluster_name</a:t>
+            </a:r>
+            <a:r>
+              <a:rPr lang="en-US" sz="900" dirty="0">
+                <a:latin typeface="Consolas" panose="020B0609020204030204" pitchFamily="49" charset="0"/>
+              </a:rPr>
+              <a:t>)</a:t>
+            </a:r>
+          </a:p>
+          <a:p>
+            <a:endParaRPr lang="en-US" sz="900" dirty="0">
+              <a:latin typeface="Consolas" panose="020B0609020204030204" pitchFamily="49" charset="0"/>
+            </a:endParaRPr>
+          </a:p>
+          <a:p>
+            <a:r>
+              <a:rPr lang="en-US" sz="900" dirty="0">
+                <a:latin typeface="Consolas" panose="020B0609020204030204" pitchFamily="49" charset="0"/>
+              </a:rPr>
+              <a:t>## Create Environment for </a:t>
+            </a:r>
+            <a:r>
+              <a:rPr lang="en-US" sz="900" dirty="0" err="1">
+                <a:latin typeface="Consolas" panose="020B0609020204030204" pitchFamily="49" charset="0"/>
+              </a:rPr>
+              <a:t>sklearn</a:t>
+            </a:r>
+            <a:endParaRPr lang="en-US" sz="900" dirty="0">
+              <a:latin typeface="Consolas" panose="020B0609020204030204" pitchFamily="49" charset="0"/>
+            </a:endParaRPr>
+          </a:p>
+          <a:p>
+            <a:r>
+              <a:rPr lang="en-US" sz="900" dirty="0" err="1">
+                <a:latin typeface="Consolas" panose="020B0609020204030204" pitchFamily="49" charset="0"/>
+              </a:rPr>
+              <a:t>sklearn_env</a:t>
+            </a:r>
+            <a:r>
+              <a:rPr lang="en-US" sz="900" dirty="0">
+                <a:latin typeface="Consolas" panose="020B0609020204030204" pitchFamily="49" charset="0"/>
+              </a:rPr>
+              <a:t> = Environment("</a:t>
+            </a:r>
+            <a:r>
+              <a:rPr lang="en-US" sz="900" dirty="0" err="1">
+                <a:latin typeface="Consolas" panose="020B0609020204030204" pitchFamily="49" charset="0"/>
+              </a:rPr>
+              <a:t>sklearn</a:t>
+            </a:r>
+            <a:r>
+              <a:rPr lang="en-US" sz="900" dirty="0">
+                <a:latin typeface="Consolas" panose="020B0609020204030204" pitchFamily="49" charset="0"/>
+              </a:rPr>
+              <a:t>-env")</a:t>
+            </a:r>
+          </a:p>
+          <a:p>
+            <a:endParaRPr lang="en-US" sz="900" dirty="0">
+              <a:latin typeface="Consolas" panose="020B0609020204030204" pitchFamily="49" charset="0"/>
+            </a:endParaRPr>
+          </a:p>
+          <a:p>
+            <a:r>
+              <a:rPr lang="en-US" sz="900" dirty="0">
+                <a:latin typeface="Consolas" panose="020B0609020204030204" pitchFamily="49" charset="0"/>
+              </a:rPr>
+              <a:t>## Create a script config</a:t>
+            </a:r>
+          </a:p>
+          <a:p>
+            <a:r>
+              <a:rPr lang="en-US" sz="900" dirty="0" err="1">
+                <a:latin typeface="Consolas" panose="020B0609020204030204" pitchFamily="49" charset="0"/>
+              </a:rPr>
+              <a:t>script_config</a:t>
+            </a:r>
+            <a:r>
+              <a:rPr lang="en-US" sz="900" dirty="0">
+                <a:latin typeface="Consolas" panose="020B0609020204030204" pitchFamily="49" charset="0"/>
+              </a:rPr>
+              <a:t> = </a:t>
+            </a:r>
+            <a:r>
+              <a:rPr lang="en-US" sz="900" dirty="0" err="1">
+                <a:latin typeface="Consolas" panose="020B0609020204030204" pitchFamily="49" charset="0"/>
+              </a:rPr>
+              <a:t>ScriptRunConfig</a:t>
+            </a:r>
+            <a:r>
+              <a:rPr lang="en-US" sz="900" dirty="0">
+                <a:latin typeface="Consolas" panose="020B0609020204030204" pitchFamily="49" charset="0"/>
+              </a:rPr>
+              <a:t>(</a:t>
+            </a:r>
+            <a:r>
+              <a:rPr lang="en-US" sz="900" dirty="0" err="1">
+                <a:latin typeface="Consolas" panose="020B0609020204030204" pitchFamily="49" charset="0"/>
+              </a:rPr>
+              <a:t>source_directory</a:t>
+            </a:r>
+            <a:r>
+              <a:rPr lang="en-US" sz="900" dirty="0">
+                <a:latin typeface="Consolas" panose="020B0609020204030204" pitchFamily="49" charset="0"/>
+              </a:rPr>
+              <a:t>='.',</a:t>
+            </a:r>
+          </a:p>
+          <a:p>
+            <a:r>
+              <a:rPr lang="en-US" sz="900" dirty="0">
+                <a:latin typeface="Consolas" panose="020B0609020204030204" pitchFamily="49" charset="0"/>
+              </a:rPr>
+              <a:t>                                script='train.py',</a:t>
+            </a:r>
+          </a:p>
+          <a:p>
+            <a:r>
+              <a:rPr lang="en-US" sz="900" dirty="0">
+                <a:latin typeface="Consolas" panose="020B0609020204030204" pitchFamily="49" charset="0"/>
+              </a:rPr>
+              <a:t>                                arguments = [],</a:t>
+            </a:r>
+          </a:p>
+          <a:p>
+            <a:r>
+              <a:rPr lang="en-US" sz="900" dirty="0">
+                <a:latin typeface="Consolas" panose="020B0609020204030204" pitchFamily="49" charset="0"/>
+              </a:rPr>
+              <a:t>                                </a:t>
+            </a:r>
+            <a:r>
+              <a:rPr lang="en-US" sz="900" dirty="0" err="1">
+                <a:latin typeface="Consolas" panose="020B0609020204030204" pitchFamily="49" charset="0"/>
+              </a:rPr>
+              <a:t>compute_target</a:t>
+            </a:r>
+            <a:r>
+              <a:rPr lang="en-US" sz="900" dirty="0">
+                <a:latin typeface="Consolas" panose="020B0609020204030204" pitchFamily="49" charset="0"/>
+              </a:rPr>
+              <a:t>=training_cluster,</a:t>
+            </a:r>
+          </a:p>
+          <a:p>
+            <a:r>
+              <a:rPr lang="en-US" sz="900" dirty="0">
+                <a:latin typeface="Consolas" panose="020B0609020204030204" pitchFamily="49" charset="0"/>
+              </a:rPr>
+              <a:t>                                environment=</a:t>
+            </a:r>
+            <a:r>
+              <a:rPr lang="en-US" sz="900" dirty="0" err="1">
+                <a:latin typeface="Consolas" panose="020B0609020204030204" pitchFamily="49" charset="0"/>
+              </a:rPr>
+              <a:t>sklearn_env</a:t>
+            </a:r>
+            <a:r>
+              <a:rPr lang="en-US" sz="900" dirty="0">
+                <a:latin typeface="Consolas" panose="020B0609020204030204" pitchFamily="49" charset="0"/>
+              </a:rPr>
+              <a:t>)</a:t>
+            </a:r>
+          </a:p>
+          <a:p>
+            <a:r>
+              <a:rPr lang="en-US" sz="900" dirty="0">
+                <a:latin typeface="Consolas" panose="020B0609020204030204" pitchFamily="49" charset="0"/>
+              </a:rPr>
+              <a:t>## Submit Experiment</a:t>
+            </a:r>
+          </a:p>
+          <a:p>
+            <a:r>
+              <a:rPr lang="en-US" sz="900" dirty="0">
+                <a:latin typeface="Consolas" panose="020B0609020204030204" pitchFamily="49" charset="0"/>
+              </a:rPr>
+              <a:t>run = </a:t>
+            </a:r>
+            <a:r>
+              <a:rPr lang="en-US" sz="900" dirty="0" err="1">
+                <a:latin typeface="Consolas" panose="020B0609020204030204" pitchFamily="49" charset="0"/>
+              </a:rPr>
+              <a:t>experiment.submit</a:t>
+            </a:r>
+            <a:r>
+              <a:rPr lang="en-US" sz="900" dirty="0">
+                <a:latin typeface="Consolas" panose="020B0609020204030204" pitchFamily="49" charset="0"/>
+              </a:rPr>
+              <a:t>(config = </a:t>
+            </a:r>
+            <a:r>
+              <a:rPr lang="en-US" sz="900" dirty="0" err="1">
+                <a:latin typeface="Consolas" panose="020B0609020204030204" pitchFamily="49" charset="0"/>
+              </a:rPr>
+              <a:t>script_config</a:t>
+            </a:r>
+            <a:r>
+              <a:rPr lang="en-US" sz="900" dirty="0">
+                <a:latin typeface="Consolas" panose="020B0609020204030204" pitchFamily="49" charset="0"/>
+              </a:rPr>
+              <a:t>)</a:t>
+            </a:r>
+          </a:p>
+        </p:txBody>
+      </p:sp>
+    </p:spTree>
+    <p:extLst>
+      <p:ext uri="{BB962C8B-B14F-4D97-AF65-F5344CB8AC3E}">
+        <p14:creationId xmlns:p14="http://schemas.microsoft.com/office/powerpoint/2010/main" val="2733519491"/>
+      </p:ext>
+    </p:extLst>
+  </p:cSld>
+  <p:clrMapOvr>
+    <a:masterClrMapping/>
+  </p:clrMapOvr>
+</p:sld>
+</file>
+
+<file path=ppt/slides/slide15.xml><?xml version="1.0" encoding="utf-8"?>
+<p:sld xmlns:a="http://schemas.openxmlformats.org/drawingml/2006/main" xmlns:r="http://schemas.openxmlformats.org/officeDocument/2006/relationships" xmlns:p="http://schemas.openxmlformats.org/presentationml/2006/main">
+  <p:cSld>
+    <p:spTree>
+      <p:nvGrpSpPr>
+        <p:cNvPr id="1" name=""/>
+        <p:cNvGrpSpPr/>
+        <p:nvPr/>
+      </p:nvGrpSpPr>
+      <p:grpSpPr>
+        <a:xfrm>
+          <a:off x="0" y="0"/>
+          <a:ext cx="0" cy="0"/>
+          <a:chOff x="0" y="0"/>
+          <a:chExt cx="0" cy="0"/>
+        </a:xfrm>
+      </p:grpSpPr>
+      <p:sp>
+        <p:nvSpPr>
+          <p:cNvPr id="2" name="Title 1">
+            <a:extLst>
+              <a:ext uri="{FF2B5EF4-FFF2-40B4-BE49-F238E27FC236}">
                 <a16:creationId xmlns:a16="http://schemas.microsoft.com/office/drawing/2014/main" id="{6FF3B6CD-C287-4358-8518-0002892C1F0F}"/>
               </a:ext>
             </a:extLst>
@@ -19022,7 +19851,7 @@
 </p:sld>
 </file>
 
-<file path=ppt/slides/slide15.xml><?xml version="1.0" encoding="utf-8"?>
+<file path=ppt/slides/slide16.xml><?xml version="1.0" encoding="utf-8"?>
 <p:sld xmlns:a="http://schemas.openxmlformats.org/drawingml/2006/main" xmlns:r="http://schemas.openxmlformats.org/officeDocument/2006/relationships" xmlns:p="http://schemas.openxmlformats.org/presentationml/2006/main">
   <p:cSld>
     <p:spTree>
@@ -20426,7 +21255,7 @@
 </p:sld>
 </file>
 
-<file path=ppt/slides/slide16.xml><?xml version="1.0" encoding="utf-8"?>
+<file path=ppt/slides/slide17.xml><?xml version="1.0" encoding="utf-8"?>
 <p:sld xmlns:a="http://schemas.openxmlformats.org/drawingml/2006/main" xmlns:r="http://schemas.openxmlformats.org/officeDocument/2006/relationships" xmlns:p="http://schemas.openxmlformats.org/presentationml/2006/main">
   <p:cSld>
     <p:spTree>
@@ -21186,7 +22015,7 @@
 </p:sld>
 </file>
 
-<file path=ppt/slides/slide17.xml><?xml version="1.0" encoding="utf-8"?>
+<file path=ppt/slides/slide18.xml><?xml version="1.0" encoding="utf-8"?>
 <p:sld xmlns:a="http://schemas.openxmlformats.org/drawingml/2006/main" xmlns:r="http://schemas.openxmlformats.org/officeDocument/2006/relationships" xmlns:p="http://schemas.openxmlformats.org/presentationml/2006/main">
   <p:cSld>
     <p:spTree>
@@ -21398,7 +22227,7 @@
 </p:sld>
 </file>
 
-<file path=ppt/slides/slide18.xml><?xml version="1.0" encoding="utf-8"?>
+<file path=ppt/slides/slide19.xml><?xml version="1.0" encoding="utf-8"?>
 <p:sld xmlns:a="http://schemas.openxmlformats.org/drawingml/2006/main" xmlns:r="http://schemas.openxmlformats.org/officeDocument/2006/relationships" xmlns:p="http://schemas.openxmlformats.org/presentationml/2006/main">
   <p:cSld>
     <p:spTree>
@@ -21457,7 +22286,7 @@
             <a:fld id="{EFD79178-3801-442D-9A2F-5D922A383BA0}" type="slidenum">
               <a:rPr lang="tr-TR"/>
               <a:pPr/>
-              <a:t>18</a:t>
+              <a:t>19</a:t>
             </a:fld>
             <a:endParaRPr lang="tr-TR"/>
           </a:p>
@@ -21879,7 +22708,210 @@
 </p:sld>
 </file>
 
-<file path=ppt/slides/slide19.xml><?xml version="1.0" encoding="utf-8"?>
+<file path=ppt/slides/slide2.xml><?xml version="1.0" encoding="utf-8"?>
+<p:sld xmlns:a="http://schemas.openxmlformats.org/drawingml/2006/main" xmlns:r="http://schemas.openxmlformats.org/officeDocument/2006/relationships" xmlns:p="http://schemas.openxmlformats.org/presentationml/2006/main">
+  <p:cSld>
+    <p:spTree>
+      <p:nvGrpSpPr>
+        <p:cNvPr id="1" name="Shape 77"/>
+        <p:cNvGrpSpPr/>
+        <p:nvPr/>
+      </p:nvGrpSpPr>
+      <p:grpSpPr>
+        <a:xfrm>
+          <a:off x="0" y="0"/>
+          <a:ext cx="0" cy="0"/>
+          <a:chOff x="0" y="0"/>
+          <a:chExt cx="0" cy="0"/>
+        </a:xfrm>
+      </p:grpSpPr>
+      <p:sp>
+        <p:nvSpPr>
+          <p:cNvPr id="78" name="Google Shape;78;p14"/>
+          <p:cNvSpPr txBox="1">
+            <a:spLocks noGrp="1"/>
+          </p:cNvSpPr>
+          <p:nvPr>
+            <p:ph type="title"/>
+          </p:nvPr>
+        </p:nvSpPr>
+        <p:spPr>
+          <a:xfrm>
+            <a:off x="265500" y="1912650"/>
+            <a:ext cx="4045200" cy="1318200"/>
+          </a:xfrm>
+          <a:prstGeom prst="rect">
+            <a:avLst/>
+          </a:prstGeom>
+        </p:spPr>
+        <p:txBody>
+          <a:bodyPr spcFirstLastPara="1" wrap="square" lIns="91425" tIns="91425" rIns="91425" bIns="91425" anchor="ctr" anchorCtr="0">
+            <a:noAutofit/>
+          </a:bodyPr>
+          <a:lstStyle/>
+          <a:p>
+            <a:pPr marL="0" lvl="0" indent="0" algn="ctr" rtl="0">
+              <a:spcBef>
+                <a:spcPts val="0"/>
+              </a:spcBef>
+              <a:spcAft>
+                <a:spcPts val="0"/>
+              </a:spcAft>
+              <a:buNone/>
+            </a:pPr>
+            <a:r>
+              <a:rPr lang="en" dirty="0"/>
+              <a:t>Overview</a:t>
+            </a:r>
+            <a:endParaRPr dirty="0"/>
+          </a:p>
+        </p:txBody>
+      </p:sp>
+      <p:sp>
+        <p:nvSpPr>
+          <p:cNvPr id="79" name="Google Shape;79;p14"/>
+          <p:cNvSpPr txBox="1">
+            <a:spLocks noGrp="1"/>
+          </p:cNvSpPr>
+          <p:nvPr>
+            <p:ph type="body" idx="2"/>
+          </p:nvPr>
+        </p:nvSpPr>
+        <p:spPr>
+          <a:xfrm>
+            <a:off x="4939500" y="394854"/>
+            <a:ext cx="3837000" cy="3719945"/>
+          </a:xfrm>
+          <a:prstGeom prst="rect">
+            <a:avLst/>
+          </a:prstGeom>
+        </p:spPr>
+        <p:txBody>
+          <a:bodyPr spcFirstLastPara="1" wrap="square" lIns="91425" tIns="91425" rIns="91425" bIns="91425" anchor="ctr" anchorCtr="0">
+            <a:noAutofit/>
+          </a:bodyPr>
+          <a:lstStyle/>
+          <a:p>
+            <a:pPr marL="0" indent="0">
+              <a:spcBef>
+                <a:spcPts val="1600"/>
+              </a:spcBef>
+              <a:buNone/>
+            </a:pPr>
+            <a:r>
+              <a:rPr lang="en-US" sz="1400" b="1" dirty="0"/>
+              <a:t>Intro to Machine Learning</a:t>
+            </a:r>
+          </a:p>
+          <a:p>
+            <a:pPr marL="0" indent="0">
+              <a:buNone/>
+            </a:pPr>
+            <a:r>
+              <a:rPr lang="en-US" sz="1400" b="1" dirty="0"/>
+              <a:t>Machine Learning in the Cloud</a:t>
+            </a:r>
+          </a:p>
+          <a:p>
+            <a:pPr marL="0" indent="0">
+              <a:buNone/>
+            </a:pPr>
+            <a:r>
+              <a:rPr lang="en-US" sz="1400" b="1" dirty="0"/>
+              <a:t>Cognitive Services</a:t>
+            </a:r>
+          </a:p>
+          <a:p>
+            <a:pPr marL="0" indent="0">
+              <a:buNone/>
+            </a:pPr>
+            <a:r>
+              <a:rPr lang="en-US" sz="1400" b="1" dirty="0" err="1"/>
+              <a:t>AutoML</a:t>
+            </a:r>
+            <a:endParaRPr lang="en-US" sz="1400" b="1" dirty="0"/>
+          </a:p>
+          <a:p>
+            <a:pPr marL="0" indent="0">
+              <a:spcBef>
+                <a:spcPts val="1600"/>
+              </a:spcBef>
+              <a:buNone/>
+            </a:pPr>
+            <a:r>
+              <a:rPr lang="en-US" sz="1400" b="1" dirty="0"/>
+              <a:t>Basics of Algorithms</a:t>
+            </a:r>
+          </a:p>
+          <a:p>
+            <a:pPr marL="285750" indent="-285750"/>
+            <a:r>
+              <a:rPr lang="en-US" sz="1400" b="1" dirty="0"/>
+              <a:t>Regression</a:t>
+            </a:r>
+          </a:p>
+          <a:p>
+            <a:pPr marL="285750" indent="-285750"/>
+            <a:r>
+              <a:rPr lang="en-US" sz="1400" b="1" dirty="0"/>
+              <a:t>Classification</a:t>
+            </a:r>
+          </a:p>
+          <a:p>
+            <a:pPr marL="285750" indent="-285750"/>
+            <a:r>
+              <a:rPr lang="en-US" sz="1400" b="1" dirty="0"/>
+              <a:t>Clustering</a:t>
+            </a:r>
+          </a:p>
+          <a:p>
+            <a:pPr marL="0" indent="0">
+              <a:spcBef>
+                <a:spcPts val="1600"/>
+              </a:spcBef>
+              <a:buNone/>
+            </a:pPr>
+            <a:r>
+              <a:rPr lang="en-US" sz="1400" b="1" dirty="0"/>
+              <a:t>Scaling Up with Parallelization</a:t>
+            </a:r>
+          </a:p>
+          <a:p>
+            <a:pPr marL="285750" indent="-285750"/>
+            <a:r>
+              <a:rPr lang="en-US" sz="1400" b="1" dirty="0"/>
+              <a:t>Training</a:t>
+            </a:r>
+          </a:p>
+          <a:p>
+            <a:pPr marL="285750" indent="-285750"/>
+            <a:r>
+              <a:rPr lang="en-US" sz="1400" b="1" dirty="0"/>
+              <a:t>Cross-Validation</a:t>
+            </a:r>
+          </a:p>
+          <a:p>
+            <a:pPr marL="285750" indent="-285750"/>
+            <a:r>
+              <a:rPr lang="en-US" sz="1400" b="1" dirty="0"/>
+              <a:t>Parameter Tuning</a:t>
+            </a:r>
+          </a:p>
+          <a:p>
+            <a:pPr marL="285750" indent="-285750"/>
+            <a:endParaRPr lang="en-US" sz="1400" b="1" dirty="0"/>
+          </a:p>
+        </p:txBody>
+      </p:sp>
+    </p:spTree>
+  </p:cSld>
+  <p:clrMapOvr>
+    <a:masterClrMapping/>
+  </p:clrMapOvr>
+</p:sld>
+</file>
+
+<file path=ppt/slides/slide20.xml><?xml version="1.0" encoding="utf-8"?>
 <p:sld xmlns:a="http://schemas.openxmlformats.org/drawingml/2006/main" xmlns:r="http://schemas.openxmlformats.org/officeDocument/2006/relationships" xmlns:p="http://schemas.openxmlformats.org/presentationml/2006/main">
   <p:cSld>
     <p:spTree>
@@ -21940,7 +22972,7 @@
             <a:fld id="{F6E1DC87-3DF8-4536-96F3-3C9B9F8DA82B}" type="slidenum">
               <a:rPr lang="tr-TR"/>
               <a:pPr/>
-              <a:t>19</a:t>
+              <a:t>20</a:t>
             </a:fld>
             <a:endParaRPr lang="tr-TR"/>
           </a:p>
@@ -21964,7 +22996,7 @@
           <a:graphicData uri="http://schemas.openxmlformats.org/presentationml/2006/ole">
             <mc:AlternateContent xmlns:mc="http://schemas.openxmlformats.org/markup-compatibility/2006">
               <mc:Choice xmlns:v="urn:schemas-microsoft-com:vml" Requires="v">
-                <p:oleObj spid="_x0000_s1126" name="Equation" r:id="rId3" imgW="1333440" imgH="457200" progId="Equation.3">
+                <p:oleObj spid="_x0000_s1136" name="Equation" r:id="rId3" imgW="1333440" imgH="457200" progId="Equation.3">
                   <p:embed/>
                 </p:oleObj>
               </mc:Choice>
@@ -22360,7 +23392,7 @@
           <a:graphicData uri="http://schemas.openxmlformats.org/presentationml/2006/ole">
             <mc:AlternateContent xmlns:mc="http://schemas.openxmlformats.org/markup-compatibility/2006">
               <mc:Choice xmlns:v="urn:schemas-microsoft-com:vml" Requires="v">
-                <p:oleObj spid="_x0000_s1127" name="Equation" r:id="rId5" imgW="1180800" imgH="431640" progId="Equation.3">
+                <p:oleObj spid="_x0000_s1137" name="Equation" r:id="rId5" imgW="1180800" imgH="431640" progId="Equation.3">
                   <p:embed/>
                 </p:oleObj>
               </mc:Choice>
@@ -22455,210 +23487,7 @@
 </p:sld>
 </file>
 
-<file path=ppt/slides/slide2.xml><?xml version="1.0" encoding="utf-8"?>
-<p:sld xmlns:a="http://schemas.openxmlformats.org/drawingml/2006/main" xmlns:r="http://schemas.openxmlformats.org/officeDocument/2006/relationships" xmlns:p="http://schemas.openxmlformats.org/presentationml/2006/main">
-  <p:cSld>
-    <p:spTree>
-      <p:nvGrpSpPr>
-        <p:cNvPr id="1" name="Shape 77"/>
-        <p:cNvGrpSpPr/>
-        <p:nvPr/>
-      </p:nvGrpSpPr>
-      <p:grpSpPr>
-        <a:xfrm>
-          <a:off x="0" y="0"/>
-          <a:ext cx="0" cy="0"/>
-          <a:chOff x="0" y="0"/>
-          <a:chExt cx="0" cy="0"/>
-        </a:xfrm>
-      </p:grpSpPr>
-      <p:sp>
-        <p:nvSpPr>
-          <p:cNvPr id="78" name="Google Shape;78;p14"/>
-          <p:cNvSpPr txBox="1">
-            <a:spLocks noGrp="1"/>
-          </p:cNvSpPr>
-          <p:nvPr>
-            <p:ph type="title"/>
-          </p:nvPr>
-        </p:nvSpPr>
-        <p:spPr>
-          <a:xfrm>
-            <a:off x="265500" y="1912650"/>
-            <a:ext cx="4045200" cy="1318200"/>
-          </a:xfrm>
-          <a:prstGeom prst="rect">
-            <a:avLst/>
-          </a:prstGeom>
-        </p:spPr>
-        <p:txBody>
-          <a:bodyPr spcFirstLastPara="1" wrap="square" lIns="91425" tIns="91425" rIns="91425" bIns="91425" anchor="ctr" anchorCtr="0">
-            <a:noAutofit/>
-          </a:bodyPr>
-          <a:lstStyle/>
-          <a:p>
-            <a:pPr marL="0" lvl="0" indent="0" algn="ctr" rtl="0">
-              <a:spcBef>
-                <a:spcPts val="0"/>
-              </a:spcBef>
-              <a:spcAft>
-                <a:spcPts val="0"/>
-              </a:spcAft>
-              <a:buNone/>
-            </a:pPr>
-            <a:r>
-              <a:rPr lang="en" dirty="0"/>
-              <a:t>Overview</a:t>
-            </a:r>
-            <a:endParaRPr dirty="0"/>
-          </a:p>
-        </p:txBody>
-      </p:sp>
-      <p:sp>
-        <p:nvSpPr>
-          <p:cNvPr id="79" name="Google Shape;79;p14"/>
-          <p:cNvSpPr txBox="1">
-            <a:spLocks noGrp="1"/>
-          </p:cNvSpPr>
-          <p:nvPr>
-            <p:ph type="body" idx="2"/>
-          </p:nvPr>
-        </p:nvSpPr>
-        <p:spPr>
-          <a:xfrm>
-            <a:off x="4939500" y="394854"/>
-            <a:ext cx="3837000" cy="3719945"/>
-          </a:xfrm>
-          <a:prstGeom prst="rect">
-            <a:avLst/>
-          </a:prstGeom>
-        </p:spPr>
-        <p:txBody>
-          <a:bodyPr spcFirstLastPara="1" wrap="square" lIns="91425" tIns="91425" rIns="91425" bIns="91425" anchor="ctr" anchorCtr="0">
-            <a:noAutofit/>
-          </a:bodyPr>
-          <a:lstStyle/>
-          <a:p>
-            <a:pPr marL="0" indent="0">
-              <a:spcBef>
-                <a:spcPts val="1600"/>
-              </a:spcBef>
-              <a:buNone/>
-            </a:pPr>
-            <a:r>
-              <a:rPr lang="en-US" sz="1400" b="1" dirty="0"/>
-              <a:t>Intro to Machine Learning</a:t>
-            </a:r>
-          </a:p>
-          <a:p>
-            <a:pPr marL="0" indent="0">
-              <a:buNone/>
-            </a:pPr>
-            <a:r>
-              <a:rPr lang="en-US" sz="1400" b="1" dirty="0"/>
-              <a:t>Machine Learning in the Cloud</a:t>
-            </a:r>
-          </a:p>
-          <a:p>
-            <a:pPr marL="0" indent="0">
-              <a:buNone/>
-            </a:pPr>
-            <a:r>
-              <a:rPr lang="en-US" sz="1400" b="1" dirty="0"/>
-              <a:t>Cognitive Services</a:t>
-            </a:r>
-          </a:p>
-          <a:p>
-            <a:pPr marL="0" indent="0">
-              <a:buNone/>
-            </a:pPr>
-            <a:r>
-              <a:rPr lang="en-US" sz="1400" b="1" dirty="0" err="1"/>
-              <a:t>AutoML</a:t>
-            </a:r>
-            <a:endParaRPr lang="en-US" sz="1400" b="1" dirty="0"/>
-          </a:p>
-          <a:p>
-            <a:pPr marL="0" indent="0">
-              <a:spcBef>
-                <a:spcPts val="1600"/>
-              </a:spcBef>
-              <a:buNone/>
-            </a:pPr>
-            <a:r>
-              <a:rPr lang="en-US" sz="1400" b="1" dirty="0"/>
-              <a:t>Basics of Algorithms</a:t>
-            </a:r>
-          </a:p>
-          <a:p>
-            <a:pPr marL="285750" indent="-285750"/>
-            <a:r>
-              <a:rPr lang="en-US" sz="1400" b="1" dirty="0"/>
-              <a:t>Regression</a:t>
-            </a:r>
-          </a:p>
-          <a:p>
-            <a:pPr marL="285750" indent="-285750"/>
-            <a:r>
-              <a:rPr lang="en-US" sz="1400" b="1" dirty="0"/>
-              <a:t>Classification</a:t>
-            </a:r>
-          </a:p>
-          <a:p>
-            <a:pPr marL="285750" indent="-285750"/>
-            <a:r>
-              <a:rPr lang="en-US" sz="1400" b="1" dirty="0"/>
-              <a:t>Clustering</a:t>
-            </a:r>
-          </a:p>
-          <a:p>
-            <a:pPr marL="0" indent="0">
-              <a:spcBef>
-                <a:spcPts val="1600"/>
-              </a:spcBef>
-              <a:buNone/>
-            </a:pPr>
-            <a:r>
-              <a:rPr lang="en-US" sz="1400" b="1" dirty="0"/>
-              <a:t>Scaling Up with Parallelization</a:t>
-            </a:r>
-          </a:p>
-          <a:p>
-            <a:pPr marL="285750" indent="-285750"/>
-            <a:r>
-              <a:rPr lang="en-US" sz="1400" b="1" dirty="0"/>
-              <a:t>Training</a:t>
-            </a:r>
-          </a:p>
-          <a:p>
-            <a:pPr marL="285750" indent="-285750"/>
-            <a:r>
-              <a:rPr lang="en-US" sz="1400" b="1" dirty="0"/>
-              <a:t>Cross-Validation</a:t>
-            </a:r>
-          </a:p>
-          <a:p>
-            <a:pPr marL="285750" indent="-285750"/>
-            <a:r>
-              <a:rPr lang="en-US" sz="1400" b="1" dirty="0"/>
-              <a:t>Parameter Tuning</a:t>
-            </a:r>
-          </a:p>
-          <a:p>
-            <a:pPr marL="285750" indent="-285750"/>
-            <a:endParaRPr lang="en-US" sz="1400" b="1" dirty="0"/>
-          </a:p>
-        </p:txBody>
-      </p:sp>
-    </p:spTree>
-  </p:cSld>
-  <p:clrMapOvr>
-    <a:masterClrMapping/>
-  </p:clrMapOvr>
-</p:sld>
-</file>
-
-<file path=ppt/slides/slide20.xml><?xml version="1.0" encoding="utf-8"?>
+<file path=ppt/slides/slide21.xml><?xml version="1.0" encoding="utf-8"?>
 <p:sld xmlns:a="http://schemas.openxmlformats.org/drawingml/2006/main" xmlns:r="http://schemas.openxmlformats.org/officeDocument/2006/relationships" xmlns:p="http://schemas.openxmlformats.org/presentationml/2006/main">
   <p:cSld>
     <p:spTree>
@@ -22921,7 +23750,7 @@
             <a:fld id="{55EF7AAF-5E6B-4622-8B02-2B6C4703C2FB}" type="slidenum">
               <a:rPr lang="tr-TR"/>
               <a:pPr/>
-              <a:t>20</a:t>
+              <a:t>21</a:t>
             </a:fld>
             <a:endParaRPr lang="tr-TR" dirty="0"/>
           </a:p>
@@ -22945,7 +23774,7 @@
           <a:graphicData uri="http://schemas.openxmlformats.org/presentationml/2006/ole">
             <mc:AlternateContent xmlns:mc="http://schemas.openxmlformats.org/markup-compatibility/2006">
               <mc:Choice xmlns:v="urn:schemas-microsoft-com:vml" Requires="v">
-                <p:oleObj spid="_x0000_s2150" name="Equation" r:id="rId3" imgW="1498320" imgH="482400" progId="Equation.3">
+                <p:oleObj spid="_x0000_s2160" name="Equation" r:id="rId3" imgW="1498320" imgH="482400" progId="Equation.3">
                   <p:embed/>
                 </p:oleObj>
               </mc:Choice>
@@ -23017,7 +23846,7 @@
           <a:graphicData uri="http://schemas.openxmlformats.org/presentationml/2006/ole">
             <mc:AlternateContent xmlns:mc="http://schemas.openxmlformats.org/markup-compatibility/2006">
               <mc:Choice xmlns:v="urn:schemas-microsoft-com:vml" Requires="v">
-                <p:oleObj spid="_x0000_s2151" name="Equation" r:id="rId5" imgW="1663560" imgH="444240" progId="Equation.3">
+                <p:oleObj spid="_x0000_s2161" name="Equation" r:id="rId5" imgW="1663560" imgH="444240" progId="Equation.3">
                   <p:embed/>
                 </p:oleObj>
               </mc:Choice>
@@ -23079,7 +23908,7 @@
 </p:sld>
 </file>
 
-<file path=ppt/slides/slide21.xml><?xml version="1.0" encoding="utf-8"?>
+<file path=ppt/slides/slide22.xml><?xml version="1.0" encoding="utf-8"?>
 <p:sld xmlns:a="http://schemas.openxmlformats.org/drawingml/2006/main" xmlns:r="http://schemas.openxmlformats.org/officeDocument/2006/relationships" xmlns:p="http://schemas.openxmlformats.org/presentationml/2006/main">
   <p:cSld>
     <p:spTree>
@@ -23138,7 +23967,7 @@
             <a:fld id="{B5F69795-7180-4348-84C5-5ED87E19885F}" type="slidenum">
               <a:rPr lang="tr-TR"/>
               <a:pPr/>
-              <a:t>21</a:t>
+              <a:t>22</a:t>
             </a:fld>
             <a:endParaRPr lang="tr-TR"/>
           </a:p>
@@ -23214,7 +24043,7 @@
 </p:sld>
 </file>
 
-<file path=ppt/slides/slide22.xml><?xml version="1.0" encoding="utf-8"?>
+<file path=ppt/slides/slide23.xml><?xml version="1.0" encoding="utf-8"?>
 <p:sld xmlns:a="http://schemas.openxmlformats.org/drawingml/2006/main" xmlns:r="http://schemas.openxmlformats.org/officeDocument/2006/relationships" xmlns:p="http://schemas.openxmlformats.org/presentationml/2006/main">
   <p:cSld>
     <p:spTree>
@@ -23294,7 +24123,7 @@
 </p:sld>
 </file>
 
-<file path=ppt/slides/slide23.xml><?xml version="1.0" encoding="utf-8"?>
+<file path=ppt/slides/slide24.xml><?xml version="1.0" encoding="utf-8"?>
 <p:sld xmlns:a="http://schemas.openxmlformats.org/drawingml/2006/main" xmlns:r="http://schemas.openxmlformats.org/officeDocument/2006/relationships" xmlns:p="http://schemas.openxmlformats.org/presentationml/2006/main">
   <p:cSld>
     <p:spTree>
@@ -23988,7 +24817,7 @@
 </p:sld>
 </file>
 
-<file path=ppt/slides/slide24.xml><?xml version="1.0" encoding="utf-8"?>
+<file path=ppt/slides/slide25.xml><?xml version="1.0" encoding="utf-8"?>
 <p:sld xmlns:a="http://schemas.openxmlformats.org/drawingml/2006/main" xmlns:r="http://schemas.openxmlformats.org/officeDocument/2006/relationships" xmlns:p="http://schemas.openxmlformats.org/presentationml/2006/main">
   <p:cSld>
     <p:spTree>
@@ -24261,7 +25090,7 @@
 </p:sld>
 </file>
 
-<file path=ppt/slides/slide25.xml><?xml version="1.0" encoding="utf-8"?>
+<file path=ppt/slides/slide26.xml><?xml version="1.0" encoding="utf-8"?>
 <p:sld xmlns:a="http://schemas.openxmlformats.org/drawingml/2006/main" xmlns:r="http://schemas.openxmlformats.org/officeDocument/2006/relationships" xmlns:p="http://schemas.openxmlformats.org/presentationml/2006/main">
   <p:cSld>
     <p:spTree>
@@ -26088,7 +26917,7 @@
 </p:sld>
 </file>
 
-<file path=ppt/slides/slide26.xml><?xml version="1.0" encoding="utf-8"?>
+<file path=ppt/slides/slide27.xml><?xml version="1.0" encoding="utf-8"?>
 <p:sld xmlns:a="http://schemas.openxmlformats.org/drawingml/2006/main" xmlns:r="http://schemas.openxmlformats.org/officeDocument/2006/relationships" xmlns:p="http://schemas.openxmlformats.org/presentationml/2006/main">
   <p:cSld>
     <p:spTree>
@@ -26346,7 +27175,7 @@
 </p:sld>
 </file>
 
-<file path=ppt/slides/slide27.xml><?xml version="1.0" encoding="utf-8"?>
+<file path=ppt/slides/slide28.xml><?xml version="1.0" encoding="utf-8"?>
 <p:sld xmlns:a="http://schemas.openxmlformats.org/drawingml/2006/main" xmlns:r="http://schemas.openxmlformats.org/officeDocument/2006/relationships" xmlns:p="http://schemas.openxmlformats.org/presentationml/2006/main">
   <p:cSld>
     <p:spTree>
@@ -29585,7 +30414,7 @@
 </p:sld>
 </file>
 
-<file path=ppt/slides/slide28.xml><?xml version="1.0" encoding="utf-8"?>
+<file path=ppt/slides/slide29.xml><?xml version="1.0" encoding="utf-8"?>
 <p:sld xmlns:a="http://schemas.openxmlformats.org/drawingml/2006/main" xmlns:r="http://schemas.openxmlformats.org/officeDocument/2006/relationships" xmlns:p="http://schemas.openxmlformats.org/presentationml/2006/main">
   <p:cSld>
     <p:spTree>
@@ -30855,423 +31684,6 @@
 </p:sld>
 </file>
 
-<file path=ppt/slides/slide29.xml><?xml version="1.0" encoding="utf-8"?>
-<p:sld xmlns:a="http://schemas.openxmlformats.org/drawingml/2006/main" xmlns:r="http://schemas.openxmlformats.org/officeDocument/2006/relationships" xmlns:p="http://schemas.openxmlformats.org/presentationml/2006/main">
-  <p:cSld>
-    <p:spTree>
-      <p:nvGrpSpPr>
-        <p:cNvPr id="1" name=""/>
-        <p:cNvGrpSpPr/>
-        <p:nvPr/>
-      </p:nvGrpSpPr>
-      <p:grpSpPr>
-        <a:xfrm>
-          <a:off x="0" y="0"/>
-          <a:ext cx="0" cy="0"/>
-          <a:chOff x="0" y="0"/>
-          <a:chExt cx="0" cy="0"/>
-        </a:xfrm>
-      </p:grpSpPr>
-      <p:sp>
-        <p:nvSpPr>
-          <p:cNvPr id="2" name="Title 1">
-            <a:extLst>
-              <a:ext uri="{FF2B5EF4-FFF2-40B4-BE49-F238E27FC236}">
-                <a16:creationId xmlns:a16="http://schemas.microsoft.com/office/drawing/2014/main" id="{3472FF27-B3AA-4859-999A-64197AF6C484}"/>
-              </a:ext>
-            </a:extLst>
-          </p:cNvPr>
-          <p:cNvSpPr>
-            <a:spLocks noGrp="1"/>
-          </p:cNvSpPr>
-          <p:nvPr>
-            <p:ph type="title"/>
-          </p:nvPr>
-        </p:nvSpPr>
-        <p:spPr/>
-        <p:txBody>
-          <a:bodyPr/>
-          <a:lstStyle/>
-          <a:p>
-            <a:r>
-              <a:rPr lang="en-US" dirty="0"/>
-              <a:t>Common Parameters to Sweep</a:t>
-            </a:r>
-          </a:p>
-        </p:txBody>
-      </p:sp>
-      <p:sp>
-        <p:nvSpPr>
-          <p:cNvPr id="3" name="Text Placeholder 2">
-            <a:extLst>
-              <a:ext uri="{FF2B5EF4-FFF2-40B4-BE49-F238E27FC236}">
-                <a16:creationId xmlns:a16="http://schemas.microsoft.com/office/drawing/2014/main" id="{AE4AD450-AFF1-44AC-9756-F18ED7C12BBD}"/>
-              </a:ext>
-            </a:extLst>
-          </p:cNvPr>
-          <p:cNvSpPr>
-            <a:spLocks noGrp="1"/>
-          </p:cNvSpPr>
-          <p:nvPr>
-            <p:ph type="body" idx="1"/>
-          </p:nvPr>
-        </p:nvSpPr>
-        <p:spPr/>
-        <p:txBody>
-          <a:bodyPr/>
-          <a:lstStyle/>
-          <a:p>
-            <a:r>
-              <a:rPr lang="en-US" dirty="0"/>
-              <a:t>Trees:</a:t>
-            </a:r>
-          </a:p>
-          <a:p>
-            <a:pPr lvl="1">
-              <a:lnSpc>
-                <a:spcPct val="100000"/>
-              </a:lnSpc>
-              <a:spcBef>
-                <a:spcPts val="0"/>
-              </a:spcBef>
-            </a:pPr>
-            <a:r>
-              <a:rPr lang="en-US" dirty="0"/>
-              <a:t>Max Depth</a:t>
-            </a:r>
-          </a:p>
-          <a:p>
-            <a:pPr lvl="1">
-              <a:lnSpc>
-                <a:spcPct val="100000"/>
-              </a:lnSpc>
-              <a:spcBef>
-                <a:spcPts val="0"/>
-              </a:spcBef>
-            </a:pPr>
-            <a:r>
-              <a:rPr lang="en-US" dirty="0"/>
-              <a:t>Max Bins</a:t>
-            </a:r>
-          </a:p>
-          <a:p>
-            <a:pPr lvl="1">
-              <a:lnSpc>
-                <a:spcPct val="100000"/>
-              </a:lnSpc>
-              <a:spcBef>
-                <a:spcPts val="0"/>
-              </a:spcBef>
-            </a:pPr>
-            <a:r>
-              <a:rPr lang="en-US" dirty="0"/>
-              <a:t>Number of Trees (in a Random Forest)</a:t>
-            </a:r>
-          </a:p>
-          <a:p>
-            <a:pPr lvl="1">
-              <a:lnSpc>
-                <a:spcPct val="100000"/>
-              </a:lnSpc>
-              <a:spcBef>
-                <a:spcPts val="0"/>
-              </a:spcBef>
-            </a:pPr>
-            <a:r>
-              <a:rPr lang="en-US" dirty="0"/>
-              <a:t>Max Splits</a:t>
-            </a:r>
-          </a:p>
-          <a:p>
-            <a:pPr lvl="1">
-              <a:lnSpc>
-                <a:spcPct val="100000"/>
-              </a:lnSpc>
-              <a:spcBef>
-                <a:spcPts val="0"/>
-              </a:spcBef>
-            </a:pPr>
-            <a:r>
-              <a:rPr lang="en-US" dirty="0"/>
-              <a:t>Max Features</a:t>
-            </a:r>
-          </a:p>
-          <a:p>
-            <a:pPr lvl="1">
-              <a:lnSpc>
-                <a:spcPct val="100000"/>
-              </a:lnSpc>
-              <a:spcBef>
-                <a:spcPts val="0"/>
-              </a:spcBef>
-            </a:pPr>
-            <a:r>
-              <a:rPr lang="en-US" dirty="0"/>
-              <a:t>Min Samples per Leaf</a:t>
-            </a:r>
-          </a:p>
-          <a:p>
-            <a:pPr lvl="1">
-              <a:lnSpc>
-                <a:spcPct val="100000"/>
-              </a:lnSpc>
-              <a:spcBef>
-                <a:spcPts val="0"/>
-              </a:spcBef>
-            </a:pPr>
-            <a:r>
-              <a:rPr lang="en-US" dirty="0"/>
-              <a:t>Max Leaf Nodes</a:t>
-            </a:r>
-          </a:p>
-          <a:p>
-            <a:pPr lvl="1">
-              <a:lnSpc>
-                <a:spcPct val="100000"/>
-              </a:lnSpc>
-              <a:spcBef>
-                <a:spcPts val="0"/>
-              </a:spcBef>
-            </a:pPr>
-            <a:r>
-              <a:rPr lang="en-US" dirty="0"/>
-              <a:t>Min Impurity Decrease</a:t>
-            </a:r>
-          </a:p>
-          <a:p>
-            <a:pPr lvl="1">
-              <a:lnSpc>
-                <a:spcPct val="100000"/>
-              </a:lnSpc>
-              <a:spcBef>
-                <a:spcPts val="0"/>
-              </a:spcBef>
-            </a:pPr>
-            <a:r>
-              <a:rPr lang="en-US" dirty="0"/>
-              <a:t>Min Impurity to Split</a:t>
-            </a:r>
-          </a:p>
-          <a:p>
-            <a:pPr lvl="1">
-              <a:lnSpc>
-                <a:spcPct val="100000"/>
-              </a:lnSpc>
-              <a:spcBef>
-                <a:spcPts val="0"/>
-              </a:spcBef>
-            </a:pPr>
-            <a:r>
-              <a:rPr lang="en-US" dirty="0"/>
-              <a:t>… and more</a:t>
-            </a:r>
-          </a:p>
-        </p:txBody>
-      </p:sp>
-      <p:sp>
-        <p:nvSpPr>
-          <p:cNvPr id="4" name="Text Placeholder 3">
-            <a:extLst>
-              <a:ext uri="{FF2B5EF4-FFF2-40B4-BE49-F238E27FC236}">
-                <a16:creationId xmlns:a16="http://schemas.microsoft.com/office/drawing/2014/main" id="{3A625093-B6F9-4EA9-8615-EEA75CF682AB}"/>
-              </a:ext>
-            </a:extLst>
-          </p:cNvPr>
-          <p:cNvSpPr>
-            <a:spLocks noGrp="1"/>
-          </p:cNvSpPr>
-          <p:nvPr>
-            <p:ph type="body" idx="2"/>
-          </p:nvPr>
-        </p:nvSpPr>
-        <p:spPr>
-          <a:xfrm>
-            <a:off x="5650572" y="1602675"/>
-            <a:ext cx="3398178" cy="3002400"/>
-          </a:xfrm>
-        </p:spPr>
-        <p:txBody>
-          <a:bodyPr/>
-          <a:lstStyle/>
-          <a:p>
-            <a:r>
-              <a:rPr lang="en-US" dirty="0"/>
-              <a:t>Regression and Other Algorithms:</a:t>
-            </a:r>
-          </a:p>
-          <a:p>
-            <a:pPr lvl="1">
-              <a:lnSpc>
-                <a:spcPct val="100000"/>
-              </a:lnSpc>
-              <a:spcBef>
-                <a:spcPts val="0"/>
-              </a:spcBef>
-            </a:pPr>
-            <a:r>
-              <a:rPr lang="en-US" dirty="0"/>
-              <a:t>Regularization</a:t>
-            </a:r>
-          </a:p>
-          <a:p>
-            <a:pPr lvl="1">
-              <a:lnSpc>
-                <a:spcPct val="100000"/>
-              </a:lnSpc>
-              <a:spcBef>
-                <a:spcPts val="0"/>
-              </a:spcBef>
-            </a:pPr>
-            <a:r>
-              <a:rPr lang="en-US" dirty="0"/>
-              <a:t>Elastic Net</a:t>
-            </a:r>
-          </a:p>
-          <a:p>
-            <a:pPr lvl="1">
-              <a:lnSpc>
-                <a:spcPct val="100000"/>
-              </a:lnSpc>
-              <a:spcBef>
-                <a:spcPts val="0"/>
-              </a:spcBef>
-            </a:pPr>
-            <a:r>
-              <a:rPr lang="en-US" dirty="0"/>
-              <a:t>Maximum Iterations</a:t>
-            </a:r>
-          </a:p>
-          <a:p>
-            <a:pPr lvl="1">
-              <a:lnSpc>
-                <a:spcPct val="100000"/>
-              </a:lnSpc>
-              <a:spcBef>
-                <a:spcPts val="0"/>
-              </a:spcBef>
-            </a:pPr>
-            <a:r>
-              <a:rPr lang="en-US" dirty="0"/>
-              <a:t>Smoothing (in Naïve Bayes)</a:t>
-            </a:r>
-          </a:p>
-          <a:p>
-            <a:pPr lvl="1">
-              <a:lnSpc>
-                <a:spcPct val="100000"/>
-              </a:lnSpc>
-              <a:spcBef>
-                <a:spcPts val="0"/>
-              </a:spcBef>
-            </a:pPr>
-            <a:r>
-              <a:rPr lang="en-US" dirty="0"/>
-              <a:t>… and more</a:t>
-            </a:r>
-          </a:p>
-        </p:txBody>
-      </p:sp>
-      <p:sp>
-        <p:nvSpPr>
-          <p:cNvPr id="5" name="Rectangle 4">
-            <a:extLst>
-              <a:ext uri="{FF2B5EF4-FFF2-40B4-BE49-F238E27FC236}">
-                <a16:creationId xmlns:a16="http://schemas.microsoft.com/office/drawing/2014/main" id="{3EBACC46-04CD-47C5-80D3-E64918757097}"/>
-              </a:ext>
-            </a:extLst>
-          </p:cNvPr>
-          <p:cNvSpPr/>
-          <p:nvPr/>
-        </p:nvSpPr>
-        <p:spPr>
-          <a:xfrm>
-            <a:off x="199444" y="1602675"/>
-            <a:ext cx="1857956" cy="3277820"/>
-          </a:xfrm>
-          <a:prstGeom prst="rect">
-            <a:avLst/>
-          </a:prstGeom>
-        </p:spPr>
-        <p:txBody>
-          <a:bodyPr wrap="square">
-            <a:spAutoFit/>
-          </a:bodyPr>
-          <a:lstStyle/>
-          <a:p>
-            <a:r>
-              <a:rPr lang="en-US" sz="900" dirty="0">
-                <a:hlinkClick r:id="rId2"/>
-              </a:rPr>
-              <a:t>https://scikit-learn.org/stable/modules/generated/sklearn.tree.DecisionTreeClassifier.html</a:t>
-            </a:r>
-            <a:endParaRPr lang="en-US" sz="900" dirty="0"/>
-          </a:p>
-          <a:p>
-            <a:endParaRPr lang="en-US" sz="900" dirty="0"/>
-          </a:p>
-          <a:p>
-            <a:r>
-              <a:rPr lang="en-US" sz="900" dirty="0">
-                <a:hlinkClick r:id="rId3"/>
-              </a:rPr>
-              <a:t>https://spark.apache.org/docs/2.2.0/mllib-decision-tree.html</a:t>
-            </a:r>
-            <a:endParaRPr lang="en-US" sz="900" dirty="0"/>
-          </a:p>
-          <a:p>
-            <a:endParaRPr lang="en-US" sz="900" dirty="0"/>
-          </a:p>
-          <a:p>
-            <a:r>
-              <a:rPr lang="en-US" sz="900" dirty="0">
-                <a:hlinkClick r:id="rId4"/>
-              </a:rPr>
-              <a:t>https://scikit-learn.org/stable/modules/generated/sklearn.linear_model.LinearRegression.html#sklearn.linear_model.LinearRegression</a:t>
-            </a:r>
-            <a:endParaRPr lang="en-US" sz="900" dirty="0"/>
-          </a:p>
-          <a:p>
-            <a:endParaRPr lang="en-US" sz="900" dirty="0"/>
-          </a:p>
-          <a:p>
-            <a:r>
-              <a:rPr lang="en-US" sz="900" dirty="0">
-                <a:hlinkClick r:id="rId5"/>
-              </a:rPr>
-              <a:t>https://spark.apache.org/docs/2.2.0/ml-classification-regression.html#regression</a:t>
-            </a:r>
-            <a:endParaRPr lang="en-US" sz="900" dirty="0"/>
-          </a:p>
-          <a:p>
-            <a:endParaRPr lang="en-US" sz="900" dirty="0"/>
-          </a:p>
-          <a:p>
-            <a:r>
-              <a:rPr lang="en-US" sz="900" dirty="0">
-                <a:hlinkClick r:id="rId6"/>
-              </a:rPr>
-              <a:t>https://spark.apache.org/docs/2.2.0/mllib-naive-bayes.html#naive-bayes-sparkmllib</a:t>
-            </a:r>
-            <a:endParaRPr lang="en-US" sz="900" dirty="0"/>
-          </a:p>
-          <a:p>
-            <a:endParaRPr lang="en-US" sz="900" dirty="0"/>
-          </a:p>
-        </p:txBody>
-      </p:sp>
-    </p:spTree>
-    <p:extLst>
-      <p:ext uri="{BB962C8B-B14F-4D97-AF65-F5344CB8AC3E}">
-        <p14:creationId xmlns:p14="http://schemas.microsoft.com/office/powerpoint/2010/main" val="2534537153"/>
-      </p:ext>
-    </p:extLst>
-  </p:cSld>
-  <p:clrMapOvr>
-    <a:masterClrMapping/>
-  </p:clrMapOvr>
-</p:sld>
-</file>
-
 <file path=ppt/slides/slide3.xml><?xml version="1.0" encoding="utf-8"?>
 <p:sld xmlns:a="http://schemas.openxmlformats.org/drawingml/2006/main" xmlns:r="http://schemas.openxmlformats.org/officeDocument/2006/relationships" xmlns:p="http://schemas.openxmlformats.org/presentationml/2006/main">
   <p:cSld>
@@ -31736,6 +32148,423 @@
 </file>
 
 <file path=ppt/slides/slide30.xml><?xml version="1.0" encoding="utf-8"?>
+<p:sld xmlns:a="http://schemas.openxmlformats.org/drawingml/2006/main" xmlns:r="http://schemas.openxmlformats.org/officeDocument/2006/relationships" xmlns:p="http://schemas.openxmlformats.org/presentationml/2006/main">
+  <p:cSld>
+    <p:spTree>
+      <p:nvGrpSpPr>
+        <p:cNvPr id="1" name=""/>
+        <p:cNvGrpSpPr/>
+        <p:nvPr/>
+      </p:nvGrpSpPr>
+      <p:grpSpPr>
+        <a:xfrm>
+          <a:off x="0" y="0"/>
+          <a:ext cx="0" cy="0"/>
+          <a:chOff x="0" y="0"/>
+          <a:chExt cx="0" cy="0"/>
+        </a:xfrm>
+      </p:grpSpPr>
+      <p:sp>
+        <p:nvSpPr>
+          <p:cNvPr id="2" name="Title 1">
+            <a:extLst>
+              <a:ext uri="{FF2B5EF4-FFF2-40B4-BE49-F238E27FC236}">
+                <a16:creationId xmlns:a16="http://schemas.microsoft.com/office/drawing/2014/main" id="{3472FF27-B3AA-4859-999A-64197AF6C484}"/>
+              </a:ext>
+            </a:extLst>
+          </p:cNvPr>
+          <p:cNvSpPr>
+            <a:spLocks noGrp="1"/>
+          </p:cNvSpPr>
+          <p:nvPr>
+            <p:ph type="title"/>
+          </p:nvPr>
+        </p:nvSpPr>
+        <p:spPr/>
+        <p:txBody>
+          <a:bodyPr/>
+          <a:lstStyle/>
+          <a:p>
+            <a:r>
+              <a:rPr lang="en-US" dirty="0"/>
+              <a:t>Common Parameters to Sweep</a:t>
+            </a:r>
+          </a:p>
+        </p:txBody>
+      </p:sp>
+      <p:sp>
+        <p:nvSpPr>
+          <p:cNvPr id="3" name="Text Placeholder 2">
+            <a:extLst>
+              <a:ext uri="{FF2B5EF4-FFF2-40B4-BE49-F238E27FC236}">
+                <a16:creationId xmlns:a16="http://schemas.microsoft.com/office/drawing/2014/main" id="{AE4AD450-AFF1-44AC-9756-F18ED7C12BBD}"/>
+              </a:ext>
+            </a:extLst>
+          </p:cNvPr>
+          <p:cNvSpPr>
+            <a:spLocks noGrp="1"/>
+          </p:cNvSpPr>
+          <p:nvPr>
+            <p:ph type="body" idx="1"/>
+          </p:nvPr>
+        </p:nvSpPr>
+        <p:spPr/>
+        <p:txBody>
+          <a:bodyPr/>
+          <a:lstStyle/>
+          <a:p>
+            <a:r>
+              <a:rPr lang="en-US" dirty="0"/>
+              <a:t>Trees:</a:t>
+            </a:r>
+          </a:p>
+          <a:p>
+            <a:pPr lvl="1">
+              <a:lnSpc>
+                <a:spcPct val="100000"/>
+              </a:lnSpc>
+              <a:spcBef>
+                <a:spcPts val="0"/>
+              </a:spcBef>
+            </a:pPr>
+            <a:r>
+              <a:rPr lang="en-US" dirty="0"/>
+              <a:t>Max Depth</a:t>
+            </a:r>
+          </a:p>
+          <a:p>
+            <a:pPr lvl="1">
+              <a:lnSpc>
+                <a:spcPct val="100000"/>
+              </a:lnSpc>
+              <a:spcBef>
+                <a:spcPts val="0"/>
+              </a:spcBef>
+            </a:pPr>
+            <a:r>
+              <a:rPr lang="en-US" dirty="0"/>
+              <a:t>Max Bins</a:t>
+            </a:r>
+          </a:p>
+          <a:p>
+            <a:pPr lvl="1">
+              <a:lnSpc>
+                <a:spcPct val="100000"/>
+              </a:lnSpc>
+              <a:spcBef>
+                <a:spcPts val="0"/>
+              </a:spcBef>
+            </a:pPr>
+            <a:r>
+              <a:rPr lang="en-US" dirty="0"/>
+              <a:t>Number of Trees (in a Random Forest)</a:t>
+            </a:r>
+          </a:p>
+          <a:p>
+            <a:pPr lvl="1">
+              <a:lnSpc>
+                <a:spcPct val="100000"/>
+              </a:lnSpc>
+              <a:spcBef>
+                <a:spcPts val="0"/>
+              </a:spcBef>
+            </a:pPr>
+            <a:r>
+              <a:rPr lang="en-US" dirty="0"/>
+              <a:t>Max Splits</a:t>
+            </a:r>
+          </a:p>
+          <a:p>
+            <a:pPr lvl="1">
+              <a:lnSpc>
+                <a:spcPct val="100000"/>
+              </a:lnSpc>
+              <a:spcBef>
+                <a:spcPts val="0"/>
+              </a:spcBef>
+            </a:pPr>
+            <a:r>
+              <a:rPr lang="en-US" dirty="0"/>
+              <a:t>Max Features</a:t>
+            </a:r>
+          </a:p>
+          <a:p>
+            <a:pPr lvl="1">
+              <a:lnSpc>
+                <a:spcPct val="100000"/>
+              </a:lnSpc>
+              <a:spcBef>
+                <a:spcPts val="0"/>
+              </a:spcBef>
+            </a:pPr>
+            <a:r>
+              <a:rPr lang="en-US" dirty="0"/>
+              <a:t>Min Samples per Leaf</a:t>
+            </a:r>
+          </a:p>
+          <a:p>
+            <a:pPr lvl="1">
+              <a:lnSpc>
+                <a:spcPct val="100000"/>
+              </a:lnSpc>
+              <a:spcBef>
+                <a:spcPts val="0"/>
+              </a:spcBef>
+            </a:pPr>
+            <a:r>
+              <a:rPr lang="en-US" dirty="0"/>
+              <a:t>Max Leaf Nodes</a:t>
+            </a:r>
+          </a:p>
+          <a:p>
+            <a:pPr lvl="1">
+              <a:lnSpc>
+                <a:spcPct val="100000"/>
+              </a:lnSpc>
+              <a:spcBef>
+                <a:spcPts val="0"/>
+              </a:spcBef>
+            </a:pPr>
+            <a:r>
+              <a:rPr lang="en-US" dirty="0"/>
+              <a:t>Min Impurity Decrease</a:t>
+            </a:r>
+          </a:p>
+          <a:p>
+            <a:pPr lvl="1">
+              <a:lnSpc>
+                <a:spcPct val="100000"/>
+              </a:lnSpc>
+              <a:spcBef>
+                <a:spcPts val="0"/>
+              </a:spcBef>
+            </a:pPr>
+            <a:r>
+              <a:rPr lang="en-US" dirty="0"/>
+              <a:t>Min Impurity to Split</a:t>
+            </a:r>
+          </a:p>
+          <a:p>
+            <a:pPr lvl="1">
+              <a:lnSpc>
+                <a:spcPct val="100000"/>
+              </a:lnSpc>
+              <a:spcBef>
+                <a:spcPts val="0"/>
+              </a:spcBef>
+            </a:pPr>
+            <a:r>
+              <a:rPr lang="en-US" dirty="0"/>
+              <a:t>… and more</a:t>
+            </a:r>
+          </a:p>
+        </p:txBody>
+      </p:sp>
+      <p:sp>
+        <p:nvSpPr>
+          <p:cNvPr id="4" name="Text Placeholder 3">
+            <a:extLst>
+              <a:ext uri="{FF2B5EF4-FFF2-40B4-BE49-F238E27FC236}">
+                <a16:creationId xmlns:a16="http://schemas.microsoft.com/office/drawing/2014/main" id="{3A625093-B6F9-4EA9-8615-EEA75CF682AB}"/>
+              </a:ext>
+            </a:extLst>
+          </p:cNvPr>
+          <p:cNvSpPr>
+            <a:spLocks noGrp="1"/>
+          </p:cNvSpPr>
+          <p:nvPr>
+            <p:ph type="body" idx="2"/>
+          </p:nvPr>
+        </p:nvSpPr>
+        <p:spPr>
+          <a:xfrm>
+            <a:off x="5650572" y="1602675"/>
+            <a:ext cx="3398178" cy="3002400"/>
+          </a:xfrm>
+        </p:spPr>
+        <p:txBody>
+          <a:bodyPr/>
+          <a:lstStyle/>
+          <a:p>
+            <a:r>
+              <a:rPr lang="en-US" dirty="0"/>
+              <a:t>Regression and Other Algorithms:</a:t>
+            </a:r>
+          </a:p>
+          <a:p>
+            <a:pPr lvl="1">
+              <a:lnSpc>
+                <a:spcPct val="100000"/>
+              </a:lnSpc>
+              <a:spcBef>
+                <a:spcPts val="0"/>
+              </a:spcBef>
+            </a:pPr>
+            <a:r>
+              <a:rPr lang="en-US" dirty="0"/>
+              <a:t>Regularization</a:t>
+            </a:r>
+          </a:p>
+          <a:p>
+            <a:pPr lvl="1">
+              <a:lnSpc>
+                <a:spcPct val="100000"/>
+              </a:lnSpc>
+              <a:spcBef>
+                <a:spcPts val="0"/>
+              </a:spcBef>
+            </a:pPr>
+            <a:r>
+              <a:rPr lang="en-US" dirty="0"/>
+              <a:t>Elastic Net</a:t>
+            </a:r>
+          </a:p>
+          <a:p>
+            <a:pPr lvl="1">
+              <a:lnSpc>
+                <a:spcPct val="100000"/>
+              </a:lnSpc>
+              <a:spcBef>
+                <a:spcPts val="0"/>
+              </a:spcBef>
+            </a:pPr>
+            <a:r>
+              <a:rPr lang="en-US" dirty="0"/>
+              <a:t>Maximum Iterations</a:t>
+            </a:r>
+          </a:p>
+          <a:p>
+            <a:pPr lvl="1">
+              <a:lnSpc>
+                <a:spcPct val="100000"/>
+              </a:lnSpc>
+              <a:spcBef>
+                <a:spcPts val="0"/>
+              </a:spcBef>
+            </a:pPr>
+            <a:r>
+              <a:rPr lang="en-US" dirty="0"/>
+              <a:t>Smoothing (in Naïve Bayes)</a:t>
+            </a:r>
+          </a:p>
+          <a:p>
+            <a:pPr lvl="1">
+              <a:lnSpc>
+                <a:spcPct val="100000"/>
+              </a:lnSpc>
+              <a:spcBef>
+                <a:spcPts val="0"/>
+              </a:spcBef>
+            </a:pPr>
+            <a:r>
+              <a:rPr lang="en-US" dirty="0"/>
+              <a:t>… and more</a:t>
+            </a:r>
+          </a:p>
+        </p:txBody>
+      </p:sp>
+      <p:sp>
+        <p:nvSpPr>
+          <p:cNvPr id="5" name="Rectangle 4">
+            <a:extLst>
+              <a:ext uri="{FF2B5EF4-FFF2-40B4-BE49-F238E27FC236}">
+                <a16:creationId xmlns:a16="http://schemas.microsoft.com/office/drawing/2014/main" id="{3EBACC46-04CD-47C5-80D3-E64918757097}"/>
+              </a:ext>
+            </a:extLst>
+          </p:cNvPr>
+          <p:cNvSpPr/>
+          <p:nvPr/>
+        </p:nvSpPr>
+        <p:spPr>
+          <a:xfrm>
+            <a:off x="199444" y="1602675"/>
+            <a:ext cx="1857956" cy="3277820"/>
+          </a:xfrm>
+          <a:prstGeom prst="rect">
+            <a:avLst/>
+          </a:prstGeom>
+        </p:spPr>
+        <p:txBody>
+          <a:bodyPr wrap="square">
+            <a:spAutoFit/>
+          </a:bodyPr>
+          <a:lstStyle/>
+          <a:p>
+            <a:r>
+              <a:rPr lang="en-US" sz="900" dirty="0">
+                <a:hlinkClick r:id="rId2"/>
+              </a:rPr>
+              <a:t>https://scikit-learn.org/stable/modules/generated/sklearn.tree.DecisionTreeClassifier.html</a:t>
+            </a:r>
+            <a:endParaRPr lang="en-US" sz="900" dirty="0"/>
+          </a:p>
+          <a:p>
+            <a:endParaRPr lang="en-US" sz="900" dirty="0"/>
+          </a:p>
+          <a:p>
+            <a:r>
+              <a:rPr lang="en-US" sz="900" dirty="0">
+                <a:hlinkClick r:id="rId3"/>
+              </a:rPr>
+              <a:t>https://spark.apache.org/docs/2.2.0/mllib-decision-tree.html</a:t>
+            </a:r>
+            <a:endParaRPr lang="en-US" sz="900" dirty="0"/>
+          </a:p>
+          <a:p>
+            <a:endParaRPr lang="en-US" sz="900" dirty="0"/>
+          </a:p>
+          <a:p>
+            <a:r>
+              <a:rPr lang="en-US" sz="900" dirty="0">
+                <a:hlinkClick r:id="rId4"/>
+              </a:rPr>
+              <a:t>https://scikit-learn.org/stable/modules/generated/sklearn.linear_model.LinearRegression.html#sklearn.linear_model.LinearRegression</a:t>
+            </a:r>
+            <a:endParaRPr lang="en-US" sz="900" dirty="0"/>
+          </a:p>
+          <a:p>
+            <a:endParaRPr lang="en-US" sz="900" dirty="0"/>
+          </a:p>
+          <a:p>
+            <a:r>
+              <a:rPr lang="en-US" sz="900" dirty="0">
+                <a:hlinkClick r:id="rId5"/>
+              </a:rPr>
+              <a:t>https://spark.apache.org/docs/2.2.0/ml-classification-regression.html#regression</a:t>
+            </a:r>
+            <a:endParaRPr lang="en-US" sz="900" dirty="0"/>
+          </a:p>
+          <a:p>
+            <a:endParaRPr lang="en-US" sz="900" dirty="0"/>
+          </a:p>
+          <a:p>
+            <a:r>
+              <a:rPr lang="en-US" sz="900" dirty="0">
+                <a:hlinkClick r:id="rId6"/>
+              </a:rPr>
+              <a:t>https://spark.apache.org/docs/2.2.0/mllib-naive-bayes.html#naive-bayes-sparkmllib</a:t>
+            </a:r>
+            <a:endParaRPr lang="en-US" sz="900" dirty="0"/>
+          </a:p>
+          <a:p>
+            <a:endParaRPr lang="en-US" sz="900" dirty="0"/>
+          </a:p>
+        </p:txBody>
+      </p:sp>
+    </p:spTree>
+    <p:extLst>
+      <p:ext uri="{BB962C8B-B14F-4D97-AF65-F5344CB8AC3E}">
+        <p14:creationId xmlns:p14="http://schemas.microsoft.com/office/powerpoint/2010/main" val="2534537153"/>
+      </p:ext>
+    </p:extLst>
+  </p:cSld>
+  <p:clrMapOvr>
+    <a:masterClrMapping/>
+  </p:clrMapOvr>
+</p:sld>
+</file>
+
+<file path=ppt/slides/slide31.xml><?xml version="1.0" encoding="utf-8"?>
 <p:sld xmlns:a="http://schemas.openxmlformats.org/drawingml/2006/main" xmlns:r="http://schemas.openxmlformats.org/officeDocument/2006/relationships" xmlns:p="http://schemas.openxmlformats.org/presentationml/2006/main">
   <p:cSld>
     <p:spTree>
@@ -32808,7 +33637,7 @@
 </p:sld>
 </file>
 
-<file path=ppt/slides/slide31.xml><?xml version="1.0" encoding="utf-8"?>
+<file path=ppt/slides/slide32.xml><?xml version="1.0" encoding="utf-8"?>
 <p:sld xmlns:a="http://schemas.openxmlformats.org/drawingml/2006/main" xmlns:r="http://schemas.openxmlformats.org/officeDocument/2006/relationships" xmlns:p="http://schemas.openxmlformats.org/presentationml/2006/main">
   <p:cSld>
     <p:spTree>
@@ -33210,7 +34039,7 @@
 </p:sld>
 </file>
 
-<file path=ppt/slides/slide32.xml><?xml version="1.0" encoding="utf-8"?>
+<file path=ppt/slides/slide33.xml><?xml version="1.0" encoding="utf-8"?>
 <p:sld xmlns:a="http://schemas.openxmlformats.org/drawingml/2006/main" xmlns:r="http://schemas.openxmlformats.org/officeDocument/2006/relationships" xmlns:p="http://schemas.openxmlformats.org/presentationml/2006/main">
   <p:cSld>
     <p:spTree>
@@ -33656,7 +34485,7 @@
 </p:sld>
 </file>
 
-<file path=ppt/slides/slide33.xml><?xml version="1.0" encoding="utf-8"?>
+<file path=ppt/slides/slide34.xml><?xml version="1.0" encoding="utf-8"?>
 <p:sld xmlns:a="http://schemas.openxmlformats.org/drawingml/2006/main" xmlns:r="http://schemas.openxmlformats.org/officeDocument/2006/relationships" xmlns:p="http://schemas.openxmlformats.org/presentationml/2006/main">
   <p:cSld>
     <p:spTree>
@@ -33874,7 +34703,7 @@
 </p:sld>
 </file>
 
-<file path=ppt/slides/slide34.xml><?xml version="1.0" encoding="utf-8"?>
+<file path=ppt/slides/slide35.xml><?xml version="1.0" encoding="utf-8"?>
 <p:sld xmlns:a="http://schemas.openxmlformats.org/drawingml/2006/main" xmlns:r="http://schemas.openxmlformats.org/officeDocument/2006/relationships" xmlns:p="http://schemas.openxmlformats.org/presentationml/2006/main">
   <p:cSld>
     <p:spTree>
@@ -33969,7 +34798,7 @@
 </p:sld>
 </file>
 
-<file path=ppt/slides/slide35.xml><?xml version="1.0" encoding="utf-8"?>
+<file path=ppt/slides/slide36.xml><?xml version="1.0" encoding="utf-8"?>
 <p:sld xmlns:a="http://schemas.openxmlformats.org/drawingml/2006/main" xmlns:r="http://schemas.openxmlformats.org/officeDocument/2006/relationships" xmlns:p="http://schemas.openxmlformats.org/presentationml/2006/main">
   <p:cSld>
     <p:spTree>

--- a/3 - Machine Learning/MachineLearning.pptx
+++ b/3 - Machine Learning/MachineLearning.pptx
@@ -74,7 +74,7 @@
       <p:boldItalic r:id="rId51"/>
     </p:embeddedFont>
     <p:embeddedFont>
-      <p:font typeface="Raleway" panose="020B0503030101060003" pitchFamily="34" charset="0"/>
+      <p:font typeface="Raleway" panose="020B0503030101060003" pitchFamily="34" charset="77"/>
       <p:regular r:id="rId52"/>
       <p:bold r:id="rId53"/>
       <p:italic r:id="rId54"/>
@@ -2313,12 +2313,12 @@
     <dgm:cxn modelId="{A63ECC29-2820-4062-B1BC-1C91FC33E551}" type="presOf" srcId="{57731373-C80E-4E09-AE92-8009F2922300}" destId="{25062737-8A56-4984-94AB-53248B63EA16}" srcOrd="0" destOrd="0" presId="urn:microsoft.com/office/officeart/2005/8/layout/bProcess3"/>
     <dgm:cxn modelId="{D14D1936-FA5E-4C62-BB7E-035C9D60EFEA}" type="presOf" srcId="{5C60A8DE-8E6B-48E8-B16A-DDDEA8EB18E1}" destId="{A9BC978D-AED0-4E09-BF79-F26E8D1CF4A1}" srcOrd="0" destOrd="0" presId="urn:microsoft.com/office/officeart/2005/8/layout/bProcess3"/>
     <dgm:cxn modelId="{EEE3B83B-8554-467E-A752-7DC252304D85}" type="presOf" srcId="{12429059-AE68-44B6-A08A-166C2A6F1376}" destId="{27649699-B745-4AC1-9D9D-D35BEE6C4113}" srcOrd="0" destOrd="0" presId="urn:microsoft.com/office/officeart/2005/8/layout/bProcess3"/>
-    <dgm:cxn modelId="{4098195F-3CE7-430D-8206-B59D789E3FD7}" type="presOf" srcId="{BEE22CC3-71A8-4FE2-A916-4C37F1A89AFD}" destId="{26C05194-595E-44D1-84CB-2197238A83C4}" srcOrd="0" destOrd="0" presId="urn:microsoft.com/office/officeart/2005/8/layout/bProcess3"/>
     <dgm:cxn modelId="{C4537042-B14B-47D2-94A6-4A6A4F576A77}" srcId="{4410F19C-9AF8-455E-BB49-82795D97D9E4}" destId="{D1424278-B4BF-48FD-BD7F-43BB4198C45E}" srcOrd="2" destOrd="0" parTransId="{025DF95C-27A1-4271-B7CB-6128AB8017B1}" sibTransId="{5E3834B2-A93D-4F9F-A3C4-748C7BCCDB2D}"/>
     <dgm:cxn modelId="{58D40353-3FDE-4676-AD8A-D9EB7DF093A7}" type="presOf" srcId="{4AF74A3F-7DDF-4BAC-8116-E32C06B2F2CC}" destId="{517F039B-46A4-4CED-9BE1-83705535D140}" srcOrd="0" destOrd="0" presId="urn:microsoft.com/office/officeart/2005/8/layout/bProcess3"/>
-    <dgm:cxn modelId="{70881873-E84C-4789-B0ED-F788AC16ECE9}" type="presOf" srcId="{4AF74A3F-7DDF-4BAC-8116-E32C06B2F2CC}" destId="{87AADF7E-62D6-4428-9714-F8C6A8B78AFA}" srcOrd="1" destOrd="0" presId="urn:microsoft.com/office/officeart/2005/8/layout/bProcess3"/>
     <dgm:cxn modelId="{87637D53-BC00-4DB4-99FE-2B7428C56F3D}" type="presOf" srcId="{5E3834B2-A93D-4F9F-A3C4-748C7BCCDB2D}" destId="{058BA394-4F29-4EF1-ABF8-0419C44C1287}" srcOrd="0" destOrd="0" presId="urn:microsoft.com/office/officeart/2005/8/layout/bProcess3"/>
     <dgm:cxn modelId="{ECB0C953-D608-4EF9-AA43-696CEE105F7F}" srcId="{4410F19C-9AF8-455E-BB49-82795D97D9E4}" destId="{5C60A8DE-8E6B-48E8-B16A-DDDEA8EB18E1}" srcOrd="1" destOrd="0" parTransId="{7BBFBABF-6BA4-41E2-951D-E2AB414E5AF3}" sibTransId="{4AF74A3F-7DDF-4BAC-8116-E32C06B2F2CC}"/>
+    <dgm:cxn modelId="{4098195F-3CE7-430D-8206-B59D789E3FD7}" type="presOf" srcId="{BEE22CC3-71A8-4FE2-A916-4C37F1A89AFD}" destId="{26C05194-595E-44D1-84CB-2197238A83C4}" srcOrd="0" destOrd="0" presId="urn:microsoft.com/office/officeart/2005/8/layout/bProcess3"/>
+    <dgm:cxn modelId="{70881873-E84C-4789-B0ED-F788AC16ECE9}" type="presOf" srcId="{4AF74A3F-7DDF-4BAC-8116-E32C06B2F2CC}" destId="{87AADF7E-62D6-4428-9714-F8C6A8B78AFA}" srcOrd="1" destOrd="0" presId="urn:microsoft.com/office/officeart/2005/8/layout/bProcess3"/>
     <dgm:cxn modelId="{FBC47275-6E52-4518-B9C3-A01CA1F204D8}" type="presOf" srcId="{E5FC531C-8865-4E2F-A01F-40309BF4A491}" destId="{D058FE29-7F42-400C-A266-F0C72530FEA6}" srcOrd="1" destOrd="0" presId="urn:microsoft.com/office/officeart/2005/8/layout/bProcess3"/>
     <dgm:cxn modelId="{B48C5A82-F3B4-4A09-8C51-9CE26342DE78}" type="presOf" srcId="{4410F19C-9AF8-455E-BB49-82795D97D9E4}" destId="{4C1C69C1-DAA9-4E29-A4CE-7C992F91D42F}" srcOrd="0" destOrd="0" presId="urn:microsoft.com/office/officeart/2005/8/layout/bProcess3"/>
     <dgm:cxn modelId="{77661E93-7F63-43DB-8F70-F7627385C301}" type="presOf" srcId="{D1424278-B4BF-48FD-BD7F-43BB4198C45E}" destId="{1F977013-8D01-457C-BF74-0007130FF42E}" srcOrd="0" destOrd="0" presId="urn:microsoft.com/office/officeart/2005/8/layout/bProcess3"/>
@@ -4171,6 +4171,13 @@
     <dgm:cxn modelId="{000ABB37-BAF6-45B1-8186-AC4FD34DBD80}" srcId="{B175281C-178F-406D-AE70-093369BD641A}" destId="{FB71929B-753E-4653-8F45-3EEE374AE6CC}" srcOrd="1" destOrd="0" parTransId="{355D9102-6D06-4334-9432-0FFCE7877B70}" sibTransId="{EB7389E2-FAB5-49FD-A383-89550947F9C2}"/>
     <dgm:cxn modelId="{BDE1233A-EA55-459D-89DB-04BB83D384A2}" srcId="{09C3324E-9336-456E-85C7-91CB2EA69F76}" destId="{3A8EEFEE-64FF-4FD1-B643-DA629220C7A0}" srcOrd="0" destOrd="0" parTransId="{C33DDF5E-7E4D-4B95-9051-7E281DF817C1}" sibTransId="{98A38D5B-839E-4671-8170-06750DCCB21A}"/>
     <dgm:cxn modelId="{D113093B-AD6C-4670-B2F3-1EBAAEC8B48E}" srcId="{FB71929B-753E-4653-8F45-3EEE374AE6CC}" destId="{2F42A220-4910-4A31-8F84-5B28FDD5B4ED}" srcOrd="1" destOrd="0" parTransId="{72101D0B-1019-47B1-AA9E-0E38A8371E9F}" sibTransId="{74AA7E7F-8001-405A-A38C-864D01ECA733}"/>
+    <dgm:cxn modelId="{B897B14A-B026-454D-B323-DD3E7265C9CF}" type="presOf" srcId="{9069B342-234C-40F0-AE36-628784B96AD8}" destId="{C6B43F54-4DE6-48F5-9642-DDF69CEC676F}" srcOrd="1" destOrd="0" presId="urn:microsoft.com/office/officeart/2005/8/layout/orgChart1"/>
+    <dgm:cxn modelId="{52CBBD4D-B38A-4DCF-B07A-4CA21413E486}" type="presOf" srcId="{56CA2637-857C-4119-909B-76EA4272DD32}" destId="{A3155A5E-C74C-45B8-BBAE-ABF4C6A45D9F}" srcOrd="1" destOrd="0" presId="urn:microsoft.com/office/officeart/2005/8/layout/orgChart1"/>
+    <dgm:cxn modelId="{8927314E-49D5-4262-9BCE-1A9128D3ED66}" type="presOf" srcId="{9B9D410A-7A9A-416A-9F12-E2403D566ED3}" destId="{F0CDD765-D3BE-43BD-9B4F-67B17C436B43}" srcOrd="1" destOrd="0" presId="urn:microsoft.com/office/officeart/2005/8/layout/orgChart1"/>
+    <dgm:cxn modelId="{E630674E-C191-4EFB-A961-2AB453DA9A89}" type="presOf" srcId="{5A2054A7-EB01-404C-8751-ECB80EEF1ECD}" destId="{479CF454-9913-4664-903D-C4C024A89E7E}" srcOrd="0" destOrd="0" presId="urn:microsoft.com/office/officeart/2005/8/layout/orgChart1"/>
+    <dgm:cxn modelId="{C7036C53-12A7-488F-AA58-F0EFD30403BD}" srcId="{302B97D2-1014-49D0-9622-B223F81CDC43}" destId="{662AA260-FF02-4DAA-AA13-5EB1D1CD32F4}" srcOrd="1" destOrd="0" parTransId="{5A2054A7-EB01-404C-8751-ECB80EEF1ECD}" sibTransId="{F60B1252-C61E-4CA2-AFB8-22DFE2C8862C}"/>
+    <dgm:cxn modelId="{94ABB353-2598-4A0E-A3E4-15A4B81CAF9D}" type="presOf" srcId="{2F42A220-4910-4A31-8F84-5B28FDD5B4ED}" destId="{E400B6D4-5308-4F14-B09D-5804E798C260}" srcOrd="1" destOrd="0" presId="urn:microsoft.com/office/officeart/2005/8/layout/orgChart1"/>
+    <dgm:cxn modelId="{717B2357-16AA-48E0-AF54-9E25FEB66530}" type="presOf" srcId="{6EFF71A3-F6C7-4247-902F-03F1906AF4B5}" destId="{9CC03CAF-0A94-43ED-9C9A-AD72549C7C3E}" srcOrd="0" destOrd="0" presId="urn:microsoft.com/office/officeart/2005/8/layout/orgChart1"/>
     <dgm:cxn modelId="{4016FC5D-0B0D-4D83-90F7-3678559BCB12}" srcId="{F9497423-7787-43BF-A1BE-F44991785509}" destId="{B2960507-5DFE-4AE5-8926-0C45FA5E9053}" srcOrd="0" destOrd="0" parTransId="{8A04D1E6-62FF-427D-86AA-376D0CF6B3B4}" sibTransId="{3987DF88-A0A3-45F4-B49E-FC33CC0B7CF7}"/>
     <dgm:cxn modelId="{3B280C60-47C0-42DA-B237-4AB51F409214}" type="presOf" srcId="{56CA2637-857C-4119-909B-76EA4272DD32}" destId="{542C40A6-7170-4C11-A121-34C6ADC5E028}" srcOrd="0" destOrd="0" presId="urn:microsoft.com/office/officeart/2005/8/layout/orgChart1"/>
     <dgm:cxn modelId="{82348E60-0A89-4CED-9399-C9FBD8814182}" type="presOf" srcId="{CE77F216-7BFD-42E5-A225-35A95FE271BF}" destId="{2CB542B1-2493-4BD2-9146-281EC2143D6E}" srcOrd="0" destOrd="0" presId="urn:microsoft.com/office/officeart/2005/8/layout/orgChart1"/>
@@ -4183,15 +4190,8 @@
     <dgm:cxn modelId="{F5841069-F754-4C2C-8660-431378262C03}" type="presOf" srcId="{50634887-9D04-441A-8E79-0541A92F607A}" destId="{14BE5F11-99D2-446B-9F4A-CE0AA1825208}" srcOrd="1" destOrd="0" presId="urn:microsoft.com/office/officeart/2005/8/layout/orgChart1"/>
     <dgm:cxn modelId="{C3F33B69-A906-41D4-857E-356E72AD4ED4}" srcId="{D82D1971-C486-4E87-8A15-F75DDF0E4844}" destId="{6C3C03FB-37C6-484E-9B68-076CC13622CD}" srcOrd="0" destOrd="0" parTransId="{A386C645-D06C-4261-AF7F-5AB4F14D4978}" sibTransId="{92E7E636-D32C-4AAB-B4CC-2FD64A546BB0}"/>
     <dgm:cxn modelId="{8AC2A06A-7C95-49FC-AAB3-CB0AA8B44B75}" srcId="{9069B342-234C-40F0-AE36-628784B96AD8}" destId="{17B2640D-4177-40D0-9CC6-F484AD058A4A}" srcOrd="0" destOrd="0" parTransId="{2975A251-6964-42E7-8375-87B8635C2199}" sibTransId="{E708A18D-A600-4DB1-A9F9-F21E5713C3A1}"/>
-    <dgm:cxn modelId="{B897B14A-B026-454D-B323-DD3E7265C9CF}" type="presOf" srcId="{9069B342-234C-40F0-AE36-628784B96AD8}" destId="{C6B43F54-4DE6-48F5-9642-DDF69CEC676F}" srcOrd="1" destOrd="0" presId="urn:microsoft.com/office/officeart/2005/8/layout/orgChart1"/>
-    <dgm:cxn modelId="{52CBBD4D-B38A-4DCF-B07A-4CA21413E486}" type="presOf" srcId="{56CA2637-857C-4119-909B-76EA4272DD32}" destId="{A3155A5E-C74C-45B8-BBAE-ABF4C6A45D9F}" srcOrd="1" destOrd="0" presId="urn:microsoft.com/office/officeart/2005/8/layout/orgChart1"/>
-    <dgm:cxn modelId="{8927314E-49D5-4262-9BCE-1A9128D3ED66}" type="presOf" srcId="{9B9D410A-7A9A-416A-9F12-E2403D566ED3}" destId="{F0CDD765-D3BE-43BD-9B4F-67B17C436B43}" srcOrd="1" destOrd="0" presId="urn:microsoft.com/office/officeart/2005/8/layout/orgChart1"/>
-    <dgm:cxn modelId="{E630674E-C191-4EFB-A961-2AB453DA9A89}" type="presOf" srcId="{5A2054A7-EB01-404C-8751-ECB80EEF1ECD}" destId="{479CF454-9913-4664-903D-C4C024A89E7E}" srcOrd="0" destOrd="0" presId="urn:microsoft.com/office/officeart/2005/8/layout/orgChart1"/>
     <dgm:cxn modelId="{B98A7972-B786-4B69-9E7E-BA53A690E9D0}" type="presOf" srcId="{A0589EB2-684A-4614-A8DB-97B038888ED3}" destId="{650D0449-0118-4ED5-8E28-07BC9FB831A8}" srcOrd="0" destOrd="0" presId="urn:microsoft.com/office/officeart/2005/8/layout/orgChart1"/>
-    <dgm:cxn modelId="{C7036C53-12A7-488F-AA58-F0EFD30403BD}" srcId="{302B97D2-1014-49D0-9622-B223F81CDC43}" destId="{662AA260-FF02-4DAA-AA13-5EB1D1CD32F4}" srcOrd="1" destOrd="0" parTransId="{5A2054A7-EB01-404C-8751-ECB80EEF1ECD}" sibTransId="{F60B1252-C61E-4CA2-AFB8-22DFE2C8862C}"/>
-    <dgm:cxn modelId="{94ABB353-2598-4A0E-A3E4-15A4B81CAF9D}" type="presOf" srcId="{2F42A220-4910-4A31-8F84-5B28FDD5B4ED}" destId="{E400B6D4-5308-4F14-B09D-5804E798C260}" srcOrd="1" destOrd="0" presId="urn:microsoft.com/office/officeart/2005/8/layout/orgChart1"/>
     <dgm:cxn modelId="{54C2F573-7CBC-4BCE-940F-283A49644961}" type="presOf" srcId="{09C3324E-9336-456E-85C7-91CB2EA69F76}" destId="{60021657-9451-477A-9A60-43EFCD73E3C6}" srcOrd="0" destOrd="0" presId="urn:microsoft.com/office/officeart/2005/8/layout/orgChart1"/>
-    <dgm:cxn modelId="{717B2357-16AA-48E0-AF54-9E25FEB66530}" type="presOf" srcId="{6EFF71A3-F6C7-4247-902F-03F1906AF4B5}" destId="{9CC03CAF-0A94-43ED-9C9A-AD72549C7C3E}" srcOrd="0" destOrd="0" presId="urn:microsoft.com/office/officeart/2005/8/layout/orgChart1"/>
     <dgm:cxn modelId="{A7041778-F461-4DFE-A6B5-07019907C326}" type="presOf" srcId="{B175281C-178F-406D-AE70-093369BD641A}" destId="{76CB79F9-F49D-4AE9-A7FD-239231C89790}" srcOrd="0" destOrd="0" presId="urn:microsoft.com/office/officeart/2005/8/layout/orgChart1"/>
     <dgm:cxn modelId="{1110397B-F1EA-44CE-9ABF-B5F830C74B4E}" type="presOf" srcId="{D82D1971-C486-4E87-8A15-F75DDF0E4844}" destId="{57D95651-A607-4454-AD5B-C4663C156726}" srcOrd="0" destOrd="0" presId="urn:microsoft.com/office/officeart/2005/8/layout/orgChart1"/>
     <dgm:cxn modelId="{F317587C-0A3A-4F9E-BB5C-797F6265CC63}" type="presOf" srcId="{10CD3D5C-FABB-4B36-8767-3BF69811C364}" destId="{938B9CA9-5A6D-42B0-94F7-33082A37F4E0}" srcOrd="1" destOrd="0" presId="urn:microsoft.com/office/officeart/2005/8/layout/orgChart1"/>
@@ -15356,7 +15356,7 @@
           <a:p>
             <a:fld id="{123CBCE9-0914-4950-A986-7596C92667F1}" type="datetime1">
               <a:rPr lang="en-US" smtClean="0"/>
-              <a:t>2/15/2022</a:t>
+              <a:t>2/16/22</a:t>
             </a:fld>
             <a:endParaRPr lang="en-US"/>
           </a:p>
@@ -19896,8 +19896,8 @@
           </a:p>
         </p:txBody>
       </p:sp>
-      <mc:AlternateContent xmlns:mc="http://schemas.openxmlformats.org/markup-compatibility/2006" xmlns:a14="http://schemas.microsoft.com/office/drawing/2010/main">
-        <mc:Choice Requires="a14">
+      <mc:AlternateContent xmlns:mc="http://schemas.openxmlformats.org/markup-compatibility/2006">
+        <mc:Choice xmlns:a14="http://schemas.microsoft.com/office/drawing/2010/main" Requires="a14">
           <p:sp>
             <p:nvSpPr>
               <p:cNvPr id="3" name="Text Placeholder 2">
@@ -20753,49 +20753,24 @@
                         </a:rPr>
                         <m:t>=</m:t>
                       </m:r>
-                      <m:sSup>
-                        <m:sSupPr>
+                      <m:d>
+                        <m:dPr>
                           <m:ctrlPr>
-                            <a:rPr lang="en-US" b="0" i="1" smtClean="0">
+                            <a:rPr lang="en-US" i="1">
                               <a:latin typeface="Cambria Math" panose="02040503050406030204" pitchFamily="18" charset="0"/>
                             </a:rPr>
                           </m:ctrlPr>
-                        </m:sSupPr>
+                        </m:dPr>
                         <m:e>
-                          <m:d>
-                            <m:dPr>
+                          <m:sSup>
+                            <m:sSupPr>
                               <m:ctrlPr>
                                 <a:rPr lang="en-US" i="1">
                                   <a:latin typeface="Cambria Math" panose="02040503050406030204" pitchFamily="18" charset="0"/>
                                 </a:rPr>
                               </m:ctrlPr>
-                            </m:dPr>
+                            </m:sSupPr>
                             <m:e>
-                              <m:sSup>
-                                <m:sSupPr>
-                                  <m:ctrlPr>
-                                    <a:rPr lang="en-US" i="1">
-                                      <a:latin typeface="Cambria Math" panose="02040503050406030204" pitchFamily="18" charset="0"/>
-                                    </a:rPr>
-                                  </m:ctrlPr>
-                                </m:sSupPr>
-                                <m:e>
-                                  <m:r>
-                                    <a:rPr lang="en-US" i="1">
-                                      <a:latin typeface="Cambria Math" panose="02040503050406030204" pitchFamily="18" charset="0"/>
-                                    </a:rPr>
-                                    <m:t>𝑋</m:t>
-                                  </m:r>
-                                </m:e>
-                                <m:sup>
-                                  <m:r>
-                                    <a:rPr lang="en-US" b="0" i="1" smtClean="0">
-                                      <a:latin typeface="Cambria Math" panose="02040503050406030204" pitchFamily="18" charset="0"/>
-                                    </a:rPr>
-                                    <m:t>′</m:t>
-                                  </m:r>
-                                </m:sup>
-                              </m:sSup>
                               <m:r>
                                 <a:rPr lang="en-US" i="1">
                                   <a:latin typeface="Cambria Math" panose="02040503050406030204" pitchFamily="18" charset="0"/>
@@ -20803,17 +20778,23 @@
                                 <m:t>𝑋</m:t>
                               </m:r>
                             </m:e>
-                          </m:d>
-                        </m:e>
-                        <m:sup>
+                            <m:sup>
+                              <m:r>
+                                <a:rPr lang="en-US" b="0" i="1" smtClean="0">
+                                  <a:latin typeface="Cambria Math" panose="02040503050406030204" pitchFamily="18" charset="0"/>
+                                </a:rPr>
+                                <m:t>𝑇</m:t>
+                              </m:r>
+                            </m:sup>
+                          </m:sSup>
                           <m:r>
-                            <a:rPr lang="en-US" b="0" i="1" smtClean="0">
+                            <a:rPr lang="en-US" i="1">
                               <a:latin typeface="Cambria Math" panose="02040503050406030204" pitchFamily="18" charset="0"/>
                             </a:rPr>
-                            <m:t>−1</m:t>
+                            <m:t>𝑋</m:t>
                           </m:r>
-                        </m:sup>
-                      </m:sSup>
+                        </m:e>
+                      </m:d>
                       <m:sSup>
                         <m:sSupPr>
                           <m:ctrlPr>
@@ -20835,7 +20816,7 @@
                             <a:rPr lang="en-US" b="0" i="1" smtClean="0">
                               <a:latin typeface="Cambria Math" panose="02040503050406030204" pitchFamily="18" charset="0"/>
                             </a:rPr>
-                            <m:t>′</m:t>
+                            <m:t>𝑇</m:t>
                           </m:r>
                         </m:sup>
                       </m:sSup>
@@ -20853,7 +20834,7 @@
             </p:txBody>
           </p:sp>
         </mc:Choice>
-        <mc:Fallback xmlns="">
+        <mc:Fallback>
           <p:sp>
             <p:nvSpPr>
               <p:cNvPr id="3" name="Text Placeholder 2">
@@ -20912,7 +20893,7 @@
         <p:spPr>
           <a:xfrm>
             <a:off x="4394200" y="371147"/>
-            <a:ext cx="3961341" cy="4401205"/>
+            <a:ext cx="4060727" cy="4401205"/>
           </a:xfrm>
           <a:prstGeom prst="rect">
             <a:avLst/>
@@ -22996,7 +22977,7 @@
           <a:graphicData uri="http://schemas.openxmlformats.org/presentationml/2006/ole">
             <mc:AlternateContent xmlns:mc="http://schemas.openxmlformats.org/markup-compatibility/2006">
               <mc:Choice xmlns:v="urn:schemas-microsoft-com:vml" Requires="v">
-                <p:oleObj spid="_x0000_s1136" name="Equation" r:id="rId3" imgW="1333440" imgH="457200" progId="Equation.3">
+                <p:oleObj spid="_x0000_s1140" name="Equation" r:id="rId3" imgW="1333440" imgH="457200" progId="Equation.3">
                   <p:embed/>
                 </p:oleObj>
               </mc:Choice>
@@ -23392,7 +23373,7 @@
           <a:graphicData uri="http://schemas.openxmlformats.org/presentationml/2006/ole">
             <mc:AlternateContent xmlns:mc="http://schemas.openxmlformats.org/markup-compatibility/2006">
               <mc:Choice xmlns:v="urn:schemas-microsoft-com:vml" Requires="v">
-                <p:oleObj spid="_x0000_s1137" name="Equation" r:id="rId5" imgW="1180800" imgH="431640" progId="Equation.3">
+                <p:oleObj spid="_x0000_s1141" name="Equation" r:id="rId5" imgW="1180800" imgH="431640" progId="Equation.3">
                   <p:embed/>
                 </p:oleObj>
               </mc:Choice>
@@ -23774,7 +23755,7 @@
           <a:graphicData uri="http://schemas.openxmlformats.org/presentationml/2006/ole">
             <mc:AlternateContent xmlns:mc="http://schemas.openxmlformats.org/markup-compatibility/2006">
               <mc:Choice xmlns:v="urn:schemas-microsoft-com:vml" Requires="v">
-                <p:oleObj spid="_x0000_s2160" name="Equation" r:id="rId3" imgW="1498320" imgH="482400" progId="Equation.3">
+                <p:oleObj spid="_x0000_s2164" name="Equation" r:id="rId3" imgW="1498320" imgH="482400" progId="Equation.3">
                   <p:embed/>
                 </p:oleObj>
               </mc:Choice>
@@ -23846,7 +23827,7 @@
           <a:graphicData uri="http://schemas.openxmlformats.org/presentationml/2006/ole">
             <mc:AlternateContent xmlns:mc="http://schemas.openxmlformats.org/markup-compatibility/2006">
               <mc:Choice xmlns:v="urn:schemas-microsoft-com:vml" Requires="v">
-                <p:oleObj spid="_x0000_s2161" name="Equation" r:id="rId5" imgW="1663560" imgH="444240" progId="Equation.3">
+                <p:oleObj spid="_x0000_s2165" name="Equation" r:id="rId5" imgW="1663560" imgH="444240" progId="Equation.3">
                   <p:embed/>
                 </p:oleObj>
               </mc:Choice>
@@ -30799,8 +30780,8 @@
           </a:p>
         </p:txBody>
       </p:sp>
-      <mc:AlternateContent xmlns:mc="http://schemas.openxmlformats.org/markup-compatibility/2006" xmlns:a14="http://schemas.microsoft.com/office/drawing/2010/main">
-        <mc:Choice Requires="a14">
+      <mc:AlternateContent xmlns:mc="http://schemas.openxmlformats.org/markup-compatibility/2006">
+        <mc:Choice xmlns:a14="http://schemas.microsoft.com/office/drawing/2010/main" Requires="a14">
           <p:sp>
             <p:nvSpPr>
               <p:cNvPr id="6" name="TextBox 5">
@@ -30815,8 +30796,8 @@
             </p:nvSpPr>
             <p:spPr>
               <a:xfrm>
-                <a:off x="3457452" y="534265"/>
-                <a:ext cx="5284498" cy="2396362"/>
+                <a:off x="3440954" y="300546"/>
+                <a:ext cx="5284498" cy="2611805"/>
               </a:xfrm>
               <a:prstGeom prst="rect">
                 <a:avLst/>
@@ -30859,10 +30840,145 @@
                 </a:pPr>
                 <a14:m>
                   <m:oMath xmlns:m="http://schemas.openxmlformats.org/officeDocument/2006/math">
+                    <m:r>
+                      <m:rPr>
+                        <m:sty m:val="p"/>
+                      </m:rPr>
+                      <a:rPr lang="en-US">
+                        <a:solidFill>
+                          <a:schemeClr val="tx1"/>
+                        </a:solidFill>
+                        <a:latin typeface="Cambria Math" panose="02040503050406030204" pitchFamily="18" charset="0"/>
+                        <a:ea typeface="Cambria Math" panose="02040503050406030204" pitchFamily="18" charset="0"/>
+                      </a:rPr>
+                      <m:t>SSError</m:t>
+                    </m:r>
+                    <m:r>
+                      <a:rPr lang="en-US" i="1">
+                        <a:solidFill>
+                          <a:schemeClr val="tx1"/>
+                        </a:solidFill>
+                        <a:latin typeface="Cambria Math" panose="02040503050406030204" pitchFamily="18" charset="0"/>
+                        <a:ea typeface="Cambria Math" panose="02040503050406030204" pitchFamily="18" charset="0"/>
+                      </a:rPr>
+                      <m:t>+(</m:t>
+                    </m:r>
+                    <m:r>
+                      <a:rPr lang="en-US" i="1">
+                        <a:solidFill>
+                          <a:schemeClr val="tx1"/>
+                        </a:solidFill>
+                        <a:latin typeface="Cambria Math" panose="02040503050406030204" pitchFamily="18" charset="0"/>
+                        <a:ea typeface="Cambria Math" panose="02040503050406030204" pitchFamily="18" charset="0"/>
+                      </a:rPr>
+                      <m:t>𝜆</m:t>
+                    </m:r>
+                    <m:r>
+                      <a:rPr lang="en-US" i="1">
+                        <a:solidFill>
+                          <a:schemeClr val="tx1"/>
+                        </a:solidFill>
+                        <a:latin typeface="Cambria Math" panose="02040503050406030204" pitchFamily="18" charset="0"/>
+                        <a:ea typeface="Cambria Math" panose="02040503050406030204" pitchFamily="18" charset="0"/>
+                      </a:rPr>
+                      <m:t> ×</m:t>
+                    </m:r>
+                    <m:d>
+                      <m:dPr>
+                        <m:begChr m:val="|"/>
+                        <m:endChr m:val="|"/>
+                        <m:ctrlPr>
+                          <a:rPr lang="en-US" i="1">
+                            <a:solidFill>
+                              <a:schemeClr val="tx1"/>
+                            </a:solidFill>
+                            <a:latin typeface="Cambria Math" panose="02040503050406030204" pitchFamily="18" charset="0"/>
+                            <a:ea typeface="Cambria Math" panose="02040503050406030204" pitchFamily="18" charset="0"/>
+                          </a:rPr>
+                        </m:ctrlPr>
+                      </m:dPr>
+                      <m:e>
+                        <m:r>
+                          <m:rPr>
+                            <m:sty m:val="p"/>
+                          </m:rPr>
+                          <a:rPr lang="en-US">
+                            <a:solidFill>
+                              <a:schemeClr val="tx1"/>
+                            </a:solidFill>
+                            <a:latin typeface="Cambria Math" panose="02040503050406030204" pitchFamily="18" charset="0"/>
+                            <a:ea typeface="Cambria Math" panose="02040503050406030204" pitchFamily="18" charset="0"/>
+                          </a:rPr>
+                          <m:t>slope</m:t>
+                        </m:r>
+                      </m:e>
+                    </m:d>
+                    <m:r>
+                      <a:rPr lang="en-US" i="1">
+                        <a:solidFill>
+                          <a:schemeClr val="tx1"/>
+                        </a:solidFill>
+                        <a:latin typeface="Cambria Math" panose="02040503050406030204" pitchFamily="18" charset="0"/>
+                        <a:ea typeface="Cambria Math" panose="02040503050406030204" pitchFamily="18" charset="0"/>
+                      </a:rPr>
+                      <m:t>)</m:t>
+                    </m:r>
+                  </m:oMath>
+                </a14:m>
+                <a:endParaRPr lang="en-US" dirty="0"/>
+              </a:p>
+              <a:p>
+                <a:pPr marL="285750" indent="-285750">
+                  <a:buFont typeface="Arial" panose="020B0604020202020204" pitchFamily="34" charset="0"/>
+                  <a:buChar char="•"/>
+                </a:pPr>
+                <a:endParaRPr lang="en-US" dirty="0"/>
+              </a:p>
+              <a:p>
+                <a:r>
+                  <a:rPr lang="en-US" dirty="0"/>
+                  <a:t>Ridge Regression (a.k.a. Weight Decay)</a:t>
+                </a:r>
+              </a:p>
+              <a:p>
+                <a:pPr marL="285750" indent="-285750">
+                  <a:buFont typeface="Arial" panose="020B0604020202020204" pitchFamily="34" charset="0"/>
+                  <a:buChar char="•"/>
+                </a:pPr>
+                <a:r>
+                  <a:rPr lang="en-US" dirty="0"/>
+                  <a:t>Most commonly used.</a:t>
+                </a:r>
+              </a:p>
+              <a:p>
+                <a:pPr marL="285750" indent="-285750">
+                  <a:buFont typeface="Arial" panose="020B0604020202020204" pitchFamily="34" charset="0"/>
+                  <a:buChar char="•"/>
+                </a:pPr>
+                <a:r>
+                  <a:rPr lang="en-US" dirty="0"/>
+                  <a:t>Based on L</a:t>
+                </a:r>
+                <a:r>
+                  <a:rPr lang="en-US" baseline="-25000" dirty="0"/>
+                  <a:t>2</a:t>
+                </a:r>
+                <a:r>
+                  <a:rPr lang="en-US" dirty="0"/>
+                  <a:t> distance (Euclidean distance)</a:t>
+                </a:r>
+              </a:p>
+              <a:p>
+                <a:pPr marL="285750" indent="-285750">
+                  <a:buFont typeface="Arial" panose="020B0604020202020204" pitchFamily="34" charset="0"/>
+                  <a:buChar char="•"/>
+                </a:pPr>
+                <a14:m>
+                  <m:oMath xmlns:m="http://schemas.openxmlformats.org/officeDocument/2006/math">
                     <m:func>
                       <m:funcPr>
                         <m:ctrlPr>
-                          <a:rPr lang="en-US" b="0" i="1" smtClean="0">
+                          <a:rPr lang="en-US" i="1">
                             <a:latin typeface="Cambria Math" panose="02040503050406030204" pitchFamily="18" charset="0"/>
                           </a:rPr>
                         </m:ctrlPr>
@@ -30871,7 +30987,7 @@
                         <m:limLow>
                           <m:limLowPr>
                             <m:ctrlPr>
-                              <a:rPr lang="en-US" b="0" i="1" smtClean="0">
+                              <a:rPr lang="en-US" i="1">
                                 <a:latin typeface="Cambria Math" panose="02040503050406030204" pitchFamily="18" charset="0"/>
                               </a:rPr>
                             </m:ctrlPr>
@@ -30881,7 +30997,7 @@
                               <m:rPr>
                                 <m:sty m:val="p"/>
                               </m:rPr>
-                              <a:rPr lang="en-US" b="0" i="0" smtClean="0">
+                              <a:rPr lang="en-US">
                                 <a:latin typeface="Cambria Math" panose="02040503050406030204" pitchFamily="18" charset="0"/>
                               </a:rPr>
                               <m:t>min</m:t>
@@ -30889,14 +31005,14 @@
                           </m:e>
                           <m:lim>
                             <m:r>
-                              <a:rPr lang="en-US" b="0" i="1" smtClean="0">
+                              <a:rPr lang="en-US" i="1">
                                 <a:latin typeface="Cambria Math" panose="02040503050406030204" pitchFamily="18" charset="0"/>
                                 <a:ea typeface="Cambria Math" panose="02040503050406030204" pitchFamily="18" charset="0"/>
                               </a:rPr>
                               <m:t>𝛽</m:t>
                             </m:r>
                             <m:r>
-                              <a:rPr lang="en-US" b="0" i="1" smtClean="0">
+                              <a:rPr lang="en-US" i="1">
                                 <a:latin typeface="Cambria Math" panose="02040503050406030204" pitchFamily="18" charset="0"/>
                                 <a:ea typeface="Cambria Math" panose="02040503050406030204" pitchFamily="18" charset="0"/>
                               </a:rPr>
@@ -30905,7 +31021,7 @@
                             <m:sSub>
                               <m:sSubPr>
                                 <m:ctrlPr>
-                                  <a:rPr lang="en-US" b="0" i="1" smtClean="0">
+                                  <a:rPr lang="en-US" i="1">
                                     <a:latin typeface="Cambria Math" panose="02040503050406030204" pitchFamily="18" charset="0"/>
                                     <a:ea typeface="Cambria Math" panose="02040503050406030204" pitchFamily="18" charset="0"/>
                                   </a:rPr>
@@ -30913,7 +31029,7 @@
                               </m:sSubPr>
                               <m:e>
                                 <m:r>
-                                  <a:rPr lang="en-US" b="0" i="1" smtClean="0">
+                                  <a:rPr lang="en-US" i="1">
                                     <a:latin typeface="Cambria Math" panose="02040503050406030204" pitchFamily="18" charset="0"/>
                                     <a:ea typeface="Cambria Math" panose="02040503050406030204" pitchFamily="18" charset="0"/>
                                   </a:rPr>
@@ -30922,7 +31038,7 @@
                               </m:e>
                               <m:sub>
                                 <m:r>
-                                  <a:rPr lang="en-US" b="0" i="1" smtClean="0">
+                                  <a:rPr lang="en-US" i="1">
                                     <a:latin typeface="Cambria Math" panose="02040503050406030204" pitchFamily="18" charset="0"/>
                                     <a:ea typeface="Cambria Math" panose="02040503050406030204" pitchFamily="18" charset="0"/>
                                   </a:rPr>
@@ -30955,7 +31071,7 @@
                               </m:fPr>
                               <m:num>
                                 <m:r>
-                                  <a:rPr lang="en-US" b="0" i="1" smtClean="0">
+                                  <a:rPr lang="en-US" i="1">
                                     <a:latin typeface="Cambria Math" panose="02040503050406030204" pitchFamily="18" charset="0"/>
                                   </a:rPr>
                                   <m:t>1</m:t>
@@ -30963,7 +31079,7 @@
                               </m:num>
                               <m:den>
                                 <m:r>
-                                  <a:rPr lang="en-US" b="0" i="1" smtClean="0">
+                                  <a:rPr lang="en-US" i="1">
                                     <a:latin typeface="Cambria Math" panose="02040503050406030204" pitchFamily="18" charset="0"/>
                                   </a:rPr>
                                   <m:t>𝑁</m:t>
@@ -30974,7 +31090,7 @@
                               <m:naryPr>
                                 <m:chr m:val="∑"/>
                                 <m:ctrlPr>
-                                  <a:rPr lang="en-US" i="1" smtClean="0">
+                                  <a:rPr lang="en-US" i="1">
                                     <a:latin typeface="Cambria Math" panose="02040503050406030204" pitchFamily="18" charset="0"/>
                                   </a:rPr>
                                 </m:ctrlPr>
@@ -30984,13 +31100,13 @@
                                   <m:rPr>
                                     <m:brk m:alnAt="23"/>
                                   </m:rPr>
-                                  <a:rPr lang="en-US" b="0" i="1" smtClean="0">
+                                  <a:rPr lang="en-US" i="1">
                                     <a:latin typeface="Cambria Math" panose="02040503050406030204" pitchFamily="18" charset="0"/>
                                   </a:rPr>
                                   <m:t>𝑖</m:t>
                                 </m:r>
                                 <m:r>
-                                  <a:rPr lang="en-US" b="0" i="1" smtClean="0">
+                                  <a:rPr lang="en-US" i="1">
                                     <a:latin typeface="Cambria Math" panose="02040503050406030204" pitchFamily="18" charset="0"/>
                                   </a:rPr>
                                   <m:t>=1</m:t>
@@ -30998,7 +31114,7 @@
                               </m:sub>
                               <m:sup>
                                 <m:r>
-                                  <a:rPr lang="en-US" b="0" i="1" smtClean="0">
+                                  <a:rPr lang="en-US" i="1">
                                     <a:latin typeface="Cambria Math" panose="02040503050406030204" pitchFamily="18" charset="0"/>
                                   </a:rPr>
                                   <m:t>𝑁</m:t>
@@ -31008,7 +31124,7 @@
                                 <m:sSup>
                                   <m:sSupPr>
                                     <m:ctrlPr>
-                                      <a:rPr lang="en-US" i="1" smtClean="0">
+                                      <a:rPr lang="en-US" i="1">
                                         <a:latin typeface="Cambria Math" panose="02040503050406030204" pitchFamily="18" charset="0"/>
                                       </a:rPr>
                                     </m:ctrlPr>
@@ -31131,7 +31247,7 @@
                                   </m:e>
                                   <m:sup>
                                     <m:r>
-                                      <a:rPr lang="en-US" b="0" i="1" smtClean="0">
+                                      <a:rPr lang="en-US" i="1">
                                         <a:latin typeface="Cambria Math" panose="02040503050406030204" pitchFamily="18" charset="0"/>
                                       </a:rPr>
                                       <m:t>2</m:t>
@@ -31155,7 +31271,7 @@
                     <m:sSup>
                       <m:sSupPr>
                         <m:ctrlPr>
-                          <a:rPr lang="en-US" i="1" smtClean="0">
+                          <a:rPr lang="en-US" i="1">
                             <a:latin typeface="Cambria Math" panose="02040503050406030204" pitchFamily="18" charset="0"/>
                           </a:rPr>
                         </m:ctrlPr>
@@ -31237,7 +31353,7 @@
                                   </m:e>
                                   <m:sup>
                                     <m:r>
-                                      <a:rPr lang="en-US" b="0" i="1" smtClean="0">
+                                      <a:rPr lang="en-US" i="1">
                                         <a:latin typeface="Cambria Math" panose="02040503050406030204" pitchFamily="18" charset="0"/>
                                         <a:ea typeface="Cambria Math" panose="02040503050406030204" pitchFamily="18" charset="0"/>
                                       </a:rPr>
@@ -31252,13 +31368,13 @@
                       </m:e>
                       <m:sup>
                         <m:r>
-                          <a:rPr lang="en-US" b="0" i="1" smtClean="0">
+                          <a:rPr lang="en-US" i="1">
                             <a:latin typeface="Cambria Math" panose="02040503050406030204" pitchFamily="18" charset="0"/>
                           </a:rPr>
                           <m:t>1/</m:t>
                         </m:r>
                         <m:r>
-                          <a:rPr lang="en-US" b="0" i="1" smtClean="0">
+                          <a:rPr lang="en-US" i="1">
                             <a:latin typeface="Cambria Math" panose="02040503050406030204" pitchFamily="18" charset="0"/>
                           </a:rPr>
                           <m:t>𝑝</m:t>
@@ -31282,168 +31398,7 @@
                       <m:rPr>
                         <m:sty m:val="p"/>
                       </m:rPr>
-                      <a:rPr lang="en-US" b="0" i="0" smtClean="0">
-                        <a:solidFill>
-                          <a:schemeClr val="tx1"/>
-                        </a:solidFill>
-                        <a:latin typeface="Cambria Math" panose="02040503050406030204" pitchFamily="18" charset="0"/>
-                        <a:ea typeface="Cambria Math" panose="02040503050406030204" pitchFamily="18" charset="0"/>
-                      </a:rPr>
-                      <m:t>SSError</m:t>
-                    </m:r>
-                    <m:r>
-                      <a:rPr lang="en-US" b="0" i="1" smtClean="0">
-                        <a:solidFill>
-                          <a:schemeClr val="tx1"/>
-                        </a:solidFill>
-                        <a:latin typeface="Cambria Math" panose="02040503050406030204" pitchFamily="18" charset="0"/>
-                        <a:ea typeface="Cambria Math" panose="02040503050406030204" pitchFamily="18" charset="0"/>
-                      </a:rPr>
-                      <m:t>+(</m:t>
-                    </m:r>
-                    <m:r>
-                      <a:rPr lang="en-US" b="0" i="1" smtClean="0">
-                        <a:solidFill>
-                          <a:schemeClr val="tx1"/>
-                        </a:solidFill>
-                        <a:latin typeface="Cambria Math" panose="02040503050406030204" pitchFamily="18" charset="0"/>
-                        <a:ea typeface="Cambria Math" panose="02040503050406030204" pitchFamily="18" charset="0"/>
-                      </a:rPr>
-                      <m:t>𝜆</m:t>
-                    </m:r>
-                    <m:r>
-                      <a:rPr lang="en-US" b="0" i="1" smtClean="0">
-                        <a:solidFill>
-                          <a:schemeClr val="tx1"/>
-                        </a:solidFill>
-                        <a:latin typeface="Cambria Math" panose="02040503050406030204" pitchFamily="18" charset="0"/>
-                        <a:ea typeface="Cambria Math" panose="02040503050406030204" pitchFamily="18" charset="0"/>
-                      </a:rPr>
-                      <m:t> ×</m:t>
-                    </m:r>
-                    <m:sSup>
-                      <m:sSupPr>
-                        <m:ctrlPr>
-                          <a:rPr lang="en-US" b="0" i="1" smtClean="0">
-                            <a:solidFill>
-                              <a:schemeClr val="tx1"/>
-                            </a:solidFill>
-                            <a:latin typeface="Cambria Math" panose="02040503050406030204" pitchFamily="18" charset="0"/>
-                            <a:ea typeface="Cambria Math" panose="02040503050406030204" pitchFamily="18" charset="0"/>
-                          </a:rPr>
-                        </m:ctrlPr>
-                      </m:sSupPr>
-                      <m:e>
-                        <m:r>
-                          <a:rPr lang="en-US" b="0" i="0" smtClean="0">
-                            <a:solidFill>
-                              <a:schemeClr val="tx1"/>
-                            </a:solidFill>
-                            <a:latin typeface="Cambria Math" panose="02040503050406030204" pitchFamily="18" charset="0"/>
-                            <a:ea typeface="Cambria Math" panose="02040503050406030204" pitchFamily="18" charset="0"/>
-                          </a:rPr>
-                          <m:t> </m:t>
-                        </m:r>
-                        <m:r>
-                          <m:rPr>
-                            <m:sty m:val="p"/>
-                          </m:rPr>
-                          <a:rPr lang="en-US" b="0" i="0" smtClean="0">
-                            <a:solidFill>
-                              <a:schemeClr val="tx1"/>
-                            </a:solidFill>
-                            <a:latin typeface="Cambria Math" panose="02040503050406030204" pitchFamily="18" charset="0"/>
-                            <a:ea typeface="Cambria Math" panose="02040503050406030204" pitchFamily="18" charset="0"/>
-                          </a:rPr>
-                          <m:t>slope</m:t>
-                        </m:r>
-                      </m:e>
-                      <m:sup>
-                        <m:r>
-                          <a:rPr lang="en-US" b="0" i="1" smtClean="0">
-                            <a:solidFill>
-                              <a:schemeClr val="tx1"/>
-                            </a:solidFill>
-                            <a:latin typeface="Cambria Math" panose="02040503050406030204" pitchFamily="18" charset="0"/>
-                            <a:ea typeface="Cambria Math" panose="02040503050406030204" pitchFamily="18" charset="0"/>
-                          </a:rPr>
-                          <m:t>2</m:t>
-                        </m:r>
-                      </m:sup>
-                    </m:sSup>
-                    <m:r>
-                      <a:rPr lang="en-US" b="0" i="1" smtClean="0">
-                        <a:solidFill>
-                          <a:schemeClr val="tx1"/>
-                        </a:solidFill>
-                        <a:latin typeface="Cambria Math" panose="02040503050406030204" pitchFamily="18" charset="0"/>
-                        <a:ea typeface="Cambria Math" panose="02040503050406030204" pitchFamily="18" charset="0"/>
-                      </a:rPr>
-                      <m:t>)</m:t>
-                    </m:r>
-                  </m:oMath>
-                </a14:m>
-                <a:endParaRPr lang="en-US" i="1" dirty="0">
-                  <a:solidFill>
-                    <a:schemeClr val="tx1"/>
-                  </a:solidFill>
-                  <a:latin typeface="Cambria Math" panose="02040503050406030204" pitchFamily="18" charset="0"/>
-                  <a:ea typeface="Cambria Math" panose="02040503050406030204" pitchFamily="18" charset="0"/>
-                </a:endParaRPr>
-              </a:p>
-              <a:p>
-                <a:pPr marL="285750" indent="-285750">
-                  <a:buFont typeface="Arial" panose="020B0604020202020204" pitchFamily="34" charset="0"/>
-                  <a:buChar char="•"/>
-                </a:pPr>
-                <a:endParaRPr lang="en-US" dirty="0"/>
-              </a:p>
-              <a:p>
-                <a:r>
-                  <a:rPr lang="en-US" dirty="0"/>
-                  <a:t>Ridge Regression (a.k.a. Weight Decay)</a:t>
-                </a:r>
-              </a:p>
-              <a:p>
-                <a:pPr marL="285750" indent="-285750">
-                  <a:buFont typeface="Arial" panose="020B0604020202020204" pitchFamily="34" charset="0"/>
-                  <a:buChar char="•"/>
-                </a:pPr>
-                <a:r>
-                  <a:rPr lang="en-US" dirty="0"/>
-                  <a:t>Most commonly used.</a:t>
-                </a:r>
-              </a:p>
-              <a:p>
-                <a:pPr marL="285750" indent="-285750">
-                  <a:buFont typeface="Arial" panose="020B0604020202020204" pitchFamily="34" charset="0"/>
-                  <a:buChar char="•"/>
-                </a:pPr>
-                <a:r>
-                  <a:rPr lang="en-US" dirty="0"/>
-                  <a:t>Based on L</a:t>
-                </a:r>
-                <a:r>
-                  <a:rPr lang="en-US" baseline="-25000" dirty="0"/>
-                  <a:t>2</a:t>
-                </a:r>
-                <a:r>
-                  <a:rPr lang="en-US" dirty="0"/>
-                  <a:t> distance (Euclidean distance)</a:t>
-                </a:r>
-              </a:p>
-              <a:p>
-                <a:pPr marL="285750" indent="-285750">
-                  <a:buFont typeface="Arial" panose="020B0604020202020204" pitchFamily="34" charset="0"/>
-                  <a:buChar char="•"/>
-                </a:pPr>
-                <a14:m>
-                  <m:oMath xmlns:m="http://schemas.openxmlformats.org/officeDocument/2006/math">
-                    <m:r>
-                      <m:rPr>
-                        <m:sty m:val="p"/>
-                      </m:rPr>
-                      <a:rPr lang="en-US" smtClean="0">
+                      <a:rPr lang="en-US">
                         <a:solidFill>
                           <a:schemeClr val="tx1"/>
                         </a:solidFill>
@@ -31482,12 +31437,10 @@
                       </a:rPr>
                       <m:t> ×</m:t>
                     </m:r>
-                    <m:d>
-                      <m:dPr>
-                        <m:begChr m:val="|"/>
-                        <m:endChr m:val="|"/>
+                    <m:sSup>
+                      <m:sSupPr>
                         <m:ctrlPr>
-                          <a:rPr lang="en-US" i="1" smtClean="0">
+                          <a:rPr lang="en-US" i="1">
                             <a:solidFill>
                               <a:schemeClr val="tx1"/>
                             </a:solidFill>
@@ -31495,13 +31448,23 @@
                             <a:ea typeface="Cambria Math" panose="02040503050406030204" pitchFamily="18" charset="0"/>
                           </a:rPr>
                         </m:ctrlPr>
-                      </m:dPr>
+                      </m:sSupPr>
                       <m:e>
+                        <m:r>
+                          <a:rPr lang="en-US">
+                            <a:solidFill>
+                              <a:schemeClr val="tx1"/>
+                            </a:solidFill>
+                            <a:latin typeface="Cambria Math" panose="02040503050406030204" pitchFamily="18" charset="0"/>
+                            <a:ea typeface="Cambria Math" panose="02040503050406030204" pitchFamily="18" charset="0"/>
+                          </a:rPr>
+                          <m:t> </m:t>
+                        </m:r>
                         <m:r>
                           <m:rPr>
                             <m:sty m:val="p"/>
                           </m:rPr>
-                          <a:rPr lang="en-US" b="0" i="0" smtClean="0">
+                          <a:rPr lang="en-US">
                             <a:solidFill>
                               <a:schemeClr val="tx1"/>
                             </a:solidFill>
@@ -31511,7 +31474,19 @@
                           <m:t>slope</m:t>
                         </m:r>
                       </m:e>
-                    </m:d>
+                      <m:sup>
+                        <m:r>
+                          <a:rPr lang="en-US" i="1">
+                            <a:solidFill>
+                              <a:schemeClr val="tx1"/>
+                            </a:solidFill>
+                            <a:latin typeface="Cambria Math" panose="02040503050406030204" pitchFamily="18" charset="0"/>
+                            <a:ea typeface="Cambria Math" panose="02040503050406030204" pitchFamily="18" charset="0"/>
+                          </a:rPr>
+                          <m:t>2</m:t>
+                        </m:r>
+                      </m:sup>
+                    </m:sSup>
                     <m:r>
                       <a:rPr lang="en-US" i="1">
                         <a:solidFill>
@@ -31537,12 +31512,25 @@
                   <a:buFont typeface="Arial" panose="020B0604020202020204" pitchFamily="34" charset="0"/>
                   <a:buChar char="•"/>
                 </a:pPr>
+                <a:endParaRPr lang="en-US" i="1" dirty="0">
+                  <a:solidFill>
+                    <a:schemeClr val="tx1"/>
+                  </a:solidFill>
+                  <a:latin typeface="Cambria Math" panose="02040503050406030204" pitchFamily="18" charset="0"/>
+                  <a:ea typeface="Cambria Math" panose="02040503050406030204" pitchFamily="18" charset="0"/>
+                </a:endParaRPr>
+              </a:p>
+              <a:p>
+                <a:pPr marL="285750" indent="-285750">
+                  <a:buFont typeface="Arial" panose="020B0604020202020204" pitchFamily="34" charset="0"/>
+                  <a:buChar char="•"/>
+                </a:pPr>
                 <a:endParaRPr lang="en-US" dirty="0"/>
               </a:p>
             </p:txBody>
           </p:sp>
         </mc:Choice>
-        <mc:Fallback xmlns="">
+        <mc:Fallback>
           <p:sp>
             <p:nvSpPr>
               <p:cNvPr id="6" name="TextBox 5">
@@ -31559,8 +31547,8 @@
             </p:nvSpPr>
             <p:spPr>
               <a:xfrm>
-                <a:off x="3457452" y="534265"/>
-                <a:ext cx="5284498" cy="2396362"/>
+                <a:off x="3440954" y="300546"/>
+                <a:ext cx="5284498" cy="2611805"/>
               </a:xfrm>
               <a:prstGeom prst="rect">
                 <a:avLst/>
@@ -31568,7 +31556,7 @@
               <a:blipFill>
                 <a:blip r:embed="rId9"/>
                 <a:stretch>
-                  <a:fillRect l="-240"/>
+                  <a:fillRect l="-240" t="-483"/>
                 </a:stretch>
               </a:blipFill>
             </p:spPr>

--- a/3 - Machine Learning/MachineLearning.pptx
+++ b/3 - Machine Learning/MachineLearning.pptx
@@ -67,14 +67,14 @@
       <p:boldItalic r:id="rId47"/>
     </p:embeddedFont>
     <p:embeddedFont>
-      <p:font typeface="Lato" panose="020F0502020204030203" pitchFamily="34" charset="0"/>
+      <p:font typeface="Lato" panose="020B0604020202020204" charset="0"/>
       <p:regular r:id="rId48"/>
       <p:bold r:id="rId49"/>
       <p:italic r:id="rId50"/>
       <p:boldItalic r:id="rId51"/>
     </p:embeddedFont>
     <p:embeddedFont>
-      <p:font typeface="Raleway" panose="020B0503030101060003" pitchFamily="34" charset="77"/>
+      <p:font typeface="Raleway" panose="020B0604020202020204" charset="0"/>
       <p:regular r:id="rId52"/>
       <p:bold r:id="rId53"/>
       <p:italic r:id="rId54"/>
@@ -2068,7 +2068,7 @@
           </a:r>
           <a:r>
             <a:rPr lang="en-US" sz="1400" b="1" dirty="0"/>
-            <a:t>Dataset</a:t>
+            <a:t>Data Asset</a:t>
           </a:r>
           <a:r>
             <a:rPr lang="en-US" sz="1400" dirty="0"/>
@@ -2313,12 +2313,12 @@
     <dgm:cxn modelId="{A63ECC29-2820-4062-B1BC-1C91FC33E551}" type="presOf" srcId="{57731373-C80E-4E09-AE92-8009F2922300}" destId="{25062737-8A56-4984-94AB-53248B63EA16}" srcOrd="0" destOrd="0" presId="urn:microsoft.com/office/officeart/2005/8/layout/bProcess3"/>
     <dgm:cxn modelId="{D14D1936-FA5E-4C62-BB7E-035C9D60EFEA}" type="presOf" srcId="{5C60A8DE-8E6B-48E8-B16A-DDDEA8EB18E1}" destId="{A9BC978D-AED0-4E09-BF79-F26E8D1CF4A1}" srcOrd="0" destOrd="0" presId="urn:microsoft.com/office/officeart/2005/8/layout/bProcess3"/>
     <dgm:cxn modelId="{EEE3B83B-8554-467E-A752-7DC252304D85}" type="presOf" srcId="{12429059-AE68-44B6-A08A-166C2A6F1376}" destId="{27649699-B745-4AC1-9D9D-D35BEE6C4113}" srcOrd="0" destOrd="0" presId="urn:microsoft.com/office/officeart/2005/8/layout/bProcess3"/>
+    <dgm:cxn modelId="{4098195F-3CE7-430D-8206-B59D789E3FD7}" type="presOf" srcId="{BEE22CC3-71A8-4FE2-A916-4C37F1A89AFD}" destId="{26C05194-595E-44D1-84CB-2197238A83C4}" srcOrd="0" destOrd="0" presId="urn:microsoft.com/office/officeart/2005/8/layout/bProcess3"/>
     <dgm:cxn modelId="{C4537042-B14B-47D2-94A6-4A6A4F576A77}" srcId="{4410F19C-9AF8-455E-BB49-82795D97D9E4}" destId="{D1424278-B4BF-48FD-BD7F-43BB4198C45E}" srcOrd="2" destOrd="0" parTransId="{025DF95C-27A1-4271-B7CB-6128AB8017B1}" sibTransId="{5E3834B2-A93D-4F9F-A3C4-748C7BCCDB2D}"/>
     <dgm:cxn modelId="{58D40353-3FDE-4676-AD8A-D9EB7DF093A7}" type="presOf" srcId="{4AF74A3F-7DDF-4BAC-8116-E32C06B2F2CC}" destId="{517F039B-46A4-4CED-9BE1-83705535D140}" srcOrd="0" destOrd="0" presId="urn:microsoft.com/office/officeart/2005/8/layout/bProcess3"/>
+    <dgm:cxn modelId="{70881873-E84C-4789-B0ED-F788AC16ECE9}" type="presOf" srcId="{4AF74A3F-7DDF-4BAC-8116-E32C06B2F2CC}" destId="{87AADF7E-62D6-4428-9714-F8C6A8B78AFA}" srcOrd="1" destOrd="0" presId="urn:microsoft.com/office/officeart/2005/8/layout/bProcess3"/>
     <dgm:cxn modelId="{87637D53-BC00-4DB4-99FE-2B7428C56F3D}" type="presOf" srcId="{5E3834B2-A93D-4F9F-A3C4-748C7BCCDB2D}" destId="{058BA394-4F29-4EF1-ABF8-0419C44C1287}" srcOrd="0" destOrd="0" presId="urn:microsoft.com/office/officeart/2005/8/layout/bProcess3"/>
     <dgm:cxn modelId="{ECB0C953-D608-4EF9-AA43-696CEE105F7F}" srcId="{4410F19C-9AF8-455E-BB49-82795D97D9E4}" destId="{5C60A8DE-8E6B-48E8-B16A-DDDEA8EB18E1}" srcOrd="1" destOrd="0" parTransId="{7BBFBABF-6BA4-41E2-951D-E2AB414E5AF3}" sibTransId="{4AF74A3F-7DDF-4BAC-8116-E32C06B2F2CC}"/>
-    <dgm:cxn modelId="{4098195F-3CE7-430D-8206-B59D789E3FD7}" type="presOf" srcId="{BEE22CC3-71A8-4FE2-A916-4C37F1A89AFD}" destId="{26C05194-595E-44D1-84CB-2197238A83C4}" srcOrd="0" destOrd="0" presId="urn:microsoft.com/office/officeart/2005/8/layout/bProcess3"/>
-    <dgm:cxn modelId="{70881873-E84C-4789-B0ED-F788AC16ECE9}" type="presOf" srcId="{4AF74A3F-7DDF-4BAC-8116-E32C06B2F2CC}" destId="{87AADF7E-62D6-4428-9714-F8C6A8B78AFA}" srcOrd="1" destOrd="0" presId="urn:microsoft.com/office/officeart/2005/8/layout/bProcess3"/>
     <dgm:cxn modelId="{FBC47275-6E52-4518-B9C3-A01CA1F204D8}" type="presOf" srcId="{E5FC531C-8865-4E2F-A01F-40309BF4A491}" destId="{D058FE29-7F42-400C-A266-F0C72530FEA6}" srcOrd="1" destOrd="0" presId="urn:microsoft.com/office/officeart/2005/8/layout/bProcess3"/>
     <dgm:cxn modelId="{B48C5A82-F3B4-4A09-8C51-9CE26342DE78}" type="presOf" srcId="{4410F19C-9AF8-455E-BB49-82795D97D9E4}" destId="{4C1C69C1-DAA9-4E29-A4CE-7C992F91D42F}" srcOrd="0" destOrd="0" presId="urn:microsoft.com/office/officeart/2005/8/layout/bProcess3"/>
     <dgm:cxn modelId="{77661E93-7F63-43DB-8F70-F7627385C301}" type="presOf" srcId="{D1424278-B4BF-48FD-BD7F-43BB4198C45E}" destId="{1F977013-8D01-457C-BF74-0007130FF42E}" srcOrd="0" destOrd="0" presId="urn:microsoft.com/office/officeart/2005/8/layout/bProcess3"/>
@@ -4171,13 +4171,6 @@
     <dgm:cxn modelId="{000ABB37-BAF6-45B1-8186-AC4FD34DBD80}" srcId="{B175281C-178F-406D-AE70-093369BD641A}" destId="{FB71929B-753E-4653-8F45-3EEE374AE6CC}" srcOrd="1" destOrd="0" parTransId="{355D9102-6D06-4334-9432-0FFCE7877B70}" sibTransId="{EB7389E2-FAB5-49FD-A383-89550947F9C2}"/>
     <dgm:cxn modelId="{BDE1233A-EA55-459D-89DB-04BB83D384A2}" srcId="{09C3324E-9336-456E-85C7-91CB2EA69F76}" destId="{3A8EEFEE-64FF-4FD1-B643-DA629220C7A0}" srcOrd="0" destOrd="0" parTransId="{C33DDF5E-7E4D-4B95-9051-7E281DF817C1}" sibTransId="{98A38D5B-839E-4671-8170-06750DCCB21A}"/>
     <dgm:cxn modelId="{D113093B-AD6C-4670-B2F3-1EBAAEC8B48E}" srcId="{FB71929B-753E-4653-8F45-3EEE374AE6CC}" destId="{2F42A220-4910-4A31-8F84-5B28FDD5B4ED}" srcOrd="1" destOrd="0" parTransId="{72101D0B-1019-47B1-AA9E-0E38A8371E9F}" sibTransId="{74AA7E7F-8001-405A-A38C-864D01ECA733}"/>
-    <dgm:cxn modelId="{B897B14A-B026-454D-B323-DD3E7265C9CF}" type="presOf" srcId="{9069B342-234C-40F0-AE36-628784B96AD8}" destId="{C6B43F54-4DE6-48F5-9642-DDF69CEC676F}" srcOrd="1" destOrd="0" presId="urn:microsoft.com/office/officeart/2005/8/layout/orgChart1"/>
-    <dgm:cxn modelId="{52CBBD4D-B38A-4DCF-B07A-4CA21413E486}" type="presOf" srcId="{56CA2637-857C-4119-909B-76EA4272DD32}" destId="{A3155A5E-C74C-45B8-BBAE-ABF4C6A45D9F}" srcOrd="1" destOrd="0" presId="urn:microsoft.com/office/officeart/2005/8/layout/orgChart1"/>
-    <dgm:cxn modelId="{8927314E-49D5-4262-9BCE-1A9128D3ED66}" type="presOf" srcId="{9B9D410A-7A9A-416A-9F12-E2403D566ED3}" destId="{F0CDD765-D3BE-43BD-9B4F-67B17C436B43}" srcOrd="1" destOrd="0" presId="urn:microsoft.com/office/officeart/2005/8/layout/orgChart1"/>
-    <dgm:cxn modelId="{E630674E-C191-4EFB-A961-2AB453DA9A89}" type="presOf" srcId="{5A2054A7-EB01-404C-8751-ECB80EEF1ECD}" destId="{479CF454-9913-4664-903D-C4C024A89E7E}" srcOrd="0" destOrd="0" presId="urn:microsoft.com/office/officeart/2005/8/layout/orgChart1"/>
-    <dgm:cxn modelId="{C7036C53-12A7-488F-AA58-F0EFD30403BD}" srcId="{302B97D2-1014-49D0-9622-B223F81CDC43}" destId="{662AA260-FF02-4DAA-AA13-5EB1D1CD32F4}" srcOrd="1" destOrd="0" parTransId="{5A2054A7-EB01-404C-8751-ECB80EEF1ECD}" sibTransId="{F60B1252-C61E-4CA2-AFB8-22DFE2C8862C}"/>
-    <dgm:cxn modelId="{94ABB353-2598-4A0E-A3E4-15A4B81CAF9D}" type="presOf" srcId="{2F42A220-4910-4A31-8F84-5B28FDD5B4ED}" destId="{E400B6D4-5308-4F14-B09D-5804E798C260}" srcOrd="1" destOrd="0" presId="urn:microsoft.com/office/officeart/2005/8/layout/orgChart1"/>
-    <dgm:cxn modelId="{717B2357-16AA-48E0-AF54-9E25FEB66530}" type="presOf" srcId="{6EFF71A3-F6C7-4247-902F-03F1906AF4B5}" destId="{9CC03CAF-0A94-43ED-9C9A-AD72549C7C3E}" srcOrd="0" destOrd="0" presId="urn:microsoft.com/office/officeart/2005/8/layout/orgChart1"/>
     <dgm:cxn modelId="{4016FC5D-0B0D-4D83-90F7-3678559BCB12}" srcId="{F9497423-7787-43BF-A1BE-F44991785509}" destId="{B2960507-5DFE-4AE5-8926-0C45FA5E9053}" srcOrd="0" destOrd="0" parTransId="{8A04D1E6-62FF-427D-86AA-376D0CF6B3B4}" sibTransId="{3987DF88-A0A3-45F4-B49E-FC33CC0B7CF7}"/>
     <dgm:cxn modelId="{3B280C60-47C0-42DA-B237-4AB51F409214}" type="presOf" srcId="{56CA2637-857C-4119-909B-76EA4272DD32}" destId="{542C40A6-7170-4C11-A121-34C6ADC5E028}" srcOrd="0" destOrd="0" presId="urn:microsoft.com/office/officeart/2005/8/layout/orgChart1"/>
     <dgm:cxn modelId="{82348E60-0A89-4CED-9399-C9FBD8814182}" type="presOf" srcId="{CE77F216-7BFD-42E5-A225-35A95FE271BF}" destId="{2CB542B1-2493-4BD2-9146-281EC2143D6E}" srcOrd="0" destOrd="0" presId="urn:microsoft.com/office/officeart/2005/8/layout/orgChart1"/>
@@ -4190,8 +4183,15 @@
     <dgm:cxn modelId="{F5841069-F754-4C2C-8660-431378262C03}" type="presOf" srcId="{50634887-9D04-441A-8E79-0541A92F607A}" destId="{14BE5F11-99D2-446B-9F4A-CE0AA1825208}" srcOrd="1" destOrd="0" presId="urn:microsoft.com/office/officeart/2005/8/layout/orgChart1"/>
     <dgm:cxn modelId="{C3F33B69-A906-41D4-857E-356E72AD4ED4}" srcId="{D82D1971-C486-4E87-8A15-F75DDF0E4844}" destId="{6C3C03FB-37C6-484E-9B68-076CC13622CD}" srcOrd="0" destOrd="0" parTransId="{A386C645-D06C-4261-AF7F-5AB4F14D4978}" sibTransId="{92E7E636-D32C-4AAB-B4CC-2FD64A546BB0}"/>
     <dgm:cxn modelId="{8AC2A06A-7C95-49FC-AAB3-CB0AA8B44B75}" srcId="{9069B342-234C-40F0-AE36-628784B96AD8}" destId="{17B2640D-4177-40D0-9CC6-F484AD058A4A}" srcOrd="0" destOrd="0" parTransId="{2975A251-6964-42E7-8375-87B8635C2199}" sibTransId="{E708A18D-A600-4DB1-A9F9-F21E5713C3A1}"/>
+    <dgm:cxn modelId="{B897B14A-B026-454D-B323-DD3E7265C9CF}" type="presOf" srcId="{9069B342-234C-40F0-AE36-628784B96AD8}" destId="{C6B43F54-4DE6-48F5-9642-DDF69CEC676F}" srcOrd="1" destOrd="0" presId="urn:microsoft.com/office/officeart/2005/8/layout/orgChart1"/>
+    <dgm:cxn modelId="{52CBBD4D-B38A-4DCF-B07A-4CA21413E486}" type="presOf" srcId="{56CA2637-857C-4119-909B-76EA4272DD32}" destId="{A3155A5E-C74C-45B8-BBAE-ABF4C6A45D9F}" srcOrd="1" destOrd="0" presId="urn:microsoft.com/office/officeart/2005/8/layout/orgChart1"/>
+    <dgm:cxn modelId="{8927314E-49D5-4262-9BCE-1A9128D3ED66}" type="presOf" srcId="{9B9D410A-7A9A-416A-9F12-E2403D566ED3}" destId="{F0CDD765-D3BE-43BD-9B4F-67B17C436B43}" srcOrd="1" destOrd="0" presId="urn:microsoft.com/office/officeart/2005/8/layout/orgChart1"/>
+    <dgm:cxn modelId="{E630674E-C191-4EFB-A961-2AB453DA9A89}" type="presOf" srcId="{5A2054A7-EB01-404C-8751-ECB80EEF1ECD}" destId="{479CF454-9913-4664-903D-C4C024A89E7E}" srcOrd="0" destOrd="0" presId="urn:microsoft.com/office/officeart/2005/8/layout/orgChart1"/>
     <dgm:cxn modelId="{B98A7972-B786-4B69-9E7E-BA53A690E9D0}" type="presOf" srcId="{A0589EB2-684A-4614-A8DB-97B038888ED3}" destId="{650D0449-0118-4ED5-8E28-07BC9FB831A8}" srcOrd="0" destOrd="0" presId="urn:microsoft.com/office/officeart/2005/8/layout/orgChart1"/>
+    <dgm:cxn modelId="{C7036C53-12A7-488F-AA58-F0EFD30403BD}" srcId="{302B97D2-1014-49D0-9622-B223F81CDC43}" destId="{662AA260-FF02-4DAA-AA13-5EB1D1CD32F4}" srcOrd="1" destOrd="0" parTransId="{5A2054A7-EB01-404C-8751-ECB80EEF1ECD}" sibTransId="{F60B1252-C61E-4CA2-AFB8-22DFE2C8862C}"/>
+    <dgm:cxn modelId="{94ABB353-2598-4A0E-A3E4-15A4B81CAF9D}" type="presOf" srcId="{2F42A220-4910-4A31-8F84-5B28FDD5B4ED}" destId="{E400B6D4-5308-4F14-B09D-5804E798C260}" srcOrd="1" destOrd="0" presId="urn:microsoft.com/office/officeart/2005/8/layout/orgChart1"/>
     <dgm:cxn modelId="{54C2F573-7CBC-4BCE-940F-283A49644961}" type="presOf" srcId="{09C3324E-9336-456E-85C7-91CB2EA69F76}" destId="{60021657-9451-477A-9A60-43EFCD73E3C6}" srcOrd="0" destOrd="0" presId="urn:microsoft.com/office/officeart/2005/8/layout/orgChart1"/>
+    <dgm:cxn modelId="{717B2357-16AA-48E0-AF54-9E25FEB66530}" type="presOf" srcId="{6EFF71A3-F6C7-4247-902F-03F1906AF4B5}" destId="{9CC03CAF-0A94-43ED-9C9A-AD72549C7C3E}" srcOrd="0" destOrd="0" presId="urn:microsoft.com/office/officeart/2005/8/layout/orgChart1"/>
     <dgm:cxn modelId="{A7041778-F461-4DFE-A6B5-07019907C326}" type="presOf" srcId="{B175281C-178F-406D-AE70-093369BD641A}" destId="{76CB79F9-F49D-4AE9-A7FD-239231C89790}" srcOrd="0" destOrd="0" presId="urn:microsoft.com/office/officeart/2005/8/layout/orgChart1"/>
     <dgm:cxn modelId="{1110397B-F1EA-44CE-9ABF-B5F830C74B4E}" type="presOf" srcId="{D82D1971-C486-4E87-8A15-F75DDF0E4844}" destId="{57D95651-A607-4454-AD5B-C4663C156726}" srcOrd="0" destOrd="0" presId="urn:microsoft.com/office/officeart/2005/8/layout/orgChart1"/>
     <dgm:cxn modelId="{F317587C-0A3A-4F9E-BB5C-797F6265CC63}" type="presOf" srcId="{10CD3D5C-FABB-4B36-8767-3BF69811C364}" destId="{938B9CA9-5A6D-42B0-94F7-33082A37F4E0}" srcOrd="1" destOrd="0" presId="urn:microsoft.com/office/officeart/2005/8/layout/orgChart1"/>
@@ -4725,7 +4725,7 @@
           </a:r>
           <a:r>
             <a:rPr lang="en-US" sz="1400" b="1" kern="1200" dirty="0"/>
-            <a:t>Dataset</a:t>
+            <a:t>Data Asset</a:t>
           </a:r>
           <a:r>
             <a:rPr lang="en-US" sz="1400" kern="1200" dirty="0"/>
@@ -15356,7 +15356,7 @@
           <a:p>
             <a:fld id="{123CBCE9-0914-4950-A986-7596C92667F1}" type="datetime1">
               <a:rPr lang="en-US" smtClean="0"/>
-              <a:t>2/16/22</a:t>
+              <a:t>3/8/2023</a:t>
             </a:fld>
             <a:endParaRPr lang="en-US"/>
           </a:p>
@@ -19896,8 +19896,8 @@
           </a:p>
         </p:txBody>
       </p:sp>
-      <mc:AlternateContent xmlns:mc="http://schemas.openxmlformats.org/markup-compatibility/2006">
-        <mc:Choice xmlns:a14="http://schemas.microsoft.com/office/drawing/2010/main" Requires="a14">
+      <mc:AlternateContent xmlns:mc="http://schemas.openxmlformats.org/markup-compatibility/2006" xmlns:a14="http://schemas.microsoft.com/office/drawing/2010/main">
+        <mc:Choice Requires="a14">
           <p:sp>
             <p:nvSpPr>
               <p:cNvPr id="3" name="Text Placeholder 2">
@@ -20834,7 +20834,7 @@
             </p:txBody>
           </p:sp>
         </mc:Choice>
-        <mc:Fallback>
+        <mc:Fallback xmlns="">
           <p:sp>
             <p:nvSpPr>
               <p:cNvPr id="3" name="Text Placeholder 2">
@@ -22977,7 +22977,7 @@
           <a:graphicData uri="http://schemas.openxmlformats.org/presentationml/2006/ole">
             <mc:AlternateContent xmlns:mc="http://schemas.openxmlformats.org/markup-compatibility/2006">
               <mc:Choice xmlns:v="urn:schemas-microsoft-com:vml" Requires="v">
-                <p:oleObj spid="_x0000_s1140" name="Equation" r:id="rId3" imgW="1333440" imgH="457200" progId="Equation.3">
+                <p:oleObj spid="_x0000_s1142" name="Equation" r:id="rId3" imgW="1333440" imgH="457200" progId="Equation.3">
                   <p:embed/>
                 </p:oleObj>
               </mc:Choice>
@@ -23373,7 +23373,7 @@
           <a:graphicData uri="http://schemas.openxmlformats.org/presentationml/2006/ole">
             <mc:AlternateContent xmlns:mc="http://schemas.openxmlformats.org/markup-compatibility/2006">
               <mc:Choice xmlns:v="urn:schemas-microsoft-com:vml" Requires="v">
-                <p:oleObj spid="_x0000_s1141" name="Equation" r:id="rId5" imgW="1180800" imgH="431640" progId="Equation.3">
+                <p:oleObj spid="_x0000_s1143" name="Equation" r:id="rId5" imgW="1180800" imgH="431640" progId="Equation.3">
                   <p:embed/>
                 </p:oleObj>
               </mc:Choice>
@@ -23755,7 +23755,7 @@
           <a:graphicData uri="http://schemas.openxmlformats.org/presentationml/2006/ole">
             <mc:AlternateContent xmlns:mc="http://schemas.openxmlformats.org/markup-compatibility/2006">
               <mc:Choice xmlns:v="urn:schemas-microsoft-com:vml" Requires="v">
-                <p:oleObj spid="_x0000_s2164" name="Equation" r:id="rId3" imgW="1498320" imgH="482400" progId="Equation.3">
+                <p:oleObj spid="_x0000_s2166" name="Equation" r:id="rId3" imgW="1498320" imgH="482400" progId="Equation.3">
                   <p:embed/>
                 </p:oleObj>
               </mc:Choice>
@@ -23827,7 +23827,7 @@
           <a:graphicData uri="http://schemas.openxmlformats.org/presentationml/2006/ole">
             <mc:AlternateContent xmlns:mc="http://schemas.openxmlformats.org/markup-compatibility/2006">
               <mc:Choice xmlns:v="urn:schemas-microsoft-com:vml" Requires="v">
-                <p:oleObj spid="_x0000_s2165" name="Equation" r:id="rId5" imgW="1663560" imgH="444240" progId="Equation.3">
+                <p:oleObj spid="_x0000_s2167" name="Equation" r:id="rId5" imgW="1663560" imgH="444240" progId="Equation.3">
                   <p:embed/>
                 </p:oleObj>
               </mc:Choice>
@@ -30780,8 +30780,8 @@
           </a:p>
         </p:txBody>
       </p:sp>
-      <mc:AlternateContent xmlns:mc="http://schemas.openxmlformats.org/markup-compatibility/2006">
-        <mc:Choice xmlns:a14="http://schemas.microsoft.com/office/drawing/2010/main" Requires="a14">
+      <mc:AlternateContent xmlns:mc="http://schemas.openxmlformats.org/markup-compatibility/2006" xmlns:a14="http://schemas.microsoft.com/office/drawing/2010/main">
+        <mc:Choice Requires="a14">
           <p:sp>
             <p:nvSpPr>
               <p:cNvPr id="6" name="TextBox 5">
@@ -31530,7 +31530,7 @@
             </p:txBody>
           </p:sp>
         </mc:Choice>
-        <mc:Fallback>
+        <mc:Fallback xmlns="">
           <p:sp>
             <p:nvSpPr>
               <p:cNvPr id="6" name="TextBox 5">
@@ -36547,7 +36547,7 @@
           <p:nvPr>
             <p:extLst>
               <p:ext uri="{D42A27DB-BD31-4B8C-83A1-F6EECF244321}">
-                <p14:modId xmlns:p14="http://schemas.microsoft.com/office/powerpoint/2010/main" val="2355313697"/>
+                <p14:modId xmlns:p14="http://schemas.microsoft.com/office/powerpoint/2010/main" val="435081911"/>
               </p:ext>
             </p:extLst>
           </p:nvPr>

--- a/3 - Machine Learning/MachineLearning.pptx
+++ b/3 - Machine Learning/MachineLearning.pptx
@@ -5,7 +5,7 @@
     <p:sldMasterId id="2147483659" r:id="rId1"/>
   </p:sldMasterIdLst>
   <p:notesMasterIdLst>
-    <p:notesMasterId r:id="rId38"/>
+    <p:notesMasterId r:id="rId39"/>
   </p:notesMasterIdLst>
   <p:sldIdLst>
     <p:sldId id="256" r:id="rId2"/>
@@ -13,79 +13,80 @@
     <p:sldId id="260" r:id="rId4"/>
     <p:sldId id="278" r:id="rId5"/>
     <p:sldId id="285" r:id="rId6"/>
-    <p:sldId id="284" r:id="rId7"/>
-    <p:sldId id="469" r:id="rId8"/>
-    <p:sldId id="283" r:id="rId9"/>
-    <p:sldId id="282" r:id="rId10"/>
-    <p:sldId id="279" r:id="rId11"/>
-    <p:sldId id="280" r:id="rId12"/>
-    <p:sldId id="462" r:id="rId13"/>
-    <p:sldId id="463" r:id="rId14"/>
-    <p:sldId id="470" r:id="rId15"/>
-    <p:sldId id="281" r:id="rId16"/>
-    <p:sldId id="286" r:id="rId17"/>
-    <p:sldId id="289" r:id="rId18"/>
-    <p:sldId id="287" r:id="rId19"/>
-    <p:sldId id="446" r:id="rId20"/>
-    <p:sldId id="447" r:id="rId21"/>
-    <p:sldId id="448" r:id="rId22"/>
-    <p:sldId id="453" r:id="rId23"/>
-    <p:sldId id="455" r:id="rId24"/>
-    <p:sldId id="454" r:id="rId25"/>
-    <p:sldId id="288" r:id="rId26"/>
-    <p:sldId id="290" r:id="rId27"/>
-    <p:sldId id="456" r:id="rId28"/>
-    <p:sldId id="457" r:id="rId29"/>
-    <p:sldId id="460" r:id="rId30"/>
-    <p:sldId id="458" r:id="rId31"/>
-    <p:sldId id="461" r:id="rId32"/>
-    <p:sldId id="459" r:id="rId33"/>
-    <p:sldId id="467" r:id="rId34"/>
-    <p:sldId id="464" r:id="rId35"/>
-    <p:sldId id="466" r:id="rId36"/>
-    <p:sldId id="465" r:id="rId37"/>
+    <p:sldId id="471" r:id="rId7"/>
+    <p:sldId id="284" r:id="rId8"/>
+    <p:sldId id="469" r:id="rId9"/>
+    <p:sldId id="283" r:id="rId10"/>
+    <p:sldId id="282" r:id="rId11"/>
+    <p:sldId id="279" r:id="rId12"/>
+    <p:sldId id="280" r:id="rId13"/>
+    <p:sldId id="462" r:id="rId14"/>
+    <p:sldId id="463" r:id="rId15"/>
+    <p:sldId id="470" r:id="rId16"/>
+    <p:sldId id="281" r:id="rId17"/>
+    <p:sldId id="286" r:id="rId18"/>
+    <p:sldId id="289" r:id="rId19"/>
+    <p:sldId id="287" r:id="rId20"/>
+    <p:sldId id="446" r:id="rId21"/>
+    <p:sldId id="447" r:id="rId22"/>
+    <p:sldId id="448" r:id="rId23"/>
+    <p:sldId id="453" r:id="rId24"/>
+    <p:sldId id="455" r:id="rId25"/>
+    <p:sldId id="454" r:id="rId26"/>
+    <p:sldId id="288" r:id="rId27"/>
+    <p:sldId id="290" r:id="rId28"/>
+    <p:sldId id="456" r:id="rId29"/>
+    <p:sldId id="457" r:id="rId30"/>
+    <p:sldId id="460" r:id="rId31"/>
+    <p:sldId id="458" r:id="rId32"/>
+    <p:sldId id="461" r:id="rId33"/>
+    <p:sldId id="459" r:id="rId34"/>
+    <p:sldId id="467" r:id="rId35"/>
+    <p:sldId id="464" r:id="rId36"/>
+    <p:sldId id="466" r:id="rId37"/>
+    <p:sldId id="465" r:id="rId38"/>
   </p:sldIdLst>
   <p:sldSz cx="9144000" cy="5143500" type="screen16x9"/>
   <p:notesSz cx="6858000" cy="9144000"/>
   <p:embeddedFontLst>
     <p:embeddedFont>
       <p:font typeface="Cambria" panose="02040503050406030204" pitchFamily="18" charset="0"/>
-      <p:regular r:id="rId39"/>
-      <p:bold r:id="rId40"/>
-      <p:italic r:id="rId41"/>
-      <p:boldItalic r:id="rId42"/>
+      <p:regular r:id="rId40"/>
+      <p:bold r:id="rId41"/>
+      <p:italic r:id="rId42"/>
+      <p:boldItalic r:id="rId43"/>
     </p:embeddedFont>
     <p:embeddedFont>
       <p:font typeface="Cambria Math" panose="02040503050406030204" pitchFamily="18" charset="0"/>
-      <p:regular r:id="rId43"/>
+      <p:regular r:id="rId44"/>
     </p:embeddedFont>
     <p:embeddedFont>
       <p:font typeface="Consolas" panose="020B0609020204030204" pitchFamily="49" charset="0"/>
-      <p:regular r:id="rId44"/>
-      <p:bold r:id="rId45"/>
-      <p:italic r:id="rId46"/>
-      <p:boldItalic r:id="rId47"/>
+      <p:regular r:id="rId45"/>
+      <p:bold r:id="rId46"/>
+      <p:italic r:id="rId47"/>
+      <p:boldItalic r:id="rId48"/>
     </p:embeddedFont>
     <p:embeddedFont>
-      <p:font typeface="Lato" panose="020B0604020202020204" charset="0"/>
-      <p:regular r:id="rId48"/>
-      <p:bold r:id="rId49"/>
-      <p:italic r:id="rId50"/>
-      <p:boldItalic r:id="rId51"/>
+      <p:font typeface="Lato" panose="020F0502020204030203" pitchFamily="34" charset="0"/>
+      <p:regular r:id="rId49"/>
+      <p:bold r:id="rId50"/>
+      <p:italic r:id="rId51"/>
+      <p:boldItalic r:id="rId52"/>
     </p:embeddedFont>
     <p:embeddedFont>
-      <p:font typeface="Raleway" panose="020B0604020202020204" charset="0"/>
-      <p:regular r:id="rId52"/>
-      <p:bold r:id="rId53"/>
-      <p:italic r:id="rId54"/>
-      <p:boldItalic r:id="rId55"/>
+      <p:font typeface="Raleway" pitchFamily="2" charset="77"/>
+      <p:regular r:id="rId53"/>
+      <p:bold r:id="rId54"/>
+      <p:italic r:id="rId55"/>
+      <p:boldItalic r:id="rId56"/>
     </p:embeddedFont>
     <p:embeddedFont>
       <p:font typeface="Segoe UI" panose="020B0502040204020203" pitchFamily="34" charset="0"/>
-      <p:regular r:id="rId56"/>
-      <p:bold r:id="rId57"/>
-      <p:italic r:id="rId58"/>
-      <p:boldItalic r:id="rId59"/>
+      <p:regular r:id="rId57"/>
+      <p:bold r:id="rId58"/>
+      <p:italic r:id="rId59"/>
+      <p:boldItalic r:id="rId60"/>
     </p:embeddedFont>
   </p:embeddedFontLst>
   <p:defaultTextStyle>
@@ -2313,12 +2314,12 @@
     <dgm:cxn modelId="{A63ECC29-2820-4062-B1BC-1C91FC33E551}" type="presOf" srcId="{57731373-C80E-4E09-AE92-8009F2922300}" destId="{25062737-8A56-4984-94AB-53248B63EA16}" srcOrd="0" destOrd="0" presId="urn:microsoft.com/office/officeart/2005/8/layout/bProcess3"/>
     <dgm:cxn modelId="{D14D1936-FA5E-4C62-BB7E-035C9D60EFEA}" type="presOf" srcId="{5C60A8DE-8E6B-48E8-B16A-DDDEA8EB18E1}" destId="{A9BC978D-AED0-4E09-BF79-F26E8D1CF4A1}" srcOrd="0" destOrd="0" presId="urn:microsoft.com/office/officeart/2005/8/layout/bProcess3"/>
     <dgm:cxn modelId="{EEE3B83B-8554-467E-A752-7DC252304D85}" type="presOf" srcId="{12429059-AE68-44B6-A08A-166C2A6F1376}" destId="{27649699-B745-4AC1-9D9D-D35BEE6C4113}" srcOrd="0" destOrd="0" presId="urn:microsoft.com/office/officeart/2005/8/layout/bProcess3"/>
-    <dgm:cxn modelId="{4098195F-3CE7-430D-8206-B59D789E3FD7}" type="presOf" srcId="{BEE22CC3-71A8-4FE2-A916-4C37F1A89AFD}" destId="{26C05194-595E-44D1-84CB-2197238A83C4}" srcOrd="0" destOrd="0" presId="urn:microsoft.com/office/officeart/2005/8/layout/bProcess3"/>
     <dgm:cxn modelId="{C4537042-B14B-47D2-94A6-4A6A4F576A77}" srcId="{4410F19C-9AF8-455E-BB49-82795D97D9E4}" destId="{D1424278-B4BF-48FD-BD7F-43BB4198C45E}" srcOrd="2" destOrd="0" parTransId="{025DF95C-27A1-4271-B7CB-6128AB8017B1}" sibTransId="{5E3834B2-A93D-4F9F-A3C4-748C7BCCDB2D}"/>
     <dgm:cxn modelId="{58D40353-3FDE-4676-AD8A-D9EB7DF093A7}" type="presOf" srcId="{4AF74A3F-7DDF-4BAC-8116-E32C06B2F2CC}" destId="{517F039B-46A4-4CED-9BE1-83705535D140}" srcOrd="0" destOrd="0" presId="urn:microsoft.com/office/officeart/2005/8/layout/bProcess3"/>
-    <dgm:cxn modelId="{70881873-E84C-4789-B0ED-F788AC16ECE9}" type="presOf" srcId="{4AF74A3F-7DDF-4BAC-8116-E32C06B2F2CC}" destId="{87AADF7E-62D6-4428-9714-F8C6A8B78AFA}" srcOrd="1" destOrd="0" presId="urn:microsoft.com/office/officeart/2005/8/layout/bProcess3"/>
     <dgm:cxn modelId="{87637D53-BC00-4DB4-99FE-2B7428C56F3D}" type="presOf" srcId="{5E3834B2-A93D-4F9F-A3C4-748C7BCCDB2D}" destId="{058BA394-4F29-4EF1-ABF8-0419C44C1287}" srcOrd="0" destOrd="0" presId="urn:microsoft.com/office/officeart/2005/8/layout/bProcess3"/>
     <dgm:cxn modelId="{ECB0C953-D608-4EF9-AA43-696CEE105F7F}" srcId="{4410F19C-9AF8-455E-BB49-82795D97D9E4}" destId="{5C60A8DE-8E6B-48E8-B16A-DDDEA8EB18E1}" srcOrd="1" destOrd="0" parTransId="{7BBFBABF-6BA4-41E2-951D-E2AB414E5AF3}" sibTransId="{4AF74A3F-7DDF-4BAC-8116-E32C06B2F2CC}"/>
+    <dgm:cxn modelId="{4098195F-3CE7-430D-8206-B59D789E3FD7}" type="presOf" srcId="{BEE22CC3-71A8-4FE2-A916-4C37F1A89AFD}" destId="{26C05194-595E-44D1-84CB-2197238A83C4}" srcOrd="0" destOrd="0" presId="urn:microsoft.com/office/officeart/2005/8/layout/bProcess3"/>
+    <dgm:cxn modelId="{70881873-E84C-4789-B0ED-F788AC16ECE9}" type="presOf" srcId="{4AF74A3F-7DDF-4BAC-8116-E32C06B2F2CC}" destId="{87AADF7E-62D6-4428-9714-F8C6A8B78AFA}" srcOrd="1" destOrd="0" presId="urn:microsoft.com/office/officeart/2005/8/layout/bProcess3"/>
     <dgm:cxn modelId="{FBC47275-6E52-4518-B9C3-A01CA1F204D8}" type="presOf" srcId="{E5FC531C-8865-4E2F-A01F-40309BF4A491}" destId="{D058FE29-7F42-400C-A266-F0C72530FEA6}" srcOrd="1" destOrd="0" presId="urn:microsoft.com/office/officeart/2005/8/layout/bProcess3"/>
     <dgm:cxn modelId="{B48C5A82-F3B4-4A09-8C51-9CE26342DE78}" type="presOf" srcId="{4410F19C-9AF8-455E-BB49-82795D97D9E4}" destId="{4C1C69C1-DAA9-4E29-A4CE-7C992F91D42F}" srcOrd="0" destOrd="0" presId="urn:microsoft.com/office/officeart/2005/8/layout/bProcess3"/>
     <dgm:cxn modelId="{77661E93-7F63-43DB-8F70-F7627385C301}" type="presOf" srcId="{D1424278-B4BF-48FD-BD7F-43BB4198C45E}" destId="{1F977013-8D01-457C-BF74-0007130FF42E}" srcOrd="0" destOrd="0" presId="urn:microsoft.com/office/officeart/2005/8/layout/bProcess3"/>
@@ -4171,6 +4172,13 @@
     <dgm:cxn modelId="{000ABB37-BAF6-45B1-8186-AC4FD34DBD80}" srcId="{B175281C-178F-406D-AE70-093369BD641A}" destId="{FB71929B-753E-4653-8F45-3EEE374AE6CC}" srcOrd="1" destOrd="0" parTransId="{355D9102-6D06-4334-9432-0FFCE7877B70}" sibTransId="{EB7389E2-FAB5-49FD-A383-89550947F9C2}"/>
     <dgm:cxn modelId="{BDE1233A-EA55-459D-89DB-04BB83D384A2}" srcId="{09C3324E-9336-456E-85C7-91CB2EA69F76}" destId="{3A8EEFEE-64FF-4FD1-B643-DA629220C7A0}" srcOrd="0" destOrd="0" parTransId="{C33DDF5E-7E4D-4B95-9051-7E281DF817C1}" sibTransId="{98A38D5B-839E-4671-8170-06750DCCB21A}"/>
     <dgm:cxn modelId="{D113093B-AD6C-4670-B2F3-1EBAAEC8B48E}" srcId="{FB71929B-753E-4653-8F45-3EEE374AE6CC}" destId="{2F42A220-4910-4A31-8F84-5B28FDD5B4ED}" srcOrd="1" destOrd="0" parTransId="{72101D0B-1019-47B1-AA9E-0E38A8371E9F}" sibTransId="{74AA7E7F-8001-405A-A38C-864D01ECA733}"/>
+    <dgm:cxn modelId="{B897B14A-B026-454D-B323-DD3E7265C9CF}" type="presOf" srcId="{9069B342-234C-40F0-AE36-628784B96AD8}" destId="{C6B43F54-4DE6-48F5-9642-DDF69CEC676F}" srcOrd="1" destOrd="0" presId="urn:microsoft.com/office/officeart/2005/8/layout/orgChart1"/>
+    <dgm:cxn modelId="{52CBBD4D-B38A-4DCF-B07A-4CA21413E486}" type="presOf" srcId="{56CA2637-857C-4119-909B-76EA4272DD32}" destId="{A3155A5E-C74C-45B8-BBAE-ABF4C6A45D9F}" srcOrd="1" destOrd="0" presId="urn:microsoft.com/office/officeart/2005/8/layout/orgChart1"/>
+    <dgm:cxn modelId="{8927314E-49D5-4262-9BCE-1A9128D3ED66}" type="presOf" srcId="{9B9D410A-7A9A-416A-9F12-E2403D566ED3}" destId="{F0CDD765-D3BE-43BD-9B4F-67B17C436B43}" srcOrd="1" destOrd="0" presId="urn:microsoft.com/office/officeart/2005/8/layout/orgChart1"/>
+    <dgm:cxn modelId="{E630674E-C191-4EFB-A961-2AB453DA9A89}" type="presOf" srcId="{5A2054A7-EB01-404C-8751-ECB80EEF1ECD}" destId="{479CF454-9913-4664-903D-C4C024A89E7E}" srcOrd="0" destOrd="0" presId="urn:microsoft.com/office/officeart/2005/8/layout/orgChart1"/>
+    <dgm:cxn modelId="{C7036C53-12A7-488F-AA58-F0EFD30403BD}" srcId="{302B97D2-1014-49D0-9622-B223F81CDC43}" destId="{662AA260-FF02-4DAA-AA13-5EB1D1CD32F4}" srcOrd="1" destOrd="0" parTransId="{5A2054A7-EB01-404C-8751-ECB80EEF1ECD}" sibTransId="{F60B1252-C61E-4CA2-AFB8-22DFE2C8862C}"/>
+    <dgm:cxn modelId="{94ABB353-2598-4A0E-A3E4-15A4B81CAF9D}" type="presOf" srcId="{2F42A220-4910-4A31-8F84-5B28FDD5B4ED}" destId="{E400B6D4-5308-4F14-B09D-5804E798C260}" srcOrd="1" destOrd="0" presId="urn:microsoft.com/office/officeart/2005/8/layout/orgChart1"/>
+    <dgm:cxn modelId="{717B2357-16AA-48E0-AF54-9E25FEB66530}" type="presOf" srcId="{6EFF71A3-F6C7-4247-902F-03F1906AF4B5}" destId="{9CC03CAF-0A94-43ED-9C9A-AD72549C7C3E}" srcOrd="0" destOrd="0" presId="urn:microsoft.com/office/officeart/2005/8/layout/orgChart1"/>
     <dgm:cxn modelId="{4016FC5D-0B0D-4D83-90F7-3678559BCB12}" srcId="{F9497423-7787-43BF-A1BE-F44991785509}" destId="{B2960507-5DFE-4AE5-8926-0C45FA5E9053}" srcOrd="0" destOrd="0" parTransId="{8A04D1E6-62FF-427D-86AA-376D0CF6B3B4}" sibTransId="{3987DF88-A0A3-45F4-B49E-FC33CC0B7CF7}"/>
     <dgm:cxn modelId="{3B280C60-47C0-42DA-B237-4AB51F409214}" type="presOf" srcId="{56CA2637-857C-4119-909B-76EA4272DD32}" destId="{542C40A6-7170-4C11-A121-34C6ADC5E028}" srcOrd="0" destOrd="0" presId="urn:microsoft.com/office/officeart/2005/8/layout/orgChart1"/>
     <dgm:cxn modelId="{82348E60-0A89-4CED-9399-C9FBD8814182}" type="presOf" srcId="{CE77F216-7BFD-42E5-A225-35A95FE271BF}" destId="{2CB542B1-2493-4BD2-9146-281EC2143D6E}" srcOrd="0" destOrd="0" presId="urn:microsoft.com/office/officeart/2005/8/layout/orgChart1"/>
@@ -4183,15 +4191,8 @@
     <dgm:cxn modelId="{F5841069-F754-4C2C-8660-431378262C03}" type="presOf" srcId="{50634887-9D04-441A-8E79-0541A92F607A}" destId="{14BE5F11-99D2-446B-9F4A-CE0AA1825208}" srcOrd="1" destOrd="0" presId="urn:microsoft.com/office/officeart/2005/8/layout/orgChart1"/>
     <dgm:cxn modelId="{C3F33B69-A906-41D4-857E-356E72AD4ED4}" srcId="{D82D1971-C486-4E87-8A15-F75DDF0E4844}" destId="{6C3C03FB-37C6-484E-9B68-076CC13622CD}" srcOrd="0" destOrd="0" parTransId="{A386C645-D06C-4261-AF7F-5AB4F14D4978}" sibTransId="{92E7E636-D32C-4AAB-B4CC-2FD64A546BB0}"/>
     <dgm:cxn modelId="{8AC2A06A-7C95-49FC-AAB3-CB0AA8B44B75}" srcId="{9069B342-234C-40F0-AE36-628784B96AD8}" destId="{17B2640D-4177-40D0-9CC6-F484AD058A4A}" srcOrd="0" destOrd="0" parTransId="{2975A251-6964-42E7-8375-87B8635C2199}" sibTransId="{E708A18D-A600-4DB1-A9F9-F21E5713C3A1}"/>
-    <dgm:cxn modelId="{B897B14A-B026-454D-B323-DD3E7265C9CF}" type="presOf" srcId="{9069B342-234C-40F0-AE36-628784B96AD8}" destId="{C6B43F54-4DE6-48F5-9642-DDF69CEC676F}" srcOrd="1" destOrd="0" presId="urn:microsoft.com/office/officeart/2005/8/layout/orgChart1"/>
-    <dgm:cxn modelId="{52CBBD4D-B38A-4DCF-B07A-4CA21413E486}" type="presOf" srcId="{56CA2637-857C-4119-909B-76EA4272DD32}" destId="{A3155A5E-C74C-45B8-BBAE-ABF4C6A45D9F}" srcOrd="1" destOrd="0" presId="urn:microsoft.com/office/officeart/2005/8/layout/orgChart1"/>
-    <dgm:cxn modelId="{8927314E-49D5-4262-9BCE-1A9128D3ED66}" type="presOf" srcId="{9B9D410A-7A9A-416A-9F12-E2403D566ED3}" destId="{F0CDD765-D3BE-43BD-9B4F-67B17C436B43}" srcOrd="1" destOrd="0" presId="urn:microsoft.com/office/officeart/2005/8/layout/orgChart1"/>
-    <dgm:cxn modelId="{E630674E-C191-4EFB-A961-2AB453DA9A89}" type="presOf" srcId="{5A2054A7-EB01-404C-8751-ECB80EEF1ECD}" destId="{479CF454-9913-4664-903D-C4C024A89E7E}" srcOrd="0" destOrd="0" presId="urn:microsoft.com/office/officeart/2005/8/layout/orgChart1"/>
     <dgm:cxn modelId="{B98A7972-B786-4B69-9E7E-BA53A690E9D0}" type="presOf" srcId="{A0589EB2-684A-4614-A8DB-97B038888ED3}" destId="{650D0449-0118-4ED5-8E28-07BC9FB831A8}" srcOrd="0" destOrd="0" presId="urn:microsoft.com/office/officeart/2005/8/layout/orgChart1"/>
-    <dgm:cxn modelId="{C7036C53-12A7-488F-AA58-F0EFD30403BD}" srcId="{302B97D2-1014-49D0-9622-B223F81CDC43}" destId="{662AA260-FF02-4DAA-AA13-5EB1D1CD32F4}" srcOrd="1" destOrd="0" parTransId="{5A2054A7-EB01-404C-8751-ECB80EEF1ECD}" sibTransId="{F60B1252-C61E-4CA2-AFB8-22DFE2C8862C}"/>
-    <dgm:cxn modelId="{94ABB353-2598-4A0E-A3E4-15A4B81CAF9D}" type="presOf" srcId="{2F42A220-4910-4A31-8F84-5B28FDD5B4ED}" destId="{E400B6D4-5308-4F14-B09D-5804E798C260}" srcOrd="1" destOrd="0" presId="urn:microsoft.com/office/officeart/2005/8/layout/orgChart1"/>
     <dgm:cxn modelId="{54C2F573-7CBC-4BCE-940F-283A49644961}" type="presOf" srcId="{09C3324E-9336-456E-85C7-91CB2EA69F76}" destId="{60021657-9451-477A-9A60-43EFCD73E3C6}" srcOrd="0" destOrd="0" presId="urn:microsoft.com/office/officeart/2005/8/layout/orgChart1"/>
-    <dgm:cxn modelId="{717B2357-16AA-48E0-AF54-9E25FEB66530}" type="presOf" srcId="{6EFF71A3-F6C7-4247-902F-03F1906AF4B5}" destId="{9CC03CAF-0A94-43ED-9C9A-AD72549C7C3E}" srcOrd="0" destOrd="0" presId="urn:microsoft.com/office/officeart/2005/8/layout/orgChart1"/>
     <dgm:cxn modelId="{A7041778-F461-4DFE-A6B5-07019907C326}" type="presOf" srcId="{B175281C-178F-406D-AE70-093369BD641A}" destId="{76CB79F9-F49D-4AE9-A7FD-239231C89790}" srcOrd="0" destOrd="0" presId="urn:microsoft.com/office/officeart/2005/8/layout/orgChart1"/>
     <dgm:cxn modelId="{1110397B-F1EA-44CE-9ABF-B5F830C74B4E}" type="presOf" srcId="{D82D1971-C486-4E87-8A15-F75DDF0E4844}" destId="{57D95651-A607-4454-AD5B-C4663C156726}" srcOrd="0" destOrd="0" presId="urn:microsoft.com/office/officeart/2005/8/layout/orgChart1"/>
     <dgm:cxn modelId="{F317587C-0A3A-4F9E-BB5C-797F6265CC63}" type="presOf" srcId="{10CD3D5C-FABB-4B36-8767-3BF69811C364}" destId="{938B9CA9-5A6D-42B0-94F7-33082A37F4E0}" srcOrd="1" destOrd="0" presId="urn:microsoft.com/office/officeart/2005/8/layout/orgChart1"/>
@@ -15356,7 +15357,7 @@
           <a:p>
             <a:fld id="{123CBCE9-0914-4950-A986-7596C92667F1}" type="datetime1">
               <a:rPr lang="en-US" smtClean="0"/>
-              <a:t>3/8/2023</a:t>
+              <a:t>3/27/23</a:t>
             </a:fld>
             <a:endParaRPr lang="en-US"/>
           </a:p>
@@ -17145,6 +17146,103 @@
       </p:grpSpPr>
       <p:pic>
         <p:nvPicPr>
+          <p:cNvPr id="5" name="Picture 4">
+            <a:extLst>
+              <a:ext uri="{FF2B5EF4-FFF2-40B4-BE49-F238E27FC236}">
+                <a16:creationId xmlns:a16="http://schemas.microsoft.com/office/drawing/2014/main" id="{E43E7853-7B88-4BBA-B504-0B43FAFBD658}"/>
+              </a:ext>
+            </a:extLst>
+          </p:cNvPr>
+          <p:cNvPicPr>
+            <a:picLocks noChangeAspect="1"/>
+          </p:cNvPicPr>
+          <p:nvPr/>
+        </p:nvPicPr>
+        <p:blipFill>
+          <a:blip r:embed="rId2"/>
+          <a:stretch>
+            <a:fillRect/>
+          </a:stretch>
+        </p:blipFill>
+        <p:spPr>
+          <a:xfrm>
+            <a:off x="325385" y="0"/>
+            <a:ext cx="8493230" cy="5143500"/>
+          </a:xfrm>
+          <a:prstGeom prst="rect">
+            <a:avLst/>
+          </a:prstGeom>
+        </p:spPr>
+      </p:pic>
+      <p:sp>
+        <p:nvSpPr>
+          <p:cNvPr id="6" name="Rectangle 5">
+            <a:extLst>
+              <a:ext uri="{FF2B5EF4-FFF2-40B4-BE49-F238E27FC236}">
+                <a16:creationId xmlns:a16="http://schemas.microsoft.com/office/drawing/2014/main" id="{DE11953D-8AE5-4F73-A705-D0AA6B5C357B}"/>
+              </a:ext>
+            </a:extLst>
+          </p:cNvPr>
+          <p:cNvSpPr/>
+          <p:nvPr/>
+        </p:nvSpPr>
+        <p:spPr>
+          <a:xfrm>
+            <a:off x="0" y="4404836"/>
+            <a:ext cx="2072201" cy="738664"/>
+          </a:xfrm>
+          <a:prstGeom prst="rect">
+            <a:avLst/>
+          </a:prstGeom>
+        </p:spPr>
+        <p:txBody>
+          <a:bodyPr wrap="square">
+            <a:spAutoFit/>
+          </a:bodyPr>
+          <a:lstStyle/>
+          <a:p>
+            <a:r>
+              <a:rPr lang="en-US" sz="1050" dirty="0">
+                <a:hlinkClick r:id="rId3"/>
+              </a:rPr>
+              <a:t>https://azure.microsoft.com/en-us/solutions/architecture/defect-prevention-with-predictive-maintenance/</a:t>
+            </a:r>
+            <a:endParaRPr lang="en-US" sz="1050" dirty="0"/>
+          </a:p>
+        </p:txBody>
+      </p:sp>
+    </p:spTree>
+    <p:extLst>
+      <p:ext uri="{BB962C8B-B14F-4D97-AF65-F5344CB8AC3E}">
+        <p14:creationId xmlns:p14="http://schemas.microsoft.com/office/powerpoint/2010/main" val="1441410556"/>
+      </p:ext>
+    </p:extLst>
+  </p:cSld>
+  <p:clrMapOvr>
+    <a:masterClrMapping/>
+  </p:clrMapOvr>
+</p:sld>
+</file>
+
+<file path=ppt/slides/slide11.xml><?xml version="1.0" encoding="utf-8"?>
+<p:sld xmlns:a="http://schemas.openxmlformats.org/drawingml/2006/main" xmlns:r="http://schemas.openxmlformats.org/officeDocument/2006/relationships" xmlns:p="http://schemas.openxmlformats.org/presentationml/2006/main">
+  <p:cSld>
+    <p:spTree>
+      <p:nvGrpSpPr>
+        <p:cNvPr id="1" name=""/>
+        <p:cNvGrpSpPr/>
+        <p:nvPr/>
+      </p:nvGrpSpPr>
+      <p:grpSpPr>
+        <a:xfrm>
+          <a:off x="0" y="0"/>
+          <a:ext cx="0" cy="0"/>
+          <a:chOff x="0" y="0"/>
+          <a:chExt cx="0" cy="0"/>
+        </a:xfrm>
+      </p:grpSpPr>
+      <p:pic>
+        <p:nvPicPr>
           <p:cNvPr id="4098" name="Picture 2">
             <a:extLst>
               <a:ext uri="{FF2B5EF4-FFF2-40B4-BE49-F238E27FC236}">
@@ -17243,7 +17341,7 @@
 </p:sld>
 </file>
 
-<file path=ppt/slides/slide11.xml><?xml version="1.0" encoding="utf-8"?>
+<file path=ppt/slides/slide12.xml><?xml version="1.0" encoding="utf-8"?>
 <p:sld xmlns:a="http://schemas.openxmlformats.org/drawingml/2006/main" xmlns:r="http://schemas.openxmlformats.org/officeDocument/2006/relationships" xmlns:p="http://schemas.openxmlformats.org/presentationml/2006/main">
   <p:cSld>
     <p:spTree>
@@ -17356,7 +17454,7 @@
 </p:sld>
 </file>
 
-<file path=ppt/slides/slide12.xml><?xml version="1.0" encoding="utf-8"?>
+<file path=ppt/slides/slide13.xml><?xml version="1.0" encoding="utf-8"?>
 <p:sld xmlns:a="http://schemas.openxmlformats.org/drawingml/2006/main" xmlns:r="http://schemas.openxmlformats.org/officeDocument/2006/relationships" xmlns:p="http://schemas.openxmlformats.org/presentationml/2006/main">
   <p:cSld>
     <p:spTree>
@@ -18611,7 +18709,7 @@
 </p:sld>
 </file>
 
-<file path=ppt/slides/slide13.xml><?xml version="1.0" encoding="utf-8"?>
+<file path=ppt/slides/slide14.xml><?xml version="1.0" encoding="utf-8"?>
 <p:sld xmlns:a="http://schemas.openxmlformats.org/drawingml/2006/main" xmlns:r="http://schemas.openxmlformats.org/officeDocument/2006/relationships" xmlns:p="http://schemas.openxmlformats.org/presentationml/2006/main">
   <p:cSld>
     <p:spTree>
@@ -18826,7 +18924,7 @@
 </p:sld>
 </file>
 
-<file path=ppt/slides/slide14.xml><?xml version="1.0" encoding="utf-8"?>
+<file path=ppt/slides/slide15.xml><?xml version="1.0" encoding="utf-8"?>
 <p:sld xmlns:a="http://schemas.openxmlformats.org/drawingml/2006/main" xmlns:r="http://schemas.openxmlformats.org/officeDocument/2006/relationships" xmlns:p="http://schemas.openxmlformats.org/presentationml/2006/main">
   <p:cSld>
     <p:spTree>
@@ -19654,7 +19752,7 @@
 </p:sld>
 </file>
 
-<file path=ppt/slides/slide15.xml><?xml version="1.0" encoding="utf-8"?>
+<file path=ppt/slides/slide16.xml><?xml version="1.0" encoding="utf-8"?>
 <p:sld xmlns:a="http://schemas.openxmlformats.org/drawingml/2006/main" xmlns:r="http://schemas.openxmlformats.org/officeDocument/2006/relationships" xmlns:p="http://schemas.openxmlformats.org/presentationml/2006/main">
   <p:cSld>
     <p:spTree>
@@ -19851,7 +19949,7 @@
 </p:sld>
 </file>
 
-<file path=ppt/slides/slide16.xml><?xml version="1.0" encoding="utf-8"?>
+<file path=ppt/slides/slide17.xml><?xml version="1.0" encoding="utf-8"?>
 <p:sld xmlns:a="http://schemas.openxmlformats.org/drawingml/2006/main" xmlns:r="http://schemas.openxmlformats.org/officeDocument/2006/relationships" xmlns:p="http://schemas.openxmlformats.org/presentationml/2006/main">
   <p:cSld>
     <p:spTree>
@@ -21236,7 +21334,7 @@
 </p:sld>
 </file>
 
-<file path=ppt/slides/slide17.xml><?xml version="1.0" encoding="utf-8"?>
+<file path=ppt/slides/slide18.xml><?xml version="1.0" encoding="utf-8"?>
 <p:sld xmlns:a="http://schemas.openxmlformats.org/drawingml/2006/main" xmlns:r="http://schemas.openxmlformats.org/officeDocument/2006/relationships" xmlns:p="http://schemas.openxmlformats.org/presentationml/2006/main">
   <p:cSld>
     <p:spTree>
@@ -21996,7 +22094,7 @@
 </p:sld>
 </file>
 
-<file path=ppt/slides/slide18.xml><?xml version="1.0" encoding="utf-8"?>
+<file path=ppt/slides/slide19.xml><?xml version="1.0" encoding="utf-8"?>
 <p:sld xmlns:a="http://schemas.openxmlformats.org/drawingml/2006/main" xmlns:r="http://schemas.openxmlformats.org/officeDocument/2006/relationships" xmlns:p="http://schemas.openxmlformats.org/presentationml/2006/main">
   <p:cSld>
     <p:spTree>
@@ -22208,487 +22306,6 @@
 </p:sld>
 </file>
 
-<file path=ppt/slides/slide19.xml><?xml version="1.0" encoding="utf-8"?>
-<p:sld xmlns:a="http://schemas.openxmlformats.org/drawingml/2006/main" xmlns:r="http://schemas.openxmlformats.org/officeDocument/2006/relationships" xmlns:p="http://schemas.openxmlformats.org/presentationml/2006/main">
-  <p:cSld>
-    <p:spTree>
-      <p:nvGrpSpPr>
-        <p:cNvPr id="1" name=""/>
-        <p:cNvGrpSpPr/>
-        <p:nvPr/>
-      </p:nvGrpSpPr>
-      <p:grpSpPr>
-        <a:xfrm>
-          <a:off x="0" y="0"/>
-          <a:ext cx="0" cy="0"/>
-          <a:chOff x="0" y="0"/>
-          <a:chExt cx="0" cy="0"/>
-        </a:xfrm>
-      </p:grpSpPr>
-      <p:sp>
-        <p:nvSpPr>
-          <p:cNvPr id="346114" name="Rectangle 2"/>
-          <p:cNvSpPr>
-            <a:spLocks noGrp="1" noChangeArrowheads="1"/>
-          </p:cNvSpPr>
-          <p:nvPr>
-            <p:ph type="title"/>
-          </p:nvPr>
-        </p:nvSpPr>
-        <p:spPr/>
-        <p:txBody>
-          <a:bodyPr/>
-          <a:lstStyle/>
-          <a:p>
-            <a:r>
-              <a:rPr lang="tr-TR" dirty="0"/>
-              <a:t>Divide and Conquer</a:t>
-            </a:r>
-          </a:p>
-        </p:txBody>
-      </p:sp>
-      <p:sp>
-        <p:nvSpPr>
-          <p:cNvPr id="5" name="Slide Number Placeholder 4"/>
-          <p:cNvSpPr>
-            <a:spLocks noGrp="1"/>
-          </p:cNvSpPr>
-          <p:nvPr>
-            <p:ph type="sldNum" sz="quarter" idx="12"/>
-          </p:nvPr>
-        </p:nvSpPr>
-        <p:spPr/>
-        <p:txBody>
-          <a:bodyPr>
-            <a:normAutofit/>
-          </a:bodyPr>
-          <a:lstStyle/>
-          <a:p>
-            <a:fld id="{EFD79178-3801-442D-9A2F-5D922A383BA0}" type="slidenum">
-              <a:rPr lang="tr-TR"/>
-              <a:pPr/>
-              <a:t>19</a:t>
-            </a:fld>
-            <a:endParaRPr lang="tr-TR"/>
-          </a:p>
-        </p:txBody>
-      </p:sp>
-      <p:sp>
-        <p:nvSpPr>
-          <p:cNvPr id="346115" name="Rectangle 3"/>
-          <p:cNvSpPr>
-            <a:spLocks noGrp="1" noChangeArrowheads="1"/>
-          </p:cNvSpPr>
-          <p:nvPr>
-            <p:ph sz="quarter" idx="1"/>
-          </p:nvPr>
-        </p:nvSpPr>
-        <p:spPr>
-          <a:xfrm>
-            <a:off x="612648" y="914400"/>
-            <a:ext cx="8153400" cy="3657600"/>
-          </a:xfrm>
-        </p:spPr>
-        <p:txBody>
-          <a:bodyPr/>
-          <a:lstStyle/>
-          <a:p>
-            <a:pPr>
-              <a:lnSpc>
-                <a:spcPct val="90000"/>
-              </a:lnSpc>
-              <a:spcBef>
-                <a:spcPts val="600"/>
-              </a:spcBef>
-            </a:pPr>
-            <a:r>
-              <a:rPr lang="tr-TR" dirty="0">
-                <a:solidFill>
-                  <a:schemeClr val="tx1"/>
-                </a:solidFill>
-                <a:latin typeface="+mj-lt"/>
-              </a:rPr>
-              <a:t>Internal decision nodes</a:t>
-            </a:r>
-          </a:p>
-          <a:p>
-            <a:pPr lvl="1">
-              <a:lnSpc>
-                <a:spcPct val="90000"/>
-              </a:lnSpc>
-              <a:spcBef>
-                <a:spcPts val="600"/>
-              </a:spcBef>
-            </a:pPr>
-            <a:r>
-              <a:rPr lang="tr-TR" sz="1800" dirty="0">
-                <a:solidFill>
-                  <a:schemeClr val="tx1"/>
-                </a:solidFill>
-                <a:latin typeface="+mj-lt"/>
-              </a:rPr>
-              <a:t>Univariate: Uses a single attribute, </a:t>
-            </a:r>
-            <a:r>
-              <a:rPr lang="tr-TR" sz="1800" i="1" dirty="0">
-                <a:solidFill>
-                  <a:schemeClr val="tx1"/>
-                </a:solidFill>
-                <a:latin typeface="+mj-lt"/>
-              </a:rPr>
-              <a:t>x</a:t>
-            </a:r>
-            <a:r>
-              <a:rPr lang="tr-TR" sz="1800" i="1" baseline="-25000" dirty="0">
-                <a:solidFill>
-                  <a:schemeClr val="tx1"/>
-                </a:solidFill>
-                <a:latin typeface="+mj-lt"/>
-              </a:rPr>
-              <a:t>i</a:t>
-            </a:r>
-          </a:p>
-          <a:p>
-            <a:pPr lvl="2">
-              <a:lnSpc>
-                <a:spcPct val="90000"/>
-              </a:lnSpc>
-              <a:spcBef>
-                <a:spcPts val="600"/>
-              </a:spcBef>
-            </a:pPr>
-            <a:r>
-              <a:rPr lang="tr-TR" sz="1800" dirty="0">
-                <a:solidFill>
-                  <a:schemeClr val="tx1"/>
-                </a:solidFill>
-                <a:latin typeface="+mj-lt"/>
-              </a:rPr>
-              <a:t>Numeric </a:t>
-            </a:r>
-            <a:r>
-              <a:rPr lang="tr-TR" sz="1800" i="1" dirty="0">
-                <a:solidFill>
-                  <a:schemeClr val="tx1"/>
-                </a:solidFill>
-                <a:latin typeface="+mj-lt"/>
-              </a:rPr>
-              <a:t>x</a:t>
-            </a:r>
-            <a:r>
-              <a:rPr lang="tr-TR" sz="1800" i="1" baseline="-25000" dirty="0">
-                <a:solidFill>
-                  <a:schemeClr val="tx1"/>
-                </a:solidFill>
-                <a:latin typeface="+mj-lt"/>
-              </a:rPr>
-              <a:t>i</a:t>
-            </a:r>
-            <a:r>
-              <a:rPr lang="tr-TR" sz="1800" dirty="0">
-                <a:solidFill>
-                  <a:schemeClr val="tx1"/>
-                </a:solidFill>
-                <a:latin typeface="+mj-lt"/>
-              </a:rPr>
-              <a:t> : Binary split : </a:t>
-            </a:r>
-            <a:r>
-              <a:rPr lang="tr-TR" sz="1800" i="1" dirty="0">
-                <a:solidFill>
-                  <a:schemeClr val="tx1"/>
-                </a:solidFill>
-                <a:latin typeface="+mj-lt"/>
-              </a:rPr>
-              <a:t>x</a:t>
-            </a:r>
-            <a:r>
-              <a:rPr lang="tr-TR" sz="1800" i="1" baseline="-25000" dirty="0">
-                <a:solidFill>
-                  <a:schemeClr val="tx1"/>
-                </a:solidFill>
-                <a:latin typeface="+mj-lt"/>
-              </a:rPr>
-              <a:t>i</a:t>
-            </a:r>
-            <a:r>
-              <a:rPr lang="tr-TR" sz="1800" dirty="0">
-                <a:solidFill>
-                  <a:schemeClr val="tx1"/>
-                </a:solidFill>
-                <a:latin typeface="+mj-lt"/>
-              </a:rPr>
-              <a:t>  &gt; </a:t>
-            </a:r>
-            <a:r>
-              <a:rPr lang="tr-TR" sz="1800" i="1" dirty="0">
-                <a:solidFill>
-                  <a:schemeClr val="tx1"/>
-                </a:solidFill>
-                <a:latin typeface="+mj-lt"/>
-              </a:rPr>
-              <a:t>w</a:t>
-            </a:r>
-            <a:r>
-              <a:rPr lang="tr-TR" sz="1800" i="1" baseline="-25000" dirty="0">
-                <a:solidFill>
-                  <a:schemeClr val="tx1"/>
-                </a:solidFill>
-                <a:latin typeface="+mj-lt"/>
-              </a:rPr>
-              <a:t>m</a:t>
-            </a:r>
-            <a:endParaRPr lang="tr-TR" sz="1800" dirty="0">
-              <a:solidFill>
-                <a:schemeClr val="tx1"/>
-              </a:solidFill>
-              <a:latin typeface="+mj-lt"/>
-            </a:endParaRPr>
-          </a:p>
-          <a:p>
-            <a:pPr lvl="2">
-              <a:lnSpc>
-                <a:spcPct val="90000"/>
-              </a:lnSpc>
-              <a:spcBef>
-                <a:spcPts val="600"/>
-              </a:spcBef>
-            </a:pPr>
-            <a:r>
-              <a:rPr lang="tr-TR" sz="1800" dirty="0">
-                <a:solidFill>
-                  <a:schemeClr val="tx1"/>
-                </a:solidFill>
-                <a:latin typeface="+mj-lt"/>
-              </a:rPr>
-              <a:t>Discrete </a:t>
-            </a:r>
-            <a:r>
-              <a:rPr lang="tr-TR" sz="1800" i="1" dirty="0">
-                <a:solidFill>
-                  <a:schemeClr val="tx1"/>
-                </a:solidFill>
-                <a:latin typeface="+mj-lt"/>
-              </a:rPr>
-              <a:t>x</a:t>
-            </a:r>
-            <a:r>
-              <a:rPr lang="tr-TR" sz="1800" i="1" baseline="-25000" dirty="0">
-                <a:solidFill>
-                  <a:schemeClr val="tx1"/>
-                </a:solidFill>
-                <a:latin typeface="+mj-lt"/>
-              </a:rPr>
-              <a:t>i</a:t>
-            </a:r>
-            <a:r>
-              <a:rPr lang="tr-TR" sz="1800" dirty="0">
-                <a:solidFill>
-                  <a:schemeClr val="tx1"/>
-                </a:solidFill>
-                <a:latin typeface="+mj-lt"/>
-              </a:rPr>
-              <a:t> : </a:t>
-            </a:r>
-            <a:r>
-              <a:rPr lang="tr-TR" sz="1800" i="1" dirty="0">
-                <a:solidFill>
-                  <a:schemeClr val="tx1"/>
-                </a:solidFill>
-                <a:latin typeface="+mj-lt"/>
-              </a:rPr>
-              <a:t>n</a:t>
-            </a:r>
-            <a:r>
-              <a:rPr lang="tr-TR" sz="1800" dirty="0">
-                <a:solidFill>
-                  <a:schemeClr val="tx1"/>
-                </a:solidFill>
-                <a:latin typeface="+mj-lt"/>
-              </a:rPr>
-              <a:t>-way split for </a:t>
-            </a:r>
-            <a:r>
-              <a:rPr lang="tr-TR" sz="1800" i="1" dirty="0">
-                <a:solidFill>
-                  <a:schemeClr val="tx1"/>
-                </a:solidFill>
-                <a:latin typeface="+mj-lt"/>
-              </a:rPr>
-              <a:t>n</a:t>
-            </a:r>
-            <a:r>
-              <a:rPr lang="tr-TR" sz="1800" dirty="0">
-                <a:solidFill>
-                  <a:schemeClr val="tx1"/>
-                </a:solidFill>
-                <a:latin typeface="+mj-lt"/>
-              </a:rPr>
-              <a:t> possible values</a:t>
-            </a:r>
-            <a:endParaRPr lang="tr-TR" sz="1800" i="1" baseline="-25000" dirty="0">
-              <a:solidFill>
-                <a:schemeClr val="tx1"/>
-              </a:solidFill>
-              <a:latin typeface="+mj-lt"/>
-            </a:endParaRPr>
-          </a:p>
-          <a:p>
-            <a:pPr lvl="1">
-              <a:lnSpc>
-                <a:spcPct val="90000"/>
-              </a:lnSpc>
-              <a:spcBef>
-                <a:spcPts val="600"/>
-              </a:spcBef>
-            </a:pPr>
-            <a:r>
-              <a:rPr lang="tr-TR" sz="1800" dirty="0">
-                <a:solidFill>
-                  <a:schemeClr val="tx1"/>
-                </a:solidFill>
-                <a:latin typeface="+mj-lt"/>
-              </a:rPr>
-              <a:t>Multivariate: Uses all attributes, </a:t>
-            </a:r>
-            <a:r>
-              <a:rPr lang="tr-TR" sz="1800" b="1" i="1" dirty="0">
-                <a:solidFill>
-                  <a:schemeClr val="tx1"/>
-                </a:solidFill>
-                <a:latin typeface="+mj-lt"/>
-              </a:rPr>
-              <a:t>x</a:t>
-            </a:r>
-            <a:endParaRPr lang="tr-TR" sz="1800" b="1" i="1" baseline="-25000" dirty="0">
-              <a:solidFill>
-                <a:schemeClr val="tx1"/>
-              </a:solidFill>
-              <a:latin typeface="+mj-lt"/>
-            </a:endParaRPr>
-          </a:p>
-          <a:p>
-            <a:pPr>
-              <a:lnSpc>
-                <a:spcPct val="90000"/>
-              </a:lnSpc>
-              <a:spcBef>
-                <a:spcPts val="600"/>
-              </a:spcBef>
-            </a:pPr>
-            <a:r>
-              <a:rPr lang="tr-TR" dirty="0">
-                <a:solidFill>
-                  <a:schemeClr val="tx1"/>
-                </a:solidFill>
-                <a:latin typeface="+mj-lt"/>
-              </a:rPr>
-              <a:t>Leaves</a:t>
-            </a:r>
-          </a:p>
-          <a:p>
-            <a:pPr lvl="1">
-              <a:lnSpc>
-                <a:spcPct val="90000"/>
-              </a:lnSpc>
-              <a:spcBef>
-                <a:spcPts val="600"/>
-              </a:spcBef>
-            </a:pPr>
-            <a:r>
-              <a:rPr lang="tr-TR" sz="1800" dirty="0">
-                <a:solidFill>
-                  <a:schemeClr val="tx1"/>
-                </a:solidFill>
-                <a:latin typeface="+mj-lt"/>
-              </a:rPr>
-              <a:t>Classification: Class labels, or proportions</a:t>
-            </a:r>
-          </a:p>
-          <a:p>
-            <a:pPr lvl="1">
-              <a:lnSpc>
-                <a:spcPct val="90000"/>
-              </a:lnSpc>
-              <a:spcBef>
-                <a:spcPts val="600"/>
-              </a:spcBef>
-            </a:pPr>
-            <a:r>
-              <a:rPr lang="tr-TR" sz="1800" dirty="0">
-                <a:solidFill>
-                  <a:schemeClr val="tx1"/>
-                </a:solidFill>
-                <a:latin typeface="+mj-lt"/>
-              </a:rPr>
-              <a:t>Regression: Numeric; </a:t>
-            </a:r>
-            <a:r>
-              <a:rPr lang="tr-TR" sz="1800" i="1" dirty="0">
-                <a:solidFill>
-                  <a:schemeClr val="tx1"/>
-                </a:solidFill>
-                <a:latin typeface="+mj-lt"/>
-              </a:rPr>
-              <a:t>r</a:t>
-            </a:r>
-            <a:r>
-              <a:rPr lang="tr-TR" sz="1800" dirty="0">
-                <a:solidFill>
-                  <a:schemeClr val="tx1"/>
-                </a:solidFill>
-                <a:latin typeface="+mj-lt"/>
-              </a:rPr>
-              <a:t> average, or local fit</a:t>
-            </a:r>
-          </a:p>
-          <a:p>
-            <a:pPr>
-              <a:lnSpc>
-                <a:spcPct val="90000"/>
-              </a:lnSpc>
-              <a:spcBef>
-                <a:spcPts val="600"/>
-              </a:spcBef>
-            </a:pPr>
-            <a:r>
-              <a:rPr lang="tr-TR" dirty="0">
-                <a:solidFill>
-                  <a:schemeClr val="tx1"/>
-                </a:solidFill>
-                <a:latin typeface="+mj-lt"/>
-              </a:rPr>
-              <a:t>Learning is </a:t>
-            </a:r>
-            <a:r>
-              <a:rPr lang="tr-TR" dirty="0">
-                <a:solidFill>
-                  <a:schemeClr val="accent1"/>
-                </a:solidFill>
-                <a:latin typeface="+mj-lt"/>
-              </a:rPr>
-              <a:t>greedy</a:t>
-            </a:r>
-            <a:r>
-              <a:rPr lang="tr-TR" dirty="0">
-                <a:solidFill>
-                  <a:schemeClr val="tx1"/>
-                </a:solidFill>
-                <a:latin typeface="+mj-lt"/>
-              </a:rPr>
-              <a:t>; find the best split recursively (Breiman et al, 1984; Quinlan, 1986, 1993) </a:t>
-            </a:r>
-          </a:p>
-        </p:txBody>
-      </p:sp>
-    </p:spTree>
-  </p:cSld>
-  <p:clrMapOvr>
-    <a:masterClrMapping/>
-  </p:clrMapOvr>
-</p:sld>
-</file>
-
 <file path=ppt/slides/slide2.xml><?xml version="1.0" encoding="utf-8"?>
 <p:sld xmlns:a="http://schemas.openxmlformats.org/drawingml/2006/main" xmlns:r="http://schemas.openxmlformats.org/officeDocument/2006/relationships" xmlns:p="http://schemas.openxmlformats.org/presentationml/2006/main">
   <p:cSld>
@@ -22911,6 +22528,487 @@
       </p:grpSpPr>
       <p:sp>
         <p:nvSpPr>
+          <p:cNvPr id="346114" name="Rectangle 2"/>
+          <p:cNvSpPr>
+            <a:spLocks noGrp="1" noChangeArrowheads="1"/>
+          </p:cNvSpPr>
+          <p:nvPr>
+            <p:ph type="title"/>
+          </p:nvPr>
+        </p:nvSpPr>
+        <p:spPr/>
+        <p:txBody>
+          <a:bodyPr/>
+          <a:lstStyle/>
+          <a:p>
+            <a:r>
+              <a:rPr lang="tr-TR" dirty="0"/>
+              <a:t>Divide and Conquer</a:t>
+            </a:r>
+          </a:p>
+        </p:txBody>
+      </p:sp>
+      <p:sp>
+        <p:nvSpPr>
+          <p:cNvPr id="5" name="Slide Number Placeholder 4"/>
+          <p:cNvSpPr>
+            <a:spLocks noGrp="1"/>
+          </p:cNvSpPr>
+          <p:nvPr>
+            <p:ph type="sldNum" sz="quarter" idx="12"/>
+          </p:nvPr>
+        </p:nvSpPr>
+        <p:spPr/>
+        <p:txBody>
+          <a:bodyPr>
+            <a:normAutofit/>
+          </a:bodyPr>
+          <a:lstStyle/>
+          <a:p>
+            <a:fld id="{EFD79178-3801-442D-9A2F-5D922A383BA0}" type="slidenum">
+              <a:rPr lang="tr-TR"/>
+              <a:pPr/>
+              <a:t>20</a:t>
+            </a:fld>
+            <a:endParaRPr lang="tr-TR"/>
+          </a:p>
+        </p:txBody>
+      </p:sp>
+      <p:sp>
+        <p:nvSpPr>
+          <p:cNvPr id="346115" name="Rectangle 3"/>
+          <p:cNvSpPr>
+            <a:spLocks noGrp="1" noChangeArrowheads="1"/>
+          </p:cNvSpPr>
+          <p:nvPr>
+            <p:ph sz="quarter" idx="1"/>
+          </p:nvPr>
+        </p:nvSpPr>
+        <p:spPr>
+          <a:xfrm>
+            <a:off x="612648" y="914400"/>
+            <a:ext cx="8153400" cy="3657600"/>
+          </a:xfrm>
+        </p:spPr>
+        <p:txBody>
+          <a:bodyPr/>
+          <a:lstStyle/>
+          <a:p>
+            <a:pPr>
+              <a:lnSpc>
+                <a:spcPct val="90000"/>
+              </a:lnSpc>
+              <a:spcBef>
+                <a:spcPts val="600"/>
+              </a:spcBef>
+            </a:pPr>
+            <a:r>
+              <a:rPr lang="tr-TR" dirty="0">
+                <a:solidFill>
+                  <a:schemeClr val="tx1"/>
+                </a:solidFill>
+                <a:latin typeface="+mj-lt"/>
+              </a:rPr>
+              <a:t>Internal decision nodes</a:t>
+            </a:r>
+          </a:p>
+          <a:p>
+            <a:pPr lvl="1">
+              <a:lnSpc>
+                <a:spcPct val="90000"/>
+              </a:lnSpc>
+              <a:spcBef>
+                <a:spcPts val="600"/>
+              </a:spcBef>
+            </a:pPr>
+            <a:r>
+              <a:rPr lang="tr-TR" sz="1800" dirty="0">
+                <a:solidFill>
+                  <a:schemeClr val="tx1"/>
+                </a:solidFill>
+                <a:latin typeface="+mj-lt"/>
+              </a:rPr>
+              <a:t>Univariate: Uses a single attribute, </a:t>
+            </a:r>
+            <a:r>
+              <a:rPr lang="tr-TR" sz="1800" i="1" dirty="0">
+                <a:solidFill>
+                  <a:schemeClr val="tx1"/>
+                </a:solidFill>
+                <a:latin typeface="+mj-lt"/>
+              </a:rPr>
+              <a:t>x</a:t>
+            </a:r>
+            <a:r>
+              <a:rPr lang="tr-TR" sz="1800" i="1" baseline="-25000" dirty="0">
+                <a:solidFill>
+                  <a:schemeClr val="tx1"/>
+                </a:solidFill>
+                <a:latin typeface="+mj-lt"/>
+              </a:rPr>
+              <a:t>i</a:t>
+            </a:r>
+          </a:p>
+          <a:p>
+            <a:pPr lvl="2">
+              <a:lnSpc>
+                <a:spcPct val="90000"/>
+              </a:lnSpc>
+              <a:spcBef>
+                <a:spcPts val="600"/>
+              </a:spcBef>
+            </a:pPr>
+            <a:r>
+              <a:rPr lang="tr-TR" sz="1800" dirty="0">
+                <a:solidFill>
+                  <a:schemeClr val="tx1"/>
+                </a:solidFill>
+                <a:latin typeface="+mj-lt"/>
+              </a:rPr>
+              <a:t>Numeric </a:t>
+            </a:r>
+            <a:r>
+              <a:rPr lang="tr-TR" sz="1800" i="1" dirty="0">
+                <a:solidFill>
+                  <a:schemeClr val="tx1"/>
+                </a:solidFill>
+                <a:latin typeface="+mj-lt"/>
+              </a:rPr>
+              <a:t>x</a:t>
+            </a:r>
+            <a:r>
+              <a:rPr lang="tr-TR" sz="1800" i="1" baseline="-25000" dirty="0">
+                <a:solidFill>
+                  <a:schemeClr val="tx1"/>
+                </a:solidFill>
+                <a:latin typeface="+mj-lt"/>
+              </a:rPr>
+              <a:t>i</a:t>
+            </a:r>
+            <a:r>
+              <a:rPr lang="tr-TR" sz="1800" dirty="0">
+                <a:solidFill>
+                  <a:schemeClr val="tx1"/>
+                </a:solidFill>
+                <a:latin typeface="+mj-lt"/>
+              </a:rPr>
+              <a:t> : Binary split : </a:t>
+            </a:r>
+            <a:r>
+              <a:rPr lang="tr-TR" sz="1800" i="1" dirty="0">
+                <a:solidFill>
+                  <a:schemeClr val="tx1"/>
+                </a:solidFill>
+                <a:latin typeface="+mj-lt"/>
+              </a:rPr>
+              <a:t>x</a:t>
+            </a:r>
+            <a:r>
+              <a:rPr lang="tr-TR" sz="1800" i="1" baseline="-25000" dirty="0">
+                <a:solidFill>
+                  <a:schemeClr val="tx1"/>
+                </a:solidFill>
+                <a:latin typeface="+mj-lt"/>
+              </a:rPr>
+              <a:t>i</a:t>
+            </a:r>
+            <a:r>
+              <a:rPr lang="tr-TR" sz="1800" dirty="0">
+                <a:solidFill>
+                  <a:schemeClr val="tx1"/>
+                </a:solidFill>
+                <a:latin typeface="+mj-lt"/>
+              </a:rPr>
+              <a:t>  &gt; </a:t>
+            </a:r>
+            <a:r>
+              <a:rPr lang="tr-TR" sz="1800" i="1" dirty="0">
+                <a:solidFill>
+                  <a:schemeClr val="tx1"/>
+                </a:solidFill>
+                <a:latin typeface="+mj-lt"/>
+              </a:rPr>
+              <a:t>w</a:t>
+            </a:r>
+            <a:r>
+              <a:rPr lang="tr-TR" sz="1800" i="1" baseline="-25000" dirty="0">
+                <a:solidFill>
+                  <a:schemeClr val="tx1"/>
+                </a:solidFill>
+                <a:latin typeface="+mj-lt"/>
+              </a:rPr>
+              <a:t>m</a:t>
+            </a:r>
+            <a:endParaRPr lang="tr-TR" sz="1800" dirty="0">
+              <a:solidFill>
+                <a:schemeClr val="tx1"/>
+              </a:solidFill>
+              <a:latin typeface="+mj-lt"/>
+            </a:endParaRPr>
+          </a:p>
+          <a:p>
+            <a:pPr lvl="2">
+              <a:lnSpc>
+                <a:spcPct val="90000"/>
+              </a:lnSpc>
+              <a:spcBef>
+                <a:spcPts val="600"/>
+              </a:spcBef>
+            </a:pPr>
+            <a:r>
+              <a:rPr lang="tr-TR" sz="1800" dirty="0">
+                <a:solidFill>
+                  <a:schemeClr val="tx1"/>
+                </a:solidFill>
+                <a:latin typeface="+mj-lt"/>
+              </a:rPr>
+              <a:t>Discrete </a:t>
+            </a:r>
+            <a:r>
+              <a:rPr lang="tr-TR" sz="1800" i="1" dirty="0">
+                <a:solidFill>
+                  <a:schemeClr val="tx1"/>
+                </a:solidFill>
+                <a:latin typeface="+mj-lt"/>
+              </a:rPr>
+              <a:t>x</a:t>
+            </a:r>
+            <a:r>
+              <a:rPr lang="tr-TR" sz="1800" i="1" baseline="-25000" dirty="0">
+                <a:solidFill>
+                  <a:schemeClr val="tx1"/>
+                </a:solidFill>
+                <a:latin typeface="+mj-lt"/>
+              </a:rPr>
+              <a:t>i</a:t>
+            </a:r>
+            <a:r>
+              <a:rPr lang="tr-TR" sz="1800" dirty="0">
+                <a:solidFill>
+                  <a:schemeClr val="tx1"/>
+                </a:solidFill>
+                <a:latin typeface="+mj-lt"/>
+              </a:rPr>
+              <a:t> : </a:t>
+            </a:r>
+            <a:r>
+              <a:rPr lang="tr-TR" sz="1800" i="1" dirty="0">
+                <a:solidFill>
+                  <a:schemeClr val="tx1"/>
+                </a:solidFill>
+                <a:latin typeface="+mj-lt"/>
+              </a:rPr>
+              <a:t>n</a:t>
+            </a:r>
+            <a:r>
+              <a:rPr lang="tr-TR" sz="1800" dirty="0">
+                <a:solidFill>
+                  <a:schemeClr val="tx1"/>
+                </a:solidFill>
+                <a:latin typeface="+mj-lt"/>
+              </a:rPr>
+              <a:t>-way split for </a:t>
+            </a:r>
+            <a:r>
+              <a:rPr lang="tr-TR" sz="1800" i="1" dirty="0">
+                <a:solidFill>
+                  <a:schemeClr val="tx1"/>
+                </a:solidFill>
+                <a:latin typeface="+mj-lt"/>
+              </a:rPr>
+              <a:t>n</a:t>
+            </a:r>
+            <a:r>
+              <a:rPr lang="tr-TR" sz="1800" dirty="0">
+                <a:solidFill>
+                  <a:schemeClr val="tx1"/>
+                </a:solidFill>
+                <a:latin typeface="+mj-lt"/>
+              </a:rPr>
+              <a:t> possible values</a:t>
+            </a:r>
+            <a:endParaRPr lang="tr-TR" sz="1800" i="1" baseline="-25000" dirty="0">
+              <a:solidFill>
+                <a:schemeClr val="tx1"/>
+              </a:solidFill>
+              <a:latin typeface="+mj-lt"/>
+            </a:endParaRPr>
+          </a:p>
+          <a:p>
+            <a:pPr lvl="1">
+              <a:lnSpc>
+                <a:spcPct val="90000"/>
+              </a:lnSpc>
+              <a:spcBef>
+                <a:spcPts val="600"/>
+              </a:spcBef>
+            </a:pPr>
+            <a:r>
+              <a:rPr lang="tr-TR" sz="1800" dirty="0">
+                <a:solidFill>
+                  <a:schemeClr val="tx1"/>
+                </a:solidFill>
+                <a:latin typeface="+mj-lt"/>
+              </a:rPr>
+              <a:t>Multivariate: Uses all attributes, </a:t>
+            </a:r>
+            <a:r>
+              <a:rPr lang="tr-TR" sz="1800" b="1" i="1" dirty="0">
+                <a:solidFill>
+                  <a:schemeClr val="tx1"/>
+                </a:solidFill>
+                <a:latin typeface="+mj-lt"/>
+              </a:rPr>
+              <a:t>x</a:t>
+            </a:r>
+            <a:endParaRPr lang="tr-TR" sz="1800" b="1" i="1" baseline="-25000" dirty="0">
+              <a:solidFill>
+                <a:schemeClr val="tx1"/>
+              </a:solidFill>
+              <a:latin typeface="+mj-lt"/>
+            </a:endParaRPr>
+          </a:p>
+          <a:p>
+            <a:pPr>
+              <a:lnSpc>
+                <a:spcPct val="90000"/>
+              </a:lnSpc>
+              <a:spcBef>
+                <a:spcPts val="600"/>
+              </a:spcBef>
+            </a:pPr>
+            <a:r>
+              <a:rPr lang="tr-TR" dirty="0">
+                <a:solidFill>
+                  <a:schemeClr val="tx1"/>
+                </a:solidFill>
+                <a:latin typeface="+mj-lt"/>
+              </a:rPr>
+              <a:t>Leaves</a:t>
+            </a:r>
+          </a:p>
+          <a:p>
+            <a:pPr lvl="1">
+              <a:lnSpc>
+                <a:spcPct val="90000"/>
+              </a:lnSpc>
+              <a:spcBef>
+                <a:spcPts val="600"/>
+              </a:spcBef>
+            </a:pPr>
+            <a:r>
+              <a:rPr lang="tr-TR" sz="1800" dirty="0">
+                <a:solidFill>
+                  <a:schemeClr val="tx1"/>
+                </a:solidFill>
+                <a:latin typeface="+mj-lt"/>
+              </a:rPr>
+              <a:t>Classification: Class labels, or proportions</a:t>
+            </a:r>
+          </a:p>
+          <a:p>
+            <a:pPr lvl="1">
+              <a:lnSpc>
+                <a:spcPct val="90000"/>
+              </a:lnSpc>
+              <a:spcBef>
+                <a:spcPts val="600"/>
+              </a:spcBef>
+            </a:pPr>
+            <a:r>
+              <a:rPr lang="tr-TR" sz="1800" dirty="0">
+                <a:solidFill>
+                  <a:schemeClr val="tx1"/>
+                </a:solidFill>
+                <a:latin typeface="+mj-lt"/>
+              </a:rPr>
+              <a:t>Regression: Numeric; </a:t>
+            </a:r>
+            <a:r>
+              <a:rPr lang="tr-TR" sz="1800" i="1" dirty="0">
+                <a:solidFill>
+                  <a:schemeClr val="tx1"/>
+                </a:solidFill>
+                <a:latin typeface="+mj-lt"/>
+              </a:rPr>
+              <a:t>r</a:t>
+            </a:r>
+            <a:r>
+              <a:rPr lang="tr-TR" sz="1800" dirty="0">
+                <a:solidFill>
+                  <a:schemeClr val="tx1"/>
+                </a:solidFill>
+                <a:latin typeface="+mj-lt"/>
+              </a:rPr>
+              <a:t> average, or local fit</a:t>
+            </a:r>
+          </a:p>
+          <a:p>
+            <a:pPr>
+              <a:lnSpc>
+                <a:spcPct val="90000"/>
+              </a:lnSpc>
+              <a:spcBef>
+                <a:spcPts val="600"/>
+              </a:spcBef>
+            </a:pPr>
+            <a:r>
+              <a:rPr lang="tr-TR" dirty="0">
+                <a:solidFill>
+                  <a:schemeClr val="tx1"/>
+                </a:solidFill>
+                <a:latin typeface="+mj-lt"/>
+              </a:rPr>
+              <a:t>Learning is </a:t>
+            </a:r>
+            <a:r>
+              <a:rPr lang="tr-TR" dirty="0">
+                <a:solidFill>
+                  <a:schemeClr val="accent1"/>
+                </a:solidFill>
+                <a:latin typeface="+mj-lt"/>
+              </a:rPr>
+              <a:t>greedy</a:t>
+            </a:r>
+            <a:r>
+              <a:rPr lang="tr-TR" dirty="0">
+                <a:solidFill>
+                  <a:schemeClr val="tx1"/>
+                </a:solidFill>
+                <a:latin typeface="+mj-lt"/>
+              </a:rPr>
+              <a:t>; find the best split recursively (Breiman et al, 1984; Quinlan, 1986, 1993) </a:t>
+            </a:r>
+          </a:p>
+        </p:txBody>
+      </p:sp>
+    </p:spTree>
+  </p:cSld>
+  <p:clrMapOvr>
+    <a:masterClrMapping/>
+  </p:clrMapOvr>
+</p:sld>
+</file>
+
+<file path=ppt/slides/slide21.xml><?xml version="1.0" encoding="utf-8"?>
+<p:sld xmlns:a="http://schemas.openxmlformats.org/drawingml/2006/main" xmlns:r="http://schemas.openxmlformats.org/officeDocument/2006/relationships" xmlns:p="http://schemas.openxmlformats.org/presentationml/2006/main">
+  <p:cSld>
+    <p:spTree>
+      <p:nvGrpSpPr>
+        <p:cNvPr id="1" name=""/>
+        <p:cNvGrpSpPr/>
+        <p:nvPr/>
+      </p:nvGrpSpPr>
+      <p:grpSpPr>
+        <a:xfrm>
+          <a:off x="0" y="0"/>
+          <a:ext cx="0" cy="0"/>
+          <a:chOff x="0" y="0"/>
+          <a:chExt cx="0" cy="0"/>
+        </a:xfrm>
+      </p:grpSpPr>
+      <p:sp>
+        <p:nvSpPr>
           <p:cNvPr id="347138" name="Rectangle 2"/>
           <p:cNvSpPr>
             <a:spLocks noGrp="1" noChangeArrowheads="1"/>
@@ -22953,7 +23051,7 @@
             <a:fld id="{F6E1DC87-3DF8-4536-96F3-3C9B9F8DA82B}" type="slidenum">
               <a:rPr lang="tr-TR"/>
               <a:pPr/>
-              <a:t>20</a:t>
+              <a:t>21</a:t>
             </a:fld>
             <a:endParaRPr lang="tr-TR"/>
           </a:p>
@@ -22977,12 +23075,12 @@
           <a:graphicData uri="http://schemas.openxmlformats.org/presentationml/2006/ole">
             <mc:AlternateContent xmlns:mc="http://schemas.openxmlformats.org/markup-compatibility/2006">
               <mc:Choice xmlns:v="urn:schemas-microsoft-com:vml" Requires="v">
-                <p:oleObj spid="_x0000_s1142" name="Equation" r:id="rId3" imgW="1333440" imgH="457200" progId="Equation.3">
+                <p:oleObj name="Equation" r:id="rId2" imgW="1333440" imgH="457200" progId="Equation.3">
                   <p:embed/>
                 </p:oleObj>
               </mc:Choice>
               <mc:Fallback>
-                <p:oleObj name="Equation" r:id="rId3" imgW="1333440" imgH="457200" progId="Equation.3">
+                <p:oleObj name="Equation" r:id="rId2" imgW="1333440" imgH="457200" progId="Equation.3">
                   <p:embed/>
                   <p:pic>
                     <p:nvPicPr>
@@ -22993,7 +23091,7 @@
                       <p:nvPr/>
                     </p:nvPicPr>
                     <p:blipFill>
-                      <a:blip r:embed="rId4">
+                      <a:blip r:embed="rId3">
                         <a:extLst>
                           <a:ext uri="{28A0092B-C50C-407E-A947-70E740481C1C}">
                             <a14:useLocalDpi xmlns:a14="http://schemas.microsoft.com/office/drawing/2010/main" val="0"/>
@@ -23373,12 +23471,12 @@
           <a:graphicData uri="http://schemas.openxmlformats.org/presentationml/2006/ole">
             <mc:AlternateContent xmlns:mc="http://schemas.openxmlformats.org/markup-compatibility/2006">
               <mc:Choice xmlns:v="urn:schemas-microsoft-com:vml" Requires="v">
-                <p:oleObj spid="_x0000_s1143" name="Equation" r:id="rId5" imgW="1180800" imgH="431640" progId="Equation.3">
+                <p:oleObj name="Equation" r:id="rId4" imgW="1180800" imgH="431640" progId="Equation.3">
                   <p:embed/>
                 </p:oleObj>
               </mc:Choice>
               <mc:Fallback>
-                <p:oleObj name="Equation" r:id="rId5" imgW="1180800" imgH="431640" progId="Equation.3">
+                <p:oleObj name="Equation" r:id="rId4" imgW="1180800" imgH="431640" progId="Equation.3">
                   <p:embed/>
                   <p:pic>
                     <p:nvPicPr>
@@ -23389,7 +23487,7 @@
                       <p:nvPr/>
                     </p:nvPicPr>
                     <p:blipFill>
-                      <a:blip r:embed="rId6">
+                      <a:blip r:embed="rId5">
                         <a:extLst>
                           <a:ext uri="{28A0092B-C50C-407E-A947-70E740481C1C}">
                             <a14:useLocalDpi xmlns:a14="http://schemas.microsoft.com/office/drawing/2010/main" val="0"/>
@@ -23436,7 +23534,7 @@
           <p:nvPr/>
         </p:nvPicPr>
         <p:blipFill>
-          <a:blip r:embed="rId7" cstate="print"/>
+          <a:blip r:embed="rId6" cstate="print"/>
           <a:srcRect/>
           <a:stretch>
             <a:fillRect/>
@@ -23468,7 +23566,7 @@
 </p:sld>
 </file>
 
-<file path=ppt/slides/slide21.xml><?xml version="1.0" encoding="utf-8"?>
+<file path=ppt/slides/slide22.xml><?xml version="1.0" encoding="utf-8"?>
 <p:sld xmlns:a="http://schemas.openxmlformats.org/drawingml/2006/main" xmlns:r="http://schemas.openxmlformats.org/officeDocument/2006/relationships" xmlns:p="http://schemas.openxmlformats.org/presentationml/2006/main">
   <p:cSld>
     <p:spTree>
@@ -23731,7 +23829,7 @@
             <a:fld id="{55EF7AAF-5E6B-4622-8B02-2B6C4703C2FB}" type="slidenum">
               <a:rPr lang="tr-TR"/>
               <a:pPr/>
-              <a:t>21</a:t>
+              <a:t>22</a:t>
             </a:fld>
             <a:endParaRPr lang="tr-TR" dirty="0"/>
           </a:p>
@@ -23755,12 +23853,12 @@
           <a:graphicData uri="http://schemas.openxmlformats.org/presentationml/2006/ole">
             <mc:AlternateContent xmlns:mc="http://schemas.openxmlformats.org/markup-compatibility/2006">
               <mc:Choice xmlns:v="urn:schemas-microsoft-com:vml" Requires="v">
-                <p:oleObj spid="_x0000_s2166" name="Equation" r:id="rId3" imgW="1498320" imgH="482400" progId="Equation.3">
+                <p:oleObj name="Equation" r:id="rId2" imgW="1498320" imgH="482400" progId="Equation.3">
                   <p:embed/>
                 </p:oleObj>
               </mc:Choice>
               <mc:Fallback>
-                <p:oleObj name="Equation" r:id="rId3" imgW="1498320" imgH="482400" progId="Equation.3">
+                <p:oleObj name="Equation" r:id="rId2" imgW="1498320" imgH="482400" progId="Equation.3">
                   <p:embed/>
                   <p:pic>
                     <p:nvPicPr>
@@ -23771,7 +23869,7 @@
                       <p:nvPr/>
                     </p:nvPicPr>
                     <p:blipFill>
-                      <a:blip r:embed="rId4">
+                      <a:blip r:embed="rId3">
                         <a:extLst>
                           <a:ext uri="{28A0092B-C50C-407E-A947-70E740481C1C}">
                             <a14:useLocalDpi xmlns:a14="http://schemas.microsoft.com/office/drawing/2010/main" val="0"/>
@@ -23827,12 +23925,12 @@
           <a:graphicData uri="http://schemas.openxmlformats.org/presentationml/2006/ole">
             <mc:AlternateContent xmlns:mc="http://schemas.openxmlformats.org/markup-compatibility/2006">
               <mc:Choice xmlns:v="urn:schemas-microsoft-com:vml" Requires="v">
-                <p:oleObj spid="_x0000_s2167" name="Equation" r:id="rId5" imgW="1663560" imgH="444240" progId="Equation.3">
+                <p:oleObj name="Equation" r:id="rId4" imgW="1663560" imgH="444240" progId="Equation.3">
                   <p:embed/>
                 </p:oleObj>
               </mc:Choice>
               <mc:Fallback>
-                <p:oleObj name="Equation" r:id="rId5" imgW="1663560" imgH="444240" progId="Equation.3">
+                <p:oleObj name="Equation" r:id="rId4" imgW="1663560" imgH="444240" progId="Equation.3">
                   <p:embed/>
                   <p:pic>
                     <p:nvPicPr>
@@ -23843,7 +23941,7 @@
                       <p:nvPr/>
                     </p:nvPicPr>
                     <p:blipFill>
-                      <a:blip r:embed="rId6">
+                      <a:blip r:embed="rId5">
                         <a:extLst>
                           <a:ext uri="{28A0092B-C50C-407E-A947-70E740481C1C}">
                             <a14:useLocalDpi xmlns:a14="http://schemas.microsoft.com/office/drawing/2010/main" val="0"/>
@@ -23889,7 +23987,7 @@
 </p:sld>
 </file>
 
-<file path=ppt/slides/slide22.xml><?xml version="1.0" encoding="utf-8"?>
+<file path=ppt/slides/slide23.xml><?xml version="1.0" encoding="utf-8"?>
 <p:sld xmlns:a="http://schemas.openxmlformats.org/drawingml/2006/main" xmlns:r="http://schemas.openxmlformats.org/officeDocument/2006/relationships" xmlns:p="http://schemas.openxmlformats.org/presentationml/2006/main">
   <p:cSld>
     <p:spTree>
@@ -23948,7 +24046,7 @@
             <a:fld id="{B5F69795-7180-4348-84C5-5ED87E19885F}" type="slidenum">
               <a:rPr lang="tr-TR"/>
               <a:pPr/>
-              <a:t>22</a:t>
+              <a:t>23</a:t>
             </a:fld>
             <a:endParaRPr lang="tr-TR"/>
           </a:p>
@@ -24024,7 +24122,7 @@
 </p:sld>
 </file>
 
-<file path=ppt/slides/slide23.xml><?xml version="1.0" encoding="utf-8"?>
+<file path=ppt/slides/slide24.xml><?xml version="1.0" encoding="utf-8"?>
 <p:sld xmlns:a="http://schemas.openxmlformats.org/drawingml/2006/main" xmlns:r="http://schemas.openxmlformats.org/officeDocument/2006/relationships" xmlns:p="http://schemas.openxmlformats.org/presentationml/2006/main">
   <p:cSld>
     <p:spTree>
@@ -24104,7 +24202,7 @@
 </p:sld>
 </file>
 
-<file path=ppt/slides/slide24.xml><?xml version="1.0" encoding="utf-8"?>
+<file path=ppt/slides/slide25.xml><?xml version="1.0" encoding="utf-8"?>
 <p:sld xmlns:a="http://schemas.openxmlformats.org/drawingml/2006/main" xmlns:r="http://schemas.openxmlformats.org/officeDocument/2006/relationships" xmlns:p="http://schemas.openxmlformats.org/presentationml/2006/main">
   <p:cSld>
     <p:spTree>
@@ -24798,7 +24896,7 @@
 </p:sld>
 </file>
 
-<file path=ppt/slides/slide25.xml><?xml version="1.0" encoding="utf-8"?>
+<file path=ppt/slides/slide26.xml><?xml version="1.0" encoding="utf-8"?>
 <p:sld xmlns:a="http://schemas.openxmlformats.org/drawingml/2006/main" xmlns:r="http://schemas.openxmlformats.org/officeDocument/2006/relationships" xmlns:p="http://schemas.openxmlformats.org/presentationml/2006/main">
   <p:cSld>
     <p:spTree>
@@ -25071,7 +25169,7 @@
 </p:sld>
 </file>
 
-<file path=ppt/slides/slide26.xml><?xml version="1.0" encoding="utf-8"?>
+<file path=ppt/slides/slide27.xml><?xml version="1.0" encoding="utf-8"?>
 <p:sld xmlns:a="http://schemas.openxmlformats.org/drawingml/2006/main" xmlns:r="http://schemas.openxmlformats.org/officeDocument/2006/relationships" xmlns:p="http://schemas.openxmlformats.org/presentationml/2006/main">
   <p:cSld>
     <p:spTree>
@@ -26898,7 +26996,7 @@
 </p:sld>
 </file>
 
-<file path=ppt/slides/slide27.xml><?xml version="1.0" encoding="utf-8"?>
+<file path=ppt/slides/slide28.xml><?xml version="1.0" encoding="utf-8"?>
 <p:sld xmlns:a="http://schemas.openxmlformats.org/drawingml/2006/main" xmlns:r="http://schemas.openxmlformats.org/officeDocument/2006/relationships" xmlns:p="http://schemas.openxmlformats.org/presentationml/2006/main">
   <p:cSld>
     <p:spTree>
@@ -27156,7 +27254,7 @@
 </p:sld>
 </file>
 
-<file path=ppt/slides/slide28.xml><?xml version="1.0" encoding="utf-8"?>
+<file path=ppt/slides/slide29.xml><?xml version="1.0" encoding="utf-8"?>
 <p:sld xmlns:a="http://schemas.openxmlformats.org/drawingml/2006/main" xmlns:r="http://schemas.openxmlformats.org/officeDocument/2006/relationships" xmlns:p="http://schemas.openxmlformats.org/presentationml/2006/main">
   <p:cSld>
     <p:spTree>
@@ -30395,7 +30493,470 @@
 </p:sld>
 </file>
 
-<file path=ppt/slides/slide29.xml><?xml version="1.0" encoding="utf-8"?>
+<file path=ppt/slides/slide3.xml><?xml version="1.0" encoding="utf-8"?>
+<p:sld xmlns:a="http://schemas.openxmlformats.org/drawingml/2006/main" xmlns:r="http://schemas.openxmlformats.org/officeDocument/2006/relationships" xmlns:p="http://schemas.openxmlformats.org/presentationml/2006/main">
+  <p:cSld>
+    <p:spTree>
+      <p:nvGrpSpPr>
+        <p:cNvPr id="1" name="Shape 97"/>
+        <p:cNvGrpSpPr/>
+        <p:nvPr/>
+      </p:nvGrpSpPr>
+      <p:grpSpPr>
+        <a:xfrm>
+          <a:off x="0" y="0"/>
+          <a:ext cx="0" cy="0"/>
+          <a:chOff x="0" y="0"/>
+          <a:chExt cx="0" cy="0"/>
+        </a:xfrm>
+      </p:grpSpPr>
+      <p:sp>
+        <p:nvSpPr>
+          <p:cNvPr id="98" name="Google Shape;98;p17"/>
+          <p:cNvSpPr txBox="1">
+            <a:spLocks noGrp="1"/>
+          </p:cNvSpPr>
+          <p:nvPr>
+            <p:ph type="title"/>
+          </p:nvPr>
+        </p:nvSpPr>
+        <p:spPr>
+          <a:xfrm>
+            <a:off x="2400250" y="575950"/>
+            <a:ext cx="6321600" cy="635400"/>
+          </a:xfrm>
+          <a:prstGeom prst="rect">
+            <a:avLst/>
+          </a:prstGeom>
+        </p:spPr>
+        <p:txBody>
+          <a:bodyPr spcFirstLastPara="1" wrap="square" lIns="91425" tIns="91425" rIns="91425" bIns="91425" anchor="t" anchorCtr="0">
+            <a:noAutofit/>
+          </a:bodyPr>
+          <a:lstStyle/>
+          <a:p>
+            <a:pPr marL="0" lvl="0" indent="0" algn="l" rtl="0">
+              <a:spcBef>
+                <a:spcPts val="0"/>
+              </a:spcBef>
+              <a:spcAft>
+                <a:spcPts val="0"/>
+              </a:spcAft>
+              <a:buNone/>
+            </a:pPr>
+            <a:r>
+              <a:rPr lang="en-US" dirty="0"/>
+              <a:t>Intro to Machine Learning</a:t>
+            </a:r>
+            <a:endParaRPr dirty="0"/>
+          </a:p>
+        </p:txBody>
+      </p:sp>
+      <p:pic>
+        <p:nvPicPr>
+          <p:cNvPr id="3" name="Graphic 2">
+            <a:extLst>
+              <a:ext uri="{FF2B5EF4-FFF2-40B4-BE49-F238E27FC236}">
+                <a16:creationId xmlns:a16="http://schemas.microsoft.com/office/drawing/2014/main" id="{78C8C304-C32B-473B-9148-F975AB8B26E7}"/>
+              </a:ext>
+            </a:extLst>
+          </p:cNvPr>
+          <p:cNvPicPr>
+            <a:picLocks noChangeAspect="1"/>
+          </p:cNvPicPr>
+          <p:nvPr/>
+        </p:nvPicPr>
+        <p:blipFill>
+          <a:blip r:embed="rId3">
+            <a:extLst>
+              <a:ext uri="{96DAC541-7B7A-43D3-8B79-37D633B846F1}">
+                <asvg:svgBlip xmlns:asvg="http://schemas.microsoft.com/office/drawing/2016/SVG/main" r:embed="rId4"/>
+              </a:ext>
+            </a:extLst>
+          </a:blip>
+          <a:stretch>
+            <a:fillRect/>
+          </a:stretch>
+        </p:blipFill>
+        <p:spPr>
+          <a:xfrm>
+            <a:off x="1539875" y="1867003"/>
+            <a:ext cx="1047750" cy="1133475"/>
+          </a:xfrm>
+          <a:prstGeom prst="rect">
+            <a:avLst/>
+          </a:prstGeom>
+        </p:spPr>
+      </p:pic>
+      <p:pic>
+        <p:nvPicPr>
+          <p:cNvPr id="5" name="Graphic 4">
+            <a:extLst>
+              <a:ext uri="{FF2B5EF4-FFF2-40B4-BE49-F238E27FC236}">
+                <a16:creationId xmlns:a16="http://schemas.microsoft.com/office/drawing/2014/main" id="{59B15D61-728B-4CD1-B6B9-F6FF91B69C7D}"/>
+              </a:ext>
+            </a:extLst>
+          </p:cNvPr>
+          <p:cNvPicPr>
+            <a:picLocks noChangeAspect="1"/>
+          </p:cNvPicPr>
+          <p:nvPr/>
+        </p:nvPicPr>
+        <p:blipFill>
+          <a:blip r:embed="rId5">
+            <a:extLst>
+              <a:ext uri="{96DAC541-7B7A-43D3-8B79-37D633B846F1}">
+                <asvg:svgBlip xmlns:asvg="http://schemas.microsoft.com/office/drawing/2016/SVG/main" r:embed="rId6"/>
+              </a:ext>
+            </a:extLst>
+          </a:blip>
+          <a:stretch>
+            <a:fillRect/>
+          </a:stretch>
+        </p:blipFill>
+        <p:spPr>
+          <a:xfrm>
+            <a:off x="4019550" y="1857478"/>
+            <a:ext cx="1104900" cy="1143000"/>
+          </a:xfrm>
+          <a:prstGeom prst="rect">
+            <a:avLst/>
+          </a:prstGeom>
+        </p:spPr>
+      </p:pic>
+      <p:pic>
+        <p:nvPicPr>
+          <p:cNvPr id="8" name="Graphic 7">
+            <a:extLst>
+              <a:ext uri="{FF2B5EF4-FFF2-40B4-BE49-F238E27FC236}">
+                <a16:creationId xmlns:a16="http://schemas.microsoft.com/office/drawing/2014/main" id="{FE6071CA-2A64-493D-991D-9F2BC26A2088}"/>
+              </a:ext>
+            </a:extLst>
+          </p:cNvPr>
+          <p:cNvPicPr>
+            <a:picLocks noChangeAspect="1"/>
+          </p:cNvPicPr>
+          <p:nvPr/>
+        </p:nvPicPr>
+        <p:blipFill>
+          <a:blip r:embed="rId7">
+            <a:extLst>
+              <a:ext uri="{96DAC541-7B7A-43D3-8B79-37D633B846F1}">
+                <asvg:svgBlip xmlns:asvg="http://schemas.microsoft.com/office/drawing/2016/SVG/main" r:embed="rId8"/>
+              </a:ext>
+            </a:extLst>
+          </a:blip>
+          <a:stretch>
+            <a:fillRect/>
+          </a:stretch>
+        </p:blipFill>
+        <p:spPr>
+          <a:xfrm>
+            <a:off x="6556375" y="1852716"/>
+            <a:ext cx="1143000" cy="1143000"/>
+          </a:xfrm>
+          <a:prstGeom prst="rect">
+            <a:avLst/>
+          </a:prstGeom>
+        </p:spPr>
+      </p:pic>
+      <p:sp>
+        <p:nvSpPr>
+          <p:cNvPr id="9" name="TextBox 8">
+            <a:extLst>
+              <a:ext uri="{FF2B5EF4-FFF2-40B4-BE49-F238E27FC236}">
+                <a16:creationId xmlns:a16="http://schemas.microsoft.com/office/drawing/2014/main" id="{91DF9330-039A-4F13-8D49-1DCD1A798668}"/>
+              </a:ext>
+            </a:extLst>
+          </p:cNvPr>
+          <p:cNvSpPr txBox="1"/>
+          <p:nvPr/>
+        </p:nvSpPr>
+        <p:spPr>
+          <a:xfrm>
+            <a:off x="1539875" y="3094141"/>
+            <a:ext cx="1047750" cy="261610"/>
+          </a:xfrm>
+          <a:prstGeom prst="rect">
+            <a:avLst/>
+          </a:prstGeom>
+          <a:noFill/>
+        </p:spPr>
+        <p:txBody>
+          <a:bodyPr wrap="square" rtlCol="0">
+            <a:spAutoFit/>
+          </a:bodyPr>
+          <a:lstStyle/>
+          <a:p>
+            <a:pPr algn="ctr"/>
+            <a:r>
+              <a:rPr lang="en-US" sz="1100" b="1" dirty="0"/>
+              <a:t>Prepare Data</a:t>
+            </a:r>
+          </a:p>
+        </p:txBody>
+      </p:sp>
+      <p:sp>
+        <p:nvSpPr>
+          <p:cNvPr id="11" name="TextBox 10">
+            <a:extLst>
+              <a:ext uri="{FF2B5EF4-FFF2-40B4-BE49-F238E27FC236}">
+                <a16:creationId xmlns:a16="http://schemas.microsoft.com/office/drawing/2014/main" id="{AE5883D3-CF3B-4C5A-B81B-9250E92B2F3D}"/>
+              </a:ext>
+            </a:extLst>
+          </p:cNvPr>
+          <p:cNvSpPr txBox="1"/>
+          <p:nvPr/>
+        </p:nvSpPr>
+        <p:spPr>
+          <a:xfrm>
+            <a:off x="4067175" y="3094141"/>
+            <a:ext cx="1104900" cy="261610"/>
+          </a:xfrm>
+          <a:prstGeom prst="rect">
+            <a:avLst/>
+          </a:prstGeom>
+          <a:noFill/>
+        </p:spPr>
+        <p:txBody>
+          <a:bodyPr wrap="square" rtlCol="0">
+            <a:spAutoFit/>
+          </a:bodyPr>
+          <a:lstStyle/>
+          <a:p>
+            <a:pPr algn="ctr"/>
+            <a:r>
+              <a:rPr lang="en-US" sz="1100" b="1" dirty="0"/>
+              <a:t>Build &amp; Train</a:t>
+            </a:r>
+          </a:p>
+        </p:txBody>
+      </p:sp>
+      <p:sp>
+        <p:nvSpPr>
+          <p:cNvPr id="12" name="TextBox 11">
+            <a:extLst>
+              <a:ext uri="{FF2B5EF4-FFF2-40B4-BE49-F238E27FC236}">
+                <a16:creationId xmlns:a16="http://schemas.microsoft.com/office/drawing/2014/main" id="{40662C72-0E90-44C7-9621-AD55CA9014E1}"/>
+              </a:ext>
+            </a:extLst>
+          </p:cNvPr>
+          <p:cNvSpPr txBox="1"/>
+          <p:nvPr/>
+        </p:nvSpPr>
+        <p:spPr>
+          <a:xfrm>
+            <a:off x="6575425" y="3063651"/>
+            <a:ext cx="1104900" cy="261610"/>
+          </a:xfrm>
+          <a:prstGeom prst="rect">
+            <a:avLst/>
+          </a:prstGeom>
+          <a:noFill/>
+        </p:spPr>
+        <p:txBody>
+          <a:bodyPr wrap="square" rtlCol="0">
+            <a:spAutoFit/>
+          </a:bodyPr>
+          <a:lstStyle/>
+          <a:p>
+            <a:pPr algn="ctr"/>
+            <a:r>
+              <a:rPr lang="en-US" sz="1100" b="1" dirty="0"/>
+              <a:t>Deploy</a:t>
+            </a:r>
+          </a:p>
+        </p:txBody>
+      </p:sp>
+      <p:sp>
+        <p:nvSpPr>
+          <p:cNvPr id="10" name="TextBox 9">
+            <a:extLst>
+              <a:ext uri="{FF2B5EF4-FFF2-40B4-BE49-F238E27FC236}">
+                <a16:creationId xmlns:a16="http://schemas.microsoft.com/office/drawing/2014/main" id="{D3A76173-9DBF-4A7A-8E89-A8C62D35FC07}"/>
+              </a:ext>
+            </a:extLst>
+          </p:cNvPr>
+          <p:cNvSpPr txBox="1"/>
+          <p:nvPr/>
+        </p:nvSpPr>
+        <p:spPr>
+          <a:xfrm>
+            <a:off x="1539875" y="3355751"/>
+            <a:ext cx="1047750" cy="507831"/>
+          </a:xfrm>
+          <a:prstGeom prst="rect">
+            <a:avLst/>
+          </a:prstGeom>
+          <a:noFill/>
+        </p:spPr>
+        <p:txBody>
+          <a:bodyPr wrap="square" rtlCol="0">
+            <a:spAutoFit/>
+          </a:bodyPr>
+          <a:lstStyle/>
+          <a:p>
+            <a:pPr algn="ctr"/>
+            <a:r>
+              <a:rPr lang="en-US" sz="900" dirty="0"/>
+              <a:t>Connect to various sources to ingest data</a:t>
+            </a:r>
+          </a:p>
+        </p:txBody>
+      </p:sp>
+      <p:sp>
+        <p:nvSpPr>
+          <p:cNvPr id="14" name="TextBox 13">
+            <a:extLst>
+              <a:ext uri="{FF2B5EF4-FFF2-40B4-BE49-F238E27FC236}">
+                <a16:creationId xmlns:a16="http://schemas.microsoft.com/office/drawing/2014/main" id="{C05B552E-81DC-4FEC-A143-5C0747DC664E}"/>
+              </a:ext>
+            </a:extLst>
+          </p:cNvPr>
+          <p:cNvSpPr txBox="1"/>
+          <p:nvPr/>
+        </p:nvSpPr>
+        <p:spPr>
+          <a:xfrm>
+            <a:off x="4095750" y="3355751"/>
+            <a:ext cx="1047750" cy="507831"/>
+          </a:xfrm>
+          <a:prstGeom prst="rect">
+            <a:avLst/>
+          </a:prstGeom>
+          <a:noFill/>
+        </p:spPr>
+        <p:txBody>
+          <a:bodyPr wrap="square" rtlCol="0">
+            <a:spAutoFit/>
+          </a:bodyPr>
+          <a:lstStyle/>
+          <a:p>
+            <a:pPr algn="ctr"/>
+            <a:r>
+              <a:rPr lang="en-US" sz="900" dirty="0"/>
+              <a:t>Train with the data to establish a model</a:t>
+            </a:r>
+          </a:p>
+        </p:txBody>
+      </p:sp>
+      <p:sp>
+        <p:nvSpPr>
+          <p:cNvPr id="15" name="TextBox 14">
+            <a:extLst>
+              <a:ext uri="{FF2B5EF4-FFF2-40B4-BE49-F238E27FC236}">
+                <a16:creationId xmlns:a16="http://schemas.microsoft.com/office/drawing/2014/main" id="{80729A86-9638-44D5-8C10-6F278DF707AD}"/>
+              </a:ext>
+            </a:extLst>
+          </p:cNvPr>
+          <p:cNvSpPr txBox="1"/>
+          <p:nvPr/>
+        </p:nvSpPr>
+        <p:spPr>
+          <a:xfrm>
+            <a:off x="6604000" y="3355751"/>
+            <a:ext cx="1047750" cy="507831"/>
+          </a:xfrm>
+          <a:prstGeom prst="rect">
+            <a:avLst/>
+          </a:prstGeom>
+          <a:noFill/>
+        </p:spPr>
+        <p:txBody>
+          <a:bodyPr wrap="square" rtlCol="0">
+            <a:spAutoFit/>
+          </a:bodyPr>
+          <a:lstStyle/>
+          <a:p>
+            <a:pPr algn="ctr"/>
+            <a:r>
+              <a:rPr lang="en-US" sz="900" dirty="0"/>
+              <a:t>Deploy the model and track performance</a:t>
+            </a:r>
+          </a:p>
+        </p:txBody>
+      </p:sp>
+      <p:pic>
+        <p:nvPicPr>
+          <p:cNvPr id="16" name="Graphic 15" descr="Play">
+            <a:extLst>
+              <a:ext uri="{FF2B5EF4-FFF2-40B4-BE49-F238E27FC236}">
+                <a16:creationId xmlns:a16="http://schemas.microsoft.com/office/drawing/2014/main" id="{49536FD1-4803-4922-96C8-044C3502FE51}"/>
+              </a:ext>
+            </a:extLst>
+          </p:cNvPr>
+          <p:cNvPicPr>
+            <a:picLocks noChangeAspect="1"/>
+          </p:cNvPicPr>
+          <p:nvPr/>
+        </p:nvPicPr>
+        <p:blipFill>
+          <a:blip r:embed="rId9">
+            <a:extLst>
+              <a:ext uri="{96DAC541-7B7A-43D3-8B79-37D633B846F1}">
+                <asvg:svgBlip xmlns:asvg="http://schemas.microsoft.com/office/drawing/2016/SVG/main" r:embed="rId10"/>
+              </a:ext>
+            </a:extLst>
+          </a:blip>
+          <a:stretch>
+            <a:fillRect/>
+          </a:stretch>
+        </p:blipFill>
+        <p:spPr>
+          <a:xfrm>
+            <a:off x="2971308" y="2091937"/>
+            <a:ext cx="664558" cy="664558"/>
+          </a:xfrm>
+          <a:prstGeom prst="rect">
+            <a:avLst/>
+          </a:prstGeom>
+        </p:spPr>
+      </p:pic>
+      <p:pic>
+        <p:nvPicPr>
+          <p:cNvPr id="18" name="Graphic 17" descr="Play">
+            <a:extLst>
+              <a:ext uri="{FF2B5EF4-FFF2-40B4-BE49-F238E27FC236}">
+                <a16:creationId xmlns:a16="http://schemas.microsoft.com/office/drawing/2014/main" id="{D4A64896-F3E4-4705-A9C5-AD8C4F02BCF3}"/>
+              </a:ext>
+            </a:extLst>
+          </p:cNvPr>
+          <p:cNvPicPr>
+            <a:picLocks noChangeAspect="1"/>
+          </p:cNvPicPr>
+          <p:nvPr/>
+        </p:nvPicPr>
+        <p:blipFill>
+          <a:blip r:embed="rId9">
+            <a:extLst>
+              <a:ext uri="{96DAC541-7B7A-43D3-8B79-37D633B846F1}">
+                <asvg:svgBlip xmlns:asvg="http://schemas.microsoft.com/office/drawing/2016/SVG/main" r:embed="rId10"/>
+              </a:ext>
+            </a:extLst>
+          </a:blip>
+          <a:stretch>
+            <a:fillRect/>
+          </a:stretch>
+        </p:blipFill>
+        <p:spPr>
+          <a:xfrm>
+            <a:off x="5508133" y="2091937"/>
+            <a:ext cx="664558" cy="664558"/>
+          </a:xfrm>
+          <a:prstGeom prst="rect">
+            <a:avLst/>
+          </a:prstGeom>
+        </p:spPr>
+      </p:pic>
+    </p:spTree>
+  </p:cSld>
+  <p:clrMapOvr>
+    <a:masterClrMapping/>
+  </p:clrMapOvr>
+</p:sld>
+</file>
+
+<file path=ppt/slides/slide30.xml><?xml version="1.0" encoding="utf-8"?>
 <p:sld xmlns:a="http://schemas.openxmlformats.org/drawingml/2006/main" xmlns:r="http://schemas.openxmlformats.org/officeDocument/2006/relationships" xmlns:p="http://schemas.openxmlformats.org/presentationml/2006/main">
   <p:cSld>
     <p:spTree>
@@ -31672,470 +32233,7 @@
 </p:sld>
 </file>
 
-<file path=ppt/slides/slide3.xml><?xml version="1.0" encoding="utf-8"?>
-<p:sld xmlns:a="http://schemas.openxmlformats.org/drawingml/2006/main" xmlns:r="http://schemas.openxmlformats.org/officeDocument/2006/relationships" xmlns:p="http://schemas.openxmlformats.org/presentationml/2006/main">
-  <p:cSld>
-    <p:spTree>
-      <p:nvGrpSpPr>
-        <p:cNvPr id="1" name="Shape 97"/>
-        <p:cNvGrpSpPr/>
-        <p:nvPr/>
-      </p:nvGrpSpPr>
-      <p:grpSpPr>
-        <a:xfrm>
-          <a:off x="0" y="0"/>
-          <a:ext cx="0" cy="0"/>
-          <a:chOff x="0" y="0"/>
-          <a:chExt cx="0" cy="0"/>
-        </a:xfrm>
-      </p:grpSpPr>
-      <p:sp>
-        <p:nvSpPr>
-          <p:cNvPr id="98" name="Google Shape;98;p17"/>
-          <p:cNvSpPr txBox="1">
-            <a:spLocks noGrp="1"/>
-          </p:cNvSpPr>
-          <p:nvPr>
-            <p:ph type="title"/>
-          </p:nvPr>
-        </p:nvSpPr>
-        <p:spPr>
-          <a:xfrm>
-            <a:off x="2400250" y="575950"/>
-            <a:ext cx="6321600" cy="635400"/>
-          </a:xfrm>
-          <a:prstGeom prst="rect">
-            <a:avLst/>
-          </a:prstGeom>
-        </p:spPr>
-        <p:txBody>
-          <a:bodyPr spcFirstLastPara="1" wrap="square" lIns="91425" tIns="91425" rIns="91425" bIns="91425" anchor="t" anchorCtr="0">
-            <a:noAutofit/>
-          </a:bodyPr>
-          <a:lstStyle/>
-          <a:p>
-            <a:pPr marL="0" lvl="0" indent="0" algn="l" rtl="0">
-              <a:spcBef>
-                <a:spcPts val="0"/>
-              </a:spcBef>
-              <a:spcAft>
-                <a:spcPts val="0"/>
-              </a:spcAft>
-              <a:buNone/>
-            </a:pPr>
-            <a:r>
-              <a:rPr lang="en-US" dirty="0"/>
-              <a:t>Intro to Machine Learning</a:t>
-            </a:r>
-            <a:endParaRPr dirty="0"/>
-          </a:p>
-        </p:txBody>
-      </p:sp>
-      <p:pic>
-        <p:nvPicPr>
-          <p:cNvPr id="3" name="Graphic 2">
-            <a:extLst>
-              <a:ext uri="{FF2B5EF4-FFF2-40B4-BE49-F238E27FC236}">
-                <a16:creationId xmlns:a16="http://schemas.microsoft.com/office/drawing/2014/main" id="{78C8C304-C32B-473B-9148-F975AB8B26E7}"/>
-              </a:ext>
-            </a:extLst>
-          </p:cNvPr>
-          <p:cNvPicPr>
-            <a:picLocks noChangeAspect="1"/>
-          </p:cNvPicPr>
-          <p:nvPr/>
-        </p:nvPicPr>
-        <p:blipFill>
-          <a:blip r:embed="rId3">
-            <a:extLst>
-              <a:ext uri="{96DAC541-7B7A-43D3-8B79-37D633B846F1}">
-                <asvg:svgBlip xmlns:asvg="http://schemas.microsoft.com/office/drawing/2016/SVG/main" r:embed="rId4"/>
-              </a:ext>
-            </a:extLst>
-          </a:blip>
-          <a:stretch>
-            <a:fillRect/>
-          </a:stretch>
-        </p:blipFill>
-        <p:spPr>
-          <a:xfrm>
-            <a:off x="1539875" y="1867003"/>
-            <a:ext cx="1047750" cy="1133475"/>
-          </a:xfrm>
-          <a:prstGeom prst="rect">
-            <a:avLst/>
-          </a:prstGeom>
-        </p:spPr>
-      </p:pic>
-      <p:pic>
-        <p:nvPicPr>
-          <p:cNvPr id="5" name="Graphic 4">
-            <a:extLst>
-              <a:ext uri="{FF2B5EF4-FFF2-40B4-BE49-F238E27FC236}">
-                <a16:creationId xmlns:a16="http://schemas.microsoft.com/office/drawing/2014/main" id="{59B15D61-728B-4CD1-B6B9-F6FF91B69C7D}"/>
-              </a:ext>
-            </a:extLst>
-          </p:cNvPr>
-          <p:cNvPicPr>
-            <a:picLocks noChangeAspect="1"/>
-          </p:cNvPicPr>
-          <p:nvPr/>
-        </p:nvPicPr>
-        <p:blipFill>
-          <a:blip r:embed="rId5">
-            <a:extLst>
-              <a:ext uri="{96DAC541-7B7A-43D3-8B79-37D633B846F1}">
-                <asvg:svgBlip xmlns:asvg="http://schemas.microsoft.com/office/drawing/2016/SVG/main" r:embed="rId6"/>
-              </a:ext>
-            </a:extLst>
-          </a:blip>
-          <a:stretch>
-            <a:fillRect/>
-          </a:stretch>
-        </p:blipFill>
-        <p:spPr>
-          <a:xfrm>
-            <a:off x="4019550" y="1857478"/>
-            <a:ext cx="1104900" cy="1143000"/>
-          </a:xfrm>
-          <a:prstGeom prst="rect">
-            <a:avLst/>
-          </a:prstGeom>
-        </p:spPr>
-      </p:pic>
-      <p:pic>
-        <p:nvPicPr>
-          <p:cNvPr id="8" name="Graphic 7">
-            <a:extLst>
-              <a:ext uri="{FF2B5EF4-FFF2-40B4-BE49-F238E27FC236}">
-                <a16:creationId xmlns:a16="http://schemas.microsoft.com/office/drawing/2014/main" id="{FE6071CA-2A64-493D-991D-9F2BC26A2088}"/>
-              </a:ext>
-            </a:extLst>
-          </p:cNvPr>
-          <p:cNvPicPr>
-            <a:picLocks noChangeAspect="1"/>
-          </p:cNvPicPr>
-          <p:nvPr/>
-        </p:nvPicPr>
-        <p:blipFill>
-          <a:blip r:embed="rId7">
-            <a:extLst>
-              <a:ext uri="{96DAC541-7B7A-43D3-8B79-37D633B846F1}">
-                <asvg:svgBlip xmlns:asvg="http://schemas.microsoft.com/office/drawing/2016/SVG/main" r:embed="rId8"/>
-              </a:ext>
-            </a:extLst>
-          </a:blip>
-          <a:stretch>
-            <a:fillRect/>
-          </a:stretch>
-        </p:blipFill>
-        <p:spPr>
-          <a:xfrm>
-            <a:off x="6556375" y="1852716"/>
-            <a:ext cx="1143000" cy="1143000"/>
-          </a:xfrm>
-          <a:prstGeom prst="rect">
-            <a:avLst/>
-          </a:prstGeom>
-        </p:spPr>
-      </p:pic>
-      <p:sp>
-        <p:nvSpPr>
-          <p:cNvPr id="9" name="TextBox 8">
-            <a:extLst>
-              <a:ext uri="{FF2B5EF4-FFF2-40B4-BE49-F238E27FC236}">
-                <a16:creationId xmlns:a16="http://schemas.microsoft.com/office/drawing/2014/main" id="{91DF9330-039A-4F13-8D49-1DCD1A798668}"/>
-              </a:ext>
-            </a:extLst>
-          </p:cNvPr>
-          <p:cNvSpPr txBox="1"/>
-          <p:nvPr/>
-        </p:nvSpPr>
-        <p:spPr>
-          <a:xfrm>
-            <a:off x="1539875" y="3094141"/>
-            <a:ext cx="1047750" cy="261610"/>
-          </a:xfrm>
-          <a:prstGeom prst="rect">
-            <a:avLst/>
-          </a:prstGeom>
-          <a:noFill/>
-        </p:spPr>
-        <p:txBody>
-          <a:bodyPr wrap="square" rtlCol="0">
-            <a:spAutoFit/>
-          </a:bodyPr>
-          <a:lstStyle/>
-          <a:p>
-            <a:pPr algn="ctr"/>
-            <a:r>
-              <a:rPr lang="en-US" sz="1100" b="1" dirty="0"/>
-              <a:t>Prepare Data</a:t>
-            </a:r>
-          </a:p>
-        </p:txBody>
-      </p:sp>
-      <p:sp>
-        <p:nvSpPr>
-          <p:cNvPr id="11" name="TextBox 10">
-            <a:extLst>
-              <a:ext uri="{FF2B5EF4-FFF2-40B4-BE49-F238E27FC236}">
-                <a16:creationId xmlns:a16="http://schemas.microsoft.com/office/drawing/2014/main" id="{AE5883D3-CF3B-4C5A-B81B-9250E92B2F3D}"/>
-              </a:ext>
-            </a:extLst>
-          </p:cNvPr>
-          <p:cNvSpPr txBox="1"/>
-          <p:nvPr/>
-        </p:nvSpPr>
-        <p:spPr>
-          <a:xfrm>
-            <a:off x="4067175" y="3094141"/>
-            <a:ext cx="1104900" cy="261610"/>
-          </a:xfrm>
-          <a:prstGeom prst="rect">
-            <a:avLst/>
-          </a:prstGeom>
-          <a:noFill/>
-        </p:spPr>
-        <p:txBody>
-          <a:bodyPr wrap="square" rtlCol="0">
-            <a:spAutoFit/>
-          </a:bodyPr>
-          <a:lstStyle/>
-          <a:p>
-            <a:pPr algn="ctr"/>
-            <a:r>
-              <a:rPr lang="en-US" sz="1100" b="1" dirty="0"/>
-              <a:t>Build &amp; Train</a:t>
-            </a:r>
-          </a:p>
-        </p:txBody>
-      </p:sp>
-      <p:sp>
-        <p:nvSpPr>
-          <p:cNvPr id="12" name="TextBox 11">
-            <a:extLst>
-              <a:ext uri="{FF2B5EF4-FFF2-40B4-BE49-F238E27FC236}">
-                <a16:creationId xmlns:a16="http://schemas.microsoft.com/office/drawing/2014/main" id="{40662C72-0E90-44C7-9621-AD55CA9014E1}"/>
-              </a:ext>
-            </a:extLst>
-          </p:cNvPr>
-          <p:cNvSpPr txBox="1"/>
-          <p:nvPr/>
-        </p:nvSpPr>
-        <p:spPr>
-          <a:xfrm>
-            <a:off x="6575425" y="3063651"/>
-            <a:ext cx="1104900" cy="261610"/>
-          </a:xfrm>
-          <a:prstGeom prst="rect">
-            <a:avLst/>
-          </a:prstGeom>
-          <a:noFill/>
-        </p:spPr>
-        <p:txBody>
-          <a:bodyPr wrap="square" rtlCol="0">
-            <a:spAutoFit/>
-          </a:bodyPr>
-          <a:lstStyle/>
-          <a:p>
-            <a:pPr algn="ctr"/>
-            <a:r>
-              <a:rPr lang="en-US" sz="1100" b="1" dirty="0"/>
-              <a:t>Deploy</a:t>
-            </a:r>
-          </a:p>
-        </p:txBody>
-      </p:sp>
-      <p:sp>
-        <p:nvSpPr>
-          <p:cNvPr id="10" name="TextBox 9">
-            <a:extLst>
-              <a:ext uri="{FF2B5EF4-FFF2-40B4-BE49-F238E27FC236}">
-                <a16:creationId xmlns:a16="http://schemas.microsoft.com/office/drawing/2014/main" id="{D3A76173-9DBF-4A7A-8E89-A8C62D35FC07}"/>
-              </a:ext>
-            </a:extLst>
-          </p:cNvPr>
-          <p:cNvSpPr txBox="1"/>
-          <p:nvPr/>
-        </p:nvSpPr>
-        <p:spPr>
-          <a:xfrm>
-            <a:off x="1539875" y="3355751"/>
-            <a:ext cx="1047750" cy="507831"/>
-          </a:xfrm>
-          <a:prstGeom prst="rect">
-            <a:avLst/>
-          </a:prstGeom>
-          <a:noFill/>
-        </p:spPr>
-        <p:txBody>
-          <a:bodyPr wrap="square" rtlCol="0">
-            <a:spAutoFit/>
-          </a:bodyPr>
-          <a:lstStyle/>
-          <a:p>
-            <a:pPr algn="ctr"/>
-            <a:r>
-              <a:rPr lang="en-US" sz="900" dirty="0"/>
-              <a:t>Connect to various sources to ingest data</a:t>
-            </a:r>
-          </a:p>
-        </p:txBody>
-      </p:sp>
-      <p:sp>
-        <p:nvSpPr>
-          <p:cNvPr id="14" name="TextBox 13">
-            <a:extLst>
-              <a:ext uri="{FF2B5EF4-FFF2-40B4-BE49-F238E27FC236}">
-                <a16:creationId xmlns:a16="http://schemas.microsoft.com/office/drawing/2014/main" id="{C05B552E-81DC-4FEC-A143-5C0747DC664E}"/>
-              </a:ext>
-            </a:extLst>
-          </p:cNvPr>
-          <p:cNvSpPr txBox="1"/>
-          <p:nvPr/>
-        </p:nvSpPr>
-        <p:spPr>
-          <a:xfrm>
-            <a:off x="4095750" y="3355751"/>
-            <a:ext cx="1047750" cy="507831"/>
-          </a:xfrm>
-          <a:prstGeom prst="rect">
-            <a:avLst/>
-          </a:prstGeom>
-          <a:noFill/>
-        </p:spPr>
-        <p:txBody>
-          <a:bodyPr wrap="square" rtlCol="0">
-            <a:spAutoFit/>
-          </a:bodyPr>
-          <a:lstStyle/>
-          <a:p>
-            <a:pPr algn="ctr"/>
-            <a:r>
-              <a:rPr lang="en-US" sz="900" dirty="0"/>
-              <a:t>Train with the data to establish a model</a:t>
-            </a:r>
-          </a:p>
-        </p:txBody>
-      </p:sp>
-      <p:sp>
-        <p:nvSpPr>
-          <p:cNvPr id="15" name="TextBox 14">
-            <a:extLst>
-              <a:ext uri="{FF2B5EF4-FFF2-40B4-BE49-F238E27FC236}">
-                <a16:creationId xmlns:a16="http://schemas.microsoft.com/office/drawing/2014/main" id="{80729A86-9638-44D5-8C10-6F278DF707AD}"/>
-              </a:ext>
-            </a:extLst>
-          </p:cNvPr>
-          <p:cNvSpPr txBox="1"/>
-          <p:nvPr/>
-        </p:nvSpPr>
-        <p:spPr>
-          <a:xfrm>
-            <a:off x="6604000" y="3355751"/>
-            <a:ext cx="1047750" cy="507831"/>
-          </a:xfrm>
-          <a:prstGeom prst="rect">
-            <a:avLst/>
-          </a:prstGeom>
-          <a:noFill/>
-        </p:spPr>
-        <p:txBody>
-          <a:bodyPr wrap="square" rtlCol="0">
-            <a:spAutoFit/>
-          </a:bodyPr>
-          <a:lstStyle/>
-          <a:p>
-            <a:pPr algn="ctr"/>
-            <a:r>
-              <a:rPr lang="en-US" sz="900" dirty="0"/>
-              <a:t>Deploy the model and track performance</a:t>
-            </a:r>
-          </a:p>
-        </p:txBody>
-      </p:sp>
-      <p:pic>
-        <p:nvPicPr>
-          <p:cNvPr id="16" name="Graphic 15" descr="Play">
-            <a:extLst>
-              <a:ext uri="{FF2B5EF4-FFF2-40B4-BE49-F238E27FC236}">
-                <a16:creationId xmlns:a16="http://schemas.microsoft.com/office/drawing/2014/main" id="{49536FD1-4803-4922-96C8-044C3502FE51}"/>
-              </a:ext>
-            </a:extLst>
-          </p:cNvPr>
-          <p:cNvPicPr>
-            <a:picLocks noChangeAspect="1"/>
-          </p:cNvPicPr>
-          <p:nvPr/>
-        </p:nvPicPr>
-        <p:blipFill>
-          <a:blip r:embed="rId9">
-            <a:extLst>
-              <a:ext uri="{96DAC541-7B7A-43D3-8B79-37D633B846F1}">
-                <asvg:svgBlip xmlns:asvg="http://schemas.microsoft.com/office/drawing/2016/SVG/main" r:embed="rId10"/>
-              </a:ext>
-            </a:extLst>
-          </a:blip>
-          <a:stretch>
-            <a:fillRect/>
-          </a:stretch>
-        </p:blipFill>
-        <p:spPr>
-          <a:xfrm>
-            <a:off x="2971308" y="2091937"/>
-            <a:ext cx="664558" cy="664558"/>
-          </a:xfrm>
-          <a:prstGeom prst="rect">
-            <a:avLst/>
-          </a:prstGeom>
-        </p:spPr>
-      </p:pic>
-      <p:pic>
-        <p:nvPicPr>
-          <p:cNvPr id="18" name="Graphic 17" descr="Play">
-            <a:extLst>
-              <a:ext uri="{FF2B5EF4-FFF2-40B4-BE49-F238E27FC236}">
-                <a16:creationId xmlns:a16="http://schemas.microsoft.com/office/drawing/2014/main" id="{D4A64896-F3E4-4705-A9C5-AD8C4F02BCF3}"/>
-              </a:ext>
-            </a:extLst>
-          </p:cNvPr>
-          <p:cNvPicPr>
-            <a:picLocks noChangeAspect="1"/>
-          </p:cNvPicPr>
-          <p:nvPr/>
-        </p:nvPicPr>
-        <p:blipFill>
-          <a:blip r:embed="rId9">
-            <a:extLst>
-              <a:ext uri="{96DAC541-7B7A-43D3-8B79-37D633B846F1}">
-                <asvg:svgBlip xmlns:asvg="http://schemas.microsoft.com/office/drawing/2016/SVG/main" r:embed="rId10"/>
-              </a:ext>
-            </a:extLst>
-          </a:blip>
-          <a:stretch>
-            <a:fillRect/>
-          </a:stretch>
-        </p:blipFill>
-        <p:spPr>
-          <a:xfrm>
-            <a:off x="5508133" y="2091937"/>
-            <a:ext cx="664558" cy="664558"/>
-          </a:xfrm>
-          <a:prstGeom prst="rect">
-            <a:avLst/>
-          </a:prstGeom>
-        </p:spPr>
-      </p:pic>
-    </p:spTree>
-  </p:cSld>
-  <p:clrMapOvr>
-    <a:masterClrMapping/>
-  </p:clrMapOvr>
-</p:sld>
-</file>
-
-<file path=ppt/slides/slide30.xml><?xml version="1.0" encoding="utf-8"?>
+<file path=ppt/slides/slide31.xml><?xml version="1.0" encoding="utf-8"?>
 <p:sld xmlns:a="http://schemas.openxmlformats.org/drawingml/2006/main" xmlns:r="http://schemas.openxmlformats.org/officeDocument/2006/relationships" xmlns:p="http://schemas.openxmlformats.org/presentationml/2006/main">
   <p:cSld>
     <p:spTree>
@@ -32552,7 +32650,7 @@
 </p:sld>
 </file>
 
-<file path=ppt/slides/slide31.xml><?xml version="1.0" encoding="utf-8"?>
+<file path=ppt/slides/slide32.xml><?xml version="1.0" encoding="utf-8"?>
 <p:sld xmlns:a="http://schemas.openxmlformats.org/drawingml/2006/main" xmlns:r="http://schemas.openxmlformats.org/officeDocument/2006/relationships" xmlns:p="http://schemas.openxmlformats.org/presentationml/2006/main">
   <p:cSld>
     <p:spTree>
@@ -33625,7 +33723,7 @@
 </p:sld>
 </file>
 
-<file path=ppt/slides/slide32.xml><?xml version="1.0" encoding="utf-8"?>
+<file path=ppt/slides/slide33.xml><?xml version="1.0" encoding="utf-8"?>
 <p:sld xmlns:a="http://schemas.openxmlformats.org/drawingml/2006/main" xmlns:r="http://schemas.openxmlformats.org/officeDocument/2006/relationships" xmlns:p="http://schemas.openxmlformats.org/presentationml/2006/main">
   <p:cSld>
     <p:spTree>
@@ -34027,7 +34125,7 @@
 </p:sld>
 </file>
 
-<file path=ppt/slides/slide33.xml><?xml version="1.0" encoding="utf-8"?>
+<file path=ppt/slides/slide34.xml><?xml version="1.0" encoding="utf-8"?>
 <p:sld xmlns:a="http://schemas.openxmlformats.org/drawingml/2006/main" xmlns:r="http://schemas.openxmlformats.org/officeDocument/2006/relationships" xmlns:p="http://schemas.openxmlformats.org/presentationml/2006/main">
   <p:cSld>
     <p:spTree>
@@ -34473,7 +34571,7 @@
 </p:sld>
 </file>
 
-<file path=ppt/slides/slide34.xml><?xml version="1.0" encoding="utf-8"?>
+<file path=ppt/slides/slide35.xml><?xml version="1.0" encoding="utf-8"?>
 <p:sld xmlns:a="http://schemas.openxmlformats.org/drawingml/2006/main" xmlns:r="http://schemas.openxmlformats.org/officeDocument/2006/relationships" xmlns:p="http://schemas.openxmlformats.org/presentationml/2006/main">
   <p:cSld>
     <p:spTree>
@@ -34691,7 +34789,7 @@
 </p:sld>
 </file>
 
-<file path=ppt/slides/slide35.xml><?xml version="1.0" encoding="utf-8"?>
+<file path=ppt/slides/slide36.xml><?xml version="1.0" encoding="utf-8"?>
 <p:sld xmlns:a="http://schemas.openxmlformats.org/drawingml/2006/main" xmlns:r="http://schemas.openxmlformats.org/officeDocument/2006/relationships" xmlns:p="http://schemas.openxmlformats.org/presentationml/2006/main">
   <p:cSld>
     <p:spTree>
@@ -34786,7 +34884,7 @@
 </p:sld>
 </file>
 
-<file path=ppt/slides/slide36.xml><?xml version="1.0" encoding="utf-8"?>
+<file path=ppt/slides/slide37.xml><?xml version="1.0" encoding="utf-8"?>
 <p:sld xmlns:a="http://schemas.openxmlformats.org/drawingml/2006/main" xmlns:r="http://schemas.openxmlformats.org/officeDocument/2006/relationships" xmlns:p="http://schemas.openxmlformats.org/presentationml/2006/main">
   <p:cSld>
     <p:spTree>
@@ -36341,6 +36439,108 @@
           <p:cNvPr id="2" name="Title 1">
             <a:extLst>
               <a:ext uri="{FF2B5EF4-FFF2-40B4-BE49-F238E27FC236}">
+                <a16:creationId xmlns:a16="http://schemas.microsoft.com/office/drawing/2014/main" id="{D8C70518-38E2-97B3-8D60-7DA62A6763C3}"/>
+              </a:ext>
+            </a:extLst>
+          </p:cNvPr>
+          <p:cNvSpPr>
+            <a:spLocks noGrp="1"/>
+          </p:cNvSpPr>
+          <p:nvPr>
+            <p:ph type="title"/>
+          </p:nvPr>
+        </p:nvSpPr>
+        <p:spPr/>
+        <p:txBody>
+          <a:bodyPr/>
+          <a:lstStyle/>
+          <a:p>
+            <a:endParaRPr lang="en-US"/>
+          </a:p>
+        </p:txBody>
+      </p:sp>
+      <p:pic>
+        <p:nvPicPr>
+          <p:cNvPr id="1026" name="Picture 2">
+            <a:extLst>
+              <a:ext uri="{FF2B5EF4-FFF2-40B4-BE49-F238E27FC236}">
+                <a16:creationId xmlns:a16="http://schemas.microsoft.com/office/drawing/2014/main" id="{32C3051B-CF21-ABD7-5E4A-0907CED2229E}"/>
+              </a:ext>
+            </a:extLst>
+          </p:cNvPr>
+          <p:cNvPicPr>
+            <a:picLocks noChangeAspect="1" noChangeArrowheads="1"/>
+          </p:cNvPicPr>
+          <p:nvPr/>
+        </p:nvPicPr>
+        <p:blipFill>
+          <a:blip r:embed="rId2">
+            <a:extLst>
+              <a:ext uri="{28A0092B-C50C-407E-A947-70E740481C1C}">
+                <a14:useLocalDpi xmlns:a14="http://schemas.microsoft.com/office/drawing/2010/main" val="0"/>
+              </a:ext>
+            </a:extLst>
+          </a:blip>
+          <a:srcRect/>
+          <a:stretch>
+            <a:fillRect/>
+          </a:stretch>
+        </p:blipFill>
+        <p:spPr bwMode="auto">
+          <a:xfrm>
+            <a:off x="696913" y="0"/>
+            <a:ext cx="8447087" cy="5143500"/>
+          </a:xfrm>
+          <a:prstGeom prst="rect">
+            <a:avLst/>
+          </a:prstGeom>
+          <a:noFill/>
+          <a:extLst>
+            <a:ext uri="{909E8E84-426E-40DD-AFC4-6F175D3DCCD1}">
+              <a14:hiddenFill xmlns:a14="http://schemas.microsoft.com/office/drawing/2010/main">
+                <a:solidFill>
+                  <a:srgbClr val="FFFFFF"/>
+                </a:solidFill>
+              </a14:hiddenFill>
+            </a:ext>
+          </a:extLst>
+        </p:spPr>
+      </p:pic>
+    </p:spTree>
+    <p:extLst>
+      <p:ext uri="{BB962C8B-B14F-4D97-AF65-F5344CB8AC3E}">
+        <p14:creationId xmlns:p14="http://schemas.microsoft.com/office/powerpoint/2010/main" val="2016604064"/>
+      </p:ext>
+    </p:extLst>
+  </p:cSld>
+  <p:clrMapOvr>
+    <a:masterClrMapping/>
+  </p:clrMapOvr>
+</p:sld>
+</file>
+
+<file path=ppt/slides/slide7.xml><?xml version="1.0" encoding="utf-8"?>
+<p:sld xmlns:a="http://schemas.openxmlformats.org/drawingml/2006/main" xmlns:r="http://schemas.openxmlformats.org/officeDocument/2006/relationships" xmlns:p="http://schemas.openxmlformats.org/presentationml/2006/main">
+  <p:cSld>
+    <p:spTree>
+      <p:nvGrpSpPr>
+        <p:cNvPr id="1" name=""/>
+        <p:cNvGrpSpPr/>
+        <p:nvPr/>
+      </p:nvGrpSpPr>
+      <p:grpSpPr>
+        <a:xfrm>
+          <a:off x="0" y="0"/>
+          <a:ext cx="0" cy="0"/>
+          <a:chOff x="0" y="0"/>
+          <a:chExt cx="0" cy="0"/>
+        </a:xfrm>
+      </p:grpSpPr>
+      <p:sp>
+        <p:nvSpPr>
+          <p:cNvPr id="2" name="Title 1">
+            <a:extLst>
+              <a:ext uri="{FF2B5EF4-FFF2-40B4-BE49-F238E27FC236}">
                 <a16:creationId xmlns:a16="http://schemas.microsoft.com/office/drawing/2014/main" id="{619BD73D-0754-4EEE-9672-573C08A655F4}"/>
               </a:ext>
             </a:extLst>
@@ -36484,7 +36684,7 @@
 </p:sld>
 </file>
 
-<file path=ppt/slides/slide7.xml><?xml version="1.0" encoding="utf-8"?>
+<file path=ppt/slides/slide8.xml><?xml version="1.0" encoding="utf-8"?>
 <p:sld xmlns:a="http://schemas.openxmlformats.org/drawingml/2006/main" xmlns:r="http://schemas.openxmlformats.org/officeDocument/2006/relationships" xmlns:p="http://schemas.openxmlformats.org/presentationml/2006/main">
   <p:cSld>
     <p:spTree>
@@ -36614,7 +36814,7 @@
 </p:sld>
 </file>
 
-<file path=ppt/slides/slide8.xml><?xml version="1.0" encoding="utf-8"?>
+<file path=ppt/slides/slide9.xml><?xml version="1.0" encoding="utf-8"?>
 <p:sld xmlns:a="http://schemas.openxmlformats.org/drawingml/2006/main" xmlns:r="http://schemas.openxmlformats.org/officeDocument/2006/relationships" xmlns:p="http://schemas.openxmlformats.org/presentationml/2006/main">
   <p:cSld>
     <p:spTree>
@@ -36702,103 +36902,6 @@
     <p:extLst>
       <p:ext uri="{BB962C8B-B14F-4D97-AF65-F5344CB8AC3E}">
         <p14:creationId xmlns:p14="http://schemas.microsoft.com/office/powerpoint/2010/main" val="3036685691"/>
-      </p:ext>
-    </p:extLst>
-  </p:cSld>
-  <p:clrMapOvr>
-    <a:masterClrMapping/>
-  </p:clrMapOvr>
-</p:sld>
-</file>
-
-<file path=ppt/slides/slide9.xml><?xml version="1.0" encoding="utf-8"?>
-<p:sld xmlns:a="http://schemas.openxmlformats.org/drawingml/2006/main" xmlns:r="http://schemas.openxmlformats.org/officeDocument/2006/relationships" xmlns:p="http://schemas.openxmlformats.org/presentationml/2006/main">
-  <p:cSld>
-    <p:spTree>
-      <p:nvGrpSpPr>
-        <p:cNvPr id="1" name=""/>
-        <p:cNvGrpSpPr/>
-        <p:nvPr/>
-      </p:nvGrpSpPr>
-      <p:grpSpPr>
-        <a:xfrm>
-          <a:off x="0" y="0"/>
-          <a:ext cx="0" cy="0"/>
-          <a:chOff x="0" y="0"/>
-          <a:chExt cx="0" cy="0"/>
-        </a:xfrm>
-      </p:grpSpPr>
-      <p:pic>
-        <p:nvPicPr>
-          <p:cNvPr id="5" name="Picture 4">
-            <a:extLst>
-              <a:ext uri="{FF2B5EF4-FFF2-40B4-BE49-F238E27FC236}">
-                <a16:creationId xmlns:a16="http://schemas.microsoft.com/office/drawing/2014/main" id="{E43E7853-7B88-4BBA-B504-0B43FAFBD658}"/>
-              </a:ext>
-            </a:extLst>
-          </p:cNvPr>
-          <p:cNvPicPr>
-            <a:picLocks noChangeAspect="1"/>
-          </p:cNvPicPr>
-          <p:nvPr/>
-        </p:nvPicPr>
-        <p:blipFill>
-          <a:blip r:embed="rId2"/>
-          <a:stretch>
-            <a:fillRect/>
-          </a:stretch>
-        </p:blipFill>
-        <p:spPr>
-          <a:xfrm>
-            <a:off x="325385" y="0"/>
-            <a:ext cx="8493230" cy="5143500"/>
-          </a:xfrm>
-          <a:prstGeom prst="rect">
-            <a:avLst/>
-          </a:prstGeom>
-        </p:spPr>
-      </p:pic>
-      <p:sp>
-        <p:nvSpPr>
-          <p:cNvPr id="6" name="Rectangle 5">
-            <a:extLst>
-              <a:ext uri="{FF2B5EF4-FFF2-40B4-BE49-F238E27FC236}">
-                <a16:creationId xmlns:a16="http://schemas.microsoft.com/office/drawing/2014/main" id="{DE11953D-8AE5-4F73-A705-D0AA6B5C357B}"/>
-              </a:ext>
-            </a:extLst>
-          </p:cNvPr>
-          <p:cNvSpPr/>
-          <p:nvPr/>
-        </p:nvSpPr>
-        <p:spPr>
-          <a:xfrm>
-            <a:off x="0" y="4404836"/>
-            <a:ext cx="2072201" cy="738664"/>
-          </a:xfrm>
-          <a:prstGeom prst="rect">
-            <a:avLst/>
-          </a:prstGeom>
-        </p:spPr>
-        <p:txBody>
-          <a:bodyPr wrap="square">
-            <a:spAutoFit/>
-          </a:bodyPr>
-          <a:lstStyle/>
-          <a:p>
-            <a:r>
-              <a:rPr lang="en-US" sz="1050" dirty="0">
-                <a:hlinkClick r:id="rId3"/>
-              </a:rPr>
-              <a:t>https://azure.microsoft.com/en-us/solutions/architecture/defect-prevention-with-predictive-maintenance/</a:t>
-            </a:r>
-            <a:endParaRPr lang="en-US" sz="1050" dirty="0"/>
-          </a:p>
-        </p:txBody>
-      </p:sp>
-    </p:spTree>
-    <p:extLst>
-      <p:ext uri="{BB962C8B-B14F-4D97-AF65-F5344CB8AC3E}">
-        <p14:creationId xmlns:p14="http://schemas.microsoft.com/office/powerpoint/2010/main" val="1441410556"/>
       </p:ext>
     </p:extLst>
   </p:cSld>
